--- a/pegasus/sites.v3/code.org/public/files/computer_science_advocacy.pptx
+++ b/pegasus/sites.v3/code.org/public/files/computer_science_advocacy.pptx
@@ -723,7 +723,7 @@
           <a:p>
             <a:fld id="{DBF07D2D-D193-49EA-AA40-D0161EE95780}" type="datetimeFigureOut">
               <a:rPr lang="en-US" smtClean="0"/>
-              <a:t>11/30/15</a:t>
+              <a:t>12/2/15</a:t>
             </a:fld>
             <a:endParaRPr lang="en-US"/>
           </a:p>
@@ -44359,150 +44359,6 @@
       </p:grpSp>
       <p:sp>
         <p:nvSpPr>
-          <p:cNvPr id="83" name="Rectangle 82"/>
-          <p:cNvSpPr/>
-          <p:nvPr/>
-        </p:nvSpPr>
-        <p:spPr>
-          <a:xfrm>
-            <a:off x="677336" y="1974365"/>
-            <a:ext cx="1636889" cy="2107259"/>
-          </a:xfrm>
-          <a:prstGeom prst="rect">
-            <a:avLst/>
-          </a:prstGeom>
-          <a:solidFill>
-            <a:schemeClr val="bg1">
-              <a:alpha val="82000"/>
-            </a:schemeClr>
-          </a:solidFill>
-          <a:ln>
-            <a:noFill/>
-          </a:ln>
-        </p:spPr>
-        <p:style>
-          <a:lnRef idx="2">
-            <a:schemeClr val="accent1">
-              <a:shade val="50000"/>
-            </a:schemeClr>
-          </a:lnRef>
-          <a:fillRef idx="1">
-            <a:schemeClr val="accent1"/>
-          </a:fillRef>
-          <a:effectRef idx="0">
-            <a:schemeClr val="accent1"/>
-          </a:effectRef>
-          <a:fontRef idx="minor">
-            <a:schemeClr val="lt1"/>
-          </a:fontRef>
-        </p:style>
-        <p:txBody>
-          <a:bodyPr rtlCol="0" anchor="ctr"/>
-          <a:lstStyle/>
-          <a:p>
-            <a:pPr algn="ctr"/>
-            <a:endParaRPr lang="en-US"/>
-          </a:p>
-        </p:txBody>
-      </p:sp>
-      <p:sp>
-        <p:nvSpPr>
-          <p:cNvPr id="86" name="Rectangle 85"/>
-          <p:cNvSpPr/>
-          <p:nvPr/>
-        </p:nvSpPr>
-        <p:spPr>
-          <a:xfrm>
-            <a:off x="3877735" y="1976873"/>
-            <a:ext cx="1636889" cy="2107259"/>
-          </a:xfrm>
-          <a:prstGeom prst="rect">
-            <a:avLst/>
-          </a:prstGeom>
-          <a:solidFill>
-            <a:schemeClr val="bg1">
-              <a:alpha val="80000"/>
-            </a:schemeClr>
-          </a:solidFill>
-          <a:ln>
-            <a:noFill/>
-          </a:ln>
-        </p:spPr>
-        <p:style>
-          <a:lnRef idx="2">
-            <a:schemeClr val="accent1">
-              <a:shade val="50000"/>
-            </a:schemeClr>
-          </a:lnRef>
-          <a:fillRef idx="1">
-            <a:schemeClr val="accent1"/>
-          </a:fillRef>
-          <a:effectRef idx="0">
-            <a:schemeClr val="accent1"/>
-          </a:effectRef>
-          <a:fontRef idx="minor">
-            <a:schemeClr val="lt1"/>
-          </a:fontRef>
-        </p:style>
-        <p:txBody>
-          <a:bodyPr rtlCol="0" anchor="ctr"/>
-          <a:lstStyle/>
-          <a:p>
-            <a:pPr algn="ctr"/>
-            <a:endParaRPr lang="en-US"/>
-          </a:p>
-        </p:txBody>
-      </p:sp>
-      <p:sp>
-        <p:nvSpPr>
-          <p:cNvPr id="89" name="Rectangle 88"/>
-          <p:cNvSpPr/>
-          <p:nvPr/>
-        </p:nvSpPr>
-        <p:spPr>
-          <a:xfrm>
-            <a:off x="7001011" y="1964332"/>
-            <a:ext cx="1636889" cy="2107259"/>
-          </a:xfrm>
-          <a:prstGeom prst="rect">
-            <a:avLst/>
-          </a:prstGeom>
-          <a:solidFill>
-            <a:schemeClr val="bg1">
-              <a:alpha val="80000"/>
-            </a:schemeClr>
-          </a:solidFill>
-          <a:ln>
-            <a:noFill/>
-          </a:ln>
-        </p:spPr>
-        <p:style>
-          <a:lnRef idx="2">
-            <a:schemeClr val="accent1">
-              <a:shade val="50000"/>
-            </a:schemeClr>
-          </a:lnRef>
-          <a:fillRef idx="1">
-            <a:schemeClr val="accent1"/>
-          </a:fillRef>
-          <a:effectRef idx="0">
-            <a:schemeClr val="accent1"/>
-          </a:effectRef>
-          <a:fontRef idx="minor">
-            <a:schemeClr val="lt1"/>
-          </a:fontRef>
-        </p:style>
-        <p:txBody>
-          <a:bodyPr rtlCol="0" anchor="ctr"/>
-          <a:lstStyle/>
-          <a:p>
-            <a:pPr algn="ctr"/>
-            <a:endParaRPr lang="en-US"/>
-          </a:p>
-        </p:txBody>
-      </p:sp>
-      <p:sp>
-        <p:nvSpPr>
           <p:cNvPr id="2" name="Rectangle 1"/>
           <p:cNvSpPr/>
           <p:nvPr/>
@@ -44791,13 +44647,6 @@
               </a:rPr>
               <a:t>Just like they learn about photosynthesis, the digestive system, or electricity.</a:t>
             </a:r>
-            <a:endParaRPr lang="en-US" sz="1800" b="1" i="1" dirty="0" smtClean="0">
-              <a:solidFill>
-                <a:srgbClr val="000000"/>
-              </a:solidFill>
-              <a:latin typeface="Segoe Pro Display Semibold" panose="020B0702040504020203" pitchFamily="34" charset="0"/>
-              <a:ea typeface="Adobe Gothic Std B" panose="020B0800000000000000" pitchFamily="34" charset="-128"/>
-            </a:endParaRPr>
           </a:p>
         </p:txBody>
       </p:sp>
@@ -45822,7 +45671,7 @@
         </p:blipFill>
         <p:spPr>
           <a:xfrm>
-            <a:off x="359832" y="1003300"/>
+            <a:off x="359832" y="1143000"/>
             <a:ext cx="8314267" cy="6235700"/>
           </a:xfrm>
           <a:prstGeom prst="rect">
@@ -45840,8 +45689,8 @@
         </p:nvSpPr>
         <p:spPr>
           <a:xfrm>
-            <a:off x="139700" y="187739"/>
-            <a:ext cx="8839200" cy="1173251"/>
+            <a:off x="381000" y="187739"/>
+            <a:ext cx="8280400" cy="1173251"/>
           </a:xfrm>
           <a:prstGeom prst="rect">
             <a:avLst/>
@@ -45933,7 +45782,7 @@
         </p:nvSpPr>
         <p:spPr>
           <a:xfrm>
-            <a:off x="358521" y="985734"/>
+            <a:off x="358521" y="1303234"/>
             <a:ext cx="8633079" cy="2100366"/>
           </a:xfrm>
           <a:prstGeom prst="rect">

--- a/pegasus/sites.v3/code.org/public/files/computer_science_advocacy.pptx
+++ b/pegasus/sites.v3/code.org/public/files/computer_science_advocacy.pptx
@@ -587,11 +587,11 @@
         </c:dLbls>
         <c:gapWidth val="150"/>
         <c:overlap val="100"/>
-        <c:axId val="2074237704"/>
-        <c:axId val="2074276472"/>
+        <c:axId val="2134443848"/>
+        <c:axId val="2134446888"/>
       </c:barChart>
       <c:catAx>
-        <c:axId val="2074237704"/>
+        <c:axId val="2134443848"/>
         <c:scaling>
           <c:orientation val="minMax"/>
         </c:scaling>
@@ -601,7 +601,7 @@
         <c:majorTickMark val="out"/>
         <c:minorTickMark val="none"/>
         <c:tickLblPos val="nextTo"/>
-        <c:crossAx val="2074276472"/>
+        <c:crossAx val="2134446888"/>
         <c:crosses val="autoZero"/>
         <c:auto val="1"/>
         <c:lblAlgn val="ctr"/>
@@ -609,7 +609,7 @@
         <c:noMultiLvlLbl val="0"/>
       </c:catAx>
       <c:valAx>
-        <c:axId val="2074276472"/>
+        <c:axId val="2134446888"/>
         <c:scaling>
           <c:orientation val="minMax"/>
         </c:scaling>
@@ -620,7 +620,7 @@
         <c:majorTickMark val="out"/>
         <c:minorTickMark val="none"/>
         <c:tickLblPos val="nextTo"/>
-        <c:crossAx val="2074237704"/>
+        <c:crossAx val="2134443848"/>
         <c:crosses val="autoZero"/>
         <c:crossBetween val="between"/>
       </c:valAx>
@@ -1173,7 +1173,7 @@
           <a:p>
             <a:fld id="{DBF07D2D-D193-49EA-AA40-D0161EE95780}" type="datetimeFigureOut">
               <a:rPr lang="en-US" smtClean="0"/>
-              <a:t>12/7/15</a:t>
+              <a:t>12/17/15</a:t>
             </a:fld>
             <a:endParaRPr lang="en-US"/>
           </a:p>
@@ -49381,6 +49381,35 @@
       </p:grpSpPr>
       <p:pic>
         <p:nvPicPr>
+          <p:cNvPr id="3" name="Picture 2" descr="unnamed.png"/>
+          <p:cNvPicPr>
+            <a:picLocks noChangeAspect="1"/>
+          </p:cNvPicPr>
+          <p:nvPr/>
+        </p:nvPicPr>
+        <p:blipFill rotWithShape="1">
+          <a:blip r:embed="rId3">
+            <a:extLst>
+              <a:ext uri="{28A0092B-C50C-407E-A947-70E740481C1C}">
+                <a14:useLocalDpi xmlns:a14="http://schemas.microsoft.com/office/drawing/2010/main" val="0"/>
+              </a:ext>
+            </a:extLst>
+          </a:blip>
+          <a:srcRect t="14068" r="7068" b="8315"/>
+          <a:stretch/>
+        </p:blipFill>
+        <p:spPr>
+          <a:xfrm>
+            <a:off x="1435100" y="1473200"/>
+            <a:ext cx="5676900" cy="3556000"/>
+          </a:xfrm>
+          <a:prstGeom prst="rect">
+            <a:avLst/>
+          </a:prstGeom>
+        </p:spPr>
+      </p:pic>
+      <p:pic>
+        <p:nvPicPr>
           <p:cNvPr id="2" name="Picture 1" descr="map.png"/>
           <p:cNvPicPr>
             <a:picLocks noChangeAspect="1"/>
@@ -49388,20 +49417,20 @@
           <p:nvPr/>
         </p:nvPicPr>
         <p:blipFill rotWithShape="1">
-          <a:blip r:embed="rId3">
+          <a:blip r:embed="rId4">
             <a:extLst>
               <a:ext uri="{28A0092B-C50C-407E-A947-70E740481C1C}">
                 <a14:useLocalDpi xmlns:a14="http://schemas.microsoft.com/office/drawing/2010/main" val="0"/>
               </a:ext>
             </a:extLst>
           </a:blip>
-          <a:srcRect b="8505"/>
+          <a:srcRect l="48148" t="78051" r="12346" b="8506"/>
           <a:stretch/>
         </p:blipFill>
         <p:spPr>
           <a:xfrm>
-            <a:off x="1498600" y="768350"/>
-            <a:ext cx="6172200" cy="4235450"/>
+            <a:off x="6388100" y="3530600"/>
+            <a:ext cx="2438400" cy="622300"/>
           </a:xfrm>
           <a:prstGeom prst="rect">
             <a:avLst/>
@@ -49477,7 +49506,7 @@
               <a:t>count for graduation in </a:t>
             </a:r>
             <a:r>
-              <a:rPr lang="en-US" sz="3200" b="1" dirty="0">
+              <a:rPr lang="en-US" sz="3200" b="1" dirty="0" smtClean="0">
                 <a:solidFill>
                   <a:srgbClr val="7665A0"/>
                 </a:solidFill>
@@ -49485,7 +49514,18 @@
                 <a:ea typeface="Adobe Gothic Std B" panose="020B0800000000000000" pitchFamily="34" charset="-128"/>
                 <a:cs typeface="Arial"/>
               </a:rPr>
-              <a:t>27 states</a:t>
+              <a:t>28 </a:t>
+            </a:r>
+            <a:r>
+              <a:rPr lang="en-US" sz="3200" b="1" dirty="0">
+                <a:solidFill>
+                  <a:srgbClr val="7665A0"/>
+                </a:solidFill>
+                <a:latin typeface="Arial"/>
+                <a:ea typeface="Adobe Gothic Std B" panose="020B0800000000000000" pitchFamily="34" charset="-128"/>
+                <a:cs typeface="Arial"/>
+              </a:rPr>
+              <a:t>states</a:t>
             </a:r>
           </a:p>
           <a:p>
@@ -49571,7 +49611,7 @@
                 <a:ea typeface="Adobe Gothic Std B" panose="020B0800000000000000" pitchFamily="34" charset="-128"/>
                 <a:cs typeface="Arial"/>
               </a:rPr>
-              <a:t>26 </a:t>
+              <a:t>27 </a:t>
             </a:r>
             <a:r>
               <a:rPr lang="en-US" sz="2000" dirty="0">

--- a/pegasus/sites.v3/code.org/public/files/computer_science_advocacy.pptx
+++ b/pegasus/sites.v3/code.org/public/files/computer_science_advocacy.pptx
@@ -136,7 +136,7 @@
   </p:defaultTextStyle>
   <p:extLst>
     <p:ext uri="{EFAFB233-063F-42B5-8137-9DF3F51BA10A}">
-      <p15:sldGuideLst xmlns:p15="http://schemas.microsoft.com/office/powerpoint/2012/main" xmlns="">
+      <p15:sldGuideLst xmlns="" xmlns:p15="http://schemas.microsoft.com/office/powerpoint/2012/main">
         <p15:guide id="1" orient="horz" pos="331" userDrawn="1">
           <p15:clr>
             <a:srgbClr val="A4A3A4"/>
@@ -587,11 +587,11 @@
         </c:dLbls>
         <c:gapWidth val="150"/>
         <c:overlap val="100"/>
-        <c:axId val="2134443848"/>
-        <c:axId val="2134446888"/>
+        <c:axId val="2087562040"/>
+        <c:axId val="2087565144"/>
       </c:barChart>
       <c:catAx>
-        <c:axId val="2134443848"/>
+        <c:axId val="2087562040"/>
         <c:scaling>
           <c:orientation val="minMax"/>
         </c:scaling>
@@ -601,7 +601,7 @@
         <c:majorTickMark val="out"/>
         <c:minorTickMark val="none"/>
         <c:tickLblPos val="nextTo"/>
-        <c:crossAx val="2134446888"/>
+        <c:crossAx val="2087565144"/>
         <c:crosses val="autoZero"/>
         <c:auto val="1"/>
         <c:lblAlgn val="ctr"/>
@@ -609,7 +609,7 @@
         <c:noMultiLvlLbl val="0"/>
       </c:catAx>
       <c:valAx>
-        <c:axId val="2134446888"/>
+        <c:axId val="2087565144"/>
         <c:scaling>
           <c:orientation val="minMax"/>
         </c:scaling>
@@ -620,7 +620,7 @@
         <c:majorTickMark val="out"/>
         <c:minorTickMark val="none"/>
         <c:tickLblPos val="nextTo"/>
-        <c:crossAx val="2134443848"/>
+        <c:crossAx val="2087562040"/>
         <c:crosses val="autoZero"/>
         <c:crossBetween val="between"/>
       </c:valAx>
@@ -1173,7 +1173,7 @@
           <a:p>
             <a:fld id="{DBF07D2D-D193-49EA-AA40-D0161EE95780}" type="datetimeFigureOut">
               <a:rPr lang="en-US" smtClean="0"/>
-              <a:t>12/17/15</a:t>
+              <a:t>1/5/16</a:t>
             </a:fld>
             <a:endParaRPr lang="en-US"/>
           </a:p>
@@ -10843,7 +10843,7 @@
   </p:timing>
   <p:extLst mod="1">
     <p:ext uri="{DCECCB84-F9BA-43D5-87BE-67443E8EF086}">
-      <p15:sldGuideLst xmlns:p15="http://schemas.microsoft.com/office/powerpoint/2012/main" xmlns=""/>
+      <p15:sldGuideLst xmlns="" xmlns:p15="http://schemas.microsoft.com/office/powerpoint/2012/main"/>
     </p:ext>
   </p:extLst>
 </p:sldLayout>
@@ -15976,7 +15976,7 @@
   </p:timing>
   <p:extLst mod="1">
     <p:ext uri="{DCECCB84-F9BA-43D5-87BE-67443E8EF086}">
-      <p15:sldGuideLst xmlns:p15="http://schemas.microsoft.com/office/powerpoint/2012/main" xmlns=""/>
+      <p15:sldGuideLst xmlns="" xmlns:p15="http://schemas.microsoft.com/office/powerpoint/2012/main"/>
     </p:ext>
   </p:extLst>
 </p:sldLayout>
@@ -24565,7 +24565,7 @@
   </p:timing>
   <p:extLst mod="1">
     <p:ext uri="{DCECCB84-F9BA-43D5-87BE-67443E8EF086}">
-      <p15:sldGuideLst xmlns:p15="http://schemas.microsoft.com/office/powerpoint/2012/main" xmlns=""/>
+      <p15:sldGuideLst xmlns="" xmlns:p15="http://schemas.microsoft.com/office/powerpoint/2012/main"/>
     </p:ext>
   </p:extLst>
 </p:sldLayout>
@@ -28525,7 +28525,7 @@
   </p:timing>
   <p:extLst mod="1">
     <p:ext uri="{DCECCB84-F9BA-43D5-87BE-67443E8EF086}">
-      <p15:sldGuideLst xmlns:p15="http://schemas.microsoft.com/office/powerpoint/2012/main" xmlns=""/>
+      <p15:sldGuideLst xmlns="" xmlns:p15="http://schemas.microsoft.com/office/powerpoint/2012/main"/>
     </p:ext>
   </p:extLst>
 </p:sldLayout>
@@ -32656,7 +32656,7 @@
   </p:timing>
   <p:extLst mod="1">
     <p:ext uri="{DCECCB84-F9BA-43D5-87BE-67443E8EF086}">
-      <p15:sldGuideLst xmlns:p15="http://schemas.microsoft.com/office/powerpoint/2012/main" xmlns=""/>
+      <p15:sldGuideLst xmlns="" xmlns:p15="http://schemas.microsoft.com/office/powerpoint/2012/main"/>
     </p:ext>
   </p:extLst>
 </p:sldLayout>
@@ -36656,7 +36656,7 @@
   </p:timing>
   <p:extLst mod="1">
     <p:ext uri="{DCECCB84-F9BA-43D5-87BE-67443E8EF086}">
-      <p15:sldGuideLst xmlns:p15="http://schemas.microsoft.com/office/powerpoint/2012/main" xmlns=""/>
+      <p15:sldGuideLst xmlns="" xmlns:p15="http://schemas.microsoft.com/office/powerpoint/2012/main"/>
     </p:ext>
   </p:extLst>
 </p:sldLayout>
@@ -41030,7 +41030,7 @@
   </p:txStyles>
   <p:extLst mod="1">
     <p:ext uri="{27BBF7A9-308A-43DC-89C8-2F10F3537804}">
-      <p15:sldGuideLst xmlns:p15="http://schemas.microsoft.com/office/powerpoint/2012/main" xmlns="">
+      <p15:sldGuideLst xmlns="" xmlns:p15="http://schemas.microsoft.com/office/powerpoint/2012/main">
         <p15:guide id="1" orient="horz" pos="59">
           <p15:clr>
             <a:srgbClr val="5ACBF0"/>
@@ -47493,8 +47493,71 @@
                 <a:ea typeface="Adobe Gothic Std B" panose="020B0800000000000000" pitchFamily="34" charset="-128"/>
                 <a:cs typeface="Arial"/>
               </a:rPr>
-              <a:t>High School Computer Science</a:t>
+              <a:t>H</a:t>
             </a:r>
+            <a:r>
+              <a:rPr lang="en-US" sz="2400" dirty="0" smtClean="0">
+                <a:solidFill>
+                  <a:srgbClr val="000000"/>
+                </a:solidFill>
+                <a:latin typeface="Arial"/>
+                <a:ea typeface="Adobe Gothic Std B" panose="020B0800000000000000" pitchFamily="34" charset="-128"/>
+                <a:cs typeface="Arial"/>
+              </a:rPr>
+              <a:t>igh school </a:t>
+            </a:r>
+            <a:r>
+              <a:rPr lang="en-US" sz="2400" dirty="0">
+                <a:solidFill>
+                  <a:srgbClr val="000000"/>
+                </a:solidFill>
+                <a:latin typeface="Arial"/>
+                <a:ea typeface="Adobe Gothic Std B" panose="020B0800000000000000" pitchFamily="34" charset="-128"/>
+                <a:cs typeface="Arial"/>
+              </a:rPr>
+              <a:t>c</a:t>
+            </a:r>
+            <a:r>
+              <a:rPr lang="en-US" sz="2400" dirty="0" smtClean="0">
+                <a:solidFill>
+                  <a:srgbClr val="000000"/>
+                </a:solidFill>
+                <a:latin typeface="Arial"/>
+                <a:ea typeface="Adobe Gothic Std B" panose="020B0800000000000000" pitchFamily="34" charset="-128"/>
+                <a:cs typeface="Arial"/>
+              </a:rPr>
+              <a:t>omputer </a:t>
+            </a:r>
+            <a:r>
+              <a:rPr lang="en-US" sz="2400" dirty="0">
+                <a:solidFill>
+                  <a:srgbClr val="000000"/>
+                </a:solidFill>
+                <a:latin typeface="Arial"/>
+                <a:ea typeface="Adobe Gothic Std B" panose="020B0800000000000000" pitchFamily="34" charset="-128"/>
+                <a:cs typeface="Arial"/>
+              </a:rPr>
+              <a:t>s</a:t>
+            </a:r>
+            <a:r>
+              <a:rPr lang="en-US" sz="2400" dirty="0" smtClean="0">
+                <a:solidFill>
+                  <a:srgbClr val="000000"/>
+                </a:solidFill>
+                <a:latin typeface="Arial"/>
+                <a:ea typeface="Adobe Gothic Std B" panose="020B0800000000000000" pitchFamily="34" charset="-128"/>
+                <a:cs typeface="Arial"/>
+              </a:rPr>
+              <a:t>cience</a:t>
+            </a:r>
+            <a:endParaRPr lang="en-US" sz="2400" dirty="0">
+              <a:solidFill>
+                <a:srgbClr val="000000"/>
+              </a:solidFill>
+              <a:latin typeface="Arial"/>
+              <a:ea typeface="Adobe Gothic Std B" panose="020B0800000000000000" pitchFamily="34" charset="-128"/>
+              <a:cs typeface="Arial"/>
+            </a:endParaRPr>
           </a:p>
         </p:txBody>
       </p:sp>
@@ -47566,7 +47629,7 @@
               </a:rPr>
             </a:br>
             <a:r>
-              <a:rPr lang="en-US" sz="2400" dirty="0">
+              <a:rPr lang="en-US" sz="2400" dirty="0" smtClean="0">
                 <a:solidFill>
                   <a:srgbClr val="000000"/>
                 </a:solidFill>
@@ -47574,8 +47637,38 @@
                 <a:ea typeface="Adobe Gothic Std B" panose="020B0800000000000000" pitchFamily="34" charset="-128"/>
                 <a:cs typeface="Arial"/>
               </a:rPr>
-              <a:t>Computer Science</a:t>
+              <a:t>computer </a:t>
             </a:r>
+            <a:r>
+              <a:rPr lang="en-US" sz="2400" dirty="0">
+                <a:solidFill>
+                  <a:srgbClr val="000000"/>
+                </a:solidFill>
+                <a:latin typeface="Arial"/>
+                <a:ea typeface="Adobe Gothic Std B" panose="020B0800000000000000" pitchFamily="34" charset="-128"/>
+                <a:cs typeface="Arial"/>
+              </a:rPr>
+              <a:t>s</a:t>
+            </a:r>
+            <a:r>
+              <a:rPr lang="en-US" sz="2400" dirty="0" smtClean="0">
+                <a:solidFill>
+                  <a:srgbClr val="000000"/>
+                </a:solidFill>
+                <a:latin typeface="Arial"/>
+                <a:ea typeface="Adobe Gothic Std B" panose="020B0800000000000000" pitchFamily="34" charset="-128"/>
+                <a:cs typeface="Arial"/>
+              </a:rPr>
+              <a:t>cience</a:t>
+            </a:r>
+            <a:endParaRPr lang="en-US" sz="2400" dirty="0">
+              <a:solidFill>
+                <a:srgbClr val="000000"/>
+              </a:solidFill>
+              <a:latin typeface="Arial"/>
+              <a:ea typeface="Adobe Gothic Std B" panose="020B0800000000000000" pitchFamily="34" charset="-128"/>
+              <a:cs typeface="Arial"/>
+            </a:endParaRPr>
           </a:p>
         </p:txBody>
       </p:sp>
@@ -47634,8 +47727,27 @@
                 <a:ea typeface="Adobe Gothic Std B" panose="020B0800000000000000" pitchFamily="34" charset="-128"/>
                 <a:cs typeface="Arial"/>
               </a:rPr>
-              <a:t>Software Workforce</a:t>
+              <a:t>Software </a:t>
             </a:r>
+            <a:r>
+              <a:rPr lang="en-US" sz="2400" dirty="0" smtClean="0">
+                <a:solidFill>
+                  <a:srgbClr val="000000"/>
+                </a:solidFill>
+                <a:latin typeface="Arial"/>
+                <a:ea typeface="Adobe Gothic Std B" panose="020B0800000000000000" pitchFamily="34" charset="-128"/>
+                <a:cs typeface="Arial"/>
+              </a:rPr>
+              <a:t>workforce</a:t>
+            </a:r>
+            <a:endParaRPr lang="en-US" sz="2400" dirty="0">
+              <a:solidFill>
+                <a:srgbClr val="000000"/>
+              </a:solidFill>
+              <a:latin typeface="Arial"/>
+              <a:ea typeface="Adobe Gothic Std B" panose="020B0800000000000000" pitchFamily="34" charset="-128"/>
+              <a:cs typeface="Arial"/>
+            </a:endParaRPr>
           </a:p>
         </p:txBody>
       </p:sp>
@@ -54823,7 +54935,7 @@
   <a:extraClrSchemeLst/>
   <a:extLst>
     <a:ext uri="{05A4C25C-085E-4340-85A3-A5531E510DB2}">
-      <thm15:themeFamily xmlns:thm15="http://schemas.microsoft.com/office/thememl/2012/main" xmlns="" name="Office Theme" id="{62F939B6-93AF-4DB8-9C6B-D6C7DFDC589F}" vid="{4A3C46E8-61CC-4603-A589-7422A47A8E4A}"/>
+      <thm15:themeFamily xmlns="" xmlns:thm15="http://schemas.microsoft.com/office/thememl/2012/main" name="Office Theme" id="{62F939B6-93AF-4DB8-9C6B-D6C7DFDC589F}" vid="{4A3C46E8-61CC-4603-A589-7422A47A8E4A}"/>
     </a:ext>
   </a:extLst>
 </a:theme>
@@ -55125,7 +55237,7 @@
   <a:extraClrSchemeLst/>
   <a:extLst>
     <a:ext uri="{05A4C25C-085E-4340-85A3-A5531E510DB2}">
-      <thm15:themeFamily xmlns:thm15="http://schemas.microsoft.com/office/thememl/2012/main" xmlns="" name="SilverFox_Mentorship_Template" id="{726D2EC8-FE65-4BB6-9D87-EBBA7FA7A28A}" vid="{43A7A536-22B6-435A-A09C-B3CB1EAFEC96}"/>
+      <thm15:themeFamily xmlns="" xmlns:thm15="http://schemas.microsoft.com/office/thememl/2012/main" name="SilverFox_Mentorship_Template" id="{726D2EC8-FE65-4BB6-9D87-EBBA7FA7A28A}" vid="{43A7A536-22B6-435A-A09C-B3CB1EAFEC96}"/>
     </a:ext>
   </a:extLst>
 </a:theme>
@@ -55419,7 +55531,7 @@
   <a:extraClrSchemeLst/>
   <a:extLst>
     <a:ext uri="{05A4C25C-085E-4340-85A3-A5531E510DB2}">
-      <thm15:themeFamily xmlns:thm15="http://schemas.microsoft.com/office/thememl/2012/main" xmlns="" name="Office Theme" id="{62F939B6-93AF-4DB8-9C6B-D6C7DFDC589F}" vid="{4A3C46E8-61CC-4603-A589-7422A47A8E4A}"/>
+      <thm15:themeFamily xmlns="" xmlns:thm15="http://schemas.microsoft.com/office/thememl/2012/main" name="Office Theme" id="{62F939B6-93AF-4DB8-9C6B-D6C7DFDC589F}" vid="{4A3C46E8-61CC-4603-A589-7422A47A8E4A}"/>
     </a:ext>
   </a:extLst>
 </a:theme>
@@ -55680,7 +55792,7 @@
   <a:extraClrSchemeLst/>
   <a:extLst>
     <a:ext uri="{05A4C25C-085E-4340-85A3-A5531E510DB2}">
-      <thm15:themeFamily xmlns:thm15="http://schemas.microsoft.com/office/thememl/2012/main" xmlns="" name="Office Theme" id="{62F939B6-93AF-4DB8-9C6B-D6C7DFDC589F}" vid="{4A3C46E8-61CC-4603-A589-7422A47A8E4A}"/>
+      <thm15:themeFamily xmlns="" xmlns:thm15="http://schemas.microsoft.com/office/thememl/2012/main" name="Office Theme" id="{62F939B6-93AF-4DB8-9C6B-D6C7DFDC589F}" vid="{4A3C46E8-61CC-4603-A589-7422A47A8E4A}"/>
     </a:ext>
   </a:extLst>
 </a:theme>

--- a/pegasus/sites.v3/code.org/public/files/computer_science_advocacy.pptx
+++ b/pegasus/sites.v3/code.org/public/files/computer_science_advocacy.pptx
@@ -136,7 +136,7 @@
   </p:defaultTextStyle>
   <p:extLst>
     <p:ext uri="{EFAFB233-063F-42B5-8137-9DF3F51BA10A}">
-      <p15:sldGuideLst xmlns="" xmlns:p15="http://schemas.microsoft.com/office/powerpoint/2012/main">
+      <p15:sldGuideLst xmlns:p15="http://schemas.microsoft.com/office/powerpoint/2012/main" xmlns="">
         <p15:guide id="1" orient="horz" pos="331" userDrawn="1">
           <p15:clr>
             <a:srgbClr val="A4A3A4"/>
@@ -587,11 +587,11 @@
         </c:dLbls>
         <c:gapWidth val="150"/>
         <c:overlap val="100"/>
-        <c:axId val="2087562040"/>
-        <c:axId val="2087565144"/>
+        <c:axId val="2106935720"/>
+        <c:axId val="2083635528"/>
       </c:barChart>
       <c:catAx>
-        <c:axId val="2087562040"/>
+        <c:axId val="2106935720"/>
         <c:scaling>
           <c:orientation val="minMax"/>
         </c:scaling>
@@ -601,7 +601,7 @@
         <c:majorTickMark val="out"/>
         <c:minorTickMark val="none"/>
         <c:tickLblPos val="nextTo"/>
-        <c:crossAx val="2087565144"/>
+        <c:crossAx val="2083635528"/>
         <c:crosses val="autoZero"/>
         <c:auto val="1"/>
         <c:lblAlgn val="ctr"/>
@@ -609,7 +609,7 @@
         <c:noMultiLvlLbl val="0"/>
       </c:catAx>
       <c:valAx>
-        <c:axId val="2087565144"/>
+        <c:axId val="2083635528"/>
         <c:scaling>
           <c:orientation val="minMax"/>
         </c:scaling>
@@ -620,7 +620,7 @@
         <c:majorTickMark val="out"/>
         <c:minorTickMark val="none"/>
         <c:tickLblPos val="nextTo"/>
-        <c:crossAx val="2087562040"/>
+        <c:crossAx val="2106935720"/>
         <c:crosses val="autoZero"/>
         <c:crossBetween val="between"/>
       </c:valAx>
@@ -651,7 +651,17 @@
   <c:chart>
     <c:autoTitleDeleted val="1"/>
     <c:plotArea>
-      <c:layout/>
+      <c:layout>
+        <c:manualLayout>
+          <c:layoutTarget val="inner"/>
+          <c:xMode val="edge"/>
+          <c:yMode val="edge"/>
+          <c:x val="0.033975767984223"/>
+          <c:y val="0.0491555575404357"/>
+          <c:w val="0.924946236980066"/>
+          <c:h val="0.950844442459564"/>
+        </c:manualLayout>
+      </c:layout>
       <c:doughnutChart>
         <c:varyColors val="1"/>
         <c:ser>
@@ -707,10 +717,10 @@
                 <c:formatCode>General</c:formatCode>
                 <c:ptCount val="2"/>
                 <c:pt idx="0">
-                  <c:v>0.67</c:v>
+                  <c:v>0.71</c:v>
                 </c:pt>
                 <c:pt idx="1">
-                  <c:v>0.33</c:v>
+                  <c:v>0.29</c:v>
                 </c:pt>
               </c:numCache>
             </c:numRef>
@@ -1173,7 +1183,7 @@
           <a:p>
             <a:fld id="{DBF07D2D-D193-49EA-AA40-D0161EE95780}" type="datetimeFigureOut">
               <a:rPr lang="en-US" smtClean="0"/>
-              <a:t>1/5/16</a:t>
+              <a:t>1/18/16</a:t>
             </a:fld>
             <a:endParaRPr lang="en-US"/>
           </a:p>
@@ -10843,7 +10853,7 @@
   </p:timing>
   <p:extLst mod="1">
     <p:ext uri="{DCECCB84-F9BA-43D5-87BE-67443E8EF086}">
-      <p15:sldGuideLst xmlns="" xmlns:p15="http://schemas.microsoft.com/office/powerpoint/2012/main"/>
+      <p15:sldGuideLst xmlns:p15="http://schemas.microsoft.com/office/powerpoint/2012/main" xmlns=""/>
     </p:ext>
   </p:extLst>
 </p:sldLayout>
@@ -15976,7 +15986,7 @@
   </p:timing>
   <p:extLst mod="1">
     <p:ext uri="{DCECCB84-F9BA-43D5-87BE-67443E8EF086}">
-      <p15:sldGuideLst xmlns="" xmlns:p15="http://schemas.microsoft.com/office/powerpoint/2012/main"/>
+      <p15:sldGuideLst xmlns:p15="http://schemas.microsoft.com/office/powerpoint/2012/main" xmlns=""/>
     </p:ext>
   </p:extLst>
 </p:sldLayout>
@@ -24565,7 +24575,7 @@
   </p:timing>
   <p:extLst mod="1">
     <p:ext uri="{DCECCB84-F9BA-43D5-87BE-67443E8EF086}">
-      <p15:sldGuideLst xmlns="" xmlns:p15="http://schemas.microsoft.com/office/powerpoint/2012/main"/>
+      <p15:sldGuideLst xmlns:p15="http://schemas.microsoft.com/office/powerpoint/2012/main" xmlns=""/>
     </p:ext>
   </p:extLst>
 </p:sldLayout>
@@ -28525,7 +28535,7 @@
   </p:timing>
   <p:extLst mod="1">
     <p:ext uri="{DCECCB84-F9BA-43D5-87BE-67443E8EF086}">
-      <p15:sldGuideLst xmlns="" xmlns:p15="http://schemas.microsoft.com/office/powerpoint/2012/main"/>
+      <p15:sldGuideLst xmlns:p15="http://schemas.microsoft.com/office/powerpoint/2012/main" xmlns=""/>
     </p:ext>
   </p:extLst>
 </p:sldLayout>
@@ -32656,7 +32666,7 @@
   </p:timing>
   <p:extLst mod="1">
     <p:ext uri="{DCECCB84-F9BA-43D5-87BE-67443E8EF086}">
-      <p15:sldGuideLst xmlns="" xmlns:p15="http://schemas.microsoft.com/office/powerpoint/2012/main"/>
+      <p15:sldGuideLst xmlns:p15="http://schemas.microsoft.com/office/powerpoint/2012/main" xmlns=""/>
     </p:ext>
   </p:extLst>
 </p:sldLayout>
@@ -36656,7 +36666,7 @@
   </p:timing>
   <p:extLst mod="1">
     <p:ext uri="{DCECCB84-F9BA-43D5-87BE-67443E8EF086}">
-      <p15:sldGuideLst xmlns="" xmlns:p15="http://schemas.microsoft.com/office/powerpoint/2012/main"/>
+      <p15:sldGuideLst xmlns:p15="http://schemas.microsoft.com/office/powerpoint/2012/main" xmlns=""/>
     </p:ext>
   </p:extLst>
 </p:sldLayout>
@@ -41030,7 +41040,7 @@
   </p:txStyles>
   <p:extLst mod="1">
     <p:ext uri="{27BBF7A9-308A-43DC-89C8-2F10F3537804}">
-      <p15:sldGuideLst xmlns="" xmlns:p15="http://schemas.microsoft.com/office/powerpoint/2012/main">
+      <p15:sldGuideLst xmlns:p15="http://schemas.microsoft.com/office/powerpoint/2012/main" xmlns="">
         <p15:guide id="1" orient="horz" pos="59">
           <p15:clr>
             <a:srgbClr val="5ACBF0"/>
@@ -46510,6 +46520,28 @@
           <a:chExt cx="0" cy="0"/>
         </a:xfrm>
       </p:grpSpPr>
+      <p:graphicFrame>
+        <p:nvGraphicFramePr>
+          <p:cNvPr id="9" name="Chart 8"/>
+          <p:cNvGraphicFramePr/>
+          <p:nvPr>
+            <p:extLst>
+              <p:ext uri="{D42A27DB-BD31-4B8C-83A1-F6EECF244321}">
+                <p14:modId xmlns:p14="http://schemas.microsoft.com/office/powerpoint/2010/main" val="2408404482"/>
+              </p:ext>
+            </p:extLst>
+          </p:nvPr>
+        </p:nvGraphicFramePr>
+        <p:xfrm>
+          <a:off x="724800" y="1392916"/>
+          <a:ext cx="3576343" cy="3358725"/>
+        </p:xfrm>
+        <a:graphic>
+          <a:graphicData uri="http://schemas.openxmlformats.org/drawingml/2006/chart">
+            <c:chart xmlns:c="http://schemas.openxmlformats.org/drawingml/2006/chart" xmlns:r="http://schemas.openxmlformats.org/officeDocument/2006/relationships" r:id="rId3"/>
+          </a:graphicData>
+        </a:graphic>
+      </p:graphicFrame>
       <p:sp>
         <p:nvSpPr>
           <p:cNvPr id="13" name="Title 1"/>
@@ -46677,28 +46709,6 @@
           </a:p>
         </p:txBody>
       </p:sp>
-      <p:graphicFrame>
-        <p:nvGraphicFramePr>
-          <p:cNvPr id="3" name="Chart 2"/>
-          <p:cNvGraphicFramePr/>
-          <p:nvPr>
-            <p:extLst>
-              <p:ext uri="{D42A27DB-BD31-4B8C-83A1-F6EECF244321}">
-                <p14:modId xmlns:p14="http://schemas.microsoft.com/office/powerpoint/2010/main" val="1402030526"/>
-              </p:ext>
-            </p:extLst>
-          </p:nvPr>
-        </p:nvGraphicFramePr>
-        <p:xfrm>
-          <a:off x="470371" y="1352807"/>
-          <a:ext cx="3932296" cy="3627731"/>
-        </p:xfrm>
-        <a:graphic>
-          <a:graphicData uri="http://schemas.openxmlformats.org/drawingml/2006/chart">
-            <c:chart xmlns:c="http://schemas.openxmlformats.org/drawingml/2006/chart" xmlns:r="http://schemas.openxmlformats.org/officeDocument/2006/relationships" r:id="rId3"/>
-          </a:graphicData>
-        </a:graphic>
-      </p:graphicFrame>
       <p:sp>
         <p:nvSpPr>
           <p:cNvPr id="16" name="Title 1"/>
@@ -46746,7 +46756,7 @@
               </a:lnSpc>
             </a:pPr>
             <a:r>
-              <a:rPr lang="en-US" sz="5400" dirty="0">
+              <a:rPr lang="en-US" sz="5400" dirty="0" smtClean="0">
                 <a:solidFill>
                   <a:srgbClr val="000000"/>
                 </a:solidFill>
@@ -46754,8 +46764,27 @@
                 <a:ea typeface="Adobe Gothic Std B" panose="020B0800000000000000" pitchFamily="34" charset="-128"/>
                 <a:cs typeface="Arial"/>
               </a:rPr>
-              <a:t>67%</a:t>
+              <a:t>71</a:t>
             </a:r>
+            <a:r>
+              <a:rPr lang="en-US" sz="5400" dirty="0" smtClean="0">
+                <a:solidFill>
+                  <a:srgbClr val="000000"/>
+                </a:solidFill>
+                <a:latin typeface="Arial"/>
+                <a:ea typeface="Adobe Gothic Std B" panose="020B0800000000000000" pitchFamily="34" charset="-128"/>
+                <a:cs typeface="Arial"/>
+              </a:rPr>
+              <a:t>%</a:t>
+            </a:r>
+            <a:endParaRPr lang="en-US" sz="5400" dirty="0">
+              <a:solidFill>
+                <a:srgbClr val="000000"/>
+              </a:solidFill>
+              <a:latin typeface="Arial"/>
+              <a:ea typeface="Adobe Gothic Std B" panose="020B0800000000000000" pitchFamily="34" charset="-128"/>
+              <a:cs typeface="Arial"/>
+            </a:endParaRPr>
           </a:p>
           <a:p>
             <a:pPr algn="ctr">
@@ -47126,60 +47155,15 @@
                                   </p:childTnLst>
                                 </p:cTn>
                               </p:par>
-                            </p:childTnLst>
-                          </p:cTn>
-                        </p:par>
-                      </p:childTnLst>
-                    </p:cTn>
-                  </p:par>
-                  <p:par>
-                    <p:cTn id="14" fill="hold">
-                      <p:stCondLst>
-                        <p:cond delay="indefinite"/>
-                      </p:stCondLst>
-                      <p:childTnLst>
-                        <p:par>
-                          <p:cTn id="15" fill="hold">
-                            <p:stCondLst>
-                              <p:cond delay="0"/>
-                            </p:stCondLst>
-                            <p:childTnLst>
                               <p:par>
-                                <p:cTn id="16" presetID="1" presetClass="entr" presetSubtype="0" fill="hold" grpId="0" nodeType="clickEffect">
+                                <p:cTn id="14" presetID="1" presetClass="entr" presetSubtype="0" fill="hold" grpId="0" nodeType="withEffect">
                                   <p:stCondLst>
                                     <p:cond delay="0"/>
                                   </p:stCondLst>
                                   <p:childTnLst>
                                     <p:set>
                                       <p:cBhvr>
-                                        <p:cTn id="17" dur="1" fill="hold">
-                                          <p:stCondLst>
-                                            <p:cond delay="0"/>
-                                          </p:stCondLst>
-                                        </p:cTn>
-                                        <p:tgtEl>
-                                          <p:spTgt spid="3"/>
-                                        </p:tgtEl>
-                                        <p:attrNameLst>
-                                          <p:attrName>style.visibility</p:attrName>
-                                        </p:attrNameLst>
-                                      </p:cBhvr>
-                                      <p:to>
-                                        <p:strVal val="visible"/>
-                                      </p:to>
-                                    </p:set>
-                                  </p:childTnLst>
-                                </p:cTn>
-                              </p:par>
-                              <p:par>
-                                <p:cTn id="18" presetID="1" presetClass="entr" presetSubtype="0" fill="hold" grpId="0" nodeType="withEffect">
-                                  <p:stCondLst>
-                                    <p:cond delay="0"/>
-                                  </p:stCondLst>
-                                  <p:childTnLst>
-                                    <p:set>
-                                      <p:cBhvr>
-                                        <p:cTn id="19" dur="1" fill="hold">
+                                        <p:cTn id="15" dur="1" fill="hold">
                                           <p:stCondLst>
                                             <p:cond delay="0"/>
                                           </p:stCondLst>
@@ -47205,26 +47189,26 @@
                     </p:cTn>
                   </p:par>
                   <p:par>
-                    <p:cTn id="20" fill="hold">
+                    <p:cTn id="16" fill="hold">
                       <p:stCondLst>
                         <p:cond delay="indefinite"/>
                       </p:stCondLst>
                       <p:childTnLst>
                         <p:par>
-                          <p:cTn id="21" fill="hold">
+                          <p:cTn id="17" fill="hold">
                             <p:stCondLst>
                               <p:cond delay="0"/>
                             </p:stCondLst>
                             <p:childTnLst>
                               <p:par>
-                                <p:cTn id="22" presetID="1" presetClass="entr" presetSubtype="0" fill="hold" grpId="0" nodeType="clickEffect">
+                                <p:cTn id="18" presetID="1" presetClass="entr" presetSubtype="0" fill="hold" grpId="0" nodeType="clickEffect">
                                   <p:stCondLst>
                                     <p:cond delay="0"/>
                                   </p:stCondLst>
                                   <p:childTnLst>
                                     <p:set>
                                       <p:cBhvr>
-                                        <p:cTn id="23" dur="1" fill="hold">
+                                        <p:cTn id="19" dur="1" fill="hold">
                                           <p:stCondLst>
                                             <p:cond delay="0"/>
                                           </p:stCondLst>
@@ -47244,14 +47228,14 @@
                                 </p:cTn>
                               </p:par>
                               <p:par>
-                                <p:cTn id="24" presetID="1" presetClass="entr" presetSubtype="0" fill="hold" grpId="0" nodeType="withEffect">
+                                <p:cTn id="20" presetID="1" presetClass="entr" presetSubtype="0" fill="hold" grpId="0" nodeType="withEffect">
                                   <p:stCondLst>
                                     <p:cond delay="0"/>
                                   </p:stCondLst>
                                   <p:childTnLst>
                                     <p:set>
                                       <p:cBhvr>
-                                        <p:cTn id="25" dur="1" fill="hold">
+                                        <p:cTn id="21" dur="1" fill="hold">
                                           <p:stCondLst>
                                             <p:cond delay="0"/>
                                           </p:stCondLst>
@@ -47271,7 +47255,52 @@
                                 </p:cTn>
                               </p:par>
                               <p:par>
-                                <p:cTn id="26" presetID="1" presetClass="entr" presetSubtype="0" fill="hold" grpId="0" nodeType="withEffect">
+                                <p:cTn id="22" presetID="1" presetClass="entr" presetSubtype="0" fill="hold" grpId="0" nodeType="withEffect">
+                                  <p:stCondLst>
+                                    <p:cond delay="0"/>
+                                  </p:stCondLst>
+                                  <p:childTnLst>
+                                    <p:set>
+                                      <p:cBhvr>
+                                        <p:cTn id="23" dur="1" fill="hold">
+                                          <p:stCondLst>
+                                            <p:cond delay="0"/>
+                                          </p:stCondLst>
+                                        </p:cTn>
+                                        <p:tgtEl>
+                                          <p:spTgt spid="15"/>
+                                        </p:tgtEl>
+                                        <p:attrNameLst>
+                                          <p:attrName>style.visibility</p:attrName>
+                                        </p:attrNameLst>
+                                      </p:cBhvr>
+                                      <p:to>
+                                        <p:strVal val="visible"/>
+                                      </p:to>
+                                    </p:set>
+                                  </p:childTnLst>
+                                </p:cTn>
+                              </p:par>
+                            </p:childTnLst>
+                          </p:cTn>
+                        </p:par>
+                      </p:childTnLst>
+                    </p:cTn>
+                  </p:par>
+                  <p:par>
+                    <p:cTn id="24" fill="hold">
+                      <p:stCondLst>
+                        <p:cond delay="indefinite"/>
+                      </p:stCondLst>
+                      <p:childTnLst>
+                        <p:par>
+                          <p:cTn id="25" fill="hold">
+                            <p:stCondLst>
+                              <p:cond delay="0"/>
+                            </p:stCondLst>
+                            <p:childTnLst>
+                              <p:par>
+                                <p:cTn id="26" presetID="1" presetClass="entr" presetSubtype="0" fill="hold" grpId="0" nodeType="clickEffect">
                                   <p:stCondLst>
                                     <p:cond delay="0"/>
                                   </p:stCondLst>
@@ -47284,7 +47313,7 @@
                                           </p:stCondLst>
                                         </p:cTn>
                                         <p:tgtEl>
-                                          <p:spTgt spid="15"/>
+                                          <p:spTgt spid="9"/>
                                         </p:tgtEl>
                                         <p:attrNameLst>
                                           <p:attrName>style.visibility</p:attrName>
@@ -47325,12 +47354,12 @@
       </p:par>
     </p:tnLst>
     <p:bldLst>
+      <p:bldGraphic spid="9" grpId="0">
+        <p:bldAsOne/>
+      </p:bldGraphic>
       <p:bldP spid="13" grpId="0"/>
       <p:bldP spid="13" grpId="1"/>
       <p:bldP spid="15" grpId="0"/>
-      <p:bldGraphic spid="3" grpId="0">
-        <p:bldAsOne/>
-      </p:bldGraphic>
       <p:bldP spid="16" grpId="0"/>
       <p:bldGraphic spid="21" grpId="0">
         <p:bldAsOne/>
@@ -54935,7 +54964,7 @@
   <a:extraClrSchemeLst/>
   <a:extLst>
     <a:ext uri="{05A4C25C-085E-4340-85A3-A5531E510DB2}">
-      <thm15:themeFamily xmlns="" xmlns:thm15="http://schemas.microsoft.com/office/thememl/2012/main" name="Office Theme" id="{62F939B6-93AF-4DB8-9C6B-D6C7DFDC589F}" vid="{4A3C46E8-61CC-4603-A589-7422A47A8E4A}"/>
+      <thm15:themeFamily xmlns:thm15="http://schemas.microsoft.com/office/thememl/2012/main" xmlns="" name="Office Theme" id="{62F939B6-93AF-4DB8-9C6B-D6C7DFDC589F}" vid="{4A3C46E8-61CC-4603-A589-7422A47A8E4A}"/>
     </a:ext>
   </a:extLst>
 </a:theme>
@@ -55237,7 +55266,7 @@
   <a:extraClrSchemeLst/>
   <a:extLst>
     <a:ext uri="{05A4C25C-085E-4340-85A3-A5531E510DB2}">
-      <thm15:themeFamily xmlns="" xmlns:thm15="http://schemas.microsoft.com/office/thememl/2012/main" name="SilverFox_Mentorship_Template" id="{726D2EC8-FE65-4BB6-9D87-EBBA7FA7A28A}" vid="{43A7A536-22B6-435A-A09C-B3CB1EAFEC96}"/>
+      <thm15:themeFamily xmlns:thm15="http://schemas.microsoft.com/office/thememl/2012/main" xmlns="" name="SilverFox_Mentorship_Template" id="{726D2EC8-FE65-4BB6-9D87-EBBA7FA7A28A}" vid="{43A7A536-22B6-435A-A09C-B3CB1EAFEC96}"/>
     </a:ext>
   </a:extLst>
 </a:theme>
@@ -55531,7 +55560,7 @@
   <a:extraClrSchemeLst/>
   <a:extLst>
     <a:ext uri="{05A4C25C-085E-4340-85A3-A5531E510DB2}">
-      <thm15:themeFamily xmlns="" xmlns:thm15="http://schemas.microsoft.com/office/thememl/2012/main" name="Office Theme" id="{62F939B6-93AF-4DB8-9C6B-D6C7DFDC589F}" vid="{4A3C46E8-61CC-4603-A589-7422A47A8E4A}"/>
+      <thm15:themeFamily xmlns:thm15="http://schemas.microsoft.com/office/thememl/2012/main" xmlns="" name="Office Theme" id="{62F939B6-93AF-4DB8-9C6B-D6C7DFDC589F}" vid="{4A3C46E8-61CC-4603-A589-7422A47A8E4A}"/>
     </a:ext>
   </a:extLst>
 </a:theme>
@@ -55792,7 +55821,7 @@
   <a:extraClrSchemeLst/>
   <a:extLst>
     <a:ext uri="{05A4C25C-085E-4340-85A3-A5531E510DB2}">
-      <thm15:themeFamily xmlns="" xmlns:thm15="http://schemas.microsoft.com/office/thememl/2012/main" name="Office Theme" id="{62F939B6-93AF-4DB8-9C6B-D6C7DFDC589F}" vid="{4A3C46E8-61CC-4603-A589-7422A47A8E4A}"/>
+      <thm15:themeFamily xmlns:thm15="http://schemas.microsoft.com/office/thememl/2012/main" xmlns="" name="Office Theme" id="{62F939B6-93AF-4DB8-9C6B-D6C7DFDC589F}" vid="{4A3C46E8-61CC-4603-A589-7422A47A8E4A}"/>
     </a:ext>
   </a:extLst>
 </a:theme>

--- a/pegasus/sites.v3/code.org/public/files/computer_science_advocacy.pptx
+++ b/pegasus/sites.v3/code.org/public/files/computer_science_advocacy.pptx
@@ -136,7 +136,7 @@
   </p:defaultTextStyle>
   <p:extLst>
     <p:ext uri="{EFAFB233-063F-42B5-8137-9DF3F51BA10A}">
-      <p15:sldGuideLst xmlns:p15="http://schemas.microsoft.com/office/powerpoint/2012/main" xmlns="">
+      <p15:sldGuideLst xmlns="" xmlns:p15="http://schemas.microsoft.com/office/powerpoint/2012/main">
         <p15:guide id="1" orient="horz" pos="331" userDrawn="1">
           <p15:clr>
             <a:srgbClr val="A4A3A4"/>
@@ -587,11 +587,11 @@
         </c:dLbls>
         <c:gapWidth val="150"/>
         <c:overlap val="100"/>
-        <c:axId val="2106935720"/>
-        <c:axId val="2083635528"/>
+        <c:axId val="2128625096"/>
+        <c:axId val="2128622024"/>
       </c:barChart>
       <c:catAx>
-        <c:axId val="2106935720"/>
+        <c:axId val="2128625096"/>
         <c:scaling>
           <c:orientation val="minMax"/>
         </c:scaling>
@@ -601,7 +601,7 @@
         <c:majorTickMark val="out"/>
         <c:minorTickMark val="none"/>
         <c:tickLblPos val="nextTo"/>
-        <c:crossAx val="2083635528"/>
+        <c:crossAx val="2128622024"/>
         <c:crosses val="autoZero"/>
         <c:auto val="1"/>
         <c:lblAlgn val="ctr"/>
@@ -609,7 +609,7 @@
         <c:noMultiLvlLbl val="0"/>
       </c:catAx>
       <c:valAx>
-        <c:axId val="2083635528"/>
+        <c:axId val="2128622024"/>
         <c:scaling>
           <c:orientation val="minMax"/>
         </c:scaling>
@@ -620,7 +620,7 @@
         <c:majorTickMark val="out"/>
         <c:minorTickMark val="none"/>
         <c:tickLblPos val="nextTo"/>
-        <c:crossAx val="2106935720"/>
+        <c:crossAx val="2128625096"/>
         <c:crosses val="autoZero"/>
         <c:crossBetween val="between"/>
       </c:valAx>
@@ -1183,7 +1183,7 @@
           <a:p>
             <a:fld id="{DBF07D2D-D193-49EA-AA40-D0161EE95780}" type="datetimeFigureOut">
               <a:rPr lang="en-US" smtClean="0"/>
-              <a:t>1/18/16</a:t>
+              <a:t>1/22/16</a:t>
             </a:fld>
             <a:endParaRPr lang="en-US"/>
           </a:p>
@@ -10853,7 +10853,7 @@
   </p:timing>
   <p:extLst mod="1">
     <p:ext uri="{DCECCB84-F9BA-43D5-87BE-67443E8EF086}">
-      <p15:sldGuideLst xmlns:p15="http://schemas.microsoft.com/office/powerpoint/2012/main" xmlns=""/>
+      <p15:sldGuideLst xmlns="" xmlns:p15="http://schemas.microsoft.com/office/powerpoint/2012/main"/>
     </p:ext>
   </p:extLst>
 </p:sldLayout>
@@ -15986,7 +15986,7 @@
   </p:timing>
   <p:extLst mod="1">
     <p:ext uri="{DCECCB84-F9BA-43D5-87BE-67443E8EF086}">
-      <p15:sldGuideLst xmlns:p15="http://schemas.microsoft.com/office/powerpoint/2012/main" xmlns=""/>
+      <p15:sldGuideLst xmlns="" xmlns:p15="http://schemas.microsoft.com/office/powerpoint/2012/main"/>
     </p:ext>
   </p:extLst>
 </p:sldLayout>
@@ -24575,7 +24575,7 @@
   </p:timing>
   <p:extLst mod="1">
     <p:ext uri="{DCECCB84-F9BA-43D5-87BE-67443E8EF086}">
-      <p15:sldGuideLst xmlns:p15="http://schemas.microsoft.com/office/powerpoint/2012/main" xmlns=""/>
+      <p15:sldGuideLst xmlns="" xmlns:p15="http://schemas.microsoft.com/office/powerpoint/2012/main"/>
     </p:ext>
   </p:extLst>
 </p:sldLayout>
@@ -28535,7 +28535,7 @@
   </p:timing>
   <p:extLst mod="1">
     <p:ext uri="{DCECCB84-F9BA-43D5-87BE-67443E8EF086}">
-      <p15:sldGuideLst xmlns:p15="http://schemas.microsoft.com/office/powerpoint/2012/main" xmlns=""/>
+      <p15:sldGuideLst xmlns="" xmlns:p15="http://schemas.microsoft.com/office/powerpoint/2012/main"/>
     </p:ext>
   </p:extLst>
 </p:sldLayout>
@@ -32666,7 +32666,7 @@
   </p:timing>
   <p:extLst mod="1">
     <p:ext uri="{DCECCB84-F9BA-43D5-87BE-67443E8EF086}">
-      <p15:sldGuideLst xmlns:p15="http://schemas.microsoft.com/office/powerpoint/2012/main" xmlns=""/>
+      <p15:sldGuideLst xmlns="" xmlns:p15="http://schemas.microsoft.com/office/powerpoint/2012/main"/>
     </p:ext>
   </p:extLst>
 </p:sldLayout>
@@ -36666,7 +36666,7 @@
   </p:timing>
   <p:extLst mod="1">
     <p:ext uri="{DCECCB84-F9BA-43D5-87BE-67443E8EF086}">
-      <p15:sldGuideLst xmlns:p15="http://schemas.microsoft.com/office/powerpoint/2012/main" xmlns=""/>
+      <p15:sldGuideLst xmlns="" xmlns:p15="http://schemas.microsoft.com/office/powerpoint/2012/main"/>
     </p:ext>
   </p:extLst>
 </p:sldLayout>
@@ -41040,7 +41040,7 @@
   </p:txStyles>
   <p:extLst mod="1">
     <p:ext uri="{27BBF7A9-308A-43DC-89C8-2F10F3537804}">
-      <p15:sldGuideLst xmlns:p15="http://schemas.microsoft.com/office/powerpoint/2012/main" xmlns="">
+      <p15:sldGuideLst xmlns="" xmlns:p15="http://schemas.microsoft.com/office/powerpoint/2012/main">
         <p15:guide id="1" orient="horz" pos="59">
           <p15:clr>
             <a:srgbClr val="5ACBF0"/>
@@ -46764,18 +46764,7 @@
                 <a:ea typeface="Adobe Gothic Std B" panose="020B0800000000000000" pitchFamily="34" charset="-128"/>
                 <a:cs typeface="Arial"/>
               </a:rPr>
-              <a:t>71</a:t>
-            </a:r>
-            <a:r>
-              <a:rPr lang="en-US" sz="5400" dirty="0" smtClean="0">
-                <a:solidFill>
-                  <a:srgbClr val="000000"/>
-                </a:solidFill>
-                <a:latin typeface="Arial"/>
-                <a:ea typeface="Adobe Gothic Std B" panose="020B0800000000000000" pitchFamily="34" charset="-128"/>
-                <a:cs typeface="Arial"/>
-              </a:rPr>
-              <a:t>%</a:t>
+              <a:t>71%</a:t>
             </a:r>
             <a:endParaRPr lang="en-US" sz="5400" dirty="0">
               <a:solidFill>
@@ -49589,7 +49578,7 @@
         <p:spPr>
           <a:xfrm>
             <a:off x="381000" y="140807"/>
-            <a:ext cx="8280400" cy="879938"/>
+            <a:ext cx="8572500" cy="879938"/>
           </a:xfrm>
           <a:prstGeom prst="rect">
             <a:avLst/>
@@ -49655,19 +49644,16 @@
                 <a:ea typeface="Adobe Gothic Std B" panose="020B0800000000000000" pitchFamily="34" charset="-128"/>
                 <a:cs typeface="Arial"/>
               </a:rPr>
-              <a:t>28 </a:t>
+              <a:t>28 states + DC</a:t>
             </a:r>
-            <a:r>
-              <a:rPr lang="en-US" sz="3200" b="1" dirty="0">
-                <a:solidFill>
-                  <a:srgbClr val="7665A0"/>
-                </a:solidFill>
-                <a:latin typeface="Arial"/>
-                <a:ea typeface="Adobe Gothic Std B" panose="020B0800000000000000" pitchFamily="34" charset="-128"/>
-                <a:cs typeface="Arial"/>
-              </a:rPr>
-              <a:t>states</a:t>
-            </a:r>
+            <a:endParaRPr lang="en-US" sz="3200" b="1" dirty="0">
+              <a:solidFill>
+                <a:srgbClr val="7665A0"/>
+              </a:solidFill>
+              <a:latin typeface="Arial"/>
+              <a:ea typeface="Adobe Gothic Std B" panose="020B0800000000000000" pitchFamily="34" charset="-128"/>
+              <a:cs typeface="Arial"/>
+            </a:endParaRPr>
           </a:p>
           <a:p>
             <a:pPr>
@@ -49733,7 +49719,7 @@
               </a:lnSpc>
             </a:pPr>
             <a:r>
-              <a:rPr lang="en-US" sz="2000">
+              <a:rPr lang="en-US" sz="2000" dirty="0">
                 <a:solidFill>
                   <a:srgbClr val="000000"/>
                 </a:solidFill>
@@ -49744,7 +49730,7 @@
               <a:t>In </a:t>
             </a:r>
             <a:r>
-              <a:rPr lang="en-US" sz="2000" smtClean="0">
+              <a:rPr lang="en-US" sz="2000" dirty="0" smtClean="0">
                 <a:solidFill>
                   <a:srgbClr val="000000"/>
                 </a:solidFill>
@@ -49752,7 +49738,7 @@
                 <a:ea typeface="Adobe Gothic Std B" panose="020B0800000000000000" pitchFamily="34" charset="-128"/>
                 <a:cs typeface="Arial"/>
               </a:rPr>
-              <a:t>27 </a:t>
+              <a:t>28 </a:t>
             </a:r>
             <a:r>
               <a:rPr lang="en-US" sz="2000" dirty="0">
@@ -49774,21 +49760,10 @@
                 <a:ea typeface="Adobe Gothic Std B" panose="020B0800000000000000" pitchFamily="34" charset="-128"/>
                 <a:cs typeface="Arial"/>
               </a:rPr>
-              <a:t>up </a:t>
+              <a:t>up from </a:t>
             </a:r>
             <a:r>
-              <a:rPr lang="en-US" sz="2000" b="1">
-                <a:solidFill>
-                  <a:srgbClr val="000000"/>
-                </a:solidFill>
-                <a:latin typeface="Arial"/>
-                <a:ea typeface="Adobe Gothic Std B" panose="020B0800000000000000" pitchFamily="34" charset="-128"/>
-                <a:cs typeface="Arial"/>
-              </a:rPr>
-              <a:t>from </a:t>
-            </a:r>
-            <a:r>
-              <a:rPr lang="en-US" sz="2000" b="1" smtClean="0">
+              <a:rPr lang="en-US" sz="2000" b="1" dirty="0" smtClean="0">
                 <a:solidFill>
                   <a:srgbClr val="000000"/>
                 </a:solidFill>
@@ -54964,7 +54939,7 @@
   <a:extraClrSchemeLst/>
   <a:extLst>
     <a:ext uri="{05A4C25C-085E-4340-85A3-A5531E510DB2}">
-      <thm15:themeFamily xmlns:thm15="http://schemas.microsoft.com/office/thememl/2012/main" xmlns="" name="Office Theme" id="{62F939B6-93AF-4DB8-9C6B-D6C7DFDC589F}" vid="{4A3C46E8-61CC-4603-A589-7422A47A8E4A}"/>
+      <thm15:themeFamily xmlns="" xmlns:thm15="http://schemas.microsoft.com/office/thememl/2012/main" name="Office Theme" id="{62F939B6-93AF-4DB8-9C6B-D6C7DFDC589F}" vid="{4A3C46E8-61CC-4603-A589-7422A47A8E4A}"/>
     </a:ext>
   </a:extLst>
 </a:theme>
@@ -55266,7 +55241,7 @@
   <a:extraClrSchemeLst/>
   <a:extLst>
     <a:ext uri="{05A4C25C-085E-4340-85A3-A5531E510DB2}">
-      <thm15:themeFamily xmlns:thm15="http://schemas.microsoft.com/office/thememl/2012/main" xmlns="" name="SilverFox_Mentorship_Template" id="{726D2EC8-FE65-4BB6-9D87-EBBA7FA7A28A}" vid="{43A7A536-22B6-435A-A09C-B3CB1EAFEC96}"/>
+      <thm15:themeFamily xmlns="" xmlns:thm15="http://schemas.microsoft.com/office/thememl/2012/main" name="SilverFox_Mentorship_Template" id="{726D2EC8-FE65-4BB6-9D87-EBBA7FA7A28A}" vid="{43A7A536-22B6-435A-A09C-B3CB1EAFEC96}"/>
     </a:ext>
   </a:extLst>
 </a:theme>
@@ -55560,7 +55535,7 @@
   <a:extraClrSchemeLst/>
   <a:extLst>
     <a:ext uri="{05A4C25C-085E-4340-85A3-A5531E510DB2}">
-      <thm15:themeFamily xmlns:thm15="http://schemas.microsoft.com/office/thememl/2012/main" xmlns="" name="Office Theme" id="{62F939B6-93AF-4DB8-9C6B-D6C7DFDC589F}" vid="{4A3C46E8-61CC-4603-A589-7422A47A8E4A}"/>
+      <thm15:themeFamily xmlns="" xmlns:thm15="http://schemas.microsoft.com/office/thememl/2012/main" name="Office Theme" id="{62F939B6-93AF-4DB8-9C6B-D6C7DFDC589F}" vid="{4A3C46E8-61CC-4603-A589-7422A47A8E4A}"/>
     </a:ext>
   </a:extLst>
 </a:theme>
@@ -55821,7 +55796,7 @@
   <a:extraClrSchemeLst/>
   <a:extLst>
     <a:ext uri="{05A4C25C-085E-4340-85A3-A5531E510DB2}">
-      <thm15:themeFamily xmlns:thm15="http://schemas.microsoft.com/office/thememl/2012/main" xmlns="" name="Office Theme" id="{62F939B6-93AF-4DB8-9C6B-D6C7DFDC589F}" vid="{4A3C46E8-61CC-4603-A589-7422A47A8E4A}"/>
+      <thm15:themeFamily xmlns="" xmlns:thm15="http://schemas.microsoft.com/office/thememl/2012/main" name="Office Theme" id="{62F939B6-93AF-4DB8-9C6B-D6C7DFDC589F}" vid="{4A3C46E8-61CC-4603-A589-7422A47A8E4A}"/>
     </a:ext>
   </a:extLst>
 </a:theme>

--- a/pegasus/sites.v3/code.org/public/files/computer_science_advocacy.pptx
+++ b/pegasus/sites.v3/code.org/public/files/computer_science_advocacy.pptx
@@ -136,7 +136,7 @@
   </p:defaultTextStyle>
   <p:extLst>
     <p:ext uri="{EFAFB233-063F-42B5-8137-9DF3F51BA10A}">
-      <p15:sldGuideLst xmlns="" xmlns:p15="http://schemas.microsoft.com/office/powerpoint/2012/main">
+      <p15:sldGuideLst xmlns:p15="http://schemas.microsoft.com/office/powerpoint/2012/main" xmlns="">
         <p15:guide id="1" orient="horz" pos="331" userDrawn="1">
           <p15:clr>
             <a:srgbClr val="A4A3A4"/>
@@ -587,11 +587,11 @@
         </c:dLbls>
         <c:gapWidth val="150"/>
         <c:overlap val="100"/>
-        <c:axId val="2128625096"/>
-        <c:axId val="2128622024"/>
+        <c:axId val="-2123644344"/>
+        <c:axId val="-2123350216"/>
       </c:barChart>
       <c:catAx>
-        <c:axId val="2128625096"/>
+        <c:axId val="-2123644344"/>
         <c:scaling>
           <c:orientation val="minMax"/>
         </c:scaling>
@@ -601,7 +601,7 @@
         <c:majorTickMark val="out"/>
         <c:minorTickMark val="none"/>
         <c:tickLblPos val="nextTo"/>
-        <c:crossAx val="2128622024"/>
+        <c:crossAx val="-2123350216"/>
         <c:crosses val="autoZero"/>
         <c:auto val="1"/>
         <c:lblAlgn val="ctr"/>
@@ -609,7 +609,7 @@
         <c:noMultiLvlLbl val="0"/>
       </c:catAx>
       <c:valAx>
-        <c:axId val="2128622024"/>
+        <c:axId val="-2123350216"/>
         <c:scaling>
           <c:orientation val="minMax"/>
         </c:scaling>
@@ -620,7 +620,7 @@
         <c:majorTickMark val="out"/>
         <c:minorTickMark val="none"/>
         <c:tickLblPos val="nextTo"/>
-        <c:crossAx val="2128625096"/>
+        <c:crossAx val="-2123644344"/>
         <c:crosses val="autoZero"/>
         <c:crossBetween val="between"/>
       </c:valAx>
@@ -1183,7 +1183,7 @@
           <a:p>
             <a:fld id="{DBF07D2D-D193-49EA-AA40-D0161EE95780}" type="datetimeFigureOut">
               <a:rPr lang="en-US" smtClean="0"/>
-              <a:t>1/22/16</a:t>
+              <a:t>1/28/16</a:t>
             </a:fld>
             <a:endParaRPr lang="en-US"/>
           </a:p>
@@ -10853,7 +10853,7 @@
   </p:timing>
   <p:extLst mod="1">
     <p:ext uri="{DCECCB84-F9BA-43D5-87BE-67443E8EF086}">
-      <p15:sldGuideLst xmlns="" xmlns:p15="http://schemas.microsoft.com/office/powerpoint/2012/main"/>
+      <p15:sldGuideLst xmlns:p15="http://schemas.microsoft.com/office/powerpoint/2012/main" xmlns=""/>
     </p:ext>
   </p:extLst>
 </p:sldLayout>
@@ -15986,7 +15986,7 @@
   </p:timing>
   <p:extLst mod="1">
     <p:ext uri="{DCECCB84-F9BA-43D5-87BE-67443E8EF086}">
-      <p15:sldGuideLst xmlns="" xmlns:p15="http://schemas.microsoft.com/office/powerpoint/2012/main"/>
+      <p15:sldGuideLst xmlns:p15="http://schemas.microsoft.com/office/powerpoint/2012/main" xmlns=""/>
     </p:ext>
   </p:extLst>
 </p:sldLayout>
@@ -24575,7 +24575,7 @@
   </p:timing>
   <p:extLst mod="1">
     <p:ext uri="{DCECCB84-F9BA-43D5-87BE-67443E8EF086}">
-      <p15:sldGuideLst xmlns="" xmlns:p15="http://schemas.microsoft.com/office/powerpoint/2012/main"/>
+      <p15:sldGuideLst xmlns:p15="http://schemas.microsoft.com/office/powerpoint/2012/main" xmlns=""/>
     </p:ext>
   </p:extLst>
 </p:sldLayout>
@@ -28535,7 +28535,7 @@
   </p:timing>
   <p:extLst mod="1">
     <p:ext uri="{DCECCB84-F9BA-43D5-87BE-67443E8EF086}">
-      <p15:sldGuideLst xmlns="" xmlns:p15="http://schemas.microsoft.com/office/powerpoint/2012/main"/>
+      <p15:sldGuideLst xmlns:p15="http://schemas.microsoft.com/office/powerpoint/2012/main" xmlns=""/>
     </p:ext>
   </p:extLst>
 </p:sldLayout>
@@ -32666,7 +32666,7 @@
   </p:timing>
   <p:extLst mod="1">
     <p:ext uri="{DCECCB84-F9BA-43D5-87BE-67443E8EF086}">
-      <p15:sldGuideLst xmlns="" xmlns:p15="http://schemas.microsoft.com/office/powerpoint/2012/main"/>
+      <p15:sldGuideLst xmlns:p15="http://schemas.microsoft.com/office/powerpoint/2012/main" xmlns=""/>
     </p:ext>
   </p:extLst>
 </p:sldLayout>
@@ -36666,7 +36666,7 @@
   </p:timing>
   <p:extLst mod="1">
     <p:ext uri="{DCECCB84-F9BA-43D5-87BE-67443E8EF086}">
-      <p15:sldGuideLst xmlns="" xmlns:p15="http://schemas.microsoft.com/office/powerpoint/2012/main"/>
+      <p15:sldGuideLst xmlns:p15="http://schemas.microsoft.com/office/powerpoint/2012/main" xmlns=""/>
     </p:ext>
   </p:extLst>
 </p:sldLayout>
@@ -41040,7 +41040,7 @@
   </p:txStyles>
   <p:extLst mod="1">
     <p:ext uri="{27BBF7A9-308A-43DC-89C8-2F10F3537804}">
-      <p15:sldGuideLst xmlns="" xmlns:p15="http://schemas.microsoft.com/office/powerpoint/2012/main">
+      <p15:sldGuideLst xmlns:p15="http://schemas.microsoft.com/office/powerpoint/2012/main" xmlns="">
         <p15:guide id="1" orient="horz" pos="59">
           <p15:clr>
             <a:srgbClr val="5ACBF0"/>
@@ -45029,6 +45029,35 @@
           <a:chExt cx="0" cy="0"/>
         </a:xfrm>
       </p:grpSpPr>
+      <p:pic>
+        <p:nvPicPr>
+          <p:cNvPr id="4" name="Picture 3" descr="jobs.png"/>
+          <p:cNvPicPr>
+            <a:picLocks noChangeAspect="1"/>
+          </p:cNvPicPr>
+          <p:nvPr/>
+        </p:nvPicPr>
+        <p:blipFill rotWithShape="1">
+          <a:blip r:embed="rId3">
+            <a:extLst>
+              <a:ext uri="{28A0092B-C50C-407E-A947-70E740481C1C}">
+                <a14:useLocalDpi xmlns:a14="http://schemas.microsoft.com/office/drawing/2010/main" val="0"/>
+              </a:ext>
+            </a:extLst>
+          </a:blip>
+          <a:srcRect t="17072" b="-9756"/>
+          <a:stretch/>
+        </p:blipFill>
+        <p:spPr>
+          <a:xfrm>
+            <a:off x="808737" y="1282700"/>
+            <a:ext cx="6862063" cy="4343400"/>
+          </a:xfrm>
+          <a:prstGeom prst="rect">
+            <a:avLst/>
+          </a:prstGeom>
+        </p:spPr>
+      </p:pic>
       <p:sp>
         <p:nvSpPr>
           <p:cNvPr id="3" name="Rectangle 2"/>
@@ -45066,36 +45095,6 @@
           </a:p>
         </p:txBody>
       </p:sp>
-      <p:pic>
-        <p:nvPicPr>
-          <p:cNvPr id="5" name="Picture 4" descr="diversity.png"/>
-          <p:cNvPicPr>
-            <a:picLocks noChangeAspect="1"/>
-          </p:cNvPicPr>
-          <p:nvPr/>
-        </p:nvPicPr>
-        <p:blipFill>
-          <a:blip r:embed="rId3">
-            <a:extLst>
-              <a:ext uri="{28A0092B-C50C-407E-A947-70E740481C1C}">
-                <a14:useLocalDpi xmlns:a14="http://schemas.microsoft.com/office/drawing/2010/main" val="0"/>
-              </a:ext>
-            </a:extLst>
-          </a:blip>
-          <a:stretch>
-            <a:fillRect/>
-          </a:stretch>
-        </p:blipFill>
-        <p:spPr>
-          <a:xfrm>
-            <a:off x="613833" y="485513"/>
-            <a:ext cx="8170333" cy="4943475"/>
-          </a:xfrm>
-          <a:prstGeom prst="rect">
-            <a:avLst/>
-          </a:prstGeom>
-        </p:spPr>
-      </p:pic>
       <p:sp>
         <p:nvSpPr>
           <p:cNvPr id="6" name="Title 1"/>
@@ -45164,7 +45163,7 @@
         </p:nvSpPr>
         <p:spPr>
           <a:xfrm>
-            <a:off x="5912246" y="2952750"/>
+            <a:off x="5112146" y="2876550"/>
             <a:ext cx="1949054" cy="938708"/>
           </a:xfrm>
           <a:prstGeom prst="rect">
@@ -54939,7 +54938,7 @@
   <a:extraClrSchemeLst/>
   <a:extLst>
     <a:ext uri="{05A4C25C-085E-4340-85A3-A5531E510DB2}">
-      <thm15:themeFamily xmlns="" xmlns:thm15="http://schemas.microsoft.com/office/thememl/2012/main" name="Office Theme" id="{62F939B6-93AF-4DB8-9C6B-D6C7DFDC589F}" vid="{4A3C46E8-61CC-4603-A589-7422A47A8E4A}"/>
+      <thm15:themeFamily xmlns:thm15="http://schemas.microsoft.com/office/thememl/2012/main" xmlns="" name="Office Theme" id="{62F939B6-93AF-4DB8-9C6B-D6C7DFDC589F}" vid="{4A3C46E8-61CC-4603-A589-7422A47A8E4A}"/>
     </a:ext>
   </a:extLst>
 </a:theme>
@@ -55241,7 +55240,7 @@
   <a:extraClrSchemeLst/>
   <a:extLst>
     <a:ext uri="{05A4C25C-085E-4340-85A3-A5531E510DB2}">
-      <thm15:themeFamily xmlns="" xmlns:thm15="http://schemas.microsoft.com/office/thememl/2012/main" name="SilverFox_Mentorship_Template" id="{726D2EC8-FE65-4BB6-9D87-EBBA7FA7A28A}" vid="{43A7A536-22B6-435A-A09C-B3CB1EAFEC96}"/>
+      <thm15:themeFamily xmlns:thm15="http://schemas.microsoft.com/office/thememl/2012/main" xmlns="" name="SilverFox_Mentorship_Template" id="{726D2EC8-FE65-4BB6-9D87-EBBA7FA7A28A}" vid="{43A7A536-22B6-435A-A09C-B3CB1EAFEC96}"/>
     </a:ext>
   </a:extLst>
 </a:theme>
@@ -55535,7 +55534,7 @@
   <a:extraClrSchemeLst/>
   <a:extLst>
     <a:ext uri="{05A4C25C-085E-4340-85A3-A5531E510DB2}">
-      <thm15:themeFamily xmlns="" xmlns:thm15="http://schemas.microsoft.com/office/thememl/2012/main" name="Office Theme" id="{62F939B6-93AF-4DB8-9C6B-D6C7DFDC589F}" vid="{4A3C46E8-61CC-4603-A589-7422A47A8E4A}"/>
+      <thm15:themeFamily xmlns:thm15="http://schemas.microsoft.com/office/thememl/2012/main" xmlns="" name="Office Theme" id="{62F939B6-93AF-4DB8-9C6B-D6C7DFDC589F}" vid="{4A3C46E8-61CC-4603-A589-7422A47A8E4A}"/>
     </a:ext>
   </a:extLst>
 </a:theme>
@@ -55796,7 +55795,7 @@
   <a:extraClrSchemeLst/>
   <a:extLst>
     <a:ext uri="{05A4C25C-085E-4340-85A3-A5531E510DB2}">
-      <thm15:themeFamily xmlns="" xmlns:thm15="http://schemas.microsoft.com/office/thememl/2012/main" name="Office Theme" id="{62F939B6-93AF-4DB8-9C6B-D6C7DFDC589F}" vid="{4A3C46E8-61CC-4603-A589-7422A47A8E4A}"/>
+      <thm15:themeFamily xmlns:thm15="http://schemas.microsoft.com/office/thememl/2012/main" xmlns="" name="Office Theme" id="{62F939B6-93AF-4DB8-9C6B-D6C7DFDC589F}" vid="{4A3C46E8-61CC-4603-A589-7422A47A8E4A}"/>
     </a:ext>
   </a:extLst>
 </a:theme>

--- a/pegasus/sites.v3/code.org/public/files/computer_science_advocacy.pptx
+++ b/pegasus/sites.v3/code.org/public/files/computer_science_advocacy.pptx
@@ -136,7 +136,7 @@
   </p:defaultTextStyle>
   <p:extLst>
     <p:ext uri="{EFAFB233-063F-42B5-8137-9DF3F51BA10A}">
-      <p15:sldGuideLst xmlns:p15="http://schemas.microsoft.com/office/powerpoint/2012/main" xmlns="">
+      <p15:sldGuideLst xmlns="" xmlns:p15="http://schemas.microsoft.com/office/powerpoint/2012/main">
         <p15:guide id="1" orient="horz" pos="331" userDrawn="1">
           <p15:clr>
             <a:srgbClr val="A4A3A4"/>
@@ -587,11 +587,11 @@
         </c:dLbls>
         <c:gapWidth val="150"/>
         <c:overlap val="100"/>
-        <c:axId val="-2123644344"/>
-        <c:axId val="-2123350216"/>
+        <c:axId val="2117800120"/>
+        <c:axId val="2117809960"/>
       </c:barChart>
       <c:catAx>
-        <c:axId val="-2123644344"/>
+        <c:axId val="2117800120"/>
         <c:scaling>
           <c:orientation val="minMax"/>
         </c:scaling>
@@ -601,7 +601,7 @@
         <c:majorTickMark val="out"/>
         <c:minorTickMark val="none"/>
         <c:tickLblPos val="nextTo"/>
-        <c:crossAx val="-2123350216"/>
+        <c:crossAx val="2117809960"/>
         <c:crosses val="autoZero"/>
         <c:auto val="1"/>
         <c:lblAlgn val="ctr"/>
@@ -609,7 +609,7 @@
         <c:noMultiLvlLbl val="0"/>
       </c:catAx>
       <c:valAx>
-        <c:axId val="-2123350216"/>
+        <c:axId val="2117809960"/>
         <c:scaling>
           <c:orientation val="minMax"/>
         </c:scaling>
@@ -620,7 +620,7 @@
         <c:majorTickMark val="out"/>
         <c:minorTickMark val="none"/>
         <c:tickLblPos val="nextTo"/>
-        <c:crossAx val="-2123644344"/>
+        <c:crossAx val="2117800120"/>
         <c:crosses val="autoZero"/>
         <c:crossBetween val="between"/>
       </c:valAx>
@@ -1183,7 +1183,7 @@
           <a:p>
             <a:fld id="{DBF07D2D-D193-49EA-AA40-D0161EE95780}" type="datetimeFigureOut">
               <a:rPr lang="en-US" smtClean="0"/>
-              <a:t>1/28/16</a:t>
+              <a:t>2/1/16</a:t>
             </a:fld>
             <a:endParaRPr lang="en-US"/>
           </a:p>
@@ -10853,7 +10853,7 @@
   </p:timing>
   <p:extLst mod="1">
     <p:ext uri="{DCECCB84-F9BA-43D5-87BE-67443E8EF086}">
-      <p15:sldGuideLst xmlns:p15="http://schemas.microsoft.com/office/powerpoint/2012/main" xmlns=""/>
+      <p15:sldGuideLst xmlns="" xmlns:p15="http://schemas.microsoft.com/office/powerpoint/2012/main"/>
     </p:ext>
   </p:extLst>
 </p:sldLayout>
@@ -15986,7 +15986,7 @@
   </p:timing>
   <p:extLst mod="1">
     <p:ext uri="{DCECCB84-F9BA-43D5-87BE-67443E8EF086}">
-      <p15:sldGuideLst xmlns:p15="http://schemas.microsoft.com/office/powerpoint/2012/main" xmlns=""/>
+      <p15:sldGuideLst xmlns="" xmlns:p15="http://schemas.microsoft.com/office/powerpoint/2012/main"/>
     </p:ext>
   </p:extLst>
 </p:sldLayout>
@@ -24575,7 +24575,7 @@
   </p:timing>
   <p:extLst mod="1">
     <p:ext uri="{DCECCB84-F9BA-43D5-87BE-67443E8EF086}">
-      <p15:sldGuideLst xmlns:p15="http://schemas.microsoft.com/office/powerpoint/2012/main" xmlns=""/>
+      <p15:sldGuideLst xmlns="" xmlns:p15="http://schemas.microsoft.com/office/powerpoint/2012/main"/>
     </p:ext>
   </p:extLst>
 </p:sldLayout>
@@ -28535,7 +28535,7 @@
   </p:timing>
   <p:extLst mod="1">
     <p:ext uri="{DCECCB84-F9BA-43D5-87BE-67443E8EF086}">
-      <p15:sldGuideLst xmlns:p15="http://schemas.microsoft.com/office/powerpoint/2012/main" xmlns=""/>
+      <p15:sldGuideLst xmlns="" xmlns:p15="http://schemas.microsoft.com/office/powerpoint/2012/main"/>
     </p:ext>
   </p:extLst>
 </p:sldLayout>
@@ -32666,7 +32666,7 @@
   </p:timing>
   <p:extLst mod="1">
     <p:ext uri="{DCECCB84-F9BA-43D5-87BE-67443E8EF086}">
-      <p15:sldGuideLst xmlns:p15="http://schemas.microsoft.com/office/powerpoint/2012/main" xmlns=""/>
+      <p15:sldGuideLst xmlns="" xmlns:p15="http://schemas.microsoft.com/office/powerpoint/2012/main"/>
     </p:ext>
   </p:extLst>
 </p:sldLayout>
@@ -36666,7 +36666,7 @@
   </p:timing>
   <p:extLst mod="1">
     <p:ext uri="{DCECCB84-F9BA-43D5-87BE-67443E8EF086}">
-      <p15:sldGuideLst xmlns:p15="http://schemas.microsoft.com/office/powerpoint/2012/main" xmlns=""/>
+      <p15:sldGuideLst xmlns="" xmlns:p15="http://schemas.microsoft.com/office/powerpoint/2012/main"/>
     </p:ext>
   </p:extLst>
 </p:sldLayout>
@@ -41040,7 +41040,7 @@
   </p:txStyles>
   <p:extLst mod="1">
     <p:ext uri="{27BBF7A9-308A-43DC-89C8-2F10F3537804}">
-      <p15:sldGuideLst xmlns:p15="http://schemas.microsoft.com/office/powerpoint/2012/main" xmlns="">
+      <p15:sldGuideLst xmlns="" xmlns:p15="http://schemas.microsoft.com/office/powerpoint/2012/main">
         <p15:guide id="1" orient="horz" pos="59">
           <p15:clr>
             <a:srgbClr val="5ACBF0"/>
@@ -45150,8 +45150,27 @@
                 <a:ea typeface="Adobe Gothic Std B" panose="020B0800000000000000" pitchFamily="34" charset="-128"/>
                 <a:cs typeface="Arial"/>
               </a:rPr>
-              <a:t>The Bureau of Labor Statistics predicts 1 million open computing jobs in the U.S. by 2022</a:t>
+              <a:t>The Bureau of Labor Statistics predicts 1 million open computing jobs in the U.S. by </a:t>
             </a:r>
+            <a:r>
+              <a:rPr lang="en-US" sz="2800" dirty="0" smtClean="0">
+                <a:solidFill>
+                  <a:srgbClr val="000000"/>
+                </a:solidFill>
+                <a:latin typeface="Arial"/>
+                <a:ea typeface="Adobe Gothic Std B" panose="020B0800000000000000" pitchFamily="34" charset="-128"/>
+                <a:cs typeface="Arial"/>
+              </a:rPr>
+              <a:t>2024</a:t>
+            </a:r>
+            <a:endParaRPr lang="en-US" sz="2800" dirty="0">
+              <a:solidFill>
+                <a:srgbClr val="000000"/>
+              </a:solidFill>
+              <a:latin typeface="Arial"/>
+              <a:ea typeface="Adobe Gothic Std B" panose="020B0800000000000000" pitchFamily="34" charset="-128"/>
+              <a:cs typeface="Arial"/>
+            </a:endParaRPr>
           </a:p>
         </p:txBody>
       </p:sp>
@@ -54938,7 +54957,7 @@
   <a:extraClrSchemeLst/>
   <a:extLst>
     <a:ext uri="{05A4C25C-085E-4340-85A3-A5531E510DB2}">
-      <thm15:themeFamily xmlns:thm15="http://schemas.microsoft.com/office/thememl/2012/main" xmlns="" name="Office Theme" id="{62F939B6-93AF-4DB8-9C6B-D6C7DFDC589F}" vid="{4A3C46E8-61CC-4603-A589-7422A47A8E4A}"/>
+      <thm15:themeFamily xmlns="" xmlns:thm15="http://schemas.microsoft.com/office/thememl/2012/main" name="Office Theme" id="{62F939B6-93AF-4DB8-9C6B-D6C7DFDC589F}" vid="{4A3C46E8-61CC-4603-A589-7422A47A8E4A}"/>
     </a:ext>
   </a:extLst>
 </a:theme>
@@ -55240,7 +55259,7 @@
   <a:extraClrSchemeLst/>
   <a:extLst>
     <a:ext uri="{05A4C25C-085E-4340-85A3-A5531E510DB2}">
-      <thm15:themeFamily xmlns:thm15="http://schemas.microsoft.com/office/thememl/2012/main" xmlns="" name="SilverFox_Mentorship_Template" id="{726D2EC8-FE65-4BB6-9D87-EBBA7FA7A28A}" vid="{43A7A536-22B6-435A-A09C-B3CB1EAFEC96}"/>
+      <thm15:themeFamily xmlns="" xmlns:thm15="http://schemas.microsoft.com/office/thememl/2012/main" name="SilverFox_Mentorship_Template" id="{726D2EC8-FE65-4BB6-9D87-EBBA7FA7A28A}" vid="{43A7A536-22B6-435A-A09C-B3CB1EAFEC96}"/>
     </a:ext>
   </a:extLst>
 </a:theme>
@@ -55534,7 +55553,7 @@
   <a:extraClrSchemeLst/>
   <a:extLst>
     <a:ext uri="{05A4C25C-085E-4340-85A3-A5531E510DB2}">
-      <thm15:themeFamily xmlns:thm15="http://schemas.microsoft.com/office/thememl/2012/main" xmlns="" name="Office Theme" id="{62F939B6-93AF-4DB8-9C6B-D6C7DFDC589F}" vid="{4A3C46E8-61CC-4603-A589-7422A47A8E4A}"/>
+      <thm15:themeFamily xmlns="" xmlns:thm15="http://schemas.microsoft.com/office/thememl/2012/main" name="Office Theme" id="{62F939B6-93AF-4DB8-9C6B-D6C7DFDC589F}" vid="{4A3C46E8-61CC-4603-A589-7422A47A8E4A}"/>
     </a:ext>
   </a:extLst>
 </a:theme>
@@ -55795,7 +55814,7 @@
   <a:extraClrSchemeLst/>
   <a:extLst>
     <a:ext uri="{05A4C25C-085E-4340-85A3-A5531E510DB2}">
-      <thm15:themeFamily xmlns:thm15="http://schemas.microsoft.com/office/thememl/2012/main" xmlns="" name="Office Theme" id="{62F939B6-93AF-4DB8-9C6B-D6C7DFDC589F}" vid="{4A3C46E8-61CC-4603-A589-7422A47A8E4A}"/>
+      <thm15:themeFamily xmlns="" xmlns:thm15="http://schemas.microsoft.com/office/thememl/2012/main" name="Office Theme" id="{62F939B6-93AF-4DB8-9C6B-D6C7DFDC589F}" vid="{4A3C46E8-61CC-4603-A589-7422A47A8E4A}"/>
     </a:ext>
   </a:extLst>
 </a:theme>

--- a/pegasus/sites.v3/code.org/public/files/computer_science_advocacy.pptx
+++ b/pegasus/sites.v3/code.org/public/files/computer_science_advocacy.pptx
@@ -16,7 +16,7 @@
     <p:sldId id="422" r:id="rId7"/>
     <p:sldId id="423" r:id="rId8"/>
     <p:sldId id="424" r:id="rId9"/>
-    <p:sldId id="425" r:id="rId10"/>
+    <p:sldId id="440" r:id="rId10"/>
     <p:sldId id="430" r:id="rId11"/>
     <p:sldId id="431" r:id="rId12"/>
     <p:sldId id="432" r:id="rId13"/>
@@ -136,7 +136,7 @@
   </p:defaultTextStyle>
   <p:extLst>
     <p:ext uri="{EFAFB233-063F-42B5-8137-9DF3F51BA10A}">
-      <p15:sldGuideLst xmlns="" xmlns:p15="http://schemas.microsoft.com/office/powerpoint/2012/main">
+      <p15:sldGuideLst xmlns:p15="http://schemas.microsoft.com/office/powerpoint/2012/main" xmlns="">
         <p15:guide id="1" orient="horz" pos="331" userDrawn="1">
           <p15:clr>
             <a:srgbClr val="A4A3A4"/>
@@ -448,13 +448,23 @@
   <c:chart>
     <c:autoTitleDeleted val="0"/>
     <c:plotArea>
-      <c:layout/>
+      <c:layout>
+        <c:manualLayout>
+          <c:layoutTarget val="inner"/>
+          <c:xMode val="edge"/>
+          <c:yMode val="edge"/>
+          <c:x val="0.0666804620055023"/>
+          <c:y val="0.0417000907248491"/>
+          <c:w val="0.913741224741486"/>
+          <c:h val="0.876995593075815"/>
+        </c:manualLayout>
+      </c:layout>
       <c:barChart>
         <c:barDir val="col"/>
         <c:grouping val="stacked"/>
         <c:varyColors val="0"/>
         <c:ser>
-          <c:idx val="0"/>
+          <c:idx val="1"/>
           <c:order val="0"/>
           <c:spPr>
             <a:noFill/>
@@ -463,23 +473,12 @@
             </a:ln>
           </c:spPr>
           <c:invertIfNegative val="0"/>
-          <c:dPt>
-            <c:idx val="0"/>
-            <c:invertIfNegative val="0"/>
-            <c:bubble3D val="0"/>
-            <c:spPr>
-              <a:noFill/>
-              <a:ln>
-                <a:noFill/>
-              </a:ln>
-            </c:spPr>
-          </c:dPt>
           <c:cat>
             <c:numRef>
-              <c:f>Sheet1!$A$25:$A$38</c:f>
+              <c:f>Sheet1!$A$25:$A$39</c:f>
               <c:numCache>
                 <c:formatCode>General</c:formatCode>
-                <c:ptCount val="14"/>
+                <c:ptCount val="15"/>
                 <c:pt idx="0">
                   <c:v>2000.0</c:v>
                 </c:pt>
@@ -522,15 +521,18 @@
                 <c:pt idx="13">
                   <c:v>2013.0</c:v>
                 </c:pt>
+                <c:pt idx="14">
+                  <c:v>2014.0</c:v>
+                </c:pt>
               </c:numCache>
             </c:numRef>
           </c:cat>
           <c:val>
             <c:numRef>
-              <c:f>Sheet1!$C$25:$C$38</c:f>
+              <c:f>Sheet1!$C$25:$C$39</c:f>
               <c:numCache>
                 <c:formatCode>#,##0</c:formatCode>
-                <c:ptCount val="14"/>
+                <c:ptCount val="15"/>
                 <c:pt idx="0">
                   <c:v>9268.0</c:v>
                 </c:pt>
@@ -573,6 +575,128 @@
                 <c:pt idx="13">
                   <c:v>6338.0</c:v>
                 </c:pt>
+                <c:pt idx="14">
+                  <c:v>7327.0</c:v>
+                </c:pt>
+              </c:numCache>
+            </c:numRef>
+          </c:val>
+        </c:ser>
+        <c:ser>
+          <c:idx val="2"/>
+          <c:order val="1"/>
+          <c:spPr>
+            <a:noFill/>
+            <a:ln>
+              <a:noFill/>
+            </a:ln>
+          </c:spPr>
+          <c:invertIfNegative val="0"/>
+          <c:cat>
+            <c:numRef>
+              <c:f>Sheet1!$A$25:$A$39</c:f>
+              <c:numCache>
+                <c:formatCode>General</c:formatCode>
+                <c:ptCount val="15"/>
+                <c:pt idx="0">
+                  <c:v>2000.0</c:v>
+                </c:pt>
+                <c:pt idx="1">
+                  <c:v>2001.0</c:v>
+                </c:pt>
+                <c:pt idx="2">
+                  <c:v>2002.0</c:v>
+                </c:pt>
+                <c:pt idx="3">
+                  <c:v>2003.0</c:v>
+                </c:pt>
+                <c:pt idx="4">
+                  <c:v>2004.0</c:v>
+                </c:pt>
+                <c:pt idx="5">
+                  <c:v>2005.0</c:v>
+                </c:pt>
+                <c:pt idx="6">
+                  <c:v>2006.0</c:v>
+                </c:pt>
+                <c:pt idx="7">
+                  <c:v>2007.0</c:v>
+                </c:pt>
+                <c:pt idx="8">
+                  <c:v>2008.0</c:v>
+                </c:pt>
+                <c:pt idx="9">
+                  <c:v>2009.0</c:v>
+                </c:pt>
+                <c:pt idx="10">
+                  <c:v>2010.0</c:v>
+                </c:pt>
+                <c:pt idx="11">
+                  <c:v>2011.0</c:v>
+                </c:pt>
+                <c:pt idx="12">
+                  <c:v>2012.0</c:v>
+                </c:pt>
+                <c:pt idx="13">
+                  <c:v>2013.0</c:v>
+                </c:pt>
+                <c:pt idx="14">
+                  <c:v>2014.0</c:v>
+                </c:pt>
+              </c:numCache>
+            </c:numRef>
+          </c:cat>
+          <c:val>
+            <c:numRef>
+              <c:f>Sheet1!$D$25:$D$39</c:f>
+              <c:numCache>
+                <c:formatCode>#,##0</c:formatCode>
+                <c:ptCount val="15"/>
+                <c:pt idx="0">
+                  <c:v>24548.0</c:v>
+                </c:pt>
+                <c:pt idx="1">
+                  <c:v>28269.0</c:v>
+                </c:pt>
+                <c:pt idx="2">
+                  <c:v>31474.0</c:v>
+                </c:pt>
+                <c:pt idx="3">
+                  <c:v>35665.0</c:v>
+                </c:pt>
+                <c:pt idx="4">
+                  <c:v>35975.0</c:v>
+                </c:pt>
+                <c:pt idx="5">
+                  <c:v>33535.0</c:v>
+                </c:pt>
+                <c:pt idx="6">
+                  <c:v>28690.0</c:v>
+                </c:pt>
+                <c:pt idx="7">
+                  <c:v>25825.0</c:v>
+                </c:pt>
+                <c:pt idx="8">
+                  <c:v>23644.0</c:v>
+                </c:pt>
+                <c:pt idx="9">
+                  <c:v>23547.0</c:v>
+                </c:pt>
+                <c:pt idx="10">
+                  <c:v>24113.0</c:v>
+                </c:pt>
+                <c:pt idx="11">
+                  <c:v>26584.0</c:v>
+                </c:pt>
+                <c:pt idx="12">
+                  <c:v>29172.0</c:v>
+                </c:pt>
+                <c:pt idx="13">
+                  <c:v>31837.0</c:v>
+                </c:pt>
+                <c:pt idx="14">
+                  <c:v>35642.0</c:v>
+                </c:pt>
               </c:numCache>
             </c:numRef>
           </c:val>
@@ -587,11 +711,11 @@
         </c:dLbls>
         <c:gapWidth val="150"/>
         <c:overlap val="100"/>
-        <c:axId val="2117800120"/>
-        <c:axId val="2117809960"/>
+        <c:axId val="2132474680"/>
+        <c:axId val="2132477656"/>
       </c:barChart>
       <c:catAx>
-        <c:axId val="2117800120"/>
+        <c:axId val="2132474680"/>
         <c:scaling>
           <c:orientation val="minMax"/>
         </c:scaling>
@@ -601,7 +725,7 @@
         <c:majorTickMark val="out"/>
         <c:minorTickMark val="none"/>
         <c:tickLblPos val="nextTo"/>
-        <c:crossAx val="2117809960"/>
+        <c:crossAx val="2132477656"/>
         <c:crosses val="autoZero"/>
         <c:auto val="1"/>
         <c:lblAlgn val="ctr"/>
@@ -609,9 +733,10 @@
         <c:noMultiLvlLbl val="0"/>
       </c:catAx>
       <c:valAx>
-        <c:axId val="2117809960"/>
+        <c:axId val="2132477656"/>
         <c:scaling>
           <c:orientation val="minMax"/>
+          <c:max val="50000.0"/>
         </c:scaling>
         <c:delete val="0"/>
         <c:axPos val="l"/>
@@ -620,7 +745,7 @@
         <c:majorTickMark val="out"/>
         <c:minorTickMark val="none"/>
         <c:tickLblPos val="nextTo"/>
-        <c:crossAx val="2117800120"/>
+        <c:crossAx val="2132474680"/>
         <c:crosses val="autoZero"/>
         <c:crossBetween val="between"/>
       </c:valAx>
@@ -1183,7 +1308,7 @@
           <a:p>
             <a:fld id="{DBF07D2D-D193-49EA-AA40-D0161EE95780}" type="datetimeFigureOut">
               <a:rPr lang="en-US" smtClean="0"/>
-              <a:t>2/1/16</a:t>
+              <a:t>2/18/16</a:t>
             </a:fld>
             <a:endParaRPr lang="en-US"/>
           </a:p>
@@ -1540,7 +1665,180 @@
 </p:notes>
 </file>
 
+<file path=ppt/notesSlides/notesSlide10.xml><?xml version="1.0" encoding="utf-8"?>
+<p:notes xmlns:a="http://schemas.openxmlformats.org/drawingml/2006/main" xmlns:r="http://schemas.openxmlformats.org/officeDocument/2006/relationships" xmlns:p="http://schemas.openxmlformats.org/presentationml/2006/main">
+  <p:cSld>
+    <p:spTree>
+      <p:nvGrpSpPr>
+        <p:cNvPr id="1" name=""/>
+        <p:cNvGrpSpPr/>
+        <p:nvPr/>
+      </p:nvGrpSpPr>
+      <p:grpSpPr>
+        <a:xfrm>
+          <a:off x="0" y="0"/>
+          <a:ext cx="0" cy="0"/>
+          <a:chOff x="0" y="0"/>
+          <a:chExt cx="0" cy="0"/>
+        </a:xfrm>
+      </p:grpSpPr>
+      <p:sp>
+        <p:nvSpPr>
+          <p:cNvPr id="2" name="Slide Image Placeholder 1"/>
+          <p:cNvSpPr>
+            <a:spLocks noGrp="1" noRot="1" noChangeAspect="1"/>
+          </p:cNvSpPr>
+          <p:nvPr>
+            <p:ph type="sldImg"/>
+          </p:nvPr>
+        </p:nvSpPr>
+        <p:spPr>
+          <a:xfrm>
+            <a:off x="685800" y="1143000"/>
+            <a:ext cx="5486400" cy="3086100"/>
+          </a:xfrm>
+        </p:spPr>
+      </p:sp>
+      <p:sp>
+        <p:nvSpPr>
+          <p:cNvPr id="3" name="Notes Placeholder 2"/>
+          <p:cNvSpPr>
+            <a:spLocks noGrp="1"/>
+          </p:cNvSpPr>
+          <p:nvPr>
+            <p:ph type="body" idx="1"/>
+          </p:nvPr>
+        </p:nvSpPr>
+        <p:spPr/>
+        <p:txBody>
+          <a:bodyPr/>
+          <a:lstStyle/>
+          <a:p>
+            <a:endParaRPr lang="en-US" dirty="0"/>
+          </a:p>
+        </p:txBody>
+      </p:sp>
+      <p:sp>
+        <p:nvSpPr>
+          <p:cNvPr id="4" name="Slide Number Placeholder 3"/>
+          <p:cNvSpPr>
+            <a:spLocks noGrp="1"/>
+          </p:cNvSpPr>
+          <p:nvPr>
+            <p:ph type="sldNum" sz="quarter" idx="10"/>
+          </p:nvPr>
+        </p:nvSpPr>
+        <p:spPr/>
+        <p:txBody>
+          <a:bodyPr/>
+          <a:lstStyle/>
+          <a:p>
+            <a:fld id="{D7522C71-FE57-4B9A-AC4B-B46CC73ADB87}" type="slidenum">
+              <a:rPr lang="en-US" smtClean="0"/>
+              <a:t>26</a:t>
+            </a:fld>
+            <a:endParaRPr lang="en-US"/>
+          </a:p>
+        </p:txBody>
+      </p:sp>
+    </p:spTree>
+    <p:extLst>
+      <p:ext uri="{BB962C8B-B14F-4D97-AF65-F5344CB8AC3E}">
+        <p14:creationId xmlns:p14="http://schemas.microsoft.com/office/powerpoint/2010/main" val="3827660653"/>
+      </p:ext>
+    </p:extLst>
+  </p:cSld>
+  <p:clrMapOvr>
+    <a:masterClrMapping/>
+  </p:clrMapOvr>
+</p:notes>
+</file>
+
 <file path=ppt/notesSlides/notesSlide2.xml><?xml version="1.0" encoding="utf-8"?>
+<p:notes xmlns:a="http://schemas.openxmlformats.org/drawingml/2006/main" xmlns:r="http://schemas.openxmlformats.org/officeDocument/2006/relationships" xmlns:p="http://schemas.openxmlformats.org/presentationml/2006/main">
+  <p:cSld>
+    <p:spTree>
+      <p:nvGrpSpPr>
+        <p:cNvPr id="1" name=""/>
+        <p:cNvGrpSpPr/>
+        <p:nvPr/>
+      </p:nvGrpSpPr>
+      <p:grpSpPr>
+        <a:xfrm>
+          <a:off x="0" y="0"/>
+          <a:ext cx="0" cy="0"/>
+          <a:chOff x="0" y="0"/>
+          <a:chExt cx="0" cy="0"/>
+        </a:xfrm>
+      </p:grpSpPr>
+      <p:sp>
+        <p:nvSpPr>
+          <p:cNvPr id="2" name="Slide Image Placeholder 1"/>
+          <p:cNvSpPr>
+            <a:spLocks noGrp="1" noRot="1" noChangeAspect="1"/>
+          </p:cNvSpPr>
+          <p:nvPr>
+            <p:ph type="sldImg"/>
+          </p:nvPr>
+        </p:nvSpPr>
+        <p:spPr/>
+      </p:sp>
+      <p:sp>
+        <p:nvSpPr>
+          <p:cNvPr id="3" name="Notes Placeholder 2"/>
+          <p:cNvSpPr>
+            <a:spLocks noGrp="1"/>
+          </p:cNvSpPr>
+          <p:nvPr>
+            <p:ph type="body" idx="1"/>
+          </p:nvPr>
+        </p:nvSpPr>
+        <p:spPr/>
+        <p:txBody>
+          <a:bodyPr/>
+          <a:lstStyle/>
+          <a:p>
+            <a:endParaRPr lang="en-US" dirty="0"/>
+          </a:p>
+        </p:txBody>
+      </p:sp>
+      <p:sp>
+        <p:nvSpPr>
+          <p:cNvPr id="4" name="Slide Number Placeholder 3"/>
+          <p:cNvSpPr>
+            <a:spLocks noGrp="1"/>
+          </p:cNvSpPr>
+          <p:nvPr>
+            <p:ph type="sldNum" sz="quarter" idx="10"/>
+          </p:nvPr>
+        </p:nvSpPr>
+        <p:spPr/>
+        <p:txBody>
+          <a:bodyPr/>
+          <a:lstStyle/>
+          <a:p>
+            <a:fld id="{D7522C71-FE57-4B9A-AC4B-B46CC73ADB87}" type="slidenum">
+              <a:rPr lang="en-US" smtClean="0"/>
+              <a:t>7</a:t>
+            </a:fld>
+            <a:endParaRPr lang="en-US"/>
+          </a:p>
+        </p:txBody>
+      </p:sp>
+    </p:spTree>
+    <p:extLst>
+      <p:ext uri="{BB962C8B-B14F-4D97-AF65-F5344CB8AC3E}">
+        <p14:creationId xmlns:p14="http://schemas.microsoft.com/office/powerpoint/2010/main" val="886174451"/>
+      </p:ext>
+    </p:extLst>
+  </p:cSld>
+  <p:clrMapOvr>
+    <a:masterClrMapping/>
+  </p:clrMapOvr>
+</p:notes>
+</file>
+
+<file path=ppt/notesSlides/notesSlide3.xml><?xml version="1.0" encoding="utf-8"?>
 <p:notes xmlns:a="http://schemas.openxmlformats.org/drawingml/2006/main" xmlns:r="http://schemas.openxmlformats.org/officeDocument/2006/relationships" xmlns:p="http://schemas.openxmlformats.org/presentationml/2006/main">
   <p:cSld>
     <p:spTree>
@@ -1656,7 +1954,7 @@
 </p:notes>
 </file>
 
-<file path=ppt/notesSlides/notesSlide3.xml><?xml version="1.0" encoding="utf-8"?>
+<file path=ppt/notesSlides/notesSlide4.xml><?xml version="1.0" encoding="utf-8"?>
 <p:notes xmlns:a="http://schemas.openxmlformats.org/drawingml/2006/main" xmlns:r="http://schemas.openxmlformats.org/officeDocument/2006/relationships" xmlns:p="http://schemas.openxmlformats.org/presentationml/2006/main">
   <p:cSld>
     <p:spTree>
@@ -1764,7 +2062,7 @@
 </p:notes>
 </file>
 
-<file path=ppt/notesSlides/notesSlide4.xml><?xml version="1.0" encoding="utf-8"?>
+<file path=ppt/notesSlides/notesSlide5.xml><?xml version="1.0" encoding="utf-8"?>
 <p:notes xmlns:a="http://schemas.openxmlformats.org/drawingml/2006/main" xmlns:r="http://schemas.openxmlformats.org/officeDocument/2006/relationships" xmlns:p="http://schemas.openxmlformats.org/presentationml/2006/main">
   <p:cSld>
     <p:spTree>
@@ -1853,7 +2151,7 @@
 </p:notes>
 </file>
 
-<file path=ppt/notesSlides/notesSlide5.xml><?xml version="1.0" encoding="utf-8"?>
+<file path=ppt/notesSlides/notesSlide6.xml><?xml version="1.0" encoding="utf-8"?>
 <p:notes xmlns:a="http://schemas.openxmlformats.org/drawingml/2006/main" xmlns:r="http://schemas.openxmlformats.org/officeDocument/2006/relationships" xmlns:p="http://schemas.openxmlformats.org/presentationml/2006/main">
   <p:cSld>
     <p:spTree>
@@ -1942,7 +2240,7 @@
 </p:notes>
 </file>
 
-<file path=ppt/notesSlides/notesSlide6.xml><?xml version="1.0" encoding="utf-8"?>
+<file path=ppt/notesSlides/notesSlide7.xml><?xml version="1.0" encoding="utf-8"?>
 <p:notes xmlns:a="http://schemas.openxmlformats.org/drawingml/2006/main" xmlns:r="http://schemas.openxmlformats.org/officeDocument/2006/relationships" xmlns:p="http://schemas.openxmlformats.org/presentationml/2006/main">
   <p:cSld>
     <p:spTree>
@@ -2031,7 +2329,7 @@
 </p:notes>
 </file>
 
-<file path=ppt/notesSlides/notesSlide7.xml><?xml version="1.0" encoding="utf-8"?>
+<file path=ppt/notesSlides/notesSlide8.xml><?xml version="1.0" encoding="utf-8"?>
 <p:notes xmlns:a="http://schemas.openxmlformats.org/drawingml/2006/main" xmlns:r="http://schemas.openxmlformats.org/officeDocument/2006/relationships" xmlns:p="http://schemas.openxmlformats.org/presentationml/2006/main">
   <p:cSld>
     <p:spTree>
@@ -2120,7 +2418,7 @@
 </p:notes>
 </file>
 
-<file path=ppt/notesSlides/notesSlide8.xml><?xml version="1.0" encoding="utf-8"?>
+<file path=ppt/notesSlides/notesSlide9.xml><?xml version="1.0" encoding="utf-8"?>
 <p:notes xmlns:a="http://schemas.openxmlformats.org/drawingml/2006/main" xmlns:r="http://schemas.openxmlformats.org/officeDocument/2006/relationships" xmlns:p="http://schemas.openxmlformats.org/presentationml/2006/main">
   <p:cSld>
     <p:spTree>
@@ -2204,95 +2502,6 @@
     <p:extLst>
       <p:ext uri="{BB962C8B-B14F-4D97-AF65-F5344CB8AC3E}">
         <p14:creationId xmlns:p14="http://schemas.microsoft.com/office/powerpoint/2010/main" val="1363951536"/>
-      </p:ext>
-    </p:extLst>
-  </p:cSld>
-  <p:clrMapOvr>
-    <a:masterClrMapping/>
-  </p:clrMapOvr>
-</p:notes>
-</file>
-
-<file path=ppt/notesSlides/notesSlide9.xml><?xml version="1.0" encoding="utf-8"?>
-<p:notes xmlns:a="http://schemas.openxmlformats.org/drawingml/2006/main" xmlns:r="http://schemas.openxmlformats.org/officeDocument/2006/relationships" xmlns:p="http://schemas.openxmlformats.org/presentationml/2006/main">
-  <p:cSld>
-    <p:spTree>
-      <p:nvGrpSpPr>
-        <p:cNvPr id="1" name=""/>
-        <p:cNvGrpSpPr/>
-        <p:nvPr/>
-      </p:nvGrpSpPr>
-      <p:grpSpPr>
-        <a:xfrm>
-          <a:off x="0" y="0"/>
-          <a:ext cx="0" cy="0"/>
-          <a:chOff x="0" y="0"/>
-          <a:chExt cx="0" cy="0"/>
-        </a:xfrm>
-      </p:grpSpPr>
-      <p:sp>
-        <p:nvSpPr>
-          <p:cNvPr id="2" name="Slide Image Placeholder 1"/>
-          <p:cNvSpPr>
-            <a:spLocks noGrp="1" noRot="1" noChangeAspect="1"/>
-          </p:cNvSpPr>
-          <p:nvPr>
-            <p:ph type="sldImg"/>
-          </p:nvPr>
-        </p:nvSpPr>
-        <p:spPr>
-          <a:xfrm>
-            <a:off x="685800" y="1143000"/>
-            <a:ext cx="5486400" cy="3086100"/>
-          </a:xfrm>
-        </p:spPr>
-      </p:sp>
-      <p:sp>
-        <p:nvSpPr>
-          <p:cNvPr id="3" name="Notes Placeholder 2"/>
-          <p:cNvSpPr>
-            <a:spLocks noGrp="1"/>
-          </p:cNvSpPr>
-          <p:nvPr>
-            <p:ph type="body" idx="1"/>
-          </p:nvPr>
-        </p:nvSpPr>
-        <p:spPr/>
-        <p:txBody>
-          <a:bodyPr/>
-          <a:lstStyle/>
-          <a:p>
-            <a:endParaRPr lang="en-US" dirty="0"/>
-          </a:p>
-        </p:txBody>
-      </p:sp>
-      <p:sp>
-        <p:nvSpPr>
-          <p:cNvPr id="4" name="Slide Number Placeholder 3"/>
-          <p:cNvSpPr>
-            <a:spLocks noGrp="1"/>
-          </p:cNvSpPr>
-          <p:nvPr>
-            <p:ph type="sldNum" sz="quarter" idx="10"/>
-          </p:nvPr>
-        </p:nvSpPr>
-        <p:spPr/>
-        <p:txBody>
-          <a:bodyPr/>
-          <a:lstStyle/>
-          <a:p>
-            <a:fld id="{D7522C71-FE57-4B9A-AC4B-B46CC73ADB87}" type="slidenum">
-              <a:rPr lang="en-US" smtClean="0"/>
-              <a:t>26</a:t>
-            </a:fld>
-            <a:endParaRPr lang="en-US"/>
-          </a:p>
-        </p:txBody>
-      </p:sp>
-    </p:spTree>
-    <p:extLst>
-      <p:ext uri="{BB962C8B-B14F-4D97-AF65-F5344CB8AC3E}">
-        <p14:creationId xmlns:p14="http://schemas.microsoft.com/office/powerpoint/2010/main" val="3827660653"/>
       </p:ext>
     </p:extLst>
   </p:cSld>
@@ -10853,7 +11062,7 @@
   </p:timing>
   <p:extLst mod="1">
     <p:ext uri="{DCECCB84-F9BA-43D5-87BE-67443E8EF086}">
-      <p15:sldGuideLst xmlns="" xmlns:p15="http://schemas.microsoft.com/office/powerpoint/2012/main"/>
+      <p15:sldGuideLst xmlns:p15="http://schemas.microsoft.com/office/powerpoint/2012/main" xmlns=""/>
     </p:ext>
   </p:extLst>
 </p:sldLayout>
@@ -15986,7 +16195,7 @@
   </p:timing>
   <p:extLst mod="1">
     <p:ext uri="{DCECCB84-F9BA-43D5-87BE-67443E8EF086}">
-      <p15:sldGuideLst xmlns="" xmlns:p15="http://schemas.microsoft.com/office/powerpoint/2012/main"/>
+      <p15:sldGuideLst xmlns:p15="http://schemas.microsoft.com/office/powerpoint/2012/main" xmlns=""/>
     </p:ext>
   </p:extLst>
 </p:sldLayout>
@@ -24575,7 +24784,7 @@
   </p:timing>
   <p:extLst mod="1">
     <p:ext uri="{DCECCB84-F9BA-43D5-87BE-67443E8EF086}">
-      <p15:sldGuideLst xmlns="" xmlns:p15="http://schemas.microsoft.com/office/powerpoint/2012/main"/>
+      <p15:sldGuideLst xmlns:p15="http://schemas.microsoft.com/office/powerpoint/2012/main" xmlns=""/>
     </p:ext>
   </p:extLst>
 </p:sldLayout>
@@ -28535,7 +28744,7 @@
   </p:timing>
   <p:extLst mod="1">
     <p:ext uri="{DCECCB84-F9BA-43D5-87BE-67443E8EF086}">
-      <p15:sldGuideLst xmlns="" xmlns:p15="http://schemas.microsoft.com/office/powerpoint/2012/main"/>
+      <p15:sldGuideLst xmlns:p15="http://schemas.microsoft.com/office/powerpoint/2012/main" xmlns=""/>
     </p:ext>
   </p:extLst>
 </p:sldLayout>
@@ -32666,7 +32875,7 @@
   </p:timing>
   <p:extLst mod="1">
     <p:ext uri="{DCECCB84-F9BA-43D5-87BE-67443E8EF086}">
-      <p15:sldGuideLst xmlns="" xmlns:p15="http://schemas.microsoft.com/office/powerpoint/2012/main"/>
+      <p15:sldGuideLst xmlns:p15="http://schemas.microsoft.com/office/powerpoint/2012/main" xmlns=""/>
     </p:ext>
   </p:extLst>
 </p:sldLayout>
@@ -36666,7 +36875,7 @@
   </p:timing>
   <p:extLst mod="1">
     <p:ext uri="{DCECCB84-F9BA-43D5-87BE-67443E8EF086}">
-      <p15:sldGuideLst xmlns="" xmlns:p15="http://schemas.microsoft.com/office/powerpoint/2012/main"/>
+      <p15:sldGuideLst xmlns:p15="http://schemas.microsoft.com/office/powerpoint/2012/main" xmlns=""/>
     </p:ext>
   </p:extLst>
 </p:sldLayout>
@@ -41040,7 +41249,7 @@
   </p:txStyles>
   <p:extLst mod="1">
     <p:ext uri="{27BBF7A9-308A-43DC-89C8-2F10F3537804}">
-      <p15:sldGuideLst xmlns="" xmlns:p15="http://schemas.microsoft.com/office/powerpoint/2012/main">
+      <p15:sldGuideLst xmlns:p15="http://schemas.microsoft.com/office/powerpoint/2012/main" xmlns="">
         <p15:guide id="1" orient="horz" pos="59">
           <p15:clr>
             <a:srgbClr val="5ACBF0"/>
@@ -50891,25 +51100,25 @@
       </p:grpSpPr>
       <p:graphicFrame>
         <p:nvGraphicFramePr>
-          <p:cNvPr id="65" name="Chart 64"/>
+          <p:cNvPr id="61" name="Chart 60"/>
           <p:cNvGraphicFramePr>
             <a:graphicFrameLocks/>
           </p:cNvGraphicFramePr>
           <p:nvPr>
             <p:extLst>
               <p:ext uri="{D42A27DB-BD31-4B8C-83A1-F6EECF244321}">
-                <p14:modId xmlns:p14="http://schemas.microsoft.com/office/powerpoint/2010/main" val="1746741225"/>
+                <p14:modId xmlns:p14="http://schemas.microsoft.com/office/powerpoint/2010/main" val="3022979203"/>
               </p:ext>
             </p:extLst>
           </p:nvPr>
         </p:nvGraphicFramePr>
         <p:xfrm>
-          <a:off x="42333" y="1071033"/>
-          <a:ext cx="8372476" cy="3801532"/>
+          <a:off x="0" y="990600"/>
+          <a:ext cx="8432800" cy="3959224"/>
         </p:xfrm>
         <a:graphic>
           <a:graphicData uri="http://schemas.openxmlformats.org/drawingml/2006/chart">
-            <c:chart xmlns:c="http://schemas.openxmlformats.org/drawingml/2006/chart" xmlns:r="http://schemas.openxmlformats.org/officeDocument/2006/relationships" r:id="rId2"/>
+            <c:chart xmlns:c="http://schemas.openxmlformats.org/drawingml/2006/chart" xmlns:r="http://schemas.openxmlformats.org/officeDocument/2006/relationships" r:id="rId3"/>
           </a:graphicData>
         </a:graphic>
       </p:graphicFrame>
@@ -51031,14 +51240,14 @@
         </p:nvSpPr>
         <p:spPr>
           <a:xfrm>
-            <a:off x="725398" y="2679700"/>
-            <a:ext cx="319574" cy="1363131"/>
+            <a:off x="711200" y="2279650"/>
+            <a:ext cx="212726" cy="1704975"/>
           </a:xfrm>
           <a:prstGeom prst="rect">
             <a:avLst/>
           </a:prstGeom>
           <a:solidFill>
-            <a:srgbClr val="00AEBC"/>
+            <a:srgbClr val="00ADBC"/>
           </a:solidFill>
           <a:ln>
             <a:noFill/>
@@ -51083,14 +51292,14 @@
         </p:nvSpPr>
         <p:spPr>
           <a:xfrm>
-            <a:off x="1275053" y="2408767"/>
-            <a:ext cx="319574" cy="1562099"/>
+            <a:off x="1230603" y="1935691"/>
+            <a:ext cx="207672" cy="1966383"/>
           </a:xfrm>
           <a:prstGeom prst="rect">
             <a:avLst/>
           </a:prstGeom>
           <a:solidFill>
-            <a:srgbClr val="00AEBC"/>
+            <a:srgbClr val="00ADBC"/>
           </a:solidFill>
           <a:ln>
             <a:noFill/>
@@ -51135,14 +51344,14 @@
         </p:nvSpPr>
         <p:spPr>
           <a:xfrm>
-            <a:off x="1822139" y="2159000"/>
-            <a:ext cx="319574" cy="1756833"/>
+            <a:off x="1739589" y="1635125"/>
+            <a:ext cx="213036" cy="2187575"/>
           </a:xfrm>
           <a:prstGeom prst="rect">
             <a:avLst/>
           </a:prstGeom>
           <a:solidFill>
-            <a:srgbClr val="00AEBC"/>
+            <a:srgbClr val="00ADBC"/>
           </a:solidFill>
           <a:ln>
             <a:noFill/>
@@ -51187,14 +51396,14 @@
         </p:nvSpPr>
         <p:spPr>
           <a:xfrm>
-            <a:off x="2367536" y="1866901"/>
-            <a:ext cx="319574" cy="1972732"/>
+            <a:off x="2259586" y="1257301"/>
+            <a:ext cx="207389" cy="2479674"/>
           </a:xfrm>
           <a:prstGeom prst="rect">
             <a:avLst/>
           </a:prstGeom>
           <a:solidFill>
-            <a:srgbClr val="00AEBC"/>
+            <a:srgbClr val="00ADBC"/>
           </a:solidFill>
           <a:ln>
             <a:noFill/>
@@ -51239,14 +51448,14 @@
         </p:nvSpPr>
         <p:spPr>
           <a:xfrm>
-            <a:off x="2911012" y="1917701"/>
-            <a:ext cx="319574" cy="1993900"/>
+            <a:off x="2771312" y="1320801"/>
+            <a:ext cx="210013" cy="2498724"/>
           </a:xfrm>
           <a:prstGeom prst="rect">
             <a:avLst/>
           </a:prstGeom>
           <a:solidFill>
-            <a:srgbClr val="00AEBC"/>
+            <a:srgbClr val="00ADBC"/>
           </a:solidFill>
           <a:ln>
             <a:noFill/>
@@ -51291,14 +51500,14 @@
         </p:nvSpPr>
         <p:spPr>
           <a:xfrm>
-            <a:off x="3457036" y="2184400"/>
-            <a:ext cx="319574" cy="1858433"/>
+            <a:off x="3285586" y="1654175"/>
+            <a:ext cx="206914" cy="2324100"/>
           </a:xfrm>
           <a:prstGeom prst="rect">
             <a:avLst/>
           </a:prstGeom>
           <a:solidFill>
-            <a:srgbClr val="00AEBC"/>
+            <a:srgbClr val="00ADBC"/>
           </a:solidFill>
           <a:ln>
             <a:noFill/>
@@ -51343,14 +51552,14 @@
         </p:nvSpPr>
         <p:spPr>
           <a:xfrm>
-            <a:off x="4003060" y="2573867"/>
-            <a:ext cx="319574" cy="1591733"/>
+            <a:off x="3796685" y="2148417"/>
+            <a:ext cx="210165" cy="1991783"/>
           </a:xfrm>
           <a:prstGeom prst="rect">
             <a:avLst/>
           </a:prstGeom>
           <a:solidFill>
-            <a:srgbClr val="00AEBC"/>
+            <a:srgbClr val="00ADBC"/>
           </a:solidFill>
           <a:ln>
             <a:noFill/>
@@ -51395,14 +51604,14 @@
         </p:nvSpPr>
         <p:spPr>
           <a:xfrm>
-            <a:off x="4551200" y="2806700"/>
-            <a:ext cx="319574" cy="1435099"/>
+            <a:off x="4313076" y="2444750"/>
+            <a:ext cx="204950" cy="1797050"/>
           </a:xfrm>
           <a:prstGeom prst="rect">
             <a:avLst/>
           </a:prstGeom>
           <a:solidFill>
-            <a:srgbClr val="00AEBC"/>
+            <a:srgbClr val="00ADBC"/>
           </a:solidFill>
           <a:ln>
             <a:noFill/>
@@ -51447,14 +51656,14 @@
         </p:nvSpPr>
         <p:spPr>
           <a:xfrm>
-            <a:off x="5098285" y="2976033"/>
-            <a:ext cx="319574" cy="1312283"/>
+            <a:off x="4825235" y="2655358"/>
+            <a:ext cx="207140" cy="1643592"/>
           </a:xfrm>
           <a:prstGeom prst="rect">
             <a:avLst/>
           </a:prstGeom>
           <a:solidFill>
-            <a:srgbClr val="00AEBC"/>
+            <a:srgbClr val="00ADBC"/>
           </a:solidFill>
           <a:ln>
             <a:noFill/>
@@ -51499,14 +51708,14 @@
         </p:nvSpPr>
         <p:spPr>
           <a:xfrm>
-            <a:off x="5642196" y="2980267"/>
-            <a:ext cx="319574" cy="1308099"/>
+            <a:off x="5340571" y="2662767"/>
+            <a:ext cx="209329" cy="1633008"/>
           </a:xfrm>
           <a:prstGeom prst="rect">
             <a:avLst/>
           </a:prstGeom>
           <a:solidFill>
-            <a:srgbClr val="00AEBC"/>
+            <a:srgbClr val="00ADBC"/>
           </a:solidFill>
           <a:ln>
             <a:noFill/>
@@ -51551,14 +51760,14 @@
         </p:nvSpPr>
         <p:spPr>
           <a:xfrm>
-            <a:off x="6186730" y="2937933"/>
-            <a:ext cx="319574" cy="1337733"/>
+            <a:off x="5850180" y="2604558"/>
+            <a:ext cx="210895" cy="1678517"/>
           </a:xfrm>
           <a:prstGeom prst="rect">
             <a:avLst/>
           </a:prstGeom>
           <a:solidFill>
-            <a:srgbClr val="00AEBC"/>
+            <a:srgbClr val="00ADBC"/>
           </a:solidFill>
           <a:ln>
             <a:noFill/>
@@ -51603,14 +51812,14 @@
         </p:nvSpPr>
         <p:spPr>
           <a:xfrm>
-            <a:off x="6734870" y="2789768"/>
-            <a:ext cx="319574" cy="1481666"/>
+            <a:off x="6363395" y="2421467"/>
+            <a:ext cx="215205" cy="1848907"/>
           </a:xfrm>
           <a:prstGeom prst="rect">
             <a:avLst/>
           </a:prstGeom>
           <a:solidFill>
-            <a:srgbClr val="00AEBC"/>
+            <a:srgbClr val="00ADBC"/>
           </a:solidFill>
           <a:ln>
             <a:noFill/>
@@ -51655,14 +51864,14 @@
         </p:nvSpPr>
         <p:spPr>
           <a:xfrm>
-            <a:off x="6734414" y="4267200"/>
-            <a:ext cx="319574" cy="284825"/>
+            <a:off x="6366114" y="4267201"/>
+            <a:ext cx="209311" cy="357850"/>
           </a:xfrm>
           <a:prstGeom prst="rect">
             <a:avLst/>
           </a:prstGeom>
           <a:solidFill>
-            <a:srgbClr val="7030A0"/>
+            <a:srgbClr val="7665A0"/>
           </a:solidFill>
           <a:ln>
             <a:noFill/>
@@ -51707,14 +51916,14 @@
         </p:nvSpPr>
         <p:spPr>
           <a:xfrm>
-            <a:off x="6186730" y="4275667"/>
-            <a:ext cx="319574" cy="267757"/>
+            <a:off x="5850180" y="4283075"/>
+            <a:ext cx="207720" cy="342899"/>
           </a:xfrm>
           <a:prstGeom prst="rect">
             <a:avLst/>
           </a:prstGeom>
           <a:solidFill>
-            <a:srgbClr val="7030A0"/>
+            <a:srgbClr val="7665A0"/>
           </a:solidFill>
           <a:ln>
             <a:noFill/>
@@ -51759,14 +51968,14 @@
         </p:nvSpPr>
         <p:spPr>
           <a:xfrm>
-            <a:off x="7283012" y="2616200"/>
-            <a:ext cx="319574" cy="1604433"/>
+            <a:off x="6876612" y="2193925"/>
+            <a:ext cx="213163" cy="2032000"/>
           </a:xfrm>
           <a:prstGeom prst="rect">
             <a:avLst/>
           </a:prstGeom>
           <a:solidFill>
-            <a:srgbClr val="00AEBC"/>
+            <a:srgbClr val="00ADBC"/>
           </a:solidFill>
           <a:ln>
             <a:noFill/>
@@ -51811,14 +52020,14 @@
         </p:nvSpPr>
         <p:spPr>
           <a:xfrm>
-            <a:off x="7283012" y="4220633"/>
-            <a:ext cx="319574" cy="331389"/>
+            <a:off x="6879787" y="4222750"/>
+            <a:ext cx="206813" cy="402297"/>
           </a:xfrm>
           <a:prstGeom prst="rect">
             <a:avLst/>
           </a:prstGeom>
           <a:solidFill>
-            <a:srgbClr val="7030A0"/>
+            <a:srgbClr val="7665A0"/>
           </a:solidFill>
           <a:ln>
             <a:noFill/>
@@ -51863,14 +52072,14 @@
         </p:nvSpPr>
         <p:spPr>
           <a:xfrm>
-            <a:off x="5642196" y="4288367"/>
-            <a:ext cx="319574" cy="255058"/>
+            <a:off x="5337396" y="4295775"/>
+            <a:ext cx="209329" cy="330200"/>
           </a:xfrm>
           <a:prstGeom prst="rect">
             <a:avLst/>
           </a:prstGeom>
           <a:solidFill>
-            <a:srgbClr val="7030A0"/>
+            <a:srgbClr val="7665A0"/>
           </a:solidFill>
           <a:ln>
             <a:noFill/>
@@ -51915,14 +52124,14 @@
         </p:nvSpPr>
         <p:spPr>
           <a:xfrm>
-            <a:off x="5098285" y="4288367"/>
-            <a:ext cx="319574" cy="255057"/>
+            <a:off x="4825235" y="4295775"/>
+            <a:ext cx="210315" cy="330199"/>
           </a:xfrm>
           <a:prstGeom prst="rect">
             <a:avLst/>
           </a:prstGeom>
           <a:solidFill>
-            <a:srgbClr val="7030A0"/>
+            <a:srgbClr val="7665A0"/>
           </a:solidFill>
           <a:ln>
             <a:noFill/>
@@ -51967,14 +52176,14 @@
         </p:nvSpPr>
         <p:spPr>
           <a:xfrm>
-            <a:off x="4551200" y="4237567"/>
-            <a:ext cx="319574" cy="311283"/>
+            <a:off x="4309900" y="4238625"/>
+            <a:ext cx="208125" cy="392775"/>
           </a:xfrm>
           <a:prstGeom prst="rect">
             <a:avLst/>
           </a:prstGeom>
           <a:solidFill>
-            <a:srgbClr val="7030A0"/>
+            <a:srgbClr val="7665A0"/>
           </a:solidFill>
           <a:ln>
             <a:noFill/>
@@ -52019,14 +52228,14 @@
         </p:nvSpPr>
         <p:spPr>
           <a:xfrm>
-            <a:off x="3999885" y="4161367"/>
-            <a:ext cx="319574" cy="384306"/>
+            <a:off x="3796685" y="4137025"/>
+            <a:ext cx="206990" cy="488950"/>
           </a:xfrm>
           <a:prstGeom prst="rect">
             <a:avLst/>
           </a:prstGeom>
           <a:solidFill>
-            <a:srgbClr val="7030A0"/>
+            <a:srgbClr val="7665A0"/>
           </a:solidFill>
           <a:ln>
             <a:noFill/>
@@ -52071,14 +52280,14 @@
         </p:nvSpPr>
         <p:spPr>
           <a:xfrm>
-            <a:off x="3457036" y="4042833"/>
-            <a:ext cx="319574" cy="502839"/>
+            <a:off x="3285586" y="3981451"/>
+            <a:ext cx="203739" cy="646772"/>
           </a:xfrm>
           <a:prstGeom prst="rect">
             <a:avLst/>
           </a:prstGeom>
           <a:solidFill>
-            <a:srgbClr val="7030A0"/>
+            <a:srgbClr val="7665A0"/>
           </a:solidFill>
           <a:ln>
             <a:noFill/>
@@ -52123,14 +52332,14 @@
         </p:nvSpPr>
         <p:spPr>
           <a:xfrm>
-            <a:off x="2911012" y="3911601"/>
-            <a:ext cx="319574" cy="634998"/>
+            <a:off x="2771312" y="3822700"/>
+            <a:ext cx="206838" cy="806449"/>
           </a:xfrm>
           <a:prstGeom prst="rect">
             <a:avLst/>
           </a:prstGeom>
           <a:solidFill>
-            <a:srgbClr val="7030A0"/>
+            <a:srgbClr val="7665A0"/>
           </a:solidFill>
           <a:ln>
             <a:noFill/>
@@ -52175,14 +52384,14 @@
         </p:nvSpPr>
         <p:spPr>
           <a:xfrm>
-            <a:off x="2367536" y="3835400"/>
-            <a:ext cx="319574" cy="716622"/>
+            <a:off x="2256411" y="3736975"/>
+            <a:ext cx="207389" cy="895350"/>
           </a:xfrm>
           <a:prstGeom prst="rect">
             <a:avLst/>
           </a:prstGeom>
           <a:solidFill>
-            <a:srgbClr val="7030A0"/>
+            <a:srgbClr val="7665A0"/>
           </a:solidFill>
           <a:ln>
             <a:noFill/>
@@ -52227,14 +52436,14 @@
         </p:nvSpPr>
         <p:spPr>
           <a:xfrm>
-            <a:off x="1822139" y="3911600"/>
-            <a:ext cx="319574" cy="637247"/>
+            <a:off x="1739589" y="3819525"/>
+            <a:ext cx="209861" cy="808697"/>
           </a:xfrm>
           <a:prstGeom prst="rect">
             <a:avLst/>
           </a:prstGeom>
           <a:solidFill>
-            <a:srgbClr val="7030A0"/>
+            <a:srgbClr val="7665A0"/>
           </a:solidFill>
           <a:ln>
             <a:noFill/>
@@ -52279,14 +52488,14 @@
         </p:nvSpPr>
         <p:spPr>
           <a:xfrm>
-            <a:off x="1275053" y="3970868"/>
-            <a:ext cx="319574" cy="581158"/>
+            <a:off x="1227428" y="3901017"/>
+            <a:ext cx="210847" cy="724957"/>
           </a:xfrm>
           <a:prstGeom prst="rect">
             <a:avLst/>
           </a:prstGeom>
           <a:solidFill>
-            <a:srgbClr val="7030A0"/>
+            <a:srgbClr val="7665A0"/>
           </a:solidFill>
           <a:ln>
             <a:noFill/>
@@ -52331,14 +52540,14 @@
         </p:nvSpPr>
         <p:spPr>
           <a:xfrm>
-            <a:off x="724342" y="4038600"/>
-            <a:ext cx="319574" cy="512063"/>
+            <a:off x="711200" y="3981450"/>
+            <a:ext cx="212725" cy="658113"/>
           </a:xfrm>
           <a:prstGeom prst="rect">
             <a:avLst/>
           </a:prstGeom>
           <a:solidFill>
-            <a:srgbClr val="7030A0"/>
+            <a:srgbClr val="7665A0"/>
           </a:solidFill>
           <a:ln>
             <a:noFill/>
@@ -52733,7 +52942,7 @@
               </a:pathLst>
             </a:custGeom>
             <a:solidFill>
-              <a:srgbClr val="7030A0"/>
+              <a:srgbClr val="7665A0"/>
             </a:solidFill>
             <a:ln>
               <a:noFill/>
@@ -53113,7 +53322,7 @@
               </a:pathLst>
             </a:custGeom>
             <a:solidFill>
-              <a:srgbClr val="00CEDE"/>
+              <a:srgbClr val="00ADBC"/>
             </a:solidFill>
             <a:extLst/>
           </p:spPr>
@@ -53179,14 +53388,14 @@
         </p:nvSpPr>
         <p:spPr>
           <a:xfrm>
-            <a:off x="7821704" y="2438401"/>
-            <a:ext cx="319574" cy="1765300"/>
+            <a:off x="7393079" y="1974850"/>
+            <a:ext cx="207871" cy="2216149"/>
           </a:xfrm>
           <a:prstGeom prst="rect">
             <a:avLst/>
           </a:prstGeom>
           <a:solidFill>
-            <a:srgbClr val="00AEBC"/>
+            <a:srgbClr val="00ADBC"/>
           </a:solidFill>
           <a:ln>
             <a:noFill/>
@@ -53231,14 +53440,14 @@
         </p:nvSpPr>
         <p:spPr>
           <a:xfrm>
-            <a:off x="7821704" y="4195234"/>
-            <a:ext cx="319574" cy="350440"/>
+            <a:off x="7393079" y="4187825"/>
+            <a:ext cx="207871" cy="440399"/>
           </a:xfrm>
           <a:prstGeom prst="rect">
             <a:avLst/>
           </a:prstGeom>
           <a:solidFill>
-            <a:srgbClr val="7030A0"/>
+            <a:srgbClr val="7665A0"/>
           </a:solidFill>
           <a:ln>
             <a:noFill/>
@@ -53275,10 +53484,114 @@
           </a:p>
         </p:txBody>
       </p:sp>
+      <p:sp>
+        <p:nvSpPr>
+          <p:cNvPr id="62" name="Rectangle 61"/>
+          <p:cNvSpPr/>
+          <p:nvPr/>
+        </p:nvSpPr>
+        <p:spPr>
+          <a:xfrm>
+            <a:off x="7907429" y="1641476"/>
+            <a:ext cx="204696" cy="2479674"/>
+          </a:xfrm>
+          <a:prstGeom prst="rect">
+            <a:avLst/>
+          </a:prstGeom>
+          <a:solidFill>
+            <a:srgbClr val="00ADBC"/>
+          </a:solidFill>
+          <a:ln>
+            <a:noFill/>
+          </a:ln>
+        </p:spPr>
+        <p:style>
+          <a:lnRef idx="2">
+            <a:schemeClr val="accent1">
+              <a:shade val="50000"/>
+            </a:schemeClr>
+          </a:lnRef>
+          <a:fillRef idx="1">
+            <a:schemeClr val="accent1"/>
+          </a:fillRef>
+          <a:effectRef idx="0">
+            <a:schemeClr val="accent1"/>
+          </a:effectRef>
+          <a:fontRef idx="minor">
+            <a:schemeClr val="lt1"/>
+          </a:fontRef>
+        </p:style>
+        <p:txBody>
+          <a:bodyPr lIns="75282" tIns="37640" rIns="75282" bIns="37640" rtlCol="0" anchor="ctr"/>
+          <a:lstStyle/>
+          <a:p>
+            <a:pPr algn="ctr"/>
+            <a:endParaRPr lang="en-US">
+              <a:solidFill>
+                <a:schemeClr val="tx1"/>
+              </a:solidFill>
+              <a:latin typeface="Arial"/>
+              <a:cs typeface="Arial"/>
+            </a:endParaRPr>
+          </a:p>
+        </p:txBody>
+      </p:sp>
+      <p:sp>
+        <p:nvSpPr>
+          <p:cNvPr id="63" name="Rectangle 62"/>
+          <p:cNvSpPr/>
+          <p:nvPr/>
+        </p:nvSpPr>
+        <p:spPr>
+          <a:xfrm>
+            <a:off x="7904254" y="4117975"/>
+            <a:ext cx="207871" cy="510249"/>
+          </a:xfrm>
+          <a:prstGeom prst="rect">
+            <a:avLst/>
+          </a:prstGeom>
+          <a:solidFill>
+            <a:srgbClr val="7665A0"/>
+          </a:solidFill>
+          <a:ln>
+            <a:noFill/>
+          </a:ln>
+        </p:spPr>
+        <p:style>
+          <a:lnRef idx="2">
+            <a:schemeClr val="accent1">
+              <a:shade val="50000"/>
+            </a:schemeClr>
+          </a:lnRef>
+          <a:fillRef idx="1">
+            <a:schemeClr val="accent1"/>
+          </a:fillRef>
+          <a:effectRef idx="0">
+            <a:schemeClr val="accent1"/>
+          </a:effectRef>
+          <a:fontRef idx="minor">
+            <a:schemeClr val="lt1"/>
+          </a:fontRef>
+        </p:style>
+        <p:txBody>
+          <a:bodyPr lIns="75282" tIns="37640" rIns="75282" bIns="37640" rtlCol="0" anchor="ctr"/>
+          <a:lstStyle/>
+          <a:p>
+            <a:pPr algn="ctr"/>
+            <a:endParaRPr lang="en-US">
+              <a:solidFill>
+                <a:schemeClr val="tx1"/>
+              </a:solidFill>
+              <a:latin typeface="Arial"/>
+              <a:cs typeface="Arial"/>
+            </a:endParaRPr>
+          </a:p>
+        </p:txBody>
+      </p:sp>
     </p:spTree>
     <p:extLst>
       <p:ext uri="{BB962C8B-B14F-4D97-AF65-F5344CB8AC3E}">
-        <p14:creationId xmlns:p14="http://schemas.microsoft.com/office/powerpoint/2010/main" val="3472716074"/>
+        <p14:creationId xmlns:p14="http://schemas.microsoft.com/office/powerpoint/2010/main" val="873124078"/>
       </p:ext>
     </p:extLst>
   </p:cSld>
@@ -54370,6 +54683,76 @@
                                   </p:childTnLst>
                                 </p:cTn>
                               </p:par>
+                              <p:par>
+                                <p:cTn id="95" presetID="22" presetClass="entr" presetSubtype="4" fill="hold" grpId="0" nodeType="withEffect">
+                                  <p:stCondLst>
+                                    <p:cond delay="2800"/>
+                                  </p:stCondLst>
+                                  <p:childTnLst>
+                                    <p:set>
+                                      <p:cBhvr>
+                                        <p:cTn id="96" dur="1" fill="hold">
+                                          <p:stCondLst>
+                                            <p:cond delay="0"/>
+                                          </p:stCondLst>
+                                        </p:cTn>
+                                        <p:tgtEl>
+                                          <p:spTgt spid="62"/>
+                                        </p:tgtEl>
+                                        <p:attrNameLst>
+                                          <p:attrName>style.visibility</p:attrName>
+                                        </p:attrNameLst>
+                                      </p:cBhvr>
+                                      <p:to>
+                                        <p:strVal val="visible"/>
+                                      </p:to>
+                                    </p:set>
+                                    <p:animEffect transition="in" filter="wipe(down)">
+                                      <p:cBhvr>
+                                        <p:cTn id="97" dur="300"/>
+                                        <p:tgtEl>
+                                          <p:spTgt spid="62"/>
+                                        </p:tgtEl>
+                                      </p:cBhvr>
+                                    </p:animEffect>
+                                  </p:childTnLst>
+                                </p:cTn>
+                              </p:par>
+                              <p:par>
+                                <p:cTn id="98" presetID="22" presetClass="entr" presetSubtype="4" fill="hold" grpId="0" nodeType="withEffect">
+                                  <p:stCondLst>
+                                    <p:cond delay="1200"/>
+                                  </p:stCondLst>
+                                  <p:childTnLst>
+                                    <p:set>
+                                      <p:cBhvr>
+                                        <p:cTn id="99" dur="1" fill="hold">
+                                          <p:stCondLst>
+                                            <p:cond delay="0"/>
+                                          </p:stCondLst>
+                                        </p:cTn>
+                                        <p:tgtEl>
+                                          <p:spTgt spid="63"/>
+                                        </p:tgtEl>
+                                        <p:attrNameLst>
+                                          <p:attrName>style.visibility</p:attrName>
+                                        </p:attrNameLst>
+                                      </p:cBhvr>
+                                      <p:to>
+                                        <p:strVal val="visible"/>
+                                      </p:to>
+                                    </p:set>
+                                    <p:animEffect transition="in" filter="wipe(down)">
+                                      <p:cBhvr>
+                                        <p:cTn id="100" dur="200"/>
+                                        <p:tgtEl>
+                                          <p:spTgt spid="63"/>
+                                        </p:tgtEl>
+                                      </p:cBhvr>
+                                    </p:animEffect>
+                                  </p:childTnLst>
+                                </p:cTn>
+                              </p:par>
                             </p:childTnLst>
                           </p:cTn>
                         </p:par>
@@ -54426,6 +54809,8 @@
       <p:bldP spid="59" grpId="0" animBg="1"/>
       <p:bldP spid="71" grpId="0" animBg="1"/>
       <p:bldP spid="72" grpId="0" animBg="1"/>
+      <p:bldP spid="62" grpId="0" animBg="1"/>
+      <p:bldP spid="63" grpId="0" animBg="1"/>
     </p:bldLst>
   </p:timing>
 </p:sld>
@@ -54957,7 +55342,7 @@
   <a:extraClrSchemeLst/>
   <a:extLst>
     <a:ext uri="{05A4C25C-085E-4340-85A3-A5531E510DB2}">
-      <thm15:themeFamily xmlns="" xmlns:thm15="http://schemas.microsoft.com/office/thememl/2012/main" name="Office Theme" id="{62F939B6-93AF-4DB8-9C6B-D6C7DFDC589F}" vid="{4A3C46E8-61CC-4603-A589-7422A47A8E4A}"/>
+      <thm15:themeFamily xmlns:thm15="http://schemas.microsoft.com/office/thememl/2012/main" xmlns="" name="Office Theme" id="{62F939B6-93AF-4DB8-9C6B-D6C7DFDC589F}" vid="{4A3C46E8-61CC-4603-A589-7422A47A8E4A}"/>
     </a:ext>
   </a:extLst>
 </a:theme>
@@ -55259,7 +55644,7 @@
   <a:extraClrSchemeLst/>
   <a:extLst>
     <a:ext uri="{05A4C25C-085E-4340-85A3-A5531E510DB2}">
-      <thm15:themeFamily xmlns="" xmlns:thm15="http://schemas.microsoft.com/office/thememl/2012/main" name="SilverFox_Mentorship_Template" id="{726D2EC8-FE65-4BB6-9D87-EBBA7FA7A28A}" vid="{43A7A536-22B6-435A-A09C-B3CB1EAFEC96}"/>
+      <thm15:themeFamily xmlns:thm15="http://schemas.microsoft.com/office/thememl/2012/main" xmlns="" name="SilverFox_Mentorship_Template" id="{726D2EC8-FE65-4BB6-9D87-EBBA7FA7A28A}" vid="{43A7A536-22B6-435A-A09C-B3CB1EAFEC96}"/>
     </a:ext>
   </a:extLst>
 </a:theme>
@@ -55553,7 +55938,7 @@
   <a:extraClrSchemeLst/>
   <a:extLst>
     <a:ext uri="{05A4C25C-085E-4340-85A3-A5531E510DB2}">
-      <thm15:themeFamily xmlns="" xmlns:thm15="http://schemas.microsoft.com/office/thememl/2012/main" name="Office Theme" id="{62F939B6-93AF-4DB8-9C6B-D6C7DFDC589F}" vid="{4A3C46E8-61CC-4603-A589-7422A47A8E4A}"/>
+      <thm15:themeFamily xmlns:thm15="http://schemas.microsoft.com/office/thememl/2012/main" xmlns="" name="Office Theme" id="{62F939B6-93AF-4DB8-9C6B-D6C7DFDC589F}" vid="{4A3C46E8-61CC-4603-A589-7422A47A8E4A}"/>
     </a:ext>
   </a:extLst>
 </a:theme>
@@ -55814,7 +56199,7 @@
   <a:extraClrSchemeLst/>
   <a:extLst>
     <a:ext uri="{05A4C25C-085E-4340-85A3-A5531E510DB2}">
-      <thm15:themeFamily xmlns="" xmlns:thm15="http://schemas.microsoft.com/office/thememl/2012/main" name="Office Theme" id="{62F939B6-93AF-4DB8-9C6B-D6C7DFDC589F}" vid="{4A3C46E8-61CC-4603-A589-7422A47A8E4A}"/>
+      <thm15:themeFamily xmlns:thm15="http://schemas.microsoft.com/office/thememl/2012/main" xmlns="" name="Office Theme" id="{62F939B6-93AF-4DB8-9C6B-D6C7DFDC589F}" vid="{4A3C46E8-61CC-4603-A589-7422A47A8E4A}"/>
     </a:ext>
   </a:extLst>
 </a:theme>

--- a/pegasus/sites.v3/code.org/public/files/computer_science_advocacy.pptx
+++ b/pegasus/sites.v3/code.org/public/files/computer_science_advocacy.pptx
@@ -424,11 +424,11 @@
         </c:dLbls>
         <c:gapWidth val="42"/>
         <c:overlap val="100"/>
-        <c:axId val="451393096"/>
-        <c:axId val="451385648"/>
+        <c:axId val="434294936"/>
+        <c:axId val="434300424"/>
       </c:barChart>
       <c:catAx>
-        <c:axId val="451393096"/>
+        <c:axId val="434294936"/>
         <c:scaling>
           <c:orientation val="minMax"/>
         </c:scaling>
@@ -437,7 +437,7 @@
         <c:majorTickMark val="none"/>
         <c:minorTickMark val="none"/>
         <c:tickLblPos val="nextTo"/>
-        <c:crossAx val="451385648"/>
+        <c:crossAx val="434300424"/>
         <c:crosses val="autoZero"/>
         <c:auto val="0"/>
         <c:lblAlgn val="ctr"/>
@@ -445,7 +445,7 @@
         <c:noMultiLvlLbl val="0"/>
       </c:catAx>
       <c:valAx>
-        <c:axId val="451385648"/>
+        <c:axId val="434300424"/>
         <c:scaling>
           <c:orientation val="minMax"/>
           <c:max val="30000"/>
@@ -465,7 +465,7 @@
         <c:majorTickMark val="none"/>
         <c:minorTickMark val="none"/>
         <c:tickLblPos val="nextTo"/>
-        <c:crossAx val="451393096"/>
+        <c:crossAx val="434294936"/>
         <c:crosses val="autoZero"/>
         <c:crossBetween val="between"/>
       </c:valAx>
@@ -668,11 +668,11 @@
         </c:dLbls>
         <c:gapWidth val="42"/>
         <c:overlap val="100"/>
-        <c:axId val="451389176"/>
-        <c:axId val="451389960"/>
+        <c:axId val="434294152"/>
+        <c:axId val="434299248"/>
       </c:barChart>
       <c:catAx>
-        <c:axId val="451389176"/>
+        <c:axId val="434294152"/>
         <c:scaling>
           <c:orientation val="minMax"/>
         </c:scaling>
@@ -681,7 +681,7 @@
         <c:majorTickMark val="none"/>
         <c:minorTickMark val="none"/>
         <c:tickLblPos val="nextTo"/>
-        <c:crossAx val="451389960"/>
+        <c:crossAx val="434299248"/>
         <c:crosses val="autoZero"/>
         <c:auto val="1"/>
         <c:lblAlgn val="ctr"/>
@@ -689,7 +689,7 @@
         <c:noMultiLvlLbl val="0"/>
       </c:catAx>
       <c:valAx>
-        <c:axId val="451389960"/>
+        <c:axId val="434299248"/>
         <c:scaling>
           <c:orientation val="minMax"/>
         </c:scaling>
@@ -708,7 +708,7 @@
         <c:majorTickMark val="none"/>
         <c:minorTickMark val="none"/>
         <c:tickLblPos val="nextTo"/>
-        <c:crossAx val="451389176"/>
+        <c:crossAx val="434294152"/>
         <c:crosses val="autoZero"/>
         <c:crossBetween val="between"/>
       </c:valAx>
@@ -829,7 +829,7 @@
           <a:p>
             <a:fld id="{DBF07D2D-D193-49EA-AA40-D0161EE95780}" type="datetimeFigureOut">
               <a:rPr lang="en-US" smtClean="0"/>
-              <a:t>6/26/2018</a:t>
+              <a:t>6/28/2018</a:t>
             </a:fld>
             <a:endParaRPr lang="en-US"/>
           </a:p>
@@ -5054,7 +5054,7 @@
             </a:ln>
             <a:extLst>
               <a:ext uri="{909E8E84-426E-40dd-AFC4-6F175D3DCCD1}">
-                <a14:hiddenFill xmlns="" xmlns:a14="http://schemas.microsoft.com/office/drawing/2010/main">
+                <a14:hiddenFill xmlns:a14="http://schemas.microsoft.com/office/drawing/2010/main" xmlns="">
                   <a:solidFill>
                     <a:srgbClr val="FFFFFF"/>
                   </a:solidFill>
@@ -5107,7 +5107,7 @@
             </a:ln>
             <a:extLst>
               <a:ext uri="{909E8E84-426E-40dd-AFC4-6F175D3DCCD1}">
-                <a14:hiddenFill xmlns="" xmlns:a14="http://schemas.microsoft.com/office/drawing/2010/main">
+                <a14:hiddenFill xmlns:a14="http://schemas.microsoft.com/office/drawing/2010/main" xmlns="">
                   <a:noFill/>
                 </a14:hiddenFill>
               </a:ext>
@@ -5158,7 +5158,7 @@
             </a:ln>
             <a:extLst>
               <a:ext uri="{909E8E84-426E-40dd-AFC4-6F175D3DCCD1}">
-                <a14:hiddenFill xmlns="" xmlns:a14="http://schemas.microsoft.com/office/drawing/2010/main">
+                <a14:hiddenFill xmlns:a14="http://schemas.microsoft.com/office/drawing/2010/main" xmlns="">
                   <a:noFill/>
                 </a14:hiddenFill>
               </a:ext>
@@ -5209,7 +5209,7 @@
             </a:ln>
             <a:extLst>
               <a:ext uri="{909E8E84-426E-40dd-AFC4-6F175D3DCCD1}">
-                <a14:hiddenFill xmlns="" xmlns:a14="http://schemas.microsoft.com/office/drawing/2010/main">
+                <a14:hiddenFill xmlns:a14="http://schemas.microsoft.com/office/drawing/2010/main" xmlns="">
                   <a:noFill/>
                 </a14:hiddenFill>
               </a:ext>
@@ -5260,7 +5260,7 @@
             </a:ln>
             <a:extLst>
               <a:ext uri="{909E8E84-426E-40dd-AFC4-6F175D3DCCD1}">
-                <a14:hiddenFill xmlns="" xmlns:a14="http://schemas.microsoft.com/office/drawing/2010/main">
+                <a14:hiddenFill xmlns:a14="http://schemas.microsoft.com/office/drawing/2010/main" xmlns="">
                   <a:noFill/>
                 </a14:hiddenFill>
               </a:ext>
@@ -5311,7 +5311,7 @@
             </a:ln>
             <a:extLst>
               <a:ext uri="{909E8E84-426E-40dd-AFC4-6F175D3DCCD1}">
-                <a14:hiddenFill xmlns="" xmlns:a14="http://schemas.microsoft.com/office/drawing/2010/main">
+                <a14:hiddenFill xmlns:a14="http://schemas.microsoft.com/office/drawing/2010/main" xmlns="">
                   <a:noFill/>
                 </a14:hiddenFill>
               </a:ext>
@@ -5362,7 +5362,7 @@
             </a:ln>
             <a:extLst>
               <a:ext uri="{909E8E84-426E-40dd-AFC4-6F175D3DCCD1}">
-                <a14:hiddenFill xmlns="" xmlns:a14="http://schemas.microsoft.com/office/drawing/2010/main">
+                <a14:hiddenFill xmlns:a14="http://schemas.microsoft.com/office/drawing/2010/main" xmlns="">
                   <a:noFill/>
                 </a14:hiddenFill>
               </a:ext>
@@ -5413,7 +5413,7 @@
             </a:ln>
             <a:extLst>
               <a:ext uri="{909E8E84-426E-40dd-AFC4-6F175D3DCCD1}">
-                <a14:hiddenFill xmlns="" xmlns:a14="http://schemas.microsoft.com/office/drawing/2010/main">
+                <a14:hiddenFill xmlns:a14="http://schemas.microsoft.com/office/drawing/2010/main" xmlns="">
                   <a:noFill/>
                 </a14:hiddenFill>
               </a:ext>
@@ -5464,7 +5464,7 @@
             </a:ln>
             <a:extLst>
               <a:ext uri="{909E8E84-426E-40dd-AFC4-6F175D3DCCD1}">
-                <a14:hiddenFill xmlns="" xmlns:a14="http://schemas.microsoft.com/office/drawing/2010/main">
+                <a14:hiddenFill xmlns:a14="http://schemas.microsoft.com/office/drawing/2010/main" xmlns="">
                   <a:noFill/>
                 </a14:hiddenFill>
               </a:ext>
@@ -5515,7 +5515,7 @@
             </a:ln>
             <a:extLst>
               <a:ext uri="{909E8E84-426E-40dd-AFC4-6F175D3DCCD1}">
-                <a14:hiddenFill xmlns="" xmlns:a14="http://schemas.microsoft.com/office/drawing/2010/main">
+                <a14:hiddenFill xmlns:a14="http://schemas.microsoft.com/office/drawing/2010/main" xmlns="">
                   <a:noFill/>
                 </a14:hiddenFill>
               </a:ext>
@@ -5566,7 +5566,7 @@
             </a:ln>
             <a:extLst>
               <a:ext uri="{909E8E84-426E-40dd-AFC4-6F175D3DCCD1}">
-                <a14:hiddenFill xmlns="" xmlns:a14="http://schemas.microsoft.com/office/drawing/2010/main">
+                <a14:hiddenFill xmlns:a14="http://schemas.microsoft.com/office/drawing/2010/main" xmlns="">
                   <a:noFill/>
                 </a14:hiddenFill>
               </a:ext>
@@ -5617,7 +5617,7 @@
             </a:ln>
             <a:extLst>
               <a:ext uri="{909E8E84-426E-40dd-AFC4-6F175D3DCCD1}">
-                <a14:hiddenFill xmlns="" xmlns:a14="http://schemas.microsoft.com/office/drawing/2010/main">
+                <a14:hiddenFill xmlns:a14="http://schemas.microsoft.com/office/drawing/2010/main" xmlns="">
                   <a:noFill/>
                 </a14:hiddenFill>
               </a:ext>
@@ -5668,7 +5668,7 @@
             </a:ln>
             <a:extLst>
               <a:ext uri="{909E8E84-426E-40dd-AFC4-6F175D3DCCD1}">
-                <a14:hiddenFill xmlns="" xmlns:a14="http://schemas.microsoft.com/office/drawing/2010/main">
+                <a14:hiddenFill xmlns:a14="http://schemas.microsoft.com/office/drawing/2010/main" xmlns="">
                   <a:noFill/>
                 </a14:hiddenFill>
               </a:ext>
@@ -5719,7 +5719,7 @@
             </a:ln>
             <a:extLst>
               <a:ext uri="{909E8E84-426E-40dd-AFC4-6F175D3DCCD1}">
-                <a14:hiddenFill xmlns="" xmlns:a14="http://schemas.microsoft.com/office/drawing/2010/main">
+                <a14:hiddenFill xmlns:a14="http://schemas.microsoft.com/office/drawing/2010/main" xmlns="">
                   <a:noFill/>
                 </a14:hiddenFill>
               </a:ext>
@@ -5770,7 +5770,7 @@
             </a:ln>
             <a:extLst>
               <a:ext uri="{909E8E84-426E-40dd-AFC4-6F175D3DCCD1}">
-                <a14:hiddenFill xmlns="" xmlns:a14="http://schemas.microsoft.com/office/drawing/2010/main">
+                <a14:hiddenFill xmlns:a14="http://schemas.microsoft.com/office/drawing/2010/main" xmlns="">
                   <a:noFill/>
                 </a14:hiddenFill>
               </a:ext>
@@ -5821,7 +5821,7 @@
             </a:ln>
             <a:extLst>
               <a:ext uri="{909E8E84-426E-40dd-AFC4-6F175D3DCCD1}">
-                <a14:hiddenFill xmlns="" xmlns:a14="http://schemas.microsoft.com/office/drawing/2010/main">
+                <a14:hiddenFill xmlns:a14="http://schemas.microsoft.com/office/drawing/2010/main" xmlns="">
                   <a:noFill/>
                 </a14:hiddenFill>
               </a:ext>
@@ -5872,7 +5872,7 @@
             </a:ln>
             <a:extLst>
               <a:ext uri="{909E8E84-426E-40dd-AFC4-6F175D3DCCD1}">
-                <a14:hiddenFill xmlns="" xmlns:a14="http://schemas.microsoft.com/office/drawing/2010/main">
+                <a14:hiddenFill xmlns:a14="http://schemas.microsoft.com/office/drawing/2010/main" xmlns="">
                   <a:noFill/>
                 </a14:hiddenFill>
               </a:ext>
@@ -5923,7 +5923,7 @@
             </a:ln>
             <a:extLst>
               <a:ext uri="{909E8E84-426E-40dd-AFC4-6F175D3DCCD1}">
-                <a14:hiddenFill xmlns="" xmlns:a14="http://schemas.microsoft.com/office/drawing/2010/main">
+                <a14:hiddenFill xmlns:a14="http://schemas.microsoft.com/office/drawing/2010/main" xmlns="">
                   <a:noFill/>
                 </a14:hiddenFill>
               </a:ext>
@@ -5974,7 +5974,7 @@
             </a:ln>
             <a:extLst>
               <a:ext uri="{909E8E84-426E-40dd-AFC4-6F175D3DCCD1}">
-                <a14:hiddenFill xmlns="" xmlns:a14="http://schemas.microsoft.com/office/drawing/2010/main">
+                <a14:hiddenFill xmlns:a14="http://schemas.microsoft.com/office/drawing/2010/main" xmlns="">
                   <a:noFill/>
                 </a14:hiddenFill>
               </a:ext>
@@ -6025,7 +6025,7 @@
             </a:ln>
             <a:extLst>
               <a:ext uri="{909E8E84-426E-40dd-AFC4-6F175D3DCCD1}">
-                <a14:hiddenFill xmlns="" xmlns:a14="http://schemas.microsoft.com/office/drawing/2010/main">
+                <a14:hiddenFill xmlns:a14="http://schemas.microsoft.com/office/drawing/2010/main" xmlns="">
                   <a:noFill/>
                 </a14:hiddenFill>
               </a:ext>
@@ -6076,7 +6076,7 @@
             </a:ln>
             <a:extLst>
               <a:ext uri="{909E8E84-426E-40dd-AFC4-6F175D3DCCD1}">
-                <a14:hiddenFill xmlns="" xmlns:a14="http://schemas.microsoft.com/office/drawing/2010/main">
+                <a14:hiddenFill xmlns:a14="http://schemas.microsoft.com/office/drawing/2010/main" xmlns="">
                   <a:noFill/>
                 </a14:hiddenFill>
               </a:ext>
@@ -6127,7 +6127,7 @@
             </a:ln>
             <a:extLst>
               <a:ext uri="{909E8E84-426E-40dd-AFC4-6F175D3DCCD1}">
-                <a14:hiddenFill xmlns="" xmlns:a14="http://schemas.microsoft.com/office/drawing/2010/main">
+                <a14:hiddenFill xmlns:a14="http://schemas.microsoft.com/office/drawing/2010/main" xmlns="">
                   <a:noFill/>
                 </a14:hiddenFill>
               </a:ext>
@@ -6178,7 +6178,7 @@
             </a:ln>
             <a:extLst>
               <a:ext uri="{909E8E84-426E-40dd-AFC4-6F175D3DCCD1}">
-                <a14:hiddenFill xmlns="" xmlns:a14="http://schemas.microsoft.com/office/drawing/2010/main">
+                <a14:hiddenFill xmlns:a14="http://schemas.microsoft.com/office/drawing/2010/main" xmlns="">
                   <a:noFill/>
                 </a14:hiddenFill>
               </a:ext>
@@ -6229,7 +6229,7 @@
             </a:ln>
             <a:extLst>
               <a:ext uri="{909E8E84-426E-40dd-AFC4-6F175D3DCCD1}">
-                <a14:hiddenFill xmlns="" xmlns:a14="http://schemas.microsoft.com/office/drawing/2010/main">
+                <a14:hiddenFill xmlns:a14="http://schemas.microsoft.com/office/drawing/2010/main" xmlns="">
                   <a:noFill/>
                 </a14:hiddenFill>
               </a:ext>
@@ -6280,7 +6280,7 @@
             </a:ln>
             <a:extLst>
               <a:ext uri="{909E8E84-426E-40dd-AFC4-6F175D3DCCD1}">
-                <a14:hiddenFill xmlns="" xmlns:a14="http://schemas.microsoft.com/office/drawing/2010/main">
+                <a14:hiddenFill xmlns:a14="http://schemas.microsoft.com/office/drawing/2010/main" xmlns="">
                   <a:noFill/>
                 </a14:hiddenFill>
               </a:ext>
@@ -6331,7 +6331,7 @@
             </a:ln>
             <a:extLst>
               <a:ext uri="{909E8E84-426E-40dd-AFC4-6F175D3DCCD1}">
-                <a14:hiddenFill xmlns="" xmlns:a14="http://schemas.microsoft.com/office/drawing/2010/main">
+                <a14:hiddenFill xmlns:a14="http://schemas.microsoft.com/office/drawing/2010/main" xmlns="">
                   <a:noFill/>
                 </a14:hiddenFill>
               </a:ext>
@@ -6382,7 +6382,7 @@
             </a:ln>
             <a:extLst>
               <a:ext uri="{909E8E84-426E-40dd-AFC4-6F175D3DCCD1}">
-                <a14:hiddenFill xmlns="" xmlns:a14="http://schemas.microsoft.com/office/drawing/2010/main">
+                <a14:hiddenFill xmlns:a14="http://schemas.microsoft.com/office/drawing/2010/main" xmlns="">
                   <a:noFill/>
                 </a14:hiddenFill>
               </a:ext>
@@ -6433,7 +6433,7 @@
             </a:ln>
             <a:extLst>
               <a:ext uri="{909E8E84-426E-40dd-AFC4-6F175D3DCCD1}">
-                <a14:hiddenFill xmlns="" xmlns:a14="http://schemas.microsoft.com/office/drawing/2010/main">
+                <a14:hiddenFill xmlns:a14="http://schemas.microsoft.com/office/drawing/2010/main" xmlns="">
                   <a:noFill/>
                 </a14:hiddenFill>
               </a:ext>
@@ -6484,7 +6484,7 @@
             </a:ln>
             <a:extLst>
               <a:ext uri="{909E8E84-426E-40dd-AFC4-6F175D3DCCD1}">
-                <a14:hiddenFill xmlns="" xmlns:a14="http://schemas.microsoft.com/office/drawing/2010/main">
+                <a14:hiddenFill xmlns:a14="http://schemas.microsoft.com/office/drawing/2010/main" xmlns="">
                   <a:noFill/>
                 </a14:hiddenFill>
               </a:ext>
@@ -6535,7 +6535,7 @@
             </a:ln>
             <a:extLst>
               <a:ext uri="{909E8E84-426E-40dd-AFC4-6F175D3DCCD1}">
-                <a14:hiddenFill xmlns="" xmlns:a14="http://schemas.microsoft.com/office/drawing/2010/main">
+                <a14:hiddenFill xmlns:a14="http://schemas.microsoft.com/office/drawing/2010/main" xmlns="">
                   <a:noFill/>
                 </a14:hiddenFill>
               </a:ext>
@@ -6586,7 +6586,7 @@
             </a:ln>
             <a:extLst>
               <a:ext uri="{909E8E84-426E-40dd-AFC4-6F175D3DCCD1}">
-                <a14:hiddenFill xmlns="" xmlns:a14="http://schemas.microsoft.com/office/drawing/2010/main">
+                <a14:hiddenFill xmlns:a14="http://schemas.microsoft.com/office/drawing/2010/main" xmlns="">
                   <a:noFill/>
                 </a14:hiddenFill>
               </a:ext>
@@ -6637,7 +6637,7 @@
             </a:ln>
             <a:extLst>
               <a:ext uri="{909E8E84-426E-40dd-AFC4-6F175D3DCCD1}">
-                <a14:hiddenFill xmlns="" xmlns:a14="http://schemas.microsoft.com/office/drawing/2010/main">
+                <a14:hiddenFill xmlns:a14="http://schemas.microsoft.com/office/drawing/2010/main" xmlns="">
                   <a:noFill/>
                 </a14:hiddenFill>
               </a:ext>
@@ -6688,7 +6688,7 @@
             </a:ln>
             <a:extLst>
               <a:ext uri="{909E8E84-426E-40dd-AFC4-6F175D3DCCD1}">
-                <a14:hiddenFill xmlns="" xmlns:a14="http://schemas.microsoft.com/office/drawing/2010/main">
+                <a14:hiddenFill xmlns:a14="http://schemas.microsoft.com/office/drawing/2010/main" xmlns="">
                   <a:noFill/>
                 </a14:hiddenFill>
               </a:ext>
@@ -6739,7 +6739,7 @@
             </a:ln>
             <a:extLst>
               <a:ext uri="{909E8E84-426E-40dd-AFC4-6F175D3DCCD1}">
-                <a14:hiddenFill xmlns="" xmlns:a14="http://schemas.microsoft.com/office/drawing/2010/main">
+                <a14:hiddenFill xmlns:a14="http://schemas.microsoft.com/office/drawing/2010/main" xmlns="">
                   <a:noFill/>
                 </a14:hiddenFill>
               </a:ext>
@@ -6790,7 +6790,7 @@
             </a:ln>
             <a:extLst>
               <a:ext uri="{909E8E84-426E-40dd-AFC4-6F175D3DCCD1}">
-                <a14:hiddenFill xmlns="" xmlns:a14="http://schemas.microsoft.com/office/drawing/2010/main">
+                <a14:hiddenFill xmlns:a14="http://schemas.microsoft.com/office/drawing/2010/main" xmlns="">
                   <a:noFill/>
                 </a14:hiddenFill>
               </a:ext>
@@ -6841,7 +6841,7 @@
             </a:ln>
             <a:extLst>
               <a:ext uri="{909E8E84-426E-40dd-AFC4-6F175D3DCCD1}">
-                <a14:hiddenFill xmlns="" xmlns:a14="http://schemas.microsoft.com/office/drawing/2010/main">
+                <a14:hiddenFill xmlns:a14="http://schemas.microsoft.com/office/drawing/2010/main" xmlns="">
                   <a:noFill/>
                 </a14:hiddenFill>
               </a:ext>
@@ -6892,7 +6892,7 @@
             </a:ln>
             <a:extLst>
               <a:ext uri="{909E8E84-426E-40dd-AFC4-6F175D3DCCD1}">
-                <a14:hiddenFill xmlns="" xmlns:a14="http://schemas.microsoft.com/office/drawing/2010/main">
+                <a14:hiddenFill xmlns:a14="http://schemas.microsoft.com/office/drawing/2010/main" xmlns="">
                   <a:noFill/>
                 </a14:hiddenFill>
               </a:ext>
@@ -6943,7 +6943,7 @@
             </a:ln>
             <a:extLst>
               <a:ext uri="{909E8E84-426E-40dd-AFC4-6F175D3DCCD1}">
-                <a14:hiddenFill xmlns="" xmlns:a14="http://schemas.microsoft.com/office/drawing/2010/main">
+                <a14:hiddenFill xmlns:a14="http://schemas.microsoft.com/office/drawing/2010/main" xmlns="">
                   <a:noFill/>
                 </a14:hiddenFill>
               </a:ext>
@@ -6994,7 +6994,7 @@
             </a:ln>
             <a:extLst>
               <a:ext uri="{909E8E84-426E-40dd-AFC4-6F175D3DCCD1}">
-                <a14:hiddenFill xmlns="" xmlns:a14="http://schemas.microsoft.com/office/drawing/2010/main">
+                <a14:hiddenFill xmlns:a14="http://schemas.microsoft.com/office/drawing/2010/main" xmlns="">
                   <a:noFill/>
                 </a14:hiddenFill>
               </a:ext>
@@ -7045,7 +7045,7 @@
             </a:ln>
             <a:extLst>
               <a:ext uri="{909E8E84-426E-40dd-AFC4-6F175D3DCCD1}">
-                <a14:hiddenFill xmlns="" xmlns:a14="http://schemas.microsoft.com/office/drawing/2010/main">
+                <a14:hiddenFill xmlns:a14="http://schemas.microsoft.com/office/drawing/2010/main" xmlns="">
                   <a:noFill/>
                 </a14:hiddenFill>
               </a:ext>
@@ -7096,7 +7096,7 @@
             </a:ln>
             <a:extLst>
               <a:ext uri="{909E8E84-426E-40dd-AFC4-6F175D3DCCD1}">
-                <a14:hiddenFill xmlns="" xmlns:a14="http://schemas.microsoft.com/office/drawing/2010/main">
+                <a14:hiddenFill xmlns:a14="http://schemas.microsoft.com/office/drawing/2010/main" xmlns="">
                   <a:noFill/>
                 </a14:hiddenFill>
               </a:ext>
@@ -7147,7 +7147,7 @@
             </a:ln>
             <a:extLst>
               <a:ext uri="{909E8E84-426E-40dd-AFC4-6F175D3DCCD1}">
-                <a14:hiddenFill xmlns="" xmlns:a14="http://schemas.microsoft.com/office/drawing/2010/main">
+                <a14:hiddenFill xmlns:a14="http://schemas.microsoft.com/office/drawing/2010/main" xmlns="">
                   <a:noFill/>
                 </a14:hiddenFill>
               </a:ext>
@@ -7198,7 +7198,7 @@
             </a:ln>
             <a:extLst>
               <a:ext uri="{909E8E84-426E-40dd-AFC4-6F175D3DCCD1}">
-                <a14:hiddenFill xmlns="" xmlns:a14="http://schemas.microsoft.com/office/drawing/2010/main">
+                <a14:hiddenFill xmlns:a14="http://schemas.microsoft.com/office/drawing/2010/main" xmlns="">
                   <a:noFill/>
                 </a14:hiddenFill>
               </a:ext>
@@ -7249,7 +7249,7 @@
             </a:ln>
             <a:extLst>
               <a:ext uri="{909E8E84-426E-40dd-AFC4-6F175D3DCCD1}">
-                <a14:hiddenFill xmlns="" xmlns:a14="http://schemas.microsoft.com/office/drawing/2010/main">
+                <a14:hiddenFill xmlns:a14="http://schemas.microsoft.com/office/drawing/2010/main" xmlns="">
                   <a:noFill/>
                 </a14:hiddenFill>
               </a:ext>
@@ -7300,7 +7300,7 @@
             </a:ln>
             <a:extLst>
               <a:ext uri="{909E8E84-426E-40dd-AFC4-6F175D3DCCD1}">
-                <a14:hiddenFill xmlns="" xmlns:a14="http://schemas.microsoft.com/office/drawing/2010/main">
+                <a14:hiddenFill xmlns:a14="http://schemas.microsoft.com/office/drawing/2010/main" xmlns="">
                   <a:noFill/>
                 </a14:hiddenFill>
               </a:ext>
@@ -7351,7 +7351,7 @@
             </a:ln>
             <a:extLst>
               <a:ext uri="{909E8E84-426E-40dd-AFC4-6F175D3DCCD1}">
-                <a14:hiddenFill xmlns="" xmlns:a14="http://schemas.microsoft.com/office/drawing/2010/main">
+                <a14:hiddenFill xmlns:a14="http://schemas.microsoft.com/office/drawing/2010/main" xmlns="">
                   <a:noFill/>
                 </a14:hiddenFill>
               </a:ext>
@@ -7402,7 +7402,7 @@
             </a:ln>
             <a:extLst>
               <a:ext uri="{909E8E84-426E-40dd-AFC4-6F175D3DCCD1}">
-                <a14:hiddenFill xmlns="" xmlns:a14="http://schemas.microsoft.com/office/drawing/2010/main">
+                <a14:hiddenFill xmlns:a14="http://schemas.microsoft.com/office/drawing/2010/main" xmlns="">
                   <a:noFill/>
                 </a14:hiddenFill>
               </a:ext>
@@ -7453,7 +7453,7 @@
             </a:ln>
             <a:extLst>
               <a:ext uri="{909E8E84-426E-40dd-AFC4-6F175D3DCCD1}">
-                <a14:hiddenFill xmlns="" xmlns:a14="http://schemas.microsoft.com/office/drawing/2010/main">
+                <a14:hiddenFill xmlns:a14="http://schemas.microsoft.com/office/drawing/2010/main" xmlns="">
                   <a:noFill/>
                 </a14:hiddenFill>
               </a:ext>
@@ -7504,7 +7504,7 @@
             </a:ln>
             <a:extLst>
               <a:ext uri="{909E8E84-426E-40dd-AFC4-6F175D3DCCD1}">
-                <a14:hiddenFill xmlns="" xmlns:a14="http://schemas.microsoft.com/office/drawing/2010/main">
+                <a14:hiddenFill xmlns:a14="http://schemas.microsoft.com/office/drawing/2010/main" xmlns="">
                   <a:noFill/>
                 </a14:hiddenFill>
               </a:ext>
@@ -7555,7 +7555,7 @@
             </a:ln>
             <a:extLst>
               <a:ext uri="{909E8E84-426E-40dd-AFC4-6F175D3DCCD1}">
-                <a14:hiddenFill xmlns="" xmlns:a14="http://schemas.microsoft.com/office/drawing/2010/main">
+                <a14:hiddenFill xmlns:a14="http://schemas.microsoft.com/office/drawing/2010/main" xmlns="">
                   <a:noFill/>
                 </a14:hiddenFill>
               </a:ext>
@@ -7606,7 +7606,7 @@
             </a:ln>
             <a:extLst>
               <a:ext uri="{909E8E84-426E-40dd-AFC4-6F175D3DCCD1}">
-                <a14:hiddenFill xmlns="" xmlns:a14="http://schemas.microsoft.com/office/drawing/2010/main">
+                <a14:hiddenFill xmlns:a14="http://schemas.microsoft.com/office/drawing/2010/main" xmlns="">
                   <a:noFill/>
                 </a14:hiddenFill>
               </a:ext>
@@ -7657,7 +7657,7 @@
             </a:ln>
             <a:extLst>
               <a:ext uri="{909E8E84-426E-40dd-AFC4-6F175D3DCCD1}">
-                <a14:hiddenFill xmlns="" xmlns:a14="http://schemas.microsoft.com/office/drawing/2010/main">
+                <a14:hiddenFill xmlns:a14="http://schemas.microsoft.com/office/drawing/2010/main" xmlns="">
                   <a:noFill/>
                 </a14:hiddenFill>
               </a:ext>
@@ -7708,7 +7708,7 @@
             </a:ln>
             <a:extLst>
               <a:ext uri="{909E8E84-426E-40dd-AFC4-6F175D3DCCD1}">
-                <a14:hiddenFill xmlns="" xmlns:a14="http://schemas.microsoft.com/office/drawing/2010/main">
+                <a14:hiddenFill xmlns:a14="http://schemas.microsoft.com/office/drawing/2010/main" xmlns="">
                   <a:noFill/>
                 </a14:hiddenFill>
               </a:ext>
@@ -7759,7 +7759,7 @@
             </a:ln>
             <a:extLst>
               <a:ext uri="{909E8E84-426E-40dd-AFC4-6F175D3DCCD1}">
-                <a14:hiddenFill xmlns="" xmlns:a14="http://schemas.microsoft.com/office/drawing/2010/main">
+                <a14:hiddenFill xmlns:a14="http://schemas.microsoft.com/office/drawing/2010/main" xmlns="">
                   <a:noFill/>
                 </a14:hiddenFill>
               </a:ext>
@@ -7810,7 +7810,7 @@
             </a:ln>
             <a:extLst>
               <a:ext uri="{909E8E84-426E-40dd-AFC4-6F175D3DCCD1}">
-                <a14:hiddenFill xmlns="" xmlns:a14="http://schemas.microsoft.com/office/drawing/2010/main">
+                <a14:hiddenFill xmlns:a14="http://schemas.microsoft.com/office/drawing/2010/main" xmlns="">
                   <a:noFill/>
                 </a14:hiddenFill>
               </a:ext>
@@ -7861,7 +7861,7 @@
             </a:ln>
             <a:extLst>
               <a:ext uri="{909E8E84-426E-40dd-AFC4-6F175D3DCCD1}">
-                <a14:hiddenFill xmlns="" xmlns:a14="http://schemas.microsoft.com/office/drawing/2010/main">
+                <a14:hiddenFill xmlns:a14="http://schemas.microsoft.com/office/drawing/2010/main" xmlns="">
                   <a:noFill/>
                 </a14:hiddenFill>
               </a:ext>
@@ -7912,7 +7912,7 @@
             </a:ln>
             <a:extLst>
               <a:ext uri="{909E8E84-426E-40dd-AFC4-6F175D3DCCD1}">
-                <a14:hiddenFill xmlns="" xmlns:a14="http://schemas.microsoft.com/office/drawing/2010/main">
+                <a14:hiddenFill xmlns:a14="http://schemas.microsoft.com/office/drawing/2010/main" xmlns="">
                   <a:noFill/>
                 </a14:hiddenFill>
               </a:ext>
@@ -7963,7 +7963,7 @@
             </a:ln>
             <a:extLst>
               <a:ext uri="{909E8E84-426E-40dd-AFC4-6F175D3DCCD1}">
-                <a14:hiddenFill xmlns="" xmlns:a14="http://schemas.microsoft.com/office/drawing/2010/main">
+                <a14:hiddenFill xmlns:a14="http://schemas.microsoft.com/office/drawing/2010/main" xmlns="">
                   <a:noFill/>
                 </a14:hiddenFill>
               </a:ext>
@@ -8014,7 +8014,7 @@
             </a:ln>
             <a:extLst>
               <a:ext uri="{909E8E84-426E-40dd-AFC4-6F175D3DCCD1}">
-                <a14:hiddenFill xmlns="" xmlns:a14="http://schemas.microsoft.com/office/drawing/2010/main">
+                <a14:hiddenFill xmlns:a14="http://schemas.microsoft.com/office/drawing/2010/main" xmlns="">
                   <a:noFill/>
                 </a14:hiddenFill>
               </a:ext>
@@ -8065,7 +8065,7 @@
             </a:ln>
             <a:extLst>
               <a:ext uri="{909E8E84-426E-40dd-AFC4-6F175D3DCCD1}">
-                <a14:hiddenFill xmlns="" xmlns:a14="http://schemas.microsoft.com/office/drawing/2010/main">
+                <a14:hiddenFill xmlns:a14="http://schemas.microsoft.com/office/drawing/2010/main" xmlns="">
                   <a:noFill/>
                 </a14:hiddenFill>
               </a:ext>
@@ -8116,7 +8116,7 @@
             </a:ln>
             <a:extLst>
               <a:ext uri="{909E8E84-426E-40dd-AFC4-6F175D3DCCD1}">
-                <a14:hiddenFill xmlns="" xmlns:a14="http://schemas.microsoft.com/office/drawing/2010/main">
+                <a14:hiddenFill xmlns:a14="http://schemas.microsoft.com/office/drawing/2010/main" xmlns="">
                   <a:noFill/>
                 </a14:hiddenFill>
               </a:ext>
@@ -8167,7 +8167,7 @@
             </a:ln>
             <a:extLst>
               <a:ext uri="{909E8E84-426E-40dd-AFC4-6F175D3DCCD1}">
-                <a14:hiddenFill xmlns="" xmlns:a14="http://schemas.microsoft.com/office/drawing/2010/main">
+                <a14:hiddenFill xmlns:a14="http://schemas.microsoft.com/office/drawing/2010/main" xmlns="">
                   <a:noFill/>
                 </a14:hiddenFill>
               </a:ext>
@@ -8218,7 +8218,7 @@
             </a:ln>
             <a:extLst>
               <a:ext uri="{909E8E84-426E-40dd-AFC4-6F175D3DCCD1}">
-                <a14:hiddenFill xmlns="" xmlns:a14="http://schemas.microsoft.com/office/drawing/2010/main">
+                <a14:hiddenFill xmlns:a14="http://schemas.microsoft.com/office/drawing/2010/main" xmlns="">
                   <a:noFill/>
                 </a14:hiddenFill>
               </a:ext>
@@ -8269,7 +8269,7 @@
             </a:ln>
             <a:extLst>
               <a:ext uri="{909E8E84-426E-40dd-AFC4-6F175D3DCCD1}">
-                <a14:hiddenFill xmlns="" xmlns:a14="http://schemas.microsoft.com/office/drawing/2010/main">
+                <a14:hiddenFill xmlns:a14="http://schemas.microsoft.com/office/drawing/2010/main" xmlns="">
                   <a:noFill/>
                 </a14:hiddenFill>
               </a:ext>
@@ -8320,7 +8320,7 @@
             </a:ln>
             <a:extLst>
               <a:ext uri="{909E8E84-426E-40dd-AFC4-6F175D3DCCD1}">
-                <a14:hiddenFill xmlns="" xmlns:a14="http://schemas.microsoft.com/office/drawing/2010/main">
+                <a14:hiddenFill xmlns:a14="http://schemas.microsoft.com/office/drawing/2010/main" xmlns="">
                   <a:noFill/>
                 </a14:hiddenFill>
               </a:ext>
@@ -8371,7 +8371,7 @@
             </a:ln>
             <a:extLst>
               <a:ext uri="{909E8E84-426E-40dd-AFC4-6F175D3DCCD1}">
-                <a14:hiddenFill xmlns="" xmlns:a14="http://schemas.microsoft.com/office/drawing/2010/main">
+                <a14:hiddenFill xmlns:a14="http://schemas.microsoft.com/office/drawing/2010/main" xmlns="">
                   <a:noFill/>
                 </a14:hiddenFill>
               </a:ext>
@@ -8422,7 +8422,7 @@
             </a:ln>
             <a:extLst>
               <a:ext uri="{909E8E84-426E-40dd-AFC4-6F175D3DCCD1}">
-                <a14:hiddenFill xmlns="" xmlns:a14="http://schemas.microsoft.com/office/drawing/2010/main">
+                <a14:hiddenFill xmlns:a14="http://schemas.microsoft.com/office/drawing/2010/main" xmlns="">
                   <a:noFill/>
                 </a14:hiddenFill>
               </a:ext>
@@ -8473,7 +8473,7 @@
             </a:ln>
             <a:extLst>
               <a:ext uri="{909E8E84-426E-40dd-AFC4-6F175D3DCCD1}">
-                <a14:hiddenFill xmlns="" xmlns:a14="http://schemas.microsoft.com/office/drawing/2010/main">
+                <a14:hiddenFill xmlns:a14="http://schemas.microsoft.com/office/drawing/2010/main" xmlns="">
                   <a:noFill/>
                 </a14:hiddenFill>
               </a:ext>
@@ -8524,7 +8524,7 @@
             </a:ln>
             <a:extLst>
               <a:ext uri="{909E8E84-426E-40dd-AFC4-6F175D3DCCD1}">
-                <a14:hiddenFill xmlns="" xmlns:a14="http://schemas.microsoft.com/office/drawing/2010/main">
+                <a14:hiddenFill xmlns:a14="http://schemas.microsoft.com/office/drawing/2010/main" xmlns="">
                   <a:noFill/>
                 </a14:hiddenFill>
               </a:ext>
@@ -9151,7 +9151,7 @@
             </a:ln>
             <a:extLst>
               <a:ext uri="{909E8E84-426E-40dd-AFC4-6F175D3DCCD1}">
-                <a14:hiddenFill xmlns="" xmlns:a14="http://schemas.microsoft.com/office/drawing/2010/main">
+                <a14:hiddenFill xmlns:a14="http://schemas.microsoft.com/office/drawing/2010/main" xmlns="">
                   <a:solidFill>
                     <a:srgbClr val="FFFFFF"/>
                   </a:solidFill>
@@ -9204,7 +9204,7 @@
             </a:ln>
             <a:extLst>
               <a:ext uri="{909E8E84-426E-40dd-AFC4-6F175D3DCCD1}">
-                <a14:hiddenFill xmlns="" xmlns:a14="http://schemas.microsoft.com/office/drawing/2010/main">
+                <a14:hiddenFill xmlns:a14="http://schemas.microsoft.com/office/drawing/2010/main" xmlns="">
                   <a:noFill/>
                 </a14:hiddenFill>
               </a:ext>
@@ -9255,7 +9255,7 @@
             </a:ln>
             <a:extLst>
               <a:ext uri="{909E8E84-426E-40dd-AFC4-6F175D3DCCD1}">
-                <a14:hiddenFill xmlns="" xmlns:a14="http://schemas.microsoft.com/office/drawing/2010/main">
+                <a14:hiddenFill xmlns:a14="http://schemas.microsoft.com/office/drawing/2010/main" xmlns="">
                   <a:noFill/>
                 </a14:hiddenFill>
               </a:ext>
@@ -9306,7 +9306,7 @@
             </a:ln>
             <a:extLst>
               <a:ext uri="{909E8E84-426E-40dd-AFC4-6F175D3DCCD1}">
-                <a14:hiddenFill xmlns="" xmlns:a14="http://schemas.microsoft.com/office/drawing/2010/main">
+                <a14:hiddenFill xmlns:a14="http://schemas.microsoft.com/office/drawing/2010/main" xmlns="">
                   <a:noFill/>
                 </a14:hiddenFill>
               </a:ext>
@@ -9357,7 +9357,7 @@
             </a:ln>
             <a:extLst>
               <a:ext uri="{909E8E84-426E-40dd-AFC4-6F175D3DCCD1}">
-                <a14:hiddenFill xmlns="" xmlns:a14="http://schemas.microsoft.com/office/drawing/2010/main">
+                <a14:hiddenFill xmlns:a14="http://schemas.microsoft.com/office/drawing/2010/main" xmlns="">
                   <a:noFill/>
                 </a14:hiddenFill>
               </a:ext>
@@ -9408,7 +9408,7 @@
             </a:ln>
             <a:extLst>
               <a:ext uri="{909E8E84-426E-40dd-AFC4-6F175D3DCCD1}">
-                <a14:hiddenFill xmlns="" xmlns:a14="http://schemas.microsoft.com/office/drawing/2010/main">
+                <a14:hiddenFill xmlns:a14="http://schemas.microsoft.com/office/drawing/2010/main" xmlns="">
                   <a:noFill/>
                 </a14:hiddenFill>
               </a:ext>
@@ -9459,7 +9459,7 @@
             </a:ln>
             <a:extLst>
               <a:ext uri="{909E8E84-426E-40dd-AFC4-6F175D3DCCD1}">
-                <a14:hiddenFill xmlns="" xmlns:a14="http://schemas.microsoft.com/office/drawing/2010/main">
+                <a14:hiddenFill xmlns:a14="http://schemas.microsoft.com/office/drawing/2010/main" xmlns="">
                   <a:noFill/>
                 </a14:hiddenFill>
               </a:ext>
@@ -9510,7 +9510,7 @@
             </a:ln>
             <a:extLst>
               <a:ext uri="{909E8E84-426E-40dd-AFC4-6F175D3DCCD1}">
-                <a14:hiddenFill xmlns="" xmlns:a14="http://schemas.microsoft.com/office/drawing/2010/main">
+                <a14:hiddenFill xmlns:a14="http://schemas.microsoft.com/office/drawing/2010/main" xmlns="">
                   <a:noFill/>
                 </a14:hiddenFill>
               </a:ext>
@@ -9561,7 +9561,7 @@
             </a:ln>
             <a:extLst>
               <a:ext uri="{909E8E84-426E-40dd-AFC4-6F175D3DCCD1}">
-                <a14:hiddenFill xmlns="" xmlns:a14="http://schemas.microsoft.com/office/drawing/2010/main">
+                <a14:hiddenFill xmlns:a14="http://schemas.microsoft.com/office/drawing/2010/main" xmlns="">
                   <a:noFill/>
                 </a14:hiddenFill>
               </a:ext>
@@ -9612,7 +9612,7 @@
             </a:ln>
             <a:extLst>
               <a:ext uri="{909E8E84-426E-40dd-AFC4-6F175D3DCCD1}">
-                <a14:hiddenFill xmlns="" xmlns:a14="http://schemas.microsoft.com/office/drawing/2010/main">
+                <a14:hiddenFill xmlns:a14="http://schemas.microsoft.com/office/drawing/2010/main" xmlns="">
                   <a:noFill/>
                 </a14:hiddenFill>
               </a:ext>
@@ -9663,7 +9663,7 @@
             </a:ln>
             <a:extLst>
               <a:ext uri="{909E8E84-426E-40dd-AFC4-6F175D3DCCD1}">
-                <a14:hiddenFill xmlns="" xmlns:a14="http://schemas.microsoft.com/office/drawing/2010/main">
+                <a14:hiddenFill xmlns:a14="http://schemas.microsoft.com/office/drawing/2010/main" xmlns="">
                   <a:noFill/>
                 </a14:hiddenFill>
               </a:ext>
@@ -9714,7 +9714,7 @@
             </a:ln>
             <a:extLst>
               <a:ext uri="{909E8E84-426E-40dd-AFC4-6F175D3DCCD1}">
-                <a14:hiddenFill xmlns="" xmlns:a14="http://schemas.microsoft.com/office/drawing/2010/main">
+                <a14:hiddenFill xmlns:a14="http://schemas.microsoft.com/office/drawing/2010/main" xmlns="">
                   <a:noFill/>
                 </a14:hiddenFill>
               </a:ext>
@@ -9765,7 +9765,7 @@
             </a:ln>
             <a:extLst>
               <a:ext uri="{909E8E84-426E-40dd-AFC4-6F175D3DCCD1}">
-                <a14:hiddenFill xmlns="" xmlns:a14="http://schemas.microsoft.com/office/drawing/2010/main">
+                <a14:hiddenFill xmlns:a14="http://schemas.microsoft.com/office/drawing/2010/main" xmlns="">
                   <a:noFill/>
                 </a14:hiddenFill>
               </a:ext>
@@ -9816,7 +9816,7 @@
             </a:ln>
             <a:extLst>
               <a:ext uri="{909E8E84-426E-40dd-AFC4-6F175D3DCCD1}">
-                <a14:hiddenFill xmlns="" xmlns:a14="http://schemas.microsoft.com/office/drawing/2010/main">
+                <a14:hiddenFill xmlns:a14="http://schemas.microsoft.com/office/drawing/2010/main" xmlns="">
                   <a:noFill/>
                 </a14:hiddenFill>
               </a:ext>
@@ -9867,7 +9867,7 @@
             </a:ln>
             <a:extLst>
               <a:ext uri="{909E8E84-426E-40dd-AFC4-6F175D3DCCD1}">
-                <a14:hiddenFill xmlns="" xmlns:a14="http://schemas.microsoft.com/office/drawing/2010/main">
+                <a14:hiddenFill xmlns:a14="http://schemas.microsoft.com/office/drawing/2010/main" xmlns="">
                   <a:noFill/>
                 </a14:hiddenFill>
               </a:ext>
@@ -9918,7 +9918,7 @@
             </a:ln>
             <a:extLst>
               <a:ext uri="{909E8E84-426E-40dd-AFC4-6F175D3DCCD1}">
-                <a14:hiddenFill xmlns="" xmlns:a14="http://schemas.microsoft.com/office/drawing/2010/main">
+                <a14:hiddenFill xmlns:a14="http://schemas.microsoft.com/office/drawing/2010/main" xmlns="">
                   <a:noFill/>
                 </a14:hiddenFill>
               </a:ext>
@@ -9969,7 +9969,7 @@
             </a:ln>
             <a:extLst>
               <a:ext uri="{909E8E84-426E-40dd-AFC4-6F175D3DCCD1}">
-                <a14:hiddenFill xmlns="" xmlns:a14="http://schemas.microsoft.com/office/drawing/2010/main">
+                <a14:hiddenFill xmlns:a14="http://schemas.microsoft.com/office/drawing/2010/main" xmlns="">
                   <a:noFill/>
                 </a14:hiddenFill>
               </a:ext>
@@ -10020,7 +10020,7 @@
             </a:ln>
             <a:extLst>
               <a:ext uri="{909E8E84-426E-40dd-AFC4-6F175D3DCCD1}">
-                <a14:hiddenFill xmlns="" xmlns:a14="http://schemas.microsoft.com/office/drawing/2010/main">
+                <a14:hiddenFill xmlns:a14="http://schemas.microsoft.com/office/drawing/2010/main" xmlns="">
                   <a:noFill/>
                 </a14:hiddenFill>
               </a:ext>
@@ -10071,7 +10071,7 @@
             </a:ln>
             <a:extLst>
               <a:ext uri="{909E8E84-426E-40dd-AFC4-6F175D3DCCD1}">
-                <a14:hiddenFill xmlns="" xmlns:a14="http://schemas.microsoft.com/office/drawing/2010/main">
+                <a14:hiddenFill xmlns:a14="http://schemas.microsoft.com/office/drawing/2010/main" xmlns="">
                   <a:noFill/>
                 </a14:hiddenFill>
               </a:ext>
@@ -10122,7 +10122,7 @@
             </a:ln>
             <a:extLst>
               <a:ext uri="{909E8E84-426E-40dd-AFC4-6F175D3DCCD1}">
-                <a14:hiddenFill xmlns="" xmlns:a14="http://schemas.microsoft.com/office/drawing/2010/main">
+                <a14:hiddenFill xmlns:a14="http://schemas.microsoft.com/office/drawing/2010/main" xmlns="">
                   <a:noFill/>
                 </a14:hiddenFill>
               </a:ext>
@@ -10173,7 +10173,7 @@
             </a:ln>
             <a:extLst>
               <a:ext uri="{909E8E84-426E-40dd-AFC4-6F175D3DCCD1}">
-                <a14:hiddenFill xmlns="" xmlns:a14="http://schemas.microsoft.com/office/drawing/2010/main">
+                <a14:hiddenFill xmlns:a14="http://schemas.microsoft.com/office/drawing/2010/main" xmlns="">
                   <a:noFill/>
                 </a14:hiddenFill>
               </a:ext>
@@ -10224,7 +10224,7 @@
             </a:ln>
             <a:extLst>
               <a:ext uri="{909E8E84-426E-40dd-AFC4-6F175D3DCCD1}">
-                <a14:hiddenFill xmlns="" xmlns:a14="http://schemas.microsoft.com/office/drawing/2010/main">
+                <a14:hiddenFill xmlns:a14="http://schemas.microsoft.com/office/drawing/2010/main" xmlns="">
                   <a:noFill/>
                 </a14:hiddenFill>
               </a:ext>
@@ -10275,7 +10275,7 @@
             </a:ln>
             <a:extLst>
               <a:ext uri="{909E8E84-426E-40dd-AFC4-6F175D3DCCD1}">
-                <a14:hiddenFill xmlns="" xmlns:a14="http://schemas.microsoft.com/office/drawing/2010/main">
+                <a14:hiddenFill xmlns:a14="http://schemas.microsoft.com/office/drawing/2010/main" xmlns="">
                   <a:noFill/>
                 </a14:hiddenFill>
               </a:ext>
@@ -10326,7 +10326,7 @@
             </a:ln>
             <a:extLst>
               <a:ext uri="{909E8E84-426E-40dd-AFC4-6F175D3DCCD1}">
-                <a14:hiddenFill xmlns="" xmlns:a14="http://schemas.microsoft.com/office/drawing/2010/main">
+                <a14:hiddenFill xmlns:a14="http://schemas.microsoft.com/office/drawing/2010/main" xmlns="">
                   <a:noFill/>
                 </a14:hiddenFill>
               </a:ext>
@@ -10377,7 +10377,7 @@
             </a:ln>
             <a:extLst>
               <a:ext uri="{909E8E84-426E-40dd-AFC4-6F175D3DCCD1}">
-                <a14:hiddenFill xmlns="" xmlns:a14="http://schemas.microsoft.com/office/drawing/2010/main">
+                <a14:hiddenFill xmlns:a14="http://schemas.microsoft.com/office/drawing/2010/main" xmlns="">
                   <a:noFill/>
                 </a14:hiddenFill>
               </a:ext>
@@ -10428,7 +10428,7 @@
             </a:ln>
             <a:extLst>
               <a:ext uri="{909E8E84-426E-40dd-AFC4-6F175D3DCCD1}">
-                <a14:hiddenFill xmlns="" xmlns:a14="http://schemas.microsoft.com/office/drawing/2010/main">
+                <a14:hiddenFill xmlns:a14="http://schemas.microsoft.com/office/drawing/2010/main" xmlns="">
                   <a:noFill/>
                 </a14:hiddenFill>
               </a:ext>
@@ -10479,7 +10479,7 @@
             </a:ln>
             <a:extLst>
               <a:ext uri="{909E8E84-426E-40dd-AFC4-6F175D3DCCD1}">
-                <a14:hiddenFill xmlns="" xmlns:a14="http://schemas.microsoft.com/office/drawing/2010/main">
+                <a14:hiddenFill xmlns:a14="http://schemas.microsoft.com/office/drawing/2010/main" xmlns="">
                   <a:noFill/>
                 </a14:hiddenFill>
               </a:ext>
@@ -10530,7 +10530,7 @@
             </a:ln>
             <a:extLst>
               <a:ext uri="{909E8E84-426E-40dd-AFC4-6F175D3DCCD1}">
-                <a14:hiddenFill xmlns="" xmlns:a14="http://schemas.microsoft.com/office/drawing/2010/main">
+                <a14:hiddenFill xmlns:a14="http://schemas.microsoft.com/office/drawing/2010/main" xmlns="">
                   <a:noFill/>
                 </a14:hiddenFill>
               </a:ext>
@@ -10581,7 +10581,7 @@
             </a:ln>
             <a:extLst>
               <a:ext uri="{909E8E84-426E-40dd-AFC4-6F175D3DCCD1}">
-                <a14:hiddenFill xmlns="" xmlns:a14="http://schemas.microsoft.com/office/drawing/2010/main">
+                <a14:hiddenFill xmlns:a14="http://schemas.microsoft.com/office/drawing/2010/main" xmlns="">
                   <a:noFill/>
                 </a14:hiddenFill>
               </a:ext>
@@ -10632,7 +10632,7 @@
             </a:ln>
             <a:extLst>
               <a:ext uri="{909E8E84-426E-40dd-AFC4-6F175D3DCCD1}">
-                <a14:hiddenFill xmlns="" xmlns:a14="http://schemas.microsoft.com/office/drawing/2010/main">
+                <a14:hiddenFill xmlns:a14="http://schemas.microsoft.com/office/drawing/2010/main" xmlns="">
                   <a:noFill/>
                 </a14:hiddenFill>
               </a:ext>
@@ -10683,7 +10683,7 @@
             </a:ln>
             <a:extLst>
               <a:ext uri="{909E8E84-426E-40dd-AFC4-6F175D3DCCD1}">
-                <a14:hiddenFill xmlns="" xmlns:a14="http://schemas.microsoft.com/office/drawing/2010/main">
+                <a14:hiddenFill xmlns:a14="http://schemas.microsoft.com/office/drawing/2010/main" xmlns="">
                   <a:noFill/>
                 </a14:hiddenFill>
               </a:ext>
@@ -10734,7 +10734,7 @@
             </a:ln>
             <a:extLst>
               <a:ext uri="{909E8E84-426E-40dd-AFC4-6F175D3DCCD1}">
-                <a14:hiddenFill xmlns="" xmlns:a14="http://schemas.microsoft.com/office/drawing/2010/main">
+                <a14:hiddenFill xmlns:a14="http://schemas.microsoft.com/office/drawing/2010/main" xmlns="">
                   <a:noFill/>
                 </a14:hiddenFill>
               </a:ext>
@@ -10785,7 +10785,7 @@
             </a:ln>
             <a:extLst>
               <a:ext uri="{909E8E84-426E-40dd-AFC4-6F175D3DCCD1}">
-                <a14:hiddenFill xmlns="" xmlns:a14="http://schemas.microsoft.com/office/drawing/2010/main">
+                <a14:hiddenFill xmlns:a14="http://schemas.microsoft.com/office/drawing/2010/main" xmlns="">
                   <a:noFill/>
                 </a14:hiddenFill>
               </a:ext>
@@ -10836,7 +10836,7 @@
             </a:ln>
             <a:extLst>
               <a:ext uri="{909E8E84-426E-40dd-AFC4-6F175D3DCCD1}">
-                <a14:hiddenFill xmlns="" xmlns:a14="http://schemas.microsoft.com/office/drawing/2010/main">
+                <a14:hiddenFill xmlns:a14="http://schemas.microsoft.com/office/drawing/2010/main" xmlns="">
                   <a:noFill/>
                 </a14:hiddenFill>
               </a:ext>
@@ -10887,7 +10887,7 @@
             </a:ln>
             <a:extLst>
               <a:ext uri="{909E8E84-426E-40dd-AFC4-6F175D3DCCD1}">
-                <a14:hiddenFill xmlns="" xmlns:a14="http://schemas.microsoft.com/office/drawing/2010/main">
+                <a14:hiddenFill xmlns:a14="http://schemas.microsoft.com/office/drawing/2010/main" xmlns="">
                   <a:noFill/>
                 </a14:hiddenFill>
               </a:ext>
@@ -10938,7 +10938,7 @@
             </a:ln>
             <a:extLst>
               <a:ext uri="{909E8E84-426E-40dd-AFC4-6F175D3DCCD1}">
-                <a14:hiddenFill xmlns="" xmlns:a14="http://schemas.microsoft.com/office/drawing/2010/main">
+                <a14:hiddenFill xmlns:a14="http://schemas.microsoft.com/office/drawing/2010/main" xmlns="">
                   <a:noFill/>
                 </a14:hiddenFill>
               </a:ext>
@@ -10989,7 +10989,7 @@
             </a:ln>
             <a:extLst>
               <a:ext uri="{909E8E84-426E-40dd-AFC4-6F175D3DCCD1}">
-                <a14:hiddenFill xmlns="" xmlns:a14="http://schemas.microsoft.com/office/drawing/2010/main">
+                <a14:hiddenFill xmlns:a14="http://schemas.microsoft.com/office/drawing/2010/main" xmlns="">
                   <a:noFill/>
                 </a14:hiddenFill>
               </a:ext>
@@ -11040,7 +11040,7 @@
             </a:ln>
             <a:extLst>
               <a:ext uri="{909E8E84-426E-40dd-AFC4-6F175D3DCCD1}">
-                <a14:hiddenFill xmlns="" xmlns:a14="http://schemas.microsoft.com/office/drawing/2010/main">
+                <a14:hiddenFill xmlns:a14="http://schemas.microsoft.com/office/drawing/2010/main" xmlns="">
                   <a:noFill/>
                 </a14:hiddenFill>
               </a:ext>
@@ -11091,7 +11091,7 @@
             </a:ln>
             <a:extLst>
               <a:ext uri="{909E8E84-426E-40dd-AFC4-6F175D3DCCD1}">
-                <a14:hiddenFill xmlns="" xmlns:a14="http://schemas.microsoft.com/office/drawing/2010/main">
+                <a14:hiddenFill xmlns:a14="http://schemas.microsoft.com/office/drawing/2010/main" xmlns="">
                   <a:noFill/>
                 </a14:hiddenFill>
               </a:ext>
@@ -11142,7 +11142,7 @@
             </a:ln>
             <a:extLst>
               <a:ext uri="{909E8E84-426E-40dd-AFC4-6F175D3DCCD1}">
-                <a14:hiddenFill xmlns="" xmlns:a14="http://schemas.microsoft.com/office/drawing/2010/main">
+                <a14:hiddenFill xmlns:a14="http://schemas.microsoft.com/office/drawing/2010/main" xmlns="">
                   <a:noFill/>
                 </a14:hiddenFill>
               </a:ext>
@@ -11193,7 +11193,7 @@
             </a:ln>
             <a:extLst>
               <a:ext uri="{909E8E84-426E-40dd-AFC4-6F175D3DCCD1}">
-                <a14:hiddenFill xmlns="" xmlns:a14="http://schemas.microsoft.com/office/drawing/2010/main">
+                <a14:hiddenFill xmlns:a14="http://schemas.microsoft.com/office/drawing/2010/main" xmlns="">
                   <a:noFill/>
                 </a14:hiddenFill>
               </a:ext>
@@ -11244,7 +11244,7 @@
             </a:ln>
             <a:extLst>
               <a:ext uri="{909E8E84-426E-40dd-AFC4-6F175D3DCCD1}">
-                <a14:hiddenFill xmlns="" xmlns:a14="http://schemas.microsoft.com/office/drawing/2010/main">
+                <a14:hiddenFill xmlns:a14="http://schemas.microsoft.com/office/drawing/2010/main" xmlns="">
                   <a:noFill/>
                 </a14:hiddenFill>
               </a:ext>
@@ -11295,7 +11295,7 @@
             </a:ln>
             <a:extLst>
               <a:ext uri="{909E8E84-426E-40dd-AFC4-6F175D3DCCD1}">
-                <a14:hiddenFill xmlns="" xmlns:a14="http://schemas.microsoft.com/office/drawing/2010/main">
+                <a14:hiddenFill xmlns:a14="http://schemas.microsoft.com/office/drawing/2010/main" xmlns="">
                   <a:noFill/>
                 </a14:hiddenFill>
               </a:ext>
@@ -11346,7 +11346,7 @@
             </a:ln>
             <a:extLst>
               <a:ext uri="{909E8E84-426E-40dd-AFC4-6F175D3DCCD1}">
-                <a14:hiddenFill xmlns="" xmlns:a14="http://schemas.microsoft.com/office/drawing/2010/main">
+                <a14:hiddenFill xmlns:a14="http://schemas.microsoft.com/office/drawing/2010/main" xmlns="">
                   <a:noFill/>
                 </a14:hiddenFill>
               </a:ext>
@@ -11397,7 +11397,7 @@
             </a:ln>
             <a:extLst>
               <a:ext uri="{909E8E84-426E-40dd-AFC4-6F175D3DCCD1}">
-                <a14:hiddenFill xmlns="" xmlns:a14="http://schemas.microsoft.com/office/drawing/2010/main">
+                <a14:hiddenFill xmlns:a14="http://schemas.microsoft.com/office/drawing/2010/main" xmlns="">
                   <a:noFill/>
                 </a14:hiddenFill>
               </a:ext>
@@ -11448,7 +11448,7 @@
             </a:ln>
             <a:extLst>
               <a:ext uri="{909E8E84-426E-40dd-AFC4-6F175D3DCCD1}">
-                <a14:hiddenFill xmlns="" xmlns:a14="http://schemas.microsoft.com/office/drawing/2010/main">
+                <a14:hiddenFill xmlns:a14="http://schemas.microsoft.com/office/drawing/2010/main" xmlns="">
                   <a:noFill/>
                 </a14:hiddenFill>
               </a:ext>
@@ -11499,7 +11499,7 @@
             </a:ln>
             <a:extLst>
               <a:ext uri="{909E8E84-426E-40dd-AFC4-6F175D3DCCD1}">
-                <a14:hiddenFill xmlns="" xmlns:a14="http://schemas.microsoft.com/office/drawing/2010/main">
+                <a14:hiddenFill xmlns:a14="http://schemas.microsoft.com/office/drawing/2010/main" xmlns="">
                   <a:noFill/>
                 </a14:hiddenFill>
               </a:ext>
@@ -11550,7 +11550,7 @@
             </a:ln>
             <a:extLst>
               <a:ext uri="{909E8E84-426E-40dd-AFC4-6F175D3DCCD1}">
-                <a14:hiddenFill xmlns="" xmlns:a14="http://schemas.microsoft.com/office/drawing/2010/main">
+                <a14:hiddenFill xmlns:a14="http://schemas.microsoft.com/office/drawing/2010/main" xmlns="">
                   <a:noFill/>
                 </a14:hiddenFill>
               </a:ext>
@@ -11601,7 +11601,7 @@
             </a:ln>
             <a:extLst>
               <a:ext uri="{909E8E84-426E-40dd-AFC4-6F175D3DCCD1}">
-                <a14:hiddenFill xmlns="" xmlns:a14="http://schemas.microsoft.com/office/drawing/2010/main">
+                <a14:hiddenFill xmlns:a14="http://schemas.microsoft.com/office/drawing/2010/main" xmlns="">
                   <a:noFill/>
                 </a14:hiddenFill>
               </a:ext>
@@ -11652,7 +11652,7 @@
             </a:ln>
             <a:extLst>
               <a:ext uri="{909E8E84-426E-40dd-AFC4-6F175D3DCCD1}">
-                <a14:hiddenFill xmlns="" xmlns:a14="http://schemas.microsoft.com/office/drawing/2010/main">
+                <a14:hiddenFill xmlns:a14="http://schemas.microsoft.com/office/drawing/2010/main" xmlns="">
                   <a:noFill/>
                 </a14:hiddenFill>
               </a:ext>
@@ -11703,7 +11703,7 @@
             </a:ln>
             <a:extLst>
               <a:ext uri="{909E8E84-426E-40dd-AFC4-6F175D3DCCD1}">
-                <a14:hiddenFill xmlns="" xmlns:a14="http://schemas.microsoft.com/office/drawing/2010/main">
+                <a14:hiddenFill xmlns:a14="http://schemas.microsoft.com/office/drawing/2010/main" xmlns="">
                   <a:noFill/>
                 </a14:hiddenFill>
               </a:ext>
@@ -11754,7 +11754,7 @@
             </a:ln>
             <a:extLst>
               <a:ext uri="{909E8E84-426E-40dd-AFC4-6F175D3DCCD1}">
-                <a14:hiddenFill xmlns="" xmlns:a14="http://schemas.microsoft.com/office/drawing/2010/main">
+                <a14:hiddenFill xmlns:a14="http://schemas.microsoft.com/office/drawing/2010/main" xmlns="">
                   <a:noFill/>
                 </a14:hiddenFill>
               </a:ext>
@@ -11805,7 +11805,7 @@
             </a:ln>
             <a:extLst>
               <a:ext uri="{909E8E84-426E-40dd-AFC4-6F175D3DCCD1}">
-                <a14:hiddenFill xmlns="" xmlns:a14="http://schemas.microsoft.com/office/drawing/2010/main">
+                <a14:hiddenFill xmlns:a14="http://schemas.microsoft.com/office/drawing/2010/main" xmlns="">
                   <a:noFill/>
                 </a14:hiddenFill>
               </a:ext>
@@ -11856,7 +11856,7 @@
             </a:ln>
             <a:extLst>
               <a:ext uri="{909E8E84-426E-40dd-AFC4-6F175D3DCCD1}">
-                <a14:hiddenFill xmlns="" xmlns:a14="http://schemas.microsoft.com/office/drawing/2010/main">
+                <a14:hiddenFill xmlns:a14="http://schemas.microsoft.com/office/drawing/2010/main" xmlns="">
                   <a:noFill/>
                 </a14:hiddenFill>
               </a:ext>
@@ -11907,7 +11907,7 @@
             </a:ln>
             <a:extLst>
               <a:ext uri="{909E8E84-426E-40dd-AFC4-6F175D3DCCD1}">
-                <a14:hiddenFill xmlns="" xmlns:a14="http://schemas.microsoft.com/office/drawing/2010/main">
+                <a14:hiddenFill xmlns:a14="http://schemas.microsoft.com/office/drawing/2010/main" xmlns="">
                   <a:noFill/>
                 </a14:hiddenFill>
               </a:ext>
@@ -11958,7 +11958,7 @@
             </a:ln>
             <a:extLst>
               <a:ext uri="{909E8E84-426E-40dd-AFC4-6F175D3DCCD1}">
-                <a14:hiddenFill xmlns="" xmlns:a14="http://schemas.microsoft.com/office/drawing/2010/main">
+                <a14:hiddenFill xmlns:a14="http://schemas.microsoft.com/office/drawing/2010/main" xmlns="">
                   <a:noFill/>
                 </a14:hiddenFill>
               </a:ext>
@@ -12009,7 +12009,7 @@
             </a:ln>
             <a:extLst>
               <a:ext uri="{909E8E84-426E-40dd-AFC4-6F175D3DCCD1}">
-                <a14:hiddenFill xmlns="" xmlns:a14="http://schemas.microsoft.com/office/drawing/2010/main">
+                <a14:hiddenFill xmlns:a14="http://schemas.microsoft.com/office/drawing/2010/main" xmlns="">
                   <a:noFill/>
                 </a14:hiddenFill>
               </a:ext>
@@ -12060,7 +12060,7 @@
             </a:ln>
             <a:extLst>
               <a:ext uri="{909E8E84-426E-40dd-AFC4-6F175D3DCCD1}">
-                <a14:hiddenFill xmlns="" xmlns:a14="http://schemas.microsoft.com/office/drawing/2010/main">
+                <a14:hiddenFill xmlns:a14="http://schemas.microsoft.com/office/drawing/2010/main" xmlns="">
                   <a:noFill/>
                 </a14:hiddenFill>
               </a:ext>
@@ -12111,7 +12111,7 @@
             </a:ln>
             <a:extLst>
               <a:ext uri="{909E8E84-426E-40dd-AFC4-6F175D3DCCD1}">
-                <a14:hiddenFill xmlns="" xmlns:a14="http://schemas.microsoft.com/office/drawing/2010/main">
+                <a14:hiddenFill xmlns:a14="http://schemas.microsoft.com/office/drawing/2010/main" xmlns="">
                   <a:noFill/>
                 </a14:hiddenFill>
               </a:ext>
@@ -12162,7 +12162,7 @@
             </a:ln>
             <a:extLst>
               <a:ext uri="{909E8E84-426E-40dd-AFC4-6F175D3DCCD1}">
-                <a14:hiddenFill xmlns="" xmlns:a14="http://schemas.microsoft.com/office/drawing/2010/main">
+                <a14:hiddenFill xmlns:a14="http://schemas.microsoft.com/office/drawing/2010/main" xmlns="">
                   <a:noFill/>
                 </a14:hiddenFill>
               </a:ext>
@@ -12213,7 +12213,7 @@
             </a:ln>
             <a:extLst>
               <a:ext uri="{909E8E84-426E-40dd-AFC4-6F175D3DCCD1}">
-                <a14:hiddenFill xmlns="" xmlns:a14="http://schemas.microsoft.com/office/drawing/2010/main">
+                <a14:hiddenFill xmlns:a14="http://schemas.microsoft.com/office/drawing/2010/main" xmlns="">
                   <a:noFill/>
                 </a14:hiddenFill>
               </a:ext>
@@ -12264,7 +12264,7 @@
             </a:ln>
             <a:extLst>
               <a:ext uri="{909E8E84-426E-40dd-AFC4-6F175D3DCCD1}">
-                <a14:hiddenFill xmlns="" xmlns:a14="http://schemas.microsoft.com/office/drawing/2010/main">
+                <a14:hiddenFill xmlns:a14="http://schemas.microsoft.com/office/drawing/2010/main" xmlns="">
                   <a:noFill/>
                 </a14:hiddenFill>
               </a:ext>
@@ -12315,7 +12315,7 @@
             </a:ln>
             <a:extLst>
               <a:ext uri="{909E8E84-426E-40dd-AFC4-6F175D3DCCD1}">
-                <a14:hiddenFill xmlns="" xmlns:a14="http://schemas.microsoft.com/office/drawing/2010/main">
+                <a14:hiddenFill xmlns:a14="http://schemas.microsoft.com/office/drawing/2010/main" xmlns="">
                   <a:noFill/>
                 </a14:hiddenFill>
               </a:ext>
@@ -12366,7 +12366,7 @@
             </a:ln>
             <a:extLst>
               <a:ext uri="{909E8E84-426E-40dd-AFC4-6F175D3DCCD1}">
-                <a14:hiddenFill xmlns="" xmlns:a14="http://schemas.microsoft.com/office/drawing/2010/main">
+                <a14:hiddenFill xmlns:a14="http://schemas.microsoft.com/office/drawing/2010/main" xmlns="">
                   <a:noFill/>
                 </a14:hiddenFill>
               </a:ext>
@@ -12417,7 +12417,7 @@
             </a:ln>
             <a:extLst>
               <a:ext uri="{909E8E84-426E-40dd-AFC4-6F175D3DCCD1}">
-                <a14:hiddenFill xmlns="" xmlns:a14="http://schemas.microsoft.com/office/drawing/2010/main">
+                <a14:hiddenFill xmlns:a14="http://schemas.microsoft.com/office/drawing/2010/main" xmlns="">
                   <a:noFill/>
                 </a14:hiddenFill>
               </a:ext>
@@ -12468,7 +12468,7 @@
             </a:ln>
             <a:extLst>
               <a:ext uri="{909E8E84-426E-40dd-AFC4-6F175D3DCCD1}">
-                <a14:hiddenFill xmlns="" xmlns:a14="http://schemas.microsoft.com/office/drawing/2010/main">
+                <a14:hiddenFill xmlns:a14="http://schemas.microsoft.com/office/drawing/2010/main" xmlns="">
                   <a:noFill/>
                 </a14:hiddenFill>
               </a:ext>
@@ -12519,7 +12519,7 @@
             </a:ln>
             <a:extLst>
               <a:ext uri="{909E8E84-426E-40dd-AFC4-6F175D3DCCD1}">
-                <a14:hiddenFill xmlns="" xmlns:a14="http://schemas.microsoft.com/office/drawing/2010/main">
+                <a14:hiddenFill xmlns:a14="http://schemas.microsoft.com/office/drawing/2010/main" xmlns="">
                   <a:noFill/>
                 </a14:hiddenFill>
               </a:ext>
@@ -12570,7 +12570,7 @@
             </a:ln>
             <a:extLst>
               <a:ext uri="{909E8E84-426E-40dd-AFC4-6F175D3DCCD1}">
-                <a14:hiddenFill xmlns="" xmlns:a14="http://schemas.microsoft.com/office/drawing/2010/main">
+                <a14:hiddenFill xmlns:a14="http://schemas.microsoft.com/office/drawing/2010/main" xmlns="">
                   <a:noFill/>
                 </a14:hiddenFill>
               </a:ext>
@@ -12621,7 +12621,7 @@
             </a:ln>
             <a:extLst>
               <a:ext uri="{909E8E84-426E-40dd-AFC4-6F175D3DCCD1}">
-                <a14:hiddenFill xmlns="" xmlns:a14="http://schemas.microsoft.com/office/drawing/2010/main">
+                <a14:hiddenFill xmlns:a14="http://schemas.microsoft.com/office/drawing/2010/main" xmlns="">
                   <a:noFill/>
                 </a14:hiddenFill>
               </a:ext>
@@ -13045,7 +13045,7 @@
           <a:p>
             <a:fld id="{5355355A-278A-4177-940D-D180E0E2D021}" type="datetimeFigureOut">
               <a:rPr lang="en-US" smtClean="0"/>
-              <a:t>6/26/2018</a:t>
+              <a:t>6/28/2018</a:t>
             </a:fld>
             <a:endParaRPr lang="en-US"/>
           </a:p>
@@ -13183,7 +13183,7 @@
             </a:ln>
             <a:extLst>
               <a:ext uri="{909E8E84-426E-40dd-AFC4-6F175D3DCCD1}">
-                <a14:hiddenFill xmlns="" xmlns:a14="http://schemas.microsoft.com/office/drawing/2010/main">
+                <a14:hiddenFill xmlns:a14="http://schemas.microsoft.com/office/drawing/2010/main" xmlns="">
                   <a:solidFill>
                     <a:srgbClr val="FFFFFF"/>
                   </a:solidFill>
@@ -13236,7 +13236,7 @@
             </a:ln>
             <a:extLst>
               <a:ext uri="{909E8E84-426E-40dd-AFC4-6F175D3DCCD1}">
-                <a14:hiddenFill xmlns="" xmlns:a14="http://schemas.microsoft.com/office/drawing/2010/main">
+                <a14:hiddenFill xmlns:a14="http://schemas.microsoft.com/office/drawing/2010/main" xmlns="">
                   <a:noFill/>
                 </a14:hiddenFill>
               </a:ext>
@@ -13287,7 +13287,7 @@
             </a:ln>
             <a:extLst>
               <a:ext uri="{909E8E84-426E-40dd-AFC4-6F175D3DCCD1}">
-                <a14:hiddenFill xmlns="" xmlns:a14="http://schemas.microsoft.com/office/drawing/2010/main">
+                <a14:hiddenFill xmlns:a14="http://schemas.microsoft.com/office/drawing/2010/main" xmlns="">
                   <a:noFill/>
                 </a14:hiddenFill>
               </a:ext>
@@ -13338,7 +13338,7 @@
             </a:ln>
             <a:extLst>
               <a:ext uri="{909E8E84-426E-40dd-AFC4-6F175D3DCCD1}">
-                <a14:hiddenFill xmlns="" xmlns:a14="http://schemas.microsoft.com/office/drawing/2010/main">
+                <a14:hiddenFill xmlns:a14="http://schemas.microsoft.com/office/drawing/2010/main" xmlns="">
                   <a:noFill/>
                 </a14:hiddenFill>
               </a:ext>
@@ -13389,7 +13389,7 @@
             </a:ln>
             <a:extLst>
               <a:ext uri="{909E8E84-426E-40dd-AFC4-6F175D3DCCD1}">
-                <a14:hiddenFill xmlns="" xmlns:a14="http://schemas.microsoft.com/office/drawing/2010/main">
+                <a14:hiddenFill xmlns:a14="http://schemas.microsoft.com/office/drawing/2010/main" xmlns="">
                   <a:noFill/>
                 </a14:hiddenFill>
               </a:ext>
@@ -13440,7 +13440,7 @@
             </a:ln>
             <a:extLst>
               <a:ext uri="{909E8E84-426E-40dd-AFC4-6F175D3DCCD1}">
-                <a14:hiddenFill xmlns="" xmlns:a14="http://schemas.microsoft.com/office/drawing/2010/main">
+                <a14:hiddenFill xmlns:a14="http://schemas.microsoft.com/office/drawing/2010/main" xmlns="">
                   <a:noFill/>
                 </a14:hiddenFill>
               </a:ext>
@@ -13491,7 +13491,7 @@
             </a:ln>
             <a:extLst>
               <a:ext uri="{909E8E84-426E-40dd-AFC4-6F175D3DCCD1}">
-                <a14:hiddenFill xmlns="" xmlns:a14="http://schemas.microsoft.com/office/drawing/2010/main">
+                <a14:hiddenFill xmlns:a14="http://schemas.microsoft.com/office/drawing/2010/main" xmlns="">
                   <a:noFill/>
                 </a14:hiddenFill>
               </a:ext>
@@ -13542,7 +13542,7 @@
             </a:ln>
             <a:extLst>
               <a:ext uri="{909E8E84-426E-40dd-AFC4-6F175D3DCCD1}">
-                <a14:hiddenFill xmlns="" xmlns:a14="http://schemas.microsoft.com/office/drawing/2010/main">
+                <a14:hiddenFill xmlns:a14="http://schemas.microsoft.com/office/drawing/2010/main" xmlns="">
                   <a:noFill/>
                 </a14:hiddenFill>
               </a:ext>
@@ -13593,7 +13593,7 @@
             </a:ln>
             <a:extLst>
               <a:ext uri="{909E8E84-426E-40dd-AFC4-6F175D3DCCD1}">
-                <a14:hiddenFill xmlns="" xmlns:a14="http://schemas.microsoft.com/office/drawing/2010/main">
+                <a14:hiddenFill xmlns:a14="http://schemas.microsoft.com/office/drawing/2010/main" xmlns="">
                   <a:noFill/>
                 </a14:hiddenFill>
               </a:ext>
@@ -13644,7 +13644,7 @@
             </a:ln>
             <a:extLst>
               <a:ext uri="{909E8E84-426E-40dd-AFC4-6F175D3DCCD1}">
-                <a14:hiddenFill xmlns="" xmlns:a14="http://schemas.microsoft.com/office/drawing/2010/main">
+                <a14:hiddenFill xmlns:a14="http://schemas.microsoft.com/office/drawing/2010/main" xmlns="">
                   <a:noFill/>
                 </a14:hiddenFill>
               </a:ext>
@@ -13695,7 +13695,7 @@
             </a:ln>
             <a:extLst>
               <a:ext uri="{909E8E84-426E-40dd-AFC4-6F175D3DCCD1}">
-                <a14:hiddenFill xmlns="" xmlns:a14="http://schemas.microsoft.com/office/drawing/2010/main">
+                <a14:hiddenFill xmlns:a14="http://schemas.microsoft.com/office/drawing/2010/main" xmlns="">
                   <a:noFill/>
                 </a14:hiddenFill>
               </a:ext>
@@ -13746,7 +13746,7 @@
             </a:ln>
             <a:extLst>
               <a:ext uri="{909E8E84-426E-40dd-AFC4-6F175D3DCCD1}">
-                <a14:hiddenFill xmlns="" xmlns:a14="http://schemas.microsoft.com/office/drawing/2010/main">
+                <a14:hiddenFill xmlns:a14="http://schemas.microsoft.com/office/drawing/2010/main" xmlns="">
                   <a:noFill/>
                 </a14:hiddenFill>
               </a:ext>
@@ -13797,7 +13797,7 @@
             </a:ln>
             <a:extLst>
               <a:ext uri="{909E8E84-426E-40dd-AFC4-6F175D3DCCD1}">
-                <a14:hiddenFill xmlns="" xmlns:a14="http://schemas.microsoft.com/office/drawing/2010/main">
+                <a14:hiddenFill xmlns:a14="http://schemas.microsoft.com/office/drawing/2010/main" xmlns="">
                   <a:noFill/>
                 </a14:hiddenFill>
               </a:ext>
@@ -13848,7 +13848,7 @@
             </a:ln>
             <a:extLst>
               <a:ext uri="{909E8E84-426E-40dd-AFC4-6F175D3DCCD1}">
-                <a14:hiddenFill xmlns="" xmlns:a14="http://schemas.microsoft.com/office/drawing/2010/main">
+                <a14:hiddenFill xmlns:a14="http://schemas.microsoft.com/office/drawing/2010/main" xmlns="">
                   <a:noFill/>
                 </a14:hiddenFill>
               </a:ext>
@@ -13899,7 +13899,7 @@
             </a:ln>
             <a:extLst>
               <a:ext uri="{909E8E84-426E-40dd-AFC4-6F175D3DCCD1}">
-                <a14:hiddenFill xmlns="" xmlns:a14="http://schemas.microsoft.com/office/drawing/2010/main">
+                <a14:hiddenFill xmlns:a14="http://schemas.microsoft.com/office/drawing/2010/main" xmlns="">
                   <a:noFill/>
                 </a14:hiddenFill>
               </a:ext>
@@ -13950,7 +13950,7 @@
             </a:ln>
             <a:extLst>
               <a:ext uri="{909E8E84-426E-40dd-AFC4-6F175D3DCCD1}">
-                <a14:hiddenFill xmlns="" xmlns:a14="http://schemas.microsoft.com/office/drawing/2010/main">
+                <a14:hiddenFill xmlns:a14="http://schemas.microsoft.com/office/drawing/2010/main" xmlns="">
                   <a:noFill/>
                 </a14:hiddenFill>
               </a:ext>
@@ -14001,7 +14001,7 @@
             </a:ln>
             <a:extLst>
               <a:ext uri="{909E8E84-426E-40dd-AFC4-6F175D3DCCD1}">
-                <a14:hiddenFill xmlns="" xmlns:a14="http://schemas.microsoft.com/office/drawing/2010/main">
+                <a14:hiddenFill xmlns:a14="http://schemas.microsoft.com/office/drawing/2010/main" xmlns="">
                   <a:noFill/>
                 </a14:hiddenFill>
               </a:ext>
@@ -14052,7 +14052,7 @@
             </a:ln>
             <a:extLst>
               <a:ext uri="{909E8E84-426E-40dd-AFC4-6F175D3DCCD1}">
-                <a14:hiddenFill xmlns="" xmlns:a14="http://schemas.microsoft.com/office/drawing/2010/main">
+                <a14:hiddenFill xmlns:a14="http://schemas.microsoft.com/office/drawing/2010/main" xmlns="">
                   <a:noFill/>
                 </a14:hiddenFill>
               </a:ext>
@@ -14103,7 +14103,7 @@
             </a:ln>
             <a:extLst>
               <a:ext uri="{909E8E84-426E-40dd-AFC4-6F175D3DCCD1}">
-                <a14:hiddenFill xmlns="" xmlns:a14="http://schemas.microsoft.com/office/drawing/2010/main">
+                <a14:hiddenFill xmlns:a14="http://schemas.microsoft.com/office/drawing/2010/main" xmlns="">
                   <a:noFill/>
                 </a14:hiddenFill>
               </a:ext>
@@ -14154,7 +14154,7 @@
             </a:ln>
             <a:extLst>
               <a:ext uri="{909E8E84-426E-40dd-AFC4-6F175D3DCCD1}">
-                <a14:hiddenFill xmlns="" xmlns:a14="http://schemas.microsoft.com/office/drawing/2010/main">
+                <a14:hiddenFill xmlns:a14="http://schemas.microsoft.com/office/drawing/2010/main" xmlns="">
                   <a:noFill/>
                 </a14:hiddenFill>
               </a:ext>
@@ -14205,7 +14205,7 @@
             </a:ln>
             <a:extLst>
               <a:ext uri="{909E8E84-426E-40dd-AFC4-6F175D3DCCD1}">
-                <a14:hiddenFill xmlns="" xmlns:a14="http://schemas.microsoft.com/office/drawing/2010/main">
+                <a14:hiddenFill xmlns:a14="http://schemas.microsoft.com/office/drawing/2010/main" xmlns="">
                   <a:noFill/>
                 </a14:hiddenFill>
               </a:ext>
@@ -14256,7 +14256,7 @@
             </a:ln>
             <a:extLst>
               <a:ext uri="{909E8E84-426E-40dd-AFC4-6F175D3DCCD1}">
-                <a14:hiddenFill xmlns="" xmlns:a14="http://schemas.microsoft.com/office/drawing/2010/main">
+                <a14:hiddenFill xmlns:a14="http://schemas.microsoft.com/office/drawing/2010/main" xmlns="">
                   <a:noFill/>
                 </a14:hiddenFill>
               </a:ext>
@@ -14307,7 +14307,7 @@
             </a:ln>
             <a:extLst>
               <a:ext uri="{909E8E84-426E-40dd-AFC4-6F175D3DCCD1}">
-                <a14:hiddenFill xmlns="" xmlns:a14="http://schemas.microsoft.com/office/drawing/2010/main">
+                <a14:hiddenFill xmlns:a14="http://schemas.microsoft.com/office/drawing/2010/main" xmlns="">
                   <a:noFill/>
                 </a14:hiddenFill>
               </a:ext>
@@ -14358,7 +14358,7 @@
             </a:ln>
             <a:extLst>
               <a:ext uri="{909E8E84-426E-40dd-AFC4-6F175D3DCCD1}">
-                <a14:hiddenFill xmlns="" xmlns:a14="http://schemas.microsoft.com/office/drawing/2010/main">
+                <a14:hiddenFill xmlns:a14="http://schemas.microsoft.com/office/drawing/2010/main" xmlns="">
                   <a:noFill/>
                 </a14:hiddenFill>
               </a:ext>
@@ -14409,7 +14409,7 @@
             </a:ln>
             <a:extLst>
               <a:ext uri="{909E8E84-426E-40dd-AFC4-6F175D3DCCD1}">
-                <a14:hiddenFill xmlns="" xmlns:a14="http://schemas.microsoft.com/office/drawing/2010/main">
+                <a14:hiddenFill xmlns:a14="http://schemas.microsoft.com/office/drawing/2010/main" xmlns="">
                   <a:noFill/>
                 </a14:hiddenFill>
               </a:ext>
@@ -14460,7 +14460,7 @@
             </a:ln>
             <a:extLst>
               <a:ext uri="{909E8E84-426E-40dd-AFC4-6F175D3DCCD1}">
-                <a14:hiddenFill xmlns="" xmlns:a14="http://schemas.microsoft.com/office/drawing/2010/main">
+                <a14:hiddenFill xmlns:a14="http://schemas.microsoft.com/office/drawing/2010/main" xmlns="">
                   <a:noFill/>
                 </a14:hiddenFill>
               </a:ext>
@@ -14511,7 +14511,7 @@
             </a:ln>
             <a:extLst>
               <a:ext uri="{909E8E84-426E-40dd-AFC4-6F175D3DCCD1}">
-                <a14:hiddenFill xmlns="" xmlns:a14="http://schemas.microsoft.com/office/drawing/2010/main">
+                <a14:hiddenFill xmlns:a14="http://schemas.microsoft.com/office/drawing/2010/main" xmlns="">
                   <a:noFill/>
                 </a14:hiddenFill>
               </a:ext>
@@ -14562,7 +14562,7 @@
             </a:ln>
             <a:extLst>
               <a:ext uri="{909E8E84-426E-40dd-AFC4-6F175D3DCCD1}">
-                <a14:hiddenFill xmlns="" xmlns:a14="http://schemas.microsoft.com/office/drawing/2010/main">
+                <a14:hiddenFill xmlns:a14="http://schemas.microsoft.com/office/drawing/2010/main" xmlns="">
                   <a:noFill/>
                 </a14:hiddenFill>
               </a:ext>
@@ -14613,7 +14613,7 @@
             </a:ln>
             <a:extLst>
               <a:ext uri="{909E8E84-426E-40dd-AFC4-6F175D3DCCD1}">
-                <a14:hiddenFill xmlns="" xmlns:a14="http://schemas.microsoft.com/office/drawing/2010/main">
+                <a14:hiddenFill xmlns:a14="http://schemas.microsoft.com/office/drawing/2010/main" xmlns="">
                   <a:noFill/>
                 </a14:hiddenFill>
               </a:ext>
@@ -14664,7 +14664,7 @@
             </a:ln>
             <a:extLst>
               <a:ext uri="{909E8E84-426E-40dd-AFC4-6F175D3DCCD1}">
-                <a14:hiddenFill xmlns="" xmlns:a14="http://schemas.microsoft.com/office/drawing/2010/main">
+                <a14:hiddenFill xmlns:a14="http://schemas.microsoft.com/office/drawing/2010/main" xmlns="">
                   <a:noFill/>
                 </a14:hiddenFill>
               </a:ext>
@@ -14715,7 +14715,7 @@
             </a:ln>
             <a:extLst>
               <a:ext uri="{909E8E84-426E-40dd-AFC4-6F175D3DCCD1}">
-                <a14:hiddenFill xmlns="" xmlns:a14="http://schemas.microsoft.com/office/drawing/2010/main">
+                <a14:hiddenFill xmlns:a14="http://schemas.microsoft.com/office/drawing/2010/main" xmlns="">
                   <a:noFill/>
                 </a14:hiddenFill>
               </a:ext>
@@ -14766,7 +14766,7 @@
             </a:ln>
             <a:extLst>
               <a:ext uri="{909E8E84-426E-40dd-AFC4-6F175D3DCCD1}">
-                <a14:hiddenFill xmlns="" xmlns:a14="http://schemas.microsoft.com/office/drawing/2010/main">
+                <a14:hiddenFill xmlns:a14="http://schemas.microsoft.com/office/drawing/2010/main" xmlns="">
                   <a:noFill/>
                 </a14:hiddenFill>
               </a:ext>
@@ -14817,7 +14817,7 @@
             </a:ln>
             <a:extLst>
               <a:ext uri="{909E8E84-426E-40dd-AFC4-6F175D3DCCD1}">
-                <a14:hiddenFill xmlns="" xmlns:a14="http://schemas.microsoft.com/office/drawing/2010/main">
+                <a14:hiddenFill xmlns:a14="http://schemas.microsoft.com/office/drawing/2010/main" xmlns="">
                   <a:noFill/>
                 </a14:hiddenFill>
               </a:ext>
@@ -14868,7 +14868,7 @@
             </a:ln>
             <a:extLst>
               <a:ext uri="{909E8E84-426E-40dd-AFC4-6F175D3DCCD1}">
-                <a14:hiddenFill xmlns="" xmlns:a14="http://schemas.microsoft.com/office/drawing/2010/main">
+                <a14:hiddenFill xmlns:a14="http://schemas.microsoft.com/office/drawing/2010/main" xmlns="">
                   <a:noFill/>
                 </a14:hiddenFill>
               </a:ext>
@@ -14919,7 +14919,7 @@
             </a:ln>
             <a:extLst>
               <a:ext uri="{909E8E84-426E-40dd-AFC4-6F175D3DCCD1}">
-                <a14:hiddenFill xmlns="" xmlns:a14="http://schemas.microsoft.com/office/drawing/2010/main">
+                <a14:hiddenFill xmlns:a14="http://schemas.microsoft.com/office/drawing/2010/main" xmlns="">
                   <a:noFill/>
                 </a14:hiddenFill>
               </a:ext>
@@ -14970,7 +14970,7 @@
             </a:ln>
             <a:extLst>
               <a:ext uri="{909E8E84-426E-40dd-AFC4-6F175D3DCCD1}">
-                <a14:hiddenFill xmlns="" xmlns:a14="http://schemas.microsoft.com/office/drawing/2010/main">
+                <a14:hiddenFill xmlns:a14="http://schemas.microsoft.com/office/drawing/2010/main" xmlns="">
                   <a:noFill/>
                 </a14:hiddenFill>
               </a:ext>
@@ -15021,7 +15021,7 @@
             </a:ln>
             <a:extLst>
               <a:ext uri="{909E8E84-426E-40dd-AFC4-6F175D3DCCD1}">
-                <a14:hiddenFill xmlns="" xmlns:a14="http://schemas.microsoft.com/office/drawing/2010/main">
+                <a14:hiddenFill xmlns:a14="http://schemas.microsoft.com/office/drawing/2010/main" xmlns="">
                   <a:noFill/>
                 </a14:hiddenFill>
               </a:ext>
@@ -15072,7 +15072,7 @@
             </a:ln>
             <a:extLst>
               <a:ext uri="{909E8E84-426E-40dd-AFC4-6F175D3DCCD1}">
-                <a14:hiddenFill xmlns="" xmlns:a14="http://schemas.microsoft.com/office/drawing/2010/main">
+                <a14:hiddenFill xmlns:a14="http://schemas.microsoft.com/office/drawing/2010/main" xmlns="">
                   <a:noFill/>
                 </a14:hiddenFill>
               </a:ext>
@@ -15123,7 +15123,7 @@
             </a:ln>
             <a:extLst>
               <a:ext uri="{909E8E84-426E-40dd-AFC4-6F175D3DCCD1}">
-                <a14:hiddenFill xmlns="" xmlns:a14="http://schemas.microsoft.com/office/drawing/2010/main">
+                <a14:hiddenFill xmlns:a14="http://schemas.microsoft.com/office/drawing/2010/main" xmlns="">
                   <a:noFill/>
                 </a14:hiddenFill>
               </a:ext>
@@ -15174,7 +15174,7 @@
             </a:ln>
             <a:extLst>
               <a:ext uri="{909E8E84-426E-40dd-AFC4-6F175D3DCCD1}">
-                <a14:hiddenFill xmlns="" xmlns:a14="http://schemas.microsoft.com/office/drawing/2010/main">
+                <a14:hiddenFill xmlns:a14="http://schemas.microsoft.com/office/drawing/2010/main" xmlns="">
                   <a:noFill/>
                 </a14:hiddenFill>
               </a:ext>
@@ -15225,7 +15225,7 @@
             </a:ln>
             <a:extLst>
               <a:ext uri="{909E8E84-426E-40dd-AFC4-6F175D3DCCD1}">
-                <a14:hiddenFill xmlns="" xmlns:a14="http://schemas.microsoft.com/office/drawing/2010/main">
+                <a14:hiddenFill xmlns:a14="http://schemas.microsoft.com/office/drawing/2010/main" xmlns="">
                   <a:noFill/>
                 </a14:hiddenFill>
               </a:ext>
@@ -15276,7 +15276,7 @@
             </a:ln>
             <a:extLst>
               <a:ext uri="{909E8E84-426E-40dd-AFC4-6F175D3DCCD1}">
-                <a14:hiddenFill xmlns="" xmlns:a14="http://schemas.microsoft.com/office/drawing/2010/main">
+                <a14:hiddenFill xmlns:a14="http://schemas.microsoft.com/office/drawing/2010/main" xmlns="">
                   <a:noFill/>
                 </a14:hiddenFill>
               </a:ext>
@@ -15327,7 +15327,7 @@
             </a:ln>
             <a:extLst>
               <a:ext uri="{909E8E84-426E-40dd-AFC4-6F175D3DCCD1}">
-                <a14:hiddenFill xmlns="" xmlns:a14="http://schemas.microsoft.com/office/drawing/2010/main">
+                <a14:hiddenFill xmlns:a14="http://schemas.microsoft.com/office/drawing/2010/main" xmlns="">
                   <a:noFill/>
                 </a14:hiddenFill>
               </a:ext>
@@ -15378,7 +15378,7 @@
             </a:ln>
             <a:extLst>
               <a:ext uri="{909E8E84-426E-40dd-AFC4-6F175D3DCCD1}">
-                <a14:hiddenFill xmlns="" xmlns:a14="http://schemas.microsoft.com/office/drawing/2010/main">
+                <a14:hiddenFill xmlns:a14="http://schemas.microsoft.com/office/drawing/2010/main" xmlns="">
                   <a:noFill/>
                 </a14:hiddenFill>
               </a:ext>
@@ -15429,7 +15429,7 @@
             </a:ln>
             <a:extLst>
               <a:ext uri="{909E8E84-426E-40dd-AFC4-6F175D3DCCD1}">
-                <a14:hiddenFill xmlns="" xmlns:a14="http://schemas.microsoft.com/office/drawing/2010/main">
+                <a14:hiddenFill xmlns:a14="http://schemas.microsoft.com/office/drawing/2010/main" xmlns="">
                   <a:noFill/>
                 </a14:hiddenFill>
               </a:ext>
@@ -15480,7 +15480,7 @@
             </a:ln>
             <a:extLst>
               <a:ext uri="{909E8E84-426E-40dd-AFC4-6F175D3DCCD1}">
-                <a14:hiddenFill xmlns="" xmlns:a14="http://schemas.microsoft.com/office/drawing/2010/main">
+                <a14:hiddenFill xmlns:a14="http://schemas.microsoft.com/office/drawing/2010/main" xmlns="">
                   <a:noFill/>
                 </a14:hiddenFill>
               </a:ext>
@@ -15531,7 +15531,7 @@
             </a:ln>
             <a:extLst>
               <a:ext uri="{909E8E84-426E-40dd-AFC4-6F175D3DCCD1}">
-                <a14:hiddenFill xmlns="" xmlns:a14="http://schemas.microsoft.com/office/drawing/2010/main">
+                <a14:hiddenFill xmlns:a14="http://schemas.microsoft.com/office/drawing/2010/main" xmlns="">
                   <a:noFill/>
                 </a14:hiddenFill>
               </a:ext>
@@ -15582,7 +15582,7 @@
             </a:ln>
             <a:extLst>
               <a:ext uri="{909E8E84-426E-40dd-AFC4-6F175D3DCCD1}">
-                <a14:hiddenFill xmlns="" xmlns:a14="http://schemas.microsoft.com/office/drawing/2010/main">
+                <a14:hiddenFill xmlns:a14="http://schemas.microsoft.com/office/drawing/2010/main" xmlns="">
                   <a:noFill/>
                 </a14:hiddenFill>
               </a:ext>
@@ -15633,7 +15633,7 @@
             </a:ln>
             <a:extLst>
               <a:ext uri="{909E8E84-426E-40dd-AFC4-6F175D3DCCD1}">
-                <a14:hiddenFill xmlns="" xmlns:a14="http://schemas.microsoft.com/office/drawing/2010/main">
+                <a14:hiddenFill xmlns:a14="http://schemas.microsoft.com/office/drawing/2010/main" xmlns="">
                   <a:noFill/>
                 </a14:hiddenFill>
               </a:ext>
@@ -15684,7 +15684,7 @@
             </a:ln>
             <a:extLst>
               <a:ext uri="{909E8E84-426E-40dd-AFC4-6F175D3DCCD1}">
-                <a14:hiddenFill xmlns="" xmlns:a14="http://schemas.microsoft.com/office/drawing/2010/main">
+                <a14:hiddenFill xmlns:a14="http://schemas.microsoft.com/office/drawing/2010/main" xmlns="">
                   <a:noFill/>
                 </a14:hiddenFill>
               </a:ext>
@@ -15735,7 +15735,7 @@
             </a:ln>
             <a:extLst>
               <a:ext uri="{909E8E84-426E-40dd-AFC4-6F175D3DCCD1}">
-                <a14:hiddenFill xmlns="" xmlns:a14="http://schemas.microsoft.com/office/drawing/2010/main">
+                <a14:hiddenFill xmlns:a14="http://schemas.microsoft.com/office/drawing/2010/main" xmlns="">
                   <a:noFill/>
                 </a14:hiddenFill>
               </a:ext>
@@ -15786,7 +15786,7 @@
             </a:ln>
             <a:extLst>
               <a:ext uri="{909E8E84-426E-40dd-AFC4-6F175D3DCCD1}">
-                <a14:hiddenFill xmlns="" xmlns:a14="http://schemas.microsoft.com/office/drawing/2010/main">
+                <a14:hiddenFill xmlns:a14="http://schemas.microsoft.com/office/drawing/2010/main" xmlns="">
                   <a:noFill/>
                 </a14:hiddenFill>
               </a:ext>
@@ -15837,7 +15837,7 @@
             </a:ln>
             <a:extLst>
               <a:ext uri="{909E8E84-426E-40dd-AFC4-6F175D3DCCD1}">
-                <a14:hiddenFill xmlns="" xmlns:a14="http://schemas.microsoft.com/office/drawing/2010/main">
+                <a14:hiddenFill xmlns:a14="http://schemas.microsoft.com/office/drawing/2010/main" xmlns="">
                   <a:noFill/>
                 </a14:hiddenFill>
               </a:ext>
@@ -15888,7 +15888,7 @@
             </a:ln>
             <a:extLst>
               <a:ext uri="{909E8E84-426E-40dd-AFC4-6F175D3DCCD1}">
-                <a14:hiddenFill xmlns="" xmlns:a14="http://schemas.microsoft.com/office/drawing/2010/main">
+                <a14:hiddenFill xmlns:a14="http://schemas.microsoft.com/office/drawing/2010/main" xmlns="">
                   <a:noFill/>
                 </a14:hiddenFill>
               </a:ext>
@@ -15939,7 +15939,7 @@
             </a:ln>
             <a:extLst>
               <a:ext uri="{909E8E84-426E-40dd-AFC4-6F175D3DCCD1}">
-                <a14:hiddenFill xmlns="" xmlns:a14="http://schemas.microsoft.com/office/drawing/2010/main">
+                <a14:hiddenFill xmlns:a14="http://schemas.microsoft.com/office/drawing/2010/main" xmlns="">
                   <a:noFill/>
                 </a14:hiddenFill>
               </a:ext>
@@ -15990,7 +15990,7 @@
             </a:ln>
             <a:extLst>
               <a:ext uri="{909E8E84-426E-40dd-AFC4-6F175D3DCCD1}">
-                <a14:hiddenFill xmlns="" xmlns:a14="http://schemas.microsoft.com/office/drawing/2010/main">
+                <a14:hiddenFill xmlns:a14="http://schemas.microsoft.com/office/drawing/2010/main" xmlns="">
                   <a:noFill/>
                 </a14:hiddenFill>
               </a:ext>
@@ -16041,7 +16041,7 @@
             </a:ln>
             <a:extLst>
               <a:ext uri="{909E8E84-426E-40dd-AFC4-6F175D3DCCD1}">
-                <a14:hiddenFill xmlns="" xmlns:a14="http://schemas.microsoft.com/office/drawing/2010/main">
+                <a14:hiddenFill xmlns:a14="http://schemas.microsoft.com/office/drawing/2010/main" xmlns="">
                   <a:noFill/>
                 </a14:hiddenFill>
               </a:ext>
@@ -16092,7 +16092,7 @@
             </a:ln>
             <a:extLst>
               <a:ext uri="{909E8E84-426E-40dd-AFC4-6F175D3DCCD1}">
-                <a14:hiddenFill xmlns="" xmlns:a14="http://schemas.microsoft.com/office/drawing/2010/main">
+                <a14:hiddenFill xmlns:a14="http://schemas.microsoft.com/office/drawing/2010/main" xmlns="">
                   <a:noFill/>
                 </a14:hiddenFill>
               </a:ext>
@@ -16143,7 +16143,7 @@
             </a:ln>
             <a:extLst>
               <a:ext uri="{909E8E84-426E-40dd-AFC4-6F175D3DCCD1}">
-                <a14:hiddenFill xmlns="" xmlns:a14="http://schemas.microsoft.com/office/drawing/2010/main">
+                <a14:hiddenFill xmlns:a14="http://schemas.microsoft.com/office/drawing/2010/main" xmlns="">
                   <a:noFill/>
                 </a14:hiddenFill>
               </a:ext>
@@ -16194,7 +16194,7 @@
             </a:ln>
             <a:extLst>
               <a:ext uri="{909E8E84-426E-40dd-AFC4-6F175D3DCCD1}">
-                <a14:hiddenFill xmlns="" xmlns:a14="http://schemas.microsoft.com/office/drawing/2010/main">
+                <a14:hiddenFill xmlns:a14="http://schemas.microsoft.com/office/drawing/2010/main" xmlns="">
                   <a:noFill/>
                 </a14:hiddenFill>
               </a:ext>
@@ -16245,7 +16245,7 @@
             </a:ln>
             <a:extLst>
               <a:ext uri="{909E8E84-426E-40dd-AFC4-6F175D3DCCD1}">
-                <a14:hiddenFill xmlns="" xmlns:a14="http://schemas.microsoft.com/office/drawing/2010/main">
+                <a14:hiddenFill xmlns:a14="http://schemas.microsoft.com/office/drawing/2010/main" xmlns="">
                   <a:noFill/>
                 </a14:hiddenFill>
               </a:ext>
@@ -16296,7 +16296,7 @@
             </a:ln>
             <a:extLst>
               <a:ext uri="{909E8E84-426E-40dd-AFC4-6F175D3DCCD1}">
-                <a14:hiddenFill xmlns="" xmlns:a14="http://schemas.microsoft.com/office/drawing/2010/main">
+                <a14:hiddenFill xmlns:a14="http://schemas.microsoft.com/office/drawing/2010/main" xmlns="">
                   <a:noFill/>
                 </a14:hiddenFill>
               </a:ext>
@@ -16347,7 +16347,7 @@
             </a:ln>
             <a:extLst>
               <a:ext uri="{909E8E84-426E-40dd-AFC4-6F175D3DCCD1}">
-                <a14:hiddenFill xmlns="" xmlns:a14="http://schemas.microsoft.com/office/drawing/2010/main">
+                <a14:hiddenFill xmlns:a14="http://schemas.microsoft.com/office/drawing/2010/main" xmlns="">
                   <a:noFill/>
                 </a14:hiddenFill>
               </a:ext>
@@ -16398,7 +16398,7 @@
             </a:ln>
             <a:extLst>
               <a:ext uri="{909E8E84-426E-40dd-AFC4-6F175D3DCCD1}">
-                <a14:hiddenFill xmlns="" xmlns:a14="http://schemas.microsoft.com/office/drawing/2010/main">
+                <a14:hiddenFill xmlns:a14="http://schemas.microsoft.com/office/drawing/2010/main" xmlns="">
                   <a:noFill/>
                 </a14:hiddenFill>
               </a:ext>
@@ -16449,7 +16449,7 @@
             </a:ln>
             <a:extLst>
               <a:ext uri="{909E8E84-426E-40dd-AFC4-6F175D3DCCD1}">
-                <a14:hiddenFill xmlns="" xmlns:a14="http://schemas.microsoft.com/office/drawing/2010/main">
+                <a14:hiddenFill xmlns:a14="http://schemas.microsoft.com/office/drawing/2010/main" xmlns="">
                   <a:noFill/>
                 </a14:hiddenFill>
               </a:ext>
@@ -16500,7 +16500,7 @@
             </a:ln>
             <a:extLst>
               <a:ext uri="{909E8E84-426E-40dd-AFC4-6F175D3DCCD1}">
-                <a14:hiddenFill xmlns="" xmlns:a14="http://schemas.microsoft.com/office/drawing/2010/main">
+                <a14:hiddenFill xmlns:a14="http://schemas.microsoft.com/office/drawing/2010/main" xmlns="">
                   <a:noFill/>
                 </a14:hiddenFill>
               </a:ext>
@@ -16551,7 +16551,7 @@
             </a:ln>
             <a:extLst>
               <a:ext uri="{909E8E84-426E-40dd-AFC4-6F175D3DCCD1}">
-                <a14:hiddenFill xmlns="" xmlns:a14="http://schemas.microsoft.com/office/drawing/2010/main">
+                <a14:hiddenFill xmlns:a14="http://schemas.microsoft.com/office/drawing/2010/main" xmlns="">
                   <a:noFill/>
                 </a14:hiddenFill>
               </a:ext>
@@ -16602,7 +16602,7 @@
             </a:ln>
             <a:extLst>
               <a:ext uri="{909E8E84-426E-40dd-AFC4-6F175D3DCCD1}">
-                <a14:hiddenFill xmlns="" xmlns:a14="http://schemas.microsoft.com/office/drawing/2010/main">
+                <a14:hiddenFill xmlns:a14="http://schemas.microsoft.com/office/drawing/2010/main" xmlns="">
                   <a:noFill/>
                 </a14:hiddenFill>
               </a:ext>
@@ -16653,7 +16653,7 @@
             </a:ln>
             <a:extLst>
               <a:ext uri="{909E8E84-426E-40dd-AFC4-6F175D3DCCD1}">
-                <a14:hiddenFill xmlns="" xmlns:a14="http://schemas.microsoft.com/office/drawing/2010/main">
+                <a14:hiddenFill xmlns:a14="http://schemas.microsoft.com/office/drawing/2010/main" xmlns="">
                   <a:noFill/>
                 </a14:hiddenFill>
               </a:ext>
@@ -17722,7 +17722,7 @@
             </a:ln>
             <a:extLst>
               <a:ext uri="{909E8E84-426E-40dd-AFC4-6F175D3DCCD1}">
-                <a14:hiddenFill xmlns="" xmlns:a14="http://schemas.microsoft.com/office/drawing/2010/main">
+                <a14:hiddenFill xmlns:a14="http://schemas.microsoft.com/office/drawing/2010/main" xmlns="">
                   <a:solidFill>
                     <a:srgbClr val="FFFFFF"/>
                   </a:solidFill>
@@ -17775,7 +17775,7 @@
             </a:ln>
             <a:extLst>
               <a:ext uri="{909E8E84-426E-40dd-AFC4-6F175D3DCCD1}">
-                <a14:hiddenFill xmlns="" xmlns:a14="http://schemas.microsoft.com/office/drawing/2010/main">
+                <a14:hiddenFill xmlns:a14="http://schemas.microsoft.com/office/drawing/2010/main" xmlns="">
                   <a:noFill/>
                 </a14:hiddenFill>
               </a:ext>
@@ -17826,7 +17826,7 @@
             </a:ln>
             <a:extLst>
               <a:ext uri="{909E8E84-426E-40dd-AFC4-6F175D3DCCD1}">
-                <a14:hiddenFill xmlns="" xmlns:a14="http://schemas.microsoft.com/office/drawing/2010/main">
+                <a14:hiddenFill xmlns:a14="http://schemas.microsoft.com/office/drawing/2010/main" xmlns="">
                   <a:noFill/>
                 </a14:hiddenFill>
               </a:ext>
@@ -17877,7 +17877,7 @@
             </a:ln>
             <a:extLst>
               <a:ext uri="{909E8E84-426E-40dd-AFC4-6F175D3DCCD1}">
-                <a14:hiddenFill xmlns="" xmlns:a14="http://schemas.microsoft.com/office/drawing/2010/main">
+                <a14:hiddenFill xmlns:a14="http://schemas.microsoft.com/office/drawing/2010/main" xmlns="">
                   <a:noFill/>
                 </a14:hiddenFill>
               </a:ext>
@@ -17928,7 +17928,7 @@
             </a:ln>
             <a:extLst>
               <a:ext uri="{909E8E84-426E-40dd-AFC4-6F175D3DCCD1}">
-                <a14:hiddenFill xmlns="" xmlns:a14="http://schemas.microsoft.com/office/drawing/2010/main">
+                <a14:hiddenFill xmlns:a14="http://schemas.microsoft.com/office/drawing/2010/main" xmlns="">
                   <a:noFill/>
                 </a14:hiddenFill>
               </a:ext>
@@ -17979,7 +17979,7 @@
             </a:ln>
             <a:extLst>
               <a:ext uri="{909E8E84-426E-40dd-AFC4-6F175D3DCCD1}">
-                <a14:hiddenFill xmlns="" xmlns:a14="http://schemas.microsoft.com/office/drawing/2010/main">
+                <a14:hiddenFill xmlns:a14="http://schemas.microsoft.com/office/drawing/2010/main" xmlns="">
                   <a:noFill/>
                 </a14:hiddenFill>
               </a:ext>
@@ -18030,7 +18030,7 @@
             </a:ln>
             <a:extLst>
               <a:ext uri="{909E8E84-426E-40dd-AFC4-6F175D3DCCD1}">
-                <a14:hiddenFill xmlns="" xmlns:a14="http://schemas.microsoft.com/office/drawing/2010/main">
+                <a14:hiddenFill xmlns:a14="http://schemas.microsoft.com/office/drawing/2010/main" xmlns="">
                   <a:noFill/>
                 </a14:hiddenFill>
               </a:ext>
@@ -18081,7 +18081,7 @@
             </a:ln>
             <a:extLst>
               <a:ext uri="{909E8E84-426E-40dd-AFC4-6F175D3DCCD1}">
-                <a14:hiddenFill xmlns="" xmlns:a14="http://schemas.microsoft.com/office/drawing/2010/main">
+                <a14:hiddenFill xmlns:a14="http://schemas.microsoft.com/office/drawing/2010/main" xmlns="">
                   <a:noFill/>
                 </a14:hiddenFill>
               </a:ext>
@@ -18132,7 +18132,7 @@
             </a:ln>
             <a:extLst>
               <a:ext uri="{909E8E84-426E-40dd-AFC4-6F175D3DCCD1}">
-                <a14:hiddenFill xmlns="" xmlns:a14="http://schemas.microsoft.com/office/drawing/2010/main">
+                <a14:hiddenFill xmlns:a14="http://schemas.microsoft.com/office/drawing/2010/main" xmlns="">
                   <a:noFill/>
                 </a14:hiddenFill>
               </a:ext>
@@ -18183,7 +18183,7 @@
             </a:ln>
             <a:extLst>
               <a:ext uri="{909E8E84-426E-40dd-AFC4-6F175D3DCCD1}">
-                <a14:hiddenFill xmlns="" xmlns:a14="http://schemas.microsoft.com/office/drawing/2010/main">
+                <a14:hiddenFill xmlns:a14="http://schemas.microsoft.com/office/drawing/2010/main" xmlns="">
                   <a:noFill/>
                 </a14:hiddenFill>
               </a:ext>
@@ -18234,7 +18234,7 @@
             </a:ln>
             <a:extLst>
               <a:ext uri="{909E8E84-426E-40dd-AFC4-6F175D3DCCD1}">
-                <a14:hiddenFill xmlns="" xmlns:a14="http://schemas.microsoft.com/office/drawing/2010/main">
+                <a14:hiddenFill xmlns:a14="http://schemas.microsoft.com/office/drawing/2010/main" xmlns="">
                   <a:noFill/>
                 </a14:hiddenFill>
               </a:ext>
@@ -18285,7 +18285,7 @@
             </a:ln>
             <a:extLst>
               <a:ext uri="{909E8E84-426E-40dd-AFC4-6F175D3DCCD1}">
-                <a14:hiddenFill xmlns="" xmlns:a14="http://schemas.microsoft.com/office/drawing/2010/main">
+                <a14:hiddenFill xmlns:a14="http://schemas.microsoft.com/office/drawing/2010/main" xmlns="">
                   <a:noFill/>
                 </a14:hiddenFill>
               </a:ext>
@@ -18336,7 +18336,7 @@
             </a:ln>
             <a:extLst>
               <a:ext uri="{909E8E84-426E-40dd-AFC4-6F175D3DCCD1}">
-                <a14:hiddenFill xmlns="" xmlns:a14="http://schemas.microsoft.com/office/drawing/2010/main">
+                <a14:hiddenFill xmlns:a14="http://schemas.microsoft.com/office/drawing/2010/main" xmlns="">
                   <a:noFill/>
                 </a14:hiddenFill>
               </a:ext>
@@ -18387,7 +18387,7 @@
             </a:ln>
             <a:extLst>
               <a:ext uri="{909E8E84-426E-40dd-AFC4-6F175D3DCCD1}">
-                <a14:hiddenFill xmlns="" xmlns:a14="http://schemas.microsoft.com/office/drawing/2010/main">
+                <a14:hiddenFill xmlns:a14="http://schemas.microsoft.com/office/drawing/2010/main" xmlns="">
                   <a:noFill/>
                 </a14:hiddenFill>
               </a:ext>
@@ -18438,7 +18438,7 @@
             </a:ln>
             <a:extLst>
               <a:ext uri="{909E8E84-426E-40dd-AFC4-6F175D3DCCD1}">
-                <a14:hiddenFill xmlns="" xmlns:a14="http://schemas.microsoft.com/office/drawing/2010/main">
+                <a14:hiddenFill xmlns:a14="http://schemas.microsoft.com/office/drawing/2010/main" xmlns="">
                   <a:noFill/>
                 </a14:hiddenFill>
               </a:ext>
@@ -18489,7 +18489,7 @@
             </a:ln>
             <a:extLst>
               <a:ext uri="{909E8E84-426E-40dd-AFC4-6F175D3DCCD1}">
-                <a14:hiddenFill xmlns="" xmlns:a14="http://schemas.microsoft.com/office/drawing/2010/main">
+                <a14:hiddenFill xmlns:a14="http://schemas.microsoft.com/office/drawing/2010/main" xmlns="">
                   <a:noFill/>
                 </a14:hiddenFill>
               </a:ext>
@@ -18540,7 +18540,7 @@
             </a:ln>
             <a:extLst>
               <a:ext uri="{909E8E84-426E-40dd-AFC4-6F175D3DCCD1}">
-                <a14:hiddenFill xmlns="" xmlns:a14="http://schemas.microsoft.com/office/drawing/2010/main">
+                <a14:hiddenFill xmlns:a14="http://schemas.microsoft.com/office/drawing/2010/main" xmlns="">
                   <a:noFill/>
                 </a14:hiddenFill>
               </a:ext>
@@ -18591,7 +18591,7 @@
             </a:ln>
             <a:extLst>
               <a:ext uri="{909E8E84-426E-40dd-AFC4-6F175D3DCCD1}">
-                <a14:hiddenFill xmlns="" xmlns:a14="http://schemas.microsoft.com/office/drawing/2010/main">
+                <a14:hiddenFill xmlns:a14="http://schemas.microsoft.com/office/drawing/2010/main" xmlns="">
                   <a:noFill/>
                 </a14:hiddenFill>
               </a:ext>
@@ -18642,7 +18642,7 @@
             </a:ln>
             <a:extLst>
               <a:ext uri="{909E8E84-426E-40dd-AFC4-6F175D3DCCD1}">
-                <a14:hiddenFill xmlns="" xmlns:a14="http://schemas.microsoft.com/office/drawing/2010/main">
+                <a14:hiddenFill xmlns:a14="http://schemas.microsoft.com/office/drawing/2010/main" xmlns="">
                   <a:noFill/>
                 </a14:hiddenFill>
               </a:ext>
@@ -18693,7 +18693,7 @@
             </a:ln>
             <a:extLst>
               <a:ext uri="{909E8E84-426E-40dd-AFC4-6F175D3DCCD1}">
-                <a14:hiddenFill xmlns="" xmlns:a14="http://schemas.microsoft.com/office/drawing/2010/main">
+                <a14:hiddenFill xmlns:a14="http://schemas.microsoft.com/office/drawing/2010/main" xmlns="">
                   <a:noFill/>
                 </a14:hiddenFill>
               </a:ext>
@@ -18744,7 +18744,7 @@
             </a:ln>
             <a:extLst>
               <a:ext uri="{909E8E84-426E-40dd-AFC4-6F175D3DCCD1}">
-                <a14:hiddenFill xmlns="" xmlns:a14="http://schemas.microsoft.com/office/drawing/2010/main">
+                <a14:hiddenFill xmlns:a14="http://schemas.microsoft.com/office/drawing/2010/main" xmlns="">
                   <a:noFill/>
                 </a14:hiddenFill>
               </a:ext>
@@ -18795,7 +18795,7 @@
             </a:ln>
             <a:extLst>
               <a:ext uri="{909E8E84-426E-40dd-AFC4-6F175D3DCCD1}">
-                <a14:hiddenFill xmlns="" xmlns:a14="http://schemas.microsoft.com/office/drawing/2010/main">
+                <a14:hiddenFill xmlns:a14="http://schemas.microsoft.com/office/drawing/2010/main" xmlns="">
                   <a:noFill/>
                 </a14:hiddenFill>
               </a:ext>
@@ -18846,7 +18846,7 @@
             </a:ln>
             <a:extLst>
               <a:ext uri="{909E8E84-426E-40dd-AFC4-6F175D3DCCD1}">
-                <a14:hiddenFill xmlns="" xmlns:a14="http://schemas.microsoft.com/office/drawing/2010/main">
+                <a14:hiddenFill xmlns:a14="http://schemas.microsoft.com/office/drawing/2010/main" xmlns="">
                   <a:noFill/>
                 </a14:hiddenFill>
               </a:ext>
@@ -18897,7 +18897,7 @@
             </a:ln>
             <a:extLst>
               <a:ext uri="{909E8E84-426E-40dd-AFC4-6F175D3DCCD1}">
-                <a14:hiddenFill xmlns="" xmlns:a14="http://schemas.microsoft.com/office/drawing/2010/main">
+                <a14:hiddenFill xmlns:a14="http://schemas.microsoft.com/office/drawing/2010/main" xmlns="">
                   <a:noFill/>
                 </a14:hiddenFill>
               </a:ext>
@@ -18948,7 +18948,7 @@
             </a:ln>
             <a:extLst>
               <a:ext uri="{909E8E84-426E-40dd-AFC4-6F175D3DCCD1}">
-                <a14:hiddenFill xmlns="" xmlns:a14="http://schemas.microsoft.com/office/drawing/2010/main">
+                <a14:hiddenFill xmlns:a14="http://schemas.microsoft.com/office/drawing/2010/main" xmlns="">
                   <a:noFill/>
                 </a14:hiddenFill>
               </a:ext>
@@ -18999,7 +18999,7 @@
             </a:ln>
             <a:extLst>
               <a:ext uri="{909E8E84-426E-40dd-AFC4-6F175D3DCCD1}">
-                <a14:hiddenFill xmlns="" xmlns:a14="http://schemas.microsoft.com/office/drawing/2010/main">
+                <a14:hiddenFill xmlns:a14="http://schemas.microsoft.com/office/drawing/2010/main" xmlns="">
                   <a:noFill/>
                 </a14:hiddenFill>
               </a:ext>
@@ -19050,7 +19050,7 @@
             </a:ln>
             <a:extLst>
               <a:ext uri="{909E8E84-426E-40dd-AFC4-6F175D3DCCD1}">
-                <a14:hiddenFill xmlns="" xmlns:a14="http://schemas.microsoft.com/office/drawing/2010/main">
+                <a14:hiddenFill xmlns:a14="http://schemas.microsoft.com/office/drawing/2010/main" xmlns="">
                   <a:noFill/>
                 </a14:hiddenFill>
               </a:ext>
@@ -19101,7 +19101,7 @@
             </a:ln>
             <a:extLst>
               <a:ext uri="{909E8E84-426E-40dd-AFC4-6F175D3DCCD1}">
-                <a14:hiddenFill xmlns="" xmlns:a14="http://schemas.microsoft.com/office/drawing/2010/main">
+                <a14:hiddenFill xmlns:a14="http://schemas.microsoft.com/office/drawing/2010/main" xmlns="">
                   <a:noFill/>
                 </a14:hiddenFill>
               </a:ext>
@@ -19152,7 +19152,7 @@
             </a:ln>
             <a:extLst>
               <a:ext uri="{909E8E84-426E-40dd-AFC4-6F175D3DCCD1}">
-                <a14:hiddenFill xmlns="" xmlns:a14="http://schemas.microsoft.com/office/drawing/2010/main">
+                <a14:hiddenFill xmlns:a14="http://schemas.microsoft.com/office/drawing/2010/main" xmlns="">
                   <a:noFill/>
                 </a14:hiddenFill>
               </a:ext>
@@ -19203,7 +19203,7 @@
             </a:ln>
             <a:extLst>
               <a:ext uri="{909E8E84-426E-40dd-AFC4-6F175D3DCCD1}">
-                <a14:hiddenFill xmlns="" xmlns:a14="http://schemas.microsoft.com/office/drawing/2010/main">
+                <a14:hiddenFill xmlns:a14="http://schemas.microsoft.com/office/drawing/2010/main" xmlns="">
                   <a:noFill/>
                 </a14:hiddenFill>
               </a:ext>
@@ -19254,7 +19254,7 @@
             </a:ln>
             <a:extLst>
               <a:ext uri="{909E8E84-426E-40dd-AFC4-6F175D3DCCD1}">
-                <a14:hiddenFill xmlns="" xmlns:a14="http://schemas.microsoft.com/office/drawing/2010/main">
+                <a14:hiddenFill xmlns:a14="http://schemas.microsoft.com/office/drawing/2010/main" xmlns="">
                   <a:noFill/>
                 </a14:hiddenFill>
               </a:ext>
@@ -19305,7 +19305,7 @@
             </a:ln>
             <a:extLst>
               <a:ext uri="{909E8E84-426E-40dd-AFC4-6F175D3DCCD1}">
-                <a14:hiddenFill xmlns="" xmlns:a14="http://schemas.microsoft.com/office/drawing/2010/main">
+                <a14:hiddenFill xmlns:a14="http://schemas.microsoft.com/office/drawing/2010/main" xmlns="">
                   <a:noFill/>
                 </a14:hiddenFill>
               </a:ext>
@@ -19356,7 +19356,7 @@
             </a:ln>
             <a:extLst>
               <a:ext uri="{909E8E84-426E-40dd-AFC4-6F175D3DCCD1}">
-                <a14:hiddenFill xmlns="" xmlns:a14="http://schemas.microsoft.com/office/drawing/2010/main">
+                <a14:hiddenFill xmlns:a14="http://schemas.microsoft.com/office/drawing/2010/main" xmlns="">
                   <a:noFill/>
                 </a14:hiddenFill>
               </a:ext>
@@ -19407,7 +19407,7 @@
             </a:ln>
             <a:extLst>
               <a:ext uri="{909E8E84-426E-40dd-AFC4-6F175D3DCCD1}">
-                <a14:hiddenFill xmlns="" xmlns:a14="http://schemas.microsoft.com/office/drawing/2010/main">
+                <a14:hiddenFill xmlns:a14="http://schemas.microsoft.com/office/drawing/2010/main" xmlns="">
                   <a:noFill/>
                 </a14:hiddenFill>
               </a:ext>
@@ -19458,7 +19458,7 @@
             </a:ln>
             <a:extLst>
               <a:ext uri="{909E8E84-426E-40dd-AFC4-6F175D3DCCD1}">
-                <a14:hiddenFill xmlns="" xmlns:a14="http://schemas.microsoft.com/office/drawing/2010/main">
+                <a14:hiddenFill xmlns:a14="http://schemas.microsoft.com/office/drawing/2010/main" xmlns="">
                   <a:noFill/>
                 </a14:hiddenFill>
               </a:ext>
@@ -19509,7 +19509,7 @@
             </a:ln>
             <a:extLst>
               <a:ext uri="{909E8E84-426E-40dd-AFC4-6F175D3DCCD1}">
-                <a14:hiddenFill xmlns="" xmlns:a14="http://schemas.microsoft.com/office/drawing/2010/main">
+                <a14:hiddenFill xmlns:a14="http://schemas.microsoft.com/office/drawing/2010/main" xmlns="">
                   <a:noFill/>
                 </a14:hiddenFill>
               </a:ext>
@@ -19560,7 +19560,7 @@
             </a:ln>
             <a:extLst>
               <a:ext uri="{909E8E84-426E-40dd-AFC4-6F175D3DCCD1}">
-                <a14:hiddenFill xmlns="" xmlns:a14="http://schemas.microsoft.com/office/drawing/2010/main">
+                <a14:hiddenFill xmlns:a14="http://schemas.microsoft.com/office/drawing/2010/main" xmlns="">
                   <a:noFill/>
                 </a14:hiddenFill>
               </a:ext>
@@ -19611,7 +19611,7 @@
             </a:ln>
             <a:extLst>
               <a:ext uri="{909E8E84-426E-40dd-AFC4-6F175D3DCCD1}">
-                <a14:hiddenFill xmlns="" xmlns:a14="http://schemas.microsoft.com/office/drawing/2010/main">
+                <a14:hiddenFill xmlns:a14="http://schemas.microsoft.com/office/drawing/2010/main" xmlns="">
                   <a:noFill/>
                 </a14:hiddenFill>
               </a:ext>
@@ -19662,7 +19662,7 @@
             </a:ln>
             <a:extLst>
               <a:ext uri="{909E8E84-426E-40dd-AFC4-6F175D3DCCD1}">
-                <a14:hiddenFill xmlns="" xmlns:a14="http://schemas.microsoft.com/office/drawing/2010/main">
+                <a14:hiddenFill xmlns:a14="http://schemas.microsoft.com/office/drawing/2010/main" xmlns="">
                   <a:noFill/>
                 </a14:hiddenFill>
               </a:ext>
@@ -19713,7 +19713,7 @@
             </a:ln>
             <a:extLst>
               <a:ext uri="{909E8E84-426E-40dd-AFC4-6F175D3DCCD1}">
-                <a14:hiddenFill xmlns="" xmlns:a14="http://schemas.microsoft.com/office/drawing/2010/main">
+                <a14:hiddenFill xmlns:a14="http://schemas.microsoft.com/office/drawing/2010/main" xmlns="">
                   <a:noFill/>
                 </a14:hiddenFill>
               </a:ext>
@@ -19764,7 +19764,7 @@
             </a:ln>
             <a:extLst>
               <a:ext uri="{909E8E84-426E-40dd-AFC4-6F175D3DCCD1}">
-                <a14:hiddenFill xmlns="" xmlns:a14="http://schemas.microsoft.com/office/drawing/2010/main">
+                <a14:hiddenFill xmlns:a14="http://schemas.microsoft.com/office/drawing/2010/main" xmlns="">
                   <a:noFill/>
                 </a14:hiddenFill>
               </a:ext>
@@ -19815,7 +19815,7 @@
             </a:ln>
             <a:extLst>
               <a:ext uri="{909E8E84-426E-40dd-AFC4-6F175D3DCCD1}">
-                <a14:hiddenFill xmlns="" xmlns:a14="http://schemas.microsoft.com/office/drawing/2010/main">
+                <a14:hiddenFill xmlns:a14="http://schemas.microsoft.com/office/drawing/2010/main" xmlns="">
                   <a:noFill/>
                 </a14:hiddenFill>
               </a:ext>
@@ -19866,7 +19866,7 @@
             </a:ln>
             <a:extLst>
               <a:ext uri="{909E8E84-426E-40dd-AFC4-6F175D3DCCD1}">
-                <a14:hiddenFill xmlns="" xmlns:a14="http://schemas.microsoft.com/office/drawing/2010/main">
+                <a14:hiddenFill xmlns:a14="http://schemas.microsoft.com/office/drawing/2010/main" xmlns="">
                   <a:noFill/>
                 </a14:hiddenFill>
               </a:ext>
@@ -19917,7 +19917,7 @@
             </a:ln>
             <a:extLst>
               <a:ext uri="{909E8E84-426E-40dd-AFC4-6F175D3DCCD1}">
-                <a14:hiddenFill xmlns="" xmlns:a14="http://schemas.microsoft.com/office/drawing/2010/main">
+                <a14:hiddenFill xmlns:a14="http://schemas.microsoft.com/office/drawing/2010/main" xmlns="">
                   <a:noFill/>
                 </a14:hiddenFill>
               </a:ext>
@@ -19968,7 +19968,7 @@
             </a:ln>
             <a:extLst>
               <a:ext uri="{909E8E84-426E-40dd-AFC4-6F175D3DCCD1}">
-                <a14:hiddenFill xmlns="" xmlns:a14="http://schemas.microsoft.com/office/drawing/2010/main">
+                <a14:hiddenFill xmlns:a14="http://schemas.microsoft.com/office/drawing/2010/main" xmlns="">
                   <a:noFill/>
                 </a14:hiddenFill>
               </a:ext>
@@ -20019,7 +20019,7 @@
             </a:ln>
             <a:extLst>
               <a:ext uri="{909E8E84-426E-40dd-AFC4-6F175D3DCCD1}">
-                <a14:hiddenFill xmlns="" xmlns:a14="http://schemas.microsoft.com/office/drawing/2010/main">
+                <a14:hiddenFill xmlns:a14="http://schemas.microsoft.com/office/drawing/2010/main" xmlns="">
                   <a:noFill/>
                 </a14:hiddenFill>
               </a:ext>
@@ -20070,7 +20070,7 @@
             </a:ln>
             <a:extLst>
               <a:ext uri="{909E8E84-426E-40dd-AFC4-6F175D3DCCD1}">
-                <a14:hiddenFill xmlns="" xmlns:a14="http://schemas.microsoft.com/office/drawing/2010/main">
+                <a14:hiddenFill xmlns:a14="http://schemas.microsoft.com/office/drawing/2010/main" xmlns="">
                   <a:noFill/>
                 </a14:hiddenFill>
               </a:ext>
@@ -20121,7 +20121,7 @@
             </a:ln>
             <a:extLst>
               <a:ext uri="{909E8E84-426E-40dd-AFC4-6F175D3DCCD1}">
-                <a14:hiddenFill xmlns="" xmlns:a14="http://schemas.microsoft.com/office/drawing/2010/main">
+                <a14:hiddenFill xmlns:a14="http://schemas.microsoft.com/office/drawing/2010/main" xmlns="">
                   <a:noFill/>
                 </a14:hiddenFill>
               </a:ext>
@@ -20172,7 +20172,7 @@
             </a:ln>
             <a:extLst>
               <a:ext uri="{909E8E84-426E-40dd-AFC4-6F175D3DCCD1}">
-                <a14:hiddenFill xmlns="" xmlns:a14="http://schemas.microsoft.com/office/drawing/2010/main">
+                <a14:hiddenFill xmlns:a14="http://schemas.microsoft.com/office/drawing/2010/main" xmlns="">
                   <a:noFill/>
                 </a14:hiddenFill>
               </a:ext>
@@ -20223,7 +20223,7 @@
             </a:ln>
             <a:extLst>
               <a:ext uri="{909E8E84-426E-40dd-AFC4-6F175D3DCCD1}">
-                <a14:hiddenFill xmlns="" xmlns:a14="http://schemas.microsoft.com/office/drawing/2010/main">
+                <a14:hiddenFill xmlns:a14="http://schemas.microsoft.com/office/drawing/2010/main" xmlns="">
                   <a:noFill/>
                 </a14:hiddenFill>
               </a:ext>
@@ -20274,7 +20274,7 @@
             </a:ln>
             <a:extLst>
               <a:ext uri="{909E8E84-426E-40dd-AFC4-6F175D3DCCD1}">
-                <a14:hiddenFill xmlns="" xmlns:a14="http://schemas.microsoft.com/office/drawing/2010/main">
+                <a14:hiddenFill xmlns:a14="http://schemas.microsoft.com/office/drawing/2010/main" xmlns="">
                   <a:noFill/>
                 </a14:hiddenFill>
               </a:ext>
@@ -20325,7 +20325,7 @@
             </a:ln>
             <a:extLst>
               <a:ext uri="{909E8E84-426E-40dd-AFC4-6F175D3DCCD1}">
-                <a14:hiddenFill xmlns="" xmlns:a14="http://schemas.microsoft.com/office/drawing/2010/main">
+                <a14:hiddenFill xmlns:a14="http://schemas.microsoft.com/office/drawing/2010/main" xmlns="">
                   <a:noFill/>
                 </a14:hiddenFill>
               </a:ext>
@@ -20376,7 +20376,7 @@
             </a:ln>
             <a:extLst>
               <a:ext uri="{909E8E84-426E-40dd-AFC4-6F175D3DCCD1}">
-                <a14:hiddenFill xmlns="" xmlns:a14="http://schemas.microsoft.com/office/drawing/2010/main">
+                <a14:hiddenFill xmlns:a14="http://schemas.microsoft.com/office/drawing/2010/main" xmlns="">
                   <a:noFill/>
                 </a14:hiddenFill>
               </a:ext>
@@ -20427,7 +20427,7 @@
             </a:ln>
             <a:extLst>
               <a:ext uri="{909E8E84-426E-40dd-AFC4-6F175D3DCCD1}">
-                <a14:hiddenFill xmlns="" xmlns:a14="http://schemas.microsoft.com/office/drawing/2010/main">
+                <a14:hiddenFill xmlns:a14="http://schemas.microsoft.com/office/drawing/2010/main" xmlns="">
                   <a:noFill/>
                 </a14:hiddenFill>
               </a:ext>
@@ -20478,7 +20478,7 @@
             </a:ln>
             <a:extLst>
               <a:ext uri="{909E8E84-426E-40dd-AFC4-6F175D3DCCD1}">
-                <a14:hiddenFill xmlns="" xmlns:a14="http://schemas.microsoft.com/office/drawing/2010/main">
+                <a14:hiddenFill xmlns:a14="http://schemas.microsoft.com/office/drawing/2010/main" xmlns="">
                   <a:noFill/>
                 </a14:hiddenFill>
               </a:ext>
@@ -20529,7 +20529,7 @@
             </a:ln>
             <a:extLst>
               <a:ext uri="{909E8E84-426E-40dd-AFC4-6F175D3DCCD1}">
-                <a14:hiddenFill xmlns="" xmlns:a14="http://schemas.microsoft.com/office/drawing/2010/main">
+                <a14:hiddenFill xmlns:a14="http://schemas.microsoft.com/office/drawing/2010/main" xmlns="">
                   <a:noFill/>
                 </a14:hiddenFill>
               </a:ext>
@@ -20580,7 +20580,7 @@
             </a:ln>
             <a:extLst>
               <a:ext uri="{909E8E84-426E-40dd-AFC4-6F175D3DCCD1}">
-                <a14:hiddenFill xmlns="" xmlns:a14="http://schemas.microsoft.com/office/drawing/2010/main">
+                <a14:hiddenFill xmlns:a14="http://schemas.microsoft.com/office/drawing/2010/main" xmlns="">
                   <a:noFill/>
                 </a14:hiddenFill>
               </a:ext>
@@ -20631,7 +20631,7 @@
             </a:ln>
             <a:extLst>
               <a:ext uri="{909E8E84-426E-40dd-AFC4-6F175D3DCCD1}">
-                <a14:hiddenFill xmlns="" xmlns:a14="http://schemas.microsoft.com/office/drawing/2010/main">
+                <a14:hiddenFill xmlns:a14="http://schemas.microsoft.com/office/drawing/2010/main" xmlns="">
                   <a:noFill/>
                 </a14:hiddenFill>
               </a:ext>
@@ -20682,7 +20682,7 @@
             </a:ln>
             <a:extLst>
               <a:ext uri="{909E8E84-426E-40dd-AFC4-6F175D3DCCD1}">
-                <a14:hiddenFill xmlns="" xmlns:a14="http://schemas.microsoft.com/office/drawing/2010/main">
+                <a14:hiddenFill xmlns:a14="http://schemas.microsoft.com/office/drawing/2010/main" xmlns="">
                   <a:noFill/>
                 </a14:hiddenFill>
               </a:ext>
@@ -20733,7 +20733,7 @@
             </a:ln>
             <a:extLst>
               <a:ext uri="{909E8E84-426E-40dd-AFC4-6F175D3DCCD1}">
-                <a14:hiddenFill xmlns="" xmlns:a14="http://schemas.microsoft.com/office/drawing/2010/main">
+                <a14:hiddenFill xmlns:a14="http://schemas.microsoft.com/office/drawing/2010/main" xmlns="">
                   <a:noFill/>
                 </a14:hiddenFill>
               </a:ext>
@@ -20784,7 +20784,7 @@
             </a:ln>
             <a:extLst>
               <a:ext uri="{909E8E84-426E-40dd-AFC4-6F175D3DCCD1}">
-                <a14:hiddenFill xmlns="" xmlns:a14="http://schemas.microsoft.com/office/drawing/2010/main">
+                <a14:hiddenFill xmlns:a14="http://schemas.microsoft.com/office/drawing/2010/main" xmlns="">
                   <a:noFill/>
                 </a14:hiddenFill>
               </a:ext>
@@ -20835,7 +20835,7 @@
             </a:ln>
             <a:extLst>
               <a:ext uri="{909E8E84-426E-40dd-AFC4-6F175D3DCCD1}">
-                <a14:hiddenFill xmlns="" xmlns:a14="http://schemas.microsoft.com/office/drawing/2010/main">
+                <a14:hiddenFill xmlns:a14="http://schemas.microsoft.com/office/drawing/2010/main" xmlns="">
                   <a:noFill/>
                 </a14:hiddenFill>
               </a:ext>
@@ -20886,7 +20886,7 @@
             </a:ln>
             <a:extLst>
               <a:ext uri="{909E8E84-426E-40dd-AFC4-6F175D3DCCD1}">
-                <a14:hiddenFill xmlns="" xmlns:a14="http://schemas.microsoft.com/office/drawing/2010/main">
+                <a14:hiddenFill xmlns:a14="http://schemas.microsoft.com/office/drawing/2010/main" xmlns="">
                   <a:noFill/>
                 </a14:hiddenFill>
               </a:ext>
@@ -20937,7 +20937,7 @@
             </a:ln>
             <a:extLst>
               <a:ext uri="{909E8E84-426E-40dd-AFC4-6F175D3DCCD1}">
-                <a14:hiddenFill xmlns="" xmlns:a14="http://schemas.microsoft.com/office/drawing/2010/main">
+                <a14:hiddenFill xmlns:a14="http://schemas.microsoft.com/office/drawing/2010/main" xmlns="">
                   <a:noFill/>
                 </a14:hiddenFill>
               </a:ext>
@@ -20988,7 +20988,7 @@
             </a:ln>
             <a:extLst>
               <a:ext uri="{909E8E84-426E-40dd-AFC4-6F175D3DCCD1}">
-                <a14:hiddenFill xmlns="" xmlns:a14="http://schemas.microsoft.com/office/drawing/2010/main">
+                <a14:hiddenFill xmlns:a14="http://schemas.microsoft.com/office/drawing/2010/main" xmlns="">
                   <a:noFill/>
                 </a14:hiddenFill>
               </a:ext>
@@ -21039,7 +21039,7 @@
             </a:ln>
             <a:extLst>
               <a:ext uri="{909E8E84-426E-40dd-AFC4-6F175D3DCCD1}">
-                <a14:hiddenFill xmlns="" xmlns:a14="http://schemas.microsoft.com/office/drawing/2010/main">
+                <a14:hiddenFill xmlns:a14="http://schemas.microsoft.com/office/drawing/2010/main" xmlns="">
                   <a:noFill/>
                 </a14:hiddenFill>
               </a:ext>
@@ -21090,7 +21090,7 @@
             </a:ln>
             <a:extLst>
               <a:ext uri="{909E8E84-426E-40dd-AFC4-6F175D3DCCD1}">
-                <a14:hiddenFill xmlns="" xmlns:a14="http://schemas.microsoft.com/office/drawing/2010/main">
+                <a14:hiddenFill xmlns:a14="http://schemas.microsoft.com/office/drawing/2010/main" xmlns="">
                   <a:noFill/>
                 </a14:hiddenFill>
               </a:ext>
@@ -21141,7 +21141,7 @@
             </a:ln>
             <a:extLst>
               <a:ext uri="{909E8E84-426E-40dd-AFC4-6F175D3DCCD1}">
-                <a14:hiddenFill xmlns="" xmlns:a14="http://schemas.microsoft.com/office/drawing/2010/main">
+                <a14:hiddenFill xmlns:a14="http://schemas.microsoft.com/office/drawing/2010/main" xmlns="">
                   <a:noFill/>
                 </a14:hiddenFill>
               </a:ext>
@@ -21192,7 +21192,7 @@
             </a:ln>
             <a:extLst>
               <a:ext uri="{909E8E84-426E-40dd-AFC4-6F175D3DCCD1}">
-                <a14:hiddenFill xmlns="" xmlns:a14="http://schemas.microsoft.com/office/drawing/2010/main">
+                <a14:hiddenFill xmlns:a14="http://schemas.microsoft.com/office/drawing/2010/main" xmlns="">
                   <a:noFill/>
                 </a14:hiddenFill>
               </a:ext>
@@ -22042,7 +22042,7 @@
             </a:ln>
             <a:extLst>
               <a:ext uri="{91240B29-F687-4f45-9708-019B960494DF}">
-                <a14:hiddenLine xmlns="" xmlns:a14="http://schemas.microsoft.com/office/drawing/2010/main" w="9525">
+                <a14:hiddenLine xmlns:a14="http://schemas.microsoft.com/office/drawing/2010/main" xmlns="" w="9525">
                   <a:solidFill>
                     <a:srgbClr val="000000"/>
                   </a:solidFill>
@@ -22714,7 +22714,7 @@
             </a:ln>
             <a:extLst>
               <a:ext uri="{91240B29-F687-4f45-9708-019B960494DF}">
-                <a14:hiddenLine xmlns="" xmlns:a14="http://schemas.microsoft.com/office/drawing/2010/main" w="9525">
+                <a14:hiddenLine xmlns:a14="http://schemas.microsoft.com/office/drawing/2010/main" xmlns="" w="9525">
                   <a:solidFill>
                     <a:srgbClr val="000000"/>
                   </a:solidFill>
@@ -22834,7 +22834,7 @@
             </a:ln>
             <a:extLst>
               <a:ext uri="{909E8E84-426E-40dd-AFC4-6F175D3DCCD1}">
-                <a14:hiddenFill xmlns="" xmlns:a14="http://schemas.microsoft.com/office/drawing/2010/main">
+                <a14:hiddenFill xmlns:a14="http://schemas.microsoft.com/office/drawing/2010/main" xmlns="">
                   <a:solidFill>
                     <a:srgbClr val="FFFFFF"/>
                   </a:solidFill>
@@ -22887,7 +22887,7 @@
             </a:ln>
             <a:extLst>
               <a:ext uri="{909E8E84-426E-40dd-AFC4-6F175D3DCCD1}">
-                <a14:hiddenFill xmlns="" xmlns:a14="http://schemas.microsoft.com/office/drawing/2010/main">
+                <a14:hiddenFill xmlns:a14="http://schemas.microsoft.com/office/drawing/2010/main" xmlns="">
                   <a:noFill/>
                 </a14:hiddenFill>
               </a:ext>
@@ -22938,7 +22938,7 @@
             </a:ln>
             <a:extLst>
               <a:ext uri="{909E8E84-426E-40dd-AFC4-6F175D3DCCD1}">
-                <a14:hiddenFill xmlns="" xmlns:a14="http://schemas.microsoft.com/office/drawing/2010/main">
+                <a14:hiddenFill xmlns:a14="http://schemas.microsoft.com/office/drawing/2010/main" xmlns="">
                   <a:noFill/>
                 </a14:hiddenFill>
               </a:ext>
@@ -22989,7 +22989,7 @@
             </a:ln>
             <a:extLst>
               <a:ext uri="{909E8E84-426E-40dd-AFC4-6F175D3DCCD1}">
-                <a14:hiddenFill xmlns="" xmlns:a14="http://schemas.microsoft.com/office/drawing/2010/main">
+                <a14:hiddenFill xmlns:a14="http://schemas.microsoft.com/office/drawing/2010/main" xmlns="">
                   <a:noFill/>
                 </a14:hiddenFill>
               </a:ext>
@@ -23040,7 +23040,7 @@
             </a:ln>
             <a:extLst>
               <a:ext uri="{909E8E84-426E-40dd-AFC4-6F175D3DCCD1}">
-                <a14:hiddenFill xmlns="" xmlns:a14="http://schemas.microsoft.com/office/drawing/2010/main">
+                <a14:hiddenFill xmlns:a14="http://schemas.microsoft.com/office/drawing/2010/main" xmlns="">
                   <a:noFill/>
                 </a14:hiddenFill>
               </a:ext>
@@ -23091,7 +23091,7 @@
             </a:ln>
             <a:extLst>
               <a:ext uri="{909E8E84-426E-40dd-AFC4-6F175D3DCCD1}">
-                <a14:hiddenFill xmlns="" xmlns:a14="http://schemas.microsoft.com/office/drawing/2010/main">
+                <a14:hiddenFill xmlns:a14="http://schemas.microsoft.com/office/drawing/2010/main" xmlns="">
                   <a:noFill/>
                 </a14:hiddenFill>
               </a:ext>
@@ -23142,7 +23142,7 @@
             </a:ln>
             <a:extLst>
               <a:ext uri="{909E8E84-426E-40dd-AFC4-6F175D3DCCD1}">
-                <a14:hiddenFill xmlns="" xmlns:a14="http://schemas.microsoft.com/office/drawing/2010/main">
+                <a14:hiddenFill xmlns:a14="http://schemas.microsoft.com/office/drawing/2010/main" xmlns="">
                   <a:noFill/>
                 </a14:hiddenFill>
               </a:ext>
@@ -23193,7 +23193,7 @@
             </a:ln>
             <a:extLst>
               <a:ext uri="{909E8E84-426E-40dd-AFC4-6F175D3DCCD1}">
-                <a14:hiddenFill xmlns="" xmlns:a14="http://schemas.microsoft.com/office/drawing/2010/main">
+                <a14:hiddenFill xmlns:a14="http://schemas.microsoft.com/office/drawing/2010/main" xmlns="">
                   <a:noFill/>
                 </a14:hiddenFill>
               </a:ext>
@@ -23244,7 +23244,7 @@
             </a:ln>
             <a:extLst>
               <a:ext uri="{909E8E84-426E-40dd-AFC4-6F175D3DCCD1}">
-                <a14:hiddenFill xmlns="" xmlns:a14="http://schemas.microsoft.com/office/drawing/2010/main">
+                <a14:hiddenFill xmlns:a14="http://schemas.microsoft.com/office/drawing/2010/main" xmlns="">
                   <a:noFill/>
                 </a14:hiddenFill>
               </a:ext>
@@ -23295,7 +23295,7 @@
             </a:ln>
             <a:extLst>
               <a:ext uri="{909E8E84-426E-40dd-AFC4-6F175D3DCCD1}">
-                <a14:hiddenFill xmlns="" xmlns:a14="http://schemas.microsoft.com/office/drawing/2010/main">
+                <a14:hiddenFill xmlns:a14="http://schemas.microsoft.com/office/drawing/2010/main" xmlns="">
                   <a:noFill/>
                 </a14:hiddenFill>
               </a:ext>
@@ -23346,7 +23346,7 @@
             </a:ln>
             <a:extLst>
               <a:ext uri="{909E8E84-426E-40dd-AFC4-6F175D3DCCD1}">
-                <a14:hiddenFill xmlns="" xmlns:a14="http://schemas.microsoft.com/office/drawing/2010/main">
+                <a14:hiddenFill xmlns:a14="http://schemas.microsoft.com/office/drawing/2010/main" xmlns="">
                   <a:noFill/>
                 </a14:hiddenFill>
               </a:ext>
@@ -23397,7 +23397,7 @@
             </a:ln>
             <a:extLst>
               <a:ext uri="{909E8E84-426E-40dd-AFC4-6F175D3DCCD1}">
-                <a14:hiddenFill xmlns="" xmlns:a14="http://schemas.microsoft.com/office/drawing/2010/main">
+                <a14:hiddenFill xmlns:a14="http://schemas.microsoft.com/office/drawing/2010/main" xmlns="">
                   <a:noFill/>
                 </a14:hiddenFill>
               </a:ext>
@@ -23448,7 +23448,7 @@
             </a:ln>
             <a:extLst>
               <a:ext uri="{909E8E84-426E-40dd-AFC4-6F175D3DCCD1}">
-                <a14:hiddenFill xmlns="" xmlns:a14="http://schemas.microsoft.com/office/drawing/2010/main">
+                <a14:hiddenFill xmlns:a14="http://schemas.microsoft.com/office/drawing/2010/main" xmlns="">
                   <a:noFill/>
                 </a14:hiddenFill>
               </a:ext>
@@ -23499,7 +23499,7 @@
             </a:ln>
             <a:extLst>
               <a:ext uri="{909E8E84-426E-40dd-AFC4-6F175D3DCCD1}">
-                <a14:hiddenFill xmlns="" xmlns:a14="http://schemas.microsoft.com/office/drawing/2010/main">
+                <a14:hiddenFill xmlns:a14="http://schemas.microsoft.com/office/drawing/2010/main" xmlns="">
                   <a:noFill/>
                 </a14:hiddenFill>
               </a:ext>
@@ -23550,7 +23550,7 @@
             </a:ln>
             <a:extLst>
               <a:ext uri="{909E8E84-426E-40dd-AFC4-6F175D3DCCD1}">
-                <a14:hiddenFill xmlns="" xmlns:a14="http://schemas.microsoft.com/office/drawing/2010/main">
+                <a14:hiddenFill xmlns:a14="http://schemas.microsoft.com/office/drawing/2010/main" xmlns="">
                   <a:noFill/>
                 </a14:hiddenFill>
               </a:ext>
@@ -23601,7 +23601,7 @@
             </a:ln>
             <a:extLst>
               <a:ext uri="{909E8E84-426E-40dd-AFC4-6F175D3DCCD1}">
-                <a14:hiddenFill xmlns="" xmlns:a14="http://schemas.microsoft.com/office/drawing/2010/main">
+                <a14:hiddenFill xmlns:a14="http://schemas.microsoft.com/office/drawing/2010/main" xmlns="">
                   <a:noFill/>
                 </a14:hiddenFill>
               </a:ext>
@@ -23652,7 +23652,7 @@
             </a:ln>
             <a:extLst>
               <a:ext uri="{909E8E84-426E-40dd-AFC4-6F175D3DCCD1}">
-                <a14:hiddenFill xmlns="" xmlns:a14="http://schemas.microsoft.com/office/drawing/2010/main">
+                <a14:hiddenFill xmlns:a14="http://schemas.microsoft.com/office/drawing/2010/main" xmlns="">
                   <a:noFill/>
                 </a14:hiddenFill>
               </a:ext>
@@ -23703,7 +23703,7 @@
             </a:ln>
             <a:extLst>
               <a:ext uri="{909E8E84-426E-40dd-AFC4-6F175D3DCCD1}">
-                <a14:hiddenFill xmlns="" xmlns:a14="http://schemas.microsoft.com/office/drawing/2010/main">
+                <a14:hiddenFill xmlns:a14="http://schemas.microsoft.com/office/drawing/2010/main" xmlns="">
                   <a:noFill/>
                 </a14:hiddenFill>
               </a:ext>
@@ -23754,7 +23754,7 @@
             </a:ln>
             <a:extLst>
               <a:ext uri="{909E8E84-426E-40dd-AFC4-6F175D3DCCD1}">
-                <a14:hiddenFill xmlns="" xmlns:a14="http://schemas.microsoft.com/office/drawing/2010/main">
+                <a14:hiddenFill xmlns:a14="http://schemas.microsoft.com/office/drawing/2010/main" xmlns="">
                   <a:noFill/>
                 </a14:hiddenFill>
               </a:ext>
@@ -23805,7 +23805,7 @@
             </a:ln>
             <a:extLst>
               <a:ext uri="{909E8E84-426E-40dd-AFC4-6F175D3DCCD1}">
-                <a14:hiddenFill xmlns="" xmlns:a14="http://schemas.microsoft.com/office/drawing/2010/main">
+                <a14:hiddenFill xmlns:a14="http://schemas.microsoft.com/office/drawing/2010/main" xmlns="">
                   <a:noFill/>
                 </a14:hiddenFill>
               </a:ext>
@@ -23856,7 +23856,7 @@
             </a:ln>
             <a:extLst>
               <a:ext uri="{909E8E84-426E-40dd-AFC4-6F175D3DCCD1}">
-                <a14:hiddenFill xmlns="" xmlns:a14="http://schemas.microsoft.com/office/drawing/2010/main">
+                <a14:hiddenFill xmlns:a14="http://schemas.microsoft.com/office/drawing/2010/main" xmlns="">
                   <a:noFill/>
                 </a14:hiddenFill>
               </a:ext>
@@ -23907,7 +23907,7 @@
             </a:ln>
             <a:extLst>
               <a:ext uri="{909E8E84-426E-40dd-AFC4-6F175D3DCCD1}">
-                <a14:hiddenFill xmlns="" xmlns:a14="http://schemas.microsoft.com/office/drawing/2010/main">
+                <a14:hiddenFill xmlns:a14="http://schemas.microsoft.com/office/drawing/2010/main" xmlns="">
                   <a:noFill/>
                 </a14:hiddenFill>
               </a:ext>
@@ -23958,7 +23958,7 @@
             </a:ln>
             <a:extLst>
               <a:ext uri="{909E8E84-426E-40dd-AFC4-6F175D3DCCD1}">
-                <a14:hiddenFill xmlns="" xmlns:a14="http://schemas.microsoft.com/office/drawing/2010/main">
+                <a14:hiddenFill xmlns:a14="http://schemas.microsoft.com/office/drawing/2010/main" xmlns="">
                   <a:noFill/>
                 </a14:hiddenFill>
               </a:ext>
@@ -24009,7 +24009,7 @@
             </a:ln>
             <a:extLst>
               <a:ext uri="{909E8E84-426E-40dd-AFC4-6F175D3DCCD1}">
-                <a14:hiddenFill xmlns="" xmlns:a14="http://schemas.microsoft.com/office/drawing/2010/main">
+                <a14:hiddenFill xmlns:a14="http://schemas.microsoft.com/office/drawing/2010/main" xmlns="">
                   <a:noFill/>
                 </a14:hiddenFill>
               </a:ext>
@@ -24060,7 +24060,7 @@
             </a:ln>
             <a:extLst>
               <a:ext uri="{909E8E84-426E-40dd-AFC4-6F175D3DCCD1}">
-                <a14:hiddenFill xmlns="" xmlns:a14="http://schemas.microsoft.com/office/drawing/2010/main">
+                <a14:hiddenFill xmlns:a14="http://schemas.microsoft.com/office/drawing/2010/main" xmlns="">
                   <a:noFill/>
                 </a14:hiddenFill>
               </a:ext>
@@ -24111,7 +24111,7 @@
             </a:ln>
             <a:extLst>
               <a:ext uri="{909E8E84-426E-40dd-AFC4-6F175D3DCCD1}">
-                <a14:hiddenFill xmlns="" xmlns:a14="http://schemas.microsoft.com/office/drawing/2010/main">
+                <a14:hiddenFill xmlns:a14="http://schemas.microsoft.com/office/drawing/2010/main" xmlns="">
                   <a:noFill/>
                 </a14:hiddenFill>
               </a:ext>
@@ -24162,7 +24162,7 @@
             </a:ln>
             <a:extLst>
               <a:ext uri="{909E8E84-426E-40dd-AFC4-6F175D3DCCD1}">
-                <a14:hiddenFill xmlns="" xmlns:a14="http://schemas.microsoft.com/office/drawing/2010/main">
+                <a14:hiddenFill xmlns:a14="http://schemas.microsoft.com/office/drawing/2010/main" xmlns="">
                   <a:noFill/>
                 </a14:hiddenFill>
               </a:ext>
@@ -24213,7 +24213,7 @@
             </a:ln>
             <a:extLst>
               <a:ext uri="{909E8E84-426E-40dd-AFC4-6F175D3DCCD1}">
-                <a14:hiddenFill xmlns="" xmlns:a14="http://schemas.microsoft.com/office/drawing/2010/main">
+                <a14:hiddenFill xmlns:a14="http://schemas.microsoft.com/office/drawing/2010/main" xmlns="">
                   <a:noFill/>
                 </a14:hiddenFill>
               </a:ext>
@@ -24264,7 +24264,7 @@
             </a:ln>
             <a:extLst>
               <a:ext uri="{909E8E84-426E-40dd-AFC4-6F175D3DCCD1}">
-                <a14:hiddenFill xmlns="" xmlns:a14="http://schemas.microsoft.com/office/drawing/2010/main">
+                <a14:hiddenFill xmlns:a14="http://schemas.microsoft.com/office/drawing/2010/main" xmlns="">
                   <a:noFill/>
                 </a14:hiddenFill>
               </a:ext>
@@ -24315,7 +24315,7 @@
             </a:ln>
             <a:extLst>
               <a:ext uri="{909E8E84-426E-40dd-AFC4-6F175D3DCCD1}">
-                <a14:hiddenFill xmlns="" xmlns:a14="http://schemas.microsoft.com/office/drawing/2010/main">
+                <a14:hiddenFill xmlns:a14="http://schemas.microsoft.com/office/drawing/2010/main" xmlns="">
                   <a:noFill/>
                 </a14:hiddenFill>
               </a:ext>
@@ -24366,7 +24366,7 @@
             </a:ln>
             <a:extLst>
               <a:ext uri="{909E8E84-426E-40dd-AFC4-6F175D3DCCD1}">
-                <a14:hiddenFill xmlns="" xmlns:a14="http://schemas.microsoft.com/office/drawing/2010/main">
+                <a14:hiddenFill xmlns:a14="http://schemas.microsoft.com/office/drawing/2010/main" xmlns="">
                   <a:noFill/>
                 </a14:hiddenFill>
               </a:ext>
@@ -24417,7 +24417,7 @@
             </a:ln>
             <a:extLst>
               <a:ext uri="{909E8E84-426E-40dd-AFC4-6F175D3DCCD1}">
-                <a14:hiddenFill xmlns="" xmlns:a14="http://schemas.microsoft.com/office/drawing/2010/main">
+                <a14:hiddenFill xmlns:a14="http://schemas.microsoft.com/office/drawing/2010/main" xmlns="">
                   <a:noFill/>
                 </a14:hiddenFill>
               </a:ext>
@@ -24468,7 +24468,7 @@
             </a:ln>
             <a:extLst>
               <a:ext uri="{909E8E84-426E-40dd-AFC4-6F175D3DCCD1}">
-                <a14:hiddenFill xmlns="" xmlns:a14="http://schemas.microsoft.com/office/drawing/2010/main">
+                <a14:hiddenFill xmlns:a14="http://schemas.microsoft.com/office/drawing/2010/main" xmlns="">
                   <a:noFill/>
                 </a14:hiddenFill>
               </a:ext>
@@ -24519,7 +24519,7 @@
             </a:ln>
             <a:extLst>
               <a:ext uri="{909E8E84-426E-40dd-AFC4-6F175D3DCCD1}">
-                <a14:hiddenFill xmlns="" xmlns:a14="http://schemas.microsoft.com/office/drawing/2010/main">
+                <a14:hiddenFill xmlns:a14="http://schemas.microsoft.com/office/drawing/2010/main" xmlns="">
                   <a:noFill/>
                 </a14:hiddenFill>
               </a:ext>
@@ -24570,7 +24570,7 @@
             </a:ln>
             <a:extLst>
               <a:ext uri="{909E8E84-426E-40dd-AFC4-6F175D3DCCD1}">
-                <a14:hiddenFill xmlns="" xmlns:a14="http://schemas.microsoft.com/office/drawing/2010/main">
+                <a14:hiddenFill xmlns:a14="http://schemas.microsoft.com/office/drawing/2010/main" xmlns="">
                   <a:noFill/>
                 </a14:hiddenFill>
               </a:ext>
@@ -24621,7 +24621,7 @@
             </a:ln>
             <a:extLst>
               <a:ext uri="{909E8E84-426E-40dd-AFC4-6F175D3DCCD1}">
-                <a14:hiddenFill xmlns="" xmlns:a14="http://schemas.microsoft.com/office/drawing/2010/main">
+                <a14:hiddenFill xmlns:a14="http://schemas.microsoft.com/office/drawing/2010/main" xmlns="">
                   <a:noFill/>
                 </a14:hiddenFill>
               </a:ext>
@@ -24672,7 +24672,7 @@
             </a:ln>
             <a:extLst>
               <a:ext uri="{909E8E84-426E-40dd-AFC4-6F175D3DCCD1}">
-                <a14:hiddenFill xmlns="" xmlns:a14="http://schemas.microsoft.com/office/drawing/2010/main">
+                <a14:hiddenFill xmlns:a14="http://schemas.microsoft.com/office/drawing/2010/main" xmlns="">
                   <a:noFill/>
                 </a14:hiddenFill>
               </a:ext>
@@ -24723,7 +24723,7 @@
             </a:ln>
             <a:extLst>
               <a:ext uri="{909E8E84-426E-40dd-AFC4-6F175D3DCCD1}">
-                <a14:hiddenFill xmlns="" xmlns:a14="http://schemas.microsoft.com/office/drawing/2010/main">
+                <a14:hiddenFill xmlns:a14="http://schemas.microsoft.com/office/drawing/2010/main" xmlns="">
                   <a:noFill/>
                 </a14:hiddenFill>
               </a:ext>
@@ -24774,7 +24774,7 @@
             </a:ln>
             <a:extLst>
               <a:ext uri="{909E8E84-426E-40dd-AFC4-6F175D3DCCD1}">
-                <a14:hiddenFill xmlns="" xmlns:a14="http://schemas.microsoft.com/office/drawing/2010/main">
+                <a14:hiddenFill xmlns:a14="http://schemas.microsoft.com/office/drawing/2010/main" xmlns="">
                   <a:noFill/>
                 </a14:hiddenFill>
               </a:ext>
@@ -24825,7 +24825,7 @@
             </a:ln>
             <a:extLst>
               <a:ext uri="{909E8E84-426E-40dd-AFC4-6F175D3DCCD1}">
-                <a14:hiddenFill xmlns="" xmlns:a14="http://schemas.microsoft.com/office/drawing/2010/main">
+                <a14:hiddenFill xmlns:a14="http://schemas.microsoft.com/office/drawing/2010/main" xmlns="">
                   <a:noFill/>
                 </a14:hiddenFill>
               </a:ext>
@@ -24876,7 +24876,7 @@
             </a:ln>
             <a:extLst>
               <a:ext uri="{909E8E84-426E-40dd-AFC4-6F175D3DCCD1}">
-                <a14:hiddenFill xmlns="" xmlns:a14="http://schemas.microsoft.com/office/drawing/2010/main">
+                <a14:hiddenFill xmlns:a14="http://schemas.microsoft.com/office/drawing/2010/main" xmlns="">
                   <a:noFill/>
                 </a14:hiddenFill>
               </a:ext>
@@ -24927,7 +24927,7 @@
             </a:ln>
             <a:extLst>
               <a:ext uri="{909E8E84-426E-40dd-AFC4-6F175D3DCCD1}">
-                <a14:hiddenFill xmlns="" xmlns:a14="http://schemas.microsoft.com/office/drawing/2010/main">
+                <a14:hiddenFill xmlns:a14="http://schemas.microsoft.com/office/drawing/2010/main" xmlns="">
                   <a:noFill/>
                 </a14:hiddenFill>
               </a:ext>
@@ -24978,7 +24978,7 @@
             </a:ln>
             <a:extLst>
               <a:ext uri="{909E8E84-426E-40dd-AFC4-6F175D3DCCD1}">
-                <a14:hiddenFill xmlns="" xmlns:a14="http://schemas.microsoft.com/office/drawing/2010/main">
+                <a14:hiddenFill xmlns:a14="http://schemas.microsoft.com/office/drawing/2010/main" xmlns="">
                   <a:noFill/>
                 </a14:hiddenFill>
               </a:ext>
@@ -25029,7 +25029,7 @@
             </a:ln>
             <a:extLst>
               <a:ext uri="{909E8E84-426E-40dd-AFC4-6F175D3DCCD1}">
-                <a14:hiddenFill xmlns="" xmlns:a14="http://schemas.microsoft.com/office/drawing/2010/main">
+                <a14:hiddenFill xmlns:a14="http://schemas.microsoft.com/office/drawing/2010/main" xmlns="">
                   <a:noFill/>
                 </a14:hiddenFill>
               </a:ext>
@@ -25080,7 +25080,7 @@
             </a:ln>
             <a:extLst>
               <a:ext uri="{909E8E84-426E-40dd-AFC4-6F175D3DCCD1}">
-                <a14:hiddenFill xmlns="" xmlns:a14="http://schemas.microsoft.com/office/drawing/2010/main">
+                <a14:hiddenFill xmlns:a14="http://schemas.microsoft.com/office/drawing/2010/main" xmlns="">
                   <a:noFill/>
                 </a14:hiddenFill>
               </a:ext>
@@ -25131,7 +25131,7 @@
             </a:ln>
             <a:extLst>
               <a:ext uri="{909E8E84-426E-40dd-AFC4-6F175D3DCCD1}">
-                <a14:hiddenFill xmlns="" xmlns:a14="http://schemas.microsoft.com/office/drawing/2010/main">
+                <a14:hiddenFill xmlns:a14="http://schemas.microsoft.com/office/drawing/2010/main" xmlns="">
                   <a:noFill/>
                 </a14:hiddenFill>
               </a:ext>
@@ -25182,7 +25182,7 @@
             </a:ln>
             <a:extLst>
               <a:ext uri="{909E8E84-426E-40dd-AFC4-6F175D3DCCD1}">
-                <a14:hiddenFill xmlns="" xmlns:a14="http://schemas.microsoft.com/office/drawing/2010/main">
+                <a14:hiddenFill xmlns:a14="http://schemas.microsoft.com/office/drawing/2010/main" xmlns="">
                   <a:noFill/>
                 </a14:hiddenFill>
               </a:ext>
@@ -25233,7 +25233,7 @@
             </a:ln>
             <a:extLst>
               <a:ext uri="{909E8E84-426E-40dd-AFC4-6F175D3DCCD1}">
-                <a14:hiddenFill xmlns="" xmlns:a14="http://schemas.microsoft.com/office/drawing/2010/main">
+                <a14:hiddenFill xmlns:a14="http://schemas.microsoft.com/office/drawing/2010/main" xmlns="">
                   <a:noFill/>
                 </a14:hiddenFill>
               </a:ext>
@@ -25284,7 +25284,7 @@
             </a:ln>
             <a:extLst>
               <a:ext uri="{909E8E84-426E-40dd-AFC4-6F175D3DCCD1}">
-                <a14:hiddenFill xmlns="" xmlns:a14="http://schemas.microsoft.com/office/drawing/2010/main">
+                <a14:hiddenFill xmlns:a14="http://schemas.microsoft.com/office/drawing/2010/main" xmlns="">
                   <a:noFill/>
                 </a14:hiddenFill>
               </a:ext>
@@ -25335,7 +25335,7 @@
             </a:ln>
             <a:extLst>
               <a:ext uri="{909E8E84-426E-40dd-AFC4-6F175D3DCCD1}">
-                <a14:hiddenFill xmlns="" xmlns:a14="http://schemas.microsoft.com/office/drawing/2010/main">
+                <a14:hiddenFill xmlns:a14="http://schemas.microsoft.com/office/drawing/2010/main" xmlns="">
                   <a:noFill/>
                 </a14:hiddenFill>
               </a:ext>
@@ -25386,7 +25386,7 @@
             </a:ln>
             <a:extLst>
               <a:ext uri="{909E8E84-426E-40dd-AFC4-6F175D3DCCD1}">
-                <a14:hiddenFill xmlns="" xmlns:a14="http://schemas.microsoft.com/office/drawing/2010/main">
+                <a14:hiddenFill xmlns:a14="http://schemas.microsoft.com/office/drawing/2010/main" xmlns="">
                   <a:noFill/>
                 </a14:hiddenFill>
               </a:ext>
@@ -25437,7 +25437,7 @@
             </a:ln>
             <a:extLst>
               <a:ext uri="{909E8E84-426E-40dd-AFC4-6F175D3DCCD1}">
-                <a14:hiddenFill xmlns="" xmlns:a14="http://schemas.microsoft.com/office/drawing/2010/main">
+                <a14:hiddenFill xmlns:a14="http://schemas.microsoft.com/office/drawing/2010/main" xmlns="">
                   <a:noFill/>
                 </a14:hiddenFill>
               </a:ext>
@@ -25488,7 +25488,7 @@
             </a:ln>
             <a:extLst>
               <a:ext uri="{909E8E84-426E-40dd-AFC4-6F175D3DCCD1}">
-                <a14:hiddenFill xmlns="" xmlns:a14="http://schemas.microsoft.com/office/drawing/2010/main">
+                <a14:hiddenFill xmlns:a14="http://schemas.microsoft.com/office/drawing/2010/main" xmlns="">
                   <a:noFill/>
                 </a14:hiddenFill>
               </a:ext>
@@ -25539,7 +25539,7 @@
             </a:ln>
             <a:extLst>
               <a:ext uri="{909E8E84-426E-40dd-AFC4-6F175D3DCCD1}">
-                <a14:hiddenFill xmlns="" xmlns:a14="http://schemas.microsoft.com/office/drawing/2010/main">
+                <a14:hiddenFill xmlns:a14="http://schemas.microsoft.com/office/drawing/2010/main" xmlns="">
                   <a:noFill/>
                 </a14:hiddenFill>
               </a:ext>
@@ -25590,7 +25590,7 @@
             </a:ln>
             <a:extLst>
               <a:ext uri="{909E8E84-426E-40dd-AFC4-6F175D3DCCD1}">
-                <a14:hiddenFill xmlns="" xmlns:a14="http://schemas.microsoft.com/office/drawing/2010/main">
+                <a14:hiddenFill xmlns:a14="http://schemas.microsoft.com/office/drawing/2010/main" xmlns="">
                   <a:noFill/>
                 </a14:hiddenFill>
               </a:ext>
@@ -25641,7 +25641,7 @@
             </a:ln>
             <a:extLst>
               <a:ext uri="{909E8E84-426E-40dd-AFC4-6F175D3DCCD1}">
-                <a14:hiddenFill xmlns="" xmlns:a14="http://schemas.microsoft.com/office/drawing/2010/main">
+                <a14:hiddenFill xmlns:a14="http://schemas.microsoft.com/office/drawing/2010/main" xmlns="">
                   <a:noFill/>
                 </a14:hiddenFill>
               </a:ext>
@@ -25692,7 +25692,7 @@
             </a:ln>
             <a:extLst>
               <a:ext uri="{909E8E84-426E-40dd-AFC4-6F175D3DCCD1}">
-                <a14:hiddenFill xmlns="" xmlns:a14="http://schemas.microsoft.com/office/drawing/2010/main">
+                <a14:hiddenFill xmlns:a14="http://schemas.microsoft.com/office/drawing/2010/main" xmlns="">
                   <a:noFill/>
                 </a14:hiddenFill>
               </a:ext>
@@ -25743,7 +25743,7 @@
             </a:ln>
             <a:extLst>
               <a:ext uri="{909E8E84-426E-40dd-AFC4-6F175D3DCCD1}">
-                <a14:hiddenFill xmlns="" xmlns:a14="http://schemas.microsoft.com/office/drawing/2010/main">
+                <a14:hiddenFill xmlns:a14="http://schemas.microsoft.com/office/drawing/2010/main" xmlns="">
                   <a:noFill/>
                 </a14:hiddenFill>
               </a:ext>
@@ -25794,7 +25794,7 @@
             </a:ln>
             <a:extLst>
               <a:ext uri="{909E8E84-426E-40dd-AFC4-6F175D3DCCD1}">
-                <a14:hiddenFill xmlns="" xmlns:a14="http://schemas.microsoft.com/office/drawing/2010/main">
+                <a14:hiddenFill xmlns:a14="http://schemas.microsoft.com/office/drawing/2010/main" xmlns="">
                   <a:noFill/>
                 </a14:hiddenFill>
               </a:ext>
@@ -25845,7 +25845,7 @@
             </a:ln>
             <a:extLst>
               <a:ext uri="{909E8E84-426E-40dd-AFC4-6F175D3DCCD1}">
-                <a14:hiddenFill xmlns="" xmlns:a14="http://schemas.microsoft.com/office/drawing/2010/main">
+                <a14:hiddenFill xmlns:a14="http://schemas.microsoft.com/office/drawing/2010/main" xmlns="">
                   <a:noFill/>
                 </a14:hiddenFill>
               </a:ext>
@@ -25896,7 +25896,7 @@
             </a:ln>
             <a:extLst>
               <a:ext uri="{909E8E84-426E-40dd-AFC4-6F175D3DCCD1}">
-                <a14:hiddenFill xmlns="" xmlns:a14="http://schemas.microsoft.com/office/drawing/2010/main">
+                <a14:hiddenFill xmlns:a14="http://schemas.microsoft.com/office/drawing/2010/main" xmlns="">
                   <a:noFill/>
                 </a14:hiddenFill>
               </a:ext>
@@ -25947,7 +25947,7 @@
             </a:ln>
             <a:extLst>
               <a:ext uri="{909E8E84-426E-40dd-AFC4-6F175D3DCCD1}">
-                <a14:hiddenFill xmlns="" xmlns:a14="http://schemas.microsoft.com/office/drawing/2010/main">
+                <a14:hiddenFill xmlns:a14="http://schemas.microsoft.com/office/drawing/2010/main" xmlns="">
                   <a:noFill/>
                 </a14:hiddenFill>
               </a:ext>
@@ -25998,7 +25998,7 @@
             </a:ln>
             <a:extLst>
               <a:ext uri="{909E8E84-426E-40dd-AFC4-6F175D3DCCD1}">
-                <a14:hiddenFill xmlns="" xmlns:a14="http://schemas.microsoft.com/office/drawing/2010/main">
+                <a14:hiddenFill xmlns:a14="http://schemas.microsoft.com/office/drawing/2010/main" xmlns="">
                   <a:noFill/>
                 </a14:hiddenFill>
               </a:ext>
@@ -26049,7 +26049,7 @@
             </a:ln>
             <a:extLst>
               <a:ext uri="{909E8E84-426E-40dd-AFC4-6F175D3DCCD1}">
-                <a14:hiddenFill xmlns="" xmlns:a14="http://schemas.microsoft.com/office/drawing/2010/main">
+                <a14:hiddenFill xmlns:a14="http://schemas.microsoft.com/office/drawing/2010/main" xmlns="">
                   <a:noFill/>
                 </a14:hiddenFill>
               </a:ext>
@@ -26100,7 +26100,7 @@
             </a:ln>
             <a:extLst>
               <a:ext uri="{909E8E84-426E-40dd-AFC4-6F175D3DCCD1}">
-                <a14:hiddenFill xmlns="" xmlns:a14="http://schemas.microsoft.com/office/drawing/2010/main">
+                <a14:hiddenFill xmlns:a14="http://schemas.microsoft.com/office/drawing/2010/main" xmlns="">
                   <a:noFill/>
                 </a14:hiddenFill>
               </a:ext>
@@ -26151,7 +26151,7 @@
             </a:ln>
             <a:extLst>
               <a:ext uri="{909E8E84-426E-40dd-AFC4-6F175D3DCCD1}">
-                <a14:hiddenFill xmlns="" xmlns:a14="http://schemas.microsoft.com/office/drawing/2010/main">
+                <a14:hiddenFill xmlns:a14="http://schemas.microsoft.com/office/drawing/2010/main" xmlns="">
                   <a:noFill/>
                 </a14:hiddenFill>
               </a:ext>
@@ -26202,7 +26202,7 @@
             </a:ln>
             <a:extLst>
               <a:ext uri="{909E8E84-426E-40dd-AFC4-6F175D3DCCD1}">
-                <a14:hiddenFill xmlns="" xmlns:a14="http://schemas.microsoft.com/office/drawing/2010/main">
+                <a14:hiddenFill xmlns:a14="http://schemas.microsoft.com/office/drawing/2010/main" xmlns="">
                   <a:noFill/>
                 </a14:hiddenFill>
               </a:ext>
@@ -26253,7 +26253,7 @@
             </a:ln>
             <a:extLst>
               <a:ext uri="{909E8E84-426E-40dd-AFC4-6F175D3DCCD1}">
-                <a14:hiddenFill xmlns="" xmlns:a14="http://schemas.microsoft.com/office/drawing/2010/main">
+                <a14:hiddenFill xmlns:a14="http://schemas.microsoft.com/office/drawing/2010/main" xmlns="">
                   <a:noFill/>
                 </a14:hiddenFill>
               </a:ext>
@@ -26304,7 +26304,7 @@
             </a:ln>
             <a:extLst>
               <a:ext uri="{909E8E84-426E-40dd-AFC4-6F175D3DCCD1}">
-                <a14:hiddenFill xmlns="" xmlns:a14="http://schemas.microsoft.com/office/drawing/2010/main">
+                <a14:hiddenFill xmlns:a14="http://schemas.microsoft.com/office/drawing/2010/main" xmlns="">
                   <a:noFill/>
                 </a14:hiddenFill>
               </a:ext>
@@ -27122,7 +27122,7 @@
             </a:ln>
             <a:extLst>
               <a:ext uri="{909E8E84-426E-40dd-AFC4-6F175D3DCCD1}">
-                <a14:hiddenFill xmlns="" xmlns:a14="http://schemas.microsoft.com/office/drawing/2010/main">
+                <a14:hiddenFill xmlns:a14="http://schemas.microsoft.com/office/drawing/2010/main" xmlns="">
                   <a:solidFill>
                     <a:srgbClr val="FFFFFF"/>
                   </a:solidFill>
@@ -27175,7 +27175,7 @@
             </a:ln>
             <a:extLst>
               <a:ext uri="{909E8E84-426E-40dd-AFC4-6F175D3DCCD1}">
-                <a14:hiddenFill xmlns="" xmlns:a14="http://schemas.microsoft.com/office/drawing/2010/main">
+                <a14:hiddenFill xmlns:a14="http://schemas.microsoft.com/office/drawing/2010/main" xmlns="">
                   <a:noFill/>
                 </a14:hiddenFill>
               </a:ext>
@@ -27226,7 +27226,7 @@
             </a:ln>
             <a:extLst>
               <a:ext uri="{909E8E84-426E-40dd-AFC4-6F175D3DCCD1}">
-                <a14:hiddenFill xmlns="" xmlns:a14="http://schemas.microsoft.com/office/drawing/2010/main">
+                <a14:hiddenFill xmlns:a14="http://schemas.microsoft.com/office/drawing/2010/main" xmlns="">
                   <a:noFill/>
                 </a14:hiddenFill>
               </a:ext>
@@ -27277,7 +27277,7 @@
             </a:ln>
             <a:extLst>
               <a:ext uri="{909E8E84-426E-40dd-AFC4-6F175D3DCCD1}">
-                <a14:hiddenFill xmlns="" xmlns:a14="http://schemas.microsoft.com/office/drawing/2010/main">
+                <a14:hiddenFill xmlns:a14="http://schemas.microsoft.com/office/drawing/2010/main" xmlns="">
                   <a:noFill/>
                 </a14:hiddenFill>
               </a:ext>
@@ -27328,7 +27328,7 @@
             </a:ln>
             <a:extLst>
               <a:ext uri="{909E8E84-426E-40dd-AFC4-6F175D3DCCD1}">
-                <a14:hiddenFill xmlns="" xmlns:a14="http://schemas.microsoft.com/office/drawing/2010/main">
+                <a14:hiddenFill xmlns:a14="http://schemas.microsoft.com/office/drawing/2010/main" xmlns="">
                   <a:noFill/>
                 </a14:hiddenFill>
               </a:ext>
@@ -27379,7 +27379,7 @@
             </a:ln>
             <a:extLst>
               <a:ext uri="{909E8E84-426E-40dd-AFC4-6F175D3DCCD1}">
-                <a14:hiddenFill xmlns="" xmlns:a14="http://schemas.microsoft.com/office/drawing/2010/main">
+                <a14:hiddenFill xmlns:a14="http://schemas.microsoft.com/office/drawing/2010/main" xmlns="">
                   <a:noFill/>
                 </a14:hiddenFill>
               </a:ext>
@@ -27430,7 +27430,7 @@
             </a:ln>
             <a:extLst>
               <a:ext uri="{909E8E84-426E-40dd-AFC4-6F175D3DCCD1}">
-                <a14:hiddenFill xmlns="" xmlns:a14="http://schemas.microsoft.com/office/drawing/2010/main">
+                <a14:hiddenFill xmlns:a14="http://schemas.microsoft.com/office/drawing/2010/main" xmlns="">
                   <a:noFill/>
                 </a14:hiddenFill>
               </a:ext>
@@ -27481,7 +27481,7 @@
             </a:ln>
             <a:extLst>
               <a:ext uri="{909E8E84-426E-40dd-AFC4-6F175D3DCCD1}">
-                <a14:hiddenFill xmlns="" xmlns:a14="http://schemas.microsoft.com/office/drawing/2010/main">
+                <a14:hiddenFill xmlns:a14="http://schemas.microsoft.com/office/drawing/2010/main" xmlns="">
                   <a:noFill/>
                 </a14:hiddenFill>
               </a:ext>
@@ -27532,7 +27532,7 @@
             </a:ln>
             <a:extLst>
               <a:ext uri="{909E8E84-426E-40dd-AFC4-6F175D3DCCD1}">
-                <a14:hiddenFill xmlns="" xmlns:a14="http://schemas.microsoft.com/office/drawing/2010/main">
+                <a14:hiddenFill xmlns:a14="http://schemas.microsoft.com/office/drawing/2010/main" xmlns="">
                   <a:noFill/>
                 </a14:hiddenFill>
               </a:ext>
@@ -27583,7 +27583,7 @@
             </a:ln>
             <a:extLst>
               <a:ext uri="{909E8E84-426E-40dd-AFC4-6F175D3DCCD1}">
-                <a14:hiddenFill xmlns="" xmlns:a14="http://schemas.microsoft.com/office/drawing/2010/main">
+                <a14:hiddenFill xmlns:a14="http://schemas.microsoft.com/office/drawing/2010/main" xmlns="">
                   <a:noFill/>
                 </a14:hiddenFill>
               </a:ext>
@@ -27634,7 +27634,7 @@
             </a:ln>
             <a:extLst>
               <a:ext uri="{909E8E84-426E-40dd-AFC4-6F175D3DCCD1}">
-                <a14:hiddenFill xmlns="" xmlns:a14="http://schemas.microsoft.com/office/drawing/2010/main">
+                <a14:hiddenFill xmlns:a14="http://schemas.microsoft.com/office/drawing/2010/main" xmlns="">
                   <a:noFill/>
                 </a14:hiddenFill>
               </a:ext>
@@ -27685,7 +27685,7 @@
             </a:ln>
             <a:extLst>
               <a:ext uri="{909E8E84-426E-40dd-AFC4-6F175D3DCCD1}">
-                <a14:hiddenFill xmlns="" xmlns:a14="http://schemas.microsoft.com/office/drawing/2010/main">
+                <a14:hiddenFill xmlns:a14="http://schemas.microsoft.com/office/drawing/2010/main" xmlns="">
                   <a:noFill/>
                 </a14:hiddenFill>
               </a:ext>
@@ -27736,7 +27736,7 @@
             </a:ln>
             <a:extLst>
               <a:ext uri="{909E8E84-426E-40dd-AFC4-6F175D3DCCD1}">
-                <a14:hiddenFill xmlns="" xmlns:a14="http://schemas.microsoft.com/office/drawing/2010/main">
+                <a14:hiddenFill xmlns:a14="http://schemas.microsoft.com/office/drawing/2010/main" xmlns="">
                   <a:noFill/>
                 </a14:hiddenFill>
               </a:ext>
@@ -27787,7 +27787,7 @@
             </a:ln>
             <a:extLst>
               <a:ext uri="{909E8E84-426E-40dd-AFC4-6F175D3DCCD1}">
-                <a14:hiddenFill xmlns="" xmlns:a14="http://schemas.microsoft.com/office/drawing/2010/main">
+                <a14:hiddenFill xmlns:a14="http://schemas.microsoft.com/office/drawing/2010/main" xmlns="">
                   <a:noFill/>
                 </a14:hiddenFill>
               </a:ext>
@@ -27838,7 +27838,7 @@
             </a:ln>
             <a:extLst>
               <a:ext uri="{909E8E84-426E-40dd-AFC4-6F175D3DCCD1}">
-                <a14:hiddenFill xmlns="" xmlns:a14="http://schemas.microsoft.com/office/drawing/2010/main">
+                <a14:hiddenFill xmlns:a14="http://schemas.microsoft.com/office/drawing/2010/main" xmlns="">
                   <a:noFill/>
                 </a14:hiddenFill>
               </a:ext>
@@ -27889,7 +27889,7 @@
             </a:ln>
             <a:extLst>
               <a:ext uri="{909E8E84-426E-40dd-AFC4-6F175D3DCCD1}">
-                <a14:hiddenFill xmlns="" xmlns:a14="http://schemas.microsoft.com/office/drawing/2010/main">
+                <a14:hiddenFill xmlns:a14="http://schemas.microsoft.com/office/drawing/2010/main" xmlns="">
                   <a:noFill/>
                 </a14:hiddenFill>
               </a:ext>
@@ -27940,7 +27940,7 @@
             </a:ln>
             <a:extLst>
               <a:ext uri="{909E8E84-426E-40dd-AFC4-6F175D3DCCD1}">
-                <a14:hiddenFill xmlns="" xmlns:a14="http://schemas.microsoft.com/office/drawing/2010/main">
+                <a14:hiddenFill xmlns:a14="http://schemas.microsoft.com/office/drawing/2010/main" xmlns="">
                   <a:noFill/>
                 </a14:hiddenFill>
               </a:ext>
@@ -27991,7 +27991,7 @@
             </a:ln>
             <a:extLst>
               <a:ext uri="{909E8E84-426E-40dd-AFC4-6F175D3DCCD1}">
-                <a14:hiddenFill xmlns="" xmlns:a14="http://schemas.microsoft.com/office/drawing/2010/main">
+                <a14:hiddenFill xmlns:a14="http://schemas.microsoft.com/office/drawing/2010/main" xmlns="">
                   <a:noFill/>
                 </a14:hiddenFill>
               </a:ext>
@@ -28042,7 +28042,7 @@
             </a:ln>
             <a:extLst>
               <a:ext uri="{909E8E84-426E-40dd-AFC4-6F175D3DCCD1}">
-                <a14:hiddenFill xmlns="" xmlns:a14="http://schemas.microsoft.com/office/drawing/2010/main">
+                <a14:hiddenFill xmlns:a14="http://schemas.microsoft.com/office/drawing/2010/main" xmlns="">
                   <a:noFill/>
                 </a14:hiddenFill>
               </a:ext>
@@ -28093,7 +28093,7 @@
             </a:ln>
             <a:extLst>
               <a:ext uri="{909E8E84-426E-40dd-AFC4-6F175D3DCCD1}">
-                <a14:hiddenFill xmlns="" xmlns:a14="http://schemas.microsoft.com/office/drawing/2010/main">
+                <a14:hiddenFill xmlns:a14="http://schemas.microsoft.com/office/drawing/2010/main" xmlns="">
                   <a:noFill/>
                 </a14:hiddenFill>
               </a:ext>
@@ -28144,7 +28144,7 @@
             </a:ln>
             <a:extLst>
               <a:ext uri="{909E8E84-426E-40dd-AFC4-6F175D3DCCD1}">
-                <a14:hiddenFill xmlns="" xmlns:a14="http://schemas.microsoft.com/office/drawing/2010/main">
+                <a14:hiddenFill xmlns:a14="http://schemas.microsoft.com/office/drawing/2010/main" xmlns="">
                   <a:noFill/>
                 </a14:hiddenFill>
               </a:ext>
@@ -28195,7 +28195,7 @@
             </a:ln>
             <a:extLst>
               <a:ext uri="{909E8E84-426E-40dd-AFC4-6F175D3DCCD1}">
-                <a14:hiddenFill xmlns="" xmlns:a14="http://schemas.microsoft.com/office/drawing/2010/main">
+                <a14:hiddenFill xmlns:a14="http://schemas.microsoft.com/office/drawing/2010/main" xmlns="">
                   <a:noFill/>
                 </a14:hiddenFill>
               </a:ext>
@@ -28246,7 +28246,7 @@
             </a:ln>
             <a:extLst>
               <a:ext uri="{909E8E84-426E-40dd-AFC4-6F175D3DCCD1}">
-                <a14:hiddenFill xmlns="" xmlns:a14="http://schemas.microsoft.com/office/drawing/2010/main">
+                <a14:hiddenFill xmlns:a14="http://schemas.microsoft.com/office/drawing/2010/main" xmlns="">
                   <a:noFill/>
                 </a14:hiddenFill>
               </a:ext>
@@ -28297,7 +28297,7 @@
             </a:ln>
             <a:extLst>
               <a:ext uri="{909E8E84-426E-40dd-AFC4-6F175D3DCCD1}">
-                <a14:hiddenFill xmlns="" xmlns:a14="http://schemas.microsoft.com/office/drawing/2010/main">
+                <a14:hiddenFill xmlns:a14="http://schemas.microsoft.com/office/drawing/2010/main" xmlns="">
                   <a:noFill/>
                 </a14:hiddenFill>
               </a:ext>
@@ -28348,7 +28348,7 @@
             </a:ln>
             <a:extLst>
               <a:ext uri="{909E8E84-426E-40dd-AFC4-6F175D3DCCD1}">
-                <a14:hiddenFill xmlns="" xmlns:a14="http://schemas.microsoft.com/office/drawing/2010/main">
+                <a14:hiddenFill xmlns:a14="http://schemas.microsoft.com/office/drawing/2010/main" xmlns="">
                   <a:noFill/>
                 </a14:hiddenFill>
               </a:ext>
@@ -28399,7 +28399,7 @@
             </a:ln>
             <a:extLst>
               <a:ext uri="{909E8E84-426E-40dd-AFC4-6F175D3DCCD1}">
-                <a14:hiddenFill xmlns="" xmlns:a14="http://schemas.microsoft.com/office/drawing/2010/main">
+                <a14:hiddenFill xmlns:a14="http://schemas.microsoft.com/office/drawing/2010/main" xmlns="">
                   <a:noFill/>
                 </a14:hiddenFill>
               </a:ext>
@@ -28450,7 +28450,7 @@
             </a:ln>
             <a:extLst>
               <a:ext uri="{909E8E84-426E-40dd-AFC4-6F175D3DCCD1}">
-                <a14:hiddenFill xmlns="" xmlns:a14="http://schemas.microsoft.com/office/drawing/2010/main">
+                <a14:hiddenFill xmlns:a14="http://schemas.microsoft.com/office/drawing/2010/main" xmlns="">
                   <a:noFill/>
                 </a14:hiddenFill>
               </a:ext>
@@ -28501,7 +28501,7 @@
             </a:ln>
             <a:extLst>
               <a:ext uri="{909E8E84-426E-40dd-AFC4-6F175D3DCCD1}">
-                <a14:hiddenFill xmlns="" xmlns:a14="http://schemas.microsoft.com/office/drawing/2010/main">
+                <a14:hiddenFill xmlns:a14="http://schemas.microsoft.com/office/drawing/2010/main" xmlns="">
                   <a:noFill/>
                 </a14:hiddenFill>
               </a:ext>
@@ -28552,7 +28552,7 @@
             </a:ln>
             <a:extLst>
               <a:ext uri="{909E8E84-426E-40dd-AFC4-6F175D3DCCD1}">
-                <a14:hiddenFill xmlns="" xmlns:a14="http://schemas.microsoft.com/office/drawing/2010/main">
+                <a14:hiddenFill xmlns:a14="http://schemas.microsoft.com/office/drawing/2010/main" xmlns="">
                   <a:noFill/>
                 </a14:hiddenFill>
               </a:ext>
@@ -28603,7 +28603,7 @@
             </a:ln>
             <a:extLst>
               <a:ext uri="{909E8E84-426E-40dd-AFC4-6F175D3DCCD1}">
-                <a14:hiddenFill xmlns="" xmlns:a14="http://schemas.microsoft.com/office/drawing/2010/main">
+                <a14:hiddenFill xmlns:a14="http://schemas.microsoft.com/office/drawing/2010/main" xmlns="">
                   <a:noFill/>
                 </a14:hiddenFill>
               </a:ext>
@@ -28654,7 +28654,7 @@
             </a:ln>
             <a:extLst>
               <a:ext uri="{909E8E84-426E-40dd-AFC4-6F175D3DCCD1}">
-                <a14:hiddenFill xmlns="" xmlns:a14="http://schemas.microsoft.com/office/drawing/2010/main">
+                <a14:hiddenFill xmlns:a14="http://schemas.microsoft.com/office/drawing/2010/main" xmlns="">
                   <a:noFill/>
                 </a14:hiddenFill>
               </a:ext>
@@ -28705,7 +28705,7 @@
             </a:ln>
             <a:extLst>
               <a:ext uri="{909E8E84-426E-40dd-AFC4-6F175D3DCCD1}">
-                <a14:hiddenFill xmlns="" xmlns:a14="http://schemas.microsoft.com/office/drawing/2010/main">
+                <a14:hiddenFill xmlns:a14="http://schemas.microsoft.com/office/drawing/2010/main" xmlns="">
                   <a:noFill/>
                 </a14:hiddenFill>
               </a:ext>
@@ -28756,7 +28756,7 @@
             </a:ln>
             <a:extLst>
               <a:ext uri="{909E8E84-426E-40dd-AFC4-6F175D3DCCD1}">
-                <a14:hiddenFill xmlns="" xmlns:a14="http://schemas.microsoft.com/office/drawing/2010/main">
+                <a14:hiddenFill xmlns:a14="http://schemas.microsoft.com/office/drawing/2010/main" xmlns="">
                   <a:noFill/>
                 </a14:hiddenFill>
               </a:ext>
@@ -28807,7 +28807,7 @@
             </a:ln>
             <a:extLst>
               <a:ext uri="{909E8E84-426E-40dd-AFC4-6F175D3DCCD1}">
-                <a14:hiddenFill xmlns="" xmlns:a14="http://schemas.microsoft.com/office/drawing/2010/main">
+                <a14:hiddenFill xmlns:a14="http://schemas.microsoft.com/office/drawing/2010/main" xmlns="">
                   <a:noFill/>
                 </a14:hiddenFill>
               </a:ext>
@@ -28858,7 +28858,7 @@
             </a:ln>
             <a:extLst>
               <a:ext uri="{909E8E84-426E-40dd-AFC4-6F175D3DCCD1}">
-                <a14:hiddenFill xmlns="" xmlns:a14="http://schemas.microsoft.com/office/drawing/2010/main">
+                <a14:hiddenFill xmlns:a14="http://schemas.microsoft.com/office/drawing/2010/main" xmlns="">
                   <a:noFill/>
                 </a14:hiddenFill>
               </a:ext>
@@ -28909,7 +28909,7 @@
             </a:ln>
             <a:extLst>
               <a:ext uri="{909E8E84-426E-40dd-AFC4-6F175D3DCCD1}">
-                <a14:hiddenFill xmlns="" xmlns:a14="http://schemas.microsoft.com/office/drawing/2010/main">
+                <a14:hiddenFill xmlns:a14="http://schemas.microsoft.com/office/drawing/2010/main" xmlns="">
                   <a:noFill/>
                 </a14:hiddenFill>
               </a:ext>
@@ -28960,7 +28960,7 @@
             </a:ln>
             <a:extLst>
               <a:ext uri="{909E8E84-426E-40dd-AFC4-6F175D3DCCD1}">
-                <a14:hiddenFill xmlns="" xmlns:a14="http://schemas.microsoft.com/office/drawing/2010/main">
+                <a14:hiddenFill xmlns:a14="http://schemas.microsoft.com/office/drawing/2010/main" xmlns="">
                   <a:noFill/>
                 </a14:hiddenFill>
               </a:ext>
@@ -29011,7 +29011,7 @@
             </a:ln>
             <a:extLst>
               <a:ext uri="{909E8E84-426E-40dd-AFC4-6F175D3DCCD1}">
-                <a14:hiddenFill xmlns="" xmlns:a14="http://schemas.microsoft.com/office/drawing/2010/main">
+                <a14:hiddenFill xmlns:a14="http://schemas.microsoft.com/office/drawing/2010/main" xmlns="">
                   <a:noFill/>
                 </a14:hiddenFill>
               </a:ext>
@@ -29062,7 +29062,7 @@
             </a:ln>
             <a:extLst>
               <a:ext uri="{909E8E84-426E-40dd-AFC4-6F175D3DCCD1}">
-                <a14:hiddenFill xmlns="" xmlns:a14="http://schemas.microsoft.com/office/drawing/2010/main">
+                <a14:hiddenFill xmlns:a14="http://schemas.microsoft.com/office/drawing/2010/main" xmlns="">
                   <a:noFill/>
                 </a14:hiddenFill>
               </a:ext>
@@ -29113,7 +29113,7 @@
             </a:ln>
             <a:extLst>
               <a:ext uri="{909E8E84-426E-40dd-AFC4-6F175D3DCCD1}">
-                <a14:hiddenFill xmlns="" xmlns:a14="http://schemas.microsoft.com/office/drawing/2010/main">
+                <a14:hiddenFill xmlns:a14="http://schemas.microsoft.com/office/drawing/2010/main" xmlns="">
                   <a:noFill/>
                 </a14:hiddenFill>
               </a:ext>
@@ -29164,7 +29164,7 @@
             </a:ln>
             <a:extLst>
               <a:ext uri="{909E8E84-426E-40dd-AFC4-6F175D3DCCD1}">
-                <a14:hiddenFill xmlns="" xmlns:a14="http://schemas.microsoft.com/office/drawing/2010/main">
+                <a14:hiddenFill xmlns:a14="http://schemas.microsoft.com/office/drawing/2010/main" xmlns="">
                   <a:noFill/>
                 </a14:hiddenFill>
               </a:ext>
@@ -29215,7 +29215,7 @@
             </a:ln>
             <a:extLst>
               <a:ext uri="{909E8E84-426E-40dd-AFC4-6F175D3DCCD1}">
-                <a14:hiddenFill xmlns="" xmlns:a14="http://schemas.microsoft.com/office/drawing/2010/main">
+                <a14:hiddenFill xmlns:a14="http://schemas.microsoft.com/office/drawing/2010/main" xmlns="">
                   <a:noFill/>
                 </a14:hiddenFill>
               </a:ext>
@@ -29266,7 +29266,7 @@
             </a:ln>
             <a:extLst>
               <a:ext uri="{909E8E84-426E-40dd-AFC4-6F175D3DCCD1}">
-                <a14:hiddenFill xmlns="" xmlns:a14="http://schemas.microsoft.com/office/drawing/2010/main">
+                <a14:hiddenFill xmlns:a14="http://schemas.microsoft.com/office/drawing/2010/main" xmlns="">
                   <a:noFill/>
                 </a14:hiddenFill>
               </a:ext>
@@ -29317,7 +29317,7 @@
             </a:ln>
             <a:extLst>
               <a:ext uri="{909E8E84-426E-40dd-AFC4-6F175D3DCCD1}">
-                <a14:hiddenFill xmlns="" xmlns:a14="http://schemas.microsoft.com/office/drawing/2010/main">
+                <a14:hiddenFill xmlns:a14="http://schemas.microsoft.com/office/drawing/2010/main" xmlns="">
                   <a:noFill/>
                 </a14:hiddenFill>
               </a:ext>
@@ -29368,7 +29368,7 @@
             </a:ln>
             <a:extLst>
               <a:ext uri="{909E8E84-426E-40dd-AFC4-6F175D3DCCD1}">
-                <a14:hiddenFill xmlns="" xmlns:a14="http://schemas.microsoft.com/office/drawing/2010/main">
+                <a14:hiddenFill xmlns:a14="http://schemas.microsoft.com/office/drawing/2010/main" xmlns="">
                   <a:noFill/>
                 </a14:hiddenFill>
               </a:ext>
@@ -29419,7 +29419,7 @@
             </a:ln>
             <a:extLst>
               <a:ext uri="{909E8E84-426E-40dd-AFC4-6F175D3DCCD1}">
-                <a14:hiddenFill xmlns="" xmlns:a14="http://schemas.microsoft.com/office/drawing/2010/main">
+                <a14:hiddenFill xmlns:a14="http://schemas.microsoft.com/office/drawing/2010/main" xmlns="">
                   <a:noFill/>
                 </a14:hiddenFill>
               </a:ext>
@@ -29470,7 +29470,7 @@
             </a:ln>
             <a:extLst>
               <a:ext uri="{909E8E84-426E-40dd-AFC4-6F175D3DCCD1}">
-                <a14:hiddenFill xmlns="" xmlns:a14="http://schemas.microsoft.com/office/drawing/2010/main">
+                <a14:hiddenFill xmlns:a14="http://schemas.microsoft.com/office/drawing/2010/main" xmlns="">
                   <a:noFill/>
                 </a14:hiddenFill>
               </a:ext>
@@ -29521,7 +29521,7 @@
             </a:ln>
             <a:extLst>
               <a:ext uri="{909E8E84-426E-40dd-AFC4-6F175D3DCCD1}">
-                <a14:hiddenFill xmlns="" xmlns:a14="http://schemas.microsoft.com/office/drawing/2010/main">
+                <a14:hiddenFill xmlns:a14="http://schemas.microsoft.com/office/drawing/2010/main" xmlns="">
                   <a:noFill/>
                 </a14:hiddenFill>
               </a:ext>
@@ -29572,7 +29572,7 @@
             </a:ln>
             <a:extLst>
               <a:ext uri="{909E8E84-426E-40dd-AFC4-6F175D3DCCD1}">
-                <a14:hiddenFill xmlns="" xmlns:a14="http://schemas.microsoft.com/office/drawing/2010/main">
+                <a14:hiddenFill xmlns:a14="http://schemas.microsoft.com/office/drawing/2010/main" xmlns="">
                   <a:noFill/>
                 </a14:hiddenFill>
               </a:ext>
@@ -29623,7 +29623,7 @@
             </a:ln>
             <a:extLst>
               <a:ext uri="{909E8E84-426E-40dd-AFC4-6F175D3DCCD1}">
-                <a14:hiddenFill xmlns="" xmlns:a14="http://schemas.microsoft.com/office/drawing/2010/main">
+                <a14:hiddenFill xmlns:a14="http://schemas.microsoft.com/office/drawing/2010/main" xmlns="">
                   <a:noFill/>
                 </a14:hiddenFill>
               </a:ext>
@@ -29674,7 +29674,7 @@
             </a:ln>
             <a:extLst>
               <a:ext uri="{909E8E84-426E-40dd-AFC4-6F175D3DCCD1}">
-                <a14:hiddenFill xmlns="" xmlns:a14="http://schemas.microsoft.com/office/drawing/2010/main">
+                <a14:hiddenFill xmlns:a14="http://schemas.microsoft.com/office/drawing/2010/main" xmlns="">
                   <a:noFill/>
                 </a14:hiddenFill>
               </a:ext>
@@ -29725,7 +29725,7 @@
             </a:ln>
             <a:extLst>
               <a:ext uri="{909E8E84-426E-40dd-AFC4-6F175D3DCCD1}">
-                <a14:hiddenFill xmlns="" xmlns:a14="http://schemas.microsoft.com/office/drawing/2010/main">
+                <a14:hiddenFill xmlns:a14="http://schemas.microsoft.com/office/drawing/2010/main" xmlns="">
                   <a:noFill/>
                 </a14:hiddenFill>
               </a:ext>
@@ -29776,7 +29776,7 @@
             </a:ln>
             <a:extLst>
               <a:ext uri="{909E8E84-426E-40dd-AFC4-6F175D3DCCD1}">
-                <a14:hiddenFill xmlns="" xmlns:a14="http://schemas.microsoft.com/office/drawing/2010/main">
+                <a14:hiddenFill xmlns:a14="http://schemas.microsoft.com/office/drawing/2010/main" xmlns="">
                   <a:noFill/>
                 </a14:hiddenFill>
               </a:ext>
@@ -29827,7 +29827,7 @@
             </a:ln>
             <a:extLst>
               <a:ext uri="{909E8E84-426E-40dd-AFC4-6F175D3DCCD1}">
-                <a14:hiddenFill xmlns="" xmlns:a14="http://schemas.microsoft.com/office/drawing/2010/main">
+                <a14:hiddenFill xmlns:a14="http://schemas.microsoft.com/office/drawing/2010/main" xmlns="">
                   <a:noFill/>
                 </a14:hiddenFill>
               </a:ext>
@@ -29878,7 +29878,7 @@
             </a:ln>
             <a:extLst>
               <a:ext uri="{909E8E84-426E-40dd-AFC4-6F175D3DCCD1}">
-                <a14:hiddenFill xmlns="" xmlns:a14="http://schemas.microsoft.com/office/drawing/2010/main">
+                <a14:hiddenFill xmlns:a14="http://schemas.microsoft.com/office/drawing/2010/main" xmlns="">
                   <a:noFill/>
                 </a14:hiddenFill>
               </a:ext>
@@ -29929,7 +29929,7 @@
             </a:ln>
             <a:extLst>
               <a:ext uri="{909E8E84-426E-40dd-AFC4-6F175D3DCCD1}">
-                <a14:hiddenFill xmlns="" xmlns:a14="http://schemas.microsoft.com/office/drawing/2010/main">
+                <a14:hiddenFill xmlns:a14="http://schemas.microsoft.com/office/drawing/2010/main" xmlns="">
                   <a:noFill/>
                 </a14:hiddenFill>
               </a:ext>
@@ -29980,7 +29980,7 @@
             </a:ln>
             <a:extLst>
               <a:ext uri="{909E8E84-426E-40dd-AFC4-6F175D3DCCD1}">
-                <a14:hiddenFill xmlns="" xmlns:a14="http://schemas.microsoft.com/office/drawing/2010/main">
+                <a14:hiddenFill xmlns:a14="http://schemas.microsoft.com/office/drawing/2010/main" xmlns="">
                   <a:noFill/>
                 </a14:hiddenFill>
               </a:ext>
@@ -30031,7 +30031,7 @@
             </a:ln>
             <a:extLst>
               <a:ext uri="{909E8E84-426E-40dd-AFC4-6F175D3DCCD1}">
-                <a14:hiddenFill xmlns="" xmlns:a14="http://schemas.microsoft.com/office/drawing/2010/main">
+                <a14:hiddenFill xmlns:a14="http://schemas.microsoft.com/office/drawing/2010/main" xmlns="">
                   <a:noFill/>
                 </a14:hiddenFill>
               </a:ext>
@@ -30082,7 +30082,7 @@
             </a:ln>
             <a:extLst>
               <a:ext uri="{909E8E84-426E-40dd-AFC4-6F175D3DCCD1}">
-                <a14:hiddenFill xmlns="" xmlns:a14="http://schemas.microsoft.com/office/drawing/2010/main">
+                <a14:hiddenFill xmlns:a14="http://schemas.microsoft.com/office/drawing/2010/main" xmlns="">
                   <a:noFill/>
                 </a14:hiddenFill>
               </a:ext>
@@ -30133,7 +30133,7 @@
             </a:ln>
             <a:extLst>
               <a:ext uri="{909E8E84-426E-40dd-AFC4-6F175D3DCCD1}">
-                <a14:hiddenFill xmlns="" xmlns:a14="http://schemas.microsoft.com/office/drawing/2010/main">
+                <a14:hiddenFill xmlns:a14="http://schemas.microsoft.com/office/drawing/2010/main" xmlns="">
                   <a:noFill/>
                 </a14:hiddenFill>
               </a:ext>
@@ -30184,7 +30184,7 @@
             </a:ln>
             <a:extLst>
               <a:ext uri="{909E8E84-426E-40dd-AFC4-6F175D3DCCD1}">
-                <a14:hiddenFill xmlns="" xmlns:a14="http://schemas.microsoft.com/office/drawing/2010/main">
+                <a14:hiddenFill xmlns:a14="http://schemas.microsoft.com/office/drawing/2010/main" xmlns="">
                   <a:noFill/>
                 </a14:hiddenFill>
               </a:ext>
@@ -30235,7 +30235,7 @@
             </a:ln>
             <a:extLst>
               <a:ext uri="{909E8E84-426E-40dd-AFC4-6F175D3DCCD1}">
-                <a14:hiddenFill xmlns="" xmlns:a14="http://schemas.microsoft.com/office/drawing/2010/main">
+                <a14:hiddenFill xmlns:a14="http://schemas.microsoft.com/office/drawing/2010/main" xmlns="">
                   <a:noFill/>
                 </a14:hiddenFill>
               </a:ext>
@@ -30286,7 +30286,7 @@
             </a:ln>
             <a:extLst>
               <a:ext uri="{909E8E84-426E-40dd-AFC4-6F175D3DCCD1}">
-                <a14:hiddenFill xmlns="" xmlns:a14="http://schemas.microsoft.com/office/drawing/2010/main">
+                <a14:hiddenFill xmlns:a14="http://schemas.microsoft.com/office/drawing/2010/main" xmlns="">
                   <a:noFill/>
                 </a14:hiddenFill>
               </a:ext>
@@ -30337,7 +30337,7 @@
             </a:ln>
             <a:extLst>
               <a:ext uri="{909E8E84-426E-40dd-AFC4-6F175D3DCCD1}">
-                <a14:hiddenFill xmlns="" xmlns:a14="http://schemas.microsoft.com/office/drawing/2010/main">
+                <a14:hiddenFill xmlns:a14="http://schemas.microsoft.com/office/drawing/2010/main" xmlns="">
                   <a:noFill/>
                 </a14:hiddenFill>
               </a:ext>
@@ -30388,7 +30388,7 @@
             </a:ln>
             <a:extLst>
               <a:ext uri="{909E8E84-426E-40dd-AFC4-6F175D3DCCD1}">
-                <a14:hiddenFill xmlns="" xmlns:a14="http://schemas.microsoft.com/office/drawing/2010/main">
+                <a14:hiddenFill xmlns:a14="http://schemas.microsoft.com/office/drawing/2010/main" xmlns="">
                   <a:noFill/>
                 </a14:hiddenFill>
               </a:ext>
@@ -30439,7 +30439,7 @@
             </a:ln>
             <a:extLst>
               <a:ext uri="{909E8E84-426E-40dd-AFC4-6F175D3DCCD1}">
-                <a14:hiddenFill xmlns="" xmlns:a14="http://schemas.microsoft.com/office/drawing/2010/main">
+                <a14:hiddenFill xmlns:a14="http://schemas.microsoft.com/office/drawing/2010/main" xmlns="">
                   <a:noFill/>
                 </a14:hiddenFill>
               </a:ext>
@@ -30490,7 +30490,7 @@
             </a:ln>
             <a:extLst>
               <a:ext uri="{909E8E84-426E-40dd-AFC4-6F175D3DCCD1}">
-                <a14:hiddenFill xmlns="" xmlns:a14="http://schemas.microsoft.com/office/drawing/2010/main">
+                <a14:hiddenFill xmlns:a14="http://schemas.microsoft.com/office/drawing/2010/main" xmlns="">
                   <a:noFill/>
                 </a14:hiddenFill>
               </a:ext>
@@ -30541,7 +30541,7 @@
             </a:ln>
             <a:extLst>
               <a:ext uri="{909E8E84-426E-40dd-AFC4-6F175D3DCCD1}">
-                <a14:hiddenFill xmlns="" xmlns:a14="http://schemas.microsoft.com/office/drawing/2010/main">
+                <a14:hiddenFill xmlns:a14="http://schemas.microsoft.com/office/drawing/2010/main" xmlns="">
                   <a:noFill/>
                 </a14:hiddenFill>
               </a:ext>
@@ -30592,7 +30592,7 @@
             </a:ln>
             <a:extLst>
               <a:ext uri="{909E8E84-426E-40dd-AFC4-6F175D3DCCD1}">
-                <a14:hiddenFill xmlns="" xmlns:a14="http://schemas.microsoft.com/office/drawing/2010/main">
+                <a14:hiddenFill xmlns:a14="http://schemas.microsoft.com/office/drawing/2010/main" xmlns="">
                   <a:noFill/>
                 </a14:hiddenFill>
               </a:ext>
@@ -31415,7 +31415,7 @@
             </a:ln>
             <a:extLst>
               <a:ext uri="{909E8E84-426E-40dd-AFC4-6F175D3DCCD1}">
-                <a14:hiddenFill xmlns="" xmlns:a14="http://schemas.microsoft.com/office/drawing/2010/main">
+                <a14:hiddenFill xmlns:a14="http://schemas.microsoft.com/office/drawing/2010/main" xmlns="">
                   <a:solidFill>
                     <a:srgbClr val="FFFFFF"/>
                   </a:solidFill>
@@ -31468,7 +31468,7 @@
             </a:ln>
             <a:extLst>
               <a:ext uri="{909E8E84-426E-40dd-AFC4-6F175D3DCCD1}">
-                <a14:hiddenFill xmlns="" xmlns:a14="http://schemas.microsoft.com/office/drawing/2010/main">
+                <a14:hiddenFill xmlns:a14="http://schemas.microsoft.com/office/drawing/2010/main" xmlns="">
                   <a:noFill/>
                 </a14:hiddenFill>
               </a:ext>
@@ -31519,7 +31519,7 @@
             </a:ln>
             <a:extLst>
               <a:ext uri="{909E8E84-426E-40dd-AFC4-6F175D3DCCD1}">
-                <a14:hiddenFill xmlns="" xmlns:a14="http://schemas.microsoft.com/office/drawing/2010/main">
+                <a14:hiddenFill xmlns:a14="http://schemas.microsoft.com/office/drawing/2010/main" xmlns="">
                   <a:noFill/>
                 </a14:hiddenFill>
               </a:ext>
@@ -31570,7 +31570,7 @@
             </a:ln>
             <a:extLst>
               <a:ext uri="{909E8E84-426E-40dd-AFC4-6F175D3DCCD1}">
-                <a14:hiddenFill xmlns="" xmlns:a14="http://schemas.microsoft.com/office/drawing/2010/main">
+                <a14:hiddenFill xmlns:a14="http://schemas.microsoft.com/office/drawing/2010/main" xmlns="">
                   <a:noFill/>
                 </a14:hiddenFill>
               </a:ext>
@@ -31621,7 +31621,7 @@
             </a:ln>
             <a:extLst>
               <a:ext uri="{909E8E84-426E-40dd-AFC4-6F175D3DCCD1}">
-                <a14:hiddenFill xmlns="" xmlns:a14="http://schemas.microsoft.com/office/drawing/2010/main">
+                <a14:hiddenFill xmlns:a14="http://schemas.microsoft.com/office/drawing/2010/main" xmlns="">
                   <a:noFill/>
                 </a14:hiddenFill>
               </a:ext>
@@ -31672,7 +31672,7 @@
             </a:ln>
             <a:extLst>
               <a:ext uri="{909E8E84-426E-40dd-AFC4-6F175D3DCCD1}">
-                <a14:hiddenFill xmlns="" xmlns:a14="http://schemas.microsoft.com/office/drawing/2010/main">
+                <a14:hiddenFill xmlns:a14="http://schemas.microsoft.com/office/drawing/2010/main" xmlns="">
                   <a:noFill/>
                 </a14:hiddenFill>
               </a:ext>
@@ -31723,7 +31723,7 @@
             </a:ln>
             <a:extLst>
               <a:ext uri="{909E8E84-426E-40dd-AFC4-6F175D3DCCD1}">
-                <a14:hiddenFill xmlns="" xmlns:a14="http://schemas.microsoft.com/office/drawing/2010/main">
+                <a14:hiddenFill xmlns:a14="http://schemas.microsoft.com/office/drawing/2010/main" xmlns="">
                   <a:noFill/>
                 </a14:hiddenFill>
               </a:ext>
@@ -31774,7 +31774,7 @@
             </a:ln>
             <a:extLst>
               <a:ext uri="{909E8E84-426E-40dd-AFC4-6F175D3DCCD1}">
-                <a14:hiddenFill xmlns="" xmlns:a14="http://schemas.microsoft.com/office/drawing/2010/main">
+                <a14:hiddenFill xmlns:a14="http://schemas.microsoft.com/office/drawing/2010/main" xmlns="">
                   <a:noFill/>
                 </a14:hiddenFill>
               </a:ext>
@@ -31825,7 +31825,7 @@
             </a:ln>
             <a:extLst>
               <a:ext uri="{909E8E84-426E-40dd-AFC4-6F175D3DCCD1}">
-                <a14:hiddenFill xmlns="" xmlns:a14="http://schemas.microsoft.com/office/drawing/2010/main">
+                <a14:hiddenFill xmlns:a14="http://schemas.microsoft.com/office/drawing/2010/main" xmlns="">
                   <a:noFill/>
                 </a14:hiddenFill>
               </a:ext>
@@ -31876,7 +31876,7 @@
             </a:ln>
             <a:extLst>
               <a:ext uri="{909E8E84-426E-40dd-AFC4-6F175D3DCCD1}">
-                <a14:hiddenFill xmlns="" xmlns:a14="http://schemas.microsoft.com/office/drawing/2010/main">
+                <a14:hiddenFill xmlns:a14="http://schemas.microsoft.com/office/drawing/2010/main" xmlns="">
                   <a:noFill/>
                 </a14:hiddenFill>
               </a:ext>
@@ -31927,7 +31927,7 @@
             </a:ln>
             <a:extLst>
               <a:ext uri="{909E8E84-426E-40dd-AFC4-6F175D3DCCD1}">
-                <a14:hiddenFill xmlns="" xmlns:a14="http://schemas.microsoft.com/office/drawing/2010/main">
+                <a14:hiddenFill xmlns:a14="http://schemas.microsoft.com/office/drawing/2010/main" xmlns="">
                   <a:noFill/>
                 </a14:hiddenFill>
               </a:ext>
@@ -31978,7 +31978,7 @@
             </a:ln>
             <a:extLst>
               <a:ext uri="{909E8E84-426E-40dd-AFC4-6F175D3DCCD1}">
-                <a14:hiddenFill xmlns="" xmlns:a14="http://schemas.microsoft.com/office/drawing/2010/main">
+                <a14:hiddenFill xmlns:a14="http://schemas.microsoft.com/office/drawing/2010/main" xmlns="">
                   <a:noFill/>
                 </a14:hiddenFill>
               </a:ext>
@@ -32029,7 +32029,7 @@
             </a:ln>
             <a:extLst>
               <a:ext uri="{909E8E84-426E-40dd-AFC4-6F175D3DCCD1}">
-                <a14:hiddenFill xmlns="" xmlns:a14="http://schemas.microsoft.com/office/drawing/2010/main">
+                <a14:hiddenFill xmlns:a14="http://schemas.microsoft.com/office/drawing/2010/main" xmlns="">
                   <a:noFill/>
                 </a14:hiddenFill>
               </a:ext>
@@ -32080,7 +32080,7 @@
             </a:ln>
             <a:extLst>
               <a:ext uri="{909E8E84-426E-40dd-AFC4-6F175D3DCCD1}">
-                <a14:hiddenFill xmlns="" xmlns:a14="http://schemas.microsoft.com/office/drawing/2010/main">
+                <a14:hiddenFill xmlns:a14="http://schemas.microsoft.com/office/drawing/2010/main" xmlns="">
                   <a:noFill/>
                 </a14:hiddenFill>
               </a:ext>
@@ -32131,7 +32131,7 @@
             </a:ln>
             <a:extLst>
               <a:ext uri="{909E8E84-426E-40dd-AFC4-6F175D3DCCD1}">
-                <a14:hiddenFill xmlns="" xmlns:a14="http://schemas.microsoft.com/office/drawing/2010/main">
+                <a14:hiddenFill xmlns:a14="http://schemas.microsoft.com/office/drawing/2010/main" xmlns="">
                   <a:noFill/>
                 </a14:hiddenFill>
               </a:ext>
@@ -32182,7 +32182,7 @@
             </a:ln>
             <a:extLst>
               <a:ext uri="{909E8E84-426E-40dd-AFC4-6F175D3DCCD1}">
-                <a14:hiddenFill xmlns="" xmlns:a14="http://schemas.microsoft.com/office/drawing/2010/main">
+                <a14:hiddenFill xmlns:a14="http://schemas.microsoft.com/office/drawing/2010/main" xmlns="">
                   <a:noFill/>
                 </a14:hiddenFill>
               </a:ext>
@@ -32233,7 +32233,7 @@
             </a:ln>
             <a:extLst>
               <a:ext uri="{909E8E84-426E-40dd-AFC4-6F175D3DCCD1}">
-                <a14:hiddenFill xmlns="" xmlns:a14="http://schemas.microsoft.com/office/drawing/2010/main">
+                <a14:hiddenFill xmlns:a14="http://schemas.microsoft.com/office/drawing/2010/main" xmlns="">
                   <a:noFill/>
                 </a14:hiddenFill>
               </a:ext>
@@ -32284,7 +32284,7 @@
             </a:ln>
             <a:extLst>
               <a:ext uri="{909E8E84-426E-40dd-AFC4-6F175D3DCCD1}">
-                <a14:hiddenFill xmlns="" xmlns:a14="http://schemas.microsoft.com/office/drawing/2010/main">
+                <a14:hiddenFill xmlns:a14="http://schemas.microsoft.com/office/drawing/2010/main" xmlns="">
                   <a:noFill/>
                 </a14:hiddenFill>
               </a:ext>
@@ -32335,7 +32335,7 @@
             </a:ln>
             <a:extLst>
               <a:ext uri="{909E8E84-426E-40dd-AFC4-6F175D3DCCD1}">
-                <a14:hiddenFill xmlns="" xmlns:a14="http://schemas.microsoft.com/office/drawing/2010/main">
+                <a14:hiddenFill xmlns:a14="http://schemas.microsoft.com/office/drawing/2010/main" xmlns="">
                   <a:noFill/>
                 </a14:hiddenFill>
               </a:ext>
@@ -32386,7 +32386,7 @@
             </a:ln>
             <a:extLst>
               <a:ext uri="{909E8E84-426E-40dd-AFC4-6F175D3DCCD1}">
-                <a14:hiddenFill xmlns="" xmlns:a14="http://schemas.microsoft.com/office/drawing/2010/main">
+                <a14:hiddenFill xmlns:a14="http://schemas.microsoft.com/office/drawing/2010/main" xmlns="">
                   <a:noFill/>
                 </a14:hiddenFill>
               </a:ext>
@@ -32437,7 +32437,7 @@
             </a:ln>
             <a:extLst>
               <a:ext uri="{909E8E84-426E-40dd-AFC4-6F175D3DCCD1}">
-                <a14:hiddenFill xmlns="" xmlns:a14="http://schemas.microsoft.com/office/drawing/2010/main">
+                <a14:hiddenFill xmlns:a14="http://schemas.microsoft.com/office/drawing/2010/main" xmlns="">
                   <a:noFill/>
                 </a14:hiddenFill>
               </a:ext>
@@ -32488,7 +32488,7 @@
             </a:ln>
             <a:extLst>
               <a:ext uri="{909E8E84-426E-40dd-AFC4-6F175D3DCCD1}">
-                <a14:hiddenFill xmlns="" xmlns:a14="http://schemas.microsoft.com/office/drawing/2010/main">
+                <a14:hiddenFill xmlns:a14="http://schemas.microsoft.com/office/drawing/2010/main" xmlns="">
                   <a:noFill/>
                 </a14:hiddenFill>
               </a:ext>
@@ -32539,7 +32539,7 @@
             </a:ln>
             <a:extLst>
               <a:ext uri="{909E8E84-426E-40dd-AFC4-6F175D3DCCD1}">
-                <a14:hiddenFill xmlns="" xmlns:a14="http://schemas.microsoft.com/office/drawing/2010/main">
+                <a14:hiddenFill xmlns:a14="http://schemas.microsoft.com/office/drawing/2010/main" xmlns="">
                   <a:noFill/>
                 </a14:hiddenFill>
               </a:ext>
@@ -32590,7 +32590,7 @@
             </a:ln>
             <a:extLst>
               <a:ext uri="{909E8E84-426E-40dd-AFC4-6F175D3DCCD1}">
-                <a14:hiddenFill xmlns="" xmlns:a14="http://schemas.microsoft.com/office/drawing/2010/main">
+                <a14:hiddenFill xmlns:a14="http://schemas.microsoft.com/office/drawing/2010/main" xmlns="">
                   <a:noFill/>
                 </a14:hiddenFill>
               </a:ext>
@@ -32641,7 +32641,7 @@
             </a:ln>
             <a:extLst>
               <a:ext uri="{909E8E84-426E-40dd-AFC4-6F175D3DCCD1}">
-                <a14:hiddenFill xmlns="" xmlns:a14="http://schemas.microsoft.com/office/drawing/2010/main">
+                <a14:hiddenFill xmlns:a14="http://schemas.microsoft.com/office/drawing/2010/main" xmlns="">
                   <a:noFill/>
                 </a14:hiddenFill>
               </a:ext>
@@ -32692,7 +32692,7 @@
             </a:ln>
             <a:extLst>
               <a:ext uri="{909E8E84-426E-40dd-AFC4-6F175D3DCCD1}">
-                <a14:hiddenFill xmlns="" xmlns:a14="http://schemas.microsoft.com/office/drawing/2010/main">
+                <a14:hiddenFill xmlns:a14="http://schemas.microsoft.com/office/drawing/2010/main" xmlns="">
                   <a:noFill/>
                 </a14:hiddenFill>
               </a:ext>
@@ -32743,7 +32743,7 @@
             </a:ln>
             <a:extLst>
               <a:ext uri="{909E8E84-426E-40dd-AFC4-6F175D3DCCD1}">
-                <a14:hiddenFill xmlns="" xmlns:a14="http://schemas.microsoft.com/office/drawing/2010/main">
+                <a14:hiddenFill xmlns:a14="http://schemas.microsoft.com/office/drawing/2010/main" xmlns="">
                   <a:noFill/>
                 </a14:hiddenFill>
               </a:ext>
@@ -32794,7 +32794,7 @@
             </a:ln>
             <a:extLst>
               <a:ext uri="{909E8E84-426E-40dd-AFC4-6F175D3DCCD1}">
-                <a14:hiddenFill xmlns="" xmlns:a14="http://schemas.microsoft.com/office/drawing/2010/main">
+                <a14:hiddenFill xmlns:a14="http://schemas.microsoft.com/office/drawing/2010/main" xmlns="">
                   <a:noFill/>
                 </a14:hiddenFill>
               </a:ext>
@@ -32845,7 +32845,7 @@
             </a:ln>
             <a:extLst>
               <a:ext uri="{909E8E84-426E-40dd-AFC4-6F175D3DCCD1}">
-                <a14:hiddenFill xmlns="" xmlns:a14="http://schemas.microsoft.com/office/drawing/2010/main">
+                <a14:hiddenFill xmlns:a14="http://schemas.microsoft.com/office/drawing/2010/main" xmlns="">
                   <a:noFill/>
                 </a14:hiddenFill>
               </a:ext>
@@ -32896,7 +32896,7 @@
             </a:ln>
             <a:extLst>
               <a:ext uri="{909E8E84-426E-40dd-AFC4-6F175D3DCCD1}">
-                <a14:hiddenFill xmlns="" xmlns:a14="http://schemas.microsoft.com/office/drawing/2010/main">
+                <a14:hiddenFill xmlns:a14="http://schemas.microsoft.com/office/drawing/2010/main" xmlns="">
                   <a:noFill/>
                 </a14:hiddenFill>
               </a:ext>
@@ -32947,7 +32947,7 @@
             </a:ln>
             <a:extLst>
               <a:ext uri="{909E8E84-426E-40dd-AFC4-6F175D3DCCD1}">
-                <a14:hiddenFill xmlns="" xmlns:a14="http://schemas.microsoft.com/office/drawing/2010/main">
+                <a14:hiddenFill xmlns:a14="http://schemas.microsoft.com/office/drawing/2010/main" xmlns="">
                   <a:noFill/>
                 </a14:hiddenFill>
               </a:ext>
@@ -32998,7 +32998,7 @@
             </a:ln>
             <a:extLst>
               <a:ext uri="{909E8E84-426E-40dd-AFC4-6F175D3DCCD1}">
-                <a14:hiddenFill xmlns="" xmlns:a14="http://schemas.microsoft.com/office/drawing/2010/main">
+                <a14:hiddenFill xmlns:a14="http://schemas.microsoft.com/office/drawing/2010/main" xmlns="">
                   <a:noFill/>
                 </a14:hiddenFill>
               </a:ext>
@@ -33049,7 +33049,7 @@
             </a:ln>
             <a:extLst>
               <a:ext uri="{909E8E84-426E-40dd-AFC4-6F175D3DCCD1}">
-                <a14:hiddenFill xmlns="" xmlns:a14="http://schemas.microsoft.com/office/drawing/2010/main">
+                <a14:hiddenFill xmlns:a14="http://schemas.microsoft.com/office/drawing/2010/main" xmlns="">
                   <a:noFill/>
                 </a14:hiddenFill>
               </a:ext>
@@ -33100,7 +33100,7 @@
             </a:ln>
             <a:extLst>
               <a:ext uri="{909E8E84-426E-40dd-AFC4-6F175D3DCCD1}">
-                <a14:hiddenFill xmlns="" xmlns:a14="http://schemas.microsoft.com/office/drawing/2010/main">
+                <a14:hiddenFill xmlns:a14="http://schemas.microsoft.com/office/drawing/2010/main" xmlns="">
                   <a:noFill/>
                 </a14:hiddenFill>
               </a:ext>
@@ -33151,7 +33151,7 @@
             </a:ln>
             <a:extLst>
               <a:ext uri="{909E8E84-426E-40dd-AFC4-6F175D3DCCD1}">
-                <a14:hiddenFill xmlns="" xmlns:a14="http://schemas.microsoft.com/office/drawing/2010/main">
+                <a14:hiddenFill xmlns:a14="http://schemas.microsoft.com/office/drawing/2010/main" xmlns="">
                   <a:noFill/>
                 </a14:hiddenFill>
               </a:ext>
@@ -33202,7 +33202,7 @@
             </a:ln>
             <a:extLst>
               <a:ext uri="{909E8E84-426E-40dd-AFC4-6F175D3DCCD1}">
-                <a14:hiddenFill xmlns="" xmlns:a14="http://schemas.microsoft.com/office/drawing/2010/main">
+                <a14:hiddenFill xmlns:a14="http://schemas.microsoft.com/office/drawing/2010/main" xmlns="">
                   <a:noFill/>
                 </a14:hiddenFill>
               </a:ext>
@@ -33253,7 +33253,7 @@
             </a:ln>
             <a:extLst>
               <a:ext uri="{909E8E84-426E-40dd-AFC4-6F175D3DCCD1}">
-                <a14:hiddenFill xmlns="" xmlns:a14="http://schemas.microsoft.com/office/drawing/2010/main">
+                <a14:hiddenFill xmlns:a14="http://schemas.microsoft.com/office/drawing/2010/main" xmlns="">
                   <a:noFill/>
                 </a14:hiddenFill>
               </a:ext>
@@ -33304,7 +33304,7 @@
             </a:ln>
             <a:extLst>
               <a:ext uri="{909E8E84-426E-40dd-AFC4-6F175D3DCCD1}">
-                <a14:hiddenFill xmlns="" xmlns:a14="http://schemas.microsoft.com/office/drawing/2010/main">
+                <a14:hiddenFill xmlns:a14="http://schemas.microsoft.com/office/drawing/2010/main" xmlns="">
                   <a:noFill/>
                 </a14:hiddenFill>
               </a:ext>
@@ -33355,7 +33355,7 @@
             </a:ln>
             <a:extLst>
               <a:ext uri="{909E8E84-426E-40dd-AFC4-6F175D3DCCD1}">
-                <a14:hiddenFill xmlns="" xmlns:a14="http://schemas.microsoft.com/office/drawing/2010/main">
+                <a14:hiddenFill xmlns:a14="http://schemas.microsoft.com/office/drawing/2010/main" xmlns="">
                   <a:noFill/>
                 </a14:hiddenFill>
               </a:ext>
@@ -33406,7 +33406,7 @@
             </a:ln>
             <a:extLst>
               <a:ext uri="{909E8E84-426E-40dd-AFC4-6F175D3DCCD1}">
-                <a14:hiddenFill xmlns="" xmlns:a14="http://schemas.microsoft.com/office/drawing/2010/main">
+                <a14:hiddenFill xmlns:a14="http://schemas.microsoft.com/office/drawing/2010/main" xmlns="">
                   <a:noFill/>
                 </a14:hiddenFill>
               </a:ext>
@@ -33457,7 +33457,7 @@
             </a:ln>
             <a:extLst>
               <a:ext uri="{909E8E84-426E-40dd-AFC4-6F175D3DCCD1}">
-                <a14:hiddenFill xmlns="" xmlns:a14="http://schemas.microsoft.com/office/drawing/2010/main">
+                <a14:hiddenFill xmlns:a14="http://schemas.microsoft.com/office/drawing/2010/main" xmlns="">
                   <a:noFill/>
                 </a14:hiddenFill>
               </a:ext>
@@ -33508,7 +33508,7 @@
             </a:ln>
             <a:extLst>
               <a:ext uri="{909E8E84-426E-40dd-AFC4-6F175D3DCCD1}">
-                <a14:hiddenFill xmlns="" xmlns:a14="http://schemas.microsoft.com/office/drawing/2010/main">
+                <a14:hiddenFill xmlns:a14="http://schemas.microsoft.com/office/drawing/2010/main" xmlns="">
                   <a:noFill/>
                 </a14:hiddenFill>
               </a:ext>
@@ -33559,7 +33559,7 @@
             </a:ln>
             <a:extLst>
               <a:ext uri="{909E8E84-426E-40dd-AFC4-6F175D3DCCD1}">
-                <a14:hiddenFill xmlns="" xmlns:a14="http://schemas.microsoft.com/office/drawing/2010/main">
+                <a14:hiddenFill xmlns:a14="http://schemas.microsoft.com/office/drawing/2010/main" xmlns="">
                   <a:noFill/>
                 </a14:hiddenFill>
               </a:ext>
@@ -33610,7 +33610,7 @@
             </a:ln>
             <a:extLst>
               <a:ext uri="{909E8E84-426E-40dd-AFC4-6F175D3DCCD1}">
-                <a14:hiddenFill xmlns="" xmlns:a14="http://schemas.microsoft.com/office/drawing/2010/main">
+                <a14:hiddenFill xmlns:a14="http://schemas.microsoft.com/office/drawing/2010/main" xmlns="">
                   <a:noFill/>
                 </a14:hiddenFill>
               </a:ext>
@@ -33661,7 +33661,7 @@
             </a:ln>
             <a:extLst>
               <a:ext uri="{909E8E84-426E-40dd-AFC4-6F175D3DCCD1}">
-                <a14:hiddenFill xmlns="" xmlns:a14="http://schemas.microsoft.com/office/drawing/2010/main">
+                <a14:hiddenFill xmlns:a14="http://schemas.microsoft.com/office/drawing/2010/main" xmlns="">
                   <a:noFill/>
                 </a14:hiddenFill>
               </a:ext>
@@ -33712,7 +33712,7 @@
             </a:ln>
             <a:extLst>
               <a:ext uri="{909E8E84-426E-40dd-AFC4-6F175D3DCCD1}">
-                <a14:hiddenFill xmlns="" xmlns:a14="http://schemas.microsoft.com/office/drawing/2010/main">
+                <a14:hiddenFill xmlns:a14="http://schemas.microsoft.com/office/drawing/2010/main" xmlns="">
                   <a:noFill/>
                 </a14:hiddenFill>
               </a:ext>
@@ -33763,7 +33763,7 @@
             </a:ln>
             <a:extLst>
               <a:ext uri="{909E8E84-426E-40dd-AFC4-6F175D3DCCD1}">
-                <a14:hiddenFill xmlns="" xmlns:a14="http://schemas.microsoft.com/office/drawing/2010/main">
+                <a14:hiddenFill xmlns:a14="http://schemas.microsoft.com/office/drawing/2010/main" xmlns="">
                   <a:noFill/>
                 </a14:hiddenFill>
               </a:ext>
@@ -33814,7 +33814,7 @@
             </a:ln>
             <a:extLst>
               <a:ext uri="{909E8E84-426E-40dd-AFC4-6F175D3DCCD1}">
-                <a14:hiddenFill xmlns="" xmlns:a14="http://schemas.microsoft.com/office/drawing/2010/main">
+                <a14:hiddenFill xmlns:a14="http://schemas.microsoft.com/office/drawing/2010/main" xmlns="">
                   <a:noFill/>
                 </a14:hiddenFill>
               </a:ext>
@@ -33865,7 +33865,7 @@
             </a:ln>
             <a:extLst>
               <a:ext uri="{909E8E84-426E-40dd-AFC4-6F175D3DCCD1}">
-                <a14:hiddenFill xmlns="" xmlns:a14="http://schemas.microsoft.com/office/drawing/2010/main">
+                <a14:hiddenFill xmlns:a14="http://schemas.microsoft.com/office/drawing/2010/main" xmlns="">
                   <a:noFill/>
                 </a14:hiddenFill>
               </a:ext>
@@ -33916,7 +33916,7 @@
             </a:ln>
             <a:extLst>
               <a:ext uri="{909E8E84-426E-40dd-AFC4-6F175D3DCCD1}">
-                <a14:hiddenFill xmlns="" xmlns:a14="http://schemas.microsoft.com/office/drawing/2010/main">
+                <a14:hiddenFill xmlns:a14="http://schemas.microsoft.com/office/drawing/2010/main" xmlns="">
                   <a:noFill/>
                 </a14:hiddenFill>
               </a:ext>
@@ -33967,7 +33967,7 @@
             </a:ln>
             <a:extLst>
               <a:ext uri="{909E8E84-426E-40dd-AFC4-6F175D3DCCD1}">
-                <a14:hiddenFill xmlns="" xmlns:a14="http://schemas.microsoft.com/office/drawing/2010/main">
+                <a14:hiddenFill xmlns:a14="http://schemas.microsoft.com/office/drawing/2010/main" xmlns="">
                   <a:noFill/>
                 </a14:hiddenFill>
               </a:ext>
@@ -34018,7 +34018,7 @@
             </a:ln>
             <a:extLst>
               <a:ext uri="{909E8E84-426E-40dd-AFC4-6F175D3DCCD1}">
-                <a14:hiddenFill xmlns="" xmlns:a14="http://schemas.microsoft.com/office/drawing/2010/main">
+                <a14:hiddenFill xmlns:a14="http://schemas.microsoft.com/office/drawing/2010/main" xmlns="">
                   <a:noFill/>
                 </a14:hiddenFill>
               </a:ext>
@@ -34069,7 +34069,7 @@
             </a:ln>
             <a:extLst>
               <a:ext uri="{909E8E84-426E-40dd-AFC4-6F175D3DCCD1}">
-                <a14:hiddenFill xmlns="" xmlns:a14="http://schemas.microsoft.com/office/drawing/2010/main">
+                <a14:hiddenFill xmlns:a14="http://schemas.microsoft.com/office/drawing/2010/main" xmlns="">
                   <a:noFill/>
                 </a14:hiddenFill>
               </a:ext>
@@ -34120,7 +34120,7 @@
             </a:ln>
             <a:extLst>
               <a:ext uri="{909E8E84-426E-40dd-AFC4-6F175D3DCCD1}">
-                <a14:hiddenFill xmlns="" xmlns:a14="http://schemas.microsoft.com/office/drawing/2010/main">
+                <a14:hiddenFill xmlns:a14="http://schemas.microsoft.com/office/drawing/2010/main" xmlns="">
                   <a:noFill/>
                 </a14:hiddenFill>
               </a:ext>
@@ -34171,7 +34171,7 @@
             </a:ln>
             <a:extLst>
               <a:ext uri="{909E8E84-426E-40dd-AFC4-6F175D3DCCD1}">
-                <a14:hiddenFill xmlns="" xmlns:a14="http://schemas.microsoft.com/office/drawing/2010/main">
+                <a14:hiddenFill xmlns:a14="http://schemas.microsoft.com/office/drawing/2010/main" xmlns="">
                   <a:noFill/>
                 </a14:hiddenFill>
               </a:ext>
@@ -34222,7 +34222,7 @@
             </a:ln>
             <a:extLst>
               <a:ext uri="{909E8E84-426E-40dd-AFC4-6F175D3DCCD1}">
-                <a14:hiddenFill xmlns="" xmlns:a14="http://schemas.microsoft.com/office/drawing/2010/main">
+                <a14:hiddenFill xmlns:a14="http://schemas.microsoft.com/office/drawing/2010/main" xmlns="">
                   <a:noFill/>
                 </a14:hiddenFill>
               </a:ext>
@@ -34273,7 +34273,7 @@
             </a:ln>
             <a:extLst>
               <a:ext uri="{909E8E84-426E-40dd-AFC4-6F175D3DCCD1}">
-                <a14:hiddenFill xmlns="" xmlns:a14="http://schemas.microsoft.com/office/drawing/2010/main">
+                <a14:hiddenFill xmlns:a14="http://schemas.microsoft.com/office/drawing/2010/main" xmlns="">
                   <a:noFill/>
                 </a14:hiddenFill>
               </a:ext>
@@ -34324,7 +34324,7 @@
             </a:ln>
             <a:extLst>
               <a:ext uri="{909E8E84-426E-40dd-AFC4-6F175D3DCCD1}">
-                <a14:hiddenFill xmlns="" xmlns:a14="http://schemas.microsoft.com/office/drawing/2010/main">
+                <a14:hiddenFill xmlns:a14="http://schemas.microsoft.com/office/drawing/2010/main" xmlns="">
                   <a:noFill/>
                 </a14:hiddenFill>
               </a:ext>
@@ -34375,7 +34375,7 @@
             </a:ln>
             <a:extLst>
               <a:ext uri="{909E8E84-426E-40dd-AFC4-6F175D3DCCD1}">
-                <a14:hiddenFill xmlns="" xmlns:a14="http://schemas.microsoft.com/office/drawing/2010/main">
+                <a14:hiddenFill xmlns:a14="http://schemas.microsoft.com/office/drawing/2010/main" xmlns="">
                   <a:noFill/>
                 </a14:hiddenFill>
               </a:ext>
@@ -34426,7 +34426,7 @@
             </a:ln>
             <a:extLst>
               <a:ext uri="{909E8E84-426E-40dd-AFC4-6F175D3DCCD1}">
-                <a14:hiddenFill xmlns="" xmlns:a14="http://schemas.microsoft.com/office/drawing/2010/main">
+                <a14:hiddenFill xmlns:a14="http://schemas.microsoft.com/office/drawing/2010/main" xmlns="">
                   <a:noFill/>
                 </a14:hiddenFill>
               </a:ext>
@@ -34477,7 +34477,7 @@
             </a:ln>
             <a:extLst>
               <a:ext uri="{909E8E84-426E-40dd-AFC4-6F175D3DCCD1}">
-                <a14:hiddenFill xmlns="" xmlns:a14="http://schemas.microsoft.com/office/drawing/2010/main">
+                <a14:hiddenFill xmlns:a14="http://schemas.microsoft.com/office/drawing/2010/main" xmlns="">
                   <a:noFill/>
                 </a14:hiddenFill>
               </a:ext>
@@ -34528,7 +34528,7 @@
             </a:ln>
             <a:extLst>
               <a:ext uri="{909E8E84-426E-40dd-AFC4-6F175D3DCCD1}">
-                <a14:hiddenFill xmlns="" xmlns:a14="http://schemas.microsoft.com/office/drawing/2010/main">
+                <a14:hiddenFill xmlns:a14="http://schemas.microsoft.com/office/drawing/2010/main" xmlns="">
                   <a:noFill/>
                 </a14:hiddenFill>
               </a:ext>
@@ -34579,7 +34579,7 @@
             </a:ln>
             <a:extLst>
               <a:ext uri="{909E8E84-426E-40dd-AFC4-6F175D3DCCD1}">
-                <a14:hiddenFill xmlns="" xmlns:a14="http://schemas.microsoft.com/office/drawing/2010/main">
+                <a14:hiddenFill xmlns:a14="http://schemas.microsoft.com/office/drawing/2010/main" xmlns="">
                   <a:noFill/>
                 </a14:hiddenFill>
               </a:ext>
@@ -34630,7 +34630,7 @@
             </a:ln>
             <a:extLst>
               <a:ext uri="{909E8E84-426E-40dd-AFC4-6F175D3DCCD1}">
-                <a14:hiddenFill xmlns="" xmlns:a14="http://schemas.microsoft.com/office/drawing/2010/main">
+                <a14:hiddenFill xmlns:a14="http://schemas.microsoft.com/office/drawing/2010/main" xmlns="">
                   <a:noFill/>
                 </a14:hiddenFill>
               </a:ext>
@@ -34681,7 +34681,7 @@
             </a:ln>
             <a:extLst>
               <a:ext uri="{909E8E84-426E-40dd-AFC4-6F175D3DCCD1}">
-                <a14:hiddenFill xmlns="" xmlns:a14="http://schemas.microsoft.com/office/drawing/2010/main">
+                <a14:hiddenFill xmlns:a14="http://schemas.microsoft.com/office/drawing/2010/main" xmlns="">
                   <a:noFill/>
                 </a14:hiddenFill>
               </a:ext>
@@ -34732,7 +34732,7 @@
             </a:ln>
             <a:extLst>
               <a:ext uri="{909E8E84-426E-40dd-AFC4-6F175D3DCCD1}">
-                <a14:hiddenFill xmlns="" xmlns:a14="http://schemas.microsoft.com/office/drawing/2010/main">
+                <a14:hiddenFill xmlns:a14="http://schemas.microsoft.com/office/drawing/2010/main" xmlns="">
                   <a:noFill/>
                 </a14:hiddenFill>
               </a:ext>
@@ -34783,7 +34783,7 @@
             </a:ln>
             <a:extLst>
               <a:ext uri="{909E8E84-426E-40dd-AFC4-6F175D3DCCD1}">
-                <a14:hiddenFill xmlns="" xmlns:a14="http://schemas.microsoft.com/office/drawing/2010/main">
+                <a14:hiddenFill xmlns:a14="http://schemas.microsoft.com/office/drawing/2010/main" xmlns="">
                   <a:noFill/>
                 </a14:hiddenFill>
               </a:ext>
@@ -34834,7 +34834,7 @@
             </a:ln>
             <a:extLst>
               <a:ext uri="{909E8E84-426E-40dd-AFC4-6F175D3DCCD1}">
-                <a14:hiddenFill xmlns="" xmlns:a14="http://schemas.microsoft.com/office/drawing/2010/main">
+                <a14:hiddenFill xmlns:a14="http://schemas.microsoft.com/office/drawing/2010/main" xmlns="">
                   <a:noFill/>
                 </a14:hiddenFill>
               </a:ext>
@@ -34885,7 +34885,7 @@
             </a:ln>
             <a:extLst>
               <a:ext uri="{909E8E84-426E-40dd-AFC4-6F175D3DCCD1}">
-                <a14:hiddenFill xmlns="" xmlns:a14="http://schemas.microsoft.com/office/drawing/2010/main">
+                <a14:hiddenFill xmlns:a14="http://schemas.microsoft.com/office/drawing/2010/main" xmlns="">
                   <a:noFill/>
                 </a14:hiddenFill>
               </a:ext>
@@ -35373,7 +35373,7 @@
             </a:ln>
             <a:extLst>
               <a:ext uri="{909E8E84-426E-40dd-AFC4-6F175D3DCCD1}">
-                <a14:hiddenFill xmlns="" xmlns:a14="http://schemas.microsoft.com/office/drawing/2010/main">
+                <a14:hiddenFill xmlns:a14="http://schemas.microsoft.com/office/drawing/2010/main" xmlns="">
                   <a:solidFill>
                     <a:srgbClr val="FFFFFF"/>
                   </a:solidFill>
@@ -35426,7 +35426,7 @@
             </a:ln>
             <a:extLst>
               <a:ext uri="{909E8E84-426E-40dd-AFC4-6F175D3DCCD1}">
-                <a14:hiddenFill xmlns="" xmlns:a14="http://schemas.microsoft.com/office/drawing/2010/main">
+                <a14:hiddenFill xmlns:a14="http://schemas.microsoft.com/office/drawing/2010/main" xmlns="">
                   <a:noFill/>
                 </a14:hiddenFill>
               </a:ext>
@@ -35477,7 +35477,7 @@
             </a:ln>
             <a:extLst>
               <a:ext uri="{909E8E84-426E-40dd-AFC4-6F175D3DCCD1}">
-                <a14:hiddenFill xmlns="" xmlns:a14="http://schemas.microsoft.com/office/drawing/2010/main">
+                <a14:hiddenFill xmlns:a14="http://schemas.microsoft.com/office/drawing/2010/main" xmlns="">
                   <a:noFill/>
                 </a14:hiddenFill>
               </a:ext>
@@ -35528,7 +35528,7 @@
             </a:ln>
             <a:extLst>
               <a:ext uri="{909E8E84-426E-40dd-AFC4-6F175D3DCCD1}">
-                <a14:hiddenFill xmlns="" xmlns:a14="http://schemas.microsoft.com/office/drawing/2010/main">
+                <a14:hiddenFill xmlns:a14="http://schemas.microsoft.com/office/drawing/2010/main" xmlns="">
                   <a:noFill/>
                 </a14:hiddenFill>
               </a:ext>
@@ -35579,7 +35579,7 @@
             </a:ln>
             <a:extLst>
               <a:ext uri="{909E8E84-426E-40dd-AFC4-6F175D3DCCD1}">
-                <a14:hiddenFill xmlns="" xmlns:a14="http://schemas.microsoft.com/office/drawing/2010/main">
+                <a14:hiddenFill xmlns:a14="http://schemas.microsoft.com/office/drawing/2010/main" xmlns="">
                   <a:noFill/>
                 </a14:hiddenFill>
               </a:ext>
@@ -35630,7 +35630,7 @@
             </a:ln>
             <a:extLst>
               <a:ext uri="{909E8E84-426E-40dd-AFC4-6F175D3DCCD1}">
-                <a14:hiddenFill xmlns="" xmlns:a14="http://schemas.microsoft.com/office/drawing/2010/main">
+                <a14:hiddenFill xmlns:a14="http://schemas.microsoft.com/office/drawing/2010/main" xmlns="">
                   <a:noFill/>
                 </a14:hiddenFill>
               </a:ext>
@@ -35681,7 +35681,7 @@
             </a:ln>
             <a:extLst>
               <a:ext uri="{909E8E84-426E-40dd-AFC4-6F175D3DCCD1}">
-                <a14:hiddenFill xmlns="" xmlns:a14="http://schemas.microsoft.com/office/drawing/2010/main">
+                <a14:hiddenFill xmlns:a14="http://schemas.microsoft.com/office/drawing/2010/main" xmlns="">
                   <a:noFill/>
                 </a14:hiddenFill>
               </a:ext>
@@ -35732,7 +35732,7 @@
             </a:ln>
             <a:extLst>
               <a:ext uri="{909E8E84-426E-40dd-AFC4-6F175D3DCCD1}">
-                <a14:hiddenFill xmlns="" xmlns:a14="http://schemas.microsoft.com/office/drawing/2010/main">
+                <a14:hiddenFill xmlns:a14="http://schemas.microsoft.com/office/drawing/2010/main" xmlns="">
                   <a:noFill/>
                 </a14:hiddenFill>
               </a:ext>
@@ -35783,7 +35783,7 @@
             </a:ln>
             <a:extLst>
               <a:ext uri="{909E8E84-426E-40dd-AFC4-6F175D3DCCD1}">
-                <a14:hiddenFill xmlns="" xmlns:a14="http://schemas.microsoft.com/office/drawing/2010/main">
+                <a14:hiddenFill xmlns:a14="http://schemas.microsoft.com/office/drawing/2010/main" xmlns="">
                   <a:noFill/>
                 </a14:hiddenFill>
               </a:ext>
@@ -35834,7 +35834,7 @@
             </a:ln>
             <a:extLst>
               <a:ext uri="{909E8E84-426E-40dd-AFC4-6F175D3DCCD1}">
-                <a14:hiddenFill xmlns="" xmlns:a14="http://schemas.microsoft.com/office/drawing/2010/main">
+                <a14:hiddenFill xmlns:a14="http://schemas.microsoft.com/office/drawing/2010/main" xmlns="">
                   <a:noFill/>
                 </a14:hiddenFill>
               </a:ext>
@@ -35885,7 +35885,7 @@
             </a:ln>
             <a:extLst>
               <a:ext uri="{909E8E84-426E-40dd-AFC4-6F175D3DCCD1}">
-                <a14:hiddenFill xmlns="" xmlns:a14="http://schemas.microsoft.com/office/drawing/2010/main">
+                <a14:hiddenFill xmlns:a14="http://schemas.microsoft.com/office/drawing/2010/main" xmlns="">
                   <a:noFill/>
                 </a14:hiddenFill>
               </a:ext>
@@ -35936,7 +35936,7 @@
             </a:ln>
             <a:extLst>
               <a:ext uri="{909E8E84-426E-40dd-AFC4-6F175D3DCCD1}">
-                <a14:hiddenFill xmlns="" xmlns:a14="http://schemas.microsoft.com/office/drawing/2010/main">
+                <a14:hiddenFill xmlns:a14="http://schemas.microsoft.com/office/drawing/2010/main" xmlns="">
                   <a:noFill/>
                 </a14:hiddenFill>
               </a:ext>
@@ -35987,7 +35987,7 @@
             </a:ln>
             <a:extLst>
               <a:ext uri="{909E8E84-426E-40dd-AFC4-6F175D3DCCD1}">
-                <a14:hiddenFill xmlns="" xmlns:a14="http://schemas.microsoft.com/office/drawing/2010/main">
+                <a14:hiddenFill xmlns:a14="http://schemas.microsoft.com/office/drawing/2010/main" xmlns="">
                   <a:noFill/>
                 </a14:hiddenFill>
               </a:ext>
@@ -36038,7 +36038,7 @@
             </a:ln>
             <a:extLst>
               <a:ext uri="{909E8E84-426E-40dd-AFC4-6F175D3DCCD1}">
-                <a14:hiddenFill xmlns="" xmlns:a14="http://schemas.microsoft.com/office/drawing/2010/main">
+                <a14:hiddenFill xmlns:a14="http://schemas.microsoft.com/office/drawing/2010/main" xmlns="">
                   <a:noFill/>
                 </a14:hiddenFill>
               </a:ext>
@@ -36089,7 +36089,7 @@
             </a:ln>
             <a:extLst>
               <a:ext uri="{909E8E84-426E-40dd-AFC4-6F175D3DCCD1}">
-                <a14:hiddenFill xmlns="" xmlns:a14="http://schemas.microsoft.com/office/drawing/2010/main">
+                <a14:hiddenFill xmlns:a14="http://schemas.microsoft.com/office/drawing/2010/main" xmlns="">
                   <a:noFill/>
                 </a14:hiddenFill>
               </a:ext>
@@ -36140,7 +36140,7 @@
             </a:ln>
             <a:extLst>
               <a:ext uri="{909E8E84-426E-40dd-AFC4-6F175D3DCCD1}">
-                <a14:hiddenFill xmlns="" xmlns:a14="http://schemas.microsoft.com/office/drawing/2010/main">
+                <a14:hiddenFill xmlns:a14="http://schemas.microsoft.com/office/drawing/2010/main" xmlns="">
                   <a:noFill/>
                 </a14:hiddenFill>
               </a:ext>
@@ -36191,7 +36191,7 @@
             </a:ln>
             <a:extLst>
               <a:ext uri="{909E8E84-426E-40dd-AFC4-6F175D3DCCD1}">
-                <a14:hiddenFill xmlns="" xmlns:a14="http://schemas.microsoft.com/office/drawing/2010/main">
+                <a14:hiddenFill xmlns:a14="http://schemas.microsoft.com/office/drawing/2010/main" xmlns="">
                   <a:noFill/>
                 </a14:hiddenFill>
               </a:ext>
@@ -36242,7 +36242,7 @@
             </a:ln>
             <a:extLst>
               <a:ext uri="{909E8E84-426E-40dd-AFC4-6F175D3DCCD1}">
-                <a14:hiddenFill xmlns="" xmlns:a14="http://schemas.microsoft.com/office/drawing/2010/main">
+                <a14:hiddenFill xmlns:a14="http://schemas.microsoft.com/office/drawing/2010/main" xmlns="">
                   <a:noFill/>
                 </a14:hiddenFill>
               </a:ext>
@@ -36293,7 +36293,7 @@
             </a:ln>
             <a:extLst>
               <a:ext uri="{909E8E84-426E-40dd-AFC4-6F175D3DCCD1}">
-                <a14:hiddenFill xmlns="" xmlns:a14="http://schemas.microsoft.com/office/drawing/2010/main">
+                <a14:hiddenFill xmlns:a14="http://schemas.microsoft.com/office/drawing/2010/main" xmlns="">
                   <a:noFill/>
                 </a14:hiddenFill>
               </a:ext>
@@ -36344,7 +36344,7 @@
             </a:ln>
             <a:extLst>
               <a:ext uri="{909E8E84-426E-40dd-AFC4-6F175D3DCCD1}">
-                <a14:hiddenFill xmlns="" xmlns:a14="http://schemas.microsoft.com/office/drawing/2010/main">
+                <a14:hiddenFill xmlns:a14="http://schemas.microsoft.com/office/drawing/2010/main" xmlns="">
                   <a:noFill/>
                 </a14:hiddenFill>
               </a:ext>
@@ -36395,7 +36395,7 @@
             </a:ln>
             <a:extLst>
               <a:ext uri="{909E8E84-426E-40dd-AFC4-6F175D3DCCD1}">
-                <a14:hiddenFill xmlns="" xmlns:a14="http://schemas.microsoft.com/office/drawing/2010/main">
+                <a14:hiddenFill xmlns:a14="http://schemas.microsoft.com/office/drawing/2010/main" xmlns="">
                   <a:noFill/>
                 </a14:hiddenFill>
               </a:ext>
@@ -36446,7 +36446,7 @@
             </a:ln>
             <a:extLst>
               <a:ext uri="{909E8E84-426E-40dd-AFC4-6F175D3DCCD1}">
-                <a14:hiddenFill xmlns="" xmlns:a14="http://schemas.microsoft.com/office/drawing/2010/main">
+                <a14:hiddenFill xmlns:a14="http://schemas.microsoft.com/office/drawing/2010/main" xmlns="">
                   <a:noFill/>
                 </a14:hiddenFill>
               </a:ext>
@@ -36497,7 +36497,7 @@
             </a:ln>
             <a:extLst>
               <a:ext uri="{909E8E84-426E-40dd-AFC4-6F175D3DCCD1}">
-                <a14:hiddenFill xmlns="" xmlns:a14="http://schemas.microsoft.com/office/drawing/2010/main">
+                <a14:hiddenFill xmlns:a14="http://schemas.microsoft.com/office/drawing/2010/main" xmlns="">
                   <a:noFill/>
                 </a14:hiddenFill>
               </a:ext>
@@ -36548,7 +36548,7 @@
             </a:ln>
             <a:extLst>
               <a:ext uri="{909E8E84-426E-40dd-AFC4-6F175D3DCCD1}">
-                <a14:hiddenFill xmlns="" xmlns:a14="http://schemas.microsoft.com/office/drawing/2010/main">
+                <a14:hiddenFill xmlns:a14="http://schemas.microsoft.com/office/drawing/2010/main" xmlns="">
                   <a:noFill/>
                 </a14:hiddenFill>
               </a:ext>
@@ -36599,7 +36599,7 @@
             </a:ln>
             <a:extLst>
               <a:ext uri="{909E8E84-426E-40dd-AFC4-6F175D3DCCD1}">
-                <a14:hiddenFill xmlns="" xmlns:a14="http://schemas.microsoft.com/office/drawing/2010/main">
+                <a14:hiddenFill xmlns:a14="http://schemas.microsoft.com/office/drawing/2010/main" xmlns="">
                   <a:noFill/>
                 </a14:hiddenFill>
               </a:ext>
@@ -36650,7 +36650,7 @@
             </a:ln>
             <a:extLst>
               <a:ext uri="{909E8E84-426E-40dd-AFC4-6F175D3DCCD1}">
-                <a14:hiddenFill xmlns="" xmlns:a14="http://schemas.microsoft.com/office/drawing/2010/main">
+                <a14:hiddenFill xmlns:a14="http://schemas.microsoft.com/office/drawing/2010/main" xmlns="">
                   <a:noFill/>
                 </a14:hiddenFill>
               </a:ext>
@@ -36701,7 +36701,7 @@
             </a:ln>
             <a:extLst>
               <a:ext uri="{909E8E84-426E-40dd-AFC4-6F175D3DCCD1}">
-                <a14:hiddenFill xmlns="" xmlns:a14="http://schemas.microsoft.com/office/drawing/2010/main">
+                <a14:hiddenFill xmlns:a14="http://schemas.microsoft.com/office/drawing/2010/main" xmlns="">
                   <a:noFill/>
                 </a14:hiddenFill>
               </a:ext>
@@ -36752,7 +36752,7 @@
             </a:ln>
             <a:extLst>
               <a:ext uri="{909E8E84-426E-40dd-AFC4-6F175D3DCCD1}">
-                <a14:hiddenFill xmlns="" xmlns:a14="http://schemas.microsoft.com/office/drawing/2010/main">
+                <a14:hiddenFill xmlns:a14="http://schemas.microsoft.com/office/drawing/2010/main" xmlns="">
                   <a:noFill/>
                 </a14:hiddenFill>
               </a:ext>
@@ -36803,7 +36803,7 @@
             </a:ln>
             <a:extLst>
               <a:ext uri="{909E8E84-426E-40dd-AFC4-6F175D3DCCD1}">
-                <a14:hiddenFill xmlns="" xmlns:a14="http://schemas.microsoft.com/office/drawing/2010/main">
+                <a14:hiddenFill xmlns:a14="http://schemas.microsoft.com/office/drawing/2010/main" xmlns="">
                   <a:noFill/>
                 </a14:hiddenFill>
               </a:ext>
@@ -36854,7 +36854,7 @@
             </a:ln>
             <a:extLst>
               <a:ext uri="{909E8E84-426E-40dd-AFC4-6F175D3DCCD1}">
-                <a14:hiddenFill xmlns="" xmlns:a14="http://schemas.microsoft.com/office/drawing/2010/main">
+                <a14:hiddenFill xmlns:a14="http://schemas.microsoft.com/office/drawing/2010/main" xmlns="">
                   <a:noFill/>
                 </a14:hiddenFill>
               </a:ext>
@@ -36905,7 +36905,7 @@
             </a:ln>
             <a:extLst>
               <a:ext uri="{909E8E84-426E-40dd-AFC4-6F175D3DCCD1}">
-                <a14:hiddenFill xmlns="" xmlns:a14="http://schemas.microsoft.com/office/drawing/2010/main">
+                <a14:hiddenFill xmlns:a14="http://schemas.microsoft.com/office/drawing/2010/main" xmlns="">
                   <a:noFill/>
                 </a14:hiddenFill>
               </a:ext>
@@ -36956,7 +36956,7 @@
             </a:ln>
             <a:extLst>
               <a:ext uri="{909E8E84-426E-40dd-AFC4-6F175D3DCCD1}">
-                <a14:hiddenFill xmlns="" xmlns:a14="http://schemas.microsoft.com/office/drawing/2010/main">
+                <a14:hiddenFill xmlns:a14="http://schemas.microsoft.com/office/drawing/2010/main" xmlns="">
                   <a:noFill/>
                 </a14:hiddenFill>
               </a:ext>
@@ -37007,7 +37007,7 @@
             </a:ln>
             <a:extLst>
               <a:ext uri="{909E8E84-426E-40dd-AFC4-6F175D3DCCD1}">
-                <a14:hiddenFill xmlns="" xmlns:a14="http://schemas.microsoft.com/office/drawing/2010/main">
+                <a14:hiddenFill xmlns:a14="http://schemas.microsoft.com/office/drawing/2010/main" xmlns="">
                   <a:noFill/>
                 </a14:hiddenFill>
               </a:ext>
@@ -37058,7 +37058,7 @@
             </a:ln>
             <a:extLst>
               <a:ext uri="{909E8E84-426E-40dd-AFC4-6F175D3DCCD1}">
-                <a14:hiddenFill xmlns="" xmlns:a14="http://schemas.microsoft.com/office/drawing/2010/main">
+                <a14:hiddenFill xmlns:a14="http://schemas.microsoft.com/office/drawing/2010/main" xmlns="">
                   <a:noFill/>
                 </a14:hiddenFill>
               </a:ext>
@@ -37109,7 +37109,7 @@
             </a:ln>
             <a:extLst>
               <a:ext uri="{909E8E84-426E-40dd-AFC4-6F175D3DCCD1}">
-                <a14:hiddenFill xmlns="" xmlns:a14="http://schemas.microsoft.com/office/drawing/2010/main">
+                <a14:hiddenFill xmlns:a14="http://schemas.microsoft.com/office/drawing/2010/main" xmlns="">
                   <a:noFill/>
                 </a14:hiddenFill>
               </a:ext>
@@ -37160,7 +37160,7 @@
             </a:ln>
             <a:extLst>
               <a:ext uri="{909E8E84-426E-40dd-AFC4-6F175D3DCCD1}">
-                <a14:hiddenFill xmlns="" xmlns:a14="http://schemas.microsoft.com/office/drawing/2010/main">
+                <a14:hiddenFill xmlns:a14="http://schemas.microsoft.com/office/drawing/2010/main" xmlns="">
                   <a:noFill/>
                 </a14:hiddenFill>
               </a:ext>
@@ -37211,7 +37211,7 @@
             </a:ln>
             <a:extLst>
               <a:ext uri="{909E8E84-426E-40dd-AFC4-6F175D3DCCD1}">
-                <a14:hiddenFill xmlns="" xmlns:a14="http://schemas.microsoft.com/office/drawing/2010/main">
+                <a14:hiddenFill xmlns:a14="http://schemas.microsoft.com/office/drawing/2010/main" xmlns="">
                   <a:noFill/>
                 </a14:hiddenFill>
               </a:ext>
@@ -37262,7 +37262,7 @@
             </a:ln>
             <a:extLst>
               <a:ext uri="{909E8E84-426E-40dd-AFC4-6F175D3DCCD1}">
-                <a14:hiddenFill xmlns="" xmlns:a14="http://schemas.microsoft.com/office/drawing/2010/main">
+                <a14:hiddenFill xmlns:a14="http://schemas.microsoft.com/office/drawing/2010/main" xmlns="">
                   <a:noFill/>
                 </a14:hiddenFill>
               </a:ext>
@@ -37313,7 +37313,7 @@
             </a:ln>
             <a:extLst>
               <a:ext uri="{909E8E84-426E-40dd-AFC4-6F175D3DCCD1}">
-                <a14:hiddenFill xmlns="" xmlns:a14="http://schemas.microsoft.com/office/drawing/2010/main">
+                <a14:hiddenFill xmlns:a14="http://schemas.microsoft.com/office/drawing/2010/main" xmlns="">
                   <a:noFill/>
                 </a14:hiddenFill>
               </a:ext>
@@ -37364,7 +37364,7 @@
             </a:ln>
             <a:extLst>
               <a:ext uri="{909E8E84-426E-40dd-AFC4-6F175D3DCCD1}">
-                <a14:hiddenFill xmlns="" xmlns:a14="http://schemas.microsoft.com/office/drawing/2010/main">
+                <a14:hiddenFill xmlns:a14="http://schemas.microsoft.com/office/drawing/2010/main" xmlns="">
                   <a:noFill/>
                 </a14:hiddenFill>
               </a:ext>
@@ -37415,7 +37415,7 @@
             </a:ln>
             <a:extLst>
               <a:ext uri="{909E8E84-426E-40dd-AFC4-6F175D3DCCD1}">
-                <a14:hiddenFill xmlns="" xmlns:a14="http://schemas.microsoft.com/office/drawing/2010/main">
+                <a14:hiddenFill xmlns:a14="http://schemas.microsoft.com/office/drawing/2010/main" xmlns="">
                   <a:noFill/>
                 </a14:hiddenFill>
               </a:ext>
@@ -37466,7 +37466,7 @@
             </a:ln>
             <a:extLst>
               <a:ext uri="{909E8E84-426E-40dd-AFC4-6F175D3DCCD1}">
-                <a14:hiddenFill xmlns="" xmlns:a14="http://schemas.microsoft.com/office/drawing/2010/main">
+                <a14:hiddenFill xmlns:a14="http://schemas.microsoft.com/office/drawing/2010/main" xmlns="">
                   <a:noFill/>
                 </a14:hiddenFill>
               </a:ext>
@@ -37517,7 +37517,7 @@
             </a:ln>
             <a:extLst>
               <a:ext uri="{909E8E84-426E-40dd-AFC4-6F175D3DCCD1}">
-                <a14:hiddenFill xmlns="" xmlns:a14="http://schemas.microsoft.com/office/drawing/2010/main">
+                <a14:hiddenFill xmlns:a14="http://schemas.microsoft.com/office/drawing/2010/main" xmlns="">
                   <a:noFill/>
                 </a14:hiddenFill>
               </a:ext>
@@ -37568,7 +37568,7 @@
             </a:ln>
             <a:extLst>
               <a:ext uri="{909E8E84-426E-40dd-AFC4-6F175D3DCCD1}">
-                <a14:hiddenFill xmlns="" xmlns:a14="http://schemas.microsoft.com/office/drawing/2010/main">
+                <a14:hiddenFill xmlns:a14="http://schemas.microsoft.com/office/drawing/2010/main" xmlns="">
                   <a:noFill/>
                 </a14:hiddenFill>
               </a:ext>
@@ -37619,7 +37619,7 @@
             </a:ln>
             <a:extLst>
               <a:ext uri="{909E8E84-426E-40dd-AFC4-6F175D3DCCD1}">
-                <a14:hiddenFill xmlns="" xmlns:a14="http://schemas.microsoft.com/office/drawing/2010/main">
+                <a14:hiddenFill xmlns:a14="http://schemas.microsoft.com/office/drawing/2010/main" xmlns="">
                   <a:noFill/>
                 </a14:hiddenFill>
               </a:ext>
@@ -37670,7 +37670,7 @@
             </a:ln>
             <a:extLst>
               <a:ext uri="{909E8E84-426E-40dd-AFC4-6F175D3DCCD1}">
-                <a14:hiddenFill xmlns="" xmlns:a14="http://schemas.microsoft.com/office/drawing/2010/main">
+                <a14:hiddenFill xmlns:a14="http://schemas.microsoft.com/office/drawing/2010/main" xmlns="">
                   <a:noFill/>
                 </a14:hiddenFill>
               </a:ext>
@@ -37721,7 +37721,7 @@
             </a:ln>
             <a:extLst>
               <a:ext uri="{909E8E84-426E-40dd-AFC4-6F175D3DCCD1}">
-                <a14:hiddenFill xmlns="" xmlns:a14="http://schemas.microsoft.com/office/drawing/2010/main">
+                <a14:hiddenFill xmlns:a14="http://schemas.microsoft.com/office/drawing/2010/main" xmlns="">
                   <a:noFill/>
                 </a14:hiddenFill>
               </a:ext>
@@ -37772,7 +37772,7 @@
             </a:ln>
             <a:extLst>
               <a:ext uri="{909E8E84-426E-40dd-AFC4-6F175D3DCCD1}">
-                <a14:hiddenFill xmlns="" xmlns:a14="http://schemas.microsoft.com/office/drawing/2010/main">
+                <a14:hiddenFill xmlns:a14="http://schemas.microsoft.com/office/drawing/2010/main" xmlns="">
                   <a:noFill/>
                 </a14:hiddenFill>
               </a:ext>
@@ -37823,7 +37823,7 @@
             </a:ln>
             <a:extLst>
               <a:ext uri="{909E8E84-426E-40dd-AFC4-6F175D3DCCD1}">
-                <a14:hiddenFill xmlns="" xmlns:a14="http://schemas.microsoft.com/office/drawing/2010/main">
+                <a14:hiddenFill xmlns:a14="http://schemas.microsoft.com/office/drawing/2010/main" xmlns="">
                   <a:noFill/>
                 </a14:hiddenFill>
               </a:ext>
@@ -37874,7 +37874,7 @@
             </a:ln>
             <a:extLst>
               <a:ext uri="{909E8E84-426E-40dd-AFC4-6F175D3DCCD1}">
-                <a14:hiddenFill xmlns="" xmlns:a14="http://schemas.microsoft.com/office/drawing/2010/main">
+                <a14:hiddenFill xmlns:a14="http://schemas.microsoft.com/office/drawing/2010/main" xmlns="">
                   <a:noFill/>
                 </a14:hiddenFill>
               </a:ext>
@@ -37925,7 +37925,7 @@
             </a:ln>
             <a:extLst>
               <a:ext uri="{909E8E84-426E-40dd-AFC4-6F175D3DCCD1}">
-                <a14:hiddenFill xmlns="" xmlns:a14="http://schemas.microsoft.com/office/drawing/2010/main">
+                <a14:hiddenFill xmlns:a14="http://schemas.microsoft.com/office/drawing/2010/main" xmlns="">
                   <a:noFill/>
                 </a14:hiddenFill>
               </a:ext>
@@ -37976,7 +37976,7 @@
             </a:ln>
             <a:extLst>
               <a:ext uri="{909E8E84-426E-40dd-AFC4-6F175D3DCCD1}">
-                <a14:hiddenFill xmlns="" xmlns:a14="http://schemas.microsoft.com/office/drawing/2010/main">
+                <a14:hiddenFill xmlns:a14="http://schemas.microsoft.com/office/drawing/2010/main" xmlns="">
                   <a:noFill/>
                 </a14:hiddenFill>
               </a:ext>
@@ -38027,7 +38027,7 @@
             </a:ln>
             <a:extLst>
               <a:ext uri="{909E8E84-426E-40dd-AFC4-6F175D3DCCD1}">
-                <a14:hiddenFill xmlns="" xmlns:a14="http://schemas.microsoft.com/office/drawing/2010/main">
+                <a14:hiddenFill xmlns:a14="http://schemas.microsoft.com/office/drawing/2010/main" xmlns="">
                   <a:noFill/>
                 </a14:hiddenFill>
               </a:ext>
@@ -38078,7 +38078,7 @@
             </a:ln>
             <a:extLst>
               <a:ext uri="{909E8E84-426E-40dd-AFC4-6F175D3DCCD1}">
-                <a14:hiddenFill xmlns="" xmlns:a14="http://schemas.microsoft.com/office/drawing/2010/main">
+                <a14:hiddenFill xmlns:a14="http://schemas.microsoft.com/office/drawing/2010/main" xmlns="">
                   <a:noFill/>
                 </a14:hiddenFill>
               </a:ext>
@@ -38129,7 +38129,7 @@
             </a:ln>
             <a:extLst>
               <a:ext uri="{909E8E84-426E-40dd-AFC4-6F175D3DCCD1}">
-                <a14:hiddenFill xmlns="" xmlns:a14="http://schemas.microsoft.com/office/drawing/2010/main">
+                <a14:hiddenFill xmlns:a14="http://schemas.microsoft.com/office/drawing/2010/main" xmlns="">
                   <a:noFill/>
                 </a14:hiddenFill>
               </a:ext>
@@ -38180,7 +38180,7 @@
             </a:ln>
             <a:extLst>
               <a:ext uri="{909E8E84-426E-40dd-AFC4-6F175D3DCCD1}">
-                <a14:hiddenFill xmlns="" xmlns:a14="http://schemas.microsoft.com/office/drawing/2010/main">
+                <a14:hiddenFill xmlns:a14="http://schemas.microsoft.com/office/drawing/2010/main" xmlns="">
                   <a:noFill/>
                 </a14:hiddenFill>
               </a:ext>
@@ -38231,7 +38231,7 @@
             </a:ln>
             <a:extLst>
               <a:ext uri="{909E8E84-426E-40dd-AFC4-6F175D3DCCD1}">
-                <a14:hiddenFill xmlns="" xmlns:a14="http://schemas.microsoft.com/office/drawing/2010/main">
+                <a14:hiddenFill xmlns:a14="http://schemas.microsoft.com/office/drawing/2010/main" xmlns="">
                   <a:noFill/>
                 </a14:hiddenFill>
               </a:ext>
@@ -38282,7 +38282,7 @@
             </a:ln>
             <a:extLst>
               <a:ext uri="{909E8E84-426E-40dd-AFC4-6F175D3DCCD1}">
-                <a14:hiddenFill xmlns="" xmlns:a14="http://schemas.microsoft.com/office/drawing/2010/main">
+                <a14:hiddenFill xmlns:a14="http://schemas.microsoft.com/office/drawing/2010/main" xmlns="">
                   <a:noFill/>
                 </a14:hiddenFill>
               </a:ext>
@@ -38333,7 +38333,7 @@
             </a:ln>
             <a:extLst>
               <a:ext uri="{909E8E84-426E-40dd-AFC4-6F175D3DCCD1}">
-                <a14:hiddenFill xmlns="" xmlns:a14="http://schemas.microsoft.com/office/drawing/2010/main">
+                <a14:hiddenFill xmlns:a14="http://schemas.microsoft.com/office/drawing/2010/main" xmlns="">
                   <a:noFill/>
                 </a14:hiddenFill>
               </a:ext>
@@ -38384,7 +38384,7 @@
             </a:ln>
             <a:extLst>
               <a:ext uri="{909E8E84-426E-40dd-AFC4-6F175D3DCCD1}">
-                <a14:hiddenFill xmlns="" xmlns:a14="http://schemas.microsoft.com/office/drawing/2010/main">
+                <a14:hiddenFill xmlns:a14="http://schemas.microsoft.com/office/drawing/2010/main" xmlns="">
                   <a:noFill/>
                 </a14:hiddenFill>
               </a:ext>
@@ -38435,7 +38435,7 @@
             </a:ln>
             <a:extLst>
               <a:ext uri="{909E8E84-426E-40dd-AFC4-6F175D3DCCD1}">
-                <a14:hiddenFill xmlns="" xmlns:a14="http://schemas.microsoft.com/office/drawing/2010/main">
+                <a14:hiddenFill xmlns:a14="http://schemas.microsoft.com/office/drawing/2010/main" xmlns="">
                   <a:noFill/>
                 </a14:hiddenFill>
               </a:ext>
@@ -38486,7 +38486,7 @@
             </a:ln>
             <a:extLst>
               <a:ext uri="{909E8E84-426E-40dd-AFC4-6F175D3DCCD1}">
-                <a14:hiddenFill xmlns="" xmlns:a14="http://schemas.microsoft.com/office/drawing/2010/main">
+                <a14:hiddenFill xmlns:a14="http://schemas.microsoft.com/office/drawing/2010/main" xmlns="">
                   <a:noFill/>
                 </a14:hiddenFill>
               </a:ext>
@@ -38537,7 +38537,7 @@
             </a:ln>
             <a:extLst>
               <a:ext uri="{909E8E84-426E-40dd-AFC4-6F175D3DCCD1}">
-                <a14:hiddenFill xmlns="" xmlns:a14="http://schemas.microsoft.com/office/drawing/2010/main">
+                <a14:hiddenFill xmlns:a14="http://schemas.microsoft.com/office/drawing/2010/main" xmlns="">
                   <a:noFill/>
                 </a14:hiddenFill>
               </a:ext>
@@ -38588,7 +38588,7 @@
             </a:ln>
             <a:extLst>
               <a:ext uri="{909E8E84-426E-40dd-AFC4-6F175D3DCCD1}">
-                <a14:hiddenFill xmlns="" xmlns:a14="http://schemas.microsoft.com/office/drawing/2010/main">
+                <a14:hiddenFill xmlns:a14="http://schemas.microsoft.com/office/drawing/2010/main" xmlns="">
                   <a:noFill/>
                 </a14:hiddenFill>
               </a:ext>
@@ -38639,7 +38639,7 @@
             </a:ln>
             <a:extLst>
               <a:ext uri="{909E8E84-426E-40dd-AFC4-6F175D3DCCD1}">
-                <a14:hiddenFill xmlns="" xmlns:a14="http://schemas.microsoft.com/office/drawing/2010/main">
+                <a14:hiddenFill xmlns:a14="http://schemas.microsoft.com/office/drawing/2010/main" xmlns="">
                   <a:noFill/>
                 </a14:hiddenFill>
               </a:ext>
@@ -38690,7 +38690,7 @@
             </a:ln>
             <a:extLst>
               <a:ext uri="{909E8E84-426E-40dd-AFC4-6F175D3DCCD1}">
-                <a14:hiddenFill xmlns="" xmlns:a14="http://schemas.microsoft.com/office/drawing/2010/main">
+                <a14:hiddenFill xmlns:a14="http://schemas.microsoft.com/office/drawing/2010/main" xmlns="">
                   <a:noFill/>
                 </a14:hiddenFill>
               </a:ext>
@@ -38741,7 +38741,7 @@
             </a:ln>
             <a:extLst>
               <a:ext uri="{909E8E84-426E-40dd-AFC4-6F175D3DCCD1}">
-                <a14:hiddenFill xmlns="" xmlns:a14="http://schemas.microsoft.com/office/drawing/2010/main">
+                <a14:hiddenFill xmlns:a14="http://schemas.microsoft.com/office/drawing/2010/main" xmlns="">
                   <a:noFill/>
                 </a14:hiddenFill>
               </a:ext>
@@ -38792,7 +38792,7 @@
             </a:ln>
             <a:extLst>
               <a:ext uri="{909E8E84-426E-40dd-AFC4-6F175D3DCCD1}">
-                <a14:hiddenFill xmlns="" xmlns:a14="http://schemas.microsoft.com/office/drawing/2010/main">
+                <a14:hiddenFill xmlns:a14="http://schemas.microsoft.com/office/drawing/2010/main" xmlns="">
                   <a:noFill/>
                 </a14:hiddenFill>
               </a:ext>
@@ -38843,7 +38843,7 @@
             </a:ln>
             <a:extLst>
               <a:ext uri="{909E8E84-426E-40dd-AFC4-6F175D3DCCD1}">
-                <a14:hiddenFill xmlns="" xmlns:a14="http://schemas.microsoft.com/office/drawing/2010/main">
+                <a14:hiddenFill xmlns:a14="http://schemas.microsoft.com/office/drawing/2010/main" xmlns="">
                   <a:noFill/>
                 </a14:hiddenFill>
               </a:ext>
@@ -39926,7 +39926,7 @@
             </a:ln>
             <a:extLst>
               <a:ext uri="{909E8E84-426E-40dd-AFC4-6F175D3DCCD1}">
-                <a14:hiddenFill xmlns="" xmlns:a14="http://schemas.microsoft.com/office/drawing/2010/main">
+                <a14:hiddenFill xmlns:a14="http://schemas.microsoft.com/office/drawing/2010/main" xmlns="">
                   <a:solidFill>
                     <a:srgbClr val="FFFFFF"/>
                   </a:solidFill>
@@ -39979,7 +39979,7 @@
             </a:ln>
             <a:extLst>
               <a:ext uri="{909E8E84-426E-40dd-AFC4-6F175D3DCCD1}">
-                <a14:hiddenFill xmlns="" xmlns:a14="http://schemas.microsoft.com/office/drawing/2010/main">
+                <a14:hiddenFill xmlns:a14="http://schemas.microsoft.com/office/drawing/2010/main" xmlns="">
                   <a:noFill/>
                 </a14:hiddenFill>
               </a:ext>
@@ -40030,7 +40030,7 @@
             </a:ln>
             <a:extLst>
               <a:ext uri="{909E8E84-426E-40dd-AFC4-6F175D3DCCD1}">
-                <a14:hiddenFill xmlns="" xmlns:a14="http://schemas.microsoft.com/office/drawing/2010/main">
+                <a14:hiddenFill xmlns:a14="http://schemas.microsoft.com/office/drawing/2010/main" xmlns="">
                   <a:noFill/>
                 </a14:hiddenFill>
               </a:ext>
@@ -40081,7 +40081,7 @@
             </a:ln>
             <a:extLst>
               <a:ext uri="{909E8E84-426E-40dd-AFC4-6F175D3DCCD1}">
-                <a14:hiddenFill xmlns="" xmlns:a14="http://schemas.microsoft.com/office/drawing/2010/main">
+                <a14:hiddenFill xmlns:a14="http://schemas.microsoft.com/office/drawing/2010/main" xmlns="">
                   <a:noFill/>
                 </a14:hiddenFill>
               </a:ext>
@@ -40132,7 +40132,7 @@
             </a:ln>
             <a:extLst>
               <a:ext uri="{909E8E84-426E-40dd-AFC4-6F175D3DCCD1}">
-                <a14:hiddenFill xmlns="" xmlns:a14="http://schemas.microsoft.com/office/drawing/2010/main">
+                <a14:hiddenFill xmlns:a14="http://schemas.microsoft.com/office/drawing/2010/main" xmlns="">
                   <a:noFill/>
                 </a14:hiddenFill>
               </a:ext>
@@ -40183,7 +40183,7 @@
             </a:ln>
             <a:extLst>
               <a:ext uri="{909E8E84-426E-40dd-AFC4-6F175D3DCCD1}">
-                <a14:hiddenFill xmlns="" xmlns:a14="http://schemas.microsoft.com/office/drawing/2010/main">
+                <a14:hiddenFill xmlns:a14="http://schemas.microsoft.com/office/drawing/2010/main" xmlns="">
                   <a:noFill/>
                 </a14:hiddenFill>
               </a:ext>
@@ -40234,7 +40234,7 @@
             </a:ln>
             <a:extLst>
               <a:ext uri="{909E8E84-426E-40dd-AFC4-6F175D3DCCD1}">
-                <a14:hiddenFill xmlns="" xmlns:a14="http://schemas.microsoft.com/office/drawing/2010/main">
+                <a14:hiddenFill xmlns:a14="http://schemas.microsoft.com/office/drawing/2010/main" xmlns="">
                   <a:noFill/>
                 </a14:hiddenFill>
               </a:ext>
@@ -40285,7 +40285,7 @@
             </a:ln>
             <a:extLst>
               <a:ext uri="{909E8E84-426E-40dd-AFC4-6F175D3DCCD1}">
-                <a14:hiddenFill xmlns="" xmlns:a14="http://schemas.microsoft.com/office/drawing/2010/main">
+                <a14:hiddenFill xmlns:a14="http://schemas.microsoft.com/office/drawing/2010/main" xmlns="">
                   <a:noFill/>
                 </a14:hiddenFill>
               </a:ext>
@@ -40336,7 +40336,7 @@
             </a:ln>
             <a:extLst>
               <a:ext uri="{909E8E84-426E-40dd-AFC4-6F175D3DCCD1}">
-                <a14:hiddenFill xmlns="" xmlns:a14="http://schemas.microsoft.com/office/drawing/2010/main">
+                <a14:hiddenFill xmlns:a14="http://schemas.microsoft.com/office/drawing/2010/main" xmlns="">
                   <a:noFill/>
                 </a14:hiddenFill>
               </a:ext>
@@ -40387,7 +40387,7 @@
             </a:ln>
             <a:extLst>
               <a:ext uri="{909E8E84-426E-40dd-AFC4-6F175D3DCCD1}">
-                <a14:hiddenFill xmlns="" xmlns:a14="http://schemas.microsoft.com/office/drawing/2010/main">
+                <a14:hiddenFill xmlns:a14="http://schemas.microsoft.com/office/drawing/2010/main" xmlns="">
                   <a:noFill/>
                 </a14:hiddenFill>
               </a:ext>
@@ -40438,7 +40438,7 @@
             </a:ln>
             <a:extLst>
               <a:ext uri="{909E8E84-426E-40dd-AFC4-6F175D3DCCD1}">
-                <a14:hiddenFill xmlns="" xmlns:a14="http://schemas.microsoft.com/office/drawing/2010/main">
+                <a14:hiddenFill xmlns:a14="http://schemas.microsoft.com/office/drawing/2010/main" xmlns="">
                   <a:noFill/>
                 </a14:hiddenFill>
               </a:ext>
@@ -40489,7 +40489,7 @@
             </a:ln>
             <a:extLst>
               <a:ext uri="{909E8E84-426E-40dd-AFC4-6F175D3DCCD1}">
-                <a14:hiddenFill xmlns="" xmlns:a14="http://schemas.microsoft.com/office/drawing/2010/main">
+                <a14:hiddenFill xmlns:a14="http://schemas.microsoft.com/office/drawing/2010/main" xmlns="">
                   <a:noFill/>
                 </a14:hiddenFill>
               </a:ext>
@@ -40540,7 +40540,7 @@
             </a:ln>
             <a:extLst>
               <a:ext uri="{909E8E84-426E-40dd-AFC4-6F175D3DCCD1}">
-                <a14:hiddenFill xmlns="" xmlns:a14="http://schemas.microsoft.com/office/drawing/2010/main">
+                <a14:hiddenFill xmlns:a14="http://schemas.microsoft.com/office/drawing/2010/main" xmlns="">
                   <a:noFill/>
                 </a14:hiddenFill>
               </a:ext>
@@ -40591,7 +40591,7 @@
             </a:ln>
             <a:extLst>
               <a:ext uri="{909E8E84-426E-40dd-AFC4-6F175D3DCCD1}">
-                <a14:hiddenFill xmlns="" xmlns:a14="http://schemas.microsoft.com/office/drawing/2010/main">
+                <a14:hiddenFill xmlns:a14="http://schemas.microsoft.com/office/drawing/2010/main" xmlns="">
                   <a:noFill/>
                 </a14:hiddenFill>
               </a:ext>
@@ -40642,7 +40642,7 @@
             </a:ln>
             <a:extLst>
               <a:ext uri="{909E8E84-426E-40dd-AFC4-6F175D3DCCD1}">
-                <a14:hiddenFill xmlns="" xmlns:a14="http://schemas.microsoft.com/office/drawing/2010/main">
+                <a14:hiddenFill xmlns:a14="http://schemas.microsoft.com/office/drawing/2010/main" xmlns="">
                   <a:noFill/>
                 </a14:hiddenFill>
               </a:ext>
@@ -40693,7 +40693,7 @@
             </a:ln>
             <a:extLst>
               <a:ext uri="{909E8E84-426E-40dd-AFC4-6F175D3DCCD1}">
-                <a14:hiddenFill xmlns="" xmlns:a14="http://schemas.microsoft.com/office/drawing/2010/main">
+                <a14:hiddenFill xmlns:a14="http://schemas.microsoft.com/office/drawing/2010/main" xmlns="">
                   <a:noFill/>
                 </a14:hiddenFill>
               </a:ext>
@@ -40744,7 +40744,7 @@
             </a:ln>
             <a:extLst>
               <a:ext uri="{909E8E84-426E-40dd-AFC4-6F175D3DCCD1}">
-                <a14:hiddenFill xmlns="" xmlns:a14="http://schemas.microsoft.com/office/drawing/2010/main">
+                <a14:hiddenFill xmlns:a14="http://schemas.microsoft.com/office/drawing/2010/main" xmlns="">
                   <a:noFill/>
                 </a14:hiddenFill>
               </a:ext>
@@ -40795,7 +40795,7 @@
             </a:ln>
             <a:extLst>
               <a:ext uri="{909E8E84-426E-40dd-AFC4-6F175D3DCCD1}">
-                <a14:hiddenFill xmlns="" xmlns:a14="http://schemas.microsoft.com/office/drawing/2010/main">
+                <a14:hiddenFill xmlns:a14="http://schemas.microsoft.com/office/drawing/2010/main" xmlns="">
                   <a:noFill/>
                 </a14:hiddenFill>
               </a:ext>
@@ -40846,7 +40846,7 @@
             </a:ln>
             <a:extLst>
               <a:ext uri="{909E8E84-426E-40dd-AFC4-6F175D3DCCD1}">
-                <a14:hiddenFill xmlns="" xmlns:a14="http://schemas.microsoft.com/office/drawing/2010/main">
+                <a14:hiddenFill xmlns:a14="http://schemas.microsoft.com/office/drawing/2010/main" xmlns="">
                   <a:noFill/>
                 </a14:hiddenFill>
               </a:ext>
@@ -40897,7 +40897,7 @@
             </a:ln>
             <a:extLst>
               <a:ext uri="{909E8E84-426E-40dd-AFC4-6F175D3DCCD1}">
-                <a14:hiddenFill xmlns="" xmlns:a14="http://schemas.microsoft.com/office/drawing/2010/main">
+                <a14:hiddenFill xmlns:a14="http://schemas.microsoft.com/office/drawing/2010/main" xmlns="">
                   <a:noFill/>
                 </a14:hiddenFill>
               </a:ext>
@@ -40948,7 +40948,7 @@
             </a:ln>
             <a:extLst>
               <a:ext uri="{909E8E84-426E-40dd-AFC4-6F175D3DCCD1}">
-                <a14:hiddenFill xmlns="" xmlns:a14="http://schemas.microsoft.com/office/drawing/2010/main">
+                <a14:hiddenFill xmlns:a14="http://schemas.microsoft.com/office/drawing/2010/main" xmlns="">
                   <a:noFill/>
                 </a14:hiddenFill>
               </a:ext>
@@ -40999,7 +40999,7 @@
             </a:ln>
             <a:extLst>
               <a:ext uri="{909E8E84-426E-40dd-AFC4-6F175D3DCCD1}">
-                <a14:hiddenFill xmlns="" xmlns:a14="http://schemas.microsoft.com/office/drawing/2010/main">
+                <a14:hiddenFill xmlns:a14="http://schemas.microsoft.com/office/drawing/2010/main" xmlns="">
                   <a:noFill/>
                 </a14:hiddenFill>
               </a:ext>
@@ -41050,7 +41050,7 @@
             </a:ln>
             <a:extLst>
               <a:ext uri="{909E8E84-426E-40dd-AFC4-6F175D3DCCD1}">
-                <a14:hiddenFill xmlns="" xmlns:a14="http://schemas.microsoft.com/office/drawing/2010/main">
+                <a14:hiddenFill xmlns:a14="http://schemas.microsoft.com/office/drawing/2010/main" xmlns="">
                   <a:noFill/>
                 </a14:hiddenFill>
               </a:ext>
@@ -41101,7 +41101,7 @@
             </a:ln>
             <a:extLst>
               <a:ext uri="{909E8E84-426E-40dd-AFC4-6F175D3DCCD1}">
-                <a14:hiddenFill xmlns="" xmlns:a14="http://schemas.microsoft.com/office/drawing/2010/main">
+                <a14:hiddenFill xmlns:a14="http://schemas.microsoft.com/office/drawing/2010/main" xmlns="">
                   <a:noFill/>
                 </a14:hiddenFill>
               </a:ext>
@@ -41152,7 +41152,7 @@
             </a:ln>
             <a:extLst>
               <a:ext uri="{909E8E84-426E-40dd-AFC4-6F175D3DCCD1}">
-                <a14:hiddenFill xmlns="" xmlns:a14="http://schemas.microsoft.com/office/drawing/2010/main">
+                <a14:hiddenFill xmlns:a14="http://schemas.microsoft.com/office/drawing/2010/main" xmlns="">
                   <a:noFill/>
                 </a14:hiddenFill>
               </a:ext>
@@ -41203,7 +41203,7 @@
             </a:ln>
             <a:extLst>
               <a:ext uri="{909E8E84-426E-40dd-AFC4-6F175D3DCCD1}">
-                <a14:hiddenFill xmlns="" xmlns:a14="http://schemas.microsoft.com/office/drawing/2010/main">
+                <a14:hiddenFill xmlns:a14="http://schemas.microsoft.com/office/drawing/2010/main" xmlns="">
                   <a:noFill/>
                 </a14:hiddenFill>
               </a:ext>
@@ -41254,7 +41254,7 @@
             </a:ln>
             <a:extLst>
               <a:ext uri="{909E8E84-426E-40dd-AFC4-6F175D3DCCD1}">
-                <a14:hiddenFill xmlns="" xmlns:a14="http://schemas.microsoft.com/office/drawing/2010/main">
+                <a14:hiddenFill xmlns:a14="http://schemas.microsoft.com/office/drawing/2010/main" xmlns="">
                   <a:noFill/>
                 </a14:hiddenFill>
               </a:ext>
@@ -41305,7 +41305,7 @@
             </a:ln>
             <a:extLst>
               <a:ext uri="{909E8E84-426E-40dd-AFC4-6F175D3DCCD1}">
-                <a14:hiddenFill xmlns="" xmlns:a14="http://schemas.microsoft.com/office/drawing/2010/main">
+                <a14:hiddenFill xmlns:a14="http://schemas.microsoft.com/office/drawing/2010/main" xmlns="">
                   <a:noFill/>
                 </a14:hiddenFill>
               </a:ext>
@@ -41356,7 +41356,7 @@
             </a:ln>
             <a:extLst>
               <a:ext uri="{909E8E84-426E-40dd-AFC4-6F175D3DCCD1}">
-                <a14:hiddenFill xmlns="" xmlns:a14="http://schemas.microsoft.com/office/drawing/2010/main">
+                <a14:hiddenFill xmlns:a14="http://schemas.microsoft.com/office/drawing/2010/main" xmlns="">
                   <a:noFill/>
                 </a14:hiddenFill>
               </a:ext>
@@ -41407,7 +41407,7 @@
             </a:ln>
             <a:extLst>
               <a:ext uri="{909E8E84-426E-40dd-AFC4-6F175D3DCCD1}">
-                <a14:hiddenFill xmlns="" xmlns:a14="http://schemas.microsoft.com/office/drawing/2010/main">
+                <a14:hiddenFill xmlns:a14="http://schemas.microsoft.com/office/drawing/2010/main" xmlns="">
                   <a:noFill/>
                 </a14:hiddenFill>
               </a:ext>
@@ -41458,7 +41458,7 @@
             </a:ln>
             <a:extLst>
               <a:ext uri="{909E8E84-426E-40dd-AFC4-6F175D3DCCD1}">
-                <a14:hiddenFill xmlns="" xmlns:a14="http://schemas.microsoft.com/office/drawing/2010/main">
+                <a14:hiddenFill xmlns:a14="http://schemas.microsoft.com/office/drawing/2010/main" xmlns="">
                   <a:noFill/>
                 </a14:hiddenFill>
               </a:ext>
@@ -41509,7 +41509,7 @@
             </a:ln>
             <a:extLst>
               <a:ext uri="{909E8E84-426E-40dd-AFC4-6F175D3DCCD1}">
-                <a14:hiddenFill xmlns="" xmlns:a14="http://schemas.microsoft.com/office/drawing/2010/main">
+                <a14:hiddenFill xmlns:a14="http://schemas.microsoft.com/office/drawing/2010/main" xmlns="">
                   <a:noFill/>
                 </a14:hiddenFill>
               </a:ext>
@@ -41560,7 +41560,7 @@
             </a:ln>
             <a:extLst>
               <a:ext uri="{909E8E84-426E-40dd-AFC4-6F175D3DCCD1}">
-                <a14:hiddenFill xmlns="" xmlns:a14="http://schemas.microsoft.com/office/drawing/2010/main">
+                <a14:hiddenFill xmlns:a14="http://schemas.microsoft.com/office/drawing/2010/main" xmlns="">
                   <a:noFill/>
                 </a14:hiddenFill>
               </a:ext>
@@ -41611,7 +41611,7 @@
             </a:ln>
             <a:extLst>
               <a:ext uri="{909E8E84-426E-40dd-AFC4-6F175D3DCCD1}">
-                <a14:hiddenFill xmlns="" xmlns:a14="http://schemas.microsoft.com/office/drawing/2010/main">
+                <a14:hiddenFill xmlns:a14="http://schemas.microsoft.com/office/drawing/2010/main" xmlns="">
                   <a:noFill/>
                 </a14:hiddenFill>
               </a:ext>
@@ -41662,7 +41662,7 @@
             </a:ln>
             <a:extLst>
               <a:ext uri="{909E8E84-426E-40dd-AFC4-6F175D3DCCD1}">
-                <a14:hiddenFill xmlns="" xmlns:a14="http://schemas.microsoft.com/office/drawing/2010/main">
+                <a14:hiddenFill xmlns:a14="http://schemas.microsoft.com/office/drawing/2010/main" xmlns="">
                   <a:noFill/>
                 </a14:hiddenFill>
               </a:ext>
@@ -41713,7 +41713,7 @@
             </a:ln>
             <a:extLst>
               <a:ext uri="{909E8E84-426E-40dd-AFC4-6F175D3DCCD1}">
-                <a14:hiddenFill xmlns="" xmlns:a14="http://schemas.microsoft.com/office/drawing/2010/main">
+                <a14:hiddenFill xmlns:a14="http://schemas.microsoft.com/office/drawing/2010/main" xmlns="">
                   <a:noFill/>
                 </a14:hiddenFill>
               </a:ext>
@@ -41764,7 +41764,7 @@
             </a:ln>
             <a:extLst>
               <a:ext uri="{909E8E84-426E-40dd-AFC4-6F175D3DCCD1}">
-                <a14:hiddenFill xmlns="" xmlns:a14="http://schemas.microsoft.com/office/drawing/2010/main">
+                <a14:hiddenFill xmlns:a14="http://schemas.microsoft.com/office/drawing/2010/main" xmlns="">
                   <a:noFill/>
                 </a14:hiddenFill>
               </a:ext>
@@ -41815,7 +41815,7 @@
             </a:ln>
             <a:extLst>
               <a:ext uri="{909E8E84-426E-40dd-AFC4-6F175D3DCCD1}">
-                <a14:hiddenFill xmlns="" xmlns:a14="http://schemas.microsoft.com/office/drawing/2010/main">
+                <a14:hiddenFill xmlns:a14="http://schemas.microsoft.com/office/drawing/2010/main" xmlns="">
                   <a:noFill/>
                 </a14:hiddenFill>
               </a:ext>
@@ -41866,7 +41866,7 @@
             </a:ln>
             <a:extLst>
               <a:ext uri="{909E8E84-426E-40dd-AFC4-6F175D3DCCD1}">
-                <a14:hiddenFill xmlns="" xmlns:a14="http://schemas.microsoft.com/office/drawing/2010/main">
+                <a14:hiddenFill xmlns:a14="http://schemas.microsoft.com/office/drawing/2010/main" xmlns="">
                   <a:noFill/>
                 </a14:hiddenFill>
               </a:ext>
@@ -41917,7 +41917,7 @@
             </a:ln>
             <a:extLst>
               <a:ext uri="{909E8E84-426E-40dd-AFC4-6F175D3DCCD1}">
-                <a14:hiddenFill xmlns="" xmlns:a14="http://schemas.microsoft.com/office/drawing/2010/main">
+                <a14:hiddenFill xmlns:a14="http://schemas.microsoft.com/office/drawing/2010/main" xmlns="">
                   <a:noFill/>
                 </a14:hiddenFill>
               </a:ext>
@@ -41968,7 +41968,7 @@
             </a:ln>
             <a:extLst>
               <a:ext uri="{909E8E84-426E-40dd-AFC4-6F175D3DCCD1}">
-                <a14:hiddenFill xmlns="" xmlns:a14="http://schemas.microsoft.com/office/drawing/2010/main">
+                <a14:hiddenFill xmlns:a14="http://schemas.microsoft.com/office/drawing/2010/main" xmlns="">
                   <a:noFill/>
                 </a14:hiddenFill>
               </a:ext>
@@ -42019,7 +42019,7 @@
             </a:ln>
             <a:extLst>
               <a:ext uri="{909E8E84-426E-40dd-AFC4-6F175D3DCCD1}">
-                <a14:hiddenFill xmlns="" xmlns:a14="http://schemas.microsoft.com/office/drawing/2010/main">
+                <a14:hiddenFill xmlns:a14="http://schemas.microsoft.com/office/drawing/2010/main" xmlns="">
                   <a:noFill/>
                 </a14:hiddenFill>
               </a:ext>
@@ -42070,7 +42070,7 @@
             </a:ln>
             <a:extLst>
               <a:ext uri="{909E8E84-426E-40dd-AFC4-6F175D3DCCD1}">
-                <a14:hiddenFill xmlns="" xmlns:a14="http://schemas.microsoft.com/office/drawing/2010/main">
+                <a14:hiddenFill xmlns:a14="http://schemas.microsoft.com/office/drawing/2010/main" xmlns="">
                   <a:noFill/>
                 </a14:hiddenFill>
               </a:ext>
@@ -42121,7 +42121,7 @@
             </a:ln>
             <a:extLst>
               <a:ext uri="{909E8E84-426E-40dd-AFC4-6F175D3DCCD1}">
-                <a14:hiddenFill xmlns="" xmlns:a14="http://schemas.microsoft.com/office/drawing/2010/main">
+                <a14:hiddenFill xmlns:a14="http://schemas.microsoft.com/office/drawing/2010/main" xmlns="">
                   <a:noFill/>
                 </a14:hiddenFill>
               </a:ext>
@@ -42172,7 +42172,7 @@
             </a:ln>
             <a:extLst>
               <a:ext uri="{909E8E84-426E-40dd-AFC4-6F175D3DCCD1}">
-                <a14:hiddenFill xmlns="" xmlns:a14="http://schemas.microsoft.com/office/drawing/2010/main">
+                <a14:hiddenFill xmlns:a14="http://schemas.microsoft.com/office/drawing/2010/main" xmlns="">
                   <a:noFill/>
                 </a14:hiddenFill>
               </a:ext>
@@ -42223,7 +42223,7 @@
             </a:ln>
             <a:extLst>
               <a:ext uri="{909E8E84-426E-40dd-AFC4-6F175D3DCCD1}">
-                <a14:hiddenFill xmlns="" xmlns:a14="http://schemas.microsoft.com/office/drawing/2010/main">
+                <a14:hiddenFill xmlns:a14="http://schemas.microsoft.com/office/drawing/2010/main" xmlns="">
                   <a:noFill/>
                 </a14:hiddenFill>
               </a:ext>
@@ -42274,7 +42274,7 @@
             </a:ln>
             <a:extLst>
               <a:ext uri="{909E8E84-426E-40dd-AFC4-6F175D3DCCD1}">
-                <a14:hiddenFill xmlns="" xmlns:a14="http://schemas.microsoft.com/office/drawing/2010/main">
+                <a14:hiddenFill xmlns:a14="http://schemas.microsoft.com/office/drawing/2010/main" xmlns="">
                   <a:noFill/>
                 </a14:hiddenFill>
               </a:ext>
@@ -42325,7 +42325,7 @@
             </a:ln>
             <a:extLst>
               <a:ext uri="{909E8E84-426E-40dd-AFC4-6F175D3DCCD1}">
-                <a14:hiddenFill xmlns="" xmlns:a14="http://schemas.microsoft.com/office/drawing/2010/main">
+                <a14:hiddenFill xmlns:a14="http://schemas.microsoft.com/office/drawing/2010/main" xmlns="">
                   <a:noFill/>
                 </a14:hiddenFill>
               </a:ext>
@@ -42376,7 +42376,7 @@
             </a:ln>
             <a:extLst>
               <a:ext uri="{909E8E84-426E-40dd-AFC4-6F175D3DCCD1}">
-                <a14:hiddenFill xmlns="" xmlns:a14="http://schemas.microsoft.com/office/drawing/2010/main">
+                <a14:hiddenFill xmlns:a14="http://schemas.microsoft.com/office/drawing/2010/main" xmlns="">
                   <a:noFill/>
                 </a14:hiddenFill>
               </a:ext>
@@ -42427,7 +42427,7 @@
             </a:ln>
             <a:extLst>
               <a:ext uri="{909E8E84-426E-40dd-AFC4-6F175D3DCCD1}">
-                <a14:hiddenFill xmlns="" xmlns:a14="http://schemas.microsoft.com/office/drawing/2010/main">
+                <a14:hiddenFill xmlns:a14="http://schemas.microsoft.com/office/drawing/2010/main" xmlns="">
                   <a:noFill/>
                 </a14:hiddenFill>
               </a:ext>
@@ -42478,7 +42478,7 @@
             </a:ln>
             <a:extLst>
               <a:ext uri="{909E8E84-426E-40dd-AFC4-6F175D3DCCD1}">
-                <a14:hiddenFill xmlns="" xmlns:a14="http://schemas.microsoft.com/office/drawing/2010/main">
+                <a14:hiddenFill xmlns:a14="http://schemas.microsoft.com/office/drawing/2010/main" xmlns="">
                   <a:noFill/>
                 </a14:hiddenFill>
               </a:ext>
@@ -42529,7 +42529,7 @@
             </a:ln>
             <a:extLst>
               <a:ext uri="{909E8E84-426E-40dd-AFC4-6F175D3DCCD1}">
-                <a14:hiddenFill xmlns="" xmlns:a14="http://schemas.microsoft.com/office/drawing/2010/main">
+                <a14:hiddenFill xmlns:a14="http://schemas.microsoft.com/office/drawing/2010/main" xmlns="">
                   <a:noFill/>
                 </a14:hiddenFill>
               </a:ext>
@@ -42580,7 +42580,7 @@
             </a:ln>
             <a:extLst>
               <a:ext uri="{909E8E84-426E-40dd-AFC4-6F175D3DCCD1}">
-                <a14:hiddenFill xmlns="" xmlns:a14="http://schemas.microsoft.com/office/drawing/2010/main">
+                <a14:hiddenFill xmlns:a14="http://schemas.microsoft.com/office/drawing/2010/main" xmlns="">
                   <a:noFill/>
                 </a14:hiddenFill>
               </a:ext>
@@ -42631,7 +42631,7 @@
             </a:ln>
             <a:extLst>
               <a:ext uri="{909E8E84-426E-40dd-AFC4-6F175D3DCCD1}">
-                <a14:hiddenFill xmlns="" xmlns:a14="http://schemas.microsoft.com/office/drawing/2010/main">
+                <a14:hiddenFill xmlns:a14="http://schemas.microsoft.com/office/drawing/2010/main" xmlns="">
                   <a:noFill/>
                 </a14:hiddenFill>
               </a:ext>
@@ -42682,7 +42682,7 @@
             </a:ln>
             <a:extLst>
               <a:ext uri="{909E8E84-426E-40dd-AFC4-6F175D3DCCD1}">
-                <a14:hiddenFill xmlns="" xmlns:a14="http://schemas.microsoft.com/office/drawing/2010/main">
+                <a14:hiddenFill xmlns:a14="http://schemas.microsoft.com/office/drawing/2010/main" xmlns="">
                   <a:noFill/>
                 </a14:hiddenFill>
               </a:ext>
@@ -42733,7 +42733,7 @@
             </a:ln>
             <a:extLst>
               <a:ext uri="{909E8E84-426E-40dd-AFC4-6F175D3DCCD1}">
-                <a14:hiddenFill xmlns="" xmlns:a14="http://schemas.microsoft.com/office/drawing/2010/main">
+                <a14:hiddenFill xmlns:a14="http://schemas.microsoft.com/office/drawing/2010/main" xmlns="">
                   <a:noFill/>
                 </a14:hiddenFill>
               </a:ext>
@@ -42784,7 +42784,7 @@
             </a:ln>
             <a:extLst>
               <a:ext uri="{909E8E84-426E-40dd-AFC4-6F175D3DCCD1}">
-                <a14:hiddenFill xmlns="" xmlns:a14="http://schemas.microsoft.com/office/drawing/2010/main">
+                <a14:hiddenFill xmlns:a14="http://schemas.microsoft.com/office/drawing/2010/main" xmlns="">
                   <a:noFill/>
                 </a14:hiddenFill>
               </a:ext>
@@ -42835,7 +42835,7 @@
             </a:ln>
             <a:extLst>
               <a:ext uri="{909E8E84-426E-40dd-AFC4-6F175D3DCCD1}">
-                <a14:hiddenFill xmlns="" xmlns:a14="http://schemas.microsoft.com/office/drawing/2010/main">
+                <a14:hiddenFill xmlns:a14="http://schemas.microsoft.com/office/drawing/2010/main" xmlns="">
                   <a:noFill/>
                 </a14:hiddenFill>
               </a:ext>
@@ -42886,7 +42886,7 @@
             </a:ln>
             <a:extLst>
               <a:ext uri="{909E8E84-426E-40dd-AFC4-6F175D3DCCD1}">
-                <a14:hiddenFill xmlns="" xmlns:a14="http://schemas.microsoft.com/office/drawing/2010/main">
+                <a14:hiddenFill xmlns:a14="http://schemas.microsoft.com/office/drawing/2010/main" xmlns="">
                   <a:noFill/>
                 </a14:hiddenFill>
               </a:ext>
@@ -42937,7 +42937,7 @@
             </a:ln>
             <a:extLst>
               <a:ext uri="{909E8E84-426E-40dd-AFC4-6F175D3DCCD1}">
-                <a14:hiddenFill xmlns="" xmlns:a14="http://schemas.microsoft.com/office/drawing/2010/main">
+                <a14:hiddenFill xmlns:a14="http://schemas.microsoft.com/office/drawing/2010/main" xmlns="">
                   <a:noFill/>
                 </a14:hiddenFill>
               </a:ext>
@@ -42988,7 +42988,7 @@
             </a:ln>
             <a:extLst>
               <a:ext uri="{909E8E84-426E-40dd-AFC4-6F175D3DCCD1}">
-                <a14:hiddenFill xmlns="" xmlns:a14="http://schemas.microsoft.com/office/drawing/2010/main">
+                <a14:hiddenFill xmlns:a14="http://schemas.microsoft.com/office/drawing/2010/main" xmlns="">
                   <a:noFill/>
                 </a14:hiddenFill>
               </a:ext>
@@ -43039,7 +43039,7 @@
             </a:ln>
             <a:extLst>
               <a:ext uri="{909E8E84-426E-40dd-AFC4-6F175D3DCCD1}">
-                <a14:hiddenFill xmlns="" xmlns:a14="http://schemas.microsoft.com/office/drawing/2010/main">
+                <a14:hiddenFill xmlns:a14="http://schemas.microsoft.com/office/drawing/2010/main" xmlns="">
                   <a:noFill/>
                 </a14:hiddenFill>
               </a:ext>
@@ -43090,7 +43090,7 @@
             </a:ln>
             <a:extLst>
               <a:ext uri="{909E8E84-426E-40dd-AFC4-6F175D3DCCD1}">
-                <a14:hiddenFill xmlns="" xmlns:a14="http://schemas.microsoft.com/office/drawing/2010/main">
+                <a14:hiddenFill xmlns:a14="http://schemas.microsoft.com/office/drawing/2010/main" xmlns="">
                   <a:noFill/>
                 </a14:hiddenFill>
               </a:ext>
@@ -43141,7 +43141,7 @@
             </a:ln>
             <a:extLst>
               <a:ext uri="{909E8E84-426E-40dd-AFC4-6F175D3DCCD1}">
-                <a14:hiddenFill xmlns="" xmlns:a14="http://schemas.microsoft.com/office/drawing/2010/main">
+                <a14:hiddenFill xmlns:a14="http://schemas.microsoft.com/office/drawing/2010/main" xmlns="">
                   <a:noFill/>
                 </a14:hiddenFill>
               </a:ext>
@@ -43192,7 +43192,7 @@
             </a:ln>
             <a:extLst>
               <a:ext uri="{909E8E84-426E-40dd-AFC4-6F175D3DCCD1}">
-                <a14:hiddenFill xmlns="" xmlns:a14="http://schemas.microsoft.com/office/drawing/2010/main">
+                <a14:hiddenFill xmlns:a14="http://schemas.microsoft.com/office/drawing/2010/main" xmlns="">
                   <a:noFill/>
                 </a14:hiddenFill>
               </a:ext>
@@ -43243,7 +43243,7 @@
             </a:ln>
             <a:extLst>
               <a:ext uri="{909E8E84-426E-40dd-AFC4-6F175D3DCCD1}">
-                <a14:hiddenFill xmlns="" xmlns:a14="http://schemas.microsoft.com/office/drawing/2010/main">
+                <a14:hiddenFill xmlns:a14="http://schemas.microsoft.com/office/drawing/2010/main" xmlns="">
                   <a:noFill/>
                 </a14:hiddenFill>
               </a:ext>
@@ -43294,7 +43294,7 @@
             </a:ln>
             <a:extLst>
               <a:ext uri="{909E8E84-426E-40dd-AFC4-6F175D3DCCD1}">
-                <a14:hiddenFill xmlns="" xmlns:a14="http://schemas.microsoft.com/office/drawing/2010/main">
+                <a14:hiddenFill xmlns:a14="http://schemas.microsoft.com/office/drawing/2010/main" xmlns="">
                   <a:noFill/>
                 </a14:hiddenFill>
               </a:ext>
@@ -43345,7 +43345,7 @@
             </a:ln>
             <a:extLst>
               <a:ext uri="{909E8E84-426E-40dd-AFC4-6F175D3DCCD1}">
-                <a14:hiddenFill xmlns="" xmlns:a14="http://schemas.microsoft.com/office/drawing/2010/main">
+                <a14:hiddenFill xmlns:a14="http://schemas.microsoft.com/office/drawing/2010/main" xmlns="">
                   <a:noFill/>
                 </a14:hiddenFill>
               </a:ext>
@@ -43396,7 +43396,7 @@
             </a:ln>
             <a:extLst>
               <a:ext uri="{909E8E84-426E-40dd-AFC4-6F175D3DCCD1}">
-                <a14:hiddenFill xmlns="" xmlns:a14="http://schemas.microsoft.com/office/drawing/2010/main">
+                <a14:hiddenFill xmlns:a14="http://schemas.microsoft.com/office/drawing/2010/main" xmlns="">
                   <a:noFill/>
                 </a14:hiddenFill>
               </a:ext>
@@ -45197,14 +45197,6 @@
               </a:rPr>
               <a:t>field</a:t>
             </a:r>
-            <a:endParaRPr lang="en-US" sz="3200" dirty="0">
-              <a:solidFill>
-                <a:srgbClr val="5B6770"/>
-              </a:solidFill>
-              <a:latin typeface="Verdana" panose="020B0604030504040204" pitchFamily="34" charset="0"/>
-              <a:ea typeface="Verdana" panose="020B0604030504040204" pitchFamily="34" charset="0"/>
-              <a:cs typeface="Verdana" panose="020B0604030504040204" pitchFamily="34" charset="0"/>
-            </a:endParaRPr>
           </a:p>
         </p:txBody>
       </p:sp>
@@ -45218,11 +45210,11 @@
   <p:clrMapOvr>
     <a:masterClrMapping/>
   </p:clrMapOvr>
-  <mc:AlternateContent xmlns:mc="http://schemas.openxmlformats.org/markup-compatibility/2006">
-    <mc:Choice xmlns:p14="http://schemas.microsoft.com/office/powerpoint/2010/main" Requires="p14">
+  <mc:AlternateContent xmlns:mc="http://schemas.openxmlformats.org/markup-compatibility/2006" xmlns:p14="http://schemas.microsoft.com/office/powerpoint/2010/main">
+    <mc:Choice Requires="p14">
       <p:transition p14:dur="0"/>
     </mc:Choice>
-    <mc:Fallback>
+    <mc:Fallback xmlns="">
       <p:transition/>
     </mc:Fallback>
   </mc:AlternateContent>
@@ -46833,14 +46825,6 @@
               </a:rPr>
               <a:t>rural and small towns</a:t>
             </a:r>
-            <a:endParaRPr lang="en-US" sz="3200" dirty="0">
-              <a:solidFill>
-                <a:srgbClr val="5B6770"/>
-              </a:solidFill>
-              <a:latin typeface="Verdana" panose="020B0604030504040204" pitchFamily="34" charset="0"/>
-              <a:ea typeface="Verdana" panose="020B0604030504040204" pitchFamily="34" charset="0"/>
-              <a:cs typeface="Verdana" panose="020B0604030504040204" pitchFamily="34" charset="0"/>
-            </a:endParaRPr>
           </a:p>
         </p:txBody>
       </p:sp>
@@ -47016,14 +47000,6 @@
               </a:rPr>
               <a:t>The value of a computer science education</a:t>
             </a:r>
-            <a:endParaRPr lang="en-US" sz="3200" b="1" dirty="0">
-              <a:solidFill>
-                <a:srgbClr val="5B6770"/>
-              </a:solidFill>
-              <a:latin typeface="Verdana" panose="020B0604030504040204" pitchFamily="34" charset="0"/>
-              <a:ea typeface="Verdana" panose="020B0604030504040204" pitchFamily="34" charset="0"/>
-              <a:cs typeface="Verdana" panose="020B0604030504040204" pitchFamily="34" charset="0"/>
-            </a:endParaRPr>
           </a:p>
         </p:txBody>
       </p:sp>
@@ -47138,18 +47114,7 @@
                 <a:ea typeface="Verdana" panose="020B0604030504040204" pitchFamily="34" charset="0"/>
                 <a:cs typeface="Verdana" panose="020B0604030504040204" pitchFamily="34" charset="0"/>
               </a:rPr>
-              <a:t>openings</a:t>
-            </a:r>
-            <a:r>
-              <a:rPr lang="en-US" sz="2400" b="1" dirty="0" smtClean="0">
-                <a:solidFill>
-                  <a:srgbClr val="5B6770"/>
-                </a:solidFill>
-                <a:latin typeface="Verdana" panose="020B0604030504040204" pitchFamily="34" charset="0"/>
-                <a:ea typeface="Verdana" panose="020B0604030504040204" pitchFamily="34" charset="0"/>
-                <a:cs typeface="Verdana" panose="020B0604030504040204" pitchFamily="34" charset="0"/>
-              </a:rPr>
-              <a:t>:</a:t>
+              <a:t>openings:</a:t>
             </a:r>
             <a:r>
               <a:rPr lang="en-US" sz="2400" dirty="0" smtClean="0">
@@ -47603,11 +47568,11 @@
   <p:clrMapOvr>
     <a:masterClrMapping/>
   </p:clrMapOvr>
-  <mc:AlternateContent xmlns:mc="http://schemas.openxmlformats.org/markup-compatibility/2006">
-    <mc:Choice xmlns:p14="http://schemas.microsoft.com/office/powerpoint/2010/main" Requires="p14">
+  <mc:AlternateContent xmlns:mc="http://schemas.openxmlformats.org/markup-compatibility/2006" xmlns:p14="http://schemas.microsoft.com/office/powerpoint/2010/main">
+    <mc:Choice Requires="p14">
       <p:transition p14:dur="0"/>
     </mc:Choice>
-    <mc:Fallback>
+    <mc:Fallback xmlns="">
       <p:transition/>
     </mc:Fallback>
   </mc:AlternateContent>
@@ -48072,14 +48037,6 @@
               </a:rPr>
               <a:t>The STEM problem is in computer science </a:t>
             </a:r>
-            <a:endParaRPr lang="en-US" sz="3200" b="1" dirty="0">
-              <a:solidFill>
-                <a:srgbClr val="5B6770"/>
-              </a:solidFill>
-              <a:latin typeface="Verdana" panose="020B0604030504040204" pitchFamily="34" charset="0"/>
-              <a:ea typeface="Verdana" panose="020B0604030504040204" pitchFamily="34" charset="0"/>
-              <a:cs typeface="Verdana" panose="020B0604030504040204" pitchFamily="34" charset="0"/>
-            </a:endParaRPr>
           </a:p>
         </p:txBody>
       </p:sp>
@@ -48093,11 +48050,11 @@
   <p:clrMapOvr>
     <a:masterClrMapping/>
   </p:clrMapOvr>
-  <mc:AlternateContent xmlns:mc="http://schemas.openxmlformats.org/markup-compatibility/2006">
-    <mc:Choice xmlns:p14="http://schemas.microsoft.com/office/powerpoint/2010/main" Requires="p14">
+  <mc:AlternateContent xmlns:mc="http://schemas.openxmlformats.org/markup-compatibility/2006" xmlns:p14="http://schemas.microsoft.com/office/powerpoint/2010/main">
+    <mc:Choice Requires="p14">
       <p:transition p14:dur="0"/>
     </mc:Choice>
-    <mc:Fallback>
+    <mc:Fallback xmlns="">
       <p:transition/>
     </mc:Fallback>
   </mc:AlternateContent>
@@ -48601,14 +48558,6 @@
               </a:rPr>
               <a:t>Solving the diversity problem begins in K-12</a:t>
             </a:r>
-            <a:endParaRPr lang="en-US" sz="3200" b="1" dirty="0">
-              <a:solidFill>
-                <a:srgbClr val="5B6770"/>
-              </a:solidFill>
-              <a:latin typeface="Verdana" panose="020B0604030504040204" pitchFamily="34" charset="0"/>
-              <a:ea typeface="Verdana" panose="020B0604030504040204" pitchFamily="34" charset="0"/>
-              <a:cs typeface="Verdana" panose="020B0604030504040204" pitchFamily="34" charset="0"/>
-            </a:endParaRPr>
           </a:p>
         </p:txBody>
       </p:sp>
@@ -49637,42 +49586,6 @@
           </p:txBody>
         </p:sp>
       </p:grpSp>
-      <p:pic>
-        <p:nvPicPr>
-          <p:cNvPr id="4" name="Picture 3">
-            <a:extLst>
-              <a:ext uri="{FF2B5EF4-FFF2-40B4-BE49-F238E27FC236}">
-                <a16:creationId xmlns:a16="http://schemas.microsoft.com/office/drawing/2014/main" xmlns="" id="{9A1F159F-9EFD-504A-B36A-1D459E2ED429}"/>
-              </a:ext>
-            </a:extLst>
-          </p:cNvPr>
-          <p:cNvPicPr>
-            <a:picLocks noChangeAspect="1"/>
-          </p:cNvPicPr>
-          <p:nvPr/>
-        </p:nvPicPr>
-        <p:blipFill>
-          <a:blip r:embed="rId3">
-            <a:extLst>
-              <a:ext uri="{28A0092B-C50C-407E-A947-70E740481C1C}">
-                <a14:useLocalDpi xmlns:a14="http://schemas.microsoft.com/office/drawing/2010/main" val="0"/>
-              </a:ext>
-            </a:extLst>
-          </a:blip>
-          <a:stretch>
-            <a:fillRect/>
-          </a:stretch>
-        </p:blipFill>
-        <p:spPr>
-          <a:xfrm>
-            <a:off x="157092" y="1213318"/>
-            <a:ext cx="5803967" cy="3785616"/>
-          </a:xfrm>
-          <a:prstGeom prst="rect">
-            <a:avLst/>
-          </a:prstGeom>
-        </p:spPr>
-      </p:pic>
       <p:sp>
         <p:nvSpPr>
           <p:cNvPr id="12" name="Title 1"/>
@@ -49728,16 +49641,30 @@
                 <a:ea typeface="Verdana" panose="020B0604030504040204" pitchFamily="34" charset="0"/>
                 <a:cs typeface="Verdana" panose="020B0604030504040204" pitchFamily="34" charset="0"/>
               </a:rPr>
-              <a:t>CS can count for graduation in 35 states + DC</a:t>
+              <a:t>CS can count for graduation in </a:t>
             </a:r>
-            <a:endParaRPr lang="en-US" sz="3200" b="1" dirty="0">
-              <a:solidFill>
-                <a:srgbClr val="5B6770"/>
-              </a:solidFill>
-              <a:latin typeface="Verdana" panose="020B0604030504040204" pitchFamily="34" charset="0"/>
-              <a:ea typeface="Verdana" panose="020B0604030504040204" pitchFamily="34" charset="0"/>
-              <a:cs typeface="Verdana" panose="020B0604030504040204" pitchFamily="34" charset="0"/>
-            </a:endParaRPr>
+            <a:r>
+              <a:rPr lang="en-US" sz="3200" b="1" dirty="0" smtClean="0">
+                <a:solidFill>
+                  <a:srgbClr val="5B6770"/>
+                </a:solidFill>
+                <a:latin typeface="Verdana" panose="020B0604030504040204" pitchFamily="34" charset="0"/>
+                <a:ea typeface="Verdana" panose="020B0604030504040204" pitchFamily="34" charset="0"/>
+                <a:cs typeface="Verdana" panose="020B0604030504040204" pitchFamily="34" charset="0"/>
+              </a:rPr>
+              <a:t>36 </a:t>
+            </a:r>
+            <a:r>
+              <a:rPr lang="en-US" sz="3200" b="1" dirty="0">
+                <a:solidFill>
+                  <a:srgbClr val="5B6770"/>
+                </a:solidFill>
+                <a:latin typeface="Verdana" panose="020B0604030504040204" pitchFamily="34" charset="0"/>
+                <a:ea typeface="Verdana" panose="020B0604030504040204" pitchFamily="34" charset="0"/>
+                <a:cs typeface="Verdana" panose="020B0604030504040204" pitchFamily="34" charset="0"/>
+              </a:rPr>
+              <a:t>states + DC</a:t>
+            </a:r>
           </a:p>
         </p:txBody>
       </p:sp>
@@ -49796,7 +49723,29 @@
                 <a:ea typeface="Verdana" panose="020B0604030504040204" pitchFamily="34" charset="0"/>
                 <a:cs typeface="Verdana" panose="020B0604030504040204" pitchFamily="34" charset="0"/>
               </a:rPr>
-              <a:t>In 35 states plus DC, computer science can count towards high school graduation math or science requirements - </a:t>
+              <a:t>In </a:t>
+            </a:r>
+            <a:r>
+              <a:rPr lang="en-US" sz="1800" dirty="0" smtClean="0">
+                <a:solidFill>
+                  <a:srgbClr val="5B6770"/>
+                </a:solidFill>
+                <a:latin typeface="Verdana" panose="020B0604030504040204" pitchFamily="34" charset="0"/>
+                <a:ea typeface="Verdana" panose="020B0604030504040204" pitchFamily="34" charset="0"/>
+                <a:cs typeface="Verdana" panose="020B0604030504040204" pitchFamily="34" charset="0"/>
+              </a:rPr>
+              <a:t>36 </a:t>
+            </a:r>
+            <a:r>
+              <a:rPr lang="en-US" sz="1800" dirty="0">
+                <a:solidFill>
+                  <a:srgbClr val="5B6770"/>
+                </a:solidFill>
+                <a:latin typeface="Verdana" panose="020B0604030504040204" pitchFamily="34" charset="0"/>
+                <a:ea typeface="Verdana" panose="020B0604030504040204" pitchFamily="34" charset="0"/>
+                <a:cs typeface="Verdana" panose="020B0604030504040204" pitchFamily="34" charset="0"/>
+              </a:rPr>
+              <a:t>states plus DC, computer science can count towards high school graduation math or science requirements - </a:t>
             </a:r>
             <a:r>
               <a:rPr lang="en-US" sz="1800" b="1" dirty="0">
@@ -49820,6 +49769,36 @@
           </a:p>
         </p:txBody>
       </p:sp>
+      <p:pic>
+        <p:nvPicPr>
+          <p:cNvPr id="2" name="Picture 1"/>
+          <p:cNvPicPr>
+            <a:picLocks noChangeAspect="1"/>
+          </p:cNvPicPr>
+          <p:nvPr/>
+        </p:nvPicPr>
+        <p:blipFill>
+          <a:blip r:embed="rId3">
+            <a:extLst>
+              <a:ext uri="{28A0092B-C50C-407E-A947-70E740481C1C}">
+                <a14:useLocalDpi xmlns:a14="http://schemas.microsoft.com/office/drawing/2010/main" val="0"/>
+              </a:ext>
+            </a:extLst>
+          </a:blip>
+          <a:stretch>
+            <a:fillRect/>
+          </a:stretch>
+        </p:blipFill>
+        <p:spPr>
+          <a:xfrm>
+            <a:off x="157091" y="1213318"/>
+            <a:ext cx="5798749" cy="3785616"/>
+          </a:xfrm>
+          <a:prstGeom prst="rect">
+            <a:avLst/>
+          </a:prstGeom>
+        </p:spPr>
+      </p:pic>
     </p:spTree>
     <p:extLst>
       <p:ext uri="{BB962C8B-B14F-4D97-AF65-F5344CB8AC3E}">
@@ -50842,11 +50821,11 @@
   <p:clrMapOvr>
     <a:masterClrMapping/>
   </p:clrMapOvr>
-  <mc:AlternateContent xmlns:mc="http://schemas.openxmlformats.org/markup-compatibility/2006">
-    <mc:Choice xmlns:p14="http://schemas.microsoft.com/office/powerpoint/2010/main" Requires="p14">
+  <mc:AlternateContent xmlns:mc="http://schemas.openxmlformats.org/markup-compatibility/2006" xmlns:p14="http://schemas.microsoft.com/office/powerpoint/2010/main">
+    <mc:Choice Requires="p14">
       <p:transition p14:dur="0"/>
     </mc:Choice>
-    <mc:Fallback>
+    <mc:Fallback xmlns="">
       <p:transition/>
     </mc:Fallback>
   </mc:AlternateContent>
@@ -51049,14 +51028,6 @@
               </a:rPr>
               <a:t>Even when students enjoy computer science and the arts the most</a:t>
             </a:r>
-            <a:endParaRPr lang="en-US" sz="3200" b="1" dirty="0">
-              <a:solidFill>
-                <a:srgbClr val="5B6770"/>
-              </a:solidFill>
-              <a:latin typeface="Verdana" panose="020B0604030504040204" pitchFamily="34" charset="0"/>
-              <a:ea typeface="Verdana" panose="020B0604030504040204" pitchFamily="34" charset="0"/>
-              <a:cs typeface="Verdana" panose="020B0604030504040204" pitchFamily="34" charset="0"/>
-            </a:endParaRPr>
           </a:p>
         </p:txBody>
       </p:sp>
@@ -51732,14 +51703,6 @@
               </a:rPr>
               <a:t>Computer science is about logic, problem solving, and creativity</a:t>
             </a:r>
-            <a:endParaRPr lang="en-US" sz="4400" b="1" dirty="0">
-              <a:solidFill>
-                <a:srgbClr val="FFA400"/>
-              </a:solidFill>
-              <a:latin typeface="Verdana" panose="020B0604030504040204" pitchFamily="34" charset="0"/>
-              <a:ea typeface="Verdana" panose="020B0604030504040204" pitchFamily="34" charset="0"/>
-              <a:cs typeface="Verdana" panose="020B0604030504040204" pitchFamily="34" charset="0"/>
-            </a:endParaRPr>
           </a:p>
         </p:txBody>
       </p:sp>
@@ -51908,11 +51871,11 @@
   <p:clrMapOvr>
     <a:masterClrMapping/>
   </p:clrMapOvr>
-  <mc:AlternateContent xmlns:mc="http://schemas.openxmlformats.org/markup-compatibility/2006">
-    <mc:Choice xmlns:p14="http://schemas.microsoft.com/office/powerpoint/2010/main" Requires="p14">
+  <mc:AlternateContent xmlns:mc="http://schemas.openxmlformats.org/markup-compatibility/2006" xmlns:p14="http://schemas.microsoft.com/office/powerpoint/2010/main">
+    <mc:Choice Requires="p14">
       <p:transition p14:dur="0"/>
     </mc:Choice>
-    <mc:Fallback>
+    <mc:Fallback xmlns="">
       <p:transition/>
     </mc:Fallback>
   </mc:AlternateContent>
@@ -52293,11 +52256,11 @@
   <p:clrMapOvr>
     <a:masterClrMapping/>
   </p:clrMapOvr>
-  <mc:AlternateContent xmlns:mc="http://schemas.openxmlformats.org/markup-compatibility/2006">
-    <mc:Choice xmlns:p14="http://schemas.microsoft.com/office/powerpoint/2010/main" Requires="p14">
+  <mc:AlternateContent xmlns:mc="http://schemas.openxmlformats.org/markup-compatibility/2006" xmlns:p14="http://schemas.microsoft.com/office/powerpoint/2010/main">
+    <mc:Choice Requires="p14">
       <p:transition p14:dur="0"/>
     </mc:Choice>
-    <mc:Fallback>
+    <mc:Fallback xmlns="">
       <p:transition/>
     </mc:Fallback>
   </mc:AlternateContent>

--- a/pegasus/sites.v3/code.org/public/files/computer_science_advocacy.pptx
+++ b/pegasus/sites.v3/code.org/public/files/computer_science_advocacy.pptx
@@ -424,11 +424,11 @@
         </c:dLbls>
         <c:gapWidth val="42"/>
         <c:overlap val="100"/>
-        <c:axId val="434294936"/>
-        <c:axId val="434300424"/>
+        <c:axId val="518094160"/>
+        <c:axId val="518094552"/>
       </c:barChart>
       <c:catAx>
-        <c:axId val="434294936"/>
+        <c:axId val="518094160"/>
         <c:scaling>
           <c:orientation val="minMax"/>
         </c:scaling>
@@ -437,7 +437,7 @@
         <c:majorTickMark val="none"/>
         <c:minorTickMark val="none"/>
         <c:tickLblPos val="nextTo"/>
-        <c:crossAx val="434300424"/>
+        <c:crossAx val="518094552"/>
         <c:crosses val="autoZero"/>
         <c:auto val="0"/>
         <c:lblAlgn val="ctr"/>
@@ -445,7 +445,7 @@
         <c:noMultiLvlLbl val="0"/>
       </c:catAx>
       <c:valAx>
-        <c:axId val="434300424"/>
+        <c:axId val="518094552"/>
         <c:scaling>
           <c:orientation val="minMax"/>
           <c:max val="30000"/>
@@ -465,7 +465,7 @@
         <c:majorTickMark val="none"/>
         <c:minorTickMark val="none"/>
         <c:tickLblPos val="nextTo"/>
-        <c:crossAx val="434294936"/>
+        <c:crossAx val="518094160"/>
         <c:crosses val="autoZero"/>
         <c:crossBetween val="between"/>
       </c:valAx>
@@ -668,11 +668,11 @@
         </c:dLbls>
         <c:gapWidth val="42"/>
         <c:overlap val="100"/>
-        <c:axId val="434294152"/>
-        <c:axId val="434299248"/>
+        <c:axId val="518098864"/>
+        <c:axId val="518095728"/>
       </c:barChart>
       <c:catAx>
-        <c:axId val="434294152"/>
+        <c:axId val="518098864"/>
         <c:scaling>
           <c:orientation val="minMax"/>
         </c:scaling>
@@ -681,7 +681,7 @@
         <c:majorTickMark val="none"/>
         <c:minorTickMark val="none"/>
         <c:tickLblPos val="nextTo"/>
-        <c:crossAx val="434299248"/>
+        <c:crossAx val="518095728"/>
         <c:crosses val="autoZero"/>
         <c:auto val="1"/>
         <c:lblAlgn val="ctr"/>
@@ -689,7 +689,7 @@
         <c:noMultiLvlLbl val="0"/>
       </c:catAx>
       <c:valAx>
-        <c:axId val="434299248"/>
+        <c:axId val="518095728"/>
         <c:scaling>
           <c:orientation val="minMax"/>
         </c:scaling>
@@ -708,7 +708,7 @@
         <c:majorTickMark val="none"/>
         <c:minorTickMark val="none"/>
         <c:tickLblPos val="nextTo"/>
-        <c:crossAx val="434294152"/>
+        <c:crossAx val="518098864"/>
         <c:crosses val="autoZero"/>
         <c:crossBetween val="between"/>
       </c:valAx>
@@ -829,7 +829,7 @@
           <a:p>
             <a:fld id="{DBF07D2D-D193-49EA-AA40-D0161EE95780}" type="datetimeFigureOut">
               <a:rPr lang="en-US" smtClean="0"/>
-              <a:t>6/28/2018</a:t>
+              <a:t>7/30/2018</a:t>
             </a:fld>
             <a:endParaRPr lang="en-US"/>
           </a:p>
@@ -5054,7 +5054,7 @@
             </a:ln>
             <a:extLst>
               <a:ext uri="{909E8E84-426E-40dd-AFC4-6F175D3DCCD1}">
-                <a14:hiddenFill xmlns:a14="http://schemas.microsoft.com/office/drawing/2010/main" xmlns="">
+                <a14:hiddenFill xmlns="" xmlns:a14="http://schemas.microsoft.com/office/drawing/2010/main">
                   <a:solidFill>
                     <a:srgbClr val="FFFFFF"/>
                   </a:solidFill>
@@ -5107,7 +5107,7 @@
             </a:ln>
             <a:extLst>
               <a:ext uri="{909E8E84-426E-40dd-AFC4-6F175D3DCCD1}">
-                <a14:hiddenFill xmlns:a14="http://schemas.microsoft.com/office/drawing/2010/main" xmlns="">
+                <a14:hiddenFill xmlns="" xmlns:a14="http://schemas.microsoft.com/office/drawing/2010/main">
                   <a:noFill/>
                 </a14:hiddenFill>
               </a:ext>
@@ -5158,7 +5158,7 @@
             </a:ln>
             <a:extLst>
               <a:ext uri="{909E8E84-426E-40dd-AFC4-6F175D3DCCD1}">
-                <a14:hiddenFill xmlns:a14="http://schemas.microsoft.com/office/drawing/2010/main" xmlns="">
+                <a14:hiddenFill xmlns="" xmlns:a14="http://schemas.microsoft.com/office/drawing/2010/main">
                   <a:noFill/>
                 </a14:hiddenFill>
               </a:ext>
@@ -5209,7 +5209,7 @@
             </a:ln>
             <a:extLst>
               <a:ext uri="{909E8E84-426E-40dd-AFC4-6F175D3DCCD1}">
-                <a14:hiddenFill xmlns:a14="http://schemas.microsoft.com/office/drawing/2010/main" xmlns="">
+                <a14:hiddenFill xmlns="" xmlns:a14="http://schemas.microsoft.com/office/drawing/2010/main">
                   <a:noFill/>
                 </a14:hiddenFill>
               </a:ext>
@@ -5260,7 +5260,7 @@
             </a:ln>
             <a:extLst>
               <a:ext uri="{909E8E84-426E-40dd-AFC4-6F175D3DCCD1}">
-                <a14:hiddenFill xmlns:a14="http://schemas.microsoft.com/office/drawing/2010/main" xmlns="">
+                <a14:hiddenFill xmlns="" xmlns:a14="http://schemas.microsoft.com/office/drawing/2010/main">
                   <a:noFill/>
                 </a14:hiddenFill>
               </a:ext>
@@ -5311,7 +5311,7 @@
             </a:ln>
             <a:extLst>
               <a:ext uri="{909E8E84-426E-40dd-AFC4-6F175D3DCCD1}">
-                <a14:hiddenFill xmlns:a14="http://schemas.microsoft.com/office/drawing/2010/main" xmlns="">
+                <a14:hiddenFill xmlns="" xmlns:a14="http://schemas.microsoft.com/office/drawing/2010/main">
                   <a:noFill/>
                 </a14:hiddenFill>
               </a:ext>
@@ -5362,7 +5362,7 @@
             </a:ln>
             <a:extLst>
               <a:ext uri="{909E8E84-426E-40dd-AFC4-6F175D3DCCD1}">
-                <a14:hiddenFill xmlns:a14="http://schemas.microsoft.com/office/drawing/2010/main" xmlns="">
+                <a14:hiddenFill xmlns="" xmlns:a14="http://schemas.microsoft.com/office/drawing/2010/main">
                   <a:noFill/>
                 </a14:hiddenFill>
               </a:ext>
@@ -5413,7 +5413,7 @@
             </a:ln>
             <a:extLst>
               <a:ext uri="{909E8E84-426E-40dd-AFC4-6F175D3DCCD1}">
-                <a14:hiddenFill xmlns:a14="http://schemas.microsoft.com/office/drawing/2010/main" xmlns="">
+                <a14:hiddenFill xmlns="" xmlns:a14="http://schemas.microsoft.com/office/drawing/2010/main">
                   <a:noFill/>
                 </a14:hiddenFill>
               </a:ext>
@@ -5464,7 +5464,7 @@
             </a:ln>
             <a:extLst>
               <a:ext uri="{909E8E84-426E-40dd-AFC4-6F175D3DCCD1}">
-                <a14:hiddenFill xmlns:a14="http://schemas.microsoft.com/office/drawing/2010/main" xmlns="">
+                <a14:hiddenFill xmlns="" xmlns:a14="http://schemas.microsoft.com/office/drawing/2010/main">
                   <a:noFill/>
                 </a14:hiddenFill>
               </a:ext>
@@ -5515,7 +5515,7 @@
             </a:ln>
             <a:extLst>
               <a:ext uri="{909E8E84-426E-40dd-AFC4-6F175D3DCCD1}">
-                <a14:hiddenFill xmlns:a14="http://schemas.microsoft.com/office/drawing/2010/main" xmlns="">
+                <a14:hiddenFill xmlns="" xmlns:a14="http://schemas.microsoft.com/office/drawing/2010/main">
                   <a:noFill/>
                 </a14:hiddenFill>
               </a:ext>
@@ -5566,7 +5566,7 @@
             </a:ln>
             <a:extLst>
               <a:ext uri="{909E8E84-426E-40dd-AFC4-6F175D3DCCD1}">
-                <a14:hiddenFill xmlns:a14="http://schemas.microsoft.com/office/drawing/2010/main" xmlns="">
+                <a14:hiddenFill xmlns="" xmlns:a14="http://schemas.microsoft.com/office/drawing/2010/main">
                   <a:noFill/>
                 </a14:hiddenFill>
               </a:ext>
@@ -5617,7 +5617,7 @@
             </a:ln>
             <a:extLst>
               <a:ext uri="{909E8E84-426E-40dd-AFC4-6F175D3DCCD1}">
-                <a14:hiddenFill xmlns:a14="http://schemas.microsoft.com/office/drawing/2010/main" xmlns="">
+                <a14:hiddenFill xmlns="" xmlns:a14="http://schemas.microsoft.com/office/drawing/2010/main">
                   <a:noFill/>
                 </a14:hiddenFill>
               </a:ext>
@@ -5668,7 +5668,7 @@
             </a:ln>
             <a:extLst>
               <a:ext uri="{909E8E84-426E-40dd-AFC4-6F175D3DCCD1}">
-                <a14:hiddenFill xmlns:a14="http://schemas.microsoft.com/office/drawing/2010/main" xmlns="">
+                <a14:hiddenFill xmlns="" xmlns:a14="http://schemas.microsoft.com/office/drawing/2010/main">
                   <a:noFill/>
                 </a14:hiddenFill>
               </a:ext>
@@ -5719,7 +5719,7 @@
             </a:ln>
             <a:extLst>
               <a:ext uri="{909E8E84-426E-40dd-AFC4-6F175D3DCCD1}">
-                <a14:hiddenFill xmlns:a14="http://schemas.microsoft.com/office/drawing/2010/main" xmlns="">
+                <a14:hiddenFill xmlns="" xmlns:a14="http://schemas.microsoft.com/office/drawing/2010/main">
                   <a:noFill/>
                 </a14:hiddenFill>
               </a:ext>
@@ -5770,7 +5770,7 @@
             </a:ln>
             <a:extLst>
               <a:ext uri="{909E8E84-426E-40dd-AFC4-6F175D3DCCD1}">
-                <a14:hiddenFill xmlns:a14="http://schemas.microsoft.com/office/drawing/2010/main" xmlns="">
+                <a14:hiddenFill xmlns="" xmlns:a14="http://schemas.microsoft.com/office/drawing/2010/main">
                   <a:noFill/>
                 </a14:hiddenFill>
               </a:ext>
@@ -5821,7 +5821,7 @@
             </a:ln>
             <a:extLst>
               <a:ext uri="{909E8E84-426E-40dd-AFC4-6F175D3DCCD1}">
-                <a14:hiddenFill xmlns:a14="http://schemas.microsoft.com/office/drawing/2010/main" xmlns="">
+                <a14:hiddenFill xmlns="" xmlns:a14="http://schemas.microsoft.com/office/drawing/2010/main">
                   <a:noFill/>
                 </a14:hiddenFill>
               </a:ext>
@@ -5872,7 +5872,7 @@
             </a:ln>
             <a:extLst>
               <a:ext uri="{909E8E84-426E-40dd-AFC4-6F175D3DCCD1}">
-                <a14:hiddenFill xmlns:a14="http://schemas.microsoft.com/office/drawing/2010/main" xmlns="">
+                <a14:hiddenFill xmlns="" xmlns:a14="http://schemas.microsoft.com/office/drawing/2010/main">
                   <a:noFill/>
                 </a14:hiddenFill>
               </a:ext>
@@ -5923,7 +5923,7 @@
             </a:ln>
             <a:extLst>
               <a:ext uri="{909E8E84-426E-40dd-AFC4-6F175D3DCCD1}">
-                <a14:hiddenFill xmlns:a14="http://schemas.microsoft.com/office/drawing/2010/main" xmlns="">
+                <a14:hiddenFill xmlns="" xmlns:a14="http://schemas.microsoft.com/office/drawing/2010/main">
                   <a:noFill/>
                 </a14:hiddenFill>
               </a:ext>
@@ -5974,7 +5974,7 @@
             </a:ln>
             <a:extLst>
               <a:ext uri="{909E8E84-426E-40dd-AFC4-6F175D3DCCD1}">
-                <a14:hiddenFill xmlns:a14="http://schemas.microsoft.com/office/drawing/2010/main" xmlns="">
+                <a14:hiddenFill xmlns="" xmlns:a14="http://schemas.microsoft.com/office/drawing/2010/main">
                   <a:noFill/>
                 </a14:hiddenFill>
               </a:ext>
@@ -6025,7 +6025,7 @@
             </a:ln>
             <a:extLst>
               <a:ext uri="{909E8E84-426E-40dd-AFC4-6F175D3DCCD1}">
-                <a14:hiddenFill xmlns:a14="http://schemas.microsoft.com/office/drawing/2010/main" xmlns="">
+                <a14:hiddenFill xmlns="" xmlns:a14="http://schemas.microsoft.com/office/drawing/2010/main">
                   <a:noFill/>
                 </a14:hiddenFill>
               </a:ext>
@@ -6076,7 +6076,7 @@
             </a:ln>
             <a:extLst>
               <a:ext uri="{909E8E84-426E-40dd-AFC4-6F175D3DCCD1}">
-                <a14:hiddenFill xmlns:a14="http://schemas.microsoft.com/office/drawing/2010/main" xmlns="">
+                <a14:hiddenFill xmlns="" xmlns:a14="http://schemas.microsoft.com/office/drawing/2010/main">
                   <a:noFill/>
                 </a14:hiddenFill>
               </a:ext>
@@ -6127,7 +6127,7 @@
             </a:ln>
             <a:extLst>
               <a:ext uri="{909E8E84-426E-40dd-AFC4-6F175D3DCCD1}">
-                <a14:hiddenFill xmlns:a14="http://schemas.microsoft.com/office/drawing/2010/main" xmlns="">
+                <a14:hiddenFill xmlns="" xmlns:a14="http://schemas.microsoft.com/office/drawing/2010/main">
                   <a:noFill/>
                 </a14:hiddenFill>
               </a:ext>
@@ -6178,7 +6178,7 @@
             </a:ln>
             <a:extLst>
               <a:ext uri="{909E8E84-426E-40dd-AFC4-6F175D3DCCD1}">
-                <a14:hiddenFill xmlns:a14="http://schemas.microsoft.com/office/drawing/2010/main" xmlns="">
+                <a14:hiddenFill xmlns="" xmlns:a14="http://schemas.microsoft.com/office/drawing/2010/main">
                   <a:noFill/>
                 </a14:hiddenFill>
               </a:ext>
@@ -6229,7 +6229,7 @@
             </a:ln>
             <a:extLst>
               <a:ext uri="{909E8E84-426E-40dd-AFC4-6F175D3DCCD1}">
-                <a14:hiddenFill xmlns:a14="http://schemas.microsoft.com/office/drawing/2010/main" xmlns="">
+                <a14:hiddenFill xmlns="" xmlns:a14="http://schemas.microsoft.com/office/drawing/2010/main">
                   <a:noFill/>
                 </a14:hiddenFill>
               </a:ext>
@@ -6280,7 +6280,7 @@
             </a:ln>
             <a:extLst>
               <a:ext uri="{909E8E84-426E-40dd-AFC4-6F175D3DCCD1}">
-                <a14:hiddenFill xmlns:a14="http://schemas.microsoft.com/office/drawing/2010/main" xmlns="">
+                <a14:hiddenFill xmlns="" xmlns:a14="http://schemas.microsoft.com/office/drawing/2010/main">
                   <a:noFill/>
                 </a14:hiddenFill>
               </a:ext>
@@ -6331,7 +6331,7 @@
             </a:ln>
             <a:extLst>
               <a:ext uri="{909E8E84-426E-40dd-AFC4-6F175D3DCCD1}">
-                <a14:hiddenFill xmlns:a14="http://schemas.microsoft.com/office/drawing/2010/main" xmlns="">
+                <a14:hiddenFill xmlns="" xmlns:a14="http://schemas.microsoft.com/office/drawing/2010/main">
                   <a:noFill/>
                 </a14:hiddenFill>
               </a:ext>
@@ -6382,7 +6382,7 @@
             </a:ln>
             <a:extLst>
               <a:ext uri="{909E8E84-426E-40dd-AFC4-6F175D3DCCD1}">
-                <a14:hiddenFill xmlns:a14="http://schemas.microsoft.com/office/drawing/2010/main" xmlns="">
+                <a14:hiddenFill xmlns="" xmlns:a14="http://schemas.microsoft.com/office/drawing/2010/main">
                   <a:noFill/>
                 </a14:hiddenFill>
               </a:ext>
@@ -6433,7 +6433,7 @@
             </a:ln>
             <a:extLst>
               <a:ext uri="{909E8E84-426E-40dd-AFC4-6F175D3DCCD1}">
-                <a14:hiddenFill xmlns:a14="http://schemas.microsoft.com/office/drawing/2010/main" xmlns="">
+                <a14:hiddenFill xmlns="" xmlns:a14="http://schemas.microsoft.com/office/drawing/2010/main">
                   <a:noFill/>
                 </a14:hiddenFill>
               </a:ext>
@@ -6484,7 +6484,7 @@
             </a:ln>
             <a:extLst>
               <a:ext uri="{909E8E84-426E-40dd-AFC4-6F175D3DCCD1}">
-                <a14:hiddenFill xmlns:a14="http://schemas.microsoft.com/office/drawing/2010/main" xmlns="">
+                <a14:hiddenFill xmlns="" xmlns:a14="http://schemas.microsoft.com/office/drawing/2010/main">
                   <a:noFill/>
                 </a14:hiddenFill>
               </a:ext>
@@ -6535,7 +6535,7 @@
             </a:ln>
             <a:extLst>
               <a:ext uri="{909E8E84-426E-40dd-AFC4-6F175D3DCCD1}">
-                <a14:hiddenFill xmlns:a14="http://schemas.microsoft.com/office/drawing/2010/main" xmlns="">
+                <a14:hiddenFill xmlns="" xmlns:a14="http://schemas.microsoft.com/office/drawing/2010/main">
                   <a:noFill/>
                 </a14:hiddenFill>
               </a:ext>
@@ -6586,7 +6586,7 @@
             </a:ln>
             <a:extLst>
               <a:ext uri="{909E8E84-426E-40dd-AFC4-6F175D3DCCD1}">
-                <a14:hiddenFill xmlns:a14="http://schemas.microsoft.com/office/drawing/2010/main" xmlns="">
+                <a14:hiddenFill xmlns="" xmlns:a14="http://schemas.microsoft.com/office/drawing/2010/main">
                   <a:noFill/>
                 </a14:hiddenFill>
               </a:ext>
@@ -6637,7 +6637,7 @@
             </a:ln>
             <a:extLst>
               <a:ext uri="{909E8E84-426E-40dd-AFC4-6F175D3DCCD1}">
-                <a14:hiddenFill xmlns:a14="http://schemas.microsoft.com/office/drawing/2010/main" xmlns="">
+                <a14:hiddenFill xmlns="" xmlns:a14="http://schemas.microsoft.com/office/drawing/2010/main">
                   <a:noFill/>
                 </a14:hiddenFill>
               </a:ext>
@@ -6688,7 +6688,7 @@
             </a:ln>
             <a:extLst>
               <a:ext uri="{909E8E84-426E-40dd-AFC4-6F175D3DCCD1}">
-                <a14:hiddenFill xmlns:a14="http://schemas.microsoft.com/office/drawing/2010/main" xmlns="">
+                <a14:hiddenFill xmlns="" xmlns:a14="http://schemas.microsoft.com/office/drawing/2010/main">
                   <a:noFill/>
                 </a14:hiddenFill>
               </a:ext>
@@ -6739,7 +6739,7 @@
             </a:ln>
             <a:extLst>
               <a:ext uri="{909E8E84-426E-40dd-AFC4-6F175D3DCCD1}">
-                <a14:hiddenFill xmlns:a14="http://schemas.microsoft.com/office/drawing/2010/main" xmlns="">
+                <a14:hiddenFill xmlns="" xmlns:a14="http://schemas.microsoft.com/office/drawing/2010/main">
                   <a:noFill/>
                 </a14:hiddenFill>
               </a:ext>
@@ -6790,7 +6790,7 @@
             </a:ln>
             <a:extLst>
               <a:ext uri="{909E8E84-426E-40dd-AFC4-6F175D3DCCD1}">
-                <a14:hiddenFill xmlns:a14="http://schemas.microsoft.com/office/drawing/2010/main" xmlns="">
+                <a14:hiddenFill xmlns="" xmlns:a14="http://schemas.microsoft.com/office/drawing/2010/main">
                   <a:noFill/>
                 </a14:hiddenFill>
               </a:ext>
@@ -6841,7 +6841,7 @@
             </a:ln>
             <a:extLst>
               <a:ext uri="{909E8E84-426E-40dd-AFC4-6F175D3DCCD1}">
-                <a14:hiddenFill xmlns:a14="http://schemas.microsoft.com/office/drawing/2010/main" xmlns="">
+                <a14:hiddenFill xmlns="" xmlns:a14="http://schemas.microsoft.com/office/drawing/2010/main">
                   <a:noFill/>
                 </a14:hiddenFill>
               </a:ext>
@@ -6892,7 +6892,7 @@
             </a:ln>
             <a:extLst>
               <a:ext uri="{909E8E84-426E-40dd-AFC4-6F175D3DCCD1}">
-                <a14:hiddenFill xmlns:a14="http://schemas.microsoft.com/office/drawing/2010/main" xmlns="">
+                <a14:hiddenFill xmlns="" xmlns:a14="http://schemas.microsoft.com/office/drawing/2010/main">
                   <a:noFill/>
                 </a14:hiddenFill>
               </a:ext>
@@ -6943,7 +6943,7 @@
             </a:ln>
             <a:extLst>
               <a:ext uri="{909E8E84-426E-40dd-AFC4-6F175D3DCCD1}">
-                <a14:hiddenFill xmlns:a14="http://schemas.microsoft.com/office/drawing/2010/main" xmlns="">
+                <a14:hiddenFill xmlns="" xmlns:a14="http://schemas.microsoft.com/office/drawing/2010/main">
                   <a:noFill/>
                 </a14:hiddenFill>
               </a:ext>
@@ -6994,7 +6994,7 @@
             </a:ln>
             <a:extLst>
               <a:ext uri="{909E8E84-426E-40dd-AFC4-6F175D3DCCD1}">
-                <a14:hiddenFill xmlns:a14="http://schemas.microsoft.com/office/drawing/2010/main" xmlns="">
+                <a14:hiddenFill xmlns="" xmlns:a14="http://schemas.microsoft.com/office/drawing/2010/main">
                   <a:noFill/>
                 </a14:hiddenFill>
               </a:ext>
@@ -7045,7 +7045,7 @@
             </a:ln>
             <a:extLst>
               <a:ext uri="{909E8E84-426E-40dd-AFC4-6F175D3DCCD1}">
-                <a14:hiddenFill xmlns:a14="http://schemas.microsoft.com/office/drawing/2010/main" xmlns="">
+                <a14:hiddenFill xmlns="" xmlns:a14="http://schemas.microsoft.com/office/drawing/2010/main">
                   <a:noFill/>
                 </a14:hiddenFill>
               </a:ext>
@@ -7096,7 +7096,7 @@
             </a:ln>
             <a:extLst>
               <a:ext uri="{909E8E84-426E-40dd-AFC4-6F175D3DCCD1}">
-                <a14:hiddenFill xmlns:a14="http://schemas.microsoft.com/office/drawing/2010/main" xmlns="">
+                <a14:hiddenFill xmlns="" xmlns:a14="http://schemas.microsoft.com/office/drawing/2010/main">
                   <a:noFill/>
                 </a14:hiddenFill>
               </a:ext>
@@ -7147,7 +7147,7 @@
             </a:ln>
             <a:extLst>
               <a:ext uri="{909E8E84-426E-40dd-AFC4-6F175D3DCCD1}">
-                <a14:hiddenFill xmlns:a14="http://schemas.microsoft.com/office/drawing/2010/main" xmlns="">
+                <a14:hiddenFill xmlns="" xmlns:a14="http://schemas.microsoft.com/office/drawing/2010/main">
                   <a:noFill/>
                 </a14:hiddenFill>
               </a:ext>
@@ -7198,7 +7198,7 @@
             </a:ln>
             <a:extLst>
               <a:ext uri="{909E8E84-426E-40dd-AFC4-6F175D3DCCD1}">
-                <a14:hiddenFill xmlns:a14="http://schemas.microsoft.com/office/drawing/2010/main" xmlns="">
+                <a14:hiddenFill xmlns="" xmlns:a14="http://schemas.microsoft.com/office/drawing/2010/main">
                   <a:noFill/>
                 </a14:hiddenFill>
               </a:ext>
@@ -7249,7 +7249,7 @@
             </a:ln>
             <a:extLst>
               <a:ext uri="{909E8E84-426E-40dd-AFC4-6F175D3DCCD1}">
-                <a14:hiddenFill xmlns:a14="http://schemas.microsoft.com/office/drawing/2010/main" xmlns="">
+                <a14:hiddenFill xmlns="" xmlns:a14="http://schemas.microsoft.com/office/drawing/2010/main">
                   <a:noFill/>
                 </a14:hiddenFill>
               </a:ext>
@@ -7300,7 +7300,7 @@
             </a:ln>
             <a:extLst>
               <a:ext uri="{909E8E84-426E-40dd-AFC4-6F175D3DCCD1}">
-                <a14:hiddenFill xmlns:a14="http://schemas.microsoft.com/office/drawing/2010/main" xmlns="">
+                <a14:hiddenFill xmlns="" xmlns:a14="http://schemas.microsoft.com/office/drawing/2010/main">
                   <a:noFill/>
                 </a14:hiddenFill>
               </a:ext>
@@ -7351,7 +7351,7 @@
             </a:ln>
             <a:extLst>
               <a:ext uri="{909E8E84-426E-40dd-AFC4-6F175D3DCCD1}">
-                <a14:hiddenFill xmlns:a14="http://schemas.microsoft.com/office/drawing/2010/main" xmlns="">
+                <a14:hiddenFill xmlns="" xmlns:a14="http://schemas.microsoft.com/office/drawing/2010/main">
                   <a:noFill/>
                 </a14:hiddenFill>
               </a:ext>
@@ -7402,7 +7402,7 @@
             </a:ln>
             <a:extLst>
               <a:ext uri="{909E8E84-426E-40dd-AFC4-6F175D3DCCD1}">
-                <a14:hiddenFill xmlns:a14="http://schemas.microsoft.com/office/drawing/2010/main" xmlns="">
+                <a14:hiddenFill xmlns="" xmlns:a14="http://schemas.microsoft.com/office/drawing/2010/main">
                   <a:noFill/>
                 </a14:hiddenFill>
               </a:ext>
@@ -7453,7 +7453,7 @@
             </a:ln>
             <a:extLst>
               <a:ext uri="{909E8E84-426E-40dd-AFC4-6F175D3DCCD1}">
-                <a14:hiddenFill xmlns:a14="http://schemas.microsoft.com/office/drawing/2010/main" xmlns="">
+                <a14:hiddenFill xmlns="" xmlns:a14="http://schemas.microsoft.com/office/drawing/2010/main">
                   <a:noFill/>
                 </a14:hiddenFill>
               </a:ext>
@@ -7504,7 +7504,7 @@
             </a:ln>
             <a:extLst>
               <a:ext uri="{909E8E84-426E-40dd-AFC4-6F175D3DCCD1}">
-                <a14:hiddenFill xmlns:a14="http://schemas.microsoft.com/office/drawing/2010/main" xmlns="">
+                <a14:hiddenFill xmlns="" xmlns:a14="http://schemas.microsoft.com/office/drawing/2010/main">
                   <a:noFill/>
                 </a14:hiddenFill>
               </a:ext>
@@ -7555,7 +7555,7 @@
             </a:ln>
             <a:extLst>
               <a:ext uri="{909E8E84-426E-40dd-AFC4-6F175D3DCCD1}">
-                <a14:hiddenFill xmlns:a14="http://schemas.microsoft.com/office/drawing/2010/main" xmlns="">
+                <a14:hiddenFill xmlns="" xmlns:a14="http://schemas.microsoft.com/office/drawing/2010/main">
                   <a:noFill/>
                 </a14:hiddenFill>
               </a:ext>
@@ -7606,7 +7606,7 @@
             </a:ln>
             <a:extLst>
               <a:ext uri="{909E8E84-426E-40dd-AFC4-6F175D3DCCD1}">
-                <a14:hiddenFill xmlns:a14="http://schemas.microsoft.com/office/drawing/2010/main" xmlns="">
+                <a14:hiddenFill xmlns="" xmlns:a14="http://schemas.microsoft.com/office/drawing/2010/main">
                   <a:noFill/>
                 </a14:hiddenFill>
               </a:ext>
@@ -7657,7 +7657,7 @@
             </a:ln>
             <a:extLst>
               <a:ext uri="{909E8E84-426E-40dd-AFC4-6F175D3DCCD1}">
-                <a14:hiddenFill xmlns:a14="http://schemas.microsoft.com/office/drawing/2010/main" xmlns="">
+                <a14:hiddenFill xmlns="" xmlns:a14="http://schemas.microsoft.com/office/drawing/2010/main">
                   <a:noFill/>
                 </a14:hiddenFill>
               </a:ext>
@@ -7708,7 +7708,7 @@
             </a:ln>
             <a:extLst>
               <a:ext uri="{909E8E84-426E-40dd-AFC4-6F175D3DCCD1}">
-                <a14:hiddenFill xmlns:a14="http://schemas.microsoft.com/office/drawing/2010/main" xmlns="">
+                <a14:hiddenFill xmlns="" xmlns:a14="http://schemas.microsoft.com/office/drawing/2010/main">
                   <a:noFill/>
                 </a14:hiddenFill>
               </a:ext>
@@ -7759,7 +7759,7 @@
             </a:ln>
             <a:extLst>
               <a:ext uri="{909E8E84-426E-40dd-AFC4-6F175D3DCCD1}">
-                <a14:hiddenFill xmlns:a14="http://schemas.microsoft.com/office/drawing/2010/main" xmlns="">
+                <a14:hiddenFill xmlns="" xmlns:a14="http://schemas.microsoft.com/office/drawing/2010/main">
                   <a:noFill/>
                 </a14:hiddenFill>
               </a:ext>
@@ -7810,7 +7810,7 @@
             </a:ln>
             <a:extLst>
               <a:ext uri="{909E8E84-426E-40dd-AFC4-6F175D3DCCD1}">
-                <a14:hiddenFill xmlns:a14="http://schemas.microsoft.com/office/drawing/2010/main" xmlns="">
+                <a14:hiddenFill xmlns="" xmlns:a14="http://schemas.microsoft.com/office/drawing/2010/main">
                   <a:noFill/>
                 </a14:hiddenFill>
               </a:ext>
@@ -7861,7 +7861,7 @@
             </a:ln>
             <a:extLst>
               <a:ext uri="{909E8E84-426E-40dd-AFC4-6F175D3DCCD1}">
-                <a14:hiddenFill xmlns:a14="http://schemas.microsoft.com/office/drawing/2010/main" xmlns="">
+                <a14:hiddenFill xmlns="" xmlns:a14="http://schemas.microsoft.com/office/drawing/2010/main">
                   <a:noFill/>
                 </a14:hiddenFill>
               </a:ext>
@@ -7912,7 +7912,7 @@
             </a:ln>
             <a:extLst>
               <a:ext uri="{909E8E84-426E-40dd-AFC4-6F175D3DCCD1}">
-                <a14:hiddenFill xmlns:a14="http://schemas.microsoft.com/office/drawing/2010/main" xmlns="">
+                <a14:hiddenFill xmlns="" xmlns:a14="http://schemas.microsoft.com/office/drawing/2010/main">
                   <a:noFill/>
                 </a14:hiddenFill>
               </a:ext>
@@ -7963,7 +7963,7 @@
             </a:ln>
             <a:extLst>
               <a:ext uri="{909E8E84-426E-40dd-AFC4-6F175D3DCCD1}">
-                <a14:hiddenFill xmlns:a14="http://schemas.microsoft.com/office/drawing/2010/main" xmlns="">
+                <a14:hiddenFill xmlns="" xmlns:a14="http://schemas.microsoft.com/office/drawing/2010/main">
                   <a:noFill/>
                 </a14:hiddenFill>
               </a:ext>
@@ -8014,7 +8014,7 @@
             </a:ln>
             <a:extLst>
               <a:ext uri="{909E8E84-426E-40dd-AFC4-6F175D3DCCD1}">
-                <a14:hiddenFill xmlns:a14="http://schemas.microsoft.com/office/drawing/2010/main" xmlns="">
+                <a14:hiddenFill xmlns="" xmlns:a14="http://schemas.microsoft.com/office/drawing/2010/main">
                   <a:noFill/>
                 </a14:hiddenFill>
               </a:ext>
@@ -8065,7 +8065,7 @@
             </a:ln>
             <a:extLst>
               <a:ext uri="{909E8E84-426E-40dd-AFC4-6F175D3DCCD1}">
-                <a14:hiddenFill xmlns:a14="http://schemas.microsoft.com/office/drawing/2010/main" xmlns="">
+                <a14:hiddenFill xmlns="" xmlns:a14="http://schemas.microsoft.com/office/drawing/2010/main">
                   <a:noFill/>
                 </a14:hiddenFill>
               </a:ext>
@@ -8116,7 +8116,7 @@
             </a:ln>
             <a:extLst>
               <a:ext uri="{909E8E84-426E-40dd-AFC4-6F175D3DCCD1}">
-                <a14:hiddenFill xmlns:a14="http://schemas.microsoft.com/office/drawing/2010/main" xmlns="">
+                <a14:hiddenFill xmlns="" xmlns:a14="http://schemas.microsoft.com/office/drawing/2010/main">
                   <a:noFill/>
                 </a14:hiddenFill>
               </a:ext>
@@ -8167,7 +8167,7 @@
             </a:ln>
             <a:extLst>
               <a:ext uri="{909E8E84-426E-40dd-AFC4-6F175D3DCCD1}">
-                <a14:hiddenFill xmlns:a14="http://schemas.microsoft.com/office/drawing/2010/main" xmlns="">
+                <a14:hiddenFill xmlns="" xmlns:a14="http://schemas.microsoft.com/office/drawing/2010/main">
                   <a:noFill/>
                 </a14:hiddenFill>
               </a:ext>
@@ -8218,7 +8218,7 @@
             </a:ln>
             <a:extLst>
               <a:ext uri="{909E8E84-426E-40dd-AFC4-6F175D3DCCD1}">
-                <a14:hiddenFill xmlns:a14="http://schemas.microsoft.com/office/drawing/2010/main" xmlns="">
+                <a14:hiddenFill xmlns="" xmlns:a14="http://schemas.microsoft.com/office/drawing/2010/main">
                   <a:noFill/>
                 </a14:hiddenFill>
               </a:ext>
@@ -8269,7 +8269,7 @@
             </a:ln>
             <a:extLst>
               <a:ext uri="{909E8E84-426E-40dd-AFC4-6F175D3DCCD1}">
-                <a14:hiddenFill xmlns:a14="http://schemas.microsoft.com/office/drawing/2010/main" xmlns="">
+                <a14:hiddenFill xmlns="" xmlns:a14="http://schemas.microsoft.com/office/drawing/2010/main">
                   <a:noFill/>
                 </a14:hiddenFill>
               </a:ext>
@@ -8320,7 +8320,7 @@
             </a:ln>
             <a:extLst>
               <a:ext uri="{909E8E84-426E-40dd-AFC4-6F175D3DCCD1}">
-                <a14:hiddenFill xmlns:a14="http://schemas.microsoft.com/office/drawing/2010/main" xmlns="">
+                <a14:hiddenFill xmlns="" xmlns:a14="http://schemas.microsoft.com/office/drawing/2010/main">
                   <a:noFill/>
                 </a14:hiddenFill>
               </a:ext>
@@ -8371,7 +8371,7 @@
             </a:ln>
             <a:extLst>
               <a:ext uri="{909E8E84-426E-40dd-AFC4-6F175D3DCCD1}">
-                <a14:hiddenFill xmlns:a14="http://schemas.microsoft.com/office/drawing/2010/main" xmlns="">
+                <a14:hiddenFill xmlns="" xmlns:a14="http://schemas.microsoft.com/office/drawing/2010/main">
                   <a:noFill/>
                 </a14:hiddenFill>
               </a:ext>
@@ -8422,7 +8422,7 @@
             </a:ln>
             <a:extLst>
               <a:ext uri="{909E8E84-426E-40dd-AFC4-6F175D3DCCD1}">
-                <a14:hiddenFill xmlns:a14="http://schemas.microsoft.com/office/drawing/2010/main" xmlns="">
+                <a14:hiddenFill xmlns="" xmlns:a14="http://schemas.microsoft.com/office/drawing/2010/main">
                   <a:noFill/>
                 </a14:hiddenFill>
               </a:ext>
@@ -8473,7 +8473,7 @@
             </a:ln>
             <a:extLst>
               <a:ext uri="{909E8E84-426E-40dd-AFC4-6F175D3DCCD1}">
-                <a14:hiddenFill xmlns:a14="http://schemas.microsoft.com/office/drawing/2010/main" xmlns="">
+                <a14:hiddenFill xmlns="" xmlns:a14="http://schemas.microsoft.com/office/drawing/2010/main">
                   <a:noFill/>
                 </a14:hiddenFill>
               </a:ext>
@@ -8524,7 +8524,7 @@
             </a:ln>
             <a:extLst>
               <a:ext uri="{909E8E84-426E-40dd-AFC4-6F175D3DCCD1}">
-                <a14:hiddenFill xmlns:a14="http://schemas.microsoft.com/office/drawing/2010/main" xmlns="">
+                <a14:hiddenFill xmlns="" xmlns:a14="http://schemas.microsoft.com/office/drawing/2010/main">
                   <a:noFill/>
                 </a14:hiddenFill>
               </a:ext>
@@ -9151,7 +9151,7 @@
             </a:ln>
             <a:extLst>
               <a:ext uri="{909E8E84-426E-40dd-AFC4-6F175D3DCCD1}">
-                <a14:hiddenFill xmlns:a14="http://schemas.microsoft.com/office/drawing/2010/main" xmlns="">
+                <a14:hiddenFill xmlns="" xmlns:a14="http://schemas.microsoft.com/office/drawing/2010/main">
                   <a:solidFill>
                     <a:srgbClr val="FFFFFF"/>
                   </a:solidFill>
@@ -9204,7 +9204,7 @@
             </a:ln>
             <a:extLst>
               <a:ext uri="{909E8E84-426E-40dd-AFC4-6F175D3DCCD1}">
-                <a14:hiddenFill xmlns:a14="http://schemas.microsoft.com/office/drawing/2010/main" xmlns="">
+                <a14:hiddenFill xmlns="" xmlns:a14="http://schemas.microsoft.com/office/drawing/2010/main">
                   <a:noFill/>
                 </a14:hiddenFill>
               </a:ext>
@@ -9255,7 +9255,7 @@
             </a:ln>
             <a:extLst>
               <a:ext uri="{909E8E84-426E-40dd-AFC4-6F175D3DCCD1}">
-                <a14:hiddenFill xmlns:a14="http://schemas.microsoft.com/office/drawing/2010/main" xmlns="">
+                <a14:hiddenFill xmlns="" xmlns:a14="http://schemas.microsoft.com/office/drawing/2010/main">
                   <a:noFill/>
                 </a14:hiddenFill>
               </a:ext>
@@ -9306,7 +9306,7 @@
             </a:ln>
             <a:extLst>
               <a:ext uri="{909E8E84-426E-40dd-AFC4-6F175D3DCCD1}">
-                <a14:hiddenFill xmlns:a14="http://schemas.microsoft.com/office/drawing/2010/main" xmlns="">
+                <a14:hiddenFill xmlns="" xmlns:a14="http://schemas.microsoft.com/office/drawing/2010/main">
                   <a:noFill/>
                 </a14:hiddenFill>
               </a:ext>
@@ -9357,7 +9357,7 @@
             </a:ln>
             <a:extLst>
               <a:ext uri="{909E8E84-426E-40dd-AFC4-6F175D3DCCD1}">
-                <a14:hiddenFill xmlns:a14="http://schemas.microsoft.com/office/drawing/2010/main" xmlns="">
+                <a14:hiddenFill xmlns="" xmlns:a14="http://schemas.microsoft.com/office/drawing/2010/main">
                   <a:noFill/>
                 </a14:hiddenFill>
               </a:ext>
@@ -9408,7 +9408,7 @@
             </a:ln>
             <a:extLst>
               <a:ext uri="{909E8E84-426E-40dd-AFC4-6F175D3DCCD1}">
-                <a14:hiddenFill xmlns:a14="http://schemas.microsoft.com/office/drawing/2010/main" xmlns="">
+                <a14:hiddenFill xmlns="" xmlns:a14="http://schemas.microsoft.com/office/drawing/2010/main">
                   <a:noFill/>
                 </a14:hiddenFill>
               </a:ext>
@@ -9459,7 +9459,7 @@
             </a:ln>
             <a:extLst>
               <a:ext uri="{909E8E84-426E-40dd-AFC4-6F175D3DCCD1}">
-                <a14:hiddenFill xmlns:a14="http://schemas.microsoft.com/office/drawing/2010/main" xmlns="">
+                <a14:hiddenFill xmlns="" xmlns:a14="http://schemas.microsoft.com/office/drawing/2010/main">
                   <a:noFill/>
                 </a14:hiddenFill>
               </a:ext>
@@ -9510,7 +9510,7 @@
             </a:ln>
             <a:extLst>
               <a:ext uri="{909E8E84-426E-40dd-AFC4-6F175D3DCCD1}">
-                <a14:hiddenFill xmlns:a14="http://schemas.microsoft.com/office/drawing/2010/main" xmlns="">
+                <a14:hiddenFill xmlns="" xmlns:a14="http://schemas.microsoft.com/office/drawing/2010/main">
                   <a:noFill/>
                 </a14:hiddenFill>
               </a:ext>
@@ -9561,7 +9561,7 @@
             </a:ln>
             <a:extLst>
               <a:ext uri="{909E8E84-426E-40dd-AFC4-6F175D3DCCD1}">
-                <a14:hiddenFill xmlns:a14="http://schemas.microsoft.com/office/drawing/2010/main" xmlns="">
+                <a14:hiddenFill xmlns="" xmlns:a14="http://schemas.microsoft.com/office/drawing/2010/main">
                   <a:noFill/>
                 </a14:hiddenFill>
               </a:ext>
@@ -9612,7 +9612,7 @@
             </a:ln>
             <a:extLst>
               <a:ext uri="{909E8E84-426E-40dd-AFC4-6F175D3DCCD1}">
-                <a14:hiddenFill xmlns:a14="http://schemas.microsoft.com/office/drawing/2010/main" xmlns="">
+                <a14:hiddenFill xmlns="" xmlns:a14="http://schemas.microsoft.com/office/drawing/2010/main">
                   <a:noFill/>
                 </a14:hiddenFill>
               </a:ext>
@@ -9663,7 +9663,7 @@
             </a:ln>
             <a:extLst>
               <a:ext uri="{909E8E84-426E-40dd-AFC4-6F175D3DCCD1}">
-                <a14:hiddenFill xmlns:a14="http://schemas.microsoft.com/office/drawing/2010/main" xmlns="">
+                <a14:hiddenFill xmlns="" xmlns:a14="http://schemas.microsoft.com/office/drawing/2010/main">
                   <a:noFill/>
                 </a14:hiddenFill>
               </a:ext>
@@ -9714,7 +9714,7 @@
             </a:ln>
             <a:extLst>
               <a:ext uri="{909E8E84-426E-40dd-AFC4-6F175D3DCCD1}">
-                <a14:hiddenFill xmlns:a14="http://schemas.microsoft.com/office/drawing/2010/main" xmlns="">
+                <a14:hiddenFill xmlns="" xmlns:a14="http://schemas.microsoft.com/office/drawing/2010/main">
                   <a:noFill/>
                 </a14:hiddenFill>
               </a:ext>
@@ -9765,7 +9765,7 @@
             </a:ln>
             <a:extLst>
               <a:ext uri="{909E8E84-426E-40dd-AFC4-6F175D3DCCD1}">
-                <a14:hiddenFill xmlns:a14="http://schemas.microsoft.com/office/drawing/2010/main" xmlns="">
+                <a14:hiddenFill xmlns="" xmlns:a14="http://schemas.microsoft.com/office/drawing/2010/main">
                   <a:noFill/>
                 </a14:hiddenFill>
               </a:ext>
@@ -9816,7 +9816,7 @@
             </a:ln>
             <a:extLst>
               <a:ext uri="{909E8E84-426E-40dd-AFC4-6F175D3DCCD1}">
-                <a14:hiddenFill xmlns:a14="http://schemas.microsoft.com/office/drawing/2010/main" xmlns="">
+                <a14:hiddenFill xmlns="" xmlns:a14="http://schemas.microsoft.com/office/drawing/2010/main">
                   <a:noFill/>
                 </a14:hiddenFill>
               </a:ext>
@@ -9867,7 +9867,7 @@
             </a:ln>
             <a:extLst>
               <a:ext uri="{909E8E84-426E-40dd-AFC4-6F175D3DCCD1}">
-                <a14:hiddenFill xmlns:a14="http://schemas.microsoft.com/office/drawing/2010/main" xmlns="">
+                <a14:hiddenFill xmlns="" xmlns:a14="http://schemas.microsoft.com/office/drawing/2010/main">
                   <a:noFill/>
                 </a14:hiddenFill>
               </a:ext>
@@ -9918,7 +9918,7 @@
             </a:ln>
             <a:extLst>
               <a:ext uri="{909E8E84-426E-40dd-AFC4-6F175D3DCCD1}">
-                <a14:hiddenFill xmlns:a14="http://schemas.microsoft.com/office/drawing/2010/main" xmlns="">
+                <a14:hiddenFill xmlns="" xmlns:a14="http://schemas.microsoft.com/office/drawing/2010/main">
                   <a:noFill/>
                 </a14:hiddenFill>
               </a:ext>
@@ -9969,7 +9969,7 @@
             </a:ln>
             <a:extLst>
               <a:ext uri="{909E8E84-426E-40dd-AFC4-6F175D3DCCD1}">
-                <a14:hiddenFill xmlns:a14="http://schemas.microsoft.com/office/drawing/2010/main" xmlns="">
+                <a14:hiddenFill xmlns="" xmlns:a14="http://schemas.microsoft.com/office/drawing/2010/main">
                   <a:noFill/>
                 </a14:hiddenFill>
               </a:ext>
@@ -10020,7 +10020,7 @@
             </a:ln>
             <a:extLst>
               <a:ext uri="{909E8E84-426E-40dd-AFC4-6F175D3DCCD1}">
-                <a14:hiddenFill xmlns:a14="http://schemas.microsoft.com/office/drawing/2010/main" xmlns="">
+                <a14:hiddenFill xmlns="" xmlns:a14="http://schemas.microsoft.com/office/drawing/2010/main">
                   <a:noFill/>
                 </a14:hiddenFill>
               </a:ext>
@@ -10071,7 +10071,7 @@
             </a:ln>
             <a:extLst>
               <a:ext uri="{909E8E84-426E-40dd-AFC4-6F175D3DCCD1}">
-                <a14:hiddenFill xmlns:a14="http://schemas.microsoft.com/office/drawing/2010/main" xmlns="">
+                <a14:hiddenFill xmlns="" xmlns:a14="http://schemas.microsoft.com/office/drawing/2010/main">
                   <a:noFill/>
                 </a14:hiddenFill>
               </a:ext>
@@ -10122,7 +10122,7 @@
             </a:ln>
             <a:extLst>
               <a:ext uri="{909E8E84-426E-40dd-AFC4-6F175D3DCCD1}">
-                <a14:hiddenFill xmlns:a14="http://schemas.microsoft.com/office/drawing/2010/main" xmlns="">
+                <a14:hiddenFill xmlns="" xmlns:a14="http://schemas.microsoft.com/office/drawing/2010/main">
                   <a:noFill/>
                 </a14:hiddenFill>
               </a:ext>
@@ -10173,7 +10173,7 @@
             </a:ln>
             <a:extLst>
               <a:ext uri="{909E8E84-426E-40dd-AFC4-6F175D3DCCD1}">
-                <a14:hiddenFill xmlns:a14="http://schemas.microsoft.com/office/drawing/2010/main" xmlns="">
+                <a14:hiddenFill xmlns="" xmlns:a14="http://schemas.microsoft.com/office/drawing/2010/main">
                   <a:noFill/>
                 </a14:hiddenFill>
               </a:ext>
@@ -10224,7 +10224,7 @@
             </a:ln>
             <a:extLst>
               <a:ext uri="{909E8E84-426E-40dd-AFC4-6F175D3DCCD1}">
-                <a14:hiddenFill xmlns:a14="http://schemas.microsoft.com/office/drawing/2010/main" xmlns="">
+                <a14:hiddenFill xmlns="" xmlns:a14="http://schemas.microsoft.com/office/drawing/2010/main">
                   <a:noFill/>
                 </a14:hiddenFill>
               </a:ext>
@@ -10275,7 +10275,7 @@
             </a:ln>
             <a:extLst>
               <a:ext uri="{909E8E84-426E-40dd-AFC4-6F175D3DCCD1}">
-                <a14:hiddenFill xmlns:a14="http://schemas.microsoft.com/office/drawing/2010/main" xmlns="">
+                <a14:hiddenFill xmlns="" xmlns:a14="http://schemas.microsoft.com/office/drawing/2010/main">
                   <a:noFill/>
                 </a14:hiddenFill>
               </a:ext>
@@ -10326,7 +10326,7 @@
             </a:ln>
             <a:extLst>
               <a:ext uri="{909E8E84-426E-40dd-AFC4-6F175D3DCCD1}">
-                <a14:hiddenFill xmlns:a14="http://schemas.microsoft.com/office/drawing/2010/main" xmlns="">
+                <a14:hiddenFill xmlns="" xmlns:a14="http://schemas.microsoft.com/office/drawing/2010/main">
                   <a:noFill/>
                 </a14:hiddenFill>
               </a:ext>
@@ -10377,7 +10377,7 @@
             </a:ln>
             <a:extLst>
               <a:ext uri="{909E8E84-426E-40dd-AFC4-6F175D3DCCD1}">
-                <a14:hiddenFill xmlns:a14="http://schemas.microsoft.com/office/drawing/2010/main" xmlns="">
+                <a14:hiddenFill xmlns="" xmlns:a14="http://schemas.microsoft.com/office/drawing/2010/main">
                   <a:noFill/>
                 </a14:hiddenFill>
               </a:ext>
@@ -10428,7 +10428,7 @@
             </a:ln>
             <a:extLst>
               <a:ext uri="{909E8E84-426E-40dd-AFC4-6F175D3DCCD1}">
-                <a14:hiddenFill xmlns:a14="http://schemas.microsoft.com/office/drawing/2010/main" xmlns="">
+                <a14:hiddenFill xmlns="" xmlns:a14="http://schemas.microsoft.com/office/drawing/2010/main">
                   <a:noFill/>
                 </a14:hiddenFill>
               </a:ext>
@@ -10479,7 +10479,7 @@
             </a:ln>
             <a:extLst>
               <a:ext uri="{909E8E84-426E-40dd-AFC4-6F175D3DCCD1}">
-                <a14:hiddenFill xmlns:a14="http://schemas.microsoft.com/office/drawing/2010/main" xmlns="">
+                <a14:hiddenFill xmlns="" xmlns:a14="http://schemas.microsoft.com/office/drawing/2010/main">
                   <a:noFill/>
                 </a14:hiddenFill>
               </a:ext>
@@ -10530,7 +10530,7 @@
             </a:ln>
             <a:extLst>
               <a:ext uri="{909E8E84-426E-40dd-AFC4-6F175D3DCCD1}">
-                <a14:hiddenFill xmlns:a14="http://schemas.microsoft.com/office/drawing/2010/main" xmlns="">
+                <a14:hiddenFill xmlns="" xmlns:a14="http://schemas.microsoft.com/office/drawing/2010/main">
                   <a:noFill/>
                 </a14:hiddenFill>
               </a:ext>
@@ -10581,7 +10581,7 @@
             </a:ln>
             <a:extLst>
               <a:ext uri="{909E8E84-426E-40dd-AFC4-6F175D3DCCD1}">
-                <a14:hiddenFill xmlns:a14="http://schemas.microsoft.com/office/drawing/2010/main" xmlns="">
+                <a14:hiddenFill xmlns="" xmlns:a14="http://schemas.microsoft.com/office/drawing/2010/main">
                   <a:noFill/>
                 </a14:hiddenFill>
               </a:ext>
@@ -10632,7 +10632,7 @@
             </a:ln>
             <a:extLst>
               <a:ext uri="{909E8E84-426E-40dd-AFC4-6F175D3DCCD1}">
-                <a14:hiddenFill xmlns:a14="http://schemas.microsoft.com/office/drawing/2010/main" xmlns="">
+                <a14:hiddenFill xmlns="" xmlns:a14="http://schemas.microsoft.com/office/drawing/2010/main">
                   <a:noFill/>
                 </a14:hiddenFill>
               </a:ext>
@@ -10683,7 +10683,7 @@
             </a:ln>
             <a:extLst>
               <a:ext uri="{909E8E84-426E-40dd-AFC4-6F175D3DCCD1}">
-                <a14:hiddenFill xmlns:a14="http://schemas.microsoft.com/office/drawing/2010/main" xmlns="">
+                <a14:hiddenFill xmlns="" xmlns:a14="http://schemas.microsoft.com/office/drawing/2010/main">
                   <a:noFill/>
                 </a14:hiddenFill>
               </a:ext>
@@ -10734,7 +10734,7 @@
             </a:ln>
             <a:extLst>
               <a:ext uri="{909E8E84-426E-40dd-AFC4-6F175D3DCCD1}">
-                <a14:hiddenFill xmlns:a14="http://schemas.microsoft.com/office/drawing/2010/main" xmlns="">
+                <a14:hiddenFill xmlns="" xmlns:a14="http://schemas.microsoft.com/office/drawing/2010/main">
                   <a:noFill/>
                 </a14:hiddenFill>
               </a:ext>
@@ -10785,7 +10785,7 @@
             </a:ln>
             <a:extLst>
               <a:ext uri="{909E8E84-426E-40dd-AFC4-6F175D3DCCD1}">
-                <a14:hiddenFill xmlns:a14="http://schemas.microsoft.com/office/drawing/2010/main" xmlns="">
+                <a14:hiddenFill xmlns="" xmlns:a14="http://schemas.microsoft.com/office/drawing/2010/main">
                   <a:noFill/>
                 </a14:hiddenFill>
               </a:ext>
@@ -10836,7 +10836,7 @@
             </a:ln>
             <a:extLst>
               <a:ext uri="{909E8E84-426E-40dd-AFC4-6F175D3DCCD1}">
-                <a14:hiddenFill xmlns:a14="http://schemas.microsoft.com/office/drawing/2010/main" xmlns="">
+                <a14:hiddenFill xmlns="" xmlns:a14="http://schemas.microsoft.com/office/drawing/2010/main">
                   <a:noFill/>
                 </a14:hiddenFill>
               </a:ext>
@@ -10887,7 +10887,7 @@
             </a:ln>
             <a:extLst>
               <a:ext uri="{909E8E84-426E-40dd-AFC4-6F175D3DCCD1}">
-                <a14:hiddenFill xmlns:a14="http://schemas.microsoft.com/office/drawing/2010/main" xmlns="">
+                <a14:hiddenFill xmlns="" xmlns:a14="http://schemas.microsoft.com/office/drawing/2010/main">
                   <a:noFill/>
                 </a14:hiddenFill>
               </a:ext>
@@ -10938,7 +10938,7 @@
             </a:ln>
             <a:extLst>
               <a:ext uri="{909E8E84-426E-40dd-AFC4-6F175D3DCCD1}">
-                <a14:hiddenFill xmlns:a14="http://schemas.microsoft.com/office/drawing/2010/main" xmlns="">
+                <a14:hiddenFill xmlns="" xmlns:a14="http://schemas.microsoft.com/office/drawing/2010/main">
                   <a:noFill/>
                 </a14:hiddenFill>
               </a:ext>
@@ -10989,7 +10989,7 @@
             </a:ln>
             <a:extLst>
               <a:ext uri="{909E8E84-426E-40dd-AFC4-6F175D3DCCD1}">
-                <a14:hiddenFill xmlns:a14="http://schemas.microsoft.com/office/drawing/2010/main" xmlns="">
+                <a14:hiddenFill xmlns="" xmlns:a14="http://schemas.microsoft.com/office/drawing/2010/main">
                   <a:noFill/>
                 </a14:hiddenFill>
               </a:ext>
@@ -11040,7 +11040,7 @@
             </a:ln>
             <a:extLst>
               <a:ext uri="{909E8E84-426E-40dd-AFC4-6F175D3DCCD1}">
-                <a14:hiddenFill xmlns:a14="http://schemas.microsoft.com/office/drawing/2010/main" xmlns="">
+                <a14:hiddenFill xmlns="" xmlns:a14="http://schemas.microsoft.com/office/drawing/2010/main">
                   <a:noFill/>
                 </a14:hiddenFill>
               </a:ext>
@@ -11091,7 +11091,7 @@
             </a:ln>
             <a:extLst>
               <a:ext uri="{909E8E84-426E-40dd-AFC4-6F175D3DCCD1}">
-                <a14:hiddenFill xmlns:a14="http://schemas.microsoft.com/office/drawing/2010/main" xmlns="">
+                <a14:hiddenFill xmlns="" xmlns:a14="http://schemas.microsoft.com/office/drawing/2010/main">
                   <a:noFill/>
                 </a14:hiddenFill>
               </a:ext>
@@ -11142,7 +11142,7 @@
             </a:ln>
             <a:extLst>
               <a:ext uri="{909E8E84-426E-40dd-AFC4-6F175D3DCCD1}">
-                <a14:hiddenFill xmlns:a14="http://schemas.microsoft.com/office/drawing/2010/main" xmlns="">
+                <a14:hiddenFill xmlns="" xmlns:a14="http://schemas.microsoft.com/office/drawing/2010/main">
                   <a:noFill/>
                 </a14:hiddenFill>
               </a:ext>
@@ -11193,7 +11193,7 @@
             </a:ln>
             <a:extLst>
               <a:ext uri="{909E8E84-426E-40dd-AFC4-6F175D3DCCD1}">
-                <a14:hiddenFill xmlns:a14="http://schemas.microsoft.com/office/drawing/2010/main" xmlns="">
+                <a14:hiddenFill xmlns="" xmlns:a14="http://schemas.microsoft.com/office/drawing/2010/main">
                   <a:noFill/>
                 </a14:hiddenFill>
               </a:ext>
@@ -11244,7 +11244,7 @@
             </a:ln>
             <a:extLst>
               <a:ext uri="{909E8E84-426E-40dd-AFC4-6F175D3DCCD1}">
-                <a14:hiddenFill xmlns:a14="http://schemas.microsoft.com/office/drawing/2010/main" xmlns="">
+                <a14:hiddenFill xmlns="" xmlns:a14="http://schemas.microsoft.com/office/drawing/2010/main">
                   <a:noFill/>
                 </a14:hiddenFill>
               </a:ext>
@@ -11295,7 +11295,7 @@
             </a:ln>
             <a:extLst>
               <a:ext uri="{909E8E84-426E-40dd-AFC4-6F175D3DCCD1}">
-                <a14:hiddenFill xmlns:a14="http://schemas.microsoft.com/office/drawing/2010/main" xmlns="">
+                <a14:hiddenFill xmlns="" xmlns:a14="http://schemas.microsoft.com/office/drawing/2010/main">
                   <a:noFill/>
                 </a14:hiddenFill>
               </a:ext>
@@ -11346,7 +11346,7 @@
             </a:ln>
             <a:extLst>
               <a:ext uri="{909E8E84-426E-40dd-AFC4-6F175D3DCCD1}">
-                <a14:hiddenFill xmlns:a14="http://schemas.microsoft.com/office/drawing/2010/main" xmlns="">
+                <a14:hiddenFill xmlns="" xmlns:a14="http://schemas.microsoft.com/office/drawing/2010/main">
                   <a:noFill/>
                 </a14:hiddenFill>
               </a:ext>
@@ -11397,7 +11397,7 @@
             </a:ln>
             <a:extLst>
               <a:ext uri="{909E8E84-426E-40dd-AFC4-6F175D3DCCD1}">
-                <a14:hiddenFill xmlns:a14="http://schemas.microsoft.com/office/drawing/2010/main" xmlns="">
+                <a14:hiddenFill xmlns="" xmlns:a14="http://schemas.microsoft.com/office/drawing/2010/main">
                   <a:noFill/>
                 </a14:hiddenFill>
               </a:ext>
@@ -11448,7 +11448,7 @@
             </a:ln>
             <a:extLst>
               <a:ext uri="{909E8E84-426E-40dd-AFC4-6F175D3DCCD1}">
-                <a14:hiddenFill xmlns:a14="http://schemas.microsoft.com/office/drawing/2010/main" xmlns="">
+                <a14:hiddenFill xmlns="" xmlns:a14="http://schemas.microsoft.com/office/drawing/2010/main">
                   <a:noFill/>
                 </a14:hiddenFill>
               </a:ext>
@@ -11499,7 +11499,7 @@
             </a:ln>
             <a:extLst>
               <a:ext uri="{909E8E84-426E-40dd-AFC4-6F175D3DCCD1}">
-                <a14:hiddenFill xmlns:a14="http://schemas.microsoft.com/office/drawing/2010/main" xmlns="">
+                <a14:hiddenFill xmlns="" xmlns:a14="http://schemas.microsoft.com/office/drawing/2010/main">
                   <a:noFill/>
                 </a14:hiddenFill>
               </a:ext>
@@ -11550,7 +11550,7 @@
             </a:ln>
             <a:extLst>
               <a:ext uri="{909E8E84-426E-40dd-AFC4-6F175D3DCCD1}">
-                <a14:hiddenFill xmlns:a14="http://schemas.microsoft.com/office/drawing/2010/main" xmlns="">
+                <a14:hiddenFill xmlns="" xmlns:a14="http://schemas.microsoft.com/office/drawing/2010/main">
                   <a:noFill/>
                 </a14:hiddenFill>
               </a:ext>
@@ -11601,7 +11601,7 @@
             </a:ln>
             <a:extLst>
               <a:ext uri="{909E8E84-426E-40dd-AFC4-6F175D3DCCD1}">
-                <a14:hiddenFill xmlns:a14="http://schemas.microsoft.com/office/drawing/2010/main" xmlns="">
+                <a14:hiddenFill xmlns="" xmlns:a14="http://schemas.microsoft.com/office/drawing/2010/main">
                   <a:noFill/>
                 </a14:hiddenFill>
               </a:ext>
@@ -11652,7 +11652,7 @@
             </a:ln>
             <a:extLst>
               <a:ext uri="{909E8E84-426E-40dd-AFC4-6F175D3DCCD1}">
-                <a14:hiddenFill xmlns:a14="http://schemas.microsoft.com/office/drawing/2010/main" xmlns="">
+                <a14:hiddenFill xmlns="" xmlns:a14="http://schemas.microsoft.com/office/drawing/2010/main">
                   <a:noFill/>
                 </a14:hiddenFill>
               </a:ext>
@@ -11703,7 +11703,7 @@
             </a:ln>
             <a:extLst>
               <a:ext uri="{909E8E84-426E-40dd-AFC4-6F175D3DCCD1}">
-                <a14:hiddenFill xmlns:a14="http://schemas.microsoft.com/office/drawing/2010/main" xmlns="">
+                <a14:hiddenFill xmlns="" xmlns:a14="http://schemas.microsoft.com/office/drawing/2010/main">
                   <a:noFill/>
                 </a14:hiddenFill>
               </a:ext>
@@ -11754,7 +11754,7 @@
             </a:ln>
             <a:extLst>
               <a:ext uri="{909E8E84-426E-40dd-AFC4-6F175D3DCCD1}">
-                <a14:hiddenFill xmlns:a14="http://schemas.microsoft.com/office/drawing/2010/main" xmlns="">
+                <a14:hiddenFill xmlns="" xmlns:a14="http://schemas.microsoft.com/office/drawing/2010/main">
                   <a:noFill/>
                 </a14:hiddenFill>
               </a:ext>
@@ -11805,7 +11805,7 @@
             </a:ln>
             <a:extLst>
               <a:ext uri="{909E8E84-426E-40dd-AFC4-6F175D3DCCD1}">
-                <a14:hiddenFill xmlns:a14="http://schemas.microsoft.com/office/drawing/2010/main" xmlns="">
+                <a14:hiddenFill xmlns="" xmlns:a14="http://schemas.microsoft.com/office/drawing/2010/main">
                   <a:noFill/>
                 </a14:hiddenFill>
               </a:ext>
@@ -11856,7 +11856,7 @@
             </a:ln>
             <a:extLst>
               <a:ext uri="{909E8E84-426E-40dd-AFC4-6F175D3DCCD1}">
-                <a14:hiddenFill xmlns:a14="http://schemas.microsoft.com/office/drawing/2010/main" xmlns="">
+                <a14:hiddenFill xmlns="" xmlns:a14="http://schemas.microsoft.com/office/drawing/2010/main">
                   <a:noFill/>
                 </a14:hiddenFill>
               </a:ext>
@@ -11907,7 +11907,7 @@
             </a:ln>
             <a:extLst>
               <a:ext uri="{909E8E84-426E-40dd-AFC4-6F175D3DCCD1}">
-                <a14:hiddenFill xmlns:a14="http://schemas.microsoft.com/office/drawing/2010/main" xmlns="">
+                <a14:hiddenFill xmlns="" xmlns:a14="http://schemas.microsoft.com/office/drawing/2010/main">
                   <a:noFill/>
                 </a14:hiddenFill>
               </a:ext>
@@ -11958,7 +11958,7 @@
             </a:ln>
             <a:extLst>
               <a:ext uri="{909E8E84-426E-40dd-AFC4-6F175D3DCCD1}">
-                <a14:hiddenFill xmlns:a14="http://schemas.microsoft.com/office/drawing/2010/main" xmlns="">
+                <a14:hiddenFill xmlns="" xmlns:a14="http://schemas.microsoft.com/office/drawing/2010/main">
                   <a:noFill/>
                 </a14:hiddenFill>
               </a:ext>
@@ -12009,7 +12009,7 @@
             </a:ln>
             <a:extLst>
               <a:ext uri="{909E8E84-426E-40dd-AFC4-6F175D3DCCD1}">
-                <a14:hiddenFill xmlns:a14="http://schemas.microsoft.com/office/drawing/2010/main" xmlns="">
+                <a14:hiddenFill xmlns="" xmlns:a14="http://schemas.microsoft.com/office/drawing/2010/main">
                   <a:noFill/>
                 </a14:hiddenFill>
               </a:ext>
@@ -12060,7 +12060,7 @@
             </a:ln>
             <a:extLst>
               <a:ext uri="{909E8E84-426E-40dd-AFC4-6F175D3DCCD1}">
-                <a14:hiddenFill xmlns:a14="http://schemas.microsoft.com/office/drawing/2010/main" xmlns="">
+                <a14:hiddenFill xmlns="" xmlns:a14="http://schemas.microsoft.com/office/drawing/2010/main">
                   <a:noFill/>
                 </a14:hiddenFill>
               </a:ext>
@@ -12111,7 +12111,7 @@
             </a:ln>
             <a:extLst>
               <a:ext uri="{909E8E84-426E-40dd-AFC4-6F175D3DCCD1}">
-                <a14:hiddenFill xmlns:a14="http://schemas.microsoft.com/office/drawing/2010/main" xmlns="">
+                <a14:hiddenFill xmlns="" xmlns:a14="http://schemas.microsoft.com/office/drawing/2010/main">
                   <a:noFill/>
                 </a14:hiddenFill>
               </a:ext>
@@ -12162,7 +12162,7 @@
             </a:ln>
             <a:extLst>
               <a:ext uri="{909E8E84-426E-40dd-AFC4-6F175D3DCCD1}">
-                <a14:hiddenFill xmlns:a14="http://schemas.microsoft.com/office/drawing/2010/main" xmlns="">
+                <a14:hiddenFill xmlns="" xmlns:a14="http://schemas.microsoft.com/office/drawing/2010/main">
                   <a:noFill/>
                 </a14:hiddenFill>
               </a:ext>
@@ -12213,7 +12213,7 @@
             </a:ln>
             <a:extLst>
               <a:ext uri="{909E8E84-426E-40dd-AFC4-6F175D3DCCD1}">
-                <a14:hiddenFill xmlns:a14="http://schemas.microsoft.com/office/drawing/2010/main" xmlns="">
+                <a14:hiddenFill xmlns="" xmlns:a14="http://schemas.microsoft.com/office/drawing/2010/main">
                   <a:noFill/>
                 </a14:hiddenFill>
               </a:ext>
@@ -12264,7 +12264,7 @@
             </a:ln>
             <a:extLst>
               <a:ext uri="{909E8E84-426E-40dd-AFC4-6F175D3DCCD1}">
-                <a14:hiddenFill xmlns:a14="http://schemas.microsoft.com/office/drawing/2010/main" xmlns="">
+                <a14:hiddenFill xmlns="" xmlns:a14="http://schemas.microsoft.com/office/drawing/2010/main">
                   <a:noFill/>
                 </a14:hiddenFill>
               </a:ext>
@@ -12315,7 +12315,7 @@
             </a:ln>
             <a:extLst>
               <a:ext uri="{909E8E84-426E-40dd-AFC4-6F175D3DCCD1}">
-                <a14:hiddenFill xmlns:a14="http://schemas.microsoft.com/office/drawing/2010/main" xmlns="">
+                <a14:hiddenFill xmlns="" xmlns:a14="http://schemas.microsoft.com/office/drawing/2010/main">
                   <a:noFill/>
                 </a14:hiddenFill>
               </a:ext>
@@ -12366,7 +12366,7 @@
             </a:ln>
             <a:extLst>
               <a:ext uri="{909E8E84-426E-40dd-AFC4-6F175D3DCCD1}">
-                <a14:hiddenFill xmlns:a14="http://schemas.microsoft.com/office/drawing/2010/main" xmlns="">
+                <a14:hiddenFill xmlns="" xmlns:a14="http://schemas.microsoft.com/office/drawing/2010/main">
                   <a:noFill/>
                 </a14:hiddenFill>
               </a:ext>
@@ -12417,7 +12417,7 @@
             </a:ln>
             <a:extLst>
               <a:ext uri="{909E8E84-426E-40dd-AFC4-6F175D3DCCD1}">
-                <a14:hiddenFill xmlns:a14="http://schemas.microsoft.com/office/drawing/2010/main" xmlns="">
+                <a14:hiddenFill xmlns="" xmlns:a14="http://schemas.microsoft.com/office/drawing/2010/main">
                   <a:noFill/>
                 </a14:hiddenFill>
               </a:ext>
@@ -12468,7 +12468,7 @@
             </a:ln>
             <a:extLst>
               <a:ext uri="{909E8E84-426E-40dd-AFC4-6F175D3DCCD1}">
-                <a14:hiddenFill xmlns:a14="http://schemas.microsoft.com/office/drawing/2010/main" xmlns="">
+                <a14:hiddenFill xmlns="" xmlns:a14="http://schemas.microsoft.com/office/drawing/2010/main">
                   <a:noFill/>
                 </a14:hiddenFill>
               </a:ext>
@@ -12519,7 +12519,7 @@
             </a:ln>
             <a:extLst>
               <a:ext uri="{909E8E84-426E-40dd-AFC4-6F175D3DCCD1}">
-                <a14:hiddenFill xmlns:a14="http://schemas.microsoft.com/office/drawing/2010/main" xmlns="">
+                <a14:hiddenFill xmlns="" xmlns:a14="http://schemas.microsoft.com/office/drawing/2010/main">
                   <a:noFill/>
                 </a14:hiddenFill>
               </a:ext>
@@ -12570,7 +12570,7 @@
             </a:ln>
             <a:extLst>
               <a:ext uri="{909E8E84-426E-40dd-AFC4-6F175D3DCCD1}">
-                <a14:hiddenFill xmlns:a14="http://schemas.microsoft.com/office/drawing/2010/main" xmlns="">
+                <a14:hiddenFill xmlns="" xmlns:a14="http://schemas.microsoft.com/office/drawing/2010/main">
                   <a:noFill/>
                 </a14:hiddenFill>
               </a:ext>
@@ -12621,7 +12621,7 @@
             </a:ln>
             <a:extLst>
               <a:ext uri="{909E8E84-426E-40dd-AFC4-6F175D3DCCD1}">
-                <a14:hiddenFill xmlns:a14="http://schemas.microsoft.com/office/drawing/2010/main" xmlns="">
+                <a14:hiddenFill xmlns="" xmlns:a14="http://schemas.microsoft.com/office/drawing/2010/main">
                   <a:noFill/>
                 </a14:hiddenFill>
               </a:ext>
@@ -13045,7 +13045,7 @@
           <a:p>
             <a:fld id="{5355355A-278A-4177-940D-D180E0E2D021}" type="datetimeFigureOut">
               <a:rPr lang="en-US" smtClean="0"/>
-              <a:t>6/28/2018</a:t>
+              <a:t>7/30/2018</a:t>
             </a:fld>
             <a:endParaRPr lang="en-US"/>
           </a:p>
@@ -13183,7 +13183,7 @@
             </a:ln>
             <a:extLst>
               <a:ext uri="{909E8E84-426E-40dd-AFC4-6F175D3DCCD1}">
-                <a14:hiddenFill xmlns:a14="http://schemas.microsoft.com/office/drawing/2010/main" xmlns="">
+                <a14:hiddenFill xmlns="" xmlns:a14="http://schemas.microsoft.com/office/drawing/2010/main">
                   <a:solidFill>
                     <a:srgbClr val="FFFFFF"/>
                   </a:solidFill>
@@ -13236,7 +13236,7 @@
             </a:ln>
             <a:extLst>
               <a:ext uri="{909E8E84-426E-40dd-AFC4-6F175D3DCCD1}">
-                <a14:hiddenFill xmlns:a14="http://schemas.microsoft.com/office/drawing/2010/main" xmlns="">
+                <a14:hiddenFill xmlns="" xmlns:a14="http://schemas.microsoft.com/office/drawing/2010/main">
                   <a:noFill/>
                 </a14:hiddenFill>
               </a:ext>
@@ -13287,7 +13287,7 @@
             </a:ln>
             <a:extLst>
               <a:ext uri="{909E8E84-426E-40dd-AFC4-6F175D3DCCD1}">
-                <a14:hiddenFill xmlns:a14="http://schemas.microsoft.com/office/drawing/2010/main" xmlns="">
+                <a14:hiddenFill xmlns="" xmlns:a14="http://schemas.microsoft.com/office/drawing/2010/main">
                   <a:noFill/>
                 </a14:hiddenFill>
               </a:ext>
@@ -13338,7 +13338,7 @@
             </a:ln>
             <a:extLst>
               <a:ext uri="{909E8E84-426E-40dd-AFC4-6F175D3DCCD1}">
-                <a14:hiddenFill xmlns:a14="http://schemas.microsoft.com/office/drawing/2010/main" xmlns="">
+                <a14:hiddenFill xmlns="" xmlns:a14="http://schemas.microsoft.com/office/drawing/2010/main">
                   <a:noFill/>
                 </a14:hiddenFill>
               </a:ext>
@@ -13389,7 +13389,7 @@
             </a:ln>
             <a:extLst>
               <a:ext uri="{909E8E84-426E-40dd-AFC4-6F175D3DCCD1}">
-                <a14:hiddenFill xmlns:a14="http://schemas.microsoft.com/office/drawing/2010/main" xmlns="">
+                <a14:hiddenFill xmlns="" xmlns:a14="http://schemas.microsoft.com/office/drawing/2010/main">
                   <a:noFill/>
                 </a14:hiddenFill>
               </a:ext>
@@ -13440,7 +13440,7 @@
             </a:ln>
             <a:extLst>
               <a:ext uri="{909E8E84-426E-40dd-AFC4-6F175D3DCCD1}">
-                <a14:hiddenFill xmlns:a14="http://schemas.microsoft.com/office/drawing/2010/main" xmlns="">
+                <a14:hiddenFill xmlns="" xmlns:a14="http://schemas.microsoft.com/office/drawing/2010/main">
                   <a:noFill/>
                 </a14:hiddenFill>
               </a:ext>
@@ -13491,7 +13491,7 @@
             </a:ln>
             <a:extLst>
               <a:ext uri="{909E8E84-426E-40dd-AFC4-6F175D3DCCD1}">
-                <a14:hiddenFill xmlns:a14="http://schemas.microsoft.com/office/drawing/2010/main" xmlns="">
+                <a14:hiddenFill xmlns="" xmlns:a14="http://schemas.microsoft.com/office/drawing/2010/main">
                   <a:noFill/>
                 </a14:hiddenFill>
               </a:ext>
@@ -13542,7 +13542,7 @@
             </a:ln>
             <a:extLst>
               <a:ext uri="{909E8E84-426E-40dd-AFC4-6F175D3DCCD1}">
-                <a14:hiddenFill xmlns:a14="http://schemas.microsoft.com/office/drawing/2010/main" xmlns="">
+                <a14:hiddenFill xmlns="" xmlns:a14="http://schemas.microsoft.com/office/drawing/2010/main">
                   <a:noFill/>
                 </a14:hiddenFill>
               </a:ext>
@@ -13593,7 +13593,7 @@
             </a:ln>
             <a:extLst>
               <a:ext uri="{909E8E84-426E-40dd-AFC4-6F175D3DCCD1}">
-                <a14:hiddenFill xmlns:a14="http://schemas.microsoft.com/office/drawing/2010/main" xmlns="">
+                <a14:hiddenFill xmlns="" xmlns:a14="http://schemas.microsoft.com/office/drawing/2010/main">
                   <a:noFill/>
                 </a14:hiddenFill>
               </a:ext>
@@ -13644,7 +13644,7 @@
             </a:ln>
             <a:extLst>
               <a:ext uri="{909E8E84-426E-40dd-AFC4-6F175D3DCCD1}">
-                <a14:hiddenFill xmlns:a14="http://schemas.microsoft.com/office/drawing/2010/main" xmlns="">
+                <a14:hiddenFill xmlns="" xmlns:a14="http://schemas.microsoft.com/office/drawing/2010/main">
                   <a:noFill/>
                 </a14:hiddenFill>
               </a:ext>
@@ -13695,7 +13695,7 @@
             </a:ln>
             <a:extLst>
               <a:ext uri="{909E8E84-426E-40dd-AFC4-6F175D3DCCD1}">
-                <a14:hiddenFill xmlns:a14="http://schemas.microsoft.com/office/drawing/2010/main" xmlns="">
+                <a14:hiddenFill xmlns="" xmlns:a14="http://schemas.microsoft.com/office/drawing/2010/main">
                   <a:noFill/>
                 </a14:hiddenFill>
               </a:ext>
@@ -13746,7 +13746,7 @@
             </a:ln>
             <a:extLst>
               <a:ext uri="{909E8E84-426E-40dd-AFC4-6F175D3DCCD1}">
-                <a14:hiddenFill xmlns:a14="http://schemas.microsoft.com/office/drawing/2010/main" xmlns="">
+                <a14:hiddenFill xmlns="" xmlns:a14="http://schemas.microsoft.com/office/drawing/2010/main">
                   <a:noFill/>
                 </a14:hiddenFill>
               </a:ext>
@@ -13797,7 +13797,7 @@
             </a:ln>
             <a:extLst>
               <a:ext uri="{909E8E84-426E-40dd-AFC4-6F175D3DCCD1}">
-                <a14:hiddenFill xmlns:a14="http://schemas.microsoft.com/office/drawing/2010/main" xmlns="">
+                <a14:hiddenFill xmlns="" xmlns:a14="http://schemas.microsoft.com/office/drawing/2010/main">
                   <a:noFill/>
                 </a14:hiddenFill>
               </a:ext>
@@ -13848,7 +13848,7 @@
             </a:ln>
             <a:extLst>
               <a:ext uri="{909E8E84-426E-40dd-AFC4-6F175D3DCCD1}">
-                <a14:hiddenFill xmlns:a14="http://schemas.microsoft.com/office/drawing/2010/main" xmlns="">
+                <a14:hiddenFill xmlns="" xmlns:a14="http://schemas.microsoft.com/office/drawing/2010/main">
                   <a:noFill/>
                 </a14:hiddenFill>
               </a:ext>
@@ -13899,7 +13899,7 @@
             </a:ln>
             <a:extLst>
               <a:ext uri="{909E8E84-426E-40dd-AFC4-6F175D3DCCD1}">
-                <a14:hiddenFill xmlns:a14="http://schemas.microsoft.com/office/drawing/2010/main" xmlns="">
+                <a14:hiddenFill xmlns="" xmlns:a14="http://schemas.microsoft.com/office/drawing/2010/main">
                   <a:noFill/>
                 </a14:hiddenFill>
               </a:ext>
@@ -13950,7 +13950,7 @@
             </a:ln>
             <a:extLst>
               <a:ext uri="{909E8E84-426E-40dd-AFC4-6F175D3DCCD1}">
-                <a14:hiddenFill xmlns:a14="http://schemas.microsoft.com/office/drawing/2010/main" xmlns="">
+                <a14:hiddenFill xmlns="" xmlns:a14="http://schemas.microsoft.com/office/drawing/2010/main">
                   <a:noFill/>
                 </a14:hiddenFill>
               </a:ext>
@@ -14001,7 +14001,7 @@
             </a:ln>
             <a:extLst>
               <a:ext uri="{909E8E84-426E-40dd-AFC4-6F175D3DCCD1}">
-                <a14:hiddenFill xmlns:a14="http://schemas.microsoft.com/office/drawing/2010/main" xmlns="">
+                <a14:hiddenFill xmlns="" xmlns:a14="http://schemas.microsoft.com/office/drawing/2010/main">
                   <a:noFill/>
                 </a14:hiddenFill>
               </a:ext>
@@ -14052,7 +14052,7 @@
             </a:ln>
             <a:extLst>
               <a:ext uri="{909E8E84-426E-40dd-AFC4-6F175D3DCCD1}">
-                <a14:hiddenFill xmlns:a14="http://schemas.microsoft.com/office/drawing/2010/main" xmlns="">
+                <a14:hiddenFill xmlns="" xmlns:a14="http://schemas.microsoft.com/office/drawing/2010/main">
                   <a:noFill/>
                 </a14:hiddenFill>
               </a:ext>
@@ -14103,7 +14103,7 @@
             </a:ln>
             <a:extLst>
               <a:ext uri="{909E8E84-426E-40dd-AFC4-6F175D3DCCD1}">
-                <a14:hiddenFill xmlns:a14="http://schemas.microsoft.com/office/drawing/2010/main" xmlns="">
+                <a14:hiddenFill xmlns="" xmlns:a14="http://schemas.microsoft.com/office/drawing/2010/main">
                   <a:noFill/>
                 </a14:hiddenFill>
               </a:ext>
@@ -14154,7 +14154,7 @@
             </a:ln>
             <a:extLst>
               <a:ext uri="{909E8E84-426E-40dd-AFC4-6F175D3DCCD1}">
-                <a14:hiddenFill xmlns:a14="http://schemas.microsoft.com/office/drawing/2010/main" xmlns="">
+                <a14:hiddenFill xmlns="" xmlns:a14="http://schemas.microsoft.com/office/drawing/2010/main">
                   <a:noFill/>
                 </a14:hiddenFill>
               </a:ext>
@@ -14205,7 +14205,7 @@
             </a:ln>
             <a:extLst>
               <a:ext uri="{909E8E84-426E-40dd-AFC4-6F175D3DCCD1}">
-                <a14:hiddenFill xmlns:a14="http://schemas.microsoft.com/office/drawing/2010/main" xmlns="">
+                <a14:hiddenFill xmlns="" xmlns:a14="http://schemas.microsoft.com/office/drawing/2010/main">
                   <a:noFill/>
                 </a14:hiddenFill>
               </a:ext>
@@ -14256,7 +14256,7 @@
             </a:ln>
             <a:extLst>
               <a:ext uri="{909E8E84-426E-40dd-AFC4-6F175D3DCCD1}">
-                <a14:hiddenFill xmlns:a14="http://schemas.microsoft.com/office/drawing/2010/main" xmlns="">
+                <a14:hiddenFill xmlns="" xmlns:a14="http://schemas.microsoft.com/office/drawing/2010/main">
                   <a:noFill/>
                 </a14:hiddenFill>
               </a:ext>
@@ -14307,7 +14307,7 @@
             </a:ln>
             <a:extLst>
               <a:ext uri="{909E8E84-426E-40dd-AFC4-6F175D3DCCD1}">
-                <a14:hiddenFill xmlns:a14="http://schemas.microsoft.com/office/drawing/2010/main" xmlns="">
+                <a14:hiddenFill xmlns="" xmlns:a14="http://schemas.microsoft.com/office/drawing/2010/main">
                   <a:noFill/>
                 </a14:hiddenFill>
               </a:ext>
@@ -14358,7 +14358,7 @@
             </a:ln>
             <a:extLst>
               <a:ext uri="{909E8E84-426E-40dd-AFC4-6F175D3DCCD1}">
-                <a14:hiddenFill xmlns:a14="http://schemas.microsoft.com/office/drawing/2010/main" xmlns="">
+                <a14:hiddenFill xmlns="" xmlns:a14="http://schemas.microsoft.com/office/drawing/2010/main">
                   <a:noFill/>
                 </a14:hiddenFill>
               </a:ext>
@@ -14409,7 +14409,7 @@
             </a:ln>
             <a:extLst>
               <a:ext uri="{909E8E84-426E-40dd-AFC4-6F175D3DCCD1}">
-                <a14:hiddenFill xmlns:a14="http://schemas.microsoft.com/office/drawing/2010/main" xmlns="">
+                <a14:hiddenFill xmlns="" xmlns:a14="http://schemas.microsoft.com/office/drawing/2010/main">
                   <a:noFill/>
                 </a14:hiddenFill>
               </a:ext>
@@ -14460,7 +14460,7 @@
             </a:ln>
             <a:extLst>
               <a:ext uri="{909E8E84-426E-40dd-AFC4-6F175D3DCCD1}">
-                <a14:hiddenFill xmlns:a14="http://schemas.microsoft.com/office/drawing/2010/main" xmlns="">
+                <a14:hiddenFill xmlns="" xmlns:a14="http://schemas.microsoft.com/office/drawing/2010/main">
                   <a:noFill/>
                 </a14:hiddenFill>
               </a:ext>
@@ -14511,7 +14511,7 @@
             </a:ln>
             <a:extLst>
               <a:ext uri="{909E8E84-426E-40dd-AFC4-6F175D3DCCD1}">
-                <a14:hiddenFill xmlns:a14="http://schemas.microsoft.com/office/drawing/2010/main" xmlns="">
+                <a14:hiddenFill xmlns="" xmlns:a14="http://schemas.microsoft.com/office/drawing/2010/main">
                   <a:noFill/>
                 </a14:hiddenFill>
               </a:ext>
@@ -14562,7 +14562,7 @@
             </a:ln>
             <a:extLst>
               <a:ext uri="{909E8E84-426E-40dd-AFC4-6F175D3DCCD1}">
-                <a14:hiddenFill xmlns:a14="http://schemas.microsoft.com/office/drawing/2010/main" xmlns="">
+                <a14:hiddenFill xmlns="" xmlns:a14="http://schemas.microsoft.com/office/drawing/2010/main">
                   <a:noFill/>
                 </a14:hiddenFill>
               </a:ext>
@@ -14613,7 +14613,7 @@
             </a:ln>
             <a:extLst>
               <a:ext uri="{909E8E84-426E-40dd-AFC4-6F175D3DCCD1}">
-                <a14:hiddenFill xmlns:a14="http://schemas.microsoft.com/office/drawing/2010/main" xmlns="">
+                <a14:hiddenFill xmlns="" xmlns:a14="http://schemas.microsoft.com/office/drawing/2010/main">
                   <a:noFill/>
                 </a14:hiddenFill>
               </a:ext>
@@ -14664,7 +14664,7 @@
             </a:ln>
             <a:extLst>
               <a:ext uri="{909E8E84-426E-40dd-AFC4-6F175D3DCCD1}">
-                <a14:hiddenFill xmlns:a14="http://schemas.microsoft.com/office/drawing/2010/main" xmlns="">
+                <a14:hiddenFill xmlns="" xmlns:a14="http://schemas.microsoft.com/office/drawing/2010/main">
                   <a:noFill/>
                 </a14:hiddenFill>
               </a:ext>
@@ -14715,7 +14715,7 @@
             </a:ln>
             <a:extLst>
               <a:ext uri="{909E8E84-426E-40dd-AFC4-6F175D3DCCD1}">
-                <a14:hiddenFill xmlns:a14="http://schemas.microsoft.com/office/drawing/2010/main" xmlns="">
+                <a14:hiddenFill xmlns="" xmlns:a14="http://schemas.microsoft.com/office/drawing/2010/main">
                   <a:noFill/>
                 </a14:hiddenFill>
               </a:ext>
@@ -14766,7 +14766,7 @@
             </a:ln>
             <a:extLst>
               <a:ext uri="{909E8E84-426E-40dd-AFC4-6F175D3DCCD1}">
-                <a14:hiddenFill xmlns:a14="http://schemas.microsoft.com/office/drawing/2010/main" xmlns="">
+                <a14:hiddenFill xmlns="" xmlns:a14="http://schemas.microsoft.com/office/drawing/2010/main">
                   <a:noFill/>
                 </a14:hiddenFill>
               </a:ext>
@@ -14817,7 +14817,7 @@
             </a:ln>
             <a:extLst>
               <a:ext uri="{909E8E84-426E-40dd-AFC4-6F175D3DCCD1}">
-                <a14:hiddenFill xmlns:a14="http://schemas.microsoft.com/office/drawing/2010/main" xmlns="">
+                <a14:hiddenFill xmlns="" xmlns:a14="http://schemas.microsoft.com/office/drawing/2010/main">
                   <a:noFill/>
                 </a14:hiddenFill>
               </a:ext>
@@ -14868,7 +14868,7 @@
             </a:ln>
             <a:extLst>
               <a:ext uri="{909E8E84-426E-40dd-AFC4-6F175D3DCCD1}">
-                <a14:hiddenFill xmlns:a14="http://schemas.microsoft.com/office/drawing/2010/main" xmlns="">
+                <a14:hiddenFill xmlns="" xmlns:a14="http://schemas.microsoft.com/office/drawing/2010/main">
                   <a:noFill/>
                 </a14:hiddenFill>
               </a:ext>
@@ -14919,7 +14919,7 @@
             </a:ln>
             <a:extLst>
               <a:ext uri="{909E8E84-426E-40dd-AFC4-6F175D3DCCD1}">
-                <a14:hiddenFill xmlns:a14="http://schemas.microsoft.com/office/drawing/2010/main" xmlns="">
+                <a14:hiddenFill xmlns="" xmlns:a14="http://schemas.microsoft.com/office/drawing/2010/main">
                   <a:noFill/>
                 </a14:hiddenFill>
               </a:ext>
@@ -14970,7 +14970,7 @@
             </a:ln>
             <a:extLst>
               <a:ext uri="{909E8E84-426E-40dd-AFC4-6F175D3DCCD1}">
-                <a14:hiddenFill xmlns:a14="http://schemas.microsoft.com/office/drawing/2010/main" xmlns="">
+                <a14:hiddenFill xmlns="" xmlns:a14="http://schemas.microsoft.com/office/drawing/2010/main">
                   <a:noFill/>
                 </a14:hiddenFill>
               </a:ext>
@@ -15021,7 +15021,7 @@
             </a:ln>
             <a:extLst>
               <a:ext uri="{909E8E84-426E-40dd-AFC4-6F175D3DCCD1}">
-                <a14:hiddenFill xmlns:a14="http://schemas.microsoft.com/office/drawing/2010/main" xmlns="">
+                <a14:hiddenFill xmlns="" xmlns:a14="http://schemas.microsoft.com/office/drawing/2010/main">
                   <a:noFill/>
                 </a14:hiddenFill>
               </a:ext>
@@ -15072,7 +15072,7 @@
             </a:ln>
             <a:extLst>
               <a:ext uri="{909E8E84-426E-40dd-AFC4-6F175D3DCCD1}">
-                <a14:hiddenFill xmlns:a14="http://schemas.microsoft.com/office/drawing/2010/main" xmlns="">
+                <a14:hiddenFill xmlns="" xmlns:a14="http://schemas.microsoft.com/office/drawing/2010/main">
                   <a:noFill/>
                 </a14:hiddenFill>
               </a:ext>
@@ -15123,7 +15123,7 @@
             </a:ln>
             <a:extLst>
               <a:ext uri="{909E8E84-426E-40dd-AFC4-6F175D3DCCD1}">
-                <a14:hiddenFill xmlns:a14="http://schemas.microsoft.com/office/drawing/2010/main" xmlns="">
+                <a14:hiddenFill xmlns="" xmlns:a14="http://schemas.microsoft.com/office/drawing/2010/main">
                   <a:noFill/>
                 </a14:hiddenFill>
               </a:ext>
@@ -15174,7 +15174,7 @@
             </a:ln>
             <a:extLst>
               <a:ext uri="{909E8E84-426E-40dd-AFC4-6F175D3DCCD1}">
-                <a14:hiddenFill xmlns:a14="http://schemas.microsoft.com/office/drawing/2010/main" xmlns="">
+                <a14:hiddenFill xmlns="" xmlns:a14="http://schemas.microsoft.com/office/drawing/2010/main">
                   <a:noFill/>
                 </a14:hiddenFill>
               </a:ext>
@@ -15225,7 +15225,7 @@
             </a:ln>
             <a:extLst>
               <a:ext uri="{909E8E84-426E-40dd-AFC4-6F175D3DCCD1}">
-                <a14:hiddenFill xmlns:a14="http://schemas.microsoft.com/office/drawing/2010/main" xmlns="">
+                <a14:hiddenFill xmlns="" xmlns:a14="http://schemas.microsoft.com/office/drawing/2010/main">
                   <a:noFill/>
                 </a14:hiddenFill>
               </a:ext>
@@ -15276,7 +15276,7 @@
             </a:ln>
             <a:extLst>
               <a:ext uri="{909E8E84-426E-40dd-AFC4-6F175D3DCCD1}">
-                <a14:hiddenFill xmlns:a14="http://schemas.microsoft.com/office/drawing/2010/main" xmlns="">
+                <a14:hiddenFill xmlns="" xmlns:a14="http://schemas.microsoft.com/office/drawing/2010/main">
                   <a:noFill/>
                 </a14:hiddenFill>
               </a:ext>
@@ -15327,7 +15327,7 @@
             </a:ln>
             <a:extLst>
               <a:ext uri="{909E8E84-426E-40dd-AFC4-6F175D3DCCD1}">
-                <a14:hiddenFill xmlns:a14="http://schemas.microsoft.com/office/drawing/2010/main" xmlns="">
+                <a14:hiddenFill xmlns="" xmlns:a14="http://schemas.microsoft.com/office/drawing/2010/main">
                   <a:noFill/>
                 </a14:hiddenFill>
               </a:ext>
@@ -15378,7 +15378,7 @@
             </a:ln>
             <a:extLst>
               <a:ext uri="{909E8E84-426E-40dd-AFC4-6F175D3DCCD1}">
-                <a14:hiddenFill xmlns:a14="http://schemas.microsoft.com/office/drawing/2010/main" xmlns="">
+                <a14:hiddenFill xmlns="" xmlns:a14="http://schemas.microsoft.com/office/drawing/2010/main">
                   <a:noFill/>
                 </a14:hiddenFill>
               </a:ext>
@@ -15429,7 +15429,7 @@
             </a:ln>
             <a:extLst>
               <a:ext uri="{909E8E84-426E-40dd-AFC4-6F175D3DCCD1}">
-                <a14:hiddenFill xmlns:a14="http://schemas.microsoft.com/office/drawing/2010/main" xmlns="">
+                <a14:hiddenFill xmlns="" xmlns:a14="http://schemas.microsoft.com/office/drawing/2010/main">
                   <a:noFill/>
                 </a14:hiddenFill>
               </a:ext>
@@ -15480,7 +15480,7 @@
             </a:ln>
             <a:extLst>
               <a:ext uri="{909E8E84-426E-40dd-AFC4-6F175D3DCCD1}">
-                <a14:hiddenFill xmlns:a14="http://schemas.microsoft.com/office/drawing/2010/main" xmlns="">
+                <a14:hiddenFill xmlns="" xmlns:a14="http://schemas.microsoft.com/office/drawing/2010/main">
                   <a:noFill/>
                 </a14:hiddenFill>
               </a:ext>
@@ -15531,7 +15531,7 @@
             </a:ln>
             <a:extLst>
               <a:ext uri="{909E8E84-426E-40dd-AFC4-6F175D3DCCD1}">
-                <a14:hiddenFill xmlns:a14="http://schemas.microsoft.com/office/drawing/2010/main" xmlns="">
+                <a14:hiddenFill xmlns="" xmlns:a14="http://schemas.microsoft.com/office/drawing/2010/main">
                   <a:noFill/>
                 </a14:hiddenFill>
               </a:ext>
@@ -15582,7 +15582,7 @@
             </a:ln>
             <a:extLst>
               <a:ext uri="{909E8E84-426E-40dd-AFC4-6F175D3DCCD1}">
-                <a14:hiddenFill xmlns:a14="http://schemas.microsoft.com/office/drawing/2010/main" xmlns="">
+                <a14:hiddenFill xmlns="" xmlns:a14="http://schemas.microsoft.com/office/drawing/2010/main">
                   <a:noFill/>
                 </a14:hiddenFill>
               </a:ext>
@@ -15633,7 +15633,7 @@
             </a:ln>
             <a:extLst>
               <a:ext uri="{909E8E84-426E-40dd-AFC4-6F175D3DCCD1}">
-                <a14:hiddenFill xmlns:a14="http://schemas.microsoft.com/office/drawing/2010/main" xmlns="">
+                <a14:hiddenFill xmlns="" xmlns:a14="http://schemas.microsoft.com/office/drawing/2010/main">
                   <a:noFill/>
                 </a14:hiddenFill>
               </a:ext>
@@ -15684,7 +15684,7 @@
             </a:ln>
             <a:extLst>
               <a:ext uri="{909E8E84-426E-40dd-AFC4-6F175D3DCCD1}">
-                <a14:hiddenFill xmlns:a14="http://schemas.microsoft.com/office/drawing/2010/main" xmlns="">
+                <a14:hiddenFill xmlns="" xmlns:a14="http://schemas.microsoft.com/office/drawing/2010/main">
                   <a:noFill/>
                 </a14:hiddenFill>
               </a:ext>
@@ -15735,7 +15735,7 @@
             </a:ln>
             <a:extLst>
               <a:ext uri="{909E8E84-426E-40dd-AFC4-6F175D3DCCD1}">
-                <a14:hiddenFill xmlns:a14="http://schemas.microsoft.com/office/drawing/2010/main" xmlns="">
+                <a14:hiddenFill xmlns="" xmlns:a14="http://schemas.microsoft.com/office/drawing/2010/main">
                   <a:noFill/>
                 </a14:hiddenFill>
               </a:ext>
@@ -15786,7 +15786,7 @@
             </a:ln>
             <a:extLst>
               <a:ext uri="{909E8E84-426E-40dd-AFC4-6F175D3DCCD1}">
-                <a14:hiddenFill xmlns:a14="http://schemas.microsoft.com/office/drawing/2010/main" xmlns="">
+                <a14:hiddenFill xmlns="" xmlns:a14="http://schemas.microsoft.com/office/drawing/2010/main">
                   <a:noFill/>
                 </a14:hiddenFill>
               </a:ext>
@@ -15837,7 +15837,7 @@
             </a:ln>
             <a:extLst>
               <a:ext uri="{909E8E84-426E-40dd-AFC4-6F175D3DCCD1}">
-                <a14:hiddenFill xmlns:a14="http://schemas.microsoft.com/office/drawing/2010/main" xmlns="">
+                <a14:hiddenFill xmlns="" xmlns:a14="http://schemas.microsoft.com/office/drawing/2010/main">
                   <a:noFill/>
                 </a14:hiddenFill>
               </a:ext>
@@ -15888,7 +15888,7 @@
             </a:ln>
             <a:extLst>
               <a:ext uri="{909E8E84-426E-40dd-AFC4-6F175D3DCCD1}">
-                <a14:hiddenFill xmlns:a14="http://schemas.microsoft.com/office/drawing/2010/main" xmlns="">
+                <a14:hiddenFill xmlns="" xmlns:a14="http://schemas.microsoft.com/office/drawing/2010/main">
                   <a:noFill/>
                 </a14:hiddenFill>
               </a:ext>
@@ -15939,7 +15939,7 @@
             </a:ln>
             <a:extLst>
               <a:ext uri="{909E8E84-426E-40dd-AFC4-6F175D3DCCD1}">
-                <a14:hiddenFill xmlns:a14="http://schemas.microsoft.com/office/drawing/2010/main" xmlns="">
+                <a14:hiddenFill xmlns="" xmlns:a14="http://schemas.microsoft.com/office/drawing/2010/main">
                   <a:noFill/>
                 </a14:hiddenFill>
               </a:ext>
@@ -15990,7 +15990,7 @@
             </a:ln>
             <a:extLst>
               <a:ext uri="{909E8E84-426E-40dd-AFC4-6F175D3DCCD1}">
-                <a14:hiddenFill xmlns:a14="http://schemas.microsoft.com/office/drawing/2010/main" xmlns="">
+                <a14:hiddenFill xmlns="" xmlns:a14="http://schemas.microsoft.com/office/drawing/2010/main">
                   <a:noFill/>
                 </a14:hiddenFill>
               </a:ext>
@@ -16041,7 +16041,7 @@
             </a:ln>
             <a:extLst>
               <a:ext uri="{909E8E84-426E-40dd-AFC4-6F175D3DCCD1}">
-                <a14:hiddenFill xmlns:a14="http://schemas.microsoft.com/office/drawing/2010/main" xmlns="">
+                <a14:hiddenFill xmlns="" xmlns:a14="http://schemas.microsoft.com/office/drawing/2010/main">
                   <a:noFill/>
                 </a14:hiddenFill>
               </a:ext>
@@ -16092,7 +16092,7 @@
             </a:ln>
             <a:extLst>
               <a:ext uri="{909E8E84-426E-40dd-AFC4-6F175D3DCCD1}">
-                <a14:hiddenFill xmlns:a14="http://schemas.microsoft.com/office/drawing/2010/main" xmlns="">
+                <a14:hiddenFill xmlns="" xmlns:a14="http://schemas.microsoft.com/office/drawing/2010/main">
                   <a:noFill/>
                 </a14:hiddenFill>
               </a:ext>
@@ -16143,7 +16143,7 @@
             </a:ln>
             <a:extLst>
               <a:ext uri="{909E8E84-426E-40dd-AFC4-6F175D3DCCD1}">
-                <a14:hiddenFill xmlns:a14="http://schemas.microsoft.com/office/drawing/2010/main" xmlns="">
+                <a14:hiddenFill xmlns="" xmlns:a14="http://schemas.microsoft.com/office/drawing/2010/main">
                   <a:noFill/>
                 </a14:hiddenFill>
               </a:ext>
@@ -16194,7 +16194,7 @@
             </a:ln>
             <a:extLst>
               <a:ext uri="{909E8E84-426E-40dd-AFC4-6F175D3DCCD1}">
-                <a14:hiddenFill xmlns:a14="http://schemas.microsoft.com/office/drawing/2010/main" xmlns="">
+                <a14:hiddenFill xmlns="" xmlns:a14="http://schemas.microsoft.com/office/drawing/2010/main">
                   <a:noFill/>
                 </a14:hiddenFill>
               </a:ext>
@@ -16245,7 +16245,7 @@
             </a:ln>
             <a:extLst>
               <a:ext uri="{909E8E84-426E-40dd-AFC4-6F175D3DCCD1}">
-                <a14:hiddenFill xmlns:a14="http://schemas.microsoft.com/office/drawing/2010/main" xmlns="">
+                <a14:hiddenFill xmlns="" xmlns:a14="http://schemas.microsoft.com/office/drawing/2010/main">
                   <a:noFill/>
                 </a14:hiddenFill>
               </a:ext>
@@ -16296,7 +16296,7 @@
             </a:ln>
             <a:extLst>
               <a:ext uri="{909E8E84-426E-40dd-AFC4-6F175D3DCCD1}">
-                <a14:hiddenFill xmlns:a14="http://schemas.microsoft.com/office/drawing/2010/main" xmlns="">
+                <a14:hiddenFill xmlns="" xmlns:a14="http://schemas.microsoft.com/office/drawing/2010/main">
                   <a:noFill/>
                 </a14:hiddenFill>
               </a:ext>
@@ -16347,7 +16347,7 @@
             </a:ln>
             <a:extLst>
               <a:ext uri="{909E8E84-426E-40dd-AFC4-6F175D3DCCD1}">
-                <a14:hiddenFill xmlns:a14="http://schemas.microsoft.com/office/drawing/2010/main" xmlns="">
+                <a14:hiddenFill xmlns="" xmlns:a14="http://schemas.microsoft.com/office/drawing/2010/main">
                   <a:noFill/>
                 </a14:hiddenFill>
               </a:ext>
@@ -16398,7 +16398,7 @@
             </a:ln>
             <a:extLst>
               <a:ext uri="{909E8E84-426E-40dd-AFC4-6F175D3DCCD1}">
-                <a14:hiddenFill xmlns:a14="http://schemas.microsoft.com/office/drawing/2010/main" xmlns="">
+                <a14:hiddenFill xmlns="" xmlns:a14="http://schemas.microsoft.com/office/drawing/2010/main">
                   <a:noFill/>
                 </a14:hiddenFill>
               </a:ext>
@@ -16449,7 +16449,7 @@
             </a:ln>
             <a:extLst>
               <a:ext uri="{909E8E84-426E-40dd-AFC4-6F175D3DCCD1}">
-                <a14:hiddenFill xmlns:a14="http://schemas.microsoft.com/office/drawing/2010/main" xmlns="">
+                <a14:hiddenFill xmlns="" xmlns:a14="http://schemas.microsoft.com/office/drawing/2010/main">
                   <a:noFill/>
                 </a14:hiddenFill>
               </a:ext>
@@ -16500,7 +16500,7 @@
             </a:ln>
             <a:extLst>
               <a:ext uri="{909E8E84-426E-40dd-AFC4-6F175D3DCCD1}">
-                <a14:hiddenFill xmlns:a14="http://schemas.microsoft.com/office/drawing/2010/main" xmlns="">
+                <a14:hiddenFill xmlns="" xmlns:a14="http://schemas.microsoft.com/office/drawing/2010/main">
                   <a:noFill/>
                 </a14:hiddenFill>
               </a:ext>
@@ -16551,7 +16551,7 @@
             </a:ln>
             <a:extLst>
               <a:ext uri="{909E8E84-426E-40dd-AFC4-6F175D3DCCD1}">
-                <a14:hiddenFill xmlns:a14="http://schemas.microsoft.com/office/drawing/2010/main" xmlns="">
+                <a14:hiddenFill xmlns="" xmlns:a14="http://schemas.microsoft.com/office/drawing/2010/main">
                   <a:noFill/>
                 </a14:hiddenFill>
               </a:ext>
@@ -16602,7 +16602,7 @@
             </a:ln>
             <a:extLst>
               <a:ext uri="{909E8E84-426E-40dd-AFC4-6F175D3DCCD1}">
-                <a14:hiddenFill xmlns:a14="http://schemas.microsoft.com/office/drawing/2010/main" xmlns="">
+                <a14:hiddenFill xmlns="" xmlns:a14="http://schemas.microsoft.com/office/drawing/2010/main">
                   <a:noFill/>
                 </a14:hiddenFill>
               </a:ext>
@@ -16653,7 +16653,7 @@
             </a:ln>
             <a:extLst>
               <a:ext uri="{909E8E84-426E-40dd-AFC4-6F175D3DCCD1}">
-                <a14:hiddenFill xmlns:a14="http://schemas.microsoft.com/office/drawing/2010/main" xmlns="">
+                <a14:hiddenFill xmlns="" xmlns:a14="http://schemas.microsoft.com/office/drawing/2010/main">
                   <a:noFill/>
                 </a14:hiddenFill>
               </a:ext>
@@ -17722,7 +17722,7 @@
             </a:ln>
             <a:extLst>
               <a:ext uri="{909E8E84-426E-40dd-AFC4-6F175D3DCCD1}">
-                <a14:hiddenFill xmlns:a14="http://schemas.microsoft.com/office/drawing/2010/main" xmlns="">
+                <a14:hiddenFill xmlns="" xmlns:a14="http://schemas.microsoft.com/office/drawing/2010/main">
                   <a:solidFill>
                     <a:srgbClr val="FFFFFF"/>
                   </a:solidFill>
@@ -17775,7 +17775,7 @@
             </a:ln>
             <a:extLst>
               <a:ext uri="{909E8E84-426E-40dd-AFC4-6F175D3DCCD1}">
-                <a14:hiddenFill xmlns:a14="http://schemas.microsoft.com/office/drawing/2010/main" xmlns="">
+                <a14:hiddenFill xmlns="" xmlns:a14="http://schemas.microsoft.com/office/drawing/2010/main">
                   <a:noFill/>
                 </a14:hiddenFill>
               </a:ext>
@@ -17826,7 +17826,7 @@
             </a:ln>
             <a:extLst>
               <a:ext uri="{909E8E84-426E-40dd-AFC4-6F175D3DCCD1}">
-                <a14:hiddenFill xmlns:a14="http://schemas.microsoft.com/office/drawing/2010/main" xmlns="">
+                <a14:hiddenFill xmlns="" xmlns:a14="http://schemas.microsoft.com/office/drawing/2010/main">
                   <a:noFill/>
                 </a14:hiddenFill>
               </a:ext>
@@ -17877,7 +17877,7 @@
             </a:ln>
             <a:extLst>
               <a:ext uri="{909E8E84-426E-40dd-AFC4-6F175D3DCCD1}">
-                <a14:hiddenFill xmlns:a14="http://schemas.microsoft.com/office/drawing/2010/main" xmlns="">
+                <a14:hiddenFill xmlns="" xmlns:a14="http://schemas.microsoft.com/office/drawing/2010/main">
                   <a:noFill/>
                 </a14:hiddenFill>
               </a:ext>
@@ -17928,7 +17928,7 @@
             </a:ln>
             <a:extLst>
               <a:ext uri="{909E8E84-426E-40dd-AFC4-6F175D3DCCD1}">
-                <a14:hiddenFill xmlns:a14="http://schemas.microsoft.com/office/drawing/2010/main" xmlns="">
+                <a14:hiddenFill xmlns="" xmlns:a14="http://schemas.microsoft.com/office/drawing/2010/main">
                   <a:noFill/>
                 </a14:hiddenFill>
               </a:ext>
@@ -17979,7 +17979,7 @@
             </a:ln>
             <a:extLst>
               <a:ext uri="{909E8E84-426E-40dd-AFC4-6F175D3DCCD1}">
-                <a14:hiddenFill xmlns:a14="http://schemas.microsoft.com/office/drawing/2010/main" xmlns="">
+                <a14:hiddenFill xmlns="" xmlns:a14="http://schemas.microsoft.com/office/drawing/2010/main">
                   <a:noFill/>
                 </a14:hiddenFill>
               </a:ext>
@@ -18030,7 +18030,7 @@
             </a:ln>
             <a:extLst>
               <a:ext uri="{909E8E84-426E-40dd-AFC4-6F175D3DCCD1}">
-                <a14:hiddenFill xmlns:a14="http://schemas.microsoft.com/office/drawing/2010/main" xmlns="">
+                <a14:hiddenFill xmlns="" xmlns:a14="http://schemas.microsoft.com/office/drawing/2010/main">
                   <a:noFill/>
                 </a14:hiddenFill>
               </a:ext>
@@ -18081,7 +18081,7 @@
             </a:ln>
             <a:extLst>
               <a:ext uri="{909E8E84-426E-40dd-AFC4-6F175D3DCCD1}">
-                <a14:hiddenFill xmlns:a14="http://schemas.microsoft.com/office/drawing/2010/main" xmlns="">
+                <a14:hiddenFill xmlns="" xmlns:a14="http://schemas.microsoft.com/office/drawing/2010/main">
                   <a:noFill/>
                 </a14:hiddenFill>
               </a:ext>
@@ -18132,7 +18132,7 @@
             </a:ln>
             <a:extLst>
               <a:ext uri="{909E8E84-426E-40dd-AFC4-6F175D3DCCD1}">
-                <a14:hiddenFill xmlns:a14="http://schemas.microsoft.com/office/drawing/2010/main" xmlns="">
+                <a14:hiddenFill xmlns="" xmlns:a14="http://schemas.microsoft.com/office/drawing/2010/main">
                   <a:noFill/>
                 </a14:hiddenFill>
               </a:ext>
@@ -18183,7 +18183,7 @@
             </a:ln>
             <a:extLst>
               <a:ext uri="{909E8E84-426E-40dd-AFC4-6F175D3DCCD1}">
-                <a14:hiddenFill xmlns:a14="http://schemas.microsoft.com/office/drawing/2010/main" xmlns="">
+                <a14:hiddenFill xmlns="" xmlns:a14="http://schemas.microsoft.com/office/drawing/2010/main">
                   <a:noFill/>
                 </a14:hiddenFill>
               </a:ext>
@@ -18234,7 +18234,7 @@
             </a:ln>
             <a:extLst>
               <a:ext uri="{909E8E84-426E-40dd-AFC4-6F175D3DCCD1}">
-                <a14:hiddenFill xmlns:a14="http://schemas.microsoft.com/office/drawing/2010/main" xmlns="">
+                <a14:hiddenFill xmlns="" xmlns:a14="http://schemas.microsoft.com/office/drawing/2010/main">
                   <a:noFill/>
                 </a14:hiddenFill>
               </a:ext>
@@ -18285,7 +18285,7 @@
             </a:ln>
             <a:extLst>
               <a:ext uri="{909E8E84-426E-40dd-AFC4-6F175D3DCCD1}">
-                <a14:hiddenFill xmlns:a14="http://schemas.microsoft.com/office/drawing/2010/main" xmlns="">
+                <a14:hiddenFill xmlns="" xmlns:a14="http://schemas.microsoft.com/office/drawing/2010/main">
                   <a:noFill/>
                 </a14:hiddenFill>
               </a:ext>
@@ -18336,7 +18336,7 @@
             </a:ln>
             <a:extLst>
               <a:ext uri="{909E8E84-426E-40dd-AFC4-6F175D3DCCD1}">
-                <a14:hiddenFill xmlns:a14="http://schemas.microsoft.com/office/drawing/2010/main" xmlns="">
+                <a14:hiddenFill xmlns="" xmlns:a14="http://schemas.microsoft.com/office/drawing/2010/main">
                   <a:noFill/>
                 </a14:hiddenFill>
               </a:ext>
@@ -18387,7 +18387,7 @@
             </a:ln>
             <a:extLst>
               <a:ext uri="{909E8E84-426E-40dd-AFC4-6F175D3DCCD1}">
-                <a14:hiddenFill xmlns:a14="http://schemas.microsoft.com/office/drawing/2010/main" xmlns="">
+                <a14:hiddenFill xmlns="" xmlns:a14="http://schemas.microsoft.com/office/drawing/2010/main">
                   <a:noFill/>
                 </a14:hiddenFill>
               </a:ext>
@@ -18438,7 +18438,7 @@
             </a:ln>
             <a:extLst>
               <a:ext uri="{909E8E84-426E-40dd-AFC4-6F175D3DCCD1}">
-                <a14:hiddenFill xmlns:a14="http://schemas.microsoft.com/office/drawing/2010/main" xmlns="">
+                <a14:hiddenFill xmlns="" xmlns:a14="http://schemas.microsoft.com/office/drawing/2010/main">
                   <a:noFill/>
                 </a14:hiddenFill>
               </a:ext>
@@ -18489,7 +18489,7 @@
             </a:ln>
             <a:extLst>
               <a:ext uri="{909E8E84-426E-40dd-AFC4-6F175D3DCCD1}">
-                <a14:hiddenFill xmlns:a14="http://schemas.microsoft.com/office/drawing/2010/main" xmlns="">
+                <a14:hiddenFill xmlns="" xmlns:a14="http://schemas.microsoft.com/office/drawing/2010/main">
                   <a:noFill/>
                 </a14:hiddenFill>
               </a:ext>
@@ -18540,7 +18540,7 @@
             </a:ln>
             <a:extLst>
               <a:ext uri="{909E8E84-426E-40dd-AFC4-6F175D3DCCD1}">
-                <a14:hiddenFill xmlns:a14="http://schemas.microsoft.com/office/drawing/2010/main" xmlns="">
+                <a14:hiddenFill xmlns="" xmlns:a14="http://schemas.microsoft.com/office/drawing/2010/main">
                   <a:noFill/>
                 </a14:hiddenFill>
               </a:ext>
@@ -18591,7 +18591,7 @@
             </a:ln>
             <a:extLst>
               <a:ext uri="{909E8E84-426E-40dd-AFC4-6F175D3DCCD1}">
-                <a14:hiddenFill xmlns:a14="http://schemas.microsoft.com/office/drawing/2010/main" xmlns="">
+                <a14:hiddenFill xmlns="" xmlns:a14="http://schemas.microsoft.com/office/drawing/2010/main">
                   <a:noFill/>
                 </a14:hiddenFill>
               </a:ext>
@@ -18642,7 +18642,7 @@
             </a:ln>
             <a:extLst>
               <a:ext uri="{909E8E84-426E-40dd-AFC4-6F175D3DCCD1}">
-                <a14:hiddenFill xmlns:a14="http://schemas.microsoft.com/office/drawing/2010/main" xmlns="">
+                <a14:hiddenFill xmlns="" xmlns:a14="http://schemas.microsoft.com/office/drawing/2010/main">
                   <a:noFill/>
                 </a14:hiddenFill>
               </a:ext>
@@ -18693,7 +18693,7 @@
             </a:ln>
             <a:extLst>
               <a:ext uri="{909E8E84-426E-40dd-AFC4-6F175D3DCCD1}">
-                <a14:hiddenFill xmlns:a14="http://schemas.microsoft.com/office/drawing/2010/main" xmlns="">
+                <a14:hiddenFill xmlns="" xmlns:a14="http://schemas.microsoft.com/office/drawing/2010/main">
                   <a:noFill/>
                 </a14:hiddenFill>
               </a:ext>
@@ -18744,7 +18744,7 @@
             </a:ln>
             <a:extLst>
               <a:ext uri="{909E8E84-426E-40dd-AFC4-6F175D3DCCD1}">
-                <a14:hiddenFill xmlns:a14="http://schemas.microsoft.com/office/drawing/2010/main" xmlns="">
+                <a14:hiddenFill xmlns="" xmlns:a14="http://schemas.microsoft.com/office/drawing/2010/main">
                   <a:noFill/>
                 </a14:hiddenFill>
               </a:ext>
@@ -18795,7 +18795,7 @@
             </a:ln>
             <a:extLst>
               <a:ext uri="{909E8E84-426E-40dd-AFC4-6F175D3DCCD1}">
-                <a14:hiddenFill xmlns:a14="http://schemas.microsoft.com/office/drawing/2010/main" xmlns="">
+                <a14:hiddenFill xmlns="" xmlns:a14="http://schemas.microsoft.com/office/drawing/2010/main">
                   <a:noFill/>
                 </a14:hiddenFill>
               </a:ext>
@@ -18846,7 +18846,7 @@
             </a:ln>
             <a:extLst>
               <a:ext uri="{909E8E84-426E-40dd-AFC4-6F175D3DCCD1}">
-                <a14:hiddenFill xmlns:a14="http://schemas.microsoft.com/office/drawing/2010/main" xmlns="">
+                <a14:hiddenFill xmlns="" xmlns:a14="http://schemas.microsoft.com/office/drawing/2010/main">
                   <a:noFill/>
                 </a14:hiddenFill>
               </a:ext>
@@ -18897,7 +18897,7 @@
             </a:ln>
             <a:extLst>
               <a:ext uri="{909E8E84-426E-40dd-AFC4-6F175D3DCCD1}">
-                <a14:hiddenFill xmlns:a14="http://schemas.microsoft.com/office/drawing/2010/main" xmlns="">
+                <a14:hiddenFill xmlns="" xmlns:a14="http://schemas.microsoft.com/office/drawing/2010/main">
                   <a:noFill/>
                 </a14:hiddenFill>
               </a:ext>
@@ -18948,7 +18948,7 @@
             </a:ln>
             <a:extLst>
               <a:ext uri="{909E8E84-426E-40dd-AFC4-6F175D3DCCD1}">
-                <a14:hiddenFill xmlns:a14="http://schemas.microsoft.com/office/drawing/2010/main" xmlns="">
+                <a14:hiddenFill xmlns="" xmlns:a14="http://schemas.microsoft.com/office/drawing/2010/main">
                   <a:noFill/>
                 </a14:hiddenFill>
               </a:ext>
@@ -18999,7 +18999,7 @@
             </a:ln>
             <a:extLst>
               <a:ext uri="{909E8E84-426E-40dd-AFC4-6F175D3DCCD1}">
-                <a14:hiddenFill xmlns:a14="http://schemas.microsoft.com/office/drawing/2010/main" xmlns="">
+                <a14:hiddenFill xmlns="" xmlns:a14="http://schemas.microsoft.com/office/drawing/2010/main">
                   <a:noFill/>
                 </a14:hiddenFill>
               </a:ext>
@@ -19050,7 +19050,7 @@
             </a:ln>
             <a:extLst>
               <a:ext uri="{909E8E84-426E-40dd-AFC4-6F175D3DCCD1}">
-                <a14:hiddenFill xmlns:a14="http://schemas.microsoft.com/office/drawing/2010/main" xmlns="">
+                <a14:hiddenFill xmlns="" xmlns:a14="http://schemas.microsoft.com/office/drawing/2010/main">
                   <a:noFill/>
                 </a14:hiddenFill>
               </a:ext>
@@ -19101,7 +19101,7 @@
             </a:ln>
             <a:extLst>
               <a:ext uri="{909E8E84-426E-40dd-AFC4-6F175D3DCCD1}">
-                <a14:hiddenFill xmlns:a14="http://schemas.microsoft.com/office/drawing/2010/main" xmlns="">
+                <a14:hiddenFill xmlns="" xmlns:a14="http://schemas.microsoft.com/office/drawing/2010/main">
                   <a:noFill/>
                 </a14:hiddenFill>
               </a:ext>
@@ -19152,7 +19152,7 @@
             </a:ln>
             <a:extLst>
               <a:ext uri="{909E8E84-426E-40dd-AFC4-6F175D3DCCD1}">
-                <a14:hiddenFill xmlns:a14="http://schemas.microsoft.com/office/drawing/2010/main" xmlns="">
+                <a14:hiddenFill xmlns="" xmlns:a14="http://schemas.microsoft.com/office/drawing/2010/main">
                   <a:noFill/>
                 </a14:hiddenFill>
               </a:ext>
@@ -19203,7 +19203,7 @@
             </a:ln>
             <a:extLst>
               <a:ext uri="{909E8E84-426E-40dd-AFC4-6F175D3DCCD1}">
-                <a14:hiddenFill xmlns:a14="http://schemas.microsoft.com/office/drawing/2010/main" xmlns="">
+                <a14:hiddenFill xmlns="" xmlns:a14="http://schemas.microsoft.com/office/drawing/2010/main">
                   <a:noFill/>
                 </a14:hiddenFill>
               </a:ext>
@@ -19254,7 +19254,7 @@
             </a:ln>
             <a:extLst>
               <a:ext uri="{909E8E84-426E-40dd-AFC4-6F175D3DCCD1}">
-                <a14:hiddenFill xmlns:a14="http://schemas.microsoft.com/office/drawing/2010/main" xmlns="">
+                <a14:hiddenFill xmlns="" xmlns:a14="http://schemas.microsoft.com/office/drawing/2010/main">
                   <a:noFill/>
                 </a14:hiddenFill>
               </a:ext>
@@ -19305,7 +19305,7 @@
             </a:ln>
             <a:extLst>
               <a:ext uri="{909E8E84-426E-40dd-AFC4-6F175D3DCCD1}">
-                <a14:hiddenFill xmlns:a14="http://schemas.microsoft.com/office/drawing/2010/main" xmlns="">
+                <a14:hiddenFill xmlns="" xmlns:a14="http://schemas.microsoft.com/office/drawing/2010/main">
                   <a:noFill/>
                 </a14:hiddenFill>
               </a:ext>
@@ -19356,7 +19356,7 @@
             </a:ln>
             <a:extLst>
               <a:ext uri="{909E8E84-426E-40dd-AFC4-6F175D3DCCD1}">
-                <a14:hiddenFill xmlns:a14="http://schemas.microsoft.com/office/drawing/2010/main" xmlns="">
+                <a14:hiddenFill xmlns="" xmlns:a14="http://schemas.microsoft.com/office/drawing/2010/main">
                   <a:noFill/>
                 </a14:hiddenFill>
               </a:ext>
@@ -19407,7 +19407,7 @@
             </a:ln>
             <a:extLst>
               <a:ext uri="{909E8E84-426E-40dd-AFC4-6F175D3DCCD1}">
-                <a14:hiddenFill xmlns:a14="http://schemas.microsoft.com/office/drawing/2010/main" xmlns="">
+                <a14:hiddenFill xmlns="" xmlns:a14="http://schemas.microsoft.com/office/drawing/2010/main">
                   <a:noFill/>
                 </a14:hiddenFill>
               </a:ext>
@@ -19458,7 +19458,7 @@
             </a:ln>
             <a:extLst>
               <a:ext uri="{909E8E84-426E-40dd-AFC4-6F175D3DCCD1}">
-                <a14:hiddenFill xmlns:a14="http://schemas.microsoft.com/office/drawing/2010/main" xmlns="">
+                <a14:hiddenFill xmlns="" xmlns:a14="http://schemas.microsoft.com/office/drawing/2010/main">
                   <a:noFill/>
                 </a14:hiddenFill>
               </a:ext>
@@ -19509,7 +19509,7 @@
             </a:ln>
             <a:extLst>
               <a:ext uri="{909E8E84-426E-40dd-AFC4-6F175D3DCCD1}">
-                <a14:hiddenFill xmlns:a14="http://schemas.microsoft.com/office/drawing/2010/main" xmlns="">
+                <a14:hiddenFill xmlns="" xmlns:a14="http://schemas.microsoft.com/office/drawing/2010/main">
                   <a:noFill/>
                 </a14:hiddenFill>
               </a:ext>
@@ -19560,7 +19560,7 @@
             </a:ln>
             <a:extLst>
               <a:ext uri="{909E8E84-426E-40dd-AFC4-6F175D3DCCD1}">
-                <a14:hiddenFill xmlns:a14="http://schemas.microsoft.com/office/drawing/2010/main" xmlns="">
+                <a14:hiddenFill xmlns="" xmlns:a14="http://schemas.microsoft.com/office/drawing/2010/main">
                   <a:noFill/>
                 </a14:hiddenFill>
               </a:ext>
@@ -19611,7 +19611,7 @@
             </a:ln>
             <a:extLst>
               <a:ext uri="{909E8E84-426E-40dd-AFC4-6F175D3DCCD1}">
-                <a14:hiddenFill xmlns:a14="http://schemas.microsoft.com/office/drawing/2010/main" xmlns="">
+                <a14:hiddenFill xmlns="" xmlns:a14="http://schemas.microsoft.com/office/drawing/2010/main">
                   <a:noFill/>
                 </a14:hiddenFill>
               </a:ext>
@@ -19662,7 +19662,7 @@
             </a:ln>
             <a:extLst>
               <a:ext uri="{909E8E84-426E-40dd-AFC4-6F175D3DCCD1}">
-                <a14:hiddenFill xmlns:a14="http://schemas.microsoft.com/office/drawing/2010/main" xmlns="">
+                <a14:hiddenFill xmlns="" xmlns:a14="http://schemas.microsoft.com/office/drawing/2010/main">
                   <a:noFill/>
                 </a14:hiddenFill>
               </a:ext>
@@ -19713,7 +19713,7 @@
             </a:ln>
             <a:extLst>
               <a:ext uri="{909E8E84-426E-40dd-AFC4-6F175D3DCCD1}">
-                <a14:hiddenFill xmlns:a14="http://schemas.microsoft.com/office/drawing/2010/main" xmlns="">
+                <a14:hiddenFill xmlns="" xmlns:a14="http://schemas.microsoft.com/office/drawing/2010/main">
                   <a:noFill/>
                 </a14:hiddenFill>
               </a:ext>
@@ -19764,7 +19764,7 @@
             </a:ln>
             <a:extLst>
               <a:ext uri="{909E8E84-426E-40dd-AFC4-6F175D3DCCD1}">
-                <a14:hiddenFill xmlns:a14="http://schemas.microsoft.com/office/drawing/2010/main" xmlns="">
+                <a14:hiddenFill xmlns="" xmlns:a14="http://schemas.microsoft.com/office/drawing/2010/main">
                   <a:noFill/>
                 </a14:hiddenFill>
               </a:ext>
@@ -19815,7 +19815,7 @@
             </a:ln>
             <a:extLst>
               <a:ext uri="{909E8E84-426E-40dd-AFC4-6F175D3DCCD1}">
-                <a14:hiddenFill xmlns:a14="http://schemas.microsoft.com/office/drawing/2010/main" xmlns="">
+                <a14:hiddenFill xmlns="" xmlns:a14="http://schemas.microsoft.com/office/drawing/2010/main">
                   <a:noFill/>
                 </a14:hiddenFill>
               </a:ext>
@@ -19866,7 +19866,7 @@
             </a:ln>
             <a:extLst>
               <a:ext uri="{909E8E84-426E-40dd-AFC4-6F175D3DCCD1}">
-                <a14:hiddenFill xmlns:a14="http://schemas.microsoft.com/office/drawing/2010/main" xmlns="">
+                <a14:hiddenFill xmlns="" xmlns:a14="http://schemas.microsoft.com/office/drawing/2010/main">
                   <a:noFill/>
                 </a14:hiddenFill>
               </a:ext>
@@ -19917,7 +19917,7 @@
             </a:ln>
             <a:extLst>
               <a:ext uri="{909E8E84-426E-40dd-AFC4-6F175D3DCCD1}">
-                <a14:hiddenFill xmlns:a14="http://schemas.microsoft.com/office/drawing/2010/main" xmlns="">
+                <a14:hiddenFill xmlns="" xmlns:a14="http://schemas.microsoft.com/office/drawing/2010/main">
                   <a:noFill/>
                 </a14:hiddenFill>
               </a:ext>
@@ -19968,7 +19968,7 @@
             </a:ln>
             <a:extLst>
               <a:ext uri="{909E8E84-426E-40dd-AFC4-6F175D3DCCD1}">
-                <a14:hiddenFill xmlns:a14="http://schemas.microsoft.com/office/drawing/2010/main" xmlns="">
+                <a14:hiddenFill xmlns="" xmlns:a14="http://schemas.microsoft.com/office/drawing/2010/main">
                   <a:noFill/>
                 </a14:hiddenFill>
               </a:ext>
@@ -20019,7 +20019,7 @@
             </a:ln>
             <a:extLst>
               <a:ext uri="{909E8E84-426E-40dd-AFC4-6F175D3DCCD1}">
-                <a14:hiddenFill xmlns:a14="http://schemas.microsoft.com/office/drawing/2010/main" xmlns="">
+                <a14:hiddenFill xmlns="" xmlns:a14="http://schemas.microsoft.com/office/drawing/2010/main">
                   <a:noFill/>
                 </a14:hiddenFill>
               </a:ext>
@@ -20070,7 +20070,7 @@
             </a:ln>
             <a:extLst>
               <a:ext uri="{909E8E84-426E-40dd-AFC4-6F175D3DCCD1}">
-                <a14:hiddenFill xmlns:a14="http://schemas.microsoft.com/office/drawing/2010/main" xmlns="">
+                <a14:hiddenFill xmlns="" xmlns:a14="http://schemas.microsoft.com/office/drawing/2010/main">
                   <a:noFill/>
                 </a14:hiddenFill>
               </a:ext>
@@ -20121,7 +20121,7 @@
             </a:ln>
             <a:extLst>
               <a:ext uri="{909E8E84-426E-40dd-AFC4-6F175D3DCCD1}">
-                <a14:hiddenFill xmlns:a14="http://schemas.microsoft.com/office/drawing/2010/main" xmlns="">
+                <a14:hiddenFill xmlns="" xmlns:a14="http://schemas.microsoft.com/office/drawing/2010/main">
                   <a:noFill/>
                 </a14:hiddenFill>
               </a:ext>
@@ -20172,7 +20172,7 @@
             </a:ln>
             <a:extLst>
               <a:ext uri="{909E8E84-426E-40dd-AFC4-6F175D3DCCD1}">
-                <a14:hiddenFill xmlns:a14="http://schemas.microsoft.com/office/drawing/2010/main" xmlns="">
+                <a14:hiddenFill xmlns="" xmlns:a14="http://schemas.microsoft.com/office/drawing/2010/main">
                   <a:noFill/>
                 </a14:hiddenFill>
               </a:ext>
@@ -20223,7 +20223,7 @@
             </a:ln>
             <a:extLst>
               <a:ext uri="{909E8E84-426E-40dd-AFC4-6F175D3DCCD1}">
-                <a14:hiddenFill xmlns:a14="http://schemas.microsoft.com/office/drawing/2010/main" xmlns="">
+                <a14:hiddenFill xmlns="" xmlns:a14="http://schemas.microsoft.com/office/drawing/2010/main">
                   <a:noFill/>
                 </a14:hiddenFill>
               </a:ext>
@@ -20274,7 +20274,7 @@
             </a:ln>
             <a:extLst>
               <a:ext uri="{909E8E84-426E-40dd-AFC4-6F175D3DCCD1}">
-                <a14:hiddenFill xmlns:a14="http://schemas.microsoft.com/office/drawing/2010/main" xmlns="">
+                <a14:hiddenFill xmlns="" xmlns:a14="http://schemas.microsoft.com/office/drawing/2010/main">
                   <a:noFill/>
                 </a14:hiddenFill>
               </a:ext>
@@ -20325,7 +20325,7 @@
             </a:ln>
             <a:extLst>
               <a:ext uri="{909E8E84-426E-40dd-AFC4-6F175D3DCCD1}">
-                <a14:hiddenFill xmlns:a14="http://schemas.microsoft.com/office/drawing/2010/main" xmlns="">
+                <a14:hiddenFill xmlns="" xmlns:a14="http://schemas.microsoft.com/office/drawing/2010/main">
                   <a:noFill/>
                 </a14:hiddenFill>
               </a:ext>
@@ -20376,7 +20376,7 @@
             </a:ln>
             <a:extLst>
               <a:ext uri="{909E8E84-426E-40dd-AFC4-6F175D3DCCD1}">
-                <a14:hiddenFill xmlns:a14="http://schemas.microsoft.com/office/drawing/2010/main" xmlns="">
+                <a14:hiddenFill xmlns="" xmlns:a14="http://schemas.microsoft.com/office/drawing/2010/main">
                   <a:noFill/>
                 </a14:hiddenFill>
               </a:ext>
@@ -20427,7 +20427,7 @@
             </a:ln>
             <a:extLst>
               <a:ext uri="{909E8E84-426E-40dd-AFC4-6F175D3DCCD1}">
-                <a14:hiddenFill xmlns:a14="http://schemas.microsoft.com/office/drawing/2010/main" xmlns="">
+                <a14:hiddenFill xmlns="" xmlns:a14="http://schemas.microsoft.com/office/drawing/2010/main">
                   <a:noFill/>
                 </a14:hiddenFill>
               </a:ext>
@@ -20478,7 +20478,7 @@
             </a:ln>
             <a:extLst>
               <a:ext uri="{909E8E84-426E-40dd-AFC4-6F175D3DCCD1}">
-                <a14:hiddenFill xmlns:a14="http://schemas.microsoft.com/office/drawing/2010/main" xmlns="">
+                <a14:hiddenFill xmlns="" xmlns:a14="http://schemas.microsoft.com/office/drawing/2010/main">
                   <a:noFill/>
                 </a14:hiddenFill>
               </a:ext>
@@ -20529,7 +20529,7 @@
             </a:ln>
             <a:extLst>
               <a:ext uri="{909E8E84-426E-40dd-AFC4-6F175D3DCCD1}">
-                <a14:hiddenFill xmlns:a14="http://schemas.microsoft.com/office/drawing/2010/main" xmlns="">
+                <a14:hiddenFill xmlns="" xmlns:a14="http://schemas.microsoft.com/office/drawing/2010/main">
                   <a:noFill/>
                 </a14:hiddenFill>
               </a:ext>
@@ -20580,7 +20580,7 @@
             </a:ln>
             <a:extLst>
               <a:ext uri="{909E8E84-426E-40dd-AFC4-6F175D3DCCD1}">
-                <a14:hiddenFill xmlns:a14="http://schemas.microsoft.com/office/drawing/2010/main" xmlns="">
+                <a14:hiddenFill xmlns="" xmlns:a14="http://schemas.microsoft.com/office/drawing/2010/main">
                   <a:noFill/>
                 </a14:hiddenFill>
               </a:ext>
@@ -20631,7 +20631,7 @@
             </a:ln>
             <a:extLst>
               <a:ext uri="{909E8E84-426E-40dd-AFC4-6F175D3DCCD1}">
-                <a14:hiddenFill xmlns:a14="http://schemas.microsoft.com/office/drawing/2010/main" xmlns="">
+                <a14:hiddenFill xmlns="" xmlns:a14="http://schemas.microsoft.com/office/drawing/2010/main">
                   <a:noFill/>
                 </a14:hiddenFill>
               </a:ext>
@@ -20682,7 +20682,7 @@
             </a:ln>
             <a:extLst>
               <a:ext uri="{909E8E84-426E-40dd-AFC4-6F175D3DCCD1}">
-                <a14:hiddenFill xmlns:a14="http://schemas.microsoft.com/office/drawing/2010/main" xmlns="">
+                <a14:hiddenFill xmlns="" xmlns:a14="http://schemas.microsoft.com/office/drawing/2010/main">
                   <a:noFill/>
                 </a14:hiddenFill>
               </a:ext>
@@ -20733,7 +20733,7 @@
             </a:ln>
             <a:extLst>
               <a:ext uri="{909E8E84-426E-40dd-AFC4-6F175D3DCCD1}">
-                <a14:hiddenFill xmlns:a14="http://schemas.microsoft.com/office/drawing/2010/main" xmlns="">
+                <a14:hiddenFill xmlns="" xmlns:a14="http://schemas.microsoft.com/office/drawing/2010/main">
                   <a:noFill/>
                 </a14:hiddenFill>
               </a:ext>
@@ -20784,7 +20784,7 @@
             </a:ln>
             <a:extLst>
               <a:ext uri="{909E8E84-426E-40dd-AFC4-6F175D3DCCD1}">
-                <a14:hiddenFill xmlns:a14="http://schemas.microsoft.com/office/drawing/2010/main" xmlns="">
+                <a14:hiddenFill xmlns="" xmlns:a14="http://schemas.microsoft.com/office/drawing/2010/main">
                   <a:noFill/>
                 </a14:hiddenFill>
               </a:ext>
@@ -20835,7 +20835,7 @@
             </a:ln>
             <a:extLst>
               <a:ext uri="{909E8E84-426E-40dd-AFC4-6F175D3DCCD1}">
-                <a14:hiddenFill xmlns:a14="http://schemas.microsoft.com/office/drawing/2010/main" xmlns="">
+                <a14:hiddenFill xmlns="" xmlns:a14="http://schemas.microsoft.com/office/drawing/2010/main">
                   <a:noFill/>
                 </a14:hiddenFill>
               </a:ext>
@@ -20886,7 +20886,7 @@
             </a:ln>
             <a:extLst>
               <a:ext uri="{909E8E84-426E-40dd-AFC4-6F175D3DCCD1}">
-                <a14:hiddenFill xmlns:a14="http://schemas.microsoft.com/office/drawing/2010/main" xmlns="">
+                <a14:hiddenFill xmlns="" xmlns:a14="http://schemas.microsoft.com/office/drawing/2010/main">
                   <a:noFill/>
                 </a14:hiddenFill>
               </a:ext>
@@ -20937,7 +20937,7 @@
             </a:ln>
             <a:extLst>
               <a:ext uri="{909E8E84-426E-40dd-AFC4-6F175D3DCCD1}">
-                <a14:hiddenFill xmlns:a14="http://schemas.microsoft.com/office/drawing/2010/main" xmlns="">
+                <a14:hiddenFill xmlns="" xmlns:a14="http://schemas.microsoft.com/office/drawing/2010/main">
                   <a:noFill/>
                 </a14:hiddenFill>
               </a:ext>
@@ -20988,7 +20988,7 @@
             </a:ln>
             <a:extLst>
               <a:ext uri="{909E8E84-426E-40dd-AFC4-6F175D3DCCD1}">
-                <a14:hiddenFill xmlns:a14="http://schemas.microsoft.com/office/drawing/2010/main" xmlns="">
+                <a14:hiddenFill xmlns="" xmlns:a14="http://schemas.microsoft.com/office/drawing/2010/main">
                   <a:noFill/>
                 </a14:hiddenFill>
               </a:ext>
@@ -21039,7 +21039,7 @@
             </a:ln>
             <a:extLst>
               <a:ext uri="{909E8E84-426E-40dd-AFC4-6F175D3DCCD1}">
-                <a14:hiddenFill xmlns:a14="http://schemas.microsoft.com/office/drawing/2010/main" xmlns="">
+                <a14:hiddenFill xmlns="" xmlns:a14="http://schemas.microsoft.com/office/drawing/2010/main">
                   <a:noFill/>
                 </a14:hiddenFill>
               </a:ext>
@@ -21090,7 +21090,7 @@
             </a:ln>
             <a:extLst>
               <a:ext uri="{909E8E84-426E-40dd-AFC4-6F175D3DCCD1}">
-                <a14:hiddenFill xmlns:a14="http://schemas.microsoft.com/office/drawing/2010/main" xmlns="">
+                <a14:hiddenFill xmlns="" xmlns:a14="http://schemas.microsoft.com/office/drawing/2010/main">
                   <a:noFill/>
                 </a14:hiddenFill>
               </a:ext>
@@ -21141,7 +21141,7 @@
             </a:ln>
             <a:extLst>
               <a:ext uri="{909E8E84-426E-40dd-AFC4-6F175D3DCCD1}">
-                <a14:hiddenFill xmlns:a14="http://schemas.microsoft.com/office/drawing/2010/main" xmlns="">
+                <a14:hiddenFill xmlns="" xmlns:a14="http://schemas.microsoft.com/office/drawing/2010/main">
                   <a:noFill/>
                 </a14:hiddenFill>
               </a:ext>
@@ -21192,7 +21192,7 @@
             </a:ln>
             <a:extLst>
               <a:ext uri="{909E8E84-426E-40dd-AFC4-6F175D3DCCD1}">
-                <a14:hiddenFill xmlns:a14="http://schemas.microsoft.com/office/drawing/2010/main" xmlns="">
+                <a14:hiddenFill xmlns="" xmlns:a14="http://schemas.microsoft.com/office/drawing/2010/main">
                   <a:noFill/>
                 </a14:hiddenFill>
               </a:ext>
@@ -22042,7 +22042,7 @@
             </a:ln>
             <a:extLst>
               <a:ext uri="{91240B29-F687-4f45-9708-019B960494DF}">
-                <a14:hiddenLine xmlns:a14="http://schemas.microsoft.com/office/drawing/2010/main" xmlns="" w="9525">
+                <a14:hiddenLine xmlns="" xmlns:a14="http://schemas.microsoft.com/office/drawing/2010/main" w="9525">
                   <a:solidFill>
                     <a:srgbClr val="000000"/>
                   </a:solidFill>
@@ -22714,7 +22714,7 @@
             </a:ln>
             <a:extLst>
               <a:ext uri="{91240B29-F687-4f45-9708-019B960494DF}">
-                <a14:hiddenLine xmlns:a14="http://schemas.microsoft.com/office/drawing/2010/main" xmlns="" w="9525">
+                <a14:hiddenLine xmlns="" xmlns:a14="http://schemas.microsoft.com/office/drawing/2010/main" w="9525">
                   <a:solidFill>
                     <a:srgbClr val="000000"/>
                   </a:solidFill>
@@ -22834,7 +22834,7 @@
             </a:ln>
             <a:extLst>
               <a:ext uri="{909E8E84-426E-40dd-AFC4-6F175D3DCCD1}">
-                <a14:hiddenFill xmlns:a14="http://schemas.microsoft.com/office/drawing/2010/main" xmlns="">
+                <a14:hiddenFill xmlns="" xmlns:a14="http://schemas.microsoft.com/office/drawing/2010/main">
                   <a:solidFill>
                     <a:srgbClr val="FFFFFF"/>
                   </a:solidFill>
@@ -22887,7 +22887,7 @@
             </a:ln>
             <a:extLst>
               <a:ext uri="{909E8E84-426E-40dd-AFC4-6F175D3DCCD1}">
-                <a14:hiddenFill xmlns:a14="http://schemas.microsoft.com/office/drawing/2010/main" xmlns="">
+                <a14:hiddenFill xmlns="" xmlns:a14="http://schemas.microsoft.com/office/drawing/2010/main">
                   <a:noFill/>
                 </a14:hiddenFill>
               </a:ext>
@@ -22938,7 +22938,7 @@
             </a:ln>
             <a:extLst>
               <a:ext uri="{909E8E84-426E-40dd-AFC4-6F175D3DCCD1}">
-                <a14:hiddenFill xmlns:a14="http://schemas.microsoft.com/office/drawing/2010/main" xmlns="">
+                <a14:hiddenFill xmlns="" xmlns:a14="http://schemas.microsoft.com/office/drawing/2010/main">
                   <a:noFill/>
                 </a14:hiddenFill>
               </a:ext>
@@ -22989,7 +22989,7 @@
             </a:ln>
             <a:extLst>
               <a:ext uri="{909E8E84-426E-40dd-AFC4-6F175D3DCCD1}">
-                <a14:hiddenFill xmlns:a14="http://schemas.microsoft.com/office/drawing/2010/main" xmlns="">
+                <a14:hiddenFill xmlns="" xmlns:a14="http://schemas.microsoft.com/office/drawing/2010/main">
                   <a:noFill/>
                 </a14:hiddenFill>
               </a:ext>
@@ -23040,7 +23040,7 @@
             </a:ln>
             <a:extLst>
               <a:ext uri="{909E8E84-426E-40dd-AFC4-6F175D3DCCD1}">
-                <a14:hiddenFill xmlns:a14="http://schemas.microsoft.com/office/drawing/2010/main" xmlns="">
+                <a14:hiddenFill xmlns="" xmlns:a14="http://schemas.microsoft.com/office/drawing/2010/main">
                   <a:noFill/>
                 </a14:hiddenFill>
               </a:ext>
@@ -23091,7 +23091,7 @@
             </a:ln>
             <a:extLst>
               <a:ext uri="{909E8E84-426E-40dd-AFC4-6F175D3DCCD1}">
-                <a14:hiddenFill xmlns:a14="http://schemas.microsoft.com/office/drawing/2010/main" xmlns="">
+                <a14:hiddenFill xmlns="" xmlns:a14="http://schemas.microsoft.com/office/drawing/2010/main">
                   <a:noFill/>
                 </a14:hiddenFill>
               </a:ext>
@@ -23142,7 +23142,7 @@
             </a:ln>
             <a:extLst>
               <a:ext uri="{909E8E84-426E-40dd-AFC4-6F175D3DCCD1}">
-                <a14:hiddenFill xmlns:a14="http://schemas.microsoft.com/office/drawing/2010/main" xmlns="">
+                <a14:hiddenFill xmlns="" xmlns:a14="http://schemas.microsoft.com/office/drawing/2010/main">
                   <a:noFill/>
                 </a14:hiddenFill>
               </a:ext>
@@ -23193,7 +23193,7 @@
             </a:ln>
             <a:extLst>
               <a:ext uri="{909E8E84-426E-40dd-AFC4-6F175D3DCCD1}">
-                <a14:hiddenFill xmlns:a14="http://schemas.microsoft.com/office/drawing/2010/main" xmlns="">
+                <a14:hiddenFill xmlns="" xmlns:a14="http://schemas.microsoft.com/office/drawing/2010/main">
                   <a:noFill/>
                 </a14:hiddenFill>
               </a:ext>
@@ -23244,7 +23244,7 @@
             </a:ln>
             <a:extLst>
               <a:ext uri="{909E8E84-426E-40dd-AFC4-6F175D3DCCD1}">
-                <a14:hiddenFill xmlns:a14="http://schemas.microsoft.com/office/drawing/2010/main" xmlns="">
+                <a14:hiddenFill xmlns="" xmlns:a14="http://schemas.microsoft.com/office/drawing/2010/main">
                   <a:noFill/>
                 </a14:hiddenFill>
               </a:ext>
@@ -23295,7 +23295,7 @@
             </a:ln>
             <a:extLst>
               <a:ext uri="{909E8E84-426E-40dd-AFC4-6F175D3DCCD1}">
-                <a14:hiddenFill xmlns:a14="http://schemas.microsoft.com/office/drawing/2010/main" xmlns="">
+                <a14:hiddenFill xmlns="" xmlns:a14="http://schemas.microsoft.com/office/drawing/2010/main">
                   <a:noFill/>
                 </a14:hiddenFill>
               </a:ext>
@@ -23346,7 +23346,7 @@
             </a:ln>
             <a:extLst>
               <a:ext uri="{909E8E84-426E-40dd-AFC4-6F175D3DCCD1}">
-                <a14:hiddenFill xmlns:a14="http://schemas.microsoft.com/office/drawing/2010/main" xmlns="">
+                <a14:hiddenFill xmlns="" xmlns:a14="http://schemas.microsoft.com/office/drawing/2010/main">
                   <a:noFill/>
                 </a14:hiddenFill>
               </a:ext>
@@ -23397,7 +23397,7 @@
             </a:ln>
             <a:extLst>
               <a:ext uri="{909E8E84-426E-40dd-AFC4-6F175D3DCCD1}">
-                <a14:hiddenFill xmlns:a14="http://schemas.microsoft.com/office/drawing/2010/main" xmlns="">
+                <a14:hiddenFill xmlns="" xmlns:a14="http://schemas.microsoft.com/office/drawing/2010/main">
                   <a:noFill/>
                 </a14:hiddenFill>
               </a:ext>
@@ -23448,7 +23448,7 @@
             </a:ln>
             <a:extLst>
               <a:ext uri="{909E8E84-426E-40dd-AFC4-6F175D3DCCD1}">
-                <a14:hiddenFill xmlns:a14="http://schemas.microsoft.com/office/drawing/2010/main" xmlns="">
+                <a14:hiddenFill xmlns="" xmlns:a14="http://schemas.microsoft.com/office/drawing/2010/main">
                   <a:noFill/>
                 </a14:hiddenFill>
               </a:ext>
@@ -23499,7 +23499,7 @@
             </a:ln>
             <a:extLst>
               <a:ext uri="{909E8E84-426E-40dd-AFC4-6F175D3DCCD1}">
-                <a14:hiddenFill xmlns:a14="http://schemas.microsoft.com/office/drawing/2010/main" xmlns="">
+                <a14:hiddenFill xmlns="" xmlns:a14="http://schemas.microsoft.com/office/drawing/2010/main">
                   <a:noFill/>
                 </a14:hiddenFill>
               </a:ext>
@@ -23550,7 +23550,7 @@
             </a:ln>
             <a:extLst>
               <a:ext uri="{909E8E84-426E-40dd-AFC4-6F175D3DCCD1}">
-                <a14:hiddenFill xmlns:a14="http://schemas.microsoft.com/office/drawing/2010/main" xmlns="">
+                <a14:hiddenFill xmlns="" xmlns:a14="http://schemas.microsoft.com/office/drawing/2010/main">
                   <a:noFill/>
                 </a14:hiddenFill>
               </a:ext>
@@ -23601,7 +23601,7 @@
             </a:ln>
             <a:extLst>
               <a:ext uri="{909E8E84-426E-40dd-AFC4-6F175D3DCCD1}">
-                <a14:hiddenFill xmlns:a14="http://schemas.microsoft.com/office/drawing/2010/main" xmlns="">
+                <a14:hiddenFill xmlns="" xmlns:a14="http://schemas.microsoft.com/office/drawing/2010/main">
                   <a:noFill/>
                 </a14:hiddenFill>
               </a:ext>
@@ -23652,7 +23652,7 @@
             </a:ln>
             <a:extLst>
               <a:ext uri="{909E8E84-426E-40dd-AFC4-6F175D3DCCD1}">
-                <a14:hiddenFill xmlns:a14="http://schemas.microsoft.com/office/drawing/2010/main" xmlns="">
+                <a14:hiddenFill xmlns="" xmlns:a14="http://schemas.microsoft.com/office/drawing/2010/main">
                   <a:noFill/>
                 </a14:hiddenFill>
               </a:ext>
@@ -23703,7 +23703,7 @@
             </a:ln>
             <a:extLst>
               <a:ext uri="{909E8E84-426E-40dd-AFC4-6F175D3DCCD1}">
-                <a14:hiddenFill xmlns:a14="http://schemas.microsoft.com/office/drawing/2010/main" xmlns="">
+                <a14:hiddenFill xmlns="" xmlns:a14="http://schemas.microsoft.com/office/drawing/2010/main">
                   <a:noFill/>
                 </a14:hiddenFill>
               </a:ext>
@@ -23754,7 +23754,7 @@
             </a:ln>
             <a:extLst>
               <a:ext uri="{909E8E84-426E-40dd-AFC4-6F175D3DCCD1}">
-                <a14:hiddenFill xmlns:a14="http://schemas.microsoft.com/office/drawing/2010/main" xmlns="">
+                <a14:hiddenFill xmlns="" xmlns:a14="http://schemas.microsoft.com/office/drawing/2010/main">
                   <a:noFill/>
                 </a14:hiddenFill>
               </a:ext>
@@ -23805,7 +23805,7 @@
             </a:ln>
             <a:extLst>
               <a:ext uri="{909E8E84-426E-40dd-AFC4-6F175D3DCCD1}">
-                <a14:hiddenFill xmlns:a14="http://schemas.microsoft.com/office/drawing/2010/main" xmlns="">
+                <a14:hiddenFill xmlns="" xmlns:a14="http://schemas.microsoft.com/office/drawing/2010/main">
                   <a:noFill/>
                 </a14:hiddenFill>
               </a:ext>
@@ -23856,7 +23856,7 @@
             </a:ln>
             <a:extLst>
               <a:ext uri="{909E8E84-426E-40dd-AFC4-6F175D3DCCD1}">
-                <a14:hiddenFill xmlns:a14="http://schemas.microsoft.com/office/drawing/2010/main" xmlns="">
+                <a14:hiddenFill xmlns="" xmlns:a14="http://schemas.microsoft.com/office/drawing/2010/main">
                   <a:noFill/>
                 </a14:hiddenFill>
               </a:ext>
@@ -23907,7 +23907,7 @@
             </a:ln>
             <a:extLst>
               <a:ext uri="{909E8E84-426E-40dd-AFC4-6F175D3DCCD1}">
-                <a14:hiddenFill xmlns:a14="http://schemas.microsoft.com/office/drawing/2010/main" xmlns="">
+                <a14:hiddenFill xmlns="" xmlns:a14="http://schemas.microsoft.com/office/drawing/2010/main">
                   <a:noFill/>
                 </a14:hiddenFill>
               </a:ext>
@@ -23958,7 +23958,7 @@
             </a:ln>
             <a:extLst>
               <a:ext uri="{909E8E84-426E-40dd-AFC4-6F175D3DCCD1}">
-                <a14:hiddenFill xmlns:a14="http://schemas.microsoft.com/office/drawing/2010/main" xmlns="">
+                <a14:hiddenFill xmlns="" xmlns:a14="http://schemas.microsoft.com/office/drawing/2010/main">
                   <a:noFill/>
                 </a14:hiddenFill>
               </a:ext>
@@ -24009,7 +24009,7 @@
             </a:ln>
             <a:extLst>
               <a:ext uri="{909E8E84-426E-40dd-AFC4-6F175D3DCCD1}">
-                <a14:hiddenFill xmlns:a14="http://schemas.microsoft.com/office/drawing/2010/main" xmlns="">
+                <a14:hiddenFill xmlns="" xmlns:a14="http://schemas.microsoft.com/office/drawing/2010/main">
                   <a:noFill/>
                 </a14:hiddenFill>
               </a:ext>
@@ -24060,7 +24060,7 @@
             </a:ln>
             <a:extLst>
               <a:ext uri="{909E8E84-426E-40dd-AFC4-6F175D3DCCD1}">
-                <a14:hiddenFill xmlns:a14="http://schemas.microsoft.com/office/drawing/2010/main" xmlns="">
+                <a14:hiddenFill xmlns="" xmlns:a14="http://schemas.microsoft.com/office/drawing/2010/main">
                   <a:noFill/>
                 </a14:hiddenFill>
               </a:ext>
@@ -24111,7 +24111,7 @@
             </a:ln>
             <a:extLst>
               <a:ext uri="{909E8E84-426E-40dd-AFC4-6F175D3DCCD1}">
-                <a14:hiddenFill xmlns:a14="http://schemas.microsoft.com/office/drawing/2010/main" xmlns="">
+                <a14:hiddenFill xmlns="" xmlns:a14="http://schemas.microsoft.com/office/drawing/2010/main">
                   <a:noFill/>
                 </a14:hiddenFill>
               </a:ext>
@@ -24162,7 +24162,7 @@
             </a:ln>
             <a:extLst>
               <a:ext uri="{909E8E84-426E-40dd-AFC4-6F175D3DCCD1}">
-                <a14:hiddenFill xmlns:a14="http://schemas.microsoft.com/office/drawing/2010/main" xmlns="">
+                <a14:hiddenFill xmlns="" xmlns:a14="http://schemas.microsoft.com/office/drawing/2010/main">
                   <a:noFill/>
                 </a14:hiddenFill>
               </a:ext>
@@ -24213,7 +24213,7 @@
             </a:ln>
             <a:extLst>
               <a:ext uri="{909E8E84-426E-40dd-AFC4-6F175D3DCCD1}">
-                <a14:hiddenFill xmlns:a14="http://schemas.microsoft.com/office/drawing/2010/main" xmlns="">
+                <a14:hiddenFill xmlns="" xmlns:a14="http://schemas.microsoft.com/office/drawing/2010/main">
                   <a:noFill/>
                 </a14:hiddenFill>
               </a:ext>
@@ -24264,7 +24264,7 @@
             </a:ln>
             <a:extLst>
               <a:ext uri="{909E8E84-426E-40dd-AFC4-6F175D3DCCD1}">
-                <a14:hiddenFill xmlns:a14="http://schemas.microsoft.com/office/drawing/2010/main" xmlns="">
+                <a14:hiddenFill xmlns="" xmlns:a14="http://schemas.microsoft.com/office/drawing/2010/main">
                   <a:noFill/>
                 </a14:hiddenFill>
               </a:ext>
@@ -24315,7 +24315,7 @@
             </a:ln>
             <a:extLst>
               <a:ext uri="{909E8E84-426E-40dd-AFC4-6F175D3DCCD1}">
-                <a14:hiddenFill xmlns:a14="http://schemas.microsoft.com/office/drawing/2010/main" xmlns="">
+                <a14:hiddenFill xmlns="" xmlns:a14="http://schemas.microsoft.com/office/drawing/2010/main">
                   <a:noFill/>
                 </a14:hiddenFill>
               </a:ext>
@@ -24366,7 +24366,7 @@
             </a:ln>
             <a:extLst>
               <a:ext uri="{909E8E84-426E-40dd-AFC4-6F175D3DCCD1}">
-                <a14:hiddenFill xmlns:a14="http://schemas.microsoft.com/office/drawing/2010/main" xmlns="">
+                <a14:hiddenFill xmlns="" xmlns:a14="http://schemas.microsoft.com/office/drawing/2010/main">
                   <a:noFill/>
                 </a14:hiddenFill>
               </a:ext>
@@ -24417,7 +24417,7 @@
             </a:ln>
             <a:extLst>
               <a:ext uri="{909E8E84-426E-40dd-AFC4-6F175D3DCCD1}">
-                <a14:hiddenFill xmlns:a14="http://schemas.microsoft.com/office/drawing/2010/main" xmlns="">
+                <a14:hiddenFill xmlns="" xmlns:a14="http://schemas.microsoft.com/office/drawing/2010/main">
                   <a:noFill/>
                 </a14:hiddenFill>
               </a:ext>
@@ -24468,7 +24468,7 @@
             </a:ln>
             <a:extLst>
               <a:ext uri="{909E8E84-426E-40dd-AFC4-6F175D3DCCD1}">
-                <a14:hiddenFill xmlns:a14="http://schemas.microsoft.com/office/drawing/2010/main" xmlns="">
+                <a14:hiddenFill xmlns="" xmlns:a14="http://schemas.microsoft.com/office/drawing/2010/main">
                   <a:noFill/>
                 </a14:hiddenFill>
               </a:ext>
@@ -24519,7 +24519,7 @@
             </a:ln>
             <a:extLst>
               <a:ext uri="{909E8E84-426E-40dd-AFC4-6F175D3DCCD1}">
-                <a14:hiddenFill xmlns:a14="http://schemas.microsoft.com/office/drawing/2010/main" xmlns="">
+                <a14:hiddenFill xmlns="" xmlns:a14="http://schemas.microsoft.com/office/drawing/2010/main">
                   <a:noFill/>
                 </a14:hiddenFill>
               </a:ext>
@@ -24570,7 +24570,7 @@
             </a:ln>
             <a:extLst>
               <a:ext uri="{909E8E84-426E-40dd-AFC4-6F175D3DCCD1}">
-                <a14:hiddenFill xmlns:a14="http://schemas.microsoft.com/office/drawing/2010/main" xmlns="">
+                <a14:hiddenFill xmlns="" xmlns:a14="http://schemas.microsoft.com/office/drawing/2010/main">
                   <a:noFill/>
                 </a14:hiddenFill>
               </a:ext>
@@ -24621,7 +24621,7 @@
             </a:ln>
             <a:extLst>
               <a:ext uri="{909E8E84-426E-40dd-AFC4-6F175D3DCCD1}">
-                <a14:hiddenFill xmlns:a14="http://schemas.microsoft.com/office/drawing/2010/main" xmlns="">
+                <a14:hiddenFill xmlns="" xmlns:a14="http://schemas.microsoft.com/office/drawing/2010/main">
                   <a:noFill/>
                 </a14:hiddenFill>
               </a:ext>
@@ -24672,7 +24672,7 @@
             </a:ln>
             <a:extLst>
               <a:ext uri="{909E8E84-426E-40dd-AFC4-6F175D3DCCD1}">
-                <a14:hiddenFill xmlns:a14="http://schemas.microsoft.com/office/drawing/2010/main" xmlns="">
+                <a14:hiddenFill xmlns="" xmlns:a14="http://schemas.microsoft.com/office/drawing/2010/main">
                   <a:noFill/>
                 </a14:hiddenFill>
               </a:ext>
@@ -24723,7 +24723,7 @@
             </a:ln>
             <a:extLst>
               <a:ext uri="{909E8E84-426E-40dd-AFC4-6F175D3DCCD1}">
-                <a14:hiddenFill xmlns:a14="http://schemas.microsoft.com/office/drawing/2010/main" xmlns="">
+                <a14:hiddenFill xmlns="" xmlns:a14="http://schemas.microsoft.com/office/drawing/2010/main">
                   <a:noFill/>
                 </a14:hiddenFill>
               </a:ext>
@@ -24774,7 +24774,7 @@
             </a:ln>
             <a:extLst>
               <a:ext uri="{909E8E84-426E-40dd-AFC4-6F175D3DCCD1}">
-                <a14:hiddenFill xmlns:a14="http://schemas.microsoft.com/office/drawing/2010/main" xmlns="">
+                <a14:hiddenFill xmlns="" xmlns:a14="http://schemas.microsoft.com/office/drawing/2010/main">
                   <a:noFill/>
                 </a14:hiddenFill>
               </a:ext>
@@ -24825,7 +24825,7 @@
             </a:ln>
             <a:extLst>
               <a:ext uri="{909E8E84-426E-40dd-AFC4-6F175D3DCCD1}">
-                <a14:hiddenFill xmlns:a14="http://schemas.microsoft.com/office/drawing/2010/main" xmlns="">
+                <a14:hiddenFill xmlns="" xmlns:a14="http://schemas.microsoft.com/office/drawing/2010/main">
                   <a:noFill/>
                 </a14:hiddenFill>
               </a:ext>
@@ -24876,7 +24876,7 @@
             </a:ln>
             <a:extLst>
               <a:ext uri="{909E8E84-426E-40dd-AFC4-6F175D3DCCD1}">
-                <a14:hiddenFill xmlns:a14="http://schemas.microsoft.com/office/drawing/2010/main" xmlns="">
+                <a14:hiddenFill xmlns="" xmlns:a14="http://schemas.microsoft.com/office/drawing/2010/main">
                   <a:noFill/>
                 </a14:hiddenFill>
               </a:ext>
@@ -24927,7 +24927,7 @@
             </a:ln>
             <a:extLst>
               <a:ext uri="{909E8E84-426E-40dd-AFC4-6F175D3DCCD1}">
-                <a14:hiddenFill xmlns:a14="http://schemas.microsoft.com/office/drawing/2010/main" xmlns="">
+                <a14:hiddenFill xmlns="" xmlns:a14="http://schemas.microsoft.com/office/drawing/2010/main">
                   <a:noFill/>
                 </a14:hiddenFill>
               </a:ext>
@@ -24978,7 +24978,7 @@
             </a:ln>
             <a:extLst>
               <a:ext uri="{909E8E84-426E-40dd-AFC4-6F175D3DCCD1}">
-                <a14:hiddenFill xmlns:a14="http://schemas.microsoft.com/office/drawing/2010/main" xmlns="">
+                <a14:hiddenFill xmlns="" xmlns:a14="http://schemas.microsoft.com/office/drawing/2010/main">
                   <a:noFill/>
                 </a14:hiddenFill>
               </a:ext>
@@ -25029,7 +25029,7 @@
             </a:ln>
             <a:extLst>
               <a:ext uri="{909E8E84-426E-40dd-AFC4-6F175D3DCCD1}">
-                <a14:hiddenFill xmlns:a14="http://schemas.microsoft.com/office/drawing/2010/main" xmlns="">
+                <a14:hiddenFill xmlns="" xmlns:a14="http://schemas.microsoft.com/office/drawing/2010/main">
                   <a:noFill/>
                 </a14:hiddenFill>
               </a:ext>
@@ -25080,7 +25080,7 @@
             </a:ln>
             <a:extLst>
               <a:ext uri="{909E8E84-426E-40dd-AFC4-6F175D3DCCD1}">
-                <a14:hiddenFill xmlns:a14="http://schemas.microsoft.com/office/drawing/2010/main" xmlns="">
+                <a14:hiddenFill xmlns="" xmlns:a14="http://schemas.microsoft.com/office/drawing/2010/main">
                   <a:noFill/>
                 </a14:hiddenFill>
               </a:ext>
@@ -25131,7 +25131,7 @@
             </a:ln>
             <a:extLst>
               <a:ext uri="{909E8E84-426E-40dd-AFC4-6F175D3DCCD1}">
-                <a14:hiddenFill xmlns:a14="http://schemas.microsoft.com/office/drawing/2010/main" xmlns="">
+                <a14:hiddenFill xmlns="" xmlns:a14="http://schemas.microsoft.com/office/drawing/2010/main">
                   <a:noFill/>
                 </a14:hiddenFill>
               </a:ext>
@@ -25182,7 +25182,7 @@
             </a:ln>
             <a:extLst>
               <a:ext uri="{909E8E84-426E-40dd-AFC4-6F175D3DCCD1}">
-                <a14:hiddenFill xmlns:a14="http://schemas.microsoft.com/office/drawing/2010/main" xmlns="">
+                <a14:hiddenFill xmlns="" xmlns:a14="http://schemas.microsoft.com/office/drawing/2010/main">
                   <a:noFill/>
                 </a14:hiddenFill>
               </a:ext>
@@ -25233,7 +25233,7 @@
             </a:ln>
             <a:extLst>
               <a:ext uri="{909E8E84-426E-40dd-AFC4-6F175D3DCCD1}">
-                <a14:hiddenFill xmlns:a14="http://schemas.microsoft.com/office/drawing/2010/main" xmlns="">
+                <a14:hiddenFill xmlns="" xmlns:a14="http://schemas.microsoft.com/office/drawing/2010/main">
                   <a:noFill/>
                 </a14:hiddenFill>
               </a:ext>
@@ -25284,7 +25284,7 @@
             </a:ln>
             <a:extLst>
               <a:ext uri="{909E8E84-426E-40dd-AFC4-6F175D3DCCD1}">
-                <a14:hiddenFill xmlns:a14="http://schemas.microsoft.com/office/drawing/2010/main" xmlns="">
+                <a14:hiddenFill xmlns="" xmlns:a14="http://schemas.microsoft.com/office/drawing/2010/main">
                   <a:noFill/>
                 </a14:hiddenFill>
               </a:ext>
@@ -25335,7 +25335,7 @@
             </a:ln>
             <a:extLst>
               <a:ext uri="{909E8E84-426E-40dd-AFC4-6F175D3DCCD1}">
-                <a14:hiddenFill xmlns:a14="http://schemas.microsoft.com/office/drawing/2010/main" xmlns="">
+                <a14:hiddenFill xmlns="" xmlns:a14="http://schemas.microsoft.com/office/drawing/2010/main">
                   <a:noFill/>
                 </a14:hiddenFill>
               </a:ext>
@@ -25386,7 +25386,7 @@
             </a:ln>
             <a:extLst>
               <a:ext uri="{909E8E84-426E-40dd-AFC4-6F175D3DCCD1}">
-                <a14:hiddenFill xmlns:a14="http://schemas.microsoft.com/office/drawing/2010/main" xmlns="">
+                <a14:hiddenFill xmlns="" xmlns:a14="http://schemas.microsoft.com/office/drawing/2010/main">
                   <a:noFill/>
                 </a14:hiddenFill>
               </a:ext>
@@ -25437,7 +25437,7 @@
             </a:ln>
             <a:extLst>
               <a:ext uri="{909E8E84-426E-40dd-AFC4-6F175D3DCCD1}">
-                <a14:hiddenFill xmlns:a14="http://schemas.microsoft.com/office/drawing/2010/main" xmlns="">
+                <a14:hiddenFill xmlns="" xmlns:a14="http://schemas.microsoft.com/office/drawing/2010/main">
                   <a:noFill/>
                 </a14:hiddenFill>
               </a:ext>
@@ -25488,7 +25488,7 @@
             </a:ln>
             <a:extLst>
               <a:ext uri="{909E8E84-426E-40dd-AFC4-6F175D3DCCD1}">
-                <a14:hiddenFill xmlns:a14="http://schemas.microsoft.com/office/drawing/2010/main" xmlns="">
+                <a14:hiddenFill xmlns="" xmlns:a14="http://schemas.microsoft.com/office/drawing/2010/main">
                   <a:noFill/>
                 </a14:hiddenFill>
               </a:ext>
@@ -25539,7 +25539,7 @@
             </a:ln>
             <a:extLst>
               <a:ext uri="{909E8E84-426E-40dd-AFC4-6F175D3DCCD1}">
-                <a14:hiddenFill xmlns:a14="http://schemas.microsoft.com/office/drawing/2010/main" xmlns="">
+                <a14:hiddenFill xmlns="" xmlns:a14="http://schemas.microsoft.com/office/drawing/2010/main">
                   <a:noFill/>
                 </a14:hiddenFill>
               </a:ext>
@@ -25590,7 +25590,7 @@
             </a:ln>
             <a:extLst>
               <a:ext uri="{909E8E84-426E-40dd-AFC4-6F175D3DCCD1}">
-                <a14:hiddenFill xmlns:a14="http://schemas.microsoft.com/office/drawing/2010/main" xmlns="">
+                <a14:hiddenFill xmlns="" xmlns:a14="http://schemas.microsoft.com/office/drawing/2010/main">
                   <a:noFill/>
                 </a14:hiddenFill>
               </a:ext>
@@ -25641,7 +25641,7 @@
             </a:ln>
             <a:extLst>
               <a:ext uri="{909E8E84-426E-40dd-AFC4-6F175D3DCCD1}">
-                <a14:hiddenFill xmlns:a14="http://schemas.microsoft.com/office/drawing/2010/main" xmlns="">
+                <a14:hiddenFill xmlns="" xmlns:a14="http://schemas.microsoft.com/office/drawing/2010/main">
                   <a:noFill/>
                 </a14:hiddenFill>
               </a:ext>
@@ -25692,7 +25692,7 @@
             </a:ln>
             <a:extLst>
               <a:ext uri="{909E8E84-426E-40dd-AFC4-6F175D3DCCD1}">
-                <a14:hiddenFill xmlns:a14="http://schemas.microsoft.com/office/drawing/2010/main" xmlns="">
+                <a14:hiddenFill xmlns="" xmlns:a14="http://schemas.microsoft.com/office/drawing/2010/main">
                   <a:noFill/>
                 </a14:hiddenFill>
               </a:ext>
@@ -25743,7 +25743,7 @@
             </a:ln>
             <a:extLst>
               <a:ext uri="{909E8E84-426E-40dd-AFC4-6F175D3DCCD1}">
-                <a14:hiddenFill xmlns:a14="http://schemas.microsoft.com/office/drawing/2010/main" xmlns="">
+                <a14:hiddenFill xmlns="" xmlns:a14="http://schemas.microsoft.com/office/drawing/2010/main">
                   <a:noFill/>
                 </a14:hiddenFill>
               </a:ext>
@@ -25794,7 +25794,7 @@
             </a:ln>
             <a:extLst>
               <a:ext uri="{909E8E84-426E-40dd-AFC4-6F175D3DCCD1}">
-                <a14:hiddenFill xmlns:a14="http://schemas.microsoft.com/office/drawing/2010/main" xmlns="">
+                <a14:hiddenFill xmlns="" xmlns:a14="http://schemas.microsoft.com/office/drawing/2010/main">
                   <a:noFill/>
                 </a14:hiddenFill>
               </a:ext>
@@ -25845,7 +25845,7 @@
             </a:ln>
             <a:extLst>
               <a:ext uri="{909E8E84-426E-40dd-AFC4-6F175D3DCCD1}">
-                <a14:hiddenFill xmlns:a14="http://schemas.microsoft.com/office/drawing/2010/main" xmlns="">
+                <a14:hiddenFill xmlns="" xmlns:a14="http://schemas.microsoft.com/office/drawing/2010/main">
                   <a:noFill/>
                 </a14:hiddenFill>
               </a:ext>
@@ -25896,7 +25896,7 @@
             </a:ln>
             <a:extLst>
               <a:ext uri="{909E8E84-426E-40dd-AFC4-6F175D3DCCD1}">
-                <a14:hiddenFill xmlns:a14="http://schemas.microsoft.com/office/drawing/2010/main" xmlns="">
+                <a14:hiddenFill xmlns="" xmlns:a14="http://schemas.microsoft.com/office/drawing/2010/main">
                   <a:noFill/>
                 </a14:hiddenFill>
               </a:ext>
@@ -25947,7 +25947,7 @@
             </a:ln>
             <a:extLst>
               <a:ext uri="{909E8E84-426E-40dd-AFC4-6F175D3DCCD1}">
-                <a14:hiddenFill xmlns:a14="http://schemas.microsoft.com/office/drawing/2010/main" xmlns="">
+                <a14:hiddenFill xmlns="" xmlns:a14="http://schemas.microsoft.com/office/drawing/2010/main">
                   <a:noFill/>
                 </a14:hiddenFill>
               </a:ext>
@@ -25998,7 +25998,7 @@
             </a:ln>
             <a:extLst>
               <a:ext uri="{909E8E84-426E-40dd-AFC4-6F175D3DCCD1}">
-                <a14:hiddenFill xmlns:a14="http://schemas.microsoft.com/office/drawing/2010/main" xmlns="">
+                <a14:hiddenFill xmlns="" xmlns:a14="http://schemas.microsoft.com/office/drawing/2010/main">
                   <a:noFill/>
                 </a14:hiddenFill>
               </a:ext>
@@ -26049,7 +26049,7 @@
             </a:ln>
             <a:extLst>
               <a:ext uri="{909E8E84-426E-40dd-AFC4-6F175D3DCCD1}">
-                <a14:hiddenFill xmlns:a14="http://schemas.microsoft.com/office/drawing/2010/main" xmlns="">
+                <a14:hiddenFill xmlns="" xmlns:a14="http://schemas.microsoft.com/office/drawing/2010/main">
                   <a:noFill/>
                 </a14:hiddenFill>
               </a:ext>
@@ -26100,7 +26100,7 @@
             </a:ln>
             <a:extLst>
               <a:ext uri="{909E8E84-426E-40dd-AFC4-6F175D3DCCD1}">
-                <a14:hiddenFill xmlns:a14="http://schemas.microsoft.com/office/drawing/2010/main" xmlns="">
+                <a14:hiddenFill xmlns="" xmlns:a14="http://schemas.microsoft.com/office/drawing/2010/main">
                   <a:noFill/>
                 </a14:hiddenFill>
               </a:ext>
@@ -26151,7 +26151,7 @@
             </a:ln>
             <a:extLst>
               <a:ext uri="{909E8E84-426E-40dd-AFC4-6F175D3DCCD1}">
-                <a14:hiddenFill xmlns:a14="http://schemas.microsoft.com/office/drawing/2010/main" xmlns="">
+                <a14:hiddenFill xmlns="" xmlns:a14="http://schemas.microsoft.com/office/drawing/2010/main">
                   <a:noFill/>
                 </a14:hiddenFill>
               </a:ext>
@@ -26202,7 +26202,7 @@
             </a:ln>
             <a:extLst>
               <a:ext uri="{909E8E84-426E-40dd-AFC4-6F175D3DCCD1}">
-                <a14:hiddenFill xmlns:a14="http://schemas.microsoft.com/office/drawing/2010/main" xmlns="">
+                <a14:hiddenFill xmlns="" xmlns:a14="http://schemas.microsoft.com/office/drawing/2010/main">
                   <a:noFill/>
                 </a14:hiddenFill>
               </a:ext>
@@ -26253,7 +26253,7 @@
             </a:ln>
             <a:extLst>
               <a:ext uri="{909E8E84-426E-40dd-AFC4-6F175D3DCCD1}">
-                <a14:hiddenFill xmlns:a14="http://schemas.microsoft.com/office/drawing/2010/main" xmlns="">
+                <a14:hiddenFill xmlns="" xmlns:a14="http://schemas.microsoft.com/office/drawing/2010/main">
                   <a:noFill/>
                 </a14:hiddenFill>
               </a:ext>
@@ -26304,7 +26304,7 @@
             </a:ln>
             <a:extLst>
               <a:ext uri="{909E8E84-426E-40dd-AFC4-6F175D3DCCD1}">
-                <a14:hiddenFill xmlns:a14="http://schemas.microsoft.com/office/drawing/2010/main" xmlns="">
+                <a14:hiddenFill xmlns="" xmlns:a14="http://schemas.microsoft.com/office/drawing/2010/main">
                   <a:noFill/>
                 </a14:hiddenFill>
               </a:ext>
@@ -27122,7 +27122,7 @@
             </a:ln>
             <a:extLst>
               <a:ext uri="{909E8E84-426E-40dd-AFC4-6F175D3DCCD1}">
-                <a14:hiddenFill xmlns:a14="http://schemas.microsoft.com/office/drawing/2010/main" xmlns="">
+                <a14:hiddenFill xmlns="" xmlns:a14="http://schemas.microsoft.com/office/drawing/2010/main">
                   <a:solidFill>
                     <a:srgbClr val="FFFFFF"/>
                   </a:solidFill>
@@ -27175,7 +27175,7 @@
             </a:ln>
             <a:extLst>
               <a:ext uri="{909E8E84-426E-40dd-AFC4-6F175D3DCCD1}">
-                <a14:hiddenFill xmlns:a14="http://schemas.microsoft.com/office/drawing/2010/main" xmlns="">
+                <a14:hiddenFill xmlns="" xmlns:a14="http://schemas.microsoft.com/office/drawing/2010/main">
                   <a:noFill/>
                 </a14:hiddenFill>
               </a:ext>
@@ -27226,7 +27226,7 @@
             </a:ln>
             <a:extLst>
               <a:ext uri="{909E8E84-426E-40dd-AFC4-6F175D3DCCD1}">
-                <a14:hiddenFill xmlns:a14="http://schemas.microsoft.com/office/drawing/2010/main" xmlns="">
+                <a14:hiddenFill xmlns="" xmlns:a14="http://schemas.microsoft.com/office/drawing/2010/main">
                   <a:noFill/>
                 </a14:hiddenFill>
               </a:ext>
@@ -27277,7 +27277,7 @@
             </a:ln>
             <a:extLst>
               <a:ext uri="{909E8E84-426E-40dd-AFC4-6F175D3DCCD1}">
-                <a14:hiddenFill xmlns:a14="http://schemas.microsoft.com/office/drawing/2010/main" xmlns="">
+                <a14:hiddenFill xmlns="" xmlns:a14="http://schemas.microsoft.com/office/drawing/2010/main">
                   <a:noFill/>
                 </a14:hiddenFill>
               </a:ext>
@@ -27328,7 +27328,7 @@
             </a:ln>
             <a:extLst>
               <a:ext uri="{909E8E84-426E-40dd-AFC4-6F175D3DCCD1}">
-                <a14:hiddenFill xmlns:a14="http://schemas.microsoft.com/office/drawing/2010/main" xmlns="">
+                <a14:hiddenFill xmlns="" xmlns:a14="http://schemas.microsoft.com/office/drawing/2010/main">
                   <a:noFill/>
                 </a14:hiddenFill>
               </a:ext>
@@ -27379,7 +27379,7 @@
             </a:ln>
             <a:extLst>
               <a:ext uri="{909E8E84-426E-40dd-AFC4-6F175D3DCCD1}">
-                <a14:hiddenFill xmlns:a14="http://schemas.microsoft.com/office/drawing/2010/main" xmlns="">
+                <a14:hiddenFill xmlns="" xmlns:a14="http://schemas.microsoft.com/office/drawing/2010/main">
                   <a:noFill/>
                 </a14:hiddenFill>
               </a:ext>
@@ -27430,7 +27430,7 @@
             </a:ln>
             <a:extLst>
               <a:ext uri="{909E8E84-426E-40dd-AFC4-6F175D3DCCD1}">
-                <a14:hiddenFill xmlns:a14="http://schemas.microsoft.com/office/drawing/2010/main" xmlns="">
+                <a14:hiddenFill xmlns="" xmlns:a14="http://schemas.microsoft.com/office/drawing/2010/main">
                   <a:noFill/>
                 </a14:hiddenFill>
               </a:ext>
@@ -27481,7 +27481,7 @@
             </a:ln>
             <a:extLst>
               <a:ext uri="{909E8E84-426E-40dd-AFC4-6F175D3DCCD1}">
-                <a14:hiddenFill xmlns:a14="http://schemas.microsoft.com/office/drawing/2010/main" xmlns="">
+                <a14:hiddenFill xmlns="" xmlns:a14="http://schemas.microsoft.com/office/drawing/2010/main">
                   <a:noFill/>
                 </a14:hiddenFill>
               </a:ext>
@@ -27532,7 +27532,7 @@
             </a:ln>
             <a:extLst>
               <a:ext uri="{909E8E84-426E-40dd-AFC4-6F175D3DCCD1}">
-                <a14:hiddenFill xmlns:a14="http://schemas.microsoft.com/office/drawing/2010/main" xmlns="">
+                <a14:hiddenFill xmlns="" xmlns:a14="http://schemas.microsoft.com/office/drawing/2010/main">
                   <a:noFill/>
                 </a14:hiddenFill>
               </a:ext>
@@ -27583,7 +27583,7 @@
             </a:ln>
             <a:extLst>
               <a:ext uri="{909E8E84-426E-40dd-AFC4-6F175D3DCCD1}">
-                <a14:hiddenFill xmlns:a14="http://schemas.microsoft.com/office/drawing/2010/main" xmlns="">
+                <a14:hiddenFill xmlns="" xmlns:a14="http://schemas.microsoft.com/office/drawing/2010/main">
                   <a:noFill/>
                 </a14:hiddenFill>
               </a:ext>
@@ -27634,7 +27634,7 @@
             </a:ln>
             <a:extLst>
               <a:ext uri="{909E8E84-426E-40dd-AFC4-6F175D3DCCD1}">
-                <a14:hiddenFill xmlns:a14="http://schemas.microsoft.com/office/drawing/2010/main" xmlns="">
+                <a14:hiddenFill xmlns="" xmlns:a14="http://schemas.microsoft.com/office/drawing/2010/main">
                   <a:noFill/>
                 </a14:hiddenFill>
               </a:ext>
@@ -27685,7 +27685,7 @@
             </a:ln>
             <a:extLst>
               <a:ext uri="{909E8E84-426E-40dd-AFC4-6F175D3DCCD1}">
-                <a14:hiddenFill xmlns:a14="http://schemas.microsoft.com/office/drawing/2010/main" xmlns="">
+                <a14:hiddenFill xmlns="" xmlns:a14="http://schemas.microsoft.com/office/drawing/2010/main">
                   <a:noFill/>
                 </a14:hiddenFill>
               </a:ext>
@@ -27736,7 +27736,7 @@
             </a:ln>
             <a:extLst>
               <a:ext uri="{909E8E84-426E-40dd-AFC4-6F175D3DCCD1}">
-                <a14:hiddenFill xmlns:a14="http://schemas.microsoft.com/office/drawing/2010/main" xmlns="">
+                <a14:hiddenFill xmlns="" xmlns:a14="http://schemas.microsoft.com/office/drawing/2010/main">
                   <a:noFill/>
                 </a14:hiddenFill>
               </a:ext>
@@ -27787,7 +27787,7 @@
             </a:ln>
             <a:extLst>
               <a:ext uri="{909E8E84-426E-40dd-AFC4-6F175D3DCCD1}">
-                <a14:hiddenFill xmlns:a14="http://schemas.microsoft.com/office/drawing/2010/main" xmlns="">
+                <a14:hiddenFill xmlns="" xmlns:a14="http://schemas.microsoft.com/office/drawing/2010/main">
                   <a:noFill/>
                 </a14:hiddenFill>
               </a:ext>
@@ -27838,7 +27838,7 @@
             </a:ln>
             <a:extLst>
               <a:ext uri="{909E8E84-426E-40dd-AFC4-6F175D3DCCD1}">
-                <a14:hiddenFill xmlns:a14="http://schemas.microsoft.com/office/drawing/2010/main" xmlns="">
+                <a14:hiddenFill xmlns="" xmlns:a14="http://schemas.microsoft.com/office/drawing/2010/main">
                   <a:noFill/>
                 </a14:hiddenFill>
               </a:ext>
@@ -27889,7 +27889,7 @@
             </a:ln>
             <a:extLst>
               <a:ext uri="{909E8E84-426E-40dd-AFC4-6F175D3DCCD1}">
-                <a14:hiddenFill xmlns:a14="http://schemas.microsoft.com/office/drawing/2010/main" xmlns="">
+                <a14:hiddenFill xmlns="" xmlns:a14="http://schemas.microsoft.com/office/drawing/2010/main">
                   <a:noFill/>
                 </a14:hiddenFill>
               </a:ext>
@@ -27940,7 +27940,7 @@
             </a:ln>
             <a:extLst>
               <a:ext uri="{909E8E84-426E-40dd-AFC4-6F175D3DCCD1}">
-                <a14:hiddenFill xmlns:a14="http://schemas.microsoft.com/office/drawing/2010/main" xmlns="">
+                <a14:hiddenFill xmlns="" xmlns:a14="http://schemas.microsoft.com/office/drawing/2010/main">
                   <a:noFill/>
                 </a14:hiddenFill>
               </a:ext>
@@ -27991,7 +27991,7 @@
             </a:ln>
             <a:extLst>
               <a:ext uri="{909E8E84-426E-40dd-AFC4-6F175D3DCCD1}">
-                <a14:hiddenFill xmlns:a14="http://schemas.microsoft.com/office/drawing/2010/main" xmlns="">
+                <a14:hiddenFill xmlns="" xmlns:a14="http://schemas.microsoft.com/office/drawing/2010/main">
                   <a:noFill/>
                 </a14:hiddenFill>
               </a:ext>
@@ -28042,7 +28042,7 @@
             </a:ln>
             <a:extLst>
               <a:ext uri="{909E8E84-426E-40dd-AFC4-6F175D3DCCD1}">
-                <a14:hiddenFill xmlns:a14="http://schemas.microsoft.com/office/drawing/2010/main" xmlns="">
+                <a14:hiddenFill xmlns="" xmlns:a14="http://schemas.microsoft.com/office/drawing/2010/main">
                   <a:noFill/>
                 </a14:hiddenFill>
               </a:ext>
@@ -28093,7 +28093,7 @@
             </a:ln>
             <a:extLst>
               <a:ext uri="{909E8E84-426E-40dd-AFC4-6F175D3DCCD1}">
-                <a14:hiddenFill xmlns:a14="http://schemas.microsoft.com/office/drawing/2010/main" xmlns="">
+                <a14:hiddenFill xmlns="" xmlns:a14="http://schemas.microsoft.com/office/drawing/2010/main">
                   <a:noFill/>
                 </a14:hiddenFill>
               </a:ext>
@@ -28144,7 +28144,7 @@
             </a:ln>
             <a:extLst>
               <a:ext uri="{909E8E84-426E-40dd-AFC4-6F175D3DCCD1}">
-                <a14:hiddenFill xmlns:a14="http://schemas.microsoft.com/office/drawing/2010/main" xmlns="">
+                <a14:hiddenFill xmlns="" xmlns:a14="http://schemas.microsoft.com/office/drawing/2010/main">
                   <a:noFill/>
                 </a14:hiddenFill>
               </a:ext>
@@ -28195,7 +28195,7 @@
             </a:ln>
             <a:extLst>
               <a:ext uri="{909E8E84-426E-40dd-AFC4-6F175D3DCCD1}">
-                <a14:hiddenFill xmlns:a14="http://schemas.microsoft.com/office/drawing/2010/main" xmlns="">
+                <a14:hiddenFill xmlns="" xmlns:a14="http://schemas.microsoft.com/office/drawing/2010/main">
                   <a:noFill/>
                 </a14:hiddenFill>
               </a:ext>
@@ -28246,7 +28246,7 @@
             </a:ln>
             <a:extLst>
               <a:ext uri="{909E8E84-426E-40dd-AFC4-6F175D3DCCD1}">
-                <a14:hiddenFill xmlns:a14="http://schemas.microsoft.com/office/drawing/2010/main" xmlns="">
+                <a14:hiddenFill xmlns="" xmlns:a14="http://schemas.microsoft.com/office/drawing/2010/main">
                   <a:noFill/>
                 </a14:hiddenFill>
               </a:ext>
@@ -28297,7 +28297,7 @@
             </a:ln>
             <a:extLst>
               <a:ext uri="{909E8E84-426E-40dd-AFC4-6F175D3DCCD1}">
-                <a14:hiddenFill xmlns:a14="http://schemas.microsoft.com/office/drawing/2010/main" xmlns="">
+                <a14:hiddenFill xmlns="" xmlns:a14="http://schemas.microsoft.com/office/drawing/2010/main">
                   <a:noFill/>
                 </a14:hiddenFill>
               </a:ext>
@@ -28348,7 +28348,7 @@
             </a:ln>
             <a:extLst>
               <a:ext uri="{909E8E84-426E-40dd-AFC4-6F175D3DCCD1}">
-                <a14:hiddenFill xmlns:a14="http://schemas.microsoft.com/office/drawing/2010/main" xmlns="">
+                <a14:hiddenFill xmlns="" xmlns:a14="http://schemas.microsoft.com/office/drawing/2010/main">
                   <a:noFill/>
                 </a14:hiddenFill>
               </a:ext>
@@ -28399,7 +28399,7 @@
             </a:ln>
             <a:extLst>
               <a:ext uri="{909E8E84-426E-40dd-AFC4-6F175D3DCCD1}">
-                <a14:hiddenFill xmlns:a14="http://schemas.microsoft.com/office/drawing/2010/main" xmlns="">
+                <a14:hiddenFill xmlns="" xmlns:a14="http://schemas.microsoft.com/office/drawing/2010/main">
                   <a:noFill/>
                 </a14:hiddenFill>
               </a:ext>
@@ -28450,7 +28450,7 @@
             </a:ln>
             <a:extLst>
               <a:ext uri="{909E8E84-426E-40dd-AFC4-6F175D3DCCD1}">
-                <a14:hiddenFill xmlns:a14="http://schemas.microsoft.com/office/drawing/2010/main" xmlns="">
+                <a14:hiddenFill xmlns="" xmlns:a14="http://schemas.microsoft.com/office/drawing/2010/main">
                   <a:noFill/>
                 </a14:hiddenFill>
               </a:ext>
@@ -28501,7 +28501,7 @@
             </a:ln>
             <a:extLst>
               <a:ext uri="{909E8E84-426E-40dd-AFC4-6F175D3DCCD1}">
-                <a14:hiddenFill xmlns:a14="http://schemas.microsoft.com/office/drawing/2010/main" xmlns="">
+                <a14:hiddenFill xmlns="" xmlns:a14="http://schemas.microsoft.com/office/drawing/2010/main">
                   <a:noFill/>
                 </a14:hiddenFill>
               </a:ext>
@@ -28552,7 +28552,7 @@
             </a:ln>
             <a:extLst>
               <a:ext uri="{909E8E84-426E-40dd-AFC4-6F175D3DCCD1}">
-                <a14:hiddenFill xmlns:a14="http://schemas.microsoft.com/office/drawing/2010/main" xmlns="">
+                <a14:hiddenFill xmlns="" xmlns:a14="http://schemas.microsoft.com/office/drawing/2010/main">
                   <a:noFill/>
                 </a14:hiddenFill>
               </a:ext>
@@ -28603,7 +28603,7 @@
             </a:ln>
             <a:extLst>
               <a:ext uri="{909E8E84-426E-40dd-AFC4-6F175D3DCCD1}">
-                <a14:hiddenFill xmlns:a14="http://schemas.microsoft.com/office/drawing/2010/main" xmlns="">
+                <a14:hiddenFill xmlns="" xmlns:a14="http://schemas.microsoft.com/office/drawing/2010/main">
                   <a:noFill/>
                 </a14:hiddenFill>
               </a:ext>
@@ -28654,7 +28654,7 @@
             </a:ln>
             <a:extLst>
               <a:ext uri="{909E8E84-426E-40dd-AFC4-6F175D3DCCD1}">
-                <a14:hiddenFill xmlns:a14="http://schemas.microsoft.com/office/drawing/2010/main" xmlns="">
+                <a14:hiddenFill xmlns="" xmlns:a14="http://schemas.microsoft.com/office/drawing/2010/main">
                   <a:noFill/>
                 </a14:hiddenFill>
               </a:ext>
@@ -28705,7 +28705,7 @@
             </a:ln>
             <a:extLst>
               <a:ext uri="{909E8E84-426E-40dd-AFC4-6F175D3DCCD1}">
-                <a14:hiddenFill xmlns:a14="http://schemas.microsoft.com/office/drawing/2010/main" xmlns="">
+                <a14:hiddenFill xmlns="" xmlns:a14="http://schemas.microsoft.com/office/drawing/2010/main">
                   <a:noFill/>
                 </a14:hiddenFill>
               </a:ext>
@@ -28756,7 +28756,7 @@
             </a:ln>
             <a:extLst>
               <a:ext uri="{909E8E84-426E-40dd-AFC4-6F175D3DCCD1}">
-                <a14:hiddenFill xmlns:a14="http://schemas.microsoft.com/office/drawing/2010/main" xmlns="">
+                <a14:hiddenFill xmlns="" xmlns:a14="http://schemas.microsoft.com/office/drawing/2010/main">
                   <a:noFill/>
                 </a14:hiddenFill>
               </a:ext>
@@ -28807,7 +28807,7 @@
             </a:ln>
             <a:extLst>
               <a:ext uri="{909E8E84-426E-40dd-AFC4-6F175D3DCCD1}">
-                <a14:hiddenFill xmlns:a14="http://schemas.microsoft.com/office/drawing/2010/main" xmlns="">
+                <a14:hiddenFill xmlns="" xmlns:a14="http://schemas.microsoft.com/office/drawing/2010/main">
                   <a:noFill/>
                 </a14:hiddenFill>
               </a:ext>
@@ -28858,7 +28858,7 @@
             </a:ln>
             <a:extLst>
               <a:ext uri="{909E8E84-426E-40dd-AFC4-6F175D3DCCD1}">
-                <a14:hiddenFill xmlns:a14="http://schemas.microsoft.com/office/drawing/2010/main" xmlns="">
+                <a14:hiddenFill xmlns="" xmlns:a14="http://schemas.microsoft.com/office/drawing/2010/main">
                   <a:noFill/>
                 </a14:hiddenFill>
               </a:ext>
@@ -28909,7 +28909,7 @@
             </a:ln>
             <a:extLst>
               <a:ext uri="{909E8E84-426E-40dd-AFC4-6F175D3DCCD1}">
-                <a14:hiddenFill xmlns:a14="http://schemas.microsoft.com/office/drawing/2010/main" xmlns="">
+                <a14:hiddenFill xmlns="" xmlns:a14="http://schemas.microsoft.com/office/drawing/2010/main">
                   <a:noFill/>
                 </a14:hiddenFill>
               </a:ext>
@@ -28960,7 +28960,7 @@
             </a:ln>
             <a:extLst>
               <a:ext uri="{909E8E84-426E-40dd-AFC4-6F175D3DCCD1}">
-                <a14:hiddenFill xmlns:a14="http://schemas.microsoft.com/office/drawing/2010/main" xmlns="">
+                <a14:hiddenFill xmlns="" xmlns:a14="http://schemas.microsoft.com/office/drawing/2010/main">
                   <a:noFill/>
                 </a14:hiddenFill>
               </a:ext>
@@ -29011,7 +29011,7 @@
             </a:ln>
             <a:extLst>
               <a:ext uri="{909E8E84-426E-40dd-AFC4-6F175D3DCCD1}">
-                <a14:hiddenFill xmlns:a14="http://schemas.microsoft.com/office/drawing/2010/main" xmlns="">
+                <a14:hiddenFill xmlns="" xmlns:a14="http://schemas.microsoft.com/office/drawing/2010/main">
                   <a:noFill/>
                 </a14:hiddenFill>
               </a:ext>
@@ -29062,7 +29062,7 @@
             </a:ln>
             <a:extLst>
               <a:ext uri="{909E8E84-426E-40dd-AFC4-6F175D3DCCD1}">
-                <a14:hiddenFill xmlns:a14="http://schemas.microsoft.com/office/drawing/2010/main" xmlns="">
+                <a14:hiddenFill xmlns="" xmlns:a14="http://schemas.microsoft.com/office/drawing/2010/main">
                   <a:noFill/>
                 </a14:hiddenFill>
               </a:ext>
@@ -29113,7 +29113,7 @@
             </a:ln>
             <a:extLst>
               <a:ext uri="{909E8E84-426E-40dd-AFC4-6F175D3DCCD1}">
-                <a14:hiddenFill xmlns:a14="http://schemas.microsoft.com/office/drawing/2010/main" xmlns="">
+                <a14:hiddenFill xmlns="" xmlns:a14="http://schemas.microsoft.com/office/drawing/2010/main">
                   <a:noFill/>
                 </a14:hiddenFill>
               </a:ext>
@@ -29164,7 +29164,7 @@
             </a:ln>
             <a:extLst>
               <a:ext uri="{909E8E84-426E-40dd-AFC4-6F175D3DCCD1}">
-                <a14:hiddenFill xmlns:a14="http://schemas.microsoft.com/office/drawing/2010/main" xmlns="">
+                <a14:hiddenFill xmlns="" xmlns:a14="http://schemas.microsoft.com/office/drawing/2010/main">
                   <a:noFill/>
                 </a14:hiddenFill>
               </a:ext>
@@ -29215,7 +29215,7 @@
             </a:ln>
             <a:extLst>
               <a:ext uri="{909E8E84-426E-40dd-AFC4-6F175D3DCCD1}">
-                <a14:hiddenFill xmlns:a14="http://schemas.microsoft.com/office/drawing/2010/main" xmlns="">
+                <a14:hiddenFill xmlns="" xmlns:a14="http://schemas.microsoft.com/office/drawing/2010/main">
                   <a:noFill/>
                 </a14:hiddenFill>
               </a:ext>
@@ -29266,7 +29266,7 @@
             </a:ln>
             <a:extLst>
               <a:ext uri="{909E8E84-426E-40dd-AFC4-6F175D3DCCD1}">
-                <a14:hiddenFill xmlns:a14="http://schemas.microsoft.com/office/drawing/2010/main" xmlns="">
+                <a14:hiddenFill xmlns="" xmlns:a14="http://schemas.microsoft.com/office/drawing/2010/main">
                   <a:noFill/>
                 </a14:hiddenFill>
               </a:ext>
@@ -29317,7 +29317,7 @@
             </a:ln>
             <a:extLst>
               <a:ext uri="{909E8E84-426E-40dd-AFC4-6F175D3DCCD1}">
-                <a14:hiddenFill xmlns:a14="http://schemas.microsoft.com/office/drawing/2010/main" xmlns="">
+                <a14:hiddenFill xmlns="" xmlns:a14="http://schemas.microsoft.com/office/drawing/2010/main">
                   <a:noFill/>
                 </a14:hiddenFill>
               </a:ext>
@@ -29368,7 +29368,7 @@
             </a:ln>
             <a:extLst>
               <a:ext uri="{909E8E84-426E-40dd-AFC4-6F175D3DCCD1}">
-                <a14:hiddenFill xmlns:a14="http://schemas.microsoft.com/office/drawing/2010/main" xmlns="">
+                <a14:hiddenFill xmlns="" xmlns:a14="http://schemas.microsoft.com/office/drawing/2010/main">
                   <a:noFill/>
                 </a14:hiddenFill>
               </a:ext>
@@ -29419,7 +29419,7 @@
             </a:ln>
             <a:extLst>
               <a:ext uri="{909E8E84-426E-40dd-AFC4-6F175D3DCCD1}">
-                <a14:hiddenFill xmlns:a14="http://schemas.microsoft.com/office/drawing/2010/main" xmlns="">
+                <a14:hiddenFill xmlns="" xmlns:a14="http://schemas.microsoft.com/office/drawing/2010/main">
                   <a:noFill/>
                 </a14:hiddenFill>
               </a:ext>
@@ -29470,7 +29470,7 @@
             </a:ln>
             <a:extLst>
               <a:ext uri="{909E8E84-426E-40dd-AFC4-6F175D3DCCD1}">
-                <a14:hiddenFill xmlns:a14="http://schemas.microsoft.com/office/drawing/2010/main" xmlns="">
+                <a14:hiddenFill xmlns="" xmlns:a14="http://schemas.microsoft.com/office/drawing/2010/main">
                   <a:noFill/>
                 </a14:hiddenFill>
               </a:ext>
@@ -29521,7 +29521,7 @@
             </a:ln>
             <a:extLst>
               <a:ext uri="{909E8E84-426E-40dd-AFC4-6F175D3DCCD1}">
-                <a14:hiddenFill xmlns:a14="http://schemas.microsoft.com/office/drawing/2010/main" xmlns="">
+                <a14:hiddenFill xmlns="" xmlns:a14="http://schemas.microsoft.com/office/drawing/2010/main">
                   <a:noFill/>
                 </a14:hiddenFill>
               </a:ext>
@@ -29572,7 +29572,7 @@
             </a:ln>
             <a:extLst>
               <a:ext uri="{909E8E84-426E-40dd-AFC4-6F175D3DCCD1}">
-                <a14:hiddenFill xmlns:a14="http://schemas.microsoft.com/office/drawing/2010/main" xmlns="">
+                <a14:hiddenFill xmlns="" xmlns:a14="http://schemas.microsoft.com/office/drawing/2010/main">
                   <a:noFill/>
                 </a14:hiddenFill>
               </a:ext>
@@ -29623,7 +29623,7 @@
             </a:ln>
             <a:extLst>
               <a:ext uri="{909E8E84-426E-40dd-AFC4-6F175D3DCCD1}">
-                <a14:hiddenFill xmlns:a14="http://schemas.microsoft.com/office/drawing/2010/main" xmlns="">
+                <a14:hiddenFill xmlns="" xmlns:a14="http://schemas.microsoft.com/office/drawing/2010/main">
                   <a:noFill/>
                 </a14:hiddenFill>
               </a:ext>
@@ -29674,7 +29674,7 @@
             </a:ln>
             <a:extLst>
               <a:ext uri="{909E8E84-426E-40dd-AFC4-6F175D3DCCD1}">
-                <a14:hiddenFill xmlns:a14="http://schemas.microsoft.com/office/drawing/2010/main" xmlns="">
+                <a14:hiddenFill xmlns="" xmlns:a14="http://schemas.microsoft.com/office/drawing/2010/main">
                   <a:noFill/>
                 </a14:hiddenFill>
               </a:ext>
@@ -29725,7 +29725,7 @@
             </a:ln>
             <a:extLst>
               <a:ext uri="{909E8E84-426E-40dd-AFC4-6F175D3DCCD1}">
-                <a14:hiddenFill xmlns:a14="http://schemas.microsoft.com/office/drawing/2010/main" xmlns="">
+                <a14:hiddenFill xmlns="" xmlns:a14="http://schemas.microsoft.com/office/drawing/2010/main">
                   <a:noFill/>
                 </a14:hiddenFill>
               </a:ext>
@@ -29776,7 +29776,7 @@
             </a:ln>
             <a:extLst>
               <a:ext uri="{909E8E84-426E-40dd-AFC4-6F175D3DCCD1}">
-                <a14:hiddenFill xmlns:a14="http://schemas.microsoft.com/office/drawing/2010/main" xmlns="">
+                <a14:hiddenFill xmlns="" xmlns:a14="http://schemas.microsoft.com/office/drawing/2010/main">
                   <a:noFill/>
                 </a14:hiddenFill>
               </a:ext>
@@ -29827,7 +29827,7 @@
             </a:ln>
             <a:extLst>
               <a:ext uri="{909E8E84-426E-40dd-AFC4-6F175D3DCCD1}">
-                <a14:hiddenFill xmlns:a14="http://schemas.microsoft.com/office/drawing/2010/main" xmlns="">
+                <a14:hiddenFill xmlns="" xmlns:a14="http://schemas.microsoft.com/office/drawing/2010/main">
                   <a:noFill/>
                 </a14:hiddenFill>
               </a:ext>
@@ -29878,7 +29878,7 @@
             </a:ln>
             <a:extLst>
               <a:ext uri="{909E8E84-426E-40dd-AFC4-6F175D3DCCD1}">
-                <a14:hiddenFill xmlns:a14="http://schemas.microsoft.com/office/drawing/2010/main" xmlns="">
+                <a14:hiddenFill xmlns="" xmlns:a14="http://schemas.microsoft.com/office/drawing/2010/main">
                   <a:noFill/>
                 </a14:hiddenFill>
               </a:ext>
@@ -29929,7 +29929,7 @@
             </a:ln>
             <a:extLst>
               <a:ext uri="{909E8E84-426E-40dd-AFC4-6F175D3DCCD1}">
-                <a14:hiddenFill xmlns:a14="http://schemas.microsoft.com/office/drawing/2010/main" xmlns="">
+                <a14:hiddenFill xmlns="" xmlns:a14="http://schemas.microsoft.com/office/drawing/2010/main">
                   <a:noFill/>
                 </a14:hiddenFill>
               </a:ext>
@@ -29980,7 +29980,7 @@
             </a:ln>
             <a:extLst>
               <a:ext uri="{909E8E84-426E-40dd-AFC4-6F175D3DCCD1}">
-                <a14:hiddenFill xmlns:a14="http://schemas.microsoft.com/office/drawing/2010/main" xmlns="">
+                <a14:hiddenFill xmlns="" xmlns:a14="http://schemas.microsoft.com/office/drawing/2010/main">
                   <a:noFill/>
                 </a14:hiddenFill>
               </a:ext>
@@ -30031,7 +30031,7 @@
             </a:ln>
             <a:extLst>
               <a:ext uri="{909E8E84-426E-40dd-AFC4-6F175D3DCCD1}">
-                <a14:hiddenFill xmlns:a14="http://schemas.microsoft.com/office/drawing/2010/main" xmlns="">
+                <a14:hiddenFill xmlns="" xmlns:a14="http://schemas.microsoft.com/office/drawing/2010/main">
                   <a:noFill/>
                 </a14:hiddenFill>
               </a:ext>
@@ -30082,7 +30082,7 @@
             </a:ln>
             <a:extLst>
               <a:ext uri="{909E8E84-426E-40dd-AFC4-6F175D3DCCD1}">
-                <a14:hiddenFill xmlns:a14="http://schemas.microsoft.com/office/drawing/2010/main" xmlns="">
+                <a14:hiddenFill xmlns="" xmlns:a14="http://schemas.microsoft.com/office/drawing/2010/main">
                   <a:noFill/>
                 </a14:hiddenFill>
               </a:ext>
@@ -30133,7 +30133,7 @@
             </a:ln>
             <a:extLst>
               <a:ext uri="{909E8E84-426E-40dd-AFC4-6F175D3DCCD1}">
-                <a14:hiddenFill xmlns:a14="http://schemas.microsoft.com/office/drawing/2010/main" xmlns="">
+                <a14:hiddenFill xmlns="" xmlns:a14="http://schemas.microsoft.com/office/drawing/2010/main">
                   <a:noFill/>
                 </a14:hiddenFill>
               </a:ext>
@@ -30184,7 +30184,7 @@
             </a:ln>
             <a:extLst>
               <a:ext uri="{909E8E84-426E-40dd-AFC4-6F175D3DCCD1}">
-                <a14:hiddenFill xmlns:a14="http://schemas.microsoft.com/office/drawing/2010/main" xmlns="">
+                <a14:hiddenFill xmlns="" xmlns:a14="http://schemas.microsoft.com/office/drawing/2010/main">
                   <a:noFill/>
                 </a14:hiddenFill>
               </a:ext>
@@ -30235,7 +30235,7 @@
             </a:ln>
             <a:extLst>
               <a:ext uri="{909E8E84-426E-40dd-AFC4-6F175D3DCCD1}">
-                <a14:hiddenFill xmlns:a14="http://schemas.microsoft.com/office/drawing/2010/main" xmlns="">
+                <a14:hiddenFill xmlns="" xmlns:a14="http://schemas.microsoft.com/office/drawing/2010/main">
                   <a:noFill/>
                 </a14:hiddenFill>
               </a:ext>
@@ -30286,7 +30286,7 @@
             </a:ln>
             <a:extLst>
               <a:ext uri="{909E8E84-426E-40dd-AFC4-6F175D3DCCD1}">
-                <a14:hiddenFill xmlns:a14="http://schemas.microsoft.com/office/drawing/2010/main" xmlns="">
+                <a14:hiddenFill xmlns="" xmlns:a14="http://schemas.microsoft.com/office/drawing/2010/main">
                   <a:noFill/>
                 </a14:hiddenFill>
               </a:ext>
@@ -30337,7 +30337,7 @@
             </a:ln>
             <a:extLst>
               <a:ext uri="{909E8E84-426E-40dd-AFC4-6F175D3DCCD1}">
-                <a14:hiddenFill xmlns:a14="http://schemas.microsoft.com/office/drawing/2010/main" xmlns="">
+                <a14:hiddenFill xmlns="" xmlns:a14="http://schemas.microsoft.com/office/drawing/2010/main">
                   <a:noFill/>
                 </a14:hiddenFill>
               </a:ext>
@@ -30388,7 +30388,7 @@
             </a:ln>
             <a:extLst>
               <a:ext uri="{909E8E84-426E-40dd-AFC4-6F175D3DCCD1}">
-                <a14:hiddenFill xmlns:a14="http://schemas.microsoft.com/office/drawing/2010/main" xmlns="">
+                <a14:hiddenFill xmlns="" xmlns:a14="http://schemas.microsoft.com/office/drawing/2010/main">
                   <a:noFill/>
                 </a14:hiddenFill>
               </a:ext>
@@ -30439,7 +30439,7 @@
             </a:ln>
             <a:extLst>
               <a:ext uri="{909E8E84-426E-40dd-AFC4-6F175D3DCCD1}">
-                <a14:hiddenFill xmlns:a14="http://schemas.microsoft.com/office/drawing/2010/main" xmlns="">
+                <a14:hiddenFill xmlns="" xmlns:a14="http://schemas.microsoft.com/office/drawing/2010/main">
                   <a:noFill/>
                 </a14:hiddenFill>
               </a:ext>
@@ -30490,7 +30490,7 @@
             </a:ln>
             <a:extLst>
               <a:ext uri="{909E8E84-426E-40dd-AFC4-6F175D3DCCD1}">
-                <a14:hiddenFill xmlns:a14="http://schemas.microsoft.com/office/drawing/2010/main" xmlns="">
+                <a14:hiddenFill xmlns="" xmlns:a14="http://schemas.microsoft.com/office/drawing/2010/main">
                   <a:noFill/>
                 </a14:hiddenFill>
               </a:ext>
@@ -30541,7 +30541,7 @@
             </a:ln>
             <a:extLst>
               <a:ext uri="{909E8E84-426E-40dd-AFC4-6F175D3DCCD1}">
-                <a14:hiddenFill xmlns:a14="http://schemas.microsoft.com/office/drawing/2010/main" xmlns="">
+                <a14:hiddenFill xmlns="" xmlns:a14="http://schemas.microsoft.com/office/drawing/2010/main">
                   <a:noFill/>
                 </a14:hiddenFill>
               </a:ext>
@@ -30592,7 +30592,7 @@
             </a:ln>
             <a:extLst>
               <a:ext uri="{909E8E84-426E-40dd-AFC4-6F175D3DCCD1}">
-                <a14:hiddenFill xmlns:a14="http://schemas.microsoft.com/office/drawing/2010/main" xmlns="">
+                <a14:hiddenFill xmlns="" xmlns:a14="http://schemas.microsoft.com/office/drawing/2010/main">
                   <a:noFill/>
                 </a14:hiddenFill>
               </a:ext>
@@ -31415,7 +31415,7 @@
             </a:ln>
             <a:extLst>
               <a:ext uri="{909E8E84-426E-40dd-AFC4-6F175D3DCCD1}">
-                <a14:hiddenFill xmlns:a14="http://schemas.microsoft.com/office/drawing/2010/main" xmlns="">
+                <a14:hiddenFill xmlns="" xmlns:a14="http://schemas.microsoft.com/office/drawing/2010/main">
                   <a:solidFill>
                     <a:srgbClr val="FFFFFF"/>
                   </a:solidFill>
@@ -31468,7 +31468,7 @@
             </a:ln>
             <a:extLst>
               <a:ext uri="{909E8E84-426E-40dd-AFC4-6F175D3DCCD1}">
-                <a14:hiddenFill xmlns:a14="http://schemas.microsoft.com/office/drawing/2010/main" xmlns="">
+                <a14:hiddenFill xmlns="" xmlns:a14="http://schemas.microsoft.com/office/drawing/2010/main">
                   <a:noFill/>
                 </a14:hiddenFill>
               </a:ext>
@@ -31519,7 +31519,7 @@
             </a:ln>
             <a:extLst>
               <a:ext uri="{909E8E84-426E-40dd-AFC4-6F175D3DCCD1}">
-                <a14:hiddenFill xmlns:a14="http://schemas.microsoft.com/office/drawing/2010/main" xmlns="">
+                <a14:hiddenFill xmlns="" xmlns:a14="http://schemas.microsoft.com/office/drawing/2010/main">
                   <a:noFill/>
                 </a14:hiddenFill>
               </a:ext>
@@ -31570,7 +31570,7 @@
             </a:ln>
             <a:extLst>
               <a:ext uri="{909E8E84-426E-40dd-AFC4-6F175D3DCCD1}">
-                <a14:hiddenFill xmlns:a14="http://schemas.microsoft.com/office/drawing/2010/main" xmlns="">
+                <a14:hiddenFill xmlns="" xmlns:a14="http://schemas.microsoft.com/office/drawing/2010/main">
                   <a:noFill/>
                 </a14:hiddenFill>
               </a:ext>
@@ -31621,7 +31621,7 @@
             </a:ln>
             <a:extLst>
               <a:ext uri="{909E8E84-426E-40dd-AFC4-6F175D3DCCD1}">
-                <a14:hiddenFill xmlns:a14="http://schemas.microsoft.com/office/drawing/2010/main" xmlns="">
+                <a14:hiddenFill xmlns="" xmlns:a14="http://schemas.microsoft.com/office/drawing/2010/main">
                   <a:noFill/>
                 </a14:hiddenFill>
               </a:ext>
@@ -31672,7 +31672,7 @@
             </a:ln>
             <a:extLst>
               <a:ext uri="{909E8E84-426E-40dd-AFC4-6F175D3DCCD1}">
-                <a14:hiddenFill xmlns:a14="http://schemas.microsoft.com/office/drawing/2010/main" xmlns="">
+                <a14:hiddenFill xmlns="" xmlns:a14="http://schemas.microsoft.com/office/drawing/2010/main">
                   <a:noFill/>
                 </a14:hiddenFill>
               </a:ext>
@@ -31723,7 +31723,7 @@
             </a:ln>
             <a:extLst>
               <a:ext uri="{909E8E84-426E-40dd-AFC4-6F175D3DCCD1}">
-                <a14:hiddenFill xmlns:a14="http://schemas.microsoft.com/office/drawing/2010/main" xmlns="">
+                <a14:hiddenFill xmlns="" xmlns:a14="http://schemas.microsoft.com/office/drawing/2010/main">
                   <a:noFill/>
                 </a14:hiddenFill>
               </a:ext>
@@ -31774,7 +31774,7 @@
             </a:ln>
             <a:extLst>
               <a:ext uri="{909E8E84-426E-40dd-AFC4-6F175D3DCCD1}">
-                <a14:hiddenFill xmlns:a14="http://schemas.microsoft.com/office/drawing/2010/main" xmlns="">
+                <a14:hiddenFill xmlns="" xmlns:a14="http://schemas.microsoft.com/office/drawing/2010/main">
                   <a:noFill/>
                 </a14:hiddenFill>
               </a:ext>
@@ -31825,7 +31825,7 @@
             </a:ln>
             <a:extLst>
               <a:ext uri="{909E8E84-426E-40dd-AFC4-6F175D3DCCD1}">
-                <a14:hiddenFill xmlns:a14="http://schemas.microsoft.com/office/drawing/2010/main" xmlns="">
+                <a14:hiddenFill xmlns="" xmlns:a14="http://schemas.microsoft.com/office/drawing/2010/main">
                   <a:noFill/>
                 </a14:hiddenFill>
               </a:ext>
@@ -31876,7 +31876,7 @@
             </a:ln>
             <a:extLst>
               <a:ext uri="{909E8E84-426E-40dd-AFC4-6F175D3DCCD1}">
-                <a14:hiddenFill xmlns:a14="http://schemas.microsoft.com/office/drawing/2010/main" xmlns="">
+                <a14:hiddenFill xmlns="" xmlns:a14="http://schemas.microsoft.com/office/drawing/2010/main">
                   <a:noFill/>
                 </a14:hiddenFill>
               </a:ext>
@@ -31927,7 +31927,7 @@
             </a:ln>
             <a:extLst>
               <a:ext uri="{909E8E84-426E-40dd-AFC4-6F175D3DCCD1}">
-                <a14:hiddenFill xmlns:a14="http://schemas.microsoft.com/office/drawing/2010/main" xmlns="">
+                <a14:hiddenFill xmlns="" xmlns:a14="http://schemas.microsoft.com/office/drawing/2010/main">
                   <a:noFill/>
                 </a14:hiddenFill>
               </a:ext>
@@ -31978,7 +31978,7 @@
             </a:ln>
             <a:extLst>
               <a:ext uri="{909E8E84-426E-40dd-AFC4-6F175D3DCCD1}">
-                <a14:hiddenFill xmlns:a14="http://schemas.microsoft.com/office/drawing/2010/main" xmlns="">
+                <a14:hiddenFill xmlns="" xmlns:a14="http://schemas.microsoft.com/office/drawing/2010/main">
                   <a:noFill/>
                 </a14:hiddenFill>
               </a:ext>
@@ -32029,7 +32029,7 @@
             </a:ln>
             <a:extLst>
               <a:ext uri="{909E8E84-426E-40dd-AFC4-6F175D3DCCD1}">
-                <a14:hiddenFill xmlns:a14="http://schemas.microsoft.com/office/drawing/2010/main" xmlns="">
+                <a14:hiddenFill xmlns="" xmlns:a14="http://schemas.microsoft.com/office/drawing/2010/main">
                   <a:noFill/>
                 </a14:hiddenFill>
               </a:ext>
@@ -32080,7 +32080,7 @@
             </a:ln>
             <a:extLst>
               <a:ext uri="{909E8E84-426E-40dd-AFC4-6F175D3DCCD1}">
-                <a14:hiddenFill xmlns:a14="http://schemas.microsoft.com/office/drawing/2010/main" xmlns="">
+                <a14:hiddenFill xmlns="" xmlns:a14="http://schemas.microsoft.com/office/drawing/2010/main">
                   <a:noFill/>
                 </a14:hiddenFill>
               </a:ext>
@@ -32131,7 +32131,7 @@
             </a:ln>
             <a:extLst>
               <a:ext uri="{909E8E84-426E-40dd-AFC4-6F175D3DCCD1}">
-                <a14:hiddenFill xmlns:a14="http://schemas.microsoft.com/office/drawing/2010/main" xmlns="">
+                <a14:hiddenFill xmlns="" xmlns:a14="http://schemas.microsoft.com/office/drawing/2010/main">
                   <a:noFill/>
                 </a14:hiddenFill>
               </a:ext>
@@ -32182,7 +32182,7 @@
             </a:ln>
             <a:extLst>
               <a:ext uri="{909E8E84-426E-40dd-AFC4-6F175D3DCCD1}">
-                <a14:hiddenFill xmlns:a14="http://schemas.microsoft.com/office/drawing/2010/main" xmlns="">
+                <a14:hiddenFill xmlns="" xmlns:a14="http://schemas.microsoft.com/office/drawing/2010/main">
                   <a:noFill/>
                 </a14:hiddenFill>
               </a:ext>
@@ -32233,7 +32233,7 @@
             </a:ln>
             <a:extLst>
               <a:ext uri="{909E8E84-426E-40dd-AFC4-6F175D3DCCD1}">
-                <a14:hiddenFill xmlns:a14="http://schemas.microsoft.com/office/drawing/2010/main" xmlns="">
+                <a14:hiddenFill xmlns="" xmlns:a14="http://schemas.microsoft.com/office/drawing/2010/main">
                   <a:noFill/>
                 </a14:hiddenFill>
               </a:ext>
@@ -32284,7 +32284,7 @@
             </a:ln>
             <a:extLst>
               <a:ext uri="{909E8E84-426E-40dd-AFC4-6F175D3DCCD1}">
-                <a14:hiddenFill xmlns:a14="http://schemas.microsoft.com/office/drawing/2010/main" xmlns="">
+                <a14:hiddenFill xmlns="" xmlns:a14="http://schemas.microsoft.com/office/drawing/2010/main">
                   <a:noFill/>
                 </a14:hiddenFill>
               </a:ext>
@@ -32335,7 +32335,7 @@
             </a:ln>
             <a:extLst>
               <a:ext uri="{909E8E84-426E-40dd-AFC4-6F175D3DCCD1}">
-                <a14:hiddenFill xmlns:a14="http://schemas.microsoft.com/office/drawing/2010/main" xmlns="">
+                <a14:hiddenFill xmlns="" xmlns:a14="http://schemas.microsoft.com/office/drawing/2010/main">
                   <a:noFill/>
                 </a14:hiddenFill>
               </a:ext>
@@ -32386,7 +32386,7 @@
             </a:ln>
             <a:extLst>
               <a:ext uri="{909E8E84-426E-40dd-AFC4-6F175D3DCCD1}">
-                <a14:hiddenFill xmlns:a14="http://schemas.microsoft.com/office/drawing/2010/main" xmlns="">
+                <a14:hiddenFill xmlns="" xmlns:a14="http://schemas.microsoft.com/office/drawing/2010/main">
                   <a:noFill/>
                 </a14:hiddenFill>
               </a:ext>
@@ -32437,7 +32437,7 @@
             </a:ln>
             <a:extLst>
               <a:ext uri="{909E8E84-426E-40dd-AFC4-6F175D3DCCD1}">
-                <a14:hiddenFill xmlns:a14="http://schemas.microsoft.com/office/drawing/2010/main" xmlns="">
+                <a14:hiddenFill xmlns="" xmlns:a14="http://schemas.microsoft.com/office/drawing/2010/main">
                   <a:noFill/>
                 </a14:hiddenFill>
               </a:ext>
@@ -32488,7 +32488,7 @@
             </a:ln>
             <a:extLst>
               <a:ext uri="{909E8E84-426E-40dd-AFC4-6F175D3DCCD1}">
-                <a14:hiddenFill xmlns:a14="http://schemas.microsoft.com/office/drawing/2010/main" xmlns="">
+                <a14:hiddenFill xmlns="" xmlns:a14="http://schemas.microsoft.com/office/drawing/2010/main">
                   <a:noFill/>
                 </a14:hiddenFill>
               </a:ext>
@@ -32539,7 +32539,7 @@
             </a:ln>
             <a:extLst>
               <a:ext uri="{909E8E84-426E-40dd-AFC4-6F175D3DCCD1}">
-                <a14:hiddenFill xmlns:a14="http://schemas.microsoft.com/office/drawing/2010/main" xmlns="">
+                <a14:hiddenFill xmlns="" xmlns:a14="http://schemas.microsoft.com/office/drawing/2010/main">
                   <a:noFill/>
                 </a14:hiddenFill>
               </a:ext>
@@ -32590,7 +32590,7 @@
             </a:ln>
             <a:extLst>
               <a:ext uri="{909E8E84-426E-40dd-AFC4-6F175D3DCCD1}">
-                <a14:hiddenFill xmlns:a14="http://schemas.microsoft.com/office/drawing/2010/main" xmlns="">
+                <a14:hiddenFill xmlns="" xmlns:a14="http://schemas.microsoft.com/office/drawing/2010/main">
                   <a:noFill/>
                 </a14:hiddenFill>
               </a:ext>
@@ -32641,7 +32641,7 @@
             </a:ln>
             <a:extLst>
               <a:ext uri="{909E8E84-426E-40dd-AFC4-6F175D3DCCD1}">
-                <a14:hiddenFill xmlns:a14="http://schemas.microsoft.com/office/drawing/2010/main" xmlns="">
+                <a14:hiddenFill xmlns="" xmlns:a14="http://schemas.microsoft.com/office/drawing/2010/main">
                   <a:noFill/>
                 </a14:hiddenFill>
               </a:ext>
@@ -32692,7 +32692,7 @@
             </a:ln>
             <a:extLst>
               <a:ext uri="{909E8E84-426E-40dd-AFC4-6F175D3DCCD1}">
-                <a14:hiddenFill xmlns:a14="http://schemas.microsoft.com/office/drawing/2010/main" xmlns="">
+                <a14:hiddenFill xmlns="" xmlns:a14="http://schemas.microsoft.com/office/drawing/2010/main">
                   <a:noFill/>
                 </a14:hiddenFill>
               </a:ext>
@@ -32743,7 +32743,7 @@
             </a:ln>
             <a:extLst>
               <a:ext uri="{909E8E84-426E-40dd-AFC4-6F175D3DCCD1}">
-                <a14:hiddenFill xmlns:a14="http://schemas.microsoft.com/office/drawing/2010/main" xmlns="">
+                <a14:hiddenFill xmlns="" xmlns:a14="http://schemas.microsoft.com/office/drawing/2010/main">
                   <a:noFill/>
                 </a14:hiddenFill>
               </a:ext>
@@ -32794,7 +32794,7 @@
             </a:ln>
             <a:extLst>
               <a:ext uri="{909E8E84-426E-40dd-AFC4-6F175D3DCCD1}">
-                <a14:hiddenFill xmlns:a14="http://schemas.microsoft.com/office/drawing/2010/main" xmlns="">
+                <a14:hiddenFill xmlns="" xmlns:a14="http://schemas.microsoft.com/office/drawing/2010/main">
                   <a:noFill/>
                 </a14:hiddenFill>
               </a:ext>
@@ -32845,7 +32845,7 @@
             </a:ln>
             <a:extLst>
               <a:ext uri="{909E8E84-426E-40dd-AFC4-6F175D3DCCD1}">
-                <a14:hiddenFill xmlns:a14="http://schemas.microsoft.com/office/drawing/2010/main" xmlns="">
+                <a14:hiddenFill xmlns="" xmlns:a14="http://schemas.microsoft.com/office/drawing/2010/main">
                   <a:noFill/>
                 </a14:hiddenFill>
               </a:ext>
@@ -32896,7 +32896,7 @@
             </a:ln>
             <a:extLst>
               <a:ext uri="{909E8E84-426E-40dd-AFC4-6F175D3DCCD1}">
-                <a14:hiddenFill xmlns:a14="http://schemas.microsoft.com/office/drawing/2010/main" xmlns="">
+                <a14:hiddenFill xmlns="" xmlns:a14="http://schemas.microsoft.com/office/drawing/2010/main">
                   <a:noFill/>
                 </a14:hiddenFill>
               </a:ext>
@@ -32947,7 +32947,7 @@
             </a:ln>
             <a:extLst>
               <a:ext uri="{909E8E84-426E-40dd-AFC4-6F175D3DCCD1}">
-                <a14:hiddenFill xmlns:a14="http://schemas.microsoft.com/office/drawing/2010/main" xmlns="">
+                <a14:hiddenFill xmlns="" xmlns:a14="http://schemas.microsoft.com/office/drawing/2010/main">
                   <a:noFill/>
                 </a14:hiddenFill>
               </a:ext>
@@ -32998,7 +32998,7 @@
             </a:ln>
             <a:extLst>
               <a:ext uri="{909E8E84-426E-40dd-AFC4-6F175D3DCCD1}">
-                <a14:hiddenFill xmlns:a14="http://schemas.microsoft.com/office/drawing/2010/main" xmlns="">
+                <a14:hiddenFill xmlns="" xmlns:a14="http://schemas.microsoft.com/office/drawing/2010/main">
                   <a:noFill/>
                 </a14:hiddenFill>
               </a:ext>
@@ -33049,7 +33049,7 @@
             </a:ln>
             <a:extLst>
               <a:ext uri="{909E8E84-426E-40dd-AFC4-6F175D3DCCD1}">
-                <a14:hiddenFill xmlns:a14="http://schemas.microsoft.com/office/drawing/2010/main" xmlns="">
+                <a14:hiddenFill xmlns="" xmlns:a14="http://schemas.microsoft.com/office/drawing/2010/main">
                   <a:noFill/>
                 </a14:hiddenFill>
               </a:ext>
@@ -33100,7 +33100,7 @@
             </a:ln>
             <a:extLst>
               <a:ext uri="{909E8E84-426E-40dd-AFC4-6F175D3DCCD1}">
-                <a14:hiddenFill xmlns:a14="http://schemas.microsoft.com/office/drawing/2010/main" xmlns="">
+                <a14:hiddenFill xmlns="" xmlns:a14="http://schemas.microsoft.com/office/drawing/2010/main">
                   <a:noFill/>
                 </a14:hiddenFill>
               </a:ext>
@@ -33151,7 +33151,7 @@
             </a:ln>
             <a:extLst>
               <a:ext uri="{909E8E84-426E-40dd-AFC4-6F175D3DCCD1}">
-                <a14:hiddenFill xmlns:a14="http://schemas.microsoft.com/office/drawing/2010/main" xmlns="">
+                <a14:hiddenFill xmlns="" xmlns:a14="http://schemas.microsoft.com/office/drawing/2010/main">
                   <a:noFill/>
                 </a14:hiddenFill>
               </a:ext>
@@ -33202,7 +33202,7 @@
             </a:ln>
             <a:extLst>
               <a:ext uri="{909E8E84-426E-40dd-AFC4-6F175D3DCCD1}">
-                <a14:hiddenFill xmlns:a14="http://schemas.microsoft.com/office/drawing/2010/main" xmlns="">
+                <a14:hiddenFill xmlns="" xmlns:a14="http://schemas.microsoft.com/office/drawing/2010/main">
                   <a:noFill/>
                 </a14:hiddenFill>
               </a:ext>
@@ -33253,7 +33253,7 @@
             </a:ln>
             <a:extLst>
               <a:ext uri="{909E8E84-426E-40dd-AFC4-6F175D3DCCD1}">
-                <a14:hiddenFill xmlns:a14="http://schemas.microsoft.com/office/drawing/2010/main" xmlns="">
+                <a14:hiddenFill xmlns="" xmlns:a14="http://schemas.microsoft.com/office/drawing/2010/main">
                   <a:noFill/>
                 </a14:hiddenFill>
               </a:ext>
@@ -33304,7 +33304,7 @@
             </a:ln>
             <a:extLst>
               <a:ext uri="{909E8E84-426E-40dd-AFC4-6F175D3DCCD1}">
-                <a14:hiddenFill xmlns:a14="http://schemas.microsoft.com/office/drawing/2010/main" xmlns="">
+                <a14:hiddenFill xmlns="" xmlns:a14="http://schemas.microsoft.com/office/drawing/2010/main">
                   <a:noFill/>
                 </a14:hiddenFill>
               </a:ext>
@@ -33355,7 +33355,7 @@
             </a:ln>
             <a:extLst>
               <a:ext uri="{909E8E84-426E-40dd-AFC4-6F175D3DCCD1}">
-                <a14:hiddenFill xmlns:a14="http://schemas.microsoft.com/office/drawing/2010/main" xmlns="">
+                <a14:hiddenFill xmlns="" xmlns:a14="http://schemas.microsoft.com/office/drawing/2010/main">
                   <a:noFill/>
                 </a14:hiddenFill>
               </a:ext>
@@ -33406,7 +33406,7 @@
             </a:ln>
             <a:extLst>
               <a:ext uri="{909E8E84-426E-40dd-AFC4-6F175D3DCCD1}">
-                <a14:hiddenFill xmlns:a14="http://schemas.microsoft.com/office/drawing/2010/main" xmlns="">
+                <a14:hiddenFill xmlns="" xmlns:a14="http://schemas.microsoft.com/office/drawing/2010/main">
                   <a:noFill/>
                 </a14:hiddenFill>
               </a:ext>
@@ -33457,7 +33457,7 @@
             </a:ln>
             <a:extLst>
               <a:ext uri="{909E8E84-426E-40dd-AFC4-6F175D3DCCD1}">
-                <a14:hiddenFill xmlns:a14="http://schemas.microsoft.com/office/drawing/2010/main" xmlns="">
+                <a14:hiddenFill xmlns="" xmlns:a14="http://schemas.microsoft.com/office/drawing/2010/main">
                   <a:noFill/>
                 </a14:hiddenFill>
               </a:ext>
@@ -33508,7 +33508,7 @@
             </a:ln>
             <a:extLst>
               <a:ext uri="{909E8E84-426E-40dd-AFC4-6F175D3DCCD1}">
-                <a14:hiddenFill xmlns:a14="http://schemas.microsoft.com/office/drawing/2010/main" xmlns="">
+                <a14:hiddenFill xmlns="" xmlns:a14="http://schemas.microsoft.com/office/drawing/2010/main">
                   <a:noFill/>
                 </a14:hiddenFill>
               </a:ext>
@@ -33559,7 +33559,7 @@
             </a:ln>
             <a:extLst>
               <a:ext uri="{909E8E84-426E-40dd-AFC4-6F175D3DCCD1}">
-                <a14:hiddenFill xmlns:a14="http://schemas.microsoft.com/office/drawing/2010/main" xmlns="">
+                <a14:hiddenFill xmlns="" xmlns:a14="http://schemas.microsoft.com/office/drawing/2010/main">
                   <a:noFill/>
                 </a14:hiddenFill>
               </a:ext>
@@ -33610,7 +33610,7 @@
             </a:ln>
             <a:extLst>
               <a:ext uri="{909E8E84-426E-40dd-AFC4-6F175D3DCCD1}">
-                <a14:hiddenFill xmlns:a14="http://schemas.microsoft.com/office/drawing/2010/main" xmlns="">
+                <a14:hiddenFill xmlns="" xmlns:a14="http://schemas.microsoft.com/office/drawing/2010/main">
                   <a:noFill/>
                 </a14:hiddenFill>
               </a:ext>
@@ -33661,7 +33661,7 @@
             </a:ln>
             <a:extLst>
               <a:ext uri="{909E8E84-426E-40dd-AFC4-6F175D3DCCD1}">
-                <a14:hiddenFill xmlns:a14="http://schemas.microsoft.com/office/drawing/2010/main" xmlns="">
+                <a14:hiddenFill xmlns="" xmlns:a14="http://schemas.microsoft.com/office/drawing/2010/main">
                   <a:noFill/>
                 </a14:hiddenFill>
               </a:ext>
@@ -33712,7 +33712,7 @@
             </a:ln>
             <a:extLst>
               <a:ext uri="{909E8E84-426E-40dd-AFC4-6F175D3DCCD1}">
-                <a14:hiddenFill xmlns:a14="http://schemas.microsoft.com/office/drawing/2010/main" xmlns="">
+                <a14:hiddenFill xmlns="" xmlns:a14="http://schemas.microsoft.com/office/drawing/2010/main">
                   <a:noFill/>
                 </a14:hiddenFill>
               </a:ext>
@@ -33763,7 +33763,7 @@
             </a:ln>
             <a:extLst>
               <a:ext uri="{909E8E84-426E-40dd-AFC4-6F175D3DCCD1}">
-                <a14:hiddenFill xmlns:a14="http://schemas.microsoft.com/office/drawing/2010/main" xmlns="">
+                <a14:hiddenFill xmlns="" xmlns:a14="http://schemas.microsoft.com/office/drawing/2010/main">
                   <a:noFill/>
                 </a14:hiddenFill>
               </a:ext>
@@ -33814,7 +33814,7 @@
             </a:ln>
             <a:extLst>
               <a:ext uri="{909E8E84-426E-40dd-AFC4-6F175D3DCCD1}">
-                <a14:hiddenFill xmlns:a14="http://schemas.microsoft.com/office/drawing/2010/main" xmlns="">
+                <a14:hiddenFill xmlns="" xmlns:a14="http://schemas.microsoft.com/office/drawing/2010/main">
                   <a:noFill/>
                 </a14:hiddenFill>
               </a:ext>
@@ -33865,7 +33865,7 @@
             </a:ln>
             <a:extLst>
               <a:ext uri="{909E8E84-426E-40dd-AFC4-6F175D3DCCD1}">
-                <a14:hiddenFill xmlns:a14="http://schemas.microsoft.com/office/drawing/2010/main" xmlns="">
+                <a14:hiddenFill xmlns="" xmlns:a14="http://schemas.microsoft.com/office/drawing/2010/main">
                   <a:noFill/>
                 </a14:hiddenFill>
               </a:ext>
@@ -33916,7 +33916,7 @@
             </a:ln>
             <a:extLst>
               <a:ext uri="{909E8E84-426E-40dd-AFC4-6F175D3DCCD1}">
-                <a14:hiddenFill xmlns:a14="http://schemas.microsoft.com/office/drawing/2010/main" xmlns="">
+                <a14:hiddenFill xmlns="" xmlns:a14="http://schemas.microsoft.com/office/drawing/2010/main">
                   <a:noFill/>
                 </a14:hiddenFill>
               </a:ext>
@@ -33967,7 +33967,7 @@
             </a:ln>
             <a:extLst>
               <a:ext uri="{909E8E84-426E-40dd-AFC4-6F175D3DCCD1}">
-                <a14:hiddenFill xmlns:a14="http://schemas.microsoft.com/office/drawing/2010/main" xmlns="">
+                <a14:hiddenFill xmlns="" xmlns:a14="http://schemas.microsoft.com/office/drawing/2010/main">
                   <a:noFill/>
                 </a14:hiddenFill>
               </a:ext>
@@ -34018,7 +34018,7 @@
             </a:ln>
             <a:extLst>
               <a:ext uri="{909E8E84-426E-40dd-AFC4-6F175D3DCCD1}">
-                <a14:hiddenFill xmlns:a14="http://schemas.microsoft.com/office/drawing/2010/main" xmlns="">
+                <a14:hiddenFill xmlns="" xmlns:a14="http://schemas.microsoft.com/office/drawing/2010/main">
                   <a:noFill/>
                 </a14:hiddenFill>
               </a:ext>
@@ -34069,7 +34069,7 @@
             </a:ln>
             <a:extLst>
               <a:ext uri="{909E8E84-426E-40dd-AFC4-6F175D3DCCD1}">
-                <a14:hiddenFill xmlns:a14="http://schemas.microsoft.com/office/drawing/2010/main" xmlns="">
+                <a14:hiddenFill xmlns="" xmlns:a14="http://schemas.microsoft.com/office/drawing/2010/main">
                   <a:noFill/>
                 </a14:hiddenFill>
               </a:ext>
@@ -34120,7 +34120,7 @@
             </a:ln>
             <a:extLst>
               <a:ext uri="{909E8E84-426E-40dd-AFC4-6F175D3DCCD1}">
-                <a14:hiddenFill xmlns:a14="http://schemas.microsoft.com/office/drawing/2010/main" xmlns="">
+                <a14:hiddenFill xmlns="" xmlns:a14="http://schemas.microsoft.com/office/drawing/2010/main">
                   <a:noFill/>
                 </a14:hiddenFill>
               </a:ext>
@@ -34171,7 +34171,7 @@
             </a:ln>
             <a:extLst>
               <a:ext uri="{909E8E84-426E-40dd-AFC4-6F175D3DCCD1}">
-                <a14:hiddenFill xmlns:a14="http://schemas.microsoft.com/office/drawing/2010/main" xmlns="">
+                <a14:hiddenFill xmlns="" xmlns:a14="http://schemas.microsoft.com/office/drawing/2010/main">
                   <a:noFill/>
                 </a14:hiddenFill>
               </a:ext>
@@ -34222,7 +34222,7 @@
             </a:ln>
             <a:extLst>
               <a:ext uri="{909E8E84-426E-40dd-AFC4-6F175D3DCCD1}">
-                <a14:hiddenFill xmlns:a14="http://schemas.microsoft.com/office/drawing/2010/main" xmlns="">
+                <a14:hiddenFill xmlns="" xmlns:a14="http://schemas.microsoft.com/office/drawing/2010/main">
                   <a:noFill/>
                 </a14:hiddenFill>
               </a:ext>
@@ -34273,7 +34273,7 @@
             </a:ln>
             <a:extLst>
               <a:ext uri="{909E8E84-426E-40dd-AFC4-6F175D3DCCD1}">
-                <a14:hiddenFill xmlns:a14="http://schemas.microsoft.com/office/drawing/2010/main" xmlns="">
+                <a14:hiddenFill xmlns="" xmlns:a14="http://schemas.microsoft.com/office/drawing/2010/main">
                   <a:noFill/>
                 </a14:hiddenFill>
               </a:ext>
@@ -34324,7 +34324,7 @@
             </a:ln>
             <a:extLst>
               <a:ext uri="{909E8E84-426E-40dd-AFC4-6F175D3DCCD1}">
-                <a14:hiddenFill xmlns:a14="http://schemas.microsoft.com/office/drawing/2010/main" xmlns="">
+                <a14:hiddenFill xmlns="" xmlns:a14="http://schemas.microsoft.com/office/drawing/2010/main">
                   <a:noFill/>
                 </a14:hiddenFill>
               </a:ext>
@@ -34375,7 +34375,7 @@
             </a:ln>
             <a:extLst>
               <a:ext uri="{909E8E84-426E-40dd-AFC4-6F175D3DCCD1}">
-                <a14:hiddenFill xmlns:a14="http://schemas.microsoft.com/office/drawing/2010/main" xmlns="">
+                <a14:hiddenFill xmlns="" xmlns:a14="http://schemas.microsoft.com/office/drawing/2010/main">
                   <a:noFill/>
                 </a14:hiddenFill>
               </a:ext>
@@ -34426,7 +34426,7 @@
             </a:ln>
             <a:extLst>
               <a:ext uri="{909E8E84-426E-40dd-AFC4-6F175D3DCCD1}">
-                <a14:hiddenFill xmlns:a14="http://schemas.microsoft.com/office/drawing/2010/main" xmlns="">
+                <a14:hiddenFill xmlns="" xmlns:a14="http://schemas.microsoft.com/office/drawing/2010/main">
                   <a:noFill/>
                 </a14:hiddenFill>
               </a:ext>
@@ -34477,7 +34477,7 @@
             </a:ln>
             <a:extLst>
               <a:ext uri="{909E8E84-426E-40dd-AFC4-6F175D3DCCD1}">
-                <a14:hiddenFill xmlns:a14="http://schemas.microsoft.com/office/drawing/2010/main" xmlns="">
+                <a14:hiddenFill xmlns="" xmlns:a14="http://schemas.microsoft.com/office/drawing/2010/main">
                   <a:noFill/>
                 </a14:hiddenFill>
               </a:ext>
@@ -34528,7 +34528,7 @@
             </a:ln>
             <a:extLst>
               <a:ext uri="{909E8E84-426E-40dd-AFC4-6F175D3DCCD1}">
-                <a14:hiddenFill xmlns:a14="http://schemas.microsoft.com/office/drawing/2010/main" xmlns="">
+                <a14:hiddenFill xmlns="" xmlns:a14="http://schemas.microsoft.com/office/drawing/2010/main">
                   <a:noFill/>
                 </a14:hiddenFill>
               </a:ext>
@@ -34579,7 +34579,7 @@
             </a:ln>
             <a:extLst>
               <a:ext uri="{909E8E84-426E-40dd-AFC4-6F175D3DCCD1}">
-                <a14:hiddenFill xmlns:a14="http://schemas.microsoft.com/office/drawing/2010/main" xmlns="">
+                <a14:hiddenFill xmlns="" xmlns:a14="http://schemas.microsoft.com/office/drawing/2010/main">
                   <a:noFill/>
                 </a14:hiddenFill>
               </a:ext>
@@ -34630,7 +34630,7 @@
             </a:ln>
             <a:extLst>
               <a:ext uri="{909E8E84-426E-40dd-AFC4-6F175D3DCCD1}">
-                <a14:hiddenFill xmlns:a14="http://schemas.microsoft.com/office/drawing/2010/main" xmlns="">
+                <a14:hiddenFill xmlns="" xmlns:a14="http://schemas.microsoft.com/office/drawing/2010/main">
                   <a:noFill/>
                 </a14:hiddenFill>
               </a:ext>
@@ -34681,7 +34681,7 @@
             </a:ln>
             <a:extLst>
               <a:ext uri="{909E8E84-426E-40dd-AFC4-6F175D3DCCD1}">
-                <a14:hiddenFill xmlns:a14="http://schemas.microsoft.com/office/drawing/2010/main" xmlns="">
+                <a14:hiddenFill xmlns="" xmlns:a14="http://schemas.microsoft.com/office/drawing/2010/main">
                   <a:noFill/>
                 </a14:hiddenFill>
               </a:ext>
@@ -34732,7 +34732,7 @@
             </a:ln>
             <a:extLst>
               <a:ext uri="{909E8E84-426E-40dd-AFC4-6F175D3DCCD1}">
-                <a14:hiddenFill xmlns:a14="http://schemas.microsoft.com/office/drawing/2010/main" xmlns="">
+                <a14:hiddenFill xmlns="" xmlns:a14="http://schemas.microsoft.com/office/drawing/2010/main">
                   <a:noFill/>
                 </a14:hiddenFill>
               </a:ext>
@@ -34783,7 +34783,7 @@
             </a:ln>
             <a:extLst>
               <a:ext uri="{909E8E84-426E-40dd-AFC4-6F175D3DCCD1}">
-                <a14:hiddenFill xmlns:a14="http://schemas.microsoft.com/office/drawing/2010/main" xmlns="">
+                <a14:hiddenFill xmlns="" xmlns:a14="http://schemas.microsoft.com/office/drawing/2010/main">
                   <a:noFill/>
                 </a14:hiddenFill>
               </a:ext>
@@ -34834,7 +34834,7 @@
             </a:ln>
             <a:extLst>
               <a:ext uri="{909E8E84-426E-40dd-AFC4-6F175D3DCCD1}">
-                <a14:hiddenFill xmlns:a14="http://schemas.microsoft.com/office/drawing/2010/main" xmlns="">
+                <a14:hiddenFill xmlns="" xmlns:a14="http://schemas.microsoft.com/office/drawing/2010/main">
                   <a:noFill/>
                 </a14:hiddenFill>
               </a:ext>
@@ -34885,7 +34885,7 @@
             </a:ln>
             <a:extLst>
               <a:ext uri="{909E8E84-426E-40dd-AFC4-6F175D3DCCD1}">
-                <a14:hiddenFill xmlns:a14="http://schemas.microsoft.com/office/drawing/2010/main" xmlns="">
+                <a14:hiddenFill xmlns="" xmlns:a14="http://schemas.microsoft.com/office/drawing/2010/main">
                   <a:noFill/>
                 </a14:hiddenFill>
               </a:ext>
@@ -35373,7 +35373,7 @@
             </a:ln>
             <a:extLst>
               <a:ext uri="{909E8E84-426E-40dd-AFC4-6F175D3DCCD1}">
-                <a14:hiddenFill xmlns:a14="http://schemas.microsoft.com/office/drawing/2010/main" xmlns="">
+                <a14:hiddenFill xmlns="" xmlns:a14="http://schemas.microsoft.com/office/drawing/2010/main">
                   <a:solidFill>
                     <a:srgbClr val="FFFFFF"/>
                   </a:solidFill>
@@ -35426,7 +35426,7 @@
             </a:ln>
             <a:extLst>
               <a:ext uri="{909E8E84-426E-40dd-AFC4-6F175D3DCCD1}">
-                <a14:hiddenFill xmlns:a14="http://schemas.microsoft.com/office/drawing/2010/main" xmlns="">
+                <a14:hiddenFill xmlns="" xmlns:a14="http://schemas.microsoft.com/office/drawing/2010/main">
                   <a:noFill/>
                 </a14:hiddenFill>
               </a:ext>
@@ -35477,7 +35477,7 @@
             </a:ln>
             <a:extLst>
               <a:ext uri="{909E8E84-426E-40dd-AFC4-6F175D3DCCD1}">
-                <a14:hiddenFill xmlns:a14="http://schemas.microsoft.com/office/drawing/2010/main" xmlns="">
+                <a14:hiddenFill xmlns="" xmlns:a14="http://schemas.microsoft.com/office/drawing/2010/main">
                   <a:noFill/>
                 </a14:hiddenFill>
               </a:ext>
@@ -35528,7 +35528,7 @@
             </a:ln>
             <a:extLst>
               <a:ext uri="{909E8E84-426E-40dd-AFC4-6F175D3DCCD1}">
-                <a14:hiddenFill xmlns:a14="http://schemas.microsoft.com/office/drawing/2010/main" xmlns="">
+                <a14:hiddenFill xmlns="" xmlns:a14="http://schemas.microsoft.com/office/drawing/2010/main">
                   <a:noFill/>
                 </a14:hiddenFill>
               </a:ext>
@@ -35579,7 +35579,7 @@
             </a:ln>
             <a:extLst>
               <a:ext uri="{909E8E84-426E-40dd-AFC4-6F175D3DCCD1}">
-                <a14:hiddenFill xmlns:a14="http://schemas.microsoft.com/office/drawing/2010/main" xmlns="">
+                <a14:hiddenFill xmlns="" xmlns:a14="http://schemas.microsoft.com/office/drawing/2010/main">
                   <a:noFill/>
                 </a14:hiddenFill>
               </a:ext>
@@ -35630,7 +35630,7 @@
             </a:ln>
             <a:extLst>
               <a:ext uri="{909E8E84-426E-40dd-AFC4-6F175D3DCCD1}">
-                <a14:hiddenFill xmlns:a14="http://schemas.microsoft.com/office/drawing/2010/main" xmlns="">
+                <a14:hiddenFill xmlns="" xmlns:a14="http://schemas.microsoft.com/office/drawing/2010/main">
                   <a:noFill/>
                 </a14:hiddenFill>
               </a:ext>
@@ -35681,7 +35681,7 @@
             </a:ln>
             <a:extLst>
               <a:ext uri="{909E8E84-426E-40dd-AFC4-6F175D3DCCD1}">
-                <a14:hiddenFill xmlns:a14="http://schemas.microsoft.com/office/drawing/2010/main" xmlns="">
+                <a14:hiddenFill xmlns="" xmlns:a14="http://schemas.microsoft.com/office/drawing/2010/main">
                   <a:noFill/>
                 </a14:hiddenFill>
               </a:ext>
@@ -35732,7 +35732,7 @@
             </a:ln>
             <a:extLst>
               <a:ext uri="{909E8E84-426E-40dd-AFC4-6F175D3DCCD1}">
-                <a14:hiddenFill xmlns:a14="http://schemas.microsoft.com/office/drawing/2010/main" xmlns="">
+                <a14:hiddenFill xmlns="" xmlns:a14="http://schemas.microsoft.com/office/drawing/2010/main">
                   <a:noFill/>
                 </a14:hiddenFill>
               </a:ext>
@@ -35783,7 +35783,7 @@
             </a:ln>
             <a:extLst>
               <a:ext uri="{909E8E84-426E-40dd-AFC4-6F175D3DCCD1}">
-                <a14:hiddenFill xmlns:a14="http://schemas.microsoft.com/office/drawing/2010/main" xmlns="">
+                <a14:hiddenFill xmlns="" xmlns:a14="http://schemas.microsoft.com/office/drawing/2010/main">
                   <a:noFill/>
                 </a14:hiddenFill>
               </a:ext>
@@ -35834,7 +35834,7 @@
             </a:ln>
             <a:extLst>
               <a:ext uri="{909E8E84-426E-40dd-AFC4-6F175D3DCCD1}">
-                <a14:hiddenFill xmlns:a14="http://schemas.microsoft.com/office/drawing/2010/main" xmlns="">
+                <a14:hiddenFill xmlns="" xmlns:a14="http://schemas.microsoft.com/office/drawing/2010/main">
                   <a:noFill/>
                 </a14:hiddenFill>
               </a:ext>
@@ -35885,7 +35885,7 @@
             </a:ln>
             <a:extLst>
               <a:ext uri="{909E8E84-426E-40dd-AFC4-6F175D3DCCD1}">
-                <a14:hiddenFill xmlns:a14="http://schemas.microsoft.com/office/drawing/2010/main" xmlns="">
+                <a14:hiddenFill xmlns="" xmlns:a14="http://schemas.microsoft.com/office/drawing/2010/main">
                   <a:noFill/>
                 </a14:hiddenFill>
               </a:ext>
@@ -35936,7 +35936,7 @@
             </a:ln>
             <a:extLst>
               <a:ext uri="{909E8E84-426E-40dd-AFC4-6F175D3DCCD1}">
-                <a14:hiddenFill xmlns:a14="http://schemas.microsoft.com/office/drawing/2010/main" xmlns="">
+                <a14:hiddenFill xmlns="" xmlns:a14="http://schemas.microsoft.com/office/drawing/2010/main">
                   <a:noFill/>
                 </a14:hiddenFill>
               </a:ext>
@@ -35987,7 +35987,7 @@
             </a:ln>
             <a:extLst>
               <a:ext uri="{909E8E84-426E-40dd-AFC4-6F175D3DCCD1}">
-                <a14:hiddenFill xmlns:a14="http://schemas.microsoft.com/office/drawing/2010/main" xmlns="">
+                <a14:hiddenFill xmlns="" xmlns:a14="http://schemas.microsoft.com/office/drawing/2010/main">
                   <a:noFill/>
                 </a14:hiddenFill>
               </a:ext>
@@ -36038,7 +36038,7 @@
             </a:ln>
             <a:extLst>
               <a:ext uri="{909E8E84-426E-40dd-AFC4-6F175D3DCCD1}">
-                <a14:hiddenFill xmlns:a14="http://schemas.microsoft.com/office/drawing/2010/main" xmlns="">
+                <a14:hiddenFill xmlns="" xmlns:a14="http://schemas.microsoft.com/office/drawing/2010/main">
                   <a:noFill/>
                 </a14:hiddenFill>
               </a:ext>
@@ -36089,7 +36089,7 @@
             </a:ln>
             <a:extLst>
               <a:ext uri="{909E8E84-426E-40dd-AFC4-6F175D3DCCD1}">
-                <a14:hiddenFill xmlns:a14="http://schemas.microsoft.com/office/drawing/2010/main" xmlns="">
+                <a14:hiddenFill xmlns="" xmlns:a14="http://schemas.microsoft.com/office/drawing/2010/main">
                   <a:noFill/>
                 </a14:hiddenFill>
               </a:ext>
@@ -36140,7 +36140,7 @@
             </a:ln>
             <a:extLst>
               <a:ext uri="{909E8E84-426E-40dd-AFC4-6F175D3DCCD1}">
-                <a14:hiddenFill xmlns:a14="http://schemas.microsoft.com/office/drawing/2010/main" xmlns="">
+                <a14:hiddenFill xmlns="" xmlns:a14="http://schemas.microsoft.com/office/drawing/2010/main">
                   <a:noFill/>
                 </a14:hiddenFill>
               </a:ext>
@@ -36191,7 +36191,7 @@
             </a:ln>
             <a:extLst>
               <a:ext uri="{909E8E84-426E-40dd-AFC4-6F175D3DCCD1}">
-                <a14:hiddenFill xmlns:a14="http://schemas.microsoft.com/office/drawing/2010/main" xmlns="">
+                <a14:hiddenFill xmlns="" xmlns:a14="http://schemas.microsoft.com/office/drawing/2010/main">
                   <a:noFill/>
                 </a14:hiddenFill>
               </a:ext>
@@ -36242,7 +36242,7 @@
             </a:ln>
             <a:extLst>
               <a:ext uri="{909E8E84-426E-40dd-AFC4-6F175D3DCCD1}">
-                <a14:hiddenFill xmlns:a14="http://schemas.microsoft.com/office/drawing/2010/main" xmlns="">
+                <a14:hiddenFill xmlns="" xmlns:a14="http://schemas.microsoft.com/office/drawing/2010/main">
                   <a:noFill/>
                 </a14:hiddenFill>
               </a:ext>
@@ -36293,7 +36293,7 @@
             </a:ln>
             <a:extLst>
               <a:ext uri="{909E8E84-426E-40dd-AFC4-6F175D3DCCD1}">
-                <a14:hiddenFill xmlns:a14="http://schemas.microsoft.com/office/drawing/2010/main" xmlns="">
+                <a14:hiddenFill xmlns="" xmlns:a14="http://schemas.microsoft.com/office/drawing/2010/main">
                   <a:noFill/>
                 </a14:hiddenFill>
               </a:ext>
@@ -36344,7 +36344,7 @@
             </a:ln>
             <a:extLst>
               <a:ext uri="{909E8E84-426E-40dd-AFC4-6F175D3DCCD1}">
-                <a14:hiddenFill xmlns:a14="http://schemas.microsoft.com/office/drawing/2010/main" xmlns="">
+                <a14:hiddenFill xmlns="" xmlns:a14="http://schemas.microsoft.com/office/drawing/2010/main">
                   <a:noFill/>
                 </a14:hiddenFill>
               </a:ext>
@@ -36395,7 +36395,7 @@
             </a:ln>
             <a:extLst>
               <a:ext uri="{909E8E84-426E-40dd-AFC4-6F175D3DCCD1}">
-                <a14:hiddenFill xmlns:a14="http://schemas.microsoft.com/office/drawing/2010/main" xmlns="">
+                <a14:hiddenFill xmlns="" xmlns:a14="http://schemas.microsoft.com/office/drawing/2010/main">
                   <a:noFill/>
                 </a14:hiddenFill>
               </a:ext>
@@ -36446,7 +36446,7 @@
             </a:ln>
             <a:extLst>
               <a:ext uri="{909E8E84-426E-40dd-AFC4-6F175D3DCCD1}">
-                <a14:hiddenFill xmlns:a14="http://schemas.microsoft.com/office/drawing/2010/main" xmlns="">
+                <a14:hiddenFill xmlns="" xmlns:a14="http://schemas.microsoft.com/office/drawing/2010/main">
                   <a:noFill/>
                 </a14:hiddenFill>
               </a:ext>
@@ -36497,7 +36497,7 @@
             </a:ln>
             <a:extLst>
               <a:ext uri="{909E8E84-426E-40dd-AFC4-6F175D3DCCD1}">
-                <a14:hiddenFill xmlns:a14="http://schemas.microsoft.com/office/drawing/2010/main" xmlns="">
+                <a14:hiddenFill xmlns="" xmlns:a14="http://schemas.microsoft.com/office/drawing/2010/main">
                   <a:noFill/>
                 </a14:hiddenFill>
               </a:ext>
@@ -36548,7 +36548,7 @@
             </a:ln>
             <a:extLst>
               <a:ext uri="{909E8E84-426E-40dd-AFC4-6F175D3DCCD1}">
-                <a14:hiddenFill xmlns:a14="http://schemas.microsoft.com/office/drawing/2010/main" xmlns="">
+                <a14:hiddenFill xmlns="" xmlns:a14="http://schemas.microsoft.com/office/drawing/2010/main">
                   <a:noFill/>
                 </a14:hiddenFill>
               </a:ext>
@@ -36599,7 +36599,7 @@
             </a:ln>
             <a:extLst>
               <a:ext uri="{909E8E84-426E-40dd-AFC4-6F175D3DCCD1}">
-                <a14:hiddenFill xmlns:a14="http://schemas.microsoft.com/office/drawing/2010/main" xmlns="">
+                <a14:hiddenFill xmlns="" xmlns:a14="http://schemas.microsoft.com/office/drawing/2010/main">
                   <a:noFill/>
                 </a14:hiddenFill>
               </a:ext>
@@ -36650,7 +36650,7 @@
             </a:ln>
             <a:extLst>
               <a:ext uri="{909E8E84-426E-40dd-AFC4-6F175D3DCCD1}">
-                <a14:hiddenFill xmlns:a14="http://schemas.microsoft.com/office/drawing/2010/main" xmlns="">
+                <a14:hiddenFill xmlns="" xmlns:a14="http://schemas.microsoft.com/office/drawing/2010/main">
                   <a:noFill/>
                 </a14:hiddenFill>
               </a:ext>
@@ -36701,7 +36701,7 @@
             </a:ln>
             <a:extLst>
               <a:ext uri="{909E8E84-426E-40dd-AFC4-6F175D3DCCD1}">
-                <a14:hiddenFill xmlns:a14="http://schemas.microsoft.com/office/drawing/2010/main" xmlns="">
+                <a14:hiddenFill xmlns="" xmlns:a14="http://schemas.microsoft.com/office/drawing/2010/main">
                   <a:noFill/>
                 </a14:hiddenFill>
               </a:ext>
@@ -36752,7 +36752,7 @@
             </a:ln>
             <a:extLst>
               <a:ext uri="{909E8E84-426E-40dd-AFC4-6F175D3DCCD1}">
-                <a14:hiddenFill xmlns:a14="http://schemas.microsoft.com/office/drawing/2010/main" xmlns="">
+                <a14:hiddenFill xmlns="" xmlns:a14="http://schemas.microsoft.com/office/drawing/2010/main">
                   <a:noFill/>
                 </a14:hiddenFill>
               </a:ext>
@@ -36803,7 +36803,7 @@
             </a:ln>
             <a:extLst>
               <a:ext uri="{909E8E84-426E-40dd-AFC4-6F175D3DCCD1}">
-                <a14:hiddenFill xmlns:a14="http://schemas.microsoft.com/office/drawing/2010/main" xmlns="">
+                <a14:hiddenFill xmlns="" xmlns:a14="http://schemas.microsoft.com/office/drawing/2010/main">
                   <a:noFill/>
                 </a14:hiddenFill>
               </a:ext>
@@ -36854,7 +36854,7 @@
             </a:ln>
             <a:extLst>
               <a:ext uri="{909E8E84-426E-40dd-AFC4-6F175D3DCCD1}">
-                <a14:hiddenFill xmlns:a14="http://schemas.microsoft.com/office/drawing/2010/main" xmlns="">
+                <a14:hiddenFill xmlns="" xmlns:a14="http://schemas.microsoft.com/office/drawing/2010/main">
                   <a:noFill/>
                 </a14:hiddenFill>
               </a:ext>
@@ -36905,7 +36905,7 @@
             </a:ln>
             <a:extLst>
               <a:ext uri="{909E8E84-426E-40dd-AFC4-6F175D3DCCD1}">
-                <a14:hiddenFill xmlns:a14="http://schemas.microsoft.com/office/drawing/2010/main" xmlns="">
+                <a14:hiddenFill xmlns="" xmlns:a14="http://schemas.microsoft.com/office/drawing/2010/main">
                   <a:noFill/>
                 </a14:hiddenFill>
               </a:ext>
@@ -36956,7 +36956,7 @@
             </a:ln>
             <a:extLst>
               <a:ext uri="{909E8E84-426E-40dd-AFC4-6F175D3DCCD1}">
-                <a14:hiddenFill xmlns:a14="http://schemas.microsoft.com/office/drawing/2010/main" xmlns="">
+                <a14:hiddenFill xmlns="" xmlns:a14="http://schemas.microsoft.com/office/drawing/2010/main">
                   <a:noFill/>
                 </a14:hiddenFill>
               </a:ext>
@@ -37007,7 +37007,7 @@
             </a:ln>
             <a:extLst>
               <a:ext uri="{909E8E84-426E-40dd-AFC4-6F175D3DCCD1}">
-                <a14:hiddenFill xmlns:a14="http://schemas.microsoft.com/office/drawing/2010/main" xmlns="">
+                <a14:hiddenFill xmlns="" xmlns:a14="http://schemas.microsoft.com/office/drawing/2010/main">
                   <a:noFill/>
                 </a14:hiddenFill>
               </a:ext>
@@ -37058,7 +37058,7 @@
             </a:ln>
             <a:extLst>
               <a:ext uri="{909E8E84-426E-40dd-AFC4-6F175D3DCCD1}">
-                <a14:hiddenFill xmlns:a14="http://schemas.microsoft.com/office/drawing/2010/main" xmlns="">
+                <a14:hiddenFill xmlns="" xmlns:a14="http://schemas.microsoft.com/office/drawing/2010/main">
                   <a:noFill/>
                 </a14:hiddenFill>
               </a:ext>
@@ -37109,7 +37109,7 @@
             </a:ln>
             <a:extLst>
               <a:ext uri="{909E8E84-426E-40dd-AFC4-6F175D3DCCD1}">
-                <a14:hiddenFill xmlns:a14="http://schemas.microsoft.com/office/drawing/2010/main" xmlns="">
+                <a14:hiddenFill xmlns="" xmlns:a14="http://schemas.microsoft.com/office/drawing/2010/main">
                   <a:noFill/>
                 </a14:hiddenFill>
               </a:ext>
@@ -37160,7 +37160,7 @@
             </a:ln>
             <a:extLst>
               <a:ext uri="{909E8E84-426E-40dd-AFC4-6F175D3DCCD1}">
-                <a14:hiddenFill xmlns:a14="http://schemas.microsoft.com/office/drawing/2010/main" xmlns="">
+                <a14:hiddenFill xmlns="" xmlns:a14="http://schemas.microsoft.com/office/drawing/2010/main">
                   <a:noFill/>
                 </a14:hiddenFill>
               </a:ext>
@@ -37211,7 +37211,7 @@
             </a:ln>
             <a:extLst>
               <a:ext uri="{909E8E84-426E-40dd-AFC4-6F175D3DCCD1}">
-                <a14:hiddenFill xmlns:a14="http://schemas.microsoft.com/office/drawing/2010/main" xmlns="">
+                <a14:hiddenFill xmlns="" xmlns:a14="http://schemas.microsoft.com/office/drawing/2010/main">
                   <a:noFill/>
                 </a14:hiddenFill>
               </a:ext>
@@ -37262,7 +37262,7 @@
             </a:ln>
             <a:extLst>
               <a:ext uri="{909E8E84-426E-40dd-AFC4-6F175D3DCCD1}">
-                <a14:hiddenFill xmlns:a14="http://schemas.microsoft.com/office/drawing/2010/main" xmlns="">
+                <a14:hiddenFill xmlns="" xmlns:a14="http://schemas.microsoft.com/office/drawing/2010/main">
                   <a:noFill/>
                 </a14:hiddenFill>
               </a:ext>
@@ -37313,7 +37313,7 @@
             </a:ln>
             <a:extLst>
               <a:ext uri="{909E8E84-426E-40dd-AFC4-6F175D3DCCD1}">
-                <a14:hiddenFill xmlns:a14="http://schemas.microsoft.com/office/drawing/2010/main" xmlns="">
+                <a14:hiddenFill xmlns="" xmlns:a14="http://schemas.microsoft.com/office/drawing/2010/main">
                   <a:noFill/>
                 </a14:hiddenFill>
               </a:ext>
@@ -37364,7 +37364,7 @@
             </a:ln>
             <a:extLst>
               <a:ext uri="{909E8E84-426E-40dd-AFC4-6F175D3DCCD1}">
-                <a14:hiddenFill xmlns:a14="http://schemas.microsoft.com/office/drawing/2010/main" xmlns="">
+                <a14:hiddenFill xmlns="" xmlns:a14="http://schemas.microsoft.com/office/drawing/2010/main">
                   <a:noFill/>
                 </a14:hiddenFill>
               </a:ext>
@@ -37415,7 +37415,7 @@
             </a:ln>
             <a:extLst>
               <a:ext uri="{909E8E84-426E-40dd-AFC4-6F175D3DCCD1}">
-                <a14:hiddenFill xmlns:a14="http://schemas.microsoft.com/office/drawing/2010/main" xmlns="">
+                <a14:hiddenFill xmlns="" xmlns:a14="http://schemas.microsoft.com/office/drawing/2010/main">
                   <a:noFill/>
                 </a14:hiddenFill>
               </a:ext>
@@ -37466,7 +37466,7 @@
             </a:ln>
             <a:extLst>
               <a:ext uri="{909E8E84-426E-40dd-AFC4-6F175D3DCCD1}">
-                <a14:hiddenFill xmlns:a14="http://schemas.microsoft.com/office/drawing/2010/main" xmlns="">
+                <a14:hiddenFill xmlns="" xmlns:a14="http://schemas.microsoft.com/office/drawing/2010/main">
                   <a:noFill/>
                 </a14:hiddenFill>
               </a:ext>
@@ -37517,7 +37517,7 @@
             </a:ln>
             <a:extLst>
               <a:ext uri="{909E8E84-426E-40dd-AFC4-6F175D3DCCD1}">
-                <a14:hiddenFill xmlns:a14="http://schemas.microsoft.com/office/drawing/2010/main" xmlns="">
+                <a14:hiddenFill xmlns="" xmlns:a14="http://schemas.microsoft.com/office/drawing/2010/main">
                   <a:noFill/>
                 </a14:hiddenFill>
               </a:ext>
@@ -37568,7 +37568,7 @@
             </a:ln>
             <a:extLst>
               <a:ext uri="{909E8E84-426E-40dd-AFC4-6F175D3DCCD1}">
-                <a14:hiddenFill xmlns:a14="http://schemas.microsoft.com/office/drawing/2010/main" xmlns="">
+                <a14:hiddenFill xmlns="" xmlns:a14="http://schemas.microsoft.com/office/drawing/2010/main">
                   <a:noFill/>
                 </a14:hiddenFill>
               </a:ext>
@@ -37619,7 +37619,7 @@
             </a:ln>
             <a:extLst>
               <a:ext uri="{909E8E84-426E-40dd-AFC4-6F175D3DCCD1}">
-                <a14:hiddenFill xmlns:a14="http://schemas.microsoft.com/office/drawing/2010/main" xmlns="">
+                <a14:hiddenFill xmlns="" xmlns:a14="http://schemas.microsoft.com/office/drawing/2010/main">
                   <a:noFill/>
                 </a14:hiddenFill>
               </a:ext>
@@ -37670,7 +37670,7 @@
             </a:ln>
             <a:extLst>
               <a:ext uri="{909E8E84-426E-40dd-AFC4-6F175D3DCCD1}">
-                <a14:hiddenFill xmlns:a14="http://schemas.microsoft.com/office/drawing/2010/main" xmlns="">
+                <a14:hiddenFill xmlns="" xmlns:a14="http://schemas.microsoft.com/office/drawing/2010/main">
                   <a:noFill/>
                 </a14:hiddenFill>
               </a:ext>
@@ -37721,7 +37721,7 @@
             </a:ln>
             <a:extLst>
               <a:ext uri="{909E8E84-426E-40dd-AFC4-6F175D3DCCD1}">
-                <a14:hiddenFill xmlns:a14="http://schemas.microsoft.com/office/drawing/2010/main" xmlns="">
+                <a14:hiddenFill xmlns="" xmlns:a14="http://schemas.microsoft.com/office/drawing/2010/main">
                   <a:noFill/>
                 </a14:hiddenFill>
               </a:ext>
@@ -37772,7 +37772,7 @@
             </a:ln>
             <a:extLst>
               <a:ext uri="{909E8E84-426E-40dd-AFC4-6F175D3DCCD1}">
-                <a14:hiddenFill xmlns:a14="http://schemas.microsoft.com/office/drawing/2010/main" xmlns="">
+                <a14:hiddenFill xmlns="" xmlns:a14="http://schemas.microsoft.com/office/drawing/2010/main">
                   <a:noFill/>
                 </a14:hiddenFill>
               </a:ext>
@@ -37823,7 +37823,7 @@
             </a:ln>
             <a:extLst>
               <a:ext uri="{909E8E84-426E-40dd-AFC4-6F175D3DCCD1}">
-                <a14:hiddenFill xmlns:a14="http://schemas.microsoft.com/office/drawing/2010/main" xmlns="">
+                <a14:hiddenFill xmlns="" xmlns:a14="http://schemas.microsoft.com/office/drawing/2010/main">
                   <a:noFill/>
                 </a14:hiddenFill>
               </a:ext>
@@ -37874,7 +37874,7 @@
             </a:ln>
             <a:extLst>
               <a:ext uri="{909E8E84-426E-40dd-AFC4-6F175D3DCCD1}">
-                <a14:hiddenFill xmlns:a14="http://schemas.microsoft.com/office/drawing/2010/main" xmlns="">
+                <a14:hiddenFill xmlns="" xmlns:a14="http://schemas.microsoft.com/office/drawing/2010/main">
                   <a:noFill/>
                 </a14:hiddenFill>
               </a:ext>
@@ -37925,7 +37925,7 @@
             </a:ln>
             <a:extLst>
               <a:ext uri="{909E8E84-426E-40dd-AFC4-6F175D3DCCD1}">
-                <a14:hiddenFill xmlns:a14="http://schemas.microsoft.com/office/drawing/2010/main" xmlns="">
+                <a14:hiddenFill xmlns="" xmlns:a14="http://schemas.microsoft.com/office/drawing/2010/main">
                   <a:noFill/>
                 </a14:hiddenFill>
               </a:ext>
@@ -37976,7 +37976,7 @@
             </a:ln>
             <a:extLst>
               <a:ext uri="{909E8E84-426E-40dd-AFC4-6F175D3DCCD1}">
-                <a14:hiddenFill xmlns:a14="http://schemas.microsoft.com/office/drawing/2010/main" xmlns="">
+                <a14:hiddenFill xmlns="" xmlns:a14="http://schemas.microsoft.com/office/drawing/2010/main">
                   <a:noFill/>
                 </a14:hiddenFill>
               </a:ext>
@@ -38027,7 +38027,7 @@
             </a:ln>
             <a:extLst>
               <a:ext uri="{909E8E84-426E-40dd-AFC4-6F175D3DCCD1}">
-                <a14:hiddenFill xmlns:a14="http://schemas.microsoft.com/office/drawing/2010/main" xmlns="">
+                <a14:hiddenFill xmlns="" xmlns:a14="http://schemas.microsoft.com/office/drawing/2010/main">
                   <a:noFill/>
                 </a14:hiddenFill>
               </a:ext>
@@ -38078,7 +38078,7 @@
             </a:ln>
             <a:extLst>
               <a:ext uri="{909E8E84-426E-40dd-AFC4-6F175D3DCCD1}">
-                <a14:hiddenFill xmlns:a14="http://schemas.microsoft.com/office/drawing/2010/main" xmlns="">
+                <a14:hiddenFill xmlns="" xmlns:a14="http://schemas.microsoft.com/office/drawing/2010/main">
                   <a:noFill/>
                 </a14:hiddenFill>
               </a:ext>
@@ -38129,7 +38129,7 @@
             </a:ln>
             <a:extLst>
               <a:ext uri="{909E8E84-426E-40dd-AFC4-6F175D3DCCD1}">
-                <a14:hiddenFill xmlns:a14="http://schemas.microsoft.com/office/drawing/2010/main" xmlns="">
+                <a14:hiddenFill xmlns="" xmlns:a14="http://schemas.microsoft.com/office/drawing/2010/main">
                   <a:noFill/>
                 </a14:hiddenFill>
               </a:ext>
@@ -38180,7 +38180,7 @@
             </a:ln>
             <a:extLst>
               <a:ext uri="{909E8E84-426E-40dd-AFC4-6F175D3DCCD1}">
-                <a14:hiddenFill xmlns:a14="http://schemas.microsoft.com/office/drawing/2010/main" xmlns="">
+                <a14:hiddenFill xmlns="" xmlns:a14="http://schemas.microsoft.com/office/drawing/2010/main">
                   <a:noFill/>
                 </a14:hiddenFill>
               </a:ext>
@@ -38231,7 +38231,7 @@
             </a:ln>
             <a:extLst>
               <a:ext uri="{909E8E84-426E-40dd-AFC4-6F175D3DCCD1}">
-                <a14:hiddenFill xmlns:a14="http://schemas.microsoft.com/office/drawing/2010/main" xmlns="">
+                <a14:hiddenFill xmlns="" xmlns:a14="http://schemas.microsoft.com/office/drawing/2010/main">
                   <a:noFill/>
                 </a14:hiddenFill>
               </a:ext>
@@ -38282,7 +38282,7 @@
             </a:ln>
             <a:extLst>
               <a:ext uri="{909E8E84-426E-40dd-AFC4-6F175D3DCCD1}">
-                <a14:hiddenFill xmlns:a14="http://schemas.microsoft.com/office/drawing/2010/main" xmlns="">
+                <a14:hiddenFill xmlns="" xmlns:a14="http://schemas.microsoft.com/office/drawing/2010/main">
                   <a:noFill/>
                 </a14:hiddenFill>
               </a:ext>
@@ -38333,7 +38333,7 @@
             </a:ln>
             <a:extLst>
               <a:ext uri="{909E8E84-426E-40dd-AFC4-6F175D3DCCD1}">
-                <a14:hiddenFill xmlns:a14="http://schemas.microsoft.com/office/drawing/2010/main" xmlns="">
+                <a14:hiddenFill xmlns="" xmlns:a14="http://schemas.microsoft.com/office/drawing/2010/main">
                   <a:noFill/>
                 </a14:hiddenFill>
               </a:ext>
@@ -38384,7 +38384,7 @@
             </a:ln>
             <a:extLst>
               <a:ext uri="{909E8E84-426E-40dd-AFC4-6F175D3DCCD1}">
-                <a14:hiddenFill xmlns:a14="http://schemas.microsoft.com/office/drawing/2010/main" xmlns="">
+                <a14:hiddenFill xmlns="" xmlns:a14="http://schemas.microsoft.com/office/drawing/2010/main">
                   <a:noFill/>
                 </a14:hiddenFill>
               </a:ext>
@@ -38435,7 +38435,7 @@
             </a:ln>
             <a:extLst>
               <a:ext uri="{909E8E84-426E-40dd-AFC4-6F175D3DCCD1}">
-                <a14:hiddenFill xmlns:a14="http://schemas.microsoft.com/office/drawing/2010/main" xmlns="">
+                <a14:hiddenFill xmlns="" xmlns:a14="http://schemas.microsoft.com/office/drawing/2010/main">
                   <a:noFill/>
                 </a14:hiddenFill>
               </a:ext>
@@ -38486,7 +38486,7 @@
             </a:ln>
             <a:extLst>
               <a:ext uri="{909E8E84-426E-40dd-AFC4-6F175D3DCCD1}">
-                <a14:hiddenFill xmlns:a14="http://schemas.microsoft.com/office/drawing/2010/main" xmlns="">
+                <a14:hiddenFill xmlns="" xmlns:a14="http://schemas.microsoft.com/office/drawing/2010/main">
                   <a:noFill/>
                 </a14:hiddenFill>
               </a:ext>
@@ -38537,7 +38537,7 @@
             </a:ln>
             <a:extLst>
               <a:ext uri="{909E8E84-426E-40dd-AFC4-6F175D3DCCD1}">
-                <a14:hiddenFill xmlns:a14="http://schemas.microsoft.com/office/drawing/2010/main" xmlns="">
+                <a14:hiddenFill xmlns="" xmlns:a14="http://schemas.microsoft.com/office/drawing/2010/main">
                   <a:noFill/>
                 </a14:hiddenFill>
               </a:ext>
@@ -38588,7 +38588,7 @@
             </a:ln>
             <a:extLst>
               <a:ext uri="{909E8E84-426E-40dd-AFC4-6F175D3DCCD1}">
-                <a14:hiddenFill xmlns:a14="http://schemas.microsoft.com/office/drawing/2010/main" xmlns="">
+                <a14:hiddenFill xmlns="" xmlns:a14="http://schemas.microsoft.com/office/drawing/2010/main">
                   <a:noFill/>
                 </a14:hiddenFill>
               </a:ext>
@@ -38639,7 +38639,7 @@
             </a:ln>
             <a:extLst>
               <a:ext uri="{909E8E84-426E-40dd-AFC4-6F175D3DCCD1}">
-                <a14:hiddenFill xmlns:a14="http://schemas.microsoft.com/office/drawing/2010/main" xmlns="">
+                <a14:hiddenFill xmlns="" xmlns:a14="http://schemas.microsoft.com/office/drawing/2010/main">
                   <a:noFill/>
                 </a14:hiddenFill>
               </a:ext>
@@ -38690,7 +38690,7 @@
             </a:ln>
             <a:extLst>
               <a:ext uri="{909E8E84-426E-40dd-AFC4-6F175D3DCCD1}">
-                <a14:hiddenFill xmlns:a14="http://schemas.microsoft.com/office/drawing/2010/main" xmlns="">
+                <a14:hiddenFill xmlns="" xmlns:a14="http://schemas.microsoft.com/office/drawing/2010/main">
                   <a:noFill/>
                 </a14:hiddenFill>
               </a:ext>
@@ -38741,7 +38741,7 @@
             </a:ln>
             <a:extLst>
               <a:ext uri="{909E8E84-426E-40dd-AFC4-6F175D3DCCD1}">
-                <a14:hiddenFill xmlns:a14="http://schemas.microsoft.com/office/drawing/2010/main" xmlns="">
+                <a14:hiddenFill xmlns="" xmlns:a14="http://schemas.microsoft.com/office/drawing/2010/main">
                   <a:noFill/>
                 </a14:hiddenFill>
               </a:ext>
@@ -38792,7 +38792,7 @@
             </a:ln>
             <a:extLst>
               <a:ext uri="{909E8E84-426E-40dd-AFC4-6F175D3DCCD1}">
-                <a14:hiddenFill xmlns:a14="http://schemas.microsoft.com/office/drawing/2010/main" xmlns="">
+                <a14:hiddenFill xmlns="" xmlns:a14="http://schemas.microsoft.com/office/drawing/2010/main">
                   <a:noFill/>
                 </a14:hiddenFill>
               </a:ext>
@@ -38843,7 +38843,7 @@
             </a:ln>
             <a:extLst>
               <a:ext uri="{909E8E84-426E-40dd-AFC4-6F175D3DCCD1}">
-                <a14:hiddenFill xmlns:a14="http://schemas.microsoft.com/office/drawing/2010/main" xmlns="">
+                <a14:hiddenFill xmlns="" xmlns:a14="http://schemas.microsoft.com/office/drawing/2010/main">
                   <a:noFill/>
                 </a14:hiddenFill>
               </a:ext>
@@ -39926,7 +39926,7 @@
             </a:ln>
             <a:extLst>
               <a:ext uri="{909E8E84-426E-40dd-AFC4-6F175D3DCCD1}">
-                <a14:hiddenFill xmlns:a14="http://schemas.microsoft.com/office/drawing/2010/main" xmlns="">
+                <a14:hiddenFill xmlns="" xmlns:a14="http://schemas.microsoft.com/office/drawing/2010/main">
                   <a:solidFill>
                     <a:srgbClr val="FFFFFF"/>
                   </a:solidFill>
@@ -39979,7 +39979,7 @@
             </a:ln>
             <a:extLst>
               <a:ext uri="{909E8E84-426E-40dd-AFC4-6F175D3DCCD1}">
-                <a14:hiddenFill xmlns:a14="http://schemas.microsoft.com/office/drawing/2010/main" xmlns="">
+                <a14:hiddenFill xmlns="" xmlns:a14="http://schemas.microsoft.com/office/drawing/2010/main">
                   <a:noFill/>
                 </a14:hiddenFill>
               </a:ext>
@@ -40030,7 +40030,7 @@
             </a:ln>
             <a:extLst>
               <a:ext uri="{909E8E84-426E-40dd-AFC4-6F175D3DCCD1}">
-                <a14:hiddenFill xmlns:a14="http://schemas.microsoft.com/office/drawing/2010/main" xmlns="">
+                <a14:hiddenFill xmlns="" xmlns:a14="http://schemas.microsoft.com/office/drawing/2010/main">
                   <a:noFill/>
                 </a14:hiddenFill>
               </a:ext>
@@ -40081,7 +40081,7 @@
             </a:ln>
             <a:extLst>
               <a:ext uri="{909E8E84-426E-40dd-AFC4-6F175D3DCCD1}">
-                <a14:hiddenFill xmlns:a14="http://schemas.microsoft.com/office/drawing/2010/main" xmlns="">
+                <a14:hiddenFill xmlns="" xmlns:a14="http://schemas.microsoft.com/office/drawing/2010/main">
                   <a:noFill/>
                 </a14:hiddenFill>
               </a:ext>
@@ -40132,7 +40132,7 @@
             </a:ln>
             <a:extLst>
               <a:ext uri="{909E8E84-426E-40dd-AFC4-6F175D3DCCD1}">
-                <a14:hiddenFill xmlns:a14="http://schemas.microsoft.com/office/drawing/2010/main" xmlns="">
+                <a14:hiddenFill xmlns="" xmlns:a14="http://schemas.microsoft.com/office/drawing/2010/main">
                   <a:noFill/>
                 </a14:hiddenFill>
               </a:ext>
@@ -40183,7 +40183,7 @@
             </a:ln>
             <a:extLst>
               <a:ext uri="{909E8E84-426E-40dd-AFC4-6F175D3DCCD1}">
-                <a14:hiddenFill xmlns:a14="http://schemas.microsoft.com/office/drawing/2010/main" xmlns="">
+                <a14:hiddenFill xmlns="" xmlns:a14="http://schemas.microsoft.com/office/drawing/2010/main">
                   <a:noFill/>
                 </a14:hiddenFill>
               </a:ext>
@@ -40234,7 +40234,7 @@
             </a:ln>
             <a:extLst>
               <a:ext uri="{909E8E84-426E-40dd-AFC4-6F175D3DCCD1}">
-                <a14:hiddenFill xmlns:a14="http://schemas.microsoft.com/office/drawing/2010/main" xmlns="">
+                <a14:hiddenFill xmlns="" xmlns:a14="http://schemas.microsoft.com/office/drawing/2010/main">
                   <a:noFill/>
                 </a14:hiddenFill>
               </a:ext>
@@ -40285,7 +40285,7 @@
             </a:ln>
             <a:extLst>
               <a:ext uri="{909E8E84-426E-40dd-AFC4-6F175D3DCCD1}">
-                <a14:hiddenFill xmlns:a14="http://schemas.microsoft.com/office/drawing/2010/main" xmlns="">
+                <a14:hiddenFill xmlns="" xmlns:a14="http://schemas.microsoft.com/office/drawing/2010/main">
                   <a:noFill/>
                 </a14:hiddenFill>
               </a:ext>
@@ -40336,7 +40336,7 @@
             </a:ln>
             <a:extLst>
               <a:ext uri="{909E8E84-426E-40dd-AFC4-6F175D3DCCD1}">
-                <a14:hiddenFill xmlns:a14="http://schemas.microsoft.com/office/drawing/2010/main" xmlns="">
+                <a14:hiddenFill xmlns="" xmlns:a14="http://schemas.microsoft.com/office/drawing/2010/main">
                   <a:noFill/>
                 </a14:hiddenFill>
               </a:ext>
@@ -40387,7 +40387,7 @@
             </a:ln>
             <a:extLst>
               <a:ext uri="{909E8E84-426E-40dd-AFC4-6F175D3DCCD1}">
-                <a14:hiddenFill xmlns:a14="http://schemas.microsoft.com/office/drawing/2010/main" xmlns="">
+                <a14:hiddenFill xmlns="" xmlns:a14="http://schemas.microsoft.com/office/drawing/2010/main">
                   <a:noFill/>
                 </a14:hiddenFill>
               </a:ext>
@@ -40438,7 +40438,7 @@
             </a:ln>
             <a:extLst>
               <a:ext uri="{909E8E84-426E-40dd-AFC4-6F175D3DCCD1}">
-                <a14:hiddenFill xmlns:a14="http://schemas.microsoft.com/office/drawing/2010/main" xmlns="">
+                <a14:hiddenFill xmlns="" xmlns:a14="http://schemas.microsoft.com/office/drawing/2010/main">
                   <a:noFill/>
                 </a14:hiddenFill>
               </a:ext>
@@ -40489,7 +40489,7 @@
             </a:ln>
             <a:extLst>
               <a:ext uri="{909E8E84-426E-40dd-AFC4-6F175D3DCCD1}">
-                <a14:hiddenFill xmlns:a14="http://schemas.microsoft.com/office/drawing/2010/main" xmlns="">
+                <a14:hiddenFill xmlns="" xmlns:a14="http://schemas.microsoft.com/office/drawing/2010/main">
                   <a:noFill/>
                 </a14:hiddenFill>
               </a:ext>
@@ -40540,7 +40540,7 @@
             </a:ln>
             <a:extLst>
               <a:ext uri="{909E8E84-426E-40dd-AFC4-6F175D3DCCD1}">
-                <a14:hiddenFill xmlns:a14="http://schemas.microsoft.com/office/drawing/2010/main" xmlns="">
+                <a14:hiddenFill xmlns="" xmlns:a14="http://schemas.microsoft.com/office/drawing/2010/main">
                   <a:noFill/>
                 </a14:hiddenFill>
               </a:ext>
@@ -40591,7 +40591,7 @@
             </a:ln>
             <a:extLst>
               <a:ext uri="{909E8E84-426E-40dd-AFC4-6F175D3DCCD1}">
-                <a14:hiddenFill xmlns:a14="http://schemas.microsoft.com/office/drawing/2010/main" xmlns="">
+                <a14:hiddenFill xmlns="" xmlns:a14="http://schemas.microsoft.com/office/drawing/2010/main">
                   <a:noFill/>
                 </a14:hiddenFill>
               </a:ext>
@@ -40642,7 +40642,7 @@
             </a:ln>
             <a:extLst>
               <a:ext uri="{909E8E84-426E-40dd-AFC4-6F175D3DCCD1}">
-                <a14:hiddenFill xmlns:a14="http://schemas.microsoft.com/office/drawing/2010/main" xmlns="">
+                <a14:hiddenFill xmlns="" xmlns:a14="http://schemas.microsoft.com/office/drawing/2010/main">
                   <a:noFill/>
                 </a14:hiddenFill>
               </a:ext>
@@ -40693,7 +40693,7 @@
             </a:ln>
             <a:extLst>
               <a:ext uri="{909E8E84-426E-40dd-AFC4-6F175D3DCCD1}">
-                <a14:hiddenFill xmlns:a14="http://schemas.microsoft.com/office/drawing/2010/main" xmlns="">
+                <a14:hiddenFill xmlns="" xmlns:a14="http://schemas.microsoft.com/office/drawing/2010/main">
                   <a:noFill/>
                 </a14:hiddenFill>
               </a:ext>
@@ -40744,7 +40744,7 @@
             </a:ln>
             <a:extLst>
               <a:ext uri="{909E8E84-426E-40dd-AFC4-6F175D3DCCD1}">
-                <a14:hiddenFill xmlns:a14="http://schemas.microsoft.com/office/drawing/2010/main" xmlns="">
+                <a14:hiddenFill xmlns="" xmlns:a14="http://schemas.microsoft.com/office/drawing/2010/main">
                   <a:noFill/>
                 </a14:hiddenFill>
               </a:ext>
@@ -40795,7 +40795,7 @@
             </a:ln>
             <a:extLst>
               <a:ext uri="{909E8E84-426E-40dd-AFC4-6F175D3DCCD1}">
-                <a14:hiddenFill xmlns:a14="http://schemas.microsoft.com/office/drawing/2010/main" xmlns="">
+                <a14:hiddenFill xmlns="" xmlns:a14="http://schemas.microsoft.com/office/drawing/2010/main">
                   <a:noFill/>
                 </a14:hiddenFill>
               </a:ext>
@@ -40846,7 +40846,7 @@
             </a:ln>
             <a:extLst>
               <a:ext uri="{909E8E84-426E-40dd-AFC4-6F175D3DCCD1}">
-                <a14:hiddenFill xmlns:a14="http://schemas.microsoft.com/office/drawing/2010/main" xmlns="">
+                <a14:hiddenFill xmlns="" xmlns:a14="http://schemas.microsoft.com/office/drawing/2010/main">
                   <a:noFill/>
                 </a14:hiddenFill>
               </a:ext>
@@ -40897,7 +40897,7 @@
             </a:ln>
             <a:extLst>
               <a:ext uri="{909E8E84-426E-40dd-AFC4-6F175D3DCCD1}">
-                <a14:hiddenFill xmlns:a14="http://schemas.microsoft.com/office/drawing/2010/main" xmlns="">
+                <a14:hiddenFill xmlns="" xmlns:a14="http://schemas.microsoft.com/office/drawing/2010/main">
                   <a:noFill/>
                 </a14:hiddenFill>
               </a:ext>
@@ -40948,7 +40948,7 @@
             </a:ln>
             <a:extLst>
               <a:ext uri="{909E8E84-426E-40dd-AFC4-6F175D3DCCD1}">
-                <a14:hiddenFill xmlns:a14="http://schemas.microsoft.com/office/drawing/2010/main" xmlns="">
+                <a14:hiddenFill xmlns="" xmlns:a14="http://schemas.microsoft.com/office/drawing/2010/main">
                   <a:noFill/>
                 </a14:hiddenFill>
               </a:ext>
@@ -40999,7 +40999,7 @@
             </a:ln>
             <a:extLst>
               <a:ext uri="{909E8E84-426E-40dd-AFC4-6F175D3DCCD1}">
-                <a14:hiddenFill xmlns:a14="http://schemas.microsoft.com/office/drawing/2010/main" xmlns="">
+                <a14:hiddenFill xmlns="" xmlns:a14="http://schemas.microsoft.com/office/drawing/2010/main">
                   <a:noFill/>
                 </a14:hiddenFill>
               </a:ext>
@@ -41050,7 +41050,7 @@
             </a:ln>
             <a:extLst>
               <a:ext uri="{909E8E84-426E-40dd-AFC4-6F175D3DCCD1}">
-                <a14:hiddenFill xmlns:a14="http://schemas.microsoft.com/office/drawing/2010/main" xmlns="">
+                <a14:hiddenFill xmlns="" xmlns:a14="http://schemas.microsoft.com/office/drawing/2010/main">
                   <a:noFill/>
                 </a14:hiddenFill>
               </a:ext>
@@ -41101,7 +41101,7 @@
             </a:ln>
             <a:extLst>
               <a:ext uri="{909E8E84-426E-40dd-AFC4-6F175D3DCCD1}">
-                <a14:hiddenFill xmlns:a14="http://schemas.microsoft.com/office/drawing/2010/main" xmlns="">
+                <a14:hiddenFill xmlns="" xmlns:a14="http://schemas.microsoft.com/office/drawing/2010/main">
                   <a:noFill/>
                 </a14:hiddenFill>
               </a:ext>
@@ -41152,7 +41152,7 @@
             </a:ln>
             <a:extLst>
               <a:ext uri="{909E8E84-426E-40dd-AFC4-6F175D3DCCD1}">
-                <a14:hiddenFill xmlns:a14="http://schemas.microsoft.com/office/drawing/2010/main" xmlns="">
+                <a14:hiddenFill xmlns="" xmlns:a14="http://schemas.microsoft.com/office/drawing/2010/main">
                   <a:noFill/>
                 </a14:hiddenFill>
               </a:ext>
@@ -41203,7 +41203,7 @@
             </a:ln>
             <a:extLst>
               <a:ext uri="{909E8E84-426E-40dd-AFC4-6F175D3DCCD1}">
-                <a14:hiddenFill xmlns:a14="http://schemas.microsoft.com/office/drawing/2010/main" xmlns="">
+                <a14:hiddenFill xmlns="" xmlns:a14="http://schemas.microsoft.com/office/drawing/2010/main">
                   <a:noFill/>
                 </a14:hiddenFill>
               </a:ext>
@@ -41254,7 +41254,7 @@
             </a:ln>
             <a:extLst>
               <a:ext uri="{909E8E84-426E-40dd-AFC4-6F175D3DCCD1}">
-                <a14:hiddenFill xmlns:a14="http://schemas.microsoft.com/office/drawing/2010/main" xmlns="">
+                <a14:hiddenFill xmlns="" xmlns:a14="http://schemas.microsoft.com/office/drawing/2010/main">
                   <a:noFill/>
                 </a14:hiddenFill>
               </a:ext>
@@ -41305,7 +41305,7 @@
             </a:ln>
             <a:extLst>
               <a:ext uri="{909E8E84-426E-40dd-AFC4-6F175D3DCCD1}">
-                <a14:hiddenFill xmlns:a14="http://schemas.microsoft.com/office/drawing/2010/main" xmlns="">
+                <a14:hiddenFill xmlns="" xmlns:a14="http://schemas.microsoft.com/office/drawing/2010/main">
                   <a:noFill/>
                 </a14:hiddenFill>
               </a:ext>
@@ -41356,7 +41356,7 @@
             </a:ln>
             <a:extLst>
               <a:ext uri="{909E8E84-426E-40dd-AFC4-6F175D3DCCD1}">
-                <a14:hiddenFill xmlns:a14="http://schemas.microsoft.com/office/drawing/2010/main" xmlns="">
+                <a14:hiddenFill xmlns="" xmlns:a14="http://schemas.microsoft.com/office/drawing/2010/main">
                   <a:noFill/>
                 </a14:hiddenFill>
               </a:ext>
@@ -41407,7 +41407,7 @@
             </a:ln>
             <a:extLst>
               <a:ext uri="{909E8E84-426E-40dd-AFC4-6F175D3DCCD1}">
-                <a14:hiddenFill xmlns:a14="http://schemas.microsoft.com/office/drawing/2010/main" xmlns="">
+                <a14:hiddenFill xmlns="" xmlns:a14="http://schemas.microsoft.com/office/drawing/2010/main">
                   <a:noFill/>
                 </a14:hiddenFill>
               </a:ext>
@@ -41458,7 +41458,7 @@
             </a:ln>
             <a:extLst>
               <a:ext uri="{909E8E84-426E-40dd-AFC4-6F175D3DCCD1}">
-                <a14:hiddenFill xmlns:a14="http://schemas.microsoft.com/office/drawing/2010/main" xmlns="">
+                <a14:hiddenFill xmlns="" xmlns:a14="http://schemas.microsoft.com/office/drawing/2010/main">
                   <a:noFill/>
                 </a14:hiddenFill>
               </a:ext>
@@ -41509,7 +41509,7 @@
             </a:ln>
             <a:extLst>
               <a:ext uri="{909E8E84-426E-40dd-AFC4-6F175D3DCCD1}">
-                <a14:hiddenFill xmlns:a14="http://schemas.microsoft.com/office/drawing/2010/main" xmlns="">
+                <a14:hiddenFill xmlns="" xmlns:a14="http://schemas.microsoft.com/office/drawing/2010/main">
                   <a:noFill/>
                 </a14:hiddenFill>
               </a:ext>
@@ -41560,7 +41560,7 @@
             </a:ln>
             <a:extLst>
               <a:ext uri="{909E8E84-426E-40dd-AFC4-6F175D3DCCD1}">
-                <a14:hiddenFill xmlns:a14="http://schemas.microsoft.com/office/drawing/2010/main" xmlns="">
+                <a14:hiddenFill xmlns="" xmlns:a14="http://schemas.microsoft.com/office/drawing/2010/main">
                   <a:noFill/>
                 </a14:hiddenFill>
               </a:ext>
@@ -41611,7 +41611,7 @@
             </a:ln>
             <a:extLst>
               <a:ext uri="{909E8E84-426E-40dd-AFC4-6F175D3DCCD1}">
-                <a14:hiddenFill xmlns:a14="http://schemas.microsoft.com/office/drawing/2010/main" xmlns="">
+                <a14:hiddenFill xmlns="" xmlns:a14="http://schemas.microsoft.com/office/drawing/2010/main">
                   <a:noFill/>
                 </a14:hiddenFill>
               </a:ext>
@@ -41662,7 +41662,7 @@
             </a:ln>
             <a:extLst>
               <a:ext uri="{909E8E84-426E-40dd-AFC4-6F175D3DCCD1}">
-                <a14:hiddenFill xmlns:a14="http://schemas.microsoft.com/office/drawing/2010/main" xmlns="">
+                <a14:hiddenFill xmlns="" xmlns:a14="http://schemas.microsoft.com/office/drawing/2010/main">
                   <a:noFill/>
                 </a14:hiddenFill>
               </a:ext>
@@ -41713,7 +41713,7 @@
             </a:ln>
             <a:extLst>
               <a:ext uri="{909E8E84-426E-40dd-AFC4-6F175D3DCCD1}">
-                <a14:hiddenFill xmlns:a14="http://schemas.microsoft.com/office/drawing/2010/main" xmlns="">
+                <a14:hiddenFill xmlns="" xmlns:a14="http://schemas.microsoft.com/office/drawing/2010/main">
                   <a:noFill/>
                 </a14:hiddenFill>
               </a:ext>
@@ -41764,7 +41764,7 @@
             </a:ln>
             <a:extLst>
               <a:ext uri="{909E8E84-426E-40dd-AFC4-6F175D3DCCD1}">
-                <a14:hiddenFill xmlns:a14="http://schemas.microsoft.com/office/drawing/2010/main" xmlns="">
+                <a14:hiddenFill xmlns="" xmlns:a14="http://schemas.microsoft.com/office/drawing/2010/main">
                   <a:noFill/>
                 </a14:hiddenFill>
               </a:ext>
@@ -41815,7 +41815,7 @@
             </a:ln>
             <a:extLst>
               <a:ext uri="{909E8E84-426E-40dd-AFC4-6F175D3DCCD1}">
-                <a14:hiddenFill xmlns:a14="http://schemas.microsoft.com/office/drawing/2010/main" xmlns="">
+                <a14:hiddenFill xmlns="" xmlns:a14="http://schemas.microsoft.com/office/drawing/2010/main">
                   <a:noFill/>
                 </a14:hiddenFill>
               </a:ext>
@@ -41866,7 +41866,7 @@
             </a:ln>
             <a:extLst>
               <a:ext uri="{909E8E84-426E-40dd-AFC4-6F175D3DCCD1}">
-                <a14:hiddenFill xmlns:a14="http://schemas.microsoft.com/office/drawing/2010/main" xmlns="">
+                <a14:hiddenFill xmlns="" xmlns:a14="http://schemas.microsoft.com/office/drawing/2010/main">
                   <a:noFill/>
                 </a14:hiddenFill>
               </a:ext>
@@ -41917,7 +41917,7 @@
             </a:ln>
             <a:extLst>
               <a:ext uri="{909E8E84-426E-40dd-AFC4-6F175D3DCCD1}">
-                <a14:hiddenFill xmlns:a14="http://schemas.microsoft.com/office/drawing/2010/main" xmlns="">
+                <a14:hiddenFill xmlns="" xmlns:a14="http://schemas.microsoft.com/office/drawing/2010/main">
                   <a:noFill/>
                 </a14:hiddenFill>
               </a:ext>
@@ -41968,7 +41968,7 @@
             </a:ln>
             <a:extLst>
               <a:ext uri="{909E8E84-426E-40dd-AFC4-6F175D3DCCD1}">
-                <a14:hiddenFill xmlns:a14="http://schemas.microsoft.com/office/drawing/2010/main" xmlns="">
+                <a14:hiddenFill xmlns="" xmlns:a14="http://schemas.microsoft.com/office/drawing/2010/main">
                   <a:noFill/>
                 </a14:hiddenFill>
               </a:ext>
@@ -42019,7 +42019,7 @@
             </a:ln>
             <a:extLst>
               <a:ext uri="{909E8E84-426E-40dd-AFC4-6F175D3DCCD1}">
-                <a14:hiddenFill xmlns:a14="http://schemas.microsoft.com/office/drawing/2010/main" xmlns="">
+                <a14:hiddenFill xmlns="" xmlns:a14="http://schemas.microsoft.com/office/drawing/2010/main">
                   <a:noFill/>
                 </a14:hiddenFill>
               </a:ext>
@@ -42070,7 +42070,7 @@
             </a:ln>
             <a:extLst>
               <a:ext uri="{909E8E84-426E-40dd-AFC4-6F175D3DCCD1}">
-                <a14:hiddenFill xmlns:a14="http://schemas.microsoft.com/office/drawing/2010/main" xmlns="">
+                <a14:hiddenFill xmlns="" xmlns:a14="http://schemas.microsoft.com/office/drawing/2010/main">
                   <a:noFill/>
                 </a14:hiddenFill>
               </a:ext>
@@ -42121,7 +42121,7 @@
             </a:ln>
             <a:extLst>
               <a:ext uri="{909E8E84-426E-40dd-AFC4-6F175D3DCCD1}">
-                <a14:hiddenFill xmlns:a14="http://schemas.microsoft.com/office/drawing/2010/main" xmlns="">
+                <a14:hiddenFill xmlns="" xmlns:a14="http://schemas.microsoft.com/office/drawing/2010/main">
                   <a:noFill/>
                 </a14:hiddenFill>
               </a:ext>
@@ -42172,7 +42172,7 @@
             </a:ln>
             <a:extLst>
               <a:ext uri="{909E8E84-426E-40dd-AFC4-6F175D3DCCD1}">
-                <a14:hiddenFill xmlns:a14="http://schemas.microsoft.com/office/drawing/2010/main" xmlns="">
+                <a14:hiddenFill xmlns="" xmlns:a14="http://schemas.microsoft.com/office/drawing/2010/main">
                   <a:noFill/>
                 </a14:hiddenFill>
               </a:ext>
@@ -42223,7 +42223,7 @@
             </a:ln>
             <a:extLst>
               <a:ext uri="{909E8E84-426E-40dd-AFC4-6F175D3DCCD1}">
-                <a14:hiddenFill xmlns:a14="http://schemas.microsoft.com/office/drawing/2010/main" xmlns="">
+                <a14:hiddenFill xmlns="" xmlns:a14="http://schemas.microsoft.com/office/drawing/2010/main">
                   <a:noFill/>
                 </a14:hiddenFill>
               </a:ext>
@@ -42274,7 +42274,7 @@
             </a:ln>
             <a:extLst>
               <a:ext uri="{909E8E84-426E-40dd-AFC4-6F175D3DCCD1}">
-                <a14:hiddenFill xmlns:a14="http://schemas.microsoft.com/office/drawing/2010/main" xmlns="">
+                <a14:hiddenFill xmlns="" xmlns:a14="http://schemas.microsoft.com/office/drawing/2010/main">
                   <a:noFill/>
                 </a14:hiddenFill>
               </a:ext>
@@ -42325,7 +42325,7 @@
             </a:ln>
             <a:extLst>
               <a:ext uri="{909E8E84-426E-40dd-AFC4-6F175D3DCCD1}">
-                <a14:hiddenFill xmlns:a14="http://schemas.microsoft.com/office/drawing/2010/main" xmlns="">
+                <a14:hiddenFill xmlns="" xmlns:a14="http://schemas.microsoft.com/office/drawing/2010/main">
                   <a:noFill/>
                 </a14:hiddenFill>
               </a:ext>
@@ -42376,7 +42376,7 @@
             </a:ln>
             <a:extLst>
               <a:ext uri="{909E8E84-426E-40dd-AFC4-6F175D3DCCD1}">
-                <a14:hiddenFill xmlns:a14="http://schemas.microsoft.com/office/drawing/2010/main" xmlns="">
+                <a14:hiddenFill xmlns="" xmlns:a14="http://schemas.microsoft.com/office/drawing/2010/main">
                   <a:noFill/>
                 </a14:hiddenFill>
               </a:ext>
@@ -42427,7 +42427,7 @@
             </a:ln>
             <a:extLst>
               <a:ext uri="{909E8E84-426E-40dd-AFC4-6F175D3DCCD1}">
-                <a14:hiddenFill xmlns:a14="http://schemas.microsoft.com/office/drawing/2010/main" xmlns="">
+                <a14:hiddenFill xmlns="" xmlns:a14="http://schemas.microsoft.com/office/drawing/2010/main">
                   <a:noFill/>
                 </a14:hiddenFill>
               </a:ext>
@@ -42478,7 +42478,7 @@
             </a:ln>
             <a:extLst>
               <a:ext uri="{909E8E84-426E-40dd-AFC4-6F175D3DCCD1}">
-                <a14:hiddenFill xmlns:a14="http://schemas.microsoft.com/office/drawing/2010/main" xmlns="">
+                <a14:hiddenFill xmlns="" xmlns:a14="http://schemas.microsoft.com/office/drawing/2010/main">
                   <a:noFill/>
                 </a14:hiddenFill>
               </a:ext>
@@ -42529,7 +42529,7 @@
             </a:ln>
             <a:extLst>
               <a:ext uri="{909E8E84-426E-40dd-AFC4-6F175D3DCCD1}">
-                <a14:hiddenFill xmlns:a14="http://schemas.microsoft.com/office/drawing/2010/main" xmlns="">
+                <a14:hiddenFill xmlns="" xmlns:a14="http://schemas.microsoft.com/office/drawing/2010/main">
                   <a:noFill/>
                 </a14:hiddenFill>
               </a:ext>
@@ -42580,7 +42580,7 @@
             </a:ln>
             <a:extLst>
               <a:ext uri="{909E8E84-426E-40dd-AFC4-6F175D3DCCD1}">
-                <a14:hiddenFill xmlns:a14="http://schemas.microsoft.com/office/drawing/2010/main" xmlns="">
+                <a14:hiddenFill xmlns="" xmlns:a14="http://schemas.microsoft.com/office/drawing/2010/main">
                   <a:noFill/>
                 </a14:hiddenFill>
               </a:ext>
@@ -42631,7 +42631,7 @@
             </a:ln>
             <a:extLst>
               <a:ext uri="{909E8E84-426E-40dd-AFC4-6F175D3DCCD1}">
-                <a14:hiddenFill xmlns:a14="http://schemas.microsoft.com/office/drawing/2010/main" xmlns="">
+                <a14:hiddenFill xmlns="" xmlns:a14="http://schemas.microsoft.com/office/drawing/2010/main">
                   <a:noFill/>
                 </a14:hiddenFill>
               </a:ext>
@@ -42682,7 +42682,7 @@
             </a:ln>
             <a:extLst>
               <a:ext uri="{909E8E84-426E-40dd-AFC4-6F175D3DCCD1}">
-                <a14:hiddenFill xmlns:a14="http://schemas.microsoft.com/office/drawing/2010/main" xmlns="">
+                <a14:hiddenFill xmlns="" xmlns:a14="http://schemas.microsoft.com/office/drawing/2010/main">
                   <a:noFill/>
                 </a14:hiddenFill>
               </a:ext>
@@ -42733,7 +42733,7 @@
             </a:ln>
             <a:extLst>
               <a:ext uri="{909E8E84-426E-40dd-AFC4-6F175D3DCCD1}">
-                <a14:hiddenFill xmlns:a14="http://schemas.microsoft.com/office/drawing/2010/main" xmlns="">
+                <a14:hiddenFill xmlns="" xmlns:a14="http://schemas.microsoft.com/office/drawing/2010/main">
                   <a:noFill/>
                 </a14:hiddenFill>
               </a:ext>
@@ -42784,7 +42784,7 @@
             </a:ln>
             <a:extLst>
               <a:ext uri="{909E8E84-426E-40dd-AFC4-6F175D3DCCD1}">
-                <a14:hiddenFill xmlns:a14="http://schemas.microsoft.com/office/drawing/2010/main" xmlns="">
+                <a14:hiddenFill xmlns="" xmlns:a14="http://schemas.microsoft.com/office/drawing/2010/main">
                   <a:noFill/>
                 </a14:hiddenFill>
               </a:ext>
@@ -42835,7 +42835,7 @@
             </a:ln>
             <a:extLst>
               <a:ext uri="{909E8E84-426E-40dd-AFC4-6F175D3DCCD1}">
-                <a14:hiddenFill xmlns:a14="http://schemas.microsoft.com/office/drawing/2010/main" xmlns="">
+                <a14:hiddenFill xmlns="" xmlns:a14="http://schemas.microsoft.com/office/drawing/2010/main">
                   <a:noFill/>
                 </a14:hiddenFill>
               </a:ext>
@@ -42886,7 +42886,7 @@
             </a:ln>
             <a:extLst>
               <a:ext uri="{909E8E84-426E-40dd-AFC4-6F175D3DCCD1}">
-                <a14:hiddenFill xmlns:a14="http://schemas.microsoft.com/office/drawing/2010/main" xmlns="">
+                <a14:hiddenFill xmlns="" xmlns:a14="http://schemas.microsoft.com/office/drawing/2010/main">
                   <a:noFill/>
                 </a14:hiddenFill>
               </a:ext>
@@ -42937,7 +42937,7 @@
             </a:ln>
             <a:extLst>
               <a:ext uri="{909E8E84-426E-40dd-AFC4-6F175D3DCCD1}">
-                <a14:hiddenFill xmlns:a14="http://schemas.microsoft.com/office/drawing/2010/main" xmlns="">
+                <a14:hiddenFill xmlns="" xmlns:a14="http://schemas.microsoft.com/office/drawing/2010/main">
                   <a:noFill/>
                 </a14:hiddenFill>
               </a:ext>
@@ -42988,7 +42988,7 @@
             </a:ln>
             <a:extLst>
               <a:ext uri="{909E8E84-426E-40dd-AFC4-6F175D3DCCD1}">
-                <a14:hiddenFill xmlns:a14="http://schemas.microsoft.com/office/drawing/2010/main" xmlns="">
+                <a14:hiddenFill xmlns="" xmlns:a14="http://schemas.microsoft.com/office/drawing/2010/main">
                   <a:noFill/>
                 </a14:hiddenFill>
               </a:ext>
@@ -43039,7 +43039,7 @@
             </a:ln>
             <a:extLst>
               <a:ext uri="{909E8E84-426E-40dd-AFC4-6F175D3DCCD1}">
-                <a14:hiddenFill xmlns:a14="http://schemas.microsoft.com/office/drawing/2010/main" xmlns="">
+                <a14:hiddenFill xmlns="" xmlns:a14="http://schemas.microsoft.com/office/drawing/2010/main">
                   <a:noFill/>
                 </a14:hiddenFill>
               </a:ext>
@@ -43090,7 +43090,7 @@
             </a:ln>
             <a:extLst>
               <a:ext uri="{909E8E84-426E-40dd-AFC4-6F175D3DCCD1}">
-                <a14:hiddenFill xmlns:a14="http://schemas.microsoft.com/office/drawing/2010/main" xmlns="">
+                <a14:hiddenFill xmlns="" xmlns:a14="http://schemas.microsoft.com/office/drawing/2010/main">
                   <a:noFill/>
                 </a14:hiddenFill>
               </a:ext>
@@ -43141,7 +43141,7 @@
             </a:ln>
             <a:extLst>
               <a:ext uri="{909E8E84-426E-40dd-AFC4-6F175D3DCCD1}">
-                <a14:hiddenFill xmlns:a14="http://schemas.microsoft.com/office/drawing/2010/main" xmlns="">
+                <a14:hiddenFill xmlns="" xmlns:a14="http://schemas.microsoft.com/office/drawing/2010/main">
                   <a:noFill/>
                 </a14:hiddenFill>
               </a:ext>
@@ -43192,7 +43192,7 @@
             </a:ln>
             <a:extLst>
               <a:ext uri="{909E8E84-426E-40dd-AFC4-6F175D3DCCD1}">
-                <a14:hiddenFill xmlns:a14="http://schemas.microsoft.com/office/drawing/2010/main" xmlns="">
+                <a14:hiddenFill xmlns="" xmlns:a14="http://schemas.microsoft.com/office/drawing/2010/main">
                   <a:noFill/>
                 </a14:hiddenFill>
               </a:ext>
@@ -43243,7 +43243,7 @@
             </a:ln>
             <a:extLst>
               <a:ext uri="{909E8E84-426E-40dd-AFC4-6F175D3DCCD1}">
-                <a14:hiddenFill xmlns:a14="http://schemas.microsoft.com/office/drawing/2010/main" xmlns="">
+                <a14:hiddenFill xmlns="" xmlns:a14="http://schemas.microsoft.com/office/drawing/2010/main">
                   <a:noFill/>
                 </a14:hiddenFill>
               </a:ext>
@@ -43294,7 +43294,7 @@
             </a:ln>
             <a:extLst>
               <a:ext uri="{909E8E84-426E-40dd-AFC4-6F175D3DCCD1}">
-                <a14:hiddenFill xmlns:a14="http://schemas.microsoft.com/office/drawing/2010/main" xmlns="">
+                <a14:hiddenFill xmlns="" xmlns:a14="http://schemas.microsoft.com/office/drawing/2010/main">
                   <a:noFill/>
                 </a14:hiddenFill>
               </a:ext>
@@ -43345,7 +43345,7 @@
             </a:ln>
             <a:extLst>
               <a:ext uri="{909E8E84-426E-40dd-AFC4-6F175D3DCCD1}">
-                <a14:hiddenFill xmlns:a14="http://schemas.microsoft.com/office/drawing/2010/main" xmlns="">
+                <a14:hiddenFill xmlns="" xmlns:a14="http://schemas.microsoft.com/office/drawing/2010/main">
                   <a:noFill/>
                 </a14:hiddenFill>
               </a:ext>
@@ -43396,7 +43396,7 @@
             </a:ln>
             <a:extLst>
               <a:ext uri="{909E8E84-426E-40dd-AFC4-6F175D3DCCD1}">
-                <a14:hiddenFill xmlns:a14="http://schemas.microsoft.com/office/drawing/2010/main" xmlns="">
+                <a14:hiddenFill xmlns="" xmlns:a14="http://schemas.microsoft.com/office/drawing/2010/main">
                   <a:noFill/>
                 </a14:hiddenFill>
               </a:ext>
@@ -48852,7 +48852,7 @@
                 <a:ea typeface="Verdana" panose="020B0604030504040204" pitchFamily="34" charset="0"/>
                 <a:cs typeface="Verdana" panose="020B0604030504040204" pitchFamily="34" charset="0"/>
               </a:rPr>
-              <a:t>21 </a:t>
+              <a:t>22 </a:t>
             </a:r>
             <a:r>
               <a:rPr lang="en-US" sz="1800" b="1" dirty="0">
@@ -49228,7 +49228,7 @@
       </p:sp>
       <p:pic>
         <p:nvPicPr>
-          <p:cNvPr id="3" name="Picture 2"/>
+          <p:cNvPr id="2" name="Picture 1"/>
           <p:cNvPicPr>
             <a:picLocks noChangeAspect="1"/>
           </p:cNvPicPr>
@@ -49248,8 +49248,8 @@
         </p:blipFill>
         <p:spPr>
           <a:xfrm>
-            <a:off x="169418" y="1215167"/>
-            <a:ext cx="5782703" cy="3782774"/>
+            <a:off x="157245" y="1155934"/>
+            <a:ext cx="5787044" cy="3785616"/>
           </a:xfrm>
           <a:prstGeom prst="rect">
             <a:avLst/>
@@ -49791,7 +49791,7 @@
         </p:blipFill>
         <p:spPr>
           <a:xfrm>
-            <a:off x="157091" y="1213318"/>
+            <a:off x="138865" y="1155934"/>
             <a:ext cx="5798749" cy="3785616"/>
           </a:xfrm>
           <a:prstGeom prst="rect">

--- a/pegasus/sites.v3/code.org/public/files/computer_science_advocacy.pptx
+++ b/pegasus/sites.v3/code.org/public/files/computer_science_advocacy.pptx
@@ -424,11 +424,11 @@
         </c:dLbls>
         <c:gapWidth val="42"/>
         <c:overlap val="100"/>
-        <c:axId val="518094160"/>
-        <c:axId val="518094552"/>
+        <c:axId val="765205736"/>
+        <c:axId val="765206520"/>
       </c:barChart>
       <c:catAx>
-        <c:axId val="518094160"/>
+        <c:axId val="765205736"/>
         <c:scaling>
           <c:orientation val="minMax"/>
         </c:scaling>
@@ -437,7 +437,7 @@
         <c:majorTickMark val="none"/>
         <c:minorTickMark val="none"/>
         <c:tickLblPos val="nextTo"/>
-        <c:crossAx val="518094552"/>
+        <c:crossAx val="765206520"/>
         <c:crosses val="autoZero"/>
         <c:auto val="0"/>
         <c:lblAlgn val="ctr"/>
@@ -445,7 +445,7 @@
         <c:noMultiLvlLbl val="0"/>
       </c:catAx>
       <c:valAx>
-        <c:axId val="518094552"/>
+        <c:axId val="765206520"/>
         <c:scaling>
           <c:orientation val="minMax"/>
           <c:max val="30000"/>
@@ -465,7 +465,7 @@
         <c:majorTickMark val="none"/>
         <c:minorTickMark val="none"/>
         <c:tickLblPos val="nextTo"/>
-        <c:crossAx val="518094160"/>
+        <c:crossAx val="765205736"/>
         <c:crosses val="autoZero"/>
         <c:crossBetween val="between"/>
       </c:valAx>
@@ -668,11 +668,11 @@
         </c:dLbls>
         <c:gapWidth val="42"/>
         <c:overlap val="100"/>
-        <c:axId val="518098864"/>
-        <c:axId val="518095728"/>
+        <c:axId val="765206912"/>
+        <c:axId val="765206128"/>
       </c:barChart>
       <c:catAx>
-        <c:axId val="518098864"/>
+        <c:axId val="765206912"/>
         <c:scaling>
           <c:orientation val="minMax"/>
         </c:scaling>
@@ -681,7 +681,7 @@
         <c:majorTickMark val="none"/>
         <c:minorTickMark val="none"/>
         <c:tickLblPos val="nextTo"/>
-        <c:crossAx val="518095728"/>
+        <c:crossAx val="765206128"/>
         <c:crosses val="autoZero"/>
         <c:auto val="1"/>
         <c:lblAlgn val="ctr"/>
@@ -689,7 +689,7 @@
         <c:noMultiLvlLbl val="0"/>
       </c:catAx>
       <c:valAx>
-        <c:axId val="518095728"/>
+        <c:axId val="765206128"/>
         <c:scaling>
           <c:orientation val="minMax"/>
         </c:scaling>
@@ -708,7 +708,7 @@
         <c:majorTickMark val="none"/>
         <c:minorTickMark val="none"/>
         <c:tickLblPos val="nextTo"/>
-        <c:crossAx val="518098864"/>
+        <c:crossAx val="765206912"/>
         <c:crosses val="autoZero"/>
         <c:crossBetween val="between"/>
       </c:valAx>
@@ -829,7 +829,7 @@
           <a:p>
             <a:fld id="{DBF07D2D-D193-49EA-AA40-D0161EE95780}" type="datetimeFigureOut">
               <a:rPr lang="en-US" smtClean="0"/>
-              <a:t>7/30/2018</a:t>
+              <a:t>8/13/2018</a:t>
             </a:fld>
             <a:endParaRPr lang="en-US"/>
           </a:p>
@@ -5054,7 +5054,7 @@
             </a:ln>
             <a:extLst>
               <a:ext uri="{909E8E84-426E-40dd-AFC4-6F175D3DCCD1}">
-                <a14:hiddenFill xmlns="" xmlns:a14="http://schemas.microsoft.com/office/drawing/2010/main">
+                <a14:hiddenFill xmlns:a14="http://schemas.microsoft.com/office/drawing/2010/main" xmlns="">
                   <a:solidFill>
                     <a:srgbClr val="FFFFFF"/>
                   </a:solidFill>
@@ -5107,7 +5107,7 @@
             </a:ln>
             <a:extLst>
               <a:ext uri="{909E8E84-426E-40dd-AFC4-6F175D3DCCD1}">
-                <a14:hiddenFill xmlns="" xmlns:a14="http://schemas.microsoft.com/office/drawing/2010/main">
+                <a14:hiddenFill xmlns:a14="http://schemas.microsoft.com/office/drawing/2010/main" xmlns="">
                   <a:noFill/>
                 </a14:hiddenFill>
               </a:ext>
@@ -5158,7 +5158,7 @@
             </a:ln>
             <a:extLst>
               <a:ext uri="{909E8E84-426E-40dd-AFC4-6F175D3DCCD1}">
-                <a14:hiddenFill xmlns="" xmlns:a14="http://schemas.microsoft.com/office/drawing/2010/main">
+                <a14:hiddenFill xmlns:a14="http://schemas.microsoft.com/office/drawing/2010/main" xmlns="">
                   <a:noFill/>
                 </a14:hiddenFill>
               </a:ext>
@@ -5209,7 +5209,7 @@
             </a:ln>
             <a:extLst>
               <a:ext uri="{909E8E84-426E-40dd-AFC4-6F175D3DCCD1}">
-                <a14:hiddenFill xmlns="" xmlns:a14="http://schemas.microsoft.com/office/drawing/2010/main">
+                <a14:hiddenFill xmlns:a14="http://schemas.microsoft.com/office/drawing/2010/main" xmlns="">
                   <a:noFill/>
                 </a14:hiddenFill>
               </a:ext>
@@ -5260,7 +5260,7 @@
             </a:ln>
             <a:extLst>
               <a:ext uri="{909E8E84-426E-40dd-AFC4-6F175D3DCCD1}">
-                <a14:hiddenFill xmlns="" xmlns:a14="http://schemas.microsoft.com/office/drawing/2010/main">
+                <a14:hiddenFill xmlns:a14="http://schemas.microsoft.com/office/drawing/2010/main" xmlns="">
                   <a:noFill/>
                 </a14:hiddenFill>
               </a:ext>
@@ -5311,7 +5311,7 @@
             </a:ln>
             <a:extLst>
               <a:ext uri="{909E8E84-426E-40dd-AFC4-6F175D3DCCD1}">
-                <a14:hiddenFill xmlns="" xmlns:a14="http://schemas.microsoft.com/office/drawing/2010/main">
+                <a14:hiddenFill xmlns:a14="http://schemas.microsoft.com/office/drawing/2010/main" xmlns="">
                   <a:noFill/>
                 </a14:hiddenFill>
               </a:ext>
@@ -5362,7 +5362,7 @@
             </a:ln>
             <a:extLst>
               <a:ext uri="{909E8E84-426E-40dd-AFC4-6F175D3DCCD1}">
-                <a14:hiddenFill xmlns="" xmlns:a14="http://schemas.microsoft.com/office/drawing/2010/main">
+                <a14:hiddenFill xmlns:a14="http://schemas.microsoft.com/office/drawing/2010/main" xmlns="">
                   <a:noFill/>
                 </a14:hiddenFill>
               </a:ext>
@@ -5413,7 +5413,7 @@
             </a:ln>
             <a:extLst>
               <a:ext uri="{909E8E84-426E-40dd-AFC4-6F175D3DCCD1}">
-                <a14:hiddenFill xmlns="" xmlns:a14="http://schemas.microsoft.com/office/drawing/2010/main">
+                <a14:hiddenFill xmlns:a14="http://schemas.microsoft.com/office/drawing/2010/main" xmlns="">
                   <a:noFill/>
                 </a14:hiddenFill>
               </a:ext>
@@ -5464,7 +5464,7 @@
             </a:ln>
             <a:extLst>
               <a:ext uri="{909E8E84-426E-40dd-AFC4-6F175D3DCCD1}">
-                <a14:hiddenFill xmlns="" xmlns:a14="http://schemas.microsoft.com/office/drawing/2010/main">
+                <a14:hiddenFill xmlns:a14="http://schemas.microsoft.com/office/drawing/2010/main" xmlns="">
                   <a:noFill/>
                 </a14:hiddenFill>
               </a:ext>
@@ -5515,7 +5515,7 @@
             </a:ln>
             <a:extLst>
               <a:ext uri="{909E8E84-426E-40dd-AFC4-6F175D3DCCD1}">
-                <a14:hiddenFill xmlns="" xmlns:a14="http://schemas.microsoft.com/office/drawing/2010/main">
+                <a14:hiddenFill xmlns:a14="http://schemas.microsoft.com/office/drawing/2010/main" xmlns="">
                   <a:noFill/>
                 </a14:hiddenFill>
               </a:ext>
@@ -5566,7 +5566,7 @@
             </a:ln>
             <a:extLst>
               <a:ext uri="{909E8E84-426E-40dd-AFC4-6F175D3DCCD1}">
-                <a14:hiddenFill xmlns="" xmlns:a14="http://schemas.microsoft.com/office/drawing/2010/main">
+                <a14:hiddenFill xmlns:a14="http://schemas.microsoft.com/office/drawing/2010/main" xmlns="">
                   <a:noFill/>
                 </a14:hiddenFill>
               </a:ext>
@@ -5617,7 +5617,7 @@
             </a:ln>
             <a:extLst>
               <a:ext uri="{909E8E84-426E-40dd-AFC4-6F175D3DCCD1}">
-                <a14:hiddenFill xmlns="" xmlns:a14="http://schemas.microsoft.com/office/drawing/2010/main">
+                <a14:hiddenFill xmlns:a14="http://schemas.microsoft.com/office/drawing/2010/main" xmlns="">
                   <a:noFill/>
                 </a14:hiddenFill>
               </a:ext>
@@ -5668,7 +5668,7 @@
             </a:ln>
             <a:extLst>
               <a:ext uri="{909E8E84-426E-40dd-AFC4-6F175D3DCCD1}">
-                <a14:hiddenFill xmlns="" xmlns:a14="http://schemas.microsoft.com/office/drawing/2010/main">
+                <a14:hiddenFill xmlns:a14="http://schemas.microsoft.com/office/drawing/2010/main" xmlns="">
                   <a:noFill/>
                 </a14:hiddenFill>
               </a:ext>
@@ -5719,7 +5719,7 @@
             </a:ln>
             <a:extLst>
               <a:ext uri="{909E8E84-426E-40dd-AFC4-6F175D3DCCD1}">
-                <a14:hiddenFill xmlns="" xmlns:a14="http://schemas.microsoft.com/office/drawing/2010/main">
+                <a14:hiddenFill xmlns:a14="http://schemas.microsoft.com/office/drawing/2010/main" xmlns="">
                   <a:noFill/>
                 </a14:hiddenFill>
               </a:ext>
@@ -5770,7 +5770,7 @@
             </a:ln>
             <a:extLst>
               <a:ext uri="{909E8E84-426E-40dd-AFC4-6F175D3DCCD1}">
-                <a14:hiddenFill xmlns="" xmlns:a14="http://schemas.microsoft.com/office/drawing/2010/main">
+                <a14:hiddenFill xmlns:a14="http://schemas.microsoft.com/office/drawing/2010/main" xmlns="">
                   <a:noFill/>
                 </a14:hiddenFill>
               </a:ext>
@@ -5821,7 +5821,7 @@
             </a:ln>
             <a:extLst>
               <a:ext uri="{909E8E84-426E-40dd-AFC4-6F175D3DCCD1}">
-                <a14:hiddenFill xmlns="" xmlns:a14="http://schemas.microsoft.com/office/drawing/2010/main">
+                <a14:hiddenFill xmlns:a14="http://schemas.microsoft.com/office/drawing/2010/main" xmlns="">
                   <a:noFill/>
                 </a14:hiddenFill>
               </a:ext>
@@ -5872,7 +5872,7 @@
             </a:ln>
             <a:extLst>
               <a:ext uri="{909E8E84-426E-40dd-AFC4-6F175D3DCCD1}">
-                <a14:hiddenFill xmlns="" xmlns:a14="http://schemas.microsoft.com/office/drawing/2010/main">
+                <a14:hiddenFill xmlns:a14="http://schemas.microsoft.com/office/drawing/2010/main" xmlns="">
                   <a:noFill/>
                 </a14:hiddenFill>
               </a:ext>
@@ -5923,7 +5923,7 @@
             </a:ln>
             <a:extLst>
               <a:ext uri="{909E8E84-426E-40dd-AFC4-6F175D3DCCD1}">
-                <a14:hiddenFill xmlns="" xmlns:a14="http://schemas.microsoft.com/office/drawing/2010/main">
+                <a14:hiddenFill xmlns:a14="http://schemas.microsoft.com/office/drawing/2010/main" xmlns="">
                   <a:noFill/>
                 </a14:hiddenFill>
               </a:ext>
@@ -5974,7 +5974,7 @@
             </a:ln>
             <a:extLst>
               <a:ext uri="{909E8E84-426E-40dd-AFC4-6F175D3DCCD1}">
-                <a14:hiddenFill xmlns="" xmlns:a14="http://schemas.microsoft.com/office/drawing/2010/main">
+                <a14:hiddenFill xmlns:a14="http://schemas.microsoft.com/office/drawing/2010/main" xmlns="">
                   <a:noFill/>
                 </a14:hiddenFill>
               </a:ext>
@@ -6025,7 +6025,7 @@
             </a:ln>
             <a:extLst>
               <a:ext uri="{909E8E84-426E-40dd-AFC4-6F175D3DCCD1}">
-                <a14:hiddenFill xmlns="" xmlns:a14="http://schemas.microsoft.com/office/drawing/2010/main">
+                <a14:hiddenFill xmlns:a14="http://schemas.microsoft.com/office/drawing/2010/main" xmlns="">
                   <a:noFill/>
                 </a14:hiddenFill>
               </a:ext>
@@ -6076,7 +6076,7 @@
             </a:ln>
             <a:extLst>
               <a:ext uri="{909E8E84-426E-40dd-AFC4-6F175D3DCCD1}">
-                <a14:hiddenFill xmlns="" xmlns:a14="http://schemas.microsoft.com/office/drawing/2010/main">
+                <a14:hiddenFill xmlns:a14="http://schemas.microsoft.com/office/drawing/2010/main" xmlns="">
                   <a:noFill/>
                 </a14:hiddenFill>
               </a:ext>
@@ -6127,7 +6127,7 @@
             </a:ln>
             <a:extLst>
               <a:ext uri="{909E8E84-426E-40dd-AFC4-6F175D3DCCD1}">
-                <a14:hiddenFill xmlns="" xmlns:a14="http://schemas.microsoft.com/office/drawing/2010/main">
+                <a14:hiddenFill xmlns:a14="http://schemas.microsoft.com/office/drawing/2010/main" xmlns="">
                   <a:noFill/>
                 </a14:hiddenFill>
               </a:ext>
@@ -6178,7 +6178,7 @@
             </a:ln>
             <a:extLst>
               <a:ext uri="{909E8E84-426E-40dd-AFC4-6F175D3DCCD1}">
-                <a14:hiddenFill xmlns="" xmlns:a14="http://schemas.microsoft.com/office/drawing/2010/main">
+                <a14:hiddenFill xmlns:a14="http://schemas.microsoft.com/office/drawing/2010/main" xmlns="">
                   <a:noFill/>
                 </a14:hiddenFill>
               </a:ext>
@@ -6229,7 +6229,7 @@
             </a:ln>
             <a:extLst>
               <a:ext uri="{909E8E84-426E-40dd-AFC4-6F175D3DCCD1}">
-                <a14:hiddenFill xmlns="" xmlns:a14="http://schemas.microsoft.com/office/drawing/2010/main">
+                <a14:hiddenFill xmlns:a14="http://schemas.microsoft.com/office/drawing/2010/main" xmlns="">
                   <a:noFill/>
                 </a14:hiddenFill>
               </a:ext>
@@ -6280,7 +6280,7 @@
             </a:ln>
             <a:extLst>
               <a:ext uri="{909E8E84-426E-40dd-AFC4-6F175D3DCCD1}">
-                <a14:hiddenFill xmlns="" xmlns:a14="http://schemas.microsoft.com/office/drawing/2010/main">
+                <a14:hiddenFill xmlns:a14="http://schemas.microsoft.com/office/drawing/2010/main" xmlns="">
                   <a:noFill/>
                 </a14:hiddenFill>
               </a:ext>
@@ -6331,7 +6331,7 @@
             </a:ln>
             <a:extLst>
               <a:ext uri="{909E8E84-426E-40dd-AFC4-6F175D3DCCD1}">
-                <a14:hiddenFill xmlns="" xmlns:a14="http://schemas.microsoft.com/office/drawing/2010/main">
+                <a14:hiddenFill xmlns:a14="http://schemas.microsoft.com/office/drawing/2010/main" xmlns="">
                   <a:noFill/>
                 </a14:hiddenFill>
               </a:ext>
@@ -6382,7 +6382,7 @@
             </a:ln>
             <a:extLst>
               <a:ext uri="{909E8E84-426E-40dd-AFC4-6F175D3DCCD1}">
-                <a14:hiddenFill xmlns="" xmlns:a14="http://schemas.microsoft.com/office/drawing/2010/main">
+                <a14:hiddenFill xmlns:a14="http://schemas.microsoft.com/office/drawing/2010/main" xmlns="">
                   <a:noFill/>
                 </a14:hiddenFill>
               </a:ext>
@@ -6433,7 +6433,7 @@
             </a:ln>
             <a:extLst>
               <a:ext uri="{909E8E84-426E-40dd-AFC4-6F175D3DCCD1}">
-                <a14:hiddenFill xmlns="" xmlns:a14="http://schemas.microsoft.com/office/drawing/2010/main">
+                <a14:hiddenFill xmlns:a14="http://schemas.microsoft.com/office/drawing/2010/main" xmlns="">
                   <a:noFill/>
                 </a14:hiddenFill>
               </a:ext>
@@ -6484,7 +6484,7 @@
             </a:ln>
             <a:extLst>
               <a:ext uri="{909E8E84-426E-40dd-AFC4-6F175D3DCCD1}">
-                <a14:hiddenFill xmlns="" xmlns:a14="http://schemas.microsoft.com/office/drawing/2010/main">
+                <a14:hiddenFill xmlns:a14="http://schemas.microsoft.com/office/drawing/2010/main" xmlns="">
                   <a:noFill/>
                 </a14:hiddenFill>
               </a:ext>
@@ -6535,7 +6535,7 @@
             </a:ln>
             <a:extLst>
               <a:ext uri="{909E8E84-426E-40dd-AFC4-6F175D3DCCD1}">
-                <a14:hiddenFill xmlns="" xmlns:a14="http://schemas.microsoft.com/office/drawing/2010/main">
+                <a14:hiddenFill xmlns:a14="http://schemas.microsoft.com/office/drawing/2010/main" xmlns="">
                   <a:noFill/>
                 </a14:hiddenFill>
               </a:ext>
@@ -6586,7 +6586,7 @@
             </a:ln>
             <a:extLst>
               <a:ext uri="{909E8E84-426E-40dd-AFC4-6F175D3DCCD1}">
-                <a14:hiddenFill xmlns="" xmlns:a14="http://schemas.microsoft.com/office/drawing/2010/main">
+                <a14:hiddenFill xmlns:a14="http://schemas.microsoft.com/office/drawing/2010/main" xmlns="">
                   <a:noFill/>
                 </a14:hiddenFill>
               </a:ext>
@@ -6637,7 +6637,7 @@
             </a:ln>
             <a:extLst>
               <a:ext uri="{909E8E84-426E-40dd-AFC4-6F175D3DCCD1}">
-                <a14:hiddenFill xmlns="" xmlns:a14="http://schemas.microsoft.com/office/drawing/2010/main">
+                <a14:hiddenFill xmlns:a14="http://schemas.microsoft.com/office/drawing/2010/main" xmlns="">
                   <a:noFill/>
                 </a14:hiddenFill>
               </a:ext>
@@ -6688,7 +6688,7 @@
             </a:ln>
             <a:extLst>
               <a:ext uri="{909E8E84-426E-40dd-AFC4-6F175D3DCCD1}">
-                <a14:hiddenFill xmlns="" xmlns:a14="http://schemas.microsoft.com/office/drawing/2010/main">
+                <a14:hiddenFill xmlns:a14="http://schemas.microsoft.com/office/drawing/2010/main" xmlns="">
                   <a:noFill/>
                 </a14:hiddenFill>
               </a:ext>
@@ -6739,7 +6739,7 @@
             </a:ln>
             <a:extLst>
               <a:ext uri="{909E8E84-426E-40dd-AFC4-6F175D3DCCD1}">
-                <a14:hiddenFill xmlns="" xmlns:a14="http://schemas.microsoft.com/office/drawing/2010/main">
+                <a14:hiddenFill xmlns:a14="http://schemas.microsoft.com/office/drawing/2010/main" xmlns="">
                   <a:noFill/>
                 </a14:hiddenFill>
               </a:ext>
@@ -6790,7 +6790,7 @@
             </a:ln>
             <a:extLst>
               <a:ext uri="{909E8E84-426E-40dd-AFC4-6F175D3DCCD1}">
-                <a14:hiddenFill xmlns="" xmlns:a14="http://schemas.microsoft.com/office/drawing/2010/main">
+                <a14:hiddenFill xmlns:a14="http://schemas.microsoft.com/office/drawing/2010/main" xmlns="">
                   <a:noFill/>
                 </a14:hiddenFill>
               </a:ext>
@@ -6841,7 +6841,7 @@
             </a:ln>
             <a:extLst>
               <a:ext uri="{909E8E84-426E-40dd-AFC4-6F175D3DCCD1}">
-                <a14:hiddenFill xmlns="" xmlns:a14="http://schemas.microsoft.com/office/drawing/2010/main">
+                <a14:hiddenFill xmlns:a14="http://schemas.microsoft.com/office/drawing/2010/main" xmlns="">
                   <a:noFill/>
                 </a14:hiddenFill>
               </a:ext>
@@ -6892,7 +6892,7 @@
             </a:ln>
             <a:extLst>
               <a:ext uri="{909E8E84-426E-40dd-AFC4-6F175D3DCCD1}">
-                <a14:hiddenFill xmlns="" xmlns:a14="http://schemas.microsoft.com/office/drawing/2010/main">
+                <a14:hiddenFill xmlns:a14="http://schemas.microsoft.com/office/drawing/2010/main" xmlns="">
                   <a:noFill/>
                 </a14:hiddenFill>
               </a:ext>
@@ -6943,7 +6943,7 @@
             </a:ln>
             <a:extLst>
               <a:ext uri="{909E8E84-426E-40dd-AFC4-6F175D3DCCD1}">
-                <a14:hiddenFill xmlns="" xmlns:a14="http://schemas.microsoft.com/office/drawing/2010/main">
+                <a14:hiddenFill xmlns:a14="http://schemas.microsoft.com/office/drawing/2010/main" xmlns="">
                   <a:noFill/>
                 </a14:hiddenFill>
               </a:ext>
@@ -6994,7 +6994,7 @@
             </a:ln>
             <a:extLst>
               <a:ext uri="{909E8E84-426E-40dd-AFC4-6F175D3DCCD1}">
-                <a14:hiddenFill xmlns="" xmlns:a14="http://schemas.microsoft.com/office/drawing/2010/main">
+                <a14:hiddenFill xmlns:a14="http://schemas.microsoft.com/office/drawing/2010/main" xmlns="">
                   <a:noFill/>
                 </a14:hiddenFill>
               </a:ext>
@@ -7045,7 +7045,7 @@
             </a:ln>
             <a:extLst>
               <a:ext uri="{909E8E84-426E-40dd-AFC4-6F175D3DCCD1}">
-                <a14:hiddenFill xmlns="" xmlns:a14="http://schemas.microsoft.com/office/drawing/2010/main">
+                <a14:hiddenFill xmlns:a14="http://schemas.microsoft.com/office/drawing/2010/main" xmlns="">
                   <a:noFill/>
                 </a14:hiddenFill>
               </a:ext>
@@ -7096,7 +7096,7 @@
             </a:ln>
             <a:extLst>
               <a:ext uri="{909E8E84-426E-40dd-AFC4-6F175D3DCCD1}">
-                <a14:hiddenFill xmlns="" xmlns:a14="http://schemas.microsoft.com/office/drawing/2010/main">
+                <a14:hiddenFill xmlns:a14="http://schemas.microsoft.com/office/drawing/2010/main" xmlns="">
                   <a:noFill/>
                 </a14:hiddenFill>
               </a:ext>
@@ -7147,7 +7147,7 @@
             </a:ln>
             <a:extLst>
               <a:ext uri="{909E8E84-426E-40dd-AFC4-6F175D3DCCD1}">
-                <a14:hiddenFill xmlns="" xmlns:a14="http://schemas.microsoft.com/office/drawing/2010/main">
+                <a14:hiddenFill xmlns:a14="http://schemas.microsoft.com/office/drawing/2010/main" xmlns="">
                   <a:noFill/>
                 </a14:hiddenFill>
               </a:ext>
@@ -7198,7 +7198,7 @@
             </a:ln>
             <a:extLst>
               <a:ext uri="{909E8E84-426E-40dd-AFC4-6F175D3DCCD1}">
-                <a14:hiddenFill xmlns="" xmlns:a14="http://schemas.microsoft.com/office/drawing/2010/main">
+                <a14:hiddenFill xmlns:a14="http://schemas.microsoft.com/office/drawing/2010/main" xmlns="">
                   <a:noFill/>
                 </a14:hiddenFill>
               </a:ext>
@@ -7249,7 +7249,7 @@
             </a:ln>
             <a:extLst>
               <a:ext uri="{909E8E84-426E-40dd-AFC4-6F175D3DCCD1}">
-                <a14:hiddenFill xmlns="" xmlns:a14="http://schemas.microsoft.com/office/drawing/2010/main">
+                <a14:hiddenFill xmlns:a14="http://schemas.microsoft.com/office/drawing/2010/main" xmlns="">
                   <a:noFill/>
                 </a14:hiddenFill>
               </a:ext>
@@ -7300,7 +7300,7 @@
             </a:ln>
             <a:extLst>
               <a:ext uri="{909E8E84-426E-40dd-AFC4-6F175D3DCCD1}">
-                <a14:hiddenFill xmlns="" xmlns:a14="http://schemas.microsoft.com/office/drawing/2010/main">
+                <a14:hiddenFill xmlns:a14="http://schemas.microsoft.com/office/drawing/2010/main" xmlns="">
                   <a:noFill/>
                 </a14:hiddenFill>
               </a:ext>
@@ -7351,7 +7351,7 @@
             </a:ln>
             <a:extLst>
               <a:ext uri="{909E8E84-426E-40dd-AFC4-6F175D3DCCD1}">
-                <a14:hiddenFill xmlns="" xmlns:a14="http://schemas.microsoft.com/office/drawing/2010/main">
+                <a14:hiddenFill xmlns:a14="http://schemas.microsoft.com/office/drawing/2010/main" xmlns="">
                   <a:noFill/>
                 </a14:hiddenFill>
               </a:ext>
@@ -7402,7 +7402,7 @@
             </a:ln>
             <a:extLst>
               <a:ext uri="{909E8E84-426E-40dd-AFC4-6F175D3DCCD1}">
-                <a14:hiddenFill xmlns="" xmlns:a14="http://schemas.microsoft.com/office/drawing/2010/main">
+                <a14:hiddenFill xmlns:a14="http://schemas.microsoft.com/office/drawing/2010/main" xmlns="">
                   <a:noFill/>
                 </a14:hiddenFill>
               </a:ext>
@@ -7453,7 +7453,7 @@
             </a:ln>
             <a:extLst>
               <a:ext uri="{909E8E84-426E-40dd-AFC4-6F175D3DCCD1}">
-                <a14:hiddenFill xmlns="" xmlns:a14="http://schemas.microsoft.com/office/drawing/2010/main">
+                <a14:hiddenFill xmlns:a14="http://schemas.microsoft.com/office/drawing/2010/main" xmlns="">
                   <a:noFill/>
                 </a14:hiddenFill>
               </a:ext>
@@ -7504,7 +7504,7 @@
             </a:ln>
             <a:extLst>
               <a:ext uri="{909E8E84-426E-40dd-AFC4-6F175D3DCCD1}">
-                <a14:hiddenFill xmlns="" xmlns:a14="http://schemas.microsoft.com/office/drawing/2010/main">
+                <a14:hiddenFill xmlns:a14="http://schemas.microsoft.com/office/drawing/2010/main" xmlns="">
                   <a:noFill/>
                 </a14:hiddenFill>
               </a:ext>
@@ -7555,7 +7555,7 @@
             </a:ln>
             <a:extLst>
               <a:ext uri="{909E8E84-426E-40dd-AFC4-6F175D3DCCD1}">
-                <a14:hiddenFill xmlns="" xmlns:a14="http://schemas.microsoft.com/office/drawing/2010/main">
+                <a14:hiddenFill xmlns:a14="http://schemas.microsoft.com/office/drawing/2010/main" xmlns="">
                   <a:noFill/>
                 </a14:hiddenFill>
               </a:ext>
@@ -7606,7 +7606,7 @@
             </a:ln>
             <a:extLst>
               <a:ext uri="{909E8E84-426E-40dd-AFC4-6F175D3DCCD1}">
-                <a14:hiddenFill xmlns="" xmlns:a14="http://schemas.microsoft.com/office/drawing/2010/main">
+                <a14:hiddenFill xmlns:a14="http://schemas.microsoft.com/office/drawing/2010/main" xmlns="">
                   <a:noFill/>
                 </a14:hiddenFill>
               </a:ext>
@@ -7657,7 +7657,7 @@
             </a:ln>
             <a:extLst>
               <a:ext uri="{909E8E84-426E-40dd-AFC4-6F175D3DCCD1}">
-                <a14:hiddenFill xmlns="" xmlns:a14="http://schemas.microsoft.com/office/drawing/2010/main">
+                <a14:hiddenFill xmlns:a14="http://schemas.microsoft.com/office/drawing/2010/main" xmlns="">
                   <a:noFill/>
                 </a14:hiddenFill>
               </a:ext>
@@ -7708,7 +7708,7 @@
             </a:ln>
             <a:extLst>
               <a:ext uri="{909E8E84-426E-40dd-AFC4-6F175D3DCCD1}">
-                <a14:hiddenFill xmlns="" xmlns:a14="http://schemas.microsoft.com/office/drawing/2010/main">
+                <a14:hiddenFill xmlns:a14="http://schemas.microsoft.com/office/drawing/2010/main" xmlns="">
                   <a:noFill/>
                 </a14:hiddenFill>
               </a:ext>
@@ -7759,7 +7759,7 @@
             </a:ln>
             <a:extLst>
               <a:ext uri="{909E8E84-426E-40dd-AFC4-6F175D3DCCD1}">
-                <a14:hiddenFill xmlns="" xmlns:a14="http://schemas.microsoft.com/office/drawing/2010/main">
+                <a14:hiddenFill xmlns:a14="http://schemas.microsoft.com/office/drawing/2010/main" xmlns="">
                   <a:noFill/>
                 </a14:hiddenFill>
               </a:ext>
@@ -7810,7 +7810,7 @@
             </a:ln>
             <a:extLst>
               <a:ext uri="{909E8E84-426E-40dd-AFC4-6F175D3DCCD1}">
-                <a14:hiddenFill xmlns="" xmlns:a14="http://schemas.microsoft.com/office/drawing/2010/main">
+                <a14:hiddenFill xmlns:a14="http://schemas.microsoft.com/office/drawing/2010/main" xmlns="">
                   <a:noFill/>
                 </a14:hiddenFill>
               </a:ext>
@@ -7861,7 +7861,7 @@
             </a:ln>
             <a:extLst>
               <a:ext uri="{909E8E84-426E-40dd-AFC4-6F175D3DCCD1}">
-                <a14:hiddenFill xmlns="" xmlns:a14="http://schemas.microsoft.com/office/drawing/2010/main">
+                <a14:hiddenFill xmlns:a14="http://schemas.microsoft.com/office/drawing/2010/main" xmlns="">
                   <a:noFill/>
                 </a14:hiddenFill>
               </a:ext>
@@ -7912,7 +7912,7 @@
             </a:ln>
             <a:extLst>
               <a:ext uri="{909E8E84-426E-40dd-AFC4-6F175D3DCCD1}">
-                <a14:hiddenFill xmlns="" xmlns:a14="http://schemas.microsoft.com/office/drawing/2010/main">
+                <a14:hiddenFill xmlns:a14="http://schemas.microsoft.com/office/drawing/2010/main" xmlns="">
                   <a:noFill/>
                 </a14:hiddenFill>
               </a:ext>
@@ -7963,7 +7963,7 @@
             </a:ln>
             <a:extLst>
               <a:ext uri="{909E8E84-426E-40dd-AFC4-6F175D3DCCD1}">
-                <a14:hiddenFill xmlns="" xmlns:a14="http://schemas.microsoft.com/office/drawing/2010/main">
+                <a14:hiddenFill xmlns:a14="http://schemas.microsoft.com/office/drawing/2010/main" xmlns="">
                   <a:noFill/>
                 </a14:hiddenFill>
               </a:ext>
@@ -8014,7 +8014,7 @@
             </a:ln>
             <a:extLst>
               <a:ext uri="{909E8E84-426E-40dd-AFC4-6F175D3DCCD1}">
-                <a14:hiddenFill xmlns="" xmlns:a14="http://schemas.microsoft.com/office/drawing/2010/main">
+                <a14:hiddenFill xmlns:a14="http://schemas.microsoft.com/office/drawing/2010/main" xmlns="">
                   <a:noFill/>
                 </a14:hiddenFill>
               </a:ext>
@@ -8065,7 +8065,7 @@
             </a:ln>
             <a:extLst>
               <a:ext uri="{909E8E84-426E-40dd-AFC4-6F175D3DCCD1}">
-                <a14:hiddenFill xmlns="" xmlns:a14="http://schemas.microsoft.com/office/drawing/2010/main">
+                <a14:hiddenFill xmlns:a14="http://schemas.microsoft.com/office/drawing/2010/main" xmlns="">
                   <a:noFill/>
                 </a14:hiddenFill>
               </a:ext>
@@ -8116,7 +8116,7 @@
             </a:ln>
             <a:extLst>
               <a:ext uri="{909E8E84-426E-40dd-AFC4-6F175D3DCCD1}">
-                <a14:hiddenFill xmlns="" xmlns:a14="http://schemas.microsoft.com/office/drawing/2010/main">
+                <a14:hiddenFill xmlns:a14="http://schemas.microsoft.com/office/drawing/2010/main" xmlns="">
                   <a:noFill/>
                 </a14:hiddenFill>
               </a:ext>
@@ -8167,7 +8167,7 @@
             </a:ln>
             <a:extLst>
               <a:ext uri="{909E8E84-426E-40dd-AFC4-6F175D3DCCD1}">
-                <a14:hiddenFill xmlns="" xmlns:a14="http://schemas.microsoft.com/office/drawing/2010/main">
+                <a14:hiddenFill xmlns:a14="http://schemas.microsoft.com/office/drawing/2010/main" xmlns="">
                   <a:noFill/>
                 </a14:hiddenFill>
               </a:ext>
@@ -8218,7 +8218,7 @@
             </a:ln>
             <a:extLst>
               <a:ext uri="{909E8E84-426E-40dd-AFC4-6F175D3DCCD1}">
-                <a14:hiddenFill xmlns="" xmlns:a14="http://schemas.microsoft.com/office/drawing/2010/main">
+                <a14:hiddenFill xmlns:a14="http://schemas.microsoft.com/office/drawing/2010/main" xmlns="">
                   <a:noFill/>
                 </a14:hiddenFill>
               </a:ext>
@@ -8269,7 +8269,7 @@
             </a:ln>
             <a:extLst>
               <a:ext uri="{909E8E84-426E-40dd-AFC4-6F175D3DCCD1}">
-                <a14:hiddenFill xmlns="" xmlns:a14="http://schemas.microsoft.com/office/drawing/2010/main">
+                <a14:hiddenFill xmlns:a14="http://schemas.microsoft.com/office/drawing/2010/main" xmlns="">
                   <a:noFill/>
                 </a14:hiddenFill>
               </a:ext>
@@ -8320,7 +8320,7 @@
             </a:ln>
             <a:extLst>
               <a:ext uri="{909E8E84-426E-40dd-AFC4-6F175D3DCCD1}">
-                <a14:hiddenFill xmlns="" xmlns:a14="http://schemas.microsoft.com/office/drawing/2010/main">
+                <a14:hiddenFill xmlns:a14="http://schemas.microsoft.com/office/drawing/2010/main" xmlns="">
                   <a:noFill/>
                 </a14:hiddenFill>
               </a:ext>
@@ -8371,7 +8371,7 @@
             </a:ln>
             <a:extLst>
               <a:ext uri="{909E8E84-426E-40dd-AFC4-6F175D3DCCD1}">
-                <a14:hiddenFill xmlns="" xmlns:a14="http://schemas.microsoft.com/office/drawing/2010/main">
+                <a14:hiddenFill xmlns:a14="http://schemas.microsoft.com/office/drawing/2010/main" xmlns="">
                   <a:noFill/>
                 </a14:hiddenFill>
               </a:ext>
@@ -8422,7 +8422,7 @@
             </a:ln>
             <a:extLst>
               <a:ext uri="{909E8E84-426E-40dd-AFC4-6F175D3DCCD1}">
-                <a14:hiddenFill xmlns="" xmlns:a14="http://schemas.microsoft.com/office/drawing/2010/main">
+                <a14:hiddenFill xmlns:a14="http://schemas.microsoft.com/office/drawing/2010/main" xmlns="">
                   <a:noFill/>
                 </a14:hiddenFill>
               </a:ext>
@@ -8473,7 +8473,7 @@
             </a:ln>
             <a:extLst>
               <a:ext uri="{909E8E84-426E-40dd-AFC4-6F175D3DCCD1}">
-                <a14:hiddenFill xmlns="" xmlns:a14="http://schemas.microsoft.com/office/drawing/2010/main">
+                <a14:hiddenFill xmlns:a14="http://schemas.microsoft.com/office/drawing/2010/main" xmlns="">
                   <a:noFill/>
                 </a14:hiddenFill>
               </a:ext>
@@ -8524,7 +8524,7 @@
             </a:ln>
             <a:extLst>
               <a:ext uri="{909E8E84-426E-40dd-AFC4-6F175D3DCCD1}">
-                <a14:hiddenFill xmlns="" xmlns:a14="http://schemas.microsoft.com/office/drawing/2010/main">
+                <a14:hiddenFill xmlns:a14="http://schemas.microsoft.com/office/drawing/2010/main" xmlns="">
                   <a:noFill/>
                 </a14:hiddenFill>
               </a:ext>
@@ -9151,7 +9151,7 @@
             </a:ln>
             <a:extLst>
               <a:ext uri="{909E8E84-426E-40dd-AFC4-6F175D3DCCD1}">
-                <a14:hiddenFill xmlns="" xmlns:a14="http://schemas.microsoft.com/office/drawing/2010/main">
+                <a14:hiddenFill xmlns:a14="http://schemas.microsoft.com/office/drawing/2010/main" xmlns="">
                   <a:solidFill>
                     <a:srgbClr val="FFFFFF"/>
                   </a:solidFill>
@@ -9204,7 +9204,7 @@
             </a:ln>
             <a:extLst>
               <a:ext uri="{909E8E84-426E-40dd-AFC4-6F175D3DCCD1}">
-                <a14:hiddenFill xmlns="" xmlns:a14="http://schemas.microsoft.com/office/drawing/2010/main">
+                <a14:hiddenFill xmlns:a14="http://schemas.microsoft.com/office/drawing/2010/main" xmlns="">
                   <a:noFill/>
                 </a14:hiddenFill>
               </a:ext>
@@ -9255,7 +9255,7 @@
             </a:ln>
             <a:extLst>
               <a:ext uri="{909E8E84-426E-40dd-AFC4-6F175D3DCCD1}">
-                <a14:hiddenFill xmlns="" xmlns:a14="http://schemas.microsoft.com/office/drawing/2010/main">
+                <a14:hiddenFill xmlns:a14="http://schemas.microsoft.com/office/drawing/2010/main" xmlns="">
                   <a:noFill/>
                 </a14:hiddenFill>
               </a:ext>
@@ -9306,7 +9306,7 @@
             </a:ln>
             <a:extLst>
               <a:ext uri="{909E8E84-426E-40dd-AFC4-6F175D3DCCD1}">
-                <a14:hiddenFill xmlns="" xmlns:a14="http://schemas.microsoft.com/office/drawing/2010/main">
+                <a14:hiddenFill xmlns:a14="http://schemas.microsoft.com/office/drawing/2010/main" xmlns="">
                   <a:noFill/>
                 </a14:hiddenFill>
               </a:ext>
@@ -9357,7 +9357,7 @@
             </a:ln>
             <a:extLst>
               <a:ext uri="{909E8E84-426E-40dd-AFC4-6F175D3DCCD1}">
-                <a14:hiddenFill xmlns="" xmlns:a14="http://schemas.microsoft.com/office/drawing/2010/main">
+                <a14:hiddenFill xmlns:a14="http://schemas.microsoft.com/office/drawing/2010/main" xmlns="">
                   <a:noFill/>
                 </a14:hiddenFill>
               </a:ext>
@@ -9408,7 +9408,7 @@
             </a:ln>
             <a:extLst>
               <a:ext uri="{909E8E84-426E-40dd-AFC4-6F175D3DCCD1}">
-                <a14:hiddenFill xmlns="" xmlns:a14="http://schemas.microsoft.com/office/drawing/2010/main">
+                <a14:hiddenFill xmlns:a14="http://schemas.microsoft.com/office/drawing/2010/main" xmlns="">
                   <a:noFill/>
                 </a14:hiddenFill>
               </a:ext>
@@ -9459,7 +9459,7 @@
             </a:ln>
             <a:extLst>
               <a:ext uri="{909E8E84-426E-40dd-AFC4-6F175D3DCCD1}">
-                <a14:hiddenFill xmlns="" xmlns:a14="http://schemas.microsoft.com/office/drawing/2010/main">
+                <a14:hiddenFill xmlns:a14="http://schemas.microsoft.com/office/drawing/2010/main" xmlns="">
                   <a:noFill/>
                 </a14:hiddenFill>
               </a:ext>
@@ -9510,7 +9510,7 @@
             </a:ln>
             <a:extLst>
               <a:ext uri="{909E8E84-426E-40dd-AFC4-6F175D3DCCD1}">
-                <a14:hiddenFill xmlns="" xmlns:a14="http://schemas.microsoft.com/office/drawing/2010/main">
+                <a14:hiddenFill xmlns:a14="http://schemas.microsoft.com/office/drawing/2010/main" xmlns="">
                   <a:noFill/>
                 </a14:hiddenFill>
               </a:ext>
@@ -9561,7 +9561,7 @@
             </a:ln>
             <a:extLst>
               <a:ext uri="{909E8E84-426E-40dd-AFC4-6F175D3DCCD1}">
-                <a14:hiddenFill xmlns="" xmlns:a14="http://schemas.microsoft.com/office/drawing/2010/main">
+                <a14:hiddenFill xmlns:a14="http://schemas.microsoft.com/office/drawing/2010/main" xmlns="">
                   <a:noFill/>
                 </a14:hiddenFill>
               </a:ext>
@@ -9612,7 +9612,7 @@
             </a:ln>
             <a:extLst>
               <a:ext uri="{909E8E84-426E-40dd-AFC4-6F175D3DCCD1}">
-                <a14:hiddenFill xmlns="" xmlns:a14="http://schemas.microsoft.com/office/drawing/2010/main">
+                <a14:hiddenFill xmlns:a14="http://schemas.microsoft.com/office/drawing/2010/main" xmlns="">
                   <a:noFill/>
                 </a14:hiddenFill>
               </a:ext>
@@ -9663,7 +9663,7 @@
             </a:ln>
             <a:extLst>
               <a:ext uri="{909E8E84-426E-40dd-AFC4-6F175D3DCCD1}">
-                <a14:hiddenFill xmlns="" xmlns:a14="http://schemas.microsoft.com/office/drawing/2010/main">
+                <a14:hiddenFill xmlns:a14="http://schemas.microsoft.com/office/drawing/2010/main" xmlns="">
                   <a:noFill/>
                 </a14:hiddenFill>
               </a:ext>
@@ -9714,7 +9714,7 @@
             </a:ln>
             <a:extLst>
               <a:ext uri="{909E8E84-426E-40dd-AFC4-6F175D3DCCD1}">
-                <a14:hiddenFill xmlns="" xmlns:a14="http://schemas.microsoft.com/office/drawing/2010/main">
+                <a14:hiddenFill xmlns:a14="http://schemas.microsoft.com/office/drawing/2010/main" xmlns="">
                   <a:noFill/>
                 </a14:hiddenFill>
               </a:ext>
@@ -9765,7 +9765,7 @@
             </a:ln>
             <a:extLst>
               <a:ext uri="{909E8E84-426E-40dd-AFC4-6F175D3DCCD1}">
-                <a14:hiddenFill xmlns="" xmlns:a14="http://schemas.microsoft.com/office/drawing/2010/main">
+                <a14:hiddenFill xmlns:a14="http://schemas.microsoft.com/office/drawing/2010/main" xmlns="">
                   <a:noFill/>
                 </a14:hiddenFill>
               </a:ext>
@@ -9816,7 +9816,7 @@
             </a:ln>
             <a:extLst>
               <a:ext uri="{909E8E84-426E-40dd-AFC4-6F175D3DCCD1}">
-                <a14:hiddenFill xmlns="" xmlns:a14="http://schemas.microsoft.com/office/drawing/2010/main">
+                <a14:hiddenFill xmlns:a14="http://schemas.microsoft.com/office/drawing/2010/main" xmlns="">
                   <a:noFill/>
                 </a14:hiddenFill>
               </a:ext>
@@ -9867,7 +9867,7 @@
             </a:ln>
             <a:extLst>
               <a:ext uri="{909E8E84-426E-40dd-AFC4-6F175D3DCCD1}">
-                <a14:hiddenFill xmlns="" xmlns:a14="http://schemas.microsoft.com/office/drawing/2010/main">
+                <a14:hiddenFill xmlns:a14="http://schemas.microsoft.com/office/drawing/2010/main" xmlns="">
                   <a:noFill/>
                 </a14:hiddenFill>
               </a:ext>
@@ -9918,7 +9918,7 @@
             </a:ln>
             <a:extLst>
               <a:ext uri="{909E8E84-426E-40dd-AFC4-6F175D3DCCD1}">
-                <a14:hiddenFill xmlns="" xmlns:a14="http://schemas.microsoft.com/office/drawing/2010/main">
+                <a14:hiddenFill xmlns:a14="http://schemas.microsoft.com/office/drawing/2010/main" xmlns="">
                   <a:noFill/>
                 </a14:hiddenFill>
               </a:ext>
@@ -9969,7 +9969,7 @@
             </a:ln>
             <a:extLst>
               <a:ext uri="{909E8E84-426E-40dd-AFC4-6F175D3DCCD1}">
-                <a14:hiddenFill xmlns="" xmlns:a14="http://schemas.microsoft.com/office/drawing/2010/main">
+                <a14:hiddenFill xmlns:a14="http://schemas.microsoft.com/office/drawing/2010/main" xmlns="">
                   <a:noFill/>
                 </a14:hiddenFill>
               </a:ext>
@@ -10020,7 +10020,7 @@
             </a:ln>
             <a:extLst>
               <a:ext uri="{909E8E84-426E-40dd-AFC4-6F175D3DCCD1}">
-                <a14:hiddenFill xmlns="" xmlns:a14="http://schemas.microsoft.com/office/drawing/2010/main">
+                <a14:hiddenFill xmlns:a14="http://schemas.microsoft.com/office/drawing/2010/main" xmlns="">
                   <a:noFill/>
                 </a14:hiddenFill>
               </a:ext>
@@ -10071,7 +10071,7 @@
             </a:ln>
             <a:extLst>
               <a:ext uri="{909E8E84-426E-40dd-AFC4-6F175D3DCCD1}">
-                <a14:hiddenFill xmlns="" xmlns:a14="http://schemas.microsoft.com/office/drawing/2010/main">
+                <a14:hiddenFill xmlns:a14="http://schemas.microsoft.com/office/drawing/2010/main" xmlns="">
                   <a:noFill/>
                 </a14:hiddenFill>
               </a:ext>
@@ -10122,7 +10122,7 @@
             </a:ln>
             <a:extLst>
               <a:ext uri="{909E8E84-426E-40dd-AFC4-6F175D3DCCD1}">
-                <a14:hiddenFill xmlns="" xmlns:a14="http://schemas.microsoft.com/office/drawing/2010/main">
+                <a14:hiddenFill xmlns:a14="http://schemas.microsoft.com/office/drawing/2010/main" xmlns="">
                   <a:noFill/>
                 </a14:hiddenFill>
               </a:ext>
@@ -10173,7 +10173,7 @@
             </a:ln>
             <a:extLst>
               <a:ext uri="{909E8E84-426E-40dd-AFC4-6F175D3DCCD1}">
-                <a14:hiddenFill xmlns="" xmlns:a14="http://schemas.microsoft.com/office/drawing/2010/main">
+                <a14:hiddenFill xmlns:a14="http://schemas.microsoft.com/office/drawing/2010/main" xmlns="">
                   <a:noFill/>
                 </a14:hiddenFill>
               </a:ext>
@@ -10224,7 +10224,7 @@
             </a:ln>
             <a:extLst>
               <a:ext uri="{909E8E84-426E-40dd-AFC4-6F175D3DCCD1}">
-                <a14:hiddenFill xmlns="" xmlns:a14="http://schemas.microsoft.com/office/drawing/2010/main">
+                <a14:hiddenFill xmlns:a14="http://schemas.microsoft.com/office/drawing/2010/main" xmlns="">
                   <a:noFill/>
                 </a14:hiddenFill>
               </a:ext>
@@ -10275,7 +10275,7 @@
             </a:ln>
             <a:extLst>
               <a:ext uri="{909E8E84-426E-40dd-AFC4-6F175D3DCCD1}">
-                <a14:hiddenFill xmlns="" xmlns:a14="http://schemas.microsoft.com/office/drawing/2010/main">
+                <a14:hiddenFill xmlns:a14="http://schemas.microsoft.com/office/drawing/2010/main" xmlns="">
                   <a:noFill/>
                 </a14:hiddenFill>
               </a:ext>
@@ -10326,7 +10326,7 @@
             </a:ln>
             <a:extLst>
               <a:ext uri="{909E8E84-426E-40dd-AFC4-6F175D3DCCD1}">
-                <a14:hiddenFill xmlns="" xmlns:a14="http://schemas.microsoft.com/office/drawing/2010/main">
+                <a14:hiddenFill xmlns:a14="http://schemas.microsoft.com/office/drawing/2010/main" xmlns="">
                   <a:noFill/>
                 </a14:hiddenFill>
               </a:ext>
@@ -10377,7 +10377,7 @@
             </a:ln>
             <a:extLst>
               <a:ext uri="{909E8E84-426E-40dd-AFC4-6F175D3DCCD1}">
-                <a14:hiddenFill xmlns="" xmlns:a14="http://schemas.microsoft.com/office/drawing/2010/main">
+                <a14:hiddenFill xmlns:a14="http://schemas.microsoft.com/office/drawing/2010/main" xmlns="">
                   <a:noFill/>
                 </a14:hiddenFill>
               </a:ext>
@@ -10428,7 +10428,7 @@
             </a:ln>
             <a:extLst>
               <a:ext uri="{909E8E84-426E-40dd-AFC4-6F175D3DCCD1}">
-                <a14:hiddenFill xmlns="" xmlns:a14="http://schemas.microsoft.com/office/drawing/2010/main">
+                <a14:hiddenFill xmlns:a14="http://schemas.microsoft.com/office/drawing/2010/main" xmlns="">
                   <a:noFill/>
                 </a14:hiddenFill>
               </a:ext>
@@ -10479,7 +10479,7 @@
             </a:ln>
             <a:extLst>
               <a:ext uri="{909E8E84-426E-40dd-AFC4-6F175D3DCCD1}">
-                <a14:hiddenFill xmlns="" xmlns:a14="http://schemas.microsoft.com/office/drawing/2010/main">
+                <a14:hiddenFill xmlns:a14="http://schemas.microsoft.com/office/drawing/2010/main" xmlns="">
                   <a:noFill/>
                 </a14:hiddenFill>
               </a:ext>
@@ -10530,7 +10530,7 @@
             </a:ln>
             <a:extLst>
               <a:ext uri="{909E8E84-426E-40dd-AFC4-6F175D3DCCD1}">
-                <a14:hiddenFill xmlns="" xmlns:a14="http://schemas.microsoft.com/office/drawing/2010/main">
+                <a14:hiddenFill xmlns:a14="http://schemas.microsoft.com/office/drawing/2010/main" xmlns="">
                   <a:noFill/>
                 </a14:hiddenFill>
               </a:ext>
@@ -10581,7 +10581,7 @@
             </a:ln>
             <a:extLst>
               <a:ext uri="{909E8E84-426E-40dd-AFC4-6F175D3DCCD1}">
-                <a14:hiddenFill xmlns="" xmlns:a14="http://schemas.microsoft.com/office/drawing/2010/main">
+                <a14:hiddenFill xmlns:a14="http://schemas.microsoft.com/office/drawing/2010/main" xmlns="">
                   <a:noFill/>
                 </a14:hiddenFill>
               </a:ext>
@@ -10632,7 +10632,7 @@
             </a:ln>
             <a:extLst>
               <a:ext uri="{909E8E84-426E-40dd-AFC4-6F175D3DCCD1}">
-                <a14:hiddenFill xmlns="" xmlns:a14="http://schemas.microsoft.com/office/drawing/2010/main">
+                <a14:hiddenFill xmlns:a14="http://schemas.microsoft.com/office/drawing/2010/main" xmlns="">
                   <a:noFill/>
                 </a14:hiddenFill>
               </a:ext>
@@ -10683,7 +10683,7 @@
             </a:ln>
             <a:extLst>
               <a:ext uri="{909E8E84-426E-40dd-AFC4-6F175D3DCCD1}">
-                <a14:hiddenFill xmlns="" xmlns:a14="http://schemas.microsoft.com/office/drawing/2010/main">
+                <a14:hiddenFill xmlns:a14="http://schemas.microsoft.com/office/drawing/2010/main" xmlns="">
                   <a:noFill/>
                 </a14:hiddenFill>
               </a:ext>
@@ -10734,7 +10734,7 @@
             </a:ln>
             <a:extLst>
               <a:ext uri="{909E8E84-426E-40dd-AFC4-6F175D3DCCD1}">
-                <a14:hiddenFill xmlns="" xmlns:a14="http://schemas.microsoft.com/office/drawing/2010/main">
+                <a14:hiddenFill xmlns:a14="http://schemas.microsoft.com/office/drawing/2010/main" xmlns="">
                   <a:noFill/>
                 </a14:hiddenFill>
               </a:ext>
@@ -10785,7 +10785,7 @@
             </a:ln>
             <a:extLst>
               <a:ext uri="{909E8E84-426E-40dd-AFC4-6F175D3DCCD1}">
-                <a14:hiddenFill xmlns="" xmlns:a14="http://schemas.microsoft.com/office/drawing/2010/main">
+                <a14:hiddenFill xmlns:a14="http://schemas.microsoft.com/office/drawing/2010/main" xmlns="">
                   <a:noFill/>
                 </a14:hiddenFill>
               </a:ext>
@@ -10836,7 +10836,7 @@
             </a:ln>
             <a:extLst>
               <a:ext uri="{909E8E84-426E-40dd-AFC4-6F175D3DCCD1}">
-                <a14:hiddenFill xmlns="" xmlns:a14="http://schemas.microsoft.com/office/drawing/2010/main">
+                <a14:hiddenFill xmlns:a14="http://schemas.microsoft.com/office/drawing/2010/main" xmlns="">
                   <a:noFill/>
                 </a14:hiddenFill>
               </a:ext>
@@ -10887,7 +10887,7 @@
             </a:ln>
             <a:extLst>
               <a:ext uri="{909E8E84-426E-40dd-AFC4-6F175D3DCCD1}">
-                <a14:hiddenFill xmlns="" xmlns:a14="http://schemas.microsoft.com/office/drawing/2010/main">
+                <a14:hiddenFill xmlns:a14="http://schemas.microsoft.com/office/drawing/2010/main" xmlns="">
                   <a:noFill/>
                 </a14:hiddenFill>
               </a:ext>
@@ -10938,7 +10938,7 @@
             </a:ln>
             <a:extLst>
               <a:ext uri="{909E8E84-426E-40dd-AFC4-6F175D3DCCD1}">
-                <a14:hiddenFill xmlns="" xmlns:a14="http://schemas.microsoft.com/office/drawing/2010/main">
+                <a14:hiddenFill xmlns:a14="http://schemas.microsoft.com/office/drawing/2010/main" xmlns="">
                   <a:noFill/>
                 </a14:hiddenFill>
               </a:ext>
@@ -10989,7 +10989,7 @@
             </a:ln>
             <a:extLst>
               <a:ext uri="{909E8E84-426E-40dd-AFC4-6F175D3DCCD1}">
-                <a14:hiddenFill xmlns="" xmlns:a14="http://schemas.microsoft.com/office/drawing/2010/main">
+                <a14:hiddenFill xmlns:a14="http://schemas.microsoft.com/office/drawing/2010/main" xmlns="">
                   <a:noFill/>
                 </a14:hiddenFill>
               </a:ext>
@@ -11040,7 +11040,7 @@
             </a:ln>
             <a:extLst>
               <a:ext uri="{909E8E84-426E-40dd-AFC4-6F175D3DCCD1}">
-                <a14:hiddenFill xmlns="" xmlns:a14="http://schemas.microsoft.com/office/drawing/2010/main">
+                <a14:hiddenFill xmlns:a14="http://schemas.microsoft.com/office/drawing/2010/main" xmlns="">
                   <a:noFill/>
                 </a14:hiddenFill>
               </a:ext>
@@ -11091,7 +11091,7 @@
             </a:ln>
             <a:extLst>
               <a:ext uri="{909E8E84-426E-40dd-AFC4-6F175D3DCCD1}">
-                <a14:hiddenFill xmlns="" xmlns:a14="http://schemas.microsoft.com/office/drawing/2010/main">
+                <a14:hiddenFill xmlns:a14="http://schemas.microsoft.com/office/drawing/2010/main" xmlns="">
                   <a:noFill/>
                 </a14:hiddenFill>
               </a:ext>
@@ -11142,7 +11142,7 @@
             </a:ln>
             <a:extLst>
               <a:ext uri="{909E8E84-426E-40dd-AFC4-6F175D3DCCD1}">
-                <a14:hiddenFill xmlns="" xmlns:a14="http://schemas.microsoft.com/office/drawing/2010/main">
+                <a14:hiddenFill xmlns:a14="http://schemas.microsoft.com/office/drawing/2010/main" xmlns="">
                   <a:noFill/>
                 </a14:hiddenFill>
               </a:ext>
@@ -11193,7 +11193,7 @@
             </a:ln>
             <a:extLst>
               <a:ext uri="{909E8E84-426E-40dd-AFC4-6F175D3DCCD1}">
-                <a14:hiddenFill xmlns="" xmlns:a14="http://schemas.microsoft.com/office/drawing/2010/main">
+                <a14:hiddenFill xmlns:a14="http://schemas.microsoft.com/office/drawing/2010/main" xmlns="">
                   <a:noFill/>
                 </a14:hiddenFill>
               </a:ext>
@@ -11244,7 +11244,7 @@
             </a:ln>
             <a:extLst>
               <a:ext uri="{909E8E84-426E-40dd-AFC4-6F175D3DCCD1}">
-                <a14:hiddenFill xmlns="" xmlns:a14="http://schemas.microsoft.com/office/drawing/2010/main">
+                <a14:hiddenFill xmlns:a14="http://schemas.microsoft.com/office/drawing/2010/main" xmlns="">
                   <a:noFill/>
                 </a14:hiddenFill>
               </a:ext>
@@ -11295,7 +11295,7 @@
             </a:ln>
             <a:extLst>
               <a:ext uri="{909E8E84-426E-40dd-AFC4-6F175D3DCCD1}">
-                <a14:hiddenFill xmlns="" xmlns:a14="http://schemas.microsoft.com/office/drawing/2010/main">
+                <a14:hiddenFill xmlns:a14="http://schemas.microsoft.com/office/drawing/2010/main" xmlns="">
                   <a:noFill/>
                 </a14:hiddenFill>
               </a:ext>
@@ -11346,7 +11346,7 @@
             </a:ln>
             <a:extLst>
               <a:ext uri="{909E8E84-426E-40dd-AFC4-6F175D3DCCD1}">
-                <a14:hiddenFill xmlns="" xmlns:a14="http://schemas.microsoft.com/office/drawing/2010/main">
+                <a14:hiddenFill xmlns:a14="http://schemas.microsoft.com/office/drawing/2010/main" xmlns="">
                   <a:noFill/>
                 </a14:hiddenFill>
               </a:ext>
@@ -11397,7 +11397,7 @@
             </a:ln>
             <a:extLst>
               <a:ext uri="{909E8E84-426E-40dd-AFC4-6F175D3DCCD1}">
-                <a14:hiddenFill xmlns="" xmlns:a14="http://schemas.microsoft.com/office/drawing/2010/main">
+                <a14:hiddenFill xmlns:a14="http://schemas.microsoft.com/office/drawing/2010/main" xmlns="">
                   <a:noFill/>
                 </a14:hiddenFill>
               </a:ext>
@@ -11448,7 +11448,7 @@
             </a:ln>
             <a:extLst>
               <a:ext uri="{909E8E84-426E-40dd-AFC4-6F175D3DCCD1}">
-                <a14:hiddenFill xmlns="" xmlns:a14="http://schemas.microsoft.com/office/drawing/2010/main">
+                <a14:hiddenFill xmlns:a14="http://schemas.microsoft.com/office/drawing/2010/main" xmlns="">
                   <a:noFill/>
                 </a14:hiddenFill>
               </a:ext>
@@ -11499,7 +11499,7 @@
             </a:ln>
             <a:extLst>
               <a:ext uri="{909E8E84-426E-40dd-AFC4-6F175D3DCCD1}">
-                <a14:hiddenFill xmlns="" xmlns:a14="http://schemas.microsoft.com/office/drawing/2010/main">
+                <a14:hiddenFill xmlns:a14="http://schemas.microsoft.com/office/drawing/2010/main" xmlns="">
                   <a:noFill/>
                 </a14:hiddenFill>
               </a:ext>
@@ -11550,7 +11550,7 @@
             </a:ln>
             <a:extLst>
               <a:ext uri="{909E8E84-426E-40dd-AFC4-6F175D3DCCD1}">
-                <a14:hiddenFill xmlns="" xmlns:a14="http://schemas.microsoft.com/office/drawing/2010/main">
+                <a14:hiddenFill xmlns:a14="http://schemas.microsoft.com/office/drawing/2010/main" xmlns="">
                   <a:noFill/>
                 </a14:hiddenFill>
               </a:ext>
@@ -11601,7 +11601,7 @@
             </a:ln>
             <a:extLst>
               <a:ext uri="{909E8E84-426E-40dd-AFC4-6F175D3DCCD1}">
-                <a14:hiddenFill xmlns="" xmlns:a14="http://schemas.microsoft.com/office/drawing/2010/main">
+                <a14:hiddenFill xmlns:a14="http://schemas.microsoft.com/office/drawing/2010/main" xmlns="">
                   <a:noFill/>
                 </a14:hiddenFill>
               </a:ext>
@@ -11652,7 +11652,7 @@
             </a:ln>
             <a:extLst>
               <a:ext uri="{909E8E84-426E-40dd-AFC4-6F175D3DCCD1}">
-                <a14:hiddenFill xmlns="" xmlns:a14="http://schemas.microsoft.com/office/drawing/2010/main">
+                <a14:hiddenFill xmlns:a14="http://schemas.microsoft.com/office/drawing/2010/main" xmlns="">
                   <a:noFill/>
                 </a14:hiddenFill>
               </a:ext>
@@ -11703,7 +11703,7 @@
             </a:ln>
             <a:extLst>
               <a:ext uri="{909E8E84-426E-40dd-AFC4-6F175D3DCCD1}">
-                <a14:hiddenFill xmlns="" xmlns:a14="http://schemas.microsoft.com/office/drawing/2010/main">
+                <a14:hiddenFill xmlns:a14="http://schemas.microsoft.com/office/drawing/2010/main" xmlns="">
                   <a:noFill/>
                 </a14:hiddenFill>
               </a:ext>
@@ -11754,7 +11754,7 @@
             </a:ln>
             <a:extLst>
               <a:ext uri="{909E8E84-426E-40dd-AFC4-6F175D3DCCD1}">
-                <a14:hiddenFill xmlns="" xmlns:a14="http://schemas.microsoft.com/office/drawing/2010/main">
+                <a14:hiddenFill xmlns:a14="http://schemas.microsoft.com/office/drawing/2010/main" xmlns="">
                   <a:noFill/>
                 </a14:hiddenFill>
               </a:ext>
@@ -11805,7 +11805,7 @@
             </a:ln>
             <a:extLst>
               <a:ext uri="{909E8E84-426E-40dd-AFC4-6F175D3DCCD1}">
-                <a14:hiddenFill xmlns="" xmlns:a14="http://schemas.microsoft.com/office/drawing/2010/main">
+                <a14:hiddenFill xmlns:a14="http://schemas.microsoft.com/office/drawing/2010/main" xmlns="">
                   <a:noFill/>
                 </a14:hiddenFill>
               </a:ext>
@@ -11856,7 +11856,7 @@
             </a:ln>
             <a:extLst>
               <a:ext uri="{909E8E84-426E-40dd-AFC4-6F175D3DCCD1}">
-                <a14:hiddenFill xmlns="" xmlns:a14="http://schemas.microsoft.com/office/drawing/2010/main">
+                <a14:hiddenFill xmlns:a14="http://schemas.microsoft.com/office/drawing/2010/main" xmlns="">
                   <a:noFill/>
                 </a14:hiddenFill>
               </a:ext>
@@ -11907,7 +11907,7 @@
             </a:ln>
             <a:extLst>
               <a:ext uri="{909E8E84-426E-40dd-AFC4-6F175D3DCCD1}">
-                <a14:hiddenFill xmlns="" xmlns:a14="http://schemas.microsoft.com/office/drawing/2010/main">
+                <a14:hiddenFill xmlns:a14="http://schemas.microsoft.com/office/drawing/2010/main" xmlns="">
                   <a:noFill/>
                 </a14:hiddenFill>
               </a:ext>
@@ -11958,7 +11958,7 @@
             </a:ln>
             <a:extLst>
               <a:ext uri="{909E8E84-426E-40dd-AFC4-6F175D3DCCD1}">
-                <a14:hiddenFill xmlns="" xmlns:a14="http://schemas.microsoft.com/office/drawing/2010/main">
+                <a14:hiddenFill xmlns:a14="http://schemas.microsoft.com/office/drawing/2010/main" xmlns="">
                   <a:noFill/>
                 </a14:hiddenFill>
               </a:ext>
@@ -12009,7 +12009,7 @@
             </a:ln>
             <a:extLst>
               <a:ext uri="{909E8E84-426E-40dd-AFC4-6F175D3DCCD1}">
-                <a14:hiddenFill xmlns="" xmlns:a14="http://schemas.microsoft.com/office/drawing/2010/main">
+                <a14:hiddenFill xmlns:a14="http://schemas.microsoft.com/office/drawing/2010/main" xmlns="">
                   <a:noFill/>
                 </a14:hiddenFill>
               </a:ext>
@@ -12060,7 +12060,7 @@
             </a:ln>
             <a:extLst>
               <a:ext uri="{909E8E84-426E-40dd-AFC4-6F175D3DCCD1}">
-                <a14:hiddenFill xmlns="" xmlns:a14="http://schemas.microsoft.com/office/drawing/2010/main">
+                <a14:hiddenFill xmlns:a14="http://schemas.microsoft.com/office/drawing/2010/main" xmlns="">
                   <a:noFill/>
                 </a14:hiddenFill>
               </a:ext>
@@ -12111,7 +12111,7 @@
             </a:ln>
             <a:extLst>
               <a:ext uri="{909E8E84-426E-40dd-AFC4-6F175D3DCCD1}">
-                <a14:hiddenFill xmlns="" xmlns:a14="http://schemas.microsoft.com/office/drawing/2010/main">
+                <a14:hiddenFill xmlns:a14="http://schemas.microsoft.com/office/drawing/2010/main" xmlns="">
                   <a:noFill/>
                 </a14:hiddenFill>
               </a:ext>
@@ -12162,7 +12162,7 @@
             </a:ln>
             <a:extLst>
               <a:ext uri="{909E8E84-426E-40dd-AFC4-6F175D3DCCD1}">
-                <a14:hiddenFill xmlns="" xmlns:a14="http://schemas.microsoft.com/office/drawing/2010/main">
+                <a14:hiddenFill xmlns:a14="http://schemas.microsoft.com/office/drawing/2010/main" xmlns="">
                   <a:noFill/>
                 </a14:hiddenFill>
               </a:ext>
@@ -12213,7 +12213,7 @@
             </a:ln>
             <a:extLst>
               <a:ext uri="{909E8E84-426E-40dd-AFC4-6F175D3DCCD1}">
-                <a14:hiddenFill xmlns="" xmlns:a14="http://schemas.microsoft.com/office/drawing/2010/main">
+                <a14:hiddenFill xmlns:a14="http://schemas.microsoft.com/office/drawing/2010/main" xmlns="">
                   <a:noFill/>
                 </a14:hiddenFill>
               </a:ext>
@@ -12264,7 +12264,7 @@
             </a:ln>
             <a:extLst>
               <a:ext uri="{909E8E84-426E-40dd-AFC4-6F175D3DCCD1}">
-                <a14:hiddenFill xmlns="" xmlns:a14="http://schemas.microsoft.com/office/drawing/2010/main">
+                <a14:hiddenFill xmlns:a14="http://schemas.microsoft.com/office/drawing/2010/main" xmlns="">
                   <a:noFill/>
                 </a14:hiddenFill>
               </a:ext>
@@ -12315,7 +12315,7 @@
             </a:ln>
             <a:extLst>
               <a:ext uri="{909E8E84-426E-40dd-AFC4-6F175D3DCCD1}">
-                <a14:hiddenFill xmlns="" xmlns:a14="http://schemas.microsoft.com/office/drawing/2010/main">
+                <a14:hiddenFill xmlns:a14="http://schemas.microsoft.com/office/drawing/2010/main" xmlns="">
                   <a:noFill/>
                 </a14:hiddenFill>
               </a:ext>
@@ -12366,7 +12366,7 @@
             </a:ln>
             <a:extLst>
               <a:ext uri="{909E8E84-426E-40dd-AFC4-6F175D3DCCD1}">
-                <a14:hiddenFill xmlns="" xmlns:a14="http://schemas.microsoft.com/office/drawing/2010/main">
+                <a14:hiddenFill xmlns:a14="http://schemas.microsoft.com/office/drawing/2010/main" xmlns="">
                   <a:noFill/>
                 </a14:hiddenFill>
               </a:ext>
@@ -12417,7 +12417,7 @@
             </a:ln>
             <a:extLst>
               <a:ext uri="{909E8E84-426E-40dd-AFC4-6F175D3DCCD1}">
-                <a14:hiddenFill xmlns="" xmlns:a14="http://schemas.microsoft.com/office/drawing/2010/main">
+                <a14:hiddenFill xmlns:a14="http://schemas.microsoft.com/office/drawing/2010/main" xmlns="">
                   <a:noFill/>
                 </a14:hiddenFill>
               </a:ext>
@@ -12468,7 +12468,7 @@
             </a:ln>
             <a:extLst>
               <a:ext uri="{909E8E84-426E-40dd-AFC4-6F175D3DCCD1}">
-                <a14:hiddenFill xmlns="" xmlns:a14="http://schemas.microsoft.com/office/drawing/2010/main">
+                <a14:hiddenFill xmlns:a14="http://schemas.microsoft.com/office/drawing/2010/main" xmlns="">
                   <a:noFill/>
                 </a14:hiddenFill>
               </a:ext>
@@ -12519,7 +12519,7 @@
             </a:ln>
             <a:extLst>
               <a:ext uri="{909E8E84-426E-40dd-AFC4-6F175D3DCCD1}">
-                <a14:hiddenFill xmlns="" xmlns:a14="http://schemas.microsoft.com/office/drawing/2010/main">
+                <a14:hiddenFill xmlns:a14="http://schemas.microsoft.com/office/drawing/2010/main" xmlns="">
                   <a:noFill/>
                 </a14:hiddenFill>
               </a:ext>
@@ -12570,7 +12570,7 @@
             </a:ln>
             <a:extLst>
               <a:ext uri="{909E8E84-426E-40dd-AFC4-6F175D3DCCD1}">
-                <a14:hiddenFill xmlns="" xmlns:a14="http://schemas.microsoft.com/office/drawing/2010/main">
+                <a14:hiddenFill xmlns:a14="http://schemas.microsoft.com/office/drawing/2010/main" xmlns="">
                   <a:noFill/>
                 </a14:hiddenFill>
               </a:ext>
@@ -12621,7 +12621,7 @@
             </a:ln>
             <a:extLst>
               <a:ext uri="{909E8E84-426E-40dd-AFC4-6F175D3DCCD1}">
-                <a14:hiddenFill xmlns="" xmlns:a14="http://schemas.microsoft.com/office/drawing/2010/main">
+                <a14:hiddenFill xmlns:a14="http://schemas.microsoft.com/office/drawing/2010/main" xmlns="">
                   <a:noFill/>
                 </a14:hiddenFill>
               </a:ext>
@@ -13045,7 +13045,7 @@
           <a:p>
             <a:fld id="{5355355A-278A-4177-940D-D180E0E2D021}" type="datetimeFigureOut">
               <a:rPr lang="en-US" smtClean="0"/>
-              <a:t>7/30/2018</a:t>
+              <a:t>8/13/2018</a:t>
             </a:fld>
             <a:endParaRPr lang="en-US"/>
           </a:p>
@@ -13183,7 +13183,7 @@
             </a:ln>
             <a:extLst>
               <a:ext uri="{909E8E84-426E-40dd-AFC4-6F175D3DCCD1}">
-                <a14:hiddenFill xmlns="" xmlns:a14="http://schemas.microsoft.com/office/drawing/2010/main">
+                <a14:hiddenFill xmlns:a14="http://schemas.microsoft.com/office/drawing/2010/main" xmlns="">
                   <a:solidFill>
                     <a:srgbClr val="FFFFFF"/>
                   </a:solidFill>
@@ -13236,7 +13236,7 @@
             </a:ln>
             <a:extLst>
               <a:ext uri="{909E8E84-426E-40dd-AFC4-6F175D3DCCD1}">
-                <a14:hiddenFill xmlns="" xmlns:a14="http://schemas.microsoft.com/office/drawing/2010/main">
+                <a14:hiddenFill xmlns:a14="http://schemas.microsoft.com/office/drawing/2010/main" xmlns="">
                   <a:noFill/>
                 </a14:hiddenFill>
               </a:ext>
@@ -13287,7 +13287,7 @@
             </a:ln>
             <a:extLst>
               <a:ext uri="{909E8E84-426E-40dd-AFC4-6F175D3DCCD1}">
-                <a14:hiddenFill xmlns="" xmlns:a14="http://schemas.microsoft.com/office/drawing/2010/main">
+                <a14:hiddenFill xmlns:a14="http://schemas.microsoft.com/office/drawing/2010/main" xmlns="">
                   <a:noFill/>
                 </a14:hiddenFill>
               </a:ext>
@@ -13338,7 +13338,7 @@
             </a:ln>
             <a:extLst>
               <a:ext uri="{909E8E84-426E-40dd-AFC4-6F175D3DCCD1}">
-                <a14:hiddenFill xmlns="" xmlns:a14="http://schemas.microsoft.com/office/drawing/2010/main">
+                <a14:hiddenFill xmlns:a14="http://schemas.microsoft.com/office/drawing/2010/main" xmlns="">
                   <a:noFill/>
                 </a14:hiddenFill>
               </a:ext>
@@ -13389,7 +13389,7 @@
             </a:ln>
             <a:extLst>
               <a:ext uri="{909E8E84-426E-40dd-AFC4-6F175D3DCCD1}">
-                <a14:hiddenFill xmlns="" xmlns:a14="http://schemas.microsoft.com/office/drawing/2010/main">
+                <a14:hiddenFill xmlns:a14="http://schemas.microsoft.com/office/drawing/2010/main" xmlns="">
                   <a:noFill/>
                 </a14:hiddenFill>
               </a:ext>
@@ -13440,7 +13440,7 @@
             </a:ln>
             <a:extLst>
               <a:ext uri="{909E8E84-426E-40dd-AFC4-6F175D3DCCD1}">
-                <a14:hiddenFill xmlns="" xmlns:a14="http://schemas.microsoft.com/office/drawing/2010/main">
+                <a14:hiddenFill xmlns:a14="http://schemas.microsoft.com/office/drawing/2010/main" xmlns="">
                   <a:noFill/>
                 </a14:hiddenFill>
               </a:ext>
@@ -13491,7 +13491,7 @@
             </a:ln>
             <a:extLst>
               <a:ext uri="{909E8E84-426E-40dd-AFC4-6F175D3DCCD1}">
-                <a14:hiddenFill xmlns="" xmlns:a14="http://schemas.microsoft.com/office/drawing/2010/main">
+                <a14:hiddenFill xmlns:a14="http://schemas.microsoft.com/office/drawing/2010/main" xmlns="">
                   <a:noFill/>
                 </a14:hiddenFill>
               </a:ext>
@@ -13542,7 +13542,7 @@
             </a:ln>
             <a:extLst>
               <a:ext uri="{909E8E84-426E-40dd-AFC4-6F175D3DCCD1}">
-                <a14:hiddenFill xmlns="" xmlns:a14="http://schemas.microsoft.com/office/drawing/2010/main">
+                <a14:hiddenFill xmlns:a14="http://schemas.microsoft.com/office/drawing/2010/main" xmlns="">
                   <a:noFill/>
                 </a14:hiddenFill>
               </a:ext>
@@ -13593,7 +13593,7 @@
             </a:ln>
             <a:extLst>
               <a:ext uri="{909E8E84-426E-40dd-AFC4-6F175D3DCCD1}">
-                <a14:hiddenFill xmlns="" xmlns:a14="http://schemas.microsoft.com/office/drawing/2010/main">
+                <a14:hiddenFill xmlns:a14="http://schemas.microsoft.com/office/drawing/2010/main" xmlns="">
                   <a:noFill/>
                 </a14:hiddenFill>
               </a:ext>
@@ -13644,7 +13644,7 @@
             </a:ln>
             <a:extLst>
               <a:ext uri="{909E8E84-426E-40dd-AFC4-6F175D3DCCD1}">
-                <a14:hiddenFill xmlns="" xmlns:a14="http://schemas.microsoft.com/office/drawing/2010/main">
+                <a14:hiddenFill xmlns:a14="http://schemas.microsoft.com/office/drawing/2010/main" xmlns="">
                   <a:noFill/>
                 </a14:hiddenFill>
               </a:ext>
@@ -13695,7 +13695,7 @@
             </a:ln>
             <a:extLst>
               <a:ext uri="{909E8E84-426E-40dd-AFC4-6F175D3DCCD1}">
-                <a14:hiddenFill xmlns="" xmlns:a14="http://schemas.microsoft.com/office/drawing/2010/main">
+                <a14:hiddenFill xmlns:a14="http://schemas.microsoft.com/office/drawing/2010/main" xmlns="">
                   <a:noFill/>
                 </a14:hiddenFill>
               </a:ext>
@@ -13746,7 +13746,7 @@
             </a:ln>
             <a:extLst>
               <a:ext uri="{909E8E84-426E-40dd-AFC4-6F175D3DCCD1}">
-                <a14:hiddenFill xmlns="" xmlns:a14="http://schemas.microsoft.com/office/drawing/2010/main">
+                <a14:hiddenFill xmlns:a14="http://schemas.microsoft.com/office/drawing/2010/main" xmlns="">
                   <a:noFill/>
                 </a14:hiddenFill>
               </a:ext>
@@ -13797,7 +13797,7 @@
             </a:ln>
             <a:extLst>
               <a:ext uri="{909E8E84-426E-40dd-AFC4-6F175D3DCCD1}">
-                <a14:hiddenFill xmlns="" xmlns:a14="http://schemas.microsoft.com/office/drawing/2010/main">
+                <a14:hiddenFill xmlns:a14="http://schemas.microsoft.com/office/drawing/2010/main" xmlns="">
                   <a:noFill/>
                 </a14:hiddenFill>
               </a:ext>
@@ -13848,7 +13848,7 @@
             </a:ln>
             <a:extLst>
               <a:ext uri="{909E8E84-426E-40dd-AFC4-6F175D3DCCD1}">
-                <a14:hiddenFill xmlns="" xmlns:a14="http://schemas.microsoft.com/office/drawing/2010/main">
+                <a14:hiddenFill xmlns:a14="http://schemas.microsoft.com/office/drawing/2010/main" xmlns="">
                   <a:noFill/>
                 </a14:hiddenFill>
               </a:ext>
@@ -13899,7 +13899,7 @@
             </a:ln>
             <a:extLst>
               <a:ext uri="{909E8E84-426E-40dd-AFC4-6F175D3DCCD1}">
-                <a14:hiddenFill xmlns="" xmlns:a14="http://schemas.microsoft.com/office/drawing/2010/main">
+                <a14:hiddenFill xmlns:a14="http://schemas.microsoft.com/office/drawing/2010/main" xmlns="">
                   <a:noFill/>
                 </a14:hiddenFill>
               </a:ext>
@@ -13950,7 +13950,7 @@
             </a:ln>
             <a:extLst>
               <a:ext uri="{909E8E84-426E-40dd-AFC4-6F175D3DCCD1}">
-                <a14:hiddenFill xmlns="" xmlns:a14="http://schemas.microsoft.com/office/drawing/2010/main">
+                <a14:hiddenFill xmlns:a14="http://schemas.microsoft.com/office/drawing/2010/main" xmlns="">
                   <a:noFill/>
                 </a14:hiddenFill>
               </a:ext>
@@ -14001,7 +14001,7 @@
             </a:ln>
             <a:extLst>
               <a:ext uri="{909E8E84-426E-40dd-AFC4-6F175D3DCCD1}">
-                <a14:hiddenFill xmlns="" xmlns:a14="http://schemas.microsoft.com/office/drawing/2010/main">
+                <a14:hiddenFill xmlns:a14="http://schemas.microsoft.com/office/drawing/2010/main" xmlns="">
                   <a:noFill/>
                 </a14:hiddenFill>
               </a:ext>
@@ -14052,7 +14052,7 @@
             </a:ln>
             <a:extLst>
               <a:ext uri="{909E8E84-426E-40dd-AFC4-6F175D3DCCD1}">
-                <a14:hiddenFill xmlns="" xmlns:a14="http://schemas.microsoft.com/office/drawing/2010/main">
+                <a14:hiddenFill xmlns:a14="http://schemas.microsoft.com/office/drawing/2010/main" xmlns="">
                   <a:noFill/>
                 </a14:hiddenFill>
               </a:ext>
@@ -14103,7 +14103,7 @@
             </a:ln>
             <a:extLst>
               <a:ext uri="{909E8E84-426E-40dd-AFC4-6F175D3DCCD1}">
-                <a14:hiddenFill xmlns="" xmlns:a14="http://schemas.microsoft.com/office/drawing/2010/main">
+                <a14:hiddenFill xmlns:a14="http://schemas.microsoft.com/office/drawing/2010/main" xmlns="">
                   <a:noFill/>
                 </a14:hiddenFill>
               </a:ext>
@@ -14154,7 +14154,7 @@
             </a:ln>
             <a:extLst>
               <a:ext uri="{909E8E84-426E-40dd-AFC4-6F175D3DCCD1}">
-                <a14:hiddenFill xmlns="" xmlns:a14="http://schemas.microsoft.com/office/drawing/2010/main">
+                <a14:hiddenFill xmlns:a14="http://schemas.microsoft.com/office/drawing/2010/main" xmlns="">
                   <a:noFill/>
                 </a14:hiddenFill>
               </a:ext>
@@ -14205,7 +14205,7 @@
             </a:ln>
             <a:extLst>
               <a:ext uri="{909E8E84-426E-40dd-AFC4-6F175D3DCCD1}">
-                <a14:hiddenFill xmlns="" xmlns:a14="http://schemas.microsoft.com/office/drawing/2010/main">
+                <a14:hiddenFill xmlns:a14="http://schemas.microsoft.com/office/drawing/2010/main" xmlns="">
                   <a:noFill/>
                 </a14:hiddenFill>
               </a:ext>
@@ -14256,7 +14256,7 @@
             </a:ln>
             <a:extLst>
               <a:ext uri="{909E8E84-426E-40dd-AFC4-6F175D3DCCD1}">
-                <a14:hiddenFill xmlns="" xmlns:a14="http://schemas.microsoft.com/office/drawing/2010/main">
+                <a14:hiddenFill xmlns:a14="http://schemas.microsoft.com/office/drawing/2010/main" xmlns="">
                   <a:noFill/>
                 </a14:hiddenFill>
               </a:ext>
@@ -14307,7 +14307,7 @@
             </a:ln>
             <a:extLst>
               <a:ext uri="{909E8E84-426E-40dd-AFC4-6F175D3DCCD1}">
-                <a14:hiddenFill xmlns="" xmlns:a14="http://schemas.microsoft.com/office/drawing/2010/main">
+                <a14:hiddenFill xmlns:a14="http://schemas.microsoft.com/office/drawing/2010/main" xmlns="">
                   <a:noFill/>
                 </a14:hiddenFill>
               </a:ext>
@@ -14358,7 +14358,7 @@
             </a:ln>
             <a:extLst>
               <a:ext uri="{909E8E84-426E-40dd-AFC4-6F175D3DCCD1}">
-                <a14:hiddenFill xmlns="" xmlns:a14="http://schemas.microsoft.com/office/drawing/2010/main">
+                <a14:hiddenFill xmlns:a14="http://schemas.microsoft.com/office/drawing/2010/main" xmlns="">
                   <a:noFill/>
                 </a14:hiddenFill>
               </a:ext>
@@ -14409,7 +14409,7 @@
             </a:ln>
             <a:extLst>
               <a:ext uri="{909E8E84-426E-40dd-AFC4-6F175D3DCCD1}">
-                <a14:hiddenFill xmlns="" xmlns:a14="http://schemas.microsoft.com/office/drawing/2010/main">
+                <a14:hiddenFill xmlns:a14="http://schemas.microsoft.com/office/drawing/2010/main" xmlns="">
                   <a:noFill/>
                 </a14:hiddenFill>
               </a:ext>
@@ -14460,7 +14460,7 @@
             </a:ln>
             <a:extLst>
               <a:ext uri="{909E8E84-426E-40dd-AFC4-6F175D3DCCD1}">
-                <a14:hiddenFill xmlns="" xmlns:a14="http://schemas.microsoft.com/office/drawing/2010/main">
+                <a14:hiddenFill xmlns:a14="http://schemas.microsoft.com/office/drawing/2010/main" xmlns="">
                   <a:noFill/>
                 </a14:hiddenFill>
               </a:ext>
@@ -14511,7 +14511,7 @@
             </a:ln>
             <a:extLst>
               <a:ext uri="{909E8E84-426E-40dd-AFC4-6F175D3DCCD1}">
-                <a14:hiddenFill xmlns="" xmlns:a14="http://schemas.microsoft.com/office/drawing/2010/main">
+                <a14:hiddenFill xmlns:a14="http://schemas.microsoft.com/office/drawing/2010/main" xmlns="">
                   <a:noFill/>
                 </a14:hiddenFill>
               </a:ext>
@@ -14562,7 +14562,7 @@
             </a:ln>
             <a:extLst>
               <a:ext uri="{909E8E84-426E-40dd-AFC4-6F175D3DCCD1}">
-                <a14:hiddenFill xmlns="" xmlns:a14="http://schemas.microsoft.com/office/drawing/2010/main">
+                <a14:hiddenFill xmlns:a14="http://schemas.microsoft.com/office/drawing/2010/main" xmlns="">
                   <a:noFill/>
                 </a14:hiddenFill>
               </a:ext>
@@ -14613,7 +14613,7 @@
             </a:ln>
             <a:extLst>
               <a:ext uri="{909E8E84-426E-40dd-AFC4-6F175D3DCCD1}">
-                <a14:hiddenFill xmlns="" xmlns:a14="http://schemas.microsoft.com/office/drawing/2010/main">
+                <a14:hiddenFill xmlns:a14="http://schemas.microsoft.com/office/drawing/2010/main" xmlns="">
                   <a:noFill/>
                 </a14:hiddenFill>
               </a:ext>
@@ -14664,7 +14664,7 @@
             </a:ln>
             <a:extLst>
               <a:ext uri="{909E8E84-426E-40dd-AFC4-6F175D3DCCD1}">
-                <a14:hiddenFill xmlns="" xmlns:a14="http://schemas.microsoft.com/office/drawing/2010/main">
+                <a14:hiddenFill xmlns:a14="http://schemas.microsoft.com/office/drawing/2010/main" xmlns="">
                   <a:noFill/>
                 </a14:hiddenFill>
               </a:ext>
@@ -14715,7 +14715,7 @@
             </a:ln>
             <a:extLst>
               <a:ext uri="{909E8E84-426E-40dd-AFC4-6F175D3DCCD1}">
-                <a14:hiddenFill xmlns="" xmlns:a14="http://schemas.microsoft.com/office/drawing/2010/main">
+                <a14:hiddenFill xmlns:a14="http://schemas.microsoft.com/office/drawing/2010/main" xmlns="">
                   <a:noFill/>
                 </a14:hiddenFill>
               </a:ext>
@@ -14766,7 +14766,7 @@
             </a:ln>
             <a:extLst>
               <a:ext uri="{909E8E84-426E-40dd-AFC4-6F175D3DCCD1}">
-                <a14:hiddenFill xmlns="" xmlns:a14="http://schemas.microsoft.com/office/drawing/2010/main">
+                <a14:hiddenFill xmlns:a14="http://schemas.microsoft.com/office/drawing/2010/main" xmlns="">
                   <a:noFill/>
                 </a14:hiddenFill>
               </a:ext>
@@ -14817,7 +14817,7 @@
             </a:ln>
             <a:extLst>
               <a:ext uri="{909E8E84-426E-40dd-AFC4-6F175D3DCCD1}">
-                <a14:hiddenFill xmlns="" xmlns:a14="http://schemas.microsoft.com/office/drawing/2010/main">
+                <a14:hiddenFill xmlns:a14="http://schemas.microsoft.com/office/drawing/2010/main" xmlns="">
                   <a:noFill/>
                 </a14:hiddenFill>
               </a:ext>
@@ -14868,7 +14868,7 @@
             </a:ln>
             <a:extLst>
               <a:ext uri="{909E8E84-426E-40dd-AFC4-6F175D3DCCD1}">
-                <a14:hiddenFill xmlns="" xmlns:a14="http://schemas.microsoft.com/office/drawing/2010/main">
+                <a14:hiddenFill xmlns:a14="http://schemas.microsoft.com/office/drawing/2010/main" xmlns="">
                   <a:noFill/>
                 </a14:hiddenFill>
               </a:ext>
@@ -14919,7 +14919,7 @@
             </a:ln>
             <a:extLst>
               <a:ext uri="{909E8E84-426E-40dd-AFC4-6F175D3DCCD1}">
-                <a14:hiddenFill xmlns="" xmlns:a14="http://schemas.microsoft.com/office/drawing/2010/main">
+                <a14:hiddenFill xmlns:a14="http://schemas.microsoft.com/office/drawing/2010/main" xmlns="">
                   <a:noFill/>
                 </a14:hiddenFill>
               </a:ext>
@@ -14970,7 +14970,7 @@
             </a:ln>
             <a:extLst>
               <a:ext uri="{909E8E84-426E-40dd-AFC4-6F175D3DCCD1}">
-                <a14:hiddenFill xmlns="" xmlns:a14="http://schemas.microsoft.com/office/drawing/2010/main">
+                <a14:hiddenFill xmlns:a14="http://schemas.microsoft.com/office/drawing/2010/main" xmlns="">
                   <a:noFill/>
                 </a14:hiddenFill>
               </a:ext>
@@ -15021,7 +15021,7 @@
             </a:ln>
             <a:extLst>
               <a:ext uri="{909E8E84-426E-40dd-AFC4-6F175D3DCCD1}">
-                <a14:hiddenFill xmlns="" xmlns:a14="http://schemas.microsoft.com/office/drawing/2010/main">
+                <a14:hiddenFill xmlns:a14="http://schemas.microsoft.com/office/drawing/2010/main" xmlns="">
                   <a:noFill/>
                 </a14:hiddenFill>
               </a:ext>
@@ -15072,7 +15072,7 @@
             </a:ln>
             <a:extLst>
               <a:ext uri="{909E8E84-426E-40dd-AFC4-6F175D3DCCD1}">
-                <a14:hiddenFill xmlns="" xmlns:a14="http://schemas.microsoft.com/office/drawing/2010/main">
+                <a14:hiddenFill xmlns:a14="http://schemas.microsoft.com/office/drawing/2010/main" xmlns="">
                   <a:noFill/>
                 </a14:hiddenFill>
               </a:ext>
@@ -15123,7 +15123,7 @@
             </a:ln>
             <a:extLst>
               <a:ext uri="{909E8E84-426E-40dd-AFC4-6F175D3DCCD1}">
-                <a14:hiddenFill xmlns="" xmlns:a14="http://schemas.microsoft.com/office/drawing/2010/main">
+                <a14:hiddenFill xmlns:a14="http://schemas.microsoft.com/office/drawing/2010/main" xmlns="">
                   <a:noFill/>
                 </a14:hiddenFill>
               </a:ext>
@@ -15174,7 +15174,7 @@
             </a:ln>
             <a:extLst>
               <a:ext uri="{909E8E84-426E-40dd-AFC4-6F175D3DCCD1}">
-                <a14:hiddenFill xmlns="" xmlns:a14="http://schemas.microsoft.com/office/drawing/2010/main">
+                <a14:hiddenFill xmlns:a14="http://schemas.microsoft.com/office/drawing/2010/main" xmlns="">
                   <a:noFill/>
                 </a14:hiddenFill>
               </a:ext>
@@ -15225,7 +15225,7 @@
             </a:ln>
             <a:extLst>
               <a:ext uri="{909E8E84-426E-40dd-AFC4-6F175D3DCCD1}">
-                <a14:hiddenFill xmlns="" xmlns:a14="http://schemas.microsoft.com/office/drawing/2010/main">
+                <a14:hiddenFill xmlns:a14="http://schemas.microsoft.com/office/drawing/2010/main" xmlns="">
                   <a:noFill/>
                 </a14:hiddenFill>
               </a:ext>
@@ -15276,7 +15276,7 @@
             </a:ln>
             <a:extLst>
               <a:ext uri="{909E8E84-426E-40dd-AFC4-6F175D3DCCD1}">
-                <a14:hiddenFill xmlns="" xmlns:a14="http://schemas.microsoft.com/office/drawing/2010/main">
+                <a14:hiddenFill xmlns:a14="http://schemas.microsoft.com/office/drawing/2010/main" xmlns="">
                   <a:noFill/>
                 </a14:hiddenFill>
               </a:ext>
@@ -15327,7 +15327,7 @@
             </a:ln>
             <a:extLst>
               <a:ext uri="{909E8E84-426E-40dd-AFC4-6F175D3DCCD1}">
-                <a14:hiddenFill xmlns="" xmlns:a14="http://schemas.microsoft.com/office/drawing/2010/main">
+                <a14:hiddenFill xmlns:a14="http://schemas.microsoft.com/office/drawing/2010/main" xmlns="">
                   <a:noFill/>
                 </a14:hiddenFill>
               </a:ext>
@@ -15378,7 +15378,7 @@
             </a:ln>
             <a:extLst>
               <a:ext uri="{909E8E84-426E-40dd-AFC4-6F175D3DCCD1}">
-                <a14:hiddenFill xmlns="" xmlns:a14="http://schemas.microsoft.com/office/drawing/2010/main">
+                <a14:hiddenFill xmlns:a14="http://schemas.microsoft.com/office/drawing/2010/main" xmlns="">
                   <a:noFill/>
                 </a14:hiddenFill>
               </a:ext>
@@ -15429,7 +15429,7 @@
             </a:ln>
             <a:extLst>
               <a:ext uri="{909E8E84-426E-40dd-AFC4-6F175D3DCCD1}">
-                <a14:hiddenFill xmlns="" xmlns:a14="http://schemas.microsoft.com/office/drawing/2010/main">
+                <a14:hiddenFill xmlns:a14="http://schemas.microsoft.com/office/drawing/2010/main" xmlns="">
                   <a:noFill/>
                 </a14:hiddenFill>
               </a:ext>
@@ -15480,7 +15480,7 @@
             </a:ln>
             <a:extLst>
               <a:ext uri="{909E8E84-426E-40dd-AFC4-6F175D3DCCD1}">
-                <a14:hiddenFill xmlns="" xmlns:a14="http://schemas.microsoft.com/office/drawing/2010/main">
+                <a14:hiddenFill xmlns:a14="http://schemas.microsoft.com/office/drawing/2010/main" xmlns="">
                   <a:noFill/>
                 </a14:hiddenFill>
               </a:ext>
@@ -15531,7 +15531,7 @@
             </a:ln>
             <a:extLst>
               <a:ext uri="{909E8E84-426E-40dd-AFC4-6F175D3DCCD1}">
-                <a14:hiddenFill xmlns="" xmlns:a14="http://schemas.microsoft.com/office/drawing/2010/main">
+                <a14:hiddenFill xmlns:a14="http://schemas.microsoft.com/office/drawing/2010/main" xmlns="">
                   <a:noFill/>
                 </a14:hiddenFill>
               </a:ext>
@@ -15582,7 +15582,7 @@
             </a:ln>
             <a:extLst>
               <a:ext uri="{909E8E84-426E-40dd-AFC4-6F175D3DCCD1}">
-                <a14:hiddenFill xmlns="" xmlns:a14="http://schemas.microsoft.com/office/drawing/2010/main">
+                <a14:hiddenFill xmlns:a14="http://schemas.microsoft.com/office/drawing/2010/main" xmlns="">
                   <a:noFill/>
                 </a14:hiddenFill>
               </a:ext>
@@ -15633,7 +15633,7 @@
             </a:ln>
             <a:extLst>
               <a:ext uri="{909E8E84-426E-40dd-AFC4-6F175D3DCCD1}">
-                <a14:hiddenFill xmlns="" xmlns:a14="http://schemas.microsoft.com/office/drawing/2010/main">
+                <a14:hiddenFill xmlns:a14="http://schemas.microsoft.com/office/drawing/2010/main" xmlns="">
                   <a:noFill/>
                 </a14:hiddenFill>
               </a:ext>
@@ -15684,7 +15684,7 @@
             </a:ln>
             <a:extLst>
               <a:ext uri="{909E8E84-426E-40dd-AFC4-6F175D3DCCD1}">
-                <a14:hiddenFill xmlns="" xmlns:a14="http://schemas.microsoft.com/office/drawing/2010/main">
+                <a14:hiddenFill xmlns:a14="http://schemas.microsoft.com/office/drawing/2010/main" xmlns="">
                   <a:noFill/>
                 </a14:hiddenFill>
               </a:ext>
@@ -15735,7 +15735,7 @@
             </a:ln>
             <a:extLst>
               <a:ext uri="{909E8E84-426E-40dd-AFC4-6F175D3DCCD1}">
-                <a14:hiddenFill xmlns="" xmlns:a14="http://schemas.microsoft.com/office/drawing/2010/main">
+                <a14:hiddenFill xmlns:a14="http://schemas.microsoft.com/office/drawing/2010/main" xmlns="">
                   <a:noFill/>
                 </a14:hiddenFill>
               </a:ext>
@@ -15786,7 +15786,7 @@
             </a:ln>
             <a:extLst>
               <a:ext uri="{909E8E84-426E-40dd-AFC4-6F175D3DCCD1}">
-                <a14:hiddenFill xmlns="" xmlns:a14="http://schemas.microsoft.com/office/drawing/2010/main">
+                <a14:hiddenFill xmlns:a14="http://schemas.microsoft.com/office/drawing/2010/main" xmlns="">
                   <a:noFill/>
                 </a14:hiddenFill>
               </a:ext>
@@ -15837,7 +15837,7 @@
             </a:ln>
             <a:extLst>
               <a:ext uri="{909E8E84-426E-40dd-AFC4-6F175D3DCCD1}">
-                <a14:hiddenFill xmlns="" xmlns:a14="http://schemas.microsoft.com/office/drawing/2010/main">
+                <a14:hiddenFill xmlns:a14="http://schemas.microsoft.com/office/drawing/2010/main" xmlns="">
                   <a:noFill/>
                 </a14:hiddenFill>
               </a:ext>
@@ -15888,7 +15888,7 @@
             </a:ln>
             <a:extLst>
               <a:ext uri="{909E8E84-426E-40dd-AFC4-6F175D3DCCD1}">
-                <a14:hiddenFill xmlns="" xmlns:a14="http://schemas.microsoft.com/office/drawing/2010/main">
+                <a14:hiddenFill xmlns:a14="http://schemas.microsoft.com/office/drawing/2010/main" xmlns="">
                   <a:noFill/>
                 </a14:hiddenFill>
               </a:ext>
@@ -15939,7 +15939,7 @@
             </a:ln>
             <a:extLst>
               <a:ext uri="{909E8E84-426E-40dd-AFC4-6F175D3DCCD1}">
-                <a14:hiddenFill xmlns="" xmlns:a14="http://schemas.microsoft.com/office/drawing/2010/main">
+                <a14:hiddenFill xmlns:a14="http://schemas.microsoft.com/office/drawing/2010/main" xmlns="">
                   <a:noFill/>
                 </a14:hiddenFill>
               </a:ext>
@@ -15990,7 +15990,7 @@
             </a:ln>
             <a:extLst>
               <a:ext uri="{909E8E84-426E-40dd-AFC4-6F175D3DCCD1}">
-                <a14:hiddenFill xmlns="" xmlns:a14="http://schemas.microsoft.com/office/drawing/2010/main">
+                <a14:hiddenFill xmlns:a14="http://schemas.microsoft.com/office/drawing/2010/main" xmlns="">
                   <a:noFill/>
                 </a14:hiddenFill>
               </a:ext>
@@ -16041,7 +16041,7 @@
             </a:ln>
             <a:extLst>
               <a:ext uri="{909E8E84-426E-40dd-AFC4-6F175D3DCCD1}">
-                <a14:hiddenFill xmlns="" xmlns:a14="http://schemas.microsoft.com/office/drawing/2010/main">
+                <a14:hiddenFill xmlns:a14="http://schemas.microsoft.com/office/drawing/2010/main" xmlns="">
                   <a:noFill/>
                 </a14:hiddenFill>
               </a:ext>
@@ -16092,7 +16092,7 @@
             </a:ln>
             <a:extLst>
               <a:ext uri="{909E8E84-426E-40dd-AFC4-6F175D3DCCD1}">
-                <a14:hiddenFill xmlns="" xmlns:a14="http://schemas.microsoft.com/office/drawing/2010/main">
+                <a14:hiddenFill xmlns:a14="http://schemas.microsoft.com/office/drawing/2010/main" xmlns="">
                   <a:noFill/>
                 </a14:hiddenFill>
               </a:ext>
@@ -16143,7 +16143,7 @@
             </a:ln>
             <a:extLst>
               <a:ext uri="{909E8E84-426E-40dd-AFC4-6F175D3DCCD1}">
-                <a14:hiddenFill xmlns="" xmlns:a14="http://schemas.microsoft.com/office/drawing/2010/main">
+                <a14:hiddenFill xmlns:a14="http://schemas.microsoft.com/office/drawing/2010/main" xmlns="">
                   <a:noFill/>
                 </a14:hiddenFill>
               </a:ext>
@@ -16194,7 +16194,7 @@
             </a:ln>
             <a:extLst>
               <a:ext uri="{909E8E84-426E-40dd-AFC4-6F175D3DCCD1}">
-                <a14:hiddenFill xmlns="" xmlns:a14="http://schemas.microsoft.com/office/drawing/2010/main">
+                <a14:hiddenFill xmlns:a14="http://schemas.microsoft.com/office/drawing/2010/main" xmlns="">
                   <a:noFill/>
                 </a14:hiddenFill>
               </a:ext>
@@ -16245,7 +16245,7 @@
             </a:ln>
             <a:extLst>
               <a:ext uri="{909E8E84-426E-40dd-AFC4-6F175D3DCCD1}">
-                <a14:hiddenFill xmlns="" xmlns:a14="http://schemas.microsoft.com/office/drawing/2010/main">
+                <a14:hiddenFill xmlns:a14="http://schemas.microsoft.com/office/drawing/2010/main" xmlns="">
                   <a:noFill/>
                 </a14:hiddenFill>
               </a:ext>
@@ -16296,7 +16296,7 @@
             </a:ln>
             <a:extLst>
               <a:ext uri="{909E8E84-426E-40dd-AFC4-6F175D3DCCD1}">
-                <a14:hiddenFill xmlns="" xmlns:a14="http://schemas.microsoft.com/office/drawing/2010/main">
+                <a14:hiddenFill xmlns:a14="http://schemas.microsoft.com/office/drawing/2010/main" xmlns="">
                   <a:noFill/>
                 </a14:hiddenFill>
               </a:ext>
@@ -16347,7 +16347,7 @@
             </a:ln>
             <a:extLst>
               <a:ext uri="{909E8E84-426E-40dd-AFC4-6F175D3DCCD1}">
-                <a14:hiddenFill xmlns="" xmlns:a14="http://schemas.microsoft.com/office/drawing/2010/main">
+                <a14:hiddenFill xmlns:a14="http://schemas.microsoft.com/office/drawing/2010/main" xmlns="">
                   <a:noFill/>
                 </a14:hiddenFill>
               </a:ext>
@@ -16398,7 +16398,7 @@
             </a:ln>
             <a:extLst>
               <a:ext uri="{909E8E84-426E-40dd-AFC4-6F175D3DCCD1}">
-                <a14:hiddenFill xmlns="" xmlns:a14="http://schemas.microsoft.com/office/drawing/2010/main">
+                <a14:hiddenFill xmlns:a14="http://schemas.microsoft.com/office/drawing/2010/main" xmlns="">
                   <a:noFill/>
                 </a14:hiddenFill>
               </a:ext>
@@ -16449,7 +16449,7 @@
             </a:ln>
             <a:extLst>
               <a:ext uri="{909E8E84-426E-40dd-AFC4-6F175D3DCCD1}">
-                <a14:hiddenFill xmlns="" xmlns:a14="http://schemas.microsoft.com/office/drawing/2010/main">
+                <a14:hiddenFill xmlns:a14="http://schemas.microsoft.com/office/drawing/2010/main" xmlns="">
                   <a:noFill/>
                 </a14:hiddenFill>
               </a:ext>
@@ -16500,7 +16500,7 @@
             </a:ln>
             <a:extLst>
               <a:ext uri="{909E8E84-426E-40dd-AFC4-6F175D3DCCD1}">
-                <a14:hiddenFill xmlns="" xmlns:a14="http://schemas.microsoft.com/office/drawing/2010/main">
+                <a14:hiddenFill xmlns:a14="http://schemas.microsoft.com/office/drawing/2010/main" xmlns="">
                   <a:noFill/>
                 </a14:hiddenFill>
               </a:ext>
@@ -16551,7 +16551,7 @@
             </a:ln>
             <a:extLst>
               <a:ext uri="{909E8E84-426E-40dd-AFC4-6F175D3DCCD1}">
-                <a14:hiddenFill xmlns="" xmlns:a14="http://schemas.microsoft.com/office/drawing/2010/main">
+                <a14:hiddenFill xmlns:a14="http://schemas.microsoft.com/office/drawing/2010/main" xmlns="">
                   <a:noFill/>
                 </a14:hiddenFill>
               </a:ext>
@@ -16602,7 +16602,7 @@
             </a:ln>
             <a:extLst>
               <a:ext uri="{909E8E84-426E-40dd-AFC4-6F175D3DCCD1}">
-                <a14:hiddenFill xmlns="" xmlns:a14="http://schemas.microsoft.com/office/drawing/2010/main">
+                <a14:hiddenFill xmlns:a14="http://schemas.microsoft.com/office/drawing/2010/main" xmlns="">
                   <a:noFill/>
                 </a14:hiddenFill>
               </a:ext>
@@ -16653,7 +16653,7 @@
             </a:ln>
             <a:extLst>
               <a:ext uri="{909E8E84-426E-40dd-AFC4-6F175D3DCCD1}">
-                <a14:hiddenFill xmlns="" xmlns:a14="http://schemas.microsoft.com/office/drawing/2010/main">
+                <a14:hiddenFill xmlns:a14="http://schemas.microsoft.com/office/drawing/2010/main" xmlns="">
                   <a:noFill/>
                 </a14:hiddenFill>
               </a:ext>
@@ -17722,7 +17722,7 @@
             </a:ln>
             <a:extLst>
               <a:ext uri="{909E8E84-426E-40dd-AFC4-6F175D3DCCD1}">
-                <a14:hiddenFill xmlns="" xmlns:a14="http://schemas.microsoft.com/office/drawing/2010/main">
+                <a14:hiddenFill xmlns:a14="http://schemas.microsoft.com/office/drawing/2010/main" xmlns="">
                   <a:solidFill>
                     <a:srgbClr val="FFFFFF"/>
                   </a:solidFill>
@@ -17775,7 +17775,7 @@
             </a:ln>
             <a:extLst>
               <a:ext uri="{909E8E84-426E-40dd-AFC4-6F175D3DCCD1}">
-                <a14:hiddenFill xmlns="" xmlns:a14="http://schemas.microsoft.com/office/drawing/2010/main">
+                <a14:hiddenFill xmlns:a14="http://schemas.microsoft.com/office/drawing/2010/main" xmlns="">
                   <a:noFill/>
                 </a14:hiddenFill>
               </a:ext>
@@ -17826,7 +17826,7 @@
             </a:ln>
             <a:extLst>
               <a:ext uri="{909E8E84-426E-40dd-AFC4-6F175D3DCCD1}">
-                <a14:hiddenFill xmlns="" xmlns:a14="http://schemas.microsoft.com/office/drawing/2010/main">
+                <a14:hiddenFill xmlns:a14="http://schemas.microsoft.com/office/drawing/2010/main" xmlns="">
                   <a:noFill/>
                 </a14:hiddenFill>
               </a:ext>
@@ -17877,7 +17877,7 @@
             </a:ln>
             <a:extLst>
               <a:ext uri="{909E8E84-426E-40dd-AFC4-6F175D3DCCD1}">
-                <a14:hiddenFill xmlns="" xmlns:a14="http://schemas.microsoft.com/office/drawing/2010/main">
+                <a14:hiddenFill xmlns:a14="http://schemas.microsoft.com/office/drawing/2010/main" xmlns="">
                   <a:noFill/>
                 </a14:hiddenFill>
               </a:ext>
@@ -17928,7 +17928,7 @@
             </a:ln>
             <a:extLst>
               <a:ext uri="{909E8E84-426E-40dd-AFC4-6F175D3DCCD1}">
-                <a14:hiddenFill xmlns="" xmlns:a14="http://schemas.microsoft.com/office/drawing/2010/main">
+                <a14:hiddenFill xmlns:a14="http://schemas.microsoft.com/office/drawing/2010/main" xmlns="">
                   <a:noFill/>
                 </a14:hiddenFill>
               </a:ext>
@@ -17979,7 +17979,7 @@
             </a:ln>
             <a:extLst>
               <a:ext uri="{909E8E84-426E-40dd-AFC4-6F175D3DCCD1}">
-                <a14:hiddenFill xmlns="" xmlns:a14="http://schemas.microsoft.com/office/drawing/2010/main">
+                <a14:hiddenFill xmlns:a14="http://schemas.microsoft.com/office/drawing/2010/main" xmlns="">
                   <a:noFill/>
                 </a14:hiddenFill>
               </a:ext>
@@ -18030,7 +18030,7 @@
             </a:ln>
             <a:extLst>
               <a:ext uri="{909E8E84-426E-40dd-AFC4-6F175D3DCCD1}">
-                <a14:hiddenFill xmlns="" xmlns:a14="http://schemas.microsoft.com/office/drawing/2010/main">
+                <a14:hiddenFill xmlns:a14="http://schemas.microsoft.com/office/drawing/2010/main" xmlns="">
                   <a:noFill/>
                 </a14:hiddenFill>
               </a:ext>
@@ -18081,7 +18081,7 @@
             </a:ln>
             <a:extLst>
               <a:ext uri="{909E8E84-426E-40dd-AFC4-6F175D3DCCD1}">
-                <a14:hiddenFill xmlns="" xmlns:a14="http://schemas.microsoft.com/office/drawing/2010/main">
+                <a14:hiddenFill xmlns:a14="http://schemas.microsoft.com/office/drawing/2010/main" xmlns="">
                   <a:noFill/>
                 </a14:hiddenFill>
               </a:ext>
@@ -18132,7 +18132,7 @@
             </a:ln>
             <a:extLst>
               <a:ext uri="{909E8E84-426E-40dd-AFC4-6F175D3DCCD1}">
-                <a14:hiddenFill xmlns="" xmlns:a14="http://schemas.microsoft.com/office/drawing/2010/main">
+                <a14:hiddenFill xmlns:a14="http://schemas.microsoft.com/office/drawing/2010/main" xmlns="">
                   <a:noFill/>
                 </a14:hiddenFill>
               </a:ext>
@@ -18183,7 +18183,7 @@
             </a:ln>
             <a:extLst>
               <a:ext uri="{909E8E84-426E-40dd-AFC4-6F175D3DCCD1}">
-                <a14:hiddenFill xmlns="" xmlns:a14="http://schemas.microsoft.com/office/drawing/2010/main">
+                <a14:hiddenFill xmlns:a14="http://schemas.microsoft.com/office/drawing/2010/main" xmlns="">
                   <a:noFill/>
                 </a14:hiddenFill>
               </a:ext>
@@ -18234,7 +18234,7 @@
             </a:ln>
             <a:extLst>
               <a:ext uri="{909E8E84-426E-40dd-AFC4-6F175D3DCCD1}">
-                <a14:hiddenFill xmlns="" xmlns:a14="http://schemas.microsoft.com/office/drawing/2010/main">
+                <a14:hiddenFill xmlns:a14="http://schemas.microsoft.com/office/drawing/2010/main" xmlns="">
                   <a:noFill/>
                 </a14:hiddenFill>
               </a:ext>
@@ -18285,7 +18285,7 @@
             </a:ln>
             <a:extLst>
               <a:ext uri="{909E8E84-426E-40dd-AFC4-6F175D3DCCD1}">
-                <a14:hiddenFill xmlns="" xmlns:a14="http://schemas.microsoft.com/office/drawing/2010/main">
+                <a14:hiddenFill xmlns:a14="http://schemas.microsoft.com/office/drawing/2010/main" xmlns="">
                   <a:noFill/>
                 </a14:hiddenFill>
               </a:ext>
@@ -18336,7 +18336,7 @@
             </a:ln>
             <a:extLst>
               <a:ext uri="{909E8E84-426E-40dd-AFC4-6F175D3DCCD1}">
-                <a14:hiddenFill xmlns="" xmlns:a14="http://schemas.microsoft.com/office/drawing/2010/main">
+                <a14:hiddenFill xmlns:a14="http://schemas.microsoft.com/office/drawing/2010/main" xmlns="">
                   <a:noFill/>
                 </a14:hiddenFill>
               </a:ext>
@@ -18387,7 +18387,7 @@
             </a:ln>
             <a:extLst>
               <a:ext uri="{909E8E84-426E-40dd-AFC4-6F175D3DCCD1}">
-                <a14:hiddenFill xmlns="" xmlns:a14="http://schemas.microsoft.com/office/drawing/2010/main">
+                <a14:hiddenFill xmlns:a14="http://schemas.microsoft.com/office/drawing/2010/main" xmlns="">
                   <a:noFill/>
                 </a14:hiddenFill>
               </a:ext>
@@ -18438,7 +18438,7 @@
             </a:ln>
             <a:extLst>
               <a:ext uri="{909E8E84-426E-40dd-AFC4-6F175D3DCCD1}">
-                <a14:hiddenFill xmlns="" xmlns:a14="http://schemas.microsoft.com/office/drawing/2010/main">
+                <a14:hiddenFill xmlns:a14="http://schemas.microsoft.com/office/drawing/2010/main" xmlns="">
                   <a:noFill/>
                 </a14:hiddenFill>
               </a:ext>
@@ -18489,7 +18489,7 @@
             </a:ln>
             <a:extLst>
               <a:ext uri="{909E8E84-426E-40dd-AFC4-6F175D3DCCD1}">
-                <a14:hiddenFill xmlns="" xmlns:a14="http://schemas.microsoft.com/office/drawing/2010/main">
+                <a14:hiddenFill xmlns:a14="http://schemas.microsoft.com/office/drawing/2010/main" xmlns="">
                   <a:noFill/>
                 </a14:hiddenFill>
               </a:ext>
@@ -18540,7 +18540,7 @@
             </a:ln>
             <a:extLst>
               <a:ext uri="{909E8E84-426E-40dd-AFC4-6F175D3DCCD1}">
-                <a14:hiddenFill xmlns="" xmlns:a14="http://schemas.microsoft.com/office/drawing/2010/main">
+                <a14:hiddenFill xmlns:a14="http://schemas.microsoft.com/office/drawing/2010/main" xmlns="">
                   <a:noFill/>
                 </a14:hiddenFill>
               </a:ext>
@@ -18591,7 +18591,7 @@
             </a:ln>
             <a:extLst>
               <a:ext uri="{909E8E84-426E-40dd-AFC4-6F175D3DCCD1}">
-                <a14:hiddenFill xmlns="" xmlns:a14="http://schemas.microsoft.com/office/drawing/2010/main">
+                <a14:hiddenFill xmlns:a14="http://schemas.microsoft.com/office/drawing/2010/main" xmlns="">
                   <a:noFill/>
                 </a14:hiddenFill>
               </a:ext>
@@ -18642,7 +18642,7 @@
             </a:ln>
             <a:extLst>
               <a:ext uri="{909E8E84-426E-40dd-AFC4-6F175D3DCCD1}">
-                <a14:hiddenFill xmlns="" xmlns:a14="http://schemas.microsoft.com/office/drawing/2010/main">
+                <a14:hiddenFill xmlns:a14="http://schemas.microsoft.com/office/drawing/2010/main" xmlns="">
                   <a:noFill/>
                 </a14:hiddenFill>
               </a:ext>
@@ -18693,7 +18693,7 @@
             </a:ln>
             <a:extLst>
               <a:ext uri="{909E8E84-426E-40dd-AFC4-6F175D3DCCD1}">
-                <a14:hiddenFill xmlns="" xmlns:a14="http://schemas.microsoft.com/office/drawing/2010/main">
+                <a14:hiddenFill xmlns:a14="http://schemas.microsoft.com/office/drawing/2010/main" xmlns="">
                   <a:noFill/>
                 </a14:hiddenFill>
               </a:ext>
@@ -18744,7 +18744,7 @@
             </a:ln>
             <a:extLst>
               <a:ext uri="{909E8E84-426E-40dd-AFC4-6F175D3DCCD1}">
-                <a14:hiddenFill xmlns="" xmlns:a14="http://schemas.microsoft.com/office/drawing/2010/main">
+                <a14:hiddenFill xmlns:a14="http://schemas.microsoft.com/office/drawing/2010/main" xmlns="">
                   <a:noFill/>
                 </a14:hiddenFill>
               </a:ext>
@@ -18795,7 +18795,7 @@
             </a:ln>
             <a:extLst>
               <a:ext uri="{909E8E84-426E-40dd-AFC4-6F175D3DCCD1}">
-                <a14:hiddenFill xmlns="" xmlns:a14="http://schemas.microsoft.com/office/drawing/2010/main">
+                <a14:hiddenFill xmlns:a14="http://schemas.microsoft.com/office/drawing/2010/main" xmlns="">
                   <a:noFill/>
                 </a14:hiddenFill>
               </a:ext>
@@ -18846,7 +18846,7 @@
             </a:ln>
             <a:extLst>
               <a:ext uri="{909E8E84-426E-40dd-AFC4-6F175D3DCCD1}">
-                <a14:hiddenFill xmlns="" xmlns:a14="http://schemas.microsoft.com/office/drawing/2010/main">
+                <a14:hiddenFill xmlns:a14="http://schemas.microsoft.com/office/drawing/2010/main" xmlns="">
                   <a:noFill/>
                 </a14:hiddenFill>
               </a:ext>
@@ -18897,7 +18897,7 @@
             </a:ln>
             <a:extLst>
               <a:ext uri="{909E8E84-426E-40dd-AFC4-6F175D3DCCD1}">
-                <a14:hiddenFill xmlns="" xmlns:a14="http://schemas.microsoft.com/office/drawing/2010/main">
+                <a14:hiddenFill xmlns:a14="http://schemas.microsoft.com/office/drawing/2010/main" xmlns="">
                   <a:noFill/>
                 </a14:hiddenFill>
               </a:ext>
@@ -18948,7 +18948,7 @@
             </a:ln>
             <a:extLst>
               <a:ext uri="{909E8E84-426E-40dd-AFC4-6F175D3DCCD1}">
-                <a14:hiddenFill xmlns="" xmlns:a14="http://schemas.microsoft.com/office/drawing/2010/main">
+                <a14:hiddenFill xmlns:a14="http://schemas.microsoft.com/office/drawing/2010/main" xmlns="">
                   <a:noFill/>
                 </a14:hiddenFill>
               </a:ext>
@@ -18999,7 +18999,7 @@
             </a:ln>
             <a:extLst>
               <a:ext uri="{909E8E84-426E-40dd-AFC4-6F175D3DCCD1}">
-                <a14:hiddenFill xmlns="" xmlns:a14="http://schemas.microsoft.com/office/drawing/2010/main">
+                <a14:hiddenFill xmlns:a14="http://schemas.microsoft.com/office/drawing/2010/main" xmlns="">
                   <a:noFill/>
                 </a14:hiddenFill>
               </a:ext>
@@ -19050,7 +19050,7 @@
             </a:ln>
             <a:extLst>
               <a:ext uri="{909E8E84-426E-40dd-AFC4-6F175D3DCCD1}">
-                <a14:hiddenFill xmlns="" xmlns:a14="http://schemas.microsoft.com/office/drawing/2010/main">
+                <a14:hiddenFill xmlns:a14="http://schemas.microsoft.com/office/drawing/2010/main" xmlns="">
                   <a:noFill/>
                 </a14:hiddenFill>
               </a:ext>
@@ -19101,7 +19101,7 @@
             </a:ln>
             <a:extLst>
               <a:ext uri="{909E8E84-426E-40dd-AFC4-6F175D3DCCD1}">
-                <a14:hiddenFill xmlns="" xmlns:a14="http://schemas.microsoft.com/office/drawing/2010/main">
+                <a14:hiddenFill xmlns:a14="http://schemas.microsoft.com/office/drawing/2010/main" xmlns="">
                   <a:noFill/>
                 </a14:hiddenFill>
               </a:ext>
@@ -19152,7 +19152,7 @@
             </a:ln>
             <a:extLst>
               <a:ext uri="{909E8E84-426E-40dd-AFC4-6F175D3DCCD1}">
-                <a14:hiddenFill xmlns="" xmlns:a14="http://schemas.microsoft.com/office/drawing/2010/main">
+                <a14:hiddenFill xmlns:a14="http://schemas.microsoft.com/office/drawing/2010/main" xmlns="">
                   <a:noFill/>
                 </a14:hiddenFill>
               </a:ext>
@@ -19203,7 +19203,7 @@
             </a:ln>
             <a:extLst>
               <a:ext uri="{909E8E84-426E-40dd-AFC4-6F175D3DCCD1}">
-                <a14:hiddenFill xmlns="" xmlns:a14="http://schemas.microsoft.com/office/drawing/2010/main">
+                <a14:hiddenFill xmlns:a14="http://schemas.microsoft.com/office/drawing/2010/main" xmlns="">
                   <a:noFill/>
                 </a14:hiddenFill>
               </a:ext>
@@ -19254,7 +19254,7 @@
             </a:ln>
             <a:extLst>
               <a:ext uri="{909E8E84-426E-40dd-AFC4-6F175D3DCCD1}">
-                <a14:hiddenFill xmlns="" xmlns:a14="http://schemas.microsoft.com/office/drawing/2010/main">
+                <a14:hiddenFill xmlns:a14="http://schemas.microsoft.com/office/drawing/2010/main" xmlns="">
                   <a:noFill/>
                 </a14:hiddenFill>
               </a:ext>
@@ -19305,7 +19305,7 @@
             </a:ln>
             <a:extLst>
               <a:ext uri="{909E8E84-426E-40dd-AFC4-6F175D3DCCD1}">
-                <a14:hiddenFill xmlns="" xmlns:a14="http://schemas.microsoft.com/office/drawing/2010/main">
+                <a14:hiddenFill xmlns:a14="http://schemas.microsoft.com/office/drawing/2010/main" xmlns="">
                   <a:noFill/>
                 </a14:hiddenFill>
               </a:ext>
@@ -19356,7 +19356,7 @@
             </a:ln>
             <a:extLst>
               <a:ext uri="{909E8E84-426E-40dd-AFC4-6F175D3DCCD1}">
-                <a14:hiddenFill xmlns="" xmlns:a14="http://schemas.microsoft.com/office/drawing/2010/main">
+                <a14:hiddenFill xmlns:a14="http://schemas.microsoft.com/office/drawing/2010/main" xmlns="">
                   <a:noFill/>
                 </a14:hiddenFill>
               </a:ext>
@@ -19407,7 +19407,7 @@
             </a:ln>
             <a:extLst>
               <a:ext uri="{909E8E84-426E-40dd-AFC4-6F175D3DCCD1}">
-                <a14:hiddenFill xmlns="" xmlns:a14="http://schemas.microsoft.com/office/drawing/2010/main">
+                <a14:hiddenFill xmlns:a14="http://schemas.microsoft.com/office/drawing/2010/main" xmlns="">
                   <a:noFill/>
                 </a14:hiddenFill>
               </a:ext>
@@ -19458,7 +19458,7 @@
             </a:ln>
             <a:extLst>
               <a:ext uri="{909E8E84-426E-40dd-AFC4-6F175D3DCCD1}">
-                <a14:hiddenFill xmlns="" xmlns:a14="http://schemas.microsoft.com/office/drawing/2010/main">
+                <a14:hiddenFill xmlns:a14="http://schemas.microsoft.com/office/drawing/2010/main" xmlns="">
                   <a:noFill/>
                 </a14:hiddenFill>
               </a:ext>
@@ -19509,7 +19509,7 @@
             </a:ln>
             <a:extLst>
               <a:ext uri="{909E8E84-426E-40dd-AFC4-6F175D3DCCD1}">
-                <a14:hiddenFill xmlns="" xmlns:a14="http://schemas.microsoft.com/office/drawing/2010/main">
+                <a14:hiddenFill xmlns:a14="http://schemas.microsoft.com/office/drawing/2010/main" xmlns="">
                   <a:noFill/>
                 </a14:hiddenFill>
               </a:ext>
@@ -19560,7 +19560,7 @@
             </a:ln>
             <a:extLst>
               <a:ext uri="{909E8E84-426E-40dd-AFC4-6F175D3DCCD1}">
-                <a14:hiddenFill xmlns="" xmlns:a14="http://schemas.microsoft.com/office/drawing/2010/main">
+                <a14:hiddenFill xmlns:a14="http://schemas.microsoft.com/office/drawing/2010/main" xmlns="">
                   <a:noFill/>
                 </a14:hiddenFill>
               </a:ext>
@@ -19611,7 +19611,7 @@
             </a:ln>
             <a:extLst>
               <a:ext uri="{909E8E84-426E-40dd-AFC4-6F175D3DCCD1}">
-                <a14:hiddenFill xmlns="" xmlns:a14="http://schemas.microsoft.com/office/drawing/2010/main">
+                <a14:hiddenFill xmlns:a14="http://schemas.microsoft.com/office/drawing/2010/main" xmlns="">
                   <a:noFill/>
                 </a14:hiddenFill>
               </a:ext>
@@ -19662,7 +19662,7 @@
             </a:ln>
             <a:extLst>
               <a:ext uri="{909E8E84-426E-40dd-AFC4-6F175D3DCCD1}">
-                <a14:hiddenFill xmlns="" xmlns:a14="http://schemas.microsoft.com/office/drawing/2010/main">
+                <a14:hiddenFill xmlns:a14="http://schemas.microsoft.com/office/drawing/2010/main" xmlns="">
                   <a:noFill/>
                 </a14:hiddenFill>
               </a:ext>
@@ -19713,7 +19713,7 @@
             </a:ln>
             <a:extLst>
               <a:ext uri="{909E8E84-426E-40dd-AFC4-6F175D3DCCD1}">
-                <a14:hiddenFill xmlns="" xmlns:a14="http://schemas.microsoft.com/office/drawing/2010/main">
+                <a14:hiddenFill xmlns:a14="http://schemas.microsoft.com/office/drawing/2010/main" xmlns="">
                   <a:noFill/>
                 </a14:hiddenFill>
               </a:ext>
@@ -19764,7 +19764,7 @@
             </a:ln>
             <a:extLst>
               <a:ext uri="{909E8E84-426E-40dd-AFC4-6F175D3DCCD1}">
-                <a14:hiddenFill xmlns="" xmlns:a14="http://schemas.microsoft.com/office/drawing/2010/main">
+                <a14:hiddenFill xmlns:a14="http://schemas.microsoft.com/office/drawing/2010/main" xmlns="">
                   <a:noFill/>
                 </a14:hiddenFill>
               </a:ext>
@@ -19815,7 +19815,7 @@
             </a:ln>
             <a:extLst>
               <a:ext uri="{909E8E84-426E-40dd-AFC4-6F175D3DCCD1}">
-                <a14:hiddenFill xmlns="" xmlns:a14="http://schemas.microsoft.com/office/drawing/2010/main">
+                <a14:hiddenFill xmlns:a14="http://schemas.microsoft.com/office/drawing/2010/main" xmlns="">
                   <a:noFill/>
                 </a14:hiddenFill>
               </a:ext>
@@ -19866,7 +19866,7 @@
             </a:ln>
             <a:extLst>
               <a:ext uri="{909E8E84-426E-40dd-AFC4-6F175D3DCCD1}">
-                <a14:hiddenFill xmlns="" xmlns:a14="http://schemas.microsoft.com/office/drawing/2010/main">
+                <a14:hiddenFill xmlns:a14="http://schemas.microsoft.com/office/drawing/2010/main" xmlns="">
                   <a:noFill/>
                 </a14:hiddenFill>
               </a:ext>
@@ -19917,7 +19917,7 @@
             </a:ln>
             <a:extLst>
               <a:ext uri="{909E8E84-426E-40dd-AFC4-6F175D3DCCD1}">
-                <a14:hiddenFill xmlns="" xmlns:a14="http://schemas.microsoft.com/office/drawing/2010/main">
+                <a14:hiddenFill xmlns:a14="http://schemas.microsoft.com/office/drawing/2010/main" xmlns="">
                   <a:noFill/>
                 </a14:hiddenFill>
               </a:ext>
@@ -19968,7 +19968,7 @@
             </a:ln>
             <a:extLst>
               <a:ext uri="{909E8E84-426E-40dd-AFC4-6F175D3DCCD1}">
-                <a14:hiddenFill xmlns="" xmlns:a14="http://schemas.microsoft.com/office/drawing/2010/main">
+                <a14:hiddenFill xmlns:a14="http://schemas.microsoft.com/office/drawing/2010/main" xmlns="">
                   <a:noFill/>
                 </a14:hiddenFill>
               </a:ext>
@@ -20019,7 +20019,7 @@
             </a:ln>
             <a:extLst>
               <a:ext uri="{909E8E84-426E-40dd-AFC4-6F175D3DCCD1}">
-                <a14:hiddenFill xmlns="" xmlns:a14="http://schemas.microsoft.com/office/drawing/2010/main">
+                <a14:hiddenFill xmlns:a14="http://schemas.microsoft.com/office/drawing/2010/main" xmlns="">
                   <a:noFill/>
                 </a14:hiddenFill>
               </a:ext>
@@ -20070,7 +20070,7 @@
             </a:ln>
             <a:extLst>
               <a:ext uri="{909E8E84-426E-40dd-AFC4-6F175D3DCCD1}">
-                <a14:hiddenFill xmlns="" xmlns:a14="http://schemas.microsoft.com/office/drawing/2010/main">
+                <a14:hiddenFill xmlns:a14="http://schemas.microsoft.com/office/drawing/2010/main" xmlns="">
                   <a:noFill/>
                 </a14:hiddenFill>
               </a:ext>
@@ -20121,7 +20121,7 @@
             </a:ln>
             <a:extLst>
               <a:ext uri="{909E8E84-426E-40dd-AFC4-6F175D3DCCD1}">
-                <a14:hiddenFill xmlns="" xmlns:a14="http://schemas.microsoft.com/office/drawing/2010/main">
+                <a14:hiddenFill xmlns:a14="http://schemas.microsoft.com/office/drawing/2010/main" xmlns="">
                   <a:noFill/>
                 </a14:hiddenFill>
               </a:ext>
@@ -20172,7 +20172,7 @@
             </a:ln>
             <a:extLst>
               <a:ext uri="{909E8E84-426E-40dd-AFC4-6F175D3DCCD1}">
-                <a14:hiddenFill xmlns="" xmlns:a14="http://schemas.microsoft.com/office/drawing/2010/main">
+                <a14:hiddenFill xmlns:a14="http://schemas.microsoft.com/office/drawing/2010/main" xmlns="">
                   <a:noFill/>
                 </a14:hiddenFill>
               </a:ext>
@@ -20223,7 +20223,7 @@
             </a:ln>
             <a:extLst>
               <a:ext uri="{909E8E84-426E-40dd-AFC4-6F175D3DCCD1}">
-                <a14:hiddenFill xmlns="" xmlns:a14="http://schemas.microsoft.com/office/drawing/2010/main">
+                <a14:hiddenFill xmlns:a14="http://schemas.microsoft.com/office/drawing/2010/main" xmlns="">
                   <a:noFill/>
                 </a14:hiddenFill>
               </a:ext>
@@ -20274,7 +20274,7 @@
             </a:ln>
             <a:extLst>
               <a:ext uri="{909E8E84-426E-40dd-AFC4-6F175D3DCCD1}">
-                <a14:hiddenFill xmlns="" xmlns:a14="http://schemas.microsoft.com/office/drawing/2010/main">
+                <a14:hiddenFill xmlns:a14="http://schemas.microsoft.com/office/drawing/2010/main" xmlns="">
                   <a:noFill/>
                 </a14:hiddenFill>
               </a:ext>
@@ -20325,7 +20325,7 @@
             </a:ln>
             <a:extLst>
               <a:ext uri="{909E8E84-426E-40dd-AFC4-6F175D3DCCD1}">
-                <a14:hiddenFill xmlns="" xmlns:a14="http://schemas.microsoft.com/office/drawing/2010/main">
+                <a14:hiddenFill xmlns:a14="http://schemas.microsoft.com/office/drawing/2010/main" xmlns="">
                   <a:noFill/>
                 </a14:hiddenFill>
               </a:ext>
@@ -20376,7 +20376,7 @@
             </a:ln>
             <a:extLst>
               <a:ext uri="{909E8E84-426E-40dd-AFC4-6F175D3DCCD1}">
-                <a14:hiddenFill xmlns="" xmlns:a14="http://schemas.microsoft.com/office/drawing/2010/main">
+                <a14:hiddenFill xmlns:a14="http://schemas.microsoft.com/office/drawing/2010/main" xmlns="">
                   <a:noFill/>
                 </a14:hiddenFill>
               </a:ext>
@@ -20427,7 +20427,7 @@
             </a:ln>
             <a:extLst>
               <a:ext uri="{909E8E84-426E-40dd-AFC4-6F175D3DCCD1}">
-                <a14:hiddenFill xmlns="" xmlns:a14="http://schemas.microsoft.com/office/drawing/2010/main">
+                <a14:hiddenFill xmlns:a14="http://schemas.microsoft.com/office/drawing/2010/main" xmlns="">
                   <a:noFill/>
                 </a14:hiddenFill>
               </a:ext>
@@ -20478,7 +20478,7 @@
             </a:ln>
             <a:extLst>
               <a:ext uri="{909E8E84-426E-40dd-AFC4-6F175D3DCCD1}">
-                <a14:hiddenFill xmlns="" xmlns:a14="http://schemas.microsoft.com/office/drawing/2010/main">
+                <a14:hiddenFill xmlns:a14="http://schemas.microsoft.com/office/drawing/2010/main" xmlns="">
                   <a:noFill/>
                 </a14:hiddenFill>
               </a:ext>
@@ -20529,7 +20529,7 @@
             </a:ln>
             <a:extLst>
               <a:ext uri="{909E8E84-426E-40dd-AFC4-6F175D3DCCD1}">
-                <a14:hiddenFill xmlns="" xmlns:a14="http://schemas.microsoft.com/office/drawing/2010/main">
+                <a14:hiddenFill xmlns:a14="http://schemas.microsoft.com/office/drawing/2010/main" xmlns="">
                   <a:noFill/>
                 </a14:hiddenFill>
               </a:ext>
@@ -20580,7 +20580,7 @@
             </a:ln>
             <a:extLst>
               <a:ext uri="{909E8E84-426E-40dd-AFC4-6F175D3DCCD1}">
-                <a14:hiddenFill xmlns="" xmlns:a14="http://schemas.microsoft.com/office/drawing/2010/main">
+                <a14:hiddenFill xmlns:a14="http://schemas.microsoft.com/office/drawing/2010/main" xmlns="">
                   <a:noFill/>
                 </a14:hiddenFill>
               </a:ext>
@@ -20631,7 +20631,7 @@
             </a:ln>
             <a:extLst>
               <a:ext uri="{909E8E84-426E-40dd-AFC4-6F175D3DCCD1}">
-                <a14:hiddenFill xmlns="" xmlns:a14="http://schemas.microsoft.com/office/drawing/2010/main">
+                <a14:hiddenFill xmlns:a14="http://schemas.microsoft.com/office/drawing/2010/main" xmlns="">
                   <a:noFill/>
                 </a14:hiddenFill>
               </a:ext>
@@ -20682,7 +20682,7 @@
             </a:ln>
             <a:extLst>
               <a:ext uri="{909E8E84-426E-40dd-AFC4-6F175D3DCCD1}">
-                <a14:hiddenFill xmlns="" xmlns:a14="http://schemas.microsoft.com/office/drawing/2010/main">
+                <a14:hiddenFill xmlns:a14="http://schemas.microsoft.com/office/drawing/2010/main" xmlns="">
                   <a:noFill/>
                 </a14:hiddenFill>
               </a:ext>
@@ -20733,7 +20733,7 @@
             </a:ln>
             <a:extLst>
               <a:ext uri="{909E8E84-426E-40dd-AFC4-6F175D3DCCD1}">
-                <a14:hiddenFill xmlns="" xmlns:a14="http://schemas.microsoft.com/office/drawing/2010/main">
+                <a14:hiddenFill xmlns:a14="http://schemas.microsoft.com/office/drawing/2010/main" xmlns="">
                   <a:noFill/>
                 </a14:hiddenFill>
               </a:ext>
@@ -20784,7 +20784,7 @@
             </a:ln>
             <a:extLst>
               <a:ext uri="{909E8E84-426E-40dd-AFC4-6F175D3DCCD1}">
-                <a14:hiddenFill xmlns="" xmlns:a14="http://schemas.microsoft.com/office/drawing/2010/main">
+                <a14:hiddenFill xmlns:a14="http://schemas.microsoft.com/office/drawing/2010/main" xmlns="">
                   <a:noFill/>
                 </a14:hiddenFill>
               </a:ext>
@@ -20835,7 +20835,7 @@
             </a:ln>
             <a:extLst>
               <a:ext uri="{909E8E84-426E-40dd-AFC4-6F175D3DCCD1}">
-                <a14:hiddenFill xmlns="" xmlns:a14="http://schemas.microsoft.com/office/drawing/2010/main">
+                <a14:hiddenFill xmlns:a14="http://schemas.microsoft.com/office/drawing/2010/main" xmlns="">
                   <a:noFill/>
                 </a14:hiddenFill>
               </a:ext>
@@ -20886,7 +20886,7 @@
             </a:ln>
             <a:extLst>
               <a:ext uri="{909E8E84-426E-40dd-AFC4-6F175D3DCCD1}">
-                <a14:hiddenFill xmlns="" xmlns:a14="http://schemas.microsoft.com/office/drawing/2010/main">
+                <a14:hiddenFill xmlns:a14="http://schemas.microsoft.com/office/drawing/2010/main" xmlns="">
                   <a:noFill/>
                 </a14:hiddenFill>
               </a:ext>
@@ -20937,7 +20937,7 @@
             </a:ln>
             <a:extLst>
               <a:ext uri="{909E8E84-426E-40dd-AFC4-6F175D3DCCD1}">
-                <a14:hiddenFill xmlns="" xmlns:a14="http://schemas.microsoft.com/office/drawing/2010/main">
+                <a14:hiddenFill xmlns:a14="http://schemas.microsoft.com/office/drawing/2010/main" xmlns="">
                   <a:noFill/>
                 </a14:hiddenFill>
               </a:ext>
@@ -20988,7 +20988,7 @@
             </a:ln>
             <a:extLst>
               <a:ext uri="{909E8E84-426E-40dd-AFC4-6F175D3DCCD1}">
-                <a14:hiddenFill xmlns="" xmlns:a14="http://schemas.microsoft.com/office/drawing/2010/main">
+                <a14:hiddenFill xmlns:a14="http://schemas.microsoft.com/office/drawing/2010/main" xmlns="">
                   <a:noFill/>
                 </a14:hiddenFill>
               </a:ext>
@@ -21039,7 +21039,7 @@
             </a:ln>
             <a:extLst>
               <a:ext uri="{909E8E84-426E-40dd-AFC4-6F175D3DCCD1}">
-                <a14:hiddenFill xmlns="" xmlns:a14="http://schemas.microsoft.com/office/drawing/2010/main">
+                <a14:hiddenFill xmlns:a14="http://schemas.microsoft.com/office/drawing/2010/main" xmlns="">
                   <a:noFill/>
                 </a14:hiddenFill>
               </a:ext>
@@ -21090,7 +21090,7 @@
             </a:ln>
             <a:extLst>
               <a:ext uri="{909E8E84-426E-40dd-AFC4-6F175D3DCCD1}">
-                <a14:hiddenFill xmlns="" xmlns:a14="http://schemas.microsoft.com/office/drawing/2010/main">
+                <a14:hiddenFill xmlns:a14="http://schemas.microsoft.com/office/drawing/2010/main" xmlns="">
                   <a:noFill/>
                 </a14:hiddenFill>
               </a:ext>
@@ -21141,7 +21141,7 @@
             </a:ln>
             <a:extLst>
               <a:ext uri="{909E8E84-426E-40dd-AFC4-6F175D3DCCD1}">
-                <a14:hiddenFill xmlns="" xmlns:a14="http://schemas.microsoft.com/office/drawing/2010/main">
+                <a14:hiddenFill xmlns:a14="http://schemas.microsoft.com/office/drawing/2010/main" xmlns="">
                   <a:noFill/>
                 </a14:hiddenFill>
               </a:ext>
@@ -21192,7 +21192,7 @@
             </a:ln>
             <a:extLst>
               <a:ext uri="{909E8E84-426E-40dd-AFC4-6F175D3DCCD1}">
-                <a14:hiddenFill xmlns="" xmlns:a14="http://schemas.microsoft.com/office/drawing/2010/main">
+                <a14:hiddenFill xmlns:a14="http://schemas.microsoft.com/office/drawing/2010/main" xmlns="">
                   <a:noFill/>
                 </a14:hiddenFill>
               </a:ext>
@@ -22042,7 +22042,7 @@
             </a:ln>
             <a:extLst>
               <a:ext uri="{91240B29-F687-4f45-9708-019B960494DF}">
-                <a14:hiddenLine xmlns="" xmlns:a14="http://schemas.microsoft.com/office/drawing/2010/main" w="9525">
+                <a14:hiddenLine xmlns:a14="http://schemas.microsoft.com/office/drawing/2010/main" xmlns="" w="9525">
                   <a:solidFill>
                     <a:srgbClr val="000000"/>
                   </a:solidFill>
@@ -22714,7 +22714,7 @@
             </a:ln>
             <a:extLst>
               <a:ext uri="{91240B29-F687-4f45-9708-019B960494DF}">
-                <a14:hiddenLine xmlns="" xmlns:a14="http://schemas.microsoft.com/office/drawing/2010/main" w="9525">
+                <a14:hiddenLine xmlns:a14="http://schemas.microsoft.com/office/drawing/2010/main" xmlns="" w="9525">
                   <a:solidFill>
                     <a:srgbClr val="000000"/>
                   </a:solidFill>
@@ -22834,7 +22834,7 @@
             </a:ln>
             <a:extLst>
               <a:ext uri="{909E8E84-426E-40dd-AFC4-6F175D3DCCD1}">
-                <a14:hiddenFill xmlns="" xmlns:a14="http://schemas.microsoft.com/office/drawing/2010/main">
+                <a14:hiddenFill xmlns:a14="http://schemas.microsoft.com/office/drawing/2010/main" xmlns="">
                   <a:solidFill>
                     <a:srgbClr val="FFFFFF"/>
                   </a:solidFill>
@@ -22887,7 +22887,7 @@
             </a:ln>
             <a:extLst>
               <a:ext uri="{909E8E84-426E-40dd-AFC4-6F175D3DCCD1}">
-                <a14:hiddenFill xmlns="" xmlns:a14="http://schemas.microsoft.com/office/drawing/2010/main">
+                <a14:hiddenFill xmlns:a14="http://schemas.microsoft.com/office/drawing/2010/main" xmlns="">
                   <a:noFill/>
                 </a14:hiddenFill>
               </a:ext>
@@ -22938,7 +22938,7 @@
             </a:ln>
             <a:extLst>
               <a:ext uri="{909E8E84-426E-40dd-AFC4-6F175D3DCCD1}">
-                <a14:hiddenFill xmlns="" xmlns:a14="http://schemas.microsoft.com/office/drawing/2010/main">
+                <a14:hiddenFill xmlns:a14="http://schemas.microsoft.com/office/drawing/2010/main" xmlns="">
                   <a:noFill/>
                 </a14:hiddenFill>
               </a:ext>
@@ -22989,7 +22989,7 @@
             </a:ln>
             <a:extLst>
               <a:ext uri="{909E8E84-426E-40dd-AFC4-6F175D3DCCD1}">
-                <a14:hiddenFill xmlns="" xmlns:a14="http://schemas.microsoft.com/office/drawing/2010/main">
+                <a14:hiddenFill xmlns:a14="http://schemas.microsoft.com/office/drawing/2010/main" xmlns="">
                   <a:noFill/>
                 </a14:hiddenFill>
               </a:ext>
@@ -23040,7 +23040,7 @@
             </a:ln>
             <a:extLst>
               <a:ext uri="{909E8E84-426E-40dd-AFC4-6F175D3DCCD1}">
-                <a14:hiddenFill xmlns="" xmlns:a14="http://schemas.microsoft.com/office/drawing/2010/main">
+                <a14:hiddenFill xmlns:a14="http://schemas.microsoft.com/office/drawing/2010/main" xmlns="">
                   <a:noFill/>
                 </a14:hiddenFill>
               </a:ext>
@@ -23091,7 +23091,7 @@
             </a:ln>
             <a:extLst>
               <a:ext uri="{909E8E84-426E-40dd-AFC4-6F175D3DCCD1}">
-                <a14:hiddenFill xmlns="" xmlns:a14="http://schemas.microsoft.com/office/drawing/2010/main">
+                <a14:hiddenFill xmlns:a14="http://schemas.microsoft.com/office/drawing/2010/main" xmlns="">
                   <a:noFill/>
                 </a14:hiddenFill>
               </a:ext>
@@ -23142,7 +23142,7 @@
             </a:ln>
             <a:extLst>
               <a:ext uri="{909E8E84-426E-40dd-AFC4-6F175D3DCCD1}">
-                <a14:hiddenFill xmlns="" xmlns:a14="http://schemas.microsoft.com/office/drawing/2010/main">
+                <a14:hiddenFill xmlns:a14="http://schemas.microsoft.com/office/drawing/2010/main" xmlns="">
                   <a:noFill/>
                 </a14:hiddenFill>
               </a:ext>
@@ -23193,7 +23193,7 @@
             </a:ln>
             <a:extLst>
               <a:ext uri="{909E8E84-426E-40dd-AFC4-6F175D3DCCD1}">
-                <a14:hiddenFill xmlns="" xmlns:a14="http://schemas.microsoft.com/office/drawing/2010/main">
+                <a14:hiddenFill xmlns:a14="http://schemas.microsoft.com/office/drawing/2010/main" xmlns="">
                   <a:noFill/>
                 </a14:hiddenFill>
               </a:ext>
@@ -23244,7 +23244,7 @@
             </a:ln>
             <a:extLst>
               <a:ext uri="{909E8E84-426E-40dd-AFC4-6F175D3DCCD1}">
-                <a14:hiddenFill xmlns="" xmlns:a14="http://schemas.microsoft.com/office/drawing/2010/main">
+                <a14:hiddenFill xmlns:a14="http://schemas.microsoft.com/office/drawing/2010/main" xmlns="">
                   <a:noFill/>
                 </a14:hiddenFill>
               </a:ext>
@@ -23295,7 +23295,7 @@
             </a:ln>
             <a:extLst>
               <a:ext uri="{909E8E84-426E-40dd-AFC4-6F175D3DCCD1}">
-                <a14:hiddenFill xmlns="" xmlns:a14="http://schemas.microsoft.com/office/drawing/2010/main">
+                <a14:hiddenFill xmlns:a14="http://schemas.microsoft.com/office/drawing/2010/main" xmlns="">
                   <a:noFill/>
                 </a14:hiddenFill>
               </a:ext>
@@ -23346,7 +23346,7 @@
             </a:ln>
             <a:extLst>
               <a:ext uri="{909E8E84-426E-40dd-AFC4-6F175D3DCCD1}">
-                <a14:hiddenFill xmlns="" xmlns:a14="http://schemas.microsoft.com/office/drawing/2010/main">
+                <a14:hiddenFill xmlns:a14="http://schemas.microsoft.com/office/drawing/2010/main" xmlns="">
                   <a:noFill/>
                 </a14:hiddenFill>
               </a:ext>
@@ -23397,7 +23397,7 @@
             </a:ln>
             <a:extLst>
               <a:ext uri="{909E8E84-426E-40dd-AFC4-6F175D3DCCD1}">
-                <a14:hiddenFill xmlns="" xmlns:a14="http://schemas.microsoft.com/office/drawing/2010/main">
+                <a14:hiddenFill xmlns:a14="http://schemas.microsoft.com/office/drawing/2010/main" xmlns="">
                   <a:noFill/>
                 </a14:hiddenFill>
               </a:ext>
@@ -23448,7 +23448,7 @@
             </a:ln>
             <a:extLst>
               <a:ext uri="{909E8E84-426E-40dd-AFC4-6F175D3DCCD1}">
-                <a14:hiddenFill xmlns="" xmlns:a14="http://schemas.microsoft.com/office/drawing/2010/main">
+                <a14:hiddenFill xmlns:a14="http://schemas.microsoft.com/office/drawing/2010/main" xmlns="">
                   <a:noFill/>
                 </a14:hiddenFill>
               </a:ext>
@@ -23499,7 +23499,7 @@
             </a:ln>
             <a:extLst>
               <a:ext uri="{909E8E84-426E-40dd-AFC4-6F175D3DCCD1}">
-                <a14:hiddenFill xmlns="" xmlns:a14="http://schemas.microsoft.com/office/drawing/2010/main">
+                <a14:hiddenFill xmlns:a14="http://schemas.microsoft.com/office/drawing/2010/main" xmlns="">
                   <a:noFill/>
                 </a14:hiddenFill>
               </a:ext>
@@ -23550,7 +23550,7 @@
             </a:ln>
             <a:extLst>
               <a:ext uri="{909E8E84-426E-40dd-AFC4-6F175D3DCCD1}">
-                <a14:hiddenFill xmlns="" xmlns:a14="http://schemas.microsoft.com/office/drawing/2010/main">
+                <a14:hiddenFill xmlns:a14="http://schemas.microsoft.com/office/drawing/2010/main" xmlns="">
                   <a:noFill/>
                 </a14:hiddenFill>
               </a:ext>
@@ -23601,7 +23601,7 @@
             </a:ln>
             <a:extLst>
               <a:ext uri="{909E8E84-426E-40dd-AFC4-6F175D3DCCD1}">
-                <a14:hiddenFill xmlns="" xmlns:a14="http://schemas.microsoft.com/office/drawing/2010/main">
+                <a14:hiddenFill xmlns:a14="http://schemas.microsoft.com/office/drawing/2010/main" xmlns="">
                   <a:noFill/>
                 </a14:hiddenFill>
               </a:ext>
@@ -23652,7 +23652,7 @@
             </a:ln>
             <a:extLst>
               <a:ext uri="{909E8E84-426E-40dd-AFC4-6F175D3DCCD1}">
-                <a14:hiddenFill xmlns="" xmlns:a14="http://schemas.microsoft.com/office/drawing/2010/main">
+                <a14:hiddenFill xmlns:a14="http://schemas.microsoft.com/office/drawing/2010/main" xmlns="">
                   <a:noFill/>
                 </a14:hiddenFill>
               </a:ext>
@@ -23703,7 +23703,7 @@
             </a:ln>
             <a:extLst>
               <a:ext uri="{909E8E84-426E-40dd-AFC4-6F175D3DCCD1}">
-                <a14:hiddenFill xmlns="" xmlns:a14="http://schemas.microsoft.com/office/drawing/2010/main">
+                <a14:hiddenFill xmlns:a14="http://schemas.microsoft.com/office/drawing/2010/main" xmlns="">
                   <a:noFill/>
                 </a14:hiddenFill>
               </a:ext>
@@ -23754,7 +23754,7 @@
             </a:ln>
             <a:extLst>
               <a:ext uri="{909E8E84-426E-40dd-AFC4-6F175D3DCCD1}">
-                <a14:hiddenFill xmlns="" xmlns:a14="http://schemas.microsoft.com/office/drawing/2010/main">
+                <a14:hiddenFill xmlns:a14="http://schemas.microsoft.com/office/drawing/2010/main" xmlns="">
                   <a:noFill/>
                 </a14:hiddenFill>
               </a:ext>
@@ -23805,7 +23805,7 @@
             </a:ln>
             <a:extLst>
               <a:ext uri="{909E8E84-426E-40dd-AFC4-6F175D3DCCD1}">
-                <a14:hiddenFill xmlns="" xmlns:a14="http://schemas.microsoft.com/office/drawing/2010/main">
+                <a14:hiddenFill xmlns:a14="http://schemas.microsoft.com/office/drawing/2010/main" xmlns="">
                   <a:noFill/>
                 </a14:hiddenFill>
               </a:ext>
@@ -23856,7 +23856,7 @@
             </a:ln>
             <a:extLst>
               <a:ext uri="{909E8E84-426E-40dd-AFC4-6F175D3DCCD1}">
-                <a14:hiddenFill xmlns="" xmlns:a14="http://schemas.microsoft.com/office/drawing/2010/main">
+                <a14:hiddenFill xmlns:a14="http://schemas.microsoft.com/office/drawing/2010/main" xmlns="">
                   <a:noFill/>
                 </a14:hiddenFill>
               </a:ext>
@@ -23907,7 +23907,7 @@
             </a:ln>
             <a:extLst>
               <a:ext uri="{909E8E84-426E-40dd-AFC4-6F175D3DCCD1}">
-                <a14:hiddenFill xmlns="" xmlns:a14="http://schemas.microsoft.com/office/drawing/2010/main">
+                <a14:hiddenFill xmlns:a14="http://schemas.microsoft.com/office/drawing/2010/main" xmlns="">
                   <a:noFill/>
                 </a14:hiddenFill>
               </a:ext>
@@ -23958,7 +23958,7 @@
             </a:ln>
             <a:extLst>
               <a:ext uri="{909E8E84-426E-40dd-AFC4-6F175D3DCCD1}">
-                <a14:hiddenFill xmlns="" xmlns:a14="http://schemas.microsoft.com/office/drawing/2010/main">
+                <a14:hiddenFill xmlns:a14="http://schemas.microsoft.com/office/drawing/2010/main" xmlns="">
                   <a:noFill/>
                 </a14:hiddenFill>
               </a:ext>
@@ -24009,7 +24009,7 @@
             </a:ln>
             <a:extLst>
               <a:ext uri="{909E8E84-426E-40dd-AFC4-6F175D3DCCD1}">
-                <a14:hiddenFill xmlns="" xmlns:a14="http://schemas.microsoft.com/office/drawing/2010/main">
+                <a14:hiddenFill xmlns:a14="http://schemas.microsoft.com/office/drawing/2010/main" xmlns="">
                   <a:noFill/>
                 </a14:hiddenFill>
               </a:ext>
@@ -24060,7 +24060,7 @@
             </a:ln>
             <a:extLst>
               <a:ext uri="{909E8E84-426E-40dd-AFC4-6F175D3DCCD1}">
-                <a14:hiddenFill xmlns="" xmlns:a14="http://schemas.microsoft.com/office/drawing/2010/main">
+                <a14:hiddenFill xmlns:a14="http://schemas.microsoft.com/office/drawing/2010/main" xmlns="">
                   <a:noFill/>
                 </a14:hiddenFill>
               </a:ext>
@@ -24111,7 +24111,7 @@
             </a:ln>
             <a:extLst>
               <a:ext uri="{909E8E84-426E-40dd-AFC4-6F175D3DCCD1}">
-                <a14:hiddenFill xmlns="" xmlns:a14="http://schemas.microsoft.com/office/drawing/2010/main">
+                <a14:hiddenFill xmlns:a14="http://schemas.microsoft.com/office/drawing/2010/main" xmlns="">
                   <a:noFill/>
                 </a14:hiddenFill>
               </a:ext>
@@ -24162,7 +24162,7 @@
             </a:ln>
             <a:extLst>
               <a:ext uri="{909E8E84-426E-40dd-AFC4-6F175D3DCCD1}">
-                <a14:hiddenFill xmlns="" xmlns:a14="http://schemas.microsoft.com/office/drawing/2010/main">
+                <a14:hiddenFill xmlns:a14="http://schemas.microsoft.com/office/drawing/2010/main" xmlns="">
                   <a:noFill/>
                 </a14:hiddenFill>
               </a:ext>
@@ -24213,7 +24213,7 @@
             </a:ln>
             <a:extLst>
               <a:ext uri="{909E8E84-426E-40dd-AFC4-6F175D3DCCD1}">
-                <a14:hiddenFill xmlns="" xmlns:a14="http://schemas.microsoft.com/office/drawing/2010/main">
+                <a14:hiddenFill xmlns:a14="http://schemas.microsoft.com/office/drawing/2010/main" xmlns="">
                   <a:noFill/>
                 </a14:hiddenFill>
               </a:ext>
@@ -24264,7 +24264,7 @@
             </a:ln>
             <a:extLst>
               <a:ext uri="{909E8E84-426E-40dd-AFC4-6F175D3DCCD1}">
-                <a14:hiddenFill xmlns="" xmlns:a14="http://schemas.microsoft.com/office/drawing/2010/main">
+                <a14:hiddenFill xmlns:a14="http://schemas.microsoft.com/office/drawing/2010/main" xmlns="">
                   <a:noFill/>
                 </a14:hiddenFill>
               </a:ext>
@@ -24315,7 +24315,7 @@
             </a:ln>
             <a:extLst>
               <a:ext uri="{909E8E84-426E-40dd-AFC4-6F175D3DCCD1}">
-                <a14:hiddenFill xmlns="" xmlns:a14="http://schemas.microsoft.com/office/drawing/2010/main">
+                <a14:hiddenFill xmlns:a14="http://schemas.microsoft.com/office/drawing/2010/main" xmlns="">
                   <a:noFill/>
                 </a14:hiddenFill>
               </a:ext>
@@ -24366,7 +24366,7 @@
             </a:ln>
             <a:extLst>
               <a:ext uri="{909E8E84-426E-40dd-AFC4-6F175D3DCCD1}">
-                <a14:hiddenFill xmlns="" xmlns:a14="http://schemas.microsoft.com/office/drawing/2010/main">
+                <a14:hiddenFill xmlns:a14="http://schemas.microsoft.com/office/drawing/2010/main" xmlns="">
                   <a:noFill/>
                 </a14:hiddenFill>
               </a:ext>
@@ -24417,7 +24417,7 @@
             </a:ln>
             <a:extLst>
               <a:ext uri="{909E8E84-426E-40dd-AFC4-6F175D3DCCD1}">
-                <a14:hiddenFill xmlns="" xmlns:a14="http://schemas.microsoft.com/office/drawing/2010/main">
+                <a14:hiddenFill xmlns:a14="http://schemas.microsoft.com/office/drawing/2010/main" xmlns="">
                   <a:noFill/>
                 </a14:hiddenFill>
               </a:ext>
@@ -24468,7 +24468,7 @@
             </a:ln>
             <a:extLst>
               <a:ext uri="{909E8E84-426E-40dd-AFC4-6F175D3DCCD1}">
-                <a14:hiddenFill xmlns="" xmlns:a14="http://schemas.microsoft.com/office/drawing/2010/main">
+                <a14:hiddenFill xmlns:a14="http://schemas.microsoft.com/office/drawing/2010/main" xmlns="">
                   <a:noFill/>
                 </a14:hiddenFill>
               </a:ext>
@@ -24519,7 +24519,7 @@
             </a:ln>
             <a:extLst>
               <a:ext uri="{909E8E84-426E-40dd-AFC4-6F175D3DCCD1}">
-                <a14:hiddenFill xmlns="" xmlns:a14="http://schemas.microsoft.com/office/drawing/2010/main">
+                <a14:hiddenFill xmlns:a14="http://schemas.microsoft.com/office/drawing/2010/main" xmlns="">
                   <a:noFill/>
                 </a14:hiddenFill>
               </a:ext>
@@ -24570,7 +24570,7 @@
             </a:ln>
             <a:extLst>
               <a:ext uri="{909E8E84-426E-40dd-AFC4-6F175D3DCCD1}">
-                <a14:hiddenFill xmlns="" xmlns:a14="http://schemas.microsoft.com/office/drawing/2010/main">
+                <a14:hiddenFill xmlns:a14="http://schemas.microsoft.com/office/drawing/2010/main" xmlns="">
                   <a:noFill/>
                 </a14:hiddenFill>
               </a:ext>
@@ -24621,7 +24621,7 @@
             </a:ln>
             <a:extLst>
               <a:ext uri="{909E8E84-426E-40dd-AFC4-6F175D3DCCD1}">
-                <a14:hiddenFill xmlns="" xmlns:a14="http://schemas.microsoft.com/office/drawing/2010/main">
+                <a14:hiddenFill xmlns:a14="http://schemas.microsoft.com/office/drawing/2010/main" xmlns="">
                   <a:noFill/>
                 </a14:hiddenFill>
               </a:ext>
@@ -24672,7 +24672,7 @@
             </a:ln>
             <a:extLst>
               <a:ext uri="{909E8E84-426E-40dd-AFC4-6F175D3DCCD1}">
-                <a14:hiddenFill xmlns="" xmlns:a14="http://schemas.microsoft.com/office/drawing/2010/main">
+                <a14:hiddenFill xmlns:a14="http://schemas.microsoft.com/office/drawing/2010/main" xmlns="">
                   <a:noFill/>
                 </a14:hiddenFill>
               </a:ext>
@@ -24723,7 +24723,7 @@
             </a:ln>
             <a:extLst>
               <a:ext uri="{909E8E84-426E-40dd-AFC4-6F175D3DCCD1}">
-                <a14:hiddenFill xmlns="" xmlns:a14="http://schemas.microsoft.com/office/drawing/2010/main">
+                <a14:hiddenFill xmlns:a14="http://schemas.microsoft.com/office/drawing/2010/main" xmlns="">
                   <a:noFill/>
                 </a14:hiddenFill>
               </a:ext>
@@ -24774,7 +24774,7 @@
             </a:ln>
             <a:extLst>
               <a:ext uri="{909E8E84-426E-40dd-AFC4-6F175D3DCCD1}">
-                <a14:hiddenFill xmlns="" xmlns:a14="http://schemas.microsoft.com/office/drawing/2010/main">
+                <a14:hiddenFill xmlns:a14="http://schemas.microsoft.com/office/drawing/2010/main" xmlns="">
                   <a:noFill/>
                 </a14:hiddenFill>
               </a:ext>
@@ -24825,7 +24825,7 @@
             </a:ln>
             <a:extLst>
               <a:ext uri="{909E8E84-426E-40dd-AFC4-6F175D3DCCD1}">
-                <a14:hiddenFill xmlns="" xmlns:a14="http://schemas.microsoft.com/office/drawing/2010/main">
+                <a14:hiddenFill xmlns:a14="http://schemas.microsoft.com/office/drawing/2010/main" xmlns="">
                   <a:noFill/>
                 </a14:hiddenFill>
               </a:ext>
@@ -24876,7 +24876,7 @@
             </a:ln>
             <a:extLst>
               <a:ext uri="{909E8E84-426E-40dd-AFC4-6F175D3DCCD1}">
-                <a14:hiddenFill xmlns="" xmlns:a14="http://schemas.microsoft.com/office/drawing/2010/main">
+                <a14:hiddenFill xmlns:a14="http://schemas.microsoft.com/office/drawing/2010/main" xmlns="">
                   <a:noFill/>
                 </a14:hiddenFill>
               </a:ext>
@@ -24927,7 +24927,7 @@
             </a:ln>
             <a:extLst>
               <a:ext uri="{909E8E84-426E-40dd-AFC4-6F175D3DCCD1}">
-                <a14:hiddenFill xmlns="" xmlns:a14="http://schemas.microsoft.com/office/drawing/2010/main">
+                <a14:hiddenFill xmlns:a14="http://schemas.microsoft.com/office/drawing/2010/main" xmlns="">
                   <a:noFill/>
                 </a14:hiddenFill>
               </a:ext>
@@ -24978,7 +24978,7 @@
             </a:ln>
             <a:extLst>
               <a:ext uri="{909E8E84-426E-40dd-AFC4-6F175D3DCCD1}">
-                <a14:hiddenFill xmlns="" xmlns:a14="http://schemas.microsoft.com/office/drawing/2010/main">
+                <a14:hiddenFill xmlns:a14="http://schemas.microsoft.com/office/drawing/2010/main" xmlns="">
                   <a:noFill/>
                 </a14:hiddenFill>
               </a:ext>
@@ -25029,7 +25029,7 @@
             </a:ln>
             <a:extLst>
               <a:ext uri="{909E8E84-426E-40dd-AFC4-6F175D3DCCD1}">
-                <a14:hiddenFill xmlns="" xmlns:a14="http://schemas.microsoft.com/office/drawing/2010/main">
+                <a14:hiddenFill xmlns:a14="http://schemas.microsoft.com/office/drawing/2010/main" xmlns="">
                   <a:noFill/>
                 </a14:hiddenFill>
               </a:ext>
@@ -25080,7 +25080,7 @@
             </a:ln>
             <a:extLst>
               <a:ext uri="{909E8E84-426E-40dd-AFC4-6F175D3DCCD1}">
-                <a14:hiddenFill xmlns="" xmlns:a14="http://schemas.microsoft.com/office/drawing/2010/main">
+                <a14:hiddenFill xmlns:a14="http://schemas.microsoft.com/office/drawing/2010/main" xmlns="">
                   <a:noFill/>
                 </a14:hiddenFill>
               </a:ext>
@@ -25131,7 +25131,7 @@
             </a:ln>
             <a:extLst>
               <a:ext uri="{909E8E84-426E-40dd-AFC4-6F175D3DCCD1}">
-                <a14:hiddenFill xmlns="" xmlns:a14="http://schemas.microsoft.com/office/drawing/2010/main">
+                <a14:hiddenFill xmlns:a14="http://schemas.microsoft.com/office/drawing/2010/main" xmlns="">
                   <a:noFill/>
                 </a14:hiddenFill>
               </a:ext>
@@ -25182,7 +25182,7 @@
             </a:ln>
             <a:extLst>
               <a:ext uri="{909E8E84-426E-40dd-AFC4-6F175D3DCCD1}">
-                <a14:hiddenFill xmlns="" xmlns:a14="http://schemas.microsoft.com/office/drawing/2010/main">
+                <a14:hiddenFill xmlns:a14="http://schemas.microsoft.com/office/drawing/2010/main" xmlns="">
                   <a:noFill/>
                 </a14:hiddenFill>
               </a:ext>
@@ -25233,7 +25233,7 @@
             </a:ln>
             <a:extLst>
               <a:ext uri="{909E8E84-426E-40dd-AFC4-6F175D3DCCD1}">
-                <a14:hiddenFill xmlns="" xmlns:a14="http://schemas.microsoft.com/office/drawing/2010/main">
+                <a14:hiddenFill xmlns:a14="http://schemas.microsoft.com/office/drawing/2010/main" xmlns="">
                   <a:noFill/>
                 </a14:hiddenFill>
               </a:ext>
@@ -25284,7 +25284,7 @@
             </a:ln>
             <a:extLst>
               <a:ext uri="{909E8E84-426E-40dd-AFC4-6F175D3DCCD1}">
-                <a14:hiddenFill xmlns="" xmlns:a14="http://schemas.microsoft.com/office/drawing/2010/main">
+                <a14:hiddenFill xmlns:a14="http://schemas.microsoft.com/office/drawing/2010/main" xmlns="">
                   <a:noFill/>
                 </a14:hiddenFill>
               </a:ext>
@@ -25335,7 +25335,7 @@
             </a:ln>
             <a:extLst>
               <a:ext uri="{909E8E84-426E-40dd-AFC4-6F175D3DCCD1}">
-                <a14:hiddenFill xmlns="" xmlns:a14="http://schemas.microsoft.com/office/drawing/2010/main">
+                <a14:hiddenFill xmlns:a14="http://schemas.microsoft.com/office/drawing/2010/main" xmlns="">
                   <a:noFill/>
                 </a14:hiddenFill>
               </a:ext>
@@ -25386,7 +25386,7 @@
             </a:ln>
             <a:extLst>
               <a:ext uri="{909E8E84-426E-40dd-AFC4-6F175D3DCCD1}">
-                <a14:hiddenFill xmlns="" xmlns:a14="http://schemas.microsoft.com/office/drawing/2010/main">
+                <a14:hiddenFill xmlns:a14="http://schemas.microsoft.com/office/drawing/2010/main" xmlns="">
                   <a:noFill/>
                 </a14:hiddenFill>
               </a:ext>
@@ -25437,7 +25437,7 @@
             </a:ln>
             <a:extLst>
               <a:ext uri="{909E8E84-426E-40dd-AFC4-6F175D3DCCD1}">
-                <a14:hiddenFill xmlns="" xmlns:a14="http://schemas.microsoft.com/office/drawing/2010/main">
+                <a14:hiddenFill xmlns:a14="http://schemas.microsoft.com/office/drawing/2010/main" xmlns="">
                   <a:noFill/>
                 </a14:hiddenFill>
               </a:ext>
@@ -25488,7 +25488,7 @@
             </a:ln>
             <a:extLst>
               <a:ext uri="{909E8E84-426E-40dd-AFC4-6F175D3DCCD1}">
-                <a14:hiddenFill xmlns="" xmlns:a14="http://schemas.microsoft.com/office/drawing/2010/main">
+                <a14:hiddenFill xmlns:a14="http://schemas.microsoft.com/office/drawing/2010/main" xmlns="">
                   <a:noFill/>
                 </a14:hiddenFill>
               </a:ext>
@@ -25539,7 +25539,7 @@
             </a:ln>
             <a:extLst>
               <a:ext uri="{909E8E84-426E-40dd-AFC4-6F175D3DCCD1}">
-                <a14:hiddenFill xmlns="" xmlns:a14="http://schemas.microsoft.com/office/drawing/2010/main">
+                <a14:hiddenFill xmlns:a14="http://schemas.microsoft.com/office/drawing/2010/main" xmlns="">
                   <a:noFill/>
                 </a14:hiddenFill>
               </a:ext>
@@ -25590,7 +25590,7 @@
             </a:ln>
             <a:extLst>
               <a:ext uri="{909E8E84-426E-40dd-AFC4-6F175D3DCCD1}">
-                <a14:hiddenFill xmlns="" xmlns:a14="http://schemas.microsoft.com/office/drawing/2010/main">
+                <a14:hiddenFill xmlns:a14="http://schemas.microsoft.com/office/drawing/2010/main" xmlns="">
                   <a:noFill/>
                 </a14:hiddenFill>
               </a:ext>
@@ -25641,7 +25641,7 @@
             </a:ln>
             <a:extLst>
               <a:ext uri="{909E8E84-426E-40dd-AFC4-6F175D3DCCD1}">
-                <a14:hiddenFill xmlns="" xmlns:a14="http://schemas.microsoft.com/office/drawing/2010/main">
+                <a14:hiddenFill xmlns:a14="http://schemas.microsoft.com/office/drawing/2010/main" xmlns="">
                   <a:noFill/>
                 </a14:hiddenFill>
               </a:ext>
@@ -25692,7 +25692,7 @@
             </a:ln>
             <a:extLst>
               <a:ext uri="{909E8E84-426E-40dd-AFC4-6F175D3DCCD1}">
-                <a14:hiddenFill xmlns="" xmlns:a14="http://schemas.microsoft.com/office/drawing/2010/main">
+                <a14:hiddenFill xmlns:a14="http://schemas.microsoft.com/office/drawing/2010/main" xmlns="">
                   <a:noFill/>
                 </a14:hiddenFill>
               </a:ext>
@@ -25743,7 +25743,7 @@
             </a:ln>
             <a:extLst>
               <a:ext uri="{909E8E84-426E-40dd-AFC4-6F175D3DCCD1}">
-                <a14:hiddenFill xmlns="" xmlns:a14="http://schemas.microsoft.com/office/drawing/2010/main">
+                <a14:hiddenFill xmlns:a14="http://schemas.microsoft.com/office/drawing/2010/main" xmlns="">
                   <a:noFill/>
                 </a14:hiddenFill>
               </a:ext>
@@ -25794,7 +25794,7 @@
             </a:ln>
             <a:extLst>
               <a:ext uri="{909E8E84-426E-40dd-AFC4-6F175D3DCCD1}">
-                <a14:hiddenFill xmlns="" xmlns:a14="http://schemas.microsoft.com/office/drawing/2010/main">
+                <a14:hiddenFill xmlns:a14="http://schemas.microsoft.com/office/drawing/2010/main" xmlns="">
                   <a:noFill/>
                 </a14:hiddenFill>
               </a:ext>
@@ -25845,7 +25845,7 @@
             </a:ln>
             <a:extLst>
               <a:ext uri="{909E8E84-426E-40dd-AFC4-6F175D3DCCD1}">
-                <a14:hiddenFill xmlns="" xmlns:a14="http://schemas.microsoft.com/office/drawing/2010/main">
+                <a14:hiddenFill xmlns:a14="http://schemas.microsoft.com/office/drawing/2010/main" xmlns="">
                   <a:noFill/>
                 </a14:hiddenFill>
               </a:ext>
@@ -25896,7 +25896,7 @@
             </a:ln>
             <a:extLst>
               <a:ext uri="{909E8E84-426E-40dd-AFC4-6F175D3DCCD1}">
-                <a14:hiddenFill xmlns="" xmlns:a14="http://schemas.microsoft.com/office/drawing/2010/main">
+                <a14:hiddenFill xmlns:a14="http://schemas.microsoft.com/office/drawing/2010/main" xmlns="">
                   <a:noFill/>
                 </a14:hiddenFill>
               </a:ext>
@@ -25947,7 +25947,7 @@
             </a:ln>
             <a:extLst>
               <a:ext uri="{909E8E84-426E-40dd-AFC4-6F175D3DCCD1}">
-                <a14:hiddenFill xmlns="" xmlns:a14="http://schemas.microsoft.com/office/drawing/2010/main">
+                <a14:hiddenFill xmlns:a14="http://schemas.microsoft.com/office/drawing/2010/main" xmlns="">
                   <a:noFill/>
                 </a14:hiddenFill>
               </a:ext>
@@ -25998,7 +25998,7 @@
             </a:ln>
             <a:extLst>
               <a:ext uri="{909E8E84-426E-40dd-AFC4-6F175D3DCCD1}">
-                <a14:hiddenFill xmlns="" xmlns:a14="http://schemas.microsoft.com/office/drawing/2010/main">
+                <a14:hiddenFill xmlns:a14="http://schemas.microsoft.com/office/drawing/2010/main" xmlns="">
                   <a:noFill/>
                 </a14:hiddenFill>
               </a:ext>
@@ -26049,7 +26049,7 @@
             </a:ln>
             <a:extLst>
               <a:ext uri="{909E8E84-426E-40dd-AFC4-6F175D3DCCD1}">
-                <a14:hiddenFill xmlns="" xmlns:a14="http://schemas.microsoft.com/office/drawing/2010/main">
+                <a14:hiddenFill xmlns:a14="http://schemas.microsoft.com/office/drawing/2010/main" xmlns="">
                   <a:noFill/>
                 </a14:hiddenFill>
               </a:ext>
@@ -26100,7 +26100,7 @@
             </a:ln>
             <a:extLst>
               <a:ext uri="{909E8E84-426E-40dd-AFC4-6F175D3DCCD1}">
-                <a14:hiddenFill xmlns="" xmlns:a14="http://schemas.microsoft.com/office/drawing/2010/main">
+                <a14:hiddenFill xmlns:a14="http://schemas.microsoft.com/office/drawing/2010/main" xmlns="">
                   <a:noFill/>
                 </a14:hiddenFill>
               </a:ext>
@@ -26151,7 +26151,7 @@
             </a:ln>
             <a:extLst>
               <a:ext uri="{909E8E84-426E-40dd-AFC4-6F175D3DCCD1}">
-                <a14:hiddenFill xmlns="" xmlns:a14="http://schemas.microsoft.com/office/drawing/2010/main">
+                <a14:hiddenFill xmlns:a14="http://schemas.microsoft.com/office/drawing/2010/main" xmlns="">
                   <a:noFill/>
                 </a14:hiddenFill>
               </a:ext>
@@ -26202,7 +26202,7 @@
             </a:ln>
             <a:extLst>
               <a:ext uri="{909E8E84-426E-40dd-AFC4-6F175D3DCCD1}">
-                <a14:hiddenFill xmlns="" xmlns:a14="http://schemas.microsoft.com/office/drawing/2010/main">
+                <a14:hiddenFill xmlns:a14="http://schemas.microsoft.com/office/drawing/2010/main" xmlns="">
                   <a:noFill/>
                 </a14:hiddenFill>
               </a:ext>
@@ -26253,7 +26253,7 @@
             </a:ln>
             <a:extLst>
               <a:ext uri="{909E8E84-426E-40dd-AFC4-6F175D3DCCD1}">
-                <a14:hiddenFill xmlns="" xmlns:a14="http://schemas.microsoft.com/office/drawing/2010/main">
+                <a14:hiddenFill xmlns:a14="http://schemas.microsoft.com/office/drawing/2010/main" xmlns="">
                   <a:noFill/>
                 </a14:hiddenFill>
               </a:ext>
@@ -26304,7 +26304,7 @@
             </a:ln>
             <a:extLst>
               <a:ext uri="{909E8E84-426E-40dd-AFC4-6F175D3DCCD1}">
-                <a14:hiddenFill xmlns="" xmlns:a14="http://schemas.microsoft.com/office/drawing/2010/main">
+                <a14:hiddenFill xmlns:a14="http://schemas.microsoft.com/office/drawing/2010/main" xmlns="">
                   <a:noFill/>
                 </a14:hiddenFill>
               </a:ext>
@@ -27122,7 +27122,7 @@
             </a:ln>
             <a:extLst>
               <a:ext uri="{909E8E84-426E-40dd-AFC4-6F175D3DCCD1}">
-                <a14:hiddenFill xmlns="" xmlns:a14="http://schemas.microsoft.com/office/drawing/2010/main">
+                <a14:hiddenFill xmlns:a14="http://schemas.microsoft.com/office/drawing/2010/main" xmlns="">
                   <a:solidFill>
                     <a:srgbClr val="FFFFFF"/>
                   </a:solidFill>
@@ -27175,7 +27175,7 @@
             </a:ln>
             <a:extLst>
               <a:ext uri="{909E8E84-426E-40dd-AFC4-6F175D3DCCD1}">
-                <a14:hiddenFill xmlns="" xmlns:a14="http://schemas.microsoft.com/office/drawing/2010/main">
+                <a14:hiddenFill xmlns:a14="http://schemas.microsoft.com/office/drawing/2010/main" xmlns="">
                   <a:noFill/>
                 </a14:hiddenFill>
               </a:ext>
@@ -27226,7 +27226,7 @@
             </a:ln>
             <a:extLst>
               <a:ext uri="{909E8E84-426E-40dd-AFC4-6F175D3DCCD1}">
-                <a14:hiddenFill xmlns="" xmlns:a14="http://schemas.microsoft.com/office/drawing/2010/main">
+                <a14:hiddenFill xmlns:a14="http://schemas.microsoft.com/office/drawing/2010/main" xmlns="">
                   <a:noFill/>
                 </a14:hiddenFill>
               </a:ext>
@@ -27277,7 +27277,7 @@
             </a:ln>
             <a:extLst>
               <a:ext uri="{909E8E84-426E-40dd-AFC4-6F175D3DCCD1}">
-                <a14:hiddenFill xmlns="" xmlns:a14="http://schemas.microsoft.com/office/drawing/2010/main">
+                <a14:hiddenFill xmlns:a14="http://schemas.microsoft.com/office/drawing/2010/main" xmlns="">
                   <a:noFill/>
                 </a14:hiddenFill>
               </a:ext>
@@ -27328,7 +27328,7 @@
             </a:ln>
             <a:extLst>
               <a:ext uri="{909E8E84-426E-40dd-AFC4-6F175D3DCCD1}">
-                <a14:hiddenFill xmlns="" xmlns:a14="http://schemas.microsoft.com/office/drawing/2010/main">
+                <a14:hiddenFill xmlns:a14="http://schemas.microsoft.com/office/drawing/2010/main" xmlns="">
                   <a:noFill/>
                 </a14:hiddenFill>
               </a:ext>
@@ -27379,7 +27379,7 @@
             </a:ln>
             <a:extLst>
               <a:ext uri="{909E8E84-426E-40dd-AFC4-6F175D3DCCD1}">
-                <a14:hiddenFill xmlns="" xmlns:a14="http://schemas.microsoft.com/office/drawing/2010/main">
+                <a14:hiddenFill xmlns:a14="http://schemas.microsoft.com/office/drawing/2010/main" xmlns="">
                   <a:noFill/>
                 </a14:hiddenFill>
               </a:ext>
@@ -27430,7 +27430,7 @@
             </a:ln>
             <a:extLst>
               <a:ext uri="{909E8E84-426E-40dd-AFC4-6F175D3DCCD1}">
-                <a14:hiddenFill xmlns="" xmlns:a14="http://schemas.microsoft.com/office/drawing/2010/main">
+                <a14:hiddenFill xmlns:a14="http://schemas.microsoft.com/office/drawing/2010/main" xmlns="">
                   <a:noFill/>
                 </a14:hiddenFill>
               </a:ext>
@@ -27481,7 +27481,7 @@
             </a:ln>
             <a:extLst>
               <a:ext uri="{909E8E84-426E-40dd-AFC4-6F175D3DCCD1}">
-                <a14:hiddenFill xmlns="" xmlns:a14="http://schemas.microsoft.com/office/drawing/2010/main">
+                <a14:hiddenFill xmlns:a14="http://schemas.microsoft.com/office/drawing/2010/main" xmlns="">
                   <a:noFill/>
                 </a14:hiddenFill>
               </a:ext>
@@ -27532,7 +27532,7 @@
             </a:ln>
             <a:extLst>
               <a:ext uri="{909E8E84-426E-40dd-AFC4-6F175D3DCCD1}">
-                <a14:hiddenFill xmlns="" xmlns:a14="http://schemas.microsoft.com/office/drawing/2010/main">
+                <a14:hiddenFill xmlns:a14="http://schemas.microsoft.com/office/drawing/2010/main" xmlns="">
                   <a:noFill/>
                 </a14:hiddenFill>
               </a:ext>
@@ -27583,7 +27583,7 @@
             </a:ln>
             <a:extLst>
               <a:ext uri="{909E8E84-426E-40dd-AFC4-6F175D3DCCD1}">
-                <a14:hiddenFill xmlns="" xmlns:a14="http://schemas.microsoft.com/office/drawing/2010/main">
+                <a14:hiddenFill xmlns:a14="http://schemas.microsoft.com/office/drawing/2010/main" xmlns="">
                   <a:noFill/>
                 </a14:hiddenFill>
               </a:ext>
@@ -27634,7 +27634,7 @@
             </a:ln>
             <a:extLst>
               <a:ext uri="{909E8E84-426E-40dd-AFC4-6F175D3DCCD1}">
-                <a14:hiddenFill xmlns="" xmlns:a14="http://schemas.microsoft.com/office/drawing/2010/main">
+                <a14:hiddenFill xmlns:a14="http://schemas.microsoft.com/office/drawing/2010/main" xmlns="">
                   <a:noFill/>
                 </a14:hiddenFill>
               </a:ext>
@@ -27685,7 +27685,7 @@
             </a:ln>
             <a:extLst>
               <a:ext uri="{909E8E84-426E-40dd-AFC4-6F175D3DCCD1}">
-                <a14:hiddenFill xmlns="" xmlns:a14="http://schemas.microsoft.com/office/drawing/2010/main">
+                <a14:hiddenFill xmlns:a14="http://schemas.microsoft.com/office/drawing/2010/main" xmlns="">
                   <a:noFill/>
                 </a14:hiddenFill>
               </a:ext>
@@ -27736,7 +27736,7 @@
             </a:ln>
             <a:extLst>
               <a:ext uri="{909E8E84-426E-40dd-AFC4-6F175D3DCCD1}">
-                <a14:hiddenFill xmlns="" xmlns:a14="http://schemas.microsoft.com/office/drawing/2010/main">
+                <a14:hiddenFill xmlns:a14="http://schemas.microsoft.com/office/drawing/2010/main" xmlns="">
                   <a:noFill/>
                 </a14:hiddenFill>
               </a:ext>
@@ -27787,7 +27787,7 @@
             </a:ln>
             <a:extLst>
               <a:ext uri="{909E8E84-426E-40dd-AFC4-6F175D3DCCD1}">
-                <a14:hiddenFill xmlns="" xmlns:a14="http://schemas.microsoft.com/office/drawing/2010/main">
+                <a14:hiddenFill xmlns:a14="http://schemas.microsoft.com/office/drawing/2010/main" xmlns="">
                   <a:noFill/>
                 </a14:hiddenFill>
               </a:ext>
@@ -27838,7 +27838,7 @@
             </a:ln>
             <a:extLst>
               <a:ext uri="{909E8E84-426E-40dd-AFC4-6F175D3DCCD1}">
-                <a14:hiddenFill xmlns="" xmlns:a14="http://schemas.microsoft.com/office/drawing/2010/main">
+                <a14:hiddenFill xmlns:a14="http://schemas.microsoft.com/office/drawing/2010/main" xmlns="">
                   <a:noFill/>
                 </a14:hiddenFill>
               </a:ext>
@@ -27889,7 +27889,7 @@
             </a:ln>
             <a:extLst>
               <a:ext uri="{909E8E84-426E-40dd-AFC4-6F175D3DCCD1}">
-                <a14:hiddenFill xmlns="" xmlns:a14="http://schemas.microsoft.com/office/drawing/2010/main">
+                <a14:hiddenFill xmlns:a14="http://schemas.microsoft.com/office/drawing/2010/main" xmlns="">
                   <a:noFill/>
                 </a14:hiddenFill>
               </a:ext>
@@ -27940,7 +27940,7 @@
             </a:ln>
             <a:extLst>
               <a:ext uri="{909E8E84-426E-40dd-AFC4-6F175D3DCCD1}">
-                <a14:hiddenFill xmlns="" xmlns:a14="http://schemas.microsoft.com/office/drawing/2010/main">
+                <a14:hiddenFill xmlns:a14="http://schemas.microsoft.com/office/drawing/2010/main" xmlns="">
                   <a:noFill/>
                 </a14:hiddenFill>
               </a:ext>
@@ -27991,7 +27991,7 @@
             </a:ln>
             <a:extLst>
               <a:ext uri="{909E8E84-426E-40dd-AFC4-6F175D3DCCD1}">
-                <a14:hiddenFill xmlns="" xmlns:a14="http://schemas.microsoft.com/office/drawing/2010/main">
+                <a14:hiddenFill xmlns:a14="http://schemas.microsoft.com/office/drawing/2010/main" xmlns="">
                   <a:noFill/>
                 </a14:hiddenFill>
               </a:ext>
@@ -28042,7 +28042,7 @@
             </a:ln>
             <a:extLst>
               <a:ext uri="{909E8E84-426E-40dd-AFC4-6F175D3DCCD1}">
-                <a14:hiddenFill xmlns="" xmlns:a14="http://schemas.microsoft.com/office/drawing/2010/main">
+                <a14:hiddenFill xmlns:a14="http://schemas.microsoft.com/office/drawing/2010/main" xmlns="">
                   <a:noFill/>
                 </a14:hiddenFill>
               </a:ext>
@@ -28093,7 +28093,7 @@
             </a:ln>
             <a:extLst>
               <a:ext uri="{909E8E84-426E-40dd-AFC4-6F175D3DCCD1}">
-                <a14:hiddenFill xmlns="" xmlns:a14="http://schemas.microsoft.com/office/drawing/2010/main">
+                <a14:hiddenFill xmlns:a14="http://schemas.microsoft.com/office/drawing/2010/main" xmlns="">
                   <a:noFill/>
                 </a14:hiddenFill>
               </a:ext>
@@ -28144,7 +28144,7 @@
             </a:ln>
             <a:extLst>
               <a:ext uri="{909E8E84-426E-40dd-AFC4-6F175D3DCCD1}">
-                <a14:hiddenFill xmlns="" xmlns:a14="http://schemas.microsoft.com/office/drawing/2010/main">
+                <a14:hiddenFill xmlns:a14="http://schemas.microsoft.com/office/drawing/2010/main" xmlns="">
                   <a:noFill/>
                 </a14:hiddenFill>
               </a:ext>
@@ -28195,7 +28195,7 @@
             </a:ln>
             <a:extLst>
               <a:ext uri="{909E8E84-426E-40dd-AFC4-6F175D3DCCD1}">
-                <a14:hiddenFill xmlns="" xmlns:a14="http://schemas.microsoft.com/office/drawing/2010/main">
+                <a14:hiddenFill xmlns:a14="http://schemas.microsoft.com/office/drawing/2010/main" xmlns="">
                   <a:noFill/>
                 </a14:hiddenFill>
               </a:ext>
@@ -28246,7 +28246,7 @@
             </a:ln>
             <a:extLst>
               <a:ext uri="{909E8E84-426E-40dd-AFC4-6F175D3DCCD1}">
-                <a14:hiddenFill xmlns="" xmlns:a14="http://schemas.microsoft.com/office/drawing/2010/main">
+                <a14:hiddenFill xmlns:a14="http://schemas.microsoft.com/office/drawing/2010/main" xmlns="">
                   <a:noFill/>
                 </a14:hiddenFill>
               </a:ext>
@@ -28297,7 +28297,7 @@
             </a:ln>
             <a:extLst>
               <a:ext uri="{909E8E84-426E-40dd-AFC4-6F175D3DCCD1}">
-                <a14:hiddenFill xmlns="" xmlns:a14="http://schemas.microsoft.com/office/drawing/2010/main">
+                <a14:hiddenFill xmlns:a14="http://schemas.microsoft.com/office/drawing/2010/main" xmlns="">
                   <a:noFill/>
                 </a14:hiddenFill>
               </a:ext>
@@ -28348,7 +28348,7 @@
             </a:ln>
             <a:extLst>
               <a:ext uri="{909E8E84-426E-40dd-AFC4-6F175D3DCCD1}">
-                <a14:hiddenFill xmlns="" xmlns:a14="http://schemas.microsoft.com/office/drawing/2010/main">
+                <a14:hiddenFill xmlns:a14="http://schemas.microsoft.com/office/drawing/2010/main" xmlns="">
                   <a:noFill/>
                 </a14:hiddenFill>
               </a:ext>
@@ -28399,7 +28399,7 @@
             </a:ln>
             <a:extLst>
               <a:ext uri="{909E8E84-426E-40dd-AFC4-6F175D3DCCD1}">
-                <a14:hiddenFill xmlns="" xmlns:a14="http://schemas.microsoft.com/office/drawing/2010/main">
+                <a14:hiddenFill xmlns:a14="http://schemas.microsoft.com/office/drawing/2010/main" xmlns="">
                   <a:noFill/>
                 </a14:hiddenFill>
               </a:ext>
@@ -28450,7 +28450,7 @@
             </a:ln>
             <a:extLst>
               <a:ext uri="{909E8E84-426E-40dd-AFC4-6F175D3DCCD1}">
-                <a14:hiddenFill xmlns="" xmlns:a14="http://schemas.microsoft.com/office/drawing/2010/main">
+                <a14:hiddenFill xmlns:a14="http://schemas.microsoft.com/office/drawing/2010/main" xmlns="">
                   <a:noFill/>
                 </a14:hiddenFill>
               </a:ext>
@@ -28501,7 +28501,7 @@
             </a:ln>
             <a:extLst>
               <a:ext uri="{909E8E84-426E-40dd-AFC4-6F175D3DCCD1}">
-                <a14:hiddenFill xmlns="" xmlns:a14="http://schemas.microsoft.com/office/drawing/2010/main">
+                <a14:hiddenFill xmlns:a14="http://schemas.microsoft.com/office/drawing/2010/main" xmlns="">
                   <a:noFill/>
                 </a14:hiddenFill>
               </a:ext>
@@ -28552,7 +28552,7 @@
             </a:ln>
             <a:extLst>
               <a:ext uri="{909E8E84-426E-40dd-AFC4-6F175D3DCCD1}">
-                <a14:hiddenFill xmlns="" xmlns:a14="http://schemas.microsoft.com/office/drawing/2010/main">
+                <a14:hiddenFill xmlns:a14="http://schemas.microsoft.com/office/drawing/2010/main" xmlns="">
                   <a:noFill/>
                 </a14:hiddenFill>
               </a:ext>
@@ -28603,7 +28603,7 @@
             </a:ln>
             <a:extLst>
               <a:ext uri="{909E8E84-426E-40dd-AFC4-6F175D3DCCD1}">
-                <a14:hiddenFill xmlns="" xmlns:a14="http://schemas.microsoft.com/office/drawing/2010/main">
+                <a14:hiddenFill xmlns:a14="http://schemas.microsoft.com/office/drawing/2010/main" xmlns="">
                   <a:noFill/>
                 </a14:hiddenFill>
               </a:ext>
@@ -28654,7 +28654,7 @@
             </a:ln>
             <a:extLst>
               <a:ext uri="{909E8E84-426E-40dd-AFC4-6F175D3DCCD1}">
-                <a14:hiddenFill xmlns="" xmlns:a14="http://schemas.microsoft.com/office/drawing/2010/main">
+                <a14:hiddenFill xmlns:a14="http://schemas.microsoft.com/office/drawing/2010/main" xmlns="">
                   <a:noFill/>
                 </a14:hiddenFill>
               </a:ext>
@@ -28705,7 +28705,7 @@
             </a:ln>
             <a:extLst>
               <a:ext uri="{909E8E84-426E-40dd-AFC4-6F175D3DCCD1}">
-                <a14:hiddenFill xmlns="" xmlns:a14="http://schemas.microsoft.com/office/drawing/2010/main">
+                <a14:hiddenFill xmlns:a14="http://schemas.microsoft.com/office/drawing/2010/main" xmlns="">
                   <a:noFill/>
                 </a14:hiddenFill>
               </a:ext>
@@ -28756,7 +28756,7 @@
             </a:ln>
             <a:extLst>
               <a:ext uri="{909E8E84-426E-40dd-AFC4-6F175D3DCCD1}">
-                <a14:hiddenFill xmlns="" xmlns:a14="http://schemas.microsoft.com/office/drawing/2010/main">
+                <a14:hiddenFill xmlns:a14="http://schemas.microsoft.com/office/drawing/2010/main" xmlns="">
                   <a:noFill/>
                 </a14:hiddenFill>
               </a:ext>
@@ -28807,7 +28807,7 @@
             </a:ln>
             <a:extLst>
               <a:ext uri="{909E8E84-426E-40dd-AFC4-6F175D3DCCD1}">
-                <a14:hiddenFill xmlns="" xmlns:a14="http://schemas.microsoft.com/office/drawing/2010/main">
+                <a14:hiddenFill xmlns:a14="http://schemas.microsoft.com/office/drawing/2010/main" xmlns="">
                   <a:noFill/>
                 </a14:hiddenFill>
               </a:ext>
@@ -28858,7 +28858,7 @@
             </a:ln>
             <a:extLst>
               <a:ext uri="{909E8E84-426E-40dd-AFC4-6F175D3DCCD1}">
-                <a14:hiddenFill xmlns="" xmlns:a14="http://schemas.microsoft.com/office/drawing/2010/main">
+                <a14:hiddenFill xmlns:a14="http://schemas.microsoft.com/office/drawing/2010/main" xmlns="">
                   <a:noFill/>
                 </a14:hiddenFill>
               </a:ext>
@@ -28909,7 +28909,7 @@
             </a:ln>
             <a:extLst>
               <a:ext uri="{909E8E84-426E-40dd-AFC4-6F175D3DCCD1}">
-                <a14:hiddenFill xmlns="" xmlns:a14="http://schemas.microsoft.com/office/drawing/2010/main">
+                <a14:hiddenFill xmlns:a14="http://schemas.microsoft.com/office/drawing/2010/main" xmlns="">
                   <a:noFill/>
                 </a14:hiddenFill>
               </a:ext>
@@ -28960,7 +28960,7 @@
             </a:ln>
             <a:extLst>
               <a:ext uri="{909E8E84-426E-40dd-AFC4-6F175D3DCCD1}">
-                <a14:hiddenFill xmlns="" xmlns:a14="http://schemas.microsoft.com/office/drawing/2010/main">
+                <a14:hiddenFill xmlns:a14="http://schemas.microsoft.com/office/drawing/2010/main" xmlns="">
                   <a:noFill/>
                 </a14:hiddenFill>
               </a:ext>
@@ -29011,7 +29011,7 @@
             </a:ln>
             <a:extLst>
               <a:ext uri="{909E8E84-426E-40dd-AFC4-6F175D3DCCD1}">
-                <a14:hiddenFill xmlns="" xmlns:a14="http://schemas.microsoft.com/office/drawing/2010/main">
+                <a14:hiddenFill xmlns:a14="http://schemas.microsoft.com/office/drawing/2010/main" xmlns="">
                   <a:noFill/>
                 </a14:hiddenFill>
               </a:ext>
@@ -29062,7 +29062,7 @@
             </a:ln>
             <a:extLst>
               <a:ext uri="{909E8E84-426E-40dd-AFC4-6F175D3DCCD1}">
-                <a14:hiddenFill xmlns="" xmlns:a14="http://schemas.microsoft.com/office/drawing/2010/main">
+                <a14:hiddenFill xmlns:a14="http://schemas.microsoft.com/office/drawing/2010/main" xmlns="">
                   <a:noFill/>
                 </a14:hiddenFill>
               </a:ext>
@@ -29113,7 +29113,7 @@
             </a:ln>
             <a:extLst>
               <a:ext uri="{909E8E84-426E-40dd-AFC4-6F175D3DCCD1}">
-                <a14:hiddenFill xmlns="" xmlns:a14="http://schemas.microsoft.com/office/drawing/2010/main">
+                <a14:hiddenFill xmlns:a14="http://schemas.microsoft.com/office/drawing/2010/main" xmlns="">
                   <a:noFill/>
                 </a14:hiddenFill>
               </a:ext>
@@ -29164,7 +29164,7 @@
             </a:ln>
             <a:extLst>
               <a:ext uri="{909E8E84-426E-40dd-AFC4-6F175D3DCCD1}">
-                <a14:hiddenFill xmlns="" xmlns:a14="http://schemas.microsoft.com/office/drawing/2010/main">
+                <a14:hiddenFill xmlns:a14="http://schemas.microsoft.com/office/drawing/2010/main" xmlns="">
                   <a:noFill/>
                 </a14:hiddenFill>
               </a:ext>
@@ -29215,7 +29215,7 @@
             </a:ln>
             <a:extLst>
               <a:ext uri="{909E8E84-426E-40dd-AFC4-6F175D3DCCD1}">
-                <a14:hiddenFill xmlns="" xmlns:a14="http://schemas.microsoft.com/office/drawing/2010/main">
+                <a14:hiddenFill xmlns:a14="http://schemas.microsoft.com/office/drawing/2010/main" xmlns="">
                   <a:noFill/>
                 </a14:hiddenFill>
               </a:ext>
@@ -29266,7 +29266,7 @@
             </a:ln>
             <a:extLst>
               <a:ext uri="{909E8E84-426E-40dd-AFC4-6F175D3DCCD1}">
-                <a14:hiddenFill xmlns="" xmlns:a14="http://schemas.microsoft.com/office/drawing/2010/main">
+                <a14:hiddenFill xmlns:a14="http://schemas.microsoft.com/office/drawing/2010/main" xmlns="">
                   <a:noFill/>
                 </a14:hiddenFill>
               </a:ext>
@@ -29317,7 +29317,7 @@
             </a:ln>
             <a:extLst>
               <a:ext uri="{909E8E84-426E-40dd-AFC4-6F175D3DCCD1}">
-                <a14:hiddenFill xmlns="" xmlns:a14="http://schemas.microsoft.com/office/drawing/2010/main">
+                <a14:hiddenFill xmlns:a14="http://schemas.microsoft.com/office/drawing/2010/main" xmlns="">
                   <a:noFill/>
                 </a14:hiddenFill>
               </a:ext>
@@ -29368,7 +29368,7 @@
             </a:ln>
             <a:extLst>
               <a:ext uri="{909E8E84-426E-40dd-AFC4-6F175D3DCCD1}">
-                <a14:hiddenFill xmlns="" xmlns:a14="http://schemas.microsoft.com/office/drawing/2010/main">
+                <a14:hiddenFill xmlns:a14="http://schemas.microsoft.com/office/drawing/2010/main" xmlns="">
                   <a:noFill/>
                 </a14:hiddenFill>
               </a:ext>
@@ -29419,7 +29419,7 @@
             </a:ln>
             <a:extLst>
               <a:ext uri="{909E8E84-426E-40dd-AFC4-6F175D3DCCD1}">
-                <a14:hiddenFill xmlns="" xmlns:a14="http://schemas.microsoft.com/office/drawing/2010/main">
+                <a14:hiddenFill xmlns:a14="http://schemas.microsoft.com/office/drawing/2010/main" xmlns="">
                   <a:noFill/>
                 </a14:hiddenFill>
               </a:ext>
@@ -29470,7 +29470,7 @@
             </a:ln>
             <a:extLst>
               <a:ext uri="{909E8E84-426E-40dd-AFC4-6F175D3DCCD1}">
-                <a14:hiddenFill xmlns="" xmlns:a14="http://schemas.microsoft.com/office/drawing/2010/main">
+                <a14:hiddenFill xmlns:a14="http://schemas.microsoft.com/office/drawing/2010/main" xmlns="">
                   <a:noFill/>
                 </a14:hiddenFill>
               </a:ext>
@@ -29521,7 +29521,7 @@
             </a:ln>
             <a:extLst>
               <a:ext uri="{909E8E84-426E-40dd-AFC4-6F175D3DCCD1}">
-                <a14:hiddenFill xmlns="" xmlns:a14="http://schemas.microsoft.com/office/drawing/2010/main">
+                <a14:hiddenFill xmlns:a14="http://schemas.microsoft.com/office/drawing/2010/main" xmlns="">
                   <a:noFill/>
                 </a14:hiddenFill>
               </a:ext>
@@ -29572,7 +29572,7 @@
             </a:ln>
             <a:extLst>
               <a:ext uri="{909E8E84-426E-40dd-AFC4-6F175D3DCCD1}">
-                <a14:hiddenFill xmlns="" xmlns:a14="http://schemas.microsoft.com/office/drawing/2010/main">
+                <a14:hiddenFill xmlns:a14="http://schemas.microsoft.com/office/drawing/2010/main" xmlns="">
                   <a:noFill/>
                 </a14:hiddenFill>
               </a:ext>
@@ -29623,7 +29623,7 @@
             </a:ln>
             <a:extLst>
               <a:ext uri="{909E8E84-426E-40dd-AFC4-6F175D3DCCD1}">
-                <a14:hiddenFill xmlns="" xmlns:a14="http://schemas.microsoft.com/office/drawing/2010/main">
+                <a14:hiddenFill xmlns:a14="http://schemas.microsoft.com/office/drawing/2010/main" xmlns="">
                   <a:noFill/>
                 </a14:hiddenFill>
               </a:ext>
@@ -29674,7 +29674,7 @@
             </a:ln>
             <a:extLst>
               <a:ext uri="{909E8E84-426E-40dd-AFC4-6F175D3DCCD1}">
-                <a14:hiddenFill xmlns="" xmlns:a14="http://schemas.microsoft.com/office/drawing/2010/main">
+                <a14:hiddenFill xmlns:a14="http://schemas.microsoft.com/office/drawing/2010/main" xmlns="">
                   <a:noFill/>
                 </a14:hiddenFill>
               </a:ext>
@@ -29725,7 +29725,7 @@
             </a:ln>
             <a:extLst>
               <a:ext uri="{909E8E84-426E-40dd-AFC4-6F175D3DCCD1}">
-                <a14:hiddenFill xmlns="" xmlns:a14="http://schemas.microsoft.com/office/drawing/2010/main">
+                <a14:hiddenFill xmlns:a14="http://schemas.microsoft.com/office/drawing/2010/main" xmlns="">
                   <a:noFill/>
                 </a14:hiddenFill>
               </a:ext>
@@ -29776,7 +29776,7 @@
             </a:ln>
             <a:extLst>
               <a:ext uri="{909E8E84-426E-40dd-AFC4-6F175D3DCCD1}">
-                <a14:hiddenFill xmlns="" xmlns:a14="http://schemas.microsoft.com/office/drawing/2010/main">
+                <a14:hiddenFill xmlns:a14="http://schemas.microsoft.com/office/drawing/2010/main" xmlns="">
                   <a:noFill/>
                 </a14:hiddenFill>
               </a:ext>
@@ -29827,7 +29827,7 @@
             </a:ln>
             <a:extLst>
               <a:ext uri="{909E8E84-426E-40dd-AFC4-6F175D3DCCD1}">
-                <a14:hiddenFill xmlns="" xmlns:a14="http://schemas.microsoft.com/office/drawing/2010/main">
+                <a14:hiddenFill xmlns:a14="http://schemas.microsoft.com/office/drawing/2010/main" xmlns="">
                   <a:noFill/>
                 </a14:hiddenFill>
               </a:ext>
@@ -29878,7 +29878,7 @@
             </a:ln>
             <a:extLst>
               <a:ext uri="{909E8E84-426E-40dd-AFC4-6F175D3DCCD1}">
-                <a14:hiddenFill xmlns="" xmlns:a14="http://schemas.microsoft.com/office/drawing/2010/main">
+                <a14:hiddenFill xmlns:a14="http://schemas.microsoft.com/office/drawing/2010/main" xmlns="">
                   <a:noFill/>
                 </a14:hiddenFill>
               </a:ext>
@@ -29929,7 +29929,7 @@
             </a:ln>
             <a:extLst>
               <a:ext uri="{909E8E84-426E-40dd-AFC4-6F175D3DCCD1}">
-                <a14:hiddenFill xmlns="" xmlns:a14="http://schemas.microsoft.com/office/drawing/2010/main">
+                <a14:hiddenFill xmlns:a14="http://schemas.microsoft.com/office/drawing/2010/main" xmlns="">
                   <a:noFill/>
                 </a14:hiddenFill>
               </a:ext>
@@ -29980,7 +29980,7 @@
             </a:ln>
             <a:extLst>
               <a:ext uri="{909E8E84-426E-40dd-AFC4-6F175D3DCCD1}">
-                <a14:hiddenFill xmlns="" xmlns:a14="http://schemas.microsoft.com/office/drawing/2010/main">
+                <a14:hiddenFill xmlns:a14="http://schemas.microsoft.com/office/drawing/2010/main" xmlns="">
                   <a:noFill/>
                 </a14:hiddenFill>
               </a:ext>
@@ -30031,7 +30031,7 @@
             </a:ln>
             <a:extLst>
               <a:ext uri="{909E8E84-426E-40dd-AFC4-6F175D3DCCD1}">
-                <a14:hiddenFill xmlns="" xmlns:a14="http://schemas.microsoft.com/office/drawing/2010/main">
+                <a14:hiddenFill xmlns:a14="http://schemas.microsoft.com/office/drawing/2010/main" xmlns="">
                   <a:noFill/>
                 </a14:hiddenFill>
               </a:ext>
@@ -30082,7 +30082,7 @@
             </a:ln>
             <a:extLst>
               <a:ext uri="{909E8E84-426E-40dd-AFC4-6F175D3DCCD1}">
-                <a14:hiddenFill xmlns="" xmlns:a14="http://schemas.microsoft.com/office/drawing/2010/main">
+                <a14:hiddenFill xmlns:a14="http://schemas.microsoft.com/office/drawing/2010/main" xmlns="">
                   <a:noFill/>
                 </a14:hiddenFill>
               </a:ext>
@@ -30133,7 +30133,7 @@
             </a:ln>
             <a:extLst>
               <a:ext uri="{909E8E84-426E-40dd-AFC4-6F175D3DCCD1}">
-                <a14:hiddenFill xmlns="" xmlns:a14="http://schemas.microsoft.com/office/drawing/2010/main">
+                <a14:hiddenFill xmlns:a14="http://schemas.microsoft.com/office/drawing/2010/main" xmlns="">
                   <a:noFill/>
                 </a14:hiddenFill>
               </a:ext>
@@ -30184,7 +30184,7 @@
             </a:ln>
             <a:extLst>
               <a:ext uri="{909E8E84-426E-40dd-AFC4-6F175D3DCCD1}">
-                <a14:hiddenFill xmlns="" xmlns:a14="http://schemas.microsoft.com/office/drawing/2010/main">
+                <a14:hiddenFill xmlns:a14="http://schemas.microsoft.com/office/drawing/2010/main" xmlns="">
                   <a:noFill/>
                 </a14:hiddenFill>
               </a:ext>
@@ -30235,7 +30235,7 @@
             </a:ln>
             <a:extLst>
               <a:ext uri="{909E8E84-426E-40dd-AFC4-6F175D3DCCD1}">
-                <a14:hiddenFill xmlns="" xmlns:a14="http://schemas.microsoft.com/office/drawing/2010/main">
+                <a14:hiddenFill xmlns:a14="http://schemas.microsoft.com/office/drawing/2010/main" xmlns="">
                   <a:noFill/>
                 </a14:hiddenFill>
               </a:ext>
@@ -30286,7 +30286,7 @@
             </a:ln>
             <a:extLst>
               <a:ext uri="{909E8E84-426E-40dd-AFC4-6F175D3DCCD1}">
-                <a14:hiddenFill xmlns="" xmlns:a14="http://schemas.microsoft.com/office/drawing/2010/main">
+                <a14:hiddenFill xmlns:a14="http://schemas.microsoft.com/office/drawing/2010/main" xmlns="">
                   <a:noFill/>
                 </a14:hiddenFill>
               </a:ext>
@@ -30337,7 +30337,7 @@
             </a:ln>
             <a:extLst>
               <a:ext uri="{909E8E84-426E-40dd-AFC4-6F175D3DCCD1}">
-                <a14:hiddenFill xmlns="" xmlns:a14="http://schemas.microsoft.com/office/drawing/2010/main">
+                <a14:hiddenFill xmlns:a14="http://schemas.microsoft.com/office/drawing/2010/main" xmlns="">
                   <a:noFill/>
                 </a14:hiddenFill>
               </a:ext>
@@ -30388,7 +30388,7 @@
             </a:ln>
             <a:extLst>
               <a:ext uri="{909E8E84-426E-40dd-AFC4-6F175D3DCCD1}">
-                <a14:hiddenFill xmlns="" xmlns:a14="http://schemas.microsoft.com/office/drawing/2010/main">
+                <a14:hiddenFill xmlns:a14="http://schemas.microsoft.com/office/drawing/2010/main" xmlns="">
                   <a:noFill/>
                 </a14:hiddenFill>
               </a:ext>
@@ -30439,7 +30439,7 @@
             </a:ln>
             <a:extLst>
               <a:ext uri="{909E8E84-426E-40dd-AFC4-6F175D3DCCD1}">
-                <a14:hiddenFill xmlns="" xmlns:a14="http://schemas.microsoft.com/office/drawing/2010/main">
+                <a14:hiddenFill xmlns:a14="http://schemas.microsoft.com/office/drawing/2010/main" xmlns="">
                   <a:noFill/>
                 </a14:hiddenFill>
               </a:ext>
@@ -30490,7 +30490,7 @@
             </a:ln>
             <a:extLst>
               <a:ext uri="{909E8E84-426E-40dd-AFC4-6F175D3DCCD1}">
-                <a14:hiddenFill xmlns="" xmlns:a14="http://schemas.microsoft.com/office/drawing/2010/main">
+                <a14:hiddenFill xmlns:a14="http://schemas.microsoft.com/office/drawing/2010/main" xmlns="">
                   <a:noFill/>
                 </a14:hiddenFill>
               </a:ext>
@@ -30541,7 +30541,7 @@
             </a:ln>
             <a:extLst>
               <a:ext uri="{909E8E84-426E-40dd-AFC4-6F175D3DCCD1}">
-                <a14:hiddenFill xmlns="" xmlns:a14="http://schemas.microsoft.com/office/drawing/2010/main">
+                <a14:hiddenFill xmlns:a14="http://schemas.microsoft.com/office/drawing/2010/main" xmlns="">
                   <a:noFill/>
                 </a14:hiddenFill>
               </a:ext>
@@ -30592,7 +30592,7 @@
             </a:ln>
             <a:extLst>
               <a:ext uri="{909E8E84-426E-40dd-AFC4-6F175D3DCCD1}">
-                <a14:hiddenFill xmlns="" xmlns:a14="http://schemas.microsoft.com/office/drawing/2010/main">
+                <a14:hiddenFill xmlns:a14="http://schemas.microsoft.com/office/drawing/2010/main" xmlns="">
                   <a:noFill/>
                 </a14:hiddenFill>
               </a:ext>
@@ -31415,7 +31415,7 @@
             </a:ln>
             <a:extLst>
               <a:ext uri="{909E8E84-426E-40dd-AFC4-6F175D3DCCD1}">
-                <a14:hiddenFill xmlns="" xmlns:a14="http://schemas.microsoft.com/office/drawing/2010/main">
+                <a14:hiddenFill xmlns:a14="http://schemas.microsoft.com/office/drawing/2010/main" xmlns="">
                   <a:solidFill>
                     <a:srgbClr val="FFFFFF"/>
                   </a:solidFill>
@@ -31468,7 +31468,7 @@
             </a:ln>
             <a:extLst>
               <a:ext uri="{909E8E84-426E-40dd-AFC4-6F175D3DCCD1}">
-                <a14:hiddenFill xmlns="" xmlns:a14="http://schemas.microsoft.com/office/drawing/2010/main">
+                <a14:hiddenFill xmlns:a14="http://schemas.microsoft.com/office/drawing/2010/main" xmlns="">
                   <a:noFill/>
                 </a14:hiddenFill>
               </a:ext>
@@ -31519,7 +31519,7 @@
             </a:ln>
             <a:extLst>
               <a:ext uri="{909E8E84-426E-40dd-AFC4-6F175D3DCCD1}">
-                <a14:hiddenFill xmlns="" xmlns:a14="http://schemas.microsoft.com/office/drawing/2010/main">
+                <a14:hiddenFill xmlns:a14="http://schemas.microsoft.com/office/drawing/2010/main" xmlns="">
                   <a:noFill/>
                 </a14:hiddenFill>
               </a:ext>
@@ -31570,7 +31570,7 @@
             </a:ln>
             <a:extLst>
               <a:ext uri="{909E8E84-426E-40dd-AFC4-6F175D3DCCD1}">
-                <a14:hiddenFill xmlns="" xmlns:a14="http://schemas.microsoft.com/office/drawing/2010/main">
+                <a14:hiddenFill xmlns:a14="http://schemas.microsoft.com/office/drawing/2010/main" xmlns="">
                   <a:noFill/>
                 </a14:hiddenFill>
               </a:ext>
@@ -31621,7 +31621,7 @@
             </a:ln>
             <a:extLst>
               <a:ext uri="{909E8E84-426E-40dd-AFC4-6F175D3DCCD1}">
-                <a14:hiddenFill xmlns="" xmlns:a14="http://schemas.microsoft.com/office/drawing/2010/main">
+                <a14:hiddenFill xmlns:a14="http://schemas.microsoft.com/office/drawing/2010/main" xmlns="">
                   <a:noFill/>
                 </a14:hiddenFill>
               </a:ext>
@@ -31672,7 +31672,7 @@
             </a:ln>
             <a:extLst>
               <a:ext uri="{909E8E84-426E-40dd-AFC4-6F175D3DCCD1}">
-                <a14:hiddenFill xmlns="" xmlns:a14="http://schemas.microsoft.com/office/drawing/2010/main">
+                <a14:hiddenFill xmlns:a14="http://schemas.microsoft.com/office/drawing/2010/main" xmlns="">
                   <a:noFill/>
                 </a14:hiddenFill>
               </a:ext>
@@ -31723,7 +31723,7 @@
             </a:ln>
             <a:extLst>
               <a:ext uri="{909E8E84-426E-40dd-AFC4-6F175D3DCCD1}">
-                <a14:hiddenFill xmlns="" xmlns:a14="http://schemas.microsoft.com/office/drawing/2010/main">
+                <a14:hiddenFill xmlns:a14="http://schemas.microsoft.com/office/drawing/2010/main" xmlns="">
                   <a:noFill/>
                 </a14:hiddenFill>
               </a:ext>
@@ -31774,7 +31774,7 @@
             </a:ln>
             <a:extLst>
               <a:ext uri="{909E8E84-426E-40dd-AFC4-6F175D3DCCD1}">
-                <a14:hiddenFill xmlns="" xmlns:a14="http://schemas.microsoft.com/office/drawing/2010/main">
+                <a14:hiddenFill xmlns:a14="http://schemas.microsoft.com/office/drawing/2010/main" xmlns="">
                   <a:noFill/>
                 </a14:hiddenFill>
               </a:ext>
@@ -31825,7 +31825,7 @@
             </a:ln>
             <a:extLst>
               <a:ext uri="{909E8E84-426E-40dd-AFC4-6F175D3DCCD1}">
-                <a14:hiddenFill xmlns="" xmlns:a14="http://schemas.microsoft.com/office/drawing/2010/main">
+                <a14:hiddenFill xmlns:a14="http://schemas.microsoft.com/office/drawing/2010/main" xmlns="">
                   <a:noFill/>
                 </a14:hiddenFill>
               </a:ext>
@@ -31876,7 +31876,7 @@
             </a:ln>
             <a:extLst>
               <a:ext uri="{909E8E84-426E-40dd-AFC4-6F175D3DCCD1}">
-                <a14:hiddenFill xmlns="" xmlns:a14="http://schemas.microsoft.com/office/drawing/2010/main">
+                <a14:hiddenFill xmlns:a14="http://schemas.microsoft.com/office/drawing/2010/main" xmlns="">
                   <a:noFill/>
                 </a14:hiddenFill>
               </a:ext>
@@ -31927,7 +31927,7 @@
             </a:ln>
             <a:extLst>
               <a:ext uri="{909E8E84-426E-40dd-AFC4-6F175D3DCCD1}">
-                <a14:hiddenFill xmlns="" xmlns:a14="http://schemas.microsoft.com/office/drawing/2010/main">
+                <a14:hiddenFill xmlns:a14="http://schemas.microsoft.com/office/drawing/2010/main" xmlns="">
                   <a:noFill/>
                 </a14:hiddenFill>
               </a:ext>
@@ -31978,7 +31978,7 @@
             </a:ln>
             <a:extLst>
               <a:ext uri="{909E8E84-426E-40dd-AFC4-6F175D3DCCD1}">
-                <a14:hiddenFill xmlns="" xmlns:a14="http://schemas.microsoft.com/office/drawing/2010/main">
+                <a14:hiddenFill xmlns:a14="http://schemas.microsoft.com/office/drawing/2010/main" xmlns="">
                   <a:noFill/>
                 </a14:hiddenFill>
               </a:ext>
@@ -32029,7 +32029,7 @@
             </a:ln>
             <a:extLst>
               <a:ext uri="{909E8E84-426E-40dd-AFC4-6F175D3DCCD1}">
-                <a14:hiddenFill xmlns="" xmlns:a14="http://schemas.microsoft.com/office/drawing/2010/main">
+                <a14:hiddenFill xmlns:a14="http://schemas.microsoft.com/office/drawing/2010/main" xmlns="">
                   <a:noFill/>
                 </a14:hiddenFill>
               </a:ext>
@@ -32080,7 +32080,7 @@
             </a:ln>
             <a:extLst>
               <a:ext uri="{909E8E84-426E-40dd-AFC4-6F175D3DCCD1}">
-                <a14:hiddenFill xmlns="" xmlns:a14="http://schemas.microsoft.com/office/drawing/2010/main">
+                <a14:hiddenFill xmlns:a14="http://schemas.microsoft.com/office/drawing/2010/main" xmlns="">
                   <a:noFill/>
                 </a14:hiddenFill>
               </a:ext>
@@ -32131,7 +32131,7 @@
             </a:ln>
             <a:extLst>
               <a:ext uri="{909E8E84-426E-40dd-AFC4-6F175D3DCCD1}">
-                <a14:hiddenFill xmlns="" xmlns:a14="http://schemas.microsoft.com/office/drawing/2010/main">
+                <a14:hiddenFill xmlns:a14="http://schemas.microsoft.com/office/drawing/2010/main" xmlns="">
                   <a:noFill/>
                 </a14:hiddenFill>
               </a:ext>
@@ -32182,7 +32182,7 @@
             </a:ln>
             <a:extLst>
               <a:ext uri="{909E8E84-426E-40dd-AFC4-6F175D3DCCD1}">
-                <a14:hiddenFill xmlns="" xmlns:a14="http://schemas.microsoft.com/office/drawing/2010/main">
+                <a14:hiddenFill xmlns:a14="http://schemas.microsoft.com/office/drawing/2010/main" xmlns="">
                   <a:noFill/>
                 </a14:hiddenFill>
               </a:ext>
@@ -32233,7 +32233,7 @@
             </a:ln>
             <a:extLst>
               <a:ext uri="{909E8E84-426E-40dd-AFC4-6F175D3DCCD1}">
-                <a14:hiddenFill xmlns="" xmlns:a14="http://schemas.microsoft.com/office/drawing/2010/main">
+                <a14:hiddenFill xmlns:a14="http://schemas.microsoft.com/office/drawing/2010/main" xmlns="">
                   <a:noFill/>
                 </a14:hiddenFill>
               </a:ext>
@@ -32284,7 +32284,7 @@
             </a:ln>
             <a:extLst>
               <a:ext uri="{909E8E84-426E-40dd-AFC4-6F175D3DCCD1}">
-                <a14:hiddenFill xmlns="" xmlns:a14="http://schemas.microsoft.com/office/drawing/2010/main">
+                <a14:hiddenFill xmlns:a14="http://schemas.microsoft.com/office/drawing/2010/main" xmlns="">
                   <a:noFill/>
                 </a14:hiddenFill>
               </a:ext>
@@ -32335,7 +32335,7 @@
             </a:ln>
             <a:extLst>
               <a:ext uri="{909E8E84-426E-40dd-AFC4-6F175D3DCCD1}">
-                <a14:hiddenFill xmlns="" xmlns:a14="http://schemas.microsoft.com/office/drawing/2010/main">
+                <a14:hiddenFill xmlns:a14="http://schemas.microsoft.com/office/drawing/2010/main" xmlns="">
                   <a:noFill/>
                 </a14:hiddenFill>
               </a:ext>
@@ -32386,7 +32386,7 @@
             </a:ln>
             <a:extLst>
               <a:ext uri="{909E8E84-426E-40dd-AFC4-6F175D3DCCD1}">
-                <a14:hiddenFill xmlns="" xmlns:a14="http://schemas.microsoft.com/office/drawing/2010/main">
+                <a14:hiddenFill xmlns:a14="http://schemas.microsoft.com/office/drawing/2010/main" xmlns="">
                   <a:noFill/>
                 </a14:hiddenFill>
               </a:ext>
@@ -32437,7 +32437,7 @@
             </a:ln>
             <a:extLst>
               <a:ext uri="{909E8E84-426E-40dd-AFC4-6F175D3DCCD1}">
-                <a14:hiddenFill xmlns="" xmlns:a14="http://schemas.microsoft.com/office/drawing/2010/main">
+                <a14:hiddenFill xmlns:a14="http://schemas.microsoft.com/office/drawing/2010/main" xmlns="">
                   <a:noFill/>
                 </a14:hiddenFill>
               </a:ext>
@@ -32488,7 +32488,7 @@
             </a:ln>
             <a:extLst>
               <a:ext uri="{909E8E84-426E-40dd-AFC4-6F175D3DCCD1}">
-                <a14:hiddenFill xmlns="" xmlns:a14="http://schemas.microsoft.com/office/drawing/2010/main">
+                <a14:hiddenFill xmlns:a14="http://schemas.microsoft.com/office/drawing/2010/main" xmlns="">
                   <a:noFill/>
                 </a14:hiddenFill>
               </a:ext>
@@ -32539,7 +32539,7 @@
             </a:ln>
             <a:extLst>
               <a:ext uri="{909E8E84-426E-40dd-AFC4-6F175D3DCCD1}">
-                <a14:hiddenFill xmlns="" xmlns:a14="http://schemas.microsoft.com/office/drawing/2010/main">
+                <a14:hiddenFill xmlns:a14="http://schemas.microsoft.com/office/drawing/2010/main" xmlns="">
                   <a:noFill/>
                 </a14:hiddenFill>
               </a:ext>
@@ -32590,7 +32590,7 @@
             </a:ln>
             <a:extLst>
               <a:ext uri="{909E8E84-426E-40dd-AFC4-6F175D3DCCD1}">
-                <a14:hiddenFill xmlns="" xmlns:a14="http://schemas.microsoft.com/office/drawing/2010/main">
+                <a14:hiddenFill xmlns:a14="http://schemas.microsoft.com/office/drawing/2010/main" xmlns="">
                   <a:noFill/>
                 </a14:hiddenFill>
               </a:ext>
@@ -32641,7 +32641,7 @@
             </a:ln>
             <a:extLst>
               <a:ext uri="{909E8E84-426E-40dd-AFC4-6F175D3DCCD1}">
-                <a14:hiddenFill xmlns="" xmlns:a14="http://schemas.microsoft.com/office/drawing/2010/main">
+                <a14:hiddenFill xmlns:a14="http://schemas.microsoft.com/office/drawing/2010/main" xmlns="">
                   <a:noFill/>
                 </a14:hiddenFill>
               </a:ext>
@@ -32692,7 +32692,7 @@
             </a:ln>
             <a:extLst>
               <a:ext uri="{909E8E84-426E-40dd-AFC4-6F175D3DCCD1}">
-                <a14:hiddenFill xmlns="" xmlns:a14="http://schemas.microsoft.com/office/drawing/2010/main">
+                <a14:hiddenFill xmlns:a14="http://schemas.microsoft.com/office/drawing/2010/main" xmlns="">
                   <a:noFill/>
                 </a14:hiddenFill>
               </a:ext>
@@ -32743,7 +32743,7 @@
             </a:ln>
             <a:extLst>
               <a:ext uri="{909E8E84-426E-40dd-AFC4-6F175D3DCCD1}">
-                <a14:hiddenFill xmlns="" xmlns:a14="http://schemas.microsoft.com/office/drawing/2010/main">
+                <a14:hiddenFill xmlns:a14="http://schemas.microsoft.com/office/drawing/2010/main" xmlns="">
                   <a:noFill/>
                 </a14:hiddenFill>
               </a:ext>
@@ -32794,7 +32794,7 @@
             </a:ln>
             <a:extLst>
               <a:ext uri="{909E8E84-426E-40dd-AFC4-6F175D3DCCD1}">
-                <a14:hiddenFill xmlns="" xmlns:a14="http://schemas.microsoft.com/office/drawing/2010/main">
+                <a14:hiddenFill xmlns:a14="http://schemas.microsoft.com/office/drawing/2010/main" xmlns="">
                   <a:noFill/>
                 </a14:hiddenFill>
               </a:ext>
@@ -32845,7 +32845,7 @@
             </a:ln>
             <a:extLst>
               <a:ext uri="{909E8E84-426E-40dd-AFC4-6F175D3DCCD1}">
-                <a14:hiddenFill xmlns="" xmlns:a14="http://schemas.microsoft.com/office/drawing/2010/main">
+                <a14:hiddenFill xmlns:a14="http://schemas.microsoft.com/office/drawing/2010/main" xmlns="">
                   <a:noFill/>
                 </a14:hiddenFill>
               </a:ext>
@@ -32896,7 +32896,7 @@
             </a:ln>
             <a:extLst>
               <a:ext uri="{909E8E84-426E-40dd-AFC4-6F175D3DCCD1}">
-                <a14:hiddenFill xmlns="" xmlns:a14="http://schemas.microsoft.com/office/drawing/2010/main">
+                <a14:hiddenFill xmlns:a14="http://schemas.microsoft.com/office/drawing/2010/main" xmlns="">
                   <a:noFill/>
                 </a14:hiddenFill>
               </a:ext>
@@ -32947,7 +32947,7 @@
             </a:ln>
             <a:extLst>
               <a:ext uri="{909E8E84-426E-40dd-AFC4-6F175D3DCCD1}">
-                <a14:hiddenFill xmlns="" xmlns:a14="http://schemas.microsoft.com/office/drawing/2010/main">
+                <a14:hiddenFill xmlns:a14="http://schemas.microsoft.com/office/drawing/2010/main" xmlns="">
                   <a:noFill/>
                 </a14:hiddenFill>
               </a:ext>
@@ -32998,7 +32998,7 @@
             </a:ln>
             <a:extLst>
               <a:ext uri="{909E8E84-426E-40dd-AFC4-6F175D3DCCD1}">
-                <a14:hiddenFill xmlns="" xmlns:a14="http://schemas.microsoft.com/office/drawing/2010/main">
+                <a14:hiddenFill xmlns:a14="http://schemas.microsoft.com/office/drawing/2010/main" xmlns="">
                   <a:noFill/>
                 </a14:hiddenFill>
               </a:ext>
@@ -33049,7 +33049,7 @@
             </a:ln>
             <a:extLst>
               <a:ext uri="{909E8E84-426E-40dd-AFC4-6F175D3DCCD1}">
-                <a14:hiddenFill xmlns="" xmlns:a14="http://schemas.microsoft.com/office/drawing/2010/main">
+                <a14:hiddenFill xmlns:a14="http://schemas.microsoft.com/office/drawing/2010/main" xmlns="">
                   <a:noFill/>
                 </a14:hiddenFill>
               </a:ext>
@@ -33100,7 +33100,7 @@
             </a:ln>
             <a:extLst>
               <a:ext uri="{909E8E84-426E-40dd-AFC4-6F175D3DCCD1}">
-                <a14:hiddenFill xmlns="" xmlns:a14="http://schemas.microsoft.com/office/drawing/2010/main">
+                <a14:hiddenFill xmlns:a14="http://schemas.microsoft.com/office/drawing/2010/main" xmlns="">
                   <a:noFill/>
                 </a14:hiddenFill>
               </a:ext>
@@ -33151,7 +33151,7 @@
             </a:ln>
             <a:extLst>
               <a:ext uri="{909E8E84-426E-40dd-AFC4-6F175D3DCCD1}">
-                <a14:hiddenFill xmlns="" xmlns:a14="http://schemas.microsoft.com/office/drawing/2010/main">
+                <a14:hiddenFill xmlns:a14="http://schemas.microsoft.com/office/drawing/2010/main" xmlns="">
                   <a:noFill/>
                 </a14:hiddenFill>
               </a:ext>
@@ -33202,7 +33202,7 @@
             </a:ln>
             <a:extLst>
               <a:ext uri="{909E8E84-426E-40dd-AFC4-6F175D3DCCD1}">
-                <a14:hiddenFill xmlns="" xmlns:a14="http://schemas.microsoft.com/office/drawing/2010/main">
+                <a14:hiddenFill xmlns:a14="http://schemas.microsoft.com/office/drawing/2010/main" xmlns="">
                   <a:noFill/>
                 </a14:hiddenFill>
               </a:ext>
@@ -33253,7 +33253,7 @@
             </a:ln>
             <a:extLst>
               <a:ext uri="{909E8E84-426E-40dd-AFC4-6F175D3DCCD1}">
-                <a14:hiddenFill xmlns="" xmlns:a14="http://schemas.microsoft.com/office/drawing/2010/main">
+                <a14:hiddenFill xmlns:a14="http://schemas.microsoft.com/office/drawing/2010/main" xmlns="">
                   <a:noFill/>
                 </a14:hiddenFill>
               </a:ext>
@@ -33304,7 +33304,7 @@
             </a:ln>
             <a:extLst>
               <a:ext uri="{909E8E84-426E-40dd-AFC4-6F175D3DCCD1}">
-                <a14:hiddenFill xmlns="" xmlns:a14="http://schemas.microsoft.com/office/drawing/2010/main">
+                <a14:hiddenFill xmlns:a14="http://schemas.microsoft.com/office/drawing/2010/main" xmlns="">
                   <a:noFill/>
                 </a14:hiddenFill>
               </a:ext>
@@ -33355,7 +33355,7 @@
             </a:ln>
             <a:extLst>
               <a:ext uri="{909E8E84-426E-40dd-AFC4-6F175D3DCCD1}">
-                <a14:hiddenFill xmlns="" xmlns:a14="http://schemas.microsoft.com/office/drawing/2010/main">
+                <a14:hiddenFill xmlns:a14="http://schemas.microsoft.com/office/drawing/2010/main" xmlns="">
                   <a:noFill/>
                 </a14:hiddenFill>
               </a:ext>
@@ -33406,7 +33406,7 @@
             </a:ln>
             <a:extLst>
               <a:ext uri="{909E8E84-426E-40dd-AFC4-6F175D3DCCD1}">
-                <a14:hiddenFill xmlns="" xmlns:a14="http://schemas.microsoft.com/office/drawing/2010/main">
+                <a14:hiddenFill xmlns:a14="http://schemas.microsoft.com/office/drawing/2010/main" xmlns="">
                   <a:noFill/>
                 </a14:hiddenFill>
               </a:ext>
@@ -33457,7 +33457,7 @@
             </a:ln>
             <a:extLst>
               <a:ext uri="{909E8E84-426E-40dd-AFC4-6F175D3DCCD1}">
-                <a14:hiddenFill xmlns="" xmlns:a14="http://schemas.microsoft.com/office/drawing/2010/main">
+                <a14:hiddenFill xmlns:a14="http://schemas.microsoft.com/office/drawing/2010/main" xmlns="">
                   <a:noFill/>
                 </a14:hiddenFill>
               </a:ext>
@@ -33508,7 +33508,7 @@
             </a:ln>
             <a:extLst>
               <a:ext uri="{909E8E84-426E-40dd-AFC4-6F175D3DCCD1}">
-                <a14:hiddenFill xmlns="" xmlns:a14="http://schemas.microsoft.com/office/drawing/2010/main">
+                <a14:hiddenFill xmlns:a14="http://schemas.microsoft.com/office/drawing/2010/main" xmlns="">
                   <a:noFill/>
                 </a14:hiddenFill>
               </a:ext>
@@ -33559,7 +33559,7 @@
             </a:ln>
             <a:extLst>
               <a:ext uri="{909E8E84-426E-40dd-AFC4-6F175D3DCCD1}">
-                <a14:hiddenFill xmlns="" xmlns:a14="http://schemas.microsoft.com/office/drawing/2010/main">
+                <a14:hiddenFill xmlns:a14="http://schemas.microsoft.com/office/drawing/2010/main" xmlns="">
                   <a:noFill/>
                 </a14:hiddenFill>
               </a:ext>
@@ -33610,7 +33610,7 @@
             </a:ln>
             <a:extLst>
               <a:ext uri="{909E8E84-426E-40dd-AFC4-6F175D3DCCD1}">
-                <a14:hiddenFill xmlns="" xmlns:a14="http://schemas.microsoft.com/office/drawing/2010/main">
+                <a14:hiddenFill xmlns:a14="http://schemas.microsoft.com/office/drawing/2010/main" xmlns="">
                   <a:noFill/>
                 </a14:hiddenFill>
               </a:ext>
@@ -33661,7 +33661,7 @@
             </a:ln>
             <a:extLst>
               <a:ext uri="{909E8E84-426E-40dd-AFC4-6F175D3DCCD1}">
-                <a14:hiddenFill xmlns="" xmlns:a14="http://schemas.microsoft.com/office/drawing/2010/main">
+                <a14:hiddenFill xmlns:a14="http://schemas.microsoft.com/office/drawing/2010/main" xmlns="">
                   <a:noFill/>
                 </a14:hiddenFill>
               </a:ext>
@@ -33712,7 +33712,7 @@
             </a:ln>
             <a:extLst>
               <a:ext uri="{909E8E84-426E-40dd-AFC4-6F175D3DCCD1}">
-                <a14:hiddenFill xmlns="" xmlns:a14="http://schemas.microsoft.com/office/drawing/2010/main">
+                <a14:hiddenFill xmlns:a14="http://schemas.microsoft.com/office/drawing/2010/main" xmlns="">
                   <a:noFill/>
                 </a14:hiddenFill>
               </a:ext>
@@ -33763,7 +33763,7 @@
             </a:ln>
             <a:extLst>
               <a:ext uri="{909E8E84-426E-40dd-AFC4-6F175D3DCCD1}">
-                <a14:hiddenFill xmlns="" xmlns:a14="http://schemas.microsoft.com/office/drawing/2010/main">
+                <a14:hiddenFill xmlns:a14="http://schemas.microsoft.com/office/drawing/2010/main" xmlns="">
                   <a:noFill/>
                 </a14:hiddenFill>
               </a:ext>
@@ -33814,7 +33814,7 @@
             </a:ln>
             <a:extLst>
               <a:ext uri="{909E8E84-426E-40dd-AFC4-6F175D3DCCD1}">
-                <a14:hiddenFill xmlns="" xmlns:a14="http://schemas.microsoft.com/office/drawing/2010/main">
+                <a14:hiddenFill xmlns:a14="http://schemas.microsoft.com/office/drawing/2010/main" xmlns="">
                   <a:noFill/>
                 </a14:hiddenFill>
               </a:ext>
@@ -33865,7 +33865,7 @@
             </a:ln>
             <a:extLst>
               <a:ext uri="{909E8E84-426E-40dd-AFC4-6F175D3DCCD1}">
-                <a14:hiddenFill xmlns="" xmlns:a14="http://schemas.microsoft.com/office/drawing/2010/main">
+                <a14:hiddenFill xmlns:a14="http://schemas.microsoft.com/office/drawing/2010/main" xmlns="">
                   <a:noFill/>
                 </a14:hiddenFill>
               </a:ext>
@@ -33916,7 +33916,7 @@
             </a:ln>
             <a:extLst>
               <a:ext uri="{909E8E84-426E-40dd-AFC4-6F175D3DCCD1}">
-                <a14:hiddenFill xmlns="" xmlns:a14="http://schemas.microsoft.com/office/drawing/2010/main">
+                <a14:hiddenFill xmlns:a14="http://schemas.microsoft.com/office/drawing/2010/main" xmlns="">
                   <a:noFill/>
                 </a14:hiddenFill>
               </a:ext>
@@ -33967,7 +33967,7 @@
             </a:ln>
             <a:extLst>
               <a:ext uri="{909E8E84-426E-40dd-AFC4-6F175D3DCCD1}">
-                <a14:hiddenFill xmlns="" xmlns:a14="http://schemas.microsoft.com/office/drawing/2010/main">
+                <a14:hiddenFill xmlns:a14="http://schemas.microsoft.com/office/drawing/2010/main" xmlns="">
                   <a:noFill/>
                 </a14:hiddenFill>
               </a:ext>
@@ -34018,7 +34018,7 @@
             </a:ln>
             <a:extLst>
               <a:ext uri="{909E8E84-426E-40dd-AFC4-6F175D3DCCD1}">
-                <a14:hiddenFill xmlns="" xmlns:a14="http://schemas.microsoft.com/office/drawing/2010/main">
+                <a14:hiddenFill xmlns:a14="http://schemas.microsoft.com/office/drawing/2010/main" xmlns="">
                   <a:noFill/>
                 </a14:hiddenFill>
               </a:ext>
@@ -34069,7 +34069,7 @@
             </a:ln>
             <a:extLst>
               <a:ext uri="{909E8E84-426E-40dd-AFC4-6F175D3DCCD1}">
-                <a14:hiddenFill xmlns="" xmlns:a14="http://schemas.microsoft.com/office/drawing/2010/main">
+                <a14:hiddenFill xmlns:a14="http://schemas.microsoft.com/office/drawing/2010/main" xmlns="">
                   <a:noFill/>
                 </a14:hiddenFill>
               </a:ext>
@@ -34120,7 +34120,7 @@
             </a:ln>
             <a:extLst>
               <a:ext uri="{909E8E84-426E-40dd-AFC4-6F175D3DCCD1}">
-                <a14:hiddenFill xmlns="" xmlns:a14="http://schemas.microsoft.com/office/drawing/2010/main">
+                <a14:hiddenFill xmlns:a14="http://schemas.microsoft.com/office/drawing/2010/main" xmlns="">
                   <a:noFill/>
                 </a14:hiddenFill>
               </a:ext>
@@ -34171,7 +34171,7 @@
             </a:ln>
             <a:extLst>
               <a:ext uri="{909E8E84-426E-40dd-AFC4-6F175D3DCCD1}">
-                <a14:hiddenFill xmlns="" xmlns:a14="http://schemas.microsoft.com/office/drawing/2010/main">
+                <a14:hiddenFill xmlns:a14="http://schemas.microsoft.com/office/drawing/2010/main" xmlns="">
                   <a:noFill/>
                 </a14:hiddenFill>
               </a:ext>
@@ -34222,7 +34222,7 @@
             </a:ln>
             <a:extLst>
               <a:ext uri="{909E8E84-426E-40dd-AFC4-6F175D3DCCD1}">
-                <a14:hiddenFill xmlns="" xmlns:a14="http://schemas.microsoft.com/office/drawing/2010/main">
+                <a14:hiddenFill xmlns:a14="http://schemas.microsoft.com/office/drawing/2010/main" xmlns="">
                   <a:noFill/>
                 </a14:hiddenFill>
               </a:ext>
@@ -34273,7 +34273,7 @@
             </a:ln>
             <a:extLst>
               <a:ext uri="{909E8E84-426E-40dd-AFC4-6F175D3DCCD1}">
-                <a14:hiddenFill xmlns="" xmlns:a14="http://schemas.microsoft.com/office/drawing/2010/main">
+                <a14:hiddenFill xmlns:a14="http://schemas.microsoft.com/office/drawing/2010/main" xmlns="">
                   <a:noFill/>
                 </a14:hiddenFill>
               </a:ext>
@@ -34324,7 +34324,7 @@
             </a:ln>
             <a:extLst>
               <a:ext uri="{909E8E84-426E-40dd-AFC4-6F175D3DCCD1}">
-                <a14:hiddenFill xmlns="" xmlns:a14="http://schemas.microsoft.com/office/drawing/2010/main">
+                <a14:hiddenFill xmlns:a14="http://schemas.microsoft.com/office/drawing/2010/main" xmlns="">
                   <a:noFill/>
                 </a14:hiddenFill>
               </a:ext>
@@ -34375,7 +34375,7 @@
             </a:ln>
             <a:extLst>
               <a:ext uri="{909E8E84-426E-40dd-AFC4-6F175D3DCCD1}">
-                <a14:hiddenFill xmlns="" xmlns:a14="http://schemas.microsoft.com/office/drawing/2010/main">
+                <a14:hiddenFill xmlns:a14="http://schemas.microsoft.com/office/drawing/2010/main" xmlns="">
                   <a:noFill/>
                 </a14:hiddenFill>
               </a:ext>
@@ -34426,7 +34426,7 @@
             </a:ln>
             <a:extLst>
               <a:ext uri="{909E8E84-426E-40dd-AFC4-6F175D3DCCD1}">
-                <a14:hiddenFill xmlns="" xmlns:a14="http://schemas.microsoft.com/office/drawing/2010/main">
+                <a14:hiddenFill xmlns:a14="http://schemas.microsoft.com/office/drawing/2010/main" xmlns="">
                   <a:noFill/>
                 </a14:hiddenFill>
               </a:ext>
@@ -34477,7 +34477,7 @@
             </a:ln>
             <a:extLst>
               <a:ext uri="{909E8E84-426E-40dd-AFC4-6F175D3DCCD1}">
-                <a14:hiddenFill xmlns="" xmlns:a14="http://schemas.microsoft.com/office/drawing/2010/main">
+                <a14:hiddenFill xmlns:a14="http://schemas.microsoft.com/office/drawing/2010/main" xmlns="">
                   <a:noFill/>
                 </a14:hiddenFill>
               </a:ext>
@@ -34528,7 +34528,7 @@
             </a:ln>
             <a:extLst>
               <a:ext uri="{909E8E84-426E-40dd-AFC4-6F175D3DCCD1}">
-                <a14:hiddenFill xmlns="" xmlns:a14="http://schemas.microsoft.com/office/drawing/2010/main">
+                <a14:hiddenFill xmlns:a14="http://schemas.microsoft.com/office/drawing/2010/main" xmlns="">
                   <a:noFill/>
                 </a14:hiddenFill>
               </a:ext>
@@ -34579,7 +34579,7 @@
             </a:ln>
             <a:extLst>
               <a:ext uri="{909E8E84-426E-40dd-AFC4-6F175D3DCCD1}">
-                <a14:hiddenFill xmlns="" xmlns:a14="http://schemas.microsoft.com/office/drawing/2010/main">
+                <a14:hiddenFill xmlns:a14="http://schemas.microsoft.com/office/drawing/2010/main" xmlns="">
                   <a:noFill/>
                 </a14:hiddenFill>
               </a:ext>
@@ -34630,7 +34630,7 @@
             </a:ln>
             <a:extLst>
               <a:ext uri="{909E8E84-426E-40dd-AFC4-6F175D3DCCD1}">
-                <a14:hiddenFill xmlns="" xmlns:a14="http://schemas.microsoft.com/office/drawing/2010/main">
+                <a14:hiddenFill xmlns:a14="http://schemas.microsoft.com/office/drawing/2010/main" xmlns="">
                   <a:noFill/>
                 </a14:hiddenFill>
               </a:ext>
@@ -34681,7 +34681,7 @@
             </a:ln>
             <a:extLst>
               <a:ext uri="{909E8E84-426E-40dd-AFC4-6F175D3DCCD1}">
-                <a14:hiddenFill xmlns="" xmlns:a14="http://schemas.microsoft.com/office/drawing/2010/main">
+                <a14:hiddenFill xmlns:a14="http://schemas.microsoft.com/office/drawing/2010/main" xmlns="">
                   <a:noFill/>
                 </a14:hiddenFill>
               </a:ext>
@@ -34732,7 +34732,7 @@
             </a:ln>
             <a:extLst>
               <a:ext uri="{909E8E84-426E-40dd-AFC4-6F175D3DCCD1}">
-                <a14:hiddenFill xmlns="" xmlns:a14="http://schemas.microsoft.com/office/drawing/2010/main">
+                <a14:hiddenFill xmlns:a14="http://schemas.microsoft.com/office/drawing/2010/main" xmlns="">
                   <a:noFill/>
                 </a14:hiddenFill>
               </a:ext>
@@ -34783,7 +34783,7 @@
             </a:ln>
             <a:extLst>
               <a:ext uri="{909E8E84-426E-40dd-AFC4-6F175D3DCCD1}">
-                <a14:hiddenFill xmlns="" xmlns:a14="http://schemas.microsoft.com/office/drawing/2010/main">
+                <a14:hiddenFill xmlns:a14="http://schemas.microsoft.com/office/drawing/2010/main" xmlns="">
                   <a:noFill/>
                 </a14:hiddenFill>
               </a:ext>
@@ -34834,7 +34834,7 @@
             </a:ln>
             <a:extLst>
               <a:ext uri="{909E8E84-426E-40dd-AFC4-6F175D3DCCD1}">
-                <a14:hiddenFill xmlns="" xmlns:a14="http://schemas.microsoft.com/office/drawing/2010/main">
+                <a14:hiddenFill xmlns:a14="http://schemas.microsoft.com/office/drawing/2010/main" xmlns="">
                   <a:noFill/>
                 </a14:hiddenFill>
               </a:ext>
@@ -34885,7 +34885,7 @@
             </a:ln>
             <a:extLst>
               <a:ext uri="{909E8E84-426E-40dd-AFC4-6F175D3DCCD1}">
-                <a14:hiddenFill xmlns="" xmlns:a14="http://schemas.microsoft.com/office/drawing/2010/main">
+                <a14:hiddenFill xmlns:a14="http://schemas.microsoft.com/office/drawing/2010/main" xmlns="">
                   <a:noFill/>
                 </a14:hiddenFill>
               </a:ext>
@@ -35373,7 +35373,7 @@
             </a:ln>
             <a:extLst>
               <a:ext uri="{909E8E84-426E-40dd-AFC4-6F175D3DCCD1}">
-                <a14:hiddenFill xmlns="" xmlns:a14="http://schemas.microsoft.com/office/drawing/2010/main">
+                <a14:hiddenFill xmlns:a14="http://schemas.microsoft.com/office/drawing/2010/main" xmlns="">
                   <a:solidFill>
                     <a:srgbClr val="FFFFFF"/>
                   </a:solidFill>
@@ -35426,7 +35426,7 @@
             </a:ln>
             <a:extLst>
               <a:ext uri="{909E8E84-426E-40dd-AFC4-6F175D3DCCD1}">
-                <a14:hiddenFill xmlns="" xmlns:a14="http://schemas.microsoft.com/office/drawing/2010/main">
+                <a14:hiddenFill xmlns:a14="http://schemas.microsoft.com/office/drawing/2010/main" xmlns="">
                   <a:noFill/>
                 </a14:hiddenFill>
               </a:ext>
@@ -35477,7 +35477,7 @@
             </a:ln>
             <a:extLst>
               <a:ext uri="{909E8E84-426E-40dd-AFC4-6F175D3DCCD1}">
-                <a14:hiddenFill xmlns="" xmlns:a14="http://schemas.microsoft.com/office/drawing/2010/main">
+                <a14:hiddenFill xmlns:a14="http://schemas.microsoft.com/office/drawing/2010/main" xmlns="">
                   <a:noFill/>
                 </a14:hiddenFill>
               </a:ext>
@@ -35528,7 +35528,7 @@
             </a:ln>
             <a:extLst>
               <a:ext uri="{909E8E84-426E-40dd-AFC4-6F175D3DCCD1}">
-                <a14:hiddenFill xmlns="" xmlns:a14="http://schemas.microsoft.com/office/drawing/2010/main">
+                <a14:hiddenFill xmlns:a14="http://schemas.microsoft.com/office/drawing/2010/main" xmlns="">
                   <a:noFill/>
                 </a14:hiddenFill>
               </a:ext>
@@ -35579,7 +35579,7 @@
             </a:ln>
             <a:extLst>
               <a:ext uri="{909E8E84-426E-40dd-AFC4-6F175D3DCCD1}">
-                <a14:hiddenFill xmlns="" xmlns:a14="http://schemas.microsoft.com/office/drawing/2010/main">
+                <a14:hiddenFill xmlns:a14="http://schemas.microsoft.com/office/drawing/2010/main" xmlns="">
                   <a:noFill/>
                 </a14:hiddenFill>
               </a:ext>
@@ -35630,7 +35630,7 @@
             </a:ln>
             <a:extLst>
               <a:ext uri="{909E8E84-426E-40dd-AFC4-6F175D3DCCD1}">
-                <a14:hiddenFill xmlns="" xmlns:a14="http://schemas.microsoft.com/office/drawing/2010/main">
+                <a14:hiddenFill xmlns:a14="http://schemas.microsoft.com/office/drawing/2010/main" xmlns="">
                   <a:noFill/>
                 </a14:hiddenFill>
               </a:ext>
@@ -35681,7 +35681,7 @@
             </a:ln>
             <a:extLst>
               <a:ext uri="{909E8E84-426E-40dd-AFC4-6F175D3DCCD1}">
-                <a14:hiddenFill xmlns="" xmlns:a14="http://schemas.microsoft.com/office/drawing/2010/main">
+                <a14:hiddenFill xmlns:a14="http://schemas.microsoft.com/office/drawing/2010/main" xmlns="">
                   <a:noFill/>
                 </a14:hiddenFill>
               </a:ext>
@@ -35732,7 +35732,7 @@
             </a:ln>
             <a:extLst>
               <a:ext uri="{909E8E84-426E-40dd-AFC4-6F175D3DCCD1}">
-                <a14:hiddenFill xmlns="" xmlns:a14="http://schemas.microsoft.com/office/drawing/2010/main">
+                <a14:hiddenFill xmlns:a14="http://schemas.microsoft.com/office/drawing/2010/main" xmlns="">
                   <a:noFill/>
                 </a14:hiddenFill>
               </a:ext>
@@ -35783,7 +35783,7 @@
             </a:ln>
             <a:extLst>
               <a:ext uri="{909E8E84-426E-40dd-AFC4-6F175D3DCCD1}">
-                <a14:hiddenFill xmlns="" xmlns:a14="http://schemas.microsoft.com/office/drawing/2010/main">
+                <a14:hiddenFill xmlns:a14="http://schemas.microsoft.com/office/drawing/2010/main" xmlns="">
                   <a:noFill/>
                 </a14:hiddenFill>
               </a:ext>
@@ -35834,7 +35834,7 @@
             </a:ln>
             <a:extLst>
               <a:ext uri="{909E8E84-426E-40dd-AFC4-6F175D3DCCD1}">
-                <a14:hiddenFill xmlns="" xmlns:a14="http://schemas.microsoft.com/office/drawing/2010/main">
+                <a14:hiddenFill xmlns:a14="http://schemas.microsoft.com/office/drawing/2010/main" xmlns="">
                   <a:noFill/>
                 </a14:hiddenFill>
               </a:ext>
@@ -35885,7 +35885,7 @@
             </a:ln>
             <a:extLst>
               <a:ext uri="{909E8E84-426E-40dd-AFC4-6F175D3DCCD1}">
-                <a14:hiddenFill xmlns="" xmlns:a14="http://schemas.microsoft.com/office/drawing/2010/main">
+                <a14:hiddenFill xmlns:a14="http://schemas.microsoft.com/office/drawing/2010/main" xmlns="">
                   <a:noFill/>
                 </a14:hiddenFill>
               </a:ext>
@@ -35936,7 +35936,7 @@
             </a:ln>
             <a:extLst>
               <a:ext uri="{909E8E84-426E-40dd-AFC4-6F175D3DCCD1}">
-                <a14:hiddenFill xmlns="" xmlns:a14="http://schemas.microsoft.com/office/drawing/2010/main">
+                <a14:hiddenFill xmlns:a14="http://schemas.microsoft.com/office/drawing/2010/main" xmlns="">
                   <a:noFill/>
                 </a14:hiddenFill>
               </a:ext>
@@ -35987,7 +35987,7 @@
             </a:ln>
             <a:extLst>
               <a:ext uri="{909E8E84-426E-40dd-AFC4-6F175D3DCCD1}">
-                <a14:hiddenFill xmlns="" xmlns:a14="http://schemas.microsoft.com/office/drawing/2010/main">
+                <a14:hiddenFill xmlns:a14="http://schemas.microsoft.com/office/drawing/2010/main" xmlns="">
                   <a:noFill/>
                 </a14:hiddenFill>
               </a:ext>
@@ -36038,7 +36038,7 @@
             </a:ln>
             <a:extLst>
               <a:ext uri="{909E8E84-426E-40dd-AFC4-6F175D3DCCD1}">
-                <a14:hiddenFill xmlns="" xmlns:a14="http://schemas.microsoft.com/office/drawing/2010/main">
+                <a14:hiddenFill xmlns:a14="http://schemas.microsoft.com/office/drawing/2010/main" xmlns="">
                   <a:noFill/>
                 </a14:hiddenFill>
               </a:ext>
@@ -36089,7 +36089,7 @@
             </a:ln>
             <a:extLst>
               <a:ext uri="{909E8E84-426E-40dd-AFC4-6F175D3DCCD1}">
-                <a14:hiddenFill xmlns="" xmlns:a14="http://schemas.microsoft.com/office/drawing/2010/main">
+                <a14:hiddenFill xmlns:a14="http://schemas.microsoft.com/office/drawing/2010/main" xmlns="">
                   <a:noFill/>
                 </a14:hiddenFill>
               </a:ext>
@@ -36140,7 +36140,7 @@
             </a:ln>
             <a:extLst>
               <a:ext uri="{909E8E84-426E-40dd-AFC4-6F175D3DCCD1}">
-                <a14:hiddenFill xmlns="" xmlns:a14="http://schemas.microsoft.com/office/drawing/2010/main">
+                <a14:hiddenFill xmlns:a14="http://schemas.microsoft.com/office/drawing/2010/main" xmlns="">
                   <a:noFill/>
                 </a14:hiddenFill>
               </a:ext>
@@ -36191,7 +36191,7 @@
             </a:ln>
             <a:extLst>
               <a:ext uri="{909E8E84-426E-40dd-AFC4-6F175D3DCCD1}">
-                <a14:hiddenFill xmlns="" xmlns:a14="http://schemas.microsoft.com/office/drawing/2010/main">
+                <a14:hiddenFill xmlns:a14="http://schemas.microsoft.com/office/drawing/2010/main" xmlns="">
                   <a:noFill/>
                 </a14:hiddenFill>
               </a:ext>
@@ -36242,7 +36242,7 @@
             </a:ln>
             <a:extLst>
               <a:ext uri="{909E8E84-426E-40dd-AFC4-6F175D3DCCD1}">
-                <a14:hiddenFill xmlns="" xmlns:a14="http://schemas.microsoft.com/office/drawing/2010/main">
+                <a14:hiddenFill xmlns:a14="http://schemas.microsoft.com/office/drawing/2010/main" xmlns="">
                   <a:noFill/>
                 </a14:hiddenFill>
               </a:ext>
@@ -36293,7 +36293,7 @@
             </a:ln>
             <a:extLst>
               <a:ext uri="{909E8E84-426E-40dd-AFC4-6F175D3DCCD1}">
-                <a14:hiddenFill xmlns="" xmlns:a14="http://schemas.microsoft.com/office/drawing/2010/main">
+                <a14:hiddenFill xmlns:a14="http://schemas.microsoft.com/office/drawing/2010/main" xmlns="">
                   <a:noFill/>
                 </a14:hiddenFill>
               </a:ext>
@@ -36344,7 +36344,7 @@
             </a:ln>
             <a:extLst>
               <a:ext uri="{909E8E84-426E-40dd-AFC4-6F175D3DCCD1}">
-                <a14:hiddenFill xmlns="" xmlns:a14="http://schemas.microsoft.com/office/drawing/2010/main">
+                <a14:hiddenFill xmlns:a14="http://schemas.microsoft.com/office/drawing/2010/main" xmlns="">
                   <a:noFill/>
                 </a14:hiddenFill>
               </a:ext>
@@ -36395,7 +36395,7 @@
             </a:ln>
             <a:extLst>
               <a:ext uri="{909E8E84-426E-40dd-AFC4-6F175D3DCCD1}">
-                <a14:hiddenFill xmlns="" xmlns:a14="http://schemas.microsoft.com/office/drawing/2010/main">
+                <a14:hiddenFill xmlns:a14="http://schemas.microsoft.com/office/drawing/2010/main" xmlns="">
                   <a:noFill/>
                 </a14:hiddenFill>
               </a:ext>
@@ -36446,7 +36446,7 @@
             </a:ln>
             <a:extLst>
               <a:ext uri="{909E8E84-426E-40dd-AFC4-6F175D3DCCD1}">
-                <a14:hiddenFill xmlns="" xmlns:a14="http://schemas.microsoft.com/office/drawing/2010/main">
+                <a14:hiddenFill xmlns:a14="http://schemas.microsoft.com/office/drawing/2010/main" xmlns="">
                   <a:noFill/>
                 </a14:hiddenFill>
               </a:ext>
@@ -36497,7 +36497,7 @@
             </a:ln>
             <a:extLst>
               <a:ext uri="{909E8E84-426E-40dd-AFC4-6F175D3DCCD1}">
-                <a14:hiddenFill xmlns="" xmlns:a14="http://schemas.microsoft.com/office/drawing/2010/main">
+                <a14:hiddenFill xmlns:a14="http://schemas.microsoft.com/office/drawing/2010/main" xmlns="">
                   <a:noFill/>
                 </a14:hiddenFill>
               </a:ext>
@@ -36548,7 +36548,7 @@
             </a:ln>
             <a:extLst>
               <a:ext uri="{909E8E84-426E-40dd-AFC4-6F175D3DCCD1}">
-                <a14:hiddenFill xmlns="" xmlns:a14="http://schemas.microsoft.com/office/drawing/2010/main">
+                <a14:hiddenFill xmlns:a14="http://schemas.microsoft.com/office/drawing/2010/main" xmlns="">
                   <a:noFill/>
                 </a14:hiddenFill>
               </a:ext>
@@ -36599,7 +36599,7 @@
             </a:ln>
             <a:extLst>
               <a:ext uri="{909E8E84-426E-40dd-AFC4-6F175D3DCCD1}">
-                <a14:hiddenFill xmlns="" xmlns:a14="http://schemas.microsoft.com/office/drawing/2010/main">
+                <a14:hiddenFill xmlns:a14="http://schemas.microsoft.com/office/drawing/2010/main" xmlns="">
                   <a:noFill/>
                 </a14:hiddenFill>
               </a:ext>
@@ -36650,7 +36650,7 @@
             </a:ln>
             <a:extLst>
               <a:ext uri="{909E8E84-426E-40dd-AFC4-6F175D3DCCD1}">
-                <a14:hiddenFill xmlns="" xmlns:a14="http://schemas.microsoft.com/office/drawing/2010/main">
+                <a14:hiddenFill xmlns:a14="http://schemas.microsoft.com/office/drawing/2010/main" xmlns="">
                   <a:noFill/>
                 </a14:hiddenFill>
               </a:ext>
@@ -36701,7 +36701,7 @@
             </a:ln>
             <a:extLst>
               <a:ext uri="{909E8E84-426E-40dd-AFC4-6F175D3DCCD1}">
-                <a14:hiddenFill xmlns="" xmlns:a14="http://schemas.microsoft.com/office/drawing/2010/main">
+                <a14:hiddenFill xmlns:a14="http://schemas.microsoft.com/office/drawing/2010/main" xmlns="">
                   <a:noFill/>
                 </a14:hiddenFill>
               </a:ext>
@@ -36752,7 +36752,7 @@
             </a:ln>
             <a:extLst>
               <a:ext uri="{909E8E84-426E-40dd-AFC4-6F175D3DCCD1}">
-                <a14:hiddenFill xmlns="" xmlns:a14="http://schemas.microsoft.com/office/drawing/2010/main">
+                <a14:hiddenFill xmlns:a14="http://schemas.microsoft.com/office/drawing/2010/main" xmlns="">
                   <a:noFill/>
                 </a14:hiddenFill>
               </a:ext>
@@ -36803,7 +36803,7 @@
             </a:ln>
             <a:extLst>
               <a:ext uri="{909E8E84-426E-40dd-AFC4-6F175D3DCCD1}">
-                <a14:hiddenFill xmlns="" xmlns:a14="http://schemas.microsoft.com/office/drawing/2010/main">
+                <a14:hiddenFill xmlns:a14="http://schemas.microsoft.com/office/drawing/2010/main" xmlns="">
                   <a:noFill/>
                 </a14:hiddenFill>
               </a:ext>
@@ -36854,7 +36854,7 @@
             </a:ln>
             <a:extLst>
               <a:ext uri="{909E8E84-426E-40dd-AFC4-6F175D3DCCD1}">
-                <a14:hiddenFill xmlns="" xmlns:a14="http://schemas.microsoft.com/office/drawing/2010/main">
+                <a14:hiddenFill xmlns:a14="http://schemas.microsoft.com/office/drawing/2010/main" xmlns="">
                   <a:noFill/>
                 </a14:hiddenFill>
               </a:ext>
@@ -36905,7 +36905,7 @@
             </a:ln>
             <a:extLst>
               <a:ext uri="{909E8E84-426E-40dd-AFC4-6F175D3DCCD1}">
-                <a14:hiddenFill xmlns="" xmlns:a14="http://schemas.microsoft.com/office/drawing/2010/main">
+                <a14:hiddenFill xmlns:a14="http://schemas.microsoft.com/office/drawing/2010/main" xmlns="">
                   <a:noFill/>
                 </a14:hiddenFill>
               </a:ext>
@@ -36956,7 +36956,7 @@
             </a:ln>
             <a:extLst>
               <a:ext uri="{909E8E84-426E-40dd-AFC4-6F175D3DCCD1}">
-                <a14:hiddenFill xmlns="" xmlns:a14="http://schemas.microsoft.com/office/drawing/2010/main">
+                <a14:hiddenFill xmlns:a14="http://schemas.microsoft.com/office/drawing/2010/main" xmlns="">
                   <a:noFill/>
                 </a14:hiddenFill>
               </a:ext>
@@ -37007,7 +37007,7 @@
             </a:ln>
             <a:extLst>
               <a:ext uri="{909E8E84-426E-40dd-AFC4-6F175D3DCCD1}">
-                <a14:hiddenFill xmlns="" xmlns:a14="http://schemas.microsoft.com/office/drawing/2010/main">
+                <a14:hiddenFill xmlns:a14="http://schemas.microsoft.com/office/drawing/2010/main" xmlns="">
                   <a:noFill/>
                 </a14:hiddenFill>
               </a:ext>
@@ -37058,7 +37058,7 @@
             </a:ln>
             <a:extLst>
               <a:ext uri="{909E8E84-426E-40dd-AFC4-6F175D3DCCD1}">
-                <a14:hiddenFill xmlns="" xmlns:a14="http://schemas.microsoft.com/office/drawing/2010/main">
+                <a14:hiddenFill xmlns:a14="http://schemas.microsoft.com/office/drawing/2010/main" xmlns="">
                   <a:noFill/>
                 </a14:hiddenFill>
               </a:ext>
@@ -37109,7 +37109,7 @@
             </a:ln>
             <a:extLst>
               <a:ext uri="{909E8E84-426E-40dd-AFC4-6F175D3DCCD1}">
-                <a14:hiddenFill xmlns="" xmlns:a14="http://schemas.microsoft.com/office/drawing/2010/main">
+                <a14:hiddenFill xmlns:a14="http://schemas.microsoft.com/office/drawing/2010/main" xmlns="">
                   <a:noFill/>
                 </a14:hiddenFill>
               </a:ext>
@@ -37160,7 +37160,7 @@
             </a:ln>
             <a:extLst>
               <a:ext uri="{909E8E84-426E-40dd-AFC4-6F175D3DCCD1}">
-                <a14:hiddenFill xmlns="" xmlns:a14="http://schemas.microsoft.com/office/drawing/2010/main">
+                <a14:hiddenFill xmlns:a14="http://schemas.microsoft.com/office/drawing/2010/main" xmlns="">
                   <a:noFill/>
                 </a14:hiddenFill>
               </a:ext>
@@ -37211,7 +37211,7 @@
             </a:ln>
             <a:extLst>
               <a:ext uri="{909E8E84-426E-40dd-AFC4-6F175D3DCCD1}">
-                <a14:hiddenFill xmlns="" xmlns:a14="http://schemas.microsoft.com/office/drawing/2010/main">
+                <a14:hiddenFill xmlns:a14="http://schemas.microsoft.com/office/drawing/2010/main" xmlns="">
                   <a:noFill/>
                 </a14:hiddenFill>
               </a:ext>
@@ -37262,7 +37262,7 @@
             </a:ln>
             <a:extLst>
               <a:ext uri="{909E8E84-426E-40dd-AFC4-6F175D3DCCD1}">
-                <a14:hiddenFill xmlns="" xmlns:a14="http://schemas.microsoft.com/office/drawing/2010/main">
+                <a14:hiddenFill xmlns:a14="http://schemas.microsoft.com/office/drawing/2010/main" xmlns="">
                   <a:noFill/>
                 </a14:hiddenFill>
               </a:ext>
@@ -37313,7 +37313,7 @@
             </a:ln>
             <a:extLst>
               <a:ext uri="{909E8E84-426E-40dd-AFC4-6F175D3DCCD1}">
-                <a14:hiddenFill xmlns="" xmlns:a14="http://schemas.microsoft.com/office/drawing/2010/main">
+                <a14:hiddenFill xmlns:a14="http://schemas.microsoft.com/office/drawing/2010/main" xmlns="">
                   <a:noFill/>
                 </a14:hiddenFill>
               </a:ext>
@@ -37364,7 +37364,7 @@
             </a:ln>
             <a:extLst>
               <a:ext uri="{909E8E84-426E-40dd-AFC4-6F175D3DCCD1}">
-                <a14:hiddenFill xmlns="" xmlns:a14="http://schemas.microsoft.com/office/drawing/2010/main">
+                <a14:hiddenFill xmlns:a14="http://schemas.microsoft.com/office/drawing/2010/main" xmlns="">
                   <a:noFill/>
                 </a14:hiddenFill>
               </a:ext>
@@ -37415,7 +37415,7 @@
             </a:ln>
             <a:extLst>
               <a:ext uri="{909E8E84-426E-40dd-AFC4-6F175D3DCCD1}">
-                <a14:hiddenFill xmlns="" xmlns:a14="http://schemas.microsoft.com/office/drawing/2010/main">
+                <a14:hiddenFill xmlns:a14="http://schemas.microsoft.com/office/drawing/2010/main" xmlns="">
                   <a:noFill/>
                 </a14:hiddenFill>
               </a:ext>
@@ -37466,7 +37466,7 @@
             </a:ln>
             <a:extLst>
               <a:ext uri="{909E8E84-426E-40dd-AFC4-6F175D3DCCD1}">
-                <a14:hiddenFill xmlns="" xmlns:a14="http://schemas.microsoft.com/office/drawing/2010/main">
+                <a14:hiddenFill xmlns:a14="http://schemas.microsoft.com/office/drawing/2010/main" xmlns="">
                   <a:noFill/>
                 </a14:hiddenFill>
               </a:ext>
@@ -37517,7 +37517,7 @@
             </a:ln>
             <a:extLst>
               <a:ext uri="{909E8E84-426E-40dd-AFC4-6F175D3DCCD1}">
-                <a14:hiddenFill xmlns="" xmlns:a14="http://schemas.microsoft.com/office/drawing/2010/main">
+                <a14:hiddenFill xmlns:a14="http://schemas.microsoft.com/office/drawing/2010/main" xmlns="">
                   <a:noFill/>
                 </a14:hiddenFill>
               </a:ext>
@@ -37568,7 +37568,7 @@
             </a:ln>
             <a:extLst>
               <a:ext uri="{909E8E84-426E-40dd-AFC4-6F175D3DCCD1}">
-                <a14:hiddenFill xmlns="" xmlns:a14="http://schemas.microsoft.com/office/drawing/2010/main">
+                <a14:hiddenFill xmlns:a14="http://schemas.microsoft.com/office/drawing/2010/main" xmlns="">
                   <a:noFill/>
                 </a14:hiddenFill>
               </a:ext>
@@ -37619,7 +37619,7 @@
             </a:ln>
             <a:extLst>
               <a:ext uri="{909E8E84-426E-40dd-AFC4-6F175D3DCCD1}">
-                <a14:hiddenFill xmlns="" xmlns:a14="http://schemas.microsoft.com/office/drawing/2010/main">
+                <a14:hiddenFill xmlns:a14="http://schemas.microsoft.com/office/drawing/2010/main" xmlns="">
                   <a:noFill/>
                 </a14:hiddenFill>
               </a:ext>
@@ -37670,7 +37670,7 @@
             </a:ln>
             <a:extLst>
               <a:ext uri="{909E8E84-426E-40dd-AFC4-6F175D3DCCD1}">
-                <a14:hiddenFill xmlns="" xmlns:a14="http://schemas.microsoft.com/office/drawing/2010/main">
+                <a14:hiddenFill xmlns:a14="http://schemas.microsoft.com/office/drawing/2010/main" xmlns="">
                   <a:noFill/>
                 </a14:hiddenFill>
               </a:ext>
@@ -37721,7 +37721,7 @@
             </a:ln>
             <a:extLst>
               <a:ext uri="{909E8E84-426E-40dd-AFC4-6F175D3DCCD1}">
-                <a14:hiddenFill xmlns="" xmlns:a14="http://schemas.microsoft.com/office/drawing/2010/main">
+                <a14:hiddenFill xmlns:a14="http://schemas.microsoft.com/office/drawing/2010/main" xmlns="">
                   <a:noFill/>
                 </a14:hiddenFill>
               </a:ext>
@@ -37772,7 +37772,7 @@
             </a:ln>
             <a:extLst>
               <a:ext uri="{909E8E84-426E-40dd-AFC4-6F175D3DCCD1}">
-                <a14:hiddenFill xmlns="" xmlns:a14="http://schemas.microsoft.com/office/drawing/2010/main">
+                <a14:hiddenFill xmlns:a14="http://schemas.microsoft.com/office/drawing/2010/main" xmlns="">
                   <a:noFill/>
                 </a14:hiddenFill>
               </a:ext>
@@ -37823,7 +37823,7 @@
             </a:ln>
             <a:extLst>
               <a:ext uri="{909E8E84-426E-40dd-AFC4-6F175D3DCCD1}">
-                <a14:hiddenFill xmlns="" xmlns:a14="http://schemas.microsoft.com/office/drawing/2010/main">
+                <a14:hiddenFill xmlns:a14="http://schemas.microsoft.com/office/drawing/2010/main" xmlns="">
                   <a:noFill/>
                 </a14:hiddenFill>
               </a:ext>
@@ -37874,7 +37874,7 @@
             </a:ln>
             <a:extLst>
               <a:ext uri="{909E8E84-426E-40dd-AFC4-6F175D3DCCD1}">
-                <a14:hiddenFill xmlns="" xmlns:a14="http://schemas.microsoft.com/office/drawing/2010/main">
+                <a14:hiddenFill xmlns:a14="http://schemas.microsoft.com/office/drawing/2010/main" xmlns="">
                   <a:noFill/>
                 </a14:hiddenFill>
               </a:ext>
@@ -37925,7 +37925,7 @@
             </a:ln>
             <a:extLst>
               <a:ext uri="{909E8E84-426E-40dd-AFC4-6F175D3DCCD1}">
-                <a14:hiddenFill xmlns="" xmlns:a14="http://schemas.microsoft.com/office/drawing/2010/main">
+                <a14:hiddenFill xmlns:a14="http://schemas.microsoft.com/office/drawing/2010/main" xmlns="">
                   <a:noFill/>
                 </a14:hiddenFill>
               </a:ext>
@@ -37976,7 +37976,7 @@
             </a:ln>
             <a:extLst>
               <a:ext uri="{909E8E84-426E-40dd-AFC4-6F175D3DCCD1}">
-                <a14:hiddenFill xmlns="" xmlns:a14="http://schemas.microsoft.com/office/drawing/2010/main">
+                <a14:hiddenFill xmlns:a14="http://schemas.microsoft.com/office/drawing/2010/main" xmlns="">
                   <a:noFill/>
                 </a14:hiddenFill>
               </a:ext>
@@ -38027,7 +38027,7 @@
             </a:ln>
             <a:extLst>
               <a:ext uri="{909E8E84-426E-40dd-AFC4-6F175D3DCCD1}">
-                <a14:hiddenFill xmlns="" xmlns:a14="http://schemas.microsoft.com/office/drawing/2010/main">
+                <a14:hiddenFill xmlns:a14="http://schemas.microsoft.com/office/drawing/2010/main" xmlns="">
                   <a:noFill/>
                 </a14:hiddenFill>
               </a:ext>
@@ -38078,7 +38078,7 @@
             </a:ln>
             <a:extLst>
               <a:ext uri="{909E8E84-426E-40dd-AFC4-6F175D3DCCD1}">
-                <a14:hiddenFill xmlns="" xmlns:a14="http://schemas.microsoft.com/office/drawing/2010/main">
+                <a14:hiddenFill xmlns:a14="http://schemas.microsoft.com/office/drawing/2010/main" xmlns="">
                   <a:noFill/>
                 </a14:hiddenFill>
               </a:ext>
@@ -38129,7 +38129,7 @@
             </a:ln>
             <a:extLst>
               <a:ext uri="{909E8E84-426E-40dd-AFC4-6F175D3DCCD1}">
-                <a14:hiddenFill xmlns="" xmlns:a14="http://schemas.microsoft.com/office/drawing/2010/main">
+                <a14:hiddenFill xmlns:a14="http://schemas.microsoft.com/office/drawing/2010/main" xmlns="">
                   <a:noFill/>
                 </a14:hiddenFill>
               </a:ext>
@@ -38180,7 +38180,7 @@
             </a:ln>
             <a:extLst>
               <a:ext uri="{909E8E84-426E-40dd-AFC4-6F175D3DCCD1}">
-                <a14:hiddenFill xmlns="" xmlns:a14="http://schemas.microsoft.com/office/drawing/2010/main">
+                <a14:hiddenFill xmlns:a14="http://schemas.microsoft.com/office/drawing/2010/main" xmlns="">
                   <a:noFill/>
                 </a14:hiddenFill>
               </a:ext>
@@ -38231,7 +38231,7 @@
             </a:ln>
             <a:extLst>
               <a:ext uri="{909E8E84-426E-40dd-AFC4-6F175D3DCCD1}">
-                <a14:hiddenFill xmlns="" xmlns:a14="http://schemas.microsoft.com/office/drawing/2010/main">
+                <a14:hiddenFill xmlns:a14="http://schemas.microsoft.com/office/drawing/2010/main" xmlns="">
                   <a:noFill/>
                 </a14:hiddenFill>
               </a:ext>
@@ -38282,7 +38282,7 @@
             </a:ln>
             <a:extLst>
               <a:ext uri="{909E8E84-426E-40dd-AFC4-6F175D3DCCD1}">
-                <a14:hiddenFill xmlns="" xmlns:a14="http://schemas.microsoft.com/office/drawing/2010/main">
+                <a14:hiddenFill xmlns:a14="http://schemas.microsoft.com/office/drawing/2010/main" xmlns="">
                   <a:noFill/>
                 </a14:hiddenFill>
               </a:ext>
@@ -38333,7 +38333,7 @@
             </a:ln>
             <a:extLst>
               <a:ext uri="{909E8E84-426E-40dd-AFC4-6F175D3DCCD1}">
-                <a14:hiddenFill xmlns="" xmlns:a14="http://schemas.microsoft.com/office/drawing/2010/main">
+                <a14:hiddenFill xmlns:a14="http://schemas.microsoft.com/office/drawing/2010/main" xmlns="">
                   <a:noFill/>
                 </a14:hiddenFill>
               </a:ext>
@@ -38384,7 +38384,7 @@
             </a:ln>
             <a:extLst>
               <a:ext uri="{909E8E84-426E-40dd-AFC4-6F175D3DCCD1}">
-                <a14:hiddenFill xmlns="" xmlns:a14="http://schemas.microsoft.com/office/drawing/2010/main">
+                <a14:hiddenFill xmlns:a14="http://schemas.microsoft.com/office/drawing/2010/main" xmlns="">
                   <a:noFill/>
                 </a14:hiddenFill>
               </a:ext>
@@ -38435,7 +38435,7 @@
             </a:ln>
             <a:extLst>
               <a:ext uri="{909E8E84-426E-40dd-AFC4-6F175D3DCCD1}">
-                <a14:hiddenFill xmlns="" xmlns:a14="http://schemas.microsoft.com/office/drawing/2010/main">
+                <a14:hiddenFill xmlns:a14="http://schemas.microsoft.com/office/drawing/2010/main" xmlns="">
                   <a:noFill/>
                 </a14:hiddenFill>
               </a:ext>
@@ -38486,7 +38486,7 @@
             </a:ln>
             <a:extLst>
               <a:ext uri="{909E8E84-426E-40dd-AFC4-6F175D3DCCD1}">
-                <a14:hiddenFill xmlns="" xmlns:a14="http://schemas.microsoft.com/office/drawing/2010/main">
+                <a14:hiddenFill xmlns:a14="http://schemas.microsoft.com/office/drawing/2010/main" xmlns="">
                   <a:noFill/>
                 </a14:hiddenFill>
               </a:ext>
@@ -38537,7 +38537,7 @@
             </a:ln>
             <a:extLst>
               <a:ext uri="{909E8E84-426E-40dd-AFC4-6F175D3DCCD1}">
-                <a14:hiddenFill xmlns="" xmlns:a14="http://schemas.microsoft.com/office/drawing/2010/main">
+                <a14:hiddenFill xmlns:a14="http://schemas.microsoft.com/office/drawing/2010/main" xmlns="">
                   <a:noFill/>
                 </a14:hiddenFill>
               </a:ext>
@@ -38588,7 +38588,7 @@
             </a:ln>
             <a:extLst>
               <a:ext uri="{909E8E84-426E-40dd-AFC4-6F175D3DCCD1}">
-                <a14:hiddenFill xmlns="" xmlns:a14="http://schemas.microsoft.com/office/drawing/2010/main">
+                <a14:hiddenFill xmlns:a14="http://schemas.microsoft.com/office/drawing/2010/main" xmlns="">
                   <a:noFill/>
                 </a14:hiddenFill>
               </a:ext>
@@ -38639,7 +38639,7 @@
             </a:ln>
             <a:extLst>
               <a:ext uri="{909E8E84-426E-40dd-AFC4-6F175D3DCCD1}">
-                <a14:hiddenFill xmlns="" xmlns:a14="http://schemas.microsoft.com/office/drawing/2010/main">
+                <a14:hiddenFill xmlns:a14="http://schemas.microsoft.com/office/drawing/2010/main" xmlns="">
                   <a:noFill/>
                 </a14:hiddenFill>
               </a:ext>
@@ -38690,7 +38690,7 @@
             </a:ln>
             <a:extLst>
               <a:ext uri="{909E8E84-426E-40dd-AFC4-6F175D3DCCD1}">
-                <a14:hiddenFill xmlns="" xmlns:a14="http://schemas.microsoft.com/office/drawing/2010/main">
+                <a14:hiddenFill xmlns:a14="http://schemas.microsoft.com/office/drawing/2010/main" xmlns="">
                   <a:noFill/>
                 </a14:hiddenFill>
               </a:ext>
@@ -38741,7 +38741,7 @@
             </a:ln>
             <a:extLst>
               <a:ext uri="{909E8E84-426E-40dd-AFC4-6F175D3DCCD1}">
-                <a14:hiddenFill xmlns="" xmlns:a14="http://schemas.microsoft.com/office/drawing/2010/main">
+                <a14:hiddenFill xmlns:a14="http://schemas.microsoft.com/office/drawing/2010/main" xmlns="">
                   <a:noFill/>
                 </a14:hiddenFill>
               </a:ext>
@@ -38792,7 +38792,7 @@
             </a:ln>
             <a:extLst>
               <a:ext uri="{909E8E84-426E-40dd-AFC4-6F175D3DCCD1}">
-                <a14:hiddenFill xmlns="" xmlns:a14="http://schemas.microsoft.com/office/drawing/2010/main">
+                <a14:hiddenFill xmlns:a14="http://schemas.microsoft.com/office/drawing/2010/main" xmlns="">
                   <a:noFill/>
                 </a14:hiddenFill>
               </a:ext>
@@ -38843,7 +38843,7 @@
             </a:ln>
             <a:extLst>
               <a:ext uri="{909E8E84-426E-40dd-AFC4-6F175D3DCCD1}">
-                <a14:hiddenFill xmlns="" xmlns:a14="http://schemas.microsoft.com/office/drawing/2010/main">
+                <a14:hiddenFill xmlns:a14="http://schemas.microsoft.com/office/drawing/2010/main" xmlns="">
                   <a:noFill/>
                 </a14:hiddenFill>
               </a:ext>
@@ -39926,7 +39926,7 @@
             </a:ln>
             <a:extLst>
               <a:ext uri="{909E8E84-426E-40dd-AFC4-6F175D3DCCD1}">
-                <a14:hiddenFill xmlns="" xmlns:a14="http://schemas.microsoft.com/office/drawing/2010/main">
+                <a14:hiddenFill xmlns:a14="http://schemas.microsoft.com/office/drawing/2010/main" xmlns="">
                   <a:solidFill>
                     <a:srgbClr val="FFFFFF"/>
                   </a:solidFill>
@@ -39979,7 +39979,7 @@
             </a:ln>
             <a:extLst>
               <a:ext uri="{909E8E84-426E-40dd-AFC4-6F175D3DCCD1}">
-                <a14:hiddenFill xmlns="" xmlns:a14="http://schemas.microsoft.com/office/drawing/2010/main">
+                <a14:hiddenFill xmlns:a14="http://schemas.microsoft.com/office/drawing/2010/main" xmlns="">
                   <a:noFill/>
                 </a14:hiddenFill>
               </a:ext>
@@ -40030,7 +40030,7 @@
             </a:ln>
             <a:extLst>
               <a:ext uri="{909E8E84-426E-40dd-AFC4-6F175D3DCCD1}">
-                <a14:hiddenFill xmlns="" xmlns:a14="http://schemas.microsoft.com/office/drawing/2010/main">
+                <a14:hiddenFill xmlns:a14="http://schemas.microsoft.com/office/drawing/2010/main" xmlns="">
                   <a:noFill/>
                 </a14:hiddenFill>
               </a:ext>
@@ -40081,7 +40081,7 @@
             </a:ln>
             <a:extLst>
               <a:ext uri="{909E8E84-426E-40dd-AFC4-6F175D3DCCD1}">
-                <a14:hiddenFill xmlns="" xmlns:a14="http://schemas.microsoft.com/office/drawing/2010/main">
+                <a14:hiddenFill xmlns:a14="http://schemas.microsoft.com/office/drawing/2010/main" xmlns="">
                   <a:noFill/>
                 </a14:hiddenFill>
               </a:ext>
@@ -40132,7 +40132,7 @@
             </a:ln>
             <a:extLst>
               <a:ext uri="{909E8E84-426E-40dd-AFC4-6F175D3DCCD1}">
-                <a14:hiddenFill xmlns="" xmlns:a14="http://schemas.microsoft.com/office/drawing/2010/main">
+                <a14:hiddenFill xmlns:a14="http://schemas.microsoft.com/office/drawing/2010/main" xmlns="">
                   <a:noFill/>
                 </a14:hiddenFill>
               </a:ext>
@@ -40183,7 +40183,7 @@
             </a:ln>
             <a:extLst>
               <a:ext uri="{909E8E84-426E-40dd-AFC4-6F175D3DCCD1}">
-                <a14:hiddenFill xmlns="" xmlns:a14="http://schemas.microsoft.com/office/drawing/2010/main">
+                <a14:hiddenFill xmlns:a14="http://schemas.microsoft.com/office/drawing/2010/main" xmlns="">
                   <a:noFill/>
                 </a14:hiddenFill>
               </a:ext>
@@ -40234,7 +40234,7 @@
             </a:ln>
             <a:extLst>
               <a:ext uri="{909E8E84-426E-40dd-AFC4-6F175D3DCCD1}">
-                <a14:hiddenFill xmlns="" xmlns:a14="http://schemas.microsoft.com/office/drawing/2010/main">
+                <a14:hiddenFill xmlns:a14="http://schemas.microsoft.com/office/drawing/2010/main" xmlns="">
                   <a:noFill/>
                 </a14:hiddenFill>
               </a:ext>
@@ -40285,7 +40285,7 @@
             </a:ln>
             <a:extLst>
               <a:ext uri="{909E8E84-426E-40dd-AFC4-6F175D3DCCD1}">
-                <a14:hiddenFill xmlns="" xmlns:a14="http://schemas.microsoft.com/office/drawing/2010/main">
+                <a14:hiddenFill xmlns:a14="http://schemas.microsoft.com/office/drawing/2010/main" xmlns="">
                   <a:noFill/>
                 </a14:hiddenFill>
               </a:ext>
@@ -40336,7 +40336,7 @@
             </a:ln>
             <a:extLst>
               <a:ext uri="{909E8E84-426E-40dd-AFC4-6F175D3DCCD1}">
-                <a14:hiddenFill xmlns="" xmlns:a14="http://schemas.microsoft.com/office/drawing/2010/main">
+                <a14:hiddenFill xmlns:a14="http://schemas.microsoft.com/office/drawing/2010/main" xmlns="">
                   <a:noFill/>
                 </a14:hiddenFill>
               </a:ext>
@@ -40387,7 +40387,7 @@
             </a:ln>
             <a:extLst>
               <a:ext uri="{909E8E84-426E-40dd-AFC4-6F175D3DCCD1}">
-                <a14:hiddenFill xmlns="" xmlns:a14="http://schemas.microsoft.com/office/drawing/2010/main">
+                <a14:hiddenFill xmlns:a14="http://schemas.microsoft.com/office/drawing/2010/main" xmlns="">
                   <a:noFill/>
                 </a14:hiddenFill>
               </a:ext>
@@ -40438,7 +40438,7 @@
             </a:ln>
             <a:extLst>
               <a:ext uri="{909E8E84-426E-40dd-AFC4-6F175D3DCCD1}">
-                <a14:hiddenFill xmlns="" xmlns:a14="http://schemas.microsoft.com/office/drawing/2010/main">
+                <a14:hiddenFill xmlns:a14="http://schemas.microsoft.com/office/drawing/2010/main" xmlns="">
                   <a:noFill/>
                 </a14:hiddenFill>
               </a:ext>
@@ -40489,7 +40489,7 @@
             </a:ln>
             <a:extLst>
               <a:ext uri="{909E8E84-426E-40dd-AFC4-6F175D3DCCD1}">
-                <a14:hiddenFill xmlns="" xmlns:a14="http://schemas.microsoft.com/office/drawing/2010/main">
+                <a14:hiddenFill xmlns:a14="http://schemas.microsoft.com/office/drawing/2010/main" xmlns="">
                   <a:noFill/>
                 </a14:hiddenFill>
               </a:ext>
@@ -40540,7 +40540,7 @@
             </a:ln>
             <a:extLst>
               <a:ext uri="{909E8E84-426E-40dd-AFC4-6F175D3DCCD1}">
-                <a14:hiddenFill xmlns="" xmlns:a14="http://schemas.microsoft.com/office/drawing/2010/main">
+                <a14:hiddenFill xmlns:a14="http://schemas.microsoft.com/office/drawing/2010/main" xmlns="">
                   <a:noFill/>
                 </a14:hiddenFill>
               </a:ext>
@@ -40591,7 +40591,7 @@
             </a:ln>
             <a:extLst>
               <a:ext uri="{909E8E84-426E-40dd-AFC4-6F175D3DCCD1}">
-                <a14:hiddenFill xmlns="" xmlns:a14="http://schemas.microsoft.com/office/drawing/2010/main">
+                <a14:hiddenFill xmlns:a14="http://schemas.microsoft.com/office/drawing/2010/main" xmlns="">
                   <a:noFill/>
                 </a14:hiddenFill>
               </a:ext>
@@ -40642,7 +40642,7 @@
             </a:ln>
             <a:extLst>
               <a:ext uri="{909E8E84-426E-40dd-AFC4-6F175D3DCCD1}">
-                <a14:hiddenFill xmlns="" xmlns:a14="http://schemas.microsoft.com/office/drawing/2010/main">
+                <a14:hiddenFill xmlns:a14="http://schemas.microsoft.com/office/drawing/2010/main" xmlns="">
                   <a:noFill/>
                 </a14:hiddenFill>
               </a:ext>
@@ -40693,7 +40693,7 @@
             </a:ln>
             <a:extLst>
               <a:ext uri="{909E8E84-426E-40dd-AFC4-6F175D3DCCD1}">
-                <a14:hiddenFill xmlns="" xmlns:a14="http://schemas.microsoft.com/office/drawing/2010/main">
+                <a14:hiddenFill xmlns:a14="http://schemas.microsoft.com/office/drawing/2010/main" xmlns="">
                   <a:noFill/>
                 </a14:hiddenFill>
               </a:ext>
@@ -40744,7 +40744,7 @@
             </a:ln>
             <a:extLst>
               <a:ext uri="{909E8E84-426E-40dd-AFC4-6F175D3DCCD1}">
-                <a14:hiddenFill xmlns="" xmlns:a14="http://schemas.microsoft.com/office/drawing/2010/main">
+                <a14:hiddenFill xmlns:a14="http://schemas.microsoft.com/office/drawing/2010/main" xmlns="">
                   <a:noFill/>
                 </a14:hiddenFill>
               </a:ext>
@@ -40795,7 +40795,7 @@
             </a:ln>
             <a:extLst>
               <a:ext uri="{909E8E84-426E-40dd-AFC4-6F175D3DCCD1}">
-                <a14:hiddenFill xmlns="" xmlns:a14="http://schemas.microsoft.com/office/drawing/2010/main">
+                <a14:hiddenFill xmlns:a14="http://schemas.microsoft.com/office/drawing/2010/main" xmlns="">
                   <a:noFill/>
                 </a14:hiddenFill>
               </a:ext>
@@ -40846,7 +40846,7 @@
             </a:ln>
             <a:extLst>
               <a:ext uri="{909E8E84-426E-40dd-AFC4-6F175D3DCCD1}">
-                <a14:hiddenFill xmlns="" xmlns:a14="http://schemas.microsoft.com/office/drawing/2010/main">
+                <a14:hiddenFill xmlns:a14="http://schemas.microsoft.com/office/drawing/2010/main" xmlns="">
                   <a:noFill/>
                 </a14:hiddenFill>
               </a:ext>
@@ -40897,7 +40897,7 @@
             </a:ln>
             <a:extLst>
               <a:ext uri="{909E8E84-426E-40dd-AFC4-6F175D3DCCD1}">
-                <a14:hiddenFill xmlns="" xmlns:a14="http://schemas.microsoft.com/office/drawing/2010/main">
+                <a14:hiddenFill xmlns:a14="http://schemas.microsoft.com/office/drawing/2010/main" xmlns="">
                   <a:noFill/>
                 </a14:hiddenFill>
               </a:ext>
@@ -40948,7 +40948,7 @@
             </a:ln>
             <a:extLst>
               <a:ext uri="{909E8E84-426E-40dd-AFC4-6F175D3DCCD1}">
-                <a14:hiddenFill xmlns="" xmlns:a14="http://schemas.microsoft.com/office/drawing/2010/main">
+                <a14:hiddenFill xmlns:a14="http://schemas.microsoft.com/office/drawing/2010/main" xmlns="">
                   <a:noFill/>
                 </a14:hiddenFill>
               </a:ext>
@@ -40999,7 +40999,7 @@
             </a:ln>
             <a:extLst>
               <a:ext uri="{909E8E84-426E-40dd-AFC4-6F175D3DCCD1}">
-                <a14:hiddenFill xmlns="" xmlns:a14="http://schemas.microsoft.com/office/drawing/2010/main">
+                <a14:hiddenFill xmlns:a14="http://schemas.microsoft.com/office/drawing/2010/main" xmlns="">
                   <a:noFill/>
                 </a14:hiddenFill>
               </a:ext>
@@ -41050,7 +41050,7 @@
             </a:ln>
             <a:extLst>
               <a:ext uri="{909E8E84-426E-40dd-AFC4-6F175D3DCCD1}">
-                <a14:hiddenFill xmlns="" xmlns:a14="http://schemas.microsoft.com/office/drawing/2010/main">
+                <a14:hiddenFill xmlns:a14="http://schemas.microsoft.com/office/drawing/2010/main" xmlns="">
                   <a:noFill/>
                 </a14:hiddenFill>
               </a:ext>
@@ -41101,7 +41101,7 @@
             </a:ln>
             <a:extLst>
               <a:ext uri="{909E8E84-426E-40dd-AFC4-6F175D3DCCD1}">
-                <a14:hiddenFill xmlns="" xmlns:a14="http://schemas.microsoft.com/office/drawing/2010/main">
+                <a14:hiddenFill xmlns:a14="http://schemas.microsoft.com/office/drawing/2010/main" xmlns="">
                   <a:noFill/>
                 </a14:hiddenFill>
               </a:ext>
@@ -41152,7 +41152,7 @@
             </a:ln>
             <a:extLst>
               <a:ext uri="{909E8E84-426E-40dd-AFC4-6F175D3DCCD1}">
-                <a14:hiddenFill xmlns="" xmlns:a14="http://schemas.microsoft.com/office/drawing/2010/main">
+                <a14:hiddenFill xmlns:a14="http://schemas.microsoft.com/office/drawing/2010/main" xmlns="">
                   <a:noFill/>
                 </a14:hiddenFill>
               </a:ext>
@@ -41203,7 +41203,7 @@
             </a:ln>
             <a:extLst>
               <a:ext uri="{909E8E84-426E-40dd-AFC4-6F175D3DCCD1}">
-                <a14:hiddenFill xmlns="" xmlns:a14="http://schemas.microsoft.com/office/drawing/2010/main">
+                <a14:hiddenFill xmlns:a14="http://schemas.microsoft.com/office/drawing/2010/main" xmlns="">
                   <a:noFill/>
                 </a14:hiddenFill>
               </a:ext>
@@ -41254,7 +41254,7 @@
             </a:ln>
             <a:extLst>
               <a:ext uri="{909E8E84-426E-40dd-AFC4-6F175D3DCCD1}">
-                <a14:hiddenFill xmlns="" xmlns:a14="http://schemas.microsoft.com/office/drawing/2010/main">
+                <a14:hiddenFill xmlns:a14="http://schemas.microsoft.com/office/drawing/2010/main" xmlns="">
                   <a:noFill/>
                 </a14:hiddenFill>
               </a:ext>
@@ -41305,7 +41305,7 @@
             </a:ln>
             <a:extLst>
               <a:ext uri="{909E8E84-426E-40dd-AFC4-6F175D3DCCD1}">
-                <a14:hiddenFill xmlns="" xmlns:a14="http://schemas.microsoft.com/office/drawing/2010/main">
+                <a14:hiddenFill xmlns:a14="http://schemas.microsoft.com/office/drawing/2010/main" xmlns="">
                   <a:noFill/>
                 </a14:hiddenFill>
               </a:ext>
@@ -41356,7 +41356,7 @@
             </a:ln>
             <a:extLst>
               <a:ext uri="{909E8E84-426E-40dd-AFC4-6F175D3DCCD1}">
-                <a14:hiddenFill xmlns="" xmlns:a14="http://schemas.microsoft.com/office/drawing/2010/main">
+                <a14:hiddenFill xmlns:a14="http://schemas.microsoft.com/office/drawing/2010/main" xmlns="">
                   <a:noFill/>
                 </a14:hiddenFill>
               </a:ext>
@@ -41407,7 +41407,7 @@
             </a:ln>
             <a:extLst>
               <a:ext uri="{909E8E84-426E-40dd-AFC4-6F175D3DCCD1}">
-                <a14:hiddenFill xmlns="" xmlns:a14="http://schemas.microsoft.com/office/drawing/2010/main">
+                <a14:hiddenFill xmlns:a14="http://schemas.microsoft.com/office/drawing/2010/main" xmlns="">
                   <a:noFill/>
                 </a14:hiddenFill>
               </a:ext>
@@ -41458,7 +41458,7 @@
             </a:ln>
             <a:extLst>
               <a:ext uri="{909E8E84-426E-40dd-AFC4-6F175D3DCCD1}">
-                <a14:hiddenFill xmlns="" xmlns:a14="http://schemas.microsoft.com/office/drawing/2010/main">
+                <a14:hiddenFill xmlns:a14="http://schemas.microsoft.com/office/drawing/2010/main" xmlns="">
                   <a:noFill/>
                 </a14:hiddenFill>
               </a:ext>
@@ -41509,7 +41509,7 @@
             </a:ln>
             <a:extLst>
               <a:ext uri="{909E8E84-426E-40dd-AFC4-6F175D3DCCD1}">
-                <a14:hiddenFill xmlns="" xmlns:a14="http://schemas.microsoft.com/office/drawing/2010/main">
+                <a14:hiddenFill xmlns:a14="http://schemas.microsoft.com/office/drawing/2010/main" xmlns="">
                   <a:noFill/>
                 </a14:hiddenFill>
               </a:ext>
@@ -41560,7 +41560,7 @@
             </a:ln>
             <a:extLst>
               <a:ext uri="{909E8E84-426E-40dd-AFC4-6F175D3DCCD1}">
-                <a14:hiddenFill xmlns="" xmlns:a14="http://schemas.microsoft.com/office/drawing/2010/main">
+                <a14:hiddenFill xmlns:a14="http://schemas.microsoft.com/office/drawing/2010/main" xmlns="">
                   <a:noFill/>
                 </a14:hiddenFill>
               </a:ext>
@@ -41611,7 +41611,7 @@
             </a:ln>
             <a:extLst>
               <a:ext uri="{909E8E84-426E-40dd-AFC4-6F175D3DCCD1}">
-                <a14:hiddenFill xmlns="" xmlns:a14="http://schemas.microsoft.com/office/drawing/2010/main">
+                <a14:hiddenFill xmlns:a14="http://schemas.microsoft.com/office/drawing/2010/main" xmlns="">
                   <a:noFill/>
                 </a14:hiddenFill>
               </a:ext>
@@ -41662,7 +41662,7 @@
             </a:ln>
             <a:extLst>
               <a:ext uri="{909E8E84-426E-40dd-AFC4-6F175D3DCCD1}">
-                <a14:hiddenFill xmlns="" xmlns:a14="http://schemas.microsoft.com/office/drawing/2010/main">
+                <a14:hiddenFill xmlns:a14="http://schemas.microsoft.com/office/drawing/2010/main" xmlns="">
                   <a:noFill/>
                 </a14:hiddenFill>
               </a:ext>
@@ -41713,7 +41713,7 @@
             </a:ln>
             <a:extLst>
               <a:ext uri="{909E8E84-426E-40dd-AFC4-6F175D3DCCD1}">
-                <a14:hiddenFill xmlns="" xmlns:a14="http://schemas.microsoft.com/office/drawing/2010/main">
+                <a14:hiddenFill xmlns:a14="http://schemas.microsoft.com/office/drawing/2010/main" xmlns="">
                   <a:noFill/>
                 </a14:hiddenFill>
               </a:ext>
@@ -41764,7 +41764,7 @@
             </a:ln>
             <a:extLst>
               <a:ext uri="{909E8E84-426E-40dd-AFC4-6F175D3DCCD1}">
-                <a14:hiddenFill xmlns="" xmlns:a14="http://schemas.microsoft.com/office/drawing/2010/main">
+                <a14:hiddenFill xmlns:a14="http://schemas.microsoft.com/office/drawing/2010/main" xmlns="">
                   <a:noFill/>
                 </a14:hiddenFill>
               </a:ext>
@@ -41815,7 +41815,7 @@
             </a:ln>
             <a:extLst>
               <a:ext uri="{909E8E84-426E-40dd-AFC4-6F175D3DCCD1}">
-                <a14:hiddenFill xmlns="" xmlns:a14="http://schemas.microsoft.com/office/drawing/2010/main">
+                <a14:hiddenFill xmlns:a14="http://schemas.microsoft.com/office/drawing/2010/main" xmlns="">
                   <a:noFill/>
                 </a14:hiddenFill>
               </a:ext>
@@ -41866,7 +41866,7 @@
             </a:ln>
             <a:extLst>
               <a:ext uri="{909E8E84-426E-40dd-AFC4-6F175D3DCCD1}">
-                <a14:hiddenFill xmlns="" xmlns:a14="http://schemas.microsoft.com/office/drawing/2010/main">
+                <a14:hiddenFill xmlns:a14="http://schemas.microsoft.com/office/drawing/2010/main" xmlns="">
                   <a:noFill/>
                 </a14:hiddenFill>
               </a:ext>
@@ -41917,7 +41917,7 @@
             </a:ln>
             <a:extLst>
               <a:ext uri="{909E8E84-426E-40dd-AFC4-6F175D3DCCD1}">
-                <a14:hiddenFill xmlns="" xmlns:a14="http://schemas.microsoft.com/office/drawing/2010/main">
+                <a14:hiddenFill xmlns:a14="http://schemas.microsoft.com/office/drawing/2010/main" xmlns="">
                   <a:noFill/>
                 </a14:hiddenFill>
               </a:ext>
@@ -41968,7 +41968,7 @@
             </a:ln>
             <a:extLst>
               <a:ext uri="{909E8E84-426E-40dd-AFC4-6F175D3DCCD1}">
-                <a14:hiddenFill xmlns="" xmlns:a14="http://schemas.microsoft.com/office/drawing/2010/main">
+                <a14:hiddenFill xmlns:a14="http://schemas.microsoft.com/office/drawing/2010/main" xmlns="">
                   <a:noFill/>
                 </a14:hiddenFill>
               </a:ext>
@@ -42019,7 +42019,7 @@
             </a:ln>
             <a:extLst>
               <a:ext uri="{909E8E84-426E-40dd-AFC4-6F175D3DCCD1}">
-                <a14:hiddenFill xmlns="" xmlns:a14="http://schemas.microsoft.com/office/drawing/2010/main">
+                <a14:hiddenFill xmlns:a14="http://schemas.microsoft.com/office/drawing/2010/main" xmlns="">
                   <a:noFill/>
                 </a14:hiddenFill>
               </a:ext>
@@ -42070,7 +42070,7 @@
             </a:ln>
             <a:extLst>
               <a:ext uri="{909E8E84-426E-40dd-AFC4-6F175D3DCCD1}">
-                <a14:hiddenFill xmlns="" xmlns:a14="http://schemas.microsoft.com/office/drawing/2010/main">
+                <a14:hiddenFill xmlns:a14="http://schemas.microsoft.com/office/drawing/2010/main" xmlns="">
                   <a:noFill/>
                 </a14:hiddenFill>
               </a:ext>
@@ -42121,7 +42121,7 @@
             </a:ln>
             <a:extLst>
               <a:ext uri="{909E8E84-426E-40dd-AFC4-6F175D3DCCD1}">
-                <a14:hiddenFill xmlns="" xmlns:a14="http://schemas.microsoft.com/office/drawing/2010/main">
+                <a14:hiddenFill xmlns:a14="http://schemas.microsoft.com/office/drawing/2010/main" xmlns="">
                   <a:noFill/>
                 </a14:hiddenFill>
               </a:ext>
@@ -42172,7 +42172,7 @@
             </a:ln>
             <a:extLst>
               <a:ext uri="{909E8E84-426E-40dd-AFC4-6F175D3DCCD1}">
-                <a14:hiddenFill xmlns="" xmlns:a14="http://schemas.microsoft.com/office/drawing/2010/main">
+                <a14:hiddenFill xmlns:a14="http://schemas.microsoft.com/office/drawing/2010/main" xmlns="">
                   <a:noFill/>
                 </a14:hiddenFill>
               </a:ext>
@@ -42223,7 +42223,7 @@
             </a:ln>
             <a:extLst>
               <a:ext uri="{909E8E84-426E-40dd-AFC4-6F175D3DCCD1}">
-                <a14:hiddenFill xmlns="" xmlns:a14="http://schemas.microsoft.com/office/drawing/2010/main">
+                <a14:hiddenFill xmlns:a14="http://schemas.microsoft.com/office/drawing/2010/main" xmlns="">
                   <a:noFill/>
                 </a14:hiddenFill>
               </a:ext>
@@ -42274,7 +42274,7 @@
             </a:ln>
             <a:extLst>
               <a:ext uri="{909E8E84-426E-40dd-AFC4-6F175D3DCCD1}">
-                <a14:hiddenFill xmlns="" xmlns:a14="http://schemas.microsoft.com/office/drawing/2010/main">
+                <a14:hiddenFill xmlns:a14="http://schemas.microsoft.com/office/drawing/2010/main" xmlns="">
                   <a:noFill/>
                 </a14:hiddenFill>
               </a:ext>
@@ -42325,7 +42325,7 @@
             </a:ln>
             <a:extLst>
               <a:ext uri="{909E8E84-426E-40dd-AFC4-6F175D3DCCD1}">
-                <a14:hiddenFill xmlns="" xmlns:a14="http://schemas.microsoft.com/office/drawing/2010/main">
+                <a14:hiddenFill xmlns:a14="http://schemas.microsoft.com/office/drawing/2010/main" xmlns="">
                   <a:noFill/>
                 </a14:hiddenFill>
               </a:ext>
@@ -42376,7 +42376,7 @@
             </a:ln>
             <a:extLst>
               <a:ext uri="{909E8E84-426E-40dd-AFC4-6F175D3DCCD1}">
-                <a14:hiddenFill xmlns="" xmlns:a14="http://schemas.microsoft.com/office/drawing/2010/main">
+                <a14:hiddenFill xmlns:a14="http://schemas.microsoft.com/office/drawing/2010/main" xmlns="">
                   <a:noFill/>
                 </a14:hiddenFill>
               </a:ext>
@@ -42427,7 +42427,7 @@
             </a:ln>
             <a:extLst>
               <a:ext uri="{909E8E84-426E-40dd-AFC4-6F175D3DCCD1}">
-                <a14:hiddenFill xmlns="" xmlns:a14="http://schemas.microsoft.com/office/drawing/2010/main">
+                <a14:hiddenFill xmlns:a14="http://schemas.microsoft.com/office/drawing/2010/main" xmlns="">
                   <a:noFill/>
                 </a14:hiddenFill>
               </a:ext>
@@ -42478,7 +42478,7 @@
             </a:ln>
             <a:extLst>
               <a:ext uri="{909E8E84-426E-40dd-AFC4-6F175D3DCCD1}">
-                <a14:hiddenFill xmlns="" xmlns:a14="http://schemas.microsoft.com/office/drawing/2010/main">
+                <a14:hiddenFill xmlns:a14="http://schemas.microsoft.com/office/drawing/2010/main" xmlns="">
                   <a:noFill/>
                 </a14:hiddenFill>
               </a:ext>
@@ -42529,7 +42529,7 @@
             </a:ln>
             <a:extLst>
               <a:ext uri="{909E8E84-426E-40dd-AFC4-6F175D3DCCD1}">
-                <a14:hiddenFill xmlns="" xmlns:a14="http://schemas.microsoft.com/office/drawing/2010/main">
+                <a14:hiddenFill xmlns:a14="http://schemas.microsoft.com/office/drawing/2010/main" xmlns="">
                   <a:noFill/>
                 </a14:hiddenFill>
               </a:ext>
@@ -42580,7 +42580,7 @@
             </a:ln>
             <a:extLst>
               <a:ext uri="{909E8E84-426E-40dd-AFC4-6F175D3DCCD1}">
-                <a14:hiddenFill xmlns="" xmlns:a14="http://schemas.microsoft.com/office/drawing/2010/main">
+                <a14:hiddenFill xmlns:a14="http://schemas.microsoft.com/office/drawing/2010/main" xmlns="">
                   <a:noFill/>
                 </a14:hiddenFill>
               </a:ext>
@@ -42631,7 +42631,7 @@
             </a:ln>
             <a:extLst>
               <a:ext uri="{909E8E84-426E-40dd-AFC4-6F175D3DCCD1}">
-                <a14:hiddenFill xmlns="" xmlns:a14="http://schemas.microsoft.com/office/drawing/2010/main">
+                <a14:hiddenFill xmlns:a14="http://schemas.microsoft.com/office/drawing/2010/main" xmlns="">
                   <a:noFill/>
                 </a14:hiddenFill>
               </a:ext>
@@ -42682,7 +42682,7 @@
             </a:ln>
             <a:extLst>
               <a:ext uri="{909E8E84-426E-40dd-AFC4-6F175D3DCCD1}">
-                <a14:hiddenFill xmlns="" xmlns:a14="http://schemas.microsoft.com/office/drawing/2010/main">
+                <a14:hiddenFill xmlns:a14="http://schemas.microsoft.com/office/drawing/2010/main" xmlns="">
                   <a:noFill/>
                 </a14:hiddenFill>
               </a:ext>
@@ -42733,7 +42733,7 @@
             </a:ln>
             <a:extLst>
               <a:ext uri="{909E8E84-426E-40dd-AFC4-6F175D3DCCD1}">
-                <a14:hiddenFill xmlns="" xmlns:a14="http://schemas.microsoft.com/office/drawing/2010/main">
+                <a14:hiddenFill xmlns:a14="http://schemas.microsoft.com/office/drawing/2010/main" xmlns="">
                   <a:noFill/>
                 </a14:hiddenFill>
               </a:ext>
@@ -42784,7 +42784,7 @@
             </a:ln>
             <a:extLst>
               <a:ext uri="{909E8E84-426E-40dd-AFC4-6F175D3DCCD1}">
-                <a14:hiddenFill xmlns="" xmlns:a14="http://schemas.microsoft.com/office/drawing/2010/main">
+                <a14:hiddenFill xmlns:a14="http://schemas.microsoft.com/office/drawing/2010/main" xmlns="">
                   <a:noFill/>
                 </a14:hiddenFill>
               </a:ext>
@@ -42835,7 +42835,7 @@
             </a:ln>
             <a:extLst>
               <a:ext uri="{909E8E84-426E-40dd-AFC4-6F175D3DCCD1}">
-                <a14:hiddenFill xmlns="" xmlns:a14="http://schemas.microsoft.com/office/drawing/2010/main">
+                <a14:hiddenFill xmlns:a14="http://schemas.microsoft.com/office/drawing/2010/main" xmlns="">
                   <a:noFill/>
                 </a14:hiddenFill>
               </a:ext>
@@ -42886,7 +42886,7 @@
             </a:ln>
             <a:extLst>
               <a:ext uri="{909E8E84-426E-40dd-AFC4-6F175D3DCCD1}">
-                <a14:hiddenFill xmlns="" xmlns:a14="http://schemas.microsoft.com/office/drawing/2010/main">
+                <a14:hiddenFill xmlns:a14="http://schemas.microsoft.com/office/drawing/2010/main" xmlns="">
                   <a:noFill/>
                 </a14:hiddenFill>
               </a:ext>
@@ -42937,7 +42937,7 @@
             </a:ln>
             <a:extLst>
               <a:ext uri="{909E8E84-426E-40dd-AFC4-6F175D3DCCD1}">
-                <a14:hiddenFill xmlns="" xmlns:a14="http://schemas.microsoft.com/office/drawing/2010/main">
+                <a14:hiddenFill xmlns:a14="http://schemas.microsoft.com/office/drawing/2010/main" xmlns="">
                   <a:noFill/>
                 </a14:hiddenFill>
               </a:ext>
@@ -42988,7 +42988,7 @@
             </a:ln>
             <a:extLst>
               <a:ext uri="{909E8E84-426E-40dd-AFC4-6F175D3DCCD1}">
-                <a14:hiddenFill xmlns="" xmlns:a14="http://schemas.microsoft.com/office/drawing/2010/main">
+                <a14:hiddenFill xmlns:a14="http://schemas.microsoft.com/office/drawing/2010/main" xmlns="">
                   <a:noFill/>
                 </a14:hiddenFill>
               </a:ext>
@@ -43039,7 +43039,7 @@
             </a:ln>
             <a:extLst>
               <a:ext uri="{909E8E84-426E-40dd-AFC4-6F175D3DCCD1}">
-                <a14:hiddenFill xmlns="" xmlns:a14="http://schemas.microsoft.com/office/drawing/2010/main">
+                <a14:hiddenFill xmlns:a14="http://schemas.microsoft.com/office/drawing/2010/main" xmlns="">
                   <a:noFill/>
                 </a14:hiddenFill>
               </a:ext>
@@ -43090,7 +43090,7 @@
             </a:ln>
             <a:extLst>
               <a:ext uri="{909E8E84-426E-40dd-AFC4-6F175D3DCCD1}">
-                <a14:hiddenFill xmlns="" xmlns:a14="http://schemas.microsoft.com/office/drawing/2010/main">
+                <a14:hiddenFill xmlns:a14="http://schemas.microsoft.com/office/drawing/2010/main" xmlns="">
                   <a:noFill/>
                 </a14:hiddenFill>
               </a:ext>
@@ -43141,7 +43141,7 @@
             </a:ln>
             <a:extLst>
               <a:ext uri="{909E8E84-426E-40dd-AFC4-6F175D3DCCD1}">
-                <a14:hiddenFill xmlns="" xmlns:a14="http://schemas.microsoft.com/office/drawing/2010/main">
+                <a14:hiddenFill xmlns:a14="http://schemas.microsoft.com/office/drawing/2010/main" xmlns="">
                   <a:noFill/>
                 </a14:hiddenFill>
               </a:ext>
@@ -43192,7 +43192,7 @@
             </a:ln>
             <a:extLst>
               <a:ext uri="{909E8E84-426E-40dd-AFC4-6F175D3DCCD1}">
-                <a14:hiddenFill xmlns="" xmlns:a14="http://schemas.microsoft.com/office/drawing/2010/main">
+                <a14:hiddenFill xmlns:a14="http://schemas.microsoft.com/office/drawing/2010/main" xmlns="">
                   <a:noFill/>
                 </a14:hiddenFill>
               </a:ext>
@@ -43243,7 +43243,7 @@
             </a:ln>
             <a:extLst>
               <a:ext uri="{909E8E84-426E-40dd-AFC4-6F175D3DCCD1}">
-                <a14:hiddenFill xmlns="" xmlns:a14="http://schemas.microsoft.com/office/drawing/2010/main">
+                <a14:hiddenFill xmlns:a14="http://schemas.microsoft.com/office/drawing/2010/main" xmlns="">
                   <a:noFill/>
                 </a14:hiddenFill>
               </a:ext>
@@ -43294,7 +43294,7 @@
             </a:ln>
             <a:extLst>
               <a:ext uri="{909E8E84-426E-40dd-AFC4-6F175D3DCCD1}">
-                <a14:hiddenFill xmlns="" xmlns:a14="http://schemas.microsoft.com/office/drawing/2010/main">
+                <a14:hiddenFill xmlns:a14="http://schemas.microsoft.com/office/drawing/2010/main" xmlns="">
                   <a:noFill/>
                 </a14:hiddenFill>
               </a:ext>
@@ -43345,7 +43345,7 @@
             </a:ln>
             <a:extLst>
               <a:ext uri="{909E8E84-426E-40dd-AFC4-6F175D3DCCD1}">
-                <a14:hiddenFill xmlns="" xmlns:a14="http://schemas.microsoft.com/office/drawing/2010/main">
+                <a14:hiddenFill xmlns:a14="http://schemas.microsoft.com/office/drawing/2010/main" xmlns="">
                   <a:noFill/>
                 </a14:hiddenFill>
               </a:ext>
@@ -43396,7 +43396,7 @@
             </a:ln>
             <a:extLst>
               <a:ext uri="{909E8E84-426E-40dd-AFC4-6F175D3DCCD1}">
-                <a14:hiddenFill xmlns="" xmlns:a14="http://schemas.microsoft.com/office/drawing/2010/main">
+                <a14:hiddenFill xmlns:a14="http://schemas.microsoft.com/office/drawing/2010/main" xmlns="">
                   <a:noFill/>
                 </a14:hiddenFill>
               </a:ext>
@@ -48852,7 +48852,7 @@
                 <a:ea typeface="Verdana" panose="020B0604030504040204" pitchFamily="34" charset="0"/>
                 <a:cs typeface="Verdana" panose="020B0604030504040204" pitchFamily="34" charset="0"/>
               </a:rPr>
-              <a:t>22 </a:t>
+              <a:t>23 </a:t>
             </a:r>
             <a:r>
               <a:rPr lang="en-US" sz="1800" b="1" dirty="0">
@@ -49228,7 +49228,7 @@
       </p:sp>
       <p:pic>
         <p:nvPicPr>
-          <p:cNvPr id="2" name="Picture 1"/>
+          <p:cNvPr id="3" name="Picture 2"/>
           <p:cNvPicPr>
             <a:picLocks noChangeAspect="1"/>
           </p:cNvPicPr>
@@ -49248,8 +49248,8 @@
         </p:blipFill>
         <p:spPr>
           <a:xfrm>
-            <a:off x="157245" y="1155934"/>
-            <a:ext cx="5787044" cy="3785616"/>
+            <a:off x="165075" y="1155934"/>
+            <a:ext cx="5787047" cy="3785616"/>
           </a:xfrm>
           <a:prstGeom prst="rect">
             <a:avLst/>
@@ -49652,7 +49652,7 @@
                 <a:ea typeface="Verdana" panose="020B0604030504040204" pitchFamily="34" charset="0"/>
                 <a:cs typeface="Verdana" panose="020B0604030504040204" pitchFamily="34" charset="0"/>
               </a:rPr>
-              <a:t>36 </a:t>
+              <a:t>37 </a:t>
             </a:r>
             <a:r>
               <a:rPr lang="en-US" sz="3200" b="1" dirty="0">
@@ -49734,7 +49734,7 @@
                 <a:ea typeface="Verdana" panose="020B0604030504040204" pitchFamily="34" charset="0"/>
                 <a:cs typeface="Verdana" panose="020B0604030504040204" pitchFamily="34" charset="0"/>
               </a:rPr>
-              <a:t>36 </a:t>
+              <a:t>37 </a:t>
             </a:r>
             <a:r>
               <a:rPr lang="en-US" sz="1800" dirty="0">
@@ -49771,7 +49771,7 @@
       </p:sp>
       <p:pic>
         <p:nvPicPr>
-          <p:cNvPr id="2" name="Picture 1"/>
+          <p:cNvPr id="3" name="Picture 2"/>
           <p:cNvPicPr>
             <a:picLocks noChangeAspect="1"/>
           </p:cNvPicPr>
@@ -49791,7 +49791,7 @@
         </p:blipFill>
         <p:spPr>
           <a:xfrm>
-            <a:off x="138865" y="1155934"/>
+            <a:off x="138864" y="1155934"/>
             <a:ext cx="5798749" cy="3785616"/>
           </a:xfrm>
           <a:prstGeom prst="rect">

--- a/pegasus/sites.v3/code.org/public/files/computer_science_advocacy.pptx
+++ b/pegasus/sites.v3/code.org/public/files/computer_science_advocacy.pptx
@@ -424,11 +424,11 @@
         </c:dLbls>
         <c:gapWidth val="42"/>
         <c:overlap val="100"/>
-        <c:axId val="765205736"/>
-        <c:axId val="765206520"/>
+        <c:axId val="480265424"/>
+        <c:axId val="480271304"/>
       </c:barChart>
       <c:catAx>
-        <c:axId val="765205736"/>
+        <c:axId val="480265424"/>
         <c:scaling>
           <c:orientation val="minMax"/>
         </c:scaling>
@@ -437,7 +437,7 @@
         <c:majorTickMark val="none"/>
         <c:minorTickMark val="none"/>
         <c:tickLblPos val="nextTo"/>
-        <c:crossAx val="765206520"/>
+        <c:crossAx val="480271304"/>
         <c:crosses val="autoZero"/>
         <c:auto val="0"/>
         <c:lblAlgn val="ctr"/>
@@ -445,7 +445,7 @@
         <c:noMultiLvlLbl val="0"/>
       </c:catAx>
       <c:valAx>
-        <c:axId val="765206520"/>
+        <c:axId val="480271304"/>
         <c:scaling>
           <c:orientation val="minMax"/>
           <c:max val="30000"/>
@@ -465,7 +465,7 @@
         <c:majorTickMark val="none"/>
         <c:minorTickMark val="none"/>
         <c:tickLblPos val="nextTo"/>
-        <c:crossAx val="765205736"/>
+        <c:crossAx val="480265424"/>
         <c:crosses val="autoZero"/>
         <c:crossBetween val="between"/>
       </c:valAx>
@@ -668,11 +668,11 @@
         </c:dLbls>
         <c:gapWidth val="42"/>
         <c:overlap val="100"/>
-        <c:axId val="765206912"/>
-        <c:axId val="765206128"/>
+        <c:axId val="480279928"/>
+        <c:axId val="480283064"/>
       </c:barChart>
       <c:catAx>
-        <c:axId val="765206912"/>
+        <c:axId val="480279928"/>
         <c:scaling>
           <c:orientation val="minMax"/>
         </c:scaling>
@@ -681,7 +681,7 @@
         <c:majorTickMark val="none"/>
         <c:minorTickMark val="none"/>
         <c:tickLblPos val="nextTo"/>
-        <c:crossAx val="765206128"/>
+        <c:crossAx val="480283064"/>
         <c:crosses val="autoZero"/>
         <c:auto val="1"/>
         <c:lblAlgn val="ctr"/>
@@ -689,7 +689,7 @@
         <c:noMultiLvlLbl val="0"/>
       </c:catAx>
       <c:valAx>
-        <c:axId val="765206128"/>
+        <c:axId val="480283064"/>
         <c:scaling>
           <c:orientation val="minMax"/>
         </c:scaling>
@@ -708,7 +708,7 @@
         <c:majorTickMark val="none"/>
         <c:minorTickMark val="none"/>
         <c:tickLblPos val="nextTo"/>
-        <c:crossAx val="765206912"/>
+        <c:crossAx val="480279928"/>
         <c:crosses val="autoZero"/>
         <c:crossBetween val="between"/>
       </c:valAx>
@@ -829,7 +829,7 @@
           <a:p>
             <a:fld id="{DBF07D2D-D193-49EA-AA40-D0161EE95780}" type="datetimeFigureOut">
               <a:rPr lang="en-US" smtClean="0"/>
-              <a:t>8/13/2018</a:t>
+              <a:t>8/15/2018</a:t>
             </a:fld>
             <a:endParaRPr lang="en-US"/>
           </a:p>
@@ -13045,7 +13045,7 @@
           <a:p>
             <a:fld id="{5355355A-278A-4177-940D-D180E0E2D021}" type="datetimeFigureOut">
               <a:rPr lang="en-US" smtClean="0"/>
-              <a:t>8/13/2018</a:t>
+              <a:t>8/15/2018</a:t>
             </a:fld>
             <a:endParaRPr lang="en-US"/>
           </a:p>
@@ -48852,7 +48852,7 @@
                 <a:ea typeface="Verdana" panose="020B0604030504040204" pitchFamily="34" charset="0"/>
                 <a:cs typeface="Verdana" panose="020B0604030504040204" pitchFamily="34" charset="0"/>
               </a:rPr>
-              <a:t>23 </a:t>
+              <a:t>21 </a:t>
             </a:r>
             <a:r>
               <a:rPr lang="en-US" sz="1800" b="1" dirty="0">
@@ -49652,7 +49652,7 @@
                 <a:ea typeface="Verdana" panose="020B0604030504040204" pitchFamily="34" charset="0"/>
                 <a:cs typeface="Verdana" panose="020B0604030504040204" pitchFamily="34" charset="0"/>
               </a:rPr>
-              <a:t>37 </a:t>
+              <a:t>36 </a:t>
             </a:r>
             <a:r>
               <a:rPr lang="en-US" sz="3200" b="1" dirty="0">
@@ -49734,7 +49734,7 @@
                 <a:ea typeface="Verdana" panose="020B0604030504040204" pitchFamily="34" charset="0"/>
                 <a:cs typeface="Verdana" panose="020B0604030504040204" pitchFamily="34" charset="0"/>
               </a:rPr>
-              <a:t>37 </a:t>
+              <a:t>36 </a:t>
             </a:r>
             <a:r>
               <a:rPr lang="en-US" sz="1800" dirty="0">
@@ -49771,7 +49771,7 @@
       </p:sp>
       <p:pic>
         <p:nvPicPr>
-          <p:cNvPr id="3" name="Picture 2"/>
+          <p:cNvPr id="2" name="Picture 1"/>
           <p:cNvPicPr>
             <a:picLocks noChangeAspect="1"/>
           </p:cNvPicPr>
@@ -49791,7 +49791,7 @@
         </p:blipFill>
         <p:spPr>
           <a:xfrm>
-            <a:off x="138864" y="1155934"/>
+            <a:off x="138865" y="1155934"/>
             <a:ext cx="5798749" cy="3785616"/>
           </a:xfrm>
           <a:prstGeom prst="rect">

--- a/pegasus/sites.v3/code.org/public/files/computer_science_advocacy.pptx
+++ b/pegasus/sites.v3/code.org/public/files/computer_science_advocacy.pptx
@@ -424,11 +424,11 @@
         </c:dLbls>
         <c:gapWidth val="42"/>
         <c:overlap val="100"/>
-        <c:axId val="480265424"/>
-        <c:axId val="480271304"/>
+        <c:axId val="633546128"/>
+        <c:axId val="633550440"/>
       </c:barChart>
       <c:catAx>
-        <c:axId val="480265424"/>
+        <c:axId val="633546128"/>
         <c:scaling>
           <c:orientation val="minMax"/>
         </c:scaling>
@@ -437,7 +437,7 @@
         <c:majorTickMark val="none"/>
         <c:minorTickMark val="none"/>
         <c:tickLblPos val="nextTo"/>
-        <c:crossAx val="480271304"/>
+        <c:crossAx val="633550440"/>
         <c:crosses val="autoZero"/>
         <c:auto val="0"/>
         <c:lblAlgn val="ctr"/>
@@ -445,7 +445,7 @@
         <c:noMultiLvlLbl val="0"/>
       </c:catAx>
       <c:valAx>
-        <c:axId val="480271304"/>
+        <c:axId val="633550440"/>
         <c:scaling>
           <c:orientation val="minMax"/>
           <c:max val="30000"/>
@@ -465,7 +465,7 @@
         <c:majorTickMark val="none"/>
         <c:minorTickMark val="none"/>
         <c:tickLblPos val="nextTo"/>
-        <c:crossAx val="480265424"/>
+        <c:crossAx val="633546128"/>
         <c:crosses val="autoZero"/>
         <c:crossBetween val="between"/>
       </c:valAx>
@@ -668,11 +668,11 @@
         </c:dLbls>
         <c:gapWidth val="42"/>
         <c:overlap val="100"/>
-        <c:axId val="480279928"/>
-        <c:axId val="480283064"/>
+        <c:axId val="633553184"/>
+        <c:axId val="633556712"/>
       </c:barChart>
       <c:catAx>
-        <c:axId val="480279928"/>
+        <c:axId val="633553184"/>
         <c:scaling>
           <c:orientation val="minMax"/>
         </c:scaling>
@@ -681,7 +681,7 @@
         <c:majorTickMark val="none"/>
         <c:minorTickMark val="none"/>
         <c:tickLblPos val="nextTo"/>
-        <c:crossAx val="480283064"/>
+        <c:crossAx val="633556712"/>
         <c:crosses val="autoZero"/>
         <c:auto val="1"/>
         <c:lblAlgn val="ctr"/>
@@ -689,7 +689,7 @@
         <c:noMultiLvlLbl val="0"/>
       </c:catAx>
       <c:valAx>
-        <c:axId val="480283064"/>
+        <c:axId val="633556712"/>
         <c:scaling>
           <c:orientation val="minMax"/>
         </c:scaling>
@@ -708,7 +708,7 @@
         <c:majorTickMark val="none"/>
         <c:minorTickMark val="none"/>
         <c:tickLblPos val="nextTo"/>
-        <c:crossAx val="480279928"/>
+        <c:crossAx val="633553184"/>
         <c:crosses val="autoZero"/>
         <c:crossBetween val="between"/>
       </c:valAx>
@@ -829,7 +829,7 @@
           <a:p>
             <a:fld id="{DBF07D2D-D193-49EA-AA40-D0161EE95780}" type="datetimeFigureOut">
               <a:rPr lang="en-US" smtClean="0"/>
-              <a:t>8/15/2018</a:t>
+              <a:t>8/24/2018</a:t>
             </a:fld>
             <a:endParaRPr lang="en-US"/>
           </a:p>
@@ -5054,7 +5054,7 @@
             </a:ln>
             <a:extLst>
               <a:ext uri="{909E8E84-426E-40dd-AFC4-6F175D3DCCD1}">
-                <a14:hiddenFill xmlns:a14="http://schemas.microsoft.com/office/drawing/2010/main" xmlns="">
+                <a14:hiddenFill xmlns="" xmlns:a14="http://schemas.microsoft.com/office/drawing/2010/main">
                   <a:solidFill>
                     <a:srgbClr val="FFFFFF"/>
                   </a:solidFill>
@@ -5107,7 +5107,7 @@
             </a:ln>
             <a:extLst>
               <a:ext uri="{909E8E84-426E-40dd-AFC4-6F175D3DCCD1}">
-                <a14:hiddenFill xmlns:a14="http://schemas.microsoft.com/office/drawing/2010/main" xmlns="">
+                <a14:hiddenFill xmlns="" xmlns:a14="http://schemas.microsoft.com/office/drawing/2010/main">
                   <a:noFill/>
                 </a14:hiddenFill>
               </a:ext>
@@ -5158,7 +5158,7 @@
             </a:ln>
             <a:extLst>
               <a:ext uri="{909E8E84-426E-40dd-AFC4-6F175D3DCCD1}">
-                <a14:hiddenFill xmlns:a14="http://schemas.microsoft.com/office/drawing/2010/main" xmlns="">
+                <a14:hiddenFill xmlns="" xmlns:a14="http://schemas.microsoft.com/office/drawing/2010/main">
                   <a:noFill/>
                 </a14:hiddenFill>
               </a:ext>
@@ -5209,7 +5209,7 @@
             </a:ln>
             <a:extLst>
               <a:ext uri="{909E8E84-426E-40dd-AFC4-6F175D3DCCD1}">
-                <a14:hiddenFill xmlns:a14="http://schemas.microsoft.com/office/drawing/2010/main" xmlns="">
+                <a14:hiddenFill xmlns="" xmlns:a14="http://schemas.microsoft.com/office/drawing/2010/main">
                   <a:noFill/>
                 </a14:hiddenFill>
               </a:ext>
@@ -5260,7 +5260,7 @@
             </a:ln>
             <a:extLst>
               <a:ext uri="{909E8E84-426E-40dd-AFC4-6F175D3DCCD1}">
-                <a14:hiddenFill xmlns:a14="http://schemas.microsoft.com/office/drawing/2010/main" xmlns="">
+                <a14:hiddenFill xmlns="" xmlns:a14="http://schemas.microsoft.com/office/drawing/2010/main">
                   <a:noFill/>
                 </a14:hiddenFill>
               </a:ext>
@@ -5311,7 +5311,7 @@
             </a:ln>
             <a:extLst>
               <a:ext uri="{909E8E84-426E-40dd-AFC4-6F175D3DCCD1}">
-                <a14:hiddenFill xmlns:a14="http://schemas.microsoft.com/office/drawing/2010/main" xmlns="">
+                <a14:hiddenFill xmlns="" xmlns:a14="http://schemas.microsoft.com/office/drawing/2010/main">
                   <a:noFill/>
                 </a14:hiddenFill>
               </a:ext>
@@ -5362,7 +5362,7 @@
             </a:ln>
             <a:extLst>
               <a:ext uri="{909E8E84-426E-40dd-AFC4-6F175D3DCCD1}">
-                <a14:hiddenFill xmlns:a14="http://schemas.microsoft.com/office/drawing/2010/main" xmlns="">
+                <a14:hiddenFill xmlns="" xmlns:a14="http://schemas.microsoft.com/office/drawing/2010/main">
                   <a:noFill/>
                 </a14:hiddenFill>
               </a:ext>
@@ -5413,7 +5413,7 @@
             </a:ln>
             <a:extLst>
               <a:ext uri="{909E8E84-426E-40dd-AFC4-6F175D3DCCD1}">
-                <a14:hiddenFill xmlns:a14="http://schemas.microsoft.com/office/drawing/2010/main" xmlns="">
+                <a14:hiddenFill xmlns="" xmlns:a14="http://schemas.microsoft.com/office/drawing/2010/main">
                   <a:noFill/>
                 </a14:hiddenFill>
               </a:ext>
@@ -5464,7 +5464,7 @@
             </a:ln>
             <a:extLst>
               <a:ext uri="{909E8E84-426E-40dd-AFC4-6F175D3DCCD1}">
-                <a14:hiddenFill xmlns:a14="http://schemas.microsoft.com/office/drawing/2010/main" xmlns="">
+                <a14:hiddenFill xmlns="" xmlns:a14="http://schemas.microsoft.com/office/drawing/2010/main">
                   <a:noFill/>
                 </a14:hiddenFill>
               </a:ext>
@@ -5515,7 +5515,7 @@
             </a:ln>
             <a:extLst>
               <a:ext uri="{909E8E84-426E-40dd-AFC4-6F175D3DCCD1}">
-                <a14:hiddenFill xmlns:a14="http://schemas.microsoft.com/office/drawing/2010/main" xmlns="">
+                <a14:hiddenFill xmlns="" xmlns:a14="http://schemas.microsoft.com/office/drawing/2010/main">
                   <a:noFill/>
                 </a14:hiddenFill>
               </a:ext>
@@ -5566,7 +5566,7 @@
             </a:ln>
             <a:extLst>
               <a:ext uri="{909E8E84-426E-40dd-AFC4-6F175D3DCCD1}">
-                <a14:hiddenFill xmlns:a14="http://schemas.microsoft.com/office/drawing/2010/main" xmlns="">
+                <a14:hiddenFill xmlns="" xmlns:a14="http://schemas.microsoft.com/office/drawing/2010/main">
                   <a:noFill/>
                 </a14:hiddenFill>
               </a:ext>
@@ -5617,7 +5617,7 @@
             </a:ln>
             <a:extLst>
               <a:ext uri="{909E8E84-426E-40dd-AFC4-6F175D3DCCD1}">
-                <a14:hiddenFill xmlns:a14="http://schemas.microsoft.com/office/drawing/2010/main" xmlns="">
+                <a14:hiddenFill xmlns="" xmlns:a14="http://schemas.microsoft.com/office/drawing/2010/main">
                   <a:noFill/>
                 </a14:hiddenFill>
               </a:ext>
@@ -5668,7 +5668,7 @@
             </a:ln>
             <a:extLst>
               <a:ext uri="{909E8E84-426E-40dd-AFC4-6F175D3DCCD1}">
-                <a14:hiddenFill xmlns:a14="http://schemas.microsoft.com/office/drawing/2010/main" xmlns="">
+                <a14:hiddenFill xmlns="" xmlns:a14="http://schemas.microsoft.com/office/drawing/2010/main">
                   <a:noFill/>
                 </a14:hiddenFill>
               </a:ext>
@@ -5719,7 +5719,7 @@
             </a:ln>
             <a:extLst>
               <a:ext uri="{909E8E84-426E-40dd-AFC4-6F175D3DCCD1}">
-                <a14:hiddenFill xmlns:a14="http://schemas.microsoft.com/office/drawing/2010/main" xmlns="">
+                <a14:hiddenFill xmlns="" xmlns:a14="http://schemas.microsoft.com/office/drawing/2010/main">
                   <a:noFill/>
                 </a14:hiddenFill>
               </a:ext>
@@ -5770,7 +5770,7 @@
             </a:ln>
             <a:extLst>
               <a:ext uri="{909E8E84-426E-40dd-AFC4-6F175D3DCCD1}">
-                <a14:hiddenFill xmlns:a14="http://schemas.microsoft.com/office/drawing/2010/main" xmlns="">
+                <a14:hiddenFill xmlns="" xmlns:a14="http://schemas.microsoft.com/office/drawing/2010/main">
                   <a:noFill/>
                 </a14:hiddenFill>
               </a:ext>
@@ -5821,7 +5821,7 @@
             </a:ln>
             <a:extLst>
               <a:ext uri="{909E8E84-426E-40dd-AFC4-6F175D3DCCD1}">
-                <a14:hiddenFill xmlns:a14="http://schemas.microsoft.com/office/drawing/2010/main" xmlns="">
+                <a14:hiddenFill xmlns="" xmlns:a14="http://schemas.microsoft.com/office/drawing/2010/main">
                   <a:noFill/>
                 </a14:hiddenFill>
               </a:ext>
@@ -5872,7 +5872,7 @@
             </a:ln>
             <a:extLst>
               <a:ext uri="{909E8E84-426E-40dd-AFC4-6F175D3DCCD1}">
-                <a14:hiddenFill xmlns:a14="http://schemas.microsoft.com/office/drawing/2010/main" xmlns="">
+                <a14:hiddenFill xmlns="" xmlns:a14="http://schemas.microsoft.com/office/drawing/2010/main">
                   <a:noFill/>
                 </a14:hiddenFill>
               </a:ext>
@@ -5923,7 +5923,7 @@
             </a:ln>
             <a:extLst>
               <a:ext uri="{909E8E84-426E-40dd-AFC4-6F175D3DCCD1}">
-                <a14:hiddenFill xmlns:a14="http://schemas.microsoft.com/office/drawing/2010/main" xmlns="">
+                <a14:hiddenFill xmlns="" xmlns:a14="http://schemas.microsoft.com/office/drawing/2010/main">
                   <a:noFill/>
                 </a14:hiddenFill>
               </a:ext>
@@ -5974,7 +5974,7 @@
             </a:ln>
             <a:extLst>
               <a:ext uri="{909E8E84-426E-40dd-AFC4-6F175D3DCCD1}">
-                <a14:hiddenFill xmlns:a14="http://schemas.microsoft.com/office/drawing/2010/main" xmlns="">
+                <a14:hiddenFill xmlns="" xmlns:a14="http://schemas.microsoft.com/office/drawing/2010/main">
                   <a:noFill/>
                 </a14:hiddenFill>
               </a:ext>
@@ -6025,7 +6025,7 @@
             </a:ln>
             <a:extLst>
               <a:ext uri="{909E8E84-426E-40dd-AFC4-6F175D3DCCD1}">
-                <a14:hiddenFill xmlns:a14="http://schemas.microsoft.com/office/drawing/2010/main" xmlns="">
+                <a14:hiddenFill xmlns="" xmlns:a14="http://schemas.microsoft.com/office/drawing/2010/main">
                   <a:noFill/>
                 </a14:hiddenFill>
               </a:ext>
@@ -6076,7 +6076,7 @@
             </a:ln>
             <a:extLst>
               <a:ext uri="{909E8E84-426E-40dd-AFC4-6F175D3DCCD1}">
-                <a14:hiddenFill xmlns:a14="http://schemas.microsoft.com/office/drawing/2010/main" xmlns="">
+                <a14:hiddenFill xmlns="" xmlns:a14="http://schemas.microsoft.com/office/drawing/2010/main">
                   <a:noFill/>
                 </a14:hiddenFill>
               </a:ext>
@@ -6127,7 +6127,7 @@
             </a:ln>
             <a:extLst>
               <a:ext uri="{909E8E84-426E-40dd-AFC4-6F175D3DCCD1}">
-                <a14:hiddenFill xmlns:a14="http://schemas.microsoft.com/office/drawing/2010/main" xmlns="">
+                <a14:hiddenFill xmlns="" xmlns:a14="http://schemas.microsoft.com/office/drawing/2010/main">
                   <a:noFill/>
                 </a14:hiddenFill>
               </a:ext>
@@ -6178,7 +6178,7 @@
             </a:ln>
             <a:extLst>
               <a:ext uri="{909E8E84-426E-40dd-AFC4-6F175D3DCCD1}">
-                <a14:hiddenFill xmlns:a14="http://schemas.microsoft.com/office/drawing/2010/main" xmlns="">
+                <a14:hiddenFill xmlns="" xmlns:a14="http://schemas.microsoft.com/office/drawing/2010/main">
                   <a:noFill/>
                 </a14:hiddenFill>
               </a:ext>
@@ -6229,7 +6229,7 @@
             </a:ln>
             <a:extLst>
               <a:ext uri="{909E8E84-426E-40dd-AFC4-6F175D3DCCD1}">
-                <a14:hiddenFill xmlns:a14="http://schemas.microsoft.com/office/drawing/2010/main" xmlns="">
+                <a14:hiddenFill xmlns="" xmlns:a14="http://schemas.microsoft.com/office/drawing/2010/main">
                   <a:noFill/>
                 </a14:hiddenFill>
               </a:ext>
@@ -6280,7 +6280,7 @@
             </a:ln>
             <a:extLst>
               <a:ext uri="{909E8E84-426E-40dd-AFC4-6F175D3DCCD1}">
-                <a14:hiddenFill xmlns:a14="http://schemas.microsoft.com/office/drawing/2010/main" xmlns="">
+                <a14:hiddenFill xmlns="" xmlns:a14="http://schemas.microsoft.com/office/drawing/2010/main">
                   <a:noFill/>
                 </a14:hiddenFill>
               </a:ext>
@@ -6331,7 +6331,7 @@
             </a:ln>
             <a:extLst>
               <a:ext uri="{909E8E84-426E-40dd-AFC4-6F175D3DCCD1}">
-                <a14:hiddenFill xmlns:a14="http://schemas.microsoft.com/office/drawing/2010/main" xmlns="">
+                <a14:hiddenFill xmlns="" xmlns:a14="http://schemas.microsoft.com/office/drawing/2010/main">
                   <a:noFill/>
                 </a14:hiddenFill>
               </a:ext>
@@ -6382,7 +6382,7 @@
             </a:ln>
             <a:extLst>
               <a:ext uri="{909E8E84-426E-40dd-AFC4-6F175D3DCCD1}">
-                <a14:hiddenFill xmlns:a14="http://schemas.microsoft.com/office/drawing/2010/main" xmlns="">
+                <a14:hiddenFill xmlns="" xmlns:a14="http://schemas.microsoft.com/office/drawing/2010/main">
                   <a:noFill/>
                 </a14:hiddenFill>
               </a:ext>
@@ -6433,7 +6433,7 @@
             </a:ln>
             <a:extLst>
               <a:ext uri="{909E8E84-426E-40dd-AFC4-6F175D3DCCD1}">
-                <a14:hiddenFill xmlns:a14="http://schemas.microsoft.com/office/drawing/2010/main" xmlns="">
+                <a14:hiddenFill xmlns="" xmlns:a14="http://schemas.microsoft.com/office/drawing/2010/main">
                   <a:noFill/>
                 </a14:hiddenFill>
               </a:ext>
@@ -6484,7 +6484,7 @@
             </a:ln>
             <a:extLst>
               <a:ext uri="{909E8E84-426E-40dd-AFC4-6F175D3DCCD1}">
-                <a14:hiddenFill xmlns:a14="http://schemas.microsoft.com/office/drawing/2010/main" xmlns="">
+                <a14:hiddenFill xmlns="" xmlns:a14="http://schemas.microsoft.com/office/drawing/2010/main">
                   <a:noFill/>
                 </a14:hiddenFill>
               </a:ext>
@@ -6535,7 +6535,7 @@
             </a:ln>
             <a:extLst>
               <a:ext uri="{909E8E84-426E-40dd-AFC4-6F175D3DCCD1}">
-                <a14:hiddenFill xmlns:a14="http://schemas.microsoft.com/office/drawing/2010/main" xmlns="">
+                <a14:hiddenFill xmlns="" xmlns:a14="http://schemas.microsoft.com/office/drawing/2010/main">
                   <a:noFill/>
                 </a14:hiddenFill>
               </a:ext>
@@ -6586,7 +6586,7 @@
             </a:ln>
             <a:extLst>
               <a:ext uri="{909E8E84-426E-40dd-AFC4-6F175D3DCCD1}">
-                <a14:hiddenFill xmlns:a14="http://schemas.microsoft.com/office/drawing/2010/main" xmlns="">
+                <a14:hiddenFill xmlns="" xmlns:a14="http://schemas.microsoft.com/office/drawing/2010/main">
                   <a:noFill/>
                 </a14:hiddenFill>
               </a:ext>
@@ -6637,7 +6637,7 @@
             </a:ln>
             <a:extLst>
               <a:ext uri="{909E8E84-426E-40dd-AFC4-6F175D3DCCD1}">
-                <a14:hiddenFill xmlns:a14="http://schemas.microsoft.com/office/drawing/2010/main" xmlns="">
+                <a14:hiddenFill xmlns="" xmlns:a14="http://schemas.microsoft.com/office/drawing/2010/main">
                   <a:noFill/>
                 </a14:hiddenFill>
               </a:ext>
@@ -6688,7 +6688,7 @@
             </a:ln>
             <a:extLst>
               <a:ext uri="{909E8E84-426E-40dd-AFC4-6F175D3DCCD1}">
-                <a14:hiddenFill xmlns:a14="http://schemas.microsoft.com/office/drawing/2010/main" xmlns="">
+                <a14:hiddenFill xmlns="" xmlns:a14="http://schemas.microsoft.com/office/drawing/2010/main">
                   <a:noFill/>
                 </a14:hiddenFill>
               </a:ext>
@@ -6739,7 +6739,7 @@
             </a:ln>
             <a:extLst>
               <a:ext uri="{909E8E84-426E-40dd-AFC4-6F175D3DCCD1}">
-                <a14:hiddenFill xmlns:a14="http://schemas.microsoft.com/office/drawing/2010/main" xmlns="">
+                <a14:hiddenFill xmlns="" xmlns:a14="http://schemas.microsoft.com/office/drawing/2010/main">
                   <a:noFill/>
                 </a14:hiddenFill>
               </a:ext>
@@ -6790,7 +6790,7 @@
             </a:ln>
             <a:extLst>
               <a:ext uri="{909E8E84-426E-40dd-AFC4-6F175D3DCCD1}">
-                <a14:hiddenFill xmlns:a14="http://schemas.microsoft.com/office/drawing/2010/main" xmlns="">
+                <a14:hiddenFill xmlns="" xmlns:a14="http://schemas.microsoft.com/office/drawing/2010/main">
                   <a:noFill/>
                 </a14:hiddenFill>
               </a:ext>
@@ -6841,7 +6841,7 @@
             </a:ln>
             <a:extLst>
               <a:ext uri="{909E8E84-426E-40dd-AFC4-6F175D3DCCD1}">
-                <a14:hiddenFill xmlns:a14="http://schemas.microsoft.com/office/drawing/2010/main" xmlns="">
+                <a14:hiddenFill xmlns="" xmlns:a14="http://schemas.microsoft.com/office/drawing/2010/main">
                   <a:noFill/>
                 </a14:hiddenFill>
               </a:ext>
@@ -6892,7 +6892,7 @@
             </a:ln>
             <a:extLst>
               <a:ext uri="{909E8E84-426E-40dd-AFC4-6F175D3DCCD1}">
-                <a14:hiddenFill xmlns:a14="http://schemas.microsoft.com/office/drawing/2010/main" xmlns="">
+                <a14:hiddenFill xmlns="" xmlns:a14="http://schemas.microsoft.com/office/drawing/2010/main">
                   <a:noFill/>
                 </a14:hiddenFill>
               </a:ext>
@@ -6943,7 +6943,7 @@
             </a:ln>
             <a:extLst>
               <a:ext uri="{909E8E84-426E-40dd-AFC4-6F175D3DCCD1}">
-                <a14:hiddenFill xmlns:a14="http://schemas.microsoft.com/office/drawing/2010/main" xmlns="">
+                <a14:hiddenFill xmlns="" xmlns:a14="http://schemas.microsoft.com/office/drawing/2010/main">
                   <a:noFill/>
                 </a14:hiddenFill>
               </a:ext>
@@ -6994,7 +6994,7 @@
             </a:ln>
             <a:extLst>
               <a:ext uri="{909E8E84-426E-40dd-AFC4-6F175D3DCCD1}">
-                <a14:hiddenFill xmlns:a14="http://schemas.microsoft.com/office/drawing/2010/main" xmlns="">
+                <a14:hiddenFill xmlns="" xmlns:a14="http://schemas.microsoft.com/office/drawing/2010/main">
                   <a:noFill/>
                 </a14:hiddenFill>
               </a:ext>
@@ -7045,7 +7045,7 @@
             </a:ln>
             <a:extLst>
               <a:ext uri="{909E8E84-426E-40dd-AFC4-6F175D3DCCD1}">
-                <a14:hiddenFill xmlns:a14="http://schemas.microsoft.com/office/drawing/2010/main" xmlns="">
+                <a14:hiddenFill xmlns="" xmlns:a14="http://schemas.microsoft.com/office/drawing/2010/main">
                   <a:noFill/>
                 </a14:hiddenFill>
               </a:ext>
@@ -7096,7 +7096,7 @@
             </a:ln>
             <a:extLst>
               <a:ext uri="{909E8E84-426E-40dd-AFC4-6F175D3DCCD1}">
-                <a14:hiddenFill xmlns:a14="http://schemas.microsoft.com/office/drawing/2010/main" xmlns="">
+                <a14:hiddenFill xmlns="" xmlns:a14="http://schemas.microsoft.com/office/drawing/2010/main">
                   <a:noFill/>
                 </a14:hiddenFill>
               </a:ext>
@@ -7147,7 +7147,7 @@
             </a:ln>
             <a:extLst>
               <a:ext uri="{909E8E84-426E-40dd-AFC4-6F175D3DCCD1}">
-                <a14:hiddenFill xmlns:a14="http://schemas.microsoft.com/office/drawing/2010/main" xmlns="">
+                <a14:hiddenFill xmlns="" xmlns:a14="http://schemas.microsoft.com/office/drawing/2010/main">
                   <a:noFill/>
                 </a14:hiddenFill>
               </a:ext>
@@ -7198,7 +7198,7 @@
             </a:ln>
             <a:extLst>
               <a:ext uri="{909E8E84-426E-40dd-AFC4-6F175D3DCCD1}">
-                <a14:hiddenFill xmlns:a14="http://schemas.microsoft.com/office/drawing/2010/main" xmlns="">
+                <a14:hiddenFill xmlns="" xmlns:a14="http://schemas.microsoft.com/office/drawing/2010/main">
                   <a:noFill/>
                 </a14:hiddenFill>
               </a:ext>
@@ -7249,7 +7249,7 @@
             </a:ln>
             <a:extLst>
               <a:ext uri="{909E8E84-426E-40dd-AFC4-6F175D3DCCD1}">
-                <a14:hiddenFill xmlns:a14="http://schemas.microsoft.com/office/drawing/2010/main" xmlns="">
+                <a14:hiddenFill xmlns="" xmlns:a14="http://schemas.microsoft.com/office/drawing/2010/main">
                   <a:noFill/>
                 </a14:hiddenFill>
               </a:ext>
@@ -7300,7 +7300,7 @@
             </a:ln>
             <a:extLst>
               <a:ext uri="{909E8E84-426E-40dd-AFC4-6F175D3DCCD1}">
-                <a14:hiddenFill xmlns:a14="http://schemas.microsoft.com/office/drawing/2010/main" xmlns="">
+                <a14:hiddenFill xmlns="" xmlns:a14="http://schemas.microsoft.com/office/drawing/2010/main">
                   <a:noFill/>
                 </a14:hiddenFill>
               </a:ext>
@@ -7351,7 +7351,7 @@
             </a:ln>
             <a:extLst>
               <a:ext uri="{909E8E84-426E-40dd-AFC4-6F175D3DCCD1}">
-                <a14:hiddenFill xmlns:a14="http://schemas.microsoft.com/office/drawing/2010/main" xmlns="">
+                <a14:hiddenFill xmlns="" xmlns:a14="http://schemas.microsoft.com/office/drawing/2010/main">
                   <a:noFill/>
                 </a14:hiddenFill>
               </a:ext>
@@ -7402,7 +7402,7 @@
             </a:ln>
             <a:extLst>
               <a:ext uri="{909E8E84-426E-40dd-AFC4-6F175D3DCCD1}">
-                <a14:hiddenFill xmlns:a14="http://schemas.microsoft.com/office/drawing/2010/main" xmlns="">
+                <a14:hiddenFill xmlns="" xmlns:a14="http://schemas.microsoft.com/office/drawing/2010/main">
                   <a:noFill/>
                 </a14:hiddenFill>
               </a:ext>
@@ -7453,7 +7453,7 @@
             </a:ln>
             <a:extLst>
               <a:ext uri="{909E8E84-426E-40dd-AFC4-6F175D3DCCD1}">
-                <a14:hiddenFill xmlns:a14="http://schemas.microsoft.com/office/drawing/2010/main" xmlns="">
+                <a14:hiddenFill xmlns="" xmlns:a14="http://schemas.microsoft.com/office/drawing/2010/main">
                   <a:noFill/>
                 </a14:hiddenFill>
               </a:ext>
@@ -7504,7 +7504,7 @@
             </a:ln>
             <a:extLst>
               <a:ext uri="{909E8E84-426E-40dd-AFC4-6F175D3DCCD1}">
-                <a14:hiddenFill xmlns:a14="http://schemas.microsoft.com/office/drawing/2010/main" xmlns="">
+                <a14:hiddenFill xmlns="" xmlns:a14="http://schemas.microsoft.com/office/drawing/2010/main">
                   <a:noFill/>
                 </a14:hiddenFill>
               </a:ext>
@@ -7555,7 +7555,7 @@
             </a:ln>
             <a:extLst>
               <a:ext uri="{909E8E84-426E-40dd-AFC4-6F175D3DCCD1}">
-                <a14:hiddenFill xmlns:a14="http://schemas.microsoft.com/office/drawing/2010/main" xmlns="">
+                <a14:hiddenFill xmlns="" xmlns:a14="http://schemas.microsoft.com/office/drawing/2010/main">
                   <a:noFill/>
                 </a14:hiddenFill>
               </a:ext>
@@ -7606,7 +7606,7 @@
             </a:ln>
             <a:extLst>
               <a:ext uri="{909E8E84-426E-40dd-AFC4-6F175D3DCCD1}">
-                <a14:hiddenFill xmlns:a14="http://schemas.microsoft.com/office/drawing/2010/main" xmlns="">
+                <a14:hiddenFill xmlns="" xmlns:a14="http://schemas.microsoft.com/office/drawing/2010/main">
                   <a:noFill/>
                 </a14:hiddenFill>
               </a:ext>
@@ -7657,7 +7657,7 @@
             </a:ln>
             <a:extLst>
               <a:ext uri="{909E8E84-426E-40dd-AFC4-6F175D3DCCD1}">
-                <a14:hiddenFill xmlns:a14="http://schemas.microsoft.com/office/drawing/2010/main" xmlns="">
+                <a14:hiddenFill xmlns="" xmlns:a14="http://schemas.microsoft.com/office/drawing/2010/main">
                   <a:noFill/>
                 </a14:hiddenFill>
               </a:ext>
@@ -7708,7 +7708,7 @@
             </a:ln>
             <a:extLst>
               <a:ext uri="{909E8E84-426E-40dd-AFC4-6F175D3DCCD1}">
-                <a14:hiddenFill xmlns:a14="http://schemas.microsoft.com/office/drawing/2010/main" xmlns="">
+                <a14:hiddenFill xmlns="" xmlns:a14="http://schemas.microsoft.com/office/drawing/2010/main">
                   <a:noFill/>
                 </a14:hiddenFill>
               </a:ext>
@@ -7759,7 +7759,7 @@
             </a:ln>
             <a:extLst>
               <a:ext uri="{909E8E84-426E-40dd-AFC4-6F175D3DCCD1}">
-                <a14:hiddenFill xmlns:a14="http://schemas.microsoft.com/office/drawing/2010/main" xmlns="">
+                <a14:hiddenFill xmlns="" xmlns:a14="http://schemas.microsoft.com/office/drawing/2010/main">
                   <a:noFill/>
                 </a14:hiddenFill>
               </a:ext>
@@ -7810,7 +7810,7 @@
             </a:ln>
             <a:extLst>
               <a:ext uri="{909E8E84-426E-40dd-AFC4-6F175D3DCCD1}">
-                <a14:hiddenFill xmlns:a14="http://schemas.microsoft.com/office/drawing/2010/main" xmlns="">
+                <a14:hiddenFill xmlns="" xmlns:a14="http://schemas.microsoft.com/office/drawing/2010/main">
                   <a:noFill/>
                 </a14:hiddenFill>
               </a:ext>
@@ -7861,7 +7861,7 @@
             </a:ln>
             <a:extLst>
               <a:ext uri="{909E8E84-426E-40dd-AFC4-6F175D3DCCD1}">
-                <a14:hiddenFill xmlns:a14="http://schemas.microsoft.com/office/drawing/2010/main" xmlns="">
+                <a14:hiddenFill xmlns="" xmlns:a14="http://schemas.microsoft.com/office/drawing/2010/main">
                   <a:noFill/>
                 </a14:hiddenFill>
               </a:ext>
@@ -7912,7 +7912,7 @@
             </a:ln>
             <a:extLst>
               <a:ext uri="{909E8E84-426E-40dd-AFC4-6F175D3DCCD1}">
-                <a14:hiddenFill xmlns:a14="http://schemas.microsoft.com/office/drawing/2010/main" xmlns="">
+                <a14:hiddenFill xmlns="" xmlns:a14="http://schemas.microsoft.com/office/drawing/2010/main">
                   <a:noFill/>
                 </a14:hiddenFill>
               </a:ext>
@@ -7963,7 +7963,7 @@
             </a:ln>
             <a:extLst>
               <a:ext uri="{909E8E84-426E-40dd-AFC4-6F175D3DCCD1}">
-                <a14:hiddenFill xmlns:a14="http://schemas.microsoft.com/office/drawing/2010/main" xmlns="">
+                <a14:hiddenFill xmlns="" xmlns:a14="http://schemas.microsoft.com/office/drawing/2010/main">
                   <a:noFill/>
                 </a14:hiddenFill>
               </a:ext>
@@ -8014,7 +8014,7 @@
             </a:ln>
             <a:extLst>
               <a:ext uri="{909E8E84-426E-40dd-AFC4-6F175D3DCCD1}">
-                <a14:hiddenFill xmlns:a14="http://schemas.microsoft.com/office/drawing/2010/main" xmlns="">
+                <a14:hiddenFill xmlns="" xmlns:a14="http://schemas.microsoft.com/office/drawing/2010/main">
                   <a:noFill/>
                 </a14:hiddenFill>
               </a:ext>
@@ -8065,7 +8065,7 @@
             </a:ln>
             <a:extLst>
               <a:ext uri="{909E8E84-426E-40dd-AFC4-6F175D3DCCD1}">
-                <a14:hiddenFill xmlns:a14="http://schemas.microsoft.com/office/drawing/2010/main" xmlns="">
+                <a14:hiddenFill xmlns="" xmlns:a14="http://schemas.microsoft.com/office/drawing/2010/main">
                   <a:noFill/>
                 </a14:hiddenFill>
               </a:ext>
@@ -8116,7 +8116,7 @@
             </a:ln>
             <a:extLst>
               <a:ext uri="{909E8E84-426E-40dd-AFC4-6F175D3DCCD1}">
-                <a14:hiddenFill xmlns:a14="http://schemas.microsoft.com/office/drawing/2010/main" xmlns="">
+                <a14:hiddenFill xmlns="" xmlns:a14="http://schemas.microsoft.com/office/drawing/2010/main">
                   <a:noFill/>
                 </a14:hiddenFill>
               </a:ext>
@@ -8167,7 +8167,7 @@
             </a:ln>
             <a:extLst>
               <a:ext uri="{909E8E84-426E-40dd-AFC4-6F175D3DCCD1}">
-                <a14:hiddenFill xmlns:a14="http://schemas.microsoft.com/office/drawing/2010/main" xmlns="">
+                <a14:hiddenFill xmlns="" xmlns:a14="http://schemas.microsoft.com/office/drawing/2010/main">
                   <a:noFill/>
                 </a14:hiddenFill>
               </a:ext>
@@ -8218,7 +8218,7 @@
             </a:ln>
             <a:extLst>
               <a:ext uri="{909E8E84-426E-40dd-AFC4-6F175D3DCCD1}">
-                <a14:hiddenFill xmlns:a14="http://schemas.microsoft.com/office/drawing/2010/main" xmlns="">
+                <a14:hiddenFill xmlns="" xmlns:a14="http://schemas.microsoft.com/office/drawing/2010/main">
                   <a:noFill/>
                 </a14:hiddenFill>
               </a:ext>
@@ -8269,7 +8269,7 @@
             </a:ln>
             <a:extLst>
               <a:ext uri="{909E8E84-426E-40dd-AFC4-6F175D3DCCD1}">
-                <a14:hiddenFill xmlns:a14="http://schemas.microsoft.com/office/drawing/2010/main" xmlns="">
+                <a14:hiddenFill xmlns="" xmlns:a14="http://schemas.microsoft.com/office/drawing/2010/main">
                   <a:noFill/>
                 </a14:hiddenFill>
               </a:ext>
@@ -8320,7 +8320,7 @@
             </a:ln>
             <a:extLst>
               <a:ext uri="{909E8E84-426E-40dd-AFC4-6F175D3DCCD1}">
-                <a14:hiddenFill xmlns:a14="http://schemas.microsoft.com/office/drawing/2010/main" xmlns="">
+                <a14:hiddenFill xmlns="" xmlns:a14="http://schemas.microsoft.com/office/drawing/2010/main">
                   <a:noFill/>
                 </a14:hiddenFill>
               </a:ext>
@@ -8371,7 +8371,7 @@
             </a:ln>
             <a:extLst>
               <a:ext uri="{909E8E84-426E-40dd-AFC4-6F175D3DCCD1}">
-                <a14:hiddenFill xmlns:a14="http://schemas.microsoft.com/office/drawing/2010/main" xmlns="">
+                <a14:hiddenFill xmlns="" xmlns:a14="http://schemas.microsoft.com/office/drawing/2010/main">
                   <a:noFill/>
                 </a14:hiddenFill>
               </a:ext>
@@ -8422,7 +8422,7 @@
             </a:ln>
             <a:extLst>
               <a:ext uri="{909E8E84-426E-40dd-AFC4-6F175D3DCCD1}">
-                <a14:hiddenFill xmlns:a14="http://schemas.microsoft.com/office/drawing/2010/main" xmlns="">
+                <a14:hiddenFill xmlns="" xmlns:a14="http://schemas.microsoft.com/office/drawing/2010/main">
                   <a:noFill/>
                 </a14:hiddenFill>
               </a:ext>
@@ -8473,7 +8473,7 @@
             </a:ln>
             <a:extLst>
               <a:ext uri="{909E8E84-426E-40dd-AFC4-6F175D3DCCD1}">
-                <a14:hiddenFill xmlns:a14="http://schemas.microsoft.com/office/drawing/2010/main" xmlns="">
+                <a14:hiddenFill xmlns="" xmlns:a14="http://schemas.microsoft.com/office/drawing/2010/main">
                   <a:noFill/>
                 </a14:hiddenFill>
               </a:ext>
@@ -8524,7 +8524,7 @@
             </a:ln>
             <a:extLst>
               <a:ext uri="{909E8E84-426E-40dd-AFC4-6F175D3DCCD1}">
-                <a14:hiddenFill xmlns:a14="http://schemas.microsoft.com/office/drawing/2010/main" xmlns="">
+                <a14:hiddenFill xmlns="" xmlns:a14="http://schemas.microsoft.com/office/drawing/2010/main">
                   <a:noFill/>
                 </a14:hiddenFill>
               </a:ext>
@@ -9151,7 +9151,7 @@
             </a:ln>
             <a:extLst>
               <a:ext uri="{909E8E84-426E-40dd-AFC4-6F175D3DCCD1}">
-                <a14:hiddenFill xmlns:a14="http://schemas.microsoft.com/office/drawing/2010/main" xmlns="">
+                <a14:hiddenFill xmlns="" xmlns:a14="http://schemas.microsoft.com/office/drawing/2010/main">
                   <a:solidFill>
                     <a:srgbClr val="FFFFFF"/>
                   </a:solidFill>
@@ -9204,7 +9204,7 @@
             </a:ln>
             <a:extLst>
               <a:ext uri="{909E8E84-426E-40dd-AFC4-6F175D3DCCD1}">
-                <a14:hiddenFill xmlns:a14="http://schemas.microsoft.com/office/drawing/2010/main" xmlns="">
+                <a14:hiddenFill xmlns="" xmlns:a14="http://schemas.microsoft.com/office/drawing/2010/main">
                   <a:noFill/>
                 </a14:hiddenFill>
               </a:ext>
@@ -9255,7 +9255,7 @@
             </a:ln>
             <a:extLst>
               <a:ext uri="{909E8E84-426E-40dd-AFC4-6F175D3DCCD1}">
-                <a14:hiddenFill xmlns:a14="http://schemas.microsoft.com/office/drawing/2010/main" xmlns="">
+                <a14:hiddenFill xmlns="" xmlns:a14="http://schemas.microsoft.com/office/drawing/2010/main">
                   <a:noFill/>
                 </a14:hiddenFill>
               </a:ext>
@@ -9306,7 +9306,7 @@
             </a:ln>
             <a:extLst>
               <a:ext uri="{909E8E84-426E-40dd-AFC4-6F175D3DCCD1}">
-                <a14:hiddenFill xmlns:a14="http://schemas.microsoft.com/office/drawing/2010/main" xmlns="">
+                <a14:hiddenFill xmlns="" xmlns:a14="http://schemas.microsoft.com/office/drawing/2010/main">
                   <a:noFill/>
                 </a14:hiddenFill>
               </a:ext>
@@ -9357,7 +9357,7 @@
             </a:ln>
             <a:extLst>
               <a:ext uri="{909E8E84-426E-40dd-AFC4-6F175D3DCCD1}">
-                <a14:hiddenFill xmlns:a14="http://schemas.microsoft.com/office/drawing/2010/main" xmlns="">
+                <a14:hiddenFill xmlns="" xmlns:a14="http://schemas.microsoft.com/office/drawing/2010/main">
                   <a:noFill/>
                 </a14:hiddenFill>
               </a:ext>
@@ -9408,7 +9408,7 @@
             </a:ln>
             <a:extLst>
               <a:ext uri="{909E8E84-426E-40dd-AFC4-6F175D3DCCD1}">
-                <a14:hiddenFill xmlns:a14="http://schemas.microsoft.com/office/drawing/2010/main" xmlns="">
+                <a14:hiddenFill xmlns="" xmlns:a14="http://schemas.microsoft.com/office/drawing/2010/main">
                   <a:noFill/>
                 </a14:hiddenFill>
               </a:ext>
@@ -9459,7 +9459,7 @@
             </a:ln>
             <a:extLst>
               <a:ext uri="{909E8E84-426E-40dd-AFC4-6F175D3DCCD1}">
-                <a14:hiddenFill xmlns:a14="http://schemas.microsoft.com/office/drawing/2010/main" xmlns="">
+                <a14:hiddenFill xmlns="" xmlns:a14="http://schemas.microsoft.com/office/drawing/2010/main">
                   <a:noFill/>
                 </a14:hiddenFill>
               </a:ext>
@@ -9510,7 +9510,7 @@
             </a:ln>
             <a:extLst>
               <a:ext uri="{909E8E84-426E-40dd-AFC4-6F175D3DCCD1}">
-                <a14:hiddenFill xmlns:a14="http://schemas.microsoft.com/office/drawing/2010/main" xmlns="">
+                <a14:hiddenFill xmlns="" xmlns:a14="http://schemas.microsoft.com/office/drawing/2010/main">
                   <a:noFill/>
                 </a14:hiddenFill>
               </a:ext>
@@ -9561,7 +9561,7 @@
             </a:ln>
             <a:extLst>
               <a:ext uri="{909E8E84-426E-40dd-AFC4-6F175D3DCCD1}">
-                <a14:hiddenFill xmlns:a14="http://schemas.microsoft.com/office/drawing/2010/main" xmlns="">
+                <a14:hiddenFill xmlns="" xmlns:a14="http://schemas.microsoft.com/office/drawing/2010/main">
                   <a:noFill/>
                 </a14:hiddenFill>
               </a:ext>
@@ -9612,7 +9612,7 @@
             </a:ln>
             <a:extLst>
               <a:ext uri="{909E8E84-426E-40dd-AFC4-6F175D3DCCD1}">
-                <a14:hiddenFill xmlns:a14="http://schemas.microsoft.com/office/drawing/2010/main" xmlns="">
+                <a14:hiddenFill xmlns="" xmlns:a14="http://schemas.microsoft.com/office/drawing/2010/main">
                   <a:noFill/>
                 </a14:hiddenFill>
               </a:ext>
@@ -9663,7 +9663,7 @@
             </a:ln>
             <a:extLst>
               <a:ext uri="{909E8E84-426E-40dd-AFC4-6F175D3DCCD1}">
-                <a14:hiddenFill xmlns:a14="http://schemas.microsoft.com/office/drawing/2010/main" xmlns="">
+                <a14:hiddenFill xmlns="" xmlns:a14="http://schemas.microsoft.com/office/drawing/2010/main">
                   <a:noFill/>
                 </a14:hiddenFill>
               </a:ext>
@@ -9714,7 +9714,7 @@
             </a:ln>
             <a:extLst>
               <a:ext uri="{909E8E84-426E-40dd-AFC4-6F175D3DCCD1}">
-                <a14:hiddenFill xmlns:a14="http://schemas.microsoft.com/office/drawing/2010/main" xmlns="">
+                <a14:hiddenFill xmlns="" xmlns:a14="http://schemas.microsoft.com/office/drawing/2010/main">
                   <a:noFill/>
                 </a14:hiddenFill>
               </a:ext>
@@ -9765,7 +9765,7 @@
             </a:ln>
             <a:extLst>
               <a:ext uri="{909E8E84-426E-40dd-AFC4-6F175D3DCCD1}">
-                <a14:hiddenFill xmlns:a14="http://schemas.microsoft.com/office/drawing/2010/main" xmlns="">
+                <a14:hiddenFill xmlns="" xmlns:a14="http://schemas.microsoft.com/office/drawing/2010/main">
                   <a:noFill/>
                 </a14:hiddenFill>
               </a:ext>
@@ -9816,7 +9816,7 @@
             </a:ln>
             <a:extLst>
               <a:ext uri="{909E8E84-426E-40dd-AFC4-6F175D3DCCD1}">
-                <a14:hiddenFill xmlns:a14="http://schemas.microsoft.com/office/drawing/2010/main" xmlns="">
+                <a14:hiddenFill xmlns="" xmlns:a14="http://schemas.microsoft.com/office/drawing/2010/main">
                   <a:noFill/>
                 </a14:hiddenFill>
               </a:ext>
@@ -9867,7 +9867,7 @@
             </a:ln>
             <a:extLst>
               <a:ext uri="{909E8E84-426E-40dd-AFC4-6F175D3DCCD1}">
-                <a14:hiddenFill xmlns:a14="http://schemas.microsoft.com/office/drawing/2010/main" xmlns="">
+                <a14:hiddenFill xmlns="" xmlns:a14="http://schemas.microsoft.com/office/drawing/2010/main">
                   <a:noFill/>
                 </a14:hiddenFill>
               </a:ext>
@@ -9918,7 +9918,7 @@
             </a:ln>
             <a:extLst>
               <a:ext uri="{909E8E84-426E-40dd-AFC4-6F175D3DCCD1}">
-                <a14:hiddenFill xmlns:a14="http://schemas.microsoft.com/office/drawing/2010/main" xmlns="">
+                <a14:hiddenFill xmlns="" xmlns:a14="http://schemas.microsoft.com/office/drawing/2010/main">
                   <a:noFill/>
                 </a14:hiddenFill>
               </a:ext>
@@ -9969,7 +9969,7 @@
             </a:ln>
             <a:extLst>
               <a:ext uri="{909E8E84-426E-40dd-AFC4-6F175D3DCCD1}">
-                <a14:hiddenFill xmlns:a14="http://schemas.microsoft.com/office/drawing/2010/main" xmlns="">
+                <a14:hiddenFill xmlns="" xmlns:a14="http://schemas.microsoft.com/office/drawing/2010/main">
                   <a:noFill/>
                 </a14:hiddenFill>
               </a:ext>
@@ -10020,7 +10020,7 @@
             </a:ln>
             <a:extLst>
               <a:ext uri="{909E8E84-426E-40dd-AFC4-6F175D3DCCD1}">
-                <a14:hiddenFill xmlns:a14="http://schemas.microsoft.com/office/drawing/2010/main" xmlns="">
+                <a14:hiddenFill xmlns="" xmlns:a14="http://schemas.microsoft.com/office/drawing/2010/main">
                   <a:noFill/>
                 </a14:hiddenFill>
               </a:ext>
@@ -10071,7 +10071,7 @@
             </a:ln>
             <a:extLst>
               <a:ext uri="{909E8E84-426E-40dd-AFC4-6F175D3DCCD1}">
-                <a14:hiddenFill xmlns:a14="http://schemas.microsoft.com/office/drawing/2010/main" xmlns="">
+                <a14:hiddenFill xmlns="" xmlns:a14="http://schemas.microsoft.com/office/drawing/2010/main">
                   <a:noFill/>
                 </a14:hiddenFill>
               </a:ext>
@@ -10122,7 +10122,7 @@
             </a:ln>
             <a:extLst>
               <a:ext uri="{909E8E84-426E-40dd-AFC4-6F175D3DCCD1}">
-                <a14:hiddenFill xmlns:a14="http://schemas.microsoft.com/office/drawing/2010/main" xmlns="">
+                <a14:hiddenFill xmlns="" xmlns:a14="http://schemas.microsoft.com/office/drawing/2010/main">
                   <a:noFill/>
                 </a14:hiddenFill>
               </a:ext>
@@ -10173,7 +10173,7 @@
             </a:ln>
             <a:extLst>
               <a:ext uri="{909E8E84-426E-40dd-AFC4-6F175D3DCCD1}">
-                <a14:hiddenFill xmlns:a14="http://schemas.microsoft.com/office/drawing/2010/main" xmlns="">
+                <a14:hiddenFill xmlns="" xmlns:a14="http://schemas.microsoft.com/office/drawing/2010/main">
                   <a:noFill/>
                 </a14:hiddenFill>
               </a:ext>
@@ -10224,7 +10224,7 @@
             </a:ln>
             <a:extLst>
               <a:ext uri="{909E8E84-426E-40dd-AFC4-6F175D3DCCD1}">
-                <a14:hiddenFill xmlns:a14="http://schemas.microsoft.com/office/drawing/2010/main" xmlns="">
+                <a14:hiddenFill xmlns="" xmlns:a14="http://schemas.microsoft.com/office/drawing/2010/main">
                   <a:noFill/>
                 </a14:hiddenFill>
               </a:ext>
@@ -10275,7 +10275,7 @@
             </a:ln>
             <a:extLst>
               <a:ext uri="{909E8E84-426E-40dd-AFC4-6F175D3DCCD1}">
-                <a14:hiddenFill xmlns:a14="http://schemas.microsoft.com/office/drawing/2010/main" xmlns="">
+                <a14:hiddenFill xmlns="" xmlns:a14="http://schemas.microsoft.com/office/drawing/2010/main">
                   <a:noFill/>
                 </a14:hiddenFill>
               </a:ext>
@@ -10326,7 +10326,7 @@
             </a:ln>
             <a:extLst>
               <a:ext uri="{909E8E84-426E-40dd-AFC4-6F175D3DCCD1}">
-                <a14:hiddenFill xmlns:a14="http://schemas.microsoft.com/office/drawing/2010/main" xmlns="">
+                <a14:hiddenFill xmlns="" xmlns:a14="http://schemas.microsoft.com/office/drawing/2010/main">
                   <a:noFill/>
                 </a14:hiddenFill>
               </a:ext>
@@ -10377,7 +10377,7 @@
             </a:ln>
             <a:extLst>
               <a:ext uri="{909E8E84-426E-40dd-AFC4-6F175D3DCCD1}">
-                <a14:hiddenFill xmlns:a14="http://schemas.microsoft.com/office/drawing/2010/main" xmlns="">
+                <a14:hiddenFill xmlns="" xmlns:a14="http://schemas.microsoft.com/office/drawing/2010/main">
                   <a:noFill/>
                 </a14:hiddenFill>
               </a:ext>
@@ -10428,7 +10428,7 @@
             </a:ln>
             <a:extLst>
               <a:ext uri="{909E8E84-426E-40dd-AFC4-6F175D3DCCD1}">
-                <a14:hiddenFill xmlns:a14="http://schemas.microsoft.com/office/drawing/2010/main" xmlns="">
+                <a14:hiddenFill xmlns="" xmlns:a14="http://schemas.microsoft.com/office/drawing/2010/main">
                   <a:noFill/>
                 </a14:hiddenFill>
               </a:ext>
@@ -10479,7 +10479,7 @@
             </a:ln>
             <a:extLst>
               <a:ext uri="{909E8E84-426E-40dd-AFC4-6F175D3DCCD1}">
-                <a14:hiddenFill xmlns:a14="http://schemas.microsoft.com/office/drawing/2010/main" xmlns="">
+                <a14:hiddenFill xmlns="" xmlns:a14="http://schemas.microsoft.com/office/drawing/2010/main">
                   <a:noFill/>
                 </a14:hiddenFill>
               </a:ext>
@@ -10530,7 +10530,7 @@
             </a:ln>
             <a:extLst>
               <a:ext uri="{909E8E84-426E-40dd-AFC4-6F175D3DCCD1}">
-                <a14:hiddenFill xmlns:a14="http://schemas.microsoft.com/office/drawing/2010/main" xmlns="">
+                <a14:hiddenFill xmlns="" xmlns:a14="http://schemas.microsoft.com/office/drawing/2010/main">
                   <a:noFill/>
                 </a14:hiddenFill>
               </a:ext>
@@ -10581,7 +10581,7 @@
             </a:ln>
             <a:extLst>
               <a:ext uri="{909E8E84-426E-40dd-AFC4-6F175D3DCCD1}">
-                <a14:hiddenFill xmlns:a14="http://schemas.microsoft.com/office/drawing/2010/main" xmlns="">
+                <a14:hiddenFill xmlns="" xmlns:a14="http://schemas.microsoft.com/office/drawing/2010/main">
                   <a:noFill/>
                 </a14:hiddenFill>
               </a:ext>
@@ -10632,7 +10632,7 @@
             </a:ln>
             <a:extLst>
               <a:ext uri="{909E8E84-426E-40dd-AFC4-6F175D3DCCD1}">
-                <a14:hiddenFill xmlns:a14="http://schemas.microsoft.com/office/drawing/2010/main" xmlns="">
+                <a14:hiddenFill xmlns="" xmlns:a14="http://schemas.microsoft.com/office/drawing/2010/main">
                   <a:noFill/>
                 </a14:hiddenFill>
               </a:ext>
@@ -10683,7 +10683,7 @@
             </a:ln>
             <a:extLst>
               <a:ext uri="{909E8E84-426E-40dd-AFC4-6F175D3DCCD1}">
-                <a14:hiddenFill xmlns:a14="http://schemas.microsoft.com/office/drawing/2010/main" xmlns="">
+                <a14:hiddenFill xmlns="" xmlns:a14="http://schemas.microsoft.com/office/drawing/2010/main">
                   <a:noFill/>
                 </a14:hiddenFill>
               </a:ext>
@@ -10734,7 +10734,7 @@
             </a:ln>
             <a:extLst>
               <a:ext uri="{909E8E84-426E-40dd-AFC4-6F175D3DCCD1}">
-                <a14:hiddenFill xmlns:a14="http://schemas.microsoft.com/office/drawing/2010/main" xmlns="">
+                <a14:hiddenFill xmlns="" xmlns:a14="http://schemas.microsoft.com/office/drawing/2010/main">
                   <a:noFill/>
                 </a14:hiddenFill>
               </a:ext>
@@ -10785,7 +10785,7 @@
             </a:ln>
             <a:extLst>
               <a:ext uri="{909E8E84-426E-40dd-AFC4-6F175D3DCCD1}">
-                <a14:hiddenFill xmlns:a14="http://schemas.microsoft.com/office/drawing/2010/main" xmlns="">
+                <a14:hiddenFill xmlns="" xmlns:a14="http://schemas.microsoft.com/office/drawing/2010/main">
                   <a:noFill/>
                 </a14:hiddenFill>
               </a:ext>
@@ -10836,7 +10836,7 @@
             </a:ln>
             <a:extLst>
               <a:ext uri="{909E8E84-426E-40dd-AFC4-6F175D3DCCD1}">
-                <a14:hiddenFill xmlns:a14="http://schemas.microsoft.com/office/drawing/2010/main" xmlns="">
+                <a14:hiddenFill xmlns="" xmlns:a14="http://schemas.microsoft.com/office/drawing/2010/main">
                   <a:noFill/>
                 </a14:hiddenFill>
               </a:ext>
@@ -10887,7 +10887,7 @@
             </a:ln>
             <a:extLst>
               <a:ext uri="{909E8E84-426E-40dd-AFC4-6F175D3DCCD1}">
-                <a14:hiddenFill xmlns:a14="http://schemas.microsoft.com/office/drawing/2010/main" xmlns="">
+                <a14:hiddenFill xmlns="" xmlns:a14="http://schemas.microsoft.com/office/drawing/2010/main">
                   <a:noFill/>
                 </a14:hiddenFill>
               </a:ext>
@@ -10938,7 +10938,7 @@
             </a:ln>
             <a:extLst>
               <a:ext uri="{909E8E84-426E-40dd-AFC4-6F175D3DCCD1}">
-                <a14:hiddenFill xmlns:a14="http://schemas.microsoft.com/office/drawing/2010/main" xmlns="">
+                <a14:hiddenFill xmlns="" xmlns:a14="http://schemas.microsoft.com/office/drawing/2010/main">
                   <a:noFill/>
                 </a14:hiddenFill>
               </a:ext>
@@ -10989,7 +10989,7 @@
             </a:ln>
             <a:extLst>
               <a:ext uri="{909E8E84-426E-40dd-AFC4-6F175D3DCCD1}">
-                <a14:hiddenFill xmlns:a14="http://schemas.microsoft.com/office/drawing/2010/main" xmlns="">
+                <a14:hiddenFill xmlns="" xmlns:a14="http://schemas.microsoft.com/office/drawing/2010/main">
                   <a:noFill/>
                 </a14:hiddenFill>
               </a:ext>
@@ -11040,7 +11040,7 @@
             </a:ln>
             <a:extLst>
               <a:ext uri="{909E8E84-426E-40dd-AFC4-6F175D3DCCD1}">
-                <a14:hiddenFill xmlns:a14="http://schemas.microsoft.com/office/drawing/2010/main" xmlns="">
+                <a14:hiddenFill xmlns="" xmlns:a14="http://schemas.microsoft.com/office/drawing/2010/main">
                   <a:noFill/>
                 </a14:hiddenFill>
               </a:ext>
@@ -11091,7 +11091,7 @@
             </a:ln>
             <a:extLst>
               <a:ext uri="{909E8E84-426E-40dd-AFC4-6F175D3DCCD1}">
-                <a14:hiddenFill xmlns:a14="http://schemas.microsoft.com/office/drawing/2010/main" xmlns="">
+                <a14:hiddenFill xmlns="" xmlns:a14="http://schemas.microsoft.com/office/drawing/2010/main">
                   <a:noFill/>
                 </a14:hiddenFill>
               </a:ext>
@@ -11142,7 +11142,7 @@
             </a:ln>
             <a:extLst>
               <a:ext uri="{909E8E84-426E-40dd-AFC4-6F175D3DCCD1}">
-                <a14:hiddenFill xmlns:a14="http://schemas.microsoft.com/office/drawing/2010/main" xmlns="">
+                <a14:hiddenFill xmlns="" xmlns:a14="http://schemas.microsoft.com/office/drawing/2010/main">
                   <a:noFill/>
                 </a14:hiddenFill>
               </a:ext>
@@ -11193,7 +11193,7 @@
             </a:ln>
             <a:extLst>
               <a:ext uri="{909E8E84-426E-40dd-AFC4-6F175D3DCCD1}">
-                <a14:hiddenFill xmlns:a14="http://schemas.microsoft.com/office/drawing/2010/main" xmlns="">
+                <a14:hiddenFill xmlns="" xmlns:a14="http://schemas.microsoft.com/office/drawing/2010/main">
                   <a:noFill/>
                 </a14:hiddenFill>
               </a:ext>
@@ -11244,7 +11244,7 @@
             </a:ln>
             <a:extLst>
               <a:ext uri="{909E8E84-426E-40dd-AFC4-6F175D3DCCD1}">
-                <a14:hiddenFill xmlns:a14="http://schemas.microsoft.com/office/drawing/2010/main" xmlns="">
+                <a14:hiddenFill xmlns="" xmlns:a14="http://schemas.microsoft.com/office/drawing/2010/main">
                   <a:noFill/>
                 </a14:hiddenFill>
               </a:ext>
@@ -11295,7 +11295,7 @@
             </a:ln>
             <a:extLst>
               <a:ext uri="{909E8E84-426E-40dd-AFC4-6F175D3DCCD1}">
-                <a14:hiddenFill xmlns:a14="http://schemas.microsoft.com/office/drawing/2010/main" xmlns="">
+                <a14:hiddenFill xmlns="" xmlns:a14="http://schemas.microsoft.com/office/drawing/2010/main">
                   <a:noFill/>
                 </a14:hiddenFill>
               </a:ext>
@@ -11346,7 +11346,7 @@
             </a:ln>
             <a:extLst>
               <a:ext uri="{909E8E84-426E-40dd-AFC4-6F175D3DCCD1}">
-                <a14:hiddenFill xmlns:a14="http://schemas.microsoft.com/office/drawing/2010/main" xmlns="">
+                <a14:hiddenFill xmlns="" xmlns:a14="http://schemas.microsoft.com/office/drawing/2010/main">
                   <a:noFill/>
                 </a14:hiddenFill>
               </a:ext>
@@ -11397,7 +11397,7 @@
             </a:ln>
             <a:extLst>
               <a:ext uri="{909E8E84-426E-40dd-AFC4-6F175D3DCCD1}">
-                <a14:hiddenFill xmlns:a14="http://schemas.microsoft.com/office/drawing/2010/main" xmlns="">
+                <a14:hiddenFill xmlns="" xmlns:a14="http://schemas.microsoft.com/office/drawing/2010/main">
                   <a:noFill/>
                 </a14:hiddenFill>
               </a:ext>
@@ -11448,7 +11448,7 @@
             </a:ln>
             <a:extLst>
               <a:ext uri="{909E8E84-426E-40dd-AFC4-6F175D3DCCD1}">
-                <a14:hiddenFill xmlns:a14="http://schemas.microsoft.com/office/drawing/2010/main" xmlns="">
+                <a14:hiddenFill xmlns="" xmlns:a14="http://schemas.microsoft.com/office/drawing/2010/main">
                   <a:noFill/>
                 </a14:hiddenFill>
               </a:ext>
@@ -11499,7 +11499,7 @@
             </a:ln>
             <a:extLst>
               <a:ext uri="{909E8E84-426E-40dd-AFC4-6F175D3DCCD1}">
-                <a14:hiddenFill xmlns:a14="http://schemas.microsoft.com/office/drawing/2010/main" xmlns="">
+                <a14:hiddenFill xmlns="" xmlns:a14="http://schemas.microsoft.com/office/drawing/2010/main">
                   <a:noFill/>
                 </a14:hiddenFill>
               </a:ext>
@@ -11550,7 +11550,7 @@
             </a:ln>
             <a:extLst>
               <a:ext uri="{909E8E84-426E-40dd-AFC4-6F175D3DCCD1}">
-                <a14:hiddenFill xmlns:a14="http://schemas.microsoft.com/office/drawing/2010/main" xmlns="">
+                <a14:hiddenFill xmlns="" xmlns:a14="http://schemas.microsoft.com/office/drawing/2010/main">
                   <a:noFill/>
                 </a14:hiddenFill>
               </a:ext>
@@ -11601,7 +11601,7 @@
             </a:ln>
             <a:extLst>
               <a:ext uri="{909E8E84-426E-40dd-AFC4-6F175D3DCCD1}">
-                <a14:hiddenFill xmlns:a14="http://schemas.microsoft.com/office/drawing/2010/main" xmlns="">
+                <a14:hiddenFill xmlns="" xmlns:a14="http://schemas.microsoft.com/office/drawing/2010/main">
                   <a:noFill/>
                 </a14:hiddenFill>
               </a:ext>
@@ -11652,7 +11652,7 @@
             </a:ln>
             <a:extLst>
               <a:ext uri="{909E8E84-426E-40dd-AFC4-6F175D3DCCD1}">
-                <a14:hiddenFill xmlns:a14="http://schemas.microsoft.com/office/drawing/2010/main" xmlns="">
+                <a14:hiddenFill xmlns="" xmlns:a14="http://schemas.microsoft.com/office/drawing/2010/main">
                   <a:noFill/>
                 </a14:hiddenFill>
               </a:ext>
@@ -11703,7 +11703,7 @@
             </a:ln>
             <a:extLst>
               <a:ext uri="{909E8E84-426E-40dd-AFC4-6F175D3DCCD1}">
-                <a14:hiddenFill xmlns:a14="http://schemas.microsoft.com/office/drawing/2010/main" xmlns="">
+                <a14:hiddenFill xmlns="" xmlns:a14="http://schemas.microsoft.com/office/drawing/2010/main">
                   <a:noFill/>
                 </a14:hiddenFill>
               </a:ext>
@@ -11754,7 +11754,7 @@
             </a:ln>
             <a:extLst>
               <a:ext uri="{909E8E84-426E-40dd-AFC4-6F175D3DCCD1}">
-                <a14:hiddenFill xmlns:a14="http://schemas.microsoft.com/office/drawing/2010/main" xmlns="">
+                <a14:hiddenFill xmlns="" xmlns:a14="http://schemas.microsoft.com/office/drawing/2010/main">
                   <a:noFill/>
                 </a14:hiddenFill>
               </a:ext>
@@ -11805,7 +11805,7 @@
             </a:ln>
             <a:extLst>
               <a:ext uri="{909E8E84-426E-40dd-AFC4-6F175D3DCCD1}">
-                <a14:hiddenFill xmlns:a14="http://schemas.microsoft.com/office/drawing/2010/main" xmlns="">
+                <a14:hiddenFill xmlns="" xmlns:a14="http://schemas.microsoft.com/office/drawing/2010/main">
                   <a:noFill/>
                 </a14:hiddenFill>
               </a:ext>
@@ -11856,7 +11856,7 @@
             </a:ln>
             <a:extLst>
               <a:ext uri="{909E8E84-426E-40dd-AFC4-6F175D3DCCD1}">
-                <a14:hiddenFill xmlns:a14="http://schemas.microsoft.com/office/drawing/2010/main" xmlns="">
+                <a14:hiddenFill xmlns="" xmlns:a14="http://schemas.microsoft.com/office/drawing/2010/main">
                   <a:noFill/>
                 </a14:hiddenFill>
               </a:ext>
@@ -11907,7 +11907,7 @@
             </a:ln>
             <a:extLst>
               <a:ext uri="{909E8E84-426E-40dd-AFC4-6F175D3DCCD1}">
-                <a14:hiddenFill xmlns:a14="http://schemas.microsoft.com/office/drawing/2010/main" xmlns="">
+                <a14:hiddenFill xmlns="" xmlns:a14="http://schemas.microsoft.com/office/drawing/2010/main">
                   <a:noFill/>
                 </a14:hiddenFill>
               </a:ext>
@@ -11958,7 +11958,7 @@
             </a:ln>
             <a:extLst>
               <a:ext uri="{909E8E84-426E-40dd-AFC4-6F175D3DCCD1}">
-                <a14:hiddenFill xmlns:a14="http://schemas.microsoft.com/office/drawing/2010/main" xmlns="">
+                <a14:hiddenFill xmlns="" xmlns:a14="http://schemas.microsoft.com/office/drawing/2010/main">
                   <a:noFill/>
                 </a14:hiddenFill>
               </a:ext>
@@ -12009,7 +12009,7 @@
             </a:ln>
             <a:extLst>
               <a:ext uri="{909E8E84-426E-40dd-AFC4-6F175D3DCCD1}">
-                <a14:hiddenFill xmlns:a14="http://schemas.microsoft.com/office/drawing/2010/main" xmlns="">
+                <a14:hiddenFill xmlns="" xmlns:a14="http://schemas.microsoft.com/office/drawing/2010/main">
                   <a:noFill/>
                 </a14:hiddenFill>
               </a:ext>
@@ -12060,7 +12060,7 @@
             </a:ln>
             <a:extLst>
               <a:ext uri="{909E8E84-426E-40dd-AFC4-6F175D3DCCD1}">
-                <a14:hiddenFill xmlns:a14="http://schemas.microsoft.com/office/drawing/2010/main" xmlns="">
+                <a14:hiddenFill xmlns="" xmlns:a14="http://schemas.microsoft.com/office/drawing/2010/main">
                   <a:noFill/>
                 </a14:hiddenFill>
               </a:ext>
@@ -12111,7 +12111,7 @@
             </a:ln>
             <a:extLst>
               <a:ext uri="{909E8E84-426E-40dd-AFC4-6F175D3DCCD1}">
-                <a14:hiddenFill xmlns:a14="http://schemas.microsoft.com/office/drawing/2010/main" xmlns="">
+                <a14:hiddenFill xmlns="" xmlns:a14="http://schemas.microsoft.com/office/drawing/2010/main">
                   <a:noFill/>
                 </a14:hiddenFill>
               </a:ext>
@@ -12162,7 +12162,7 @@
             </a:ln>
             <a:extLst>
               <a:ext uri="{909E8E84-426E-40dd-AFC4-6F175D3DCCD1}">
-                <a14:hiddenFill xmlns:a14="http://schemas.microsoft.com/office/drawing/2010/main" xmlns="">
+                <a14:hiddenFill xmlns="" xmlns:a14="http://schemas.microsoft.com/office/drawing/2010/main">
                   <a:noFill/>
                 </a14:hiddenFill>
               </a:ext>
@@ -12213,7 +12213,7 @@
             </a:ln>
             <a:extLst>
               <a:ext uri="{909E8E84-426E-40dd-AFC4-6F175D3DCCD1}">
-                <a14:hiddenFill xmlns:a14="http://schemas.microsoft.com/office/drawing/2010/main" xmlns="">
+                <a14:hiddenFill xmlns="" xmlns:a14="http://schemas.microsoft.com/office/drawing/2010/main">
                   <a:noFill/>
                 </a14:hiddenFill>
               </a:ext>
@@ -12264,7 +12264,7 @@
             </a:ln>
             <a:extLst>
               <a:ext uri="{909E8E84-426E-40dd-AFC4-6F175D3DCCD1}">
-                <a14:hiddenFill xmlns:a14="http://schemas.microsoft.com/office/drawing/2010/main" xmlns="">
+                <a14:hiddenFill xmlns="" xmlns:a14="http://schemas.microsoft.com/office/drawing/2010/main">
                   <a:noFill/>
                 </a14:hiddenFill>
               </a:ext>
@@ -12315,7 +12315,7 @@
             </a:ln>
             <a:extLst>
               <a:ext uri="{909E8E84-426E-40dd-AFC4-6F175D3DCCD1}">
-                <a14:hiddenFill xmlns:a14="http://schemas.microsoft.com/office/drawing/2010/main" xmlns="">
+                <a14:hiddenFill xmlns="" xmlns:a14="http://schemas.microsoft.com/office/drawing/2010/main">
                   <a:noFill/>
                 </a14:hiddenFill>
               </a:ext>
@@ -12366,7 +12366,7 @@
             </a:ln>
             <a:extLst>
               <a:ext uri="{909E8E84-426E-40dd-AFC4-6F175D3DCCD1}">
-                <a14:hiddenFill xmlns:a14="http://schemas.microsoft.com/office/drawing/2010/main" xmlns="">
+                <a14:hiddenFill xmlns="" xmlns:a14="http://schemas.microsoft.com/office/drawing/2010/main">
                   <a:noFill/>
                 </a14:hiddenFill>
               </a:ext>
@@ -12417,7 +12417,7 @@
             </a:ln>
             <a:extLst>
               <a:ext uri="{909E8E84-426E-40dd-AFC4-6F175D3DCCD1}">
-                <a14:hiddenFill xmlns:a14="http://schemas.microsoft.com/office/drawing/2010/main" xmlns="">
+                <a14:hiddenFill xmlns="" xmlns:a14="http://schemas.microsoft.com/office/drawing/2010/main">
                   <a:noFill/>
                 </a14:hiddenFill>
               </a:ext>
@@ -12468,7 +12468,7 @@
             </a:ln>
             <a:extLst>
               <a:ext uri="{909E8E84-426E-40dd-AFC4-6F175D3DCCD1}">
-                <a14:hiddenFill xmlns:a14="http://schemas.microsoft.com/office/drawing/2010/main" xmlns="">
+                <a14:hiddenFill xmlns="" xmlns:a14="http://schemas.microsoft.com/office/drawing/2010/main">
                   <a:noFill/>
                 </a14:hiddenFill>
               </a:ext>
@@ -12519,7 +12519,7 @@
             </a:ln>
             <a:extLst>
               <a:ext uri="{909E8E84-426E-40dd-AFC4-6F175D3DCCD1}">
-                <a14:hiddenFill xmlns:a14="http://schemas.microsoft.com/office/drawing/2010/main" xmlns="">
+                <a14:hiddenFill xmlns="" xmlns:a14="http://schemas.microsoft.com/office/drawing/2010/main">
                   <a:noFill/>
                 </a14:hiddenFill>
               </a:ext>
@@ -12570,7 +12570,7 @@
             </a:ln>
             <a:extLst>
               <a:ext uri="{909E8E84-426E-40dd-AFC4-6F175D3DCCD1}">
-                <a14:hiddenFill xmlns:a14="http://schemas.microsoft.com/office/drawing/2010/main" xmlns="">
+                <a14:hiddenFill xmlns="" xmlns:a14="http://schemas.microsoft.com/office/drawing/2010/main">
                   <a:noFill/>
                 </a14:hiddenFill>
               </a:ext>
@@ -12621,7 +12621,7 @@
             </a:ln>
             <a:extLst>
               <a:ext uri="{909E8E84-426E-40dd-AFC4-6F175D3DCCD1}">
-                <a14:hiddenFill xmlns:a14="http://schemas.microsoft.com/office/drawing/2010/main" xmlns="">
+                <a14:hiddenFill xmlns="" xmlns:a14="http://schemas.microsoft.com/office/drawing/2010/main">
                   <a:noFill/>
                 </a14:hiddenFill>
               </a:ext>
@@ -13045,7 +13045,7 @@
           <a:p>
             <a:fld id="{5355355A-278A-4177-940D-D180E0E2D021}" type="datetimeFigureOut">
               <a:rPr lang="en-US" smtClean="0"/>
-              <a:t>8/15/2018</a:t>
+              <a:t>8/24/2018</a:t>
             </a:fld>
             <a:endParaRPr lang="en-US"/>
           </a:p>
@@ -13183,7 +13183,7 @@
             </a:ln>
             <a:extLst>
               <a:ext uri="{909E8E84-426E-40dd-AFC4-6F175D3DCCD1}">
-                <a14:hiddenFill xmlns:a14="http://schemas.microsoft.com/office/drawing/2010/main" xmlns="">
+                <a14:hiddenFill xmlns="" xmlns:a14="http://schemas.microsoft.com/office/drawing/2010/main">
                   <a:solidFill>
                     <a:srgbClr val="FFFFFF"/>
                   </a:solidFill>
@@ -13236,7 +13236,7 @@
             </a:ln>
             <a:extLst>
               <a:ext uri="{909E8E84-426E-40dd-AFC4-6F175D3DCCD1}">
-                <a14:hiddenFill xmlns:a14="http://schemas.microsoft.com/office/drawing/2010/main" xmlns="">
+                <a14:hiddenFill xmlns="" xmlns:a14="http://schemas.microsoft.com/office/drawing/2010/main">
                   <a:noFill/>
                 </a14:hiddenFill>
               </a:ext>
@@ -13287,7 +13287,7 @@
             </a:ln>
             <a:extLst>
               <a:ext uri="{909E8E84-426E-40dd-AFC4-6F175D3DCCD1}">
-                <a14:hiddenFill xmlns:a14="http://schemas.microsoft.com/office/drawing/2010/main" xmlns="">
+                <a14:hiddenFill xmlns="" xmlns:a14="http://schemas.microsoft.com/office/drawing/2010/main">
                   <a:noFill/>
                 </a14:hiddenFill>
               </a:ext>
@@ -13338,7 +13338,7 @@
             </a:ln>
             <a:extLst>
               <a:ext uri="{909E8E84-426E-40dd-AFC4-6F175D3DCCD1}">
-                <a14:hiddenFill xmlns:a14="http://schemas.microsoft.com/office/drawing/2010/main" xmlns="">
+                <a14:hiddenFill xmlns="" xmlns:a14="http://schemas.microsoft.com/office/drawing/2010/main">
                   <a:noFill/>
                 </a14:hiddenFill>
               </a:ext>
@@ -13389,7 +13389,7 @@
             </a:ln>
             <a:extLst>
               <a:ext uri="{909E8E84-426E-40dd-AFC4-6F175D3DCCD1}">
-                <a14:hiddenFill xmlns:a14="http://schemas.microsoft.com/office/drawing/2010/main" xmlns="">
+                <a14:hiddenFill xmlns="" xmlns:a14="http://schemas.microsoft.com/office/drawing/2010/main">
                   <a:noFill/>
                 </a14:hiddenFill>
               </a:ext>
@@ -13440,7 +13440,7 @@
             </a:ln>
             <a:extLst>
               <a:ext uri="{909E8E84-426E-40dd-AFC4-6F175D3DCCD1}">
-                <a14:hiddenFill xmlns:a14="http://schemas.microsoft.com/office/drawing/2010/main" xmlns="">
+                <a14:hiddenFill xmlns="" xmlns:a14="http://schemas.microsoft.com/office/drawing/2010/main">
                   <a:noFill/>
                 </a14:hiddenFill>
               </a:ext>
@@ -13491,7 +13491,7 @@
             </a:ln>
             <a:extLst>
               <a:ext uri="{909E8E84-426E-40dd-AFC4-6F175D3DCCD1}">
-                <a14:hiddenFill xmlns:a14="http://schemas.microsoft.com/office/drawing/2010/main" xmlns="">
+                <a14:hiddenFill xmlns="" xmlns:a14="http://schemas.microsoft.com/office/drawing/2010/main">
                   <a:noFill/>
                 </a14:hiddenFill>
               </a:ext>
@@ -13542,7 +13542,7 @@
             </a:ln>
             <a:extLst>
               <a:ext uri="{909E8E84-426E-40dd-AFC4-6F175D3DCCD1}">
-                <a14:hiddenFill xmlns:a14="http://schemas.microsoft.com/office/drawing/2010/main" xmlns="">
+                <a14:hiddenFill xmlns="" xmlns:a14="http://schemas.microsoft.com/office/drawing/2010/main">
                   <a:noFill/>
                 </a14:hiddenFill>
               </a:ext>
@@ -13593,7 +13593,7 @@
             </a:ln>
             <a:extLst>
               <a:ext uri="{909E8E84-426E-40dd-AFC4-6F175D3DCCD1}">
-                <a14:hiddenFill xmlns:a14="http://schemas.microsoft.com/office/drawing/2010/main" xmlns="">
+                <a14:hiddenFill xmlns="" xmlns:a14="http://schemas.microsoft.com/office/drawing/2010/main">
                   <a:noFill/>
                 </a14:hiddenFill>
               </a:ext>
@@ -13644,7 +13644,7 @@
             </a:ln>
             <a:extLst>
               <a:ext uri="{909E8E84-426E-40dd-AFC4-6F175D3DCCD1}">
-                <a14:hiddenFill xmlns:a14="http://schemas.microsoft.com/office/drawing/2010/main" xmlns="">
+                <a14:hiddenFill xmlns="" xmlns:a14="http://schemas.microsoft.com/office/drawing/2010/main">
                   <a:noFill/>
                 </a14:hiddenFill>
               </a:ext>
@@ -13695,7 +13695,7 @@
             </a:ln>
             <a:extLst>
               <a:ext uri="{909E8E84-426E-40dd-AFC4-6F175D3DCCD1}">
-                <a14:hiddenFill xmlns:a14="http://schemas.microsoft.com/office/drawing/2010/main" xmlns="">
+                <a14:hiddenFill xmlns="" xmlns:a14="http://schemas.microsoft.com/office/drawing/2010/main">
                   <a:noFill/>
                 </a14:hiddenFill>
               </a:ext>
@@ -13746,7 +13746,7 @@
             </a:ln>
             <a:extLst>
               <a:ext uri="{909E8E84-426E-40dd-AFC4-6F175D3DCCD1}">
-                <a14:hiddenFill xmlns:a14="http://schemas.microsoft.com/office/drawing/2010/main" xmlns="">
+                <a14:hiddenFill xmlns="" xmlns:a14="http://schemas.microsoft.com/office/drawing/2010/main">
                   <a:noFill/>
                 </a14:hiddenFill>
               </a:ext>
@@ -13797,7 +13797,7 @@
             </a:ln>
             <a:extLst>
               <a:ext uri="{909E8E84-426E-40dd-AFC4-6F175D3DCCD1}">
-                <a14:hiddenFill xmlns:a14="http://schemas.microsoft.com/office/drawing/2010/main" xmlns="">
+                <a14:hiddenFill xmlns="" xmlns:a14="http://schemas.microsoft.com/office/drawing/2010/main">
                   <a:noFill/>
                 </a14:hiddenFill>
               </a:ext>
@@ -13848,7 +13848,7 @@
             </a:ln>
             <a:extLst>
               <a:ext uri="{909E8E84-426E-40dd-AFC4-6F175D3DCCD1}">
-                <a14:hiddenFill xmlns:a14="http://schemas.microsoft.com/office/drawing/2010/main" xmlns="">
+                <a14:hiddenFill xmlns="" xmlns:a14="http://schemas.microsoft.com/office/drawing/2010/main">
                   <a:noFill/>
                 </a14:hiddenFill>
               </a:ext>
@@ -13899,7 +13899,7 @@
             </a:ln>
             <a:extLst>
               <a:ext uri="{909E8E84-426E-40dd-AFC4-6F175D3DCCD1}">
-                <a14:hiddenFill xmlns:a14="http://schemas.microsoft.com/office/drawing/2010/main" xmlns="">
+                <a14:hiddenFill xmlns="" xmlns:a14="http://schemas.microsoft.com/office/drawing/2010/main">
                   <a:noFill/>
                 </a14:hiddenFill>
               </a:ext>
@@ -13950,7 +13950,7 @@
             </a:ln>
             <a:extLst>
               <a:ext uri="{909E8E84-426E-40dd-AFC4-6F175D3DCCD1}">
-                <a14:hiddenFill xmlns:a14="http://schemas.microsoft.com/office/drawing/2010/main" xmlns="">
+                <a14:hiddenFill xmlns="" xmlns:a14="http://schemas.microsoft.com/office/drawing/2010/main">
                   <a:noFill/>
                 </a14:hiddenFill>
               </a:ext>
@@ -14001,7 +14001,7 @@
             </a:ln>
             <a:extLst>
               <a:ext uri="{909E8E84-426E-40dd-AFC4-6F175D3DCCD1}">
-                <a14:hiddenFill xmlns:a14="http://schemas.microsoft.com/office/drawing/2010/main" xmlns="">
+                <a14:hiddenFill xmlns="" xmlns:a14="http://schemas.microsoft.com/office/drawing/2010/main">
                   <a:noFill/>
                 </a14:hiddenFill>
               </a:ext>
@@ -14052,7 +14052,7 @@
             </a:ln>
             <a:extLst>
               <a:ext uri="{909E8E84-426E-40dd-AFC4-6F175D3DCCD1}">
-                <a14:hiddenFill xmlns:a14="http://schemas.microsoft.com/office/drawing/2010/main" xmlns="">
+                <a14:hiddenFill xmlns="" xmlns:a14="http://schemas.microsoft.com/office/drawing/2010/main">
                   <a:noFill/>
                 </a14:hiddenFill>
               </a:ext>
@@ -14103,7 +14103,7 @@
             </a:ln>
             <a:extLst>
               <a:ext uri="{909E8E84-426E-40dd-AFC4-6F175D3DCCD1}">
-                <a14:hiddenFill xmlns:a14="http://schemas.microsoft.com/office/drawing/2010/main" xmlns="">
+                <a14:hiddenFill xmlns="" xmlns:a14="http://schemas.microsoft.com/office/drawing/2010/main">
                   <a:noFill/>
                 </a14:hiddenFill>
               </a:ext>
@@ -14154,7 +14154,7 @@
             </a:ln>
             <a:extLst>
               <a:ext uri="{909E8E84-426E-40dd-AFC4-6F175D3DCCD1}">
-                <a14:hiddenFill xmlns:a14="http://schemas.microsoft.com/office/drawing/2010/main" xmlns="">
+                <a14:hiddenFill xmlns="" xmlns:a14="http://schemas.microsoft.com/office/drawing/2010/main">
                   <a:noFill/>
                 </a14:hiddenFill>
               </a:ext>
@@ -14205,7 +14205,7 @@
             </a:ln>
             <a:extLst>
               <a:ext uri="{909E8E84-426E-40dd-AFC4-6F175D3DCCD1}">
-                <a14:hiddenFill xmlns:a14="http://schemas.microsoft.com/office/drawing/2010/main" xmlns="">
+                <a14:hiddenFill xmlns="" xmlns:a14="http://schemas.microsoft.com/office/drawing/2010/main">
                   <a:noFill/>
                 </a14:hiddenFill>
               </a:ext>
@@ -14256,7 +14256,7 @@
             </a:ln>
             <a:extLst>
               <a:ext uri="{909E8E84-426E-40dd-AFC4-6F175D3DCCD1}">
-                <a14:hiddenFill xmlns:a14="http://schemas.microsoft.com/office/drawing/2010/main" xmlns="">
+                <a14:hiddenFill xmlns="" xmlns:a14="http://schemas.microsoft.com/office/drawing/2010/main">
                   <a:noFill/>
                 </a14:hiddenFill>
               </a:ext>
@@ -14307,7 +14307,7 @@
             </a:ln>
             <a:extLst>
               <a:ext uri="{909E8E84-426E-40dd-AFC4-6F175D3DCCD1}">
-                <a14:hiddenFill xmlns:a14="http://schemas.microsoft.com/office/drawing/2010/main" xmlns="">
+                <a14:hiddenFill xmlns="" xmlns:a14="http://schemas.microsoft.com/office/drawing/2010/main">
                   <a:noFill/>
                 </a14:hiddenFill>
               </a:ext>
@@ -14358,7 +14358,7 @@
             </a:ln>
             <a:extLst>
               <a:ext uri="{909E8E84-426E-40dd-AFC4-6F175D3DCCD1}">
-                <a14:hiddenFill xmlns:a14="http://schemas.microsoft.com/office/drawing/2010/main" xmlns="">
+                <a14:hiddenFill xmlns="" xmlns:a14="http://schemas.microsoft.com/office/drawing/2010/main">
                   <a:noFill/>
                 </a14:hiddenFill>
               </a:ext>
@@ -14409,7 +14409,7 @@
             </a:ln>
             <a:extLst>
               <a:ext uri="{909E8E84-426E-40dd-AFC4-6F175D3DCCD1}">
-                <a14:hiddenFill xmlns:a14="http://schemas.microsoft.com/office/drawing/2010/main" xmlns="">
+                <a14:hiddenFill xmlns="" xmlns:a14="http://schemas.microsoft.com/office/drawing/2010/main">
                   <a:noFill/>
                 </a14:hiddenFill>
               </a:ext>
@@ -14460,7 +14460,7 @@
             </a:ln>
             <a:extLst>
               <a:ext uri="{909E8E84-426E-40dd-AFC4-6F175D3DCCD1}">
-                <a14:hiddenFill xmlns:a14="http://schemas.microsoft.com/office/drawing/2010/main" xmlns="">
+                <a14:hiddenFill xmlns="" xmlns:a14="http://schemas.microsoft.com/office/drawing/2010/main">
                   <a:noFill/>
                 </a14:hiddenFill>
               </a:ext>
@@ -14511,7 +14511,7 @@
             </a:ln>
             <a:extLst>
               <a:ext uri="{909E8E84-426E-40dd-AFC4-6F175D3DCCD1}">
-                <a14:hiddenFill xmlns:a14="http://schemas.microsoft.com/office/drawing/2010/main" xmlns="">
+                <a14:hiddenFill xmlns="" xmlns:a14="http://schemas.microsoft.com/office/drawing/2010/main">
                   <a:noFill/>
                 </a14:hiddenFill>
               </a:ext>
@@ -14562,7 +14562,7 @@
             </a:ln>
             <a:extLst>
               <a:ext uri="{909E8E84-426E-40dd-AFC4-6F175D3DCCD1}">
-                <a14:hiddenFill xmlns:a14="http://schemas.microsoft.com/office/drawing/2010/main" xmlns="">
+                <a14:hiddenFill xmlns="" xmlns:a14="http://schemas.microsoft.com/office/drawing/2010/main">
                   <a:noFill/>
                 </a14:hiddenFill>
               </a:ext>
@@ -14613,7 +14613,7 @@
             </a:ln>
             <a:extLst>
               <a:ext uri="{909E8E84-426E-40dd-AFC4-6F175D3DCCD1}">
-                <a14:hiddenFill xmlns:a14="http://schemas.microsoft.com/office/drawing/2010/main" xmlns="">
+                <a14:hiddenFill xmlns="" xmlns:a14="http://schemas.microsoft.com/office/drawing/2010/main">
                   <a:noFill/>
                 </a14:hiddenFill>
               </a:ext>
@@ -14664,7 +14664,7 @@
             </a:ln>
             <a:extLst>
               <a:ext uri="{909E8E84-426E-40dd-AFC4-6F175D3DCCD1}">
-                <a14:hiddenFill xmlns:a14="http://schemas.microsoft.com/office/drawing/2010/main" xmlns="">
+                <a14:hiddenFill xmlns="" xmlns:a14="http://schemas.microsoft.com/office/drawing/2010/main">
                   <a:noFill/>
                 </a14:hiddenFill>
               </a:ext>
@@ -14715,7 +14715,7 @@
             </a:ln>
             <a:extLst>
               <a:ext uri="{909E8E84-426E-40dd-AFC4-6F175D3DCCD1}">
-                <a14:hiddenFill xmlns:a14="http://schemas.microsoft.com/office/drawing/2010/main" xmlns="">
+                <a14:hiddenFill xmlns="" xmlns:a14="http://schemas.microsoft.com/office/drawing/2010/main">
                   <a:noFill/>
                 </a14:hiddenFill>
               </a:ext>
@@ -14766,7 +14766,7 @@
             </a:ln>
             <a:extLst>
               <a:ext uri="{909E8E84-426E-40dd-AFC4-6F175D3DCCD1}">
-                <a14:hiddenFill xmlns:a14="http://schemas.microsoft.com/office/drawing/2010/main" xmlns="">
+                <a14:hiddenFill xmlns="" xmlns:a14="http://schemas.microsoft.com/office/drawing/2010/main">
                   <a:noFill/>
                 </a14:hiddenFill>
               </a:ext>
@@ -14817,7 +14817,7 @@
             </a:ln>
             <a:extLst>
               <a:ext uri="{909E8E84-426E-40dd-AFC4-6F175D3DCCD1}">
-                <a14:hiddenFill xmlns:a14="http://schemas.microsoft.com/office/drawing/2010/main" xmlns="">
+                <a14:hiddenFill xmlns="" xmlns:a14="http://schemas.microsoft.com/office/drawing/2010/main">
                   <a:noFill/>
                 </a14:hiddenFill>
               </a:ext>
@@ -14868,7 +14868,7 @@
             </a:ln>
             <a:extLst>
               <a:ext uri="{909E8E84-426E-40dd-AFC4-6F175D3DCCD1}">
-                <a14:hiddenFill xmlns:a14="http://schemas.microsoft.com/office/drawing/2010/main" xmlns="">
+                <a14:hiddenFill xmlns="" xmlns:a14="http://schemas.microsoft.com/office/drawing/2010/main">
                   <a:noFill/>
                 </a14:hiddenFill>
               </a:ext>
@@ -14919,7 +14919,7 @@
             </a:ln>
             <a:extLst>
               <a:ext uri="{909E8E84-426E-40dd-AFC4-6F175D3DCCD1}">
-                <a14:hiddenFill xmlns:a14="http://schemas.microsoft.com/office/drawing/2010/main" xmlns="">
+                <a14:hiddenFill xmlns="" xmlns:a14="http://schemas.microsoft.com/office/drawing/2010/main">
                   <a:noFill/>
                 </a14:hiddenFill>
               </a:ext>
@@ -14970,7 +14970,7 @@
             </a:ln>
             <a:extLst>
               <a:ext uri="{909E8E84-426E-40dd-AFC4-6F175D3DCCD1}">
-                <a14:hiddenFill xmlns:a14="http://schemas.microsoft.com/office/drawing/2010/main" xmlns="">
+                <a14:hiddenFill xmlns="" xmlns:a14="http://schemas.microsoft.com/office/drawing/2010/main">
                   <a:noFill/>
                 </a14:hiddenFill>
               </a:ext>
@@ -15021,7 +15021,7 @@
             </a:ln>
             <a:extLst>
               <a:ext uri="{909E8E84-426E-40dd-AFC4-6F175D3DCCD1}">
-                <a14:hiddenFill xmlns:a14="http://schemas.microsoft.com/office/drawing/2010/main" xmlns="">
+                <a14:hiddenFill xmlns="" xmlns:a14="http://schemas.microsoft.com/office/drawing/2010/main">
                   <a:noFill/>
                 </a14:hiddenFill>
               </a:ext>
@@ -15072,7 +15072,7 @@
             </a:ln>
             <a:extLst>
               <a:ext uri="{909E8E84-426E-40dd-AFC4-6F175D3DCCD1}">
-                <a14:hiddenFill xmlns:a14="http://schemas.microsoft.com/office/drawing/2010/main" xmlns="">
+                <a14:hiddenFill xmlns="" xmlns:a14="http://schemas.microsoft.com/office/drawing/2010/main">
                   <a:noFill/>
                 </a14:hiddenFill>
               </a:ext>
@@ -15123,7 +15123,7 @@
             </a:ln>
             <a:extLst>
               <a:ext uri="{909E8E84-426E-40dd-AFC4-6F175D3DCCD1}">
-                <a14:hiddenFill xmlns:a14="http://schemas.microsoft.com/office/drawing/2010/main" xmlns="">
+                <a14:hiddenFill xmlns="" xmlns:a14="http://schemas.microsoft.com/office/drawing/2010/main">
                   <a:noFill/>
                 </a14:hiddenFill>
               </a:ext>
@@ -15174,7 +15174,7 @@
             </a:ln>
             <a:extLst>
               <a:ext uri="{909E8E84-426E-40dd-AFC4-6F175D3DCCD1}">
-                <a14:hiddenFill xmlns:a14="http://schemas.microsoft.com/office/drawing/2010/main" xmlns="">
+                <a14:hiddenFill xmlns="" xmlns:a14="http://schemas.microsoft.com/office/drawing/2010/main">
                   <a:noFill/>
                 </a14:hiddenFill>
               </a:ext>
@@ -15225,7 +15225,7 @@
             </a:ln>
             <a:extLst>
               <a:ext uri="{909E8E84-426E-40dd-AFC4-6F175D3DCCD1}">
-                <a14:hiddenFill xmlns:a14="http://schemas.microsoft.com/office/drawing/2010/main" xmlns="">
+                <a14:hiddenFill xmlns="" xmlns:a14="http://schemas.microsoft.com/office/drawing/2010/main">
                   <a:noFill/>
                 </a14:hiddenFill>
               </a:ext>
@@ -15276,7 +15276,7 @@
             </a:ln>
             <a:extLst>
               <a:ext uri="{909E8E84-426E-40dd-AFC4-6F175D3DCCD1}">
-                <a14:hiddenFill xmlns:a14="http://schemas.microsoft.com/office/drawing/2010/main" xmlns="">
+                <a14:hiddenFill xmlns="" xmlns:a14="http://schemas.microsoft.com/office/drawing/2010/main">
                   <a:noFill/>
                 </a14:hiddenFill>
               </a:ext>
@@ -15327,7 +15327,7 @@
             </a:ln>
             <a:extLst>
               <a:ext uri="{909E8E84-426E-40dd-AFC4-6F175D3DCCD1}">
-                <a14:hiddenFill xmlns:a14="http://schemas.microsoft.com/office/drawing/2010/main" xmlns="">
+                <a14:hiddenFill xmlns="" xmlns:a14="http://schemas.microsoft.com/office/drawing/2010/main">
                   <a:noFill/>
                 </a14:hiddenFill>
               </a:ext>
@@ -15378,7 +15378,7 @@
             </a:ln>
             <a:extLst>
               <a:ext uri="{909E8E84-426E-40dd-AFC4-6F175D3DCCD1}">
-                <a14:hiddenFill xmlns:a14="http://schemas.microsoft.com/office/drawing/2010/main" xmlns="">
+                <a14:hiddenFill xmlns="" xmlns:a14="http://schemas.microsoft.com/office/drawing/2010/main">
                   <a:noFill/>
                 </a14:hiddenFill>
               </a:ext>
@@ -15429,7 +15429,7 @@
             </a:ln>
             <a:extLst>
               <a:ext uri="{909E8E84-426E-40dd-AFC4-6F175D3DCCD1}">
-                <a14:hiddenFill xmlns:a14="http://schemas.microsoft.com/office/drawing/2010/main" xmlns="">
+                <a14:hiddenFill xmlns="" xmlns:a14="http://schemas.microsoft.com/office/drawing/2010/main">
                   <a:noFill/>
                 </a14:hiddenFill>
               </a:ext>
@@ -15480,7 +15480,7 @@
             </a:ln>
             <a:extLst>
               <a:ext uri="{909E8E84-426E-40dd-AFC4-6F175D3DCCD1}">
-                <a14:hiddenFill xmlns:a14="http://schemas.microsoft.com/office/drawing/2010/main" xmlns="">
+                <a14:hiddenFill xmlns="" xmlns:a14="http://schemas.microsoft.com/office/drawing/2010/main">
                   <a:noFill/>
                 </a14:hiddenFill>
               </a:ext>
@@ -15531,7 +15531,7 @@
             </a:ln>
             <a:extLst>
               <a:ext uri="{909E8E84-426E-40dd-AFC4-6F175D3DCCD1}">
-                <a14:hiddenFill xmlns:a14="http://schemas.microsoft.com/office/drawing/2010/main" xmlns="">
+                <a14:hiddenFill xmlns="" xmlns:a14="http://schemas.microsoft.com/office/drawing/2010/main">
                   <a:noFill/>
                 </a14:hiddenFill>
               </a:ext>
@@ -15582,7 +15582,7 @@
             </a:ln>
             <a:extLst>
               <a:ext uri="{909E8E84-426E-40dd-AFC4-6F175D3DCCD1}">
-                <a14:hiddenFill xmlns:a14="http://schemas.microsoft.com/office/drawing/2010/main" xmlns="">
+                <a14:hiddenFill xmlns="" xmlns:a14="http://schemas.microsoft.com/office/drawing/2010/main">
                   <a:noFill/>
                 </a14:hiddenFill>
               </a:ext>
@@ -15633,7 +15633,7 @@
             </a:ln>
             <a:extLst>
               <a:ext uri="{909E8E84-426E-40dd-AFC4-6F175D3DCCD1}">
-                <a14:hiddenFill xmlns:a14="http://schemas.microsoft.com/office/drawing/2010/main" xmlns="">
+                <a14:hiddenFill xmlns="" xmlns:a14="http://schemas.microsoft.com/office/drawing/2010/main">
                   <a:noFill/>
                 </a14:hiddenFill>
               </a:ext>
@@ -15684,7 +15684,7 @@
             </a:ln>
             <a:extLst>
               <a:ext uri="{909E8E84-426E-40dd-AFC4-6F175D3DCCD1}">
-                <a14:hiddenFill xmlns:a14="http://schemas.microsoft.com/office/drawing/2010/main" xmlns="">
+                <a14:hiddenFill xmlns="" xmlns:a14="http://schemas.microsoft.com/office/drawing/2010/main">
                   <a:noFill/>
                 </a14:hiddenFill>
               </a:ext>
@@ -15735,7 +15735,7 @@
             </a:ln>
             <a:extLst>
               <a:ext uri="{909E8E84-426E-40dd-AFC4-6F175D3DCCD1}">
-                <a14:hiddenFill xmlns:a14="http://schemas.microsoft.com/office/drawing/2010/main" xmlns="">
+                <a14:hiddenFill xmlns="" xmlns:a14="http://schemas.microsoft.com/office/drawing/2010/main">
                   <a:noFill/>
                 </a14:hiddenFill>
               </a:ext>
@@ -15786,7 +15786,7 @@
             </a:ln>
             <a:extLst>
               <a:ext uri="{909E8E84-426E-40dd-AFC4-6F175D3DCCD1}">
-                <a14:hiddenFill xmlns:a14="http://schemas.microsoft.com/office/drawing/2010/main" xmlns="">
+                <a14:hiddenFill xmlns="" xmlns:a14="http://schemas.microsoft.com/office/drawing/2010/main">
                   <a:noFill/>
                 </a14:hiddenFill>
               </a:ext>
@@ -15837,7 +15837,7 @@
             </a:ln>
             <a:extLst>
               <a:ext uri="{909E8E84-426E-40dd-AFC4-6F175D3DCCD1}">
-                <a14:hiddenFill xmlns:a14="http://schemas.microsoft.com/office/drawing/2010/main" xmlns="">
+                <a14:hiddenFill xmlns="" xmlns:a14="http://schemas.microsoft.com/office/drawing/2010/main">
                   <a:noFill/>
                 </a14:hiddenFill>
               </a:ext>
@@ -15888,7 +15888,7 @@
             </a:ln>
             <a:extLst>
               <a:ext uri="{909E8E84-426E-40dd-AFC4-6F175D3DCCD1}">
-                <a14:hiddenFill xmlns:a14="http://schemas.microsoft.com/office/drawing/2010/main" xmlns="">
+                <a14:hiddenFill xmlns="" xmlns:a14="http://schemas.microsoft.com/office/drawing/2010/main">
                   <a:noFill/>
                 </a14:hiddenFill>
               </a:ext>
@@ -15939,7 +15939,7 @@
             </a:ln>
             <a:extLst>
               <a:ext uri="{909E8E84-426E-40dd-AFC4-6F175D3DCCD1}">
-                <a14:hiddenFill xmlns:a14="http://schemas.microsoft.com/office/drawing/2010/main" xmlns="">
+                <a14:hiddenFill xmlns="" xmlns:a14="http://schemas.microsoft.com/office/drawing/2010/main">
                   <a:noFill/>
                 </a14:hiddenFill>
               </a:ext>
@@ -15990,7 +15990,7 @@
             </a:ln>
             <a:extLst>
               <a:ext uri="{909E8E84-426E-40dd-AFC4-6F175D3DCCD1}">
-                <a14:hiddenFill xmlns:a14="http://schemas.microsoft.com/office/drawing/2010/main" xmlns="">
+                <a14:hiddenFill xmlns="" xmlns:a14="http://schemas.microsoft.com/office/drawing/2010/main">
                   <a:noFill/>
                 </a14:hiddenFill>
               </a:ext>
@@ -16041,7 +16041,7 @@
             </a:ln>
             <a:extLst>
               <a:ext uri="{909E8E84-426E-40dd-AFC4-6F175D3DCCD1}">
-                <a14:hiddenFill xmlns:a14="http://schemas.microsoft.com/office/drawing/2010/main" xmlns="">
+                <a14:hiddenFill xmlns="" xmlns:a14="http://schemas.microsoft.com/office/drawing/2010/main">
                   <a:noFill/>
                 </a14:hiddenFill>
               </a:ext>
@@ -16092,7 +16092,7 @@
             </a:ln>
             <a:extLst>
               <a:ext uri="{909E8E84-426E-40dd-AFC4-6F175D3DCCD1}">
-                <a14:hiddenFill xmlns:a14="http://schemas.microsoft.com/office/drawing/2010/main" xmlns="">
+                <a14:hiddenFill xmlns="" xmlns:a14="http://schemas.microsoft.com/office/drawing/2010/main">
                   <a:noFill/>
                 </a14:hiddenFill>
               </a:ext>
@@ -16143,7 +16143,7 @@
             </a:ln>
             <a:extLst>
               <a:ext uri="{909E8E84-426E-40dd-AFC4-6F175D3DCCD1}">
-                <a14:hiddenFill xmlns:a14="http://schemas.microsoft.com/office/drawing/2010/main" xmlns="">
+                <a14:hiddenFill xmlns="" xmlns:a14="http://schemas.microsoft.com/office/drawing/2010/main">
                   <a:noFill/>
                 </a14:hiddenFill>
               </a:ext>
@@ -16194,7 +16194,7 @@
             </a:ln>
             <a:extLst>
               <a:ext uri="{909E8E84-426E-40dd-AFC4-6F175D3DCCD1}">
-                <a14:hiddenFill xmlns:a14="http://schemas.microsoft.com/office/drawing/2010/main" xmlns="">
+                <a14:hiddenFill xmlns="" xmlns:a14="http://schemas.microsoft.com/office/drawing/2010/main">
                   <a:noFill/>
                 </a14:hiddenFill>
               </a:ext>
@@ -16245,7 +16245,7 @@
             </a:ln>
             <a:extLst>
               <a:ext uri="{909E8E84-426E-40dd-AFC4-6F175D3DCCD1}">
-                <a14:hiddenFill xmlns:a14="http://schemas.microsoft.com/office/drawing/2010/main" xmlns="">
+                <a14:hiddenFill xmlns="" xmlns:a14="http://schemas.microsoft.com/office/drawing/2010/main">
                   <a:noFill/>
                 </a14:hiddenFill>
               </a:ext>
@@ -16296,7 +16296,7 @@
             </a:ln>
             <a:extLst>
               <a:ext uri="{909E8E84-426E-40dd-AFC4-6F175D3DCCD1}">
-                <a14:hiddenFill xmlns:a14="http://schemas.microsoft.com/office/drawing/2010/main" xmlns="">
+                <a14:hiddenFill xmlns="" xmlns:a14="http://schemas.microsoft.com/office/drawing/2010/main">
                   <a:noFill/>
                 </a14:hiddenFill>
               </a:ext>
@@ -16347,7 +16347,7 @@
             </a:ln>
             <a:extLst>
               <a:ext uri="{909E8E84-426E-40dd-AFC4-6F175D3DCCD1}">
-                <a14:hiddenFill xmlns:a14="http://schemas.microsoft.com/office/drawing/2010/main" xmlns="">
+                <a14:hiddenFill xmlns="" xmlns:a14="http://schemas.microsoft.com/office/drawing/2010/main">
                   <a:noFill/>
                 </a14:hiddenFill>
               </a:ext>
@@ -16398,7 +16398,7 @@
             </a:ln>
             <a:extLst>
               <a:ext uri="{909E8E84-426E-40dd-AFC4-6F175D3DCCD1}">
-                <a14:hiddenFill xmlns:a14="http://schemas.microsoft.com/office/drawing/2010/main" xmlns="">
+                <a14:hiddenFill xmlns="" xmlns:a14="http://schemas.microsoft.com/office/drawing/2010/main">
                   <a:noFill/>
                 </a14:hiddenFill>
               </a:ext>
@@ -16449,7 +16449,7 @@
             </a:ln>
             <a:extLst>
               <a:ext uri="{909E8E84-426E-40dd-AFC4-6F175D3DCCD1}">
-                <a14:hiddenFill xmlns:a14="http://schemas.microsoft.com/office/drawing/2010/main" xmlns="">
+                <a14:hiddenFill xmlns="" xmlns:a14="http://schemas.microsoft.com/office/drawing/2010/main">
                   <a:noFill/>
                 </a14:hiddenFill>
               </a:ext>
@@ -16500,7 +16500,7 @@
             </a:ln>
             <a:extLst>
               <a:ext uri="{909E8E84-426E-40dd-AFC4-6F175D3DCCD1}">
-                <a14:hiddenFill xmlns:a14="http://schemas.microsoft.com/office/drawing/2010/main" xmlns="">
+                <a14:hiddenFill xmlns="" xmlns:a14="http://schemas.microsoft.com/office/drawing/2010/main">
                   <a:noFill/>
                 </a14:hiddenFill>
               </a:ext>
@@ -16551,7 +16551,7 @@
             </a:ln>
             <a:extLst>
               <a:ext uri="{909E8E84-426E-40dd-AFC4-6F175D3DCCD1}">
-                <a14:hiddenFill xmlns:a14="http://schemas.microsoft.com/office/drawing/2010/main" xmlns="">
+                <a14:hiddenFill xmlns="" xmlns:a14="http://schemas.microsoft.com/office/drawing/2010/main">
                   <a:noFill/>
                 </a14:hiddenFill>
               </a:ext>
@@ -16602,7 +16602,7 @@
             </a:ln>
             <a:extLst>
               <a:ext uri="{909E8E84-426E-40dd-AFC4-6F175D3DCCD1}">
-                <a14:hiddenFill xmlns:a14="http://schemas.microsoft.com/office/drawing/2010/main" xmlns="">
+                <a14:hiddenFill xmlns="" xmlns:a14="http://schemas.microsoft.com/office/drawing/2010/main">
                   <a:noFill/>
                 </a14:hiddenFill>
               </a:ext>
@@ -16653,7 +16653,7 @@
             </a:ln>
             <a:extLst>
               <a:ext uri="{909E8E84-426E-40dd-AFC4-6F175D3DCCD1}">
-                <a14:hiddenFill xmlns:a14="http://schemas.microsoft.com/office/drawing/2010/main" xmlns="">
+                <a14:hiddenFill xmlns="" xmlns:a14="http://schemas.microsoft.com/office/drawing/2010/main">
                   <a:noFill/>
                 </a14:hiddenFill>
               </a:ext>
@@ -17722,7 +17722,7 @@
             </a:ln>
             <a:extLst>
               <a:ext uri="{909E8E84-426E-40dd-AFC4-6F175D3DCCD1}">
-                <a14:hiddenFill xmlns:a14="http://schemas.microsoft.com/office/drawing/2010/main" xmlns="">
+                <a14:hiddenFill xmlns="" xmlns:a14="http://schemas.microsoft.com/office/drawing/2010/main">
                   <a:solidFill>
                     <a:srgbClr val="FFFFFF"/>
                   </a:solidFill>
@@ -17775,7 +17775,7 @@
             </a:ln>
             <a:extLst>
               <a:ext uri="{909E8E84-426E-40dd-AFC4-6F175D3DCCD1}">
-                <a14:hiddenFill xmlns:a14="http://schemas.microsoft.com/office/drawing/2010/main" xmlns="">
+                <a14:hiddenFill xmlns="" xmlns:a14="http://schemas.microsoft.com/office/drawing/2010/main">
                   <a:noFill/>
                 </a14:hiddenFill>
               </a:ext>
@@ -17826,7 +17826,7 @@
             </a:ln>
             <a:extLst>
               <a:ext uri="{909E8E84-426E-40dd-AFC4-6F175D3DCCD1}">
-                <a14:hiddenFill xmlns:a14="http://schemas.microsoft.com/office/drawing/2010/main" xmlns="">
+                <a14:hiddenFill xmlns="" xmlns:a14="http://schemas.microsoft.com/office/drawing/2010/main">
                   <a:noFill/>
                 </a14:hiddenFill>
               </a:ext>
@@ -17877,7 +17877,7 @@
             </a:ln>
             <a:extLst>
               <a:ext uri="{909E8E84-426E-40dd-AFC4-6F175D3DCCD1}">
-                <a14:hiddenFill xmlns:a14="http://schemas.microsoft.com/office/drawing/2010/main" xmlns="">
+                <a14:hiddenFill xmlns="" xmlns:a14="http://schemas.microsoft.com/office/drawing/2010/main">
                   <a:noFill/>
                 </a14:hiddenFill>
               </a:ext>
@@ -17928,7 +17928,7 @@
             </a:ln>
             <a:extLst>
               <a:ext uri="{909E8E84-426E-40dd-AFC4-6F175D3DCCD1}">
-                <a14:hiddenFill xmlns:a14="http://schemas.microsoft.com/office/drawing/2010/main" xmlns="">
+                <a14:hiddenFill xmlns="" xmlns:a14="http://schemas.microsoft.com/office/drawing/2010/main">
                   <a:noFill/>
                 </a14:hiddenFill>
               </a:ext>
@@ -17979,7 +17979,7 @@
             </a:ln>
             <a:extLst>
               <a:ext uri="{909E8E84-426E-40dd-AFC4-6F175D3DCCD1}">
-                <a14:hiddenFill xmlns:a14="http://schemas.microsoft.com/office/drawing/2010/main" xmlns="">
+                <a14:hiddenFill xmlns="" xmlns:a14="http://schemas.microsoft.com/office/drawing/2010/main">
                   <a:noFill/>
                 </a14:hiddenFill>
               </a:ext>
@@ -18030,7 +18030,7 @@
             </a:ln>
             <a:extLst>
               <a:ext uri="{909E8E84-426E-40dd-AFC4-6F175D3DCCD1}">
-                <a14:hiddenFill xmlns:a14="http://schemas.microsoft.com/office/drawing/2010/main" xmlns="">
+                <a14:hiddenFill xmlns="" xmlns:a14="http://schemas.microsoft.com/office/drawing/2010/main">
                   <a:noFill/>
                 </a14:hiddenFill>
               </a:ext>
@@ -18081,7 +18081,7 @@
             </a:ln>
             <a:extLst>
               <a:ext uri="{909E8E84-426E-40dd-AFC4-6F175D3DCCD1}">
-                <a14:hiddenFill xmlns:a14="http://schemas.microsoft.com/office/drawing/2010/main" xmlns="">
+                <a14:hiddenFill xmlns="" xmlns:a14="http://schemas.microsoft.com/office/drawing/2010/main">
                   <a:noFill/>
                 </a14:hiddenFill>
               </a:ext>
@@ -18132,7 +18132,7 @@
             </a:ln>
             <a:extLst>
               <a:ext uri="{909E8E84-426E-40dd-AFC4-6F175D3DCCD1}">
-                <a14:hiddenFill xmlns:a14="http://schemas.microsoft.com/office/drawing/2010/main" xmlns="">
+                <a14:hiddenFill xmlns="" xmlns:a14="http://schemas.microsoft.com/office/drawing/2010/main">
                   <a:noFill/>
                 </a14:hiddenFill>
               </a:ext>
@@ -18183,7 +18183,7 @@
             </a:ln>
             <a:extLst>
               <a:ext uri="{909E8E84-426E-40dd-AFC4-6F175D3DCCD1}">
-                <a14:hiddenFill xmlns:a14="http://schemas.microsoft.com/office/drawing/2010/main" xmlns="">
+                <a14:hiddenFill xmlns="" xmlns:a14="http://schemas.microsoft.com/office/drawing/2010/main">
                   <a:noFill/>
                 </a14:hiddenFill>
               </a:ext>
@@ -18234,7 +18234,7 @@
             </a:ln>
             <a:extLst>
               <a:ext uri="{909E8E84-426E-40dd-AFC4-6F175D3DCCD1}">
-                <a14:hiddenFill xmlns:a14="http://schemas.microsoft.com/office/drawing/2010/main" xmlns="">
+                <a14:hiddenFill xmlns="" xmlns:a14="http://schemas.microsoft.com/office/drawing/2010/main">
                   <a:noFill/>
                 </a14:hiddenFill>
               </a:ext>
@@ -18285,7 +18285,7 @@
             </a:ln>
             <a:extLst>
               <a:ext uri="{909E8E84-426E-40dd-AFC4-6F175D3DCCD1}">
-                <a14:hiddenFill xmlns:a14="http://schemas.microsoft.com/office/drawing/2010/main" xmlns="">
+                <a14:hiddenFill xmlns="" xmlns:a14="http://schemas.microsoft.com/office/drawing/2010/main">
                   <a:noFill/>
                 </a14:hiddenFill>
               </a:ext>
@@ -18336,7 +18336,7 @@
             </a:ln>
             <a:extLst>
               <a:ext uri="{909E8E84-426E-40dd-AFC4-6F175D3DCCD1}">
-                <a14:hiddenFill xmlns:a14="http://schemas.microsoft.com/office/drawing/2010/main" xmlns="">
+                <a14:hiddenFill xmlns="" xmlns:a14="http://schemas.microsoft.com/office/drawing/2010/main">
                   <a:noFill/>
                 </a14:hiddenFill>
               </a:ext>
@@ -18387,7 +18387,7 @@
             </a:ln>
             <a:extLst>
               <a:ext uri="{909E8E84-426E-40dd-AFC4-6F175D3DCCD1}">
-                <a14:hiddenFill xmlns:a14="http://schemas.microsoft.com/office/drawing/2010/main" xmlns="">
+                <a14:hiddenFill xmlns="" xmlns:a14="http://schemas.microsoft.com/office/drawing/2010/main">
                   <a:noFill/>
                 </a14:hiddenFill>
               </a:ext>
@@ -18438,7 +18438,7 @@
             </a:ln>
             <a:extLst>
               <a:ext uri="{909E8E84-426E-40dd-AFC4-6F175D3DCCD1}">
-                <a14:hiddenFill xmlns:a14="http://schemas.microsoft.com/office/drawing/2010/main" xmlns="">
+                <a14:hiddenFill xmlns="" xmlns:a14="http://schemas.microsoft.com/office/drawing/2010/main">
                   <a:noFill/>
                 </a14:hiddenFill>
               </a:ext>
@@ -18489,7 +18489,7 @@
             </a:ln>
             <a:extLst>
               <a:ext uri="{909E8E84-426E-40dd-AFC4-6F175D3DCCD1}">
-                <a14:hiddenFill xmlns:a14="http://schemas.microsoft.com/office/drawing/2010/main" xmlns="">
+                <a14:hiddenFill xmlns="" xmlns:a14="http://schemas.microsoft.com/office/drawing/2010/main">
                   <a:noFill/>
                 </a14:hiddenFill>
               </a:ext>
@@ -18540,7 +18540,7 @@
             </a:ln>
             <a:extLst>
               <a:ext uri="{909E8E84-426E-40dd-AFC4-6F175D3DCCD1}">
-                <a14:hiddenFill xmlns:a14="http://schemas.microsoft.com/office/drawing/2010/main" xmlns="">
+                <a14:hiddenFill xmlns="" xmlns:a14="http://schemas.microsoft.com/office/drawing/2010/main">
                   <a:noFill/>
                 </a14:hiddenFill>
               </a:ext>
@@ -18591,7 +18591,7 @@
             </a:ln>
             <a:extLst>
               <a:ext uri="{909E8E84-426E-40dd-AFC4-6F175D3DCCD1}">
-                <a14:hiddenFill xmlns:a14="http://schemas.microsoft.com/office/drawing/2010/main" xmlns="">
+                <a14:hiddenFill xmlns="" xmlns:a14="http://schemas.microsoft.com/office/drawing/2010/main">
                   <a:noFill/>
                 </a14:hiddenFill>
               </a:ext>
@@ -18642,7 +18642,7 @@
             </a:ln>
             <a:extLst>
               <a:ext uri="{909E8E84-426E-40dd-AFC4-6F175D3DCCD1}">
-                <a14:hiddenFill xmlns:a14="http://schemas.microsoft.com/office/drawing/2010/main" xmlns="">
+                <a14:hiddenFill xmlns="" xmlns:a14="http://schemas.microsoft.com/office/drawing/2010/main">
                   <a:noFill/>
                 </a14:hiddenFill>
               </a:ext>
@@ -18693,7 +18693,7 @@
             </a:ln>
             <a:extLst>
               <a:ext uri="{909E8E84-426E-40dd-AFC4-6F175D3DCCD1}">
-                <a14:hiddenFill xmlns:a14="http://schemas.microsoft.com/office/drawing/2010/main" xmlns="">
+                <a14:hiddenFill xmlns="" xmlns:a14="http://schemas.microsoft.com/office/drawing/2010/main">
                   <a:noFill/>
                 </a14:hiddenFill>
               </a:ext>
@@ -18744,7 +18744,7 @@
             </a:ln>
             <a:extLst>
               <a:ext uri="{909E8E84-426E-40dd-AFC4-6F175D3DCCD1}">
-                <a14:hiddenFill xmlns:a14="http://schemas.microsoft.com/office/drawing/2010/main" xmlns="">
+                <a14:hiddenFill xmlns="" xmlns:a14="http://schemas.microsoft.com/office/drawing/2010/main">
                   <a:noFill/>
                 </a14:hiddenFill>
               </a:ext>
@@ -18795,7 +18795,7 @@
             </a:ln>
             <a:extLst>
               <a:ext uri="{909E8E84-426E-40dd-AFC4-6F175D3DCCD1}">
-                <a14:hiddenFill xmlns:a14="http://schemas.microsoft.com/office/drawing/2010/main" xmlns="">
+                <a14:hiddenFill xmlns="" xmlns:a14="http://schemas.microsoft.com/office/drawing/2010/main">
                   <a:noFill/>
                 </a14:hiddenFill>
               </a:ext>
@@ -18846,7 +18846,7 @@
             </a:ln>
             <a:extLst>
               <a:ext uri="{909E8E84-426E-40dd-AFC4-6F175D3DCCD1}">
-                <a14:hiddenFill xmlns:a14="http://schemas.microsoft.com/office/drawing/2010/main" xmlns="">
+                <a14:hiddenFill xmlns="" xmlns:a14="http://schemas.microsoft.com/office/drawing/2010/main">
                   <a:noFill/>
                 </a14:hiddenFill>
               </a:ext>
@@ -18897,7 +18897,7 @@
             </a:ln>
             <a:extLst>
               <a:ext uri="{909E8E84-426E-40dd-AFC4-6F175D3DCCD1}">
-                <a14:hiddenFill xmlns:a14="http://schemas.microsoft.com/office/drawing/2010/main" xmlns="">
+                <a14:hiddenFill xmlns="" xmlns:a14="http://schemas.microsoft.com/office/drawing/2010/main">
                   <a:noFill/>
                 </a14:hiddenFill>
               </a:ext>
@@ -18948,7 +18948,7 @@
             </a:ln>
             <a:extLst>
               <a:ext uri="{909E8E84-426E-40dd-AFC4-6F175D3DCCD1}">
-                <a14:hiddenFill xmlns:a14="http://schemas.microsoft.com/office/drawing/2010/main" xmlns="">
+                <a14:hiddenFill xmlns="" xmlns:a14="http://schemas.microsoft.com/office/drawing/2010/main">
                   <a:noFill/>
                 </a14:hiddenFill>
               </a:ext>
@@ -18999,7 +18999,7 @@
             </a:ln>
             <a:extLst>
               <a:ext uri="{909E8E84-426E-40dd-AFC4-6F175D3DCCD1}">
-                <a14:hiddenFill xmlns:a14="http://schemas.microsoft.com/office/drawing/2010/main" xmlns="">
+                <a14:hiddenFill xmlns="" xmlns:a14="http://schemas.microsoft.com/office/drawing/2010/main">
                   <a:noFill/>
                 </a14:hiddenFill>
               </a:ext>
@@ -19050,7 +19050,7 @@
             </a:ln>
             <a:extLst>
               <a:ext uri="{909E8E84-426E-40dd-AFC4-6F175D3DCCD1}">
-                <a14:hiddenFill xmlns:a14="http://schemas.microsoft.com/office/drawing/2010/main" xmlns="">
+                <a14:hiddenFill xmlns="" xmlns:a14="http://schemas.microsoft.com/office/drawing/2010/main">
                   <a:noFill/>
                 </a14:hiddenFill>
               </a:ext>
@@ -19101,7 +19101,7 @@
             </a:ln>
             <a:extLst>
               <a:ext uri="{909E8E84-426E-40dd-AFC4-6F175D3DCCD1}">
-                <a14:hiddenFill xmlns:a14="http://schemas.microsoft.com/office/drawing/2010/main" xmlns="">
+                <a14:hiddenFill xmlns="" xmlns:a14="http://schemas.microsoft.com/office/drawing/2010/main">
                   <a:noFill/>
                 </a14:hiddenFill>
               </a:ext>
@@ -19152,7 +19152,7 @@
             </a:ln>
             <a:extLst>
               <a:ext uri="{909E8E84-426E-40dd-AFC4-6F175D3DCCD1}">
-                <a14:hiddenFill xmlns:a14="http://schemas.microsoft.com/office/drawing/2010/main" xmlns="">
+                <a14:hiddenFill xmlns="" xmlns:a14="http://schemas.microsoft.com/office/drawing/2010/main">
                   <a:noFill/>
                 </a14:hiddenFill>
               </a:ext>
@@ -19203,7 +19203,7 @@
             </a:ln>
             <a:extLst>
               <a:ext uri="{909E8E84-426E-40dd-AFC4-6F175D3DCCD1}">
-                <a14:hiddenFill xmlns:a14="http://schemas.microsoft.com/office/drawing/2010/main" xmlns="">
+                <a14:hiddenFill xmlns="" xmlns:a14="http://schemas.microsoft.com/office/drawing/2010/main">
                   <a:noFill/>
                 </a14:hiddenFill>
               </a:ext>
@@ -19254,7 +19254,7 @@
             </a:ln>
             <a:extLst>
               <a:ext uri="{909E8E84-426E-40dd-AFC4-6F175D3DCCD1}">
-                <a14:hiddenFill xmlns:a14="http://schemas.microsoft.com/office/drawing/2010/main" xmlns="">
+                <a14:hiddenFill xmlns="" xmlns:a14="http://schemas.microsoft.com/office/drawing/2010/main">
                   <a:noFill/>
                 </a14:hiddenFill>
               </a:ext>
@@ -19305,7 +19305,7 @@
             </a:ln>
             <a:extLst>
               <a:ext uri="{909E8E84-426E-40dd-AFC4-6F175D3DCCD1}">
-                <a14:hiddenFill xmlns:a14="http://schemas.microsoft.com/office/drawing/2010/main" xmlns="">
+                <a14:hiddenFill xmlns="" xmlns:a14="http://schemas.microsoft.com/office/drawing/2010/main">
                   <a:noFill/>
                 </a14:hiddenFill>
               </a:ext>
@@ -19356,7 +19356,7 @@
             </a:ln>
             <a:extLst>
               <a:ext uri="{909E8E84-426E-40dd-AFC4-6F175D3DCCD1}">
-                <a14:hiddenFill xmlns:a14="http://schemas.microsoft.com/office/drawing/2010/main" xmlns="">
+                <a14:hiddenFill xmlns="" xmlns:a14="http://schemas.microsoft.com/office/drawing/2010/main">
                   <a:noFill/>
                 </a14:hiddenFill>
               </a:ext>
@@ -19407,7 +19407,7 @@
             </a:ln>
             <a:extLst>
               <a:ext uri="{909E8E84-426E-40dd-AFC4-6F175D3DCCD1}">
-                <a14:hiddenFill xmlns:a14="http://schemas.microsoft.com/office/drawing/2010/main" xmlns="">
+                <a14:hiddenFill xmlns="" xmlns:a14="http://schemas.microsoft.com/office/drawing/2010/main">
                   <a:noFill/>
                 </a14:hiddenFill>
               </a:ext>
@@ -19458,7 +19458,7 @@
             </a:ln>
             <a:extLst>
               <a:ext uri="{909E8E84-426E-40dd-AFC4-6F175D3DCCD1}">
-                <a14:hiddenFill xmlns:a14="http://schemas.microsoft.com/office/drawing/2010/main" xmlns="">
+                <a14:hiddenFill xmlns="" xmlns:a14="http://schemas.microsoft.com/office/drawing/2010/main">
                   <a:noFill/>
                 </a14:hiddenFill>
               </a:ext>
@@ -19509,7 +19509,7 @@
             </a:ln>
             <a:extLst>
               <a:ext uri="{909E8E84-426E-40dd-AFC4-6F175D3DCCD1}">
-                <a14:hiddenFill xmlns:a14="http://schemas.microsoft.com/office/drawing/2010/main" xmlns="">
+                <a14:hiddenFill xmlns="" xmlns:a14="http://schemas.microsoft.com/office/drawing/2010/main">
                   <a:noFill/>
                 </a14:hiddenFill>
               </a:ext>
@@ -19560,7 +19560,7 @@
             </a:ln>
             <a:extLst>
               <a:ext uri="{909E8E84-426E-40dd-AFC4-6F175D3DCCD1}">
-                <a14:hiddenFill xmlns:a14="http://schemas.microsoft.com/office/drawing/2010/main" xmlns="">
+                <a14:hiddenFill xmlns="" xmlns:a14="http://schemas.microsoft.com/office/drawing/2010/main">
                   <a:noFill/>
                 </a14:hiddenFill>
               </a:ext>
@@ -19611,7 +19611,7 @@
             </a:ln>
             <a:extLst>
               <a:ext uri="{909E8E84-426E-40dd-AFC4-6F175D3DCCD1}">
-                <a14:hiddenFill xmlns:a14="http://schemas.microsoft.com/office/drawing/2010/main" xmlns="">
+                <a14:hiddenFill xmlns="" xmlns:a14="http://schemas.microsoft.com/office/drawing/2010/main">
                   <a:noFill/>
                 </a14:hiddenFill>
               </a:ext>
@@ -19662,7 +19662,7 @@
             </a:ln>
             <a:extLst>
               <a:ext uri="{909E8E84-426E-40dd-AFC4-6F175D3DCCD1}">
-                <a14:hiddenFill xmlns:a14="http://schemas.microsoft.com/office/drawing/2010/main" xmlns="">
+                <a14:hiddenFill xmlns="" xmlns:a14="http://schemas.microsoft.com/office/drawing/2010/main">
                   <a:noFill/>
                 </a14:hiddenFill>
               </a:ext>
@@ -19713,7 +19713,7 @@
             </a:ln>
             <a:extLst>
               <a:ext uri="{909E8E84-426E-40dd-AFC4-6F175D3DCCD1}">
-                <a14:hiddenFill xmlns:a14="http://schemas.microsoft.com/office/drawing/2010/main" xmlns="">
+                <a14:hiddenFill xmlns="" xmlns:a14="http://schemas.microsoft.com/office/drawing/2010/main">
                   <a:noFill/>
                 </a14:hiddenFill>
               </a:ext>
@@ -19764,7 +19764,7 @@
             </a:ln>
             <a:extLst>
               <a:ext uri="{909E8E84-426E-40dd-AFC4-6F175D3DCCD1}">
-                <a14:hiddenFill xmlns:a14="http://schemas.microsoft.com/office/drawing/2010/main" xmlns="">
+                <a14:hiddenFill xmlns="" xmlns:a14="http://schemas.microsoft.com/office/drawing/2010/main">
                   <a:noFill/>
                 </a14:hiddenFill>
               </a:ext>
@@ -19815,7 +19815,7 @@
             </a:ln>
             <a:extLst>
               <a:ext uri="{909E8E84-426E-40dd-AFC4-6F175D3DCCD1}">
-                <a14:hiddenFill xmlns:a14="http://schemas.microsoft.com/office/drawing/2010/main" xmlns="">
+                <a14:hiddenFill xmlns="" xmlns:a14="http://schemas.microsoft.com/office/drawing/2010/main">
                   <a:noFill/>
                 </a14:hiddenFill>
               </a:ext>
@@ -19866,7 +19866,7 @@
             </a:ln>
             <a:extLst>
               <a:ext uri="{909E8E84-426E-40dd-AFC4-6F175D3DCCD1}">
-                <a14:hiddenFill xmlns:a14="http://schemas.microsoft.com/office/drawing/2010/main" xmlns="">
+                <a14:hiddenFill xmlns="" xmlns:a14="http://schemas.microsoft.com/office/drawing/2010/main">
                   <a:noFill/>
                 </a14:hiddenFill>
               </a:ext>
@@ -19917,7 +19917,7 @@
             </a:ln>
             <a:extLst>
               <a:ext uri="{909E8E84-426E-40dd-AFC4-6F175D3DCCD1}">
-                <a14:hiddenFill xmlns:a14="http://schemas.microsoft.com/office/drawing/2010/main" xmlns="">
+                <a14:hiddenFill xmlns="" xmlns:a14="http://schemas.microsoft.com/office/drawing/2010/main">
                   <a:noFill/>
                 </a14:hiddenFill>
               </a:ext>
@@ -19968,7 +19968,7 @@
             </a:ln>
             <a:extLst>
               <a:ext uri="{909E8E84-426E-40dd-AFC4-6F175D3DCCD1}">
-                <a14:hiddenFill xmlns:a14="http://schemas.microsoft.com/office/drawing/2010/main" xmlns="">
+                <a14:hiddenFill xmlns="" xmlns:a14="http://schemas.microsoft.com/office/drawing/2010/main">
                   <a:noFill/>
                 </a14:hiddenFill>
               </a:ext>
@@ -20019,7 +20019,7 @@
             </a:ln>
             <a:extLst>
               <a:ext uri="{909E8E84-426E-40dd-AFC4-6F175D3DCCD1}">
-                <a14:hiddenFill xmlns:a14="http://schemas.microsoft.com/office/drawing/2010/main" xmlns="">
+                <a14:hiddenFill xmlns="" xmlns:a14="http://schemas.microsoft.com/office/drawing/2010/main">
                   <a:noFill/>
                 </a14:hiddenFill>
               </a:ext>
@@ -20070,7 +20070,7 @@
             </a:ln>
             <a:extLst>
               <a:ext uri="{909E8E84-426E-40dd-AFC4-6F175D3DCCD1}">
-                <a14:hiddenFill xmlns:a14="http://schemas.microsoft.com/office/drawing/2010/main" xmlns="">
+                <a14:hiddenFill xmlns="" xmlns:a14="http://schemas.microsoft.com/office/drawing/2010/main">
                   <a:noFill/>
                 </a14:hiddenFill>
               </a:ext>
@@ -20121,7 +20121,7 @@
             </a:ln>
             <a:extLst>
               <a:ext uri="{909E8E84-426E-40dd-AFC4-6F175D3DCCD1}">
-                <a14:hiddenFill xmlns:a14="http://schemas.microsoft.com/office/drawing/2010/main" xmlns="">
+                <a14:hiddenFill xmlns="" xmlns:a14="http://schemas.microsoft.com/office/drawing/2010/main">
                   <a:noFill/>
                 </a14:hiddenFill>
               </a:ext>
@@ -20172,7 +20172,7 @@
             </a:ln>
             <a:extLst>
               <a:ext uri="{909E8E84-426E-40dd-AFC4-6F175D3DCCD1}">
-                <a14:hiddenFill xmlns:a14="http://schemas.microsoft.com/office/drawing/2010/main" xmlns="">
+                <a14:hiddenFill xmlns="" xmlns:a14="http://schemas.microsoft.com/office/drawing/2010/main">
                   <a:noFill/>
                 </a14:hiddenFill>
               </a:ext>
@@ -20223,7 +20223,7 @@
             </a:ln>
             <a:extLst>
               <a:ext uri="{909E8E84-426E-40dd-AFC4-6F175D3DCCD1}">
-                <a14:hiddenFill xmlns:a14="http://schemas.microsoft.com/office/drawing/2010/main" xmlns="">
+                <a14:hiddenFill xmlns="" xmlns:a14="http://schemas.microsoft.com/office/drawing/2010/main">
                   <a:noFill/>
                 </a14:hiddenFill>
               </a:ext>
@@ -20274,7 +20274,7 @@
             </a:ln>
             <a:extLst>
               <a:ext uri="{909E8E84-426E-40dd-AFC4-6F175D3DCCD1}">
-                <a14:hiddenFill xmlns:a14="http://schemas.microsoft.com/office/drawing/2010/main" xmlns="">
+                <a14:hiddenFill xmlns="" xmlns:a14="http://schemas.microsoft.com/office/drawing/2010/main">
                   <a:noFill/>
                 </a14:hiddenFill>
               </a:ext>
@@ -20325,7 +20325,7 @@
             </a:ln>
             <a:extLst>
               <a:ext uri="{909E8E84-426E-40dd-AFC4-6F175D3DCCD1}">
-                <a14:hiddenFill xmlns:a14="http://schemas.microsoft.com/office/drawing/2010/main" xmlns="">
+                <a14:hiddenFill xmlns="" xmlns:a14="http://schemas.microsoft.com/office/drawing/2010/main">
                   <a:noFill/>
                 </a14:hiddenFill>
               </a:ext>
@@ -20376,7 +20376,7 @@
             </a:ln>
             <a:extLst>
               <a:ext uri="{909E8E84-426E-40dd-AFC4-6F175D3DCCD1}">
-                <a14:hiddenFill xmlns:a14="http://schemas.microsoft.com/office/drawing/2010/main" xmlns="">
+                <a14:hiddenFill xmlns="" xmlns:a14="http://schemas.microsoft.com/office/drawing/2010/main">
                   <a:noFill/>
                 </a14:hiddenFill>
               </a:ext>
@@ -20427,7 +20427,7 @@
             </a:ln>
             <a:extLst>
               <a:ext uri="{909E8E84-426E-40dd-AFC4-6F175D3DCCD1}">
-                <a14:hiddenFill xmlns:a14="http://schemas.microsoft.com/office/drawing/2010/main" xmlns="">
+                <a14:hiddenFill xmlns="" xmlns:a14="http://schemas.microsoft.com/office/drawing/2010/main">
                   <a:noFill/>
                 </a14:hiddenFill>
               </a:ext>
@@ -20478,7 +20478,7 @@
             </a:ln>
             <a:extLst>
               <a:ext uri="{909E8E84-426E-40dd-AFC4-6F175D3DCCD1}">
-                <a14:hiddenFill xmlns:a14="http://schemas.microsoft.com/office/drawing/2010/main" xmlns="">
+                <a14:hiddenFill xmlns="" xmlns:a14="http://schemas.microsoft.com/office/drawing/2010/main">
                   <a:noFill/>
                 </a14:hiddenFill>
               </a:ext>
@@ -20529,7 +20529,7 @@
             </a:ln>
             <a:extLst>
               <a:ext uri="{909E8E84-426E-40dd-AFC4-6F175D3DCCD1}">
-                <a14:hiddenFill xmlns:a14="http://schemas.microsoft.com/office/drawing/2010/main" xmlns="">
+                <a14:hiddenFill xmlns="" xmlns:a14="http://schemas.microsoft.com/office/drawing/2010/main">
                   <a:noFill/>
                 </a14:hiddenFill>
               </a:ext>
@@ -20580,7 +20580,7 @@
             </a:ln>
             <a:extLst>
               <a:ext uri="{909E8E84-426E-40dd-AFC4-6F175D3DCCD1}">
-                <a14:hiddenFill xmlns:a14="http://schemas.microsoft.com/office/drawing/2010/main" xmlns="">
+                <a14:hiddenFill xmlns="" xmlns:a14="http://schemas.microsoft.com/office/drawing/2010/main">
                   <a:noFill/>
                 </a14:hiddenFill>
               </a:ext>
@@ -20631,7 +20631,7 @@
             </a:ln>
             <a:extLst>
               <a:ext uri="{909E8E84-426E-40dd-AFC4-6F175D3DCCD1}">
-                <a14:hiddenFill xmlns:a14="http://schemas.microsoft.com/office/drawing/2010/main" xmlns="">
+                <a14:hiddenFill xmlns="" xmlns:a14="http://schemas.microsoft.com/office/drawing/2010/main">
                   <a:noFill/>
                 </a14:hiddenFill>
               </a:ext>
@@ -20682,7 +20682,7 @@
             </a:ln>
             <a:extLst>
               <a:ext uri="{909E8E84-426E-40dd-AFC4-6F175D3DCCD1}">
-                <a14:hiddenFill xmlns:a14="http://schemas.microsoft.com/office/drawing/2010/main" xmlns="">
+                <a14:hiddenFill xmlns="" xmlns:a14="http://schemas.microsoft.com/office/drawing/2010/main">
                   <a:noFill/>
                 </a14:hiddenFill>
               </a:ext>
@@ -20733,7 +20733,7 @@
             </a:ln>
             <a:extLst>
               <a:ext uri="{909E8E84-426E-40dd-AFC4-6F175D3DCCD1}">
-                <a14:hiddenFill xmlns:a14="http://schemas.microsoft.com/office/drawing/2010/main" xmlns="">
+                <a14:hiddenFill xmlns="" xmlns:a14="http://schemas.microsoft.com/office/drawing/2010/main">
                   <a:noFill/>
                 </a14:hiddenFill>
               </a:ext>
@@ -20784,7 +20784,7 @@
             </a:ln>
             <a:extLst>
               <a:ext uri="{909E8E84-426E-40dd-AFC4-6F175D3DCCD1}">
-                <a14:hiddenFill xmlns:a14="http://schemas.microsoft.com/office/drawing/2010/main" xmlns="">
+                <a14:hiddenFill xmlns="" xmlns:a14="http://schemas.microsoft.com/office/drawing/2010/main">
                   <a:noFill/>
                 </a14:hiddenFill>
               </a:ext>
@@ -20835,7 +20835,7 @@
             </a:ln>
             <a:extLst>
               <a:ext uri="{909E8E84-426E-40dd-AFC4-6F175D3DCCD1}">
-                <a14:hiddenFill xmlns:a14="http://schemas.microsoft.com/office/drawing/2010/main" xmlns="">
+                <a14:hiddenFill xmlns="" xmlns:a14="http://schemas.microsoft.com/office/drawing/2010/main">
                   <a:noFill/>
                 </a14:hiddenFill>
               </a:ext>
@@ -20886,7 +20886,7 @@
             </a:ln>
             <a:extLst>
               <a:ext uri="{909E8E84-426E-40dd-AFC4-6F175D3DCCD1}">
-                <a14:hiddenFill xmlns:a14="http://schemas.microsoft.com/office/drawing/2010/main" xmlns="">
+                <a14:hiddenFill xmlns="" xmlns:a14="http://schemas.microsoft.com/office/drawing/2010/main">
                   <a:noFill/>
                 </a14:hiddenFill>
               </a:ext>
@@ -20937,7 +20937,7 @@
             </a:ln>
             <a:extLst>
               <a:ext uri="{909E8E84-426E-40dd-AFC4-6F175D3DCCD1}">
-                <a14:hiddenFill xmlns:a14="http://schemas.microsoft.com/office/drawing/2010/main" xmlns="">
+                <a14:hiddenFill xmlns="" xmlns:a14="http://schemas.microsoft.com/office/drawing/2010/main">
                   <a:noFill/>
                 </a14:hiddenFill>
               </a:ext>
@@ -20988,7 +20988,7 @@
             </a:ln>
             <a:extLst>
               <a:ext uri="{909E8E84-426E-40dd-AFC4-6F175D3DCCD1}">
-                <a14:hiddenFill xmlns:a14="http://schemas.microsoft.com/office/drawing/2010/main" xmlns="">
+                <a14:hiddenFill xmlns="" xmlns:a14="http://schemas.microsoft.com/office/drawing/2010/main">
                   <a:noFill/>
                 </a14:hiddenFill>
               </a:ext>
@@ -21039,7 +21039,7 @@
             </a:ln>
             <a:extLst>
               <a:ext uri="{909E8E84-426E-40dd-AFC4-6F175D3DCCD1}">
-                <a14:hiddenFill xmlns:a14="http://schemas.microsoft.com/office/drawing/2010/main" xmlns="">
+                <a14:hiddenFill xmlns="" xmlns:a14="http://schemas.microsoft.com/office/drawing/2010/main">
                   <a:noFill/>
                 </a14:hiddenFill>
               </a:ext>
@@ -21090,7 +21090,7 @@
             </a:ln>
             <a:extLst>
               <a:ext uri="{909E8E84-426E-40dd-AFC4-6F175D3DCCD1}">
-                <a14:hiddenFill xmlns:a14="http://schemas.microsoft.com/office/drawing/2010/main" xmlns="">
+                <a14:hiddenFill xmlns="" xmlns:a14="http://schemas.microsoft.com/office/drawing/2010/main">
                   <a:noFill/>
                 </a14:hiddenFill>
               </a:ext>
@@ -21141,7 +21141,7 @@
             </a:ln>
             <a:extLst>
               <a:ext uri="{909E8E84-426E-40dd-AFC4-6F175D3DCCD1}">
-                <a14:hiddenFill xmlns:a14="http://schemas.microsoft.com/office/drawing/2010/main" xmlns="">
+                <a14:hiddenFill xmlns="" xmlns:a14="http://schemas.microsoft.com/office/drawing/2010/main">
                   <a:noFill/>
                 </a14:hiddenFill>
               </a:ext>
@@ -21192,7 +21192,7 @@
             </a:ln>
             <a:extLst>
               <a:ext uri="{909E8E84-426E-40dd-AFC4-6F175D3DCCD1}">
-                <a14:hiddenFill xmlns:a14="http://schemas.microsoft.com/office/drawing/2010/main" xmlns="">
+                <a14:hiddenFill xmlns="" xmlns:a14="http://schemas.microsoft.com/office/drawing/2010/main">
                   <a:noFill/>
                 </a14:hiddenFill>
               </a:ext>
@@ -22042,7 +22042,7 @@
             </a:ln>
             <a:extLst>
               <a:ext uri="{91240B29-F687-4f45-9708-019B960494DF}">
-                <a14:hiddenLine xmlns:a14="http://schemas.microsoft.com/office/drawing/2010/main" xmlns="" w="9525">
+                <a14:hiddenLine xmlns="" xmlns:a14="http://schemas.microsoft.com/office/drawing/2010/main" w="9525">
                   <a:solidFill>
                     <a:srgbClr val="000000"/>
                   </a:solidFill>
@@ -22714,7 +22714,7 @@
             </a:ln>
             <a:extLst>
               <a:ext uri="{91240B29-F687-4f45-9708-019B960494DF}">
-                <a14:hiddenLine xmlns:a14="http://schemas.microsoft.com/office/drawing/2010/main" xmlns="" w="9525">
+                <a14:hiddenLine xmlns="" xmlns:a14="http://schemas.microsoft.com/office/drawing/2010/main" w="9525">
                   <a:solidFill>
                     <a:srgbClr val="000000"/>
                   </a:solidFill>
@@ -22834,7 +22834,7 @@
             </a:ln>
             <a:extLst>
               <a:ext uri="{909E8E84-426E-40dd-AFC4-6F175D3DCCD1}">
-                <a14:hiddenFill xmlns:a14="http://schemas.microsoft.com/office/drawing/2010/main" xmlns="">
+                <a14:hiddenFill xmlns="" xmlns:a14="http://schemas.microsoft.com/office/drawing/2010/main">
                   <a:solidFill>
                     <a:srgbClr val="FFFFFF"/>
                   </a:solidFill>
@@ -22887,7 +22887,7 @@
             </a:ln>
             <a:extLst>
               <a:ext uri="{909E8E84-426E-40dd-AFC4-6F175D3DCCD1}">
-                <a14:hiddenFill xmlns:a14="http://schemas.microsoft.com/office/drawing/2010/main" xmlns="">
+                <a14:hiddenFill xmlns="" xmlns:a14="http://schemas.microsoft.com/office/drawing/2010/main">
                   <a:noFill/>
                 </a14:hiddenFill>
               </a:ext>
@@ -22938,7 +22938,7 @@
             </a:ln>
             <a:extLst>
               <a:ext uri="{909E8E84-426E-40dd-AFC4-6F175D3DCCD1}">
-                <a14:hiddenFill xmlns:a14="http://schemas.microsoft.com/office/drawing/2010/main" xmlns="">
+                <a14:hiddenFill xmlns="" xmlns:a14="http://schemas.microsoft.com/office/drawing/2010/main">
                   <a:noFill/>
                 </a14:hiddenFill>
               </a:ext>
@@ -22989,7 +22989,7 @@
             </a:ln>
             <a:extLst>
               <a:ext uri="{909E8E84-426E-40dd-AFC4-6F175D3DCCD1}">
-                <a14:hiddenFill xmlns:a14="http://schemas.microsoft.com/office/drawing/2010/main" xmlns="">
+                <a14:hiddenFill xmlns="" xmlns:a14="http://schemas.microsoft.com/office/drawing/2010/main">
                   <a:noFill/>
                 </a14:hiddenFill>
               </a:ext>
@@ -23040,7 +23040,7 @@
             </a:ln>
             <a:extLst>
               <a:ext uri="{909E8E84-426E-40dd-AFC4-6F175D3DCCD1}">
-                <a14:hiddenFill xmlns:a14="http://schemas.microsoft.com/office/drawing/2010/main" xmlns="">
+                <a14:hiddenFill xmlns="" xmlns:a14="http://schemas.microsoft.com/office/drawing/2010/main">
                   <a:noFill/>
                 </a14:hiddenFill>
               </a:ext>
@@ -23091,7 +23091,7 @@
             </a:ln>
             <a:extLst>
               <a:ext uri="{909E8E84-426E-40dd-AFC4-6F175D3DCCD1}">
-                <a14:hiddenFill xmlns:a14="http://schemas.microsoft.com/office/drawing/2010/main" xmlns="">
+                <a14:hiddenFill xmlns="" xmlns:a14="http://schemas.microsoft.com/office/drawing/2010/main">
                   <a:noFill/>
                 </a14:hiddenFill>
               </a:ext>
@@ -23142,7 +23142,7 @@
             </a:ln>
             <a:extLst>
               <a:ext uri="{909E8E84-426E-40dd-AFC4-6F175D3DCCD1}">
-                <a14:hiddenFill xmlns:a14="http://schemas.microsoft.com/office/drawing/2010/main" xmlns="">
+                <a14:hiddenFill xmlns="" xmlns:a14="http://schemas.microsoft.com/office/drawing/2010/main">
                   <a:noFill/>
                 </a14:hiddenFill>
               </a:ext>
@@ -23193,7 +23193,7 @@
             </a:ln>
             <a:extLst>
               <a:ext uri="{909E8E84-426E-40dd-AFC4-6F175D3DCCD1}">
-                <a14:hiddenFill xmlns:a14="http://schemas.microsoft.com/office/drawing/2010/main" xmlns="">
+                <a14:hiddenFill xmlns="" xmlns:a14="http://schemas.microsoft.com/office/drawing/2010/main">
                   <a:noFill/>
                 </a14:hiddenFill>
               </a:ext>
@@ -23244,7 +23244,7 @@
             </a:ln>
             <a:extLst>
               <a:ext uri="{909E8E84-426E-40dd-AFC4-6F175D3DCCD1}">
-                <a14:hiddenFill xmlns:a14="http://schemas.microsoft.com/office/drawing/2010/main" xmlns="">
+                <a14:hiddenFill xmlns="" xmlns:a14="http://schemas.microsoft.com/office/drawing/2010/main">
                   <a:noFill/>
                 </a14:hiddenFill>
               </a:ext>
@@ -23295,7 +23295,7 @@
             </a:ln>
             <a:extLst>
               <a:ext uri="{909E8E84-426E-40dd-AFC4-6F175D3DCCD1}">
-                <a14:hiddenFill xmlns:a14="http://schemas.microsoft.com/office/drawing/2010/main" xmlns="">
+                <a14:hiddenFill xmlns="" xmlns:a14="http://schemas.microsoft.com/office/drawing/2010/main">
                   <a:noFill/>
                 </a14:hiddenFill>
               </a:ext>
@@ -23346,7 +23346,7 @@
             </a:ln>
             <a:extLst>
               <a:ext uri="{909E8E84-426E-40dd-AFC4-6F175D3DCCD1}">
-                <a14:hiddenFill xmlns:a14="http://schemas.microsoft.com/office/drawing/2010/main" xmlns="">
+                <a14:hiddenFill xmlns="" xmlns:a14="http://schemas.microsoft.com/office/drawing/2010/main">
                   <a:noFill/>
                 </a14:hiddenFill>
               </a:ext>
@@ -23397,7 +23397,7 @@
             </a:ln>
             <a:extLst>
               <a:ext uri="{909E8E84-426E-40dd-AFC4-6F175D3DCCD1}">
-                <a14:hiddenFill xmlns:a14="http://schemas.microsoft.com/office/drawing/2010/main" xmlns="">
+                <a14:hiddenFill xmlns="" xmlns:a14="http://schemas.microsoft.com/office/drawing/2010/main">
                   <a:noFill/>
                 </a14:hiddenFill>
               </a:ext>
@@ -23448,7 +23448,7 @@
             </a:ln>
             <a:extLst>
               <a:ext uri="{909E8E84-426E-40dd-AFC4-6F175D3DCCD1}">
-                <a14:hiddenFill xmlns:a14="http://schemas.microsoft.com/office/drawing/2010/main" xmlns="">
+                <a14:hiddenFill xmlns="" xmlns:a14="http://schemas.microsoft.com/office/drawing/2010/main">
                   <a:noFill/>
                 </a14:hiddenFill>
               </a:ext>
@@ -23499,7 +23499,7 @@
             </a:ln>
             <a:extLst>
               <a:ext uri="{909E8E84-426E-40dd-AFC4-6F175D3DCCD1}">
-                <a14:hiddenFill xmlns:a14="http://schemas.microsoft.com/office/drawing/2010/main" xmlns="">
+                <a14:hiddenFill xmlns="" xmlns:a14="http://schemas.microsoft.com/office/drawing/2010/main">
                   <a:noFill/>
                 </a14:hiddenFill>
               </a:ext>
@@ -23550,7 +23550,7 @@
             </a:ln>
             <a:extLst>
               <a:ext uri="{909E8E84-426E-40dd-AFC4-6F175D3DCCD1}">
-                <a14:hiddenFill xmlns:a14="http://schemas.microsoft.com/office/drawing/2010/main" xmlns="">
+                <a14:hiddenFill xmlns="" xmlns:a14="http://schemas.microsoft.com/office/drawing/2010/main">
                   <a:noFill/>
                 </a14:hiddenFill>
               </a:ext>
@@ -23601,7 +23601,7 @@
             </a:ln>
             <a:extLst>
               <a:ext uri="{909E8E84-426E-40dd-AFC4-6F175D3DCCD1}">
-                <a14:hiddenFill xmlns:a14="http://schemas.microsoft.com/office/drawing/2010/main" xmlns="">
+                <a14:hiddenFill xmlns="" xmlns:a14="http://schemas.microsoft.com/office/drawing/2010/main">
                   <a:noFill/>
                 </a14:hiddenFill>
               </a:ext>
@@ -23652,7 +23652,7 @@
             </a:ln>
             <a:extLst>
               <a:ext uri="{909E8E84-426E-40dd-AFC4-6F175D3DCCD1}">
-                <a14:hiddenFill xmlns:a14="http://schemas.microsoft.com/office/drawing/2010/main" xmlns="">
+                <a14:hiddenFill xmlns="" xmlns:a14="http://schemas.microsoft.com/office/drawing/2010/main">
                   <a:noFill/>
                 </a14:hiddenFill>
               </a:ext>
@@ -23703,7 +23703,7 @@
             </a:ln>
             <a:extLst>
               <a:ext uri="{909E8E84-426E-40dd-AFC4-6F175D3DCCD1}">
-                <a14:hiddenFill xmlns:a14="http://schemas.microsoft.com/office/drawing/2010/main" xmlns="">
+                <a14:hiddenFill xmlns="" xmlns:a14="http://schemas.microsoft.com/office/drawing/2010/main">
                   <a:noFill/>
                 </a14:hiddenFill>
               </a:ext>
@@ -23754,7 +23754,7 @@
             </a:ln>
             <a:extLst>
               <a:ext uri="{909E8E84-426E-40dd-AFC4-6F175D3DCCD1}">
-                <a14:hiddenFill xmlns:a14="http://schemas.microsoft.com/office/drawing/2010/main" xmlns="">
+                <a14:hiddenFill xmlns="" xmlns:a14="http://schemas.microsoft.com/office/drawing/2010/main">
                   <a:noFill/>
                 </a14:hiddenFill>
               </a:ext>
@@ -23805,7 +23805,7 @@
             </a:ln>
             <a:extLst>
               <a:ext uri="{909E8E84-426E-40dd-AFC4-6F175D3DCCD1}">
-                <a14:hiddenFill xmlns:a14="http://schemas.microsoft.com/office/drawing/2010/main" xmlns="">
+                <a14:hiddenFill xmlns="" xmlns:a14="http://schemas.microsoft.com/office/drawing/2010/main">
                   <a:noFill/>
                 </a14:hiddenFill>
               </a:ext>
@@ -23856,7 +23856,7 @@
             </a:ln>
             <a:extLst>
               <a:ext uri="{909E8E84-426E-40dd-AFC4-6F175D3DCCD1}">
-                <a14:hiddenFill xmlns:a14="http://schemas.microsoft.com/office/drawing/2010/main" xmlns="">
+                <a14:hiddenFill xmlns="" xmlns:a14="http://schemas.microsoft.com/office/drawing/2010/main">
                   <a:noFill/>
                 </a14:hiddenFill>
               </a:ext>
@@ -23907,7 +23907,7 @@
             </a:ln>
             <a:extLst>
               <a:ext uri="{909E8E84-426E-40dd-AFC4-6F175D3DCCD1}">
-                <a14:hiddenFill xmlns:a14="http://schemas.microsoft.com/office/drawing/2010/main" xmlns="">
+                <a14:hiddenFill xmlns="" xmlns:a14="http://schemas.microsoft.com/office/drawing/2010/main">
                   <a:noFill/>
                 </a14:hiddenFill>
               </a:ext>
@@ -23958,7 +23958,7 @@
             </a:ln>
             <a:extLst>
               <a:ext uri="{909E8E84-426E-40dd-AFC4-6F175D3DCCD1}">
-                <a14:hiddenFill xmlns:a14="http://schemas.microsoft.com/office/drawing/2010/main" xmlns="">
+                <a14:hiddenFill xmlns="" xmlns:a14="http://schemas.microsoft.com/office/drawing/2010/main">
                   <a:noFill/>
                 </a14:hiddenFill>
               </a:ext>
@@ -24009,7 +24009,7 @@
             </a:ln>
             <a:extLst>
               <a:ext uri="{909E8E84-426E-40dd-AFC4-6F175D3DCCD1}">
-                <a14:hiddenFill xmlns:a14="http://schemas.microsoft.com/office/drawing/2010/main" xmlns="">
+                <a14:hiddenFill xmlns="" xmlns:a14="http://schemas.microsoft.com/office/drawing/2010/main">
                   <a:noFill/>
                 </a14:hiddenFill>
               </a:ext>
@@ -24060,7 +24060,7 @@
             </a:ln>
             <a:extLst>
               <a:ext uri="{909E8E84-426E-40dd-AFC4-6F175D3DCCD1}">
-                <a14:hiddenFill xmlns:a14="http://schemas.microsoft.com/office/drawing/2010/main" xmlns="">
+                <a14:hiddenFill xmlns="" xmlns:a14="http://schemas.microsoft.com/office/drawing/2010/main">
                   <a:noFill/>
                 </a14:hiddenFill>
               </a:ext>
@@ -24111,7 +24111,7 @@
             </a:ln>
             <a:extLst>
               <a:ext uri="{909E8E84-426E-40dd-AFC4-6F175D3DCCD1}">
-                <a14:hiddenFill xmlns:a14="http://schemas.microsoft.com/office/drawing/2010/main" xmlns="">
+                <a14:hiddenFill xmlns="" xmlns:a14="http://schemas.microsoft.com/office/drawing/2010/main">
                   <a:noFill/>
                 </a14:hiddenFill>
               </a:ext>
@@ -24162,7 +24162,7 @@
             </a:ln>
             <a:extLst>
               <a:ext uri="{909E8E84-426E-40dd-AFC4-6F175D3DCCD1}">
-                <a14:hiddenFill xmlns:a14="http://schemas.microsoft.com/office/drawing/2010/main" xmlns="">
+                <a14:hiddenFill xmlns="" xmlns:a14="http://schemas.microsoft.com/office/drawing/2010/main">
                   <a:noFill/>
                 </a14:hiddenFill>
               </a:ext>
@@ -24213,7 +24213,7 @@
             </a:ln>
             <a:extLst>
               <a:ext uri="{909E8E84-426E-40dd-AFC4-6F175D3DCCD1}">
-                <a14:hiddenFill xmlns:a14="http://schemas.microsoft.com/office/drawing/2010/main" xmlns="">
+                <a14:hiddenFill xmlns="" xmlns:a14="http://schemas.microsoft.com/office/drawing/2010/main">
                   <a:noFill/>
                 </a14:hiddenFill>
               </a:ext>
@@ -24264,7 +24264,7 @@
             </a:ln>
             <a:extLst>
               <a:ext uri="{909E8E84-426E-40dd-AFC4-6F175D3DCCD1}">
-                <a14:hiddenFill xmlns:a14="http://schemas.microsoft.com/office/drawing/2010/main" xmlns="">
+                <a14:hiddenFill xmlns="" xmlns:a14="http://schemas.microsoft.com/office/drawing/2010/main">
                   <a:noFill/>
                 </a14:hiddenFill>
               </a:ext>
@@ -24315,7 +24315,7 @@
             </a:ln>
             <a:extLst>
               <a:ext uri="{909E8E84-426E-40dd-AFC4-6F175D3DCCD1}">
-                <a14:hiddenFill xmlns:a14="http://schemas.microsoft.com/office/drawing/2010/main" xmlns="">
+                <a14:hiddenFill xmlns="" xmlns:a14="http://schemas.microsoft.com/office/drawing/2010/main">
                   <a:noFill/>
                 </a14:hiddenFill>
               </a:ext>
@@ -24366,7 +24366,7 @@
             </a:ln>
             <a:extLst>
               <a:ext uri="{909E8E84-426E-40dd-AFC4-6F175D3DCCD1}">
-                <a14:hiddenFill xmlns:a14="http://schemas.microsoft.com/office/drawing/2010/main" xmlns="">
+                <a14:hiddenFill xmlns="" xmlns:a14="http://schemas.microsoft.com/office/drawing/2010/main">
                   <a:noFill/>
                 </a14:hiddenFill>
               </a:ext>
@@ -24417,7 +24417,7 @@
             </a:ln>
             <a:extLst>
               <a:ext uri="{909E8E84-426E-40dd-AFC4-6F175D3DCCD1}">
-                <a14:hiddenFill xmlns:a14="http://schemas.microsoft.com/office/drawing/2010/main" xmlns="">
+                <a14:hiddenFill xmlns="" xmlns:a14="http://schemas.microsoft.com/office/drawing/2010/main">
                   <a:noFill/>
                 </a14:hiddenFill>
               </a:ext>
@@ -24468,7 +24468,7 @@
             </a:ln>
             <a:extLst>
               <a:ext uri="{909E8E84-426E-40dd-AFC4-6F175D3DCCD1}">
-                <a14:hiddenFill xmlns:a14="http://schemas.microsoft.com/office/drawing/2010/main" xmlns="">
+                <a14:hiddenFill xmlns="" xmlns:a14="http://schemas.microsoft.com/office/drawing/2010/main">
                   <a:noFill/>
                 </a14:hiddenFill>
               </a:ext>
@@ -24519,7 +24519,7 @@
             </a:ln>
             <a:extLst>
               <a:ext uri="{909E8E84-426E-40dd-AFC4-6F175D3DCCD1}">
-                <a14:hiddenFill xmlns:a14="http://schemas.microsoft.com/office/drawing/2010/main" xmlns="">
+                <a14:hiddenFill xmlns="" xmlns:a14="http://schemas.microsoft.com/office/drawing/2010/main">
                   <a:noFill/>
                 </a14:hiddenFill>
               </a:ext>
@@ -24570,7 +24570,7 @@
             </a:ln>
             <a:extLst>
               <a:ext uri="{909E8E84-426E-40dd-AFC4-6F175D3DCCD1}">
-                <a14:hiddenFill xmlns:a14="http://schemas.microsoft.com/office/drawing/2010/main" xmlns="">
+                <a14:hiddenFill xmlns="" xmlns:a14="http://schemas.microsoft.com/office/drawing/2010/main">
                   <a:noFill/>
                 </a14:hiddenFill>
               </a:ext>
@@ -24621,7 +24621,7 @@
             </a:ln>
             <a:extLst>
               <a:ext uri="{909E8E84-426E-40dd-AFC4-6F175D3DCCD1}">
-                <a14:hiddenFill xmlns:a14="http://schemas.microsoft.com/office/drawing/2010/main" xmlns="">
+                <a14:hiddenFill xmlns="" xmlns:a14="http://schemas.microsoft.com/office/drawing/2010/main">
                   <a:noFill/>
                 </a14:hiddenFill>
               </a:ext>
@@ -24672,7 +24672,7 @@
             </a:ln>
             <a:extLst>
               <a:ext uri="{909E8E84-426E-40dd-AFC4-6F175D3DCCD1}">
-                <a14:hiddenFill xmlns:a14="http://schemas.microsoft.com/office/drawing/2010/main" xmlns="">
+                <a14:hiddenFill xmlns="" xmlns:a14="http://schemas.microsoft.com/office/drawing/2010/main">
                   <a:noFill/>
                 </a14:hiddenFill>
               </a:ext>
@@ -24723,7 +24723,7 @@
             </a:ln>
             <a:extLst>
               <a:ext uri="{909E8E84-426E-40dd-AFC4-6F175D3DCCD1}">
-                <a14:hiddenFill xmlns:a14="http://schemas.microsoft.com/office/drawing/2010/main" xmlns="">
+                <a14:hiddenFill xmlns="" xmlns:a14="http://schemas.microsoft.com/office/drawing/2010/main">
                   <a:noFill/>
                 </a14:hiddenFill>
               </a:ext>
@@ -24774,7 +24774,7 @@
             </a:ln>
             <a:extLst>
               <a:ext uri="{909E8E84-426E-40dd-AFC4-6F175D3DCCD1}">
-                <a14:hiddenFill xmlns:a14="http://schemas.microsoft.com/office/drawing/2010/main" xmlns="">
+                <a14:hiddenFill xmlns="" xmlns:a14="http://schemas.microsoft.com/office/drawing/2010/main">
                   <a:noFill/>
                 </a14:hiddenFill>
               </a:ext>
@@ -24825,7 +24825,7 @@
             </a:ln>
             <a:extLst>
               <a:ext uri="{909E8E84-426E-40dd-AFC4-6F175D3DCCD1}">
-                <a14:hiddenFill xmlns:a14="http://schemas.microsoft.com/office/drawing/2010/main" xmlns="">
+                <a14:hiddenFill xmlns="" xmlns:a14="http://schemas.microsoft.com/office/drawing/2010/main">
                   <a:noFill/>
                 </a14:hiddenFill>
               </a:ext>
@@ -24876,7 +24876,7 @@
             </a:ln>
             <a:extLst>
               <a:ext uri="{909E8E84-426E-40dd-AFC4-6F175D3DCCD1}">
-                <a14:hiddenFill xmlns:a14="http://schemas.microsoft.com/office/drawing/2010/main" xmlns="">
+                <a14:hiddenFill xmlns="" xmlns:a14="http://schemas.microsoft.com/office/drawing/2010/main">
                   <a:noFill/>
                 </a14:hiddenFill>
               </a:ext>
@@ -24927,7 +24927,7 @@
             </a:ln>
             <a:extLst>
               <a:ext uri="{909E8E84-426E-40dd-AFC4-6F175D3DCCD1}">
-                <a14:hiddenFill xmlns:a14="http://schemas.microsoft.com/office/drawing/2010/main" xmlns="">
+                <a14:hiddenFill xmlns="" xmlns:a14="http://schemas.microsoft.com/office/drawing/2010/main">
                   <a:noFill/>
                 </a14:hiddenFill>
               </a:ext>
@@ -24978,7 +24978,7 @@
             </a:ln>
             <a:extLst>
               <a:ext uri="{909E8E84-426E-40dd-AFC4-6F175D3DCCD1}">
-                <a14:hiddenFill xmlns:a14="http://schemas.microsoft.com/office/drawing/2010/main" xmlns="">
+                <a14:hiddenFill xmlns="" xmlns:a14="http://schemas.microsoft.com/office/drawing/2010/main">
                   <a:noFill/>
                 </a14:hiddenFill>
               </a:ext>
@@ -25029,7 +25029,7 @@
             </a:ln>
             <a:extLst>
               <a:ext uri="{909E8E84-426E-40dd-AFC4-6F175D3DCCD1}">
-                <a14:hiddenFill xmlns:a14="http://schemas.microsoft.com/office/drawing/2010/main" xmlns="">
+                <a14:hiddenFill xmlns="" xmlns:a14="http://schemas.microsoft.com/office/drawing/2010/main">
                   <a:noFill/>
                 </a14:hiddenFill>
               </a:ext>
@@ -25080,7 +25080,7 @@
             </a:ln>
             <a:extLst>
               <a:ext uri="{909E8E84-426E-40dd-AFC4-6F175D3DCCD1}">
-                <a14:hiddenFill xmlns:a14="http://schemas.microsoft.com/office/drawing/2010/main" xmlns="">
+                <a14:hiddenFill xmlns="" xmlns:a14="http://schemas.microsoft.com/office/drawing/2010/main">
                   <a:noFill/>
                 </a14:hiddenFill>
               </a:ext>
@@ -25131,7 +25131,7 @@
             </a:ln>
             <a:extLst>
               <a:ext uri="{909E8E84-426E-40dd-AFC4-6F175D3DCCD1}">
-                <a14:hiddenFill xmlns:a14="http://schemas.microsoft.com/office/drawing/2010/main" xmlns="">
+                <a14:hiddenFill xmlns="" xmlns:a14="http://schemas.microsoft.com/office/drawing/2010/main">
                   <a:noFill/>
                 </a14:hiddenFill>
               </a:ext>
@@ -25182,7 +25182,7 @@
             </a:ln>
             <a:extLst>
               <a:ext uri="{909E8E84-426E-40dd-AFC4-6F175D3DCCD1}">
-                <a14:hiddenFill xmlns:a14="http://schemas.microsoft.com/office/drawing/2010/main" xmlns="">
+                <a14:hiddenFill xmlns="" xmlns:a14="http://schemas.microsoft.com/office/drawing/2010/main">
                   <a:noFill/>
                 </a14:hiddenFill>
               </a:ext>
@@ -25233,7 +25233,7 @@
             </a:ln>
             <a:extLst>
               <a:ext uri="{909E8E84-426E-40dd-AFC4-6F175D3DCCD1}">
-                <a14:hiddenFill xmlns:a14="http://schemas.microsoft.com/office/drawing/2010/main" xmlns="">
+                <a14:hiddenFill xmlns="" xmlns:a14="http://schemas.microsoft.com/office/drawing/2010/main">
                   <a:noFill/>
                 </a14:hiddenFill>
               </a:ext>
@@ -25284,7 +25284,7 @@
             </a:ln>
             <a:extLst>
               <a:ext uri="{909E8E84-426E-40dd-AFC4-6F175D3DCCD1}">
-                <a14:hiddenFill xmlns:a14="http://schemas.microsoft.com/office/drawing/2010/main" xmlns="">
+                <a14:hiddenFill xmlns="" xmlns:a14="http://schemas.microsoft.com/office/drawing/2010/main">
                   <a:noFill/>
                 </a14:hiddenFill>
               </a:ext>
@@ -25335,7 +25335,7 @@
             </a:ln>
             <a:extLst>
               <a:ext uri="{909E8E84-426E-40dd-AFC4-6F175D3DCCD1}">
-                <a14:hiddenFill xmlns:a14="http://schemas.microsoft.com/office/drawing/2010/main" xmlns="">
+                <a14:hiddenFill xmlns="" xmlns:a14="http://schemas.microsoft.com/office/drawing/2010/main">
                   <a:noFill/>
                 </a14:hiddenFill>
               </a:ext>
@@ -25386,7 +25386,7 @@
             </a:ln>
             <a:extLst>
               <a:ext uri="{909E8E84-426E-40dd-AFC4-6F175D3DCCD1}">
-                <a14:hiddenFill xmlns:a14="http://schemas.microsoft.com/office/drawing/2010/main" xmlns="">
+                <a14:hiddenFill xmlns="" xmlns:a14="http://schemas.microsoft.com/office/drawing/2010/main">
                   <a:noFill/>
                 </a14:hiddenFill>
               </a:ext>
@@ -25437,7 +25437,7 @@
             </a:ln>
             <a:extLst>
               <a:ext uri="{909E8E84-426E-40dd-AFC4-6F175D3DCCD1}">
-                <a14:hiddenFill xmlns:a14="http://schemas.microsoft.com/office/drawing/2010/main" xmlns="">
+                <a14:hiddenFill xmlns="" xmlns:a14="http://schemas.microsoft.com/office/drawing/2010/main">
                   <a:noFill/>
                 </a14:hiddenFill>
               </a:ext>
@@ -25488,7 +25488,7 @@
             </a:ln>
             <a:extLst>
               <a:ext uri="{909E8E84-426E-40dd-AFC4-6F175D3DCCD1}">
-                <a14:hiddenFill xmlns:a14="http://schemas.microsoft.com/office/drawing/2010/main" xmlns="">
+                <a14:hiddenFill xmlns="" xmlns:a14="http://schemas.microsoft.com/office/drawing/2010/main">
                   <a:noFill/>
                 </a14:hiddenFill>
               </a:ext>
@@ -25539,7 +25539,7 @@
             </a:ln>
             <a:extLst>
               <a:ext uri="{909E8E84-426E-40dd-AFC4-6F175D3DCCD1}">
-                <a14:hiddenFill xmlns:a14="http://schemas.microsoft.com/office/drawing/2010/main" xmlns="">
+                <a14:hiddenFill xmlns="" xmlns:a14="http://schemas.microsoft.com/office/drawing/2010/main">
                   <a:noFill/>
                 </a14:hiddenFill>
               </a:ext>
@@ -25590,7 +25590,7 @@
             </a:ln>
             <a:extLst>
               <a:ext uri="{909E8E84-426E-40dd-AFC4-6F175D3DCCD1}">
-                <a14:hiddenFill xmlns:a14="http://schemas.microsoft.com/office/drawing/2010/main" xmlns="">
+                <a14:hiddenFill xmlns="" xmlns:a14="http://schemas.microsoft.com/office/drawing/2010/main">
                   <a:noFill/>
                 </a14:hiddenFill>
               </a:ext>
@@ -25641,7 +25641,7 @@
             </a:ln>
             <a:extLst>
               <a:ext uri="{909E8E84-426E-40dd-AFC4-6F175D3DCCD1}">
-                <a14:hiddenFill xmlns:a14="http://schemas.microsoft.com/office/drawing/2010/main" xmlns="">
+                <a14:hiddenFill xmlns="" xmlns:a14="http://schemas.microsoft.com/office/drawing/2010/main">
                   <a:noFill/>
                 </a14:hiddenFill>
               </a:ext>
@@ -25692,7 +25692,7 @@
             </a:ln>
             <a:extLst>
               <a:ext uri="{909E8E84-426E-40dd-AFC4-6F175D3DCCD1}">
-                <a14:hiddenFill xmlns:a14="http://schemas.microsoft.com/office/drawing/2010/main" xmlns="">
+                <a14:hiddenFill xmlns="" xmlns:a14="http://schemas.microsoft.com/office/drawing/2010/main">
                   <a:noFill/>
                 </a14:hiddenFill>
               </a:ext>
@@ -25743,7 +25743,7 @@
             </a:ln>
             <a:extLst>
               <a:ext uri="{909E8E84-426E-40dd-AFC4-6F175D3DCCD1}">
-                <a14:hiddenFill xmlns:a14="http://schemas.microsoft.com/office/drawing/2010/main" xmlns="">
+                <a14:hiddenFill xmlns="" xmlns:a14="http://schemas.microsoft.com/office/drawing/2010/main">
                   <a:noFill/>
                 </a14:hiddenFill>
               </a:ext>
@@ -25794,7 +25794,7 @@
             </a:ln>
             <a:extLst>
               <a:ext uri="{909E8E84-426E-40dd-AFC4-6F175D3DCCD1}">
-                <a14:hiddenFill xmlns:a14="http://schemas.microsoft.com/office/drawing/2010/main" xmlns="">
+                <a14:hiddenFill xmlns="" xmlns:a14="http://schemas.microsoft.com/office/drawing/2010/main">
                   <a:noFill/>
                 </a14:hiddenFill>
               </a:ext>
@@ -25845,7 +25845,7 @@
             </a:ln>
             <a:extLst>
               <a:ext uri="{909E8E84-426E-40dd-AFC4-6F175D3DCCD1}">
-                <a14:hiddenFill xmlns:a14="http://schemas.microsoft.com/office/drawing/2010/main" xmlns="">
+                <a14:hiddenFill xmlns="" xmlns:a14="http://schemas.microsoft.com/office/drawing/2010/main">
                   <a:noFill/>
                 </a14:hiddenFill>
               </a:ext>
@@ -25896,7 +25896,7 @@
             </a:ln>
             <a:extLst>
               <a:ext uri="{909E8E84-426E-40dd-AFC4-6F175D3DCCD1}">
-                <a14:hiddenFill xmlns:a14="http://schemas.microsoft.com/office/drawing/2010/main" xmlns="">
+                <a14:hiddenFill xmlns="" xmlns:a14="http://schemas.microsoft.com/office/drawing/2010/main">
                   <a:noFill/>
                 </a14:hiddenFill>
               </a:ext>
@@ -25947,7 +25947,7 @@
             </a:ln>
             <a:extLst>
               <a:ext uri="{909E8E84-426E-40dd-AFC4-6F175D3DCCD1}">
-                <a14:hiddenFill xmlns:a14="http://schemas.microsoft.com/office/drawing/2010/main" xmlns="">
+                <a14:hiddenFill xmlns="" xmlns:a14="http://schemas.microsoft.com/office/drawing/2010/main">
                   <a:noFill/>
                 </a14:hiddenFill>
               </a:ext>
@@ -25998,7 +25998,7 @@
             </a:ln>
             <a:extLst>
               <a:ext uri="{909E8E84-426E-40dd-AFC4-6F175D3DCCD1}">
-                <a14:hiddenFill xmlns:a14="http://schemas.microsoft.com/office/drawing/2010/main" xmlns="">
+                <a14:hiddenFill xmlns="" xmlns:a14="http://schemas.microsoft.com/office/drawing/2010/main">
                   <a:noFill/>
                 </a14:hiddenFill>
               </a:ext>
@@ -26049,7 +26049,7 @@
             </a:ln>
             <a:extLst>
               <a:ext uri="{909E8E84-426E-40dd-AFC4-6F175D3DCCD1}">
-                <a14:hiddenFill xmlns:a14="http://schemas.microsoft.com/office/drawing/2010/main" xmlns="">
+                <a14:hiddenFill xmlns="" xmlns:a14="http://schemas.microsoft.com/office/drawing/2010/main">
                   <a:noFill/>
                 </a14:hiddenFill>
               </a:ext>
@@ -26100,7 +26100,7 @@
             </a:ln>
             <a:extLst>
               <a:ext uri="{909E8E84-426E-40dd-AFC4-6F175D3DCCD1}">
-                <a14:hiddenFill xmlns:a14="http://schemas.microsoft.com/office/drawing/2010/main" xmlns="">
+                <a14:hiddenFill xmlns="" xmlns:a14="http://schemas.microsoft.com/office/drawing/2010/main">
                   <a:noFill/>
                 </a14:hiddenFill>
               </a:ext>
@@ -26151,7 +26151,7 @@
             </a:ln>
             <a:extLst>
               <a:ext uri="{909E8E84-426E-40dd-AFC4-6F175D3DCCD1}">
-                <a14:hiddenFill xmlns:a14="http://schemas.microsoft.com/office/drawing/2010/main" xmlns="">
+                <a14:hiddenFill xmlns="" xmlns:a14="http://schemas.microsoft.com/office/drawing/2010/main">
                   <a:noFill/>
                 </a14:hiddenFill>
               </a:ext>
@@ -26202,7 +26202,7 @@
             </a:ln>
             <a:extLst>
               <a:ext uri="{909E8E84-426E-40dd-AFC4-6F175D3DCCD1}">
-                <a14:hiddenFill xmlns:a14="http://schemas.microsoft.com/office/drawing/2010/main" xmlns="">
+                <a14:hiddenFill xmlns="" xmlns:a14="http://schemas.microsoft.com/office/drawing/2010/main">
                   <a:noFill/>
                 </a14:hiddenFill>
               </a:ext>
@@ -26253,7 +26253,7 @@
             </a:ln>
             <a:extLst>
               <a:ext uri="{909E8E84-426E-40dd-AFC4-6F175D3DCCD1}">
-                <a14:hiddenFill xmlns:a14="http://schemas.microsoft.com/office/drawing/2010/main" xmlns="">
+                <a14:hiddenFill xmlns="" xmlns:a14="http://schemas.microsoft.com/office/drawing/2010/main">
                   <a:noFill/>
                 </a14:hiddenFill>
               </a:ext>
@@ -26304,7 +26304,7 @@
             </a:ln>
             <a:extLst>
               <a:ext uri="{909E8E84-426E-40dd-AFC4-6F175D3DCCD1}">
-                <a14:hiddenFill xmlns:a14="http://schemas.microsoft.com/office/drawing/2010/main" xmlns="">
+                <a14:hiddenFill xmlns="" xmlns:a14="http://schemas.microsoft.com/office/drawing/2010/main">
                   <a:noFill/>
                 </a14:hiddenFill>
               </a:ext>
@@ -27122,7 +27122,7 @@
             </a:ln>
             <a:extLst>
               <a:ext uri="{909E8E84-426E-40dd-AFC4-6F175D3DCCD1}">
-                <a14:hiddenFill xmlns:a14="http://schemas.microsoft.com/office/drawing/2010/main" xmlns="">
+                <a14:hiddenFill xmlns="" xmlns:a14="http://schemas.microsoft.com/office/drawing/2010/main">
                   <a:solidFill>
                     <a:srgbClr val="FFFFFF"/>
                   </a:solidFill>
@@ -27175,7 +27175,7 @@
             </a:ln>
             <a:extLst>
               <a:ext uri="{909E8E84-426E-40dd-AFC4-6F175D3DCCD1}">
-                <a14:hiddenFill xmlns:a14="http://schemas.microsoft.com/office/drawing/2010/main" xmlns="">
+                <a14:hiddenFill xmlns="" xmlns:a14="http://schemas.microsoft.com/office/drawing/2010/main">
                   <a:noFill/>
                 </a14:hiddenFill>
               </a:ext>
@@ -27226,7 +27226,7 @@
             </a:ln>
             <a:extLst>
               <a:ext uri="{909E8E84-426E-40dd-AFC4-6F175D3DCCD1}">
-                <a14:hiddenFill xmlns:a14="http://schemas.microsoft.com/office/drawing/2010/main" xmlns="">
+                <a14:hiddenFill xmlns="" xmlns:a14="http://schemas.microsoft.com/office/drawing/2010/main">
                   <a:noFill/>
                 </a14:hiddenFill>
               </a:ext>
@@ -27277,7 +27277,7 @@
             </a:ln>
             <a:extLst>
               <a:ext uri="{909E8E84-426E-40dd-AFC4-6F175D3DCCD1}">
-                <a14:hiddenFill xmlns:a14="http://schemas.microsoft.com/office/drawing/2010/main" xmlns="">
+                <a14:hiddenFill xmlns="" xmlns:a14="http://schemas.microsoft.com/office/drawing/2010/main">
                   <a:noFill/>
                 </a14:hiddenFill>
               </a:ext>
@@ -27328,7 +27328,7 @@
             </a:ln>
             <a:extLst>
               <a:ext uri="{909E8E84-426E-40dd-AFC4-6F175D3DCCD1}">
-                <a14:hiddenFill xmlns:a14="http://schemas.microsoft.com/office/drawing/2010/main" xmlns="">
+                <a14:hiddenFill xmlns="" xmlns:a14="http://schemas.microsoft.com/office/drawing/2010/main">
                   <a:noFill/>
                 </a14:hiddenFill>
               </a:ext>
@@ -27379,7 +27379,7 @@
             </a:ln>
             <a:extLst>
               <a:ext uri="{909E8E84-426E-40dd-AFC4-6F175D3DCCD1}">
-                <a14:hiddenFill xmlns:a14="http://schemas.microsoft.com/office/drawing/2010/main" xmlns="">
+                <a14:hiddenFill xmlns="" xmlns:a14="http://schemas.microsoft.com/office/drawing/2010/main">
                   <a:noFill/>
                 </a14:hiddenFill>
               </a:ext>
@@ -27430,7 +27430,7 @@
             </a:ln>
             <a:extLst>
               <a:ext uri="{909E8E84-426E-40dd-AFC4-6F175D3DCCD1}">
-                <a14:hiddenFill xmlns:a14="http://schemas.microsoft.com/office/drawing/2010/main" xmlns="">
+                <a14:hiddenFill xmlns="" xmlns:a14="http://schemas.microsoft.com/office/drawing/2010/main">
                   <a:noFill/>
                 </a14:hiddenFill>
               </a:ext>
@@ -27481,7 +27481,7 @@
             </a:ln>
             <a:extLst>
               <a:ext uri="{909E8E84-426E-40dd-AFC4-6F175D3DCCD1}">
-                <a14:hiddenFill xmlns:a14="http://schemas.microsoft.com/office/drawing/2010/main" xmlns="">
+                <a14:hiddenFill xmlns="" xmlns:a14="http://schemas.microsoft.com/office/drawing/2010/main">
                   <a:noFill/>
                 </a14:hiddenFill>
               </a:ext>
@@ -27532,7 +27532,7 @@
             </a:ln>
             <a:extLst>
               <a:ext uri="{909E8E84-426E-40dd-AFC4-6F175D3DCCD1}">
-                <a14:hiddenFill xmlns:a14="http://schemas.microsoft.com/office/drawing/2010/main" xmlns="">
+                <a14:hiddenFill xmlns="" xmlns:a14="http://schemas.microsoft.com/office/drawing/2010/main">
                   <a:noFill/>
                 </a14:hiddenFill>
               </a:ext>
@@ -27583,7 +27583,7 @@
             </a:ln>
             <a:extLst>
               <a:ext uri="{909E8E84-426E-40dd-AFC4-6F175D3DCCD1}">
-                <a14:hiddenFill xmlns:a14="http://schemas.microsoft.com/office/drawing/2010/main" xmlns="">
+                <a14:hiddenFill xmlns="" xmlns:a14="http://schemas.microsoft.com/office/drawing/2010/main">
                   <a:noFill/>
                 </a14:hiddenFill>
               </a:ext>
@@ -27634,7 +27634,7 @@
             </a:ln>
             <a:extLst>
               <a:ext uri="{909E8E84-426E-40dd-AFC4-6F175D3DCCD1}">
-                <a14:hiddenFill xmlns:a14="http://schemas.microsoft.com/office/drawing/2010/main" xmlns="">
+                <a14:hiddenFill xmlns="" xmlns:a14="http://schemas.microsoft.com/office/drawing/2010/main">
                   <a:noFill/>
                 </a14:hiddenFill>
               </a:ext>
@@ -27685,7 +27685,7 @@
             </a:ln>
             <a:extLst>
               <a:ext uri="{909E8E84-426E-40dd-AFC4-6F175D3DCCD1}">
-                <a14:hiddenFill xmlns:a14="http://schemas.microsoft.com/office/drawing/2010/main" xmlns="">
+                <a14:hiddenFill xmlns="" xmlns:a14="http://schemas.microsoft.com/office/drawing/2010/main">
                   <a:noFill/>
                 </a14:hiddenFill>
               </a:ext>
@@ -27736,7 +27736,7 @@
             </a:ln>
             <a:extLst>
               <a:ext uri="{909E8E84-426E-40dd-AFC4-6F175D3DCCD1}">
-                <a14:hiddenFill xmlns:a14="http://schemas.microsoft.com/office/drawing/2010/main" xmlns="">
+                <a14:hiddenFill xmlns="" xmlns:a14="http://schemas.microsoft.com/office/drawing/2010/main">
                   <a:noFill/>
                 </a14:hiddenFill>
               </a:ext>
@@ -27787,7 +27787,7 @@
             </a:ln>
             <a:extLst>
               <a:ext uri="{909E8E84-426E-40dd-AFC4-6F175D3DCCD1}">
-                <a14:hiddenFill xmlns:a14="http://schemas.microsoft.com/office/drawing/2010/main" xmlns="">
+                <a14:hiddenFill xmlns="" xmlns:a14="http://schemas.microsoft.com/office/drawing/2010/main">
                   <a:noFill/>
                 </a14:hiddenFill>
               </a:ext>
@@ -27838,7 +27838,7 @@
             </a:ln>
             <a:extLst>
               <a:ext uri="{909E8E84-426E-40dd-AFC4-6F175D3DCCD1}">
-                <a14:hiddenFill xmlns:a14="http://schemas.microsoft.com/office/drawing/2010/main" xmlns="">
+                <a14:hiddenFill xmlns="" xmlns:a14="http://schemas.microsoft.com/office/drawing/2010/main">
                   <a:noFill/>
                 </a14:hiddenFill>
               </a:ext>
@@ -27889,7 +27889,7 @@
             </a:ln>
             <a:extLst>
               <a:ext uri="{909E8E84-426E-40dd-AFC4-6F175D3DCCD1}">
-                <a14:hiddenFill xmlns:a14="http://schemas.microsoft.com/office/drawing/2010/main" xmlns="">
+                <a14:hiddenFill xmlns="" xmlns:a14="http://schemas.microsoft.com/office/drawing/2010/main">
                   <a:noFill/>
                 </a14:hiddenFill>
               </a:ext>
@@ -27940,7 +27940,7 @@
             </a:ln>
             <a:extLst>
               <a:ext uri="{909E8E84-426E-40dd-AFC4-6F175D3DCCD1}">
-                <a14:hiddenFill xmlns:a14="http://schemas.microsoft.com/office/drawing/2010/main" xmlns="">
+                <a14:hiddenFill xmlns="" xmlns:a14="http://schemas.microsoft.com/office/drawing/2010/main">
                   <a:noFill/>
                 </a14:hiddenFill>
               </a:ext>
@@ -27991,7 +27991,7 @@
             </a:ln>
             <a:extLst>
               <a:ext uri="{909E8E84-426E-40dd-AFC4-6F175D3DCCD1}">
-                <a14:hiddenFill xmlns:a14="http://schemas.microsoft.com/office/drawing/2010/main" xmlns="">
+                <a14:hiddenFill xmlns="" xmlns:a14="http://schemas.microsoft.com/office/drawing/2010/main">
                   <a:noFill/>
                 </a14:hiddenFill>
               </a:ext>
@@ -28042,7 +28042,7 @@
             </a:ln>
             <a:extLst>
               <a:ext uri="{909E8E84-426E-40dd-AFC4-6F175D3DCCD1}">
-                <a14:hiddenFill xmlns:a14="http://schemas.microsoft.com/office/drawing/2010/main" xmlns="">
+                <a14:hiddenFill xmlns="" xmlns:a14="http://schemas.microsoft.com/office/drawing/2010/main">
                   <a:noFill/>
                 </a14:hiddenFill>
               </a:ext>
@@ -28093,7 +28093,7 @@
             </a:ln>
             <a:extLst>
               <a:ext uri="{909E8E84-426E-40dd-AFC4-6F175D3DCCD1}">
-                <a14:hiddenFill xmlns:a14="http://schemas.microsoft.com/office/drawing/2010/main" xmlns="">
+                <a14:hiddenFill xmlns="" xmlns:a14="http://schemas.microsoft.com/office/drawing/2010/main">
                   <a:noFill/>
                 </a14:hiddenFill>
               </a:ext>
@@ -28144,7 +28144,7 @@
             </a:ln>
             <a:extLst>
               <a:ext uri="{909E8E84-426E-40dd-AFC4-6F175D3DCCD1}">
-                <a14:hiddenFill xmlns:a14="http://schemas.microsoft.com/office/drawing/2010/main" xmlns="">
+                <a14:hiddenFill xmlns="" xmlns:a14="http://schemas.microsoft.com/office/drawing/2010/main">
                   <a:noFill/>
                 </a14:hiddenFill>
               </a:ext>
@@ -28195,7 +28195,7 @@
             </a:ln>
             <a:extLst>
               <a:ext uri="{909E8E84-426E-40dd-AFC4-6F175D3DCCD1}">
-                <a14:hiddenFill xmlns:a14="http://schemas.microsoft.com/office/drawing/2010/main" xmlns="">
+                <a14:hiddenFill xmlns="" xmlns:a14="http://schemas.microsoft.com/office/drawing/2010/main">
                   <a:noFill/>
                 </a14:hiddenFill>
               </a:ext>
@@ -28246,7 +28246,7 @@
             </a:ln>
             <a:extLst>
               <a:ext uri="{909E8E84-426E-40dd-AFC4-6F175D3DCCD1}">
-                <a14:hiddenFill xmlns:a14="http://schemas.microsoft.com/office/drawing/2010/main" xmlns="">
+                <a14:hiddenFill xmlns="" xmlns:a14="http://schemas.microsoft.com/office/drawing/2010/main">
                   <a:noFill/>
                 </a14:hiddenFill>
               </a:ext>
@@ -28297,7 +28297,7 @@
             </a:ln>
             <a:extLst>
               <a:ext uri="{909E8E84-426E-40dd-AFC4-6F175D3DCCD1}">
-                <a14:hiddenFill xmlns:a14="http://schemas.microsoft.com/office/drawing/2010/main" xmlns="">
+                <a14:hiddenFill xmlns="" xmlns:a14="http://schemas.microsoft.com/office/drawing/2010/main">
                   <a:noFill/>
                 </a14:hiddenFill>
               </a:ext>
@@ -28348,7 +28348,7 @@
             </a:ln>
             <a:extLst>
               <a:ext uri="{909E8E84-426E-40dd-AFC4-6F175D3DCCD1}">
-                <a14:hiddenFill xmlns:a14="http://schemas.microsoft.com/office/drawing/2010/main" xmlns="">
+                <a14:hiddenFill xmlns="" xmlns:a14="http://schemas.microsoft.com/office/drawing/2010/main">
                   <a:noFill/>
                 </a14:hiddenFill>
               </a:ext>
@@ -28399,7 +28399,7 @@
             </a:ln>
             <a:extLst>
               <a:ext uri="{909E8E84-426E-40dd-AFC4-6F175D3DCCD1}">
-                <a14:hiddenFill xmlns:a14="http://schemas.microsoft.com/office/drawing/2010/main" xmlns="">
+                <a14:hiddenFill xmlns="" xmlns:a14="http://schemas.microsoft.com/office/drawing/2010/main">
                   <a:noFill/>
                 </a14:hiddenFill>
               </a:ext>
@@ -28450,7 +28450,7 @@
             </a:ln>
             <a:extLst>
               <a:ext uri="{909E8E84-426E-40dd-AFC4-6F175D3DCCD1}">
-                <a14:hiddenFill xmlns:a14="http://schemas.microsoft.com/office/drawing/2010/main" xmlns="">
+                <a14:hiddenFill xmlns="" xmlns:a14="http://schemas.microsoft.com/office/drawing/2010/main">
                   <a:noFill/>
                 </a14:hiddenFill>
               </a:ext>
@@ -28501,7 +28501,7 @@
             </a:ln>
             <a:extLst>
               <a:ext uri="{909E8E84-426E-40dd-AFC4-6F175D3DCCD1}">
-                <a14:hiddenFill xmlns:a14="http://schemas.microsoft.com/office/drawing/2010/main" xmlns="">
+                <a14:hiddenFill xmlns="" xmlns:a14="http://schemas.microsoft.com/office/drawing/2010/main">
                   <a:noFill/>
                 </a14:hiddenFill>
               </a:ext>
@@ -28552,7 +28552,7 @@
             </a:ln>
             <a:extLst>
               <a:ext uri="{909E8E84-426E-40dd-AFC4-6F175D3DCCD1}">
-                <a14:hiddenFill xmlns:a14="http://schemas.microsoft.com/office/drawing/2010/main" xmlns="">
+                <a14:hiddenFill xmlns="" xmlns:a14="http://schemas.microsoft.com/office/drawing/2010/main">
                   <a:noFill/>
                 </a14:hiddenFill>
               </a:ext>
@@ -28603,7 +28603,7 @@
             </a:ln>
             <a:extLst>
               <a:ext uri="{909E8E84-426E-40dd-AFC4-6F175D3DCCD1}">
-                <a14:hiddenFill xmlns:a14="http://schemas.microsoft.com/office/drawing/2010/main" xmlns="">
+                <a14:hiddenFill xmlns="" xmlns:a14="http://schemas.microsoft.com/office/drawing/2010/main">
                   <a:noFill/>
                 </a14:hiddenFill>
               </a:ext>
@@ -28654,7 +28654,7 @@
             </a:ln>
             <a:extLst>
               <a:ext uri="{909E8E84-426E-40dd-AFC4-6F175D3DCCD1}">
-                <a14:hiddenFill xmlns:a14="http://schemas.microsoft.com/office/drawing/2010/main" xmlns="">
+                <a14:hiddenFill xmlns="" xmlns:a14="http://schemas.microsoft.com/office/drawing/2010/main">
                   <a:noFill/>
                 </a14:hiddenFill>
               </a:ext>
@@ -28705,7 +28705,7 @@
             </a:ln>
             <a:extLst>
               <a:ext uri="{909E8E84-426E-40dd-AFC4-6F175D3DCCD1}">
-                <a14:hiddenFill xmlns:a14="http://schemas.microsoft.com/office/drawing/2010/main" xmlns="">
+                <a14:hiddenFill xmlns="" xmlns:a14="http://schemas.microsoft.com/office/drawing/2010/main">
                   <a:noFill/>
                 </a14:hiddenFill>
               </a:ext>
@@ -28756,7 +28756,7 @@
             </a:ln>
             <a:extLst>
               <a:ext uri="{909E8E84-426E-40dd-AFC4-6F175D3DCCD1}">
-                <a14:hiddenFill xmlns:a14="http://schemas.microsoft.com/office/drawing/2010/main" xmlns="">
+                <a14:hiddenFill xmlns="" xmlns:a14="http://schemas.microsoft.com/office/drawing/2010/main">
                   <a:noFill/>
                 </a14:hiddenFill>
               </a:ext>
@@ -28807,7 +28807,7 @@
             </a:ln>
             <a:extLst>
               <a:ext uri="{909E8E84-426E-40dd-AFC4-6F175D3DCCD1}">
-                <a14:hiddenFill xmlns:a14="http://schemas.microsoft.com/office/drawing/2010/main" xmlns="">
+                <a14:hiddenFill xmlns="" xmlns:a14="http://schemas.microsoft.com/office/drawing/2010/main">
                   <a:noFill/>
                 </a14:hiddenFill>
               </a:ext>
@@ -28858,7 +28858,7 @@
             </a:ln>
             <a:extLst>
               <a:ext uri="{909E8E84-426E-40dd-AFC4-6F175D3DCCD1}">
-                <a14:hiddenFill xmlns:a14="http://schemas.microsoft.com/office/drawing/2010/main" xmlns="">
+                <a14:hiddenFill xmlns="" xmlns:a14="http://schemas.microsoft.com/office/drawing/2010/main">
                   <a:noFill/>
                 </a14:hiddenFill>
               </a:ext>
@@ -28909,7 +28909,7 @@
             </a:ln>
             <a:extLst>
               <a:ext uri="{909E8E84-426E-40dd-AFC4-6F175D3DCCD1}">
-                <a14:hiddenFill xmlns:a14="http://schemas.microsoft.com/office/drawing/2010/main" xmlns="">
+                <a14:hiddenFill xmlns="" xmlns:a14="http://schemas.microsoft.com/office/drawing/2010/main">
                   <a:noFill/>
                 </a14:hiddenFill>
               </a:ext>
@@ -28960,7 +28960,7 @@
             </a:ln>
             <a:extLst>
               <a:ext uri="{909E8E84-426E-40dd-AFC4-6F175D3DCCD1}">
-                <a14:hiddenFill xmlns:a14="http://schemas.microsoft.com/office/drawing/2010/main" xmlns="">
+                <a14:hiddenFill xmlns="" xmlns:a14="http://schemas.microsoft.com/office/drawing/2010/main">
                   <a:noFill/>
                 </a14:hiddenFill>
               </a:ext>
@@ -29011,7 +29011,7 @@
             </a:ln>
             <a:extLst>
               <a:ext uri="{909E8E84-426E-40dd-AFC4-6F175D3DCCD1}">
-                <a14:hiddenFill xmlns:a14="http://schemas.microsoft.com/office/drawing/2010/main" xmlns="">
+                <a14:hiddenFill xmlns="" xmlns:a14="http://schemas.microsoft.com/office/drawing/2010/main">
                   <a:noFill/>
                 </a14:hiddenFill>
               </a:ext>
@@ -29062,7 +29062,7 @@
             </a:ln>
             <a:extLst>
               <a:ext uri="{909E8E84-426E-40dd-AFC4-6F175D3DCCD1}">
-                <a14:hiddenFill xmlns:a14="http://schemas.microsoft.com/office/drawing/2010/main" xmlns="">
+                <a14:hiddenFill xmlns="" xmlns:a14="http://schemas.microsoft.com/office/drawing/2010/main">
                   <a:noFill/>
                 </a14:hiddenFill>
               </a:ext>
@@ -29113,7 +29113,7 @@
             </a:ln>
             <a:extLst>
               <a:ext uri="{909E8E84-426E-40dd-AFC4-6F175D3DCCD1}">
-                <a14:hiddenFill xmlns:a14="http://schemas.microsoft.com/office/drawing/2010/main" xmlns="">
+                <a14:hiddenFill xmlns="" xmlns:a14="http://schemas.microsoft.com/office/drawing/2010/main">
                   <a:noFill/>
                 </a14:hiddenFill>
               </a:ext>
@@ -29164,7 +29164,7 @@
             </a:ln>
             <a:extLst>
               <a:ext uri="{909E8E84-426E-40dd-AFC4-6F175D3DCCD1}">
-                <a14:hiddenFill xmlns:a14="http://schemas.microsoft.com/office/drawing/2010/main" xmlns="">
+                <a14:hiddenFill xmlns="" xmlns:a14="http://schemas.microsoft.com/office/drawing/2010/main">
                   <a:noFill/>
                 </a14:hiddenFill>
               </a:ext>
@@ -29215,7 +29215,7 @@
             </a:ln>
             <a:extLst>
               <a:ext uri="{909E8E84-426E-40dd-AFC4-6F175D3DCCD1}">
-                <a14:hiddenFill xmlns:a14="http://schemas.microsoft.com/office/drawing/2010/main" xmlns="">
+                <a14:hiddenFill xmlns="" xmlns:a14="http://schemas.microsoft.com/office/drawing/2010/main">
                   <a:noFill/>
                 </a14:hiddenFill>
               </a:ext>
@@ -29266,7 +29266,7 @@
             </a:ln>
             <a:extLst>
               <a:ext uri="{909E8E84-426E-40dd-AFC4-6F175D3DCCD1}">
-                <a14:hiddenFill xmlns:a14="http://schemas.microsoft.com/office/drawing/2010/main" xmlns="">
+                <a14:hiddenFill xmlns="" xmlns:a14="http://schemas.microsoft.com/office/drawing/2010/main">
                   <a:noFill/>
                 </a14:hiddenFill>
               </a:ext>
@@ -29317,7 +29317,7 @@
             </a:ln>
             <a:extLst>
               <a:ext uri="{909E8E84-426E-40dd-AFC4-6F175D3DCCD1}">
-                <a14:hiddenFill xmlns:a14="http://schemas.microsoft.com/office/drawing/2010/main" xmlns="">
+                <a14:hiddenFill xmlns="" xmlns:a14="http://schemas.microsoft.com/office/drawing/2010/main">
                   <a:noFill/>
                 </a14:hiddenFill>
               </a:ext>
@@ -29368,7 +29368,7 @@
             </a:ln>
             <a:extLst>
               <a:ext uri="{909E8E84-426E-40dd-AFC4-6F175D3DCCD1}">
-                <a14:hiddenFill xmlns:a14="http://schemas.microsoft.com/office/drawing/2010/main" xmlns="">
+                <a14:hiddenFill xmlns="" xmlns:a14="http://schemas.microsoft.com/office/drawing/2010/main">
                   <a:noFill/>
                 </a14:hiddenFill>
               </a:ext>
@@ -29419,7 +29419,7 @@
             </a:ln>
             <a:extLst>
               <a:ext uri="{909E8E84-426E-40dd-AFC4-6F175D3DCCD1}">
-                <a14:hiddenFill xmlns:a14="http://schemas.microsoft.com/office/drawing/2010/main" xmlns="">
+                <a14:hiddenFill xmlns="" xmlns:a14="http://schemas.microsoft.com/office/drawing/2010/main">
                   <a:noFill/>
                 </a14:hiddenFill>
               </a:ext>
@@ -29470,7 +29470,7 @@
             </a:ln>
             <a:extLst>
               <a:ext uri="{909E8E84-426E-40dd-AFC4-6F175D3DCCD1}">
-                <a14:hiddenFill xmlns:a14="http://schemas.microsoft.com/office/drawing/2010/main" xmlns="">
+                <a14:hiddenFill xmlns="" xmlns:a14="http://schemas.microsoft.com/office/drawing/2010/main">
                   <a:noFill/>
                 </a14:hiddenFill>
               </a:ext>
@@ -29521,7 +29521,7 @@
             </a:ln>
             <a:extLst>
               <a:ext uri="{909E8E84-426E-40dd-AFC4-6F175D3DCCD1}">
-                <a14:hiddenFill xmlns:a14="http://schemas.microsoft.com/office/drawing/2010/main" xmlns="">
+                <a14:hiddenFill xmlns="" xmlns:a14="http://schemas.microsoft.com/office/drawing/2010/main">
                   <a:noFill/>
                 </a14:hiddenFill>
               </a:ext>
@@ -29572,7 +29572,7 @@
             </a:ln>
             <a:extLst>
               <a:ext uri="{909E8E84-426E-40dd-AFC4-6F175D3DCCD1}">
-                <a14:hiddenFill xmlns:a14="http://schemas.microsoft.com/office/drawing/2010/main" xmlns="">
+                <a14:hiddenFill xmlns="" xmlns:a14="http://schemas.microsoft.com/office/drawing/2010/main">
                   <a:noFill/>
                 </a14:hiddenFill>
               </a:ext>
@@ -29623,7 +29623,7 @@
             </a:ln>
             <a:extLst>
               <a:ext uri="{909E8E84-426E-40dd-AFC4-6F175D3DCCD1}">
-                <a14:hiddenFill xmlns:a14="http://schemas.microsoft.com/office/drawing/2010/main" xmlns="">
+                <a14:hiddenFill xmlns="" xmlns:a14="http://schemas.microsoft.com/office/drawing/2010/main">
                   <a:noFill/>
                 </a14:hiddenFill>
               </a:ext>
@@ -29674,7 +29674,7 @@
             </a:ln>
             <a:extLst>
               <a:ext uri="{909E8E84-426E-40dd-AFC4-6F175D3DCCD1}">
-                <a14:hiddenFill xmlns:a14="http://schemas.microsoft.com/office/drawing/2010/main" xmlns="">
+                <a14:hiddenFill xmlns="" xmlns:a14="http://schemas.microsoft.com/office/drawing/2010/main">
                   <a:noFill/>
                 </a14:hiddenFill>
               </a:ext>
@@ -29725,7 +29725,7 @@
             </a:ln>
             <a:extLst>
               <a:ext uri="{909E8E84-426E-40dd-AFC4-6F175D3DCCD1}">
-                <a14:hiddenFill xmlns:a14="http://schemas.microsoft.com/office/drawing/2010/main" xmlns="">
+                <a14:hiddenFill xmlns="" xmlns:a14="http://schemas.microsoft.com/office/drawing/2010/main">
                   <a:noFill/>
                 </a14:hiddenFill>
               </a:ext>
@@ -29776,7 +29776,7 @@
             </a:ln>
             <a:extLst>
               <a:ext uri="{909E8E84-426E-40dd-AFC4-6F175D3DCCD1}">
-                <a14:hiddenFill xmlns:a14="http://schemas.microsoft.com/office/drawing/2010/main" xmlns="">
+                <a14:hiddenFill xmlns="" xmlns:a14="http://schemas.microsoft.com/office/drawing/2010/main">
                   <a:noFill/>
                 </a14:hiddenFill>
               </a:ext>
@@ -29827,7 +29827,7 @@
             </a:ln>
             <a:extLst>
               <a:ext uri="{909E8E84-426E-40dd-AFC4-6F175D3DCCD1}">
-                <a14:hiddenFill xmlns:a14="http://schemas.microsoft.com/office/drawing/2010/main" xmlns="">
+                <a14:hiddenFill xmlns="" xmlns:a14="http://schemas.microsoft.com/office/drawing/2010/main">
                   <a:noFill/>
                 </a14:hiddenFill>
               </a:ext>
@@ -29878,7 +29878,7 @@
             </a:ln>
             <a:extLst>
               <a:ext uri="{909E8E84-426E-40dd-AFC4-6F175D3DCCD1}">
-                <a14:hiddenFill xmlns:a14="http://schemas.microsoft.com/office/drawing/2010/main" xmlns="">
+                <a14:hiddenFill xmlns="" xmlns:a14="http://schemas.microsoft.com/office/drawing/2010/main">
                   <a:noFill/>
                 </a14:hiddenFill>
               </a:ext>
@@ -29929,7 +29929,7 @@
             </a:ln>
             <a:extLst>
               <a:ext uri="{909E8E84-426E-40dd-AFC4-6F175D3DCCD1}">
-                <a14:hiddenFill xmlns:a14="http://schemas.microsoft.com/office/drawing/2010/main" xmlns="">
+                <a14:hiddenFill xmlns="" xmlns:a14="http://schemas.microsoft.com/office/drawing/2010/main">
                   <a:noFill/>
                 </a14:hiddenFill>
               </a:ext>
@@ -29980,7 +29980,7 @@
             </a:ln>
             <a:extLst>
               <a:ext uri="{909E8E84-426E-40dd-AFC4-6F175D3DCCD1}">
-                <a14:hiddenFill xmlns:a14="http://schemas.microsoft.com/office/drawing/2010/main" xmlns="">
+                <a14:hiddenFill xmlns="" xmlns:a14="http://schemas.microsoft.com/office/drawing/2010/main">
                   <a:noFill/>
                 </a14:hiddenFill>
               </a:ext>
@@ -30031,7 +30031,7 @@
             </a:ln>
             <a:extLst>
               <a:ext uri="{909E8E84-426E-40dd-AFC4-6F175D3DCCD1}">
-                <a14:hiddenFill xmlns:a14="http://schemas.microsoft.com/office/drawing/2010/main" xmlns="">
+                <a14:hiddenFill xmlns="" xmlns:a14="http://schemas.microsoft.com/office/drawing/2010/main">
                   <a:noFill/>
                 </a14:hiddenFill>
               </a:ext>
@@ -30082,7 +30082,7 @@
             </a:ln>
             <a:extLst>
               <a:ext uri="{909E8E84-426E-40dd-AFC4-6F175D3DCCD1}">
-                <a14:hiddenFill xmlns:a14="http://schemas.microsoft.com/office/drawing/2010/main" xmlns="">
+                <a14:hiddenFill xmlns="" xmlns:a14="http://schemas.microsoft.com/office/drawing/2010/main">
                   <a:noFill/>
                 </a14:hiddenFill>
               </a:ext>
@@ -30133,7 +30133,7 @@
             </a:ln>
             <a:extLst>
               <a:ext uri="{909E8E84-426E-40dd-AFC4-6F175D3DCCD1}">
-                <a14:hiddenFill xmlns:a14="http://schemas.microsoft.com/office/drawing/2010/main" xmlns="">
+                <a14:hiddenFill xmlns="" xmlns:a14="http://schemas.microsoft.com/office/drawing/2010/main">
                   <a:noFill/>
                 </a14:hiddenFill>
               </a:ext>
@@ -30184,7 +30184,7 @@
             </a:ln>
             <a:extLst>
               <a:ext uri="{909E8E84-426E-40dd-AFC4-6F175D3DCCD1}">
-                <a14:hiddenFill xmlns:a14="http://schemas.microsoft.com/office/drawing/2010/main" xmlns="">
+                <a14:hiddenFill xmlns="" xmlns:a14="http://schemas.microsoft.com/office/drawing/2010/main">
                   <a:noFill/>
                 </a14:hiddenFill>
               </a:ext>
@@ -30235,7 +30235,7 @@
             </a:ln>
             <a:extLst>
               <a:ext uri="{909E8E84-426E-40dd-AFC4-6F175D3DCCD1}">
-                <a14:hiddenFill xmlns:a14="http://schemas.microsoft.com/office/drawing/2010/main" xmlns="">
+                <a14:hiddenFill xmlns="" xmlns:a14="http://schemas.microsoft.com/office/drawing/2010/main">
                   <a:noFill/>
                 </a14:hiddenFill>
               </a:ext>
@@ -30286,7 +30286,7 @@
             </a:ln>
             <a:extLst>
               <a:ext uri="{909E8E84-426E-40dd-AFC4-6F175D3DCCD1}">
-                <a14:hiddenFill xmlns:a14="http://schemas.microsoft.com/office/drawing/2010/main" xmlns="">
+                <a14:hiddenFill xmlns="" xmlns:a14="http://schemas.microsoft.com/office/drawing/2010/main">
                   <a:noFill/>
                 </a14:hiddenFill>
               </a:ext>
@@ -30337,7 +30337,7 @@
             </a:ln>
             <a:extLst>
               <a:ext uri="{909E8E84-426E-40dd-AFC4-6F175D3DCCD1}">
-                <a14:hiddenFill xmlns:a14="http://schemas.microsoft.com/office/drawing/2010/main" xmlns="">
+                <a14:hiddenFill xmlns="" xmlns:a14="http://schemas.microsoft.com/office/drawing/2010/main">
                   <a:noFill/>
                 </a14:hiddenFill>
               </a:ext>
@@ -30388,7 +30388,7 @@
             </a:ln>
             <a:extLst>
               <a:ext uri="{909E8E84-426E-40dd-AFC4-6F175D3DCCD1}">
-                <a14:hiddenFill xmlns:a14="http://schemas.microsoft.com/office/drawing/2010/main" xmlns="">
+                <a14:hiddenFill xmlns="" xmlns:a14="http://schemas.microsoft.com/office/drawing/2010/main">
                   <a:noFill/>
                 </a14:hiddenFill>
               </a:ext>
@@ -30439,7 +30439,7 @@
             </a:ln>
             <a:extLst>
               <a:ext uri="{909E8E84-426E-40dd-AFC4-6F175D3DCCD1}">
-                <a14:hiddenFill xmlns:a14="http://schemas.microsoft.com/office/drawing/2010/main" xmlns="">
+                <a14:hiddenFill xmlns="" xmlns:a14="http://schemas.microsoft.com/office/drawing/2010/main">
                   <a:noFill/>
                 </a14:hiddenFill>
               </a:ext>
@@ -30490,7 +30490,7 @@
             </a:ln>
             <a:extLst>
               <a:ext uri="{909E8E84-426E-40dd-AFC4-6F175D3DCCD1}">
-                <a14:hiddenFill xmlns:a14="http://schemas.microsoft.com/office/drawing/2010/main" xmlns="">
+                <a14:hiddenFill xmlns="" xmlns:a14="http://schemas.microsoft.com/office/drawing/2010/main">
                   <a:noFill/>
                 </a14:hiddenFill>
               </a:ext>
@@ -30541,7 +30541,7 @@
             </a:ln>
             <a:extLst>
               <a:ext uri="{909E8E84-426E-40dd-AFC4-6F175D3DCCD1}">
-                <a14:hiddenFill xmlns:a14="http://schemas.microsoft.com/office/drawing/2010/main" xmlns="">
+                <a14:hiddenFill xmlns="" xmlns:a14="http://schemas.microsoft.com/office/drawing/2010/main">
                   <a:noFill/>
                 </a14:hiddenFill>
               </a:ext>
@@ -30592,7 +30592,7 @@
             </a:ln>
             <a:extLst>
               <a:ext uri="{909E8E84-426E-40dd-AFC4-6F175D3DCCD1}">
-                <a14:hiddenFill xmlns:a14="http://schemas.microsoft.com/office/drawing/2010/main" xmlns="">
+                <a14:hiddenFill xmlns="" xmlns:a14="http://schemas.microsoft.com/office/drawing/2010/main">
                   <a:noFill/>
                 </a14:hiddenFill>
               </a:ext>
@@ -31415,7 +31415,7 @@
             </a:ln>
             <a:extLst>
               <a:ext uri="{909E8E84-426E-40dd-AFC4-6F175D3DCCD1}">
-                <a14:hiddenFill xmlns:a14="http://schemas.microsoft.com/office/drawing/2010/main" xmlns="">
+                <a14:hiddenFill xmlns="" xmlns:a14="http://schemas.microsoft.com/office/drawing/2010/main">
                   <a:solidFill>
                     <a:srgbClr val="FFFFFF"/>
                   </a:solidFill>
@@ -31468,7 +31468,7 @@
             </a:ln>
             <a:extLst>
               <a:ext uri="{909E8E84-426E-40dd-AFC4-6F175D3DCCD1}">
-                <a14:hiddenFill xmlns:a14="http://schemas.microsoft.com/office/drawing/2010/main" xmlns="">
+                <a14:hiddenFill xmlns="" xmlns:a14="http://schemas.microsoft.com/office/drawing/2010/main">
                   <a:noFill/>
                 </a14:hiddenFill>
               </a:ext>
@@ -31519,7 +31519,7 @@
             </a:ln>
             <a:extLst>
               <a:ext uri="{909E8E84-426E-40dd-AFC4-6F175D3DCCD1}">
-                <a14:hiddenFill xmlns:a14="http://schemas.microsoft.com/office/drawing/2010/main" xmlns="">
+                <a14:hiddenFill xmlns="" xmlns:a14="http://schemas.microsoft.com/office/drawing/2010/main">
                   <a:noFill/>
                 </a14:hiddenFill>
               </a:ext>
@@ -31570,7 +31570,7 @@
             </a:ln>
             <a:extLst>
               <a:ext uri="{909E8E84-426E-40dd-AFC4-6F175D3DCCD1}">
-                <a14:hiddenFill xmlns:a14="http://schemas.microsoft.com/office/drawing/2010/main" xmlns="">
+                <a14:hiddenFill xmlns="" xmlns:a14="http://schemas.microsoft.com/office/drawing/2010/main">
                   <a:noFill/>
                 </a14:hiddenFill>
               </a:ext>
@@ -31621,7 +31621,7 @@
             </a:ln>
             <a:extLst>
               <a:ext uri="{909E8E84-426E-40dd-AFC4-6F175D3DCCD1}">
-                <a14:hiddenFill xmlns:a14="http://schemas.microsoft.com/office/drawing/2010/main" xmlns="">
+                <a14:hiddenFill xmlns="" xmlns:a14="http://schemas.microsoft.com/office/drawing/2010/main">
                   <a:noFill/>
                 </a14:hiddenFill>
               </a:ext>
@@ -31672,7 +31672,7 @@
             </a:ln>
             <a:extLst>
               <a:ext uri="{909E8E84-426E-40dd-AFC4-6F175D3DCCD1}">
-                <a14:hiddenFill xmlns:a14="http://schemas.microsoft.com/office/drawing/2010/main" xmlns="">
+                <a14:hiddenFill xmlns="" xmlns:a14="http://schemas.microsoft.com/office/drawing/2010/main">
                   <a:noFill/>
                 </a14:hiddenFill>
               </a:ext>
@@ -31723,7 +31723,7 @@
             </a:ln>
             <a:extLst>
               <a:ext uri="{909E8E84-426E-40dd-AFC4-6F175D3DCCD1}">
-                <a14:hiddenFill xmlns:a14="http://schemas.microsoft.com/office/drawing/2010/main" xmlns="">
+                <a14:hiddenFill xmlns="" xmlns:a14="http://schemas.microsoft.com/office/drawing/2010/main">
                   <a:noFill/>
                 </a14:hiddenFill>
               </a:ext>
@@ -31774,7 +31774,7 @@
             </a:ln>
             <a:extLst>
               <a:ext uri="{909E8E84-426E-40dd-AFC4-6F175D3DCCD1}">
-                <a14:hiddenFill xmlns:a14="http://schemas.microsoft.com/office/drawing/2010/main" xmlns="">
+                <a14:hiddenFill xmlns="" xmlns:a14="http://schemas.microsoft.com/office/drawing/2010/main">
                   <a:noFill/>
                 </a14:hiddenFill>
               </a:ext>
@@ -31825,7 +31825,7 @@
             </a:ln>
             <a:extLst>
               <a:ext uri="{909E8E84-426E-40dd-AFC4-6F175D3DCCD1}">
-                <a14:hiddenFill xmlns:a14="http://schemas.microsoft.com/office/drawing/2010/main" xmlns="">
+                <a14:hiddenFill xmlns="" xmlns:a14="http://schemas.microsoft.com/office/drawing/2010/main">
                   <a:noFill/>
                 </a14:hiddenFill>
               </a:ext>
@@ -31876,7 +31876,7 @@
             </a:ln>
             <a:extLst>
               <a:ext uri="{909E8E84-426E-40dd-AFC4-6F175D3DCCD1}">
-                <a14:hiddenFill xmlns:a14="http://schemas.microsoft.com/office/drawing/2010/main" xmlns="">
+                <a14:hiddenFill xmlns="" xmlns:a14="http://schemas.microsoft.com/office/drawing/2010/main">
                   <a:noFill/>
                 </a14:hiddenFill>
               </a:ext>
@@ -31927,7 +31927,7 @@
             </a:ln>
             <a:extLst>
               <a:ext uri="{909E8E84-426E-40dd-AFC4-6F175D3DCCD1}">
-                <a14:hiddenFill xmlns:a14="http://schemas.microsoft.com/office/drawing/2010/main" xmlns="">
+                <a14:hiddenFill xmlns="" xmlns:a14="http://schemas.microsoft.com/office/drawing/2010/main">
                   <a:noFill/>
                 </a14:hiddenFill>
               </a:ext>
@@ -31978,7 +31978,7 @@
             </a:ln>
             <a:extLst>
               <a:ext uri="{909E8E84-426E-40dd-AFC4-6F175D3DCCD1}">
-                <a14:hiddenFill xmlns:a14="http://schemas.microsoft.com/office/drawing/2010/main" xmlns="">
+                <a14:hiddenFill xmlns="" xmlns:a14="http://schemas.microsoft.com/office/drawing/2010/main">
                   <a:noFill/>
                 </a14:hiddenFill>
               </a:ext>
@@ -32029,7 +32029,7 @@
             </a:ln>
             <a:extLst>
               <a:ext uri="{909E8E84-426E-40dd-AFC4-6F175D3DCCD1}">
-                <a14:hiddenFill xmlns:a14="http://schemas.microsoft.com/office/drawing/2010/main" xmlns="">
+                <a14:hiddenFill xmlns="" xmlns:a14="http://schemas.microsoft.com/office/drawing/2010/main">
                   <a:noFill/>
                 </a14:hiddenFill>
               </a:ext>
@@ -32080,7 +32080,7 @@
             </a:ln>
             <a:extLst>
               <a:ext uri="{909E8E84-426E-40dd-AFC4-6F175D3DCCD1}">
-                <a14:hiddenFill xmlns:a14="http://schemas.microsoft.com/office/drawing/2010/main" xmlns="">
+                <a14:hiddenFill xmlns="" xmlns:a14="http://schemas.microsoft.com/office/drawing/2010/main">
                   <a:noFill/>
                 </a14:hiddenFill>
               </a:ext>
@@ -32131,7 +32131,7 @@
             </a:ln>
             <a:extLst>
               <a:ext uri="{909E8E84-426E-40dd-AFC4-6F175D3DCCD1}">
-                <a14:hiddenFill xmlns:a14="http://schemas.microsoft.com/office/drawing/2010/main" xmlns="">
+                <a14:hiddenFill xmlns="" xmlns:a14="http://schemas.microsoft.com/office/drawing/2010/main">
                   <a:noFill/>
                 </a14:hiddenFill>
               </a:ext>
@@ -32182,7 +32182,7 @@
             </a:ln>
             <a:extLst>
               <a:ext uri="{909E8E84-426E-40dd-AFC4-6F175D3DCCD1}">
-                <a14:hiddenFill xmlns:a14="http://schemas.microsoft.com/office/drawing/2010/main" xmlns="">
+                <a14:hiddenFill xmlns="" xmlns:a14="http://schemas.microsoft.com/office/drawing/2010/main">
                   <a:noFill/>
                 </a14:hiddenFill>
               </a:ext>
@@ -32233,7 +32233,7 @@
             </a:ln>
             <a:extLst>
               <a:ext uri="{909E8E84-426E-40dd-AFC4-6F175D3DCCD1}">
-                <a14:hiddenFill xmlns:a14="http://schemas.microsoft.com/office/drawing/2010/main" xmlns="">
+                <a14:hiddenFill xmlns="" xmlns:a14="http://schemas.microsoft.com/office/drawing/2010/main">
                   <a:noFill/>
                 </a14:hiddenFill>
               </a:ext>
@@ -32284,7 +32284,7 @@
             </a:ln>
             <a:extLst>
               <a:ext uri="{909E8E84-426E-40dd-AFC4-6F175D3DCCD1}">
-                <a14:hiddenFill xmlns:a14="http://schemas.microsoft.com/office/drawing/2010/main" xmlns="">
+                <a14:hiddenFill xmlns="" xmlns:a14="http://schemas.microsoft.com/office/drawing/2010/main">
                   <a:noFill/>
                 </a14:hiddenFill>
               </a:ext>
@@ -32335,7 +32335,7 @@
             </a:ln>
             <a:extLst>
               <a:ext uri="{909E8E84-426E-40dd-AFC4-6F175D3DCCD1}">
-                <a14:hiddenFill xmlns:a14="http://schemas.microsoft.com/office/drawing/2010/main" xmlns="">
+                <a14:hiddenFill xmlns="" xmlns:a14="http://schemas.microsoft.com/office/drawing/2010/main">
                   <a:noFill/>
                 </a14:hiddenFill>
               </a:ext>
@@ -32386,7 +32386,7 @@
             </a:ln>
             <a:extLst>
               <a:ext uri="{909E8E84-426E-40dd-AFC4-6F175D3DCCD1}">
-                <a14:hiddenFill xmlns:a14="http://schemas.microsoft.com/office/drawing/2010/main" xmlns="">
+                <a14:hiddenFill xmlns="" xmlns:a14="http://schemas.microsoft.com/office/drawing/2010/main">
                   <a:noFill/>
                 </a14:hiddenFill>
               </a:ext>
@@ -32437,7 +32437,7 @@
             </a:ln>
             <a:extLst>
               <a:ext uri="{909E8E84-426E-40dd-AFC4-6F175D3DCCD1}">
-                <a14:hiddenFill xmlns:a14="http://schemas.microsoft.com/office/drawing/2010/main" xmlns="">
+                <a14:hiddenFill xmlns="" xmlns:a14="http://schemas.microsoft.com/office/drawing/2010/main">
                   <a:noFill/>
                 </a14:hiddenFill>
               </a:ext>
@@ -32488,7 +32488,7 @@
             </a:ln>
             <a:extLst>
               <a:ext uri="{909E8E84-426E-40dd-AFC4-6F175D3DCCD1}">
-                <a14:hiddenFill xmlns:a14="http://schemas.microsoft.com/office/drawing/2010/main" xmlns="">
+                <a14:hiddenFill xmlns="" xmlns:a14="http://schemas.microsoft.com/office/drawing/2010/main">
                   <a:noFill/>
                 </a14:hiddenFill>
               </a:ext>
@@ -32539,7 +32539,7 @@
             </a:ln>
             <a:extLst>
               <a:ext uri="{909E8E84-426E-40dd-AFC4-6F175D3DCCD1}">
-                <a14:hiddenFill xmlns:a14="http://schemas.microsoft.com/office/drawing/2010/main" xmlns="">
+                <a14:hiddenFill xmlns="" xmlns:a14="http://schemas.microsoft.com/office/drawing/2010/main">
                   <a:noFill/>
                 </a14:hiddenFill>
               </a:ext>
@@ -32590,7 +32590,7 @@
             </a:ln>
             <a:extLst>
               <a:ext uri="{909E8E84-426E-40dd-AFC4-6F175D3DCCD1}">
-                <a14:hiddenFill xmlns:a14="http://schemas.microsoft.com/office/drawing/2010/main" xmlns="">
+                <a14:hiddenFill xmlns="" xmlns:a14="http://schemas.microsoft.com/office/drawing/2010/main">
                   <a:noFill/>
                 </a14:hiddenFill>
               </a:ext>
@@ -32641,7 +32641,7 @@
             </a:ln>
             <a:extLst>
               <a:ext uri="{909E8E84-426E-40dd-AFC4-6F175D3DCCD1}">
-                <a14:hiddenFill xmlns:a14="http://schemas.microsoft.com/office/drawing/2010/main" xmlns="">
+                <a14:hiddenFill xmlns="" xmlns:a14="http://schemas.microsoft.com/office/drawing/2010/main">
                   <a:noFill/>
                 </a14:hiddenFill>
               </a:ext>
@@ -32692,7 +32692,7 @@
             </a:ln>
             <a:extLst>
               <a:ext uri="{909E8E84-426E-40dd-AFC4-6F175D3DCCD1}">
-                <a14:hiddenFill xmlns:a14="http://schemas.microsoft.com/office/drawing/2010/main" xmlns="">
+                <a14:hiddenFill xmlns="" xmlns:a14="http://schemas.microsoft.com/office/drawing/2010/main">
                   <a:noFill/>
                 </a14:hiddenFill>
               </a:ext>
@@ -32743,7 +32743,7 @@
             </a:ln>
             <a:extLst>
               <a:ext uri="{909E8E84-426E-40dd-AFC4-6F175D3DCCD1}">
-                <a14:hiddenFill xmlns:a14="http://schemas.microsoft.com/office/drawing/2010/main" xmlns="">
+                <a14:hiddenFill xmlns="" xmlns:a14="http://schemas.microsoft.com/office/drawing/2010/main">
                   <a:noFill/>
                 </a14:hiddenFill>
               </a:ext>
@@ -32794,7 +32794,7 @@
             </a:ln>
             <a:extLst>
               <a:ext uri="{909E8E84-426E-40dd-AFC4-6F175D3DCCD1}">
-                <a14:hiddenFill xmlns:a14="http://schemas.microsoft.com/office/drawing/2010/main" xmlns="">
+                <a14:hiddenFill xmlns="" xmlns:a14="http://schemas.microsoft.com/office/drawing/2010/main">
                   <a:noFill/>
                 </a14:hiddenFill>
               </a:ext>
@@ -32845,7 +32845,7 @@
             </a:ln>
             <a:extLst>
               <a:ext uri="{909E8E84-426E-40dd-AFC4-6F175D3DCCD1}">
-                <a14:hiddenFill xmlns:a14="http://schemas.microsoft.com/office/drawing/2010/main" xmlns="">
+                <a14:hiddenFill xmlns="" xmlns:a14="http://schemas.microsoft.com/office/drawing/2010/main">
                   <a:noFill/>
                 </a14:hiddenFill>
               </a:ext>
@@ -32896,7 +32896,7 @@
             </a:ln>
             <a:extLst>
               <a:ext uri="{909E8E84-426E-40dd-AFC4-6F175D3DCCD1}">
-                <a14:hiddenFill xmlns:a14="http://schemas.microsoft.com/office/drawing/2010/main" xmlns="">
+                <a14:hiddenFill xmlns="" xmlns:a14="http://schemas.microsoft.com/office/drawing/2010/main">
                   <a:noFill/>
                 </a14:hiddenFill>
               </a:ext>
@@ -32947,7 +32947,7 @@
             </a:ln>
             <a:extLst>
               <a:ext uri="{909E8E84-426E-40dd-AFC4-6F175D3DCCD1}">
-                <a14:hiddenFill xmlns:a14="http://schemas.microsoft.com/office/drawing/2010/main" xmlns="">
+                <a14:hiddenFill xmlns="" xmlns:a14="http://schemas.microsoft.com/office/drawing/2010/main">
                   <a:noFill/>
                 </a14:hiddenFill>
               </a:ext>
@@ -32998,7 +32998,7 @@
             </a:ln>
             <a:extLst>
               <a:ext uri="{909E8E84-426E-40dd-AFC4-6F175D3DCCD1}">
-                <a14:hiddenFill xmlns:a14="http://schemas.microsoft.com/office/drawing/2010/main" xmlns="">
+                <a14:hiddenFill xmlns="" xmlns:a14="http://schemas.microsoft.com/office/drawing/2010/main">
                   <a:noFill/>
                 </a14:hiddenFill>
               </a:ext>
@@ -33049,7 +33049,7 @@
             </a:ln>
             <a:extLst>
               <a:ext uri="{909E8E84-426E-40dd-AFC4-6F175D3DCCD1}">
-                <a14:hiddenFill xmlns:a14="http://schemas.microsoft.com/office/drawing/2010/main" xmlns="">
+                <a14:hiddenFill xmlns="" xmlns:a14="http://schemas.microsoft.com/office/drawing/2010/main">
                   <a:noFill/>
                 </a14:hiddenFill>
               </a:ext>
@@ -33100,7 +33100,7 @@
             </a:ln>
             <a:extLst>
               <a:ext uri="{909E8E84-426E-40dd-AFC4-6F175D3DCCD1}">
-                <a14:hiddenFill xmlns:a14="http://schemas.microsoft.com/office/drawing/2010/main" xmlns="">
+                <a14:hiddenFill xmlns="" xmlns:a14="http://schemas.microsoft.com/office/drawing/2010/main">
                   <a:noFill/>
                 </a14:hiddenFill>
               </a:ext>
@@ -33151,7 +33151,7 @@
             </a:ln>
             <a:extLst>
               <a:ext uri="{909E8E84-426E-40dd-AFC4-6F175D3DCCD1}">
-                <a14:hiddenFill xmlns:a14="http://schemas.microsoft.com/office/drawing/2010/main" xmlns="">
+                <a14:hiddenFill xmlns="" xmlns:a14="http://schemas.microsoft.com/office/drawing/2010/main">
                   <a:noFill/>
                 </a14:hiddenFill>
               </a:ext>
@@ -33202,7 +33202,7 @@
             </a:ln>
             <a:extLst>
               <a:ext uri="{909E8E84-426E-40dd-AFC4-6F175D3DCCD1}">
-                <a14:hiddenFill xmlns:a14="http://schemas.microsoft.com/office/drawing/2010/main" xmlns="">
+                <a14:hiddenFill xmlns="" xmlns:a14="http://schemas.microsoft.com/office/drawing/2010/main">
                   <a:noFill/>
                 </a14:hiddenFill>
               </a:ext>
@@ -33253,7 +33253,7 @@
             </a:ln>
             <a:extLst>
               <a:ext uri="{909E8E84-426E-40dd-AFC4-6F175D3DCCD1}">
-                <a14:hiddenFill xmlns:a14="http://schemas.microsoft.com/office/drawing/2010/main" xmlns="">
+                <a14:hiddenFill xmlns="" xmlns:a14="http://schemas.microsoft.com/office/drawing/2010/main">
                   <a:noFill/>
                 </a14:hiddenFill>
               </a:ext>
@@ -33304,7 +33304,7 @@
             </a:ln>
             <a:extLst>
               <a:ext uri="{909E8E84-426E-40dd-AFC4-6F175D3DCCD1}">
-                <a14:hiddenFill xmlns:a14="http://schemas.microsoft.com/office/drawing/2010/main" xmlns="">
+                <a14:hiddenFill xmlns="" xmlns:a14="http://schemas.microsoft.com/office/drawing/2010/main">
                   <a:noFill/>
                 </a14:hiddenFill>
               </a:ext>
@@ -33355,7 +33355,7 @@
             </a:ln>
             <a:extLst>
               <a:ext uri="{909E8E84-426E-40dd-AFC4-6F175D3DCCD1}">
-                <a14:hiddenFill xmlns:a14="http://schemas.microsoft.com/office/drawing/2010/main" xmlns="">
+                <a14:hiddenFill xmlns="" xmlns:a14="http://schemas.microsoft.com/office/drawing/2010/main">
                   <a:noFill/>
                 </a14:hiddenFill>
               </a:ext>
@@ -33406,7 +33406,7 @@
             </a:ln>
             <a:extLst>
               <a:ext uri="{909E8E84-426E-40dd-AFC4-6F175D3DCCD1}">
-                <a14:hiddenFill xmlns:a14="http://schemas.microsoft.com/office/drawing/2010/main" xmlns="">
+                <a14:hiddenFill xmlns="" xmlns:a14="http://schemas.microsoft.com/office/drawing/2010/main">
                   <a:noFill/>
                 </a14:hiddenFill>
               </a:ext>
@@ -33457,7 +33457,7 @@
             </a:ln>
             <a:extLst>
               <a:ext uri="{909E8E84-426E-40dd-AFC4-6F175D3DCCD1}">
-                <a14:hiddenFill xmlns:a14="http://schemas.microsoft.com/office/drawing/2010/main" xmlns="">
+                <a14:hiddenFill xmlns="" xmlns:a14="http://schemas.microsoft.com/office/drawing/2010/main">
                   <a:noFill/>
                 </a14:hiddenFill>
               </a:ext>
@@ -33508,7 +33508,7 @@
             </a:ln>
             <a:extLst>
               <a:ext uri="{909E8E84-426E-40dd-AFC4-6F175D3DCCD1}">
-                <a14:hiddenFill xmlns:a14="http://schemas.microsoft.com/office/drawing/2010/main" xmlns="">
+                <a14:hiddenFill xmlns="" xmlns:a14="http://schemas.microsoft.com/office/drawing/2010/main">
                   <a:noFill/>
                 </a14:hiddenFill>
               </a:ext>
@@ -33559,7 +33559,7 @@
             </a:ln>
             <a:extLst>
               <a:ext uri="{909E8E84-426E-40dd-AFC4-6F175D3DCCD1}">
-                <a14:hiddenFill xmlns:a14="http://schemas.microsoft.com/office/drawing/2010/main" xmlns="">
+                <a14:hiddenFill xmlns="" xmlns:a14="http://schemas.microsoft.com/office/drawing/2010/main">
                   <a:noFill/>
                 </a14:hiddenFill>
               </a:ext>
@@ -33610,7 +33610,7 @@
             </a:ln>
             <a:extLst>
               <a:ext uri="{909E8E84-426E-40dd-AFC4-6F175D3DCCD1}">
-                <a14:hiddenFill xmlns:a14="http://schemas.microsoft.com/office/drawing/2010/main" xmlns="">
+                <a14:hiddenFill xmlns="" xmlns:a14="http://schemas.microsoft.com/office/drawing/2010/main">
                   <a:noFill/>
                 </a14:hiddenFill>
               </a:ext>
@@ -33661,7 +33661,7 @@
             </a:ln>
             <a:extLst>
               <a:ext uri="{909E8E84-426E-40dd-AFC4-6F175D3DCCD1}">
-                <a14:hiddenFill xmlns:a14="http://schemas.microsoft.com/office/drawing/2010/main" xmlns="">
+                <a14:hiddenFill xmlns="" xmlns:a14="http://schemas.microsoft.com/office/drawing/2010/main">
                   <a:noFill/>
                 </a14:hiddenFill>
               </a:ext>
@@ -33712,7 +33712,7 @@
             </a:ln>
             <a:extLst>
               <a:ext uri="{909E8E84-426E-40dd-AFC4-6F175D3DCCD1}">
-                <a14:hiddenFill xmlns:a14="http://schemas.microsoft.com/office/drawing/2010/main" xmlns="">
+                <a14:hiddenFill xmlns="" xmlns:a14="http://schemas.microsoft.com/office/drawing/2010/main">
                   <a:noFill/>
                 </a14:hiddenFill>
               </a:ext>
@@ -33763,7 +33763,7 @@
             </a:ln>
             <a:extLst>
               <a:ext uri="{909E8E84-426E-40dd-AFC4-6F175D3DCCD1}">
-                <a14:hiddenFill xmlns:a14="http://schemas.microsoft.com/office/drawing/2010/main" xmlns="">
+                <a14:hiddenFill xmlns="" xmlns:a14="http://schemas.microsoft.com/office/drawing/2010/main">
                   <a:noFill/>
                 </a14:hiddenFill>
               </a:ext>
@@ -33814,7 +33814,7 @@
             </a:ln>
             <a:extLst>
               <a:ext uri="{909E8E84-426E-40dd-AFC4-6F175D3DCCD1}">
-                <a14:hiddenFill xmlns:a14="http://schemas.microsoft.com/office/drawing/2010/main" xmlns="">
+                <a14:hiddenFill xmlns="" xmlns:a14="http://schemas.microsoft.com/office/drawing/2010/main">
                   <a:noFill/>
                 </a14:hiddenFill>
               </a:ext>
@@ -33865,7 +33865,7 @@
             </a:ln>
             <a:extLst>
               <a:ext uri="{909E8E84-426E-40dd-AFC4-6F175D3DCCD1}">
-                <a14:hiddenFill xmlns:a14="http://schemas.microsoft.com/office/drawing/2010/main" xmlns="">
+                <a14:hiddenFill xmlns="" xmlns:a14="http://schemas.microsoft.com/office/drawing/2010/main">
                   <a:noFill/>
                 </a14:hiddenFill>
               </a:ext>
@@ -33916,7 +33916,7 @@
             </a:ln>
             <a:extLst>
               <a:ext uri="{909E8E84-426E-40dd-AFC4-6F175D3DCCD1}">
-                <a14:hiddenFill xmlns:a14="http://schemas.microsoft.com/office/drawing/2010/main" xmlns="">
+                <a14:hiddenFill xmlns="" xmlns:a14="http://schemas.microsoft.com/office/drawing/2010/main">
                   <a:noFill/>
                 </a14:hiddenFill>
               </a:ext>
@@ -33967,7 +33967,7 @@
             </a:ln>
             <a:extLst>
               <a:ext uri="{909E8E84-426E-40dd-AFC4-6F175D3DCCD1}">
-                <a14:hiddenFill xmlns:a14="http://schemas.microsoft.com/office/drawing/2010/main" xmlns="">
+                <a14:hiddenFill xmlns="" xmlns:a14="http://schemas.microsoft.com/office/drawing/2010/main">
                   <a:noFill/>
                 </a14:hiddenFill>
               </a:ext>
@@ -34018,7 +34018,7 @@
             </a:ln>
             <a:extLst>
               <a:ext uri="{909E8E84-426E-40dd-AFC4-6F175D3DCCD1}">
-                <a14:hiddenFill xmlns:a14="http://schemas.microsoft.com/office/drawing/2010/main" xmlns="">
+                <a14:hiddenFill xmlns="" xmlns:a14="http://schemas.microsoft.com/office/drawing/2010/main">
                   <a:noFill/>
                 </a14:hiddenFill>
               </a:ext>
@@ -34069,7 +34069,7 @@
             </a:ln>
             <a:extLst>
               <a:ext uri="{909E8E84-426E-40dd-AFC4-6F175D3DCCD1}">
-                <a14:hiddenFill xmlns:a14="http://schemas.microsoft.com/office/drawing/2010/main" xmlns="">
+                <a14:hiddenFill xmlns="" xmlns:a14="http://schemas.microsoft.com/office/drawing/2010/main">
                   <a:noFill/>
                 </a14:hiddenFill>
               </a:ext>
@@ -34120,7 +34120,7 @@
             </a:ln>
             <a:extLst>
               <a:ext uri="{909E8E84-426E-40dd-AFC4-6F175D3DCCD1}">
-                <a14:hiddenFill xmlns:a14="http://schemas.microsoft.com/office/drawing/2010/main" xmlns="">
+                <a14:hiddenFill xmlns="" xmlns:a14="http://schemas.microsoft.com/office/drawing/2010/main">
                   <a:noFill/>
                 </a14:hiddenFill>
               </a:ext>
@@ -34171,7 +34171,7 @@
             </a:ln>
             <a:extLst>
               <a:ext uri="{909E8E84-426E-40dd-AFC4-6F175D3DCCD1}">
-                <a14:hiddenFill xmlns:a14="http://schemas.microsoft.com/office/drawing/2010/main" xmlns="">
+                <a14:hiddenFill xmlns="" xmlns:a14="http://schemas.microsoft.com/office/drawing/2010/main">
                   <a:noFill/>
                 </a14:hiddenFill>
               </a:ext>
@@ -34222,7 +34222,7 @@
             </a:ln>
             <a:extLst>
               <a:ext uri="{909E8E84-426E-40dd-AFC4-6F175D3DCCD1}">
-                <a14:hiddenFill xmlns:a14="http://schemas.microsoft.com/office/drawing/2010/main" xmlns="">
+                <a14:hiddenFill xmlns="" xmlns:a14="http://schemas.microsoft.com/office/drawing/2010/main">
                   <a:noFill/>
                 </a14:hiddenFill>
               </a:ext>
@@ -34273,7 +34273,7 @@
             </a:ln>
             <a:extLst>
               <a:ext uri="{909E8E84-426E-40dd-AFC4-6F175D3DCCD1}">
-                <a14:hiddenFill xmlns:a14="http://schemas.microsoft.com/office/drawing/2010/main" xmlns="">
+                <a14:hiddenFill xmlns="" xmlns:a14="http://schemas.microsoft.com/office/drawing/2010/main">
                   <a:noFill/>
                 </a14:hiddenFill>
               </a:ext>
@@ -34324,7 +34324,7 @@
             </a:ln>
             <a:extLst>
               <a:ext uri="{909E8E84-426E-40dd-AFC4-6F175D3DCCD1}">
-                <a14:hiddenFill xmlns:a14="http://schemas.microsoft.com/office/drawing/2010/main" xmlns="">
+                <a14:hiddenFill xmlns="" xmlns:a14="http://schemas.microsoft.com/office/drawing/2010/main">
                   <a:noFill/>
                 </a14:hiddenFill>
               </a:ext>
@@ -34375,7 +34375,7 @@
             </a:ln>
             <a:extLst>
               <a:ext uri="{909E8E84-426E-40dd-AFC4-6F175D3DCCD1}">
-                <a14:hiddenFill xmlns:a14="http://schemas.microsoft.com/office/drawing/2010/main" xmlns="">
+                <a14:hiddenFill xmlns="" xmlns:a14="http://schemas.microsoft.com/office/drawing/2010/main">
                   <a:noFill/>
                 </a14:hiddenFill>
               </a:ext>
@@ -34426,7 +34426,7 @@
             </a:ln>
             <a:extLst>
               <a:ext uri="{909E8E84-426E-40dd-AFC4-6F175D3DCCD1}">
-                <a14:hiddenFill xmlns:a14="http://schemas.microsoft.com/office/drawing/2010/main" xmlns="">
+                <a14:hiddenFill xmlns="" xmlns:a14="http://schemas.microsoft.com/office/drawing/2010/main">
                   <a:noFill/>
                 </a14:hiddenFill>
               </a:ext>
@@ -34477,7 +34477,7 @@
             </a:ln>
             <a:extLst>
               <a:ext uri="{909E8E84-426E-40dd-AFC4-6F175D3DCCD1}">
-                <a14:hiddenFill xmlns:a14="http://schemas.microsoft.com/office/drawing/2010/main" xmlns="">
+                <a14:hiddenFill xmlns="" xmlns:a14="http://schemas.microsoft.com/office/drawing/2010/main">
                   <a:noFill/>
                 </a14:hiddenFill>
               </a:ext>
@@ -34528,7 +34528,7 @@
             </a:ln>
             <a:extLst>
               <a:ext uri="{909E8E84-426E-40dd-AFC4-6F175D3DCCD1}">
-                <a14:hiddenFill xmlns:a14="http://schemas.microsoft.com/office/drawing/2010/main" xmlns="">
+                <a14:hiddenFill xmlns="" xmlns:a14="http://schemas.microsoft.com/office/drawing/2010/main">
                   <a:noFill/>
                 </a14:hiddenFill>
               </a:ext>
@@ -34579,7 +34579,7 @@
             </a:ln>
             <a:extLst>
               <a:ext uri="{909E8E84-426E-40dd-AFC4-6F175D3DCCD1}">
-                <a14:hiddenFill xmlns:a14="http://schemas.microsoft.com/office/drawing/2010/main" xmlns="">
+                <a14:hiddenFill xmlns="" xmlns:a14="http://schemas.microsoft.com/office/drawing/2010/main">
                   <a:noFill/>
                 </a14:hiddenFill>
               </a:ext>
@@ -34630,7 +34630,7 @@
             </a:ln>
             <a:extLst>
               <a:ext uri="{909E8E84-426E-40dd-AFC4-6F175D3DCCD1}">
-                <a14:hiddenFill xmlns:a14="http://schemas.microsoft.com/office/drawing/2010/main" xmlns="">
+                <a14:hiddenFill xmlns="" xmlns:a14="http://schemas.microsoft.com/office/drawing/2010/main">
                   <a:noFill/>
                 </a14:hiddenFill>
               </a:ext>
@@ -34681,7 +34681,7 @@
             </a:ln>
             <a:extLst>
               <a:ext uri="{909E8E84-426E-40dd-AFC4-6F175D3DCCD1}">
-                <a14:hiddenFill xmlns:a14="http://schemas.microsoft.com/office/drawing/2010/main" xmlns="">
+                <a14:hiddenFill xmlns="" xmlns:a14="http://schemas.microsoft.com/office/drawing/2010/main">
                   <a:noFill/>
                 </a14:hiddenFill>
               </a:ext>
@@ -34732,7 +34732,7 @@
             </a:ln>
             <a:extLst>
               <a:ext uri="{909E8E84-426E-40dd-AFC4-6F175D3DCCD1}">
-                <a14:hiddenFill xmlns:a14="http://schemas.microsoft.com/office/drawing/2010/main" xmlns="">
+                <a14:hiddenFill xmlns="" xmlns:a14="http://schemas.microsoft.com/office/drawing/2010/main">
                   <a:noFill/>
                 </a14:hiddenFill>
               </a:ext>
@@ -34783,7 +34783,7 @@
             </a:ln>
             <a:extLst>
               <a:ext uri="{909E8E84-426E-40dd-AFC4-6F175D3DCCD1}">
-                <a14:hiddenFill xmlns:a14="http://schemas.microsoft.com/office/drawing/2010/main" xmlns="">
+                <a14:hiddenFill xmlns="" xmlns:a14="http://schemas.microsoft.com/office/drawing/2010/main">
                   <a:noFill/>
                 </a14:hiddenFill>
               </a:ext>
@@ -34834,7 +34834,7 @@
             </a:ln>
             <a:extLst>
               <a:ext uri="{909E8E84-426E-40dd-AFC4-6F175D3DCCD1}">
-                <a14:hiddenFill xmlns:a14="http://schemas.microsoft.com/office/drawing/2010/main" xmlns="">
+                <a14:hiddenFill xmlns="" xmlns:a14="http://schemas.microsoft.com/office/drawing/2010/main">
                   <a:noFill/>
                 </a14:hiddenFill>
               </a:ext>
@@ -34885,7 +34885,7 @@
             </a:ln>
             <a:extLst>
               <a:ext uri="{909E8E84-426E-40dd-AFC4-6F175D3DCCD1}">
-                <a14:hiddenFill xmlns:a14="http://schemas.microsoft.com/office/drawing/2010/main" xmlns="">
+                <a14:hiddenFill xmlns="" xmlns:a14="http://schemas.microsoft.com/office/drawing/2010/main">
                   <a:noFill/>
                 </a14:hiddenFill>
               </a:ext>
@@ -35373,7 +35373,7 @@
             </a:ln>
             <a:extLst>
               <a:ext uri="{909E8E84-426E-40dd-AFC4-6F175D3DCCD1}">
-                <a14:hiddenFill xmlns:a14="http://schemas.microsoft.com/office/drawing/2010/main" xmlns="">
+                <a14:hiddenFill xmlns="" xmlns:a14="http://schemas.microsoft.com/office/drawing/2010/main">
                   <a:solidFill>
                     <a:srgbClr val="FFFFFF"/>
                   </a:solidFill>
@@ -35426,7 +35426,7 @@
             </a:ln>
             <a:extLst>
               <a:ext uri="{909E8E84-426E-40dd-AFC4-6F175D3DCCD1}">
-                <a14:hiddenFill xmlns:a14="http://schemas.microsoft.com/office/drawing/2010/main" xmlns="">
+                <a14:hiddenFill xmlns="" xmlns:a14="http://schemas.microsoft.com/office/drawing/2010/main">
                   <a:noFill/>
                 </a14:hiddenFill>
               </a:ext>
@@ -35477,7 +35477,7 @@
             </a:ln>
             <a:extLst>
               <a:ext uri="{909E8E84-426E-40dd-AFC4-6F175D3DCCD1}">
-                <a14:hiddenFill xmlns:a14="http://schemas.microsoft.com/office/drawing/2010/main" xmlns="">
+                <a14:hiddenFill xmlns="" xmlns:a14="http://schemas.microsoft.com/office/drawing/2010/main">
                   <a:noFill/>
                 </a14:hiddenFill>
               </a:ext>
@@ -35528,7 +35528,7 @@
             </a:ln>
             <a:extLst>
               <a:ext uri="{909E8E84-426E-40dd-AFC4-6F175D3DCCD1}">
-                <a14:hiddenFill xmlns:a14="http://schemas.microsoft.com/office/drawing/2010/main" xmlns="">
+                <a14:hiddenFill xmlns="" xmlns:a14="http://schemas.microsoft.com/office/drawing/2010/main">
                   <a:noFill/>
                 </a14:hiddenFill>
               </a:ext>
@@ -35579,7 +35579,7 @@
             </a:ln>
             <a:extLst>
               <a:ext uri="{909E8E84-426E-40dd-AFC4-6F175D3DCCD1}">
-                <a14:hiddenFill xmlns:a14="http://schemas.microsoft.com/office/drawing/2010/main" xmlns="">
+                <a14:hiddenFill xmlns="" xmlns:a14="http://schemas.microsoft.com/office/drawing/2010/main">
                   <a:noFill/>
                 </a14:hiddenFill>
               </a:ext>
@@ -35630,7 +35630,7 @@
             </a:ln>
             <a:extLst>
               <a:ext uri="{909E8E84-426E-40dd-AFC4-6F175D3DCCD1}">
-                <a14:hiddenFill xmlns:a14="http://schemas.microsoft.com/office/drawing/2010/main" xmlns="">
+                <a14:hiddenFill xmlns="" xmlns:a14="http://schemas.microsoft.com/office/drawing/2010/main">
                   <a:noFill/>
                 </a14:hiddenFill>
               </a:ext>
@@ -35681,7 +35681,7 @@
             </a:ln>
             <a:extLst>
               <a:ext uri="{909E8E84-426E-40dd-AFC4-6F175D3DCCD1}">
-                <a14:hiddenFill xmlns:a14="http://schemas.microsoft.com/office/drawing/2010/main" xmlns="">
+                <a14:hiddenFill xmlns="" xmlns:a14="http://schemas.microsoft.com/office/drawing/2010/main">
                   <a:noFill/>
                 </a14:hiddenFill>
               </a:ext>
@@ -35732,7 +35732,7 @@
             </a:ln>
             <a:extLst>
               <a:ext uri="{909E8E84-426E-40dd-AFC4-6F175D3DCCD1}">
-                <a14:hiddenFill xmlns:a14="http://schemas.microsoft.com/office/drawing/2010/main" xmlns="">
+                <a14:hiddenFill xmlns="" xmlns:a14="http://schemas.microsoft.com/office/drawing/2010/main">
                   <a:noFill/>
                 </a14:hiddenFill>
               </a:ext>
@@ -35783,7 +35783,7 @@
             </a:ln>
             <a:extLst>
               <a:ext uri="{909E8E84-426E-40dd-AFC4-6F175D3DCCD1}">
-                <a14:hiddenFill xmlns:a14="http://schemas.microsoft.com/office/drawing/2010/main" xmlns="">
+                <a14:hiddenFill xmlns="" xmlns:a14="http://schemas.microsoft.com/office/drawing/2010/main">
                   <a:noFill/>
                 </a14:hiddenFill>
               </a:ext>
@@ -35834,7 +35834,7 @@
             </a:ln>
             <a:extLst>
               <a:ext uri="{909E8E84-426E-40dd-AFC4-6F175D3DCCD1}">
-                <a14:hiddenFill xmlns:a14="http://schemas.microsoft.com/office/drawing/2010/main" xmlns="">
+                <a14:hiddenFill xmlns="" xmlns:a14="http://schemas.microsoft.com/office/drawing/2010/main">
                   <a:noFill/>
                 </a14:hiddenFill>
               </a:ext>
@@ -35885,7 +35885,7 @@
             </a:ln>
             <a:extLst>
               <a:ext uri="{909E8E84-426E-40dd-AFC4-6F175D3DCCD1}">
-                <a14:hiddenFill xmlns:a14="http://schemas.microsoft.com/office/drawing/2010/main" xmlns="">
+                <a14:hiddenFill xmlns="" xmlns:a14="http://schemas.microsoft.com/office/drawing/2010/main">
                   <a:noFill/>
                 </a14:hiddenFill>
               </a:ext>
@@ -35936,7 +35936,7 @@
             </a:ln>
             <a:extLst>
               <a:ext uri="{909E8E84-426E-40dd-AFC4-6F175D3DCCD1}">
-                <a14:hiddenFill xmlns:a14="http://schemas.microsoft.com/office/drawing/2010/main" xmlns="">
+                <a14:hiddenFill xmlns="" xmlns:a14="http://schemas.microsoft.com/office/drawing/2010/main">
                   <a:noFill/>
                 </a14:hiddenFill>
               </a:ext>
@@ -35987,7 +35987,7 @@
             </a:ln>
             <a:extLst>
               <a:ext uri="{909E8E84-426E-40dd-AFC4-6F175D3DCCD1}">
-                <a14:hiddenFill xmlns:a14="http://schemas.microsoft.com/office/drawing/2010/main" xmlns="">
+                <a14:hiddenFill xmlns="" xmlns:a14="http://schemas.microsoft.com/office/drawing/2010/main">
                   <a:noFill/>
                 </a14:hiddenFill>
               </a:ext>
@@ -36038,7 +36038,7 @@
             </a:ln>
             <a:extLst>
               <a:ext uri="{909E8E84-426E-40dd-AFC4-6F175D3DCCD1}">
-                <a14:hiddenFill xmlns:a14="http://schemas.microsoft.com/office/drawing/2010/main" xmlns="">
+                <a14:hiddenFill xmlns="" xmlns:a14="http://schemas.microsoft.com/office/drawing/2010/main">
                   <a:noFill/>
                 </a14:hiddenFill>
               </a:ext>
@@ -36089,7 +36089,7 @@
             </a:ln>
             <a:extLst>
               <a:ext uri="{909E8E84-426E-40dd-AFC4-6F175D3DCCD1}">
-                <a14:hiddenFill xmlns:a14="http://schemas.microsoft.com/office/drawing/2010/main" xmlns="">
+                <a14:hiddenFill xmlns="" xmlns:a14="http://schemas.microsoft.com/office/drawing/2010/main">
                   <a:noFill/>
                 </a14:hiddenFill>
               </a:ext>
@@ -36140,7 +36140,7 @@
             </a:ln>
             <a:extLst>
               <a:ext uri="{909E8E84-426E-40dd-AFC4-6F175D3DCCD1}">
-                <a14:hiddenFill xmlns:a14="http://schemas.microsoft.com/office/drawing/2010/main" xmlns="">
+                <a14:hiddenFill xmlns="" xmlns:a14="http://schemas.microsoft.com/office/drawing/2010/main">
                   <a:noFill/>
                 </a14:hiddenFill>
               </a:ext>
@@ -36191,7 +36191,7 @@
             </a:ln>
             <a:extLst>
               <a:ext uri="{909E8E84-426E-40dd-AFC4-6F175D3DCCD1}">
-                <a14:hiddenFill xmlns:a14="http://schemas.microsoft.com/office/drawing/2010/main" xmlns="">
+                <a14:hiddenFill xmlns="" xmlns:a14="http://schemas.microsoft.com/office/drawing/2010/main">
                   <a:noFill/>
                 </a14:hiddenFill>
               </a:ext>
@@ -36242,7 +36242,7 @@
             </a:ln>
             <a:extLst>
               <a:ext uri="{909E8E84-426E-40dd-AFC4-6F175D3DCCD1}">
-                <a14:hiddenFill xmlns:a14="http://schemas.microsoft.com/office/drawing/2010/main" xmlns="">
+                <a14:hiddenFill xmlns="" xmlns:a14="http://schemas.microsoft.com/office/drawing/2010/main">
                   <a:noFill/>
                 </a14:hiddenFill>
               </a:ext>
@@ -36293,7 +36293,7 @@
             </a:ln>
             <a:extLst>
               <a:ext uri="{909E8E84-426E-40dd-AFC4-6F175D3DCCD1}">
-                <a14:hiddenFill xmlns:a14="http://schemas.microsoft.com/office/drawing/2010/main" xmlns="">
+                <a14:hiddenFill xmlns="" xmlns:a14="http://schemas.microsoft.com/office/drawing/2010/main">
                   <a:noFill/>
                 </a14:hiddenFill>
               </a:ext>
@@ -36344,7 +36344,7 @@
             </a:ln>
             <a:extLst>
               <a:ext uri="{909E8E84-426E-40dd-AFC4-6F175D3DCCD1}">
-                <a14:hiddenFill xmlns:a14="http://schemas.microsoft.com/office/drawing/2010/main" xmlns="">
+                <a14:hiddenFill xmlns="" xmlns:a14="http://schemas.microsoft.com/office/drawing/2010/main">
                   <a:noFill/>
                 </a14:hiddenFill>
               </a:ext>
@@ -36395,7 +36395,7 @@
             </a:ln>
             <a:extLst>
               <a:ext uri="{909E8E84-426E-40dd-AFC4-6F175D3DCCD1}">
-                <a14:hiddenFill xmlns:a14="http://schemas.microsoft.com/office/drawing/2010/main" xmlns="">
+                <a14:hiddenFill xmlns="" xmlns:a14="http://schemas.microsoft.com/office/drawing/2010/main">
                   <a:noFill/>
                 </a14:hiddenFill>
               </a:ext>
@@ -36446,7 +36446,7 @@
             </a:ln>
             <a:extLst>
               <a:ext uri="{909E8E84-426E-40dd-AFC4-6F175D3DCCD1}">
-                <a14:hiddenFill xmlns:a14="http://schemas.microsoft.com/office/drawing/2010/main" xmlns="">
+                <a14:hiddenFill xmlns="" xmlns:a14="http://schemas.microsoft.com/office/drawing/2010/main">
                   <a:noFill/>
                 </a14:hiddenFill>
               </a:ext>
@@ -36497,7 +36497,7 @@
             </a:ln>
             <a:extLst>
               <a:ext uri="{909E8E84-426E-40dd-AFC4-6F175D3DCCD1}">
-                <a14:hiddenFill xmlns:a14="http://schemas.microsoft.com/office/drawing/2010/main" xmlns="">
+                <a14:hiddenFill xmlns="" xmlns:a14="http://schemas.microsoft.com/office/drawing/2010/main">
                   <a:noFill/>
                 </a14:hiddenFill>
               </a:ext>
@@ -36548,7 +36548,7 @@
             </a:ln>
             <a:extLst>
               <a:ext uri="{909E8E84-426E-40dd-AFC4-6F175D3DCCD1}">
-                <a14:hiddenFill xmlns:a14="http://schemas.microsoft.com/office/drawing/2010/main" xmlns="">
+                <a14:hiddenFill xmlns="" xmlns:a14="http://schemas.microsoft.com/office/drawing/2010/main">
                   <a:noFill/>
                 </a14:hiddenFill>
               </a:ext>
@@ -36599,7 +36599,7 @@
             </a:ln>
             <a:extLst>
               <a:ext uri="{909E8E84-426E-40dd-AFC4-6F175D3DCCD1}">
-                <a14:hiddenFill xmlns:a14="http://schemas.microsoft.com/office/drawing/2010/main" xmlns="">
+                <a14:hiddenFill xmlns="" xmlns:a14="http://schemas.microsoft.com/office/drawing/2010/main">
                   <a:noFill/>
                 </a14:hiddenFill>
               </a:ext>
@@ -36650,7 +36650,7 @@
             </a:ln>
             <a:extLst>
               <a:ext uri="{909E8E84-426E-40dd-AFC4-6F175D3DCCD1}">
-                <a14:hiddenFill xmlns:a14="http://schemas.microsoft.com/office/drawing/2010/main" xmlns="">
+                <a14:hiddenFill xmlns="" xmlns:a14="http://schemas.microsoft.com/office/drawing/2010/main">
                   <a:noFill/>
                 </a14:hiddenFill>
               </a:ext>
@@ -36701,7 +36701,7 @@
             </a:ln>
             <a:extLst>
               <a:ext uri="{909E8E84-426E-40dd-AFC4-6F175D3DCCD1}">
-                <a14:hiddenFill xmlns:a14="http://schemas.microsoft.com/office/drawing/2010/main" xmlns="">
+                <a14:hiddenFill xmlns="" xmlns:a14="http://schemas.microsoft.com/office/drawing/2010/main">
                   <a:noFill/>
                 </a14:hiddenFill>
               </a:ext>
@@ -36752,7 +36752,7 @@
             </a:ln>
             <a:extLst>
               <a:ext uri="{909E8E84-426E-40dd-AFC4-6F175D3DCCD1}">
-                <a14:hiddenFill xmlns:a14="http://schemas.microsoft.com/office/drawing/2010/main" xmlns="">
+                <a14:hiddenFill xmlns="" xmlns:a14="http://schemas.microsoft.com/office/drawing/2010/main">
                   <a:noFill/>
                 </a14:hiddenFill>
               </a:ext>
@@ -36803,7 +36803,7 @@
             </a:ln>
             <a:extLst>
               <a:ext uri="{909E8E84-426E-40dd-AFC4-6F175D3DCCD1}">
-                <a14:hiddenFill xmlns:a14="http://schemas.microsoft.com/office/drawing/2010/main" xmlns="">
+                <a14:hiddenFill xmlns="" xmlns:a14="http://schemas.microsoft.com/office/drawing/2010/main">
                   <a:noFill/>
                 </a14:hiddenFill>
               </a:ext>
@@ -36854,7 +36854,7 @@
             </a:ln>
             <a:extLst>
               <a:ext uri="{909E8E84-426E-40dd-AFC4-6F175D3DCCD1}">
-                <a14:hiddenFill xmlns:a14="http://schemas.microsoft.com/office/drawing/2010/main" xmlns="">
+                <a14:hiddenFill xmlns="" xmlns:a14="http://schemas.microsoft.com/office/drawing/2010/main">
                   <a:noFill/>
                 </a14:hiddenFill>
               </a:ext>
@@ -36905,7 +36905,7 @@
             </a:ln>
             <a:extLst>
               <a:ext uri="{909E8E84-426E-40dd-AFC4-6F175D3DCCD1}">
-                <a14:hiddenFill xmlns:a14="http://schemas.microsoft.com/office/drawing/2010/main" xmlns="">
+                <a14:hiddenFill xmlns="" xmlns:a14="http://schemas.microsoft.com/office/drawing/2010/main">
                   <a:noFill/>
                 </a14:hiddenFill>
               </a:ext>
@@ -36956,7 +36956,7 @@
             </a:ln>
             <a:extLst>
               <a:ext uri="{909E8E84-426E-40dd-AFC4-6F175D3DCCD1}">
-                <a14:hiddenFill xmlns:a14="http://schemas.microsoft.com/office/drawing/2010/main" xmlns="">
+                <a14:hiddenFill xmlns="" xmlns:a14="http://schemas.microsoft.com/office/drawing/2010/main">
                   <a:noFill/>
                 </a14:hiddenFill>
               </a:ext>
@@ -37007,7 +37007,7 @@
             </a:ln>
             <a:extLst>
               <a:ext uri="{909E8E84-426E-40dd-AFC4-6F175D3DCCD1}">
-                <a14:hiddenFill xmlns:a14="http://schemas.microsoft.com/office/drawing/2010/main" xmlns="">
+                <a14:hiddenFill xmlns="" xmlns:a14="http://schemas.microsoft.com/office/drawing/2010/main">
                   <a:noFill/>
                 </a14:hiddenFill>
               </a:ext>
@@ -37058,7 +37058,7 @@
             </a:ln>
             <a:extLst>
               <a:ext uri="{909E8E84-426E-40dd-AFC4-6F175D3DCCD1}">
-                <a14:hiddenFill xmlns:a14="http://schemas.microsoft.com/office/drawing/2010/main" xmlns="">
+                <a14:hiddenFill xmlns="" xmlns:a14="http://schemas.microsoft.com/office/drawing/2010/main">
                   <a:noFill/>
                 </a14:hiddenFill>
               </a:ext>
@@ -37109,7 +37109,7 @@
             </a:ln>
             <a:extLst>
               <a:ext uri="{909E8E84-426E-40dd-AFC4-6F175D3DCCD1}">
-                <a14:hiddenFill xmlns:a14="http://schemas.microsoft.com/office/drawing/2010/main" xmlns="">
+                <a14:hiddenFill xmlns="" xmlns:a14="http://schemas.microsoft.com/office/drawing/2010/main">
                   <a:noFill/>
                 </a14:hiddenFill>
               </a:ext>
@@ -37160,7 +37160,7 @@
             </a:ln>
             <a:extLst>
               <a:ext uri="{909E8E84-426E-40dd-AFC4-6F175D3DCCD1}">
-                <a14:hiddenFill xmlns:a14="http://schemas.microsoft.com/office/drawing/2010/main" xmlns="">
+                <a14:hiddenFill xmlns="" xmlns:a14="http://schemas.microsoft.com/office/drawing/2010/main">
                   <a:noFill/>
                 </a14:hiddenFill>
               </a:ext>
@@ -37211,7 +37211,7 @@
             </a:ln>
             <a:extLst>
               <a:ext uri="{909E8E84-426E-40dd-AFC4-6F175D3DCCD1}">
-                <a14:hiddenFill xmlns:a14="http://schemas.microsoft.com/office/drawing/2010/main" xmlns="">
+                <a14:hiddenFill xmlns="" xmlns:a14="http://schemas.microsoft.com/office/drawing/2010/main">
                   <a:noFill/>
                 </a14:hiddenFill>
               </a:ext>
@@ -37262,7 +37262,7 @@
             </a:ln>
             <a:extLst>
               <a:ext uri="{909E8E84-426E-40dd-AFC4-6F175D3DCCD1}">
-                <a14:hiddenFill xmlns:a14="http://schemas.microsoft.com/office/drawing/2010/main" xmlns="">
+                <a14:hiddenFill xmlns="" xmlns:a14="http://schemas.microsoft.com/office/drawing/2010/main">
                   <a:noFill/>
                 </a14:hiddenFill>
               </a:ext>
@@ -37313,7 +37313,7 @@
             </a:ln>
             <a:extLst>
               <a:ext uri="{909E8E84-426E-40dd-AFC4-6F175D3DCCD1}">
-                <a14:hiddenFill xmlns:a14="http://schemas.microsoft.com/office/drawing/2010/main" xmlns="">
+                <a14:hiddenFill xmlns="" xmlns:a14="http://schemas.microsoft.com/office/drawing/2010/main">
                   <a:noFill/>
                 </a14:hiddenFill>
               </a:ext>
@@ -37364,7 +37364,7 @@
             </a:ln>
             <a:extLst>
               <a:ext uri="{909E8E84-426E-40dd-AFC4-6F175D3DCCD1}">
-                <a14:hiddenFill xmlns:a14="http://schemas.microsoft.com/office/drawing/2010/main" xmlns="">
+                <a14:hiddenFill xmlns="" xmlns:a14="http://schemas.microsoft.com/office/drawing/2010/main">
                   <a:noFill/>
                 </a14:hiddenFill>
               </a:ext>
@@ -37415,7 +37415,7 @@
             </a:ln>
             <a:extLst>
               <a:ext uri="{909E8E84-426E-40dd-AFC4-6F175D3DCCD1}">
-                <a14:hiddenFill xmlns:a14="http://schemas.microsoft.com/office/drawing/2010/main" xmlns="">
+                <a14:hiddenFill xmlns="" xmlns:a14="http://schemas.microsoft.com/office/drawing/2010/main">
                   <a:noFill/>
                 </a14:hiddenFill>
               </a:ext>
@@ -37466,7 +37466,7 @@
             </a:ln>
             <a:extLst>
               <a:ext uri="{909E8E84-426E-40dd-AFC4-6F175D3DCCD1}">
-                <a14:hiddenFill xmlns:a14="http://schemas.microsoft.com/office/drawing/2010/main" xmlns="">
+                <a14:hiddenFill xmlns="" xmlns:a14="http://schemas.microsoft.com/office/drawing/2010/main">
                   <a:noFill/>
                 </a14:hiddenFill>
               </a:ext>
@@ -37517,7 +37517,7 @@
             </a:ln>
             <a:extLst>
               <a:ext uri="{909E8E84-426E-40dd-AFC4-6F175D3DCCD1}">
-                <a14:hiddenFill xmlns:a14="http://schemas.microsoft.com/office/drawing/2010/main" xmlns="">
+                <a14:hiddenFill xmlns="" xmlns:a14="http://schemas.microsoft.com/office/drawing/2010/main">
                   <a:noFill/>
                 </a14:hiddenFill>
               </a:ext>
@@ -37568,7 +37568,7 @@
             </a:ln>
             <a:extLst>
               <a:ext uri="{909E8E84-426E-40dd-AFC4-6F175D3DCCD1}">
-                <a14:hiddenFill xmlns:a14="http://schemas.microsoft.com/office/drawing/2010/main" xmlns="">
+                <a14:hiddenFill xmlns="" xmlns:a14="http://schemas.microsoft.com/office/drawing/2010/main">
                   <a:noFill/>
                 </a14:hiddenFill>
               </a:ext>
@@ -37619,7 +37619,7 @@
             </a:ln>
             <a:extLst>
               <a:ext uri="{909E8E84-426E-40dd-AFC4-6F175D3DCCD1}">
-                <a14:hiddenFill xmlns:a14="http://schemas.microsoft.com/office/drawing/2010/main" xmlns="">
+                <a14:hiddenFill xmlns="" xmlns:a14="http://schemas.microsoft.com/office/drawing/2010/main">
                   <a:noFill/>
                 </a14:hiddenFill>
               </a:ext>
@@ -37670,7 +37670,7 @@
             </a:ln>
             <a:extLst>
               <a:ext uri="{909E8E84-426E-40dd-AFC4-6F175D3DCCD1}">
-                <a14:hiddenFill xmlns:a14="http://schemas.microsoft.com/office/drawing/2010/main" xmlns="">
+                <a14:hiddenFill xmlns="" xmlns:a14="http://schemas.microsoft.com/office/drawing/2010/main">
                   <a:noFill/>
                 </a14:hiddenFill>
               </a:ext>
@@ -37721,7 +37721,7 @@
             </a:ln>
             <a:extLst>
               <a:ext uri="{909E8E84-426E-40dd-AFC4-6F175D3DCCD1}">
-                <a14:hiddenFill xmlns:a14="http://schemas.microsoft.com/office/drawing/2010/main" xmlns="">
+                <a14:hiddenFill xmlns="" xmlns:a14="http://schemas.microsoft.com/office/drawing/2010/main">
                   <a:noFill/>
                 </a14:hiddenFill>
               </a:ext>
@@ -37772,7 +37772,7 @@
             </a:ln>
             <a:extLst>
               <a:ext uri="{909E8E84-426E-40dd-AFC4-6F175D3DCCD1}">
-                <a14:hiddenFill xmlns:a14="http://schemas.microsoft.com/office/drawing/2010/main" xmlns="">
+                <a14:hiddenFill xmlns="" xmlns:a14="http://schemas.microsoft.com/office/drawing/2010/main">
                   <a:noFill/>
                 </a14:hiddenFill>
               </a:ext>
@@ -37823,7 +37823,7 @@
             </a:ln>
             <a:extLst>
               <a:ext uri="{909E8E84-426E-40dd-AFC4-6F175D3DCCD1}">
-                <a14:hiddenFill xmlns:a14="http://schemas.microsoft.com/office/drawing/2010/main" xmlns="">
+                <a14:hiddenFill xmlns="" xmlns:a14="http://schemas.microsoft.com/office/drawing/2010/main">
                   <a:noFill/>
                 </a14:hiddenFill>
               </a:ext>
@@ -37874,7 +37874,7 @@
             </a:ln>
             <a:extLst>
               <a:ext uri="{909E8E84-426E-40dd-AFC4-6F175D3DCCD1}">
-                <a14:hiddenFill xmlns:a14="http://schemas.microsoft.com/office/drawing/2010/main" xmlns="">
+                <a14:hiddenFill xmlns="" xmlns:a14="http://schemas.microsoft.com/office/drawing/2010/main">
                   <a:noFill/>
                 </a14:hiddenFill>
               </a:ext>
@@ -37925,7 +37925,7 @@
             </a:ln>
             <a:extLst>
               <a:ext uri="{909E8E84-426E-40dd-AFC4-6F175D3DCCD1}">
-                <a14:hiddenFill xmlns:a14="http://schemas.microsoft.com/office/drawing/2010/main" xmlns="">
+                <a14:hiddenFill xmlns="" xmlns:a14="http://schemas.microsoft.com/office/drawing/2010/main">
                   <a:noFill/>
                 </a14:hiddenFill>
               </a:ext>
@@ -37976,7 +37976,7 @@
             </a:ln>
             <a:extLst>
               <a:ext uri="{909E8E84-426E-40dd-AFC4-6F175D3DCCD1}">
-                <a14:hiddenFill xmlns:a14="http://schemas.microsoft.com/office/drawing/2010/main" xmlns="">
+                <a14:hiddenFill xmlns="" xmlns:a14="http://schemas.microsoft.com/office/drawing/2010/main">
                   <a:noFill/>
                 </a14:hiddenFill>
               </a:ext>
@@ -38027,7 +38027,7 @@
             </a:ln>
             <a:extLst>
               <a:ext uri="{909E8E84-426E-40dd-AFC4-6F175D3DCCD1}">
-                <a14:hiddenFill xmlns:a14="http://schemas.microsoft.com/office/drawing/2010/main" xmlns="">
+                <a14:hiddenFill xmlns="" xmlns:a14="http://schemas.microsoft.com/office/drawing/2010/main">
                   <a:noFill/>
                 </a14:hiddenFill>
               </a:ext>
@@ -38078,7 +38078,7 @@
             </a:ln>
             <a:extLst>
               <a:ext uri="{909E8E84-426E-40dd-AFC4-6F175D3DCCD1}">
-                <a14:hiddenFill xmlns:a14="http://schemas.microsoft.com/office/drawing/2010/main" xmlns="">
+                <a14:hiddenFill xmlns="" xmlns:a14="http://schemas.microsoft.com/office/drawing/2010/main">
                   <a:noFill/>
                 </a14:hiddenFill>
               </a:ext>
@@ -38129,7 +38129,7 @@
             </a:ln>
             <a:extLst>
               <a:ext uri="{909E8E84-426E-40dd-AFC4-6F175D3DCCD1}">
-                <a14:hiddenFill xmlns:a14="http://schemas.microsoft.com/office/drawing/2010/main" xmlns="">
+                <a14:hiddenFill xmlns="" xmlns:a14="http://schemas.microsoft.com/office/drawing/2010/main">
                   <a:noFill/>
                 </a14:hiddenFill>
               </a:ext>
@@ -38180,7 +38180,7 @@
             </a:ln>
             <a:extLst>
               <a:ext uri="{909E8E84-426E-40dd-AFC4-6F175D3DCCD1}">
-                <a14:hiddenFill xmlns:a14="http://schemas.microsoft.com/office/drawing/2010/main" xmlns="">
+                <a14:hiddenFill xmlns="" xmlns:a14="http://schemas.microsoft.com/office/drawing/2010/main">
                   <a:noFill/>
                 </a14:hiddenFill>
               </a:ext>
@@ -38231,7 +38231,7 @@
             </a:ln>
             <a:extLst>
               <a:ext uri="{909E8E84-426E-40dd-AFC4-6F175D3DCCD1}">
-                <a14:hiddenFill xmlns:a14="http://schemas.microsoft.com/office/drawing/2010/main" xmlns="">
+                <a14:hiddenFill xmlns="" xmlns:a14="http://schemas.microsoft.com/office/drawing/2010/main">
                   <a:noFill/>
                 </a14:hiddenFill>
               </a:ext>
@@ -38282,7 +38282,7 @@
             </a:ln>
             <a:extLst>
               <a:ext uri="{909E8E84-426E-40dd-AFC4-6F175D3DCCD1}">
-                <a14:hiddenFill xmlns:a14="http://schemas.microsoft.com/office/drawing/2010/main" xmlns="">
+                <a14:hiddenFill xmlns="" xmlns:a14="http://schemas.microsoft.com/office/drawing/2010/main">
                   <a:noFill/>
                 </a14:hiddenFill>
               </a:ext>
@@ -38333,7 +38333,7 @@
             </a:ln>
             <a:extLst>
               <a:ext uri="{909E8E84-426E-40dd-AFC4-6F175D3DCCD1}">
-                <a14:hiddenFill xmlns:a14="http://schemas.microsoft.com/office/drawing/2010/main" xmlns="">
+                <a14:hiddenFill xmlns="" xmlns:a14="http://schemas.microsoft.com/office/drawing/2010/main">
                   <a:noFill/>
                 </a14:hiddenFill>
               </a:ext>
@@ -38384,7 +38384,7 @@
             </a:ln>
             <a:extLst>
               <a:ext uri="{909E8E84-426E-40dd-AFC4-6F175D3DCCD1}">
-                <a14:hiddenFill xmlns:a14="http://schemas.microsoft.com/office/drawing/2010/main" xmlns="">
+                <a14:hiddenFill xmlns="" xmlns:a14="http://schemas.microsoft.com/office/drawing/2010/main">
                   <a:noFill/>
                 </a14:hiddenFill>
               </a:ext>
@@ -38435,7 +38435,7 @@
             </a:ln>
             <a:extLst>
               <a:ext uri="{909E8E84-426E-40dd-AFC4-6F175D3DCCD1}">
-                <a14:hiddenFill xmlns:a14="http://schemas.microsoft.com/office/drawing/2010/main" xmlns="">
+                <a14:hiddenFill xmlns="" xmlns:a14="http://schemas.microsoft.com/office/drawing/2010/main">
                   <a:noFill/>
                 </a14:hiddenFill>
               </a:ext>
@@ -38486,7 +38486,7 @@
             </a:ln>
             <a:extLst>
               <a:ext uri="{909E8E84-426E-40dd-AFC4-6F175D3DCCD1}">
-                <a14:hiddenFill xmlns:a14="http://schemas.microsoft.com/office/drawing/2010/main" xmlns="">
+                <a14:hiddenFill xmlns="" xmlns:a14="http://schemas.microsoft.com/office/drawing/2010/main">
                   <a:noFill/>
                 </a14:hiddenFill>
               </a:ext>
@@ -38537,7 +38537,7 @@
             </a:ln>
             <a:extLst>
               <a:ext uri="{909E8E84-426E-40dd-AFC4-6F175D3DCCD1}">
-                <a14:hiddenFill xmlns:a14="http://schemas.microsoft.com/office/drawing/2010/main" xmlns="">
+                <a14:hiddenFill xmlns="" xmlns:a14="http://schemas.microsoft.com/office/drawing/2010/main">
                   <a:noFill/>
                 </a14:hiddenFill>
               </a:ext>
@@ -38588,7 +38588,7 @@
             </a:ln>
             <a:extLst>
               <a:ext uri="{909E8E84-426E-40dd-AFC4-6F175D3DCCD1}">
-                <a14:hiddenFill xmlns:a14="http://schemas.microsoft.com/office/drawing/2010/main" xmlns="">
+                <a14:hiddenFill xmlns="" xmlns:a14="http://schemas.microsoft.com/office/drawing/2010/main">
                   <a:noFill/>
                 </a14:hiddenFill>
               </a:ext>
@@ -38639,7 +38639,7 @@
             </a:ln>
             <a:extLst>
               <a:ext uri="{909E8E84-426E-40dd-AFC4-6F175D3DCCD1}">
-                <a14:hiddenFill xmlns:a14="http://schemas.microsoft.com/office/drawing/2010/main" xmlns="">
+                <a14:hiddenFill xmlns="" xmlns:a14="http://schemas.microsoft.com/office/drawing/2010/main">
                   <a:noFill/>
                 </a14:hiddenFill>
               </a:ext>
@@ -38690,7 +38690,7 @@
             </a:ln>
             <a:extLst>
               <a:ext uri="{909E8E84-426E-40dd-AFC4-6F175D3DCCD1}">
-                <a14:hiddenFill xmlns:a14="http://schemas.microsoft.com/office/drawing/2010/main" xmlns="">
+                <a14:hiddenFill xmlns="" xmlns:a14="http://schemas.microsoft.com/office/drawing/2010/main">
                   <a:noFill/>
                 </a14:hiddenFill>
               </a:ext>
@@ -38741,7 +38741,7 @@
             </a:ln>
             <a:extLst>
               <a:ext uri="{909E8E84-426E-40dd-AFC4-6F175D3DCCD1}">
-                <a14:hiddenFill xmlns:a14="http://schemas.microsoft.com/office/drawing/2010/main" xmlns="">
+                <a14:hiddenFill xmlns="" xmlns:a14="http://schemas.microsoft.com/office/drawing/2010/main">
                   <a:noFill/>
                 </a14:hiddenFill>
               </a:ext>
@@ -38792,7 +38792,7 @@
             </a:ln>
             <a:extLst>
               <a:ext uri="{909E8E84-426E-40dd-AFC4-6F175D3DCCD1}">
-                <a14:hiddenFill xmlns:a14="http://schemas.microsoft.com/office/drawing/2010/main" xmlns="">
+                <a14:hiddenFill xmlns="" xmlns:a14="http://schemas.microsoft.com/office/drawing/2010/main">
                   <a:noFill/>
                 </a14:hiddenFill>
               </a:ext>
@@ -38843,7 +38843,7 @@
             </a:ln>
             <a:extLst>
               <a:ext uri="{909E8E84-426E-40dd-AFC4-6F175D3DCCD1}">
-                <a14:hiddenFill xmlns:a14="http://schemas.microsoft.com/office/drawing/2010/main" xmlns="">
+                <a14:hiddenFill xmlns="" xmlns:a14="http://schemas.microsoft.com/office/drawing/2010/main">
                   <a:noFill/>
                 </a14:hiddenFill>
               </a:ext>
@@ -39926,7 +39926,7 @@
             </a:ln>
             <a:extLst>
               <a:ext uri="{909E8E84-426E-40dd-AFC4-6F175D3DCCD1}">
-                <a14:hiddenFill xmlns:a14="http://schemas.microsoft.com/office/drawing/2010/main" xmlns="">
+                <a14:hiddenFill xmlns="" xmlns:a14="http://schemas.microsoft.com/office/drawing/2010/main">
                   <a:solidFill>
                     <a:srgbClr val="FFFFFF"/>
                   </a:solidFill>
@@ -39979,7 +39979,7 @@
             </a:ln>
             <a:extLst>
               <a:ext uri="{909E8E84-426E-40dd-AFC4-6F175D3DCCD1}">
-                <a14:hiddenFill xmlns:a14="http://schemas.microsoft.com/office/drawing/2010/main" xmlns="">
+                <a14:hiddenFill xmlns="" xmlns:a14="http://schemas.microsoft.com/office/drawing/2010/main">
                   <a:noFill/>
                 </a14:hiddenFill>
               </a:ext>
@@ -40030,7 +40030,7 @@
             </a:ln>
             <a:extLst>
               <a:ext uri="{909E8E84-426E-40dd-AFC4-6F175D3DCCD1}">
-                <a14:hiddenFill xmlns:a14="http://schemas.microsoft.com/office/drawing/2010/main" xmlns="">
+                <a14:hiddenFill xmlns="" xmlns:a14="http://schemas.microsoft.com/office/drawing/2010/main">
                   <a:noFill/>
                 </a14:hiddenFill>
               </a:ext>
@@ -40081,7 +40081,7 @@
             </a:ln>
             <a:extLst>
               <a:ext uri="{909E8E84-426E-40dd-AFC4-6F175D3DCCD1}">
-                <a14:hiddenFill xmlns:a14="http://schemas.microsoft.com/office/drawing/2010/main" xmlns="">
+                <a14:hiddenFill xmlns="" xmlns:a14="http://schemas.microsoft.com/office/drawing/2010/main">
                   <a:noFill/>
                 </a14:hiddenFill>
               </a:ext>
@@ -40132,7 +40132,7 @@
             </a:ln>
             <a:extLst>
               <a:ext uri="{909E8E84-426E-40dd-AFC4-6F175D3DCCD1}">
-                <a14:hiddenFill xmlns:a14="http://schemas.microsoft.com/office/drawing/2010/main" xmlns="">
+                <a14:hiddenFill xmlns="" xmlns:a14="http://schemas.microsoft.com/office/drawing/2010/main">
                   <a:noFill/>
                 </a14:hiddenFill>
               </a:ext>
@@ -40183,7 +40183,7 @@
             </a:ln>
             <a:extLst>
               <a:ext uri="{909E8E84-426E-40dd-AFC4-6F175D3DCCD1}">
-                <a14:hiddenFill xmlns:a14="http://schemas.microsoft.com/office/drawing/2010/main" xmlns="">
+                <a14:hiddenFill xmlns="" xmlns:a14="http://schemas.microsoft.com/office/drawing/2010/main">
                   <a:noFill/>
                 </a14:hiddenFill>
               </a:ext>
@@ -40234,7 +40234,7 @@
             </a:ln>
             <a:extLst>
               <a:ext uri="{909E8E84-426E-40dd-AFC4-6F175D3DCCD1}">
-                <a14:hiddenFill xmlns:a14="http://schemas.microsoft.com/office/drawing/2010/main" xmlns="">
+                <a14:hiddenFill xmlns="" xmlns:a14="http://schemas.microsoft.com/office/drawing/2010/main">
                   <a:noFill/>
                 </a14:hiddenFill>
               </a:ext>
@@ -40285,7 +40285,7 @@
             </a:ln>
             <a:extLst>
               <a:ext uri="{909E8E84-426E-40dd-AFC4-6F175D3DCCD1}">
-                <a14:hiddenFill xmlns:a14="http://schemas.microsoft.com/office/drawing/2010/main" xmlns="">
+                <a14:hiddenFill xmlns="" xmlns:a14="http://schemas.microsoft.com/office/drawing/2010/main">
                   <a:noFill/>
                 </a14:hiddenFill>
               </a:ext>
@@ -40336,7 +40336,7 @@
             </a:ln>
             <a:extLst>
               <a:ext uri="{909E8E84-426E-40dd-AFC4-6F175D3DCCD1}">
-                <a14:hiddenFill xmlns:a14="http://schemas.microsoft.com/office/drawing/2010/main" xmlns="">
+                <a14:hiddenFill xmlns="" xmlns:a14="http://schemas.microsoft.com/office/drawing/2010/main">
                   <a:noFill/>
                 </a14:hiddenFill>
               </a:ext>
@@ -40387,7 +40387,7 @@
             </a:ln>
             <a:extLst>
               <a:ext uri="{909E8E84-426E-40dd-AFC4-6F175D3DCCD1}">
-                <a14:hiddenFill xmlns:a14="http://schemas.microsoft.com/office/drawing/2010/main" xmlns="">
+                <a14:hiddenFill xmlns="" xmlns:a14="http://schemas.microsoft.com/office/drawing/2010/main">
                   <a:noFill/>
                 </a14:hiddenFill>
               </a:ext>
@@ -40438,7 +40438,7 @@
             </a:ln>
             <a:extLst>
               <a:ext uri="{909E8E84-426E-40dd-AFC4-6F175D3DCCD1}">
-                <a14:hiddenFill xmlns:a14="http://schemas.microsoft.com/office/drawing/2010/main" xmlns="">
+                <a14:hiddenFill xmlns="" xmlns:a14="http://schemas.microsoft.com/office/drawing/2010/main">
                   <a:noFill/>
                 </a14:hiddenFill>
               </a:ext>
@@ -40489,7 +40489,7 @@
             </a:ln>
             <a:extLst>
               <a:ext uri="{909E8E84-426E-40dd-AFC4-6F175D3DCCD1}">
-                <a14:hiddenFill xmlns:a14="http://schemas.microsoft.com/office/drawing/2010/main" xmlns="">
+                <a14:hiddenFill xmlns="" xmlns:a14="http://schemas.microsoft.com/office/drawing/2010/main">
                   <a:noFill/>
                 </a14:hiddenFill>
               </a:ext>
@@ -40540,7 +40540,7 @@
             </a:ln>
             <a:extLst>
               <a:ext uri="{909E8E84-426E-40dd-AFC4-6F175D3DCCD1}">
-                <a14:hiddenFill xmlns:a14="http://schemas.microsoft.com/office/drawing/2010/main" xmlns="">
+                <a14:hiddenFill xmlns="" xmlns:a14="http://schemas.microsoft.com/office/drawing/2010/main">
                   <a:noFill/>
                 </a14:hiddenFill>
               </a:ext>
@@ -40591,7 +40591,7 @@
             </a:ln>
             <a:extLst>
               <a:ext uri="{909E8E84-426E-40dd-AFC4-6F175D3DCCD1}">
-                <a14:hiddenFill xmlns:a14="http://schemas.microsoft.com/office/drawing/2010/main" xmlns="">
+                <a14:hiddenFill xmlns="" xmlns:a14="http://schemas.microsoft.com/office/drawing/2010/main">
                   <a:noFill/>
                 </a14:hiddenFill>
               </a:ext>
@@ -40642,7 +40642,7 @@
             </a:ln>
             <a:extLst>
               <a:ext uri="{909E8E84-426E-40dd-AFC4-6F175D3DCCD1}">
-                <a14:hiddenFill xmlns:a14="http://schemas.microsoft.com/office/drawing/2010/main" xmlns="">
+                <a14:hiddenFill xmlns="" xmlns:a14="http://schemas.microsoft.com/office/drawing/2010/main">
                   <a:noFill/>
                 </a14:hiddenFill>
               </a:ext>
@@ -40693,7 +40693,7 @@
             </a:ln>
             <a:extLst>
               <a:ext uri="{909E8E84-426E-40dd-AFC4-6F175D3DCCD1}">
-                <a14:hiddenFill xmlns:a14="http://schemas.microsoft.com/office/drawing/2010/main" xmlns="">
+                <a14:hiddenFill xmlns="" xmlns:a14="http://schemas.microsoft.com/office/drawing/2010/main">
                   <a:noFill/>
                 </a14:hiddenFill>
               </a:ext>
@@ -40744,7 +40744,7 @@
             </a:ln>
             <a:extLst>
               <a:ext uri="{909E8E84-426E-40dd-AFC4-6F175D3DCCD1}">
-                <a14:hiddenFill xmlns:a14="http://schemas.microsoft.com/office/drawing/2010/main" xmlns="">
+                <a14:hiddenFill xmlns="" xmlns:a14="http://schemas.microsoft.com/office/drawing/2010/main">
                   <a:noFill/>
                 </a14:hiddenFill>
               </a:ext>
@@ -40795,7 +40795,7 @@
             </a:ln>
             <a:extLst>
               <a:ext uri="{909E8E84-426E-40dd-AFC4-6F175D3DCCD1}">
-                <a14:hiddenFill xmlns:a14="http://schemas.microsoft.com/office/drawing/2010/main" xmlns="">
+                <a14:hiddenFill xmlns="" xmlns:a14="http://schemas.microsoft.com/office/drawing/2010/main">
                   <a:noFill/>
                 </a14:hiddenFill>
               </a:ext>
@@ -40846,7 +40846,7 @@
             </a:ln>
             <a:extLst>
               <a:ext uri="{909E8E84-426E-40dd-AFC4-6F175D3DCCD1}">
-                <a14:hiddenFill xmlns:a14="http://schemas.microsoft.com/office/drawing/2010/main" xmlns="">
+                <a14:hiddenFill xmlns="" xmlns:a14="http://schemas.microsoft.com/office/drawing/2010/main">
                   <a:noFill/>
                 </a14:hiddenFill>
               </a:ext>
@@ -40897,7 +40897,7 @@
             </a:ln>
             <a:extLst>
               <a:ext uri="{909E8E84-426E-40dd-AFC4-6F175D3DCCD1}">
-                <a14:hiddenFill xmlns:a14="http://schemas.microsoft.com/office/drawing/2010/main" xmlns="">
+                <a14:hiddenFill xmlns="" xmlns:a14="http://schemas.microsoft.com/office/drawing/2010/main">
                   <a:noFill/>
                 </a14:hiddenFill>
               </a:ext>
@@ -40948,7 +40948,7 @@
             </a:ln>
             <a:extLst>
               <a:ext uri="{909E8E84-426E-40dd-AFC4-6F175D3DCCD1}">
-                <a14:hiddenFill xmlns:a14="http://schemas.microsoft.com/office/drawing/2010/main" xmlns="">
+                <a14:hiddenFill xmlns="" xmlns:a14="http://schemas.microsoft.com/office/drawing/2010/main">
                   <a:noFill/>
                 </a14:hiddenFill>
               </a:ext>
@@ -40999,7 +40999,7 @@
             </a:ln>
             <a:extLst>
               <a:ext uri="{909E8E84-426E-40dd-AFC4-6F175D3DCCD1}">
-                <a14:hiddenFill xmlns:a14="http://schemas.microsoft.com/office/drawing/2010/main" xmlns="">
+                <a14:hiddenFill xmlns="" xmlns:a14="http://schemas.microsoft.com/office/drawing/2010/main">
                   <a:noFill/>
                 </a14:hiddenFill>
               </a:ext>
@@ -41050,7 +41050,7 @@
             </a:ln>
             <a:extLst>
               <a:ext uri="{909E8E84-426E-40dd-AFC4-6F175D3DCCD1}">
-                <a14:hiddenFill xmlns:a14="http://schemas.microsoft.com/office/drawing/2010/main" xmlns="">
+                <a14:hiddenFill xmlns="" xmlns:a14="http://schemas.microsoft.com/office/drawing/2010/main">
                   <a:noFill/>
                 </a14:hiddenFill>
               </a:ext>
@@ -41101,7 +41101,7 @@
             </a:ln>
             <a:extLst>
               <a:ext uri="{909E8E84-426E-40dd-AFC4-6F175D3DCCD1}">
-                <a14:hiddenFill xmlns:a14="http://schemas.microsoft.com/office/drawing/2010/main" xmlns="">
+                <a14:hiddenFill xmlns="" xmlns:a14="http://schemas.microsoft.com/office/drawing/2010/main">
                   <a:noFill/>
                 </a14:hiddenFill>
               </a:ext>
@@ -41152,7 +41152,7 @@
             </a:ln>
             <a:extLst>
               <a:ext uri="{909E8E84-426E-40dd-AFC4-6F175D3DCCD1}">
-                <a14:hiddenFill xmlns:a14="http://schemas.microsoft.com/office/drawing/2010/main" xmlns="">
+                <a14:hiddenFill xmlns="" xmlns:a14="http://schemas.microsoft.com/office/drawing/2010/main">
                   <a:noFill/>
                 </a14:hiddenFill>
               </a:ext>
@@ -41203,7 +41203,7 @@
             </a:ln>
             <a:extLst>
               <a:ext uri="{909E8E84-426E-40dd-AFC4-6F175D3DCCD1}">
-                <a14:hiddenFill xmlns:a14="http://schemas.microsoft.com/office/drawing/2010/main" xmlns="">
+                <a14:hiddenFill xmlns="" xmlns:a14="http://schemas.microsoft.com/office/drawing/2010/main">
                   <a:noFill/>
                 </a14:hiddenFill>
               </a:ext>
@@ -41254,7 +41254,7 @@
             </a:ln>
             <a:extLst>
               <a:ext uri="{909E8E84-426E-40dd-AFC4-6F175D3DCCD1}">
-                <a14:hiddenFill xmlns:a14="http://schemas.microsoft.com/office/drawing/2010/main" xmlns="">
+                <a14:hiddenFill xmlns="" xmlns:a14="http://schemas.microsoft.com/office/drawing/2010/main">
                   <a:noFill/>
                 </a14:hiddenFill>
               </a:ext>
@@ -41305,7 +41305,7 @@
             </a:ln>
             <a:extLst>
               <a:ext uri="{909E8E84-426E-40dd-AFC4-6F175D3DCCD1}">
-                <a14:hiddenFill xmlns:a14="http://schemas.microsoft.com/office/drawing/2010/main" xmlns="">
+                <a14:hiddenFill xmlns="" xmlns:a14="http://schemas.microsoft.com/office/drawing/2010/main">
                   <a:noFill/>
                 </a14:hiddenFill>
               </a:ext>
@@ -41356,7 +41356,7 @@
             </a:ln>
             <a:extLst>
               <a:ext uri="{909E8E84-426E-40dd-AFC4-6F175D3DCCD1}">
-                <a14:hiddenFill xmlns:a14="http://schemas.microsoft.com/office/drawing/2010/main" xmlns="">
+                <a14:hiddenFill xmlns="" xmlns:a14="http://schemas.microsoft.com/office/drawing/2010/main">
                   <a:noFill/>
                 </a14:hiddenFill>
               </a:ext>
@@ -41407,7 +41407,7 @@
             </a:ln>
             <a:extLst>
               <a:ext uri="{909E8E84-426E-40dd-AFC4-6F175D3DCCD1}">
-                <a14:hiddenFill xmlns:a14="http://schemas.microsoft.com/office/drawing/2010/main" xmlns="">
+                <a14:hiddenFill xmlns="" xmlns:a14="http://schemas.microsoft.com/office/drawing/2010/main">
                   <a:noFill/>
                 </a14:hiddenFill>
               </a:ext>
@@ -41458,7 +41458,7 @@
             </a:ln>
             <a:extLst>
               <a:ext uri="{909E8E84-426E-40dd-AFC4-6F175D3DCCD1}">
-                <a14:hiddenFill xmlns:a14="http://schemas.microsoft.com/office/drawing/2010/main" xmlns="">
+                <a14:hiddenFill xmlns="" xmlns:a14="http://schemas.microsoft.com/office/drawing/2010/main">
                   <a:noFill/>
                 </a14:hiddenFill>
               </a:ext>
@@ -41509,7 +41509,7 @@
             </a:ln>
             <a:extLst>
               <a:ext uri="{909E8E84-426E-40dd-AFC4-6F175D3DCCD1}">
-                <a14:hiddenFill xmlns:a14="http://schemas.microsoft.com/office/drawing/2010/main" xmlns="">
+                <a14:hiddenFill xmlns="" xmlns:a14="http://schemas.microsoft.com/office/drawing/2010/main">
                   <a:noFill/>
                 </a14:hiddenFill>
               </a:ext>
@@ -41560,7 +41560,7 @@
             </a:ln>
             <a:extLst>
               <a:ext uri="{909E8E84-426E-40dd-AFC4-6F175D3DCCD1}">
-                <a14:hiddenFill xmlns:a14="http://schemas.microsoft.com/office/drawing/2010/main" xmlns="">
+                <a14:hiddenFill xmlns="" xmlns:a14="http://schemas.microsoft.com/office/drawing/2010/main">
                   <a:noFill/>
                 </a14:hiddenFill>
               </a:ext>
@@ -41611,7 +41611,7 @@
             </a:ln>
             <a:extLst>
               <a:ext uri="{909E8E84-426E-40dd-AFC4-6F175D3DCCD1}">
-                <a14:hiddenFill xmlns:a14="http://schemas.microsoft.com/office/drawing/2010/main" xmlns="">
+                <a14:hiddenFill xmlns="" xmlns:a14="http://schemas.microsoft.com/office/drawing/2010/main">
                   <a:noFill/>
                 </a14:hiddenFill>
               </a:ext>
@@ -41662,7 +41662,7 @@
             </a:ln>
             <a:extLst>
               <a:ext uri="{909E8E84-426E-40dd-AFC4-6F175D3DCCD1}">
-                <a14:hiddenFill xmlns:a14="http://schemas.microsoft.com/office/drawing/2010/main" xmlns="">
+                <a14:hiddenFill xmlns="" xmlns:a14="http://schemas.microsoft.com/office/drawing/2010/main">
                   <a:noFill/>
                 </a14:hiddenFill>
               </a:ext>
@@ -41713,7 +41713,7 @@
             </a:ln>
             <a:extLst>
               <a:ext uri="{909E8E84-426E-40dd-AFC4-6F175D3DCCD1}">
-                <a14:hiddenFill xmlns:a14="http://schemas.microsoft.com/office/drawing/2010/main" xmlns="">
+                <a14:hiddenFill xmlns="" xmlns:a14="http://schemas.microsoft.com/office/drawing/2010/main">
                   <a:noFill/>
                 </a14:hiddenFill>
               </a:ext>
@@ -41764,7 +41764,7 @@
             </a:ln>
             <a:extLst>
               <a:ext uri="{909E8E84-426E-40dd-AFC4-6F175D3DCCD1}">
-                <a14:hiddenFill xmlns:a14="http://schemas.microsoft.com/office/drawing/2010/main" xmlns="">
+                <a14:hiddenFill xmlns="" xmlns:a14="http://schemas.microsoft.com/office/drawing/2010/main">
                   <a:noFill/>
                 </a14:hiddenFill>
               </a:ext>
@@ -41815,7 +41815,7 @@
             </a:ln>
             <a:extLst>
               <a:ext uri="{909E8E84-426E-40dd-AFC4-6F175D3DCCD1}">
-                <a14:hiddenFill xmlns:a14="http://schemas.microsoft.com/office/drawing/2010/main" xmlns="">
+                <a14:hiddenFill xmlns="" xmlns:a14="http://schemas.microsoft.com/office/drawing/2010/main">
                   <a:noFill/>
                 </a14:hiddenFill>
               </a:ext>
@@ -41866,7 +41866,7 @@
             </a:ln>
             <a:extLst>
               <a:ext uri="{909E8E84-426E-40dd-AFC4-6F175D3DCCD1}">
-                <a14:hiddenFill xmlns:a14="http://schemas.microsoft.com/office/drawing/2010/main" xmlns="">
+                <a14:hiddenFill xmlns="" xmlns:a14="http://schemas.microsoft.com/office/drawing/2010/main">
                   <a:noFill/>
                 </a14:hiddenFill>
               </a:ext>
@@ -41917,7 +41917,7 @@
             </a:ln>
             <a:extLst>
               <a:ext uri="{909E8E84-426E-40dd-AFC4-6F175D3DCCD1}">
-                <a14:hiddenFill xmlns:a14="http://schemas.microsoft.com/office/drawing/2010/main" xmlns="">
+                <a14:hiddenFill xmlns="" xmlns:a14="http://schemas.microsoft.com/office/drawing/2010/main">
                   <a:noFill/>
                 </a14:hiddenFill>
               </a:ext>
@@ -41968,7 +41968,7 @@
             </a:ln>
             <a:extLst>
               <a:ext uri="{909E8E84-426E-40dd-AFC4-6F175D3DCCD1}">
-                <a14:hiddenFill xmlns:a14="http://schemas.microsoft.com/office/drawing/2010/main" xmlns="">
+                <a14:hiddenFill xmlns="" xmlns:a14="http://schemas.microsoft.com/office/drawing/2010/main">
                   <a:noFill/>
                 </a14:hiddenFill>
               </a:ext>
@@ -42019,7 +42019,7 @@
             </a:ln>
             <a:extLst>
               <a:ext uri="{909E8E84-426E-40dd-AFC4-6F175D3DCCD1}">
-                <a14:hiddenFill xmlns:a14="http://schemas.microsoft.com/office/drawing/2010/main" xmlns="">
+                <a14:hiddenFill xmlns="" xmlns:a14="http://schemas.microsoft.com/office/drawing/2010/main">
                   <a:noFill/>
                 </a14:hiddenFill>
               </a:ext>
@@ -42070,7 +42070,7 @@
             </a:ln>
             <a:extLst>
               <a:ext uri="{909E8E84-426E-40dd-AFC4-6F175D3DCCD1}">
-                <a14:hiddenFill xmlns:a14="http://schemas.microsoft.com/office/drawing/2010/main" xmlns="">
+                <a14:hiddenFill xmlns="" xmlns:a14="http://schemas.microsoft.com/office/drawing/2010/main">
                   <a:noFill/>
                 </a14:hiddenFill>
               </a:ext>
@@ -42121,7 +42121,7 @@
             </a:ln>
             <a:extLst>
               <a:ext uri="{909E8E84-426E-40dd-AFC4-6F175D3DCCD1}">
-                <a14:hiddenFill xmlns:a14="http://schemas.microsoft.com/office/drawing/2010/main" xmlns="">
+                <a14:hiddenFill xmlns="" xmlns:a14="http://schemas.microsoft.com/office/drawing/2010/main">
                   <a:noFill/>
                 </a14:hiddenFill>
               </a:ext>
@@ -42172,7 +42172,7 @@
             </a:ln>
             <a:extLst>
               <a:ext uri="{909E8E84-426E-40dd-AFC4-6F175D3DCCD1}">
-                <a14:hiddenFill xmlns:a14="http://schemas.microsoft.com/office/drawing/2010/main" xmlns="">
+                <a14:hiddenFill xmlns="" xmlns:a14="http://schemas.microsoft.com/office/drawing/2010/main">
                   <a:noFill/>
                 </a14:hiddenFill>
               </a:ext>
@@ -42223,7 +42223,7 @@
             </a:ln>
             <a:extLst>
               <a:ext uri="{909E8E84-426E-40dd-AFC4-6F175D3DCCD1}">
-                <a14:hiddenFill xmlns:a14="http://schemas.microsoft.com/office/drawing/2010/main" xmlns="">
+                <a14:hiddenFill xmlns="" xmlns:a14="http://schemas.microsoft.com/office/drawing/2010/main">
                   <a:noFill/>
                 </a14:hiddenFill>
               </a:ext>
@@ -42274,7 +42274,7 @@
             </a:ln>
             <a:extLst>
               <a:ext uri="{909E8E84-426E-40dd-AFC4-6F175D3DCCD1}">
-                <a14:hiddenFill xmlns:a14="http://schemas.microsoft.com/office/drawing/2010/main" xmlns="">
+                <a14:hiddenFill xmlns="" xmlns:a14="http://schemas.microsoft.com/office/drawing/2010/main">
                   <a:noFill/>
                 </a14:hiddenFill>
               </a:ext>
@@ -42325,7 +42325,7 @@
             </a:ln>
             <a:extLst>
               <a:ext uri="{909E8E84-426E-40dd-AFC4-6F175D3DCCD1}">
-                <a14:hiddenFill xmlns:a14="http://schemas.microsoft.com/office/drawing/2010/main" xmlns="">
+                <a14:hiddenFill xmlns="" xmlns:a14="http://schemas.microsoft.com/office/drawing/2010/main">
                   <a:noFill/>
                 </a14:hiddenFill>
               </a:ext>
@@ -42376,7 +42376,7 @@
             </a:ln>
             <a:extLst>
               <a:ext uri="{909E8E84-426E-40dd-AFC4-6F175D3DCCD1}">
-                <a14:hiddenFill xmlns:a14="http://schemas.microsoft.com/office/drawing/2010/main" xmlns="">
+                <a14:hiddenFill xmlns="" xmlns:a14="http://schemas.microsoft.com/office/drawing/2010/main">
                   <a:noFill/>
                 </a14:hiddenFill>
               </a:ext>
@@ -42427,7 +42427,7 @@
             </a:ln>
             <a:extLst>
               <a:ext uri="{909E8E84-426E-40dd-AFC4-6F175D3DCCD1}">
-                <a14:hiddenFill xmlns:a14="http://schemas.microsoft.com/office/drawing/2010/main" xmlns="">
+                <a14:hiddenFill xmlns="" xmlns:a14="http://schemas.microsoft.com/office/drawing/2010/main">
                   <a:noFill/>
                 </a14:hiddenFill>
               </a:ext>
@@ -42478,7 +42478,7 @@
             </a:ln>
             <a:extLst>
               <a:ext uri="{909E8E84-426E-40dd-AFC4-6F175D3DCCD1}">
-                <a14:hiddenFill xmlns:a14="http://schemas.microsoft.com/office/drawing/2010/main" xmlns="">
+                <a14:hiddenFill xmlns="" xmlns:a14="http://schemas.microsoft.com/office/drawing/2010/main">
                   <a:noFill/>
                 </a14:hiddenFill>
               </a:ext>
@@ -42529,7 +42529,7 @@
             </a:ln>
             <a:extLst>
               <a:ext uri="{909E8E84-426E-40dd-AFC4-6F175D3DCCD1}">
-                <a14:hiddenFill xmlns:a14="http://schemas.microsoft.com/office/drawing/2010/main" xmlns="">
+                <a14:hiddenFill xmlns="" xmlns:a14="http://schemas.microsoft.com/office/drawing/2010/main">
                   <a:noFill/>
                 </a14:hiddenFill>
               </a:ext>
@@ -42580,7 +42580,7 @@
             </a:ln>
             <a:extLst>
               <a:ext uri="{909E8E84-426E-40dd-AFC4-6F175D3DCCD1}">
-                <a14:hiddenFill xmlns:a14="http://schemas.microsoft.com/office/drawing/2010/main" xmlns="">
+                <a14:hiddenFill xmlns="" xmlns:a14="http://schemas.microsoft.com/office/drawing/2010/main">
                   <a:noFill/>
                 </a14:hiddenFill>
               </a:ext>
@@ -42631,7 +42631,7 @@
             </a:ln>
             <a:extLst>
               <a:ext uri="{909E8E84-426E-40dd-AFC4-6F175D3DCCD1}">
-                <a14:hiddenFill xmlns:a14="http://schemas.microsoft.com/office/drawing/2010/main" xmlns="">
+                <a14:hiddenFill xmlns="" xmlns:a14="http://schemas.microsoft.com/office/drawing/2010/main">
                   <a:noFill/>
                 </a14:hiddenFill>
               </a:ext>
@@ -42682,7 +42682,7 @@
             </a:ln>
             <a:extLst>
               <a:ext uri="{909E8E84-426E-40dd-AFC4-6F175D3DCCD1}">
-                <a14:hiddenFill xmlns:a14="http://schemas.microsoft.com/office/drawing/2010/main" xmlns="">
+                <a14:hiddenFill xmlns="" xmlns:a14="http://schemas.microsoft.com/office/drawing/2010/main">
                   <a:noFill/>
                 </a14:hiddenFill>
               </a:ext>
@@ -42733,7 +42733,7 @@
             </a:ln>
             <a:extLst>
               <a:ext uri="{909E8E84-426E-40dd-AFC4-6F175D3DCCD1}">
-                <a14:hiddenFill xmlns:a14="http://schemas.microsoft.com/office/drawing/2010/main" xmlns="">
+                <a14:hiddenFill xmlns="" xmlns:a14="http://schemas.microsoft.com/office/drawing/2010/main">
                   <a:noFill/>
                 </a14:hiddenFill>
               </a:ext>
@@ -42784,7 +42784,7 @@
             </a:ln>
             <a:extLst>
               <a:ext uri="{909E8E84-426E-40dd-AFC4-6F175D3DCCD1}">
-                <a14:hiddenFill xmlns:a14="http://schemas.microsoft.com/office/drawing/2010/main" xmlns="">
+                <a14:hiddenFill xmlns="" xmlns:a14="http://schemas.microsoft.com/office/drawing/2010/main">
                   <a:noFill/>
                 </a14:hiddenFill>
               </a:ext>
@@ -42835,7 +42835,7 @@
             </a:ln>
             <a:extLst>
               <a:ext uri="{909E8E84-426E-40dd-AFC4-6F175D3DCCD1}">
-                <a14:hiddenFill xmlns:a14="http://schemas.microsoft.com/office/drawing/2010/main" xmlns="">
+                <a14:hiddenFill xmlns="" xmlns:a14="http://schemas.microsoft.com/office/drawing/2010/main">
                   <a:noFill/>
                 </a14:hiddenFill>
               </a:ext>
@@ -42886,7 +42886,7 @@
             </a:ln>
             <a:extLst>
               <a:ext uri="{909E8E84-426E-40dd-AFC4-6F175D3DCCD1}">
-                <a14:hiddenFill xmlns:a14="http://schemas.microsoft.com/office/drawing/2010/main" xmlns="">
+                <a14:hiddenFill xmlns="" xmlns:a14="http://schemas.microsoft.com/office/drawing/2010/main">
                   <a:noFill/>
                 </a14:hiddenFill>
               </a:ext>
@@ -42937,7 +42937,7 @@
             </a:ln>
             <a:extLst>
               <a:ext uri="{909E8E84-426E-40dd-AFC4-6F175D3DCCD1}">
-                <a14:hiddenFill xmlns:a14="http://schemas.microsoft.com/office/drawing/2010/main" xmlns="">
+                <a14:hiddenFill xmlns="" xmlns:a14="http://schemas.microsoft.com/office/drawing/2010/main">
                   <a:noFill/>
                 </a14:hiddenFill>
               </a:ext>
@@ -42988,7 +42988,7 @@
             </a:ln>
             <a:extLst>
               <a:ext uri="{909E8E84-426E-40dd-AFC4-6F175D3DCCD1}">
-                <a14:hiddenFill xmlns:a14="http://schemas.microsoft.com/office/drawing/2010/main" xmlns="">
+                <a14:hiddenFill xmlns="" xmlns:a14="http://schemas.microsoft.com/office/drawing/2010/main">
                   <a:noFill/>
                 </a14:hiddenFill>
               </a:ext>
@@ -43039,7 +43039,7 @@
             </a:ln>
             <a:extLst>
               <a:ext uri="{909E8E84-426E-40dd-AFC4-6F175D3DCCD1}">
-                <a14:hiddenFill xmlns:a14="http://schemas.microsoft.com/office/drawing/2010/main" xmlns="">
+                <a14:hiddenFill xmlns="" xmlns:a14="http://schemas.microsoft.com/office/drawing/2010/main">
                   <a:noFill/>
                 </a14:hiddenFill>
               </a:ext>
@@ -43090,7 +43090,7 @@
             </a:ln>
             <a:extLst>
               <a:ext uri="{909E8E84-426E-40dd-AFC4-6F175D3DCCD1}">
-                <a14:hiddenFill xmlns:a14="http://schemas.microsoft.com/office/drawing/2010/main" xmlns="">
+                <a14:hiddenFill xmlns="" xmlns:a14="http://schemas.microsoft.com/office/drawing/2010/main">
                   <a:noFill/>
                 </a14:hiddenFill>
               </a:ext>
@@ -43141,7 +43141,7 @@
             </a:ln>
             <a:extLst>
               <a:ext uri="{909E8E84-426E-40dd-AFC4-6F175D3DCCD1}">
-                <a14:hiddenFill xmlns:a14="http://schemas.microsoft.com/office/drawing/2010/main" xmlns="">
+                <a14:hiddenFill xmlns="" xmlns:a14="http://schemas.microsoft.com/office/drawing/2010/main">
                   <a:noFill/>
                 </a14:hiddenFill>
               </a:ext>
@@ -43192,7 +43192,7 @@
             </a:ln>
             <a:extLst>
               <a:ext uri="{909E8E84-426E-40dd-AFC4-6F175D3DCCD1}">
-                <a14:hiddenFill xmlns:a14="http://schemas.microsoft.com/office/drawing/2010/main" xmlns="">
+                <a14:hiddenFill xmlns="" xmlns:a14="http://schemas.microsoft.com/office/drawing/2010/main">
                   <a:noFill/>
                 </a14:hiddenFill>
               </a:ext>
@@ -43243,7 +43243,7 @@
             </a:ln>
             <a:extLst>
               <a:ext uri="{909E8E84-426E-40dd-AFC4-6F175D3DCCD1}">
-                <a14:hiddenFill xmlns:a14="http://schemas.microsoft.com/office/drawing/2010/main" xmlns="">
+                <a14:hiddenFill xmlns="" xmlns:a14="http://schemas.microsoft.com/office/drawing/2010/main">
                   <a:noFill/>
                 </a14:hiddenFill>
               </a:ext>
@@ -43294,7 +43294,7 @@
             </a:ln>
             <a:extLst>
               <a:ext uri="{909E8E84-426E-40dd-AFC4-6F175D3DCCD1}">
-                <a14:hiddenFill xmlns:a14="http://schemas.microsoft.com/office/drawing/2010/main" xmlns="">
+                <a14:hiddenFill xmlns="" xmlns:a14="http://schemas.microsoft.com/office/drawing/2010/main">
                   <a:noFill/>
                 </a14:hiddenFill>
               </a:ext>
@@ -43345,7 +43345,7 @@
             </a:ln>
             <a:extLst>
               <a:ext uri="{909E8E84-426E-40dd-AFC4-6F175D3DCCD1}">
-                <a14:hiddenFill xmlns:a14="http://schemas.microsoft.com/office/drawing/2010/main" xmlns="">
+                <a14:hiddenFill xmlns="" xmlns:a14="http://schemas.microsoft.com/office/drawing/2010/main">
                   <a:noFill/>
                 </a14:hiddenFill>
               </a:ext>
@@ -43396,7 +43396,7 @@
             </a:ln>
             <a:extLst>
               <a:ext uri="{909E8E84-426E-40dd-AFC4-6F175D3DCCD1}">
-                <a14:hiddenFill xmlns:a14="http://schemas.microsoft.com/office/drawing/2010/main" xmlns="">
+                <a14:hiddenFill xmlns="" xmlns:a14="http://schemas.microsoft.com/office/drawing/2010/main">
                   <a:noFill/>
                 </a14:hiddenFill>
               </a:ext>
@@ -49652,7 +49652,7 @@
                 <a:ea typeface="Verdana" panose="020B0604030504040204" pitchFamily="34" charset="0"/>
                 <a:cs typeface="Verdana" panose="020B0604030504040204" pitchFamily="34" charset="0"/>
               </a:rPr>
-              <a:t>36 </a:t>
+              <a:t>38 </a:t>
             </a:r>
             <a:r>
               <a:rPr lang="en-US" sz="3200" b="1" dirty="0">
@@ -49734,7 +49734,7 @@
                 <a:ea typeface="Verdana" panose="020B0604030504040204" pitchFamily="34" charset="0"/>
                 <a:cs typeface="Verdana" panose="020B0604030504040204" pitchFamily="34" charset="0"/>
               </a:rPr>
-              <a:t>36 </a:t>
+              <a:t>38 </a:t>
             </a:r>
             <a:r>
               <a:rPr lang="en-US" sz="1800" dirty="0">
@@ -49771,7 +49771,7 @@
       </p:sp>
       <p:pic>
         <p:nvPicPr>
-          <p:cNvPr id="2" name="Picture 1"/>
+          <p:cNvPr id="3" name="Picture 2"/>
           <p:cNvPicPr>
             <a:picLocks noChangeAspect="1"/>
           </p:cNvPicPr>
@@ -49791,8 +49791,8 @@
         </p:blipFill>
         <p:spPr>
           <a:xfrm>
-            <a:off x="138865" y="1155934"/>
-            <a:ext cx="5798749" cy="3785616"/>
+            <a:off x="124267" y="1155934"/>
+            <a:ext cx="5827944" cy="3804675"/>
           </a:xfrm>
           <a:prstGeom prst="rect">
             <a:avLst/>

--- a/pegasus/sites.v3/code.org/public/files/computer_science_advocacy.pptx
+++ b/pegasus/sites.v3/code.org/public/files/computer_science_advocacy.pptx
@@ -261,7 +261,7 @@
 </file>
 
 <file path=ppt/charts/chart1.xml><?xml version="1.0" encoding="utf-8"?>
-<c:chartSpace xmlns:c="http://schemas.openxmlformats.org/drawingml/2006/chart" xmlns:a="http://schemas.openxmlformats.org/drawingml/2006/main" xmlns:r="http://schemas.openxmlformats.org/officeDocument/2006/relationships">
+<c:chartSpace xmlns:c="http://schemas.openxmlformats.org/drawingml/2006/chart" xmlns:a="http://schemas.openxmlformats.org/drawingml/2006/main" xmlns:r="http://schemas.openxmlformats.org/officeDocument/2006/relationships" xmlns:c16r2="http://schemas.microsoft.com/office/drawing/2015/06/chart">
   <c:date1904 val="0"/>
   <c:lang val="en-US"/>
   <c:roundedCorners val="0"/>
@@ -318,7 +318,7 @@
               </a:ln>
               <a:effectLst/>
             </c:spPr>
-            <c:extLst xmlns:c16r2="http://schemas.microsoft.com/office/drawing/2015/06/chart">
+            <c:extLst>
               <c:ext xmlns:c16="http://schemas.microsoft.com/office/drawing/2014/chart" uri="{C3380CC4-5D6E-409C-BE32-E72D297353CC}">
                 <c16:uniqueId val="{00000001-C4E2-A243-B02E-20DC14752774}"/>
               </c:ext>
@@ -366,7 +366,7 @@
               </c:numCache>
             </c:numRef>
           </c:val>
-          <c:extLst xmlns:c16r2="http://schemas.microsoft.com/office/drawing/2015/06/chart">
+          <c:extLst>
             <c:ext xmlns:c16="http://schemas.microsoft.com/office/drawing/2014/chart" uri="{C3380CC4-5D6E-409C-BE32-E72D297353CC}">
               <c16:uniqueId val="{00000002-C4E2-A243-B02E-20DC14752774}"/>
             </c:ext>
@@ -408,7 +408,7 @@
               </c:numCache>
             </c:numRef>
           </c:val>
-          <c:extLst xmlns:c16r2="http://schemas.microsoft.com/office/drawing/2015/06/chart">
+          <c:extLst>
             <c:ext xmlns:c16="http://schemas.microsoft.com/office/drawing/2014/chart" uri="{C3380CC4-5D6E-409C-BE32-E72D297353CC}">
               <c16:uniqueId val="{00000003-C4E2-A243-B02E-20DC14752774}"/>
             </c:ext>
@@ -505,7 +505,7 @@
 </file>
 
 <file path=ppt/charts/chart2.xml><?xml version="1.0" encoding="utf-8"?>
-<c:chartSpace xmlns:c="http://schemas.openxmlformats.org/drawingml/2006/chart" xmlns:a="http://schemas.openxmlformats.org/drawingml/2006/main" xmlns:r="http://schemas.openxmlformats.org/officeDocument/2006/relationships">
+<c:chartSpace xmlns:c="http://schemas.openxmlformats.org/drawingml/2006/chart" xmlns:a="http://schemas.openxmlformats.org/drawingml/2006/main" xmlns:r="http://schemas.openxmlformats.org/officeDocument/2006/relationships" xmlns:c16r2="http://schemas.microsoft.com/office/drawing/2015/06/chart">
   <c:date1904 val="0"/>
   <c:lang val="en-US"/>
   <c:roundedCorners val="0"/>
@@ -562,7 +562,7 @@
               </a:ln>
               <a:effectLst/>
             </c:spPr>
-            <c:extLst xmlns:c16r2="http://schemas.microsoft.com/office/drawing/2015/06/chart">
+            <c:extLst>
               <c:ext xmlns:c16="http://schemas.microsoft.com/office/drawing/2014/chart" uri="{C3380CC4-5D6E-409C-BE32-E72D297353CC}">
                 <c16:uniqueId val="{00000001-2802-FE43-83D6-EC2C1B725024}"/>
               </c:ext>
@@ -610,7 +610,7 @@
               </c:numCache>
             </c:numRef>
           </c:val>
-          <c:extLst xmlns:c16r2="http://schemas.microsoft.com/office/drawing/2015/06/chart">
+          <c:extLst>
             <c:ext xmlns:c16="http://schemas.microsoft.com/office/drawing/2014/chart" uri="{C3380CC4-5D6E-409C-BE32-E72D297353CC}">
               <c16:uniqueId val="{00000002-2802-FE43-83D6-EC2C1B725024}"/>
             </c:ext>
@@ -652,7 +652,7 @@
               </c:numCache>
             </c:numRef>
           </c:val>
-          <c:extLst xmlns:c16r2="http://schemas.microsoft.com/office/drawing/2015/06/chart">
+          <c:extLst>
             <c:ext xmlns:c16="http://schemas.microsoft.com/office/drawing/2014/chart" uri="{C3380CC4-5D6E-409C-BE32-E72D297353CC}">
               <c16:uniqueId val="{00000003-2802-FE43-83D6-EC2C1B725024}"/>
             </c:ext>
@@ -829,7 +829,7 @@
           <a:p>
             <a:fld id="{DBF07D2D-D193-49EA-AA40-D0161EE95780}" type="datetimeFigureOut">
               <a:rPr lang="en-US" smtClean="0"/>
-              <a:t>8/24/2018</a:t>
+              <a:t>9/10/2018</a:t>
             </a:fld>
             <a:endParaRPr lang="en-US"/>
           </a:p>
@@ -5054,7 +5054,7 @@
             </a:ln>
             <a:extLst>
               <a:ext uri="{909E8E84-426E-40dd-AFC4-6F175D3DCCD1}">
-                <a14:hiddenFill xmlns="" xmlns:a14="http://schemas.microsoft.com/office/drawing/2010/main">
+                <a14:hiddenFill xmlns:a14="http://schemas.microsoft.com/office/drawing/2010/main" xmlns="">
                   <a:solidFill>
                     <a:srgbClr val="FFFFFF"/>
                   </a:solidFill>
@@ -5107,7 +5107,7 @@
             </a:ln>
             <a:extLst>
               <a:ext uri="{909E8E84-426E-40dd-AFC4-6F175D3DCCD1}">
-                <a14:hiddenFill xmlns="" xmlns:a14="http://schemas.microsoft.com/office/drawing/2010/main">
+                <a14:hiddenFill xmlns:a14="http://schemas.microsoft.com/office/drawing/2010/main" xmlns="">
                   <a:noFill/>
                 </a14:hiddenFill>
               </a:ext>
@@ -5158,7 +5158,7 @@
             </a:ln>
             <a:extLst>
               <a:ext uri="{909E8E84-426E-40dd-AFC4-6F175D3DCCD1}">
-                <a14:hiddenFill xmlns="" xmlns:a14="http://schemas.microsoft.com/office/drawing/2010/main">
+                <a14:hiddenFill xmlns:a14="http://schemas.microsoft.com/office/drawing/2010/main" xmlns="">
                   <a:noFill/>
                 </a14:hiddenFill>
               </a:ext>
@@ -5209,7 +5209,7 @@
             </a:ln>
             <a:extLst>
               <a:ext uri="{909E8E84-426E-40dd-AFC4-6F175D3DCCD1}">
-                <a14:hiddenFill xmlns="" xmlns:a14="http://schemas.microsoft.com/office/drawing/2010/main">
+                <a14:hiddenFill xmlns:a14="http://schemas.microsoft.com/office/drawing/2010/main" xmlns="">
                   <a:noFill/>
                 </a14:hiddenFill>
               </a:ext>
@@ -5260,7 +5260,7 @@
             </a:ln>
             <a:extLst>
               <a:ext uri="{909E8E84-426E-40dd-AFC4-6F175D3DCCD1}">
-                <a14:hiddenFill xmlns="" xmlns:a14="http://schemas.microsoft.com/office/drawing/2010/main">
+                <a14:hiddenFill xmlns:a14="http://schemas.microsoft.com/office/drawing/2010/main" xmlns="">
                   <a:noFill/>
                 </a14:hiddenFill>
               </a:ext>
@@ -5311,7 +5311,7 @@
             </a:ln>
             <a:extLst>
               <a:ext uri="{909E8E84-426E-40dd-AFC4-6F175D3DCCD1}">
-                <a14:hiddenFill xmlns="" xmlns:a14="http://schemas.microsoft.com/office/drawing/2010/main">
+                <a14:hiddenFill xmlns:a14="http://schemas.microsoft.com/office/drawing/2010/main" xmlns="">
                   <a:noFill/>
                 </a14:hiddenFill>
               </a:ext>
@@ -5362,7 +5362,7 @@
             </a:ln>
             <a:extLst>
               <a:ext uri="{909E8E84-426E-40dd-AFC4-6F175D3DCCD1}">
-                <a14:hiddenFill xmlns="" xmlns:a14="http://schemas.microsoft.com/office/drawing/2010/main">
+                <a14:hiddenFill xmlns:a14="http://schemas.microsoft.com/office/drawing/2010/main" xmlns="">
                   <a:noFill/>
                 </a14:hiddenFill>
               </a:ext>
@@ -5413,7 +5413,7 @@
             </a:ln>
             <a:extLst>
               <a:ext uri="{909E8E84-426E-40dd-AFC4-6F175D3DCCD1}">
-                <a14:hiddenFill xmlns="" xmlns:a14="http://schemas.microsoft.com/office/drawing/2010/main">
+                <a14:hiddenFill xmlns:a14="http://schemas.microsoft.com/office/drawing/2010/main" xmlns="">
                   <a:noFill/>
                 </a14:hiddenFill>
               </a:ext>
@@ -5464,7 +5464,7 @@
             </a:ln>
             <a:extLst>
               <a:ext uri="{909E8E84-426E-40dd-AFC4-6F175D3DCCD1}">
-                <a14:hiddenFill xmlns="" xmlns:a14="http://schemas.microsoft.com/office/drawing/2010/main">
+                <a14:hiddenFill xmlns:a14="http://schemas.microsoft.com/office/drawing/2010/main" xmlns="">
                   <a:noFill/>
                 </a14:hiddenFill>
               </a:ext>
@@ -5515,7 +5515,7 @@
             </a:ln>
             <a:extLst>
               <a:ext uri="{909E8E84-426E-40dd-AFC4-6F175D3DCCD1}">
-                <a14:hiddenFill xmlns="" xmlns:a14="http://schemas.microsoft.com/office/drawing/2010/main">
+                <a14:hiddenFill xmlns:a14="http://schemas.microsoft.com/office/drawing/2010/main" xmlns="">
                   <a:noFill/>
                 </a14:hiddenFill>
               </a:ext>
@@ -5566,7 +5566,7 @@
             </a:ln>
             <a:extLst>
               <a:ext uri="{909E8E84-426E-40dd-AFC4-6F175D3DCCD1}">
-                <a14:hiddenFill xmlns="" xmlns:a14="http://schemas.microsoft.com/office/drawing/2010/main">
+                <a14:hiddenFill xmlns:a14="http://schemas.microsoft.com/office/drawing/2010/main" xmlns="">
                   <a:noFill/>
                 </a14:hiddenFill>
               </a:ext>
@@ -5617,7 +5617,7 @@
             </a:ln>
             <a:extLst>
               <a:ext uri="{909E8E84-426E-40dd-AFC4-6F175D3DCCD1}">
-                <a14:hiddenFill xmlns="" xmlns:a14="http://schemas.microsoft.com/office/drawing/2010/main">
+                <a14:hiddenFill xmlns:a14="http://schemas.microsoft.com/office/drawing/2010/main" xmlns="">
                   <a:noFill/>
                 </a14:hiddenFill>
               </a:ext>
@@ -5668,7 +5668,7 @@
             </a:ln>
             <a:extLst>
               <a:ext uri="{909E8E84-426E-40dd-AFC4-6F175D3DCCD1}">
-                <a14:hiddenFill xmlns="" xmlns:a14="http://schemas.microsoft.com/office/drawing/2010/main">
+                <a14:hiddenFill xmlns:a14="http://schemas.microsoft.com/office/drawing/2010/main" xmlns="">
                   <a:noFill/>
                 </a14:hiddenFill>
               </a:ext>
@@ -5719,7 +5719,7 @@
             </a:ln>
             <a:extLst>
               <a:ext uri="{909E8E84-426E-40dd-AFC4-6F175D3DCCD1}">
-                <a14:hiddenFill xmlns="" xmlns:a14="http://schemas.microsoft.com/office/drawing/2010/main">
+                <a14:hiddenFill xmlns:a14="http://schemas.microsoft.com/office/drawing/2010/main" xmlns="">
                   <a:noFill/>
                 </a14:hiddenFill>
               </a:ext>
@@ -5770,7 +5770,7 @@
             </a:ln>
             <a:extLst>
               <a:ext uri="{909E8E84-426E-40dd-AFC4-6F175D3DCCD1}">
-                <a14:hiddenFill xmlns="" xmlns:a14="http://schemas.microsoft.com/office/drawing/2010/main">
+                <a14:hiddenFill xmlns:a14="http://schemas.microsoft.com/office/drawing/2010/main" xmlns="">
                   <a:noFill/>
                 </a14:hiddenFill>
               </a:ext>
@@ -5821,7 +5821,7 @@
             </a:ln>
             <a:extLst>
               <a:ext uri="{909E8E84-426E-40dd-AFC4-6F175D3DCCD1}">
-                <a14:hiddenFill xmlns="" xmlns:a14="http://schemas.microsoft.com/office/drawing/2010/main">
+                <a14:hiddenFill xmlns:a14="http://schemas.microsoft.com/office/drawing/2010/main" xmlns="">
                   <a:noFill/>
                 </a14:hiddenFill>
               </a:ext>
@@ -5872,7 +5872,7 @@
             </a:ln>
             <a:extLst>
               <a:ext uri="{909E8E84-426E-40dd-AFC4-6F175D3DCCD1}">
-                <a14:hiddenFill xmlns="" xmlns:a14="http://schemas.microsoft.com/office/drawing/2010/main">
+                <a14:hiddenFill xmlns:a14="http://schemas.microsoft.com/office/drawing/2010/main" xmlns="">
                   <a:noFill/>
                 </a14:hiddenFill>
               </a:ext>
@@ -5923,7 +5923,7 @@
             </a:ln>
             <a:extLst>
               <a:ext uri="{909E8E84-426E-40dd-AFC4-6F175D3DCCD1}">
-                <a14:hiddenFill xmlns="" xmlns:a14="http://schemas.microsoft.com/office/drawing/2010/main">
+                <a14:hiddenFill xmlns:a14="http://schemas.microsoft.com/office/drawing/2010/main" xmlns="">
                   <a:noFill/>
                 </a14:hiddenFill>
               </a:ext>
@@ -5974,7 +5974,7 @@
             </a:ln>
             <a:extLst>
               <a:ext uri="{909E8E84-426E-40dd-AFC4-6F175D3DCCD1}">
-                <a14:hiddenFill xmlns="" xmlns:a14="http://schemas.microsoft.com/office/drawing/2010/main">
+                <a14:hiddenFill xmlns:a14="http://schemas.microsoft.com/office/drawing/2010/main" xmlns="">
                   <a:noFill/>
                 </a14:hiddenFill>
               </a:ext>
@@ -6025,7 +6025,7 @@
             </a:ln>
             <a:extLst>
               <a:ext uri="{909E8E84-426E-40dd-AFC4-6F175D3DCCD1}">
-                <a14:hiddenFill xmlns="" xmlns:a14="http://schemas.microsoft.com/office/drawing/2010/main">
+                <a14:hiddenFill xmlns:a14="http://schemas.microsoft.com/office/drawing/2010/main" xmlns="">
                   <a:noFill/>
                 </a14:hiddenFill>
               </a:ext>
@@ -6076,7 +6076,7 @@
             </a:ln>
             <a:extLst>
               <a:ext uri="{909E8E84-426E-40dd-AFC4-6F175D3DCCD1}">
-                <a14:hiddenFill xmlns="" xmlns:a14="http://schemas.microsoft.com/office/drawing/2010/main">
+                <a14:hiddenFill xmlns:a14="http://schemas.microsoft.com/office/drawing/2010/main" xmlns="">
                   <a:noFill/>
                 </a14:hiddenFill>
               </a:ext>
@@ -6127,7 +6127,7 @@
             </a:ln>
             <a:extLst>
               <a:ext uri="{909E8E84-426E-40dd-AFC4-6F175D3DCCD1}">
-                <a14:hiddenFill xmlns="" xmlns:a14="http://schemas.microsoft.com/office/drawing/2010/main">
+                <a14:hiddenFill xmlns:a14="http://schemas.microsoft.com/office/drawing/2010/main" xmlns="">
                   <a:noFill/>
                 </a14:hiddenFill>
               </a:ext>
@@ -6178,7 +6178,7 @@
             </a:ln>
             <a:extLst>
               <a:ext uri="{909E8E84-426E-40dd-AFC4-6F175D3DCCD1}">
-                <a14:hiddenFill xmlns="" xmlns:a14="http://schemas.microsoft.com/office/drawing/2010/main">
+                <a14:hiddenFill xmlns:a14="http://schemas.microsoft.com/office/drawing/2010/main" xmlns="">
                   <a:noFill/>
                 </a14:hiddenFill>
               </a:ext>
@@ -6229,7 +6229,7 @@
             </a:ln>
             <a:extLst>
               <a:ext uri="{909E8E84-426E-40dd-AFC4-6F175D3DCCD1}">
-                <a14:hiddenFill xmlns="" xmlns:a14="http://schemas.microsoft.com/office/drawing/2010/main">
+                <a14:hiddenFill xmlns:a14="http://schemas.microsoft.com/office/drawing/2010/main" xmlns="">
                   <a:noFill/>
                 </a14:hiddenFill>
               </a:ext>
@@ -6280,7 +6280,7 @@
             </a:ln>
             <a:extLst>
               <a:ext uri="{909E8E84-426E-40dd-AFC4-6F175D3DCCD1}">
-                <a14:hiddenFill xmlns="" xmlns:a14="http://schemas.microsoft.com/office/drawing/2010/main">
+                <a14:hiddenFill xmlns:a14="http://schemas.microsoft.com/office/drawing/2010/main" xmlns="">
                   <a:noFill/>
                 </a14:hiddenFill>
               </a:ext>
@@ -6331,7 +6331,7 @@
             </a:ln>
             <a:extLst>
               <a:ext uri="{909E8E84-426E-40dd-AFC4-6F175D3DCCD1}">
-                <a14:hiddenFill xmlns="" xmlns:a14="http://schemas.microsoft.com/office/drawing/2010/main">
+                <a14:hiddenFill xmlns:a14="http://schemas.microsoft.com/office/drawing/2010/main" xmlns="">
                   <a:noFill/>
                 </a14:hiddenFill>
               </a:ext>
@@ -6382,7 +6382,7 @@
             </a:ln>
             <a:extLst>
               <a:ext uri="{909E8E84-426E-40dd-AFC4-6F175D3DCCD1}">
-                <a14:hiddenFill xmlns="" xmlns:a14="http://schemas.microsoft.com/office/drawing/2010/main">
+                <a14:hiddenFill xmlns:a14="http://schemas.microsoft.com/office/drawing/2010/main" xmlns="">
                   <a:noFill/>
                 </a14:hiddenFill>
               </a:ext>
@@ -6433,7 +6433,7 @@
             </a:ln>
             <a:extLst>
               <a:ext uri="{909E8E84-426E-40dd-AFC4-6F175D3DCCD1}">
-                <a14:hiddenFill xmlns="" xmlns:a14="http://schemas.microsoft.com/office/drawing/2010/main">
+                <a14:hiddenFill xmlns:a14="http://schemas.microsoft.com/office/drawing/2010/main" xmlns="">
                   <a:noFill/>
                 </a14:hiddenFill>
               </a:ext>
@@ -6484,7 +6484,7 @@
             </a:ln>
             <a:extLst>
               <a:ext uri="{909E8E84-426E-40dd-AFC4-6F175D3DCCD1}">
-                <a14:hiddenFill xmlns="" xmlns:a14="http://schemas.microsoft.com/office/drawing/2010/main">
+                <a14:hiddenFill xmlns:a14="http://schemas.microsoft.com/office/drawing/2010/main" xmlns="">
                   <a:noFill/>
                 </a14:hiddenFill>
               </a:ext>
@@ -6535,7 +6535,7 @@
             </a:ln>
             <a:extLst>
               <a:ext uri="{909E8E84-426E-40dd-AFC4-6F175D3DCCD1}">
-                <a14:hiddenFill xmlns="" xmlns:a14="http://schemas.microsoft.com/office/drawing/2010/main">
+                <a14:hiddenFill xmlns:a14="http://schemas.microsoft.com/office/drawing/2010/main" xmlns="">
                   <a:noFill/>
                 </a14:hiddenFill>
               </a:ext>
@@ -6586,7 +6586,7 @@
             </a:ln>
             <a:extLst>
               <a:ext uri="{909E8E84-426E-40dd-AFC4-6F175D3DCCD1}">
-                <a14:hiddenFill xmlns="" xmlns:a14="http://schemas.microsoft.com/office/drawing/2010/main">
+                <a14:hiddenFill xmlns:a14="http://schemas.microsoft.com/office/drawing/2010/main" xmlns="">
                   <a:noFill/>
                 </a14:hiddenFill>
               </a:ext>
@@ -6637,7 +6637,7 @@
             </a:ln>
             <a:extLst>
               <a:ext uri="{909E8E84-426E-40dd-AFC4-6F175D3DCCD1}">
-                <a14:hiddenFill xmlns="" xmlns:a14="http://schemas.microsoft.com/office/drawing/2010/main">
+                <a14:hiddenFill xmlns:a14="http://schemas.microsoft.com/office/drawing/2010/main" xmlns="">
                   <a:noFill/>
                 </a14:hiddenFill>
               </a:ext>
@@ -6688,7 +6688,7 @@
             </a:ln>
             <a:extLst>
               <a:ext uri="{909E8E84-426E-40dd-AFC4-6F175D3DCCD1}">
-                <a14:hiddenFill xmlns="" xmlns:a14="http://schemas.microsoft.com/office/drawing/2010/main">
+                <a14:hiddenFill xmlns:a14="http://schemas.microsoft.com/office/drawing/2010/main" xmlns="">
                   <a:noFill/>
                 </a14:hiddenFill>
               </a:ext>
@@ -6739,7 +6739,7 @@
             </a:ln>
             <a:extLst>
               <a:ext uri="{909E8E84-426E-40dd-AFC4-6F175D3DCCD1}">
-                <a14:hiddenFill xmlns="" xmlns:a14="http://schemas.microsoft.com/office/drawing/2010/main">
+                <a14:hiddenFill xmlns:a14="http://schemas.microsoft.com/office/drawing/2010/main" xmlns="">
                   <a:noFill/>
                 </a14:hiddenFill>
               </a:ext>
@@ -6790,7 +6790,7 @@
             </a:ln>
             <a:extLst>
               <a:ext uri="{909E8E84-426E-40dd-AFC4-6F175D3DCCD1}">
-                <a14:hiddenFill xmlns="" xmlns:a14="http://schemas.microsoft.com/office/drawing/2010/main">
+                <a14:hiddenFill xmlns:a14="http://schemas.microsoft.com/office/drawing/2010/main" xmlns="">
                   <a:noFill/>
                 </a14:hiddenFill>
               </a:ext>
@@ -6841,7 +6841,7 @@
             </a:ln>
             <a:extLst>
               <a:ext uri="{909E8E84-426E-40dd-AFC4-6F175D3DCCD1}">
-                <a14:hiddenFill xmlns="" xmlns:a14="http://schemas.microsoft.com/office/drawing/2010/main">
+                <a14:hiddenFill xmlns:a14="http://schemas.microsoft.com/office/drawing/2010/main" xmlns="">
                   <a:noFill/>
                 </a14:hiddenFill>
               </a:ext>
@@ -6892,7 +6892,7 @@
             </a:ln>
             <a:extLst>
               <a:ext uri="{909E8E84-426E-40dd-AFC4-6F175D3DCCD1}">
-                <a14:hiddenFill xmlns="" xmlns:a14="http://schemas.microsoft.com/office/drawing/2010/main">
+                <a14:hiddenFill xmlns:a14="http://schemas.microsoft.com/office/drawing/2010/main" xmlns="">
                   <a:noFill/>
                 </a14:hiddenFill>
               </a:ext>
@@ -6943,7 +6943,7 @@
             </a:ln>
             <a:extLst>
               <a:ext uri="{909E8E84-426E-40dd-AFC4-6F175D3DCCD1}">
-                <a14:hiddenFill xmlns="" xmlns:a14="http://schemas.microsoft.com/office/drawing/2010/main">
+                <a14:hiddenFill xmlns:a14="http://schemas.microsoft.com/office/drawing/2010/main" xmlns="">
                   <a:noFill/>
                 </a14:hiddenFill>
               </a:ext>
@@ -6994,7 +6994,7 @@
             </a:ln>
             <a:extLst>
               <a:ext uri="{909E8E84-426E-40dd-AFC4-6F175D3DCCD1}">
-                <a14:hiddenFill xmlns="" xmlns:a14="http://schemas.microsoft.com/office/drawing/2010/main">
+                <a14:hiddenFill xmlns:a14="http://schemas.microsoft.com/office/drawing/2010/main" xmlns="">
                   <a:noFill/>
                 </a14:hiddenFill>
               </a:ext>
@@ -7045,7 +7045,7 @@
             </a:ln>
             <a:extLst>
               <a:ext uri="{909E8E84-426E-40dd-AFC4-6F175D3DCCD1}">
-                <a14:hiddenFill xmlns="" xmlns:a14="http://schemas.microsoft.com/office/drawing/2010/main">
+                <a14:hiddenFill xmlns:a14="http://schemas.microsoft.com/office/drawing/2010/main" xmlns="">
                   <a:noFill/>
                 </a14:hiddenFill>
               </a:ext>
@@ -7096,7 +7096,7 @@
             </a:ln>
             <a:extLst>
               <a:ext uri="{909E8E84-426E-40dd-AFC4-6F175D3DCCD1}">
-                <a14:hiddenFill xmlns="" xmlns:a14="http://schemas.microsoft.com/office/drawing/2010/main">
+                <a14:hiddenFill xmlns:a14="http://schemas.microsoft.com/office/drawing/2010/main" xmlns="">
                   <a:noFill/>
                 </a14:hiddenFill>
               </a:ext>
@@ -7147,7 +7147,7 @@
             </a:ln>
             <a:extLst>
               <a:ext uri="{909E8E84-426E-40dd-AFC4-6F175D3DCCD1}">
-                <a14:hiddenFill xmlns="" xmlns:a14="http://schemas.microsoft.com/office/drawing/2010/main">
+                <a14:hiddenFill xmlns:a14="http://schemas.microsoft.com/office/drawing/2010/main" xmlns="">
                   <a:noFill/>
                 </a14:hiddenFill>
               </a:ext>
@@ -7198,7 +7198,7 @@
             </a:ln>
             <a:extLst>
               <a:ext uri="{909E8E84-426E-40dd-AFC4-6F175D3DCCD1}">
-                <a14:hiddenFill xmlns="" xmlns:a14="http://schemas.microsoft.com/office/drawing/2010/main">
+                <a14:hiddenFill xmlns:a14="http://schemas.microsoft.com/office/drawing/2010/main" xmlns="">
                   <a:noFill/>
                 </a14:hiddenFill>
               </a:ext>
@@ -7249,7 +7249,7 @@
             </a:ln>
             <a:extLst>
               <a:ext uri="{909E8E84-426E-40dd-AFC4-6F175D3DCCD1}">
-                <a14:hiddenFill xmlns="" xmlns:a14="http://schemas.microsoft.com/office/drawing/2010/main">
+                <a14:hiddenFill xmlns:a14="http://schemas.microsoft.com/office/drawing/2010/main" xmlns="">
                   <a:noFill/>
                 </a14:hiddenFill>
               </a:ext>
@@ -7300,7 +7300,7 @@
             </a:ln>
             <a:extLst>
               <a:ext uri="{909E8E84-426E-40dd-AFC4-6F175D3DCCD1}">
-                <a14:hiddenFill xmlns="" xmlns:a14="http://schemas.microsoft.com/office/drawing/2010/main">
+                <a14:hiddenFill xmlns:a14="http://schemas.microsoft.com/office/drawing/2010/main" xmlns="">
                   <a:noFill/>
                 </a14:hiddenFill>
               </a:ext>
@@ -7351,7 +7351,7 @@
             </a:ln>
             <a:extLst>
               <a:ext uri="{909E8E84-426E-40dd-AFC4-6F175D3DCCD1}">
-                <a14:hiddenFill xmlns="" xmlns:a14="http://schemas.microsoft.com/office/drawing/2010/main">
+                <a14:hiddenFill xmlns:a14="http://schemas.microsoft.com/office/drawing/2010/main" xmlns="">
                   <a:noFill/>
                 </a14:hiddenFill>
               </a:ext>
@@ -7402,7 +7402,7 @@
             </a:ln>
             <a:extLst>
               <a:ext uri="{909E8E84-426E-40dd-AFC4-6F175D3DCCD1}">
-                <a14:hiddenFill xmlns="" xmlns:a14="http://schemas.microsoft.com/office/drawing/2010/main">
+                <a14:hiddenFill xmlns:a14="http://schemas.microsoft.com/office/drawing/2010/main" xmlns="">
                   <a:noFill/>
                 </a14:hiddenFill>
               </a:ext>
@@ -7453,7 +7453,7 @@
             </a:ln>
             <a:extLst>
               <a:ext uri="{909E8E84-426E-40dd-AFC4-6F175D3DCCD1}">
-                <a14:hiddenFill xmlns="" xmlns:a14="http://schemas.microsoft.com/office/drawing/2010/main">
+                <a14:hiddenFill xmlns:a14="http://schemas.microsoft.com/office/drawing/2010/main" xmlns="">
                   <a:noFill/>
                 </a14:hiddenFill>
               </a:ext>
@@ -7504,7 +7504,7 @@
             </a:ln>
             <a:extLst>
               <a:ext uri="{909E8E84-426E-40dd-AFC4-6F175D3DCCD1}">
-                <a14:hiddenFill xmlns="" xmlns:a14="http://schemas.microsoft.com/office/drawing/2010/main">
+                <a14:hiddenFill xmlns:a14="http://schemas.microsoft.com/office/drawing/2010/main" xmlns="">
                   <a:noFill/>
                 </a14:hiddenFill>
               </a:ext>
@@ -7555,7 +7555,7 @@
             </a:ln>
             <a:extLst>
               <a:ext uri="{909E8E84-426E-40dd-AFC4-6F175D3DCCD1}">
-                <a14:hiddenFill xmlns="" xmlns:a14="http://schemas.microsoft.com/office/drawing/2010/main">
+                <a14:hiddenFill xmlns:a14="http://schemas.microsoft.com/office/drawing/2010/main" xmlns="">
                   <a:noFill/>
                 </a14:hiddenFill>
               </a:ext>
@@ -7606,7 +7606,7 @@
             </a:ln>
             <a:extLst>
               <a:ext uri="{909E8E84-426E-40dd-AFC4-6F175D3DCCD1}">
-                <a14:hiddenFill xmlns="" xmlns:a14="http://schemas.microsoft.com/office/drawing/2010/main">
+                <a14:hiddenFill xmlns:a14="http://schemas.microsoft.com/office/drawing/2010/main" xmlns="">
                   <a:noFill/>
                 </a14:hiddenFill>
               </a:ext>
@@ -7657,7 +7657,7 @@
             </a:ln>
             <a:extLst>
               <a:ext uri="{909E8E84-426E-40dd-AFC4-6F175D3DCCD1}">
-                <a14:hiddenFill xmlns="" xmlns:a14="http://schemas.microsoft.com/office/drawing/2010/main">
+                <a14:hiddenFill xmlns:a14="http://schemas.microsoft.com/office/drawing/2010/main" xmlns="">
                   <a:noFill/>
                 </a14:hiddenFill>
               </a:ext>
@@ -7708,7 +7708,7 @@
             </a:ln>
             <a:extLst>
               <a:ext uri="{909E8E84-426E-40dd-AFC4-6F175D3DCCD1}">
-                <a14:hiddenFill xmlns="" xmlns:a14="http://schemas.microsoft.com/office/drawing/2010/main">
+                <a14:hiddenFill xmlns:a14="http://schemas.microsoft.com/office/drawing/2010/main" xmlns="">
                   <a:noFill/>
                 </a14:hiddenFill>
               </a:ext>
@@ -7759,7 +7759,7 @@
             </a:ln>
             <a:extLst>
               <a:ext uri="{909E8E84-426E-40dd-AFC4-6F175D3DCCD1}">
-                <a14:hiddenFill xmlns="" xmlns:a14="http://schemas.microsoft.com/office/drawing/2010/main">
+                <a14:hiddenFill xmlns:a14="http://schemas.microsoft.com/office/drawing/2010/main" xmlns="">
                   <a:noFill/>
                 </a14:hiddenFill>
               </a:ext>
@@ -7810,7 +7810,7 @@
             </a:ln>
             <a:extLst>
               <a:ext uri="{909E8E84-426E-40dd-AFC4-6F175D3DCCD1}">
-                <a14:hiddenFill xmlns="" xmlns:a14="http://schemas.microsoft.com/office/drawing/2010/main">
+                <a14:hiddenFill xmlns:a14="http://schemas.microsoft.com/office/drawing/2010/main" xmlns="">
                   <a:noFill/>
                 </a14:hiddenFill>
               </a:ext>
@@ -7861,7 +7861,7 @@
             </a:ln>
             <a:extLst>
               <a:ext uri="{909E8E84-426E-40dd-AFC4-6F175D3DCCD1}">
-                <a14:hiddenFill xmlns="" xmlns:a14="http://schemas.microsoft.com/office/drawing/2010/main">
+                <a14:hiddenFill xmlns:a14="http://schemas.microsoft.com/office/drawing/2010/main" xmlns="">
                   <a:noFill/>
                 </a14:hiddenFill>
               </a:ext>
@@ -7912,7 +7912,7 @@
             </a:ln>
             <a:extLst>
               <a:ext uri="{909E8E84-426E-40dd-AFC4-6F175D3DCCD1}">
-                <a14:hiddenFill xmlns="" xmlns:a14="http://schemas.microsoft.com/office/drawing/2010/main">
+                <a14:hiddenFill xmlns:a14="http://schemas.microsoft.com/office/drawing/2010/main" xmlns="">
                   <a:noFill/>
                 </a14:hiddenFill>
               </a:ext>
@@ -7963,7 +7963,7 @@
             </a:ln>
             <a:extLst>
               <a:ext uri="{909E8E84-426E-40dd-AFC4-6F175D3DCCD1}">
-                <a14:hiddenFill xmlns="" xmlns:a14="http://schemas.microsoft.com/office/drawing/2010/main">
+                <a14:hiddenFill xmlns:a14="http://schemas.microsoft.com/office/drawing/2010/main" xmlns="">
                   <a:noFill/>
                 </a14:hiddenFill>
               </a:ext>
@@ -8014,7 +8014,7 @@
             </a:ln>
             <a:extLst>
               <a:ext uri="{909E8E84-426E-40dd-AFC4-6F175D3DCCD1}">
-                <a14:hiddenFill xmlns="" xmlns:a14="http://schemas.microsoft.com/office/drawing/2010/main">
+                <a14:hiddenFill xmlns:a14="http://schemas.microsoft.com/office/drawing/2010/main" xmlns="">
                   <a:noFill/>
                 </a14:hiddenFill>
               </a:ext>
@@ -8065,7 +8065,7 @@
             </a:ln>
             <a:extLst>
               <a:ext uri="{909E8E84-426E-40dd-AFC4-6F175D3DCCD1}">
-                <a14:hiddenFill xmlns="" xmlns:a14="http://schemas.microsoft.com/office/drawing/2010/main">
+                <a14:hiddenFill xmlns:a14="http://schemas.microsoft.com/office/drawing/2010/main" xmlns="">
                   <a:noFill/>
                 </a14:hiddenFill>
               </a:ext>
@@ -8116,7 +8116,7 @@
             </a:ln>
             <a:extLst>
               <a:ext uri="{909E8E84-426E-40dd-AFC4-6F175D3DCCD1}">
-                <a14:hiddenFill xmlns="" xmlns:a14="http://schemas.microsoft.com/office/drawing/2010/main">
+                <a14:hiddenFill xmlns:a14="http://schemas.microsoft.com/office/drawing/2010/main" xmlns="">
                   <a:noFill/>
                 </a14:hiddenFill>
               </a:ext>
@@ -8167,7 +8167,7 @@
             </a:ln>
             <a:extLst>
               <a:ext uri="{909E8E84-426E-40dd-AFC4-6F175D3DCCD1}">
-                <a14:hiddenFill xmlns="" xmlns:a14="http://schemas.microsoft.com/office/drawing/2010/main">
+                <a14:hiddenFill xmlns:a14="http://schemas.microsoft.com/office/drawing/2010/main" xmlns="">
                   <a:noFill/>
                 </a14:hiddenFill>
               </a:ext>
@@ -8218,7 +8218,7 @@
             </a:ln>
             <a:extLst>
               <a:ext uri="{909E8E84-426E-40dd-AFC4-6F175D3DCCD1}">
-                <a14:hiddenFill xmlns="" xmlns:a14="http://schemas.microsoft.com/office/drawing/2010/main">
+                <a14:hiddenFill xmlns:a14="http://schemas.microsoft.com/office/drawing/2010/main" xmlns="">
                   <a:noFill/>
                 </a14:hiddenFill>
               </a:ext>
@@ -8269,7 +8269,7 @@
             </a:ln>
             <a:extLst>
               <a:ext uri="{909E8E84-426E-40dd-AFC4-6F175D3DCCD1}">
-                <a14:hiddenFill xmlns="" xmlns:a14="http://schemas.microsoft.com/office/drawing/2010/main">
+                <a14:hiddenFill xmlns:a14="http://schemas.microsoft.com/office/drawing/2010/main" xmlns="">
                   <a:noFill/>
                 </a14:hiddenFill>
               </a:ext>
@@ -8320,7 +8320,7 @@
             </a:ln>
             <a:extLst>
               <a:ext uri="{909E8E84-426E-40dd-AFC4-6F175D3DCCD1}">
-                <a14:hiddenFill xmlns="" xmlns:a14="http://schemas.microsoft.com/office/drawing/2010/main">
+                <a14:hiddenFill xmlns:a14="http://schemas.microsoft.com/office/drawing/2010/main" xmlns="">
                   <a:noFill/>
                 </a14:hiddenFill>
               </a:ext>
@@ -8371,7 +8371,7 @@
             </a:ln>
             <a:extLst>
               <a:ext uri="{909E8E84-426E-40dd-AFC4-6F175D3DCCD1}">
-                <a14:hiddenFill xmlns="" xmlns:a14="http://schemas.microsoft.com/office/drawing/2010/main">
+                <a14:hiddenFill xmlns:a14="http://schemas.microsoft.com/office/drawing/2010/main" xmlns="">
                   <a:noFill/>
                 </a14:hiddenFill>
               </a:ext>
@@ -8422,7 +8422,7 @@
             </a:ln>
             <a:extLst>
               <a:ext uri="{909E8E84-426E-40dd-AFC4-6F175D3DCCD1}">
-                <a14:hiddenFill xmlns="" xmlns:a14="http://schemas.microsoft.com/office/drawing/2010/main">
+                <a14:hiddenFill xmlns:a14="http://schemas.microsoft.com/office/drawing/2010/main" xmlns="">
                   <a:noFill/>
                 </a14:hiddenFill>
               </a:ext>
@@ -8473,7 +8473,7 @@
             </a:ln>
             <a:extLst>
               <a:ext uri="{909E8E84-426E-40dd-AFC4-6F175D3DCCD1}">
-                <a14:hiddenFill xmlns="" xmlns:a14="http://schemas.microsoft.com/office/drawing/2010/main">
+                <a14:hiddenFill xmlns:a14="http://schemas.microsoft.com/office/drawing/2010/main" xmlns="">
                   <a:noFill/>
                 </a14:hiddenFill>
               </a:ext>
@@ -8524,7 +8524,7 @@
             </a:ln>
             <a:extLst>
               <a:ext uri="{909E8E84-426E-40dd-AFC4-6F175D3DCCD1}">
-                <a14:hiddenFill xmlns="" xmlns:a14="http://schemas.microsoft.com/office/drawing/2010/main">
+                <a14:hiddenFill xmlns:a14="http://schemas.microsoft.com/office/drawing/2010/main" xmlns="">
                   <a:noFill/>
                 </a14:hiddenFill>
               </a:ext>
@@ -9151,7 +9151,7 @@
             </a:ln>
             <a:extLst>
               <a:ext uri="{909E8E84-426E-40dd-AFC4-6F175D3DCCD1}">
-                <a14:hiddenFill xmlns="" xmlns:a14="http://schemas.microsoft.com/office/drawing/2010/main">
+                <a14:hiddenFill xmlns:a14="http://schemas.microsoft.com/office/drawing/2010/main" xmlns="">
                   <a:solidFill>
                     <a:srgbClr val="FFFFFF"/>
                   </a:solidFill>
@@ -9204,7 +9204,7 @@
             </a:ln>
             <a:extLst>
               <a:ext uri="{909E8E84-426E-40dd-AFC4-6F175D3DCCD1}">
-                <a14:hiddenFill xmlns="" xmlns:a14="http://schemas.microsoft.com/office/drawing/2010/main">
+                <a14:hiddenFill xmlns:a14="http://schemas.microsoft.com/office/drawing/2010/main" xmlns="">
                   <a:noFill/>
                 </a14:hiddenFill>
               </a:ext>
@@ -9255,7 +9255,7 @@
             </a:ln>
             <a:extLst>
               <a:ext uri="{909E8E84-426E-40dd-AFC4-6F175D3DCCD1}">
-                <a14:hiddenFill xmlns="" xmlns:a14="http://schemas.microsoft.com/office/drawing/2010/main">
+                <a14:hiddenFill xmlns:a14="http://schemas.microsoft.com/office/drawing/2010/main" xmlns="">
                   <a:noFill/>
                 </a14:hiddenFill>
               </a:ext>
@@ -9306,7 +9306,7 @@
             </a:ln>
             <a:extLst>
               <a:ext uri="{909E8E84-426E-40dd-AFC4-6F175D3DCCD1}">
-                <a14:hiddenFill xmlns="" xmlns:a14="http://schemas.microsoft.com/office/drawing/2010/main">
+                <a14:hiddenFill xmlns:a14="http://schemas.microsoft.com/office/drawing/2010/main" xmlns="">
                   <a:noFill/>
                 </a14:hiddenFill>
               </a:ext>
@@ -9357,7 +9357,7 @@
             </a:ln>
             <a:extLst>
               <a:ext uri="{909E8E84-426E-40dd-AFC4-6F175D3DCCD1}">
-                <a14:hiddenFill xmlns="" xmlns:a14="http://schemas.microsoft.com/office/drawing/2010/main">
+                <a14:hiddenFill xmlns:a14="http://schemas.microsoft.com/office/drawing/2010/main" xmlns="">
                   <a:noFill/>
                 </a14:hiddenFill>
               </a:ext>
@@ -9408,7 +9408,7 @@
             </a:ln>
             <a:extLst>
               <a:ext uri="{909E8E84-426E-40dd-AFC4-6F175D3DCCD1}">
-                <a14:hiddenFill xmlns="" xmlns:a14="http://schemas.microsoft.com/office/drawing/2010/main">
+                <a14:hiddenFill xmlns:a14="http://schemas.microsoft.com/office/drawing/2010/main" xmlns="">
                   <a:noFill/>
                 </a14:hiddenFill>
               </a:ext>
@@ -9459,7 +9459,7 @@
             </a:ln>
             <a:extLst>
               <a:ext uri="{909E8E84-426E-40dd-AFC4-6F175D3DCCD1}">
-                <a14:hiddenFill xmlns="" xmlns:a14="http://schemas.microsoft.com/office/drawing/2010/main">
+                <a14:hiddenFill xmlns:a14="http://schemas.microsoft.com/office/drawing/2010/main" xmlns="">
                   <a:noFill/>
                 </a14:hiddenFill>
               </a:ext>
@@ -9510,7 +9510,7 @@
             </a:ln>
             <a:extLst>
               <a:ext uri="{909E8E84-426E-40dd-AFC4-6F175D3DCCD1}">
-                <a14:hiddenFill xmlns="" xmlns:a14="http://schemas.microsoft.com/office/drawing/2010/main">
+                <a14:hiddenFill xmlns:a14="http://schemas.microsoft.com/office/drawing/2010/main" xmlns="">
                   <a:noFill/>
                 </a14:hiddenFill>
               </a:ext>
@@ -9561,7 +9561,7 @@
             </a:ln>
             <a:extLst>
               <a:ext uri="{909E8E84-426E-40dd-AFC4-6F175D3DCCD1}">
-                <a14:hiddenFill xmlns="" xmlns:a14="http://schemas.microsoft.com/office/drawing/2010/main">
+                <a14:hiddenFill xmlns:a14="http://schemas.microsoft.com/office/drawing/2010/main" xmlns="">
                   <a:noFill/>
                 </a14:hiddenFill>
               </a:ext>
@@ -9612,7 +9612,7 @@
             </a:ln>
             <a:extLst>
               <a:ext uri="{909E8E84-426E-40dd-AFC4-6F175D3DCCD1}">
-                <a14:hiddenFill xmlns="" xmlns:a14="http://schemas.microsoft.com/office/drawing/2010/main">
+                <a14:hiddenFill xmlns:a14="http://schemas.microsoft.com/office/drawing/2010/main" xmlns="">
                   <a:noFill/>
                 </a14:hiddenFill>
               </a:ext>
@@ -9663,7 +9663,7 @@
             </a:ln>
             <a:extLst>
               <a:ext uri="{909E8E84-426E-40dd-AFC4-6F175D3DCCD1}">
-                <a14:hiddenFill xmlns="" xmlns:a14="http://schemas.microsoft.com/office/drawing/2010/main">
+                <a14:hiddenFill xmlns:a14="http://schemas.microsoft.com/office/drawing/2010/main" xmlns="">
                   <a:noFill/>
                 </a14:hiddenFill>
               </a:ext>
@@ -9714,7 +9714,7 @@
             </a:ln>
             <a:extLst>
               <a:ext uri="{909E8E84-426E-40dd-AFC4-6F175D3DCCD1}">
-                <a14:hiddenFill xmlns="" xmlns:a14="http://schemas.microsoft.com/office/drawing/2010/main">
+                <a14:hiddenFill xmlns:a14="http://schemas.microsoft.com/office/drawing/2010/main" xmlns="">
                   <a:noFill/>
                 </a14:hiddenFill>
               </a:ext>
@@ -9765,7 +9765,7 @@
             </a:ln>
             <a:extLst>
               <a:ext uri="{909E8E84-426E-40dd-AFC4-6F175D3DCCD1}">
-                <a14:hiddenFill xmlns="" xmlns:a14="http://schemas.microsoft.com/office/drawing/2010/main">
+                <a14:hiddenFill xmlns:a14="http://schemas.microsoft.com/office/drawing/2010/main" xmlns="">
                   <a:noFill/>
                 </a14:hiddenFill>
               </a:ext>
@@ -9816,7 +9816,7 @@
             </a:ln>
             <a:extLst>
               <a:ext uri="{909E8E84-426E-40dd-AFC4-6F175D3DCCD1}">
-                <a14:hiddenFill xmlns="" xmlns:a14="http://schemas.microsoft.com/office/drawing/2010/main">
+                <a14:hiddenFill xmlns:a14="http://schemas.microsoft.com/office/drawing/2010/main" xmlns="">
                   <a:noFill/>
                 </a14:hiddenFill>
               </a:ext>
@@ -9867,7 +9867,7 @@
             </a:ln>
             <a:extLst>
               <a:ext uri="{909E8E84-426E-40dd-AFC4-6F175D3DCCD1}">
-                <a14:hiddenFill xmlns="" xmlns:a14="http://schemas.microsoft.com/office/drawing/2010/main">
+                <a14:hiddenFill xmlns:a14="http://schemas.microsoft.com/office/drawing/2010/main" xmlns="">
                   <a:noFill/>
                 </a14:hiddenFill>
               </a:ext>
@@ -9918,7 +9918,7 @@
             </a:ln>
             <a:extLst>
               <a:ext uri="{909E8E84-426E-40dd-AFC4-6F175D3DCCD1}">
-                <a14:hiddenFill xmlns="" xmlns:a14="http://schemas.microsoft.com/office/drawing/2010/main">
+                <a14:hiddenFill xmlns:a14="http://schemas.microsoft.com/office/drawing/2010/main" xmlns="">
                   <a:noFill/>
                 </a14:hiddenFill>
               </a:ext>
@@ -9969,7 +9969,7 @@
             </a:ln>
             <a:extLst>
               <a:ext uri="{909E8E84-426E-40dd-AFC4-6F175D3DCCD1}">
-                <a14:hiddenFill xmlns="" xmlns:a14="http://schemas.microsoft.com/office/drawing/2010/main">
+                <a14:hiddenFill xmlns:a14="http://schemas.microsoft.com/office/drawing/2010/main" xmlns="">
                   <a:noFill/>
                 </a14:hiddenFill>
               </a:ext>
@@ -10020,7 +10020,7 @@
             </a:ln>
             <a:extLst>
               <a:ext uri="{909E8E84-426E-40dd-AFC4-6F175D3DCCD1}">
-                <a14:hiddenFill xmlns="" xmlns:a14="http://schemas.microsoft.com/office/drawing/2010/main">
+                <a14:hiddenFill xmlns:a14="http://schemas.microsoft.com/office/drawing/2010/main" xmlns="">
                   <a:noFill/>
                 </a14:hiddenFill>
               </a:ext>
@@ -10071,7 +10071,7 @@
             </a:ln>
             <a:extLst>
               <a:ext uri="{909E8E84-426E-40dd-AFC4-6F175D3DCCD1}">
-                <a14:hiddenFill xmlns="" xmlns:a14="http://schemas.microsoft.com/office/drawing/2010/main">
+                <a14:hiddenFill xmlns:a14="http://schemas.microsoft.com/office/drawing/2010/main" xmlns="">
                   <a:noFill/>
                 </a14:hiddenFill>
               </a:ext>
@@ -10122,7 +10122,7 @@
             </a:ln>
             <a:extLst>
               <a:ext uri="{909E8E84-426E-40dd-AFC4-6F175D3DCCD1}">
-                <a14:hiddenFill xmlns="" xmlns:a14="http://schemas.microsoft.com/office/drawing/2010/main">
+                <a14:hiddenFill xmlns:a14="http://schemas.microsoft.com/office/drawing/2010/main" xmlns="">
                   <a:noFill/>
                 </a14:hiddenFill>
               </a:ext>
@@ -10173,7 +10173,7 @@
             </a:ln>
             <a:extLst>
               <a:ext uri="{909E8E84-426E-40dd-AFC4-6F175D3DCCD1}">
-                <a14:hiddenFill xmlns="" xmlns:a14="http://schemas.microsoft.com/office/drawing/2010/main">
+                <a14:hiddenFill xmlns:a14="http://schemas.microsoft.com/office/drawing/2010/main" xmlns="">
                   <a:noFill/>
                 </a14:hiddenFill>
               </a:ext>
@@ -10224,7 +10224,7 @@
             </a:ln>
             <a:extLst>
               <a:ext uri="{909E8E84-426E-40dd-AFC4-6F175D3DCCD1}">
-                <a14:hiddenFill xmlns="" xmlns:a14="http://schemas.microsoft.com/office/drawing/2010/main">
+                <a14:hiddenFill xmlns:a14="http://schemas.microsoft.com/office/drawing/2010/main" xmlns="">
                   <a:noFill/>
                 </a14:hiddenFill>
               </a:ext>
@@ -10275,7 +10275,7 @@
             </a:ln>
             <a:extLst>
               <a:ext uri="{909E8E84-426E-40dd-AFC4-6F175D3DCCD1}">
-                <a14:hiddenFill xmlns="" xmlns:a14="http://schemas.microsoft.com/office/drawing/2010/main">
+                <a14:hiddenFill xmlns:a14="http://schemas.microsoft.com/office/drawing/2010/main" xmlns="">
                   <a:noFill/>
                 </a14:hiddenFill>
               </a:ext>
@@ -10326,7 +10326,7 @@
             </a:ln>
             <a:extLst>
               <a:ext uri="{909E8E84-426E-40dd-AFC4-6F175D3DCCD1}">
-                <a14:hiddenFill xmlns="" xmlns:a14="http://schemas.microsoft.com/office/drawing/2010/main">
+                <a14:hiddenFill xmlns:a14="http://schemas.microsoft.com/office/drawing/2010/main" xmlns="">
                   <a:noFill/>
                 </a14:hiddenFill>
               </a:ext>
@@ -10377,7 +10377,7 @@
             </a:ln>
             <a:extLst>
               <a:ext uri="{909E8E84-426E-40dd-AFC4-6F175D3DCCD1}">
-                <a14:hiddenFill xmlns="" xmlns:a14="http://schemas.microsoft.com/office/drawing/2010/main">
+                <a14:hiddenFill xmlns:a14="http://schemas.microsoft.com/office/drawing/2010/main" xmlns="">
                   <a:noFill/>
                 </a14:hiddenFill>
               </a:ext>
@@ -10428,7 +10428,7 @@
             </a:ln>
             <a:extLst>
               <a:ext uri="{909E8E84-426E-40dd-AFC4-6F175D3DCCD1}">
-                <a14:hiddenFill xmlns="" xmlns:a14="http://schemas.microsoft.com/office/drawing/2010/main">
+                <a14:hiddenFill xmlns:a14="http://schemas.microsoft.com/office/drawing/2010/main" xmlns="">
                   <a:noFill/>
                 </a14:hiddenFill>
               </a:ext>
@@ -10479,7 +10479,7 @@
             </a:ln>
             <a:extLst>
               <a:ext uri="{909E8E84-426E-40dd-AFC4-6F175D3DCCD1}">
-                <a14:hiddenFill xmlns="" xmlns:a14="http://schemas.microsoft.com/office/drawing/2010/main">
+                <a14:hiddenFill xmlns:a14="http://schemas.microsoft.com/office/drawing/2010/main" xmlns="">
                   <a:noFill/>
                 </a14:hiddenFill>
               </a:ext>
@@ -10530,7 +10530,7 @@
             </a:ln>
             <a:extLst>
               <a:ext uri="{909E8E84-426E-40dd-AFC4-6F175D3DCCD1}">
-                <a14:hiddenFill xmlns="" xmlns:a14="http://schemas.microsoft.com/office/drawing/2010/main">
+                <a14:hiddenFill xmlns:a14="http://schemas.microsoft.com/office/drawing/2010/main" xmlns="">
                   <a:noFill/>
                 </a14:hiddenFill>
               </a:ext>
@@ -10581,7 +10581,7 @@
             </a:ln>
             <a:extLst>
               <a:ext uri="{909E8E84-426E-40dd-AFC4-6F175D3DCCD1}">
-                <a14:hiddenFill xmlns="" xmlns:a14="http://schemas.microsoft.com/office/drawing/2010/main">
+                <a14:hiddenFill xmlns:a14="http://schemas.microsoft.com/office/drawing/2010/main" xmlns="">
                   <a:noFill/>
                 </a14:hiddenFill>
               </a:ext>
@@ -10632,7 +10632,7 @@
             </a:ln>
             <a:extLst>
               <a:ext uri="{909E8E84-426E-40dd-AFC4-6F175D3DCCD1}">
-                <a14:hiddenFill xmlns="" xmlns:a14="http://schemas.microsoft.com/office/drawing/2010/main">
+                <a14:hiddenFill xmlns:a14="http://schemas.microsoft.com/office/drawing/2010/main" xmlns="">
                   <a:noFill/>
                 </a14:hiddenFill>
               </a:ext>
@@ -10683,7 +10683,7 @@
             </a:ln>
             <a:extLst>
               <a:ext uri="{909E8E84-426E-40dd-AFC4-6F175D3DCCD1}">
-                <a14:hiddenFill xmlns="" xmlns:a14="http://schemas.microsoft.com/office/drawing/2010/main">
+                <a14:hiddenFill xmlns:a14="http://schemas.microsoft.com/office/drawing/2010/main" xmlns="">
                   <a:noFill/>
                 </a14:hiddenFill>
               </a:ext>
@@ -10734,7 +10734,7 @@
             </a:ln>
             <a:extLst>
               <a:ext uri="{909E8E84-426E-40dd-AFC4-6F175D3DCCD1}">
-                <a14:hiddenFill xmlns="" xmlns:a14="http://schemas.microsoft.com/office/drawing/2010/main">
+                <a14:hiddenFill xmlns:a14="http://schemas.microsoft.com/office/drawing/2010/main" xmlns="">
                   <a:noFill/>
                 </a14:hiddenFill>
               </a:ext>
@@ -10785,7 +10785,7 @@
             </a:ln>
             <a:extLst>
               <a:ext uri="{909E8E84-426E-40dd-AFC4-6F175D3DCCD1}">
-                <a14:hiddenFill xmlns="" xmlns:a14="http://schemas.microsoft.com/office/drawing/2010/main">
+                <a14:hiddenFill xmlns:a14="http://schemas.microsoft.com/office/drawing/2010/main" xmlns="">
                   <a:noFill/>
                 </a14:hiddenFill>
               </a:ext>
@@ -10836,7 +10836,7 @@
             </a:ln>
             <a:extLst>
               <a:ext uri="{909E8E84-426E-40dd-AFC4-6F175D3DCCD1}">
-                <a14:hiddenFill xmlns="" xmlns:a14="http://schemas.microsoft.com/office/drawing/2010/main">
+                <a14:hiddenFill xmlns:a14="http://schemas.microsoft.com/office/drawing/2010/main" xmlns="">
                   <a:noFill/>
                 </a14:hiddenFill>
               </a:ext>
@@ -10887,7 +10887,7 @@
             </a:ln>
             <a:extLst>
               <a:ext uri="{909E8E84-426E-40dd-AFC4-6F175D3DCCD1}">
-                <a14:hiddenFill xmlns="" xmlns:a14="http://schemas.microsoft.com/office/drawing/2010/main">
+                <a14:hiddenFill xmlns:a14="http://schemas.microsoft.com/office/drawing/2010/main" xmlns="">
                   <a:noFill/>
                 </a14:hiddenFill>
               </a:ext>
@@ -10938,7 +10938,7 @@
             </a:ln>
             <a:extLst>
               <a:ext uri="{909E8E84-426E-40dd-AFC4-6F175D3DCCD1}">
-                <a14:hiddenFill xmlns="" xmlns:a14="http://schemas.microsoft.com/office/drawing/2010/main">
+                <a14:hiddenFill xmlns:a14="http://schemas.microsoft.com/office/drawing/2010/main" xmlns="">
                   <a:noFill/>
                 </a14:hiddenFill>
               </a:ext>
@@ -10989,7 +10989,7 @@
             </a:ln>
             <a:extLst>
               <a:ext uri="{909E8E84-426E-40dd-AFC4-6F175D3DCCD1}">
-                <a14:hiddenFill xmlns="" xmlns:a14="http://schemas.microsoft.com/office/drawing/2010/main">
+                <a14:hiddenFill xmlns:a14="http://schemas.microsoft.com/office/drawing/2010/main" xmlns="">
                   <a:noFill/>
                 </a14:hiddenFill>
               </a:ext>
@@ -11040,7 +11040,7 @@
             </a:ln>
             <a:extLst>
               <a:ext uri="{909E8E84-426E-40dd-AFC4-6F175D3DCCD1}">
-                <a14:hiddenFill xmlns="" xmlns:a14="http://schemas.microsoft.com/office/drawing/2010/main">
+                <a14:hiddenFill xmlns:a14="http://schemas.microsoft.com/office/drawing/2010/main" xmlns="">
                   <a:noFill/>
                 </a14:hiddenFill>
               </a:ext>
@@ -11091,7 +11091,7 @@
             </a:ln>
             <a:extLst>
               <a:ext uri="{909E8E84-426E-40dd-AFC4-6F175D3DCCD1}">
-                <a14:hiddenFill xmlns="" xmlns:a14="http://schemas.microsoft.com/office/drawing/2010/main">
+                <a14:hiddenFill xmlns:a14="http://schemas.microsoft.com/office/drawing/2010/main" xmlns="">
                   <a:noFill/>
                 </a14:hiddenFill>
               </a:ext>
@@ -11142,7 +11142,7 @@
             </a:ln>
             <a:extLst>
               <a:ext uri="{909E8E84-426E-40dd-AFC4-6F175D3DCCD1}">
-                <a14:hiddenFill xmlns="" xmlns:a14="http://schemas.microsoft.com/office/drawing/2010/main">
+                <a14:hiddenFill xmlns:a14="http://schemas.microsoft.com/office/drawing/2010/main" xmlns="">
                   <a:noFill/>
                 </a14:hiddenFill>
               </a:ext>
@@ -11193,7 +11193,7 @@
             </a:ln>
             <a:extLst>
               <a:ext uri="{909E8E84-426E-40dd-AFC4-6F175D3DCCD1}">
-                <a14:hiddenFill xmlns="" xmlns:a14="http://schemas.microsoft.com/office/drawing/2010/main">
+                <a14:hiddenFill xmlns:a14="http://schemas.microsoft.com/office/drawing/2010/main" xmlns="">
                   <a:noFill/>
                 </a14:hiddenFill>
               </a:ext>
@@ -11244,7 +11244,7 @@
             </a:ln>
             <a:extLst>
               <a:ext uri="{909E8E84-426E-40dd-AFC4-6F175D3DCCD1}">
-                <a14:hiddenFill xmlns="" xmlns:a14="http://schemas.microsoft.com/office/drawing/2010/main">
+                <a14:hiddenFill xmlns:a14="http://schemas.microsoft.com/office/drawing/2010/main" xmlns="">
                   <a:noFill/>
                 </a14:hiddenFill>
               </a:ext>
@@ -11295,7 +11295,7 @@
             </a:ln>
             <a:extLst>
               <a:ext uri="{909E8E84-426E-40dd-AFC4-6F175D3DCCD1}">
-                <a14:hiddenFill xmlns="" xmlns:a14="http://schemas.microsoft.com/office/drawing/2010/main">
+                <a14:hiddenFill xmlns:a14="http://schemas.microsoft.com/office/drawing/2010/main" xmlns="">
                   <a:noFill/>
                 </a14:hiddenFill>
               </a:ext>
@@ -11346,7 +11346,7 @@
             </a:ln>
             <a:extLst>
               <a:ext uri="{909E8E84-426E-40dd-AFC4-6F175D3DCCD1}">
-                <a14:hiddenFill xmlns="" xmlns:a14="http://schemas.microsoft.com/office/drawing/2010/main">
+                <a14:hiddenFill xmlns:a14="http://schemas.microsoft.com/office/drawing/2010/main" xmlns="">
                   <a:noFill/>
                 </a14:hiddenFill>
               </a:ext>
@@ -11397,7 +11397,7 @@
             </a:ln>
             <a:extLst>
               <a:ext uri="{909E8E84-426E-40dd-AFC4-6F175D3DCCD1}">
-                <a14:hiddenFill xmlns="" xmlns:a14="http://schemas.microsoft.com/office/drawing/2010/main">
+                <a14:hiddenFill xmlns:a14="http://schemas.microsoft.com/office/drawing/2010/main" xmlns="">
                   <a:noFill/>
                 </a14:hiddenFill>
               </a:ext>
@@ -11448,7 +11448,7 @@
             </a:ln>
             <a:extLst>
               <a:ext uri="{909E8E84-426E-40dd-AFC4-6F175D3DCCD1}">
-                <a14:hiddenFill xmlns="" xmlns:a14="http://schemas.microsoft.com/office/drawing/2010/main">
+                <a14:hiddenFill xmlns:a14="http://schemas.microsoft.com/office/drawing/2010/main" xmlns="">
                   <a:noFill/>
                 </a14:hiddenFill>
               </a:ext>
@@ -11499,7 +11499,7 @@
             </a:ln>
             <a:extLst>
               <a:ext uri="{909E8E84-426E-40dd-AFC4-6F175D3DCCD1}">
-                <a14:hiddenFill xmlns="" xmlns:a14="http://schemas.microsoft.com/office/drawing/2010/main">
+                <a14:hiddenFill xmlns:a14="http://schemas.microsoft.com/office/drawing/2010/main" xmlns="">
                   <a:noFill/>
                 </a14:hiddenFill>
               </a:ext>
@@ -11550,7 +11550,7 @@
             </a:ln>
             <a:extLst>
               <a:ext uri="{909E8E84-426E-40dd-AFC4-6F175D3DCCD1}">
-                <a14:hiddenFill xmlns="" xmlns:a14="http://schemas.microsoft.com/office/drawing/2010/main">
+                <a14:hiddenFill xmlns:a14="http://schemas.microsoft.com/office/drawing/2010/main" xmlns="">
                   <a:noFill/>
                 </a14:hiddenFill>
               </a:ext>
@@ -11601,7 +11601,7 @@
             </a:ln>
             <a:extLst>
               <a:ext uri="{909E8E84-426E-40dd-AFC4-6F175D3DCCD1}">
-                <a14:hiddenFill xmlns="" xmlns:a14="http://schemas.microsoft.com/office/drawing/2010/main">
+                <a14:hiddenFill xmlns:a14="http://schemas.microsoft.com/office/drawing/2010/main" xmlns="">
                   <a:noFill/>
                 </a14:hiddenFill>
               </a:ext>
@@ -11652,7 +11652,7 @@
             </a:ln>
             <a:extLst>
               <a:ext uri="{909E8E84-426E-40dd-AFC4-6F175D3DCCD1}">
-                <a14:hiddenFill xmlns="" xmlns:a14="http://schemas.microsoft.com/office/drawing/2010/main">
+                <a14:hiddenFill xmlns:a14="http://schemas.microsoft.com/office/drawing/2010/main" xmlns="">
                   <a:noFill/>
                 </a14:hiddenFill>
               </a:ext>
@@ -11703,7 +11703,7 @@
             </a:ln>
             <a:extLst>
               <a:ext uri="{909E8E84-426E-40dd-AFC4-6F175D3DCCD1}">
-                <a14:hiddenFill xmlns="" xmlns:a14="http://schemas.microsoft.com/office/drawing/2010/main">
+                <a14:hiddenFill xmlns:a14="http://schemas.microsoft.com/office/drawing/2010/main" xmlns="">
                   <a:noFill/>
                 </a14:hiddenFill>
               </a:ext>
@@ -11754,7 +11754,7 @@
             </a:ln>
             <a:extLst>
               <a:ext uri="{909E8E84-426E-40dd-AFC4-6F175D3DCCD1}">
-                <a14:hiddenFill xmlns="" xmlns:a14="http://schemas.microsoft.com/office/drawing/2010/main">
+                <a14:hiddenFill xmlns:a14="http://schemas.microsoft.com/office/drawing/2010/main" xmlns="">
                   <a:noFill/>
                 </a14:hiddenFill>
               </a:ext>
@@ -11805,7 +11805,7 @@
             </a:ln>
             <a:extLst>
               <a:ext uri="{909E8E84-426E-40dd-AFC4-6F175D3DCCD1}">
-                <a14:hiddenFill xmlns="" xmlns:a14="http://schemas.microsoft.com/office/drawing/2010/main">
+                <a14:hiddenFill xmlns:a14="http://schemas.microsoft.com/office/drawing/2010/main" xmlns="">
                   <a:noFill/>
                 </a14:hiddenFill>
               </a:ext>
@@ -11856,7 +11856,7 @@
             </a:ln>
             <a:extLst>
               <a:ext uri="{909E8E84-426E-40dd-AFC4-6F175D3DCCD1}">
-                <a14:hiddenFill xmlns="" xmlns:a14="http://schemas.microsoft.com/office/drawing/2010/main">
+                <a14:hiddenFill xmlns:a14="http://schemas.microsoft.com/office/drawing/2010/main" xmlns="">
                   <a:noFill/>
                 </a14:hiddenFill>
               </a:ext>
@@ -11907,7 +11907,7 @@
             </a:ln>
             <a:extLst>
               <a:ext uri="{909E8E84-426E-40dd-AFC4-6F175D3DCCD1}">
-                <a14:hiddenFill xmlns="" xmlns:a14="http://schemas.microsoft.com/office/drawing/2010/main">
+                <a14:hiddenFill xmlns:a14="http://schemas.microsoft.com/office/drawing/2010/main" xmlns="">
                   <a:noFill/>
                 </a14:hiddenFill>
               </a:ext>
@@ -11958,7 +11958,7 @@
             </a:ln>
             <a:extLst>
               <a:ext uri="{909E8E84-426E-40dd-AFC4-6F175D3DCCD1}">
-                <a14:hiddenFill xmlns="" xmlns:a14="http://schemas.microsoft.com/office/drawing/2010/main">
+                <a14:hiddenFill xmlns:a14="http://schemas.microsoft.com/office/drawing/2010/main" xmlns="">
                   <a:noFill/>
                 </a14:hiddenFill>
               </a:ext>
@@ -12009,7 +12009,7 @@
             </a:ln>
             <a:extLst>
               <a:ext uri="{909E8E84-426E-40dd-AFC4-6F175D3DCCD1}">
-                <a14:hiddenFill xmlns="" xmlns:a14="http://schemas.microsoft.com/office/drawing/2010/main">
+                <a14:hiddenFill xmlns:a14="http://schemas.microsoft.com/office/drawing/2010/main" xmlns="">
                   <a:noFill/>
                 </a14:hiddenFill>
               </a:ext>
@@ -12060,7 +12060,7 @@
             </a:ln>
             <a:extLst>
               <a:ext uri="{909E8E84-426E-40dd-AFC4-6F175D3DCCD1}">
-                <a14:hiddenFill xmlns="" xmlns:a14="http://schemas.microsoft.com/office/drawing/2010/main">
+                <a14:hiddenFill xmlns:a14="http://schemas.microsoft.com/office/drawing/2010/main" xmlns="">
                   <a:noFill/>
                 </a14:hiddenFill>
               </a:ext>
@@ -12111,7 +12111,7 @@
             </a:ln>
             <a:extLst>
               <a:ext uri="{909E8E84-426E-40dd-AFC4-6F175D3DCCD1}">
-                <a14:hiddenFill xmlns="" xmlns:a14="http://schemas.microsoft.com/office/drawing/2010/main">
+                <a14:hiddenFill xmlns:a14="http://schemas.microsoft.com/office/drawing/2010/main" xmlns="">
                   <a:noFill/>
                 </a14:hiddenFill>
               </a:ext>
@@ -12162,7 +12162,7 @@
             </a:ln>
             <a:extLst>
               <a:ext uri="{909E8E84-426E-40dd-AFC4-6F175D3DCCD1}">
-                <a14:hiddenFill xmlns="" xmlns:a14="http://schemas.microsoft.com/office/drawing/2010/main">
+                <a14:hiddenFill xmlns:a14="http://schemas.microsoft.com/office/drawing/2010/main" xmlns="">
                   <a:noFill/>
                 </a14:hiddenFill>
               </a:ext>
@@ -12213,7 +12213,7 @@
             </a:ln>
             <a:extLst>
               <a:ext uri="{909E8E84-426E-40dd-AFC4-6F175D3DCCD1}">
-                <a14:hiddenFill xmlns="" xmlns:a14="http://schemas.microsoft.com/office/drawing/2010/main">
+                <a14:hiddenFill xmlns:a14="http://schemas.microsoft.com/office/drawing/2010/main" xmlns="">
                   <a:noFill/>
                 </a14:hiddenFill>
               </a:ext>
@@ -12264,7 +12264,7 @@
             </a:ln>
             <a:extLst>
               <a:ext uri="{909E8E84-426E-40dd-AFC4-6F175D3DCCD1}">
-                <a14:hiddenFill xmlns="" xmlns:a14="http://schemas.microsoft.com/office/drawing/2010/main">
+                <a14:hiddenFill xmlns:a14="http://schemas.microsoft.com/office/drawing/2010/main" xmlns="">
                   <a:noFill/>
                 </a14:hiddenFill>
               </a:ext>
@@ -12315,7 +12315,7 @@
             </a:ln>
             <a:extLst>
               <a:ext uri="{909E8E84-426E-40dd-AFC4-6F175D3DCCD1}">
-                <a14:hiddenFill xmlns="" xmlns:a14="http://schemas.microsoft.com/office/drawing/2010/main">
+                <a14:hiddenFill xmlns:a14="http://schemas.microsoft.com/office/drawing/2010/main" xmlns="">
                   <a:noFill/>
                 </a14:hiddenFill>
               </a:ext>
@@ -12366,7 +12366,7 @@
             </a:ln>
             <a:extLst>
               <a:ext uri="{909E8E84-426E-40dd-AFC4-6F175D3DCCD1}">
-                <a14:hiddenFill xmlns="" xmlns:a14="http://schemas.microsoft.com/office/drawing/2010/main">
+                <a14:hiddenFill xmlns:a14="http://schemas.microsoft.com/office/drawing/2010/main" xmlns="">
                   <a:noFill/>
                 </a14:hiddenFill>
               </a:ext>
@@ -12417,7 +12417,7 @@
             </a:ln>
             <a:extLst>
               <a:ext uri="{909E8E84-426E-40dd-AFC4-6F175D3DCCD1}">
-                <a14:hiddenFill xmlns="" xmlns:a14="http://schemas.microsoft.com/office/drawing/2010/main">
+                <a14:hiddenFill xmlns:a14="http://schemas.microsoft.com/office/drawing/2010/main" xmlns="">
                   <a:noFill/>
                 </a14:hiddenFill>
               </a:ext>
@@ -12468,7 +12468,7 @@
             </a:ln>
             <a:extLst>
               <a:ext uri="{909E8E84-426E-40dd-AFC4-6F175D3DCCD1}">
-                <a14:hiddenFill xmlns="" xmlns:a14="http://schemas.microsoft.com/office/drawing/2010/main">
+                <a14:hiddenFill xmlns:a14="http://schemas.microsoft.com/office/drawing/2010/main" xmlns="">
                   <a:noFill/>
                 </a14:hiddenFill>
               </a:ext>
@@ -12519,7 +12519,7 @@
             </a:ln>
             <a:extLst>
               <a:ext uri="{909E8E84-426E-40dd-AFC4-6F175D3DCCD1}">
-                <a14:hiddenFill xmlns="" xmlns:a14="http://schemas.microsoft.com/office/drawing/2010/main">
+                <a14:hiddenFill xmlns:a14="http://schemas.microsoft.com/office/drawing/2010/main" xmlns="">
                   <a:noFill/>
                 </a14:hiddenFill>
               </a:ext>
@@ -12570,7 +12570,7 @@
             </a:ln>
             <a:extLst>
               <a:ext uri="{909E8E84-426E-40dd-AFC4-6F175D3DCCD1}">
-                <a14:hiddenFill xmlns="" xmlns:a14="http://schemas.microsoft.com/office/drawing/2010/main">
+                <a14:hiddenFill xmlns:a14="http://schemas.microsoft.com/office/drawing/2010/main" xmlns="">
                   <a:noFill/>
                 </a14:hiddenFill>
               </a:ext>
@@ -12621,7 +12621,7 @@
             </a:ln>
             <a:extLst>
               <a:ext uri="{909E8E84-426E-40dd-AFC4-6F175D3DCCD1}">
-                <a14:hiddenFill xmlns="" xmlns:a14="http://schemas.microsoft.com/office/drawing/2010/main">
+                <a14:hiddenFill xmlns:a14="http://schemas.microsoft.com/office/drawing/2010/main" xmlns="">
                   <a:noFill/>
                 </a14:hiddenFill>
               </a:ext>
@@ -13045,7 +13045,7 @@
           <a:p>
             <a:fld id="{5355355A-278A-4177-940D-D180E0E2D021}" type="datetimeFigureOut">
               <a:rPr lang="en-US" smtClean="0"/>
-              <a:t>8/24/2018</a:t>
+              <a:t>9/10/2018</a:t>
             </a:fld>
             <a:endParaRPr lang="en-US"/>
           </a:p>
@@ -13183,7 +13183,7 @@
             </a:ln>
             <a:extLst>
               <a:ext uri="{909E8E84-426E-40dd-AFC4-6F175D3DCCD1}">
-                <a14:hiddenFill xmlns="" xmlns:a14="http://schemas.microsoft.com/office/drawing/2010/main">
+                <a14:hiddenFill xmlns:a14="http://schemas.microsoft.com/office/drawing/2010/main" xmlns="">
                   <a:solidFill>
                     <a:srgbClr val="FFFFFF"/>
                   </a:solidFill>
@@ -13236,7 +13236,7 @@
             </a:ln>
             <a:extLst>
               <a:ext uri="{909E8E84-426E-40dd-AFC4-6F175D3DCCD1}">
-                <a14:hiddenFill xmlns="" xmlns:a14="http://schemas.microsoft.com/office/drawing/2010/main">
+                <a14:hiddenFill xmlns:a14="http://schemas.microsoft.com/office/drawing/2010/main" xmlns="">
                   <a:noFill/>
                 </a14:hiddenFill>
               </a:ext>
@@ -13287,7 +13287,7 @@
             </a:ln>
             <a:extLst>
               <a:ext uri="{909E8E84-426E-40dd-AFC4-6F175D3DCCD1}">
-                <a14:hiddenFill xmlns="" xmlns:a14="http://schemas.microsoft.com/office/drawing/2010/main">
+                <a14:hiddenFill xmlns:a14="http://schemas.microsoft.com/office/drawing/2010/main" xmlns="">
                   <a:noFill/>
                 </a14:hiddenFill>
               </a:ext>
@@ -13338,7 +13338,7 @@
             </a:ln>
             <a:extLst>
               <a:ext uri="{909E8E84-426E-40dd-AFC4-6F175D3DCCD1}">
-                <a14:hiddenFill xmlns="" xmlns:a14="http://schemas.microsoft.com/office/drawing/2010/main">
+                <a14:hiddenFill xmlns:a14="http://schemas.microsoft.com/office/drawing/2010/main" xmlns="">
                   <a:noFill/>
                 </a14:hiddenFill>
               </a:ext>
@@ -13389,7 +13389,7 @@
             </a:ln>
             <a:extLst>
               <a:ext uri="{909E8E84-426E-40dd-AFC4-6F175D3DCCD1}">
-                <a14:hiddenFill xmlns="" xmlns:a14="http://schemas.microsoft.com/office/drawing/2010/main">
+                <a14:hiddenFill xmlns:a14="http://schemas.microsoft.com/office/drawing/2010/main" xmlns="">
                   <a:noFill/>
                 </a14:hiddenFill>
               </a:ext>
@@ -13440,7 +13440,7 @@
             </a:ln>
             <a:extLst>
               <a:ext uri="{909E8E84-426E-40dd-AFC4-6F175D3DCCD1}">
-                <a14:hiddenFill xmlns="" xmlns:a14="http://schemas.microsoft.com/office/drawing/2010/main">
+                <a14:hiddenFill xmlns:a14="http://schemas.microsoft.com/office/drawing/2010/main" xmlns="">
                   <a:noFill/>
                 </a14:hiddenFill>
               </a:ext>
@@ -13491,7 +13491,7 @@
             </a:ln>
             <a:extLst>
               <a:ext uri="{909E8E84-426E-40dd-AFC4-6F175D3DCCD1}">
-                <a14:hiddenFill xmlns="" xmlns:a14="http://schemas.microsoft.com/office/drawing/2010/main">
+                <a14:hiddenFill xmlns:a14="http://schemas.microsoft.com/office/drawing/2010/main" xmlns="">
                   <a:noFill/>
                 </a14:hiddenFill>
               </a:ext>
@@ -13542,7 +13542,7 @@
             </a:ln>
             <a:extLst>
               <a:ext uri="{909E8E84-426E-40dd-AFC4-6F175D3DCCD1}">
-                <a14:hiddenFill xmlns="" xmlns:a14="http://schemas.microsoft.com/office/drawing/2010/main">
+                <a14:hiddenFill xmlns:a14="http://schemas.microsoft.com/office/drawing/2010/main" xmlns="">
                   <a:noFill/>
                 </a14:hiddenFill>
               </a:ext>
@@ -13593,7 +13593,7 @@
             </a:ln>
             <a:extLst>
               <a:ext uri="{909E8E84-426E-40dd-AFC4-6F175D3DCCD1}">
-                <a14:hiddenFill xmlns="" xmlns:a14="http://schemas.microsoft.com/office/drawing/2010/main">
+                <a14:hiddenFill xmlns:a14="http://schemas.microsoft.com/office/drawing/2010/main" xmlns="">
                   <a:noFill/>
                 </a14:hiddenFill>
               </a:ext>
@@ -13644,7 +13644,7 @@
             </a:ln>
             <a:extLst>
               <a:ext uri="{909E8E84-426E-40dd-AFC4-6F175D3DCCD1}">
-                <a14:hiddenFill xmlns="" xmlns:a14="http://schemas.microsoft.com/office/drawing/2010/main">
+                <a14:hiddenFill xmlns:a14="http://schemas.microsoft.com/office/drawing/2010/main" xmlns="">
                   <a:noFill/>
                 </a14:hiddenFill>
               </a:ext>
@@ -13695,7 +13695,7 @@
             </a:ln>
             <a:extLst>
               <a:ext uri="{909E8E84-426E-40dd-AFC4-6F175D3DCCD1}">
-                <a14:hiddenFill xmlns="" xmlns:a14="http://schemas.microsoft.com/office/drawing/2010/main">
+                <a14:hiddenFill xmlns:a14="http://schemas.microsoft.com/office/drawing/2010/main" xmlns="">
                   <a:noFill/>
                 </a14:hiddenFill>
               </a:ext>
@@ -13746,7 +13746,7 @@
             </a:ln>
             <a:extLst>
               <a:ext uri="{909E8E84-426E-40dd-AFC4-6F175D3DCCD1}">
-                <a14:hiddenFill xmlns="" xmlns:a14="http://schemas.microsoft.com/office/drawing/2010/main">
+                <a14:hiddenFill xmlns:a14="http://schemas.microsoft.com/office/drawing/2010/main" xmlns="">
                   <a:noFill/>
                 </a14:hiddenFill>
               </a:ext>
@@ -13797,7 +13797,7 @@
             </a:ln>
             <a:extLst>
               <a:ext uri="{909E8E84-426E-40dd-AFC4-6F175D3DCCD1}">
-                <a14:hiddenFill xmlns="" xmlns:a14="http://schemas.microsoft.com/office/drawing/2010/main">
+                <a14:hiddenFill xmlns:a14="http://schemas.microsoft.com/office/drawing/2010/main" xmlns="">
                   <a:noFill/>
                 </a14:hiddenFill>
               </a:ext>
@@ -13848,7 +13848,7 @@
             </a:ln>
             <a:extLst>
               <a:ext uri="{909E8E84-426E-40dd-AFC4-6F175D3DCCD1}">
-                <a14:hiddenFill xmlns="" xmlns:a14="http://schemas.microsoft.com/office/drawing/2010/main">
+                <a14:hiddenFill xmlns:a14="http://schemas.microsoft.com/office/drawing/2010/main" xmlns="">
                   <a:noFill/>
                 </a14:hiddenFill>
               </a:ext>
@@ -13899,7 +13899,7 @@
             </a:ln>
             <a:extLst>
               <a:ext uri="{909E8E84-426E-40dd-AFC4-6F175D3DCCD1}">
-                <a14:hiddenFill xmlns="" xmlns:a14="http://schemas.microsoft.com/office/drawing/2010/main">
+                <a14:hiddenFill xmlns:a14="http://schemas.microsoft.com/office/drawing/2010/main" xmlns="">
                   <a:noFill/>
                 </a14:hiddenFill>
               </a:ext>
@@ -13950,7 +13950,7 @@
             </a:ln>
             <a:extLst>
               <a:ext uri="{909E8E84-426E-40dd-AFC4-6F175D3DCCD1}">
-                <a14:hiddenFill xmlns="" xmlns:a14="http://schemas.microsoft.com/office/drawing/2010/main">
+                <a14:hiddenFill xmlns:a14="http://schemas.microsoft.com/office/drawing/2010/main" xmlns="">
                   <a:noFill/>
                 </a14:hiddenFill>
               </a:ext>
@@ -14001,7 +14001,7 @@
             </a:ln>
             <a:extLst>
               <a:ext uri="{909E8E84-426E-40dd-AFC4-6F175D3DCCD1}">
-                <a14:hiddenFill xmlns="" xmlns:a14="http://schemas.microsoft.com/office/drawing/2010/main">
+                <a14:hiddenFill xmlns:a14="http://schemas.microsoft.com/office/drawing/2010/main" xmlns="">
                   <a:noFill/>
                 </a14:hiddenFill>
               </a:ext>
@@ -14052,7 +14052,7 @@
             </a:ln>
             <a:extLst>
               <a:ext uri="{909E8E84-426E-40dd-AFC4-6F175D3DCCD1}">
-                <a14:hiddenFill xmlns="" xmlns:a14="http://schemas.microsoft.com/office/drawing/2010/main">
+                <a14:hiddenFill xmlns:a14="http://schemas.microsoft.com/office/drawing/2010/main" xmlns="">
                   <a:noFill/>
                 </a14:hiddenFill>
               </a:ext>
@@ -14103,7 +14103,7 @@
             </a:ln>
             <a:extLst>
               <a:ext uri="{909E8E84-426E-40dd-AFC4-6F175D3DCCD1}">
-                <a14:hiddenFill xmlns="" xmlns:a14="http://schemas.microsoft.com/office/drawing/2010/main">
+                <a14:hiddenFill xmlns:a14="http://schemas.microsoft.com/office/drawing/2010/main" xmlns="">
                   <a:noFill/>
                 </a14:hiddenFill>
               </a:ext>
@@ -14154,7 +14154,7 @@
             </a:ln>
             <a:extLst>
               <a:ext uri="{909E8E84-426E-40dd-AFC4-6F175D3DCCD1}">
-                <a14:hiddenFill xmlns="" xmlns:a14="http://schemas.microsoft.com/office/drawing/2010/main">
+                <a14:hiddenFill xmlns:a14="http://schemas.microsoft.com/office/drawing/2010/main" xmlns="">
                   <a:noFill/>
                 </a14:hiddenFill>
               </a:ext>
@@ -14205,7 +14205,7 @@
             </a:ln>
             <a:extLst>
               <a:ext uri="{909E8E84-426E-40dd-AFC4-6F175D3DCCD1}">
-                <a14:hiddenFill xmlns="" xmlns:a14="http://schemas.microsoft.com/office/drawing/2010/main">
+                <a14:hiddenFill xmlns:a14="http://schemas.microsoft.com/office/drawing/2010/main" xmlns="">
                   <a:noFill/>
                 </a14:hiddenFill>
               </a:ext>
@@ -14256,7 +14256,7 @@
             </a:ln>
             <a:extLst>
               <a:ext uri="{909E8E84-426E-40dd-AFC4-6F175D3DCCD1}">
-                <a14:hiddenFill xmlns="" xmlns:a14="http://schemas.microsoft.com/office/drawing/2010/main">
+                <a14:hiddenFill xmlns:a14="http://schemas.microsoft.com/office/drawing/2010/main" xmlns="">
                   <a:noFill/>
                 </a14:hiddenFill>
               </a:ext>
@@ -14307,7 +14307,7 @@
             </a:ln>
             <a:extLst>
               <a:ext uri="{909E8E84-426E-40dd-AFC4-6F175D3DCCD1}">
-                <a14:hiddenFill xmlns="" xmlns:a14="http://schemas.microsoft.com/office/drawing/2010/main">
+                <a14:hiddenFill xmlns:a14="http://schemas.microsoft.com/office/drawing/2010/main" xmlns="">
                   <a:noFill/>
                 </a14:hiddenFill>
               </a:ext>
@@ -14358,7 +14358,7 @@
             </a:ln>
             <a:extLst>
               <a:ext uri="{909E8E84-426E-40dd-AFC4-6F175D3DCCD1}">
-                <a14:hiddenFill xmlns="" xmlns:a14="http://schemas.microsoft.com/office/drawing/2010/main">
+                <a14:hiddenFill xmlns:a14="http://schemas.microsoft.com/office/drawing/2010/main" xmlns="">
                   <a:noFill/>
                 </a14:hiddenFill>
               </a:ext>
@@ -14409,7 +14409,7 @@
             </a:ln>
             <a:extLst>
               <a:ext uri="{909E8E84-426E-40dd-AFC4-6F175D3DCCD1}">
-                <a14:hiddenFill xmlns="" xmlns:a14="http://schemas.microsoft.com/office/drawing/2010/main">
+                <a14:hiddenFill xmlns:a14="http://schemas.microsoft.com/office/drawing/2010/main" xmlns="">
                   <a:noFill/>
                 </a14:hiddenFill>
               </a:ext>
@@ -14460,7 +14460,7 @@
             </a:ln>
             <a:extLst>
               <a:ext uri="{909E8E84-426E-40dd-AFC4-6F175D3DCCD1}">
-                <a14:hiddenFill xmlns="" xmlns:a14="http://schemas.microsoft.com/office/drawing/2010/main">
+                <a14:hiddenFill xmlns:a14="http://schemas.microsoft.com/office/drawing/2010/main" xmlns="">
                   <a:noFill/>
                 </a14:hiddenFill>
               </a:ext>
@@ -14511,7 +14511,7 @@
             </a:ln>
             <a:extLst>
               <a:ext uri="{909E8E84-426E-40dd-AFC4-6F175D3DCCD1}">
-                <a14:hiddenFill xmlns="" xmlns:a14="http://schemas.microsoft.com/office/drawing/2010/main">
+                <a14:hiddenFill xmlns:a14="http://schemas.microsoft.com/office/drawing/2010/main" xmlns="">
                   <a:noFill/>
                 </a14:hiddenFill>
               </a:ext>
@@ -14562,7 +14562,7 @@
             </a:ln>
             <a:extLst>
               <a:ext uri="{909E8E84-426E-40dd-AFC4-6F175D3DCCD1}">
-                <a14:hiddenFill xmlns="" xmlns:a14="http://schemas.microsoft.com/office/drawing/2010/main">
+                <a14:hiddenFill xmlns:a14="http://schemas.microsoft.com/office/drawing/2010/main" xmlns="">
                   <a:noFill/>
                 </a14:hiddenFill>
               </a:ext>
@@ -14613,7 +14613,7 @@
             </a:ln>
             <a:extLst>
               <a:ext uri="{909E8E84-426E-40dd-AFC4-6F175D3DCCD1}">
-                <a14:hiddenFill xmlns="" xmlns:a14="http://schemas.microsoft.com/office/drawing/2010/main">
+                <a14:hiddenFill xmlns:a14="http://schemas.microsoft.com/office/drawing/2010/main" xmlns="">
                   <a:noFill/>
                 </a14:hiddenFill>
               </a:ext>
@@ -14664,7 +14664,7 @@
             </a:ln>
             <a:extLst>
               <a:ext uri="{909E8E84-426E-40dd-AFC4-6F175D3DCCD1}">
-                <a14:hiddenFill xmlns="" xmlns:a14="http://schemas.microsoft.com/office/drawing/2010/main">
+                <a14:hiddenFill xmlns:a14="http://schemas.microsoft.com/office/drawing/2010/main" xmlns="">
                   <a:noFill/>
                 </a14:hiddenFill>
               </a:ext>
@@ -14715,7 +14715,7 @@
             </a:ln>
             <a:extLst>
               <a:ext uri="{909E8E84-426E-40dd-AFC4-6F175D3DCCD1}">
-                <a14:hiddenFill xmlns="" xmlns:a14="http://schemas.microsoft.com/office/drawing/2010/main">
+                <a14:hiddenFill xmlns:a14="http://schemas.microsoft.com/office/drawing/2010/main" xmlns="">
                   <a:noFill/>
                 </a14:hiddenFill>
               </a:ext>
@@ -14766,7 +14766,7 @@
             </a:ln>
             <a:extLst>
               <a:ext uri="{909E8E84-426E-40dd-AFC4-6F175D3DCCD1}">
-                <a14:hiddenFill xmlns="" xmlns:a14="http://schemas.microsoft.com/office/drawing/2010/main">
+                <a14:hiddenFill xmlns:a14="http://schemas.microsoft.com/office/drawing/2010/main" xmlns="">
                   <a:noFill/>
                 </a14:hiddenFill>
               </a:ext>
@@ -14817,7 +14817,7 @@
             </a:ln>
             <a:extLst>
               <a:ext uri="{909E8E84-426E-40dd-AFC4-6F175D3DCCD1}">
-                <a14:hiddenFill xmlns="" xmlns:a14="http://schemas.microsoft.com/office/drawing/2010/main">
+                <a14:hiddenFill xmlns:a14="http://schemas.microsoft.com/office/drawing/2010/main" xmlns="">
                   <a:noFill/>
                 </a14:hiddenFill>
               </a:ext>
@@ -14868,7 +14868,7 @@
             </a:ln>
             <a:extLst>
               <a:ext uri="{909E8E84-426E-40dd-AFC4-6F175D3DCCD1}">
-                <a14:hiddenFill xmlns="" xmlns:a14="http://schemas.microsoft.com/office/drawing/2010/main">
+                <a14:hiddenFill xmlns:a14="http://schemas.microsoft.com/office/drawing/2010/main" xmlns="">
                   <a:noFill/>
                 </a14:hiddenFill>
               </a:ext>
@@ -14919,7 +14919,7 @@
             </a:ln>
             <a:extLst>
               <a:ext uri="{909E8E84-426E-40dd-AFC4-6F175D3DCCD1}">
-                <a14:hiddenFill xmlns="" xmlns:a14="http://schemas.microsoft.com/office/drawing/2010/main">
+                <a14:hiddenFill xmlns:a14="http://schemas.microsoft.com/office/drawing/2010/main" xmlns="">
                   <a:noFill/>
                 </a14:hiddenFill>
               </a:ext>
@@ -14970,7 +14970,7 @@
             </a:ln>
             <a:extLst>
               <a:ext uri="{909E8E84-426E-40dd-AFC4-6F175D3DCCD1}">
-                <a14:hiddenFill xmlns="" xmlns:a14="http://schemas.microsoft.com/office/drawing/2010/main">
+                <a14:hiddenFill xmlns:a14="http://schemas.microsoft.com/office/drawing/2010/main" xmlns="">
                   <a:noFill/>
                 </a14:hiddenFill>
               </a:ext>
@@ -15021,7 +15021,7 @@
             </a:ln>
             <a:extLst>
               <a:ext uri="{909E8E84-426E-40dd-AFC4-6F175D3DCCD1}">
-                <a14:hiddenFill xmlns="" xmlns:a14="http://schemas.microsoft.com/office/drawing/2010/main">
+                <a14:hiddenFill xmlns:a14="http://schemas.microsoft.com/office/drawing/2010/main" xmlns="">
                   <a:noFill/>
                 </a14:hiddenFill>
               </a:ext>
@@ -15072,7 +15072,7 @@
             </a:ln>
             <a:extLst>
               <a:ext uri="{909E8E84-426E-40dd-AFC4-6F175D3DCCD1}">
-                <a14:hiddenFill xmlns="" xmlns:a14="http://schemas.microsoft.com/office/drawing/2010/main">
+                <a14:hiddenFill xmlns:a14="http://schemas.microsoft.com/office/drawing/2010/main" xmlns="">
                   <a:noFill/>
                 </a14:hiddenFill>
               </a:ext>
@@ -15123,7 +15123,7 @@
             </a:ln>
             <a:extLst>
               <a:ext uri="{909E8E84-426E-40dd-AFC4-6F175D3DCCD1}">
-                <a14:hiddenFill xmlns="" xmlns:a14="http://schemas.microsoft.com/office/drawing/2010/main">
+                <a14:hiddenFill xmlns:a14="http://schemas.microsoft.com/office/drawing/2010/main" xmlns="">
                   <a:noFill/>
                 </a14:hiddenFill>
               </a:ext>
@@ -15174,7 +15174,7 @@
             </a:ln>
             <a:extLst>
               <a:ext uri="{909E8E84-426E-40dd-AFC4-6F175D3DCCD1}">
-                <a14:hiddenFill xmlns="" xmlns:a14="http://schemas.microsoft.com/office/drawing/2010/main">
+                <a14:hiddenFill xmlns:a14="http://schemas.microsoft.com/office/drawing/2010/main" xmlns="">
                   <a:noFill/>
                 </a14:hiddenFill>
               </a:ext>
@@ -15225,7 +15225,7 @@
             </a:ln>
             <a:extLst>
               <a:ext uri="{909E8E84-426E-40dd-AFC4-6F175D3DCCD1}">
-                <a14:hiddenFill xmlns="" xmlns:a14="http://schemas.microsoft.com/office/drawing/2010/main">
+                <a14:hiddenFill xmlns:a14="http://schemas.microsoft.com/office/drawing/2010/main" xmlns="">
                   <a:noFill/>
                 </a14:hiddenFill>
               </a:ext>
@@ -15276,7 +15276,7 @@
             </a:ln>
             <a:extLst>
               <a:ext uri="{909E8E84-426E-40dd-AFC4-6F175D3DCCD1}">
-                <a14:hiddenFill xmlns="" xmlns:a14="http://schemas.microsoft.com/office/drawing/2010/main">
+                <a14:hiddenFill xmlns:a14="http://schemas.microsoft.com/office/drawing/2010/main" xmlns="">
                   <a:noFill/>
                 </a14:hiddenFill>
               </a:ext>
@@ -15327,7 +15327,7 @@
             </a:ln>
             <a:extLst>
               <a:ext uri="{909E8E84-426E-40dd-AFC4-6F175D3DCCD1}">
-                <a14:hiddenFill xmlns="" xmlns:a14="http://schemas.microsoft.com/office/drawing/2010/main">
+                <a14:hiddenFill xmlns:a14="http://schemas.microsoft.com/office/drawing/2010/main" xmlns="">
                   <a:noFill/>
                 </a14:hiddenFill>
               </a:ext>
@@ -15378,7 +15378,7 @@
             </a:ln>
             <a:extLst>
               <a:ext uri="{909E8E84-426E-40dd-AFC4-6F175D3DCCD1}">
-                <a14:hiddenFill xmlns="" xmlns:a14="http://schemas.microsoft.com/office/drawing/2010/main">
+                <a14:hiddenFill xmlns:a14="http://schemas.microsoft.com/office/drawing/2010/main" xmlns="">
                   <a:noFill/>
                 </a14:hiddenFill>
               </a:ext>
@@ -15429,7 +15429,7 @@
             </a:ln>
             <a:extLst>
               <a:ext uri="{909E8E84-426E-40dd-AFC4-6F175D3DCCD1}">
-                <a14:hiddenFill xmlns="" xmlns:a14="http://schemas.microsoft.com/office/drawing/2010/main">
+                <a14:hiddenFill xmlns:a14="http://schemas.microsoft.com/office/drawing/2010/main" xmlns="">
                   <a:noFill/>
                 </a14:hiddenFill>
               </a:ext>
@@ -15480,7 +15480,7 @@
             </a:ln>
             <a:extLst>
               <a:ext uri="{909E8E84-426E-40dd-AFC4-6F175D3DCCD1}">
-                <a14:hiddenFill xmlns="" xmlns:a14="http://schemas.microsoft.com/office/drawing/2010/main">
+                <a14:hiddenFill xmlns:a14="http://schemas.microsoft.com/office/drawing/2010/main" xmlns="">
                   <a:noFill/>
                 </a14:hiddenFill>
               </a:ext>
@@ -15531,7 +15531,7 @@
             </a:ln>
             <a:extLst>
               <a:ext uri="{909E8E84-426E-40dd-AFC4-6F175D3DCCD1}">
-                <a14:hiddenFill xmlns="" xmlns:a14="http://schemas.microsoft.com/office/drawing/2010/main">
+                <a14:hiddenFill xmlns:a14="http://schemas.microsoft.com/office/drawing/2010/main" xmlns="">
                   <a:noFill/>
                 </a14:hiddenFill>
               </a:ext>
@@ -15582,7 +15582,7 @@
             </a:ln>
             <a:extLst>
               <a:ext uri="{909E8E84-426E-40dd-AFC4-6F175D3DCCD1}">
-                <a14:hiddenFill xmlns="" xmlns:a14="http://schemas.microsoft.com/office/drawing/2010/main">
+                <a14:hiddenFill xmlns:a14="http://schemas.microsoft.com/office/drawing/2010/main" xmlns="">
                   <a:noFill/>
                 </a14:hiddenFill>
               </a:ext>
@@ -15633,7 +15633,7 @@
             </a:ln>
             <a:extLst>
               <a:ext uri="{909E8E84-426E-40dd-AFC4-6F175D3DCCD1}">
-                <a14:hiddenFill xmlns="" xmlns:a14="http://schemas.microsoft.com/office/drawing/2010/main">
+                <a14:hiddenFill xmlns:a14="http://schemas.microsoft.com/office/drawing/2010/main" xmlns="">
                   <a:noFill/>
                 </a14:hiddenFill>
               </a:ext>
@@ -15684,7 +15684,7 @@
             </a:ln>
             <a:extLst>
               <a:ext uri="{909E8E84-426E-40dd-AFC4-6F175D3DCCD1}">
-                <a14:hiddenFill xmlns="" xmlns:a14="http://schemas.microsoft.com/office/drawing/2010/main">
+                <a14:hiddenFill xmlns:a14="http://schemas.microsoft.com/office/drawing/2010/main" xmlns="">
                   <a:noFill/>
                 </a14:hiddenFill>
               </a:ext>
@@ -15735,7 +15735,7 @@
             </a:ln>
             <a:extLst>
               <a:ext uri="{909E8E84-426E-40dd-AFC4-6F175D3DCCD1}">
-                <a14:hiddenFill xmlns="" xmlns:a14="http://schemas.microsoft.com/office/drawing/2010/main">
+                <a14:hiddenFill xmlns:a14="http://schemas.microsoft.com/office/drawing/2010/main" xmlns="">
                   <a:noFill/>
                 </a14:hiddenFill>
               </a:ext>
@@ -15786,7 +15786,7 @@
             </a:ln>
             <a:extLst>
               <a:ext uri="{909E8E84-426E-40dd-AFC4-6F175D3DCCD1}">
-                <a14:hiddenFill xmlns="" xmlns:a14="http://schemas.microsoft.com/office/drawing/2010/main">
+                <a14:hiddenFill xmlns:a14="http://schemas.microsoft.com/office/drawing/2010/main" xmlns="">
                   <a:noFill/>
                 </a14:hiddenFill>
               </a:ext>
@@ -15837,7 +15837,7 @@
             </a:ln>
             <a:extLst>
               <a:ext uri="{909E8E84-426E-40dd-AFC4-6F175D3DCCD1}">
-                <a14:hiddenFill xmlns="" xmlns:a14="http://schemas.microsoft.com/office/drawing/2010/main">
+                <a14:hiddenFill xmlns:a14="http://schemas.microsoft.com/office/drawing/2010/main" xmlns="">
                   <a:noFill/>
                 </a14:hiddenFill>
               </a:ext>
@@ -15888,7 +15888,7 @@
             </a:ln>
             <a:extLst>
               <a:ext uri="{909E8E84-426E-40dd-AFC4-6F175D3DCCD1}">
-                <a14:hiddenFill xmlns="" xmlns:a14="http://schemas.microsoft.com/office/drawing/2010/main">
+                <a14:hiddenFill xmlns:a14="http://schemas.microsoft.com/office/drawing/2010/main" xmlns="">
                   <a:noFill/>
                 </a14:hiddenFill>
               </a:ext>
@@ -15939,7 +15939,7 @@
             </a:ln>
             <a:extLst>
               <a:ext uri="{909E8E84-426E-40dd-AFC4-6F175D3DCCD1}">
-                <a14:hiddenFill xmlns="" xmlns:a14="http://schemas.microsoft.com/office/drawing/2010/main">
+                <a14:hiddenFill xmlns:a14="http://schemas.microsoft.com/office/drawing/2010/main" xmlns="">
                   <a:noFill/>
                 </a14:hiddenFill>
               </a:ext>
@@ -15990,7 +15990,7 @@
             </a:ln>
             <a:extLst>
               <a:ext uri="{909E8E84-426E-40dd-AFC4-6F175D3DCCD1}">
-                <a14:hiddenFill xmlns="" xmlns:a14="http://schemas.microsoft.com/office/drawing/2010/main">
+                <a14:hiddenFill xmlns:a14="http://schemas.microsoft.com/office/drawing/2010/main" xmlns="">
                   <a:noFill/>
                 </a14:hiddenFill>
               </a:ext>
@@ -16041,7 +16041,7 @@
             </a:ln>
             <a:extLst>
               <a:ext uri="{909E8E84-426E-40dd-AFC4-6F175D3DCCD1}">
-                <a14:hiddenFill xmlns="" xmlns:a14="http://schemas.microsoft.com/office/drawing/2010/main">
+                <a14:hiddenFill xmlns:a14="http://schemas.microsoft.com/office/drawing/2010/main" xmlns="">
                   <a:noFill/>
                 </a14:hiddenFill>
               </a:ext>
@@ -16092,7 +16092,7 @@
             </a:ln>
             <a:extLst>
               <a:ext uri="{909E8E84-426E-40dd-AFC4-6F175D3DCCD1}">
-                <a14:hiddenFill xmlns="" xmlns:a14="http://schemas.microsoft.com/office/drawing/2010/main">
+                <a14:hiddenFill xmlns:a14="http://schemas.microsoft.com/office/drawing/2010/main" xmlns="">
                   <a:noFill/>
                 </a14:hiddenFill>
               </a:ext>
@@ -16143,7 +16143,7 @@
             </a:ln>
             <a:extLst>
               <a:ext uri="{909E8E84-426E-40dd-AFC4-6F175D3DCCD1}">
-                <a14:hiddenFill xmlns="" xmlns:a14="http://schemas.microsoft.com/office/drawing/2010/main">
+                <a14:hiddenFill xmlns:a14="http://schemas.microsoft.com/office/drawing/2010/main" xmlns="">
                   <a:noFill/>
                 </a14:hiddenFill>
               </a:ext>
@@ -16194,7 +16194,7 @@
             </a:ln>
             <a:extLst>
               <a:ext uri="{909E8E84-426E-40dd-AFC4-6F175D3DCCD1}">
-                <a14:hiddenFill xmlns="" xmlns:a14="http://schemas.microsoft.com/office/drawing/2010/main">
+                <a14:hiddenFill xmlns:a14="http://schemas.microsoft.com/office/drawing/2010/main" xmlns="">
                   <a:noFill/>
                 </a14:hiddenFill>
               </a:ext>
@@ -16245,7 +16245,7 @@
             </a:ln>
             <a:extLst>
               <a:ext uri="{909E8E84-426E-40dd-AFC4-6F175D3DCCD1}">
-                <a14:hiddenFill xmlns="" xmlns:a14="http://schemas.microsoft.com/office/drawing/2010/main">
+                <a14:hiddenFill xmlns:a14="http://schemas.microsoft.com/office/drawing/2010/main" xmlns="">
                   <a:noFill/>
                 </a14:hiddenFill>
               </a:ext>
@@ -16296,7 +16296,7 @@
             </a:ln>
             <a:extLst>
               <a:ext uri="{909E8E84-426E-40dd-AFC4-6F175D3DCCD1}">
-                <a14:hiddenFill xmlns="" xmlns:a14="http://schemas.microsoft.com/office/drawing/2010/main">
+                <a14:hiddenFill xmlns:a14="http://schemas.microsoft.com/office/drawing/2010/main" xmlns="">
                   <a:noFill/>
                 </a14:hiddenFill>
               </a:ext>
@@ -16347,7 +16347,7 @@
             </a:ln>
             <a:extLst>
               <a:ext uri="{909E8E84-426E-40dd-AFC4-6F175D3DCCD1}">
-                <a14:hiddenFill xmlns="" xmlns:a14="http://schemas.microsoft.com/office/drawing/2010/main">
+                <a14:hiddenFill xmlns:a14="http://schemas.microsoft.com/office/drawing/2010/main" xmlns="">
                   <a:noFill/>
                 </a14:hiddenFill>
               </a:ext>
@@ -16398,7 +16398,7 @@
             </a:ln>
             <a:extLst>
               <a:ext uri="{909E8E84-426E-40dd-AFC4-6F175D3DCCD1}">
-                <a14:hiddenFill xmlns="" xmlns:a14="http://schemas.microsoft.com/office/drawing/2010/main">
+                <a14:hiddenFill xmlns:a14="http://schemas.microsoft.com/office/drawing/2010/main" xmlns="">
                   <a:noFill/>
                 </a14:hiddenFill>
               </a:ext>
@@ -16449,7 +16449,7 @@
             </a:ln>
             <a:extLst>
               <a:ext uri="{909E8E84-426E-40dd-AFC4-6F175D3DCCD1}">
-                <a14:hiddenFill xmlns="" xmlns:a14="http://schemas.microsoft.com/office/drawing/2010/main">
+                <a14:hiddenFill xmlns:a14="http://schemas.microsoft.com/office/drawing/2010/main" xmlns="">
                   <a:noFill/>
                 </a14:hiddenFill>
               </a:ext>
@@ -16500,7 +16500,7 @@
             </a:ln>
             <a:extLst>
               <a:ext uri="{909E8E84-426E-40dd-AFC4-6F175D3DCCD1}">
-                <a14:hiddenFill xmlns="" xmlns:a14="http://schemas.microsoft.com/office/drawing/2010/main">
+                <a14:hiddenFill xmlns:a14="http://schemas.microsoft.com/office/drawing/2010/main" xmlns="">
                   <a:noFill/>
                 </a14:hiddenFill>
               </a:ext>
@@ -16551,7 +16551,7 @@
             </a:ln>
             <a:extLst>
               <a:ext uri="{909E8E84-426E-40dd-AFC4-6F175D3DCCD1}">
-                <a14:hiddenFill xmlns="" xmlns:a14="http://schemas.microsoft.com/office/drawing/2010/main">
+                <a14:hiddenFill xmlns:a14="http://schemas.microsoft.com/office/drawing/2010/main" xmlns="">
                   <a:noFill/>
                 </a14:hiddenFill>
               </a:ext>
@@ -16602,7 +16602,7 @@
             </a:ln>
             <a:extLst>
               <a:ext uri="{909E8E84-426E-40dd-AFC4-6F175D3DCCD1}">
-                <a14:hiddenFill xmlns="" xmlns:a14="http://schemas.microsoft.com/office/drawing/2010/main">
+                <a14:hiddenFill xmlns:a14="http://schemas.microsoft.com/office/drawing/2010/main" xmlns="">
                   <a:noFill/>
                 </a14:hiddenFill>
               </a:ext>
@@ -16653,7 +16653,7 @@
             </a:ln>
             <a:extLst>
               <a:ext uri="{909E8E84-426E-40dd-AFC4-6F175D3DCCD1}">
-                <a14:hiddenFill xmlns="" xmlns:a14="http://schemas.microsoft.com/office/drawing/2010/main">
+                <a14:hiddenFill xmlns:a14="http://schemas.microsoft.com/office/drawing/2010/main" xmlns="">
                   <a:noFill/>
                 </a14:hiddenFill>
               </a:ext>
@@ -17722,7 +17722,7 @@
             </a:ln>
             <a:extLst>
               <a:ext uri="{909E8E84-426E-40dd-AFC4-6F175D3DCCD1}">
-                <a14:hiddenFill xmlns="" xmlns:a14="http://schemas.microsoft.com/office/drawing/2010/main">
+                <a14:hiddenFill xmlns:a14="http://schemas.microsoft.com/office/drawing/2010/main" xmlns="">
                   <a:solidFill>
                     <a:srgbClr val="FFFFFF"/>
                   </a:solidFill>
@@ -17775,7 +17775,7 @@
             </a:ln>
             <a:extLst>
               <a:ext uri="{909E8E84-426E-40dd-AFC4-6F175D3DCCD1}">
-                <a14:hiddenFill xmlns="" xmlns:a14="http://schemas.microsoft.com/office/drawing/2010/main">
+                <a14:hiddenFill xmlns:a14="http://schemas.microsoft.com/office/drawing/2010/main" xmlns="">
                   <a:noFill/>
                 </a14:hiddenFill>
               </a:ext>
@@ -17826,7 +17826,7 @@
             </a:ln>
             <a:extLst>
               <a:ext uri="{909E8E84-426E-40dd-AFC4-6F175D3DCCD1}">
-                <a14:hiddenFill xmlns="" xmlns:a14="http://schemas.microsoft.com/office/drawing/2010/main">
+                <a14:hiddenFill xmlns:a14="http://schemas.microsoft.com/office/drawing/2010/main" xmlns="">
                   <a:noFill/>
                 </a14:hiddenFill>
               </a:ext>
@@ -17877,7 +17877,7 @@
             </a:ln>
             <a:extLst>
               <a:ext uri="{909E8E84-426E-40dd-AFC4-6F175D3DCCD1}">
-                <a14:hiddenFill xmlns="" xmlns:a14="http://schemas.microsoft.com/office/drawing/2010/main">
+                <a14:hiddenFill xmlns:a14="http://schemas.microsoft.com/office/drawing/2010/main" xmlns="">
                   <a:noFill/>
                 </a14:hiddenFill>
               </a:ext>
@@ -17928,7 +17928,7 @@
             </a:ln>
             <a:extLst>
               <a:ext uri="{909E8E84-426E-40dd-AFC4-6F175D3DCCD1}">
-                <a14:hiddenFill xmlns="" xmlns:a14="http://schemas.microsoft.com/office/drawing/2010/main">
+                <a14:hiddenFill xmlns:a14="http://schemas.microsoft.com/office/drawing/2010/main" xmlns="">
                   <a:noFill/>
                 </a14:hiddenFill>
               </a:ext>
@@ -17979,7 +17979,7 @@
             </a:ln>
             <a:extLst>
               <a:ext uri="{909E8E84-426E-40dd-AFC4-6F175D3DCCD1}">
-                <a14:hiddenFill xmlns="" xmlns:a14="http://schemas.microsoft.com/office/drawing/2010/main">
+                <a14:hiddenFill xmlns:a14="http://schemas.microsoft.com/office/drawing/2010/main" xmlns="">
                   <a:noFill/>
                 </a14:hiddenFill>
               </a:ext>
@@ -18030,7 +18030,7 @@
             </a:ln>
             <a:extLst>
               <a:ext uri="{909E8E84-426E-40dd-AFC4-6F175D3DCCD1}">
-                <a14:hiddenFill xmlns="" xmlns:a14="http://schemas.microsoft.com/office/drawing/2010/main">
+                <a14:hiddenFill xmlns:a14="http://schemas.microsoft.com/office/drawing/2010/main" xmlns="">
                   <a:noFill/>
                 </a14:hiddenFill>
               </a:ext>
@@ -18081,7 +18081,7 @@
             </a:ln>
             <a:extLst>
               <a:ext uri="{909E8E84-426E-40dd-AFC4-6F175D3DCCD1}">
-                <a14:hiddenFill xmlns="" xmlns:a14="http://schemas.microsoft.com/office/drawing/2010/main">
+                <a14:hiddenFill xmlns:a14="http://schemas.microsoft.com/office/drawing/2010/main" xmlns="">
                   <a:noFill/>
                 </a14:hiddenFill>
               </a:ext>
@@ -18132,7 +18132,7 @@
             </a:ln>
             <a:extLst>
               <a:ext uri="{909E8E84-426E-40dd-AFC4-6F175D3DCCD1}">
-                <a14:hiddenFill xmlns="" xmlns:a14="http://schemas.microsoft.com/office/drawing/2010/main">
+                <a14:hiddenFill xmlns:a14="http://schemas.microsoft.com/office/drawing/2010/main" xmlns="">
                   <a:noFill/>
                 </a14:hiddenFill>
               </a:ext>
@@ -18183,7 +18183,7 @@
             </a:ln>
             <a:extLst>
               <a:ext uri="{909E8E84-426E-40dd-AFC4-6F175D3DCCD1}">
-                <a14:hiddenFill xmlns="" xmlns:a14="http://schemas.microsoft.com/office/drawing/2010/main">
+                <a14:hiddenFill xmlns:a14="http://schemas.microsoft.com/office/drawing/2010/main" xmlns="">
                   <a:noFill/>
                 </a14:hiddenFill>
               </a:ext>
@@ -18234,7 +18234,7 @@
             </a:ln>
             <a:extLst>
               <a:ext uri="{909E8E84-426E-40dd-AFC4-6F175D3DCCD1}">
-                <a14:hiddenFill xmlns="" xmlns:a14="http://schemas.microsoft.com/office/drawing/2010/main">
+                <a14:hiddenFill xmlns:a14="http://schemas.microsoft.com/office/drawing/2010/main" xmlns="">
                   <a:noFill/>
                 </a14:hiddenFill>
               </a:ext>
@@ -18285,7 +18285,7 @@
             </a:ln>
             <a:extLst>
               <a:ext uri="{909E8E84-426E-40dd-AFC4-6F175D3DCCD1}">
-                <a14:hiddenFill xmlns="" xmlns:a14="http://schemas.microsoft.com/office/drawing/2010/main">
+                <a14:hiddenFill xmlns:a14="http://schemas.microsoft.com/office/drawing/2010/main" xmlns="">
                   <a:noFill/>
                 </a14:hiddenFill>
               </a:ext>
@@ -18336,7 +18336,7 @@
             </a:ln>
             <a:extLst>
               <a:ext uri="{909E8E84-426E-40dd-AFC4-6F175D3DCCD1}">
-                <a14:hiddenFill xmlns="" xmlns:a14="http://schemas.microsoft.com/office/drawing/2010/main">
+                <a14:hiddenFill xmlns:a14="http://schemas.microsoft.com/office/drawing/2010/main" xmlns="">
                   <a:noFill/>
                 </a14:hiddenFill>
               </a:ext>
@@ -18387,7 +18387,7 @@
             </a:ln>
             <a:extLst>
               <a:ext uri="{909E8E84-426E-40dd-AFC4-6F175D3DCCD1}">
-                <a14:hiddenFill xmlns="" xmlns:a14="http://schemas.microsoft.com/office/drawing/2010/main">
+                <a14:hiddenFill xmlns:a14="http://schemas.microsoft.com/office/drawing/2010/main" xmlns="">
                   <a:noFill/>
                 </a14:hiddenFill>
               </a:ext>
@@ -18438,7 +18438,7 @@
             </a:ln>
             <a:extLst>
               <a:ext uri="{909E8E84-426E-40dd-AFC4-6F175D3DCCD1}">
-                <a14:hiddenFill xmlns="" xmlns:a14="http://schemas.microsoft.com/office/drawing/2010/main">
+                <a14:hiddenFill xmlns:a14="http://schemas.microsoft.com/office/drawing/2010/main" xmlns="">
                   <a:noFill/>
                 </a14:hiddenFill>
               </a:ext>
@@ -18489,7 +18489,7 @@
             </a:ln>
             <a:extLst>
               <a:ext uri="{909E8E84-426E-40dd-AFC4-6F175D3DCCD1}">
-                <a14:hiddenFill xmlns="" xmlns:a14="http://schemas.microsoft.com/office/drawing/2010/main">
+                <a14:hiddenFill xmlns:a14="http://schemas.microsoft.com/office/drawing/2010/main" xmlns="">
                   <a:noFill/>
                 </a14:hiddenFill>
               </a:ext>
@@ -18540,7 +18540,7 @@
             </a:ln>
             <a:extLst>
               <a:ext uri="{909E8E84-426E-40dd-AFC4-6F175D3DCCD1}">
-                <a14:hiddenFill xmlns="" xmlns:a14="http://schemas.microsoft.com/office/drawing/2010/main">
+                <a14:hiddenFill xmlns:a14="http://schemas.microsoft.com/office/drawing/2010/main" xmlns="">
                   <a:noFill/>
                 </a14:hiddenFill>
               </a:ext>
@@ -18591,7 +18591,7 @@
             </a:ln>
             <a:extLst>
               <a:ext uri="{909E8E84-426E-40dd-AFC4-6F175D3DCCD1}">
-                <a14:hiddenFill xmlns="" xmlns:a14="http://schemas.microsoft.com/office/drawing/2010/main">
+                <a14:hiddenFill xmlns:a14="http://schemas.microsoft.com/office/drawing/2010/main" xmlns="">
                   <a:noFill/>
                 </a14:hiddenFill>
               </a:ext>
@@ -18642,7 +18642,7 @@
             </a:ln>
             <a:extLst>
               <a:ext uri="{909E8E84-426E-40dd-AFC4-6F175D3DCCD1}">
-                <a14:hiddenFill xmlns="" xmlns:a14="http://schemas.microsoft.com/office/drawing/2010/main">
+                <a14:hiddenFill xmlns:a14="http://schemas.microsoft.com/office/drawing/2010/main" xmlns="">
                   <a:noFill/>
                 </a14:hiddenFill>
               </a:ext>
@@ -18693,7 +18693,7 @@
             </a:ln>
             <a:extLst>
               <a:ext uri="{909E8E84-426E-40dd-AFC4-6F175D3DCCD1}">
-                <a14:hiddenFill xmlns="" xmlns:a14="http://schemas.microsoft.com/office/drawing/2010/main">
+                <a14:hiddenFill xmlns:a14="http://schemas.microsoft.com/office/drawing/2010/main" xmlns="">
                   <a:noFill/>
                 </a14:hiddenFill>
               </a:ext>
@@ -18744,7 +18744,7 @@
             </a:ln>
             <a:extLst>
               <a:ext uri="{909E8E84-426E-40dd-AFC4-6F175D3DCCD1}">
-                <a14:hiddenFill xmlns="" xmlns:a14="http://schemas.microsoft.com/office/drawing/2010/main">
+                <a14:hiddenFill xmlns:a14="http://schemas.microsoft.com/office/drawing/2010/main" xmlns="">
                   <a:noFill/>
                 </a14:hiddenFill>
               </a:ext>
@@ -18795,7 +18795,7 @@
             </a:ln>
             <a:extLst>
               <a:ext uri="{909E8E84-426E-40dd-AFC4-6F175D3DCCD1}">
-                <a14:hiddenFill xmlns="" xmlns:a14="http://schemas.microsoft.com/office/drawing/2010/main">
+                <a14:hiddenFill xmlns:a14="http://schemas.microsoft.com/office/drawing/2010/main" xmlns="">
                   <a:noFill/>
                 </a14:hiddenFill>
               </a:ext>
@@ -18846,7 +18846,7 @@
             </a:ln>
             <a:extLst>
               <a:ext uri="{909E8E84-426E-40dd-AFC4-6F175D3DCCD1}">
-                <a14:hiddenFill xmlns="" xmlns:a14="http://schemas.microsoft.com/office/drawing/2010/main">
+                <a14:hiddenFill xmlns:a14="http://schemas.microsoft.com/office/drawing/2010/main" xmlns="">
                   <a:noFill/>
                 </a14:hiddenFill>
               </a:ext>
@@ -18897,7 +18897,7 @@
             </a:ln>
             <a:extLst>
               <a:ext uri="{909E8E84-426E-40dd-AFC4-6F175D3DCCD1}">
-                <a14:hiddenFill xmlns="" xmlns:a14="http://schemas.microsoft.com/office/drawing/2010/main">
+                <a14:hiddenFill xmlns:a14="http://schemas.microsoft.com/office/drawing/2010/main" xmlns="">
                   <a:noFill/>
                 </a14:hiddenFill>
               </a:ext>
@@ -18948,7 +18948,7 @@
             </a:ln>
             <a:extLst>
               <a:ext uri="{909E8E84-426E-40dd-AFC4-6F175D3DCCD1}">
-                <a14:hiddenFill xmlns="" xmlns:a14="http://schemas.microsoft.com/office/drawing/2010/main">
+                <a14:hiddenFill xmlns:a14="http://schemas.microsoft.com/office/drawing/2010/main" xmlns="">
                   <a:noFill/>
                 </a14:hiddenFill>
               </a:ext>
@@ -18999,7 +18999,7 @@
             </a:ln>
             <a:extLst>
               <a:ext uri="{909E8E84-426E-40dd-AFC4-6F175D3DCCD1}">
-                <a14:hiddenFill xmlns="" xmlns:a14="http://schemas.microsoft.com/office/drawing/2010/main">
+                <a14:hiddenFill xmlns:a14="http://schemas.microsoft.com/office/drawing/2010/main" xmlns="">
                   <a:noFill/>
                 </a14:hiddenFill>
               </a:ext>
@@ -19050,7 +19050,7 @@
             </a:ln>
             <a:extLst>
               <a:ext uri="{909E8E84-426E-40dd-AFC4-6F175D3DCCD1}">
-                <a14:hiddenFill xmlns="" xmlns:a14="http://schemas.microsoft.com/office/drawing/2010/main">
+                <a14:hiddenFill xmlns:a14="http://schemas.microsoft.com/office/drawing/2010/main" xmlns="">
                   <a:noFill/>
                 </a14:hiddenFill>
               </a:ext>
@@ -19101,7 +19101,7 @@
             </a:ln>
             <a:extLst>
               <a:ext uri="{909E8E84-426E-40dd-AFC4-6F175D3DCCD1}">
-                <a14:hiddenFill xmlns="" xmlns:a14="http://schemas.microsoft.com/office/drawing/2010/main">
+                <a14:hiddenFill xmlns:a14="http://schemas.microsoft.com/office/drawing/2010/main" xmlns="">
                   <a:noFill/>
                 </a14:hiddenFill>
               </a:ext>
@@ -19152,7 +19152,7 @@
             </a:ln>
             <a:extLst>
               <a:ext uri="{909E8E84-426E-40dd-AFC4-6F175D3DCCD1}">
-                <a14:hiddenFill xmlns="" xmlns:a14="http://schemas.microsoft.com/office/drawing/2010/main">
+                <a14:hiddenFill xmlns:a14="http://schemas.microsoft.com/office/drawing/2010/main" xmlns="">
                   <a:noFill/>
                 </a14:hiddenFill>
               </a:ext>
@@ -19203,7 +19203,7 @@
             </a:ln>
             <a:extLst>
               <a:ext uri="{909E8E84-426E-40dd-AFC4-6F175D3DCCD1}">
-                <a14:hiddenFill xmlns="" xmlns:a14="http://schemas.microsoft.com/office/drawing/2010/main">
+                <a14:hiddenFill xmlns:a14="http://schemas.microsoft.com/office/drawing/2010/main" xmlns="">
                   <a:noFill/>
                 </a14:hiddenFill>
               </a:ext>
@@ -19254,7 +19254,7 @@
             </a:ln>
             <a:extLst>
               <a:ext uri="{909E8E84-426E-40dd-AFC4-6F175D3DCCD1}">
-                <a14:hiddenFill xmlns="" xmlns:a14="http://schemas.microsoft.com/office/drawing/2010/main">
+                <a14:hiddenFill xmlns:a14="http://schemas.microsoft.com/office/drawing/2010/main" xmlns="">
                   <a:noFill/>
                 </a14:hiddenFill>
               </a:ext>
@@ -19305,7 +19305,7 @@
             </a:ln>
             <a:extLst>
               <a:ext uri="{909E8E84-426E-40dd-AFC4-6F175D3DCCD1}">
-                <a14:hiddenFill xmlns="" xmlns:a14="http://schemas.microsoft.com/office/drawing/2010/main">
+                <a14:hiddenFill xmlns:a14="http://schemas.microsoft.com/office/drawing/2010/main" xmlns="">
                   <a:noFill/>
                 </a14:hiddenFill>
               </a:ext>
@@ -19356,7 +19356,7 @@
             </a:ln>
             <a:extLst>
               <a:ext uri="{909E8E84-426E-40dd-AFC4-6F175D3DCCD1}">
-                <a14:hiddenFill xmlns="" xmlns:a14="http://schemas.microsoft.com/office/drawing/2010/main">
+                <a14:hiddenFill xmlns:a14="http://schemas.microsoft.com/office/drawing/2010/main" xmlns="">
                   <a:noFill/>
                 </a14:hiddenFill>
               </a:ext>
@@ -19407,7 +19407,7 @@
             </a:ln>
             <a:extLst>
               <a:ext uri="{909E8E84-426E-40dd-AFC4-6F175D3DCCD1}">
-                <a14:hiddenFill xmlns="" xmlns:a14="http://schemas.microsoft.com/office/drawing/2010/main">
+                <a14:hiddenFill xmlns:a14="http://schemas.microsoft.com/office/drawing/2010/main" xmlns="">
                   <a:noFill/>
                 </a14:hiddenFill>
               </a:ext>
@@ -19458,7 +19458,7 @@
             </a:ln>
             <a:extLst>
               <a:ext uri="{909E8E84-426E-40dd-AFC4-6F175D3DCCD1}">
-                <a14:hiddenFill xmlns="" xmlns:a14="http://schemas.microsoft.com/office/drawing/2010/main">
+                <a14:hiddenFill xmlns:a14="http://schemas.microsoft.com/office/drawing/2010/main" xmlns="">
                   <a:noFill/>
                 </a14:hiddenFill>
               </a:ext>
@@ -19509,7 +19509,7 @@
             </a:ln>
             <a:extLst>
               <a:ext uri="{909E8E84-426E-40dd-AFC4-6F175D3DCCD1}">
-                <a14:hiddenFill xmlns="" xmlns:a14="http://schemas.microsoft.com/office/drawing/2010/main">
+                <a14:hiddenFill xmlns:a14="http://schemas.microsoft.com/office/drawing/2010/main" xmlns="">
                   <a:noFill/>
                 </a14:hiddenFill>
               </a:ext>
@@ -19560,7 +19560,7 @@
             </a:ln>
             <a:extLst>
               <a:ext uri="{909E8E84-426E-40dd-AFC4-6F175D3DCCD1}">
-                <a14:hiddenFill xmlns="" xmlns:a14="http://schemas.microsoft.com/office/drawing/2010/main">
+                <a14:hiddenFill xmlns:a14="http://schemas.microsoft.com/office/drawing/2010/main" xmlns="">
                   <a:noFill/>
                 </a14:hiddenFill>
               </a:ext>
@@ -19611,7 +19611,7 @@
             </a:ln>
             <a:extLst>
               <a:ext uri="{909E8E84-426E-40dd-AFC4-6F175D3DCCD1}">
-                <a14:hiddenFill xmlns="" xmlns:a14="http://schemas.microsoft.com/office/drawing/2010/main">
+                <a14:hiddenFill xmlns:a14="http://schemas.microsoft.com/office/drawing/2010/main" xmlns="">
                   <a:noFill/>
                 </a14:hiddenFill>
               </a:ext>
@@ -19662,7 +19662,7 @@
             </a:ln>
             <a:extLst>
               <a:ext uri="{909E8E84-426E-40dd-AFC4-6F175D3DCCD1}">
-                <a14:hiddenFill xmlns="" xmlns:a14="http://schemas.microsoft.com/office/drawing/2010/main">
+                <a14:hiddenFill xmlns:a14="http://schemas.microsoft.com/office/drawing/2010/main" xmlns="">
                   <a:noFill/>
                 </a14:hiddenFill>
               </a:ext>
@@ -19713,7 +19713,7 @@
             </a:ln>
             <a:extLst>
               <a:ext uri="{909E8E84-426E-40dd-AFC4-6F175D3DCCD1}">
-                <a14:hiddenFill xmlns="" xmlns:a14="http://schemas.microsoft.com/office/drawing/2010/main">
+                <a14:hiddenFill xmlns:a14="http://schemas.microsoft.com/office/drawing/2010/main" xmlns="">
                   <a:noFill/>
                 </a14:hiddenFill>
               </a:ext>
@@ -19764,7 +19764,7 @@
             </a:ln>
             <a:extLst>
               <a:ext uri="{909E8E84-426E-40dd-AFC4-6F175D3DCCD1}">
-                <a14:hiddenFill xmlns="" xmlns:a14="http://schemas.microsoft.com/office/drawing/2010/main">
+                <a14:hiddenFill xmlns:a14="http://schemas.microsoft.com/office/drawing/2010/main" xmlns="">
                   <a:noFill/>
                 </a14:hiddenFill>
               </a:ext>
@@ -19815,7 +19815,7 @@
             </a:ln>
             <a:extLst>
               <a:ext uri="{909E8E84-426E-40dd-AFC4-6F175D3DCCD1}">
-                <a14:hiddenFill xmlns="" xmlns:a14="http://schemas.microsoft.com/office/drawing/2010/main">
+                <a14:hiddenFill xmlns:a14="http://schemas.microsoft.com/office/drawing/2010/main" xmlns="">
                   <a:noFill/>
                 </a14:hiddenFill>
               </a:ext>
@@ -19866,7 +19866,7 @@
             </a:ln>
             <a:extLst>
               <a:ext uri="{909E8E84-426E-40dd-AFC4-6F175D3DCCD1}">
-                <a14:hiddenFill xmlns="" xmlns:a14="http://schemas.microsoft.com/office/drawing/2010/main">
+                <a14:hiddenFill xmlns:a14="http://schemas.microsoft.com/office/drawing/2010/main" xmlns="">
                   <a:noFill/>
                 </a14:hiddenFill>
               </a:ext>
@@ -19917,7 +19917,7 @@
             </a:ln>
             <a:extLst>
               <a:ext uri="{909E8E84-426E-40dd-AFC4-6F175D3DCCD1}">
-                <a14:hiddenFill xmlns="" xmlns:a14="http://schemas.microsoft.com/office/drawing/2010/main">
+                <a14:hiddenFill xmlns:a14="http://schemas.microsoft.com/office/drawing/2010/main" xmlns="">
                   <a:noFill/>
                 </a14:hiddenFill>
               </a:ext>
@@ -19968,7 +19968,7 @@
             </a:ln>
             <a:extLst>
               <a:ext uri="{909E8E84-426E-40dd-AFC4-6F175D3DCCD1}">
-                <a14:hiddenFill xmlns="" xmlns:a14="http://schemas.microsoft.com/office/drawing/2010/main">
+                <a14:hiddenFill xmlns:a14="http://schemas.microsoft.com/office/drawing/2010/main" xmlns="">
                   <a:noFill/>
                 </a14:hiddenFill>
               </a:ext>
@@ -20019,7 +20019,7 @@
             </a:ln>
             <a:extLst>
               <a:ext uri="{909E8E84-426E-40dd-AFC4-6F175D3DCCD1}">
-                <a14:hiddenFill xmlns="" xmlns:a14="http://schemas.microsoft.com/office/drawing/2010/main">
+                <a14:hiddenFill xmlns:a14="http://schemas.microsoft.com/office/drawing/2010/main" xmlns="">
                   <a:noFill/>
                 </a14:hiddenFill>
               </a:ext>
@@ -20070,7 +20070,7 @@
             </a:ln>
             <a:extLst>
               <a:ext uri="{909E8E84-426E-40dd-AFC4-6F175D3DCCD1}">
-                <a14:hiddenFill xmlns="" xmlns:a14="http://schemas.microsoft.com/office/drawing/2010/main">
+                <a14:hiddenFill xmlns:a14="http://schemas.microsoft.com/office/drawing/2010/main" xmlns="">
                   <a:noFill/>
                 </a14:hiddenFill>
               </a:ext>
@@ -20121,7 +20121,7 @@
             </a:ln>
             <a:extLst>
               <a:ext uri="{909E8E84-426E-40dd-AFC4-6F175D3DCCD1}">
-                <a14:hiddenFill xmlns="" xmlns:a14="http://schemas.microsoft.com/office/drawing/2010/main">
+                <a14:hiddenFill xmlns:a14="http://schemas.microsoft.com/office/drawing/2010/main" xmlns="">
                   <a:noFill/>
                 </a14:hiddenFill>
               </a:ext>
@@ -20172,7 +20172,7 @@
             </a:ln>
             <a:extLst>
               <a:ext uri="{909E8E84-426E-40dd-AFC4-6F175D3DCCD1}">
-                <a14:hiddenFill xmlns="" xmlns:a14="http://schemas.microsoft.com/office/drawing/2010/main">
+                <a14:hiddenFill xmlns:a14="http://schemas.microsoft.com/office/drawing/2010/main" xmlns="">
                   <a:noFill/>
                 </a14:hiddenFill>
               </a:ext>
@@ -20223,7 +20223,7 @@
             </a:ln>
             <a:extLst>
               <a:ext uri="{909E8E84-426E-40dd-AFC4-6F175D3DCCD1}">
-                <a14:hiddenFill xmlns="" xmlns:a14="http://schemas.microsoft.com/office/drawing/2010/main">
+                <a14:hiddenFill xmlns:a14="http://schemas.microsoft.com/office/drawing/2010/main" xmlns="">
                   <a:noFill/>
                 </a14:hiddenFill>
               </a:ext>
@@ -20274,7 +20274,7 @@
             </a:ln>
             <a:extLst>
               <a:ext uri="{909E8E84-426E-40dd-AFC4-6F175D3DCCD1}">
-                <a14:hiddenFill xmlns="" xmlns:a14="http://schemas.microsoft.com/office/drawing/2010/main">
+                <a14:hiddenFill xmlns:a14="http://schemas.microsoft.com/office/drawing/2010/main" xmlns="">
                   <a:noFill/>
                 </a14:hiddenFill>
               </a:ext>
@@ -20325,7 +20325,7 @@
             </a:ln>
             <a:extLst>
               <a:ext uri="{909E8E84-426E-40dd-AFC4-6F175D3DCCD1}">
-                <a14:hiddenFill xmlns="" xmlns:a14="http://schemas.microsoft.com/office/drawing/2010/main">
+                <a14:hiddenFill xmlns:a14="http://schemas.microsoft.com/office/drawing/2010/main" xmlns="">
                   <a:noFill/>
                 </a14:hiddenFill>
               </a:ext>
@@ -20376,7 +20376,7 @@
             </a:ln>
             <a:extLst>
               <a:ext uri="{909E8E84-426E-40dd-AFC4-6F175D3DCCD1}">
-                <a14:hiddenFill xmlns="" xmlns:a14="http://schemas.microsoft.com/office/drawing/2010/main">
+                <a14:hiddenFill xmlns:a14="http://schemas.microsoft.com/office/drawing/2010/main" xmlns="">
                   <a:noFill/>
                 </a14:hiddenFill>
               </a:ext>
@@ -20427,7 +20427,7 @@
             </a:ln>
             <a:extLst>
               <a:ext uri="{909E8E84-426E-40dd-AFC4-6F175D3DCCD1}">
-                <a14:hiddenFill xmlns="" xmlns:a14="http://schemas.microsoft.com/office/drawing/2010/main">
+                <a14:hiddenFill xmlns:a14="http://schemas.microsoft.com/office/drawing/2010/main" xmlns="">
                   <a:noFill/>
                 </a14:hiddenFill>
               </a:ext>
@@ -20478,7 +20478,7 @@
             </a:ln>
             <a:extLst>
               <a:ext uri="{909E8E84-426E-40dd-AFC4-6F175D3DCCD1}">
-                <a14:hiddenFill xmlns="" xmlns:a14="http://schemas.microsoft.com/office/drawing/2010/main">
+                <a14:hiddenFill xmlns:a14="http://schemas.microsoft.com/office/drawing/2010/main" xmlns="">
                   <a:noFill/>
                 </a14:hiddenFill>
               </a:ext>
@@ -20529,7 +20529,7 @@
             </a:ln>
             <a:extLst>
               <a:ext uri="{909E8E84-426E-40dd-AFC4-6F175D3DCCD1}">
-                <a14:hiddenFill xmlns="" xmlns:a14="http://schemas.microsoft.com/office/drawing/2010/main">
+                <a14:hiddenFill xmlns:a14="http://schemas.microsoft.com/office/drawing/2010/main" xmlns="">
                   <a:noFill/>
                 </a14:hiddenFill>
               </a:ext>
@@ -20580,7 +20580,7 @@
             </a:ln>
             <a:extLst>
               <a:ext uri="{909E8E84-426E-40dd-AFC4-6F175D3DCCD1}">
-                <a14:hiddenFill xmlns="" xmlns:a14="http://schemas.microsoft.com/office/drawing/2010/main">
+                <a14:hiddenFill xmlns:a14="http://schemas.microsoft.com/office/drawing/2010/main" xmlns="">
                   <a:noFill/>
                 </a14:hiddenFill>
               </a:ext>
@@ -20631,7 +20631,7 @@
             </a:ln>
             <a:extLst>
               <a:ext uri="{909E8E84-426E-40dd-AFC4-6F175D3DCCD1}">
-                <a14:hiddenFill xmlns="" xmlns:a14="http://schemas.microsoft.com/office/drawing/2010/main">
+                <a14:hiddenFill xmlns:a14="http://schemas.microsoft.com/office/drawing/2010/main" xmlns="">
                   <a:noFill/>
                 </a14:hiddenFill>
               </a:ext>
@@ -20682,7 +20682,7 @@
             </a:ln>
             <a:extLst>
               <a:ext uri="{909E8E84-426E-40dd-AFC4-6F175D3DCCD1}">
-                <a14:hiddenFill xmlns="" xmlns:a14="http://schemas.microsoft.com/office/drawing/2010/main">
+                <a14:hiddenFill xmlns:a14="http://schemas.microsoft.com/office/drawing/2010/main" xmlns="">
                   <a:noFill/>
                 </a14:hiddenFill>
               </a:ext>
@@ -20733,7 +20733,7 @@
             </a:ln>
             <a:extLst>
               <a:ext uri="{909E8E84-426E-40dd-AFC4-6F175D3DCCD1}">
-                <a14:hiddenFill xmlns="" xmlns:a14="http://schemas.microsoft.com/office/drawing/2010/main">
+                <a14:hiddenFill xmlns:a14="http://schemas.microsoft.com/office/drawing/2010/main" xmlns="">
                   <a:noFill/>
                 </a14:hiddenFill>
               </a:ext>
@@ -20784,7 +20784,7 @@
             </a:ln>
             <a:extLst>
               <a:ext uri="{909E8E84-426E-40dd-AFC4-6F175D3DCCD1}">
-                <a14:hiddenFill xmlns="" xmlns:a14="http://schemas.microsoft.com/office/drawing/2010/main">
+                <a14:hiddenFill xmlns:a14="http://schemas.microsoft.com/office/drawing/2010/main" xmlns="">
                   <a:noFill/>
                 </a14:hiddenFill>
               </a:ext>
@@ -20835,7 +20835,7 @@
             </a:ln>
             <a:extLst>
               <a:ext uri="{909E8E84-426E-40dd-AFC4-6F175D3DCCD1}">
-                <a14:hiddenFill xmlns="" xmlns:a14="http://schemas.microsoft.com/office/drawing/2010/main">
+                <a14:hiddenFill xmlns:a14="http://schemas.microsoft.com/office/drawing/2010/main" xmlns="">
                   <a:noFill/>
                 </a14:hiddenFill>
               </a:ext>
@@ -20886,7 +20886,7 @@
             </a:ln>
             <a:extLst>
               <a:ext uri="{909E8E84-426E-40dd-AFC4-6F175D3DCCD1}">
-                <a14:hiddenFill xmlns="" xmlns:a14="http://schemas.microsoft.com/office/drawing/2010/main">
+                <a14:hiddenFill xmlns:a14="http://schemas.microsoft.com/office/drawing/2010/main" xmlns="">
                   <a:noFill/>
                 </a14:hiddenFill>
               </a:ext>
@@ -20937,7 +20937,7 @@
             </a:ln>
             <a:extLst>
               <a:ext uri="{909E8E84-426E-40dd-AFC4-6F175D3DCCD1}">
-                <a14:hiddenFill xmlns="" xmlns:a14="http://schemas.microsoft.com/office/drawing/2010/main">
+                <a14:hiddenFill xmlns:a14="http://schemas.microsoft.com/office/drawing/2010/main" xmlns="">
                   <a:noFill/>
                 </a14:hiddenFill>
               </a:ext>
@@ -20988,7 +20988,7 @@
             </a:ln>
             <a:extLst>
               <a:ext uri="{909E8E84-426E-40dd-AFC4-6F175D3DCCD1}">
-                <a14:hiddenFill xmlns="" xmlns:a14="http://schemas.microsoft.com/office/drawing/2010/main">
+                <a14:hiddenFill xmlns:a14="http://schemas.microsoft.com/office/drawing/2010/main" xmlns="">
                   <a:noFill/>
                 </a14:hiddenFill>
               </a:ext>
@@ -21039,7 +21039,7 @@
             </a:ln>
             <a:extLst>
               <a:ext uri="{909E8E84-426E-40dd-AFC4-6F175D3DCCD1}">
-                <a14:hiddenFill xmlns="" xmlns:a14="http://schemas.microsoft.com/office/drawing/2010/main">
+                <a14:hiddenFill xmlns:a14="http://schemas.microsoft.com/office/drawing/2010/main" xmlns="">
                   <a:noFill/>
                 </a14:hiddenFill>
               </a:ext>
@@ -21090,7 +21090,7 @@
             </a:ln>
             <a:extLst>
               <a:ext uri="{909E8E84-426E-40dd-AFC4-6F175D3DCCD1}">
-                <a14:hiddenFill xmlns="" xmlns:a14="http://schemas.microsoft.com/office/drawing/2010/main">
+                <a14:hiddenFill xmlns:a14="http://schemas.microsoft.com/office/drawing/2010/main" xmlns="">
                   <a:noFill/>
                 </a14:hiddenFill>
               </a:ext>
@@ -21141,7 +21141,7 @@
             </a:ln>
             <a:extLst>
               <a:ext uri="{909E8E84-426E-40dd-AFC4-6F175D3DCCD1}">
-                <a14:hiddenFill xmlns="" xmlns:a14="http://schemas.microsoft.com/office/drawing/2010/main">
+                <a14:hiddenFill xmlns:a14="http://schemas.microsoft.com/office/drawing/2010/main" xmlns="">
                   <a:noFill/>
                 </a14:hiddenFill>
               </a:ext>
@@ -21192,7 +21192,7 @@
             </a:ln>
             <a:extLst>
               <a:ext uri="{909E8E84-426E-40dd-AFC4-6F175D3DCCD1}">
-                <a14:hiddenFill xmlns="" xmlns:a14="http://schemas.microsoft.com/office/drawing/2010/main">
+                <a14:hiddenFill xmlns:a14="http://schemas.microsoft.com/office/drawing/2010/main" xmlns="">
                   <a:noFill/>
                 </a14:hiddenFill>
               </a:ext>
@@ -22042,7 +22042,7 @@
             </a:ln>
             <a:extLst>
               <a:ext uri="{91240B29-F687-4f45-9708-019B960494DF}">
-                <a14:hiddenLine xmlns="" xmlns:a14="http://schemas.microsoft.com/office/drawing/2010/main" w="9525">
+                <a14:hiddenLine xmlns:a14="http://schemas.microsoft.com/office/drawing/2010/main" xmlns="" w="9525">
                   <a:solidFill>
                     <a:srgbClr val="000000"/>
                   </a:solidFill>
@@ -22714,7 +22714,7 @@
             </a:ln>
             <a:extLst>
               <a:ext uri="{91240B29-F687-4f45-9708-019B960494DF}">
-                <a14:hiddenLine xmlns="" xmlns:a14="http://schemas.microsoft.com/office/drawing/2010/main" w="9525">
+                <a14:hiddenLine xmlns:a14="http://schemas.microsoft.com/office/drawing/2010/main" xmlns="" w="9525">
                   <a:solidFill>
                     <a:srgbClr val="000000"/>
                   </a:solidFill>
@@ -22834,7 +22834,7 @@
             </a:ln>
             <a:extLst>
               <a:ext uri="{909E8E84-426E-40dd-AFC4-6F175D3DCCD1}">
-                <a14:hiddenFill xmlns="" xmlns:a14="http://schemas.microsoft.com/office/drawing/2010/main">
+                <a14:hiddenFill xmlns:a14="http://schemas.microsoft.com/office/drawing/2010/main" xmlns="">
                   <a:solidFill>
                     <a:srgbClr val="FFFFFF"/>
                   </a:solidFill>
@@ -22887,7 +22887,7 @@
             </a:ln>
             <a:extLst>
               <a:ext uri="{909E8E84-426E-40dd-AFC4-6F175D3DCCD1}">
-                <a14:hiddenFill xmlns="" xmlns:a14="http://schemas.microsoft.com/office/drawing/2010/main">
+                <a14:hiddenFill xmlns:a14="http://schemas.microsoft.com/office/drawing/2010/main" xmlns="">
                   <a:noFill/>
                 </a14:hiddenFill>
               </a:ext>
@@ -22938,7 +22938,7 @@
             </a:ln>
             <a:extLst>
               <a:ext uri="{909E8E84-426E-40dd-AFC4-6F175D3DCCD1}">
-                <a14:hiddenFill xmlns="" xmlns:a14="http://schemas.microsoft.com/office/drawing/2010/main">
+                <a14:hiddenFill xmlns:a14="http://schemas.microsoft.com/office/drawing/2010/main" xmlns="">
                   <a:noFill/>
                 </a14:hiddenFill>
               </a:ext>
@@ -22989,7 +22989,7 @@
             </a:ln>
             <a:extLst>
               <a:ext uri="{909E8E84-426E-40dd-AFC4-6F175D3DCCD1}">
-                <a14:hiddenFill xmlns="" xmlns:a14="http://schemas.microsoft.com/office/drawing/2010/main">
+                <a14:hiddenFill xmlns:a14="http://schemas.microsoft.com/office/drawing/2010/main" xmlns="">
                   <a:noFill/>
                 </a14:hiddenFill>
               </a:ext>
@@ -23040,7 +23040,7 @@
             </a:ln>
             <a:extLst>
               <a:ext uri="{909E8E84-426E-40dd-AFC4-6F175D3DCCD1}">
-                <a14:hiddenFill xmlns="" xmlns:a14="http://schemas.microsoft.com/office/drawing/2010/main">
+                <a14:hiddenFill xmlns:a14="http://schemas.microsoft.com/office/drawing/2010/main" xmlns="">
                   <a:noFill/>
                 </a14:hiddenFill>
               </a:ext>
@@ -23091,7 +23091,7 @@
             </a:ln>
             <a:extLst>
               <a:ext uri="{909E8E84-426E-40dd-AFC4-6F175D3DCCD1}">
-                <a14:hiddenFill xmlns="" xmlns:a14="http://schemas.microsoft.com/office/drawing/2010/main">
+                <a14:hiddenFill xmlns:a14="http://schemas.microsoft.com/office/drawing/2010/main" xmlns="">
                   <a:noFill/>
                 </a14:hiddenFill>
               </a:ext>
@@ -23142,7 +23142,7 @@
             </a:ln>
             <a:extLst>
               <a:ext uri="{909E8E84-426E-40dd-AFC4-6F175D3DCCD1}">
-                <a14:hiddenFill xmlns="" xmlns:a14="http://schemas.microsoft.com/office/drawing/2010/main">
+                <a14:hiddenFill xmlns:a14="http://schemas.microsoft.com/office/drawing/2010/main" xmlns="">
                   <a:noFill/>
                 </a14:hiddenFill>
               </a:ext>
@@ -23193,7 +23193,7 @@
             </a:ln>
             <a:extLst>
               <a:ext uri="{909E8E84-426E-40dd-AFC4-6F175D3DCCD1}">
-                <a14:hiddenFill xmlns="" xmlns:a14="http://schemas.microsoft.com/office/drawing/2010/main">
+                <a14:hiddenFill xmlns:a14="http://schemas.microsoft.com/office/drawing/2010/main" xmlns="">
                   <a:noFill/>
                 </a14:hiddenFill>
               </a:ext>
@@ -23244,7 +23244,7 @@
             </a:ln>
             <a:extLst>
               <a:ext uri="{909E8E84-426E-40dd-AFC4-6F175D3DCCD1}">
-                <a14:hiddenFill xmlns="" xmlns:a14="http://schemas.microsoft.com/office/drawing/2010/main">
+                <a14:hiddenFill xmlns:a14="http://schemas.microsoft.com/office/drawing/2010/main" xmlns="">
                   <a:noFill/>
                 </a14:hiddenFill>
               </a:ext>
@@ -23295,7 +23295,7 @@
             </a:ln>
             <a:extLst>
               <a:ext uri="{909E8E84-426E-40dd-AFC4-6F175D3DCCD1}">
-                <a14:hiddenFill xmlns="" xmlns:a14="http://schemas.microsoft.com/office/drawing/2010/main">
+                <a14:hiddenFill xmlns:a14="http://schemas.microsoft.com/office/drawing/2010/main" xmlns="">
                   <a:noFill/>
                 </a14:hiddenFill>
               </a:ext>
@@ -23346,7 +23346,7 @@
             </a:ln>
             <a:extLst>
               <a:ext uri="{909E8E84-426E-40dd-AFC4-6F175D3DCCD1}">
-                <a14:hiddenFill xmlns="" xmlns:a14="http://schemas.microsoft.com/office/drawing/2010/main">
+                <a14:hiddenFill xmlns:a14="http://schemas.microsoft.com/office/drawing/2010/main" xmlns="">
                   <a:noFill/>
                 </a14:hiddenFill>
               </a:ext>
@@ -23397,7 +23397,7 @@
             </a:ln>
             <a:extLst>
               <a:ext uri="{909E8E84-426E-40dd-AFC4-6F175D3DCCD1}">
-                <a14:hiddenFill xmlns="" xmlns:a14="http://schemas.microsoft.com/office/drawing/2010/main">
+                <a14:hiddenFill xmlns:a14="http://schemas.microsoft.com/office/drawing/2010/main" xmlns="">
                   <a:noFill/>
                 </a14:hiddenFill>
               </a:ext>
@@ -23448,7 +23448,7 @@
             </a:ln>
             <a:extLst>
               <a:ext uri="{909E8E84-426E-40dd-AFC4-6F175D3DCCD1}">
-                <a14:hiddenFill xmlns="" xmlns:a14="http://schemas.microsoft.com/office/drawing/2010/main">
+                <a14:hiddenFill xmlns:a14="http://schemas.microsoft.com/office/drawing/2010/main" xmlns="">
                   <a:noFill/>
                 </a14:hiddenFill>
               </a:ext>
@@ -23499,7 +23499,7 @@
             </a:ln>
             <a:extLst>
               <a:ext uri="{909E8E84-426E-40dd-AFC4-6F175D3DCCD1}">
-                <a14:hiddenFill xmlns="" xmlns:a14="http://schemas.microsoft.com/office/drawing/2010/main">
+                <a14:hiddenFill xmlns:a14="http://schemas.microsoft.com/office/drawing/2010/main" xmlns="">
                   <a:noFill/>
                 </a14:hiddenFill>
               </a:ext>
@@ -23550,7 +23550,7 @@
             </a:ln>
             <a:extLst>
               <a:ext uri="{909E8E84-426E-40dd-AFC4-6F175D3DCCD1}">
-                <a14:hiddenFill xmlns="" xmlns:a14="http://schemas.microsoft.com/office/drawing/2010/main">
+                <a14:hiddenFill xmlns:a14="http://schemas.microsoft.com/office/drawing/2010/main" xmlns="">
                   <a:noFill/>
                 </a14:hiddenFill>
               </a:ext>
@@ -23601,7 +23601,7 @@
             </a:ln>
             <a:extLst>
               <a:ext uri="{909E8E84-426E-40dd-AFC4-6F175D3DCCD1}">
-                <a14:hiddenFill xmlns="" xmlns:a14="http://schemas.microsoft.com/office/drawing/2010/main">
+                <a14:hiddenFill xmlns:a14="http://schemas.microsoft.com/office/drawing/2010/main" xmlns="">
                   <a:noFill/>
                 </a14:hiddenFill>
               </a:ext>
@@ -23652,7 +23652,7 @@
             </a:ln>
             <a:extLst>
               <a:ext uri="{909E8E84-426E-40dd-AFC4-6F175D3DCCD1}">
-                <a14:hiddenFill xmlns="" xmlns:a14="http://schemas.microsoft.com/office/drawing/2010/main">
+                <a14:hiddenFill xmlns:a14="http://schemas.microsoft.com/office/drawing/2010/main" xmlns="">
                   <a:noFill/>
                 </a14:hiddenFill>
               </a:ext>
@@ -23703,7 +23703,7 @@
             </a:ln>
             <a:extLst>
               <a:ext uri="{909E8E84-426E-40dd-AFC4-6F175D3DCCD1}">
-                <a14:hiddenFill xmlns="" xmlns:a14="http://schemas.microsoft.com/office/drawing/2010/main">
+                <a14:hiddenFill xmlns:a14="http://schemas.microsoft.com/office/drawing/2010/main" xmlns="">
                   <a:noFill/>
                 </a14:hiddenFill>
               </a:ext>
@@ -23754,7 +23754,7 @@
             </a:ln>
             <a:extLst>
               <a:ext uri="{909E8E84-426E-40dd-AFC4-6F175D3DCCD1}">
-                <a14:hiddenFill xmlns="" xmlns:a14="http://schemas.microsoft.com/office/drawing/2010/main">
+                <a14:hiddenFill xmlns:a14="http://schemas.microsoft.com/office/drawing/2010/main" xmlns="">
                   <a:noFill/>
                 </a14:hiddenFill>
               </a:ext>
@@ -23805,7 +23805,7 @@
             </a:ln>
             <a:extLst>
               <a:ext uri="{909E8E84-426E-40dd-AFC4-6F175D3DCCD1}">
-                <a14:hiddenFill xmlns="" xmlns:a14="http://schemas.microsoft.com/office/drawing/2010/main">
+                <a14:hiddenFill xmlns:a14="http://schemas.microsoft.com/office/drawing/2010/main" xmlns="">
                   <a:noFill/>
                 </a14:hiddenFill>
               </a:ext>
@@ -23856,7 +23856,7 @@
             </a:ln>
             <a:extLst>
               <a:ext uri="{909E8E84-426E-40dd-AFC4-6F175D3DCCD1}">
-                <a14:hiddenFill xmlns="" xmlns:a14="http://schemas.microsoft.com/office/drawing/2010/main">
+                <a14:hiddenFill xmlns:a14="http://schemas.microsoft.com/office/drawing/2010/main" xmlns="">
                   <a:noFill/>
                 </a14:hiddenFill>
               </a:ext>
@@ -23907,7 +23907,7 @@
             </a:ln>
             <a:extLst>
               <a:ext uri="{909E8E84-426E-40dd-AFC4-6F175D3DCCD1}">
-                <a14:hiddenFill xmlns="" xmlns:a14="http://schemas.microsoft.com/office/drawing/2010/main">
+                <a14:hiddenFill xmlns:a14="http://schemas.microsoft.com/office/drawing/2010/main" xmlns="">
                   <a:noFill/>
                 </a14:hiddenFill>
               </a:ext>
@@ -23958,7 +23958,7 @@
             </a:ln>
             <a:extLst>
               <a:ext uri="{909E8E84-426E-40dd-AFC4-6F175D3DCCD1}">
-                <a14:hiddenFill xmlns="" xmlns:a14="http://schemas.microsoft.com/office/drawing/2010/main">
+                <a14:hiddenFill xmlns:a14="http://schemas.microsoft.com/office/drawing/2010/main" xmlns="">
                   <a:noFill/>
                 </a14:hiddenFill>
               </a:ext>
@@ -24009,7 +24009,7 @@
             </a:ln>
             <a:extLst>
               <a:ext uri="{909E8E84-426E-40dd-AFC4-6F175D3DCCD1}">
-                <a14:hiddenFill xmlns="" xmlns:a14="http://schemas.microsoft.com/office/drawing/2010/main">
+                <a14:hiddenFill xmlns:a14="http://schemas.microsoft.com/office/drawing/2010/main" xmlns="">
                   <a:noFill/>
                 </a14:hiddenFill>
               </a:ext>
@@ -24060,7 +24060,7 @@
             </a:ln>
             <a:extLst>
               <a:ext uri="{909E8E84-426E-40dd-AFC4-6F175D3DCCD1}">
-                <a14:hiddenFill xmlns="" xmlns:a14="http://schemas.microsoft.com/office/drawing/2010/main">
+                <a14:hiddenFill xmlns:a14="http://schemas.microsoft.com/office/drawing/2010/main" xmlns="">
                   <a:noFill/>
                 </a14:hiddenFill>
               </a:ext>
@@ -24111,7 +24111,7 @@
             </a:ln>
             <a:extLst>
               <a:ext uri="{909E8E84-426E-40dd-AFC4-6F175D3DCCD1}">
-                <a14:hiddenFill xmlns="" xmlns:a14="http://schemas.microsoft.com/office/drawing/2010/main">
+                <a14:hiddenFill xmlns:a14="http://schemas.microsoft.com/office/drawing/2010/main" xmlns="">
                   <a:noFill/>
                 </a14:hiddenFill>
               </a:ext>
@@ -24162,7 +24162,7 @@
             </a:ln>
             <a:extLst>
               <a:ext uri="{909E8E84-426E-40dd-AFC4-6F175D3DCCD1}">
-                <a14:hiddenFill xmlns="" xmlns:a14="http://schemas.microsoft.com/office/drawing/2010/main">
+                <a14:hiddenFill xmlns:a14="http://schemas.microsoft.com/office/drawing/2010/main" xmlns="">
                   <a:noFill/>
                 </a14:hiddenFill>
               </a:ext>
@@ -24213,7 +24213,7 @@
             </a:ln>
             <a:extLst>
               <a:ext uri="{909E8E84-426E-40dd-AFC4-6F175D3DCCD1}">
-                <a14:hiddenFill xmlns="" xmlns:a14="http://schemas.microsoft.com/office/drawing/2010/main">
+                <a14:hiddenFill xmlns:a14="http://schemas.microsoft.com/office/drawing/2010/main" xmlns="">
                   <a:noFill/>
                 </a14:hiddenFill>
               </a:ext>
@@ -24264,7 +24264,7 @@
             </a:ln>
             <a:extLst>
               <a:ext uri="{909E8E84-426E-40dd-AFC4-6F175D3DCCD1}">
-                <a14:hiddenFill xmlns="" xmlns:a14="http://schemas.microsoft.com/office/drawing/2010/main">
+                <a14:hiddenFill xmlns:a14="http://schemas.microsoft.com/office/drawing/2010/main" xmlns="">
                   <a:noFill/>
                 </a14:hiddenFill>
               </a:ext>
@@ -24315,7 +24315,7 @@
             </a:ln>
             <a:extLst>
               <a:ext uri="{909E8E84-426E-40dd-AFC4-6F175D3DCCD1}">
-                <a14:hiddenFill xmlns="" xmlns:a14="http://schemas.microsoft.com/office/drawing/2010/main">
+                <a14:hiddenFill xmlns:a14="http://schemas.microsoft.com/office/drawing/2010/main" xmlns="">
                   <a:noFill/>
                 </a14:hiddenFill>
               </a:ext>
@@ -24366,7 +24366,7 @@
             </a:ln>
             <a:extLst>
               <a:ext uri="{909E8E84-426E-40dd-AFC4-6F175D3DCCD1}">
-                <a14:hiddenFill xmlns="" xmlns:a14="http://schemas.microsoft.com/office/drawing/2010/main">
+                <a14:hiddenFill xmlns:a14="http://schemas.microsoft.com/office/drawing/2010/main" xmlns="">
                   <a:noFill/>
                 </a14:hiddenFill>
               </a:ext>
@@ -24417,7 +24417,7 @@
             </a:ln>
             <a:extLst>
               <a:ext uri="{909E8E84-426E-40dd-AFC4-6F175D3DCCD1}">
-                <a14:hiddenFill xmlns="" xmlns:a14="http://schemas.microsoft.com/office/drawing/2010/main">
+                <a14:hiddenFill xmlns:a14="http://schemas.microsoft.com/office/drawing/2010/main" xmlns="">
                   <a:noFill/>
                 </a14:hiddenFill>
               </a:ext>
@@ -24468,7 +24468,7 @@
             </a:ln>
             <a:extLst>
               <a:ext uri="{909E8E84-426E-40dd-AFC4-6F175D3DCCD1}">
-                <a14:hiddenFill xmlns="" xmlns:a14="http://schemas.microsoft.com/office/drawing/2010/main">
+                <a14:hiddenFill xmlns:a14="http://schemas.microsoft.com/office/drawing/2010/main" xmlns="">
                   <a:noFill/>
                 </a14:hiddenFill>
               </a:ext>
@@ -24519,7 +24519,7 @@
             </a:ln>
             <a:extLst>
               <a:ext uri="{909E8E84-426E-40dd-AFC4-6F175D3DCCD1}">
-                <a14:hiddenFill xmlns="" xmlns:a14="http://schemas.microsoft.com/office/drawing/2010/main">
+                <a14:hiddenFill xmlns:a14="http://schemas.microsoft.com/office/drawing/2010/main" xmlns="">
                   <a:noFill/>
                 </a14:hiddenFill>
               </a:ext>
@@ -24570,7 +24570,7 @@
             </a:ln>
             <a:extLst>
               <a:ext uri="{909E8E84-426E-40dd-AFC4-6F175D3DCCD1}">
-                <a14:hiddenFill xmlns="" xmlns:a14="http://schemas.microsoft.com/office/drawing/2010/main">
+                <a14:hiddenFill xmlns:a14="http://schemas.microsoft.com/office/drawing/2010/main" xmlns="">
                   <a:noFill/>
                 </a14:hiddenFill>
               </a:ext>
@@ -24621,7 +24621,7 @@
             </a:ln>
             <a:extLst>
               <a:ext uri="{909E8E84-426E-40dd-AFC4-6F175D3DCCD1}">
-                <a14:hiddenFill xmlns="" xmlns:a14="http://schemas.microsoft.com/office/drawing/2010/main">
+                <a14:hiddenFill xmlns:a14="http://schemas.microsoft.com/office/drawing/2010/main" xmlns="">
                   <a:noFill/>
                 </a14:hiddenFill>
               </a:ext>
@@ -24672,7 +24672,7 @@
             </a:ln>
             <a:extLst>
               <a:ext uri="{909E8E84-426E-40dd-AFC4-6F175D3DCCD1}">
-                <a14:hiddenFill xmlns="" xmlns:a14="http://schemas.microsoft.com/office/drawing/2010/main">
+                <a14:hiddenFill xmlns:a14="http://schemas.microsoft.com/office/drawing/2010/main" xmlns="">
                   <a:noFill/>
                 </a14:hiddenFill>
               </a:ext>
@@ -24723,7 +24723,7 @@
             </a:ln>
             <a:extLst>
               <a:ext uri="{909E8E84-426E-40dd-AFC4-6F175D3DCCD1}">
-                <a14:hiddenFill xmlns="" xmlns:a14="http://schemas.microsoft.com/office/drawing/2010/main">
+                <a14:hiddenFill xmlns:a14="http://schemas.microsoft.com/office/drawing/2010/main" xmlns="">
                   <a:noFill/>
                 </a14:hiddenFill>
               </a:ext>
@@ -24774,7 +24774,7 @@
             </a:ln>
             <a:extLst>
               <a:ext uri="{909E8E84-426E-40dd-AFC4-6F175D3DCCD1}">
-                <a14:hiddenFill xmlns="" xmlns:a14="http://schemas.microsoft.com/office/drawing/2010/main">
+                <a14:hiddenFill xmlns:a14="http://schemas.microsoft.com/office/drawing/2010/main" xmlns="">
                   <a:noFill/>
                 </a14:hiddenFill>
               </a:ext>
@@ -24825,7 +24825,7 @@
             </a:ln>
             <a:extLst>
               <a:ext uri="{909E8E84-426E-40dd-AFC4-6F175D3DCCD1}">
-                <a14:hiddenFill xmlns="" xmlns:a14="http://schemas.microsoft.com/office/drawing/2010/main">
+                <a14:hiddenFill xmlns:a14="http://schemas.microsoft.com/office/drawing/2010/main" xmlns="">
                   <a:noFill/>
                 </a14:hiddenFill>
               </a:ext>
@@ -24876,7 +24876,7 @@
             </a:ln>
             <a:extLst>
               <a:ext uri="{909E8E84-426E-40dd-AFC4-6F175D3DCCD1}">
-                <a14:hiddenFill xmlns="" xmlns:a14="http://schemas.microsoft.com/office/drawing/2010/main">
+                <a14:hiddenFill xmlns:a14="http://schemas.microsoft.com/office/drawing/2010/main" xmlns="">
                   <a:noFill/>
                 </a14:hiddenFill>
               </a:ext>
@@ -24927,7 +24927,7 @@
             </a:ln>
             <a:extLst>
               <a:ext uri="{909E8E84-426E-40dd-AFC4-6F175D3DCCD1}">
-                <a14:hiddenFill xmlns="" xmlns:a14="http://schemas.microsoft.com/office/drawing/2010/main">
+                <a14:hiddenFill xmlns:a14="http://schemas.microsoft.com/office/drawing/2010/main" xmlns="">
                   <a:noFill/>
                 </a14:hiddenFill>
               </a:ext>
@@ -24978,7 +24978,7 @@
             </a:ln>
             <a:extLst>
               <a:ext uri="{909E8E84-426E-40dd-AFC4-6F175D3DCCD1}">
-                <a14:hiddenFill xmlns="" xmlns:a14="http://schemas.microsoft.com/office/drawing/2010/main">
+                <a14:hiddenFill xmlns:a14="http://schemas.microsoft.com/office/drawing/2010/main" xmlns="">
                   <a:noFill/>
                 </a14:hiddenFill>
               </a:ext>
@@ -25029,7 +25029,7 @@
             </a:ln>
             <a:extLst>
               <a:ext uri="{909E8E84-426E-40dd-AFC4-6F175D3DCCD1}">
-                <a14:hiddenFill xmlns="" xmlns:a14="http://schemas.microsoft.com/office/drawing/2010/main">
+                <a14:hiddenFill xmlns:a14="http://schemas.microsoft.com/office/drawing/2010/main" xmlns="">
                   <a:noFill/>
                 </a14:hiddenFill>
               </a:ext>
@@ -25080,7 +25080,7 @@
             </a:ln>
             <a:extLst>
               <a:ext uri="{909E8E84-426E-40dd-AFC4-6F175D3DCCD1}">
-                <a14:hiddenFill xmlns="" xmlns:a14="http://schemas.microsoft.com/office/drawing/2010/main">
+                <a14:hiddenFill xmlns:a14="http://schemas.microsoft.com/office/drawing/2010/main" xmlns="">
                   <a:noFill/>
                 </a14:hiddenFill>
               </a:ext>
@@ -25131,7 +25131,7 @@
             </a:ln>
             <a:extLst>
               <a:ext uri="{909E8E84-426E-40dd-AFC4-6F175D3DCCD1}">
-                <a14:hiddenFill xmlns="" xmlns:a14="http://schemas.microsoft.com/office/drawing/2010/main">
+                <a14:hiddenFill xmlns:a14="http://schemas.microsoft.com/office/drawing/2010/main" xmlns="">
                   <a:noFill/>
                 </a14:hiddenFill>
               </a:ext>
@@ -25182,7 +25182,7 @@
             </a:ln>
             <a:extLst>
               <a:ext uri="{909E8E84-426E-40dd-AFC4-6F175D3DCCD1}">
-                <a14:hiddenFill xmlns="" xmlns:a14="http://schemas.microsoft.com/office/drawing/2010/main">
+                <a14:hiddenFill xmlns:a14="http://schemas.microsoft.com/office/drawing/2010/main" xmlns="">
                   <a:noFill/>
                 </a14:hiddenFill>
               </a:ext>
@@ -25233,7 +25233,7 @@
             </a:ln>
             <a:extLst>
               <a:ext uri="{909E8E84-426E-40dd-AFC4-6F175D3DCCD1}">
-                <a14:hiddenFill xmlns="" xmlns:a14="http://schemas.microsoft.com/office/drawing/2010/main">
+                <a14:hiddenFill xmlns:a14="http://schemas.microsoft.com/office/drawing/2010/main" xmlns="">
                   <a:noFill/>
                 </a14:hiddenFill>
               </a:ext>
@@ -25284,7 +25284,7 @@
             </a:ln>
             <a:extLst>
               <a:ext uri="{909E8E84-426E-40dd-AFC4-6F175D3DCCD1}">
-                <a14:hiddenFill xmlns="" xmlns:a14="http://schemas.microsoft.com/office/drawing/2010/main">
+                <a14:hiddenFill xmlns:a14="http://schemas.microsoft.com/office/drawing/2010/main" xmlns="">
                   <a:noFill/>
                 </a14:hiddenFill>
               </a:ext>
@@ -25335,7 +25335,7 @@
             </a:ln>
             <a:extLst>
               <a:ext uri="{909E8E84-426E-40dd-AFC4-6F175D3DCCD1}">
-                <a14:hiddenFill xmlns="" xmlns:a14="http://schemas.microsoft.com/office/drawing/2010/main">
+                <a14:hiddenFill xmlns:a14="http://schemas.microsoft.com/office/drawing/2010/main" xmlns="">
                   <a:noFill/>
                 </a14:hiddenFill>
               </a:ext>
@@ -25386,7 +25386,7 @@
             </a:ln>
             <a:extLst>
               <a:ext uri="{909E8E84-426E-40dd-AFC4-6F175D3DCCD1}">
-                <a14:hiddenFill xmlns="" xmlns:a14="http://schemas.microsoft.com/office/drawing/2010/main">
+                <a14:hiddenFill xmlns:a14="http://schemas.microsoft.com/office/drawing/2010/main" xmlns="">
                   <a:noFill/>
                 </a14:hiddenFill>
               </a:ext>
@@ -25437,7 +25437,7 @@
             </a:ln>
             <a:extLst>
               <a:ext uri="{909E8E84-426E-40dd-AFC4-6F175D3DCCD1}">
-                <a14:hiddenFill xmlns="" xmlns:a14="http://schemas.microsoft.com/office/drawing/2010/main">
+                <a14:hiddenFill xmlns:a14="http://schemas.microsoft.com/office/drawing/2010/main" xmlns="">
                   <a:noFill/>
                 </a14:hiddenFill>
               </a:ext>
@@ -25488,7 +25488,7 @@
             </a:ln>
             <a:extLst>
               <a:ext uri="{909E8E84-426E-40dd-AFC4-6F175D3DCCD1}">
-                <a14:hiddenFill xmlns="" xmlns:a14="http://schemas.microsoft.com/office/drawing/2010/main">
+                <a14:hiddenFill xmlns:a14="http://schemas.microsoft.com/office/drawing/2010/main" xmlns="">
                   <a:noFill/>
                 </a14:hiddenFill>
               </a:ext>
@@ -25539,7 +25539,7 @@
             </a:ln>
             <a:extLst>
               <a:ext uri="{909E8E84-426E-40dd-AFC4-6F175D3DCCD1}">
-                <a14:hiddenFill xmlns="" xmlns:a14="http://schemas.microsoft.com/office/drawing/2010/main">
+                <a14:hiddenFill xmlns:a14="http://schemas.microsoft.com/office/drawing/2010/main" xmlns="">
                   <a:noFill/>
                 </a14:hiddenFill>
               </a:ext>
@@ -25590,7 +25590,7 @@
             </a:ln>
             <a:extLst>
               <a:ext uri="{909E8E84-426E-40dd-AFC4-6F175D3DCCD1}">
-                <a14:hiddenFill xmlns="" xmlns:a14="http://schemas.microsoft.com/office/drawing/2010/main">
+                <a14:hiddenFill xmlns:a14="http://schemas.microsoft.com/office/drawing/2010/main" xmlns="">
                   <a:noFill/>
                 </a14:hiddenFill>
               </a:ext>
@@ -25641,7 +25641,7 @@
             </a:ln>
             <a:extLst>
               <a:ext uri="{909E8E84-426E-40dd-AFC4-6F175D3DCCD1}">
-                <a14:hiddenFill xmlns="" xmlns:a14="http://schemas.microsoft.com/office/drawing/2010/main">
+                <a14:hiddenFill xmlns:a14="http://schemas.microsoft.com/office/drawing/2010/main" xmlns="">
                   <a:noFill/>
                 </a14:hiddenFill>
               </a:ext>
@@ -25692,7 +25692,7 @@
             </a:ln>
             <a:extLst>
               <a:ext uri="{909E8E84-426E-40dd-AFC4-6F175D3DCCD1}">
-                <a14:hiddenFill xmlns="" xmlns:a14="http://schemas.microsoft.com/office/drawing/2010/main">
+                <a14:hiddenFill xmlns:a14="http://schemas.microsoft.com/office/drawing/2010/main" xmlns="">
                   <a:noFill/>
                 </a14:hiddenFill>
               </a:ext>
@@ -25743,7 +25743,7 @@
             </a:ln>
             <a:extLst>
               <a:ext uri="{909E8E84-426E-40dd-AFC4-6F175D3DCCD1}">
-                <a14:hiddenFill xmlns="" xmlns:a14="http://schemas.microsoft.com/office/drawing/2010/main">
+                <a14:hiddenFill xmlns:a14="http://schemas.microsoft.com/office/drawing/2010/main" xmlns="">
                   <a:noFill/>
                 </a14:hiddenFill>
               </a:ext>
@@ -25794,7 +25794,7 @@
             </a:ln>
             <a:extLst>
               <a:ext uri="{909E8E84-426E-40dd-AFC4-6F175D3DCCD1}">
-                <a14:hiddenFill xmlns="" xmlns:a14="http://schemas.microsoft.com/office/drawing/2010/main">
+                <a14:hiddenFill xmlns:a14="http://schemas.microsoft.com/office/drawing/2010/main" xmlns="">
                   <a:noFill/>
                 </a14:hiddenFill>
               </a:ext>
@@ -25845,7 +25845,7 @@
             </a:ln>
             <a:extLst>
               <a:ext uri="{909E8E84-426E-40dd-AFC4-6F175D3DCCD1}">
-                <a14:hiddenFill xmlns="" xmlns:a14="http://schemas.microsoft.com/office/drawing/2010/main">
+                <a14:hiddenFill xmlns:a14="http://schemas.microsoft.com/office/drawing/2010/main" xmlns="">
                   <a:noFill/>
                 </a14:hiddenFill>
               </a:ext>
@@ -25896,7 +25896,7 @@
             </a:ln>
             <a:extLst>
               <a:ext uri="{909E8E84-426E-40dd-AFC4-6F175D3DCCD1}">
-                <a14:hiddenFill xmlns="" xmlns:a14="http://schemas.microsoft.com/office/drawing/2010/main">
+                <a14:hiddenFill xmlns:a14="http://schemas.microsoft.com/office/drawing/2010/main" xmlns="">
                   <a:noFill/>
                 </a14:hiddenFill>
               </a:ext>
@@ -25947,7 +25947,7 @@
             </a:ln>
             <a:extLst>
               <a:ext uri="{909E8E84-426E-40dd-AFC4-6F175D3DCCD1}">
-                <a14:hiddenFill xmlns="" xmlns:a14="http://schemas.microsoft.com/office/drawing/2010/main">
+                <a14:hiddenFill xmlns:a14="http://schemas.microsoft.com/office/drawing/2010/main" xmlns="">
                   <a:noFill/>
                 </a14:hiddenFill>
               </a:ext>
@@ -25998,7 +25998,7 @@
             </a:ln>
             <a:extLst>
               <a:ext uri="{909E8E84-426E-40dd-AFC4-6F175D3DCCD1}">
-                <a14:hiddenFill xmlns="" xmlns:a14="http://schemas.microsoft.com/office/drawing/2010/main">
+                <a14:hiddenFill xmlns:a14="http://schemas.microsoft.com/office/drawing/2010/main" xmlns="">
                   <a:noFill/>
                 </a14:hiddenFill>
               </a:ext>
@@ -26049,7 +26049,7 @@
             </a:ln>
             <a:extLst>
               <a:ext uri="{909E8E84-426E-40dd-AFC4-6F175D3DCCD1}">
-                <a14:hiddenFill xmlns="" xmlns:a14="http://schemas.microsoft.com/office/drawing/2010/main">
+                <a14:hiddenFill xmlns:a14="http://schemas.microsoft.com/office/drawing/2010/main" xmlns="">
                   <a:noFill/>
                 </a14:hiddenFill>
               </a:ext>
@@ -26100,7 +26100,7 @@
             </a:ln>
             <a:extLst>
               <a:ext uri="{909E8E84-426E-40dd-AFC4-6F175D3DCCD1}">
-                <a14:hiddenFill xmlns="" xmlns:a14="http://schemas.microsoft.com/office/drawing/2010/main">
+                <a14:hiddenFill xmlns:a14="http://schemas.microsoft.com/office/drawing/2010/main" xmlns="">
                   <a:noFill/>
                 </a14:hiddenFill>
               </a:ext>
@@ -26151,7 +26151,7 @@
             </a:ln>
             <a:extLst>
               <a:ext uri="{909E8E84-426E-40dd-AFC4-6F175D3DCCD1}">
-                <a14:hiddenFill xmlns="" xmlns:a14="http://schemas.microsoft.com/office/drawing/2010/main">
+                <a14:hiddenFill xmlns:a14="http://schemas.microsoft.com/office/drawing/2010/main" xmlns="">
                   <a:noFill/>
                 </a14:hiddenFill>
               </a:ext>
@@ -26202,7 +26202,7 @@
             </a:ln>
             <a:extLst>
               <a:ext uri="{909E8E84-426E-40dd-AFC4-6F175D3DCCD1}">
-                <a14:hiddenFill xmlns="" xmlns:a14="http://schemas.microsoft.com/office/drawing/2010/main">
+                <a14:hiddenFill xmlns:a14="http://schemas.microsoft.com/office/drawing/2010/main" xmlns="">
                   <a:noFill/>
                 </a14:hiddenFill>
               </a:ext>
@@ -26253,7 +26253,7 @@
             </a:ln>
             <a:extLst>
               <a:ext uri="{909E8E84-426E-40dd-AFC4-6F175D3DCCD1}">
-                <a14:hiddenFill xmlns="" xmlns:a14="http://schemas.microsoft.com/office/drawing/2010/main">
+                <a14:hiddenFill xmlns:a14="http://schemas.microsoft.com/office/drawing/2010/main" xmlns="">
                   <a:noFill/>
                 </a14:hiddenFill>
               </a:ext>
@@ -26304,7 +26304,7 @@
             </a:ln>
             <a:extLst>
               <a:ext uri="{909E8E84-426E-40dd-AFC4-6F175D3DCCD1}">
-                <a14:hiddenFill xmlns="" xmlns:a14="http://schemas.microsoft.com/office/drawing/2010/main">
+                <a14:hiddenFill xmlns:a14="http://schemas.microsoft.com/office/drawing/2010/main" xmlns="">
                   <a:noFill/>
                 </a14:hiddenFill>
               </a:ext>
@@ -27122,7 +27122,7 @@
             </a:ln>
             <a:extLst>
               <a:ext uri="{909E8E84-426E-40dd-AFC4-6F175D3DCCD1}">
-                <a14:hiddenFill xmlns="" xmlns:a14="http://schemas.microsoft.com/office/drawing/2010/main">
+                <a14:hiddenFill xmlns:a14="http://schemas.microsoft.com/office/drawing/2010/main" xmlns="">
                   <a:solidFill>
                     <a:srgbClr val="FFFFFF"/>
                   </a:solidFill>
@@ -27175,7 +27175,7 @@
             </a:ln>
             <a:extLst>
               <a:ext uri="{909E8E84-426E-40dd-AFC4-6F175D3DCCD1}">
-                <a14:hiddenFill xmlns="" xmlns:a14="http://schemas.microsoft.com/office/drawing/2010/main">
+                <a14:hiddenFill xmlns:a14="http://schemas.microsoft.com/office/drawing/2010/main" xmlns="">
                   <a:noFill/>
                 </a14:hiddenFill>
               </a:ext>
@@ -27226,7 +27226,7 @@
             </a:ln>
             <a:extLst>
               <a:ext uri="{909E8E84-426E-40dd-AFC4-6F175D3DCCD1}">
-                <a14:hiddenFill xmlns="" xmlns:a14="http://schemas.microsoft.com/office/drawing/2010/main">
+                <a14:hiddenFill xmlns:a14="http://schemas.microsoft.com/office/drawing/2010/main" xmlns="">
                   <a:noFill/>
                 </a14:hiddenFill>
               </a:ext>
@@ -27277,7 +27277,7 @@
             </a:ln>
             <a:extLst>
               <a:ext uri="{909E8E84-426E-40dd-AFC4-6F175D3DCCD1}">
-                <a14:hiddenFill xmlns="" xmlns:a14="http://schemas.microsoft.com/office/drawing/2010/main">
+                <a14:hiddenFill xmlns:a14="http://schemas.microsoft.com/office/drawing/2010/main" xmlns="">
                   <a:noFill/>
                 </a14:hiddenFill>
               </a:ext>
@@ -27328,7 +27328,7 @@
             </a:ln>
             <a:extLst>
               <a:ext uri="{909E8E84-426E-40dd-AFC4-6F175D3DCCD1}">
-                <a14:hiddenFill xmlns="" xmlns:a14="http://schemas.microsoft.com/office/drawing/2010/main">
+                <a14:hiddenFill xmlns:a14="http://schemas.microsoft.com/office/drawing/2010/main" xmlns="">
                   <a:noFill/>
                 </a14:hiddenFill>
               </a:ext>
@@ -27379,7 +27379,7 @@
             </a:ln>
             <a:extLst>
               <a:ext uri="{909E8E84-426E-40dd-AFC4-6F175D3DCCD1}">
-                <a14:hiddenFill xmlns="" xmlns:a14="http://schemas.microsoft.com/office/drawing/2010/main">
+                <a14:hiddenFill xmlns:a14="http://schemas.microsoft.com/office/drawing/2010/main" xmlns="">
                   <a:noFill/>
                 </a14:hiddenFill>
               </a:ext>
@@ -27430,7 +27430,7 @@
             </a:ln>
             <a:extLst>
               <a:ext uri="{909E8E84-426E-40dd-AFC4-6F175D3DCCD1}">
-                <a14:hiddenFill xmlns="" xmlns:a14="http://schemas.microsoft.com/office/drawing/2010/main">
+                <a14:hiddenFill xmlns:a14="http://schemas.microsoft.com/office/drawing/2010/main" xmlns="">
                   <a:noFill/>
                 </a14:hiddenFill>
               </a:ext>
@@ -27481,7 +27481,7 @@
             </a:ln>
             <a:extLst>
               <a:ext uri="{909E8E84-426E-40dd-AFC4-6F175D3DCCD1}">
-                <a14:hiddenFill xmlns="" xmlns:a14="http://schemas.microsoft.com/office/drawing/2010/main">
+                <a14:hiddenFill xmlns:a14="http://schemas.microsoft.com/office/drawing/2010/main" xmlns="">
                   <a:noFill/>
                 </a14:hiddenFill>
               </a:ext>
@@ -27532,7 +27532,7 @@
             </a:ln>
             <a:extLst>
               <a:ext uri="{909E8E84-426E-40dd-AFC4-6F175D3DCCD1}">
-                <a14:hiddenFill xmlns="" xmlns:a14="http://schemas.microsoft.com/office/drawing/2010/main">
+                <a14:hiddenFill xmlns:a14="http://schemas.microsoft.com/office/drawing/2010/main" xmlns="">
                   <a:noFill/>
                 </a14:hiddenFill>
               </a:ext>
@@ -27583,7 +27583,7 @@
             </a:ln>
             <a:extLst>
               <a:ext uri="{909E8E84-426E-40dd-AFC4-6F175D3DCCD1}">
-                <a14:hiddenFill xmlns="" xmlns:a14="http://schemas.microsoft.com/office/drawing/2010/main">
+                <a14:hiddenFill xmlns:a14="http://schemas.microsoft.com/office/drawing/2010/main" xmlns="">
                   <a:noFill/>
                 </a14:hiddenFill>
               </a:ext>
@@ -27634,7 +27634,7 @@
             </a:ln>
             <a:extLst>
               <a:ext uri="{909E8E84-426E-40dd-AFC4-6F175D3DCCD1}">
-                <a14:hiddenFill xmlns="" xmlns:a14="http://schemas.microsoft.com/office/drawing/2010/main">
+                <a14:hiddenFill xmlns:a14="http://schemas.microsoft.com/office/drawing/2010/main" xmlns="">
                   <a:noFill/>
                 </a14:hiddenFill>
               </a:ext>
@@ -27685,7 +27685,7 @@
             </a:ln>
             <a:extLst>
               <a:ext uri="{909E8E84-426E-40dd-AFC4-6F175D3DCCD1}">
-                <a14:hiddenFill xmlns="" xmlns:a14="http://schemas.microsoft.com/office/drawing/2010/main">
+                <a14:hiddenFill xmlns:a14="http://schemas.microsoft.com/office/drawing/2010/main" xmlns="">
                   <a:noFill/>
                 </a14:hiddenFill>
               </a:ext>
@@ -27736,7 +27736,7 @@
             </a:ln>
             <a:extLst>
               <a:ext uri="{909E8E84-426E-40dd-AFC4-6F175D3DCCD1}">
-                <a14:hiddenFill xmlns="" xmlns:a14="http://schemas.microsoft.com/office/drawing/2010/main">
+                <a14:hiddenFill xmlns:a14="http://schemas.microsoft.com/office/drawing/2010/main" xmlns="">
                   <a:noFill/>
                 </a14:hiddenFill>
               </a:ext>
@@ -27787,7 +27787,7 @@
             </a:ln>
             <a:extLst>
               <a:ext uri="{909E8E84-426E-40dd-AFC4-6F175D3DCCD1}">
-                <a14:hiddenFill xmlns="" xmlns:a14="http://schemas.microsoft.com/office/drawing/2010/main">
+                <a14:hiddenFill xmlns:a14="http://schemas.microsoft.com/office/drawing/2010/main" xmlns="">
                   <a:noFill/>
                 </a14:hiddenFill>
               </a:ext>
@@ -27838,7 +27838,7 @@
             </a:ln>
             <a:extLst>
               <a:ext uri="{909E8E84-426E-40dd-AFC4-6F175D3DCCD1}">
-                <a14:hiddenFill xmlns="" xmlns:a14="http://schemas.microsoft.com/office/drawing/2010/main">
+                <a14:hiddenFill xmlns:a14="http://schemas.microsoft.com/office/drawing/2010/main" xmlns="">
                   <a:noFill/>
                 </a14:hiddenFill>
               </a:ext>
@@ -27889,7 +27889,7 @@
             </a:ln>
             <a:extLst>
               <a:ext uri="{909E8E84-426E-40dd-AFC4-6F175D3DCCD1}">
-                <a14:hiddenFill xmlns="" xmlns:a14="http://schemas.microsoft.com/office/drawing/2010/main">
+                <a14:hiddenFill xmlns:a14="http://schemas.microsoft.com/office/drawing/2010/main" xmlns="">
                   <a:noFill/>
                 </a14:hiddenFill>
               </a:ext>
@@ -27940,7 +27940,7 @@
             </a:ln>
             <a:extLst>
               <a:ext uri="{909E8E84-426E-40dd-AFC4-6F175D3DCCD1}">
-                <a14:hiddenFill xmlns="" xmlns:a14="http://schemas.microsoft.com/office/drawing/2010/main">
+                <a14:hiddenFill xmlns:a14="http://schemas.microsoft.com/office/drawing/2010/main" xmlns="">
                   <a:noFill/>
                 </a14:hiddenFill>
               </a:ext>
@@ -27991,7 +27991,7 @@
             </a:ln>
             <a:extLst>
               <a:ext uri="{909E8E84-426E-40dd-AFC4-6F175D3DCCD1}">
-                <a14:hiddenFill xmlns="" xmlns:a14="http://schemas.microsoft.com/office/drawing/2010/main">
+                <a14:hiddenFill xmlns:a14="http://schemas.microsoft.com/office/drawing/2010/main" xmlns="">
                   <a:noFill/>
                 </a14:hiddenFill>
               </a:ext>
@@ -28042,7 +28042,7 @@
             </a:ln>
             <a:extLst>
               <a:ext uri="{909E8E84-426E-40dd-AFC4-6F175D3DCCD1}">
-                <a14:hiddenFill xmlns="" xmlns:a14="http://schemas.microsoft.com/office/drawing/2010/main">
+                <a14:hiddenFill xmlns:a14="http://schemas.microsoft.com/office/drawing/2010/main" xmlns="">
                   <a:noFill/>
                 </a14:hiddenFill>
               </a:ext>
@@ -28093,7 +28093,7 @@
             </a:ln>
             <a:extLst>
               <a:ext uri="{909E8E84-426E-40dd-AFC4-6F175D3DCCD1}">
-                <a14:hiddenFill xmlns="" xmlns:a14="http://schemas.microsoft.com/office/drawing/2010/main">
+                <a14:hiddenFill xmlns:a14="http://schemas.microsoft.com/office/drawing/2010/main" xmlns="">
                   <a:noFill/>
                 </a14:hiddenFill>
               </a:ext>
@@ -28144,7 +28144,7 @@
             </a:ln>
             <a:extLst>
               <a:ext uri="{909E8E84-426E-40dd-AFC4-6F175D3DCCD1}">
-                <a14:hiddenFill xmlns="" xmlns:a14="http://schemas.microsoft.com/office/drawing/2010/main">
+                <a14:hiddenFill xmlns:a14="http://schemas.microsoft.com/office/drawing/2010/main" xmlns="">
                   <a:noFill/>
                 </a14:hiddenFill>
               </a:ext>
@@ -28195,7 +28195,7 @@
             </a:ln>
             <a:extLst>
               <a:ext uri="{909E8E84-426E-40dd-AFC4-6F175D3DCCD1}">
-                <a14:hiddenFill xmlns="" xmlns:a14="http://schemas.microsoft.com/office/drawing/2010/main">
+                <a14:hiddenFill xmlns:a14="http://schemas.microsoft.com/office/drawing/2010/main" xmlns="">
                   <a:noFill/>
                 </a14:hiddenFill>
               </a:ext>
@@ -28246,7 +28246,7 @@
             </a:ln>
             <a:extLst>
               <a:ext uri="{909E8E84-426E-40dd-AFC4-6F175D3DCCD1}">
-                <a14:hiddenFill xmlns="" xmlns:a14="http://schemas.microsoft.com/office/drawing/2010/main">
+                <a14:hiddenFill xmlns:a14="http://schemas.microsoft.com/office/drawing/2010/main" xmlns="">
                   <a:noFill/>
                 </a14:hiddenFill>
               </a:ext>
@@ -28297,7 +28297,7 @@
             </a:ln>
             <a:extLst>
               <a:ext uri="{909E8E84-426E-40dd-AFC4-6F175D3DCCD1}">
-                <a14:hiddenFill xmlns="" xmlns:a14="http://schemas.microsoft.com/office/drawing/2010/main">
+                <a14:hiddenFill xmlns:a14="http://schemas.microsoft.com/office/drawing/2010/main" xmlns="">
                   <a:noFill/>
                 </a14:hiddenFill>
               </a:ext>
@@ -28348,7 +28348,7 @@
             </a:ln>
             <a:extLst>
               <a:ext uri="{909E8E84-426E-40dd-AFC4-6F175D3DCCD1}">
-                <a14:hiddenFill xmlns="" xmlns:a14="http://schemas.microsoft.com/office/drawing/2010/main">
+                <a14:hiddenFill xmlns:a14="http://schemas.microsoft.com/office/drawing/2010/main" xmlns="">
                   <a:noFill/>
                 </a14:hiddenFill>
               </a:ext>
@@ -28399,7 +28399,7 @@
             </a:ln>
             <a:extLst>
               <a:ext uri="{909E8E84-426E-40dd-AFC4-6F175D3DCCD1}">
-                <a14:hiddenFill xmlns="" xmlns:a14="http://schemas.microsoft.com/office/drawing/2010/main">
+                <a14:hiddenFill xmlns:a14="http://schemas.microsoft.com/office/drawing/2010/main" xmlns="">
                   <a:noFill/>
                 </a14:hiddenFill>
               </a:ext>
@@ -28450,7 +28450,7 @@
             </a:ln>
             <a:extLst>
               <a:ext uri="{909E8E84-426E-40dd-AFC4-6F175D3DCCD1}">
-                <a14:hiddenFill xmlns="" xmlns:a14="http://schemas.microsoft.com/office/drawing/2010/main">
+                <a14:hiddenFill xmlns:a14="http://schemas.microsoft.com/office/drawing/2010/main" xmlns="">
                   <a:noFill/>
                 </a14:hiddenFill>
               </a:ext>
@@ -28501,7 +28501,7 @@
             </a:ln>
             <a:extLst>
               <a:ext uri="{909E8E84-426E-40dd-AFC4-6F175D3DCCD1}">
-                <a14:hiddenFill xmlns="" xmlns:a14="http://schemas.microsoft.com/office/drawing/2010/main">
+                <a14:hiddenFill xmlns:a14="http://schemas.microsoft.com/office/drawing/2010/main" xmlns="">
                   <a:noFill/>
                 </a14:hiddenFill>
               </a:ext>
@@ -28552,7 +28552,7 @@
             </a:ln>
             <a:extLst>
               <a:ext uri="{909E8E84-426E-40dd-AFC4-6F175D3DCCD1}">
-                <a14:hiddenFill xmlns="" xmlns:a14="http://schemas.microsoft.com/office/drawing/2010/main">
+                <a14:hiddenFill xmlns:a14="http://schemas.microsoft.com/office/drawing/2010/main" xmlns="">
                   <a:noFill/>
                 </a14:hiddenFill>
               </a:ext>
@@ -28603,7 +28603,7 @@
             </a:ln>
             <a:extLst>
               <a:ext uri="{909E8E84-426E-40dd-AFC4-6F175D3DCCD1}">
-                <a14:hiddenFill xmlns="" xmlns:a14="http://schemas.microsoft.com/office/drawing/2010/main">
+                <a14:hiddenFill xmlns:a14="http://schemas.microsoft.com/office/drawing/2010/main" xmlns="">
                   <a:noFill/>
                 </a14:hiddenFill>
               </a:ext>
@@ -28654,7 +28654,7 @@
             </a:ln>
             <a:extLst>
               <a:ext uri="{909E8E84-426E-40dd-AFC4-6F175D3DCCD1}">
-                <a14:hiddenFill xmlns="" xmlns:a14="http://schemas.microsoft.com/office/drawing/2010/main">
+                <a14:hiddenFill xmlns:a14="http://schemas.microsoft.com/office/drawing/2010/main" xmlns="">
                   <a:noFill/>
                 </a14:hiddenFill>
               </a:ext>
@@ -28705,7 +28705,7 @@
             </a:ln>
             <a:extLst>
               <a:ext uri="{909E8E84-426E-40dd-AFC4-6F175D3DCCD1}">
-                <a14:hiddenFill xmlns="" xmlns:a14="http://schemas.microsoft.com/office/drawing/2010/main">
+                <a14:hiddenFill xmlns:a14="http://schemas.microsoft.com/office/drawing/2010/main" xmlns="">
                   <a:noFill/>
                 </a14:hiddenFill>
               </a:ext>
@@ -28756,7 +28756,7 @@
             </a:ln>
             <a:extLst>
               <a:ext uri="{909E8E84-426E-40dd-AFC4-6F175D3DCCD1}">
-                <a14:hiddenFill xmlns="" xmlns:a14="http://schemas.microsoft.com/office/drawing/2010/main">
+                <a14:hiddenFill xmlns:a14="http://schemas.microsoft.com/office/drawing/2010/main" xmlns="">
                   <a:noFill/>
                 </a14:hiddenFill>
               </a:ext>
@@ -28807,7 +28807,7 @@
             </a:ln>
             <a:extLst>
               <a:ext uri="{909E8E84-426E-40dd-AFC4-6F175D3DCCD1}">
-                <a14:hiddenFill xmlns="" xmlns:a14="http://schemas.microsoft.com/office/drawing/2010/main">
+                <a14:hiddenFill xmlns:a14="http://schemas.microsoft.com/office/drawing/2010/main" xmlns="">
                   <a:noFill/>
                 </a14:hiddenFill>
               </a:ext>
@@ -28858,7 +28858,7 @@
             </a:ln>
             <a:extLst>
               <a:ext uri="{909E8E84-426E-40dd-AFC4-6F175D3DCCD1}">
-                <a14:hiddenFill xmlns="" xmlns:a14="http://schemas.microsoft.com/office/drawing/2010/main">
+                <a14:hiddenFill xmlns:a14="http://schemas.microsoft.com/office/drawing/2010/main" xmlns="">
                   <a:noFill/>
                 </a14:hiddenFill>
               </a:ext>
@@ -28909,7 +28909,7 @@
             </a:ln>
             <a:extLst>
               <a:ext uri="{909E8E84-426E-40dd-AFC4-6F175D3DCCD1}">
-                <a14:hiddenFill xmlns="" xmlns:a14="http://schemas.microsoft.com/office/drawing/2010/main">
+                <a14:hiddenFill xmlns:a14="http://schemas.microsoft.com/office/drawing/2010/main" xmlns="">
                   <a:noFill/>
                 </a14:hiddenFill>
               </a:ext>
@@ -28960,7 +28960,7 @@
             </a:ln>
             <a:extLst>
               <a:ext uri="{909E8E84-426E-40dd-AFC4-6F175D3DCCD1}">
-                <a14:hiddenFill xmlns="" xmlns:a14="http://schemas.microsoft.com/office/drawing/2010/main">
+                <a14:hiddenFill xmlns:a14="http://schemas.microsoft.com/office/drawing/2010/main" xmlns="">
                   <a:noFill/>
                 </a14:hiddenFill>
               </a:ext>
@@ -29011,7 +29011,7 @@
             </a:ln>
             <a:extLst>
               <a:ext uri="{909E8E84-426E-40dd-AFC4-6F175D3DCCD1}">
-                <a14:hiddenFill xmlns="" xmlns:a14="http://schemas.microsoft.com/office/drawing/2010/main">
+                <a14:hiddenFill xmlns:a14="http://schemas.microsoft.com/office/drawing/2010/main" xmlns="">
                   <a:noFill/>
                 </a14:hiddenFill>
               </a:ext>
@@ -29062,7 +29062,7 @@
             </a:ln>
             <a:extLst>
               <a:ext uri="{909E8E84-426E-40dd-AFC4-6F175D3DCCD1}">
-                <a14:hiddenFill xmlns="" xmlns:a14="http://schemas.microsoft.com/office/drawing/2010/main">
+                <a14:hiddenFill xmlns:a14="http://schemas.microsoft.com/office/drawing/2010/main" xmlns="">
                   <a:noFill/>
                 </a14:hiddenFill>
               </a:ext>
@@ -29113,7 +29113,7 @@
             </a:ln>
             <a:extLst>
               <a:ext uri="{909E8E84-426E-40dd-AFC4-6F175D3DCCD1}">
-                <a14:hiddenFill xmlns="" xmlns:a14="http://schemas.microsoft.com/office/drawing/2010/main">
+                <a14:hiddenFill xmlns:a14="http://schemas.microsoft.com/office/drawing/2010/main" xmlns="">
                   <a:noFill/>
                 </a14:hiddenFill>
               </a:ext>
@@ -29164,7 +29164,7 @@
             </a:ln>
             <a:extLst>
               <a:ext uri="{909E8E84-426E-40dd-AFC4-6F175D3DCCD1}">
-                <a14:hiddenFill xmlns="" xmlns:a14="http://schemas.microsoft.com/office/drawing/2010/main">
+                <a14:hiddenFill xmlns:a14="http://schemas.microsoft.com/office/drawing/2010/main" xmlns="">
                   <a:noFill/>
                 </a14:hiddenFill>
               </a:ext>
@@ -29215,7 +29215,7 @@
             </a:ln>
             <a:extLst>
               <a:ext uri="{909E8E84-426E-40dd-AFC4-6F175D3DCCD1}">
-                <a14:hiddenFill xmlns="" xmlns:a14="http://schemas.microsoft.com/office/drawing/2010/main">
+                <a14:hiddenFill xmlns:a14="http://schemas.microsoft.com/office/drawing/2010/main" xmlns="">
                   <a:noFill/>
                 </a14:hiddenFill>
               </a:ext>
@@ -29266,7 +29266,7 @@
             </a:ln>
             <a:extLst>
               <a:ext uri="{909E8E84-426E-40dd-AFC4-6F175D3DCCD1}">
-                <a14:hiddenFill xmlns="" xmlns:a14="http://schemas.microsoft.com/office/drawing/2010/main">
+                <a14:hiddenFill xmlns:a14="http://schemas.microsoft.com/office/drawing/2010/main" xmlns="">
                   <a:noFill/>
                 </a14:hiddenFill>
               </a:ext>
@@ -29317,7 +29317,7 @@
             </a:ln>
             <a:extLst>
               <a:ext uri="{909E8E84-426E-40dd-AFC4-6F175D3DCCD1}">
-                <a14:hiddenFill xmlns="" xmlns:a14="http://schemas.microsoft.com/office/drawing/2010/main">
+                <a14:hiddenFill xmlns:a14="http://schemas.microsoft.com/office/drawing/2010/main" xmlns="">
                   <a:noFill/>
                 </a14:hiddenFill>
               </a:ext>
@@ -29368,7 +29368,7 @@
             </a:ln>
             <a:extLst>
               <a:ext uri="{909E8E84-426E-40dd-AFC4-6F175D3DCCD1}">
-                <a14:hiddenFill xmlns="" xmlns:a14="http://schemas.microsoft.com/office/drawing/2010/main">
+                <a14:hiddenFill xmlns:a14="http://schemas.microsoft.com/office/drawing/2010/main" xmlns="">
                   <a:noFill/>
                 </a14:hiddenFill>
               </a:ext>
@@ -29419,7 +29419,7 @@
             </a:ln>
             <a:extLst>
               <a:ext uri="{909E8E84-426E-40dd-AFC4-6F175D3DCCD1}">
-                <a14:hiddenFill xmlns="" xmlns:a14="http://schemas.microsoft.com/office/drawing/2010/main">
+                <a14:hiddenFill xmlns:a14="http://schemas.microsoft.com/office/drawing/2010/main" xmlns="">
                   <a:noFill/>
                 </a14:hiddenFill>
               </a:ext>
@@ -29470,7 +29470,7 @@
             </a:ln>
             <a:extLst>
               <a:ext uri="{909E8E84-426E-40dd-AFC4-6F175D3DCCD1}">
-                <a14:hiddenFill xmlns="" xmlns:a14="http://schemas.microsoft.com/office/drawing/2010/main">
+                <a14:hiddenFill xmlns:a14="http://schemas.microsoft.com/office/drawing/2010/main" xmlns="">
                   <a:noFill/>
                 </a14:hiddenFill>
               </a:ext>
@@ -29521,7 +29521,7 @@
             </a:ln>
             <a:extLst>
               <a:ext uri="{909E8E84-426E-40dd-AFC4-6F175D3DCCD1}">
-                <a14:hiddenFill xmlns="" xmlns:a14="http://schemas.microsoft.com/office/drawing/2010/main">
+                <a14:hiddenFill xmlns:a14="http://schemas.microsoft.com/office/drawing/2010/main" xmlns="">
                   <a:noFill/>
                 </a14:hiddenFill>
               </a:ext>
@@ -29572,7 +29572,7 @@
             </a:ln>
             <a:extLst>
               <a:ext uri="{909E8E84-426E-40dd-AFC4-6F175D3DCCD1}">
-                <a14:hiddenFill xmlns="" xmlns:a14="http://schemas.microsoft.com/office/drawing/2010/main">
+                <a14:hiddenFill xmlns:a14="http://schemas.microsoft.com/office/drawing/2010/main" xmlns="">
                   <a:noFill/>
                 </a14:hiddenFill>
               </a:ext>
@@ -29623,7 +29623,7 @@
             </a:ln>
             <a:extLst>
               <a:ext uri="{909E8E84-426E-40dd-AFC4-6F175D3DCCD1}">
-                <a14:hiddenFill xmlns="" xmlns:a14="http://schemas.microsoft.com/office/drawing/2010/main">
+                <a14:hiddenFill xmlns:a14="http://schemas.microsoft.com/office/drawing/2010/main" xmlns="">
                   <a:noFill/>
                 </a14:hiddenFill>
               </a:ext>
@@ -29674,7 +29674,7 @@
             </a:ln>
             <a:extLst>
               <a:ext uri="{909E8E84-426E-40dd-AFC4-6F175D3DCCD1}">
-                <a14:hiddenFill xmlns="" xmlns:a14="http://schemas.microsoft.com/office/drawing/2010/main">
+                <a14:hiddenFill xmlns:a14="http://schemas.microsoft.com/office/drawing/2010/main" xmlns="">
                   <a:noFill/>
                 </a14:hiddenFill>
               </a:ext>
@@ -29725,7 +29725,7 @@
             </a:ln>
             <a:extLst>
               <a:ext uri="{909E8E84-426E-40dd-AFC4-6F175D3DCCD1}">
-                <a14:hiddenFill xmlns="" xmlns:a14="http://schemas.microsoft.com/office/drawing/2010/main">
+                <a14:hiddenFill xmlns:a14="http://schemas.microsoft.com/office/drawing/2010/main" xmlns="">
                   <a:noFill/>
                 </a14:hiddenFill>
               </a:ext>
@@ -29776,7 +29776,7 @@
             </a:ln>
             <a:extLst>
               <a:ext uri="{909E8E84-426E-40dd-AFC4-6F175D3DCCD1}">
-                <a14:hiddenFill xmlns="" xmlns:a14="http://schemas.microsoft.com/office/drawing/2010/main">
+                <a14:hiddenFill xmlns:a14="http://schemas.microsoft.com/office/drawing/2010/main" xmlns="">
                   <a:noFill/>
                 </a14:hiddenFill>
               </a:ext>
@@ -29827,7 +29827,7 @@
             </a:ln>
             <a:extLst>
               <a:ext uri="{909E8E84-426E-40dd-AFC4-6F175D3DCCD1}">
-                <a14:hiddenFill xmlns="" xmlns:a14="http://schemas.microsoft.com/office/drawing/2010/main">
+                <a14:hiddenFill xmlns:a14="http://schemas.microsoft.com/office/drawing/2010/main" xmlns="">
                   <a:noFill/>
                 </a14:hiddenFill>
               </a:ext>
@@ -29878,7 +29878,7 @@
             </a:ln>
             <a:extLst>
               <a:ext uri="{909E8E84-426E-40dd-AFC4-6F175D3DCCD1}">
-                <a14:hiddenFill xmlns="" xmlns:a14="http://schemas.microsoft.com/office/drawing/2010/main">
+                <a14:hiddenFill xmlns:a14="http://schemas.microsoft.com/office/drawing/2010/main" xmlns="">
                   <a:noFill/>
                 </a14:hiddenFill>
               </a:ext>
@@ -29929,7 +29929,7 @@
             </a:ln>
             <a:extLst>
               <a:ext uri="{909E8E84-426E-40dd-AFC4-6F175D3DCCD1}">
-                <a14:hiddenFill xmlns="" xmlns:a14="http://schemas.microsoft.com/office/drawing/2010/main">
+                <a14:hiddenFill xmlns:a14="http://schemas.microsoft.com/office/drawing/2010/main" xmlns="">
                   <a:noFill/>
                 </a14:hiddenFill>
               </a:ext>
@@ -29980,7 +29980,7 @@
             </a:ln>
             <a:extLst>
               <a:ext uri="{909E8E84-426E-40dd-AFC4-6F175D3DCCD1}">
-                <a14:hiddenFill xmlns="" xmlns:a14="http://schemas.microsoft.com/office/drawing/2010/main">
+                <a14:hiddenFill xmlns:a14="http://schemas.microsoft.com/office/drawing/2010/main" xmlns="">
                   <a:noFill/>
                 </a14:hiddenFill>
               </a:ext>
@@ -30031,7 +30031,7 @@
             </a:ln>
             <a:extLst>
               <a:ext uri="{909E8E84-426E-40dd-AFC4-6F175D3DCCD1}">
-                <a14:hiddenFill xmlns="" xmlns:a14="http://schemas.microsoft.com/office/drawing/2010/main">
+                <a14:hiddenFill xmlns:a14="http://schemas.microsoft.com/office/drawing/2010/main" xmlns="">
                   <a:noFill/>
                 </a14:hiddenFill>
               </a:ext>
@@ -30082,7 +30082,7 @@
             </a:ln>
             <a:extLst>
               <a:ext uri="{909E8E84-426E-40dd-AFC4-6F175D3DCCD1}">
-                <a14:hiddenFill xmlns="" xmlns:a14="http://schemas.microsoft.com/office/drawing/2010/main">
+                <a14:hiddenFill xmlns:a14="http://schemas.microsoft.com/office/drawing/2010/main" xmlns="">
                   <a:noFill/>
                 </a14:hiddenFill>
               </a:ext>
@@ -30133,7 +30133,7 @@
             </a:ln>
             <a:extLst>
               <a:ext uri="{909E8E84-426E-40dd-AFC4-6F175D3DCCD1}">
-                <a14:hiddenFill xmlns="" xmlns:a14="http://schemas.microsoft.com/office/drawing/2010/main">
+                <a14:hiddenFill xmlns:a14="http://schemas.microsoft.com/office/drawing/2010/main" xmlns="">
                   <a:noFill/>
                 </a14:hiddenFill>
               </a:ext>
@@ -30184,7 +30184,7 @@
             </a:ln>
             <a:extLst>
               <a:ext uri="{909E8E84-426E-40dd-AFC4-6F175D3DCCD1}">
-                <a14:hiddenFill xmlns="" xmlns:a14="http://schemas.microsoft.com/office/drawing/2010/main">
+                <a14:hiddenFill xmlns:a14="http://schemas.microsoft.com/office/drawing/2010/main" xmlns="">
                   <a:noFill/>
                 </a14:hiddenFill>
               </a:ext>
@@ -30235,7 +30235,7 @@
             </a:ln>
             <a:extLst>
               <a:ext uri="{909E8E84-426E-40dd-AFC4-6F175D3DCCD1}">
-                <a14:hiddenFill xmlns="" xmlns:a14="http://schemas.microsoft.com/office/drawing/2010/main">
+                <a14:hiddenFill xmlns:a14="http://schemas.microsoft.com/office/drawing/2010/main" xmlns="">
                   <a:noFill/>
                 </a14:hiddenFill>
               </a:ext>
@@ -30286,7 +30286,7 @@
             </a:ln>
             <a:extLst>
               <a:ext uri="{909E8E84-426E-40dd-AFC4-6F175D3DCCD1}">
-                <a14:hiddenFill xmlns="" xmlns:a14="http://schemas.microsoft.com/office/drawing/2010/main">
+                <a14:hiddenFill xmlns:a14="http://schemas.microsoft.com/office/drawing/2010/main" xmlns="">
                   <a:noFill/>
                 </a14:hiddenFill>
               </a:ext>
@@ -30337,7 +30337,7 @@
             </a:ln>
             <a:extLst>
               <a:ext uri="{909E8E84-426E-40dd-AFC4-6F175D3DCCD1}">
-                <a14:hiddenFill xmlns="" xmlns:a14="http://schemas.microsoft.com/office/drawing/2010/main">
+                <a14:hiddenFill xmlns:a14="http://schemas.microsoft.com/office/drawing/2010/main" xmlns="">
                   <a:noFill/>
                 </a14:hiddenFill>
               </a:ext>
@@ -30388,7 +30388,7 @@
             </a:ln>
             <a:extLst>
               <a:ext uri="{909E8E84-426E-40dd-AFC4-6F175D3DCCD1}">
-                <a14:hiddenFill xmlns="" xmlns:a14="http://schemas.microsoft.com/office/drawing/2010/main">
+                <a14:hiddenFill xmlns:a14="http://schemas.microsoft.com/office/drawing/2010/main" xmlns="">
                   <a:noFill/>
                 </a14:hiddenFill>
               </a:ext>
@@ -30439,7 +30439,7 @@
             </a:ln>
             <a:extLst>
               <a:ext uri="{909E8E84-426E-40dd-AFC4-6F175D3DCCD1}">
-                <a14:hiddenFill xmlns="" xmlns:a14="http://schemas.microsoft.com/office/drawing/2010/main">
+                <a14:hiddenFill xmlns:a14="http://schemas.microsoft.com/office/drawing/2010/main" xmlns="">
                   <a:noFill/>
                 </a14:hiddenFill>
               </a:ext>
@@ -30490,7 +30490,7 @@
             </a:ln>
             <a:extLst>
               <a:ext uri="{909E8E84-426E-40dd-AFC4-6F175D3DCCD1}">
-                <a14:hiddenFill xmlns="" xmlns:a14="http://schemas.microsoft.com/office/drawing/2010/main">
+                <a14:hiddenFill xmlns:a14="http://schemas.microsoft.com/office/drawing/2010/main" xmlns="">
                   <a:noFill/>
                 </a14:hiddenFill>
               </a:ext>
@@ -30541,7 +30541,7 @@
             </a:ln>
             <a:extLst>
               <a:ext uri="{909E8E84-426E-40dd-AFC4-6F175D3DCCD1}">
-                <a14:hiddenFill xmlns="" xmlns:a14="http://schemas.microsoft.com/office/drawing/2010/main">
+                <a14:hiddenFill xmlns:a14="http://schemas.microsoft.com/office/drawing/2010/main" xmlns="">
                   <a:noFill/>
                 </a14:hiddenFill>
               </a:ext>
@@ -30592,7 +30592,7 @@
             </a:ln>
             <a:extLst>
               <a:ext uri="{909E8E84-426E-40dd-AFC4-6F175D3DCCD1}">
-                <a14:hiddenFill xmlns="" xmlns:a14="http://schemas.microsoft.com/office/drawing/2010/main">
+                <a14:hiddenFill xmlns:a14="http://schemas.microsoft.com/office/drawing/2010/main" xmlns="">
                   <a:noFill/>
                 </a14:hiddenFill>
               </a:ext>
@@ -31415,7 +31415,7 @@
             </a:ln>
             <a:extLst>
               <a:ext uri="{909E8E84-426E-40dd-AFC4-6F175D3DCCD1}">
-                <a14:hiddenFill xmlns="" xmlns:a14="http://schemas.microsoft.com/office/drawing/2010/main">
+                <a14:hiddenFill xmlns:a14="http://schemas.microsoft.com/office/drawing/2010/main" xmlns="">
                   <a:solidFill>
                     <a:srgbClr val="FFFFFF"/>
                   </a:solidFill>
@@ -31468,7 +31468,7 @@
             </a:ln>
             <a:extLst>
               <a:ext uri="{909E8E84-426E-40dd-AFC4-6F175D3DCCD1}">
-                <a14:hiddenFill xmlns="" xmlns:a14="http://schemas.microsoft.com/office/drawing/2010/main">
+                <a14:hiddenFill xmlns:a14="http://schemas.microsoft.com/office/drawing/2010/main" xmlns="">
                   <a:noFill/>
                 </a14:hiddenFill>
               </a:ext>
@@ -31519,7 +31519,7 @@
             </a:ln>
             <a:extLst>
               <a:ext uri="{909E8E84-426E-40dd-AFC4-6F175D3DCCD1}">
-                <a14:hiddenFill xmlns="" xmlns:a14="http://schemas.microsoft.com/office/drawing/2010/main">
+                <a14:hiddenFill xmlns:a14="http://schemas.microsoft.com/office/drawing/2010/main" xmlns="">
                   <a:noFill/>
                 </a14:hiddenFill>
               </a:ext>
@@ -31570,7 +31570,7 @@
             </a:ln>
             <a:extLst>
               <a:ext uri="{909E8E84-426E-40dd-AFC4-6F175D3DCCD1}">
-                <a14:hiddenFill xmlns="" xmlns:a14="http://schemas.microsoft.com/office/drawing/2010/main">
+                <a14:hiddenFill xmlns:a14="http://schemas.microsoft.com/office/drawing/2010/main" xmlns="">
                   <a:noFill/>
                 </a14:hiddenFill>
               </a:ext>
@@ -31621,7 +31621,7 @@
             </a:ln>
             <a:extLst>
               <a:ext uri="{909E8E84-426E-40dd-AFC4-6F175D3DCCD1}">
-                <a14:hiddenFill xmlns="" xmlns:a14="http://schemas.microsoft.com/office/drawing/2010/main">
+                <a14:hiddenFill xmlns:a14="http://schemas.microsoft.com/office/drawing/2010/main" xmlns="">
                   <a:noFill/>
                 </a14:hiddenFill>
               </a:ext>
@@ -31672,7 +31672,7 @@
             </a:ln>
             <a:extLst>
               <a:ext uri="{909E8E84-426E-40dd-AFC4-6F175D3DCCD1}">
-                <a14:hiddenFill xmlns="" xmlns:a14="http://schemas.microsoft.com/office/drawing/2010/main">
+                <a14:hiddenFill xmlns:a14="http://schemas.microsoft.com/office/drawing/2010/main" xmlns="">
                   <a:noFill/>
                 </a14:hiddenFill>
               </a:ext>
@@ -31723,7 +31723,7 @@
             </a:ln>
             <a:extLst>
               <a:ext uri="{909E8E84-426E-40dd-AFC4-6F175D3DCCD1}">
-                <a14:hiddenFill xmlns="" xmlns:a14="http://schemas.microsoft.com/office/drawing/2010/main">
+                <a14:hiddenFill xmlns:a14="http://schemas.microsoft.com/office/drawing/2010/main" xmlns="">
                   <a:noFill/>
                 </a14:hiddenFill>
               </a:ext>
@@ -31774,7 +31774,7 @@
             </a:ln>
             <a:extLst>
               <a:ext uri="{909E8E84-426E-40dd-AFC4-6F175D3DCCD1}">
-                <a14:hiddenFill xmlns="" xmlns:a14="http://schemas.microsoft.com/office/drawing/2010/main">
+                <a14:hiddenFill xmlns:a14="http://schemas.microsoft.com/office/drawing/2010/main" xmlns="">
                   <a:noFill/>
                 </a14:hiddenFill>
               </a:ext>
@@ -31825,7 +31825,7 @@
             </a:ln>
             <a:extLst>
               <a:ext uri="{909E8E84-426E-40dd-AFC4-6F175D3DCCD1}">
-                <a14:hiddenFill xmlns="" xmlns:a14="http://schemas.microsoft.com/office/drawing/2010/main">
+                <a14:hiddenFill xmlns:a14="http://schemas.microsoft.com/office/drawing/2010/main" xmlns="">
                   <a:noFill/>
                 </a14:hiddenFill>
               </a:ext>
@@ -31876,7 +31876,7 @@
             </a:ln>
             <a:extLst>
               <a:ext uri="{909E8E84-426E-40dd-AFC4-6F175D3DCCD1}">
-                <a14:hiddenFill xmlns="" xmlns:a14="http://schemas.microsoft.com/office/drawing/2010/main">
+                <a14:hiddenFill xmlns:a14="http://schemas.microsoft.com/office/drawing/2010/main" xmlns="">
                   <a:noFill/>
                 </a14:hiddenFill>
               </a:ext>
@@ -31927,7 +31927,7 @@
             </a:ln>
             <a:extLst>
               <a:ext uri="{909E8E84-426E-40dd-AFC4-6F175D3DCCD1}">
-                <a14:hiddenFill xmlns="" xmlns:a14="http://schemas.microsoft.com/office/drawing/2010/main">
+                <a14:hiddenFill xmlns:a14="http://schemas.microsoft.com/office/drawing/2010/main" xmlns="">
                   <a:noFill/>
                 </a14:hiddenFill>
               </a:ext>
@@ -31978,7 +31978,7 @@
             </a:ln>
             <a:extLst>
               <a:ext uri="{909E8E84-426E-40dd-AFC4-6F175D3DCCD1}">
-                <a14:hiddenFill xmlns="" xmlns:a14="http://schemas.microsoft.com/office/drawing/2010/main">
+                <a14:hiddenFill xmlns:a14="http://schemas.microsoft.com/office/drawing/2010/main" xmlns="">
                   <a:noFill/>
                 </a14:hiddenFill>
               </a:ext>
@@ -32029,7 +32029,7 @@
             </a:ln>
             <a:extLst>
               <a:ext uri="{909E8E84-426E-40dd-AFC4-6F175D3DCCD1}">
-                <a14:hiddenFill xmlns="" xmlns:a14="http://schemas.microsoft.com/office/drawing/2010/main">
+                <a14:hiddenFill xmlns:a14="http://schemas.microsoft.com/office/drawing/2010/main" xmlns="">
                   <a:noFill/>
                 </a14:hiddenFill>
               </a:ext>
@@ -32080,7 +32080,7 @@
             </a:ln>
             <a:extLst>
               <a:ext uri="{909E8E84-426E-40dd-AFC4-6F175D3DCCD1}">
-                <a14:hiddenFill xmlns="" xmlns:a14="http://schemas.microsoft.com/office/drawing/2010/main">
+                <a14:hiddenFill xmlns:a14="http://schemas.microsoft.com/office/drawing/2010/main" xmlns="">
                   <a:noFill/>
                 </a14:hiddenFill>
               </a:ext>
@@ -32131,7 +32131,7 @@
             </a:ln>
             <a:extLst>
               <a:ext uri="{909E8E84-426E-40dd-AFC4-6F175D3DCCD1}">
-                <a14:hiddenFill xmlns="" xmlns:a14="http://schemas.microsoft.com/office/drawing/2010/main">
+                <a14:hiddenFill xmlns:a14="http://schemas.microsoft.com/office/drawing/2010/main" xmlns="">
                   <a:noFill/>
                 </a14:hiddenFill>
               </a:ext>
@@ -32182,7 +32182,7 @@
             </a:ln>
             <a:extLst>
               <a:ext uri="{909E8E84-426E-40dd-AFC4-6F175D3DCCD1}">
-                <a14:hiddenFill xmlns="" xmlns:a14="http://schemas.microsoft.com/office/drawing/2010/main">
+                <a14:hiddenFill xmlns:a14="http://schemas.microsoft.com/office/drawing/2010/main" xmlns="">
                   <a:noFill/>
                 </a14:hiddenFill>
               </a:ext>
@@ -32233,7 +32233,7 @@
             </a:ln>
             <a:extLst>
               <a:ext uri="{909E8E84-426E-40dd-AFC4-6F175D3DCCD1}">
-                <a14:hiddenFill xmlns="" xmlns:a14="http://schemas.microsoft.com/office/drawing/2010/main">
+                <a14:hiddenFill xmlns:a14="http://schemas.microsoft.com/office/drawing/2010/main" xmlns="">
                   <a:noFill/>
                 </a14:hiddenFill>
               </a:ext>
@@ -32284,7 +32284,7 @@
             </a:ln>
             <a:extLst>
               <a:ext uri="{909E8E84-426E-40dd-AFC4-6F175D3DCCD1}">
-                <a14:hiddenFill xmlns="" xmlns:a14="http://schemas.microsoft.com/office/drawing/2010/main">
+                <a14:hiddenFill xmlns:a14="http://schemas.microsoft.com/office/drawing/2010/main" xmlns="">
                   <a:noFill/>
                 </a14:hiddenFill>
               </a:ext>
@@ -32335,7 +32335,7 @@
             </a:ln>
             <a:extLst>
               <a:ext uri="{909E8E84-426E-40dd-AFC4-6F175D3DCCD1}">
-                <a14:hiddenFill xmlns="" xmlns:a14="http://schemas.microsoft.com/office/drawing/2010/main">
+                <a14:hiddenFill xmlns:a14="http://schemas.microsoft.com/office/drawing/2010/main" xmlns="">
                   <a:noFill/>
                 </a14:hiddenFill>
               </a:ext>
@@ -32386,7 +32386,7 @@
             </a:ln>
             <a:extLst>
               <a:ext uri="{909E8E84-426E-40dd-AFC4-6F175D3DCCD1}">
-                <a14:hiddenFill xmlns="" xmlns:a14="http://schemas.microsoft.com/office/drawing/2010/main">
+                <a14:hiddenFill xmlns:a14="http://schemas.microsoft.com/office/drawing/2010/main" xmlns="">
                   <a:noFill/>
                 </a14:hiddenFill>
               </a:ext>
@@ -32437,7 +32437,7 @@
             </a:ln>
             <a:extLst>
               <a:ext uri="{909E8E84-426E-40dd-AFC4-6F175D3DCCD1}">
-                <a14:hiddenFill xmlns="" xmlns:a14="http://schemas.microsoft.com/office/drawing/2010/main">
+                <a14:hiddenFill xmlns:a14="http://schemas.microsoft.com/office/drawing/2010/main" xmlns="">
                   <a:noFill/>
                 </a14:hiddenFill>
               </a:ext>
@@ -32488,7 +32488,7 @@
             </a:ln>
             <a:extLst>
               <a:ext uri="{909E8E84-426E-40dd-AFC4-6F175D3DCCD1}">
-                <a14:hiddenFill xmlns="" xmlns:a14="http://schemas.microsoft.com/office/drawing/2010/main">
+                <a14:hiddenFill xmlns:a14="http://schemas.microsoft.com/office/drawing/2010/main" xmlns="">
                   <a:noFill/>
                 </a14:hiddenFill>
               </a:ext>
@@ -32539,7 +32539,7 @@
             </a:ln>
             <a:extLst>
               <a:ext uri="{909E8E84-426E-40dd-AFC4-6F175D3DCCD1}">
-                <a14:hiddenFill xmlns="" xmlns:a14="http://schemas.microsoft.com/office/drawing/2010/main">
+                <a14:hiddenFill xmlns:a14="http://schemas.microsoft.com/office/drawing/2010/main" xmlns="">
                   <a:noFill/>
                 </a14:hiddenFill>
               </a:ext>
@@ -32590,7 +32590,7 @@
             </a:ln>
             <a:extLst>
               <a:ext uri="{909E8E84-426E-40dd-AFC4-6F175D3DCCD1}">
-                <a14:hiddenFill xmlns="" xmlns:a14="http://schemas.microsoft.com/office/drawing/2010/main">
+                <a14:hiddenFill xmlns:a14="http://schemas.microsoft.com/office/drawing/2010/main" xmlns="">
                   <a:noFill/>
                 </a14:hiddenFill>
               </a:ext>
@@ -32641,7 +32641,7 @@
             </a:ln>
             <a:extLst>
               <a:ext uri="{909E8E84-426E-40dd-AFC4-6F175D3DCCD1}">
-                <a14:hiddenFill xmlns="" xmlns:a14="http://schemas.microsoft.com/office/drawing/2010/main">
+                <a14:hiddenFill xmlns:a14="http://schemas.microsoft.com/office/drawing/2010/main" xmlns="">
                   <a:noFill/>
                 </a14:hiddenFill>
               </a:ext>
@@ -32692,7 +32692,7 @@
             </a:ln>
             <a:extLst>
               <a:ext uri="{909E8E84-426E-40dd-AFC4-6F175D3DCCD1}">
-                <a14:hiddenFill xmlns="" xmlns:a14="http://schemas.microsoft.com/office/drawing/2010/main">
+                <a14:hiddenFill xmlns:a14="http://schemas.microsoft.com/office/drawing/2010/main" xmlns="">
                   <a:noFill/>
                 </a14:hiddenFill>
               </a:ext>
@@ -32743,7 +32743,7 @@
             </a:ln>
             <a:extLst>
               <a:ext uri="{909E8E84-426E-40dd-AFC4-6F175D3DCCD1}">
-                <a14:hiddenFill xmlns="" xmlns:a14="http://schemas.microsoft.com/office/drawing/2010/main">
+                <a14:hiddenFill xmlns:a14="http://schemas.microsoft.com/office/drawing/2010/main" xmlns="">
                   <a:noFill/>
                 </a14:hiddenFill>
               </a:ext>
@@ -32794,7 +32794,7 @@
             </a:ln>
             <a:extLst>
               <a:ext uri="{909E8E84-426E-40dd-AFC4-6F175D3DCCD1}">
-                <a14:hiddenFill xmlns="" xmlns:a14="http://schemas.microsoft.com/office/drawing/2010/main">
+                <a14:hiddenFill xmlns:a14="http://schemas.microsoft.com/office/drawing/2010/main" xmlns="">
                   <a:noFill/>
                 </a14:hiddenFill>
               </a:ext>
@@ -32845,7 +32845,7 @@
             </a:ln>
             <a:extLst>
               <a:ext uri="{909E8E84-426E-40dd-AFC4-6F175D3DCCD1}">
-                <a14:hiddenFill xmlns="" xmlns:a14="http://schemas.microsoft.com/office/drawing/2010/main">
+                <a14:hiddenFill xmlns:a14="http://schemas.microsoft.com/office/drawing/2010/main" xmlns="">
                   <a:noFill/>
                 </a14:hiddenFill>
               </a:ext>
@@ -32896,7 +32896,7 @@
             </a:ln>
             <a:extLst>
               <a:ext uri="{909E8E84-426E-40dd-AFC4-6F175D3DCCD1}">
-                <a14:hiddenFill xmlns="" xmlns:a14="http://schemas.microsoft.com/office/drawing/2010/main">
+                <a14:hiddenFill xmlns:a14="http://schemas.microsoft.com/office/drawing/2010/main" xmlns="">
                   <a:noFill/>
                 </a14:hiddenFill>
               </a:ext>
@@ -32947,7 +32947,7 @@
             </a:ln>
             <a:extLst>
               <a:ext uri="{909E8E84-426E-40dd-AFC4-6F175D3DCCD1}">
-                <a14:hiddenFill xmlns="" xmlns:a14="http://schemas.microsoft.com/office/drawing/2010/main">
+                <a14:hiddenFill xmlns:a14="http://schemas.microsoft.com/office/drawing/2010/main" xmlns="">
                   <a:noFill/>
                 </a14:hiddenFill>
               </a:ext>
@@ -32998,7 +32998,7 @@
             </a:ln>
             <a:extLst>
               <a:ext uri="{909E8E84-426E-40dd-AFC4-6F175D3DCCD1}">
-                <a14:hiddenFill xmlns="" xmlns:a14="http://schemas.microsoft.com/office/drawing/2010/main">
+                <a14:hiddenFill xmlns:a14="http://schemas.microsoft.com/office/drawing/2010/main" xmlns="">
                   <a:noFill/>
                 </a14:hiddenFill>
               </a:ext>
@@ -33049,7 +33049,7 @@
             </a:ln>
             <a:extLst>
               <a:ext uri="{909E8E84-426E-40dd-AFC4-6F175D3DCCD1}">
-                <a14:hiddenFill xmlns="" xmlns:a14="http://schemas.microsoft.com/office/drawing/2010/main">
+                <a14:hiddenFill xmlns:a14="http://schemas.microsoft.com/office/drawing/2010/main" xmlns="">
                   <a:noFill/>
                 </a14:hiddenFill>
               </a:ext>
@@ -33100,7 +33100,7 @@
             </a:ln>
             <a:extLst>
               <a:ext uri="{909E8E84-426E-40dd-AFC4-6F175D3DCCD1}">
-                <a14:hiddenFill xmlns="" xmlns:a14="http://schemas.microsoft.com/office/drawing/2010/main">
+                <a14:hiddenFill xmlns:a14="http://schemas.microsoft.com/office/drawing/2010/main" xmlns="">
                   <a:noFill/>
                 </a14:hiddenFill>
               </a:ext>
@@ -33151,7 +33151,7 @@
             </a:ln>
             <a:extLst>
               <a:ext uri="{909E8E84-426E-40dd-AFC4-6F175D3DCCD1}">
-                <a14:hiddenFill xmlns="" xmlns:a14="http://schemas.microsoft.com/office/drawing/2010/main">
+                <a14:hiddenFill xmlns:a14="http://schemas.microsoft.com/office/drawing/2010/main" xmlns="">
                   <a:noFill/>
                 </a14:hiddenFill>
               </a:ext>
@@ -33202,7 +33202,7 @@
             </a:ln>
             <a:extLst>
               <a:ext uri="{909E8E84-426E-40dd-AFC4-6F175D3DCCD1}">
-                <a14:hiddenFill xmlns="" xmlns:a14="http://schemas.microsoft.com/office/drawing/2010/main">
+                <a14:hiddenFill xmlns:a14="http://schemas.microsoft.com/office/drawing/2010/main" xmlns="">
                   <a:noFill/>
                 </a14:hiddenFill>
               </a:ext>
@@ -33253,7 +33253,7 @@
             </a:ln>
             <a:extLst>
               <a:ext uri="{909E8E84-426E-40dd-AFC4-6F175D3DCCD1}">
-                <a14:hiddenFill xmlns="" xmlns:a14="http://schemas.microsoft.com/office/drawing/2010/main">
+                <a14:hiddenFill xmlns:a14="http://schemas.microsoft.com/office/drawing/2010/main" xmlns="">
                   <a:noFill/>
                 </a14:hiddenFill>
               </a:ext>
@@ -33304,7 +33304,7 @@
             </a:ln>
             <a:extLst>
               <a:ext uri="{909E8E84-426E-40dd-AFC4-6F175D3DCCD1}">
-                <a14:hiddenFill xmlns="" xmlns:a14="http://schemas.microsoft.com/office/drawing/2010/main">
+                <a14:hiddenFill xmlns:a14="http://schemas.microsoft.com/office/drawing/2010/main" xmlns="">
                   <a:noFill/>
                 </a14:hiddenFill>
               </a:ext>
@@ -33355,7 +33355,7 @@
             </a:ln>
             <a:extLst>
               <a:ext uri="{909E8E84-426E-40dd-AFC4-6F175D3DCCD1}">
-                <a14:hiddenFill xmlns="" xmlns:a14="http://schemas.microsoft.com/office/drawing/2010/main">
+                <a14:hiddenFill xmlns:a14="http://schemas.microsoft.com/office/drawing/2010/main" xmlns="">
                   <a:noFill/>
                 </a14:hiddenFill>
               </a:ext>
@@ -33406,7 +33406,7 @@
             </a:ln>
             <a:extLst>
               <a:ext uri="{909E8E84-426E-40dd-AFC4-6F175D3DCCD1}">
-                <a14:hiddenFill xmlns="" xmlns:a14="http://schemas.microsoft.com/office/drawing/2010/main">
+                <a14:hiddenFill xmlns:a14="http://schemas.microsoft.com/office/drawing/2010/main" xmlns="">
                   <a:noFill/>
                 </a14:hiddenFill>
               </a:ext>
@@ -33457,7 +33457,7 @@
             </a:ln>
             <a:extLst>
               <a:ext uri="{909E8E84-426E-40dd-AFC4-6F175D3DCCD1}">
-                <a14:hiddenFill xmlns="" xmlns:a14="http://schemas.microsoft.com/office/drawing/2010/main">
+                <a14:hiddenFill xmlns:a14="http://schemas.microsoft.com/office/drawing/2010/main" xmlns="">
                   <a:noFill/>
                 </a14:hiddenFill>
               </a:ext>
@@ -33508,7 +33508,7 @@
             </a:ln>
             <a:extLst>
               <a:ext uri="{909E8E84-426E-40dd-AFC4-6F175D3DCCD1}">
-                <a14:hiddenFill xmlns="" xmlns:a14="http://schemas.microsoft.com/office/drawing/2010/main">
+                <a14:hiddenFill xmlns:a14="http://schemas.microsoft.com/office/drawing/2010/main" xmlns="">
                   <a:noFill/>
                 </a14:hiddenFill>
               </a:ext>
@@ -33559,7 +33559,7 @@
             </a:ln>
             <a:extLst>
               <a:ext uri="{909E8E84-426E-40dd-AFC4-6F175D3DCCD1}">
-                <a14:hiddenFill xmlns="" xmlns:a14="http://schemas.microsoft.com/office/drawing/2010/main">
+                <a14:hiddenFill xmlns:a14="http://schemas.microsoft.com/office/drawing/2010/main" xmlns="">
                   <a:noFill/>
                 </a14:hiddenFill>
               </a:ext>
@@ -33610,7 +33610,7 @@
             </a:ln>
             <a:extLst>
               <a:ext uri="{909E8E84-426E-40dd-AFC4-6F175D3DCCD1}">
-                <a14:hiddenFill xmlns="" xmlns:a14="http://schemas.microsoft.com/office/drawing/2010/main">
+                <a14:hiddenFill xmlns:a14="http://schemas.microsoft.com/office/drawing/2010/main" xmlns="">
                   <a:noFill/>
                 </a14:hiddenFill>
               </a:ext>
@@ -33661,7 +33661,7 @@
             </a:ln>
             <a:extLst>
               <a:ext uri="{909E8E84-426E-40dd-AFC4-6F175D3DCCD1}">
-                <a14:hiddenFill xmlns="" xmlns:a14="http://schemas.microsoft.com/office/drawing/2010/main">
+                <a14:hiddenFill xmlns:a14="http://schemas.microsoft.com/office/drawing/2010/main" xmlns="">
                   <a:noFill/>
                 </a14:hiddenFill>
               </a:ext>
@@ -33712,7 +33712,7 @@
             </a:ln>
             <a:extLst>
               <a:ext uri="{909E8E84-426E-40dd-AFC4-6F175D3DCCD1}">
-                <a14:hiddenFill xmlns="" xmlns:a14="http://schemas.microsoft.com/office/drawing/2010/main">
+                <a14:hiddenFill xmlns:a14="http://schemas.microsoft.com/office/drawing/2010/main" xmlns="">
                   <a:noFill/>
                 </a14:hiddenFill>
               </a:ext>
@@ -33763,7 +33763,7 @@
             </a:ln>
             <a:extLst>
               <a:ext uri="{909E8E84-426E-40dd-AFC4-6F175D3DCCD1}">
-                <a14:hiddenFill xmlns="" xmlns:a14="http://schemas.microsoft.com/office/drawing/2010/main">
+                <a14:hiddenFill xmlns:a14="http://schemas.microsoft.com/office/drawing/2010/main" xmlns="">
                   <a:noFill/>
                 </a14:hiddenFill>
               </a:ext>
@@ -33814,7 +33814,7 @@
             </a:ln>
             <a:extLst>
               <a:ext uri="{909E8E84-426E-40dd-AFC4-6F175D3DCCD1}">
-                <a14:hiddenFill xmlns="" xmlns:a14="http://schemas.microsoft.com/office/drawing/2010/main">
+                <a14:hiddenFill xmlns:a14="http://schemas.microsoft.com/office/drawing/2010/main" xmlns="">
                   <a:noFill/>
                 </a14:hiddenFill>
               </a:ext>
@@ -33865,7 +33865,7 @@
             </a:ln>
             <a:extLst>
               <a:ext uri="{909E8E84-426E-40dd-AFC4-6F175D3DCCD1}">
-                <a14:hiddenFill xmlns="" xmlns:a14="http://schemas.microsoft.com/office/drawing/2010/main">
+                <a14:hiddenFill xmlns:a14="http://schemas.microsoft.com/office/drawing/2010/main" xmlns="">
                   <a:noFill/>
                 </a14:hiddenFill>
               </a:ext>
@@ -33916,7 +33916,7 @@
             </a:ln>
             <a:extLst>
               <a:ext uri="{909E8E84-426E-40dd-AFC4-6F175D3DCCD1}">
-                <a14:hiddenFill xmlns="" xmlns:a14="http://schemas.microsoft.com/office/drawing/2010/main">
+                <a14:hiddenFill xmlns:a14="http://schemas.microsoft.com/office/drawing/2010/main" xmlns="">
                   <a:noFill/>
                 </a14:hiddenFill>
               </a:ext>
@@ -33967,7 +33967,7 @@
             </a:ln>
             <a:extLst>
               <a:ext uri="{909E8E84-426E-40dd-AFC4-6F175D3DCCD1}">
-                <a14:hiddenFill xmlns="" xmlns:a14="http://schemas.microsoft.com/office/drawing/2010/main">
+                <a14:hiddenFill xmlns:a14="http://schemas.microsoft.com/office/drawing/2010/main" xmlns="">
                   <a:noFill/>
                 </a14:hiddenFill>
               </a:ext>
@@ -34018,7 +34018,7 @@
             </a:ln>
             <a:extLst>
               <a:ext uri="{909E8E84-426E-40dd-AFC4-6F175D3DCCD1}">
-                <a14:hiddenFill xmlns="" xmlns:a14="http://schemas.microsoft.com/office/drawing/2010/main">
+                <a14:hiddenFill xmlns:a14="http://schemas.microsoft.com/office/drawing/2010/main" xmlns="">
                   <a:noFill/>
                 </a14:hiddenFill>
               </a:ext>
@@ -34069,7 +34069,7 @@
             </a:ln>
             <a:extLst>
               <a:ext uri="{909E8E84-426E-40dd-AFC4-6F175D3DCCD1}">
-                <a14:hiddenFill xmlns="" xmlns:a14="http://schemas.microsoft.com/office/drawing/2010/main">
+                <a14:hiddenFill xmlns:a14="http://schemas.microsoft.com/office/drawing/2010/main" xmlns="">
                   <a:noFill/>
                 </a14:hiddenFill>
               </a:ext>
@@ -34120,7 +34120,7 @@
             </a:ln>
             <a:extLst>
               <a:ext uri="{909E8E84-426E-40dd-AFC4-6F175D3DCCD1}">
-                <a14:hiddenFill xmlns="" xmlns:a14="http://schemas.microsoft.com/office/drawing/2010/main">
+                <a14:hiddenFill xmlns:a14="http://schemas.microsoft.com/office/drawing/2010/main" xmlns="">
                   <a:noFill/>
                 </a14:hiddenFill>
               </a:ext>
@@ -34171,7 +34171,7 @@
             </a:ln>
             <a:extLst>
               <a:ext uri="{909E8E84-426E-40dd-AFC4-6F175D3DCCD1}">
-                <a14:hiddenFill xmlns="" xmlns:a14="http://schemas.microsoft.com/office/drawing/2010/main">
+                <a14:hiddenFill xmlns:a14="http://schemas.microsoft.com/office/drawing/2010/main" xmlns="">
                   <a:noFill/>
                 </a14:hiddenFill>
               </a:ext>
@@ -34222,7 +34222,7 @@
             </a:ln>
             <a:extLst>
               <a:ext uri="{909E8E84-426E-40dd-AFC4-6F175D3DCCD1}">
-                <a14:hiddenFill xmlns="" xmlns:a14="http://schemas.microsoft.com/office/drawing/2010/main">
+                <a14:hiddenFill xmlns:a14="http://schemas.microsoft.com/office/drawing/2010/main" xmlns="">
                   <a:noFill/>
                 </a14:hiddenFill>
               </a:ext>
@@ -34273,7 +34273,7 @@
             </a:ln>
             <a:extLst>
               <a:ext uri="{909E8E84-426E-40dd-AFC4-6F175D3DCCD1}">
-                <a14:hiddenFill xmlns="" xmlns:a14="http://schemas.microsoft.com/office/drawing/2010/main">
+                <a14:hiddenFill xmlns:a14="http://schemas.microsoft.com/office/drawing/2010/main" xmlns="">
                   <a:noFill/>
                 </a14:hiddenFill>
               </a:ext>
@@ -34324,7 +34324,7 @@
             </a:ln>
             <a:extLst>
               <a:ext uri="{909E8E84-426E-40dd-AFC4-6F175D3DCCD1}">
-                <a14:hiddenFill xmlns="" xmlns:a14="http://schemas.microsoft.com/office/drawing/2010/main">
+                <a14:hiddenFill xmlns:a14="http://schemas.microsoft.com/office/drawing/2010/main" xmlns="">
                   <a:noFill/>
                 </a14:hiddenFill>
               </a:ext>
@@ -34375,7 +34375,7 @@
             </a:ln>
             <a:extLst>
               <a:ext uri="{909E8E84-426E-40dd-AFC4-6F175D3DCCD1}">
-                <a14:hiddenFill xmlns="" xmlns:a14="http://schemas.microsoft.com/office/drawing/2010/main">
+                <a14:hiddenFill xmlns:a14="http://schemas.microsoft.com/office/drawing/2010/main" xmlns="">
                   <a:noFill/>
                 </a14:hiddenFill>
               </a:ext>
@@ -34426,7 +34426,7 @@
             </a:ln>
             <a:extLst>
               <a:ext uri="{909E8E84-426E-40dd-AFC4-6F175D3DCCD1}">
-                <a14:hiddenFill xmlns="" xmlns:a14="http://schemas.microsoft.com/office/drawing/2010/main">
+                <a14:hiddenFill xmlns:a14="http://schemas.microsoft.com/office/drawing/2010/main" xmlns="">
                   <a:noFill/>
                 </a14:hiddenFill>
               </a:ext>
@@ -34477,7 +34477,7 @@
             </a:ln>
             <a:extLst>
               <a:ext uri="{909E8E84-426E-40dd-AFC4-6F175D3DCCD1}">
-                <a14:hiddenFill xmlns="" xmlns:a14="http://schemas.microsoft.com/office/drawing/2010/main">
+                <a14:hiddenFill xmlns:a14="http://schemas.microsoft.com/office/drawing/2010/main" xmlns="">
                   <a:noFill/>
                 </a14:hiddenFill>
               </a:ext>
@@ -34528,7 +34528,7 @@
             </a:ln>
             <a:extLst>
               <a:ext uri="{909E8E84-426E-40dd-AFC4-6F175D3DCCD1}">
-                <a14:hiddenFill xmlns="" xmlns:a14="http://schemas.microsoft.com/office/drawing/2010/main">
+                <a14:hiddenFill xmlns:a14="http://schemas.microsoft.com/office/drawing/2010/main" xmlns="">
                   <a:noFill/>
                 </a14:hiddenFill>
               </a:ext>
@@ -34579,7 +34579,7 @@
             </a:ln>
             <a:extLst>
               <a:ext uri="{909E8E84-426E-40dd-AFC4-6F175D3DCCD1}">
-                <a14:hiddenFill xmlns="" xmlns:a14="http://schemas.microsoft.com/office/drawing/2010/main">
+                <a14:hiddenFill xmlns:a14="http://schemas.microsoft.com/office/drawing/2010/main" xmlns="">
                   <a:noFill/>
                 </a14:hiddenFill>
               </a:ext>
@@ -34630,7 +34630,7 @@
             </a:ln>
             <a:extLst>
               <a:ext uri="{909E8E84-426E-40dd-AFC4-6F175D3DCCD1}">
-                <a14:hiddenFill xmlns="" xmlns:a14="http://schemas.microsoft.com/office/drawing/2010/main">
+                <a14:hiddenFill xmlns:a14="http://schemas.microsoft.com/office/drawing/2010/main" xmlns="">
                   <a:noFill/>
                 </a14:hiddenFill>
               </a:ext>
@@ -34681,7 +34681,7 @@
             </a:ln>
             <a:extLst>
               <a:ext uri="{909E8E84-426E-40dd-AFC4-6F175D3DCCD1}">
-                <a14:hiddenFill xmlns="" xmlns:a14="http://schemas.microsoft.com/office/drawing/2010/main">
+                <a14:hiddenFill xmlns:a14="http://schemas.microsoft.com/office/drawing/2010/main" xmlns="">
                   <a:noFill/>
                 </a14:hiddenFill>
               </a:ext>
@@ -34732,7 +34732,7 @@
             </a:ln>
             <a:extLst>
               <a:ext uri="{909E8E84-426E-40dd-AFC4-6F175D3DCCD1}">
-                <a14:hiddenFill xmlns="" xmlns:a14="http://schemas.microsoft.com/office/drawing/2010/main">
+                <a14:hiddenFill xmlns:a14="http://schemas.microsoft.com/office/drawing/2010/main" xmlns="">
                   <a:noFill/>
                 </a14:hiddenFill>
               </a:ext>
@@ -34783,7 +34783,7 @@
             </a:ln>
             <a:extLst>
               <a:ext uri="{909E8E84-426E-40dd-AFC4-6F175D3DCCD1}">
-                <a14:hiddenFill xmlns="" xmlns:a14="http://schemas.microsoft.com/office/drawing/2010/main">
+                <a14:hiddenFill xmlns:a14="http://schemas.microsoft.com/office/drawing/2010/main" xmlns="">
                   <a:noFill/>
                 </a14:hiddenFill>
               </a:ext>
@@ -34834,7 +34834,7 @@
             </a:ln>
             <a:extLst>
               <a:ext uri="{909E8E84-426E-40dd-AFC4-6F175D3DCCD1}">
-                <a14:hiddenFill xmlns="" xmlns:a14="http://schemas.microsoft.com/office/drawing/2010/main">
+                <a14:hiddenFill xmlns:a14="http://schemas.microsoft.com/office/drawing/2010/main" xmlns="">
                   <a:noFill/>
                 </a14:hiddenFill>
               </a:ext>
@@ -34885,7 +34885,7 @@
             </a:ln>
             <a:extLst>
               <a:ext uri="{909E8E84-426E-40dd-AFC4-6F175D3DCCD1}">
-                <a14:hiddenFill xmlns="" xmlns:a14="http://schemas.microsoft.com/office/drawing/2010/main">
+                <a14:hiddenFill xmlns:a14="http://schemas.microsoft.com/office/drawing/2010/main" xmlns="">
                   <a:noFill/>
                 </a14:hiddenFill>
               </a:ext>
@@ -35373,7 +35373,7 @@
             </a:ln>
             <a:extLst>
               <a:ext uri="{909E8E84-426E-40dd-AFC4-6F175D3DCCD1}">
-                <a14:hiddenFill xmlns="" xmlns:a14="http://schemas.microsoft.com/office/drawing/2010/main">
+                <a14:hiddenFill xmlns:a14="http://schemas.microsoft.com/office/drawing/2010/main" xmlns="">
                   <a:solidFill>
                     <a:srgbClr val="FFFFFF"/>
                   </a:solidFill>
@@ -35426,7 +35426,7 @@
             </a:ln>
             <a:extLst>
               <a:ext uri="{909E8E84-426E-40dd-AFC4-6F175D3DCCD1}">
-                <a14:hiddenFill xmlns="" xmlns:a14="http://schemas.microsoft.com/office/drawing/2010/main">
+                <a14:hiddenFill xmlns:a14="http://schemas.microsoft.com/office/drawing/2010/main" xmlns="">
                   <a:noFill/>
                 </a14:hiddenFill>
               </a:ext>
@@ -35477,7 +35477,7 @@
             </a:ln>
             <a:extLst>
               <a:ext uri="{909E8E84-426E-40dd-AFC4-6F175D3DCCD1}">
-                <a14:hiddenFill xmlns="" xmlns:a14="http://schemas.microsoft.com/office/drawing/2010/main">
+                <a14:hiddenFill xmlns:a14="http://schemas.microsoft.com/office/drawing/2010/main" xmlns="">
                   <a:noFill/>
                 </a14:hiddenFill>
               </a:ext>
@@ -35528,7 +35528,7 @@
             </a:ln>
             <a:extLst>
               <a:ext uri="{909E8E84-426E-40dd-AFC4-6F175D3DCCD1}">
-                <a14:hiddenFill xmlns="" xmlns:a14="http://schemas.microsoft.com/office/drawing/2010/main">
+                <a14:hiddenFill xmlns:a14="http://schemas.microsoft.com/office/drawing/2010/main" xmlns="">
                   <a:noFill/>
                 </a14:hiddenFill>
               </a:ext>
@@ -35579,7 +35579,7 @@
             </a:ln>
             <a:extLst>
               <a:ext uri="{909E8E84-426E-40dd-AFC4-6F175D3DCCD1}">
-                <a14:hiddenFill xmlns="" xmlns:a14="http://schemas.microsoft.com/office/drawing/2010/main">
+                <a14:hiddenFill xmlns:a14="http://schemas.microsoft.com/office/drawing/2010/main" xmlns="">
                   <a:noFill/>
                 </a14:hiddenFill>
               </a:ext>
@@ -35630,7 +35630,7 @@
             </a:ln>
             <a:extLst>
               <a:ext uri="{909E8E84-426E-40dd-AFC4-6F175D3DCCD1}">
-                <a14:hiddenFill xmlns="" xmlns:a14="http://schemas.microsoft.com/office/drawing/2010/main">
+                <a14:hiddenFill xmlns:a14="http://schemas.microsoft.com/office/drawing/2010/main" xmlns="">
                   <a:noFill/>
                 </a14:hiddenFill>
               </a:ext>
@@ -35681,7 +35681,7 @@
             </a:ln>
             <a:extLst>
               <a:ext uri="{909E8E84-426E-40dd-AFC4-6F175D3DCCD1}">
-                <a14:hiddenFill xmlns="" xmlns:a14="http://schemas.microsoft.com/office/drawing/2010/main">
+                <a14:hiddenFill xmlns:a14="http://schemas.microsoft.com/office/drawing/2010/main" xmlns="">
                   <a:noFill/>
                 </a14:hiddenFill>
               </a:ext>
@@ -35732,7 +35732,7 @@
             </a:ln>
             <a:extLst>
               <a:ext uri="{909E8E84-426E-40dd-AFC4-6F175D3DCCD1}">
-                <a14:hiddenFill xmlns="" xmlns:a14="http://schemas.microsoft.com/office/drawing/2010/main">
+                <a14:hiddenFill xmlns:a14="http://schemas.microsoft.com/office/drawing/2010/main" xmlns="">
                   <a:noFill/>
                 </a14:hiddenFill>
               </a:ext>
@@ -35783,7 +35783,7 @@
             </a:ln>
             <a:extLst>
               <a:ext uri="{909E8E84-426E-40dd-AFC4-6F175D3DCCD1}">
-                <a14:hiddenFill xmlns="" xmlns:a14="http://schemas.microsoft.com/office/drawing/2010/main">
+                <a14:hiddenFill xmlns:a14="http://schemas.microsoft.com/office/drawing/2010/main" xmlns="">
                   <a:noFill/>
                 </a14:hiddenFill>
               </a:ext>
@@ -35834,7 +35834,7 @@
             </a:ln>
             <a:extLst>
               <a:ext uri="{909E8E84-426E-40dd-AFC4-6F175D3DCCD1}">
-                <a14:hiddenFill xmlns="" xmlns:a14="http://schemas.microsoft.com/office/drawing/2010/main">
+                <a14:hiddenFill xmlns:a14="http://schemas.microsoft.com/office/drawing/2010/main" xmlns="">
                   <a:noFill/>
                 </a14:hiddenFill>
               </a:ext>
@@ -35885,7 +35885,7 @@
             </a:ln>
             <a:extLst>
               <a:ext uri="{909E8E84-426E-40dd-AFC4-6F175D3DCCD1}">
-                <a14:hiddenFill xmlns="" xmlns:a14="http://schemas.microsoft.com/office/drawing/2010/main">
+                <a14:hiddenFill xmlns:a14="http://schemas.microsoft.com/office/drawing/2010/main" xmlns="">
                   <a:noFill/>
                 </a14:hiddenFill>
               </a:ext>
@@ -35936,7 +35936,7 @@
             </a:ln>
             <a:extLst>
               <a:ext uri="{909E8E84-426E-40dd-AFC4-6F175D3DCCD1}">
-                <a14:hiddenFill xmlns="" xmlns:a14="http://schemas.microsoft.com/office/drawing/2010/main">
+                <a14:hiddenFill xmlns:a14="http://schemas.microsoft.com/office/drawing/2010/main" xmlns="">
                   <a:noFill/>
                 </a14:hiddenFill>
               </a:ext>
@@ -35987,7 +35987,7 @@
             </a:ln>
             <a:extLst>
               <a:ext uri="{909E8E84-426E-40dd-AFC4-6F175D3DCCD1}">
-                <a14:hiddenFill xmlns="" xmlns:a14="http://schemas.microsoft.com/office/drawing/2010/main">
+                <a14:hiddenFill xmlns:a14="http://schemas.microsoft.com/office/drawing/2010/main" xmlns="">
                   <a:noFill/>
                 </a14:hiddenFill>
               </a:ext>
@@ -36038,7 +36038,7 @@
             </a:ln>
             <a:extLst>
               <a:ext uri="{909E8E84-426E-40dd-AFC4-6F175D3DCCD1}">
-                <a14:hiddenFill xmlns="" xmlns:a14="http://schemas.microsoft.com/office/drawing/2010/main">
+                <a14:hiddenFill xmlns:a14="http://schemas.microsoft.com/office/drawing/2010/main" xmlns="">
                   <a:noFill/>
                 </a14:hiddenFill>
               </a:ext>
@@ -36089,7 +36089,7 @@
             </a:ln>
             <a:extLst>
               <a:ext uri="{909E8E84-426E-40dd-AFC4-6F175D3DCCD1}">
-                <a14:hiddenFill xmlns="" xmlns:a14="http://schemas.microsoft.com/office/drawing/2010/main">
+                <a14:hiddenFill xmlns:a14="http://schemas.microsoft.com/office/drawing/2010/main" xmlns="">
                   <a:noFill/>
                 </a14:hiddenFill>
               </a:ext>
@@ -36140,7 +36140,7 @@
             </a:ln>
             <a:extLst>
               <a:ext uri="{909E8E84-426E-40dd-AFC4-6F175D3DCCD1}">
-                <a14:hiddenFill xmlns="" xmlns:a14="http://schemas.microsoft.com/office/drawing/2010/main">
+                <a14:hiddenFill xmlns:a14="http://schemas.microsoft.com/office/drawing/2010/main" xmlns="">
                   <a:noFill/>
                 </a14:hiddenFill>
               </a:ext>
@@ -36191,7 +36191,7 @@
             </a:ln>
             <a:extLst>
               <a:ext uri="{909E8E84-426E-40dd-AFC4-6F175D3DCCD1}">
-                <a14:hiddenFill xmlns="" xmlns:a14="http://schemas.microsoft.com/office/drawing/2010/main">
+                <a14:hiddenFill xmlns:a14="http://schemas.microsoft.com/office/drawing/2010/main" xmlns="">
                   <a:noFill/>
                 </a14:hiddenFill>
               </a:ext>
@@ -36242,7 +36242,7 @@
             </a:ln>
             <a:extLst>
               <a:ext uri="{909E8E84-426E-40dd-AFC4-6F175D3DCCD1}">
-                <a14:hiddenFill xmlns="" xmlns:a14="http://schemas.microsoft.com/office/drawing/2010/main">
+                <a14:hiddenFill xmlns:a14="http://schemas.microsoft.com/office/drawing/2010/main" xmlns="">
                   <a:noFill/>
                 </a14:hiddenFill>
               </a:ext>
@@ -36293,7 +36293,7 @@
             </a:ln>
             <a:extLst>
               <a:ext uri="{909E8E84-426E-40dd-AFC4-6F175D3DCCD1}">
-                <a14:hiddenFill xmlns="" xmlns:a14="http://schemas.microsoft.com/office/drawing/2010/main">
+                <a14:hiddenFill xmlns:a14="http://schemas.microsoft.com/office/drawing/2010/main" xmlns="">
                   <a:noFill/>
                 </a14:hiddenFill>
               </a:ext>
@@ -36344,7 +36344,7 @@
             </a:ln>
             <a:extLst>
               <a:ext uri="{909E8E84-426E-40dd-AFC4-6F175D3DCCD1}">
-                <a14:hiddenFill xmlns="" xmlns:a14="http://schemas.microsoft.com/office/drawing/2010/main">
+                <a14:hiddenFill xmlns:a14="http://schemas.microsoft.com/office/drawing/2010/main" xmlns="">
                   <a:noFill/>
                 </a14:hiddenFill>
               </a:ext>
@@ -36395,7 +36395,7 @@
             </a:ln>
             <a:extLst>
               <a:ext uri="{909E8E84-426E-40dd-AFC4-6F175D3DCCD1}">
-                <a14:hiddenFill xmlns="" xmlns:a14="http://schemas.microsoft.com/office/drawing/2010/main">
+                <a14:hiddenFill xmlns:a14="http://schemas.microsoft.com/office/drawing/2010/main" xmlns="">
                   <a:noFill/>
                 </a14:hiddenFill>
               </a:ext>
@@ -36446,7 +36446,7 @@
             </a:ln>
             <a:extLst>
               <a:ext uri="{909E8E84-426E-40dd-AFC4-6F175D3DCCD1}">
-                <a14:hiddenFill xmlns="" xmlns:a14="http://schemas.microsoft.com/office/drawing/2010/main">
+                <a14:hiddenFill xmlns:a14="http://schemas.microsoft.com/office/drawing/2010/main" xmlns="">
                   <a:noFill/>
                 </a14:hiddenFill>
               </a:ext>
@@ -36497,7 +36497,7 @@
             </a:ln>
             <a:extLst>
               <a:ext uri="{909E8E84-426E-40dd-AFC4-6F175D3DCCD1}">
-                <a14:hiddenFill xmlns="" xmlns:a14="http://schemas.microsoft.com/office/drawing/2010/main">
+                <a14:hiddenFill xmlns:a14="http://schemas.microsoft.com/office/drawing/2010/main" xmlns="">
                   <a:noFill/>
                 </a14:hiddenFill>
               </a:ext>
@@ -36548,7 +36548,7 @@
             </a:ln>
             <a:extLst>
               <a:ext uri="{909E8E84-426E-40dd-AFC4-6F175D3DCCD1}">
-                <a14:hiddenFill xmlns="" xmlns:a14="http://schemas.microsoft.com/office/drawing/2010/main">
+                <a14:hiddenFill xmlns:a14="http://schemas.microsoft.com/office/drawing/2010/main" xmlns="">
                   <a:noFill/>
                 </a14:hiddenFill>
               </a:ext>
@@ -36599,7 +36599,7 @@
             </a:ln>
             <a:extLst>
               <a:ext uri="{909E8E84-426E-40dd-AFC4-6F175D3DCCD1}">
-                <a14:hiddenFill xmlns="" xmlns:a14="http://schemas.microsoft.com/office/drawing/2010/main">
+                <a14:hiddenFill xmlns:a14="http://schemas.microsoft.com/office/drawing/2010/main" xmlns="">
                   <a:noFill/>
                 </a14:hiddenFill>
               </a:ext>
@@ -36650,7 +36650,7 @@
             </a:ln>
             <a:extLst>
               <a:ext uri="{909E8E84-426E-40dd-AFC4-6F175D3DCCD1}">
-                <a14:hiddenFill xmlns="" xmlns:a14="http://schemas.microsoft.com/office/drawing/2010/main">
+                <a14:hiddenFill xmlns:a14="http://schemas.microsoft.com/office/drawing/2010/main" xmlns="">
                   <a:noFill/>
                 </a14:hiddenFill>
               </a:ext>
@@ -36701,7 +36701,7 @@
             </a:ln>
             <a:extLst>
               <a:ext uri="{909E8E84-426E-40dd-AFC4-6F175D3DCCD1}">
-                <a14:hiddenFill xmlns="" xmlns:a14="http://schemas.microsoft.com/office/drawing/2010/main">
+                <a14:hiddenFill xmlns:a14="http://schemas.microsoft.com/office/drawing/2010/main" xmlns="">
                   <a:noFill/>
                 </a14:hiddenFill>
               </a:ext>
@@ -36752,7 +36752,7 @@
             </a:ln>
             <a:extLst>
               <a:ext uri="{909E8E84-426E-40dd-AFC4-6F175D3DCCD1}">
-                <a14:hiddenFill xmlns="" xmlns:a14="http://schemas.microsoft.com/office/drawing/2010/main">
+                <a14:hiddenFill xmlns:a14="http://schemas.microsoft.com/office/drawing/2010/main" xmlns="">
                   <a:noFill/>
                 </a14:hiddenFill>
               </a:ext>
@@ -36803,7 +36803,7 @@
             </a:ln>
             <a:extLst>
               <a:ext uri="{909E8E84-426E-40dd-AFC4-6F175D3DCCD1}">
-                <a14:hiddenFill xmlns="" xmlns:a14="http://schemas.microsoft.com/office/drawing/2010/main">
+                <a14:hiddenFill xmlns:a14="http://schemas.microsoft.com/office/drawing/2010/main" xmlns="">
                   <a:noFill/>
                 </a14:hiddenFill>
               </a:ext>
@@ -36854,7 +36854,7 @@
             </a:ln>
             <a:extLst>
               <a:ext uri="{909E8E84-426E-40dd-AFC4-6F175D3DCCD1}">
-                <a14:hiddenFill xmlns="" xmlns:a14="http://schemas.microsoft.com/office/drawing/2010/main">
+                <a14:hiddenFill xmlns:a14="http://schemas.microsoft.com/office/drawing/2010/main" xmlns="">
                   <a:noFill/>
                 </a14:hiddenFill>
               </a:ext>
@@ -36905,7 +36905,7 @@
             </a:ln>
             <a:extLst>
               <a:ext uri="{909E8E84-426E-40dd-AFC4-6F175D3DCCD1}">
-                <a14:hiddenFill xmlns="" xmlns:a14="http://schemas.microsoft.com/office/drawing/2010/main">
+                <a14:hiddenFill xmlns:a14="http://schemas.microsoft.com/office/drawing/2010/main" xmlns="">
                   <a:noFill/>
                 </a14:hiddenFill>
               </a:ext>
@@ -36956,7 +36956,7 @@
             </a:ln>
             <a:extLst>
               <a:ext uri="{909E8E84-426E-40dd-AFC4-6F175D3DCCD1}">
-                <a14:hiddenFill xmlns="" xmlns:a14="http://schemas.microsoft.com/office/drawing/2010/main">
+                <a14:hiddenFill xmlns:a14="http://schemas.microsoft.com/office/drawing/2010/main" xmlns="">
                   <a:noFill/>
                 </a14:hiddenFill>
               </a:ext>
@@ -37007,7 +37007,7 @@
             </a:ln>
             <a:extLst>
               <a:ext uri="{909E8E84-426E-40dd-AFC4-6F175D3DCCD1}">
-                <a14:hiddenFill xmlns="" xmlns:a14="http://schemas.microsoft.com/office/drawing/2010/main">
+                <a14:hiddenFill xmlns:a14="http://schemas.microsoft.com/office/drawing/2010/main" xmlns="">
                   <a:noFill/>
                 </a14:hiddenFill>
               </a:ext>
@@ -37058,7 +37058,7 @@
             </a:ln>
             <a:extLst>
               <a:ext uri="{909E8E84-426E-40dd-AFC4-6F175D3DCCD1}">
-                <a14:hiddenFill xmlns="" xmlns:a14="http://schemas.microsoft.com/office/drawing/2010/main">
+                <a14:hiddenFill xmlns:a14="http://schemas.microsoft.com/office/drawing/2010/main" xmlns="">
                   <a:noFill/>
                 </a14:hiddenFill>
               </a:ext>
@@ -37109,7 +37109,7 @@
             </a:ln>
             <a:extLst>
               <a:ext uri="{909E8E84-426E-40dd-AFC4-6F175D3DCCD1}">
-                <a14:hiddenFill xmlns="" xmlns:a14="http://schemas.microsoft.com/office/drawing/2010/main">
+                <a14:hiddenFill xmlns:a14="http://schemas.microsoft.com/office/drawing/2010/main" xmlns="">
                   <a:noFill/>
                 </a14:hiddenFill>
               </a:ext>
@@ -37160,7 +37160,7 @@
             </a:ln>
             <a:extLst>
               <a:ext uri="{909E8E84-426E-40dd-AFC4-6F175D3DCCD1}">
-                <a14:hiddenFill xmlns="" xmlns:a14="http://schemas.microsoft.com/office/drawing/2010/main">
+                <a14:hiddenFill xmlns:a14="http://schemas.microsoft.com/office/drawing/2010/main" xmlns="">
                   <a:noFill/>
                 </a14:hiddenFill>
               </a:ext>
@@ -37211,7 +37211,7 @@
             </a:ln>
             <a:extLst>
               <a:ext uri="{909E8E84-426E-40dd-AFC4-6F175D3DCCD1}">
-                <a14:hiddenFill xmlns="" xmlns:a14="http://schemas.microsoft.com/office/drawing/2010/main">
+                <a14:hiddenFill xmlns:a14="http://schemas.microsoft.com/office/drawing/2010/main" xmlns="">
                   <a:noFill/>
                 </a14:hiddenFill>
               </a:ext>
@@ -37262,7 +37262,7 @@
             </a:ln>
             <a:extLst>
               <a:ext uri="{909E8E84-426E-40dd-AFC4-6F175D3DCCD1}">
-                <a14:hiddenFill xmlns="" xmlns:a14="http://schemas.microsoft.com/office/drawing/2010/main">
+                <a14:hiddenFill xmlns:a14="http://schemas.microsoft.com/office/drawing/2010/main" xmlns="">
                   <a:noFill/>
                 </a14:hiddenFill>
               </a:ext>
@@ -37313,7 +37313,7 @@
             </a:ln>
             <a:extLst>
               <a:ext uri="{909E8E84-426E-40dd-AFC4-6F175D3DCCD1}">
-                <a14:hiddenFill xmlns="" xmlns:a14="http://schemas.microsoft.com/office/drawing/2010/main">
+                <a14:hiddenFill xmlns:a14="http://schemas.microsoft.com/office/drawing/2010/main" xmlns="">
                   <a:noFill/>
                 </a14:hiddenFill>
               </a:ext>
@@ -37364,7 +37364,7 @@
             </a:ln>
             <a:extLst>
               <a:ext uri="{909E8E84-426E-40dd-AFC4-6F175D3DCCD1}">
-                <a14:hiddenFill xmlns="" xmlns:a14="http://schemas.microsoft.com/office/drawing/2010/main">
+                <a14:hiddenFill xmlns:a14="http://schemas.microsoft.com/office/drawing/2010/main" xmlns="">
                   <a:noFill/>
                 </a14:hiddenFill>
               </a:ext>
@@ -37415,7 +37415,7 @@
             </a:ln>
             <a:extLst>
               <a:ext uri="{909E8E84-426E-40dd-AFC4-6F175D3DCCD1}">
-                <a14:hiddenFill xmlns="" xmlns:a14="http://schemas.microsoft.com/office/drawing/2010/main">
+                <a14:hiddenFill xmlns:a14="http://schemas.microsoft.com/office/drawing/2010/main" xmlns="">
                   <a:noFill/>
                 </a14:hiddenFill>
               </a:ext>
@@ -37466,7 +37466,7 @@
             </a:ln>
             <a:extLst>
               <a:ext uri="{909E8E84-426E-40dd-AFC4-6F175D3DCCD1}">
-                <a14:hiddenFill xmlns="" xmlns:a14="http://schemas.microsoft.com/office/drawing/2010/main">
+                <a14:hiddenFill xmlns:a14="http://schemas.microsoft.com/office/drawing/2010/main" xmlns="">
                   <a:noFill/>
                 </a14:hiddenFill>
               </a:ext>
@@ -37517,7 +37517,7 @@
             </a:ln>
             <a:extLst>
               <a:ext uri="{909E8E84-426E-40dd-AFC4-6F175D3DCCD1}">
-                <a14:hiddenFill xmlns="" xmlns:a14="http://schemas.microsoft.com/office/drawing/2010/main">
+                <a14:hiddenFill xmlns:a14="http://schemas.microsoft.com/office/drawing/2010/main" xmlns="">
                   <a:noFill/>
                 </a14:hiddenFill>
               </a:ext>
@@ -37568,7 +37568,7 @@
             </a:ln>
             <a:extLst>
               <a:ext uri="{909E8E84-426E-40dd-AFC4-6F175D3DCCD1}">
-                <a14:hiddenFill xmlns="" xmlns:a14="http://schemas.microsoft.com/office/drawing/2010/main">
+                <a14:hiddenFill xmlns:a14="http://schemas.microsoft.com/office/drawing/2010/main" xmlns="">
                   <a:noFill/>
                 </a14:hiddenFill>
               </a:ext>
@@ -37619,7 +37619,7 @@
             </a:ln>
             <a:extLst>
               <a:ext uri="{909E8E84-426E-40dd-AFC4-6F175D3DCCD1}">
-                <a14:hiddenFill xmlns="" xmlns:a14="http://schemas.microsoft.com/office/drawing/2010/main">
+                <a14:hiddenFill xmlns:a14="http://schemas.microsoft.com/office/drawing/2010/main" xmlns="">
                   <a:noFill/>
                 </a14:hiddenFill>
               </a:ext>
@@ -37670,7 +37670,7 @@
             </a:ln>
             <a:extLst>
               <a:ext uri="{909E8E84-426E-40dd-AFC4-6F175D3DCCD1}">
-                <a14:hiddenFill xmlns="" xmlns:a14="http://schemas.microsoft.com/office/drawing/2010/main">
+                <a14:hiddenFill xmlns:a14="http://schemas.microsoft.com/office/drawing/2010/main" xmlns="">
                   <a:noFill/>
                 </a14:hiddenFill>
               </a:ext>
@@ -37721,7 +37721,7 @@
             </a:ln>
             <a:extLst>
               <a:ext uri="{909E8E84-426E-40dd-AFC4-6F175D3DCCD1}">
-                <a14:hiddenFill xmlns="" xmlns:a14="http://schemas.microsoft.com/office/drawing/2010/main">
+                <a14:hiddenFill xmlns:a14="http://schemas.microsoft.com/office/drawing/2010/main" xmlns="">
                   <a:noFill/>
                 </a14:hiddenFill>
               </a:ext>
@@ -37772,7 +37772,7 @@
             </a:ln>
             <a:extLst>
               <a:ext uri="{909E8E84-426E-40dd-AFC4-6F175D3DCCD1}">
-                <a14:hiddenFill xmlns="" xmlns:a14="http://schemas.microsoft.com/office/drawing/2010/main">
+                <a14:hiddenFill xmlns:a14="http://schemas.microsoft.com/office/drawing/2010/main" xmlns="">
                   <a:noFill/>
                 </a14:hiddenFill>
               </a:ext>
@@ -37823,7 +37823,7 @@
             </a:ln>
             <a:extLst>
               <a:ext uri="{909E8E84-426E-40dd-AFC4-6F175D3DCCD1}">
-                <a14:hiddenFill xmlns="" xmlns:a14="http://schemas.microsoft.com/office/drawing/2010/main">
+                <a14:hiddenFill xmlns:a14="http://schemas.microsoft.com/office/drawing/2010/main" xmlns="">
                   <a:noFill/>
                 </a14:hiddenFill>
               </a:ext>
@@ -37874,7 +37874,7 @@
             </a:ln>
             <a:extLst>
               <a:ext uri="{909E8E84-426E-40dd-AFC4-6F175D3DCCD1}">
-                <a14:hiddenFill xmlns="" xmlns:a14="http://schemas.microsoft.com/office/drawing/2010/main">
+                <a14:hiddenFill xmlns:a14="http://schemas.microsoft.com/office/drawing/2010/main" xmlns="">
                   <a:noFill/>
                 </a14:hiddenFill>
               </a:ext>
@@ -37925,7 +37925,7 @@
             </a:ln>
             <a:extLst>
               <a:ext uri="{909E8E84-426E-40dd-AFC4-6F175D3DCCD1}">
-                <a14:hiddenFill xmlns="" xmlns:a14="http://schemas.microsoft.com/office/drawing/2010/main">
+                <a14:hiddenFill xmlns:a14="http://schemas.microsoft.com/office/drawing/2010/main" xmlns="">
                   <a:noFill/>
                 </a14:hiddenFill>
               </a:ext>
@@ -37976,7 +37976,7 @@
             </a:ln>
             <a:extLst>
               <a:ext uri="{909E8E84-426E-40dd-AFC4-6F175D3DCCD1}">
-                <a14:hiddenFill xmlns="" xmlns:a14="http://schemas.microsoft.com/office/drawing/2010/main">
+                <a14:hiddenFill xmlns:a14="http://schemas.microsoft.com/office/drawing/2010/main" xmlns="">
                   <a:noFill/>
                 </a14:hiddenFill>
               </a:ext>
@@ -38027,7 +38027,7 @@
             </a:ln>
             <a:extLst>
               <a:ext uri="{909E8E84-426E-40dd-AFC4-6F175D3DCCD1}">
-                <a14:hiddenFill xmlns="" xmlns:a14="http://schemas.microsoft.com/office/drawing/2010/main">
+                <a14:hiddenFill xmlns:a14="http://schemas.microsoft.com/office/drawing/2010/main" xmlns="">
                   <a:noFill/>
                 </a14:hiddenFill>
               </a:ext>
@@ -38078,7 +38078,7 @@
             </a:ln>
             <a:extLst>
               <a:ext uri="{909E8E84-426E-40dd-AFC4-6F175D3DCCD1}">
-                <a14:hiddenFill xmlns="" xmlns:a14="http://schemas.microsoft.com/office/drawing/2010/main">
+                <a14:hiddenFill xmlns:a14="http://schemas.microsoft.com/office/drawing/2010/main" xmlns="">
                   <a:noFill/>
                 </a14:hiddenFill>
               </a:ext>
@@ -38129,7 +38129,7 @@
             </a:ln>
             <a:extLst>
               <a:ext uri="{909E8E84-426E-40dd-AFC4-6F175D3DCCD1}">
-                <a14:hiddenFill xmlns="" xmlns:a14="http://schemas.microsoft.com/office/drawing/2010/main">
+                <a14:hiddenFill xmlns:a14="http://schemas.microsoft.com/office/drawing/2010/main" xmlns="">
                   <a:noFill/>
                 </a14:hiddenFill>
               </a:ext>
@@ -38180,7 +38180,7 @@
             </a:ln>
             <a:extLst>
               <a:ext uri="{909E8E84-426E-40dd-AFC4-6F175D3DCCD1}">
-                <a14:hiddenFill xmlns="" xmlns:a14="http://schemas.microsoft.com/office/drawing/2010/main">
+                <a14:hiddenFill xmlns:a14="http://schemas.microsoft.com/office/drawing/2010/main" xmlns="">
                   <a:noFill/>
                 </a14:hiddenFill>
               </a:ext>
@@ -38231,7 +38231,7 @@
             </a:ln>
             <a:extLst>
               <a:ext uri="{909E8E84-426E-40dd-AFC4-6F175D3DCCD1}">
-                <a14:hiddenFill xmlns="" xmlns:a14="http://schemas.microsoft.com/office/drawing/2010/main">
+                <a14:hiddenFill xmlns:a14="http://schemas.microsoft.com/office/drawing/2010/main" xmlns="">
                   <a:noFill/>
                 </a14:hiddenFill>
               </a:ext>
@@ -38282,7 +38282,7 @@
             </a:ln>
             <a:extLst>
               <a:ext uri="{909E8E84-426E-40dd-AFC4-6F175D3DCCD1}">
-                <a14:hiddenFill xmlns="" xmlns:a14="http://schemas.microsoft.com/office/drawing/2010/main">
+                <a14:hiddenFill xmlns:a14="http://schemas.microsoft.com/office/drawing/2010/main" xmlns="">
                   <a:noFill/>
                 </a14:hiddenFill>
               </a:ext>
@@ -38333,7 +38333,7 @@
             </a:ln>
             <a:extLst>
               <a:ext uri="{909E8E84-426E-40dd-AFC4-6F175D3DCCD1}">
-                <a14:hiddenFill xmlns="" xmlns:a14="http://schemas.microsoft.com/office/drawing/2010/main">
+                <a14:hiddenFill xmlns:a14="http://schemas.microsoft.com/office/drawing/2010/main" xmlns="">
                   <a:noFill/>
                 </a14:hiddenFill>
               </a:ext>
@@ -38384,7 +38384,7 @@
             </a:ln>
             <a:extLst>
               <a:ext uri="{909E8E84-426E-40dd-AFC4-6F175D3DCCD1}">
-                <a14:hiddenFill xmlns="" xmlns:a14="http://schemas.microsoft.com/office/drawing/2010/main">
+                <a14:hiddenFill xmlns:a14="http://schemas.microsoft.com/office/drawing/2010/main" xmlns="">
                   <a:noFill/>
                 </a14:hiddenFill>
               </a:ext>
@@ -38435,7 +38435,7 @@
             </a:ln>
             <a:extLst>
               <a:ext uri="{909E8E84-426E-40dd-AFC4-6F175D3DCCD1}">
-                <a14:hiddenFill xmlns="" xmlns:a14="http://schemas.microsoft.com/office/drawing/2010/main">
+                <a14:hiddenFill xmlns:a14="http://schemas.microsoft.com/office/drawing/2010/main" xmlns="">
                   <a:noFill/>
                 </a14:hiddenFill>
               </a:ext>
@@ -38486,7 +38486,7 @@
             </a:ln>
             <a:extLst>
               <a:ext uri="{909E8E84-426E-40dd-AFC4-6F175D3DCCD1}">
-                <a14:hiddenFill xmlns="" xmlns:a14="http://schemas.microsoft.com/office/drawing/2010/main">
+                <a14:hiddenFill xmlns:a14="http://schemas.microsoft.com/office/drawing/2010/main" xmlns="">
                   <a:noFill/>
                 </a14:hiddenFill>
               </a:ext>
@@ -38537,7 +38537,7 @@
             </a:ln>
             <a:extLst>
               <a:ext uri="{909E8E84-426E-40dd-AFC4-6F175D3DCCD1}">
-                <a14:hiddenFill xmlns="" xmlns:a14="http://schemas.microsoft.com/office/drawing/2010/main">
+                <a14:hiddenFill xmlns:a14="http://schemas.microsoft.com/office/drawing/2010/main" xmlns="">
                   <a:noFill/>
                 </a14:hiddenFill>
               </a:ext>
@@ -38588,7 +38588,7 @@
             </a:ln>
             <a:extLst>
               <a:ext uri="{909E8E84-426E-40dd-AFC4-6F175D3DCCD1}">
-                <a14:hiddenFill xmlns="" xmlns:a14="http://schemas.microsoft.com/office/drawing/2010/main">
+                <a14:hiddenFill xmlns:a14="http://schemas.microsoft.com/office/drawing/2010/main" xmlns="">
                   <a:noFill/>
                 </a14:hiddenFill>
               </a:ext>
@@ -38639,7 +38639,7 @@
             </a:ln>
             <a:extLst>
               <a:ext uri="{909E8E84-426E-40dd-AFC4-6F175D3DCCD1}">
-                <a14:hiddenFill xmlns="" xmlns:a14="http://schemas.microsoft.com/office/drawing/2010/main">
+                <a14:hiddenFill xmlns:a14="http://schemas.microsoft.com/office/drawing/2010/main" xmlns="">
                   <a:noFill/>
                 </a14:hiddenFill>
               </a:ext>
@@ -38690,7 +38690,7 @@
             </a:ln>
             <a:extLst>
               <a:ext uri="{909E8E84-426E-40dd-AFC4-6F175D3DCCD1}">
-                <a14:hiddenFill xmlns="" xmlns:a14="http://schemas.microsoft.com/office/drawing/2010/main">
+                <a14:hiddenFill xmlns:a14="http://schemas.microsoft.com/office/drawing/2010/main" xmlns="">
                   <a:noFill/>
                 </a14:hiddenFill>
               </a:ext>
@@ -38741,7 +38741,7 @@
             </a:ln>
             <a:extLst>
               <a:ext uri="{909E8E84-426E-40dd-AFC4-6F175D3DCCD1}">
-                <a14:hiddenFill xmlns="" xmlns:a14="http://schemas.microsoft.com/office/drawing/2010/main">
+                <a14:hiddenFill xmlns:a14="http://schemas.microsoft.com/office/drawing/2010/main" xmlns="">
                   <a:noFill/>
                 </a14:hiddenFill>
               </a:ext>
@@ -38792,7 +38792,7 @@
             </a:ln>
             <a:extLst>
               <a:ext uri="{909E8E84-426E-40dd-AFC4-6F175D3DCCD1}">
-                <a14:hiddenFill xmlns="" xmlns:a14="http://schemas.microsoft.com/office/drawing/2010/main">
+                <a14:hiddenFill xmlns:a14="http://schemas.microsoft.com/office/drawing/2010/main" xmlns="">
                   <a:noFill/>
                 </a14:hiddenFill>
               </a:ext>
@@ -38843,7 +38843,7 @@
             </a:ln>
             <a:extLst>
               <a:ext uri="{909E8E84-426E-40dd-AFC4-6F175D3DCCD1}">
-                <a14:hiddenFill xmlns="" xmlns:a14="http://schemas.microsoft.com/office/drawing/2010/main">
+                <a14:hiddenFill xmlns:a14="http://schemas.microsoft.com/office/drawing/2010/main" xmlns="">
                   <a:noFill/>
                 </a14:hiddenFill>
               </a:ext>
@@ -39926,7 +39926,7 @@
             </a:ln>
             <a:extLst>
               <a:ext uri="{909E8E84-426E-40dd-AFC4-6F175D3DCCD1}">
-                <a14:hiddenFill xmlns="" xmlns:a14="http://schemas.microsoft.com/office/drawing/2010/main">
+                <a14:hiddenFill xmlns:a14="http://schemas.microsoft.com/office/drawing/2010/main" xmlns="">
                   <a:solidFill>
                     <a:srgbClr val="FFFFFF"/>
                   </a:solidFill>
@@ -39979,7 +39979,7 @@
             </a:ln>
             <a:extLst>
               <a:ext uri="{909E8E84-426E-40dd-AFC4-6F175D3DCCD1}">
-                <a14:hiddenFill xmlns="" xmlns:a14="http://schemas.microsoft.com/office/drawing/2010/main">
+                <a14:hiddenFill xmlns:a14="http://schemas.microsoft.com/office/drawing/2010/main" xmlns="">
                   <a:noFill/>
                 </a14:hiddenFill>
               </a:ext>
@@ -40030,7 +40030,7 @@
             </a:ln>
             <a:extLst>
               <a:ext uri="{909E8E84-426E-40dd-AFC4-6F175D3DCCD1}">
-                <a14:hiddenFill xmlns="" xmlns:a14="http://schemas.microsoft.com/office/drawing/2010/main">
+                <a14:hiddenFill xmlns:a14="http://schemas.microsoft.com/office/drawing/2010/main" xmlns="">
                   <a:noFill/>
                 </a14:hiddenFill>
               </a:ext>
@@ -40081,7 +40081,7 @@
             </a:ln>
             <a:extLst>
               <a:ext uri="{909E8E84-426E-40dd-AFC4-6F175D3DCCD1}">
-                <a14:hiddenFill xmlns="" xmlns:a14="http://schemas.microsoft.com/office/drawing/2010/main">
+                <a14:hiddenFill xmlns:a14="http://schemas.microsoft.com/office/drawing/2010/main" xmlns="">
                   <a:noFill/>
                 </a14:hiddenFill>
               </a:ext>
@@ -40132,7 +40132,7 @@
             </a:ln>
             <a:extLst>
               <a:ext uri="{909E8E84-426E-40dd-AFC4-6F175D3DCCD1}">
-                <a14:hiddenFill xmlns="" xmlns:a14="http://schemas.microsoft.com/office/drawing/2010/main">
+                <a14:hiddenFill xmlns:a14="http://schemas.microsoft.com/office/drawing/2010/main" xmlns="">
                   <a:noFill/>
                 </a14:hiddenFill>
               </a:ext>
@@ -40183,7 +40183,7 @@
             </a:ln>
             <a:extLst>
               <a:ext uri="{909E8E84-426E-40dd-AFC4-6F175D3DCCD1}">
-                <a14:hiddenFill xmlns="" xmlns:a14="http://schemas.microsoft.com/office/drawing/2010/main">
+                <a14:hiddenFill xmlns:a14="http://schemas.microsoft.com/office/drawing/2010/main" xmlns="">
                   <a:noFill/>
                 </a14:hiddenFill>
               </a:ext>
@@ -40234,7 +40234,7 @@
             </a:ln>
             <a:extLst>
               <a:ext uri="{909E8E84-426E-40dd-AFC4-6F175D3DCCD1}">
-                <a14:hiddenFill xmlns="" xmlns:a14="http://schemas.microsoft.com/office/drawing/2010/main">
+                <a14:hiddenFill xmlns:a14="http://schemas.microsoft.com/office/drawing/2010/main" xmlns="">
                   <a:noFill/>
                 </a14:hiddenFill>
               </a:ext>
@@ -40285,7 +40285,7 @@
             </a:ln>
             <a:extLst>
               <a:ext uri="{909E8E84-426E-40dd-AFC4-6F175D3DCCD1}">
-                <a14:hiddenFill xmlns="" xmlns:a14="http://schemas.microsoft.com/office/drawing/2010/main">
+                <a14:hiddenFill xmlns:a14="http://schemas.microsoft.com/office/drawing/2010/main" xmlns="">
                   <a:noFill/>
                 </a14:hiddenFill>
               </a:ext>
@@ -40336,7 +40336,7 @@
             </a:ln>
             <a:extLst>
               <a:ext uri="{909E8E84-426E-40dd-AFC4-6F175D3DCCD1}">
-                <a14:hiddenFill xmlns="" xmlns:a14="http://schemas.microsoft.com/office/drawing/2010/main">
+                <a14:hiddenFill xmlns:a14="http://schemas.microsoft.com/office/drawing/2010/main" xmlns="">
                   <a:noFill/>
                 </a14:hiddenFill>
               </a:ext>
@@ -40387,7 +40387,7 @@
             </a:ln>
             <a:extLst>
               <a:ext uri="{909E8E84-426E-40dd-AFC4-6F175D3DCCD1}">
-                <a14:hiddenFill xmlns="" xmlns:a14="http://schemas.microsoft.com/office/drawing/2010/main">
+                <a14:hiddenFill xmlns:a14="http://schemas.microsoft.com/office/drawing/2010/main" xmlns="">
                   <a:noFill/>
                 </a14:hiddenFill>
               </a:ext>
@@ -40438,7 +40438,7 @@
             </a:ln>
             <a:extLst>
               <a:ext uri="{909E8E84-426E-40dd-AFC4-6F175D3DCCD1}">
-                <a14:hiddenFill xmlns="" xmlns:a14="http://schemas.microsoft.com/office/drawing/2010/main">
+                <a14:hiddenFill xmlns:a14="http://schemas.microsoft.com/office/drawing/2010/main" xmlns="">
                   <a:noFill/>
                 </a14:hiddenFill>
               </a:ext>
@@ -40489,7 +40489,7 @@
             </a:ln>
             <a:extLst>
               <a:ext uri="{909E8E84-426E-40dd-AFC4-6F175D3DCCD1}">
-                <a14:hiddenFill xmlns="" xmlns:a14="http://schemas.microsoft.com/office/drawing/2010/main">
+                <a14:hiddenFill xmlns:a14="http://schemas.microsoft.com/office/drawing/2010/main" xmlns="">
                   <a:noFill/>
                 </a14:hiddenFill>
               </a:ext>
@@ -40540,7 +40540,7 @@
             </a:ln>
             <a:extLst>
               <a:ext uri="{909E8E84-426E-40dd-AFC4-6F175D3DCCD1}">
-                <a14:hiddenFill xmlns="" xmlns:a14="http://schemas.microsoft.com/office/drawing/2010/main">
+                <a14:hiddenFill xmlns:a14="http://schemas.microsoft.com/office/drawing/2010/main" xmlns="">
                   <a:noFill/>
                 </a14:hiddenFill>
               </a:ext>
@@ -40591,7 +40591,7 @@
             </a:ln>
             <a:extLst>
               <a:ext uri="{909E8E84-426E-40dd-AFC4-6F175D3DCCD1}">
-                <a14:hiddenFill xmlns="" xmlns:a14="http://schemas.microsoft.com/office/drawing/2010/main">
+                <a14:hiddenFill xmlns:a14="http://schemas.microsoft.com/office/drawing/2010/main" xmlns="">
                   <a:noFill/>
                 </a14:hiddenFill>
               </a:ext>
@@ -40642,7 +40642,7 @@
             </a:ln>
             <a:extLst>
               <a:ext uri="{909E8E84-426E-40dd-AFC4-6F175D3DCCD1}">
-                <a14:hiddenFill xmlns="" xmlns:a14="http://schemas.microsoft.com/office/drawing/2010/main">
+                <a14:hiddenFill xmlns:a14="http://schemas.microsoft.com/office/drawing/2010/main" xmlns="">
                   <a:noFill/>
                 </a14:hiddenFill>
               </a:ext>
@@ -40693,7 +40693,7 @@
             </a:ln>
             <a:extLst>
               <a:ext uri="{909E8E84-426E-40dd-AFC4-6F175D3DCCD1}">
-                <a14:hiddenFill xmlns="" xmlns:a14="http://schemas.microsoft.com/office/drawing/2010/main">
+                <a14:hiddenFill xmlns:a14="http://schemas.microsoft.com/office/drawing/2010/main" xmlns="">
                   <a:noFill/>
                 </a14:hiddenFill>
               </a:ext>
@@ -40744,7 +40744,7 @@
             </a:ln>
             <a:extLst>
               <a:ext uri="{909E8E84-426E-40dd-AFC4-6F175D3DCCD1}">
-                <a14:hiddenFill xmlns="" xmlns:a14="http://schemas.microsoft.com/office/drawing/2010/main">
+                <a14:hiddenFill xmlns:a14="http://schemas.microsoft.com/office/drawing/2010/main" xmlns="">
                   <a:noFill/>
                 </a14:hiddenFill>
               </a:ext>
@@ -40795,7 +40795,7 @@
             </a:ln>
             <a:extLst>
               <a:ext uri="{909E8E84-426E-40dd-AFC4-6F175D3DCCD1}">
-                <a14:hiddenFill xmlns="" xmlns:a14="http://schemas.microsoft.com/office/drawing/2010/main">
+                <a14:hiddenFill xmlns:a14="http://schemas.microsoft.com/office/drawing/2010/main" xmlns="">
                   <a:noFill/>
                 </a14:hiddenFill>
               </a:ext>
@@ -40846,7 +40846,7 @@
             </a:ln>
             <a:extLst>
               <a:ext uri="{909E8E84-426E-40dd-AFC4-6F175D3DCCD1}">
-                <a14:hiddenFill xmlns="" xmlns:a14="http://schemas.microsoft.com/office/drawing/2010/main">
+                <a14:hiddenFill xmlns:a14="http://schemas.microsoft.com/office/drawing/2010/main" xmlns="">
                   <a:noFill/>
                 </a14:hiddenFill>
               </a:ext>
@@ -40897,7 +40897,7 @@
             </a:ln>
             <a:extLst>
               <a:ext uri="{909E8E84-426E-40dd-AFC4-6F175D3DCCD1}">
-                <a14:hiddenFill xmlns="" xmlns:a14="http://schemas.microsoft.com/office/drawing/2010/main">
+                <a14:hiddenFill xmlns:a14="http://schemas.microsoft.com/office/drawing/2010/main" xmlns="">
                   <a:noFill/>
                 </a14:hiddenFill>
               </a:ext>
@@ -40948,7 +40948,7 @@
             </a:ln>
             <a:extLst>
               <a:ext uri="{909E8E84-426E-40dd-AFC4-6F175D3DCCD1}">
-                <a14:hiddenFill xmlns="" xmlns:a14="http://schemas.microsoft.com/office/drawing/2010/main">
+                <a14:hiddenFill xmlns:a14="http://schemas.microsoft.com/office/drawing/2010/main" xmlns="">
                   <a:noFill/>
                 </a14:hiddenFill>
               </a:ext>
@@ -40999,7 +40999,7 @@
             </a:ln>
             <a:extLst>
               <a:ext uri="{909E8E84-426E-40dd-AFC4-6F175D3DCCD1}">
-                <a14:hiddenFill xmlns="" xmlns:a14="http://schemas.microsoft.com/office/drawing/2010/main">
+                <a14:hiddenFill xmlns:a14="http://schemas.microsoft.com/office/drawing/2010/main" xmlns="">
                   <a:noFill/>
                 </a14:hiddenFill>
               </a:ext>
@@ -41050,7 +41050,7 @@
             </a:ln>
             <a:extLst>
               <a:ext uri="{909E8E84-426E-40dd-AFC4-6F175D3DCCD1}">
-                <a14:hiddenFill xmlns="" xmlns:a14="http://schemas.microsoft.com/office/drawing/2010/main">
+                <a14:hiddenFill xmlns:a14="http://schemas.microsoft.com/office/drawing/2010/main" xmlns="">
                   <a:noFill/>
                 </a14:hiddenFill>
               </a:ext>
@@ -41101,7 +41101,7 @@
             </a:ln>
             <a:extLst>
               <a:ext uri="{909E8E84-426E-40dd-AFC4-6F175D3DCCD1}">
-                <a14:hiddenFill xmlns="" xmlns:a14="http://schemas.microsoft.com/office/drawing/2010/main">
+                <a14:hiddenFill xmlns:a14="http://schemas.microsoft.com/office/drawing/2010/main" xmlns="">
                   <a:noFill/>
                 </a14:hiddenFill>
               </a:ext>
@@ -41152,7 +41152,7 @@
             </a:ln>
             <a:extLst>
               <a:ext uri="{909E8E84-426E-40dd-AFC4-6F175D3DCCD1}">
-                <a14:hiddenFill xmlns="" xmlns:a14="http://schemas.microsoft.com/office/drawing/2010/main">
+                <a14:hiddenFill xmlns:a14="http://schemas.microsoft.com/office/drawing/2010/main" xmlns="">
                   <a:noFill/>
                 </a14:hiddenFill>
               </a:ext>
@@ -41203,7 +41203,7 @@
             </a:ln>
             <a:extLst>
               <a:ext uri="{909E8E84-426E-40dd-AFC4-6F175D3DCCD1}">
-                <a14:hiddenFill xmlns="" xmlns:a14="http://schemas.microsoft.com/office/drawing/2010/main">
+                <a14:hiddenFill xmlns:a14="http://schemas.microsoft.com/office/drawing/2010/main" xmlns="">
                   <a:noFill/>
                 </a14:hiddenFill>
               </a:ext>
@@ -41254,7 +41254,7 @@
             </a:ln>
             <a:extLst>
               <a:ext uri="{909E8E84-426E-40dd-AFC4-6F175D3DCCD1}">
-                <a14:hiddenFill xmlns="" xmlns:a14="http://schemas.microsoft.com/office/drawing/2010/main">
+                <a14:hiddenFill xmlns:a14="http://schemas.microsoft.com/office/drawing/2010/main" xmlns="">
                   <a:noFill/>
                 </a14:hiddenFill>
               </a:ext>
@@ -41305,7 +41305,7 @@
             </a:ln>
             <a:extLst>
               <a:ext uri="{909E8E84-426E-40dd-AFC4-6F175D3DCCD1}">
-                <a14:hiddenFill xmlns="" xmlns:a14="http://schemas.microsoft.com/office/drawing/2010/main">
+                <a14:hiddenFill xmlns:a14="http://schemas.microsoft.com/office/drawing/2010/main" xmlns="">
                   <a:noFill/>
                 </a14:hiddenFill>
               </a:ext>
@@ -41356,7 +41356,7 @@
             </a:ln>
             <a:extLst>
               <a:ext uri="{909E8E84-426E-40dd-AFC4-6F175D3DCCD1}">
-                <a14:hiddenFill xmlns="" xmlns:a14="http://schemas.microsoft.com/office/drawing/2010/main">
+                <a14:hiddenFill xmlns:a14="http://schemas.microsoft.com/office/drawing/2010/main" xmlns="">
                   <a:noFill/>
                 </a14:hiddenFill>
               </a:ext>
@@ -41407,7 +41407,7 @@
             </a:ln>
             <a:extLst>
               <a:ext uri="{909E8E84-426E-40dd-AFC4-6F175D3DCCD1}">
-                <a14:hiddenFill xmlns="" xmlns:a14="http://schemas.microsoft.com/office/drawing/2010/main">
+                <a14:hiddenFill xmlns:a14="http://schemas.microsoft.com/office/drawing/2010/main" xmlns="">
                   <a:noFill/>
                 </a14:hiddenFill>
               </a:ext>
@@ -41458,7 +41458,7 @@
             </a:ln>
             <a:extLst>
               <a:ext uri="{909E8E84-426E-40dd-AFC4-6F175D3DCCD1}">
-                <a14:hiddenFill xmlns="" xmlns:a14="http://schemas.microsoft.com/office/drawing/2010/main">
+                <a14:hiddenFill xmlns:a14="http://schemas.microsoft.com/office/drawing/2010/main" xmlns="">
                   <a:noFill/>
                 </a14:hiddenFill>
               </a:ext>
@@ -41509,7 +41509,7 @@
             </a:ln>
             <a:extLst>
               <a:ext uri="{909E8E84-426E-40dd-AFC4-6F175D3DCCD1}">
-                <a14:hiddenFill xmlns="" xmlns:a14="http://schemas.microsoft.com/office/drawing/2010/main">
+                <a14:hiddenFill xmlns:a14="http://schemas.microsoft.com/office/drawing/2010/main" xmlns="">
                   <a:noFill/>
                 </a14:hiddenFill>
               </a:ext>
@@ -41560,7 +41560,7 @@
             </a:ln>
             <a:extLst>
               <a:ext uri="{909E8E84-426E-40dd-AFC4-6F175D3DCCD1}">
-                <a14:hiddenFill xmlns="" xmlns:a14="http://schemas.microsoft.com/office/drawing/2010/main">
+                <a14:hiddenFill xmlns:a14="http://schemas.microsoft.com/office/drawing/2010/main" xmlns="">
                   <a:noFill/>
                 </a14:hiddenFill>
               </a:ext>
@@ -41611,7 +41611,7 @@
             </a:ln>
             <a:extLst>
               <a:ext uri="{909E8E84-426E-40dd-AFC4-6F175D3DCCD1}">
-                <a14:hiddenFill xmlns="" xmlns:a14="http://schemas.microsoft.com/office/drawing/2010/main">
+                <a14:hiddenFill xmlns:a14="http://schemas.microsoft.com/office/drawing/2010/main" xmlns="">
                   <a:noFill/>
                 </a14:hiddenFill>
               </a:ext>
@@ -41662,7 +41662,7 @@
             </a:ln>
             <a:extLst>
               <a:ext uri="{909E8E84-426E-40dd-AFC4-6F175D3DCCD1}">
-                <a14:hiddenFill xmlns="" xmlns:a14="http://schemas.microsoft.com/office/drawing/2010/main">
+                <a14:hiddenFill xmlns:a14="http://schemas.microsoft.com/office/drawing/2010/main" xmlns="">
                   <a:noFill/>
                 </a14:hiddenFill>
               </a:ext>
@@ -41713,7 +41713,7 @@
             </a:ln>
             <a:extLst>
               <a:ext uri="{909E8E84-426E-40dd-AFC4-6F175D3DCCD1}">
-                <a14:hiddenFill xmlns="" xmlns:a14="http://schemas.microsoft.com/office/drawing/2010/main">
+                <a14:hiddenFill xmlns:a14="http://schemas.microsoft.com/office/drawing/2010/main" xmlns="">
                   <a:noFill/>
                 </a14:hiddenFill>
               </a:ext>
@@ -41764,7 +41764,7 @@
             </a:ln>
             <a:extLst>
               <a:ext uri="{909E8E84-426E-40dd-AFC4-6F175D3DCCD1}">
-                <a14:hiddenFill xmlns="" xmlns:a14="http://schemas.microsoft.com/office/drawing/2010/main">
+                <a14:hiddenFill xmlns:a14="http://schemas.microsoft.com/office/drawing/2010/main" xmlns="">
                   <a:noFill/>
                 </a14:hiddenFill>
               </a:ext>
@@ -41815,7 +41815,7 @@
             </a:ln>
             <a:extLst>
               <a:ext uri="{909E8E84-426E-40dd-AFC4-6F175D3DCCD1}">
-                <a14:hiddenFill xmlns="" xmlns:a14="http://schemas.microsoft.com/office/drawing/2010/main">
+                <a14:hiddenFill xmlns:a14="http://schemas.microsoft.com/office/drawing/2010/main" xmlns="">
                   <a:noFill/>
                 </a14:hiddenFill>
               </a:ext>
@@ -41866,7 +41866,7 @@
             </a:ln>
             <a:extLst>
               <a:ext uri="{909E8E84-426E-40dd-AFC4-6F175D3DCCD1}">
-                <a14:hiddenFill xmlns="" xmlns:a14="http://schemas.microsoft.com/office/drawing/2010/main">
+                <a14:hiddenFill xmlns:a14="http://schemas.microsoft.com/office/drawing/2010/main" xmlns="">
                   <a:noFill/>
                 </a14:hiddenFill>
               </a:ext>
@@ -41917,7 +41917,7 @@
             </a:ln>
             <a:extLst>
               <a:ext uri="{909E8E84-426E-40dd-AFC4-6F175D3DCCD1}">
-                <a14:hiddenFill xmlns="" xmlns:a14="http://schemas.microsoft.com/office/drawing/2010/main">
+                <a14:hiddenFill xmlns:a14="http://schemas.microsoft.com/office/drawing/2010/main" xmlns="">
                   <a:noFill/>
                 </a14:hiddenFill>
               </a:ext>
@@ -41968,7 +41968,7 @@
             </a:ln>
             <a:extLst>
               <a:ext uri="{909E8E84-426E-40dd-AFC4-6F175D3DCCD1}">
-                <a14:hiddenFill xmlns="" xmlns:a14="http://schemas.microsoft.com/office/drawing/2010/main">
+                <a14:hiddenFill xmlns:a14="http://schemas.microsoft.com/office/drawing/2010/main" xmlns="">
                   <a:noFill/>
                 </a14:hiddenFill>
               </a:ext>
@@ -42019,7 +42019,7 @@
             </a:ln>
             <a:extLst>
               <a:ext uri="{909E8E84-426E-40dd-AFC4-6F175D3DCCD1}">
-                <a14:hiddenFill xmlns="" xmlns:a14="http://schemas.microsoft.com/office/drawing/2010/main">
+                <a14:hiddenFill xmlns:a14="http://schemas.microsoft.com/office/drawing/2010/main" xmlns="">
                   <a:noFill/>
                 </a14:hiddenFill>
               </a:ext>
@@ -42070,7 +42070,7 @@
             </a:ln>
             <a:extLst>
               <a:ext uri="{909E8E84-426E-40dd-AFC4-6F175D3DCCD1}">
-                <a14:hiddenFill xmlns="" xmlns:a14="http://schemas.microsoft.com/office/drawing/2010/main">
+                <a14:hiddenFill xmlns:a14="http://schemas.microsoft.com/office/drawing/2010/main" xmlns="">
                   <a:noFill/>
                 </a14:hiddenFill>
               </a:ext>
@@ -42121,7 +42121,7 @@
             </a:ln>
             <a:extLst>
               <a:ext uri="{909E8E84-426E-40dd-AFC4-6F175D3DCCD1}">
-                <a14:hiddenFill xmlns="" xmlns:a14="http://schemas.microsoft.com/office/drawing/2010/main">
+                <a14:hiddenFill xmlns:a14="http://schemas.microsoft.com/office/drawing/2010/main" xmlns="">
                   <a:noFill/>
                 </a14:hiddenFill>
               </a:ext>
@@ -42172,7 +42172,7 @@
             </a:ln>
             <a:extLst>
               <a:ext uri="{909E8E84-426E-40dd-AFC4-6F175D3DCCD1}">
-                <a14:hiddenFill xmlns="" xmlns:a14="http://schemas.microsoft.com/office/drawing/2010/main">
+                <a14:hiddenFill xmlns:a14="http://schemas.microsoft.com/office/drawing/2010/main" xmlns="">
                   <a:noFill/>
                 </a14:hiddenFill>
               </a:ext>
@@ -42223,7 +42223,7 @@
             </a:ln>
             <a:extLst>
               <a:ext uri="{909E8E84-426E-40dd-AFC4-6F175D3DCCD1}">
-                <a14:hiddenFill xmlns="" xmlns:a14="http://schemas.microsoft.com/office/drawing/2010/main">
+                <a14:hiddenFill xmlns:a14="http://schemas.microsoft.com/office/drawing/2010/main" xmlns="">
                   <a:noFill/>
                 </a14:hiddenFill>
               </a:ext>
@@ -42274,7 +42274,7 @@
             </a:ln>
             <a:extLst>
               <a:ext uri="{909E8E84-426E-40dd-AFC4-6F175D3DCCD1}">
-                <a14:hiddenFill xmlns="" xmlns:a14="http://schemas.microsoft.com/office/drawing/2010/main">
+                <a14:hiddenFill xmlns:a14="http://schemas.microsoft.com/office/drawing/2010/main" xmlns="">
                   <a:noFill/>
                 </a14:hiddenFill>
               </a:ext>
@@ -42325,7 +42325,7 @@
             </a:ln>
             <a:extLst>
               <a:ext uri="{909E8E84-426E-40dd-AFC4-6F175D3DCCD1}">
-                <a14:hiddenFill xmlns="" xmlns:a14="http://schemas.microsoft.com/office/drawing/2010/main">
+                <a14:hiddenFill xmlns:a14="http://schemas.microsoft.com/office/drawing/2010/main" xmlns="">
                   <a:noFill/>
                 </a14:hiddenFill>
               </a:ext>
@@ -42376,7 +42376,7 @@
             </a:ln>
             <a:extLst>
               <a:ext uri="{909E8E84-426E-40dd-AFC4-6F175D3DCCD1}">
-                <a14:hiddenFill xmlns="" xmlns:a14="http://schemas.microsoft.com/office/drawing/2010/main">
+                <a14:hiddenFill xmlns:a14="http://schemas.microsoft.com/office/drawing/2010/main" xmlns="">
                   <a:noFill/>
                 </a14:hiddenFill>
               </a:ext>
@@ -42427,7 +42427,7 @@
             </a:ln>
             <a:extLst>
               <a:ext uri="{909E8E84-426E-40dd-AFC4-6F175D3DCCD1}">
-                <a14:hiddenFill xmlns="" xmlns:a14="http://schemas.microsoft.com/office/drawing/2010/main">
+                <a14:hiddenFill xmlns:a14="http://schemas.microsoft.com/office/drawing/2010/main" xmlns="">
                   <a:noFill/>
                 </a14:hiddenFill>
               </a:ext>
@@ -42478,7 +42478,7 @@
             </a:ln>
             <a:extLst>
               <a:ext uri="{909E8E84-426E-40dd-AFC4-6F175D3DCCD1}">
-                <a14:hiddenFill xmlns="" xmlns:a14="http://schemas.microsoft.com/office/drawing/2010/main">
+                <a14:hiddenFill xmlns:a14="http://schemas.microsoft.com/office/drawing/2010/main" xmlns="">
                   <a:noFill/>
                 </a14:hiddenFill>
               </a:ext>
@@ -42529,7 +42529,7 @@
             </a:ln>
             <a:extLst>
               <a:ext uri="{909E8E84-426E-40dd-AFC4-6F175D3DCCD1}">
-                <a14:hiddenFill xmlns="" xmlns:a14="http://schemas.microsoft.com/office/drawing/2010/main">
+                <a14:hiddenFill xmlns:a14="http://schemas.microsoft.com/office/drawing/2010/main" xmlns="">
                   <a:noFill/>
                 </a14:hiddenFill>
               </a:ext>
@@ -42580,7 +42580,7 @@
             </a:ln>
             <a:extLst>
               <a:ext uri="{909E8E84-426E-40dd-AFC4-6F175D3DCCD1}">
-                <a14:hiddenFill xmlns="" xmlns:a14="http://schemas.microsoft.com/office/drawing/2010/main">
+                <a14:hiddenFill xmlns:a14="http://schemas.microsoft.com/office/drawing/2010/main" xmlns="">
                   <a:noFill/>
                 </a14:hiddenFill>
               </a:ext>
@@ -42631,7 +42631,7 @@
             </a:ln>
             <a:extLst>
               <a:ext uri="{909E8E84-426E-40dd-AFC4-6F175D3DCCD1}">
-                <a14:hiddenFill xmlns="" xmlns:a14="http://schemas.microsoft.com/office/drawing/2010/main">
+                <a14:hiddenFill xmlns:a14="http://schemas.microsoft.com/office/drawing/2010/main" xmlns="">
                   <a:noFill/>
                 </a14:hiddenFill>
               </a:ext>
@@ -42682,7 +42682,7 @@
             </a:ln>
             <a:extLst>
               <a:ext uri="{909E8E84-426E-40dd-AFC4-6F175D3DCCD1}">
-                <a14:hiddenFill xmlns="" xmlns:a14="http://schemas.microsoft.com/office/drawing/2010/main">
+                <a14:hiddenFill xmlns:a14="http://schemas.microsoft.com/office/drawing/2010/main" xmlns="">
                   <a:noFill/>
                 </a14:hiddenFill>
               </a:ext>
@@ -42733,7 +42733,7 @@
             </a:ln>
             <a:extLst>
               <a:ext uri="{909E8E84-426E-40dd-AFC4-6F175D3DCCD1}">
-                <a14:hiddenFill xmlns="" xmlns:a14="http://schemas.microsoft.com/office/drawing/2010/main">
+                <a14:hiddenFill xmlns:a14="http://schemas.microsoft.com/office/drawing/2010/main" xmlns="">
                   <a:noFill/>
                 </a14:hiddenFill>
               </a:ext>
@@ -42784,7 +42784,7 @@
             </a:ln>
             <a:extLst>
               <a:ext uri="{909E8E84-426E-40dd-AFC4-6F175D3DCCD1}">
-                <a14:hiddenFill xmlns="" xmlns:a14="http://schemas.microsoft.com/office/drawing/2010/main">
+                <a14:hiddenFill xmlns:a14="http://schemas.microsoft.com/office/drawing/2010/main" xmlns="">
                   <a:noFill/>
                 </a14:hiddenFill>
               </a:ext>
@@ -42835,7 +42835,7 @@
             </a:ln>
             <a:extLst>
               <a:ext uri="{909E8E84-426E-40dd-AFC4-6F175D3DCCD1}">
-                <a14:hiddenFill xmlns="" xmlns:a14="http://schemas.microsoft.com/office/drawing/2010/main">
+                <a14:hiddenFill xmlns:a14="http://schemas.microsoft.com/office/drawing/2010/main" xmlns="">
                   <a:noFill/>
                 </a14:hiddenFill>
               </a:ext>
@@ -42886,7 +42886,7 @@
             </a:ln>
             <a:extLst>
               <a:ext uri="{909E8E84-426E-40dd-AFC4-6F175D3DCCD1}">
-                <a14:hiddenFill xmlns="" xmlns:a14="http://schemas.microsoft.com/office/drawing/2010/main">
+                <a14:hiddenFill xmlns:a14="http://schemas.microsoft.com/office/drawing/2010/main" xmlns="">
                   <a:noFill/>
                 </a14:hiddenFill>
               </a:ext>
@@ -42937,7 +42937,7 @@
             </a:ln>
             <a:extLst>
               <a:ext uri="{909E8E84-426E-40dd-AFC4-6F175D3DCCD1}">
-                <a14:hiddenFill xmlns="" xmlns:a14="http://schemas.microsoft.com/office/drawing/2010/main">
+                <a14:hiddenFill xmlns:a14="http://schemas.microsoft.com/office/drawing/2010/main" xmlns="">
                   <a:noFill/>
                 </a14:hiddenFill>
               </a:ext>
@@ -42988,7 +42988,7 @@
             </a:ln>
             <a:extLst>
               <a:ext uri="{909E8E84-426E-40dd-AFC4-6F175D3DCCD1}">
-                <a14:hiddenFill xmlns="" xmlns:a14="http://schemas.microsoft.com/office/drawing/2010/main">
+                <a14:hiddenFill xmlns:a14="http://schemas.microsoft.com/office/drawing/2010/main" xmlns="">
                   <a:noFill/>
                 </a14:hiddenFill>
               </a:ext>
@@ -43039,7 +43039,7 @@
             </a:ln>
             <a:extLst>
               <a:ext uri="{909E8E84-426E-40dd-AFC4-6F175D3DCCD1}">
-                <a14:hiddenFill xmlns="" xmlns:a14="http://schemas.microsoft.com/office/drawing/2010/main">
+                <a14:hiddenFill xmlns:a14="http://schemas.microsoft.com/office/drawing/2010/main" xmlns="">
                   <a:noFill/>
                 </a14:hiddenFill>
               </a:ext>
@@ -43090,7 +43090,7 @@
             </a:ln>
             <a:extLst>
               <a:ext uri="{909E8E84-426E-40dd-AFC4-6F175D3DCCD1}">
-                <a14:hiddenFill xmlns="" xmlns:a14="http://schemas.microsoft.com/office/drawing/2010/main">
+                <a14:hiddenFill xmlns:a14="http://schemas.microsoft.com/office/drawing/2010/main" xmlns="">
                   <a:noFill/>
                 </a14:hiddenFill>
               </a:ext>
@@ -43141,7 +43141,7 @@
             </a:ln>
             <a:extLst>
               <a:ext uri="{909E8E84-426E-40dd-AFC4-6F175D3DCCD1}">
-                <a14:hiddenFill xmlns="" xmlns:a14="http://schemas.microsoft.com/office/drawing/2010/main">
+                <a14:hiddenFill xmlns:a14="http://schemas.microsoft.com/office/drawing/2010/main" xmlns="">
                   <a:noFill/>
                 </a14:hiddenFill>
               </a:ext>
@@ -43192,7 +43192,7 @@
             </a:ln>
             <a:extLst>
               <a:ext uri="{909E8E84-426E-40dd-AFC4-6F175D3DCCD1}">
-                <a14:hiddenFill xmlns="" xmlns:a14="http://schemas.microsoft.com/office/drawing/2010/main">
+                <a14:hiddenFill xmlns:a14="http://schemas.microsoft.com/office/drawing/2010/main" xmlns="">
                   <a:noFill/>
                 </a14:hiddenFill>
               </a:ext>
@@ -43243,7 +43243,7 @@
             </a:ln>
             <a:extLst>
               <a:ext uri="{909E8E84-426E-40dd-AFC4-6F175D3DCCD1}">
-                <a14:hiddenFill xmlns="" xmlns:a14="http://schemas.microsoft.com/office/drawing/2010/main">
+                <a14:hiddenFill xmlns:a14="http://schemas.microsoft.com/office/drawing/2010/main" xmlns="">
                   <a:noFill/>
                 </a14:hiddenFill>
               </a:ext>
@@ -43294,7 +43294,7 @@
             </a:ln>
             <a:extLst>
               <a:ext uri="{909E8E84-426E-40dd-AFC4-6F175D3DCCD1}">
-                <a14:hiddenFill xmlns="" xmlns:a14="http://schemas.microsoft.com/office/drawing/2010/main">
+                <a14:hiddenFill xmlns:a14="http://schemas.microsoft.com/office/drawing/2010/main" xmlns="">
                   <a:noFill/>
                 </a14:hiddenFill>
               </a:ext>
@@ -43345,7 +43345,7 @@
             </a:ln>
             <a:extLst>
               <a:ext uri="{909E8E84-426E-40dd-AFC4-6F175D3DCCD1}">
-                <a14:hiddenFill xmlns="" xmlns:a14="http://schemas.microsoft.com/office/drawing/2010/main">
+                <a14:hiddenFill xmlns:a14="http://schemas.microsoft.com/office/drawing/2010/main" xmlns="">
                   <a:noFill/>
                 </a14:hiddenFill>
               </a:ext>
@@ -43396,7 +43396,7 @@
             </a:ln>
             <a:extLst>
               <a:ext uri="{909E8E84-426E-40dd-AFC4-6F175D3DCCD1}">
-                <a14:hiddenFill xmlns="" xmlns:a14="http://schemas.microsoft.com/office/drawing/2010/main">
+                <a14:hiddenFill xmlns:a14="http://schemas.microsoft.com/office/drawing/2010/main" xmlns="">
                   <a:noFill/>
                 </a14:hiddenFill>
               </a:ext>
@@ -44542,29 +44542,7 @@
                 <a:ea typeface="Verdana" panose="020B0604030504040204" pitchFamily="34" charset="0"/>
                 <a:cs typeface="Verdana" panose="020B0604030504040204" pitchFamily="34" charset="0"/>
               </a:rPr>
-              <a:t>Computers and software are </a:t>
-            </a:r>
-            <a:r>
-              <a:rPr lang="en-US" sz="4400" b="1" dirty="0" smtClean="0">
-                <a:solidFill>
-                  <a:schemeClr val="bg1"/>
-                </a:solidFill>
-                <a:latin typeface="Verdana" panose="020B0604030504040204" pitchFamily="34" charset="0"/>
-                <a:ea typeface="Verdana" panose="020B0604030504040204" pitchFamily="34" charset="0"/>
-                <a:cs typeface="Verdana" panose="020B0604030504040204" pitchFamily="34" charset="0"/>
-              </a:rPr>
-              <a:t>changing everything</a:t>
-            </a:r>
-            <a:r>
-              <a:rPr lang="en-US" sz="4400" b="1" dirty="0">
-                <a:solidFill>
-                  <a:schemeClr val="bg1"/>
-                </a:solidFill>
-                <a:latin typeface="Verdana" panose="020B0604030504040204" pitchFamily="34" charset="0"/>
-                <a:ea typeface="Verdana" panose="020B0604030504040204" pitchFamily="34" charset="0"/>
-                <a:cs typeface="Verdana" panose="020B0604030504040204" pitchFamily="34" charset="0"/>
-              </a:rPr>
-              <a:t>…</a:t>
+              <a:t>Computers and software are changing everything…</a:t>
             </a:r>
           </a:p>
         </p:txBody>
@@ -44579,13 +44557,6 @@
   <p:clrMapOvr>
     <a:masterClrMapping/>
   </p:clrMapOvr>
-  <p:timing>
-    <p:tnLst>
-      <p:par>
-        <p:cTn id="1" dur="indefinite" restart="never" nodeType="tmRoot"/>
-      </p:par>
-    </p:tnLst>
-  </p:timing>
 </p:sld>
 </file>
 
@@ -44646,27 +44617,8 @@
                 <a:ea typeface="Verdana" panose="020B0604030504040204" pitchFamily="34" charset="0"/>
                 <a:cs typeface="Verdana" panose="020B0604030504040204" pitchFamily="34" charset="0"/>
               </a:rPr>
-              <a:t>Computer science is </a:t>
+              <a:t>Computer science is vocational</a:t>
             </a:r>
-            <a:r>
-              <a:rPr lang="en-US" sz="4400" dirty="0" smtClean="0">
-                <a:solidFill>
-                  <a:srgbClr val="5B6770"/>
-                </a:solidFill>
-                <a:latin typeface="Verdana" panose="020B0604030504040204" pitchFamily="34" charset="0"/>
-                <a:ea typeface="Verdana" panose="020B0604030504040204" pitchFamily="34" charset="0"/>
-                <a:cs typeface="Verdana" panose="020B0604030504040204" pitchFamily="34" charset="0"/>
-              </a:rPr>
-              <a:t>vocational</a:t>
-            </a:r>
-            <a:endParaRPr lang="en-US" sz="4400" dirty="0">
-              <a:solidFill>
-                <a:srgbClr val="5B6770"/>
-              </a:solidFill>
-              <a:latin typeface="Verdana" panose="020B0604030504040204" pitchFamily="34" charset="0"/>
-              <a:ea typeface="Verdana" panose="020B0604030504040204" pitchFamily="34" charset="0"/>
-              <a:cs typeface="Verdana" panose="020B0604030504040204" pitchFamily="34" charset="0"/>
-            </a:endParaRPr>
           </a:p>
         </p:txBody>
       </p:sp>
@@ -44719,13 +44671,6 @@
   <p:clrMapOvr>
     <a:masterClrMapping/>
   </p:clrMapOvr>
-  <p:timing>
-    <p:tnLst>
-      <p:par>
-        <p:cTn id="1" dur="indefinite" restart="never" nodeType="tmRoot"/>
-      </p:par>
-    </p:tnLst>
-  </p:timing>
 </p:sld>
 </file>
 
@@ -44786,18 +44731,7 @@
                 <a:ea typeface="Verdana" panose="020B0604030504040204" pitchFamily="34" charset="0"/>
                 <a:cs typeface="Verdana" panose="020B0604030504040204" pitchFamily="34" charset="0"/>
               </a:rPr>
-              <a:t>Computer science is </a:t>
-            </a:r>
-            <a:r>
-              <a:rPr lang="en-US" sz="4400" strike="sngStrike" dirty="0" smtClean="0">
-                <a:solidFill>
-                  <a:srgbClr val="5B6770"/>
-                </a:solidFill>
-                <a:latin typeface="Verdana" panose="020B0604030504040204" pitchFamily="34" charset="0"/>
-                <a:ea typeface="Verdana" panose="020B0604030504040204" pitchFamily="34" charset="0"/>
-                <a:cs typeface="Verdana" panose="020B0604030504040204" pitchFamily="34" charset="0"/>
-              </a:rPr>
-              <a:t>vocational</a:t>
+              <a:t>Computer science is vocational</a:t>
             </a:r>
             <a:endParaRPr lang="en-US" sz="4400" dirty="0">
               <a:solidFill>
@@ -44819,27 +44753,8 @@
                 <a:ea typeface="Verdana" panose="020B0604030504040204" pitchFamily="34" charset="0"/>
                 <a:cs typeface="Verdana" panose="020B0604030504040204" pitchFamily="34" charset="0"/>
               </a:rPr>
-              <a:t>Computer science is </a:t>
+              <a:t>Computer science is foundational</a:t>
             </a:r>
-            <a:r>
-              <a:rPr lang="en-US" sz="4400" b="1" dirty="0" smtClean="0">
-                <a:solidFill>
-                  <a:srgbClr val="00ADBC"/>
-                </a:solidFill>
-                <a:latin typeface="Verdana" panose="020B0604030504040204" pitchFamily="34" charset="0"/>
-                <a:ea typeface="Verdana" panose="020B0604030504040204" pitchFamily="34" charset="0"/>
-                <a:cs typeface="Verdana" panose="020B0604030504040204" pitchFamily="34" charset="0"/>
-              </a:rPr>
-              <a:t>foundational</a:t>
-            </a:r>
-            <a:endParaRPr lang="en-US" sz="4400" b="1" dirty="0">
-              <a:solidFill>
-                <a:srgbClr val="00ADBC"/>
-              </a:solidFill>
-              <a:latin typeface="Verdana" panose="020B0604030504040204" pitchFamily="34" charset="0"/>
-              <a:ea typeface="Verdana" panose="020B0604030504040204" pitchFamily="34" charset="0"/>
-              <a:cs typeface="Verdana" panose="020B0604030504040204" pitchFamily="34" charset="0"/>
-            </a:endParaRPr>
           </a:p>
         </p:txBody>
       </p:sp>
@@ -44853,13 +44768,6 @@
   <p:clrMapOvr>
     <a:masterClrMapping/>
   </p:clrMapOvr>
-  <p:timing>
-    <p:tnLst>
-      <p:par>
-        <p:cTn id="1" dur="indefinite" restart="never" nodeType="tmRoot"/>
-      </p:par>
-    </p:tnLst>
-  </p:timing>
 </p:sld>
 </file>
 
@@ -45210,14 +45118,6 @@
   <p:clrMapOvr>
     <a:masterClrMapping/>
   </p:clrMapOvr>
-  <mc:AlternateContent xmlns:mc="http://schemas.openxmlformats.org/markup-compatibility/2006" xmlns:p14="http://schemas.microsoft.com/office/powerpoint/2010/main">
-    <mc:Choice Requires="p14">
-      <p:transition p14:dur="0"/>
-    </mc:Choice>
-    <mc:Fallback xmlns="">
-      <p:transition/>
-    </mc:Fallback>
-  </mc:AlternateContent>
   <p:timing>
     <p:tnLst>
       <p:par>
@@ -45427,10 +45327,10 @@
                 <a:ea typeface="Verdana" panose="020B0604030504040204" pitchFamily="34" charset="0"/>
                 <a:cs typeface="Verdana" panose="020B0604030504040204" pitchFamily="34" charset="0"/>
               </a:rPr>
-              <a:t> century student should have a chance to learn </a:t>
+              <a:t> century student should have a chance to learn about algorithms</a:t>
             </a:r>
             <a:r>
-              <a:rPr lang="en-US" sz="3200" b="1" dirty="0" smtClean="0">
+              <a:rPr lang="en-US" sz="3200" dirty="0">
                 <a:solidFill>
                   <a:srgbClr val="5B6770"/>
                 </a:solidFill>
@@ -45438,29 +45338,7 @@
                 <a:ea typeface="Verdana" panose="020B0604030504040204" pitchFamily="34" charset="0"/>
                 <a:cs typeface="Verdana" panose="020B0604030504040204" pitchFamily="34" charset="0"/>
               </a:rPr>
-              <a:t>about algorithms</a:t>
-            </a:r>
-            <a:r>
-              <a:rPr lang="en-US" sz="3200" dirty="0" smtClean="0">
-                <a:solidFill>
-                  <a:srgbClr val="5B6770"/>
-                </a:solidFill>
-                <a:latin typeface="Verdana" panose="020B0604030504040204" pitchFamily="34" charset="0"/>
-                <a:ea typeface="Verdana" panose="020B0604030504040204" pitchFamily="34" charset="0"/>
-                <a:cs typeface="Verdana" panose="020B0604030504040204" pitchFamily="34" charset="0"/>
-              </a:rPr>
-              <a:t>, how </a:t>
-            </a:r>
-            <a:r>
-              <a:rPr lang="en-US" sz="3200" dirty="0">
-                <a:solidFill>
-                  <a:srgbClr val="5B6770"/>
-                </a:solidFill>
-                <a:latin typeface="Verdana" panose="020B0604030504040204" pitchFamily="34" charset="0"/>
-                <a:ea typeface="Verdana" panose="020B0604030504040204" pitchFamily="34" charset="0"/>
-                <a:cs typeface="Verdana" panose="020B0604030504040204" pitchFamily="34" charset="0"/>
-              </a:rPr>
-              <a:t>to make </a:t>
+              <a:t>, how to make </a:t>
             </a:r>
             <a:r>
               <a:rPr lang="en-US" sz="3200" b="1" dirty="0">
@@ -45669,27 +45547,8 @@
                 <a:ea typeface="Verdana" panose="020B0604030504040204" pitchFamily="34" charset="0"/>
                 <a:cs typeface="Verdana" panose="020B0604030504040204" pitchFamily="34" charset="0"/>
               </a:rPr>
-              <a:t>The tech industry is desperately trying to hire computer programmers in </a:t>
+              <a:t>The tech industry is desperately trying to hire computer programmers in California</a:t>
             </a:r>
-            <a:r>
-              <a:rPr lang="en-US" sz="4400" dirty="0" smtClean="0">
-                <a:solidFill>
-                  <a:srgbClr val="5B6770"/>
-                </a:solidFill>
-                <a:latin typeface="Verdana" panose="020B0604030504040204" pitchFamily="34" charset="0"/>
-                <a:ea typeface="Verdana" panose="020B0604030504040204" pitchFamily="34" charset="0"/>
-                <a:cs typeface="Verdana" panose="020B0604030504040204" pitchFamily="34" charset="0"/>
-              </a:rPr>
-              <a:t>California</a:t>
-            </a:r>
-            <a:endParaRPr lang="en-US" sz="4400" dirty="0">
-              <a:solidFill>
-                <a:srgbClr val="5B6770"/>
-              </a:solidFill>
-              <a:latin typeface="Verdana" panose="020B0604030504040204" pitchFamily="34" charset="0"/>
-              <a:ea typeface="Verdana" panose="020B0604030504040204" pitchFamily="34" charset="0"/>
-              <a:cs typeface="Verdana" panose="020B0604030504040204" pitchFamily="34" charset="0"/>
-            </a:endParaRPr>
           </a:p>
         </p:txBody>
       </p:sp>
@@ -45742,13 +45601,6 @@
   <p:clrMapOvr>
     <a:masterClrMapping/>
   </p:clrMapOvr>
-  <p:timing>
-    <p:tnLst>
-      <p:par>
-        <p:cTn id="1" dur="indefinite" restart="never" nodeType="tmRoot"/>
-      </p:par>
-    </p:tnLst>
-  </p:timing>
 </p:sld>
 </file>
 
@@ -45867,7 +45719,7 @@
               <a:t> </a:t>
             </a:r>
             <a:r>
-              <a:rPr lang="en-US" sz="4400" b="1" dirty="0" smtClean="0">
+              <a:rPr lang="en-US" sz="4400" b="1" dirty="0">
                 <a:solidFill>
                   <a:srgbClr val="7665A0"/>
                 </a:solidFill>
@@ -45877,14 +45729,6 @@
               </a:rPr>
               <a:t>everywhere</a:t>
             </a:r>
-            <a:endParaRPr lang="en-US" sz="4400" b="1" dirty="0">
-              <a:solidFill>
-                <a:srgbClr val="7665A0"/>
-              </a:solidFill>
-              <a:latin typeface="Verdana" panose="020B0604030504040204" pitchFamily="34" charset="0"/>
-              <a:ea typeface="Verdana" panose="020B0604030504040204" pitchFamily="34" charset="0"/>
-              <a:cs typeface="Verdana" panose="020B0604030504040204" pitchFamily="34" charset="0"/>
-            </a:endParaRPr>
           </a:p>
         </p:txBody>
       </p:sp>
@@ -45898,13 +45742,6 @@
   <p:clrMapOvr>
     <a:masterClrMapping/>
   </p:clrMapOvr>
-  <p:timing>
-    <p:tnLst>
-      <p:par>
-        <p:cTn id="1" dur="indefinite" restart="never" nodeType="tmRoot"/>
-      </p:par>
-    </p:tnLst>
-  </p:timing>
 </p:sld>
 </file>
 
@@ -46135,27 +45972,8 @@
                 <a:ea typeface="Verdana" panose="020B0604030504040204" pitchFamily="34" charset="0"/>
                 <a:cs typeface="Verdana" panose="020B0604030504040204" pitchFamily="34" charset="0"/>
               </a:rPr>
-              <a:t>[insert #] high schools teach AP </a:t>
+              <a:t>[insert #] high schools teach AP CS</a:t>
             </a:r>
-            <a:r>
-              <a:rPr lang="en-US" sz="3600" dirty="0" smtClean="0">
-                <a:solidFill>
-                  <a:srgbClr val="5B6770"/>
-                </a:solidFill>
-                <a:latin typeface="Verdana" panose="020B0604030504040204" pitchFamily="34" charset="0"/>
-                <a:ea typeface="Verdana" panose="020B0604030504040204" pitchFamily="34" charset="0"/>
-                <a:cs typeface="Verdana" panose="020B0604030504040204" pitchFamily="34" charset="0"/>
-              </a:rPr>
-              <a:t>CS</a:t>
-            </a:r>
-            <a:endParaRPr lang="en-US" sz="3600" dirty="0">
-              <a:solidFill>
-                <a:srgbClr val="5B6770"/>
-              </a:solidFill>
-              <a:latin typeface="Verdana" panose="020B0604030504040204" pitchFamily="34" charset="0"/>
-              <a:ea typeface="Verdana" panose="020B0604030504040204" pitchFamily="34" charset="0"/>
-              <a:cs typeface="Verdana" panose="020B0604030504040204" pitchFamily="34" charset="0"/>
-            </a:endParaRPr>
           </a:p>
         </p:txBody>
       </p:sp>
@@ -46297,14 +46115,6 @@
   <p:clrMapOvr>
     <a:masterClrMapping/>
   </p:clrMapOvr>
-  <mc:AlternateContent xmlns:mc="http://schemas.openxmlformats.org/markup-compatibility/2006" xmlns:p14="http://schemas.microsoft.com/office/powerpoint/2010/main">
-    <mc:Choice Requires="p14">
-      <p:transition spd="slow" p14:dur="2000"/>
-    </mc:Choice>
-    <mc:Fallback xmlns="">
-      <p:transition spd="slow"/>
-    </mc:Fallback>
-  </mc:AlternateContent>
   <p:timing>
     <p:tnLst>
       <p:par>
@@ -46670,7 +46480,7 @@
               </a:lnSpc>
             </a:pPr>
             <a:r>
-              <a:rPr lang="en-US" sz="2800" dirty="0" smtClean="0">
+              <a:rPr lang="en-US" sz="2800" dirty="0">
                 <a:solidFill>
                   <a:srgbClr val="5B6770"/>
                 </a:solidFill>
@@ -46678,38 +46488,8 @@
                 <a:ea typeface="Verdana" panose="020B0604030504040204" pitchFamily="34" charset="0"/>
                 <a:cs typeface="Verdana" panose="020B0604030504040204" pitchFamily="34" charset="0"/>
               </a:rPr>
-              <a:t>believe </a:t>
+              <a:t>believe offering computer science is more or equally as important as any required course.</a:t>
             </a:r>
-            <a:r>
-              <a:rPr lang="en-US" sz="2800" dirty="0">
-                <a:solidFill>
-                  <a:srgbClr val="5B6770"/>
-                </a:solidFill>
-                <a:latin typeface="Verdana" panose="020B0604030504040204" pitchFamily="34" charset="0"/>
-                <a:ea typeface="Verdana" panose="020B0604030504040204" pitchFamily="34" charset="0"/>
-                <a:cs typeface="Verdana" panose="020B0604030504040204" pitchFamily="34" charset="0"/>
-              </a:rPr>
-              <a:t>offering computer science is more or equally as important as any required course</a:t>
-            </a:r>
-            <a:r>
-              <a:rPr lang="en-US" sz="2800" dirty="0" smtClean="0">
-                <a:solidFill>
-                  <a:srgbClr val="5B6770"/>
-                </a:solidFill>
-                <a:latin typeface="Verdana" panose="020B0604030504040204" pitchFamily="34" charset="0"/>
-                <a:ea typeface="Verdana" panose="020B0604030504040204" pitchFamily="34" charset="0"/>
-                <a:cs typeface="Verdana" panose="020B0604030504040204" pitchFamily="34" charset="0"/>
-              </a:rPr>
-              <a:t>.</a:t>
-            </a:r>
-            <a:endParaRPr lang="en-US" sz="2800" dirty="0">
-              <a:solidFill>
-                <a:srgbClr val="5B6770"/>
-              </a:solidFill>
-              <a:latin typeface="Verdana" panose="020B0604030504040204" pitchFamily="34" charset="0"/>
-              <a:ea typeface="Verdana" panose="020B0604030504040204" pitchFamily="34" charset="0"/>
-              <a:cs typeface="Verdana" panose="020B0604030504040204" pitchFamily="34" charset="0"/>
-            </a:endParaRPr>
           </a:p>
         </p:txBody>
       </p:sp>
@@ -46801,29 +46581,7 @@
                 <a:ea typeface="Verdana" panose="020B0604030504040204" pitchFamily="34" charset="0"/>
                 <a:cs typeface="Verdana" panose="020B0604030504040204" pitchFamily="34" charset="0"/>
               </a:rPr>
-              <a:t> </a:t>
-            </a:r>
-            <a:r>
-              <a:rPr lang="en-US" sz="3200" dirty="0" smtClean="0">
-                <a:solidFill>
-                  <a:srgbClr val="5B6770"/>
-                </a:solidFill>
-                <a:latin typeface="Verdana" panose="020B0604030504040204" pitchFamily="34" charset="0"/>
-                <a:ea typeface="Verdana" panose="020B0604030504040204" pitchFamily="34" charset="0"/>
-                <a:cs typeface="Verdana" panose="020B0604030504040204" pitchFamily="34" charset="0"/>
-              </a:rPr>
-              <a:t>in </a:t>
-            </a:r>
-            <a:r>
-              <a:rPr lang="en-US" sz="3200" dirty="0">
-                <a:solidFill>
-                  <a:srgbClr val="5B6770"/>
-                </a:solidFill>
-                <a:latin typeface="Verdana" panose="020B0604030504040204" pitchFamily="34" charset="0"/>
-                <a:ea typeface="Verdana" panose="020B0604030504040204" pitchFamily="34" charset="0"/>
-                <a:cs typeface="Verdana" panose="020B0604030504040204" pitchFamily="34" charset="0"/>
-              </a:rPr>
-              <a:t>rural and small towns</a:t>
+              <a:t> in rural and small towns</a:t>
             </a:r>
           </a:p>
         </p:txBody>
@@ -46838,13 +46596,6 @@
   <p:clrMapOvr>
     <a:masterClrMapping/>
   </p:clrMapOvr>
-  <p:timing>
-    <p:tnLst>
-      <p:par>
-        <p:cTn id="1" dur="indefinite" restart="never" nodeType="tmRoot"/>
-      </p:par>
-    </p:tnLst>
-  </p:timing>
 </p:sld>
 </file>
 
@@ -47013,13 +46764,6 @@
   <p:clrMapOvr>
     <a:masterClrMapping/>
   </p:clrMapOvr>
-  <p:timing>
-    <p:tnLst>
-      <p:par>
-        <p:cTn id="1" dur="indefinite" restart="never" nodeType="tmRoot"/>
-      </p:par>
-    </p:tnLst>
-  </p:timing>
 </p:sld>
 </file>
 
@@ -47103,21 +46847,10 @@
                 <a:ea typeface="Verdana" panose="020B0604030504040204" pitchFamily="34" charset="0"/>
                 <a:cs typeface="Verdana" panose="020B0604030504040204" pitchFamily="34" charset="0"/>
               </a:rPr>
-              <a:t>500,000 current </a:t>
+              <a:t>500,000 current openings:</a:t>
             </a:r>
             <a:r>
-              <a:rPr lang="en-US" sz="2400" b="1" dirty="0" smtClean="0">
-                <a:solidFill>
-                  <a:srgbClr val="5B6770"/>
-                </a:solidFill>
-                <a:latin typeface="Verdana" panose="020B0604030504040204" pitchFamily="34" charset="0"/>
-                <a:ea typeface="Verdana" panose="020B0604030504040204" pitchFamily="34" charset="0"/>
-                <a:cs typeface="Verdana" panose="020B0604030504040204" pitchFamily="34" charset="0"/>
-              </a:rPr>
-              <a:t>openings:</a:t>
-            </a:r>
-            <a:r>
-              <a:rPr lang="en-US" sz="2400" dirty="0" smtClean="0">
+              <a:rPr lang="en-US" sz="2400" dirty="0">
                 <a:solidFill>
                   <a:srgbClr val="5B6770"/>
                 </a:solidFill>
@@ -47135,7 +46868,7 @@
               </a:lnSpc>
             </a:pPr>
             <a:r>
-              <a:rPr lang="en-US" sz="2400" dirty="0" smtClean="0">
+              <a:rPr lang="en-US" sz="2400" dirty="0">
                 <a:solidFill>
                   <a:srgbClr val="5B6770"/>
                 </a:solidFill>
@@ -47143,18 +46876,7 @@
                 <a:ea typeface="Verdana" panose="020B0604030504040204" pitchFamily="34" charset="0"/>
                 <a:cs typeface="Verdana" panose="020B0604030504040204" pitchFamily="34" charset="0"/>
               </a:rPr>
-              <a:t>These </a:t>
-            </a:r>
-            <a:r>
-              <a:rPr lang="en-US" sz="2400" dirty="0">
-                <a:solidFill>
-                  <a:srgbClr val="5B6770"/>
-                </a:solidFill>
-                <a:latin typeface="Verdana" panose="020B0604030504040204" pitchFamily="34" charset="0"/>
-                <a:ea typeface="Verdana" panose="020B0604030504040204" pitchFamily="34" charset="0"/>
-                <a:cs typeface="Verdana" panose="020B0604030504040204" pitchFamily="34" charset="0"/>
-              </a:rPr>
-              <a:t>jobs are in </a:t>
+              <a:t>These jobs are in </a:t>
             </a:r>
             <a:r>
               <a:rPr lang="en-US" sz="2400" b="1" dirty="0">
@@ -47464,27 +47186,8 @@
                 <a:ea typeface="Verdana" panose="020B0604030504040204" pitchFamily="34" charset="0"/>
                 <a:cs typeface="Verdana" panose="020B0604030504040204" pitchFamily="34" charset="0"/>
               </a:rPr>
-              <a:t>…but the majority of schools don’t teach computer </a:t>
+              <a:t>…but the majority of schools don’t teach computer science</a:t>
             </a:r>
-            <a:r>
-              <a:rPr lang="en-US" sz="3200" b="1" dirty="0" smtClean="0">
-                <a:solidFill>
-                  <a:srgbClr val="5B6770"/>
-                </a:solidFill>
-                <a:latin typeface="Verdana" panose="020B0604030504040204" pitchFamily="34" charset="0"/>
-                <a:ea typeface="Verdana" panose="020B0604030504040204" pitchFamily="34" charset="0"/>
-                <a:cs typeface="Verdana" panose="020B0604030504040204" pitchFamily="34" charset="0"/>
-              </a:rPr>
-              <a:t>science</a:t>
-            </a:r>
-            <a:endParaRPr lang="en-US" sz="3200" b="1" dirty="0">
-              <a:solidFill>
-                <a:srgbClr val="5B6770"/>
-              </a:solidFill>
-              <a:latin typeface="Verdana" panose="020B0604030504040204" pitchFamily="34" charset="0"/>
-              <a:ea typeface="Verdana" panose="020B0604030504040204" pitchFamily="34" charset="0"/>
-              <a:cs typeface="Verdana" panose="020B0604030504040204" pitchFamily="34" charset="0"/>
-            </a:endParaRPr>
           </a:p>
         </p:txBody>
       </p:sp>
@@ -47568,14 +47271,6 @@
   <p:clrMapOvr>
     <a:masterClrMapping/>
   </p:clrMapOvr>
-  <mc:AlternateContent xmlns:mc="http://schemas.openxmlformats.org/markup-compatibility/2006" xmlns:p14="http://schemas.microsoft.com/office/powerpoint/2010/main">
-    <mc:Choice Requires="p14">
-      <p:transition p14:dur="0"/>
-    </mc:Choice>
-    <mc:Fallback xmlns="">
-      <p:transition/>
-    </mc:Fallback>
-  </mc:AlternateContent>
   <p:timing>
     <p:tnLst>
       <p:par>
@@ -47716,19 +47411,11 @@
               </a:rPr>
               <a:t>This problem is </a:t>
             </a:r>
-            <a:endParaRPr lang="en-US" sz="4400" dirty="0" smtClean="0">
-              <a:solidFill>
-                <a:srgbClr val="5B6770"/>
-              </a:solidFill>
-              <a:latin typeface="Verdana" panose="020B0604030504040204" pitchFamily="34" charset="0"/>
-              <a:ea typeface="Verdana" panose="020B0604030504040204" pitchFamily="34" charset="0"/>
-              <a:cs typeface="Verdana" panose="020B0604030504040204" pitchFamily="34" charset="0"/>
-            </a:endParaRPr>
           </a:p>
           <a:p>
             <a:pPr algn="ctr"/>
             <a:r>
-              <a:rPr lang="en-US" sz="4400" dirty="0" smtClean="0">
+              <a:rPr lang="en-US" sz="4400" dirty="0">
                 <a:solidFill>
                   <a:srgbClr val="5B6770"/>
                 </a:solidFill>
@@ -47736,18 +47423,7 @@
                 <a:ea typeface="Verdana" panose="020B0604030504040204" pitchFamily="34" charset="0"/>
                 <a:cs typeface="Verdana" panose="020B0604030504040204" pitchFamily="34" charset="0"/>
               </a:rPr>
-              <a:t>about </a:t>
-            </a:r>
-            <a:r>
-              <a:rPr lang="en-US" sz="4400" dirty="0">
-                <a:solidFill>
-                  <a:srgbClr val="5B6770"/>
-                </a:solidFill>
-                <a:latin typeface="Verdana" panose="020B0604030504040204" pitchFamily="34" charset="0"/>
-                <a:ea typeface="Verdana" panose="020B0604030504040204" pitchFamily="34" charset="0"/>
-                <a:cs typeface="Verdana" panose="020B0604030504040204" pitchFamily="34" charset="0"/>
-              </a:rPr>
-              <a:t>“</a:t>
+              <a:t>about “</a:t>
             </a:r>
             <a:r>
               <a:rPr lang="en-US" sz="4400" b="1" dirty="0">
@@ -47771,19 +47447,11 @@
               </a:rPr>
               <a:t>” </a:t>
             </a:r>
-            <a:endParaRPr lang="en-US" sz="4400" dirty="0" smtClean="0">
-              <a:solidFill>
-                <a:srgbClr val="5B6770"/>
-              </a:solidFill>
-              <a:latin typeface="Verdana" panose="020B0604030504040204" pitchFamily="34" charset="0"/>
-              <a:ea typeface="Verdana" panose="020B0604030504040204" pitchFamily="34" charset="0"/>
-              <a:cs typeface="Verdana" panose="020B0604030504040204" pitchFamily="34" charset="0"/>
-            </a:endParaRPr>
           </a:p>
           <a:p>
             <a:pPr algn="ctr"/>
             <a:r>
-              <a:rPr lang="en-US" sz="4400" dirty="0" smtClean="0">
+              <a:rPr lang="en-US" sz="4400" dirty="0">
                 <a:solidFill>
                   <a:srgbClr val="5B6770"/>
                 </a:solidFill>
@@ -47791,38 +47459,8 @@
                 <a:ea typeface="Verdana" panose="020B0604030504040204" pitchFamily="34" charset="0"/>
                 <a:cs typeface="Verdana" panose="020B0604030504040204" pitchFamily="34" charset="0"/>
               </a:rPr>
-              <a:t>(</a:t>
+              <a:t>(Science, Technology, Engineering, and Math)…</a:t>
             </a:r>
-            <a:r>
-              <a:rPr lang="en-US" sz="4400" dirty="0">
-                <a:solidFill>
-                  <a:srgbClr val="5B6770"/>
-                </a:solidFill>
-                <a:latin typeface="Verdana" panose="020B0604030504040204" pitchFamily="34" charset="0"/>
-                <a:ea typeface="Verdana" panose="020B0604030504040204" pitchFamily="34" charset="0"/>
-                <a:cs typeface="Verdana" panose="020B0604030504040204" pitchFamily="34" charset="0"/>
-              </a:rPr>
-              <a:t>Science, Technology, Engineering, and Math</a:t>
-            </a:r>
-            <a:r>
-              <a:rPr lang="en-US" sz="4400" dirty="0" smtClean="0">
-                <a:solidFill>
-                  <a:srgbClr val="5B6770"/>
-                </a:solidFill>
-                <a:latin typeface="Verdana" panose="020B0604030504040204" pitchFamily="34" charset="0"/>
-                <a:ea typeface="Verdana" panose="020B0604030504040204" pitchFamily="34" charset="0"/>
-                <a:cs typeface="Verdana" panose="020B0604030504040204" pitchFamily="34" charset="0"/>
-              </a:rPr>
-              <a:t>)…</a:t>
-            </a:r>
-            <a:endParaRPr lang="en-US" sz="4400" dirty="0">
-              <a:solidFill>
-                <a:srgbClr val="5B6770"/>
-              </a:solidFill>
-              <a:latin typeface="Verdana" panose="020B0604030504040204" pitchFamily="34" charset="0"/>
-              <a:ea typeface="Verdana" panose="020B0604030504040204" pitchFamily="34" charset="0"/>
-              <a:cs typeface="Verdana" panose="020B0604030504040204" pitchFamily="34" charset="0"/>
-            </a:endParaRPr>
           </a:p>
         </p:txBody>
       </p:sp>
@@ -47875,13 +47513,6 @@
   <p:clrMapOvr>
     <a:masterClrMapping/>
   </p:clrMapOvr>
-  <p:timing>
-    <p:tnLst>
-      <p:par>
-        <p:cTn id="1" dur="indefinite" restart="never" nodeType="tmRoot"/>
-      </p:par>
-    </p:tnLst>
-  </p:timing>
 </p:sld>
 </file>
 
@@ -48050,14 +47681,6 @@
   <p:clrMapOvr>
     <a:masterClrMapping/>
   </p:clrMapOvr>
-  <mc:AlternateContent xmlns:mc="http://schemas.openxmlformats.org/markup-compatibility/2006" xmlns:p14="http://schemas.microsoft.com/office/powerpoint/2010/main">
-    <mc:Choice Requires="p14">
-      <p:transition p14:dur="0"/>
-    </mc:Choice>
-    <mc:Fallback xmlns="">
-      <p:transition/>
-    </mc:Fallback>
-  </mc:AlternateContent>
   <p:timing>
     <p:tnLst>
       <p:par>
@@ -48717,27 +48340,8 @@
                 <a:ea typeface="Verdana" panose="020B0604030504040204" pitchFamily="34" charset="0"/>
                 <a:cs typeface="Verdana" panose="020B0604030504040204" pitchFamily="34" charset="0"/>
               </a:rPr>
-              <a:t>Our state policies can help fix this picture</a:t>
+              <a:t>Our state policies can help fix this picture…</a:t>
             </a:r>
-            <a:r>
-              <a:rPr lang="en-US" sz="4400" b="1" dirty="0" smtClean="0">
-                <a:solidFill>
-                  <a:schemeClr val="bg1"/>
-                </a:solidFill>
-                <a:latin typeface="Verdana" panose="020B0604030504040204" pitchFamily="34" charset="0"/>
-                <a:ea typeface="Verdana" panose="020B0604030504040204" pitchFamily="34" charset="0"/>
-                <a:cs typeface="Verdana" panose="020B0604030504040204" pitchFamily="34" charset="0"/>
-              </a:rPr>
-              <a:t>…</a:t>
-            </a:r>
-            <a:endParaRPr lang="en-US" sz="4400" b="1" dirty="0">
-              <a:solidFill>
-                <a:schemeClr val="bg1"/>
-              </a:solidFill>
-              <a:latin typeface="Verdana" panose="020B0604030504040204" pitchFamily="34" charset="0"/>
-              <a:ea typeface="Verdana" panose="020B0604030504040204" pitchFamily="34" charset="0"/>
-              <a:cs typeface="Verdana" panose="020B0604030504040204" pitchFamily="34" charset="0"/>
-            </a:endParaRPr>
           </a:p>
         </p:txBody>
       </p:sp>
@@ -48751,13 +48355,6 @@
   <p:clrMapOvr>
     <a:masterClrMapping/>
   </p:clrMapOvr>
-  <p:timing>
-    <p:tnLst>
-      <p:par>
-        <p:cTn id="1" dur="indefinite" restart="never" nodeType="tmRoot"/>
-      </p:par>
-    </p:tnLst>
-  </p:timing>
 </p:sld>
 </file>
 
@@ -48841,10 +48438,10 @@
                 <a:ea typeface="Verdana" panose="020B0604030504040204" pitchFamily="34" charset="0"/>
                 <a:cs typeface="Verdana" panose="020B0604030504040204" pitchFamily="34" charset="0"/>
               </a:rPr>
-              <a:t>Only </a:t>
+              <a:t>Only 21 states </a:t>
             </a:r>
             <a:r>
-              <a:rPr lang="en-US" sz="1800" b="1" dirty="0" smtClean="0">
+              <a:rPr lang="en-US" sz="1800" dirty="0">
                 <a:solidFill>
                   <a:srgbClr val="5B6770"/>
                 </a:solidFill>
@@ -48852,40 +48449,7 @@
                 <a:ea typeface="Verdana" panose="020B0604030504040204" pitchFamily="34" charset="0"/>
                 <a:cs typeface="Verdana" panose="020B0604030504040204" pitchFamily="34" charset="0"/>
               </a:rPr>
-              <a:t>21 </a:t>
-            </a:r>
-            <a:r>
-              <a:rPr lang="en-US" sz="1800" b="1" dirty="0">
-                <a:solidFill>
-                  <a:srgbClr val="5B6770"/>
-                </a:solidFill>
-                <a:latin typeface="Verdana" panose="020B0604030504040204" pitchFamily="34" charset="0"/>
-                <a:ea typeface="Verdana" panose="020B0604030504040204" pitchFamily="34" charset="0"/>
-                <a:cs typeface="Verdana" panose="020B0604030504040204" pitchFamily="34" charset="0"/>
-              </a:rPr>
-              <a:t>states </a:t>
-            </a:r>
-            <a:r>
-              <a:rPr lang="en-US" sz="1800" dirty="0">
-                <a:solidFill>
-                  <a:srgbClr val="5B6770"/>
-                </a:solidFill>
-                <a:latin typeface="Verdana" panose="020B0604030504040204" pitchFamily="34" charset="0"/>
-                <a:ea typeface="Verdana" panose="020B0604030504040204" pitchFamily="34" charset="0"/>
-                <a:cs typeface="Verdana" panose="020B0604030504040204" pitchFamily="34" charset="0"/>
-              </a:rPr>
-              <a:t>have created K-12 computer science standards</a:t>
-            </a:r>
-            <a:r>
-              <a:rPr lang="en-US" sz="1800" dirty="0" smtClean="0">
-                <a:solidFill>
-                  <a:srgbClr val="5B6770"/>
-                </a:solidFill>
-                <a:latin typeface="Verdana" panose="020B0604030504040204" pitchFamily="34" charset="0"/>
-                <a:ea typeface="Verdana" panose="020B0604030504040204" pitchFamily="34" charset="0"/>
-                <a:cs typeface="Verdana" panose="020B0604030504040204" pitchFamily="34" charset="0"/>
-              </a:rPr>
-              <a:t>.</a:t>
+              <a:t>have created K-12 computer science standards.</a:t>
             </a:r>
           </a:p>
           <a:p>
@@ -48895,7 +48459,7 @@
               </a:lnSpc>
             </a:pPr>
             <a:r>
-              <a:rPr lang="en-US" sz="1800" dirty="0" smtClean="0">
+              <a:rPr lang="en-US" sz="1800" dirty="0">
                 <a:solidFill>
                   <a:srgbClr val="5B6770"/>
                 </a:solidFill>
@@ -48913,7 +48477,7 @@
               </a:lnSpc>
             </a:pPr>
             <a:r>
-              <a:rPr lang="en-US" sz="1800" dirty="0" smtClean="0">
+              <a:rPr lang="en-US" sz="1800" dirty="0">
                 <a:solidFill>
                   <a:srgbClr val="5B6770"/>
                 </a:solidFill>
@@ -48921,18 +48485,7 @@
                 <a:ea typeface="Verdana" panose="020B0604030504040204" pitchFamily="34" charset="0"/>
                 <a:cs typeface="Verdana" panose="020B0604030504040204" pitchFamily="34" charset="0"/>
               </a:rPr>
-              <a:t>Momentum </a:t>
-            </a:r>
-            <a:r>
-              <a:rPr lang="en-US" sz="1800" dirty="0">
-                <a:solidFill>
-                  <a:srgbClr val="5B6770"/>
-                </a:solidFill>
-                <a:latin typeface="Verdana" panose="020B0604030504040204" pitchFamily="34" charset="0"/>
-                <a:ea typeface="Verdana" panose="020B0604030504040204" pitchFamily="34" charset="0"/>
-                <a:cs typeface="Verdana" panose="020B0604030504040204" pitchFamily="34" charset="0"/>
-              </a:rPr>
-              <a:t>is building, but we still have a long way to go. </a:t>
+              <a:t>Momentum is building, but we still have a long way to go. </a:t>
             </a:r>
             <a:endParaRPr lang="en-US" sz="1800" b="1" dirty="0">
               <a:solidFill>
@@ -49248,8 +48801,8 @@
         </p:blipFill>
         <p:spPr>
           <a:xfrm>
-            <a:off x="165075" y="1155934"/>
-            <a:ext cx="5787047" cy="3785616"/>
+            <a:off x="137425" y="1155934"/>
+            <a:ext cx="5870917" cy="3840480"/>
           </a:xfrm>
           <a:prstGeom prst="rect">
             <a:avLst/>
@@ -49266,13 +48819,6 @@
   <p:clrMapOvr>
     <a:masterClrMapping/>
   </p:clrMapOvr>
-  <p:timing>
-    <p:tnLst>
-      <p:par>
-        <p:cTn id="1" dur="indefinite" restart="never" nodeType="tmRoot"/>
-      </p:par>
-    </p:tnLst>
-  </p:timing>
 </p:sld>
 </file>
 
@@ -49643,8 +49189,15 @@
               </a:rPr>
               <a:t>CS can count for graduation in </a:t>
             </a:r>
+          </a:p>
+          <a:p>
+            <a:pPr algn="ctr">
+              <a:lnSpc>
+                <a:spcPts val="3500"/>
+              </a:lnSpc>
+            </a:pPr>
             <a:r>
-              <a:rPr lang="en-US" sz="3200" b="1" dirty="0" smtClean="0">
+              <a:rPr lang="en-US" sz="3200" b="1" dirty="0">
                 <a:solidFill>
                   <a:srgbClr val="5B6770"/>
                 </a:solidFill>
@@ -49652,18 +49205,7 @@
                 <a:ea typeface="Verdana" panose="020B0604030504040204" pitchFamily="34" charset="0"/>
                 <a:cs typeface="Verdana" panose="020B0604030504040204" pitchFamily="34" charset="0"/>
               </a:rPr>
-              <a:t>38 </a:t>
-            </a:r>
-            <a:r>
-              <a:rPr lang="en-US" sz="3200" b="1" dirty="0">
-                <a:solidFill>
-                  <a:srgbClr val="5B6770"/>
-                </a:solidFill>
-                <a:latin typeface="Verdana" panose="020B0604030504040204" pitchFamily="34" charset="0"/>
-                <a:ea typeface="Verdana" panose="020B0604030504040204" pitchFamily="34" charset="0"/>
-                <a:cs typeface="Verdana" panose="020B0604030504040204" pitchFamily="34" charset="0"/>
-              </a:rPr>
-              <a:t>states + DC</a:t>
+              <a:t>39 states + DC</a:t>
             </a:r>
           </a:p>
         </p:txBody>
@@ -49723,29 +49265,7 @@
                 <a:ea typeface="Verdana" panose="020B0604030504040204" pitchFamily="34" charset="0"/>
                 <a:cs typeface="Verdana" panose="020B0604030504040204" pitchFamily="34" charset="0"/>
               </a:rPr>
-              <a:t>In </a:t>
-            </a:r>
-            <a:r>
-              <a:rPr lang="en-US" sz="1800" dirty="0" smtClean="0">
-                <a:solidFill>
-                  <a:srgbClr val="5B6770"/>
-                </a:solidFill>
-                <a:latin typeface="Verdana" panose="020B0604030504040204" pitchFamily="34" charset="0"/>
-                <a:ea typeface="Verdana" panose="020B0604030504040204" pitchFamily="34" charset="0"/>
-                <a:cs typeface="Verdana" panose="020B0604030504040204" pitchFamily="34" charset="0"/>
-              </a:rPr>
-              <a:t>38 </a:t>
-            </a:r>
-            <a:r>
-              <a:rPr lang="en-US" sz="1800" dirty="0">
-                <a:solidFill>
-                  <a:srgbClr val="5B6770"/>
-                </a:solidFill>
-                <a:latin typeface="Verdana" panose="020B0604030504040204" pitchFamily="34" charset="0"/>
-                <a:ea typeface="Verdana" panose="020B0604030504040204" pitchFamily="34" charset="0"/>
-                <a:cs typeface="Verdana" panose="020B0604030504040204" pitchFamily="34" charset="0"/>
-              </a:rPr>
-              <a:t>states plus DC, computer science can count towards high school graduation math or science requirements - </a:t>
+              <a:t>In 39 states plus DC, computer science can count towards high school graduation math or science requirements - </a:t>
             </a:r>
             <a:r>
               <a:rPr lang="en-US" sz="1800" b="1" dirty="0">
@@ -49771,7 +49291,13 @@
       </p:sp>
       <p:pic>
         <p:nvPicPr>
-          <p:cNvPr id="3" name="Picture 2"/>
+          <p:cNvPr id="4" name="Picture 3" descr="A close up of a map&#10;&#10;Description generated with high confidence">
+            <a:extLst>
+              <a:ext uri="{FF2B5EF4-FFF2-40B4-BE49-F238E27FC236}">
+                <a16:creationId xmlns:a16="http://schemas.microsoft.com/office/drawing/2014/main" id="{9A86CEF7-DAEA-40A7-8D79-86324DB0BCFF}"/>
+              </a:ext>
+            </a:extLst>
+          </p:cNvPr>
           <p:cNvPicPr>
             <a:picLocks noChangeAspect="1"/>
           </p:cNvPicPr>
@@ -49791,8 +49317,8 @@
         </p:blipFill>
         <p:spPr>
           <a:xfrm>
-            <a:off x="124267" y="1155934"/>
-            <a:ext cx="5827944" cy="3804675"/>
+            <a:off x="123189" y="1164319"/>
+            <a:ext cx="5882793" cy="3840480"/>
           </a:xfrm>
           <a:prstGeom prst="rect">
             <a:avLst/>
@@ -49809,13 +49335,6 @@
   <p:clrMapOvr>
     <a:masterClrMapping/>
   </p:clrMapOvr>
-  <p:timing>
-    <p:tnLst>
-      <p:par>
-        <p:cTn id="1" dur="indefinite" restart="never" nodeType="tmRoot"/>
-      </p:par>
-    </p:tnLst>
-  </p:timing>
 </p:sld>
 </file>
 
@@ -50582,29 +50101,7 @@
                 <a:ea typeface="Verdana" panose="020B0604030504040204" pitchFamily="34" charset="0"/>
                 <a:cs typeface="Verdana" panose="020B0604030504040204" pitchFamily="34" charset="0"/>
               </a:rPr>
-              <a:t>And, in schools that teach </a:t>
-            </a:r>
-            <a:r>
-              <a:rPr lang="en-US" sz="3200" b="1" dirty="0" smtClean="0">
-                <a:solidFill>
-                  <a:srgbClr val="5B6770"/>
-                </a:solidFill>
-                <a:latin typeface="Verdana" panose="020B0604030504040204" pitchFamily="34" charset="0"/>
-                <a:ea typeface="Verdana" panose="020B0604030504040204" pitchFamily="34" charset="0"/>
-                <a:cs typeface="Verdana" panose="020B0604030504040204" pitchFamily="34" charset="0"/>
-              </a:rPr>
-              <a:t>CS, </a:t>
-            </a:r>
-            <a:r>
-              <a:rPr lang="en-US" sz="3200" b="1" dirty="0">
-                <a:solidFill>
-                  <a:srgbClr val="5B6770"/>
-                </a:solidFill>
-                <a:latin typeface="Verdana" panose="020B0604030504040204" pitchFamily="34" charset="0"/>
-                <a:ea typeface="Verdana" panose="020B0604030504040204" pitchFamily="34" charset="0"/>
-                <a:cs typeface="Verdana" panose="020B0604030504040204" pitchFamily="34" charset="0"/>
-              </a:rPr>
-              <a:t>enrollment is through the roof</a:t>
+              <a:t>And, in schools that teach CS, enrollment is through the roof</a:t>
             </a:r>
             <a:r>
               <a:rPr lang="is-IS" sz="3200" b="1" dirty="0">
@@ -50638,13 +50135,6 @@
   <p:clrMapOvr>
     <a:masterClrMapping/>
   </p:clrMapOvr>
-  <p:timing>
-    <p:tnLst>
-      <p:par>
-        <p:cTn id="1" dur="indefinite" restart="never" nodeType="tmRoot"/>
-      </p:par>
-    </p:tnLst>
-  </p:timing>
 </p:sld>
 </file>
 
@@ -50821,21 +50311,6 @@
   <p:clrMapOvr>
     <a:masterClrMapping/>
   </p:clrMapOvr>
-  <mc:AlternateContent xmlns:mc="http://schemas.openxmlformats.org/markup-compatibility/2006" xmlns:p14="http://schemas.microsoft.com/office/powerpoint/2010/main">
-    <mc:Choice Requires="p14">
-      <p:transition p14:dur="0"/>
-    </mc:Choice>
-    <mc:Fallback xmlns="">
-      <p:transition/>
-    </mc:Fallback>
-  </mc:AlternateContent>
-  <p:timing>
-    <p:tnLst>
-      <p:par>
-        <p:cTn id="1" dur="indefinite" restart="never" nodeType="tmRoot"/>
-      </p:par>
-    </p:tnLst>
-  </p:timing>
 </p:sld>
 </file>
 
@@ -50901,14 +50376,6 @@
               </a:rPr>
               <a:t>Source: </a:t>
             </a:r>
-            <a:endParaRPr lang="en-US" sz="1200" dirty="0" smtClean="0">
-              <a:solidFill>
-                <a:srgbClr val="5B6770"/>
-              </a:solidFill>
-              <a:latin typeface="Arial"/>
-              <a:ea typeface="Adobe Gothic Std B" panose="020B0800000000000000" pitchFamily="34" charset="-128"/>
-              <a:cs typeface="Arial"/>
-            </a:endParaRPr>
           </a:p>
           <a:p>
             <a:pPr algn="r">
@@ -50917,7 +50384,7 @@
               </a:lnSpc>
             </a:pPr>
             <a:r>
-              <a:rPr lang="en-US" sz="1200" dirty="0" smtClean="0">
+              <a:rPr lang="en-US" sz="1200" dirty="0">
                 <a:solidFill>
                   <a:srgbClr val="5B6770"/>
                 </a:solidFill>
@@ -50925,18 +50392,7 @@
                 <a:ea typeface="Adobe Gothic Std B" panose="020B0800000000000000" pitchFamily="34" charset="-128"/>
                 <a:cs typeface="Arial"/>
               </a:rPr>
-              <a:t>Change </a:t>
-            </a:r>
-            <a:r>
-              <a:rPr lang="en-US" sz="1200" dirty="0">
-                <a:solidFill>
-                  <a:srgbClr val="5B6770"/>
-                </a:solidFill>
-                <a:latin typeface="Arial"/>
-                <a:ea typeface="Adobe Gothic Std B" panose="020B0800000000000000" pitchFamily="34" charset="-128"/>
-                <a:cs typeface="Arial"/>
-              </a:rPr>
-              <a:t>the Equation</a:t>
+              <a:t>Change the Equation</a:t>
             </a:r>
           </a:p>
         </p:txBody>
@@ -51181,19 +50637,11 @@
               </a:rPr>
               <a:t>Our students should </a:t>
             </a:r>
-            <a:endParaRPr lang="en-US" sz="4400" dirty="0" smtClean="0">
-              <a:solidFill>
-                <a:srgbClr val="5B6770"/>
-              </a:solidFill>
-              <a:latin typeface="Verdana" panose="020B0604030504040204" pitchFamily="34" charset="0"/>
-              <a:ea typeface="Verdana" panose="020B0604030504040204" pitchFamily="34" charset="0"/>
-              <a:cs typeface="Verdana" panose="020B0604030504040204" pitchFamily="34" charset="0"/>
-            </a:endParaRPr>
           </a:p>
           <a:p>
             <a:pPr algn="ctr"/>
             <a:r>
-              <a:rPr lang="en-US" sz="4400" dirty="0" smtClean="0">
+              <a:rPr lang="en-US" sz="4400" dirty="0">
                 <a:solidFill>
                   <a:srgbClr val="5B6770"/>
                 </a:solidFill>
@@ -51201,38 +50649,8 @@
                 <a:ea typeface="Verdana" panose="020B0604030504040204" pitchFamily="34" charset="0"/>
                 <a:cs typeface="Verdana" panose="020B0604030504040204" pitchFamily="34" charset="0"/>
               </a:rPr>
-              <a:t>learn </a:t>
+              <a:t>learn to code…</a:t>
             </a:r>
-            <a:r>
-              <a:rPr lang="en-US" sz="4400" dirty="0">
-                <a:solidFill>
-                  <a:srgbClr val="5B6770"/>
-                </a:solidFill>
-                <a:latin typeface="Verdana" panose="020B0604030504040204" pitchFamily="34" charset="0"/>
-                <a:ea typeface="Verdana" panose="020B0604030504040204" pitchFamily="34" charset="0"/>
-                <a:cs typeface="Verdana" panose="020B0604030504040204" pitchFamily="34" charset="0"/>
-              </a:rPr>
-              <a:t>to code</a:t>
-            </a:r>
-            <a:r>
-              <a:rPr lang="en-US" sz="4400" dirty="0" smtClean="0">
-                <a:solidFill>
-                  <a:srgbClr val="5B6770"/>
-                </a:solidFill>
-                <a:latin typeface="Verdana" panose="020B0604030504040204" pitchFamily="34" charset="0"/>
-                <a:ea typeface="Verdana" panose="020B0604030504040204" pitchFamily="34" charset="0"/>
-                <a:cs typeface="Verdana" panose="020B0604030504040204" pitchFamily="34" charset="0"/>
-              </a:rPr>
-              <a:t>…</a:t>
-            </a:r>
-            <a:endParaRPr lang="en-US" sz="4400" dirty="0">
-              <a:solidFill>
-                <a:srgbClr val="5B6770"/>
-              </a:solidFill>
-              <a:latin typeface="Verdana" panose="020B0604030504040204" pitchFamily="34" charset="0"/>
-              <a:ea typeface="Verdana" panose="020B0604030504040204" pitchFamily="34" charset="0"/>
-              <a:cs typeface="Verdana" panose="020B0604030504040204" pitchFamily="34" charset="0"/>
-            </a:endParaRPr>
           </a:p>
         </p:txBody>
       </p:sp>
@@ -51285,13 +50703,6 @@
   <p:clrMapOvr>
     <a:masterClrMapping/>
   </p:clrMapOvr>
-  <p:timing>
-    <p:tnLst>
-      <p:par>
-        <p:cTn id="1" dur="indefinite" restart="never" nodeType="tmRoot"/>
-      </p:par>
-    </p:tnLst>
-  </p:timing>
 </p:sld>
 </file>
 
@@ -51354,19 +50765,11 @@
               </a:rPr>
               <a:t>Our students should </a:t>
             </a:r>
-            <a:endParaRPr lang="en-US" sz="4400" strike="sngStrike" dirty="0" smtClean="0">
-              <a:solidFill>
-                <a:srgbClr val="5B6770"/>
-              </a:solidFill>
-              <a:latin typeface="Verdana" panose="020B0604030504040204" pitchFamily="34" charset="0"/>
-              <a:ea typeface="Verdana" panose="020B0604030504040204" pitchFamily="34" charset="0"/>
-              <a:cs typeface="Verdana" panose="020B0604030504040204" pitchFamily="34" charset="0"/>
-            </a:endParaRPr>
           </a:p>
           <a:p>
             <a:pPr algn="ctr"/>
             <a:r>
-              <a:rPr lang="en-US" sz="4400" strike="sngStrike" dirty="0" smtClean="0">
+              <a:rPr lang="en-US" sz="4400" strike="sngStrike" dirty="0">
                 <a:solidFill>
                   <a:srgbClr val="5B6770"/>
                 </a:solidFill>
@@ -51374,18 +50777,7 @@
                 <a:ea typeface="Verdana" panose="020B0604030504040204" pitchFamily="34" charset="0"/>
                 <a:cs typeface="Verdana" panose="020B0604030504040204" pitchFamily="34" charset="0"/>
               </a:rPr>
-              <a:t>learn </a:t>
-            </a:r>
-            <a:r>
-              <a:rPr lang="en-US" sz="4400" strike="sngStrike" dirty="0">
-                <a:solidFill>
-                  <a:srgbClr val="5B6770"/>
-                </a:solidFill>
-                <a:latin typeface="Verdana" panose="020B0604030504040204" pitchFamily="34" charset="0"/>
-                <a:ea typeface="Verdana" panose="020B0604030504040204" pitchFamily="34" charset="0"/>
-                <a:cs typeface="Verdana" panose="020B0604030504040204" pitchFamily="34" charset="0"/>
-              </a:rPr>
-              <a:t>to code…</a:t>
+              <a:t>learn to code…</a:t>
             </a:r>
             <a:endParaRPr lang="en-US" sz="4400" dirty="0">
               <a:solidFill>
@@ -51466,13 +50858,6 @@
   <p:clrMapOvr>
     <a:masterClrMapping/>
   </p:clrMapOvr>
-  <p:timing>
-    <p:tnLst>
-      <p:par>
-        <p:cTn id="1" dur="indefinite" restart="never" nodeType="tmRoot"/>
-      </p:par>
-    </p:tnLst>
-  </p:timing>
 </p:sld>
 </file>
 
@@ -51533,27 +50918,8 @@
                 <a:ea typeface="Verdana" panose="020B0604030504040204" pitchFamily="34" charset="0"/>
                 <a:cs typeface="Verdana" panose="020B0604030504040204" pitchFamily="34" charset="0"/>
               </a:rPr>
-              <a:t>Computer science is just about learning </a:t>
+              <a:t>Computer science is just about learning technology</a:t>
             </a:r>
-            <a:r>
-              <a:rPr lang="en-US" sz="4400" dirty="0" smtClean="0">
-                <a:solidFill>
-                  <a:srgbClr val="5B6770"/>
-                </a:solidFill>
-                <a:latin typeface="Verdana" panose="020B0604030504040204" pitchFamily="34" charset="0"/>
-                <a:ea typeface="Verdana" panose="020B0604030504040204" pitchFamily="34" charset="0"/>
-                <a:cs typeface="Verdana" panose="020B0604030504040204" pitchFamily="34" charset="0"/>
-              </a:rPr>
-              <a:t>technology</a:t>
-            </a:r>
-            <a:endParaRPr lang="en-US" sz="4400" dirty="0">
-              <a:solidFill>
-                <a:srgbClr val="5B6770"/>
-              </a:solidFill>
-              <a:latin typeface="Verdana" panose="020B0604030504040204" pitchFamily="34" charset="0"/>
-              <a:ea typeface="Verdana" panose="020B0604030504040204" pitchFamily="34" charset="0"/>
-              <a:cs typeface="Verdana" panose="020B0604030504040204" pitchFamily="34" charset="0"/>
-            </a:endParaRPr>
           </a:p>
         </p:txBody>
       </p:sp>
@@ -51606,13 +50972,6 @@
   <p:clrMapOvr>
     <a:masterClrMapping/>
   </p:clrMapOvr>
-  <p:timing>
-    <p:tnLst>
-      <p:par>
-        <p:cTn id="1" dur="indefinite" restart="never" nodeType="tmRoot"/>
-      </p:par>
-    </p:tnLst>
-  </p:timing>
 </p:sld>
 </file>
 
@@ -51716,13 +51075,6 @@
   <p:clrMapOvr>
     <a:masterClrMapping/>
   </p:clrMapOvr>
-  <p:timing>
-    <p:tnLst>
-      <p:par>
-        <p:cTn id="1" dur="indefinite" restart="never" nodeType="tmRoot"/>
-      </p:par>
-    </p:tnLst>
-  </p:timing>
 </p:sld>
 </file>
 
@@ -51871,14 +51223,6 @@
   <p:clrMapOvr>
     <a:masterClrMapping/>
   </p:clrMapOvr>
-  <mc:AlternateContent xmlns:mc="http://schemas.openxmlformats.org/markup-compatibility/2006" xmlns:p14="http://schemas.microsoft.com/office/powerpoint/2010/main">
-    <mc:Choice Requires="p14">
-      <p:transition p14:dur="0"/>
-    </mc:Choice>
-    <mc:Fallback xmlns="">
-      <p:transition/>
-    </mc:Fallback>
-  </mc:AlternateContent>
   <p:timing>
     <p:tnLst>
       <p:par>
@@ -52222,27 +51566,8 @@
                 <a:ea typeface="Verdana" panose="020B0604030504040204" pitchFamily="34" charset="0"/>
                 <a:cs typeface="Verdana" panose="020B0604030504040204" pitchFamily="34" charset="0"/>
               </a:rPr>
-              <a:t>First computer program: </a:t>
+              <a:t>First computer program: 1843</a:t>
             </a:r>
-            <a:r>
-              <a:rPr lang="en-US" sz="4000" b="1" dirty="0" smtClean="0">
-                <a:solidFill>
-                  <a:schemeClr val="bg1"/>
-                </a:solidFill>
-                <a:latin typeface="Verdana" panose="020B0604030504040204" pitchFamily="34" charset="0"/>
-                <a:ea typeface="Verdana" panose="020B0604030504040204" pitchFamily="34" charset="0"/>
-                <a:cs typeface="Verdana" panose="020B0604030504040204" pitchFamily="34" charset="0"/>
-              </a:rPr>
-              <a:t>1843</a:t>
-            </a:r>
-            <a:endParaRPr lang="en-US" sz="4000" b="1" dirty="0">
-              <a:solidFill>
-                <a:schemeClr val="bg1"/>
-              </a:solidFill>
-              <a:latin typeface="Verdana" panose="020B0604030504040204" pitchFamily="34" charset="0"/>
-              <a:ea typeface="Verdana" panose="020B0604030504040204" pitchFamily="34" charset="0"/>
-              <a:cs typeface="Verdana" panose="020B0604030504040204" pitchFamily="34" charset="0"/>
-            </a:endParaRPr>
           </a:p>
         </p:txBody>
       </p:sp>
@@ -52256,14 +51581,6 @@
   <p:clrMapOvr>
     <a:masterClrMapping/>
   </p:clrMapOvr>
-  <mc:AlternateContent xmlns:mc="http://schemas.openxmlformats.org/markup-compatibility/2006" xmlns:p14="http://schemas.microsoft.com/office/powerpoint/2010/main">
-    <mc:Choice Requires="p14">
-      <p:transition p14:dur="0"/>
-    </mc:Choice>
-    <mc:Fallback xmlns="">
-      <p:transition/>
-    </mc:Fallback>
-  </mc:AlternateContent>
   <p:timing>
     <p:tnLst>
       <p:par>

--- a/pegasus/sites.v3/code.org/public/files/computer_science_advocacy.pptx
+++ b/pegasus/sites.v3/code.org/public/files/computer_science_advocacy.pptx
@@ -260,6 +260,74 @@
 </p:cmAuthorLst>
 </file>
 
+<file path=ppt/changesInfos/changesInfo1.xml><?xml version="1.0" encoding="utf-8"?>
+<pc:chgInfo xmlns:a="http://schemas.openxmlformats.org/drawingml/2006/main" xmlns:r="http://schemas.openxmlformats.org/officeDocument/2006/relationships" xmlns:ac="http://schemas.microsoft.com/office/drawing/2013/main/command" xmlns:pc="http://schemas.microsoft.com/office/powerpoint/2013/main/command">
+  <pc:docChgLst>
+    <pc:chgData clId="Web-{D8C4275F-DEC3-4A48-9692-E00785B4764E}"/>
+    <pc:docChg chg="modSld">
+      <pc:chgData name="" userId="" providerId="" clId="Web-{D8C4275F-DEC3-4A48-9692-E00785B4764E}" dt="2018-09-24T20:00:03.806" v="18" actId="1076"/>
+      <pc:docMkLst>
+        <pc:docMk/>
+      </pc:docMkLst>
+      <pc:sldChg chg="addSp delSp modSp">
+        <pc:chgData name="" userId="" providerId="" clId="Web-{D8C4275F-DEC3-4A48-9692-E00785B4764E}" dt="2018-09-24T20:00:03.806" v="18" actId="1076"/>
+        <pc:sldMkLst>
+          <pc:docMk/>
+          <pc:sldMk cId="796092090" sldId="412"/>
+        </pc:sldMkLst>
+        <pc:picChg chg="add mod">
+          <ac:chgData name="" userId="" providerId="" clId="Web-{D8C4275F-DEC3-4A48-9692-E00785B4764E}" dt="2018-09-24T20:00:03.806" v="18" actId="1076"/>
+          <ac:picMkLst>
+            <pc:docMk/>
+            <pc:sldMk cId="796092090" sldId="412"/>
+            <ac:picMk id="2" creationId="{4FE816BF-623F-4E33-8966-DF1BBDF33522}"/>
+          </ac:picMkLst>
+        </pc:picChg>
+        <pc:picChg chg="add del">
+          <ac:chgData name="" userId="" providerId="" clId="Web-{D8C4275F-DEC3-4A48-9692-E00785B4764E}" dt="2018-09-24T19:57:02.036" v="6"/>
+          <ac:picMkLst>
+            <pc:docMk/>
+            <pc:sldMk cId="796092090" sldId="412"/>
+            <ac:picMk id="4" creationId="{9A86CEF7-DAEA-40A7-8D79-86324DB0BCFF}"/>
+          </ac:picMkLst>
+        </pc:picChg>
+      </pc:sldChg>
+      <pc:sldChg chg="addSp delSp modSp">
+        <pc:chgData name="" userId="" providerId="" clId="Web-{D8C4275F-DEC3-4A48-9692-E00785B4764E}" dt="2018-09-24T19:59:21.070" v="14" actId="1076"/>
+        <pc:sldMkLst>
+          <pc:docMk/>
+          <pc:sldMk cId="1067948389" sldId="445"/>
+        </pc:sldMkLst>
+        <pc:spChg chg="mod">
+          <ac:chgData name="" userId="" providerId="" clId="Web-{D8C4275F-DEC3-4A48-9692-E00785B4764E}" dt="2018-09-24T19:57:40.022" v="8" actId="20577"/>
+          <ac:spMkLst>
+            <pc:docMk/>
+            <pc:sldMk cId="1067948389" sldId="445"/>
+            <ac:spMk id="6" creationId="{00000000-0000-0000-0000-000000000000}"/>
+          </ac:spMkLst>
+        </pc:spChg>
+        <pc:picChg chg="add mod">
+          <ac:chgData name="" userId="" providerId="" clId="Web-{D8C4275F-DEC3-4A48-9692-E00785B4764E}" dt="2018-09-24T19:59:21.070" v="14" actId="1076"/>
+          <ac:picMkLst>
+            <pc:docMk/>
+            <pc:sldMk cId="1067948389" sldId="445"/>
+            <ac:picMk id="2" creationId="{F233329F-4A51-4873-8192-2E49C3764D81}"/>
+          </ac:picMkLst>
+        </pc:picChg>
+        <pc:picChg chg="del">
+          <ac:chgData name="" userId="" providerId="" clId="Web-{D8C4275F-DEC3-4A48-9692-E00785B4764E}" dt="2018-09-24T19:59:16.602" v="13"/>
+          <ac:picMkLst>
+            <pc:docMk/>
+            <pc:sldMk cId="1067948389" sldId="445"/>
+            <ac:picMk id="3" creationId="{00000000-0000-0000-0000-000000000000}"/>
+          </ac:picMkLst>
+        </pc:picChg>
+      </pc:sldChg>
+    </pc:docChg>
+  </pc:docChgLst>
+</pc:chgInfo>
+</file>
+
 <file path=ppt/charts/chart1.xml><?xml version="1.0" encoding="utf-8"?>
 <c:chartSpace xmlns:c="http://schemas.openxmlformats.org/drawingml/2006/chart" xmlns:a="http://schemas.openxmlformats.org/drawingml/2006/main" xmlns:r="http://schemas.openxmlformats.org/officeDocument/2006/relationships" xmlns:c16r2="http://schemas.microsoft.com/office/drawing/2015/06/chart">
   <c:date1904 val="0"/>
@@ -829,7 +897,7 @@
           <a:p>
             <a:fld id="{DBF07D2D-D193-49EA-AA40-D0161EE95780}" type="datetimeFigureOut">
               <a:rPr lang="en-US" smtClean="0"/>
-              <a:t>9/10/2018</a:t>
+              <a:t>9/24/2018</a:t>
             </a:fld>
             <a:endParaRPr lang="en-US"/>
           </a:p>
@@ -5054,7 +5122,7 @@
             </a:ln>
             <a:extLst>
               <a:ext uri="{909E8E84-426E-40dd-AFC4-6F175D3DCCD1}">
-                <a14:hiddenFill xmlns:a14="http://schemas.microsoft.com/office/drawing/2010/main" xmlns="">
+                <a14:hiddenFill xmlns="" xmlns:a14="http://schemas.microsoft.com/office/drawing/2010/main">
                   <a:solidFill>
                     <a:srgbClr val="FFFFFF"/>
                   </a:solidFill>
@@ -5107,7 +5175,7 @@
             </a:ln>
             <a:extLst>
               <a:ext uri="{909E8E84-426E-40dd-AFC4-6F175D3DCCD1}">
-                <a14:hiddenFill xmlns:a14="http://schemas.microsoft.com/office/drawing/2010/main" xmlns="">
+                <a14:hiddenFill xmlns="" xmlns:a14="http://schemas.microsoft.com/office/drawing/2010/main">
                   <a:noFill/>
                 </a14:hiddenFill>
               </a:ext>
@@ -5158,7 +5226,7 @@
             </a:ln>
             <a:extLst>
               <a:ext uri="{909E8E84-426E-40dd-AFC4-6F175D3DCCD1}">
-                <a14:hiddenFill xmlns:a14="http://schemas.microsoft.com/office/drawing/2010/main" xmlns="">
+                <a14:hiddenFill xmlns="" xmlns:a14="http://schemas.microsoft.com/office/drawing/2010/main">
                   <a:noFill/>
                 </a14:hiddenFill>
               </a:ext>
@@ -5209,7 +5277,7 @@
             </a:ln>
             <a:extLst>
               <a:ext uri="{909E8E84-426E-40dd-AFC4-6F175D3DCCD1}">
-                <a14:hiddenFill xmlns:a14="http://schemas.microsoft.com/office/drawing/2010/main" xmlns="">
+                <a14:hiddenFill xmlns="" xmlns:a14="http://schemas.microsoft.com/office/drawing/2010/main">
                   <a:noFill/>
                 </a14:hiddenFill>
               </a:ext>
@@ -5260,7 +5328,7 @@
             </a:ln>
             <a:extLst>
               <a:ext uri="{909E8E84-426E-40dd-AFC4-6F175D3DCCD1}">
-                <a14:hiddenFill xmlns:a14="http://schemas.microsoft.com/office/drawing/2010/main" xmlns="">
+                <a14:hiddenFill xmlns="" xmlns:a14="http://schemas.microsoft.com/office/drawing/2010/main">
                   <a:noFill/>
                 </a14:hiddenFill>
               </a:ext>
@@ -5311,7 +5379,7 @@
             </a:ln>
             <a:extLst>
               <a:ext uri="{909E8E84-426E-40dd-AFC4-6F175D3DCCD1}">
-                <a14:hiddenFill xmlns:a14="http://schemas.microsoft.com/office/drawing/2010/main" xmlns="">
+                <a14:hiddenFill xmlns="" xmlns:a14="http://schemas.microsoft.com/office/drawing/2010/main">
                   <a:noFill/>
                 </a14:hiddenFill>
               </a:ext>
@@ -5362,7 +5430,7 @@
             </a:ln>
             <a:extLst>
               <a:ext uri="{909E8E84-426E-40dd-AFC4-6F175D3DCCD1}">
-                <a14:hiddenFill xmlns:a14="http://schemas.microsoft.com/office/drawing/2010/main" xmlns="">
+                <a14:hiddenFill xmlns="" xmlns:a14="http://schemas.microsoft.com/office/drawing/2010/main">
                   <a:noFill/>
                 </a14:hiddenFill>
               </a:ext>
@@ -5413,7 +5481,7 @@
             </a:ln>
             <a:extLst>
               <a:ext uri="{909E8E84-426E-40dd-AFC4-6F175D3DCCD1}">
-                <a14:hiddenFill xmlns:a14="http://schemas.microsoft.com/office/drawing/2010/main" xmlns="">
+                <a14:hiddenFill xmlns="" xmlns:a14="http://schemas.microsoft.com/office/drawing/2010/main">
                   <a:noFill/>
                 </a14:hiddenFill>
               </a:ext>
@@ -5464,7 +5532,7 @@
             </a:ln>
             <a:extLst>
               <a:ext uri="{909E8E84-426E-40dd-AFC4-6F175D3DCCD1}">
-                <a14:hiddenFill xmlns:a14="http://schemas.microsoft.com/office/drawing/2010/main" xmlns="">
+                <a14:hiddenFill xmlns="" xmlns:a14="http://schemas.microsoft.com/office/drawing/2010/main">
                   <a:noFill/>
                 </a14:hiddenFill>
               </a:ext>
@@ -5515,7 +5583,7 @@
             </a:ln>
             <a:extLst>
               <a:ext uri="{909E8E84-426E-40dd-AFC4-6F175D3DCCD1}">
-                <a14:hiddenFill xmlns:a14="http://schemas.microsoft.com/office/drawing/2010/main" xmlns="">
+                <a14:hiddenFill xmlns="" xmlns:a14="http://schemas.microsoft.com/office/drawing/2010/main">
                   <a:noFill/>
                 </a14:hiddenFill>
               </a:ext>
@@ -5566,7 +5634,7 @@
             </a:ln>
             <a:extLst>
               <a:ext uri="{909E8E84-426E-40dd-AFC4-6F175D3DCCD1}">
-                <a14:hiddenFill xmlns:a14="http://schemas.microsoft.com/office/drawing/2010/main" xmlns="">
+                <a14:hiddenFill xmlns="" xmlns:a14="http://schemas.microsoft.com/office/drawing/2010/main">
                   <a:noFill/>
                 </a14:hiddenFill>
               </a:ext>
@@ -5617,7 +5685,7 @@
             </a:ln>
             <a:extLst>
               <a:ext uri="{909E8E84-426E-40dd-AFC4-6F175D3DCCD1}">
-                <a14:hiddenFill xmlns:a14="http://schemas.microsoft.com/office/drawing/2010/main" xmlns="">
+                <a14:hiddenFill xmlns="" xmlns:a14="http://schemas.microsoft.com/office/drawing/2010/main">
                   <a:noFill/>
                 </a14:hiddenFill>
               </a:ext>
@@ -5668,7 +5736,7 @@
             </a:ln>
             <a:extLst>
               <a:ext uri="{909E8E84-426E-40dd-AFC4-6F175D3DCCD1}">
-                <a14:hiddenFill xmlns:a14="http://schemas.microsoft.com/office/drawing/2010/main" xmlns="">
+                <a14:hiddenFill xmlns="" xmlns:a14="http://schemas.microsoft.com/office/drawing/2010/main">
                   <a:noFill/>
                 </a14:hiddenFill>
               </a:ext>
@@ -5719,7 +5787,7 @@
             </a:ln>
             <a:extLst>
               <a:ext uri="{909E8E84-426E-40dd-AFC4-6F175D3DCCD1}">
-                <a14:hiddenFill xmlns:a14="http://schemas.microsoft.com/office/drawing/2010/main" xmlns="">
+                <a14:hiddenFill xmlns="" xmlns:a14="http://schemas.microsoft.com/office/drawing/2010/main">
                   <a:noFill/>
                 </a14:hiddenFill>
               </a:ext>
@@ -5770,7 +5838,7 @@
             </a:ln>
             <a:extLst>
               <a:ext uri="{909E8E84-426E-40dd-AFC4-6F175D3DCCD1}">
-                <a14:hiddenFill xmlns:a14="http://schemas.microsoft.com/office/drawing/2010/main" xmlns="">
+                <a14:hiddenFill xmlns="" xmlns:a14="http://schemas.microsoft.com/office/drawing/2010/main">
                   <a:noFill/>
                 </a14:hiddenFill>
               </a:ext>
@@ -5821,7 +5889,7 @@
             </a:ln>
             <a:extLst>
               <a:ext uri="{909E8E84-426E-40dd-AFC4-6F175D3DCCD1}">
-                <a14:hiddenFill xmlns:a14="http://schemas.microsoft.com/office/drawing/2010/main" xmlns="">
+                <a14:hiddenFill xmlns="" xmlns:a14="http://schemas.microsoft.com/office/drawing/2010/main">
                   <a:noFill/>
                 </a14:hiddenFill>
               </a:ext>
@@ -5872,7 +5940,7 @@
             </a:ln>
             <a:extLst>
               <a:ext uri="{909E8E84-426E-40dd-AFC4-6F175D3DCCD1}">
-                <a14:hiddenFill xmlns:a14="http://schemas.microsoft.com/office/drawing/2010/main" xmlns="">
+                <a14:hiddenFill xmlns="" xmlns:a14="http://schemas.microsoft.com/office/drawing/2010/main">
                   <a:noFill/>
                 </a14:hiddenFill>
               </a:ext>
@@ -5923,7 +5991,7 @@
             </a:ln>
             <a:extLst>
               <a:ext uri="{909E8E84-426E-40dd-AFC4-6F175D3DCCD1}">
-                <a14:hiddenFill xmlns:a14="http://schemas.microsoft.com/office/drawing/2010/main" xmlns="">
+                <a14:hiddenFill xmlns="" xmlns:a14="http://schemas.microsoft.com/office/drawing/2010/main">
                   <a:noFill/>
                 </a14:hiddenFill>
               </a:ext>
@@ -5974,7 +6042,7 @@
             </a:ln>
             <a:extLst>
               <a:ext uri="{909E8E84-426E-40dd-AFC4-6F175D3DCCD1}">
-                <a14:hiddenFill xmlns:a14="http://schemas.microsoft.com/office/drawing/2010/main" xmlns="">
+                <a14:hiddenFill xmlns="" xmlns:a14="http://schemas.microsoft.com/office/drawing/2010/main">
                   <a:noFill/>
                 </a14:hiddenFill>
               </a:ext>
@@ -6025,7 +6093,7 @@
             </a:ln>
             <a:extLst>
               <a:ext uri="{909E8E84-426E-40dd-AFC4-6F175D3DCCD1}">
-                <a14:hiddenFill xmlns:a14="http://schemas.microsoft.com/office/drawing/2010/main" xmlns="">
+                <a14:hiddenFill xmlns="" xmlns:a14="http://schemas.microsoft.com/office/drawing/2010/main">
                   <a:noFill/>
                 </a14:hiddenFill>
               </a:ext>
@@ -6076,7 +6144,7 @@
             </a:ln>
             <a:extLst>
               <a:ext uri="{909E8E84-426E-40dd-AFC4-6F175D3DCCD1}">
-                <a14:hiddenFill xmlns:a14="http://schemas.microsoft.com/office/drawing/2010/main" xmlns="">
+                <a14:hiddenFill xmlns="" xmlns:a14="http://schemas.microsoft.com/office/drawing/2010/main">
                   <a:noFill/>
                 </a14:hiddenFill>
               </a:ext>
@@ -6127,7 +6195,7 @@
             </a:ln>
             <a:extLst>
               <a:ext uri="{909E8E84-426E-40dd-AFC4-6F175D3DCCD1}">
-                <a14:hiddenFill xmlns:a14="http://schemas.microsoft.com/office/drawing/2010/main" xmlns="">
+                <a14:hiddenFill xmlns="" xmlns:a14="http://schemas.microsoft.com/office/drawing/2010/main">
                   <a:noFill/>
                 </a14:hiddenFill>
               </a:ext>
@@ -6178,7 +6246,7 @@
             </a:ln>
             <a:extLst>
               <a:ext uri="{909E8E84-426E-40dd-AFC4-6F175D3DCCD1}">
-                <a14:hiddenFill xmlns:a14="http://schemas.microsoft.com/office/drawing/2010/main" xmlns="">
+                <a14:hiddenFill xmlns="" xmlns:a14="http://schemas.microsoft.com/office/drawing/2010/main">
                   <a:noFill/>
                 </a14:hiddenFill>
               </a:ext>
@@ -6229,7 +6297,7 @@
             </a:ln>
             <a:extLst>
               <a:ext uri="{909E8E84-426E-40dd-AFC4-6F175D3DCCD1}">
-                <a14:hiddenFill xmlns:a14="http://schemas.microsoft.com/office/drawing/2010/main" xmlns="">
+                <a14:hiddenFill xmlns="" xmlns:a14="http://schemas.microsoft.com/office/drawing/2010/main">
                   <a:noFill/>
                 </a14:hiddenFill>
               </a:ext>
@@ -6280,7 +6348,7 @@
             </a:ln>
             <a:extLst>
               <a:ext uri="{909E8E84-426E-40dd-AFC4-6F175D3DCCD1}">
-                <a14:hiddenFill xmlns:a14="http://schemas.microsoft.com/office/drawing/2010/main" xmlns="">
+                <a14:hiddenFill xmlns="" xmlns:a14="http://schemas.microsoft.com/office/drawing/2010/main">
                   <a:noFill/>
                 </a14:hiddenFill>
               </a:ext>
@@ -6331,7 +6399,7 @@
             </a:ln>
             <a:extLst>
               <a:ext uri="{909E8E84-426E-40dd-AFC4-6F175D3DCCD1}">
-                <a14:hiddenFill xmlns:a14="http://schemas.microsoft.com/office/drawing/2010/main" xmlns="">
+                <a14:hiddenFill xmlns="" xmlns:a14="http://schemas.microsoft.com/office/drawing/2010/main">
                   <a:noFill/>
                 </a14:hiddenFill>
               </a:ext>
@@ -6382,7 +6450,7 @@
             </a:ln>
             <a:extLst>
               <a:ext uri="{909E8E84-426E-40dd-AFC4-6F175D3DCCD1}">
-                <a14:hiddenFill xmlns:a14="http://schemas.microsoft.com/office/drawing/2010/main" xmlns="">
+                <a14:hiddenFill xmlns="" xmlns:a14="http://schemas.microsoft.com/office/drawing/2010/main">
                   <a:noFill/>
                 </a14:hiddenFill>
               </a:ext>
@@ -6433,7 +6501,7 @@
             </a:ln>
             <a:extLst>
               <a:ext uri="{909E8E84-426E-40dd-AFC4-6F175D3DCCD1}">
-                <a14:hiddenFill xmlns:a14="http://schemas.microsoft.com/office/drawing/2010/main" xmlns="">
+                <a14:hiddenFill xmlns="" xmlns:a14="http://schemas.microsoft.com/office/drawing/2010/main">
                   <a:noFill/>
                 </a14:hiddenFill>
               </a:ext>
@@ -6484,7 +6552,7 @@
             </a:ln>
             <a:extLst>
               <a:ext uri="{909E8E84-426E-40dd-AFC4-6F175D3DCCD1}">
-                <a14:hiddenFill xmlns:a14="http://schemas.microsoft.com/office/drawing/2010/main" xmlns="">
+                <a14:hiddenFill xmlns="" xmlns:a14="http://schemas.microsoft.com/office/drawing/2010/main">
                   <a:noFill/>
                 </a14:hiddenFill>
               </a:ext>
@@ -6535,7 +6603,7 @@
             </a:ln>
             <a:extLst>
               <a:ext uri="{909E8E84-426E-40dd-AFC4-6F175D3DCCD1}">
-                <a14:hiddenFill xmlns:a14="http://schemas.microsoft.com/office/drawing/2010/main" xmlns="">
+                <a14:hiddenFill xmlns="" xmlns:a14="http://schemas.microsoft.com/office/drawing/2010/main">
                   <a:noFill/>
                 </a14:hiddenFill>
               </a:ext>
@@ -6586,7 +6654,7 @@
             </a:ln>
             <a:extLst>
               <a:ext uri="{909E8E84-426E-40dd-AFC4-6F175D3DCCD1}">
-                <a14:hiddenFill xmlns:a14="http://schemas.microsoft.com/office/drawing/2010/main" xmlns="">
+                <a14:hiddenFill xmlns="" xmlns:a14="http://schemas.microsoft.com/office/drawing/2010/main">
                   <a:noFill/>
                 </a14:hiddenFill>
               </a:ext>
@@ -6637,7 +6705,7 @@
             </a:ln>
             <a:extLst>
               <a:ext uri="{909E8E84-426E-40dd-AFC4-6F175D3DCCD1}">
-                <a14:hiddenFill xmlns:a14="http://schemas.microsoft.com/office/drawing/2010/main" xmlns="">
+                <a14:hiddenFill xmlns="" xmlns:a14="http://schemas.microsoft.com/office/drawing/2010/main">
                   <a:noFill/>
                 </a14:hiddenFill>
               </a:ext>
@@ -6688,7 +6756,7 @@
             </a:ln>
             <a:extLst>
               <a:ext uri="{909E8E84-426E-40dd-AFC4-6F175D3DCCD1}">
-                <a14:hiddenFill xmlns:a14="http://schemas.microsoft.com/office/drawing/2010/main" xmlns="">
+                <a14:hiddenFill xmlns="" xmlns:a14="http://schemas.microsoft.com/office/drawing/2010/main">
                   <a:noFill/>
                 </a14:hiddenFill>
               </a:ext>
@@ -6739,7 +6807,7 @@
             </a:ln>
             <a:extLst>
               <a:ext uri="{909E8E84-426E-40dd-AFC4-6F175D3DCCD1}">
-                <a14:hiddenFill xmlns:a14="http://schemas.microsoft.com/office/drawing/2010/main" xmlns="">
+                <a14:hiddenFill xmlns="" xmlns:a14="http://schemas.microsoft.com/office/drawing/2010/main">
                   <a:noFill/>
                 </a14:hiddenFill>
               </a:ext>
@@ -6790,7 +6858,7 @@
             </a:ln>
             <a:extLst>
               <a:ext uri="{909E8E84-426E-40dd-AFC4-6F175D3DCCD1}">
-                <a14:hiddenFill xmlns:a14="http://schemas.microsoft.com/office/drawing/2010/main" xmlns="">
+                <a14:hiddenFill xmlns="" xmlns:a14="http://schemas.microsoft.com/office/drawing/2010/main">
                   <a:noFill/>
                 </a14:hiddenFill>
               </a:ext>
@@ -6841,7 +6909,7 @@
             </a:ln>
             <a:extLst>
               <a:ext uri="{909E8E84-426E-40dd-AFC4-6F175D3DCCD1}">
-                <a14:hiddenFill xmlns:a14="http://schemas.microsoft.com/office/drawing/2010/main" xmlns="">
+                <a14:hiddenFill xmlns="" xmlns:a14="http://schemas.microsoft.com/office/drawing/2010/main">
                   <a:noFill/>
                 </a14:hiddenFill>
               </a:ext>
@@ -6892,7 +6960,7 @@
             </a:ln>
             <a:extLst>
               <a:ext uri="{909E8E84-426E-40dd-AFC4-6F175D3DCCD1}">
-                <a14:hiddenFill xmlns:a14="http://schemas.microsoft.com/office/drawing/2010/main" xmlns="">
+                <a14:hiddenFill xmlns="" xmlns:a14="http://schemas.microsoft.com/office/drawing/2010/main">
                   <a:noFill/>
                 </a14:hiddenFill>
               </a:ext>
@@ -6943,7 +7011,7 @@
             </a:ln>
             <a:extLst>
               <a:ext uri="{909E8E84-426E-40dd-AFC4-6F175D3DCCD1}">
-                <a14:hiddenFill xmlns:a14="http://schemas.microsoft.com/office/drawing/2010/main" xmlns="">
+                <a14:hiddenFill xmlns="" xmlns:a14="http://schemas.microsoft.com/office/drawing/2010/main">
                   <a:noFill/>
                 </a14:hiddenFill>
               </a:ext>
@@ -6994,7 +7062,7 @@
             </a:ln>
             <a:extLst>
               <a:ext uri="{909E8E84-426E-40dd-AFC4-6F175D3DCCD1}">
-                <a14:hiddenFill xmlns:a14="http://schemas.microsoft.com/office/drawing/2010/main" xmlns="">
+                <a14:hiddenFill xmlns="" xmlns:a14="http://schemas.microsoft.com/office/drawing/2010/main">
                   <a:noFill/>
                 </a14:hiddenFill>
               </a:ext>
@@ -7045,7 +7113,7 @@
             </a:ln>
             <a:extLst>
               <a:ext uri="{909E8E84-426E-40dd-AFC4-6F175D3DCCD1}">
-                <a14:hiddenFill xmlns:a14="http://schemas.microsoft.com/office/drawing/2010/main" xmlns="">
+                <a14:hiddenFill xmlns="" xmlns:a14="http://schemas.microsoft.com/office/drawing/2010/main">
                   <a:noFill/>
                 </a14:hiddenFill>
               </a:ext>
@@ -7096,7 +7164,7 @@
             </a:ln>
             <a:extLst>
               <a:ext uri="{909E8E84-426E-40dd-AFC4-6F175D3DCCD1}">
-                <a14:hiddenFill xmlns:a14="http://schemas.microsoft.com/office/drawing/2010/main" xmlns="">
+                <a14:hiddenFill xmlns="" xmlns:a14="http://schemas.microsoft.com/office/drawing/2010/main">
                   <a:noFill/>
                 </a14:hiddenFill>
               </a:ext>
@@ -7147,7 +7215,7 @@
             </a:ln>
             <a:extLst>
               <a:ext uri="{909E8E84-426E-40dd-AFC4-6F175D3DCCD1}">
-                <a14:hiddenFill xmlns:a14="http://schemas.microsoft.com/office/drawing/2010/main" xmlns="">
+                <a14:hiddenFill xmlns="" xmlns:a14="http://schemas.microsoft.com/office/drawing/2010/main">
                   <a:noFill/>
                 </a14:hiddenFill>
               </a:ext>
@@ -7198,7 +7266,7 @@
             </a:ln>
             <a:extLst>
               <a:ext uri="{909E8E84-426E-40dd-AFC4-6F175D3DCCD1}">
-                <a14:hiddenFill xmlns:a14="http://schemas.microsoft.com/office/drawing/2010/main" xmlns="">
+                <a14:hiddenFill xmlns="" xmlns:a14="http://schemas.microsoft.com/office/drawing/2010/main">
                   <a:noFill/>
                 </a14:hiddenFill>
               </a:ext>
@@ -7249,7 +7317,7 @@
             </a:ln>
             <a:extLst>
               <a:ext uri="{909E8E84-426E-40dd-AFC4-6F175D3DCCD1}">
-                <a14:hiddenFill xmlns:a14="http://schemas.microsoft.com/office/drawing/2010/main" xmlns="">
+                <a14:hiddenFill xmlns="" xmlns:a14="http://schemas.microsoft.com/office/drawing/2010/main">
                   <a:noFill/>
                 </a14:hiddenFill>
               </a:ext>
@@ -7300,7 +7368,7 @@
             </a:ln>
             <a:extLst>
               <a:ext uri="{909E8E84-426E-40dd-AFC4-6F175D3DCCD1}">
-                <a14:hiddenFill xmlns:a14="http://schemas.microsoft.com/office/drawing/2010/main" xmlns="">
+                <a14:hiddenFill xmlns="" xmlns:a14="http://schemas.microsoft.com/office/drawing/2010/main">
                   <a:noFill/>
                 </a14:hiddenFill>
               </a:ext>
@@ -7351,7 +7419,7 @@
             </a:ln>
             <a:extLst>
               <a:ext uri="{909E8E84-426E-40dd-AFC4-6F175D3DCCD1}">
-                <a14:hiddenFill xmlns:a14="http://schemas.microsoft.com/office/drawing/2010/main" xmlns="">
+                <a14:hiddenFill xmlns="" xmlns:a14="http://schemas.microsoft.com/office/drawing/2010/main">
                   <a:noFill/>
                 </a14:hiddenFill>
               </a:ext>
@@ -7402,7 +7470,7 @@
             </a:ln>
             <a:extLst>
               <a:ext uri="{909E8E84-426E-40dd-AFC4-6F175D3DCCD1}">
-                <a14:hiddenFill xmlns:a14="http://schemas.microsoft.com/office/drawing/2010/main" xmlns="">
+                <a14:hiddenFill xmlns="" xmlns:a14="http://schemas.microsoft.com/office/drawing/2010/main">
                   <a:noFill/>
                 </a14:hiddenFill>
               </a:ext>
@@ -7453,7 +7521,7 @@
             </a:ln>
             <a:extLst>
               <a:ext uri="{909E8E84-426E-40dd-AFC4-6F175D3DCCD1}">
-                <a14:hiddenFill xmlns:a14="http://schemas.microsoft.com/office/drawing/2010/main" xmlns="">
+                <a14:hiddenFill xmlns="" xmlns:a14="http://schemas.microsoft.com/office/drawing/2010/main">
                   <a:noFill/>
                 </a14:hiddenFill>
               </a:ext>
@@ -7504,7 +7572,7 @@
             </a:ln>
             <a:extLst>
               <a:ext uri="{909E8E84-426E-40dd-AFC4-6F175D3DCCD1}">
-                <a14:hiddenFill xmlns:a14="http://schemas.microsoft.com/office/drawing/2010/main" xmlns="">
+                <a14:hiddenFill xmlns="" xmlns:a14="http://schemas.microsoft.com/office/drawing/2010/main">
                   <a:noFill/>
                 </a14:hiddenFill>
               </a:ext>
@@ -7555,7 +7623,7 @@
             </a:ln>
             <a:extLst>
               <a:ext uri="{909E8E84-426E-40dd-AFC4-6F175D3DCCD1}">
-                <a14:hiddenFill xmlns:a14="http://schemas.microsoft.com/office/drawing/2010/main" xmlns="">
+                <a14:hiddenFill xmlns="" xmlns:a14="http://schemas.microsoft.com/office/drawing/2010/main">
                   <a:noFill/>
                 </a14:hiddenFill>
               </a:ext>
@@ -7606,7 +7674,7 @@
             </a:ln>
             <a:extLst>
               <a:ext uri="{909E8E84-426E-40dd-AFC4-6F175D3DCCD1}">
-                <a14:hiddenFill xmlns:a14="http://schemas.microsoft.com/office/drawing/2010/main" xmlns="">
+                <a14:hiddenFill xmlns="" xmlns:a14="http://schemas.microsoft.com/office/drawing/2010/main">
                   <a:noFill/>
                 </a14:hiddenFill>
               </a:ext>
@@ -7657,7 +7725,7 @@
             </a:ln>
             <a:extLst>
               <a:ext uri="{909E8E84-426E-40dd-AFC4-6F175D3DCCD1}">
-                <a14:hiddenFill xmlns:a14="http://schemas.microsoft.com/office/drawing/2010/main" xmlns="">
+                <a14:hiddenFill xmlns="" xmlns:a14="http://schemas.microsoft.com/office/drawing/2010/main">
                   <a:noFill/>
                 </a14:hiddenFill>
               </a:ext>
@@ -7708,7 +7776,7 @@
             </a:ln>
             <a:extLst>
               <a:ext uri="{909E8E84-426E-40dd-AFC4-6F175D3DCCD1}">
-                <a14:hiddenFill xmlns:a14="http://schemas.microsoft.com/office/drawing/2010/main" xmlns="">
+                <a14:hiddenFill xmlns="" xmlns:a14="http://schemas.microsoft.com/office/drawing/2010/main">
                   <a:noFill/>
                 </a14:hiddenFill>
               </a:ext>
@@ -7759,7 +7827,7 @@
             </a:ln>
             <a:extLst>
               <a:ext uri="{909E8E84-426E-40dd-AFC4-6F175D3DCCD1}">
-                <a14:hiddenFill xmlns:a14="http://schemas.microsoft.com/office/drawing/2010/main" xmlns="">
+                <a14:hiddenFill xmlns="" xmlns:a14="http://schemas.microsoft.com/office/drawing/2010/main">
                   <a:noFill/>
                 </a14:hiddenFill>
               </a:ext>
@@ -7810,7 +7878,7 @@
             </a:ln>
             <a:extLst>
               <a:ext uri="{909E8E84-426E-40dd-AFC4-6F175D3DCCD1}">
-                <a14:hiddenFill xmlns:a14="http://schemas.microsoft.com/office/drawing/2010/main" xmlns="">
+                <a14:hiddenFill xmlns="" xmlns:a14="http://schemas.microsoft.com/office/drawing/2010/main">
                   <a:noFill/>
                 </a14:hiddenFill>
               </a:ext>
@@ -7861,7 +7929,7 @@
             </a:ln>
             <a:extLst>
               <a:ext uri="{909E8E84-426E-40dd-AFC4-6F175D3DCCD1}">
-                <a14:hiddenFill xmlns:a14="http://schemas.microsoft.com/office/drawing/2010/main" xmlns="">
+                <a14:hiddenFill xmlns="" xmlns:a14="http://schemas.microsoft.com/office/drawing/2010/main">
                   <a:noFill/>
                 </a14:hiddenFill>
               </a:ext>
@@ -7912,7 +7980,7 @@
             </a:ln>
             <a:extLst>
               <a:ext uri="{909E8E84-426E-40dd-AFC4-6F175D3DCCD1}">
-                <a14:hiddenFill xmlns:a14="http://schemas.microsoft.com/office/drawing/2010/main" xmlns="">
+                <a14:hiddenFill xmlns="" xmlns:a14="http://schemas.microsoft.com/office/drawing/2010/main">
                   <a:noFill/>
                 </a14:hiddenFill>
               </a:ext>
@@ -7963,7 +8031,7 @@
             </a:ln>
             <a:extLst>
               <a:ext uri="{909E8E84-426E-40dd-AFC4-6F175D3DCCD1}">
-                <a14:hiddenFill xmlns:a14="http://schemas.microsoft.com/office/drawing/2010/main" xmlns="">
+                <a14:hiddenFill xmlns="" xmlns:a14="http://schemas.microsoft.com/office/drawing/2010/main">
                   <a:noFill/>
                 </a14:hiddenFill>
               </a:ext>
@@ -8014,7 +8082,7 @@
             </a:ln>
             <a:extLst>
               <a:ext uri="{909E8E84-426E-40dd-AFC4-6F175D3DCCD1}">
-                <a14:hiddenFill xmlns:a14="http://schemas.microsoft.com/office/drawing/2010/main" xmlns="">
+                <a14:hiddenFill xmlns="" xmlns:a14="http://schemas.microsoft.com/office/drawing/2010/main">
                   <a:noFill/>
                 </a14:hiddenFill>
               </a:ext>
@@ -8065,7 +8133,7 @@
             </a:ln>
             <a:extLst>
               <a:ext uri="{909E8E84-426E-40dd-AFC4-6F175D3DCCD1}">
-                <a14:hiddenFill xmlns:a14="http://schemas.microsoft.com/office/drawing/2010/main" xmlns="">
+                <a14:hiddenFill xmlns="" xmlns:a14="http://schemas.microsoft.com/office/drawing/2010/main">
                   <a:noFill/>
                 </a14:hiddenFill>
               </a:ext>
@@ -8116,7 +8184,7 @@
             </a:ln>
             <a:extLst>
               <a:ext uri="{909E8E84-426E-40dd-AFC4-6F175D3DCCD1}">
-                <a14:hiddenFill xmlns:a14="http://schemas.microsoft.com/office/drawing/2010/main" xmlns="">
+                <a14:hiddenFill xmlns="" xmlns:a14="http://schemas.microsoft.com/office/drawing/2010/main">
                   <a:noFill/>
                 </a14:hiddenFill>
               </a:ext>
@@ -8167,7 +8235,7 @@
             </a:ln>
             <a:extLst>
               <a:ext uri="{909E8E84-426E-40dd-AFC4-6F175D3DCCD1}">
-                <a14:hiddenFill xmlns:a14="http://schemas.microsoft.com/office/drawing/2010/main" xmlns="">
+                <a14:hiddenFill xmlns="" xmlns:a14="http://schemas.microsoft.com/office/drawing/2010/main">
                   <a:noFill/>
                 </a14:hiddenFill>
               </a:ext>
@@ -8218,7 +8286,7 @@
             </a:ln>
             <a:extLst>
               <a:ext uri="{909E8E84-426E-40dd-AFC4-6F175D3DCCD1}">
-                <a14:hiddenFill xmlns:a14="http://schemas.microsoft.com/office/drawing/2010/main" xmlns="">
+                <a14:hiddenFill xmlns="" xmlns:a14="http://schemas.microsoft.com/office/drawing/2010/main">
                   <a:noFill/>
                 </a14:hiddenFill>
               </a:ext>
@@ -8269,7 +8337,7 @@
             </a:ln>
             <a:extLst>
               <a:ext uri="{909E8E84-426E-40dd-AFC4-6F175D3DCCD1}">
-                <a14:hiddenFill xmlns:a14="http://schemas.microsoft.com/office/drawing/2010/main" xmlns="">
+                <a14:hiddenFill xmlns="" xmlns:a14="http://schemas.microsoft.com/office/drawing/2010/main">
                   <a:noFill/>
                 </a14:hiddenFill>
               </a:ext>
@@ -8320,7 +8388,7 @@
             </a:ln>
             <a:extLst>
               <a:ext uri="{909E8E84-426E-40dd-AFC4-6F175D3DCCD1}">
-                <a14:hiddenFill xmlns:a14="http://schemas.microsoft.com/office/drawing/2010/main" xmlns="">
+                <a14:hiddenFill xmlns="" xmlns:a14="http://schemas.microsoft.com/office/drawing/2010/main">
                   <a:noFill/>
                 </a14:hiddenFill>
               </a:ext>
@@ -8371,7 +8439,7 @@
             </a:ln>
             <a:extLst>
               <a:ext uri="{909E8E84-426E-40dd-AFC4-6F175D3DCCD1}">
-                <a14:hiddenFill xmlns:a14="http://schemas.microsoft.com/office/drawing/2010/main" xmlns="">
+                <a14:hiddenFill xmlns="" xmlns:a14="http://schemas.microsoft.com/office/drawing/2010/main">
                   <a:noFill/>
                 </a14:hiddenFill>
               </a:ext>
@@ -8422,7 +8490,7 @@
             </a:ln>
             <a:extLst>
               <a:ext uri="{909E8E84-426E-40dd-AFC4-6F175D3DCCD1}">
-                <a14:hiddenFill xmlns:a14="http://schemas.microsoft.com/office/drawing/2010/main" xmlns="">
+                <a14:hiddenFill xmlns="" xmlns:a14="http://schemas.microsoft.com/office/drawing/2010/main">
                   <a:noFill/>
                 </a14:hiddenFill>
               </a:ext>
@@ -8473,7 +8541,7 @@
             </a:ln>
             <a:extLst>
               <a:ext uri="{909E8E84-426E-40dd-AFC4-6F175D3DCCD1}">
-                <a14:hiddenFill xmlns:a14="http://schemas.microsoft.com/office/drawing/2010/main" xmlns="">
+                <a14:hiddenFill xmlns="" xmlns:a14="http://schemas.microsoft.com/office/drawing/2010/main">
                   <a:noFill/>
                 </a14:hiddenFill>
               </a:ext>
@@ -8524,7 +8592,7 @@
             </a:ln>
             <a:extLst>
               <a:ext uri="{909E8E84-426E-40dd-AFC4-6F175D3DCCD1}">
-                <a14:hiddenFill xmlns:a14="http://schemas.microsoft.com/office/drawing/2010/main" xmlns="">
+                <a14:hiddenFill xmlns="" xmlns:a14="http://schemas.microsoft.com/office/drawing/2010/main">
                   <a:noFill/>
                 </a14:hiddenFill>
               </a:ext>
@@ -9151,7 +9219,7 @@
             </a:ln>
             <a:extLst>
               <a:ext uri="{909E8E84-426E-40dd-AFC4-6F175D3DCCD1}">
-                <a14:hiddenFill xmlns:a14="http://schemas.microsoft.com/office/drawing/2010/main" xmlns="">
+                <a14:hiddenFill xmlns="" xmlns:a14="http://schemas.microsoft.com/office/drawing/2010/main">
                   <a:solidFill>
                     <a:srgbClr val="FFFFFF"/>
                   </a:solidFill>
@@ -9204,7 +9272,7 @@
             </a:ln>
             <a:extLst>
               <a:ext uri="{909E8E84-426E-40dd-AFC4-6F175D3DCCD1}">
-                <a14:hiddenFill xmlns:a14="http://schemas.microsoft.com/office/drawing/2010/main" xmlns="">
+                <a14:hiddenFill xmlns="" xmlns:a14="http://schemas.microsoft.com/office/drawing/2010/main">
                   <a:noFill/>
                 </a14:hiddenFill>
               </a:ext>
@@ -9255,7 +9323,7 @@
             </a:ln>
             <a:extLst>
               <a:ext uri="{909E8E84-426E-40dd-AFC4-6F175D3DCCD1}">
-                <a14:hiddenFill xmlns:a14="http://schemas.microsoft.com/office/drawing/2010/main" xmlns="">
+                <a14:hiddenFill xmlns="" xmlns:a14="http://schemas.microsoft.com/office/drawing/2010/main">
                   <a:noFill/>
                 </a14:hiddenFill>
               </a:ext>
@@ -9306,7 +9374,7 @@
             </a:ln>
             <a:extLst>
               <a:ext uri="{909E8E84-426E-40dd-AFC4-6F175D3DCCD1}">
-                <a14:hiddenFill xmlns:a14="http://schemas.microsoft.com/office/drawing/2010/main" xmlns="">
+                <a14:hiddenFill xmlns="" xmlns:a14="http://schemas.microsoft.com/office/drawing/2010/main">
                   <a:noFill/>
                 </a14:hiddenFill>
               </a:ext>
@@ -9357,7 +9425,7 @@
             </a:ln>
             <a:extLst>
               <a:ext uri="{909E8E84-426E-40dd-AFC4-6F175D3DCCD1}">
-                <a14:hiddenFill xmlns:a14="http://schemas.microsoft.com/office/drawing/2010/main" xmlns="">
+                <a14:hiddenFill xmlns="" xmlns:a14="http://schemas.microsoft.com/office/drawing/2010/main">
                   <a:noFill/>
                 </a14:hiddenFill>
               </a:ext>
@@ -9408,7 +9476,7 @@
             </a:ln>
             <a:extLst>
               <a:ext uri="{909E8E84-426E-40dd-AFC4-6F175D3DCCD1}">
-                <a14:hiddenFill xmlns:a14="http://schemas.microsoft.com/office/drawing/2010/main" xmlns="">
+                <a14:hiddenFill xmlns="" xmlns:a14="http://schemas.microsoft.com/office/drawing/2010/main">
                   <a:noFill/>
                 </a14:hiddenFill>
               </a:ext>
@@ -9459,7 +9527,7 @@
             </a:ln>
             <a:extLst>
               <a:ext uri="{909E8E84-426E-40dd-AFC4-6F175D3DCCD1}">
-                <a14:hiddenFill xmlns:a14="http://schemas.microsoft.com/office/drawing/2010/main" xmlns="">
+                <a14:hiddenFill xmlns="" xmlns:a14="http://schemas.microsoft.com/office/drawing/2010/main">
                   <a:noFill/>
                 </a14:hiddenFill>
               </a:ext>
@@ -9510,7 +9578,7 @@
             </a:ln>
             <a:extLst>
               <a:ext uri="{909E8E84-426E-40dd-AFC4-6F175D3DCCD1}">
-                <a14:hiddenFill xmlns:a14="http://schemas.microsoft.com/office/drawing/2010/main" xmlns="">
+                <a14:hiddenFill xmlns="" xmlns:a14="http://schemas.microsoft.com/office/drawing/2010/main">
                   <a:noFill/>
                 </a14:hiddenFill>
               </a:ext>
@@ -9561,7 +9629,7 @@
             </a:ln>
             <a:extLst>
               <a:ext uri="{909E8E84-426E-40dd-AFC4-6F175D3DCCD1}">
-                <a14:hiddenFill xmlns:a14="http://schemas.microsoft.com/office/drawing/2010/main" xmlns="">
+                <a14:hiddenFill xmlns="" xmlns:a14="http://schemas.microsoft.com/office/drawing/2010/main">
                   <a:noFill/>
                 </a14:hiddenFill>
               </a:ext>
@@ -9612,7 +9680,7 @@
             </a:ln>
             <a:extLst>
               <a:ext uri="{909E8E84-426E-40dd-AFC4-6F175D3DCCD1}">
-                <a14:hiddenFill xmlns:a14="http://schemas.microsoft.com/office/drawing/2010/main" xmlns="">
+                <a14:hiddenFill xmlns="" xmlns:a14="http://schemas.microsoft.com/office/drawing/2010/main">
                   <a:noFill/>
                 </a14:hiddenFill>
               </a:ext>
@@ -9663,7 +9731,7 @@
             </a:ln>
             <a:extLst>
               <a:ext uri="{909E8E84-426E-40dd-AFC4-6F175D3DCCD1}">
-                <a14:hiddenFill xmlns:a14="http://schemas.microsoft.com/office/drawing/2010/main" xmlns="">
+                <a14:hiddenFill xmlns="" xmlns:a14="http://schemas.microsoft.com/office/drawing/2010/main">
                   <a:noFill/>
                 </a14:hiddenFill>
               </a:ext>
@@ -9714,7 +9782,7 @@
             </a:ln>
             <a:extLst>
               <a:ext uri="{909E8E84-426E-40dd-AFC4-6F175D3DCCD1}">
-                <a14:hiddenFill xmlns:a14="http://schemas.microsoft.com/office/drawing/2010/main" xmlns="">
+                <a14:hiddenFill xmlns="" xmlns:a14="http://schemas.microsoft.com/office/drawing/2010/main">
                   <a:noFill/>
                 </a14:hiddenFill>
               </a:ext>
@@ -9765,7 +9833,7 @@
             </a:ln>
             <a:extLst>
               <a:ext uri="{909E8E84-426E-40dd-AFC4-6F175D3DCCD1}">
-                <a14:hiddenFill xmlns:a14="http://schemas.microsoft.com/office/drawing/2010/main" xmlns="">
+                <a14:hiddenFill xmlns="" xmlns:a14="http://schemas.microsoft.com/office/drawing/2010/main">
                   <a:noFill/>
                 </a14:hiddenFill>
               </a:ext>
@@ -9816,7 +9884,7 @@
             </a:ln>
             <a:extLst>
               <a:ext uri="{909E8E84-426E-40dd-AFC4-6F175D3DCCD1}">
-                <a14:hiddenFill xmlns:a14="http://schemas.microsoft.com/office/drawing/2010/main" xmlns="">
+                <a14:hiddenFill xmlns="" xmlns:a14="http://schemas.microsoft.com/office/drawing/2010/main">
                   <a:noFill/>
                 </a14:hiddenFill>
               </a:ext>
@@ -9867,7 +9935,7 @@
             </a:ln>
             <a:extLst>
               <a:ext uri="{909E8E84-426E-40dd-AFC4-6F175D3DCCD1}">
-                <a14:hiddenFill xmlns:a14="http://schemas.microsoft.com/office/drawing/2010/main" xmlns="">
+                <a14:hiddenFill xmlns="" xmlns:a14="http://schemas.microsoft.com/office/drawing/2010/main">
                   <a:noFill/>
                 </a14:hiddenFill>
               </a:ext>
@@ -9918,7 +9986,7 @@
             </a:ln>
             <a:extLst>
               <a:ext uri="{909E8E84-426E-40dd-AFC4-6F175D3DCCD1}">
-                <a14:hiddenFill xmlns:a14="http://schemas.microsoft.com/office/drawing/2010/main" xmlns="">
+                <a14:hiddenFill xmlns="" xmlns:a14="http://schemas.microsoft.com/office/drawing/2010/main">
                   <a:noFill/>
                 </a14:hiddenFill>
               </a:ext>
@@ -9969,7 +10037,7 @@
             </a:ln>
             <a:extLst>
               <a:ext uri="{909E8E84-426E-40dd-AFC4-6F175D3DCCD1}">
-                <a14:hiddenFill xmlns:a14="http://schemas.microsoft.com/office/drawing/2010/main" xmlns="">
+                <a14:hiddenFill xmlns="" xmlns:a14="http://schemas.microsoft.com/office/drawing/2010/main">
                   <a:noFill/>
                 </a14:hiddenFill>
               </a:ext>
@@ -10020,7 +10088,7 @@
             </a:ln>
             <a:extLst>
               <a:ext uri="{909E8E84-426E-40dd-AFC4-6F175D3DCCD1}">
-                <a14:hiddenFill xmlns:a14="http://schemas.microsoft.com/office/drawing/2010/main" xmlns="">
+                <a14:hiddenFill xmlns="" xmlns:a14="http://schemas.microsoft.com/office/drawing/2010/main">
                   <a:noFill/>
                 </a14:hiddenFill>
               </a:ext>
@@ -10071,7 +10139,7 @@
             </a:ln>
             <a:extLst>
               <a:ext uri="{909E8E84-426E-40dd-AFC4-6F175D3DCCD1}">
-                <a14:hiddenFill xmlns:a14="http://schemas.microsoft.com/office/drawing/2010/main" xmlns="">
+                <a14:hiddenFill xmlns="" xmlns:a14="http://schemas.microsoft.com/office/drawing/2010/main">
                   <a:noFill/>
                 </a14:hiddenFill>
               </a:ext>
@@ -10122,7 +10190,7 @@
             </a:ln>
             <a:extLst>
               <a:ext uri="{909E8E84-426E-40dd-AFC4-6F175D3DCCD1}">
-                <a14:hiddenFill xmlns:a14="http://schemas.microsoft.com/office/drawing/2010/main" xmlns="">
+                <a14:hiddenFill xmlns="" xmlns:a14="http://schemas.microsoft.com/office/drawing/2010/main">
                   <a:noFill/>
                 </a14:hiddenFill>
               </a:ext>
@@ -10173,7 +10241,7 @@
             </a:ln>
             <a:extLst>
               <a:ext uri="{909E8E84-426E-40dd-AFC4-6F175D3DCCD1}">
-                <a14:hiddenFill xmlns:a14="http://schemas.microsoft.com/office/drawing/2010/main" xmlns="">
+                <a14:hiddenFill xmlns="" xmlns:a14="http://schemas.microsoft.com/office/drawing/2010/main">
                   <a:noFill/>
                 </a14:hiddenFill>
               </a:ext>
@@ -10224,7 +10292,7 @@
             </a:ln>
             <a:extLst>
               <a:ext uri="{909E8E84-426E-40dd-AFC4-6F175D3DCCD1}">
-                <a14:hiddenFill xmlns:a14="http://schemas.microsoft.com/office/drawing/2010/main" xmlns="">
+                <a14:hiddenFill xmlns="" xmlns:a14="http://schemas.microsoft.com/office/drawing/2010/main">
                   <a:noFill/>
                 </a14:hiddenFill>
               </a:ext>
@@ -10275,7 +10343,7 @@
             </a:ln>
             <a:extLst>
               <a:ext uri="{909E8E84-426E-40dd-AFC4-6F175D3DCCD1}">
-                <a14:hiddenFill xmlns:a14="http://schemas.microsoft.com/office/drawing/2010/main" xmlns="">
+                <a14:hiddenFill xmlns="" xmlns:a14="http://schemas.microsoft.com/office/drawing/2010/main">
                   <a:noFill/>
                 </a14:hiddenFill>
               </a:ext>
@@ -10326,7 +10394,7 @@
             </a:ln>
             <a:extLst>
               <a:ext uri="{909E8E84-426E-40dd-AFC4-6F175D3DCCD1}">
-                <a14:hiddenFill xmlns:a14="http://schemas.microsoft.com/office/drawing/2010/main" xmlns="">
+                <a14:hiddenFill xmlns="" xmlns:a14="http://schemas.microsoft.com/office/drawing/2010/main">
                   <a:noFill/>
                 </a14:hiddenFill>
               </a:ext>
@@ -10377,7 +10445,7 @@
             </a:ln>
             <a:extLst>
               <a:ext uri="{909E8E84-426E-40dd-AFC4-6F175D3DCCD1}">
-                <a14:hiddenFill xmlns:a14="http://schemas.microsoft.com/office/drawing/2010/main" xmlns="">
+                <a14:hiddenFill xmlns="" xmlns:a14="http://schemas.microsoft.com/office/drawing/2010/main">
                   <a:noFill/>
                 </a14:hiddenFill>
               </a:ext>
@@ -10428,7 +10496,7 @@
             </a:ln>
             <a:extLst>
               <a:ext uri="{909E8E84-426E-40dd-AFC4-6F175D3DCCD1}">
-                <a14:hiddenFill xmlns:a14="http://schemas.microsoft.com/office/drawing/2010/main" xmlns="">
+                <a14:hiddenFill xmlns="" xmlns:a14="http://schemas.microsoft.com/office/drawing/2010/main">
                   <a:noFill/>
                 </a14:hiddenFill>
               </a:ext>
@@ -10479,7 +10547,7 @@
             </a:ln>
             <a:extLst>
               <a:ext uri="{909E8E84-426E-40dd-AFC4-6F175D3DCCD1}">
-                <a14:hiddenFill xmlns:a14="http://schemas.microsoft.com/office/drawing/2010/main" xmlns="">
+                <a14:hiddenFill xmlns="" xmlns:a14="http://schemas.microsoft.com/office/drawing/2010/main">
                   <a:noFill/>
                 </a14:hiddenFill>
               </a:ext>
@@ -10530,7 +10598,7 @@
             </a:ln>
             <a:extLst>
               <a:ext uri="{909E8E84-426E-40dd-AFC4-6F175D3DCCD1}">
-                <a14:hiddenFill xmlns:a14="http://schemas.microsoft.com/office/drawing/2010/main" xmlns="">
+                <a14:hiddenFill xmlns="" xmlns:a14="http://schemas.microsoft.com/office/drawing/2010/main">
                   <a:noFill/>
                 </a14:hiddenFill>
               </a:ext>
@@ -10581,7 +10649,7 @@
             </a:ln>
             <a:extLst>
               <a:ext uri="{909E8E84-426E-40dd-AFC4-6F175D3DCCD1}">
-                <a14:hiddenFill xmlns:a14="http://schemas.microsoft.com/office/drawing/2010/main" xmlns="">
+                <a14:hiddenFill xmlns="" xmlns:a14="http://schemas.microsoft.com/office/drawing/2010/main">
                   <a:noFill/>
                 </a14:hiddenFill>
               </a:ext>
@@ -10632,7 +10700,7 @@
             </a:ln>
             <a:extLst>
               <a:ext uri="{909E8E84-426E-40dd-AFC4-6F175D3DCCD1}">
-                <a14:hiddenFill xmlns:a14="http://schemas.microsoft.com/office/drawing/2010/main" xmlns="">
+                <a14:hiddenFill xmlns="" xmlns:a14="http://schemas.microsoft.com/office/drawing/2010/main">
                   <a:noFill/>
                 </a14:hiddenFill>
               </a:ext>
@@ -10683,7 +10751,7 @@
             </a:ln>
             <a:extLst>
               <a:ext uri="{909E8E84-426E-40dd-AFC4-6F175D3DCCD1}">
-                <a14:hiddenFill xmlns:a14="http://schemas.microsoft.com/office/drawing/2010/main" xmlns="">
+                <a14:hiddenFill xmlns="" xmlns:a14="http://schemas.microsoft.com/office/drawing/2010/main">
                   <a:noFill/>
                 </a14:hiddenFill>
               </a:ext>
@@ -10734,7 +10802,7 @@
             </a:ln>
             <a:extLst>
               <a:ext uri="{909E8E84-426E-40dd-AFC4-6F175D3DCCD1}">
-                <a14:hiddenFill xmlns:a14="http://schemas.microsoft.com/office/drawing/2010/main" xmlns="">
+                <a14:hiddenFill xmlns="" xmlns:a14="http://schemas.microsoft.com/office/drawing/2010/main">
                   <a:noFill/>
                 </a14:hiddenFill>
               </a:ext>
@@ -10785,7 +10853,7 @@
             </a:ln>
             <a:extLst>
               <a:ext uri="{909E8E84-426E-40dd-AFC4-6F175D3DCCD1}">
-                <a14:hiddenFill xmlns:a14="http://schemas.microsoft.com/office/drawing/2010/main" xmlns="">
+                <a14:hiddenFill xmlns="" xmlns:a14="http://schemas.microsoft.com/office/drawing/2010/main">
                   <a:noFill/>
                 </a14:hiddenFill>
               </a:ext>
@@ -10836,7 +10904,7 @@
             </a:ln>
             <a:extLst>
               <a:ext uri="{909E8E84-426E-40dd-AFC4-6F175D3DCCD1}">
-                <a14:hiddenFill xmlns:a14="http://schemas.microsoft.com/office/drawing/2010/main" xmlns="">
+                <a14:hiddenFill xmlns="" xmlns:a14="http://schemas.microsoft.com/office/drawing/2010/main">
                   <a:noFill/>
                 </a14:hiddenFill>
               </a:ext>
@@ -10887,7 +10955,7 @@
             </a:ln>
             <a:extLst>
               <a:ext uri="{909E8E84-426E-40dd-AFC4-6F175D3DCCD1}">
-                <a14:hiddenFill xmlns:a14="http://schemas.microsoft.com/office/drawing/2010/main" xmlns="">
+                <a14:hiddenFill xmlns="" xmlns:a14="http://schemas.microsoft.com/office/drawing/2010/main">
                   <a:noFill/>
                 </a14:hiddenFill>
               </a:ext>
@@ -10938,7 +11006,7 @@
             </a:ln>
             <a:extLst>
               <a:ext uri="{909E8E84-426E-40dd-AFC4-6F175D3DCCD1}">
-                <a14:hiddenFill xmlns:a14="http://schemas.microsoft.com/office/drawing/2010/main" xmlns="">
+                <a14:hiddenFill xmlns="" xmlns:a14="http://schemas.microsoft.com/office/drawing/2010/main">
                   <a:noFill/>
                 </a14:hiddenFill>
               </a:ext>
@@ -10989,7 +11057,7 @@
             </a:ln>
             <a:extLst>
               <a:ext uri="{909E8E84-426E-40dd-AFC4-6F175D3DCCD1}">
-                <a14:hiddenFill xmlns:a14="http://schemas.microsoft.com/office/drawing/2010/main" xmlns="">
+                <a14:hiddenFill xmlns="" xmlns:a14="http://schemas.microsoft.com/office/drawing/2010/main">
                   <a:noFill/>
                 </a14:hiddenFill>
               </a:ext>
@@ -11040,7 +11108,7 @@
             </a:ln>
             <a:extLst>
               <a:ext uri="{909E8E84-426E-40dd-AFC4-6F175D3DCCD1}">
-                <a14:hiddenFill xmlns:a14="http://schemas.microsoft.com/office/drawing/2010/main" xmlns="">
+                <a14:hiddenFill xmlns="" xmlns:a14="http://schemas.microsoft.com/office/drawing/2010/main">
                   <a:noFill/>
                 </a14:hiddenFill>
               </a:ext>
@@ -11091,7 +11159,7 @@
             </a:ln>
             <a:extLst>
               <a:ext uri="{909E8E84-426E-40dd-AFC4-6F175D3DCCD1}">
-                <a14:hiddenFill xmlns:a14="http://schemas.microsoft.com/office/drawing/2010/main" xmlns="">
+                <a14:hiddenFill xmlns="" xmlns:a14="http://schemas.microsoft.com/office/drawing/2010/main">
                   <a:noFill/>
                 </a14:hiddenFill>
               </a:ext>
@@ -11142,7 +11210,7 @@
             </a:ln>
             <a:extLst>
               <a:ext uri="{909E8E84-426E-40dd-AFC4-6F175D3DCCD1}">
-                <a14:hiddenFill xmlns:a14="http://schemas.microsoft.com/office/drawing/2010/main" xmlns="">
+                <a14:hiddenFill xmlns="" xmlns:a14="http://schemas.microsoft.com/office/drawing/2010/main">
                   <a:noFill/>
                 </a14:hiddenFill>
               </a:ext>
@@ -11193,7 +11261,7 @@
             </a:ln>
             <a:extLst>
               <a:ext uri="{909E8E84-426E-40dd-AFC4-6F175D3DCCD1}">
-                <a14:hiddenFill xmlns:a14="http://schemas.microsoft.com/office/drawing/2010/main" xmlns="">
+                <a14:hiddenFill xmlns="" xmlns:a14="http://schemas.microsoft.com/office/drawing/2010/main">
                   <a:noFill/>
                 </a14:hiddenFill>
               </a:ext>
@@ -11244,7 +11312,7 @@
             </a:ln>
             <a:extLst>
               <a:ext uri="{909E8E84-426E-40dd-AFC4-6F175D3DCCD1}">
-                <a14:hiddenFill xmlns:a14="http://schemas.microsoft.com/office/drawing/2010/main" xmlns="">
+                <a14:hiddenFill xmlns="" xmlns:a14="http://schemas.microsoft.com/office/drawing/2010/main">
                   <a:noFill/>
                 </a14:hiddenFill>
               </a:ext>
@@ -11295,7 +11363,7 @@
             </a:ln>
             <a:extLst>
               <a:ext uri="{909E8E84-426E-40dd-AFC4-6F175D3DCCD1}">
-                <a14:hiddenFill xmlns:a14="http://schemas.microsoft.com/office/drawing/2010/main" xmlns="">
+                <a14:hiddenFill xmlns="" xmlns:a14="http://schemas.microsoft.com/office/drawing/2010/main">
                   <a:noFill/>
                 </a14:hiddenFill>
               </a:ext>
@@ -11346,7 +11414,7 @@
             </a:ln>
             <a:extLst>
               <a:ext uri="{909E8E84-426E-40dd-AFC4-6F175D3DCCD1}">
-                <a14:hiddenFill xmlns:a14="http://schemas.microsoft.com/office/drawing/2010/main" xmlns="">
+                <a14:hiddenFill xmlns="" xmlns:a14="http://schemas.microsoft.com/office/drawing/2010/main">
                   <a:noFill/>
                 </a14:hiddenFill>
               </a:ext>
@@ -11397,7 +11465,7 @@
             </a:ln>
             <a:extLst>
               <a:ext uri="{909E8E84-426E-40dd-AFC4-6F175D3DCCD1}">
-                <a14:hiddenFill xmlns:a14="http://schemas.microsoft.com/office/drawing/2010/main" xmlns="">
+                <a14:hiddenFill xmlns="" xmlns:a14="http://schemas.microsoft.com/office/drawing/2010/main">
                   <a:noFill/>
                 </a14:hiddenFill>
               </a:ext>
@@ -11448,7 +11516,7 @@
             </a:ln>
             <a:extLst>
               <a:ext uri="{909E8E84-426E-40dd-AFC4-6F175D3DCCD1}">
-                <a14:hiddenFill xmlns:a14="http://schemas.microsoft.com/office/drawing/2010/main" xmlns="">
+                <a14:hiddenFill xmlns="" xmlns:a14="http://schemas.microsoft.com/office/drawing/2010/main">
                   <a:noFill/>
                 </a14:hiddenFill>
               </a:ext>
@@ -11499,7 +11567,7 @@
             </a:ln>
             <a:extLst>
               <a:ext uri="{909E8E84-426E-40dd-AFC4-6F175D3DCCD1}">
-                <a14:hiddenFill xmlns:a14="http://schemas.microsoft.com/office/drawing/2010/main" xmlns="">
+                <a14:hiddenFill xmlns="" xmlns:a14="http://schemas.microsoft.com/office/drawing/2010/main">
                   <a:noFill/>
                 </a14:hiddenFill>
               </a:ext>
@@ -11550,7 +11618,7 @@
             </a:ln>
             <a:extLst>
               <a:ext uri="{909E8E84-426E-40dd-AFC4-6F175D3DCCD1}">
-                <a14:hiddenFill xmlns:a14="http://schemas.microsoft.com/office/drawing/2010/main" xmlns="">
+                <a14:hiddenFill xmlns="" xmlns:a14="http://schemas.microsoft.com/office/drawing/2010/main">
                   <a:noFill/>
                 </a14:hiddenFill>
               </a:ext>
@@ -11601,7 +11669,7 @@
             </a:ln>
             <a:extLst>
               <a:ext uri="{909E8E84-426E-40dd-AFC4-6F175D3DCCD1}">
-                <a14:hiddenFill xmlns:a14="http://schemas.microsoft.com/office/drawing/2010/main" xmlns="">
+                <a14:hiddenFill xmlns="" xmlns:a14="http://schemas.microsoft.com/office/drawing/2010/main">
                   <a:noFill/>
                 </a14:hiddenFill>
               </a:ext>
@@ -11652,7 +11720,7 @@
             </a:ln>
             <a:extLst>
               <a:ext uri="{909E8E84-426E-40dd-AFC4-6F175D3DCCD1}">
-                <a14:hiddenFill xmlns:a14="http://schemas.microsoft.com/office/drawing/2010/main" xmlns="">
+                <a14:hiddenFill xmlns="" xmlns:a14="http://schemas.microsoft.com/office/drawing/2010/main">
                   <a:noFill/>
                 </a14:hiddenFill>
               </a:ext>
@@ -11703,7 +11771,7 @@
             </a:ln>
             <a:extLst>
               <a:ext uri="{909E8E84-426E-40dd-AFC4-6F175D3DCCD1}">
-                <a14:hiddenFill xmlns:a14="http://schemas.microsoft.com/office/drawing/2010/main" xmlns="">
+                <a14:hiddenFill xmlns="" xmlns:a14="http://schemas.microsoft.com/office/drawing/2010/main">
                   <a:noFill/>
                 </a14:hiddenFill>
               </a:ext>
@@ -11754,7 +11822,7 @@
             </a:ln>
             <a:extLst>
               <a:ext uri="{909E8E84-426E-40dd-AFC4-6F175D3DCCD1}">
-                <a14:hiddenFill xmlns:a14="http://schemas.microsoft.com/office/drawing/2010/main" xmlns="">
+                <a14:hiddenFill xmlns="" xmlns:a14="http://schemas.microsoft.com/office/drawing/2010/main">
                   <a:noFill/>
                 </a14:hiddenFill>
               </a:ext>
@@ -11805,7 +11873,7 @@
             </a:ln>
             <a:extLst>
               <a:ext uri="{909E8E84-426E-40dd-AFC4-6F175D3DCCD1}">
-                <a14:hiddenFill xmlns:a14="http://schemas.microsoft.com/office/drawing/2010/main" xmlns="">
+                <a14:hiddenFill xmlns="" xmlns:a14="http://schemas.microsoft.com/office/drawing/2010/main">
                   <a:noFill/>
                 </a14:hiddenFill>
               </a:ext>
@@ -11856,7 +11924,7 @@
             </a:ln>
             <a:extLst>
               <a:ext uri="{909E8E84-426E-40dd-AFC4-6F175D3DCCD1}">
-                <a14:hiddenFill xmlns:a14="http://schemas.microsoft.com/office/drawing/2010/main" xmlns="">
+                <a14:hiddenFill xmlns="" xmlns:a14="http://schemas.microsoft.com/office/drawing/2010/main">
                   <a:noFill/>
                 </a14:hiddenFill>
               </a:ext>
@@ -11907,7 +11975,7 @@
             </a:ln>
             <a:extLst>
               <a:ext uri="{909E8E84-426E-40dd-AFC4-6F175D3DCCD1}">
-                <a14:hiddenFill xmlns:a14="http://schemas.microsoft.com/office/drawing/2010/main" xmlns="">
+                <a14:hiddenFill xmlns="" xmlns:a14="http://schemas.microsoft.com/office/drawing/2010/main">
                   <a:noFill/>
                 </a14:hiddenFill>
               </a:ext>
@@ -11958,7 +12026,7 @@
             </a:ln>
             <a:extLst>
               <a:ext uri="{909E8E84-426E-40dd-AFC4-6F175D3DCCD1}">
-                <a14:hiddenFill xmlns:a14="http://schemas.microsoft.com/office/drawing/2010/main" xmlns="">
+                <a14:hiddenFill xmlns="" xmlns:a14="http://schemas.microsoft.com/office/drawing/2010/main">
                   <a:noFill/>
                 </a14:hiddenFill>
               </a:ext>
@@ -12009,7 +12077,7 @@
             </a:ln>
             <a:extLst>
               <a:ext uri="{909E8E84-426E-40dd-AFC4-6F175D3DCCD1}">
-                <a14:hiddenFill xmlns:a14="http://schemas.microsoft.com/office/drawing/2010/main" xmlns="">
+                <a14:hiddenFill xmlns="" xmlns:a14="http://schemas.microsoft.com/office/drawing/2010/main">
                   <a:noFill/>
                 </a14:hiddenFill>
               </a:ext>
@@ -12060,7 +12128,7 @@
             </a:ln>
             <a:extLst>
               <a:ext uri="{909E8E84-426E-40dd-AFC4-6F175D3DCCD1}">
-                <a14:hiddenFill xmlns:a14="http://schemas.microsoft.com/office/drawing/2010/main" xmlns="">
+                <a14:hiddenFill xmlns="" xmlns:a14="http://schemas.microsoft.com/office/drawing/2010/main">
                   <a:noFill/>
                 </a14:hiddenFill>
               </a:ext>
@@ -12111,7 +12179,7 @@
             </a:ln>
             <a:extLst>
               <a:ext uri="{909E8E84-426E-40dd-AFC4-6F175D3DCCD1}">
-                <a14:hiddenFill xmlns:a14="http://schemas.microsoft.com/office/drawing/2010/main" xmlns="">
+                <a14:hiddenFill xmlns="" xmlns:a14="http://schemas.microsoft.com/office/drawing/2010/main">
                   <a:noFill/>
                 </a14:hiddenFill>
               </a:ext>
@@ -12162,7 +12230,7 @@
             </a:ln>
             <a:extLst>
               <a:ext uri="{909E8E84-426E-40dd-AFC4-6F175D3DCCD1}">
-                <a14:hiddenFill xmlns:a14="http://schemas.microsoft.com/office/drawing/2010/main" xmlns="">
+                <a14:hiddenFill xmlns="" xmlns:a14="http://schemas.microsoft.com/office/drawing/2010/main">
                   <a:noFill/>
                 </a14:hiddenFill>
               </a:ext>
@@ -12213,7 +12281,7 @@
             </a:ln>
             <a:extLst>
               <a:ext uri="{909E8E84-426E-40dd-AFC4-6F175D3DCCD1}">
-                <a14:hiddenFill xmlns:a14="http://schemas.microsoft.com/office/drawing/2010/main" xmlns="">
+                <a14:hiddenFill xmlns="" xmlns:a14="http://schemas.microsoft.com/office/drawing/2010/main">
                   <a:noFill/>
                 </a14:hiddenFill>
               </a:ext>
@@ -12264,7 +12332,7 @@
             </a:ln>
             <a:extLst>
               <a:ext uri="{909E8E84-426E-40dd-AFC4-6F175D3DCCD1}">
-                <a14:hiddenFill xmlns:a14="http://schemas.microsoft.com/office/drawing/2010/main" xmlns="">
+                <a14:hiddenFill xmlns="" xmlns:a14="http://schemas.microsoft.com/office/drawing/2010/main">
                   <a:noFill/>
                 </a14:hiddenFill>
               </a:ext>
@@ -12315,7 +12383,7 @@
             </a:ln>
             <a:extLst>
               <a:ext uri="{909E8E84-426E-40dd-AFC4-6F175D3DCCD1}">
-                <a14:hiddenFill xmlns:a14="http://schemas.microsoft.com/office/drawing/2010/main" xmlns="">
+                <a14:hiddenFill xmlns="" xmlns:a14="http://schemas.microsoft.com/office/drawing/2010/main">
                   <a:noFill/>
                 </a14:hiddenFill>
               </a:ext>
@@ -12366,7 +12434,7 @@
             </a:ln>
             <a:extLst>
               <a:ext uri="{909E8E84-426E-40dd-AFC4-6F175D3DCCD1}">
-                <a14:hiddenFill xmlns:a14="http://schemas.microsoft.com/office/drawing/2010/main" xmlns="">
+                <a14:hiddenFill xmlns="" xmlns:a14="http://schemas.microsoft.com/office/drawing/2010/main">
                   <a:noFill/>
                 </a14:hiddenFill>
               </a:ext>
@@ -12417,7 +12485,7 @@
             </a:ln>
             <a:extLst>
               <a:ext uri="{909E8E84-426E-40dd-AFC4-6F175D3DCCD1}">
-                <a14:hiddenFill xmlns:a14="http://schemas.microsoft.com/office/drawing/2010/main" xmlns="">
+                <a14:hiddenFill xmlns="" xmlns:a14="http://schemas.microsoft.com/office/drawing/2010/main">
                   <a:noFill/>
                 </a14:hiddenFill>
               </a:ext>
@@ -12468,7 +12536,7 @@
             </a:ln>
             <a:extLst>
               <a:ext uri="{909E8E84-426E-40dd-AFC4-6F175D3DCCD1}">
-                <a14:hiddenFill xmlns:a14="http://schemas.microsoft.com/office/drawing/2010/main" xmlns="">
+                <a14:hiddenFill xmlns="" xmlns:a14="http://schemas.microsoft.com/office/drawing/2010/main">
                   <a:noFill/>
                 </a14:hiddenFill>
               </a:ext>
@@ -12519,7 +12587,7 @@
             </a:ln>
             <a:extLst>
               <a:ext uri="{909E8E84-426E-40dd-AFC4-6F175D3DCCD1}">
-                <a14:hiddenFill xmlns:a14="http://schemas.microsoft.com/office/drawing/2010/main" xmlns="">
+                <a14:hiddenFill xmlns="" xmlns:a14="http://schemas.microsoft.com/office/drawing/2010/main">
                   <a:noFill/>
                 </a14:hiddenFill>
               </a:ext>
@@ -12570,7 +12638,7 @@
             </a:ln>
             <a:extLst>
               <a:ext uri="{909E8E84-426E-40dd-AFC4-6F175D3DCCD1}">
-                <a14:hiddenFill xmlns:a14="http://schemas.microsoft.com/office/drawing/2010/main" xmlns="">
+                <a14:hiddenFill xmlns="" xmlns:a14="http://schemas.microsoft.com/office/drawing/2010/main">
                   <a:noFill/>
                 </a14:hiddenFill>
               </a:ext>
@@ -12621,7 +12689,7 @@
             </a:ln>
             <a:extLst>
               <a:ext uri="{909E8E84-426E-40dd-AFC4-6F175D3DCCD1}">
-                <a14:hiddenFill xmlns:a14="http://schemas.microsoft.com/office/drawing/2010/main" xmlns="">
+                <a14:hiddenFill xmlns="" xmlns:a14="http://schemas.microsoft.com/office/drawing/2010/main">
                   <a:noFill/>
                 </a14:hiddenFill>
               </a:ext>
@@ -13045,7 +13113,7 @@
           <a:p>
             <a:fld id="{5355355A-278A-4177-940D-D180E0E2D021}" type="datetimeFigureOut">
               <a:rPr lang="en-US" smtClean="0"/>
-              <a:t>9/10/2018</a:t>
+              <a:t>9/24/2018</a:t>
             </a:fld>
             <a:endParaRPr lang="en-US"/>
           </a:p>
@@ -13183,7 +13251,7 @@
             </a:ln>
             <a:extLst>
               <a:ext uri="{909E8E84-426E-40dd-AFC4-6F175D3DCCD1}">
-                <a14:hiddenFill xmlns:a14="http://schemas.microsoft.com/office/drawing/2010/main" xmlns="">
+                <a14:hiddenFill xmlns="" xmlns:a14="http://schemas.microsoft.com/office/drawing/2010/main">
                   <a:solidFill>
                     <a:srgbClr val="FFFFFF"/>
                   </a:solidFill>
@@ -13236,7 +13304,7 @@
             </a:ln>
             <a:extLst>
               <a:ext uri="{909E8E84-426E-40dd-AFC4-6F175D3DCCD1}">
-                <a14:hiddenFill xmlns:a14="http://schemas.microsoft.com/office/drawing/2010/main" xmlns="">
+                <a14:hiddenFill xmlns="" xmlns:a14="http://schemas.microsoft.com/office/drawing/2010/main">
                   <a:noFill/>
                 </a14:hiddenFill>
               </a:ext>
@@ -13287,7 +13355,7 @@
             </a:ln>
             <a:extLst>
               <a:ext uri="{909E8E84-426E-40dd-AFC4-6F175D3DCCD1}">
-                <a14:hiddenFill xmlns:a14="http://schemas.microsoft.com/office/drawing/2010/main" xmlns="">
+                <a14:hiddenFill xmlns="" xmlns:a14="http://schemas.microsoft.com/office/drawing/2010/main">
                   <a:noFill/>
                 </a14:hiddenFill>
               </a:ext>
@@ -13338,7 +13406,7 @@
             </a:ln>
             <a:extLst>
               <a:ext uri="{909E8E84-426E-40dd-AFC4-6F175D3DCCD1}">
-                <a14:hiddenFill xmlns:a14="http://schemas.microsoft.com/office/drawing/2010/main" xmlns="">
+                <a14:hiddenFill xmlns="" xmlns:a14="http://schemas.microsoft.com/office/drawing/2010/main">
                   <a:noFill/>
                 </a14:hiddenFill>
               </a:ext>
@@ -13389,7 +13457,7 @@
             </a:ln>
             <a:extLst>
               <a:ext uri="{909E8E84-426E-40dd-AFC4-6F175D3DCCD1}">
-                <a14:hiddenFill xmlns:a14="http://schemas.microsoft.com/office/drawing/2010/main" xmlns="">
+                <a14:hiddenFill xmlns="" xmlns:a14="http://schemas.microsoft.com/office/drawing/2010/main">
                   <a:noFill/>
                 </a14:hiddenFill>
               </a:ext>
@@ -13440,7 +13508,7 @@
             </a:ln>
             <a:extLst>
               <a:ext uri="{909E8E84-426E-40dd-AFC4-6F175D3DCCD1}">
-                <a14:hiddenFill xmlns:a14="http://schemas.microsoft.com/office/drawing/2010/main" xmlns="">
+                <a14:hiddenFill xmlns="" xmlns:a14="http://schemas.microsoft.com/office/drawing/2010/main">
                   <a:noFill/>
                 </a14:hiddenFill>
               </a:ext>
@@ -13491,7 +13559,7 @@
             </a:ln>
             <a:extLst>
               <a:ext uri="{909E8E84-426E-40dd-AFC4-6F175D3DCCD1}">
-                <a14:hiddenFill xmlns:a14="http://schemas.microsoft.com/office/drawing/2010/main" xmlns="">
+                <a14:hiddenFill xmlns="" xmlns:a14="http://schemas.microsoft.com/office/drawing/2010/main">
                   <a:noFill/>
                 </a14:hiddenFill>
               </a:ext>
@@ -13542,7 +13610,7 @@
             </a:ln>
             <a:extLst>
               <a:ext uri="{909E8E84-426E-40dd-AFC4-6F175D3DCCD1}">
-                <a14:hiddenFill xmlns:a14="http://schemas.microsoft.com/office/drawing/2010/main" xmlns="">
+                <a14:hiddenFill xmlns="" xmlns:a14="http://schemas.microsoft.com/office/drawing/2010/main">
                   <a:noFill/>
                 </a14:hiddenFill>
               </a:ext>
@@ -13593,7 +13661,7 @@
             </a:ln>
             <a:extLst>
               <a:ext uri="{909E8E84-426E-40dd-AFC4-6F175D3DCCD1}">
-                <a14:hiddenFill xmlns:a14="http://schemas.microsoft.com/office/drawing/2010/main" xmlns="">
+                <a14:hiddenFill xmlns="" xmlns:a14="http://schemas.microsoft.com/office/drawing/2010/main">
                   <a:noFill/>
                 </a14:hiddenFill>
               </a:ext>
@@ -13644,7 +13712,7 @@
             </a:ln>
             <a:extLst>
               <a:ext uri="{909E8E84-426E-40dd-AFC4-6F175D3DCCD1}">
-                <a14:hiddenFill xmlns:a14="http://schemas.microsoft.com/office/drawing/2010/main" xmlns="">
+                <a14:hiddenFill xmlns="" xmlns:a14="http://schemas.microsoft.com/office/drawing/2010/main">
                   <a:noFill/>
                 </a14:hiddenFill>
               </a:ext>
@@ -13695,7 +13763,7 @@
             </a:ln>
             <a:extLst>
               <a:ext uri="{909E8E84-426E-40dd-AFC4-6F175D3DCCD1}">
-                <a14:hiddenFill xmlns:a14="http://schemas.microsoft.com/office/drawing/2010/main" xmlns="">
+                <a14:hiddenFill xmlns="" xmlns:a14="http://schemas.microsoft.com/office/drawing/2010/main">
                   <a:noFill/>
                 </a14:hiddenFill>
               </a:ext>
@@ -13746,7 +13814,7 @@
             </a:ln>
             <a:extLst>
               <a:ext uri="{909E8E84-426E-40dd-AFC4-6F175D3DCCD1}">
-                <a14:hiddenFill xmlns:a14="http://schemas.microsoft.com/office/drawing/2010/main" xmlns="">
+                <a14:hiddenFill xmlns="" xmlns:a14="http://schemas.microsoft.com/office/drawing/2010/main">
                   <a:noFill/>
                 </a14:hiddenFill>
               </a:ext>
@@ -13797,7 +13865,7 @@
             </a:ln>
             <a:extLst>
               <a:ext uri="{909E8E84-426E-40dd-AFC4-6F175D3DCCD1}">
-                <a14:hiddenFill xmlns:a14="http://schemas.microsoft.com/office/drawing/2010/main" xmlns="">
+                <a14:hiddenFill xmlns="" xmlns:a14="http://schemas.microsoft.com/office/drawing/2010/main">
                   <a:noFill/>
                 </a14:hiddenFill>
               </a:ext>
@@ -13848,7 +13916,7 @@
             </a:ln>
             <a:extLst>
               <a:ext uri="{909E8E84-426E-40dd-AFC4-6F175D3DCCD1}">
-                <a14:hiddenFill xmlns:a14="http://schemas.microsoft.com/office/drawing/2010/main" xmlns="">
+                <a14:hiddenFill xmlns="" xmlns:a14="http://schemas.microsoft.com/office/drawing/2010/main">
                   <a:noFill/>
                 </a14:hiddenFill>
               </a:ext>
@@ -13899,7 +13967,7 @@
             </a:ln>
             <a:extLst>
               <a:ext uri="{909E8E84-426E-40dd-AFC4-6F175D3DCCD1}">
-                <a14:hiddenFill xmlns:a14="http://schemas.microsoft.com/office/drawing/2010/main" xmlns="">
+                <a14:hiddenFill xmlns="" xmlns:a14="http://schemas.microsoft.com/office/drawing/2010/main">
                   <a:noFill/>
                 </a14:hiddenFill>
               </a:ext>
@@ -13950,7 +14018,7 @@
             </a:ln>
             <a:extLst>
               <a:ext uri="{909E8E84-426E-40dd-AFC4-6F175D3DCCD1}">
-                <a14:hiddenFill xmlns:a14="http://schemas.microsoft.com/office/drawing/2010/main" xmlns="">
+                <a14:hiddenFill xmlns="" xmlns:a14="http://schemas.microsoft.com/office/drawing/2010/main">
                   <a:noFill/>
                 </a14:hiddenFill>
               </a:ext>
@@ -14001,7 +14069,7 @@
             </a:ln>
             <a:extLst>
               <a:ext uri="{909E8E84-426E-40dd-AFC4-6F175D3DCCD1}">
-                <a14:hiddenFill xmlns:a14="http://schemas.microsoft.com/office/drawing/2010/main" xmlns="">
+                <a14:hiddenFill xmlns="" xmlns:a14="http://schemas.microsoft.com/office/drawing/2010/main">
                   <a:noFill/>
                 </a14:hiddenFill>
               </a:ext>
@@ -14052,7 +14120,7 @@
             </a:ln>
             <a:extLst>
               <a:ext uri="{909E8E84-426E-40dd-AFC4-6F175D3DCCD1}">
-                <a14:hiddenFill xmlns:a14="http://schemas.microsoft.com/office/drawing/2010/main" xmlns="">
+                <a14:hiddenFill xmlns="" xmlns:a14="http://schemas.microsoft.com/office/drawing/2010/main">
                   <a:noFill/>
                 </a14:hiddenFill>
               </a:ext>
@@ -14103,7 +14171,7 @@
             </a:ln>
             <a:extLst>
               <a:ext uri="{909E8E84-426E-40dd-AFC4-6F175D3DCCD1}">
-                <a14:hiddenFill xmlns:a14="http://schemas.microsoft.com/office/drawing/2010/main" xmlns="">
+                <a14:hiddenFill xmlns="" xmlns:a14="http://schemas.microsoft.com/office/drawing/2010/main">
                   <a:noFill/>
                 </a14:hiddenFill>
               </a:ext>
@@ -14154,7 +14222,7 @@
             </a:ln>
             <a:extLst>
               <a:ext uri="{909E8E84-426E-40dd-AFC4-6F175D3DCCD1}">
-                <a14:hiddenFill xmlns:a14="http://schemas.microsoft.com/office/drawing/2010/main" xmlns="">
+                <a14:hiddenFill xmlns="" xmlns:a14="http://schemas.microsoft.com/office/drawing/2010/main">
                   <a:noFill/>
                 </a14:hiddenFill>
               </a:ext>
@@ -14205,7 +14273,7 @@
             </a:ln>
             <a:extLst>
               <a:ext uri="{909E8E84-426E-40dd-AFC4-6F175D3DCCD1}">
-                <a14:hiddenFill xmlns:a14="http://schemas.microsoft.com/office/drawing/2010/main" xmlns="">
+                <a14:hiddenFill xmlns="" xmlns:a14="http://schemas.microsoft.com/office/drawing/2010/main">
                   <a:noFill/>
                 </a14:hiddenFill>
               </a:ext>
@@ -14256,7 +14324,7 @@
             </a:ln>
             <a:extLst>
               <a:ext uri="{909E8E84-426E-40dd-AFC4-6F175D3DCCD1}">
-                <a14:hiddenFill xmlns:a14="http://schemas.microsoft.com/office/drawing/2010/main" xmlns="">
+                <a14:hiddenFill xmlns="" xmlns:a14="http://schemas.microsoft.com/office/drawing/2010/main">
                   <a:noFill/>
                 </a14:hiddenFill>
               </a:ext>
@@ -14307,7 +14375,7 @@
             </a:ln>
             <a:extLst>
               <a:ext uri="{909E8E84-426E-40dd-AFC4-6F175D3DCCD1}">
-                <a14:hiddenFill xmlns:a14="http://schemas.microsoft.com/office/drawing/2010/main" xmlns="">
+                <a14:hiddenFill xmlns="" xmlns:a14="http://schemas.microsoft.com/office/drawing/2010/main">
                   <a:noFill/>
                 </a14:hiddenFill>
               </a:ext>
@@ -14358,7 +14426,7 @@
             </a:ln>
             <a:extLst>
               <a:ext uri="{909E8E84-426E-40dd-AFC4-6F175D3DCCD1}">
-                <a14:hiddenFill xmlns:a14="http://schemas.microsoft.com/office/drawing/2010/main" xmlns="">
+                <a14:hiddenFill xmlns="" xmlns:a14="http://schemas.microsoft.com/office/drawing/2010/main">
                   <a:noFill/>
                 </a14:hiddenFill>
               </a:ext>
@@ -14409,7 +14477,7 @@
             </a:ln>
             <a:extLst>
               <a:ext uri="{909E8E84-426E-40dd-AFC4-6F175D3DCCD1}">
-                <a14:hiddenFill xmlns:a14="http://schemas.microsoft.com/office/drawing/2010/main" xmlns="">
+                <a14:hiddenFill xmlns="" xmlns:a14="http://schemas.microsoft.com/office/drawing/2010/main">
                   <a:noFill/>
                 </a14:hiddenFill>
               </a:ext>
@@ -14460,7 +14528,7 @@
             </a:ln>
             <a:extLst>
               <a:ext uri="{909E8E84-426E-40dd-AFC4-6F175D3DCCD1}">
-                <a14:hiddenFill xmlns:a14="http://schemas.microsoft.com/office/drawing/2010/main" xmlns="">
+                <a14:hiddenFill xmlns="" xmlns:a14="http://schemas.microsoft.com/office/drawing/2010/main">
                   <a:noFill/>
                 </a14:hiddenFill>
               </a:ext>
@@ -14511,7 +14579,7 @@
             </a:ln>
             <a:extLst>
               <a:ext uri="{909E8E84-426E-40dd-AFC4-6F175D3DCCD1}">
-                <a14:hiddenFill xmlns:a14="http://schemas.microsoft.com/office/drawing/2010/main" xmlns="">
+                <a14:hiddenFill xmlns="" xmlns:a14="http://schemas.microsoft.com/office/drawing/2010/main">
                   <a:noFill/>
                 </a14:hiddenFill>
               </a:ext>
@@ -14562,7 +14630,7 @@
             </a:ln>
             <a:extLst>
               <a:ext uri="{909E8E84-426E-40dd-AFC4-6F175D3DCCD1}">
-                <a14:hiddenFill xmlns:a14="http://schemas.microsoft.com/office/drawing/2010/main" xmlns="">
+                <a14:hiddenFill xmlns="" xmlns:a14="http://schemas.microsoft.com/office/drawing/2010/main">
                   <a:noFill/>
                 </a14:hiddenFill>
               </a:ext>
@@ -14613,7 +14681,7 @@
             </a:ln>
             <a:extLst>
               <a:ext uri="{909E8E84-426E-40dd-AFC4-6F175D3DCCD1}">
-                <a14:hiddenFill xmlns:a14="http://schemas.microsoft.com/office/drawing/2010/main" xmlns="">
+                <a14:hiddenFill xmlns="" xmlns:a14="http://schemas.microsoft.com/office/drawing/2010/main">
                   <a:noFill/>
                 </a14:hiddenFill>
               </a:ext>
@@ -14664,7 +14732,7 @@
             </a:ln>
             <a:extLst>
               <a:ext uri="{909E8E84-426E-40dd-AFC4-6F175D3DCCD1}">
-                <a14:hiddenFill xmlns:a14="http://schemas.microsoft.com/office/drawing/2010/main" xmlns="">
+                <a14:hiddenFill xmlns="" xmlns:a14="http://schemas.microsoft.com/office/drawing/2010/main">
                   <a:noFill/>
                 </a14:hiddenFill>
               </a:ext>
@@ -14715,7 +14783,7 @@
             </a:ln>
             <a:extLst>
               <a:ext uri="{909E8E84-426E-40dd-AFC4-6F175D3DCCD1}">
-                <a14:hiddenFill xmlns:a14="http://schemas.microsoft.com/office/drawing/2010/main" xmlns="">
+                <a14:hiddenFill xmlns="" xmlns:a14="http://schemas.microsoft.com/office/drawing/2010/main">
                   <a:noFill/>
                 </a14:hiddenFill>
               </a:ext>
@@ -14766,7 +14834,7 @@
             </a:ln>
             <a:extLst>
               <a:ext uri="{909E8E84-426E-40dd-AFC4-6F175D3DCCD1}">
-                <a14:hiddenFill xmlns:a14="http://schemas.microsoft.com/office/drawing/2010/main" xmlns="">
+                <a14:hiddenFill xmlns="" xmlns:a14="http://schemas.microsoft.com/office/drawing/2010/main">
                   <a:noFill/>
                 </a14:hiddenFill>
               </a:ext>
@@ -14817,7 +14885,7 @@
             </a:ln>
             <a:extLst>
               <a:ext uri="{909E8E84-426E-40dd-AFC4-6F175D3DCCD1}">
-                <a14:hiddenFill xmlns:a14="http://schemas.microsoft.com/office/drawing/2010/main" xmlns="">
+                <a14:hiddenFill xmlns="" xmlns:a14="http://schemas.microsoft.com/office/drawing/2010/main">
                   <a:noFill/>
                 </a14:hiddenFill>
               </a:ext>
@@ -14868,7 +14936,7 @@
             </a:ln>
             <a:extLst>
               <a:ext uri="{909E8E84-426E-40dd-AFC4-6F175D3DCCD1}">
-                <a14:hiddenFill xmlns:a14="http://schemas.microsoft.com/office/drawing/2010/main" xmlns="">
+                <a14:hiddenFill xmlns="" xmlns:a14="http://schemas.microsoft.com/office/drawing/2010/main">
                   <a:noFill/>
                 </a14:hiddenFill>
               </a:ext>
@@ -14919,7 +14987,7 @@
             </a:ln>
             <a:extLst>
               <a:ext uri="{909E8E84-426E-40dd-AFC4-6F175D3DCCD1}">
-                <a14:hiddenFill xmlns:a14="http://schemas.microsoft.com/office/drawing/2010/main" xmlns="">
+                <a14:hiddenFill xmlns="" xmlns:a14="http://schemas.microsoft.com/office/drawing/2010/main">
                   <a:noFill/>
                 </a14:hiddenFill>
               </a:ext>
@@ -14970,7 +15038,7 @@
             </a:ln>
             <a:extLst>
               <a:ext uri="{909E8E84-426E-40dd-AFC4-6F175D3DCCD1}">
-                <a14:hiddenFill xmlns:a14="http://schemas.microsoft.com/office/drawing/2010/main" xmlns="">
+                <a14:hiddenFill xmlns="" xmlns:a14="http://schemas.microsoft.com/office/drawing/2010/main">
                   <a:noFill/>
                 </a14:hiddenFill>
               </a:ext>
@@ -15021,7 +15089,7 @@
             </a:ln>
             <a:extLst>
               <a:ext uri="{909E8E84-426E-40dd-AFC4-6F175D3DCCD1}">
-                <a14:hiddenFill xmlns:a14="http://schemas.microsoft.com/office/drawing/2010/main" xmlns="">
+                <a14:hiddenFill xmlns="" xmlns:a14="http://schemas.microsoft.com/office/drawing/2010/main">
                   <a:noFill/>
                 </a14:hiddenFill>
               </a:ext>
@@ -15072,7 +15140,7 @@
             </a:ln>
             <a:extLst>
               <a:ext uri="{909E8E84-426E-40dd-AFC4-6F175D3DCCD1}">
-                <a14:hiddenFill xmlns:a14="http://schemas.microsoft.com/office/drawing/2010/main" xmlns="">
+                <a14:hiddenFill xmlns="" xmlns:a14="http://schemas.microsoft.com/office/drawing/2010/main">
                   <a:noFill/>
                 </a14:hiddenFill>
               </a:ext>
@@ -15123,7 +15191,7 @@
             </a:ln>
             <a:extLst>
               <a:ext uri="{909E8E84-426E-40dd-AFC4-6F175D3DCCD1}">
-                <a14:hiddenFill xmlns:a14="http://schemas.microsoft.com/office/drawing/2010/main" xmlns="">
+                <a14:hiddenFill xmlns="" xmlns:a14="http://schemas.microsoft.com/office/drawing/2010/main">
                   <a:noFill/>
                 </a14:hiddenFill>
               </a:ext>
@@ -15174,7 +15242,7 @@
             </a:ln>
             <a:extLst>
               <a:ext uri="{909E8E84-426E-40dd-AFC4-6F175D3DCCD1}">
-                <a14:hiddenFill xmlns:a14="http://schemas.microsoft.com/office/drawing/2010/main" xmlns="">
+                <a14:hiddenFill xmlns="" xmlns:a14="http://schemas.microsoft.com/office/drawing/2010/main">
                   <a:noFill/>
                 </a14:hiddenFill>
               </a:ext>
@@ -15225,7 +15293,7 @@
             </a:ln>
             <a:extLst>
               <a:ext uri="{909E8E84-426E-40dd-AFC4-6F175D3DCCD1}">
-                <a14:hiddenFill xmlns:a14="http://schemas.microsoft.com/office/drawing/2010/main" xmlns="">
+                <a14:hiddenFill xmlns="" xmlns:a14="http://schemas.microsoft.com/office/drawing/2010/main">
                   <a:noFill/>
                 </a14:hiddenFill>
               </a:ext>
@@ -15276,7 +15344,7 @@
             </a:ln>
             <a:extLst>
               <a:ext uri="{909E8E84-426E-40dd-AFC4-6F175D3DCCD1}">
-                <a14:hiddenFill xmlns:a14="http://schemas.microsoft.com/office/drawing/2010/main" xmlns="">
+                <a14:hiddenFill xmlns="" xmlns:a14="http://schemas.microsoft.com/office/drawing/2010/main">
                   <a:noFill/>
                 </a14:hiddenFill>
               </a:ext>
@@ -15327,7 +15395,7 @@
             </a:ln>
             <a:extLst>
               <a:ext uri="{909E8E84-426E-40dd-AFC4-6F175D3DCCD1}">
-                <a14:hiddenFill xmlns:a14="http://schemas.microsoft.com/office/drawing/2010/main" xmlns="">
+                <a14:hiddenFill xmlns="" xmlns:a14="http://schemas.microsoft.com/office/drawing/2010/main">
                   <a:noFill/>
                 </a14:hiddenFill>
               </a:ext>
@@ -15378,7 +15446,7 @@
             </a:ln>
             <a:extLst>
               <a:ext uri="{909E8E84-426E-40dd-AFC4-6F175D3DCCD1}">
-                <a14:hiddenFill xmlns:a14="http://schemas.microsoft.com/office/drawing/2010/main" xmlns="">
+                <a14:hiddenFill xmlns="" xmlns:a14="http://schemas.microsoft.com/office/drawing/2010/main">
                   <a:noFill/>
                 </a14:hiddenFill>
               </a:ext>
@@ -15429,7 +15497,7 @@
             </a:ln>
             <a:extLst>
               <a:ext uri="{909E8E84-426E-40dd-AFC4-6F175D3DCCD1}">
-                <a14:hiddenFill xmlns:a14="http://schemas.microsoft.com/office/drawing/2010/main" xmlns="">
+                <a14:hiddenFill xmlns="" xmlns:a14="http://schemas.microsoft.com/office/drawing/2010/main">
                   <a:noFill/>
                 </a14:hiddenFill>
               </a:ext>
@@ -15480,7 +15548,7 @@
             </a:ln>
             <a:extLst>
               <a:ext uri="{909E8E84-426E-40dd-AFC4-6F175D3DCCD1}">
-                <a14:hiddenFill xmlns:a14="http://schemas.microsoft.com/office/drawing/2010/main" xmlns="">
+                <a14:hiddenFill xmlns="" xmlns:a14="http://schemas.microsoft.com/office/drawing/2010/main">
                   <a:noFill/>
                 </a14:hiddenFill>
               </a:ext>
@@ -15531,7 +15599,7 @@
             </a:ln>
             <a:extLst>
               <a:ext uri="{909E8E84-426E-40dd-AFC4-6F175D3DCCD1}">
-                <a14:hiddenFill xmlns:a14="http://schemas.microsoft.com/office/drawing/2010/main" xmlns="">
+                <a14:hiddenFill xmlns="" xmlns:a14="http://schemas.microsoft.com/office/drawing/2010/main">
                   <a:noFill/>
                 </a14:hiddenFill>
               </a:ext>
@@ -15582,7 +15650,7 @@
             </a:ln>
             <a:extLst>
               <a:ext uri="{909E8E84-426E-40dd-AFC4-6F175D3DCCD1}">
-                <a14:hiddenFill xmlns:a14="http://schemas.microsoft.com/office/drawing/2010/main" xmlns="">
+                <a14:hiddenFill xmlns="" xmlns:a14="http://schemas.microsoft.com/office/drawing/2010/main">
                   <a:noFill/>
                 </a14:hiddenFill>
               </a:ext>
@@ -15633,7 +15701,7 @@
             </a:ln>
             <a:extLst>
               <a:ext uri="{909E8E84-426E-40dd-AFC4-6F175D3DCCD1}">
-                <a14:hiddenFill xmlns:a14="http://schemas.microsoft.com/office/drawing/2010/main" xmlns="">
+                <a14:hiddenFill xmlns="" xmlns:a14="http://schemas.microsoft.com/office/drawing/2010/main">
                   <a:noFill/>
                 </a14:hiddenFill>
               </a:ext>
@@ -15684,7 +15752,7 @@
             </a:ln>
             <a:extLst>
               <a:ext uri="{909E8E84-426E-40dd-AFC4-6F175D3DCCD1}">
-                <a14:hiddenFill xmlns:a14="http://schemas.microsoft.com/office/drawing/2010/main" xmlns="">
+                <a14:hiddenFill xmlns="" xmlns:a14="http://schemas.microsoft.com/office/drawing/2010/main">
                   <a:noFill/>
                 </a14:hiddenFill>
               </a:ext>
@@ -15735,7 +15803,7 @@
             </a:ln>
             <a:extLst>
               <a:ext uri="{909E8E84-426E-40dd-AFC4-6F175D3DCCD1}">
-                <a14:hiddenFill xmlns:a14="http://schemas.microsoft.com/office/drawing/2010/main" xmlns="">
+                <a14:hiddenFill xmlns="" xmlns:a14="http://schemas.microsoft.com/office/drawing/2010/main">
                   <a:noFill/>
                 </a14:hiddenFill>
               </a:ext>
@@ -15786,7 +15854,7 @@
             </a:ln>
             <a:extLst>
               <a:ext uri="{909E8E84-426E-40dd-AFC4-6F175D3DCCD1}">
-                <a14:hiddenFill xmlns:a14="http://schemas.microsoft.com/office/drawing/2010/main" xmlns="">
+                <a14:hiddenFill xmlns="" xmlns:a14="http://schemas.microsoft.com/office/drawing/2010/main">
                   <a:noFill/>
                 </a14:hiddenFill>
               </a:ext>
@@ -15837,7 +15905,7 @@
             </a:ln>
             <a:extLst>
               <a:ext uri="{909E8E84-426E-40dd-AFC4-6F175D3DCCD1}">
-                <a14:hiddenFill xmlns:a14="http://schemas.microsoft.com/office/drawing/2010/main" xmlns="">
+                <a14:hiddenFill xmlns="" xmlns:a14="http://schemas.microsoft.com/office/drawing/2010/main">
                   <a:noFill/>
                 </a14:hiddenFill>
               </a:ext>
@@ -15888,7 +15956,7 @@
             </a:ln>
             <a:extLst>
               <a:ext uri="{909E8E84-426E-40dd-AFC4-6F175D3DCCD1}">
-                <a14:hiddenFill xmlns:a14="http://schemas.microsoft.com/office/drawing/2010/main" xmlns="">
+                <a14:hiddenFill xmlns="" xmlns:a14="http://schemas.microsoft.com/office/drawing/2010/main">
                   <a:noFill/>
                 </a14:hiddenFill>
               </a:ext>
@@ -15939,7 +16007,7 @@
             </a:ln>
             <a:extLst>
               <a:ext uri="{909E8E84-426E-40dd-AFC4-6F175D3DCCD1}">
-                <a14:hiddenFill xmlns:a14="http://schemas.microsoft.com/office/drawing/2010/main" xmlns="">
+                <a14:hiddenFill xmlns="" xmlns:a14="http://schemas.microsoft.com/office/drawing/2010/main">
                   <a:noFill/>
                 </a14:hiddenFill>
               </a:ext>
@@ -15990,7 +16058,7 @@
             </a:ln>
             <a:extLst>
               <a:ext uri="{909E8E84-426E-40dd-AFC4-6F175D3DCCD1}">
-                <a14:hiddenFill xmlns:a14="http://schemas.microsoft.com/office/drawing/2010/main" xmlns="">
+                <a14:hiddenFill xmlns="" xmlns:a14="http://schemas.microsoft.com/office/drawing/2010/main">
                   <a:noFill/>
                 </a14:hiddenFill>
               </a:ext>
@@ -16041,7 +16109,7 @@
             </a:ln>
             <a:extLst>
               <a:ext uri="{909E8E84-426E-40dd-AFC4-6F175D3DCCD1}">
-                <a14:hiddenFill xmlns:a14="http://schemas.microsoft.com/office/drawing/2010/main" xmlns="">
+                <a14:hiddenFill xmlns="" xmlns:a14="http://schemas.microsoft.com/office/drawing/2010/main">
                   <a:noFill/>
                 </a14:hiddenFill>
               </a:ext>
@@ -16092,7 +16160,7 @@
             </a:ln>
             <a:extLst>
               <a:ext uri="{909E8E84-426E-40dd-AFC4-6F175D3DCCD1}">
-                <a14:hiddenFill xmlns:a14="http://schemas.microsoft.com/office/drawing/2010/main" xmlns="">
+                <a14:hiddenFill xmlns="" xmlns:a14="http://schemas.microsoft.com/office/drawing/2010/main">
                   <a:noFill/>
                 </a14:hiddenFill>
               </a:ext>
@@ -16143,7 +16211,7 @@
             </a:ln>
             <a:extLst>
               <a:ext uri="{909E8E84-426E-40dd-AFC4-6F175D3DCCD1}">
-                <a14:hiddenFill xmlns:a14="http://schemas.microsoft.com/office/drawing/2010/main" xmlns="">
+                <a14:hiddenFill xmlns="" xmlns:a14="http://schemas.microsoft.com/office/drawing/2010/main">
                   <a:noFill/>
                 </a14:hiddenFill>
               </a:ext>
@@ -16194,7 +16262,7 @@
             </a:ln>
             <a:extLst>
               <a:ext uri="{909E8E84-426E-40dd-AFC4-6F175D3DCCD1}">
-                <a14:hiddenFill xmlns:a14="http://schemas.microsoft.com/office/drawing/2010/main" xmlns="">
+                <a14:hiddenFill xmlns="" xmlns:a14="http://schemas.microsoft.com/office/drawing/2010/main">
                   <a:noFill/>
                 </a14:hiddenFill>
               </a:ext>
@@ -16245,7 +16313,7 @@
             </a:ln>
             <a:extLst>
               <a:ext uri="{909E8E84-426E-40dd-AFC4-6F175D3DCCD1}">
-                <a14:hiddenFill xmlns:a14="http://schemas.microsoft.com/office/drawing/2010/main" xmlns="">
+                <a14:hiddenFill xmlns="" xmlns:a14="http://schemas.microsoft.com/office/drawing/2010/main">
                   <a:noFill/>
                 </a14:hiddenFill>
               </a:ext>
@@ -16296,7 +16364,7 @@
             </a:ln>
             <a:extLst>
               <a:ext uri="{909E8E84-426E-40dd-AFC4-6F175D3DCCD1}">
-                <a14:hiddenFill xmlns:a14="http://schemas.microsoft.com/office/drawing/2010/main" xmlns="">
+                <a14:hiddenFill xmlns="" xmlns:a14="http://schemas.microsoft.com/office/drawing/2010/main">
                   <a:noFill/>
                 </a14:hiddenFill>
               </a:ext>
@@ -16347,7 +16415,7 @@
             </a:ln>
             <a:extLst>
               <a:ext uri="{909E8E84-426E-40dd-AFC4-6F175D3DCCD1}">
-                <a14:hiddenFill xmlns:a14="http://schemas.microsoft.com/office/drawing/2010/main" xmlns="">
+                <a14:hiddenFill xmlns="" xmlns:a14="http://schemas.microsoft.com/office/drawing/2010/main">
                   <a:noFill/>
                 </a14:hiddenFill>
               </a:ext>
@@ -16398,7 +16466,7 @@
             </a:ln>
             <a:extLst>
               <a:ext uri="{909E8E84-426E-40dd-AFC4-6F175D3DCCD1}">
-                <a14:hiddenFill xmlns:a14="http://schemas.microsoft.com/office/drawing/2010/main" xmlns="">
+                <a14:hiddenFill xmlns="" xmlns:a14="http://schemas.microsoft.com/office/drawing/2010/main">
                   <a:noFill/>
                 </a14:hiddenFill>
               </a:ext>
@@ -16449,7 +16517,7 @@
             </a:ln>
             <a:extLst>
               <a:ext uri="{909E8E84-426E-40dd-AFC4-6F175D3DCCD1}">
-                <a14:hiddenFill xmlns:a14="http://schemas.microsoft.com/office/drawing/2010/main" xmlns="">
+                <a14:hiddenFill xmlns="" xmlns:a14="http://schemas.microsoft.com/office/drawing/2010/main">
                   <a:noFill/>
                 </a14:hiddenFill>
               </a:ext>
@@ -16500,7 +16568,7 @@
             </a:ln>
             <a:extLst>
               <a:ext uri="{909E8E84-426E-40dd-AFC4-6F175D3DCCD1}">
-                <a14:hiddenFill xmlns:a14="http://schemas.microsoft.com/office/drawing/2010/main" xmlns="">
+                <a14:hiddenFill xmlns="" xmlns:a14="http://schemas.microsoft.com/office/drawing/2010/main">
                   <a:noFill/>
                 </a14:hiddenFill>
               </a:ext>
@@ -16551,7 +16619,7 @@
             </a:ln>
             <a:extLst>
               <a:ext uri="{909E8E84-426E-40dd-AFC4-6F175D3DCCD1}">
-                <a14:hiddenFill xmlns:a14="http://schemas.microsoft.com/office/drawing/2010/main" xmlns="">
+                <a14:hiddenFill xmlns="" xmlns:a14="http://schemas.microsoft.com/office/drawing/2010/main">
                   <a:noFill/>
                 </a14:hiddenFill>
               </a:ext>
@@ -16602,7 +16670,7 @@
             </a:ln>
             <a:extLst>
               <a:ext uri="{909E8E84-426E-40dd-AFC4-6F175D3DCCD1}">
-                <a14:hiddenFill xmlns:a14="http://schemas.microsoft.com/office/drawing/2010/main" xmlns="">
+                <a14:hiddenFill xmlns="" xmlns:a14="http://schemas.microsoft.com/office/drawing/2010/main">
                   <a:noFill/>
                 </a14:hiddenFill>
               </a:ext>
@@ -16653,7 +16721,7 @@
             </a:ln>
             <a:extLst>
               <a:ext uri="{909E8E84-426E-40dd-AFC4-6F175D3DCCD1}">
-                <a14:hiddenFill xmlns:a14="http://schemas.microsoft.com/office/drawing/2010/main" xmlns="">
+                <a14:hiddenFill xmlns="" xmlns:a14="http://schemas.microsoft.com/office/drawing/2010/main">
                   <a:noFill/>
                 </a14:hiddenFill>
               </a:ext>
@@ -17722,7 +17790,7 @@
             </a:ln>
             <a:extLst>
               <a:ext uri="{909E8E84-426E-40dd-AFC4-6F175D3DCCD1}">
-                <a14:hiddenFill xmlns:a14="http://schemas.microsoft.com/office/drawing/2010/main" xmlns="">
+                <a14:hiddenFill xmlns="" xmlns:a14="http://schemas.microsoft.com/office/drawing/2010/main">
                   <a:solidFill>
                     <a:srgbClr val="FFFFFF"/>
                   </a:solidFill>
@@ -17775,7 +17843,7 @@
             </a:ln>
             <a:extLst>
               <a:ext uri="{909E8E84-426E-40dd-AFC4-6F175D3DCCD1}">
-                <a14:hiddenFill xmlns:a14="http://schemas.microsoft.com/office/drawing/2010/main" xmlns="">
+                <a14:hiddenFill xmlns="" xmlns:a14="http://schemas.microsoft.com/office/drawing/2010/main">
                   <a:noFill/>
                 </a14:hiddenFill>
               </a:ext>
@@ -17826,7 +17894,7 @@
             </a:ln>
             <a:extLst>
               <a:ext uri="{909E8E84-426E-40dd-AFC4-6F175D3DCCD1}">
-                <a14:hiddenFill xmlns:a14="http://schemas.microsoft.com/office/drawing/2010/main" xmlns="">
+                <a14:hiddenFill xmlns="" xmlns:a14="http://schemas.microsoft.com/office/drawing/2010/main">
                   <a:noFill/>
                 </a14:hiddenFill>
               </a:ext>
@@ -17877,7 +17945,7 @@
             </a:ln>
             <a:extLst>
               <a:ext uri="{909E8E84-426E-40dd-AFC4-6F175D3DCCD1}">
-                <a14:hiddenFill xmlns:a14="http://schemas.microsoft.com/office/drawing/2010/main" xmlns="">
+                <a14:hiddenFill xmlns="" xmlns:a14="http://schemas.microsoft.com/office/drawing/2010/main">
                   <a:noFill/>
                 </a14:hiddenFill>
               </a:ext>
@@ -17928,7 +17996,7 @@
             </a:ln>
             <a:extLst>
               <a:ext uri="{909E8E84-426E-40dd-AFC4-6F175D3DCCD1}">
-                <a14:hiddenFill xmlns:a14="http://schemas.microsoft.com/office/drawing/2010/main" xmlns="">
+                <a14:hiddenFill xmlns="" xmlns:a14="http://schemas.microsoft.com/office/drawing/2010/main">
                   <a:noFill/>
                 </a14:hiddenFill>
               </a:ext>
@@ -17979,7 +18047,7 @@
             </a:ln>
             <a:extLst>
               <a:ext uri="{909E8E84-426E-40dd-AFC4-6F175D3DCCD1}">
-                <a14:hiddenFill xmlns:a14="http://schemas.microsoft.com/office/drawing/2010/main" xmlns="">
+                <a14:hiddenFill xmlns="" xmlns:a14="http://schemas.microsoft.com/office/drawing/2010/main">
                   <a:noFill/>
                 </a14:hiddenFill>
               </a:ext>
@@ -18030,7 +18098,7 @@
             </a:ln>
             <a:extLst>
               <a:ext uri="{909E8E84-426E-40dd-AFC4-6F175D3DCCD1}">
-                <a14:hiddenFill xmlns:a14="http://schemas.microsoft.com/office/drawing/2010/main" xmlns="">
+                <a14:hiddenFill xmlns="" xmlns:a14="http://schemas.microsoft.com/office/drawing/2010/main">
                   <a:noFill/>
                 </a14:hiddenFill>
               </a:ext>
@@ -18081,7 +18149,7 @@
             </a:ln>
             <a:extLst>
               <a:ext uri="{909E8E84-426E-40dd-AFC4-6F175D3DCCD1}">
-                <a14:hiddenFill xmlns:a14="http://schemas.microsoft.com/office/drawing/2010/main" xmlns="">
+                <a14:hiddenFill xmlns="" xmlns:a14="http://schemas.microsoft.com/office/drawing/2010/main">
                   <a:noFill/>
                 </a14:hiddenFill>
               </a:ext>
@@ -18132,7 +18200,7 @@
             </a:ln>
             <a:extLst>
               <a:ext uri="{909E8E84-426E-40dd-AFC4-6F175D3DCCD1}">
-                <a14:hiddenFill xmlns:a14="http://schemas.microsoft.com/office/drawing/2010/main" xmlns="">
+                <a14:hiddenFill xmlns="" xmlns:a14="http://schemas.microsoft.com/office/drawing/2010/main">
                   <a:noFill/>
                 </a14:hiddenFill>
               </a:ext>
@@ -18183,7 +18251,7 @@
             </a:ln>
             <a:extLst>
               <a:ext uri="{909E8E84-426E-40dd-AFC4-6F175D3DCCD1}">
-                <a14:hiddenFill xmlns:a14="http://schemas.microsoft.com/office/drawing/2010/main" xmlns="">
+                <a14:hiddenFill xmlns="" xmlns:a14="http://schemas.microsoft.com/office/drawing/2010/main">
                   <a:noFill/>
                 </a14:hiddenFill>
               </a:ext>
@@ -18234,7 +18302,7 @@
             </a:ln>
             <a:extLst>
               <a:ext uri="{909E8E84-426E-40dd-AFC4-6F175D3DCCD1}">
-                <a14:hiddenFill xmlns:a14="http://schemas.microsoft.com/office/drawing/2010/main" xmlns="">
+                <a14:hiddenFill xmlns="" xmlns:a14="http://schemas.microsoft.com/office/drawing/2010/main">
                   <a:noFill/>
                 </a14:hiddenFill>
               </a:ext>
@@ -18285,7 +18353,7 @@
             </a:ln>
             <a:extLst>
               <a:ext uri="{909E8E84-426E-40dd-AFC4-6F175D3DCCD1}">
-                <a14:hiddenFill xmlns:a14="http://schemas.microsoft.com/office/drawing/2010/main" xmlns="">
+                <a14:hiddenFill xmlns="" xmlns:a14="http://schemas.microsoft.com/office/drawing/2010/main">
                   <a:noFill/>
                 </a14:hiddenFill>
               </a:ext>
@@ -18336,7 +18404,7 @@
             </a:ln>
             <a:extLst>
               <a:ext uri="{909E8E84-426E-40dd-AFC4-6F175D3DCCD1}">
-                <a14:hiddenFill xmlns:a14="http://schemas.microsoft.com/office/drawing/2010/main" xmlns="">
+                <a14:hiddenFill xmlns="" xmlns:a14="http://schemas.microsoft.com/office/drawing/2010/main">
                   <a:noFill/>
                 </a14:hiddenFill>
               </a:ext>
@@ -18387,7 +18455,7 @@
             </a:ln>
             <a:extLst>
               <a:ext uri="{909E8E84-426E-40dd-AFC4-6F175D3DCCD1}">
-                <a14:hiddenFill xmlns:a14="http://schemas.microsoft.com/office/drawing/2010/main" xmlns="">
+                <a14:hiddenFill xmlns="" xmlns:a14="http://schemas.microsoft.com/office/drawing/2010/main">
                   <a:noFill/>
                 </a14:hiddenFill>
               </a:ext>
@@ -18438,7 +18506,7 @@
             </a:ln>
             <a:extLst>
               <a:ext uri="{909E8E84-426E-40dd-AFC4-6F175D3DCCD1}">
-                <a14:hiddenFill xmlns:a14="http://schemas.microsoft.com/office/drawing/2010/main" xmlns="">
+                <a14:hiddenFill xmlns="" xmlns:a14="http://schemas.microsoft.com/office/drawing/2010/main">
                   <a:noFill/>
                 </a14:hiddenFill>
               </a:ext>
@@ -18489,7 +18557,7 @@
             </a:ln>
             <a:extLst>
               <a:ext uri="{909E8E84-426E-40dd-AFC4-6F175D3DCCD1}">
-                <a14:hiddenFill xmlns:a14="http://schemas.microsoft.com/office/drawing/2010/main" xmlns="">
+                <a14:hiddenFill xmlns="" xmlns:a14="http://schemas.microsoft.com/office/drawing/2010/main">
                   <a:noFill/>
                 </a14:hiddenFill>
               </a:ext>
@@ -18540,7 +18608,7 @@
             </a:ln>
             <a:extLst>
               <a:ext uri="{909E8E84-426E-40dd-AFC4-6F175D3DCCD1}">
-                <a14:hiddenFill xmlns:a14="http://schemas.microsoft.com/office/drawing/2010/main" xmlns="">
+                <a14:hiddenFill xmlns="" xmlns:a14="http://schemas.microsoft.com/office/drawing/2010/main">
                   <a:noFill/>
                 </a14:hiddenFill>
               </a:ext>
@@ -18591,7 +18659,7 @@
             </a:ln>
             <a:extLst>
               <a:ext uri="{909E8E84-426E-40dd-AFC4-6F175D3DCCD1}">
-                <a14:hiddenFill xmlns:a14="http://schemas.microsoft.com/office/drawing/2010/main" xmlns="">
+                <a14:hiddenFill xmlns="" xmlns:a14="http://schemas.microsoft.com/office/drawing/2010/main">
                   <a:noFill/>
                 </a14:hiddenFill>
               </a:ext>
@@ -18642,7 +18710,7 @@
             </a:ln>
             <a:extLst>
               <a:ext uri="{909E8E84-426E-40dd-AFC4-6F175D3DCCD1}">
-                <a14:hiddenFill xmlns:a14="http://schemas.microsoft.com/office/drawing/2010/main" xmlns="">
+                <a14:hiddenFill xmlns="" xmlns:a14="http://schemas.microsoft.com/office/drawing/2010/main">
                   <a:noFill/>
                 </a14:hiddenFill>
               </a:ext>
@@ -18693,7 +18761,7 @@
             </a:ln>
             <a:extLst>
               <a:ext uri="{909E8E84-426E-40dd-AFC4-6F175D3DCCD1}">
-                <a14:hiddenFill xmlns:a14="http://schemas.microsoft.com/office/drawing/2010/main" xmlns="">
+                <a14:hiddenFill xmlns="" xmlns:a14="http://schemas.microsoft.com/office/drawing/2010/main">
                   <a:noFill/>
                 </a14:hiddenFill>
               </a:ext>
@@ -18744,7 +18812,7 @@
             </a:ln>
             <a:extLst>
               <a:ext uri="{909E8E84-426E-40dd-AFC4-6F175D3DCCD1}">
-                <a14:hiddenFill xmlns:a14="http://schemas.microsoft.com/office/drawing/2010/main" xmlns="">
+                <a14:hiddenFill xmlns="" xmlns:a14="http://schemas.microsoft.com/office/drawing/2010/main">
                   <a:noFill/>
                 </a14:hiddenFill>
               </a:ext>
@@ -18795,7 +18863,7 @@
             </a:ln>
             <a:extLst>
               <a:ext uri="{909E8E84-426E-40dd-AFC4-6F175D3DCCD1}">
-                <a14:hiddenFill xmlns:a14="http://schemas.microsoft.com/office/drawing/2010/main" xmlns="">
+                <a14:hiddenFill xmlns="" xmlns:a14="http://schemas.microsoft.com/office/drawing/2010/main">
                   <a:noFill/>
                 </a14:hiddenFill>
               </a:ext>
@@ -18846,7 +18914,7 @@
             </a:ln>
             <a:extLst>
               <a:ext uri="{909E8E84-426E-40dd-AFC4-6F175D3DCCD1}">
-                <a14:hiddenFill xmlns:a14="http://schemas.microsoft.com/office/drawing/2010/main" xmlns="">
+                <a14:hiddenFill xmlns="" xmlns:a14="http://schemas.microsoft.com/office/drawing/2010/main">
                   <a:noFill/>
                 </a14:hiddenFill>
               </a:ext>
@@ -18897,7 +18965,7 @@
             </a:ln>
             <a:extLst>
               <a:ext uri="{909E8E84-426E-40dd-AFC4-6F175D3DCCD1}">
-                <a14:hiddenFill xmlns:a14="http://schemas.microsoft.com/office/drawing/2010/main" xmlns="">
+                <a14:hiddenFill xmlns="" xmlns:a14="http://schemas.microsoft.com/office/drawing/2010/main">
                   <a:noFill/>
                 </a14:hiddenFill>
               </a:ext>
@@ -18948,7 +19016,7 @@
             </a:ln>
             <a:extLst>
               <a:ext uri="{909E8E84-426E-40dd-AFC4-6F175D3DCCD1}">
-                <a14:hiddenFill xmlns:a14="http://schemas.microsoft.com/office/drawing/2010/main" xmlns="">
+                <a14:hiddenFill xmlns="" xmlns:a14="http://schemas.microsoft.com/office/drawing/2010/main">
                   <a:noFill/>
                 </a14:hiddenFill>
               </a:ext>
@@ -18999,7 +19067,7 @@
             </a:ln>
             <a:extLst>
               <a:ext uri="{909E8E84-426E-40dd-AFC4-6F175D3DCCD1}">
-                <a14:hiddenFill xmlns:a14="http://schemas.microsoft.com/office/drawing/2010/main" xmlns="">
+                <a14:hiddenFill xmlns="" xmlns:a14="http://schemas.microsoft.com/office/drawing/2010/main">
                   <a:noFill/>
                 </a14:hiddenFill>
               </a:ext>
@@ -19050,7 +19118,7 @@
             </a:ln>
             <a:extLst>
               <a:ext uri="{909E8E84-426E-40dd-AFC4-6F175D3DCCD1}">
-                <a14:hiddenFill xmlns:a14="http://schemas.microsoft.com/office/drawing/2010/main" xmlns="">
+                <a14:hiddenFill xmlns="" xmlns:a14="http://schemas.microsoft.com/office/drawing/2010/main">
                   <a:noFill/>
                 </a14:hiddenFill>
               </a:ext>
@@ -19101,7 +19169,7 @@
             </a:ln>
             <a:extLst>
               <a:ext uri="{909E8E84-426E-40dd-AFC4-6F175D3DCCD1}">
-                <a14:hiddenFill xmlns:a14="http://schemas.microsoft.com/office/drawing/2010/main" xmlns="">
+                <a14:hiddenFill xmlns="" xmlns:a14="http://schemas.microsoft.com/office/drawing/2010/main">
                   <a:noFill/>
                 </a14:hiddenFill>
               </a:ext>
@@ -19152,7 +19220,7 @@
             </a:ln>
             <a:extLst>
               <a:ext uri="{909E8E84-426E-40dd-AFC4-6F175D3DCCD1}">
-                <a14:hiddenFill xmlns:a14="http://schemas.microsoft.com/office/drawing/2010/main" xmlns="">
+                <a14:hiddenFill xmlns="" xmlns:a14="http://schemas.microsoft.com/office/drawing/2010/main">
                   <a:noFill/>
                 </a14:hiddenFill>
               </a:ext>
@@ -19203,7 +19271,7 @@
             </a:ln>
             <a:extLst>
               <a:ext uri="{909E8E84-426E-40dd-AFC4-6F175D3DCCD1}">
-                <a14:hiddenFill xmlns:a14="http://schemas.microsoft.com/office/drawing/2010/main" xmlns="">
+                <a14:hiddenFill xmlns="" xmlns:a14="http://schemas.microsoft.com/office/drawing/2010/main">
                   <a:noFill/>
                 </a14:hiddenFill>
               </a:ext>
@@ -19254,7 +19322,7 @@
             </a:ln>
             <a:extLst>
               <a:ext uri="{909E8E84-426E-40dd-AFC4-6F175D3DCCD1}">
-                <a14:hiddenFill xmlns:a14="http://schemas.microsoft.com/office/drawing/2010/main" xmlns="">
+                <a14:hiddenFill xmlns="" xmlns:a14="http://schemas.microsoft.com/office/drawing/2010/main">
                   <a:noFill/>
                 </a14:hiddenFill>
               </a:ext>
@@ -19305,7 +19373,7 @@
             </a:ln>
             <a:extLst>
               <a:ext uri="{909E8E84-426E-40dd-AFC4-6F175D3DCCD1}">
-                <a14:hiddenFill xmlns:a14="http://schemas.microsoft.com/office/drawing/2010/main" xmlns="">
+                <a14:hiddenFill xmlns="" xmlns:a14="http://schemas.microsoft.com/office/drawing/2010/main">
                   <a:noFill/>
                 </a14:hiddenFill>
               </a:ext>
@@ -19356,7 +19424,7 @@
             </a:ln>
             <a:extLst>
               <a:ext uri="{909E8E84-426E-40dd-AFC4-6F175D3DCCD1}">
-                <a14:hiddenFill xmlns:a14="http://schemas.microsoft.com/office/drawing/2010/main" xmlns="">
+                <a14:hiddenFill xmlns="" xmlns:a14="http://schemas.microsoft.com/office/drawing/2010/main">
                   <a:noFill/>
                 </a14:hiddenFill>
               </a:ext>
@@ -19407,7 +19475,7 @@
             </a:ln>
             <a:extLst>
               <a:ext uri="{909E8E84-426E-40dd-AFC4-6F175D3DCCD1}">
-                <a14:hiddenFill xmlns:a14="http://schemas.microsoft.com/office/drawing/2010/main" xmlns="">
+                <a14:hiddenFill xmlns="" xmlns:a14="http://schemas.microsoft.com/office/drawing/2010/main">
                   <a:noFill/>
                 </a14:hiddenFill>
               </a:ext>
@@ -19458,7 +19526,7 @@
             </a:ln>
             <a:extLst>
               <a:ext uri="{909E8E84-426E-40dd-AFC4-6F175D3DCCD1}">
-                <a14:hiddenFill xmlns:a14="http://schemas.microsoft.com/office/drawing/2010/main" xmlns="">
+                <a14:hiddenFill xmlns="" xmlns:a14="http://schemas.microsoft.com/office/drawing/2010/main">
                   <a:noFill/>
                 </a14:hiddenFill>
               </a:ext>
@@ -19509,7 +19577,7 @@
             </a:ln>
             <a:extLst>
               <a:ext uri="{909E8E84-426E-40dd-AFC4-6F175D3DCCD1}">
-                <a14:hiddenFill xmlns:a14="http://schemas.microsoft.com/office/drawing/2010/main" xmlns="">
+                <a14:hiddenFill xmlns="" xmlns:a14="http://schemas.microsoft.com/office/drawing/2010/main">
                   <a:noFill/>
                 </a14:hiddenFill>
               </a:ext>
@@ -19560,7 +19628,7 @@
             </a:ln>
             <a:extLst>
               <a:ext uri="{909E8E84-426E-40dd-AFC4-6F175D3DCCD1}">
-                <a14:hiddenFill xmlns:a14="http://schemas.microsoft.com/office/drawing/2010/main" xmlns="">
+                <a14:hiddenFill xmlns="" xmlns:a14="http://schemas.microsoft.com/office/drawing/2010/main">
                   <a:noFill/>
                 </a14:hiddenFill>
               </a:ext>
@@ -19611,7 +19679,7 @@
             </a:ln>
             <a:extLst>
               <a:ext uri="{909E8E84-426E-40dd-AFC4-6F175D3DCCD1}">
-                <a14:hiddenFill xmlns:a14="http://schemas.microsoft.com/office/drawing/2010/main" xmlns="">
+                <a14:hiddenFill xmlns="" xmlns:a14="http://schemas.microsoft.com/office/drawing/2010/main">
                   <a:noFill/>
                 </a14:hiddenFill>
               </a:ext>
@@ -19662,7 +19730,7 @@
             </a:ln>
             <a:extLst>
               <a:ext uri="{909E8E84-426E-40dd-AFC4-6F175D3DCCD1}">
-                <a14:hiddenFill xmlns:a14="http://schemas.microsoft.com/office/drawing/2010/main" xmlns="">
+                <a14:hiddenFill xmlns="" xmlns:a14="http://schemas.microsoft.com/office/drawing/2010/main">
                   <a:noFill/>
                 </a14:hiddenFill>
               </a:ext>
@@ -19713,7 +19781,7 @@
             </a:ln>
             <a:extLst>
               <a:ext uri="{909E8E84-426E-40dd-AFC4-6F175D3DCCD1}">
-                <a14:hiddenFill xmlns:a14="http://schemas.microsoft.com/office/drawing/2010/main" xmlns="">
+                <a14:hiddenFill xmlns="" xmlns:a14="http://schemas.microsoft.com/office/drawing/2010/main">
                   <a:noFill/>
                 </a14:hiddenFill>
               </a:ext>
@@ -19764,7 +19832,7 @@
             </a:ln>
             <a:extLst>
               <a:ext uri="{909E8E84-426E-40dd-AFC4-6F175D3DCCD1}">
-                <a14:hiddenFill xmlns:a14="http://schemas.microsoft.com/office/drawing/2010/main" xmlns="">
+                <a14:hiddenFill xmlns="" xmlns:a14="http://schemas.microsoft.com/office/drawing/2010/main">
                   <a:noFill/>
                 </a14:hiddenFill>
               </a:ext>
@@ -19815,7 +19883,7 @@
             </a:ln>
             <a:extLst>
               <a:ext uri="{909E8E84-426E-40dd-AFC4-6F175D3DCCD1}">
-                <a14:hiddenFill xmlns:a14="http://schemas.microsoft.com/office/drawing/2010/main" xmlns="">
+                <a14:hiddenFill xmlns="" xmlns:a14="http://schemas.microsoft.com/office/drawing/2010/main">
                   <a:noFill/>
                 </a14:hiddenFill>
               </a:ext>
@@ -19866,7 +19934,7 @@
             </a:ln>
             <a:extLst>
               <a:ext uri="{909E8E84-426E-40dd-AFC4-6F175D3DCCD1}">
-                <a14:hiddenFill xmlns:a14="http://schemas.microsoft.com/office/drawing/2010/main" xmlns="">
+                <a14:hiddenFill xmlns="" xmlns:a14="http://schemas.microsoft.com/office/drawing/2010/main">
                   <a:noFill/>
                 </a14:hiddenFill>
               </a:ext>
@@ -19917,7 +19985,7 @@
             </a:ln>
             <a:extLst>
               <a:ext uri="{909E8E84-426E-40dd-AFC4-6F175D3DCCD1}">
-                <a14:hiddenFill xmlns:a14="http://schemas.microsoft.com/office/drawing/2010/main" xmlns="">
+                <a14:hiddenFill xmlns="" xmlns:a14="http://schemas.microsoft.com/office/drawing/2010/main">
                   <a:noFill/>
                 </a14:hiddenFill>
               </a:ext>
@@ -19968,7 +20036,7 @@
             </a:ln>
             <a:extLst>
               <a:ext uri="{909E8E84-426E-40dd-AFC4-6F175D3DCCD1}">
-                <a14:hiddenFill xmlns:a14="http://schemas.microsoft.com/office/drawing/2010/main" xmlns="">
+                <a14:hiddenFill xmlns="" xmlns:a14="http://schemas.microsoft.com/office/drawing/2010/main">
                   <a:noFill/>
                 </a14:hiddenFill>
               </a:ext>
@@ -20019,7 +20087,7 @@
             </a:ln>
             <a:extLst>
               <a:ext uri="{909E8E84-426E-40dd-AFC4-6F175D3DCCD1}">
-                <a14:hiddenFill xmlns:a14="http://schemas.microsoft.com/office/drawing/2010/main" xmlns="">
+                <a14:hiddenFill xmlns="" xmlns:a14="http://schemas.microsoft.com/office/drawing/2010/main">
                   <a:noFill/>
                 </a14:hiddenFill>
               </a:ext>
@@ -20070,7 +20138,7 @@
             </a:ln>
             <a:extLst>
               <a:ext uri="{909E8E84-426E-40dd-AFC4-6F175D3DCCD1}">
-                <a14:hiddenFill xmlns:a14="http://schemas.microsoft.com/office/drawing/2010/main" xmlns="">
+                <a14:hiddenFill xmlns="" xmlns:a14="http://schemas.microsoft.com/office/drawing/2010/main">
                   <a:noFill/>
                 </a14:hiddenFill>
               </a:ext>
@@ -20121,7 +20189,7 @@
             </a:ln>
             <a:extLst>
               <a:ext uri="{909E8E84-426E-40dd-AFC4-6F175D3DCCD1}">
-                <a14:hiddenFill xmlns:a14="http://schemas.microsoft.com/office/drawing/2010/main" xmlns="">
+                <a14:hiddenFill xmlns="" xmlns:a14="http://schemas.microsoft.com/office/drawing/2010/main">
                   <a:noFill/>
                 </a14:hiddenFill>
               </a:ext>
@@ -20172,7 +20240,7 @@
             </a:ln>
             <a:extLst>
               <a:ext uri="{909E8E84-426E-40dd-AFC4-6F175D3DCCD1}">
-                <a14:hiddenFill xmlns:a14="http://schemas.microsoft.com/office/drawing/2010/main" xmlns="">
+                <a14:hiddenFill xmlns="" xmlns:a14="http://schemas.microsoft.com/office/drawing/2010/main">
                   <a:noFill/>
                 </a14:hiddenFill>
               </a:ext>
@@ -20223,7 +20291,7 @@
             </a:ln>
             <a:extLst>
               <a:ext uri="{909E8E84-426E-40dd-AFC4-6F175D3DCCD1}">
-                <a14:hiddenFill xmlns:a14="http://schemas.microsoft.com/office/drawing/2010/main" xmlns="">
+                <a14:hiddenFill xmlns="" xmlns:a14="http://schemas.microsoft.com/office/drawing/2010/main">
                   <a:noFill/>
                 </a14:hiddenFill>
               </a:ext>
@@ -20274,7 +20342,7 @@
             </a:ln>
             <a:extLst>
               <a:ext uri="{909E8E84-426E-40dd-AFC4-6F175D3DCCD1}">
-                <a14:hiddenFill xmlns:a14="http://schemas.microsoft.com/office/drawing/2010/main" xmlns="">
+                <a14:hiddenFill xmlns="" xmlns:a14="http://schemas.microsoft.com/office/drawing/2010/main">
                   <a:noFill/>
                 </a14:hiddenFill>
               </a:ext>
@@ -20325,7 +20393,7 @@
             </a:ln>
             <a:extLst>
               <a:ext uri="{909E8E84-426E-40dd-AFC4-6F175D3DCCD1}">
-                <a14:hiddenFill xmlns:a14="http://schemas.microsoft.com/office/drawing/2010/main" xmlns="">
+                <a14:hiddenFill xmlns="" xmlns:a14="http://schemas.microsoft.com/office/drawing/2010/main">
                   <a:noFill/>
                 </a14:hiddenFill>
               </a:ext>
@@ -20376,7 +20444,7 @@
             </a:ln>
             <a:extLst>
               <a:ext uri="{909E8E84-426E-40dd-AFC4-6F175D3DCCD1}">
-                <a14:hiddenFill xmlns:a14="http://schemas.microsoft.com/office/drawing/2010/main" xmlns="">
+                <a14:hiddenFill xmlns="" xmlns:a14="http://schemas.microsoft.com/office/drawing/2010/main">
                   <a:noFill/>
                 </a14:hiddenFill>
               </a:ext>
@@ -20427,7 +20495,7 @@
             </a:ln>
             <a:extLst>
               <a:ext uri="{909E8E84-426E-40dd-AFC4-6F175D3DCCD1}">
-                <a14:hiddenFill xmlns:a14="http://schemas.microsoft.com/office/drawing/2010/main" xmlns="">
+                <a14:hiddenFill xmlns="" xmlns:a14="http://schemas.microsoft.com/office/drawing/2010/main">
                   <a:noFill/>
                 </a14:hiddenFill>
               </a:ext>
@@ -20478,7 +20546,7 @@
             </a:ln>
             <a:extLst>
               <a:ext uri="{909E8E84-426E-40dd-AFC4-6F175D3DCCD1}">
-                <a14:hiddenFill xmlns:a14="http://schemas.microsoft.com/office/drawing/2010/main" xmlns="">
+                <a14:hiddenFill xmlns="" xmlns:a14="http://schemas.microsoft.com/office/drawing/2010/main">
                   <a:noFill/>
                 </a14:hiddenFill>
               </a:ext>
@@ -20529,7 +20597,7 @@
             </a:ln>
             <a:extLst>
               <a:ext uri="{909E8E84-426E-40dd-AFC4-6F175D3DCCD1}">
-                <a14:hiddenFill xmlns:a14="http://schemas.microsoft.com/office/drawing/2010/main" xmlns="">
+                <a14:hiddenFill xmlns="" xmlns:a14="http://schemas.microsoft.com/office/drawing/2010/main">
                   <a:noFill/>
                 </a14:hiddenFill>
               </a:ext>
@@ -20580,7 +20648,7 @@
             </a:ln>
             <a:extLst>
               <a:ext uri="{909E8E84-426E-40dd-AFC4-6F175D3DCCD1}">
-                <a14:hiddenFill xmlns:a14="http://schemas.microsoft.com/office/drawing/2010/main" xmlns="">
+                <a14:hiddenFill xmlns="" xmlns:a14="http://schemas.microsoft.com/office/drawing/2010/main">
                   <a:noFill/>
                 </a14:hiddenFill>
               </a:ext>
@@ -20631,7 +20699,7 @@
             </a:ln>
             <a:extLst>
               <a:ext uri="{909E8E84-426E-40dd-AFC4-6F175D3DCCD1}">
-                <a14:hiddenFill xmlns:a14="http://schemas.microsoft.com/office/drawing/2010/main" xmlns="">
+                <a14:hiddenFill xmlns="" xmlns:a14="http://schemas.microsoft.com/office/drawing/2010/main">
                   <a:noFill/>
                 </a14:hiddenFill>
               </a:ext>
@@ -20682,7 +20750,7 @@
             </a:ln>
             <a:extLst>
               <a:ext uri="{909E8E84-426E-40dd-AFC4-6F175D3DCCD1}">
-                <a14:hiddenFill xmlns:a14="http://schemas.microsoft.com/office/drawing/2010/main" xmlns="">
+                <a14:hiddenFill xmlns="" xmlns:a14="http://schemas.microsoft.com/office/drawing/2010/main">
                   <a:noFill/>
                 </a14:hiddenFill>
               </a:ext>
@@ -20733,7 +20801,7 @@
             </a:ln>
             <a:extLst>
               <a:ext uri="{909E8E84-426E-40dd-AFC4-6F175D3DCCD1}">
-                <a14:hiddenFill xmlns:a14="http://schemas.microsoft.com/office/drawing/2010/main" xmlns="">
+                <a14:hiddenFill xmlns="" xmlns:a14="http://schemas.microsoft.com/office/drawing/2010/main">
                   <a:noFill/>
                 </a14:hiddenFill>
               </a:ext>
@@ -20784,7 +20852,7 @@
             </a:ln>
             <a:extLst>
               <a:ext uri="{909E8E84-426E-40dd-AFC4-6F175D3DCCD1}">
-                <a14:hiddenFill xmlns:a14="http://schemas.microsoft.com/office/drawing/2010/main" xmlns="">
+                <a14:hiddenFill xmlns="" xmlns:a14="http://schemas.microsoft.com/office/drawing/2010/main">
                   <a:noFill/>
                 </a14:hiddenFill>
               </a:ext>
@@ -20835,7 +20903,7 @@
             </a:ln>
             <a:extLst>
               <a:ext uri="{909E8E84-426E-40dd-AFC4-6F175D3DCCD1}">
-                <a14:hiddenFill xmlns:a14="http://schemas.microsoft.com/office/drawing/2010/main" xmlns="">
+                <a14:hiddenFill xmlns="" xmlns:a14="http://schemas.microsoft.com/office/drawing/2010/main">
                   <a:noFill/>
                 </a14:hiddenFill>
               </a:ext>
@@ -20886,7 +20954,7 @@
             </a:ln>
             <a:extLst>
               <a:ext uri="{909E8E84-426E-40dd-AFC4-6F175D3DCCD1}">
-                <a14:hiddenFill xmlns:a14="http://schemas.microsoft.com/office/drawing/2010/main" xmlns="">
+                <a14:hiddenFill xmlns="" xmlns:a14="http://schemas.microsoft.com/office/drawing/2010/main">
                   <a:noFill/>
                 </a14:hiddenFill>
               </a:ext>
@@ -20937,7 +21005,7 @@
             </a:ln>
             <a:extLst>
               <a:ext uri="{909E8E84-426E-40dd-AFC4-6F175D3DCCD1}">
-                <a14:hiddenFill xmlns:a14="http://schemas.microsoft.com/office/drawing/2010/main" xmlns="">
+                <a14:hiddenFill xmlns="" xmlns:a14="http://schemas.microsoft.com/office/drawing/2010/main">
                   <a:noFill/>
                 </a14:hiddenFill>
               </a:ext>
@@ -20988,7 +21056,7 @@
             </a:ln>
             <a:extLst>
               <a:ext uri="{909E8E84-426E-40dd-AFC4-6F175D3DCCD1}">
-                <a14:hiddenFill xmlns:a14="http://schemas.microsoft.com/office/drawing/2010/main" xmlns="">
+                <a14:hiddenFill xmlns="" xmlns:a14="http://schemas.microsoft.com/office/drawing/2010/main">
                   <a:noFill/>
                 </a14:hiddenFill>
               </a:ext>
@@ -21039,7 +21107,7 @@
             </a:ln>
             <a:extLst>
               <a:ext uri="{909E8E84-426E-40dd-AFC4-6F175D3DCCD1}">
-                <a14:hiddenFill xmlns:a14="http://schemas.microsoft.com/office/drawing/2010/main" xmlns="">
+                <a14:hiddenFill xmlns="" xmlns:a14="http://schemas.microsoft.com/office/drawing/2010/main">
                   <a:noFill/>
                 </a14:hiddenFill>
               </a:ext>
@@ -21090,7 +21158,7 @@
             </a:ln>
             <a:extLst>
               <a:ext uri="{909E8E84-426E-40dd-AFC4-6F175D3DCCD1}">
-                <a14:hiddenFill xmlns:a14="http://schemas.microsoft.com/office/drawing/2010/main" xmlns="">
+                <a14:hiddenFill xmlns="" xmlns:a14="http://schemas.microsoft.com/office/drawing/2010/main">
                   <a:noFill/>
                 </a14:hiddenFill>
               </a:ext>
@@ -21141,7 +21209,7 @@
             </a:ln>
             <a:extLst>
               <a:ext uri="{909E8E84-426E-40dd-AFC4-6F175D3DCCD1}">
-                <a14:hiddenFill xmlns:a14="http://schemas.microsoft.com/office/drawing/2010/main" xmlns="">
+                <a14:hiddenFill xmlns="" xmlns:a14="http://schemas.microsoft.com/office/drawing/2010/main">
                   <a:noFill/>
                 </a14:hiddenFill>
               </a:ext>
@@ -21192,7 +21260,7 @@
             </a:ln>
             <a:extLst>
               <a:ext uri="{909E8E84-426E-40dd-AFC4-6F175D3DCCD1}">
-                <a14:hiddenFill xmlns:a14="http://schemas.microsoft.com/office/drawing/2010/main" xmlns="">
+                <a14:hiddenFill xmlns="" xmlns:a14="http://schemas.microsoft.com/office/drawing/2010/main">
                   <a:noFill/>
                 </a14:hiddenFill>
               </a:ext>
@@ -22042,7 +22110,7 @@
             </a:ln>
             <a:extLst>
               <a:ext uri="{91240B29-F687-4f45-9708-019B960494DF}">
-                <a14:hiddenLine xmlns:a14="http://schemas.microsoft.com/office/drawing/2010/main" xmlns="" w="9525">
+                <a14:hiddenLine xmlns="" xmlns:a14="http://schemas.microsoft.com/office/drawing/2010/main" w="9525">
                   <a:solidFill>
                     <a:srgbClr val="000000"/>
                   </a:solidFill>
@@ -22714,7 +22782,7 @@
             </a:ln>
             <a:extLst>
               <a:ext uri="{91240B29-F687-4f45-9708-019B960494DF}">
-                <a14:hiddenLine xmlns:a14="http://schemas.microsoft.com/office/drawing/2010/main" xmlns="" w="9525">
+                <a14:hiddenLine xmlns="" xmlns:a14="http://schemas.microsoft.com/office/drawing/2010/main" w="9525">
                   <a:solidFill>
                     <a:srgbClr val="000000"/>
                   </a:solidFill>
@@ -22834,7 +22902,7 @@
             </a:ln>
             <a:extLst>
               <a:ext uri="{909E8E84-426E-40dd-AFC4-6F175D3DCCD1}">
-                <a14:hiddenFill xmlns:a14="http://schemas.microsoft.com/office/drawing/2010/main" xmlns="">
+                <a14:hiddenFill xmlns="" xmlns:a14="http://schemas.microsoft.com/office/drawing/2010/main">
                   <a:solidFill>
                     <a:srgbClr val="FFFFFF"/>
                   </a:solidFill>
@@ -22887,7 +22955,7 @@
             </a:ln>
             <a:extLst>
               <a:ext uri="{909E8E84-426E-40dd-AFC4-6F175D3DCCD1}">
-                <a14:hiddenFill xmlns:a14="http://schemas.microsoft.com/office/drawing/2010/main" xmlns="">
+                <a14:hiddenFill xmlns="" xmlns:a14="http://schemas.microsoft.com/office/drawing/2010/main">
                   <a:noFill/>
                 </a14:hiddenFill>
               </a:ext>
@@ -22938,7 +23006,7 @@
             </a:ln>
             <a:extLst>
               <a:ext uri="{909E8E84-426E-40dd-AFC4-6F175D3DCCD1}">
-                <a14:hiddenFill xmlns:a14="http://schemas.microsoft.com/office/drawing/2010/main" xmlns="">
+                <a14:hiddenFill xmlns="" xmlns:a14="http://schemas.microsoft.com/office/drawing/2010/main">
                   <a:noFill/>
                 </a14:hiddenFill>
               </a:ext>
@@ -22989,7 +23057,7 @@
             </a:ln>
             <a:extLst>
               <a:ext uri="{909E8E84-426E-40dd-AFC4-6F175D3DCCD1}">
-                <a14:hiddenFill xmlns:a14="http://schemas.microsoft.com/office/drawing/2010/main" xmlns="">
+                <a14:hiddenFill xmlns="" xmlns:a14="http://schemas.microsoft.com/office/drawing/2010/main">
                   <a:noFill/>
                 </a14:hiddenFill>
               </a:ext>
@@ -23040,7 +23108,7 @@
             </a:ln>
             <a:extLst>
               <a:ext uri="{909E8E84-426E-40dd-AFC4-6F175D3DCCD1}">
-                <a14:hiddenFill xmlns:a14="http://schemas.microsoft.com/office/drawing/2010/main" xmlns="">
+                <a14:hiddenFill xmlns="" xmlns:a14="http://schemas.microsoft.com/office/drawing/2010/main">
                   <a:noFill/>
                 </a14:hiddenFill>
               </a:ext>
@@ -23091,7 +23159,7 @@
             </a:ln>
             <a:extLst>
               <a:ext uri="{909E8E84-426E-40dd-AFC4-6F175D3DCCD1}">
-                <a14:hiddenFill xmlns:a14="http://schemas.microsoft.com/office/drawing/2010/main" xmlns="">
+                <a14:hiddenFill xmlns="" xmlns:a14="http://schemas.microsoft.com/office/drawing/2010/main">
                   <a:noFill/>
                 </a14:hiddenFill>
               </a:ext>
@@ -23142,7 +23210,7 @@
             </a:ln>
             <a:extLst>
               <a:ext uri="{909E8E84-426E-40dd-AFC4-6F175D3DCCD1}">
-                <a14:hiddenFill xmlns:a14="http://schemas.microsoft.com/office/drawing/2010/main" xmlns="">
+                <a14:hiddenFill xmlns="" xmlns:a14="http://schemas.microsoft.com/office/drawing/2010/main">
                   <a:noFill/>
                 </a14:hiddenFill>
               </a:ext>
@@ -23193,7 +23261,7 @@
             </a:ln>
             <a:extLst>
               <a:ext uri="{909E8E84-426E-40dd-AFC4-6F175D3DCCD1}">
-                <a14:hiddenFill xmlns:a14="http://schemas.microsoft.com/office/drawing/2010/main" xmlns="">
+                <a14:hiddenFill xmlns="" xmlns:a14="http://schemas.microsoft.com/office/drawing/2010/main">
                   <a:noFill/>
                 </a14:hiddenFill>
               </a:ext>
@@ -23244,7 +23312,7 @@
             </a:ln>
             <a:extLst>
               <a:ext uri="{909E8E84-426E-40dd-AFC4-6F175D3DCCD1}">
-                <a14:hiddenFill xmlns:a14="http://schemas.microsoft.com/office/drawing/2010/main" xmlns="">
+                <a14:hiddenFill xmlns="" xmlns:a14="http://schemas.microsoft.com/office/drawing/2010/main">
                   <a:noFill/>
                 </a14:hiddenFill>
               </a:ext>
@@ -23295,7 +23363,7 @@
             </a:ln>
             <a:extLst>
               <a:ext uri="{909E8E84-426E-40dd-AFC4-6F175D3DCCD1}">
-                <a14:hiddenFill xmlns:a14="http://schemas.microsoft.com/office/drawing/2010/main" xmlns="">
+                <a14:hiddenFill xmlns="" xmlns:a14="http://schemas.microsoft.com/office/drawing/2010/main">
                   <a:noFill/>
                 </a14:hiddenFill>
               </a:ext>
@@ -23346,7 +23414,7 @@
             </a:ln>
             <a:extLst>
               <a:ext uri="{909E8E84-426E-40dd-AFC4-6F175D3DCCD1}">
-                <a14:hiddenFill xmlns:a14="http://schemas.microsoft.com/office/drawing/2010/main" xmlns="">
+                <a14:hiddenFill xmlns="" xmlns:a14="http://schemas.microsoft.com/office/drawing/2010/main">
                   <a:noFill/>
                 </a14:hiddenFill>
               </a:ext>
@@ -23397,7 +23465,7 @@
             </a:ln>
             <a:extLst>
               <a:ext uri="{909E8E84-426E-40dd-AFC4-6F175D3DCCD1}">
-                <a14:hiddenFill xmlns:a14="http://schemas.microsoft.com/office/drawing/2010/main" xmlns="">
+                <a14:hiddenFill xmlns="" xmlns:a14="http://schemas.microsoft.com/office/drawing/2010/main">
                   <a:noFill/>
                 </a14:hiddenFill>
               </a:ext>
@@ -23448,7 +23516,7 @@
             </a:ln>
             <a:extLst>
               <a:ext uri="{909E8E84-426E-40dd-AFC4-6F175D3DCCD1}">
-                <a14:hiddenFill xmlns:a14="http://schemas.microsoft.com/office/drawing/2010/main" xmlns="">
+                <a14:hiddenFill xmlns="" xmlns:a14="http://schemas.microsoft.com/office/drawing/2010/main">
                   <a:noFill/>
                 </a14:hiddenFill>
               </a:ext>
@@ -23499,7 +23567,7 @@
             </a:ln>
             <a:extLst>
               <a:ext uri="{909E8E84-426E-40dd-AFC4-6F175D3DCCD1}">
-                <a14:hiddenFill xmlns:a14="http://schemas.microsoft.com/office/drawing/2010/main" xmlns="">
+                <a14:hiddenFill xmlns="" xmlns:a14="http://schemas.microsoft.com/office/drawing/2010/main">
                   <a:noFill/>
                 </a14:hiddenFill>
               </a:ext>
@@ -23550,7 +23618,7 @@
             </a:ln>
             <a:extLst>
               <a:ext uri="{909E8E84-426E-40dd-AFC4-6F175D3DCCD1}">
-                <a14:hiddenFill xmlns:a14="http://schemas.microsoft.com/office/drawing/2010/main" xmlns="">
+                <a14:hiddenFill xmlns="" xmlns:a14="http://schemas.microsoft.com/office/drawing/2010/main">
                   <a:noFill/>
                 </a14:hiddenFill>
               </a:ext>
@@ -23601,7 +23669,7 @@
             </a:ln>
             <a:extLst>
               <a:ext uri="{909E8E84-426E-40dd-AFC4-6F175D3DCCD1}">
-                <a14:hiddenFill xmlns:a14="http://schemas.microsoft.com/office/drawing/2010/main" xmlns="">
+                <a14:hiddenFill xmlns="" xmlns:a14="http://schemas.microsoft.com/office/drawing/2010/main">
                   <a:noFill/>
                 </a14:hiddenFill>
               </a:ext>
@@ -23652,7 +23720,7 @@
             </a:ln>
             <a:extLst>
               <a:ext uri="{909E8E84-426E-40dd-AFC4-6F175D3DCCD1}">
-                <a14:hiddenFill xmlns:a14="http://schemas.microsoft.com/office/drawing/2010/main" xmlns="">
+                <a14:hiddenFill xmlns="" xmlns:a14="http://schemas.microsoft.com/office/drawing/2010/main">
                   <a:noFill/>
                 </a14:hiddenFill>
               </a:ext>
@@ -23703,7 +23771,7 @@
             </a:ln>
             <a:extLst>
               <a:ext uri="{909E8E84-426E-40dd-AFC4-6F175D3DCCD1}">
-                <a14:hiddenFill xmlns:a14="http://schemas.microsoft.com/office/drawing/2010/main" xmlns="">
+                <a14:hiddenFill xmlns="" xmlns:a14="http://schemas.microsoft.com/office/drawing/2010/main">
                   <a:noFill/>
                 </a14:hiddenFill>
               </a:ext>
@@ -23754,7 +23822,7 @@
             </a:ln>
             <a:extLst>
               <a:ext uri="{909E8E84-426E-40dd-AFC4-6F175D3DCCD1}">
-                <a14:hiddenFill xmlns:a14="http://schemas.microsoft.com/office/drawing/2010/main" xmlns="">
+                <a14:hiddenFill xmlns="" xmlns:a14="http://schemas.microsoft.com/office/drawing/2010/main">
                   <a:noFill/>
                 </a14:hiddenFill>
               </a:ext>
@@ -23805,7 +23873,7 @@
             </a:ln>
             <a:extLst>
               <a:ext uri="{909E8E84-426E-40dd-AFC4-6F175D3DCCD1}">
-                <a14:hiddenFill xmlns:a14="http://schemas.microsoft.com/office/drawing/2010/main" xmlns="">
+                <a14:hiddenFill xmlns="" xmlns:a14="http://schemas.microsoft.com/office/drawing/2010/main">
                   <a:noFill/>
                 </a14:hiddenFill>
               </a:ext>
@@ -23856,7 +23924,7 @@
             </a:ln>
             <a:extLst>
               <a:ext uri="{909E8E84-426E-40dd-AFC4-6F175D3DCCD1}">
-                <a14:hiddenFill xmlns:a14="http://schemas.microsoft.com/office/drawing/2010/main" xmlns="">
+                <a14:hiddenFill xmlns="" xmlns:a14="http://schemas.microsoft.com/office/drawing/2010/main">
                   <a:noFill/>
                 </a14:hiddenFill>
               </a:ext>
@@ -23907,7 +23975,7 @@
             </a:ln>
             <a:extLst>
               <a:ext uri="{909E8E84-426E-40dd-AFC4-6F175D3DCCD1}">
-                <a14:hiddenFill xmlns:a14="http://schemas.microsoft.com/office/drawing/2010/main" xmlns="">
+                <a14:hiddenFill xmlns="" xmlns:a14="http://schemas.microsoft.com/office/drawing/2010/main">
                   <a:noFill/>
                 </a14:hiddenFill>
               </a:ext>
@@ -23958,7 +24026,7 @@
             </a:ln>
             <a:extLst>
               <a:ext uri="{909E8E84-426E-40dd-AFC4-6F175D3DCCD1}">
-                <a14:hiddenFill xmlns:a14="http://schemas.microsoft.com/office/drawing/2010/main" xmlns="">
+                <a14:hiddenFill xmlns="" xmlns:a14="http://schemas.microsoft.com/office/drawing/2010/main">
                   <a:noFill/>
                 </a14:hiddenFill>
               </a:ext>
@@ -24009,7 +24077,7 @@
             </a:ln>
             <a:extLst>
               <a:ext uri="{909E8E84-426E-40dd-AFC4-6F175D3DCCD1}">
-                <a14:hiddenFill xmlns:a14="http://schemas.microsoft.com/office/drawing/2010/main" xmlns="">
+                <a14:hiddenFill xmlns="" xmlns:a14="http://schemas.microsoft.com/office/drawing/2010/main">
                   <a:noFill/>
                 </a14:hiddenFill>
               </a:ext>
@@ -24060,7 +24128,7 @@
             </a:ln>
             <a:extLst>
               <a:ext uri="{909E8E84-426E-40dd-AFC4-6F175D3DCCD1}">
-                <a14:hiddenFill xmlns:a14="http://schemas.microsoft.com/office/drawing/2010/main" xmlns="">
+                <a14:hiddenFill xmlns="" xmlns:a14="http://schemas.microsoft.com/office/drawing/2010/main">
                   <a:noFill/>
                 </a14:hiddenFill>
               </a:ext>
@@ -24111,7 +24179,7 @@
             </a:ln>
             <a:extLst>
               <a:ext uri="{909E8E84-426E-40dd-AFC4-6F175D3DCCD1}">
-                <a14:hiddenFill xmlns:a14="http://schemas.microsoft.com/office/drawing/2010/main" xmlns="">
+                <a14:hiddenFill xmlns="" xmlns:a14="http://schemas.microsoft.com/office/drawing/2010/main">
                   <a:noFill/>
                 </a14:hiddenFill>
               </a:ext>
@@ -24162,7 +24230,7 @@
             </a:ln>
             <a:extLst>
               <a:ext uri="{909E8E84-426E-40dd-AFC4-6F175D3DCCD1}">
-                <a14:hiddenFill xmlns:a14="http://schemas.microsoft.com/office/drawing/2010/main" xmlns="">
+                <a14:hiddenFill xmlns="" xmlns:a14="http://schemas.microsoft.com/office/drawing/2010/main">
                   <a:noFill/>
                 </a14:hiddenFill>
               </a:ext>
@@ -24213,7 +24281,7 @@
             </a:ln>
             <a:extLst>
               <a:ext uri="{909E8E84-426E-40dd-AFC4-6F175D3DCCD1}">
-                <a14:hiddenFill xmlns:a14="http://schemas.microsoft.com/office/drawing/2010/main" xmlns="">
+                <a14:hiddenFill xmlns="" xmlns:a14="http://schemas.microsoft.com/office/drawing/2010/main">
                   <a:noFill/>
                 </a14:hiddenFill>
               </a:ext>
@@ -24264,7 +24332,7 @@
             </a:ln>
             <a:extLst>
               <a:ext uri="{909E8E84-426E-40dd-AFC4-6F175D3DCCD1}">
-                <a14:hiddenFill xmlns:a14="http://schemas.microsoft.com/office/drawing/2010/main" xmlns="">
+                <a14:hiddenFill xmlns="" xmlns:a14="http://schemas.microsoft.com/office/drawing/2010/main">
                   <a:noFill/>
                 </a14:hiddenFill>
               </a:ext>
@@ -24315,7 +24383,7 @@
             </a:ln>
             <a:extLst>
               <a:ext uri="{909E8E84-426E-40dd-AFC4-6F175D3DCCD1}">
-                <a14:hiddenFill xmlns:a14="http://schemas.microsoft.com/office/drawing/2010/main" xmlns="">
+                <a14:hiddenFill xmlns="" xmlns:a14="http://schemas.microsoft.com/office/drawing/2010/main">
                   <a:noFill/>
                 </a14:hiddenFill>
               </a:ext>
@@ -24366,7 +24434,7 @@
             </a:ln>
             <a:extLst>
               <a:ext uri="{909E8E84-426E-40dd-AFC4-6F175D3DCCD1}">
-                <a14:hiddenFill xmlns:a14="http://schemas.microsoft.com/office/drawing/2010/main" xmlns="">
+                <a14:hiddenFill xmlns="" xmlns:a14="http://schemas.microsoft.com/office/drawing/2010/main">
                   <a:noFill/>
                 </a14:hiddenFill>
               </a:ext>
@@ -24417,7 +24485,7 @@
             </a:ln>
             <a:extLst>
               <a:ext uri="{909E8E84-426E-40dd-AFC4-6F175D3DCCD1}">
-                <a14:hiddenFill xmlns:a14="http://schemas.microsoft.com/office/drawing/2010/main" xmlns="">
+                <a14:hiddenFill xmlns="" xmlns:a14="http://schemas.microsoft.com/office/drawing/2010/main">
                   <a:noFill/>
                 </a14:hiddenFill>
               </a:ext>
@@ -24468,7 +24536,7 @@
             </a:ln>
             <a:extLst>
               <a:ext uri="{909E8E84-426E-40dd-AFC4-6F175D3DCCD1}">
-                <a14:hiddenFill xmlns:a14="http://schemas.microsoft.com/office/drawing/2010/main" xmlns="">
+                <a14:hiddenFill xmlns="" xmlns:a14="http://schemas.microsoft.com/office/drawing/2010/main">
                   <a:noFill/>
                 </a14:hiddenFill>
               </a:ext>
@@ -24519,7 +24587,7 @@
             </a:ln>
             <a:extLst>
               <a:ext uri="{909E8E84-426E-40dd-AFC4-6F175D3DCCD1}">
-                <a14:hiddenFill xmlns:a14="http://schemas.microsoft.com/office/drawing/2010/main" xmlns="">
+                <a14:hiddenFill xmlns="" xmlns:a14="http://schemas.microsoft.com/office/drawing/2010/main">
                   <a:noFill/>
                 </a14:hiddenFill>
               </a:ext>
@@ -24570,7 +24638,7 @@
             </a:ln>
             <a:extLst>
               <a:ext uri="{909E8E84-426E-40dd-AFC4-6F175D3DCCD1}">
-                <a14:hiddenFill xmlns:a14="http://schemas.microsoft.com/office/drawing/2010/main" xmlns="">
+                <a14:hiddenFill xmlns="" xmlns:a14="http://schemas.microsoft.com/office/drawing/2010/main">
                   <a:noFill/>
                 </a14:hiddenFill>
               </a:ext>
@@ -24621,7 +24689,7 @@
             </a:ln>
             <a:extLst>
               <a:ext uri="{909E8E84-426E-40dd-AFC4-6F175D3DCCD1}">
-                <a14:hiddenFill xmlns:a14="http://schemas.microsoft.com/office/drawing/2010/main" xmlns="">
+                <a14:hiddenFill xmlns="" xmlns:a14="http://schemas.microsoft.com/office/drawing/2010/main">
                   <a:noFill/>
                 </a14:hiddenFill>
               </a:ext>
@@ -24672,7 +24740,7 @@
             </a:ln>
             <a:extLst>
               <a:ext uri="{909E8E84-426E-40dd-AFC4-6F175D3DCCD1}">
-                <a14:hiddenFill xmlns:a14="http://schemas.microsoft.com/office/drawing/2010/main" xmlns="">
+                <a14:hiddenFill xmlns="" xmlns:a14="http://schemas.microsoft.com/office/drawing/2010/main">
                   <a:noFill/>
                 </a14:hiddenFill>
               </a:ext>
@@ -24723,7 +24791,7 @@
             </a:ln>
             <a:extLst>
               <a:ext uri="{909E8E84-426E-40dd-AFC4-6F175D3DCCD1}">
-                <a14:hiddenFill xmlns:a14="http://schemas.microsoft.com/office/drawing/2010/main" xmlns="">
+                <a14:hiddenFill xmlns="" xmlns:a14="http://schemas.microsoft.com/office/drawing/2010/main">
                   <a:noFill/>
                 </a14:hiddenFill>
               </a:ext>
@@ -24774,7 +24842,7 @@
             </a:ln>
             <a:extLst>
               <a:ext uri="{909E8E84-426E-40dd-AFC4-6F175D3DCCD1}">
-                <a14:hiddenFill xmlns:a14="http://schemas.microsoft.com/office/drawing/2010/main" xmlns="">
+                <a14:hiddenFill xmlns="" xmlns:a14="http://schemas.microsoft.com/office/drawing/2010/main">
                   <a:noFill/>
                 </a14:hiddenFill>
               </a:ext>
@@ -24825,7 +24893,7 @@
             </a:ln>
             <a:extLst>
               <a:ext uri="{909E8E84-426E-40dd-AFC4-6F175D3DCCD1}">
-                <a14:hiddenFill xmlns:a14="http://schemas.microsoft.com/office/drawing/2010/main" xmlns="">
+                <a14:hiddenFill xmlns="" xmlns:a14="http://schemas.microsoft.com/office/drawing/2010/main">
                   <a:noFill/>
                 </a14:hiddenFill>
               </a:ext>
@@ -24876,7 +24944,7 @@
             </a:ln>
             <a:extLst>
               <a:ext uri="{909E8E84-426E-40dd-AFC4-6F175D3DCCD1}">
-                <a14:hiddenFill xmlns:a14="http://schemas.microsoft.com/office/drawing/2010/main" xmlns="">
+                <a14:hiddenFill xmlns="" xmlns:a14="http://schemas.microsoft.com/office/drawing/2010/main">
                   <a:noFill/>
                 </a14:hiddenFill>
               </a:ext>
@@ -24927,7 +24995,7 @@
             </a:ln>
             <a:extLst>
               <a:ext uri="{909E8E84-426E-40dd-AFC4-6F175D3DCCD1}">
-                <a14:hiddenFill xmlns:a14="http://schemas.microsoft.com/office/drawing/2010/main" xmlns="">
+                <a14:hiddenFill xmlns="" xmlns:a14="http://schemas.microsoft.com/office/drawing/2010/main">
                   <a:noFill/>
                 </a14:hiddenFill>
               </a:ext>
@@ -24978,7 +25046,7 @@
             </a:ln>
             <a:extLst>
               <a:ext uri="{909E8E84-426E-40dd-AFC4-6F175D3DCCD1}">
-                <a14:hiddenFill xmlns:a14="http://schemas.microsoft.com/office/drawing/2010/main" xmlns="">
+                <a14:hiddenFill xmlns="" xmlns:a14="http://schemas.microsoft.com/office/drawing/2010/main">
                   <a:noFill/>
                 </a14:hiddenFill>
               </a:ext>
@@ -25029,7 +25097,7 @@
             </a:ln>
             <a:extLst>
               <a:ext uri="{909E8E84-426E-40dd-AFC4-6F175D3DCCD1}">
-                <a14:hiddenFill xmlns:a14="http://schemas.microsoft.com/office/drawing/2010/main" xmlns="">
+                <a14:hiddenFill xmlns="" xmlns:a14="http://schemas.microsoft.com/office/drawing/2010/main">
                   <a:noFill/>
                 </a14:hiddenFill>
               </a:ext>
@@ -25080,7 +25148,7 @@
             </a:ln>
             <a:extLst>
               <a:ext uri="{909E8E84-426E-40dd-AFC4-6F175D3DCCD1}">
-                <a14:hiddenFill xmlns:a14="http://schemas.microsoft.com/office/drawing/2010/main" xmlns="">
+                <a14:hiddenFill xmlns="" xmlns:a14="http://schemas.microsoft.com/office/drawing/2010/main">
                   <a:noFill/>
                 </a14:hiddenFill>
               </a:ext>
@@ -25131,7 +25199,7 @@
             </a:ln>
             <a:extLst>
               <a:ext uri="{909E8E84-426E-40dd-AFC4-6F175D3DCCD1}">
-                <a14:hiddenFill xmlns:a14="http://schemas.microsoft.com/office/drawing/2010/main" xmlns="">
+                <a14:hiddenFill xmlns="" xmlns:a14="http://schemas.microsoft.com/office/drawing/2010/main">
                   <a:noFill/>
                 </a14:hiddenFill>
               </a:ext>
@@ -25182,7 +25250,7 @@
             </a:ln>
             <a:extLst>
               <a:ext uri="{909E8E84-426E-40dd-AFC4-6F175D3DCCD1}">
-                <a14:hiddenFill xmlns:a14="http://schemas.microsoft.com/office/drawing/2010/main" xmlns="">
+                <a14:hiddenFill xmlns="" xmlns:a14="http://schemas.microsoft.com/office/drawing/2010/main">
                   <a:noFill/>
                 </a14:hiddenFill>
               </a:ext>
@@ -25233,7 +25301,7 @@
             </a:ln>
             <a:extLst>
               <a:ext uri="{909E8E84-426E-40dd-AFC4-6F175D3DCCD1}">
-                <a14:hiddenFill xmlns:a14="http://schemas.microsoft.com/office/drawing/2010/main" xmlns="">
+                <a14:hiddenFill xmlns="" xmlns:a14="http://schemas.microsoft.com/office/drawing/2010/main">
                   <a:noFill/>
                 </a14:hiddenFill>
               </a:ext>
@@ -25284,7 +25352,7 @@
             </a:ln>
             <a:extLst>
               <a:ext uri="{909E8E84-426E-40dd-AFC4-6F175D3DCCD1}">
-                <a14:hiddenFill xmlns:a14="http://schemas.microsoft.com/office/drawing/2010/main" xmlns="">
+                <a14:hiddenFill xmlns="" xmlns:a14="http://schemas.microsoft.com/office/drawing/2010/main">
                   <a:noFill/>
                 </a14:hiddenFill>
               </a:ext>
@@ -25335,7 +25403,7 @@
             </a:ln>
             <a:extLst>
               <a:ext uri="{909E8E84-426E-40dd-AFC4-6F175D3DCCD1}">
-                <a14:hiddenFill xmlns:a14="http://schemas.microsoft.com/office/drawing/2010/main" xmlns="">
+                <a14:hiddenFill xmlns="" xmlns:a14="http://schemas.microsoft.com/office/drawing/2010/main">
                   <a:noFill/>
                 </a14:hiddenFill>
               </a:ext>
@@ -25386,7 +25454,7 @@
             </a:ln>
             <a:extLst>
               <a:ext uri="{909E8E84-426E-40dd-AFC4-6F175D3DCCD1}">
-                <a14:hiddenFill xmlns:a14="http://schemas.microsoft.com/office/drawing/2010/main" xmlns="">
+                <a14:hiddenFill xmlns="" xmlns:a14="http://schemas.microsoft.com/office/drawing/2010/main">
                   <a:noFill/>
                 </a14:hiddenFill>
               </a:ext>
@@ -25437,7 +25505,7 @@
             </a:ln>
             <a:extLst>
               <a:ext uri="{909E8E84-426E-40dd-AFC4-6F175D3DCCD1}">
-                <a14:hiddenFill xmlns:a14="http://schemas.microsoft.com/office/drawing/2010/main" xmlns="">
+                <a14:hiddenFill xmlns="" xmlns:a14="http://schemas.microsoft.com/office/drawing/2010/main">
                   <a:noFill/>
                 </a14:hiddenFill>
               </a:ext>
@@ -25488,7 +25556,7 @@
             </a:ln>
             <a:extLst>
               <a:ext uri="{909E8E84-426E-40dd-AFC4-6F175D3DCCD1}">
-                <a14:hiddenFill xmlns:a14="http://schemas.microsoft.com/office/drawing/2010/main" xmlns="">
+                <a14:hiddenFill xmlns="" xmlns:a14="http://schemas.microsoft.com/office/drawing/2010/main">
                   <a:noFill/>
                 </a14:hiddenFill>
               </a:ext>
@@ -25539,7 +25607,7 @@
             </a:ln>
             <a:extLst>
               <a:ext uri="{909E8E84-426E-40dd-AFC4-6F175D3DCCD1}">
-                <a14:hiddenFill xmlns:a14="http://schemas.microsoft.com/office/drawing/2010/main" xmlns="">
+                <a14:hiddenFill xmlns="" xmlns:a14="http://schemas.microsoft.com/office/drawing/2010/main">
                   <a:noFill/>
                 </a14:hiddenFill>
               </a:ext>
@@ -25590,7 +25658,7 @@
             </a:ln>
             <a:extLst>
               <a:ext uri="{909E8E84-426E-40dd-AFC4-6F175D3DCCD1}">
-                <a14:hiddenFill xmlns:a14="http://schemas.microsoft.com/office/drawing/2010/main" xmlns="">
+                <a14:hiddenFill xmlns="" xmlns:a14="http://schemas.microsoft.com/office/drawing/2010/main">
                   <a:noFill/>
                 </a14:hiddenFill>
               </a:ext>
@@ -25641,7 +25709,7 @@
             </a:ln>
             <a:extLst>
               <a:ext uri="{909E8E84-426E-40dd-AFC4-6F175D3DCCD1}">
-                <a14:hiddenFill xmlns:a14="http://schemas.microsoft.com/office/drawing/2010/main" xmlns="">
+                <a14:hiddenFill xmlns="" xmlns:a14="http://schemas.microsoft.com/office/drawing/2010/main">
                   <a:noFill/>
                 </a14:hiddenFill>
               </a:ext>
@@ -25692,7 +25760,7 @@
             </a:ln>
             <a:extLst>
               <a:ext uri="{909E8E84-426E-40dd-AFC4-6F175D3DCCD1}">
-                <a14:hiddenFill xmlns:a14="http://schemas.microsoft.com/office/drawing/2010/main" xmlns="">
+                <a14:hiddenFill xmlns="" xmlns:a14="http://schemas.microsoft.com/office/drawing/2010/main">
                   <a:noFill/>
                 </a14:hiddenFill>
               </a:ext>
@@ -25743,7 +25811,7 @@
             </a:ln>
             <a:extLst>
               <a:ext uri="{909E8E84-426E-40dd-AFC4-6F175D3DCCD1}">
-                <a14:hiddenFill xmlns:a14="http://schemas.microsoft.com/office/drawing/2010/main" xmlns="">
+                <a14:hiddenFill xmlns="" xmlns:a14="http://schemas.microsoft.com/office/drawing/2010/main">
                   <a:noFill/>
                 </a14:hiddenFill>
               </a:ext>
@@ -25794,7 +25862,7 @@
             </a:ln>
             <a:extLst>
               <a:ext uri="{909E8E84-426E-40dd-AFC4-6F175D3DCCD1}">
-                <a14:hiddenFill xmlns:a14="http://schemas.microsoft.com/office/drawing/2010/main" xmlns="">
+                <a14:hiddenFill xmlns="" xmlns:a14="http://schemas.microsoft.com/office/drawing/2010/main">
                   <a:noFill/>
                 </a14:hiddenFill>
               </a:ext>
@@ -25845,7 +25913,7 @@
             </a:ln>
             <a:extLst>
               <a:ext uri="{909E8E84-426E-40dd-AFC4-6F175D3DCCD1}">
-                <a14:hiddenFill xmlns:a14="http://schemas.microsoft.com/office/drawing/2010/main" xmlns="">
+                <a14:hiddenFill xmlns="" xmlns:a14="http://schemas.microsoft.com/office/drawing/2010/main">
                   <a:noFill/>
                 </a14:hiddenFill>
               </a:ext>
@@ -25896,7 +25964,7 @@
             </a:ln>
             <a:extLst>
               <a:ext uri="{909E8E84-426E-40dd-AFC4-6F175D3DCCD1}">
-                <a14:hiddenFill xmlns:a14="http://schemas.microsoft.com/office/drawing/2010/main" xmlns="">
+                <a14:hiddenFill xmlns="" xmlns:a14="http://schemas.microsoft.com/office/drawing/2010/main">
                   <a:noFill/>
                 </a14:hiddenFill>
               </a:ext>
@@ -25947,7 +26015,7 @@
             </a:ln>
             <a:extLst>
               <a:ext uri="{909E8E84-426E-40dd-AFC4-6F175D3DCCD1}">
-                <a14:hiddenFill xmlns:a14="http://schemas.microsoft.com/office/drawing/2010/main" xmlns="">
+                <a14:hiddenFill xmlns="" xmlns:a14="http://schemas.microsoft.com/office/drawing/2010/main">
                   <a:noFill/>
                 </a14:hiddenFill>
               </a:ext>
@@ -25998,7 +26066,7 @@
             </a:ln>
             <a:extLst>
               <a:ext uri="{909E8E84-426E-40dd-AFC4-6F175D3DCCD1}">
-                <a14:hiddenFill xmlns:a14="http://schemas.microsoft.com/office/drawing/2010/main" xmlns="">
+                <a14:hiddenFill xmlns="" xmlns:a14="http://schemas.microsoft.com/office/drawing/2010/main">
                   <a:noFill/>
                 </a14:hiddenFill>
               </a:ext>
@@ -26049,7 +26117,7 @@
             </a:ln>
             <a:extLst>
               <a:ext uri="{909E8E84-426E-40dd-AFC4-6F175D3DCCD1}">
-                <a14:hiddenFill xmlns:a14="http://schemas.microsoft.com/office/drawing/2010/main" xmlns="">
+                <a14:hiddenFill xmlns="" xmlns:a14="http://schemas.microsoft.com/office/drawing/2010/main">
                   <a:noFill/>
                 </a14:hiddenFill>
               </a:ext>
@@ -26100,7 +26168,7 @@
             </a:ln>
             <a:extLst>
               <a:ext uri="{909E8E84-426E-40dd-AFC4-6F175D3DCCD1}">
-                <a14:hiddenFill xmlns:a14="http://schemas.microsoft.com/office/drawing/2010/main" xmlns="">
+                <a14:hiddenFill xmlns="" xmlns:a14="http://schemas.microsoft.com/office/drawing/2010/main">
                   <a:noFill/>
                 </a14:hiddenFill>
               </a:ext>
@@ -26151,7 +26219,7 @@
             </a:ln>
             <a:extLst>
               <a:ext uri="{909E8E84-426E-40dd-AFC4-6F175D3DCCD1}">
-                <a14:hiddenFill xmlns:a14="http://schemas.microsoft.com/office/drawing/2010/main" xmlns="">
+                <a14:hiddenFill xmlns="" xmlns:a14="http://schemas.microsoft.com/office/drawing/2010/main">
                   <a:noFill/>
                 </a14:hiddenFill>
               </a:ext>
@@ -26202,7 +26270,7 @@
             </a:ln>
             <a:extLst>
               <a:ext uri="{909E8E84-426E-40dd-AFC4-6F175D3DCCD1}">
-                <a14:hiddenFill xmlns:a14="http://schemas.microsoft.com/office/drawing/2010/main" xmlns="">
+                <a14:hiddenFill xmlns="" xmlns:a14="http://schemas.microsoft.com/office/drawing/2010/main">
                   <a:noFill/>
                 </a14:hiddenFill>
               </a:ext>
@@ -26253,7 +26321,7 @@
             </a:ln>
             <a:extLst>
               <a:ext uri="{909E8E84-426E-40dd-AFC4-6F175D3DCCD1}">
-                <a14:hiddenFill xmlns:a14="http://schemas.microsoft.com/office/drawing/2010/main" xmlns="">
+                <a14:hiddenFill xmlns="" xmlns:a14="http://schemas.microsoft.com/office/drawing/2010/main">
                   <a:noFill/>
                 </a14:hiddenFill>
               </a:ext>
@@ -26304,7 +26372,7 @@
             </a:ln>
             <a:extLst>
               <a:ext uri="{909E8E84-426E-40dd-AFC4-6F175D3DCCD1}">
-                <a14:hiddenFill xmlns:a14="http://schemas.microsoft.com/office/drawing/2010/main" xmlns="">
+                <a14:hiddenFill xmlns="" xmlns:a14="http://schemas.microsoft.com/office/drawing/2010/main">
                   <a:noFill/>
                 </a14:hiddenFill>
               </a:ext>
@@ -27122,7 +27190,7 @@
             </a:ln>
             <a:extLst>
               <a:ext uri="{909E8E84-426E-40dd-AFC4-6F175D3DCCD1}">
-                <a14:hiddenFill xmlns:a14="http://schemas.microsoft.com/office/drawing/2010/main" xmlns="">
+                <a14:hiddenFill xmlns="" xmlns:a14="http://schemas.microsoft.com/office/drawing/2010/main">
                   <a:solidFill>
                     <a:srgbClr val="FFFFFF"/>
                   </a:solidFill>
@@ -27175,7 +27243,7 @@
             </a:ln>
             <a:extLst>
               <a:ext uri="{909E8E84-426E-40dd-AFC4-6F175D3DCCD1}">
-                <a14:hiddenFill xmlns:a14="http://schemas.microsoft.com/office/drawing/2010/main" xmlns="">
+                <a14:hiddenFill xmlns="" xmlns:a14="http://schemas.microsoft.com/office/drawing/2010/main">
                   <a:noFill/>
                 </a14:hiddenFill>
               </a:ext>
@@ -27226,7 +27294,7 @@
             </a:ln>
             <a:extLst>
               <a:ext uri="{909E8E84-426E-40dd-AFC4-6F175D3DCCD1}">
-                <a14:hiddenFill xmlns:a14="http://schemas.microsoft.com/office/drawing/2010/main" xmlns="">
+                <a14:hiddenFill xmlns="" xmlns:a14="http://schemas.microsoft.com/office/drawing/2010/main">
                   <a:noFill/>
                 </a14:hiddenFill>
               </a:ext>
@@ -27277,7 +27345,7 @@
             </a:ln>
             <a:extLst>
               <a:ext uri="{909E8E84-426E-40dd-AFC4-6F175D3DCCD1}">
-                <a14:hiddenFill xmlns:a14="http://schemas.microsoft.com/office/drawing/2010/main" xmlns="">
+                <a14:hiddenFill xmlns="" xmlns:a14="http://schemas.microsoft.com/office/drawing/2010/main">
                   <a:noFill/>
                 </a14:hiddenFill>
               </a:ext>
@@ -27328,7 +27396,7 @@
             </a:ln>
             <a:extLst>
               <a:ext uri="{909E8E84-426E-40dd-AFC4-6F175D3DCCD1}">
-                <a14:hiddenFill xmlns:a14="http://schemas.microsoft.com/office/drawing/2010/main" xmlns="">
+                <a14:hiddenFill xmlns="" xmlns:a14="http://schemas.microsoft.com/office/drawing/2010/main">
                   <a:noFill/>
                 </a14:hiddenFill>
               </a:ext>
@@ -27379,7 +27447,7 @@
             </a:ln>
             <a:extLst>
               <a:ext uri="{909E8E84-426E-40dd-AFC4-6F175D3DCCD1}">
-                <a14:hiddenFill xmlns:a14="http://schemas.microsoft.com/office/drawing/2010/main" xmlns="">
+                <a14:hiddenFill xmlns="" xmlns:a14="http://schemas.microsoft.com/office/drawing/2010/main">
                   <a:noFill/>
                 </a14:hiddenFill>
               </a:ext>
@@ -27430,7 +27498,7 @@
             </a:ln>
             <a:extLst>
               <a:ext uri="{909E8E84-426E-40dd-AFC4-6F175D3DCCD1}">
-                <a14:hiddenFill xmlns:a14="http://schemas.microsoft.com/office/drawing/2010/main" xmlns="">
+                <a14:hiddenFill xmlns="" xmlns:a14="http://schemas.microsoft.com/office/drawing/2010/main">
                   <a:noFill/>
                 </a14:hiddenFill>
               </a:ext>
@@ -27481,7 +27549,7 @@
             </a:ln>
             <a:extLst>
               <a:ext uri="{909E8E84-426E-40dd-AFC4-6F175D3DCCD1}">
-                <a14:hiddenFill xmlns:a14="http://schemas.microsoft.com/office/drawing/2010/main" xmlns="">
+                <a14:hiddenFill xmlns="" xmlns:a14="http://schemas.microsoft.com/office/drawing/2010/main">
                   <a:noFill/>
                 </a14:hiddenFill>
               </a:ext>
@@ -27532,7 +27600,7 @@
             </a:ln>
             <a:extLst>
               <a:ext uri="{909E8E84-426E-40dd-AFC4-6F175D3DCCD1}">
-                <a14:hiddenFill xmlns:a14="http://schemas.microsoft.com/office/drawing/2010/main" xmlns="">
+                <a14:hiddenFill xmlns="" xmlns:a14="http://schemas.microsoft.com/office/drawing/2010/main">
                   <a:noFill/>
                 </a14:hiddenFill>
               </a:ext>
@@ -27583,7 +27651,7 @@
             </a:ln>
             <a:extLst>
               <a:ext uri="{909E8E84-426E-40dd-AFC4-6F175D3DCCD1}">
-                <a14:hiddenFill xmlns:a14="http://schemas.microsoft.com/office/drawing/2010/main" xmlns="">
+                <a14:hiddenFill xmlns="" xmlns:a14="http://schemas.microsoft.com/office/drawing/2010/main">
                   <a:noFill/>
                 </a14:hiddenFill>
               </a:ext>
@@ -27634,7 +27702,7 @@
             </a:ln>
             <a:extLst>
               <a:ext uri="{909E8E84-426E-40dd-AFC4-6F175D3DCCD1}">
-                <a14:hiddenFill xmlns:a14="http://schemas.microsoft.com/office/drawing/2010/main" xmlns="">
+                <a14:hiddenFill xmlns="" xmlns:a14="http://schemas.microsoft.com/office/drawing/2010/main">
                   <a:noFill/>
                 </a14:hiddenFill>
               </a:ext>
@@ -27685,7 +27753,7 @@
             </a:ln>
             <a:extLst>
               <a:ext uri="{909E8E84-426E-40dd-AFC4-6F175D3DCCD1}">
-                <a14:hiddenFill xmlns:a14="http://schemas.microsoft.com/office/drawing/2010/main" xmlns="">
+                <a14:hiddenFill xmlns="" xmlns:a14="http://schemas.microsoft.com/office/drawing/2010/main">
                   <a:noFill/>
                 </a14:hiddenFill>
               </a:ext>
@@ -27736,7 +27804,7 @@
             </a:ln>
             <a:extLst>
               <a:ext uri="{909E8E84-426E-40dd-AFC4-6F175D3DCCD1}">
-                <a14:hiddenFill xmlns:a14="http://schemas.microsoft.com/office/drawing/2010/main" xmlns="">
+                <a14:hiddenFill xmlns="" xmlns:a14="http://schemas.microsoft.com/office/drawing/2010/main">
                   <a:noFill/>
                 </a14:hiddenFill>
               </a:ext>
@@ -27787,7 +27855,7 @@
             </a:ln>
             <a:extLst>
               <a:ext uri="{909E8E84-426E-40dd-AFC4-6F175D3DCCD1}">
-                <a14:hiddenFill xmlns:a14="http://schemas.microsoft.com/office/drawing/2010/main" xmlns="">
+                <a14:hiddenFill xmlns="" xmlns:a14="http://schemas.microsoft.com/office/drawing/2010/main">
                   <a:noFill/>
                 </a14:hiddenFill>
               </a:ext>
@@ -27838,7 +27906,7 @@
             </a:ln>
             <a:extLst>
               <a:ext uri="{909E8E84-426E-40dd-AFC4-6F175D3DCCD1}">
-                <a14:hiddenFill xmlns:a14="http://schemas.microsoft.com/office/drawing/2010/main" xmlns="">
+                <a14:hiddenFill xmlns="" xmlns:a14="http://schemas.microsoft.com/office/drawing/2010/main">
                   <a:noFill/>
                 </a14:hiddenFill>
               </a:ext>
@@ -27889,7 +27957,7 @@
             </a:ln>
             <a:extLst>
               <a:ext uri="{909E8E84-426E-40dd-AFC4-6F175D3DCCD1}">
-                <a14:hiddenFill xmlns:a14="http://schemas.microsoft.com/office/drawing/2010/main" xmlns="">
+                <a14:hiddenFill xmlns="" xmlns:a14="http://schemas.microsoft.com/office/drawing/2010/main">
                   <a:noFill/>
                 </a14:hiddenFill>
               </a:ext>
@@ -27940,7 +28008,7 @@
             </a:ln>
             <a:extLst>
               <a:ext uri="{909E8E84-426E-40dd-AFC4-6F175D3DCCD1}">
-                <a14:hiddenFill xmlns:a14="http://schemas.microsoft.com/office/drawing/2010/main" xmlns="">
+                <a14:hiddenFill xmlns="" xmlns:a14="http://schemas.microsoft.com/office/drawing/2010/main">
                   <a:noFill/>
                 </a14:hiddenFill>
               </a:ext>
@@ -27991,7 +28059,7 @@
             </a:ln>
             <a:extLst>
               <a:ext uri="{909E8E84-426E-40dd-AFC4-6F175D3DCCD1}">
-                <a14:hiddenFill xmlns:a14="http://schemas.microsoft.com/office/drawing/2010/main" xmlns="">
+                <a14:hiddenFill xmlns="" xmlns:a14="http://schemas.microsoft.com/office/drawing/2010/main">
                   <a:noFill/>
                 </a14:hiddenFill>
               </a:ext>
@@ -28042,7 +28110,7 @@
             </a:ln>
             <a:extLst>
               <a:ext uri="{909E8E84-426E-40dd-AFC4-6F175D3DCCD1}">
-                <a14:hiddenFill xmlns:a14="http://schemas.microsoft.com/office/drawing/2010/main" xmlns="">
+                <a14:hiddenFill xmlns="" xmlns:a14="http://schemas.microsoft.com/office/drawing/2010/main">
                   <a:noFill/>
                 </a14:hiddenFill>
               </a:ext>
@@ -28093,7 +28161,7 @@
             </a:ln>
             <a:extLst>
               <a:ext uri="{909E8E84-426E-40dd-AFC4-6F175D3DCCD1}">
-                <a14:hiddenFill xmlns:a14="http://schemas.microsoft.com/office/drawing/2010/main" xmlns="">
+                <a14:hiddenFill xmlns="" xmlns:a14="http://schemas.microsoft.com/office/drawing/2010/main">
                   <a:noFill/>
                 </a14:hiddenFill>
               </a:ext>
@@ -28144,7 +28212,7 @@
             </a:ln>
             <a:extLst>
               <a:ext uri="{909E8E84-426E-40dd-AFC4-6F175D3DCCD1}">
-                <a14:hiddenFill xmlns:a14="http://schemas.microsoft.com/office/drawing/2010/main" xmlns="">
+                <a14:hiddenFill xmlns="" xmlns:a14="http://schemas.microsoft.com/office/drawing/2010/main">
                   <a:noFill/>
                 </a14:hiddenFill>
               </a:ext>
@@ -28195,7 +28263,7 @@
             </a:ln>
             <a:extLst>
               <a:ext uri="{909E8E84-426E-40dd-AFC4-6F175D3DCCD1}">
-                <a14:hiddenFill xmlns:a14="http://schemas.microsoft.com/office/drawing/2010/main" xmlns="">
+                <a14:hiddenFill xmlns="" xmlns:a14="http://schemas.microsoft.com/office/drawing/2010/main">
                   <a:noFill/>
                 </a14:hiddenFill>
               </a:ext>
@@ -28246,7 +28314,7 @@
             </a:ln>
             <a:extLst>
               <a:ext uri="{909E8E84-426E-40dd-AFC4-6F175D3DCCD1}">
-                <a14:hiddenFill xmlns:a14="http://schemas.microsoft.com/office/drawing/2010/main" xmlns="">
+                <a14:hiddenFill xmlns="" xmlns:a14="http://schemas.microsoft.com/office/drawing/2010/main">
                   <a:noFill/>
                 </a14:hiddenFill>
               </a:ext>
@@ -28297,7 +28365,7 @@
             </a:ln>
             <a:extLst>
               <a:ext uri="{909E8E84-426E-40dd-AFC4-6F175D3DCCD1}">
-                <a14:hiddenFill xmlns:a14="http://schemas.microsoft.com/office/drawing/2010/main" xmlns="">
+                <a14:hiddenFill xmlns="" xmlns:a14="http://schemas.microsoft.com/office/drawing/2010/main">
                   <a:noFill/>
                 </a14:hiddenFill>
               </a:ext>
@@ -28348,7 +28416,7 @@
             </a:ln>
             <a:extLst>
               <a:ext uri="{909E8E84-426E-40dd-AFC4-6F175D3DCCD1}">
-                <a14:hiddenFill xmlns:a14="http://schemas.microsoft.com/office/drawing/2010/main" xmlns="">
+                <a14:hiddenFill xmlns="" xmlns:a14="http://schemas.microsoft.com/office/drawing/2010/main">
                   <a:noFill/>
                 </a14:hiddenFill>
               </a:ext>
@@ -28399,7 +28467,7 @@
             </a:ln>
             <a:extLst>
               <a:ext uri="{909E8E84-426E-40dd-AFC4-6F175D3DCCD1}">
-                <a14:hiddenFill xmlns:a14="http://schemas.microsoft.com/office/drawing/2010/main" xmlns="">
+                <a14:hiddenFill xmlns="" xmlns:a14="http://schemas.microsoft.com/office/drawing/2010/main">
                   <a:noFill/>
                 </a14:hiddenFill>
               </a:ext>
@@ -28450,7 +28518,7 @@
             </a:ln>
             <a:extLst>
               <a:ext uri="{909E8E84-426E-40dd-AFC4-6F175D3DCCD1}">
-                <a14:hiddenFill xmlns:a14="http://schemas.microsoft.com/office/drawing/2010/main" xmlns="">
+                <a14:hiddenFill xmlns="" xmlns:a14="http://schemas.microsoft.com/office/drawing/2010/main">
                   <a:noFill/>
                 </a14:hiddenFill>
               </a:ext>
@@ -28501,7 +28569,7 @@
             </a:ln>
             <a:extLst>
               <a:ext uri="{909E8E84-426E-40dd-AFC4-6F175D3DCCD1}">
-                <a14:hiddenFill xmlns:a14="http://schemas.microsoft.com/office/drawing/2010/main" xmlns="">
+                <a14:hiddenFill xmlns="" xmlns:a14="http://schemas.microsoft.com/office/drawing/2010/main">
                   <a:noFill/>
                 </a14:hiddenFill>
               </a:ext>
@@ -28552,7 +28620,7 @@
             </a:ln>
             <a:extLst>
               <a:ext uri="{909E8E84-426E-40dd-AFC4-6F175D3DCCD1}">
-                <a14:hiddenFill xmlns:a14="http://schemas.microsoft.com/office/drawing/2010/main" xmlns="">
+                <a14:hiddenFill xmlns="" xmlns:a14="http://schemas.microsoft.com/office/drawing/2010/main">
                   <a:noFill/>
                 </a14:hiddenFill>
               </a:ext>
@@ -28603,7 +28671,7 @@
             </a:ln>
             <a:extLst>
               <a:ext uri="{909E8E84-426E-40dd-AFC4-6F175D3DCCD1}">
-                <a14:hiddenFill xmlns:a14="http://schemas.microsoft.com/office/drawing/2010/main" xmlns="">
+                <a14:hiddenFill xmlns="" xmlns:a14="http://schemas.microsoft.com/office/drawing/2010/main">
                   <a:noFill/>
                 </a14:hiddenFill>
               </a:ext>
@@ -28654,7 +28722,7 @@
             </a:ln>
             <a:extLst>
               <a:ext uri="{909E8E84-426E-40dd-AFC4-6F175D3DCCD1}">
-                <a14:hiddenFill xmlns:a14="http://schemas.microsoft.com/office/drawing/2010/main" xmlns="">
+                <a14:hiddenFill xmlns="" xmlns:a14="http://schemas.microsoft.com/office/drawing/2010/main">
                   <a:noFill/>
                 </a14:hiddenFill>
               </a:ext>
@@ -28705,7 +28773,7 @@
             </a:ln>
             <a:extLst>
               <a:ext uri="{909E8E84-426E-40dd-AFC4-6F175D3DCCD1}">
-                <a14:hiddenFill xmlns:a14="http://schemas.microsoft.com/office/drawing/2010/main" xmlns="">
+                <a14:hiddenFill xmlns="" xmlns:a14="http://schemas.microsoft.com/office/drawing/2010/main">
                   <a:noFill/>
                 </a14:hiddenFill>
               </a:ext>
@@ -28756,7 +28824,7 @@
             </a:ln>
             <a:extLst>
               <a:ext uri="{909E8E84-426E-40dd-AFC4-6F175D3DCCD1}">
-                <a14:hiddenFill xmlns:a14="http://schemas.microsoft.com/office/drawing/2010/main" xmlns="">
+                <a14:hiddenFill xmlns="" xmlns:a14="http://schemas.microsoft.com/office/drawing/2010/main">
                   <a:noFill/>
                 </a14:hiddenFill>
               </a:ext>
@@ -28807,7 +28875,7 @@
             </a:ln>
             <a:extLst>
               <a:ext uri="{909E8E84-426E-40dd-AFC4-6F175D3DCCD1}">
-                <a14:hiddenFill xmlns:a14="http://schemas.microsoft.com/office/drawing/2010/main" xmlns="">
+                <a14:hiddenFill xmlns="" xmlns:a14="http://schemas.microsoft.com/office/drawing/2010/main">
                   <a:noFill/>
                 </a14:hiddenFill>
               </a:ext>
@@ -28858,7 +28926,7 @@
             </a:ln>
             <a:extLst>
               <a:ext uri="{909E8E84-426E-40dd-AFC4-6F175D3DCCD1}">
-                <a14:hiddenFill xmlns:a14="http://schemas.microsoft.com/office/drawing/2010/main" xmlns="">
+                <a14:hiddenFill xmlns="" xmlns:a14="http://schemas.microsoft.com/office/drawing/2010/main">
                   <a:noFill/>
                 </a14:hiddenFill>
               </a:ext>
@@ -28909,7 +28977,7 @@
             </a:ln>
             <a:extLst>
               <a:ext uri="{909E8E84-426E-40dd-AFC4-6F175D3DCCD1}">
-                <a14:hiddenFill xmlns:a14="http://schemas.microsoft.com/office/drawing/2010/main" xmlns="">
+                <a14:hiddenFill xmlns="" xmlns:a14="http://schemas.microsoft.com/office/drawing/2010/main">
                   <a:noFill/>
                 </a14:hiddenFill>
               </a:ext>
@@ -28960,7 +29028,7 @@
             </a:ln>
             <a:extLst>
               <a:ext uri="{909E8E84-426E-40dd-AFC4-6F175D3DCCD1}">
-                <a14:hiddenFill xmlns:a14="http://schemas.microsoft.com/office/drawing/2010/main" xmlns="">
+                <a14:hiddenFill xmlns="" xmlns:a14="http://schemas.microsoft.com/office/drawing/2010/main">
                   <a:noFill/>
                 </a14:hiddenFill>
               </a:ext>
@@ -29011,7 +29079,7 @@
             </a:ln>
             <a:extLst>
               <a:ext uri="{909E8E84-426E-40dd-AFC4-6F175D3DCCD1}">
-                <a14:hiddenFill xmlns:a14="http://schemas.microsoft.com/office/drawing/2010/main" xmlns="">
+                <a14:hiddenFill xmlns="" xmlns:a14="http://schemas.microsoft.com/office/drawing/2010/main">
                   <a:noFill/>
                 </a14:hiddenFill>
               </a:ext>
@@ -29062,7 +29130,7 @@
             </a:ln>
             <a:extLst>
               <a:ext uri="{909E8E84-426E-40dd-AFC4-6F175D3DCCD1}">
-                <a14:hiddenFill xmlns:a14="http://schemas.microsoft.com/office/drawing/2010/main" xmlns="">
+                <a14:hiddenFill xmlns="" xmlns:a14="http://schemas.microsoft.com/office/drawing/2010/main">
                   <a:noFill/>
                 </a14:hiddenFill>
               </a:ext>
@@ -29113,7 +29181,7 @@
             </a:ln>
             <a:extLst>
               <a:ext uri="{909E8E84-426E-40dd-AFC4-6F175D3DCCD1}">
-                <a14:hiddenFill xmlns:a14="http://schemas.microsoft.com/office/drawing/2010/main" xmlns="">
+                <a14:hiddenFill xmlns="" xmlns:a14="http://schemas.microsoft.com/office/drawing/2010/main">
                   <a:noFill/>
                 </a14:hiddenFill>
               </a:ext>
@@ -29164,7 +29232,7 @@
             </a:ln>
             <a:extLst>
               <a:ext uri="{909E8E84-426E-40dd-AFC4-6F175D3DCCD1}">
-                <a14:hiddenFill xmlns:a14="http://schemas.microsoft.com/office/drawing/2010/main" xmlns="">
+                <a14:hiddenFill xmlns="" xmlns:a14="http://schemas.microsoft.com/office/drawing/2010/main">
                   <a:noFill/>
                 </a14:hiddenFill>
               </a:ext>
@@ -29215,7 +29283,7 @@
             </a:ln>
             <a:extLst>
               <a:ext uri="{909E8E84-426E-40dd-AFC4-6F175D3DCCD1}">
-                <a14:hiddenFill xmlns:a14="http://schemas.microsoft.com/office/drawing/2010/main" xmlns="">
+                <a14:hiddenFill xmlns="" xmlns:a14="http://schemas.microsoft.com/office/drawing/2010/main">
                   <a:noFill/>
                 </a14:hiddenFill>
               </a:ext>
@@ -29266,7 +29334,7 @@
             </a:ln>
             <a:extLst>
               <a:ext uri="{909E8E84-426E-40dd-AFC4-6F175D3DCCD1}">
-                <a14:hiddenFill xmlns:a14="http://schemas.microsoft.com/office/drawing/2010/main" xmlns="">
+                <a14:hiddenFill xmlns="" xmlns:a14="http://schemas.microsoft.com/office/drawing/2010/main">
                   <a:noFill/>
                 </a14:hiddenFill>
               </a:ext>
@@ -29317,7 +29385,7 @@
             </a:ln>
             <a:extLst>
               <a:ext uri="{909E8E84-426E-40dd-AFC4-6F175D3DCCD1}">
-                <a14:hiddenFill xmlns:a14="http://schemas.microsoft.com/office/drawing/2010/main" xmlns="">
+                <a14:hiddenFill xmlns="" xmlns:a14="http://schemas.microsoft.com/office/drawing/2010/main">
                   <a:noFill/>
                 </a14:hiddenFill>
               </a:ext>
@@ -29368,7 +29436,7 @@
             </a:ln>
             <a:extLst>
               <a:ext uri="{909E8E84-426E-40dd-AFC4-6F175D3DCCD1}">
-                <a14:hiddenFill xmlns:a14="http://schemas.microsoft.com/office/drawing/2010/main" xmlns="">
+                <a14:hiddenFill xmlns="" xmlns:a14="http://schemas.microsoft.com/office/drawing/2010/main">
                   <a:noFill/>
                 </a14:hiddenFill>
               </a:ext>
@@ -29419,7 +29487,7 @@
             </a:ln>
             <a:extLst>
               <a:ext uri="{909E8E84-426E-40dd-AFC4-6F175D3DCCD1}">
-                <a14:hiddenFill xmlns:a14="http://schemas.microsoft.com/office/drawing/2010/main" xmlns="">
+                <a14:hiddenFill xmlns="" xmlns:a14="http://schemas.microsoft.com/office/drawing/2010/main">
                   <a:noFill/>
                 </a14:hiddenFill>
               </a:ext>
@@ -29470,7 +29538,7 @@
             </a:ln>
             <a:extLst>
               <a:ext uri="{909E8E84-426E-40dd-AFC4-6F175D3DCCD1}">
-                <a14:hiddenFill xmlns:a14="http://schemas.microsoft.com/office/drawing/2010/main" xmlns="">
+                <a14:hiddenFill xmlns="" xmlns:a14="http://schemas.microsoft.com/office/drawing/2010/main">
                   <a:noFill/>
                 </a14:hiddenFill>
               </a:ext>
@@ -29521,7 +29589,7 @@
             </a:ln>
             <a:extLst>
               <a:ext uri="{909E8E84-426E-40dd-AFC4-6F175D3DCCD1}">
-                <a14:hiddenFill xmlns:a14="http://schemas.microsoft.com/office/drawing/2010/main" xmlns="">
+                <a14:hiddenFill xmlns="" xmlns:a14="http://schemas.microsoft.com/office/drawing/2010/main">
                   <a:noFill/>
                 </a14:hiddenFill>
               </a:ext>
@@ -29572,7 +29640,7 @@
             </a:ln>
             <a:extLst>
               <a:ext uri="{909E8E84-426E-40dd-AFC4-6F175D3DCCD1}">
-                <a14:hiddenFill xmlns:a14="http://schemas.microsoft.com/office/drawing/2010/main" xmlns="">
+                <a14:hiddenFill xmlns="" xmlns:a14="http://schemas.microsoft.com/office/drawing/2010/main">
                   <a:noFill/>
                 </a14:hiddenFill>
               </a:ext>
@@ -29623,7 +29691,7 @@
             </a:ln>
             <a:extLst>
               <a:ext uri="{909E8E84-426E-40dd-AFC4-6F175D3DCCD1}">
-                <a14:hiddenFill xmlns:a14="http://schemas.microsoft.com/office/drawing/2010/main" xmlns="">
+                <a14:hiddenFill xmlns="" xmlns:a14="http://schemas.microsoft.com/office/drawing/2010/main">
                   <a:noFill/>
                 </a14:hiddenFill>
               </a:ext>
@@ -29674,7 +29742,7 @@
             </a:ln>
             <a:extLst>
               <a:ext uri="{909E8E84-426E-40dd-AFC4-6F175D3DCCD1}">
-                <a14:hiddenFill xmlns:a14="http://schemas.microsoft.com/office/drawing/2010/main" xmlns="">
+                <a14:hiddenFill xmlns="" xmlns:a14="http://schemas.microsoft.com/office/drawing/2010/main">
                   <a:noFill/>
                 </a14:hiddenFill>
               </a:ext>
@@ -29725,7 +29793,7 @@
             </a:ln>
             <a:extLst>
               <a:ext uri="{909E8E84-426E-40dd-AFC4-6F175D3DCCD1}">
-                <a14:hiddenFill xmlns:a14="http://schemas.microsoft.com/office/drawing/2010/main" xmlns="">
+                <a14:hiddenFill xmlns="" xmlns:a14="http://schemas.microsoft.com/office/drawing/2010/main">
                   <a:noFill/>
                 </a14:hiddenFill>
               </a:ext>
@@ -29776,7 +29844,7 @@
             </a:ln>
             <a:extLst>
               <a:ext uri="{909E8E84-426E-40dd-AFC4-6F175D3DCCD1}">
-                <a14:hiddenFill xmlns:a14="http://schemas.microsoft.com/office/drawing/2010/main" xmlns="">
+                <a14:hiddenFill xmlns="" xmlns:a14="http://schemas.microsoft.com/office/drawing/2010/main">
                   <a:noFill/>
                 </a14:hiddenFill>
               </a:ext>
@@ -29827,7 +29895,7 @@
             </a:ln>
             <a:extLst>
               <a:ext uri="{909E8E84-426E-40dd-AFC4-6F175D3DCCD1}">
-                <a14:hiddenFill xmlns:a14="http://schemas.microsoft.com/office/drawing/2010/main" xmlns="">
+                <a14:hiddenFill xmlns="" xmlns:a14="http://schemas.microsoft.com/office/drawing/2010/main">
                   <a:noFill/>
                 </a14:hiddenFill>
               </a:ext>
@@ -29878,7 +29946,7 @@
             </a:ln>
             <a:extLst>
               <a:ext uri="{909E8E84-426E-40dd-AFC4-6F175D3DCCD1}">
-                <a14:hiddenFill xmlns:a14="http://schemas.microsoft.com/office/drawing/2010/main" xmlns="">
+                <a14:hiddenFill xmlns="" xmlns:a14="http://schemas.microsoft.com/office/drawing/2010/main">
                   <a:noFill/>
                 </a14:hiddenFill>
               </a:ext>
@@ -29929,7 +29997,7 @@
             </a:ln>
             <a:extLst>
               <a:ext uri="{909E8E84-426E-40dd-AFC4-6F175D3DCCD1}">
-                <a14:hiddenFill xmlns:a14="http://schemas.microsoft.com/office/drawing/2010/main" xmlns="">
+                <a14:hiddenFill xmlns="" xmlns:a14="http://schemas.microsoft.com/office/drawing/2010/main">
                   <a:noFill/>
                 </a14:hiddenFill>
               </a:ext>
@@ -29980,7 +30048,7 @@
             </a:ln>
             <a:extLst>
               <a:ext uri="{909E8E84-426E-40dd-AFC4-6F175D3DCCD1}">
-                <a14:hiddenFill xmlns:a14="http://schemas.microsoft.com/office/drawing/2010/main" xmlns="">
+                <a14:hiddenFill xmlns="" xmlns:a14="http://schemas.microsoft.com/office/drawing/2010/main">
                   <a:noFill/>
                 </a14:hiddenFill>
               </a:ext>
@@ -30031,7 +30099,7 @@
             </a:ln>
             <a:extLst>
               <a:ext uri="{909E8E84-426E-40dd-AFC4-6F175D3DCCD1}">
-                <a14:hiddenFill xmlns:a14="http://schemas.microsoft.com/office/drawing/2010/main" xmlns="">
+                <a14:hiddenFill xmlns="" xmlns:a14="http://schemas.microsoft.com/office/drawing/2010/main">
                   <a:noFill/>
                 </a14:hiddenFill>
               </a:ext>
@@ -30082,7 +30150,7 @@
             </a:ln>
             <a:extLst>
               <a:ext uri="{909E8E84-426E-40dd-AFC4-6F175D3DCCD1}">
-                <a14:hiddenFill xmlns:a14="http://schemas.microsoft.com/office/drawing/2010/main" xmlns="">
+                <a14:hiddenFill xmlns="" xmlns:a14="http://schemas.microsoft.com/office/drawing/2010/main">
                   <a:noFill/>
                 </a14:hiddenFill>
               </a:ext>
@@ -30133,7 +30201,7 @@
             </a:ln>
             <a:extLst>
               <a:ext uri="{909E8E84-426E-40dd-AFC4-6F175D3DCCD1}">
-                <a14:hiddenFill xmlns:a14="http://schemas.microsoft.com/office/drawing/2010/main" xmlns="">
+                <a14:hiddenFill xmlns="" xmlns:a14="http://schemas.microsoft.com/office/drawing/2010/main">
                   <a:noFill/>
                 </a14:hiddenFill>
               </a:ext>
@@ -30184,7 +30252,7 @@
             </a:ln>
             <a:extLst>
               <a:ext uri="{909E8E84-426E-40dd-AFC4-6F175D3DCCD1}">
-                <a14:hiddenFill xmlns:a14="http://schemas.microsoft.com/office/drawing/2010/main" xmlns="">
+                <a14:hiddenFill xmlns="" xmlns:a14="http://schemas.microsoft.com/office/drawing/2010/main">
                   <a:noFill/>
                 </a14:hiddenFill>
               </a:ext>
@@ -30235,7 +30303,7 @@
             </a:ln>
             <a:extLst>
               <a:ext uri="{909E8E84-426E-40dd-AFC4-6F175D3DCCD1}">
-                <a14:hiddenFill xmlns:a14="http://schemas.microsoft.com/office/drawing/2010/main" xmlns="">
+                <a14:hiddenFill xmlns="" xmlns:a14="http://schemas.microsoft.com/office/drawing/2010/main">
                   <a:noFill/>
                 </a14:hiddenFill>
               </a:ext>
@@ -30286,7 +30354,7 @@
             </a:ln>
             <a:extLst>
               <a:ext uri="{909E8E84-426E-40dd-AFC4-6F175D3DCCD1}">
-                <a14:hiddenFill xmlns:a14="http://schemas.microsoft.com/office/drawing/2010/main" xmlns="">
+                <a14:hiddenFill xmlns="" xmlns:a14="http://schemas.microsoft.com/office/drawing/2010/main">
                   <a:noFill/>
                 </a14:hiddenFill>
               </a:ext>
@@ -30337,7 +30405,7 @@
             </a:ln>
             <a:extLst>
               <a:ext uri="{909E8E84-426E-40dd-AFC4-6F175D3DCCD1}">
-                <a14:hiddenFill xmlns:a14="http://schemas.microsoft.com/office/drawing/2010/main" xmlns="">
+                <a14:hiddenFill xmlns="" xmlns:a14="http://schemas.microsoft.com/office/drawing/2010/main">
                   <a:noFill/>
                 </a14:hiddenFill>
               </a:ext>
@@ -30388,7 +30456,7 @@
             </a:ln>
             <a:extLst>
               <a:ext uri="{909E8E84-426E-40dd-AFC4-6F175D3DCCD1}">
-                <a14:hiddenFill xmlns:a14="http://schemas.microsoft.com/office/drawing/2010/main" xmlns="">
+                <a14:hiddenFill xmlns="" xmlns:a14="http://schemas.microsoft.com/office/drawing/2010/main">
                   <a:noFill/>
                 </a14:hiddenFill>
               </a:ext>
@@ -30439,7 +30507,7 @@
             </a:ln>
             <a:extLst>
               <a:ext uri="{909E8E84-426E-40dd-AFC4-6F175D3DCCD1}">
-                <a14:hiddenFill xmlns:a14="http://schemas.microsoft.com/office/drawing/2010/main" xmlns="">
+                <a14:hiddenFill xmlns="" xmlns:a14="http://schemas.microsoft.com/office/drawing/2010/main">
                   <a:noFill/>
                 </a14:hiddenFill>
               </a:ext>
@@ -30490,7 +30558,7 @@
             </a:ln>
             <a:extLst>
               <a:ext uri="{909E8E84-426E-40dd-AFC4-6F175D3DCCD1}">
-                <a14:hiddenFill xmlns:a14="http://schemas.microsoft.com/office/drawing/2010/main" xmlns="">
+                <a14:hiddenFill xmlns="" xmlns:a14="http://schemas.microsoft.com/office/drawing/2010/main">
                   <a:noFill/>
                 </a14:hiddenFill>
               </a:ext>
@@ -30541,7 +30609,7 @@
             </a:ln>
             <a:extLst>
               <a:ext uri="{909E8E84-426E-40dd-AFC4-6F175D3DCCD1}">
-                <a14:hiddenFill xmlns:a14="http://schemas.microsoft.com/office/drawing/2010/main" xmlns="">
+                <a14:hiddenFill xmlns="" xmlns:a14="http://schemas.microsoft.com/office/drawing/2010/main">
                   <a:noFill/>
                 </a14:hiddenFill>
               </a:ext>
@@ -30592,7 +30660,7 @@
             </a:ln>
             <a:extLst>
               <a:ext uri="{909E8E84-426E-40dd-AFC4-6F175D3DCCD1}">
-                <a14:hiddenFill xmlns:a14="http://schemas.microsoft.com/office/drawing/2010/main" xmlns="">
+                <a14:hiddenFill xmlns="" xmlns:a14="http://schemas.microsoft.com/office/drawing/2010/main">
                   <a:noFill/>
                 </a14:hiddenFill>
               </a:ext>
@@ -31415,7 +31483,7 @@
             </a:ln>
             <a:extLst>
               <a:ext uri="{909E8E84-426E-40dd-AFC4-6F175D3DCCD1}">
-                <a14:hiddenFill xmlns:a14="http://schemas.microsoft.com/office/drawing/2010/main" xmlns="">
+                <a14:hiddenFill xmlns="" xmlns:a14="http://schemas.microsoft.com/office/drawing/2010/main">
                   <a:solidFill>
                     <a:srgbClr val="FFFFFF"/>
                   </a:solidFill>
@@ -31468,7 +31536,7 @@
             </a:ln>
             <a:extLst>
               <a:ext uri="{909E8E84-426E-40dd-AFC4-6F175D3DCCD1}">
-                <a14:hiddenFill xmlns:a14="http://schemas.microsoft.com/office/drawing/2010/main" xmlns="">
+                <a14:hiddenFill xmlns="" xmlns:a14="http://schemas.microsoft.com/office/drawing/2010/main">
                   <a:noFill/>
                 </a14:hiddenFill>
               </a:ext>
@@ -31519,7 +31587,7 @@
             </a:ln>
             <a:extLst>
               <a:ext uri="{909E8E84-426E-40dd-AFC4-6F175D3DCCD1}">
-                <a14:hiddenFill xmlns:a14="http://schemas.microsoft.com/office/drawing/2010/main" xmlns="">
+                <a14:hiddenFill xmlns="" xmlns:a14="http://schemas.microsoft.com/office/drawing/2010/main">
                   <a:noFill/>
                 </a14:hiddenFill>
               </a:ext>
@@ -31570,7 +31638,7 @@
             </a:ln>
             <a:extLst>
               <a:ext uri="{909E8E84-426E-40dd-AFC4-6F175D3DCCD1}">
-                <a14:hiddenFill xmlns:a14="http://schemas.microsoft.com/office/drawing/2010/main" xmlns="">
+                <a14:hiddenFill xmlns="" xmlns:a14="http://schemas.microsoft.com/office/drawing/2010/main">
                   <a:noFill/>
                 </a14:hiddenFill>
               </a:ext>
@@ -31621,7 +31689,7 @@
             </a:ln>
             <a:extLst>
               <a:ext uri="{909E8E84-426E-40dd-AFC4-6F175D3DCCD1}">
-                <a14:hiddenFill xmlns:a14="http://schemas.microsoft.com/office/drawing/2010/main" xmlns="">
+                <a14:hiddenFill xmlns="" xmlns:a14="http://schemas.microsoft.com/office/drawing/2010/main">
                   <a:noFill/>
                 </a14:hiddenFill>
               </a:ext>
@@ -31672,7 +31740,7 @@
             </a:ln>
             <a:extLst>
               <a:ext uri="{909E8E84-426E-40dd-AFC4-6F175D3DCCD1}">
-                <a14:hiddenFill xmlns:a14="http://schemas.microsoft.com/office/drawing/2010/main" xmlns="">
+                <a14:hiddenFill xmlns="" xmlns:a14="http://schemas.microsoft.com/office/drawing/2010/main">
                   <a:noFill/>
                 </a14:hiddenFill>
               </a:ext>
@@ -31723,7 +31791,7 @@
             </a:ln>
             <a:extLst>
               <a:ext uri="{909E8E84-426E-40dd-AFC4-6F175D3DCCD1}">
-                <a14:hiddenFill xmlns:a14="http://schemas.microsoft.com/office/drawing/2010/main" xmlns="">
+                <a14:hiddenFill xmlns="" xmlns:a14="http://schemas.microsoft.com/office/drawing/2010/main">
                   <a:noFill/>
                 </a14:hiddenFill>
               </a:ext>
@@ -31774,7 +31842,7 @@
             </a:ln>
             <a:extLst>
               <a:ext uri="{909E8E84-426E-40dd-AFC4-6F175D3DCCD1}">
-                <a14:hiddenFill xmlns:a14="http://schemas.microsoft.com/office/drawing/2010/main" xmlns="">
+                <a14:hiddenFill xmlns="" xmlns:a14="http://schemas.microsoft.com/office/drawing/2010/main">
                   <a:noFill/>
                 </a14:hiddenFill>
               </a:ext>
@@ -31825,7 +31893,7 @@
             </a:ln>
             <a:extLst>
               <a:ext uri="{909E8E84-426E-40dd-AFC4-6F175D3DCCD1}">
-                <a14:hiddenFill xmlns:a14="http://schemas.microsoft.com/office/drawing/2010/main" xmlns="">
+                <a14:hiddenFill xmlns="" xmlns:a14="http://schemas.microsoft.com/office/drawing/2010/main">
                   <a:noFill/>
                 </a14:hiddenFill>
               </a:ext>
@@ -31876,7 +31944,7 @@
             </a:ln>
             <a:extLst>
               <a:ext uri="{909E8E84-426E-40dd-AFC4-6F175D3DCCD1}">
-                <a14:hiddenFill xmlns:a14="http://schemas.microsoft.com/office/drawing/2010/main" xmlns="">
+                <a14:hiddenFill xmlns="" xmlns:a14="http://schemas.microsoft.com/office/drawing/2010/main">
                   <a:noFill/>
                 </a14:hiddenFill>
               </a:ext>
@@ -31927,7 +31995,7 @@
             </a:ln>
             <a:extLst>
               <a:ext uri="{909E8E84-426E-40dd-AFC4-6F175D3DCCD1}">
-                <a14:hiddenFill xmlns:a14="http://schemas.microsoft.com/office/drawing/2010/main" xmlns="">
+                <a14:hiddenFill xmlns="" xmlns:a14="http://schemas.microsoft.com/office/drawing/2010/main">
                   <a:noFill/>
                 </a14:hiddenFill>
               </a:ext>
@@ -31978,7 +32046,7 @@
             </a:ln>
             <a:extLst>
               <a:ext uri="{909E8E84-426E-40dd-AFC4-6F175D3DCCD1}">
-                <a14:hiddenFill xmlns:a14="http://schemas.microsoft.com/office/drawing/2010/main" xmlns="">
+                <a14:hiddenFill xmlns="" xmlns:a14="http://schemas.microsoft.com/office/drawing/2010/main">
                   <a:noFill/>
                 </a14:hiddenFill>
               </a:ext>
@@ -32029,7 +32097,7 @@
             </a:ln>
             <a:extLst>
               <a:ext uri="{909E8E84-426E-40dd-AFC4-6F175D3DCCD1}">
-                <a14:hiddenFill xmlns:a14="http://schemas.microsoft.com/office/drawing/2010/main" xmlns="">
+                <a14:hiddenFill xmlns="" xmlns:a14="http://schemas.microsoft.com/office/drawing/2010/main">
                   <a:noFill/>
                 </a14:hiddenFill>
               </a:ext>
@@ -32080,7 +32148,7 @@
             </a:ln>
             <a:extLst>
               <a:ext uri="{909E8E84-426E-40dd-AFC4-6F175D3DCCD1}">
-                <a14:hiddenFill xmlns:a14="http://schemas.microsoft.com/office/drawing/2010/main" xmlns="">
+                <a14:hiddenFill xmlns="" xmlns:a14="http://schemas.microsoft.com/office/drawing/2010/main">
                   <a:noFill/>
                 </a14:hiddenFill>
               </a:ext>
@@ -32131,7 +32199,7 @@
             </a:ln>
             <a:extLst>
               <a:ext uri="{909E8E84-426E-40dd-AFC4-6F175D3DCCD1}">
-                <a14:hiddenFill xmlns:a14="http://schemas.microsoft.com/office/drawing/2010/main" xmlns="">
+                <a14:hiddenFill xmlns="" xmlns:a14="http://schemas.microsoft.com/office/drawing/2010/main">
                   <a:noFill/>
                 </a14:hiddenFill>
               </a:ext>
@@ -32182,7 +32250,7 @@
             </a:ln>
             <a:extLst>
               <a:ext uri="{909E8E84-426E-40dd-AFC4-6F175D3DCCD1}">
-                <a14:hiddenFill xmlns:a14="http://schemas.microsoft.com/office/drawing/2010/main" xmlns="">
+                <a14:hiddenFill xmlns="" xmlns:a14="http://schemas.microsoft.com/office/drawing/2010/main">
                   <a:noFill/>
                 </a14:hiddenFill>
               </a:ext>
@@ -32233,7 +32301,7 @@
             </a:ln>
             <a:extLst>
               <a:ext uri="{909E8E84-426E-40dd-AFC4-6F175D3DCCD1}">
-                <a14:hiddenFill xmlns:a14="http://schemas.microsoft.com/office/drawing/2010/main" xmlns="">
+                <a14:hiddenFill xmlns="" xmlns:a14="http://schemas.microsoft.com/office/drawing/2010/main">
                   <a:noFill/>
                 </a14:hiddenFill>
               </a:ext>
@@ -32284,7 +32352,7 @@
             </a:ln>
             <a:extLst>
               <a:ext uri="{909E8E84-426E-40dd-AFC4-6F175D3DCCD1}">
-                <a14:hiddenFill xmlns:a14="http://schemas.microsoft.com/office/drawing/2010/main" xmlns="">
+                <a14:hiddenFill xmlns="" xmlns:a14="http://schemas.microsoft.com/office/drawing/2010/main">
                   <a:noFill/>
                 </a14:hiddenFill>
               </a:ext>
@@ -32335,7 +32403,7 @@
             </a:ln>
             <a:extLst>
               <a:ext uri="{909E8E84-426E-40dd-AFC4-6F175D3DCCD1}">
-                <a14:hiddenFill xmlns:a14="http://schemas.microsoft.com/office/drawing/2010/main" xmlns="">
+                <a14:hiddenFill xmlns="" xmlns:a14="http://schemas.microsoft.com/office/drawing/2010/main">
                   <a:noFill/>
                 </a14:hiddenFill>
               </a:ext>
@@ -32386,7 +32454,7 @@
             </a:ln>
             <a:extLst>
               <a:ext uri="{909E8E84-426E-40dd-AFC4-6F175D3DCCD1}">
-                <a14:hiddenFill xmlns:a14="http://schemas.microsoft.com/office/drawing/2010/main" xmlns="">
+                <a14:hiddenFill xmlns="" xmlns:a14="http://schemas.microsoft.com/office/drawing/2010/main">
                   <a:noFill/>
                 </a14:hiddenFill>
               </a:ext>
@@ -32437,7 +32505,7 @@
             </a:ln>
             <a:extLst>
               <a:ext uri="{909E8E84-426E-40dd-AFC4-6F175D3DCCD1}">
-                <a14:hiddenFill xmlns:a14="http://schemas.microsoft.com/office/drawing/2010/main" xmlns="">
+                <a14:hiddenFill xmlns="" xmlns:a14="http://schemas.microsoft.com/office/drawing/2010/main">
                   <a:noFill/>
                 </a14:hiddenFill>
               </a:ext>
@@ -32488,7 +32556,7 @@
             </a:ln>
             <a:extLst>
               <a:ext uri="{909E8E84-426E-40dd-AFC4-6F175D3DCCD1}">
-                <a14:hiddenFill xmlns:a14="http://schemas.microsoft.com/office/drawing/2010/main" xmlns="">
+                <a14:hiddenFill xmlns="" xmlns:a14="http://schemas.microsoft.com/office/drawing/2010/main">
                   <a:noFill/>
                 </a14:hiddenFill>
               </a:ext>
@@ -32539,7 +32607,7 @@
             </a:ln>
             <a:extLst>
               <a:ext uri="{909E8E84-426E-40dd-AFC4-6F175D3DCCD1}">
-                <a14:hiddenFill xmlns:a14="http://schemas.microsoft.com/office/drawing/2010/main" xmlns="">
+                <a14:hiddenFill xmlns="" xmlns:a14="http://schemas.microsoft.com/office/drawing/2010/main">
                   <a:noFill/>
                 </a14:hiddenFill>
               </a:ext>
@@ -32590,7 +32658,7 @@
             </a:ln>
             <a:extLst>
               <a:ext uri="{909E8E84-426E-40dd-AFC4-6F175D3DCCD1}">
-                <a14:hiddenFill xmlns:a14="http://schemas.microsoft.com/office/drawing/2010/main" xmlns="">
+                <a14:hiddenFill xmlns="" xmlns:a14="http://schemas.microsoft.com/office/drawing/2010/main">
                   <a:noFill/>
                 </a14:hiddenFill>
               </a:ext>
@@ -32641,7 +32709,7 @@
             </a:ln>
             <a:extLst>
               <a:ext uri="{909E8E84-426E-40dd-AFC4-6F175D3DCCD1}">
-                <a14:hiddenFill xmlns:a14="http://schemas.microsoft.com/office/drawing/2010/main" xmlns="">
+                <a14:hiddenFill xmlns="" xmlns:a14="http://schemas.microsoft.com/office/drawing/2010/main">
                   <a:noFill/>
                 </a14:hiddenFill>
               </a:ext>
@@ -32692,7 +32760,7 @@
             </a:ln>
             <a:extLst>
               <a:ext uri="{909E8E84-426E-40dd-AFC4-6F175D3DCCD1}">
-                <a14:hiddenFill xmlns:a14="http://schemas.microsoft.com/office/drawing/2010/main" xmlns="">
+                <a14:hiddenFill xmlns="" xmlns:a14="http://schemas.microsoft.com/office/drawing/2010/main">
                   <a:noFill/>
                 </a14:hiddenFill>
               </a:ext>
@@ -32743,7 +32811,7 @@
             </a:ln>
             <a:extLst>
               <a:ext uri="{909E8E84-426E-40dd-AFC4-6F175D3DCCD1}">
-                <a14:hiddenFill xmlns:a14="http://schemas.microsoft.com/office/drawing/2010/main" xmlns="">
+                <a14:hiddenFill xmlns="" xmlns:a14="http://schemas.microsoft.com/office/drawing/2010/main">
                   <a:noFill/>
                 </a14:hiddenFill>
               </a:ext>
@@ -32794,7 +32862,7 @@
             </a:ln>
             <a:extLst>
               <a:ext uri="{909E8E84-426E-40dd-AFC4-6F175D3DCCD1}">
-                <a14:hiddenFill xmlns:a14="http://schemas.microsoft.com/office/drawing/2010/main" xmlns="">
+                <a14:hiddenFill xmlns="" xmlns:a14="http://schemas.microsoft.com/office/drawing/2010/main">
                   <a:noFill/>
                 </a14:hiddenFill>
               </a:ext>
@@ -32845,7 +32913,7 @@
             </a:ln>
             <a:extLst>
               <a:ext uri="{909E8E84-426E-40dd-AFC4-6F175D3DCCD1}">
-                <a14:hiddenFill xmlns:a14="http://schemas.microsoft.com/office/drawing/2010/main" xmlns="">
+                <a14:hiddenFill xmlns="" xmlns:a14="http://schemas.microsoft.com/office/drawing/2010/main">
                   <a:noFill/>
                 </a14:hiddenFill>
               </a:ext>
@@ -32896,7 +32964,7 @@
             </a:ln>
             <a:extLst>
               <a:ext uri="{909E8E84-426E-40dd-AFC4-6F175D3DCCD1}">
-                <a14:hiddenFill xmlns:a14="http://schemas.microsoft.com/office/drawing/2010/main" xmlns="">
+                <a14:hiddenFill xmlns="" xmlns:a14="http://schemas.microsoft.com/office/drawing/2010/main">
                   <a:noFill/>
                 </a14:hiddenFill>
               </a:ext>
@@ -32947,7 +33015,7 @@
             </a:ln>
             <a:extLst>
               <a:ext uri="{909E8E84-426E-40dd-AFC4-6F175D3DCCD1}">
-                <a14:hiddenFill xmlns:a14="http://schemas.microsoft.com/office/drawing/2010/main" xmlns="">
+                <a14:hiddenFill xmlns="" xmlns:a14="http://schemas.microsoft.com/office/drawing/2010/main">
                   <a:noFill/>
                 </a14:hiddenFill>
               </a:ext>
@@ -32998,7 +33066,7 @@
             </a:ln>
             <a:extLst>
               <a:ext uri="{909E8E84-426E-40dd-AFC4-6F175D3DCCD1}">
-                <a14:hiddenFill xmlns:a14="http://schemas.microsoft.com/office/drawing/2010/main" xmlns="">
+                <a14:hiddenFill xmlns="" xmlns:a14="http://schemas.microsoft.com/office/drawing/2010/main">
                   <a:noFill/>
                 </a14:hiddenFill>
               </a:ext>
@@ -33049,7 +33117,7 @@
             </a:ln>
             <a:extLst>
               <a:ext uri="{909E8E84-426E-40dd-AFC4-6F175D3DCCD1}">
-                <a14:hiddenFill xmlns:a14="http://schemas.microsoft.com/office/drawing/2010/main" xmlns="">
+                <a14:hiddenFill xmlns="" xmlns:a14="http://schemas.microsoft.com/office/drawing/2010/main">
                   <a:noFill/>
                 </a14:hiddenFill>
               </a:ext>
@@ -33100,7 +33168,7 @@
             </a:ln>
             <a:extLst>
               <a:ext uri="{909E8E84-426E-40dd-AFC4-6F175D3DCCD1}">
-                <a14:hiddenFill xmlns:a14="http://schemas.microsoft.com/office/drawing/2010/main" xmlns="">
+                <a14:hiddenFill xmlns="" xmlns:a14="http://schemas.microsoft.com/office/drawing/2010/main">
                   <a:noFill/>
                 </a14:hiddenFill>
               </a:ext>
@@ -33151,7 +33219,7 @@
             </a:ln>
             <a:extLst>
               <a:ext uri="{909E8E84-426E-40dd-AFC4-6F175D3DCCD1}">
-                <a14:hiddenFill xmlns:a14="http://schemas.microsoft.com/office/drawing/2010/main" xmlns="">
+                <a14:hiddenFill xmlns="" xmlns:a14="http://schemas.microsoft.com/office/drawing/2010/main">
                   <a:noFill/>
                 </a14:hiddenFill>
               </a:ext>
@@ -33202,7 +33270,7 @@
             </a:ln>
             <a:extLst>
               <a:ext uri="{909E8E84-426E-40dd-AFC4-6F175D3DCCD1}">
-                <a14:hiddenFill xmlns:a14="http://schemas.microsoft.com/office/drawing/2010/main" xmlns="">
+                <a14:hiddenFill xmlns="" xmlns:a14="http://schemas.microsoft.com/office/drawing/2010/main">
                   <a:noFill/>
                 </a14:hiddenFill>
               </a:ext>
@@ -33253,7 +33321,7 @@
             </a:ln>
             <a:extLst>
               <a:ext uri="{909E8E84-426E-40dd-AFC4-6F175D3DCCD1}">
-                <a14:hiddenFill xmlns:a14="http://schemas.microsoft.com/office/drawing/2010/main" xmlns="">
+                <a14:hiddenFill xmlns="" xmlns:a14="http://schemas.microsoft.com/office/drawing/2010/main">
                   <a:noFill/>
                 </a14:hiddenFill>
               </a:ext>
@@ -33304,7 +33372,7 @@
             </a:ln>
             <a:extLst>
               <a:ext uri="{909E8E84-426E-40dd-AFC4-6F175D3DCCD1}">
-                <a14:hiddenFill xmlns:a14="http://schemas.microsoft.com/office/drawing/2010/main" xmlns="">
+                <a14:hiddenFill xmlns="" xmlns:a14="http://schemas.microsoft.com/office/drawing/2010/main">
                   <a:noFill/>
                 </a14:hiddenFill>
               </a:ext>
@@ -33355,7 +33423,7 @@
             </a:ln>
             <a:extLst>
               <a:ext uri="{909E8E84-426E-40dd-AFC4-6F175D3DCCD1}">
-                <a14:hiddenFill xmlns:a14="http://schemas.microsoft.com/office/drawing/2010/main" xmlns="">
+                <a14:hiddenFill xmlns="" xmlns:a14="http://schemas.microsoft.com/office/drawing/2010/main">
                   <a:noFill/>
                 </a14:hiddenFill>
               </a:ext>
@@ -33406,7 +33474,7 @@
             </a:ln>
             <a:extLst>
               <a:ext uri="{909E8E84-426E-40dd-AFC4-6F175D3DCCD1}">
-                <a14:hiddenFill xmlns:a14="http://schemas.microsoft.com/office/drawing/2010/main" xmlns="">
+                <a14:hiddenFill xmlns="" xmlns:a14="http://schemas.microsoft.com/office/drawing/2010/main">
                   <a:noFill/>
                 </a14:hiddenFill>
               </a:ext>
@@ -33457,7 +33525,7 @@
             </a:ln>
             <a:extLst>
               <a:ext uri="{909E8E84-426E-40dd-AFC4-6F175D3DCCD1}">
-                <a14:hiddenFill xmlns:a14="http://schemas.microsoft.com/office/drawing/2010/main" xmlns="">
+                <a14:hiddenFill xmlns="" xmlns:a14="http://schemas.microsoft.com/office/drawing/2010/main">
                   <a:noFill/>
                 </a14:hiddenFill>
               </a:ext>
@@ -33508,7 +33576,7 @@
             </a:ln>
             <a:extLst>
               <a:ext uri="{909E8E84-426E-40dd-AFC4-6F175D3DCCD1}">
-                <a14:hiddenFill xmlns:a14="http://schemas.microsoft.com/office/drawing/2010/main" xmlns="">
+                <a14:hiddenFill xmlns="" xmlns:a14="http://schemas.microsoft.com/office/drawing/2010/main">
                   <a:noFill/>
                 </a14:hiddenFill>
               </a:ext>
@@ -33559,7 +33627,7 @@
             </a:ln>
             <a:extLst>
               <a:ext uri="{909E8E84-426E-40dd-AFC4-6F175D3DCCD1}">
-                <a14:hiddenFill xmlns:a14="http://schemas.microsoft.com/office/drawing/2010/main" xmlns="">
+                <a14:hiddenFill xmlns="" xmlns:a14="http://schemas.microsoft.com/office/drawing/2010/main">
                   <a:noFill/>
                 </a14:hiddenFill>
               </a:ext>
@@ -33610,7 +33678,7 @@
             </a:ln>
             <a:extLst>
               <a:ext uri="{909E8E84-426E-40dd-AFC4-6F175D3DCCD1}">
-                <a14:hiddenFill xmlns:a14="http://schemas.microsoft.com/office/drawing/2010/main" xmlns="">
+                <a14:hiddenFill xmlns="" xmlns:a14="http://schemas.microsoft.com/office/drawing/2010/main">
                   <a:noFill/>
                 </a14:hiddenFill>
               </a:ext>
@@ -33661,7 +33729,7 @@
             </a:ln>
             <a:extLst>
               <a:ext uri="{909E8E84-426E-40dd-AFC4-6F175D3DCCD1}">
-                <a14:hiddenFill xmlns:a14="http://schemas.microsoft.com/office/drawing/2010/main" xmlns="">
+                <a14:hiddenFill xmlns="" xmlns:a14="http://schemas.microsoft.com/office/drawing/2010/main">
                   <a:noFill/>
                 </a14:hiddenFill>
               </a:ext>
@@ -33712,7 +33780,7 @@
             </a:ln>
             <a:extLst>
               <a:ext uri="{909E8E84-426E-40dd-AFC4-6F175D3DCCD1}">
-                <a14:hiddenFill xmlns:a14="http://schemas.microsoft.com/office/drawing/2010/main" xmlns="">
+                <a14:hiddenFill xmlns="" xmlns:a14="http://schemas.microsoft.com/office/drawing/2010/main">
                   <a:noFill/>
                 </a14:hiddenFill>
               </a:ext>
@@ -33763,7 +33831,7 @@
             </a:ln>
             <a:extLst>
               <a:ext uri="{909E8E84-426E-40dd-AFC4-6F175D3DCCD1}">
-                <a14:hiddenFill xmlns:a14="http://schemas.microsoft.com/office/drawing/2010/main" xmlns="">
+                <a14:hiddenFill xmlns="" xmlns:a14="http://schemas.microsoft.com/office/drawing/2010/main">
                   <a:noFill/>
                 </a14:hiddenFill>
               </a:ext>
@@ -33814,7 +33882,7 @@
             </a:ln>
             <a:extLst>
               <a:ext uri="{909E8E84-426E-40dd-AFC4-6F175D3DCCD1}">
-                <a14:hiddenFill xmlns:a14="http://schemas.microsoft.com/office/drawing/2010/main" xmlns="">
+                <a14:hiddenFill xmlns="" xmlns:a14="http://schemas.microsoft.com/office/drawing/2010/main">
                   <a:noFill/>
                 </a14:hiddenFill>
               </a:ext>
@@ -33865,7 +33933,7 @@
             </a:ln>
             <a:extLst>
               <a:ext uri="{909E8E84-426E-40dd-AFC4-6F175D3DCCD1}">
-                <a14:hiddenFill xmlns:a14="http://schemas.microsoft.com/office/drawing/2010/main" xmlns="">
+                <a14:hiddenFill xmlns="" xmlns:a14="http://schemas.microsoft.com/office/drawing/2010/main">
                   <a:noFill/>
                 </a14:hiddenFill>
               </a:ext>
@@ -33916,7 +33984,7 @@
             </a:ln>
             <a:extLst>
               <a:ext uri="{909E8E84-426E-40dd-AFC4-6F175D3DCCD1}">
-                <a14:hiddenFill xmlns:a14="http://schemas.microsoft.com/office/drawing/2010/main" xmlns="">
+                <a14:hiddenFill xmlns="" xmlns:a14="http://schemas.microsoft.com/office/drawing/2010/main">
                   <a:noFill/>
                 </a14:hiddenFill>
               </a:ext>
@@ -33967,7 +34035,7 @@
             </a:ln>
             <a:extLst>
               <a:ext uri="{909E8E84-426E-40dd-AFC4-6F175D3DCCD1}">
-                <a14:hiddenFill xmlns:a14="http://schemas.microsoft.com/office/drawing/2010/main" xmlns="">
+                <a14:hiddenFill xmlns="" xmlns:a14="http://schemas.microsoft.com/office/drawing/2010/main">
                   <a:noFill/>
                 </a14:hiddenFill>
               </a:ext>
@@ -34018,7 +34086,7 @@
             </a:ln>
             <a:extLst>
               <a:ext uri="{909E8E84-426E-40dd-AFC4-6F175D3DCCD1}">
-                <a14:hiddenFill xmlns:a14="http://schemas.microsoft.com/office/drawing/2010/main" xmlns="">
+                <a14:hiddenFill xmlns="" xmlns:a14="http://schemas.microsoft.com/office/drawing/2010/main">
                   <a:noFill/>
                 </a14:hiddenFill>
               </a:ext>
@@ -34069,7 +34137,7 @@
             </a:ln>
             <a:extLst>
               <a:ext uri="{909E8E84-426E-40dd-AFC4-6F175D3DCCD1}">
-                <a14:hiddenFill xmlns:a14="http://schemas.microsoft.com/office/drawing/2010/main" xmlns="">
+                <a14:hiddenFill xmlns="" xmlns:a14="http://schemas.microsoft.com/office/drawing/2010/main">
                   <a:noFill/>
                 </a14:hiddenFill>
               </a:ext>
@@ -34120,7 +34188,7 @@
             </a:ln>
             <a:extLst>
               <a:ext uri="{909E8E84-426E-40dd-AFC4-6F175D3DCCD1}">
-                <a14:hiddenFill xmlns:a14="http://schemas.microsoft.com/office/drawing/2010/main" xmlns="">
+                <a14:hiddenFill xmlns="" xmlns:a14="http://schemas.microsoft.com/office/drawing/2010/main">
                   <a:noFill/>
                 </a14:hiddenFill>
               </a:ext>
@@ -34171,7 +34239,7 @@
             </a:ln>
             <a:extLst>
               <a:ext uri="{909E8E84-426E-40dd-AFC4-6F175D3DCCD1}">
-                <a14:hiddenFill xmlns:a14="http://schemas.microsoft.com/office/drawing/2010/main" xmlns="">
+                <a14:hiddenFill xmlns="" xmlns:a14="http://schemas.microsoft.com/office/drawing/2010/main">
                   <a:noFill/>
                 </a14:hiddenFill>
               </a:ext>
@@ -34222,7 +34290,7 @@
             </a:ln>
             <a:extLst>
               <a:ext uri="{909E8E84-426E-40dd-AFC4-6F175D3DCCD1}">
-                <a14:hiddenFill xmlns:a14="http://schemas.microsoft.com/office/drawing/2010/main" xmlns="">
+                <a14:hiddenFill xmlns="" xmlns:a14="http://schemas.microsoft.com/office/drawing/2010/main">
                   <a:noFill/>
                 </a14:hiddenFill>
               </a:ext>
@@ -34273,7 +34341,7 @@
             </a:ln>
             <a:extLst>
               <a:ext uri="{909E8E84-426E-40dd-AFC4-6F175D3DCCD1}">
-                <a14:hiddenFill xmlns:a14="http://schemas.microsoft.com/office/drawing/2010/main" xmlns="">
+                <a14:hiddenFill xmlns="" xmlns:a14="http://schemas.microsoft.com/office/drawing/2010/main">
                   <a:noFill/>
                 </a14:hiddenFill>
               </a:ext>
@@ -34324,7 +34392,7 @@
             </a:ln>
             <a:extLst>
               <a:ext uri="{909E8E84-426E-40dd-AFC4-6F175D3DCCD1}">
-                <a14:hiddenFill xmlns:a14="http://schemas.microsoft.com/office/drawing/2010/main" xmlns="">
+                <a14:hiddenFill xmlns="" xmlns:a14="http://schemas.microsoft.com/office/drawing/2010/main">
                   <a:noFill/>
                 </a14:hiddenFill>
               </a:ext>
@@ -34375,7 +34443,7 @@
             </a:ln>
             <a:extLst>
               <a:ext uri="{909E8E84-426E-40dd-AFC4-6F175D3DCCD1}">
-                <a14:hiddenFill xmlns:a14="http://schemas.microsoft.com/office/drawing/2010/main" xmlns="">
+                <a14:hiddenFill xmlns="" xmlns:a14="http://schemas.microsoft.com/office/drawing/2010/main">
                   <a:noFill/>
                 </a14:hiddenFill>
               </a:ext>
@@ -34426,7 +34494,7 @@
             </a:ln>
             <a:extLst>
               <a:ext uri="{909E8E84-426E-40dd-AFC4-6F175D3DCCD1}">
-                <a14:hiddenFill xmlns:a14="http://schemas.microsoft.com/office/drawing/2010/main" xmlns="">
+                <a14:hiddenFill xmlns="" xmlns:a14="http://schemas.microsoft.com/office/drawing/2010/main">
                   <a:noFill/>
                 </a14:hiddenFill>
               </a:ext>
@@ -34477,7 +34545,7 @@
             </a:ln>
             <a:extLst>
               <a:ext uri="{909E8E84-426E-40dd-AFC4-6F175D3DCCD1}">
-                <a14:hiddenFill xmlns:a14="http://schemas.microsoft.com/office/drawing/2010/main" xmlns="">
+                <a14:hiddenFill xmlns="" xmlns:a14="http://schemas.microsoft.com/office/drawing/2010/main">
                   <a:noFill/>
                 </a14:hiddenFill>
               </a:ext>
@@ -34528,7 +34596,7 @@
             </a:ln>
             <a:extLst>
               <a:ext uri="{909E8E84-426E-40dd-AFC4-6F175D3DCCD1}">
-                <a14:hiddenFill xmlns:a14="http://schemas.microsoft.com/office/drawing/2010/main" xmlns="">
+                <a14:hiddenFill xmlns="" xmlns:a14="http://schemas.microsoft.com/office/drawing/2010/main">
                   <a:noFill/>
                 </a14:hiddenFill>
               </a:ext>
@@ -34579,7 +34647,7 @@
             </a:ln>
             <a:extLst>
               <a:ext uri="{909E8E84-426E-40dd-AFC4-6F175D3DCCD1}">
-                <a14:hiddenFill xmlns:a14="http://schemas.microsoft.com/office/drawing/2010/main" xmlns="">
+                <a14:hiddenFill xmlns="" xmlns:a14="http://schemas.microsoft.com/office/drawing/2010/main">
                   <a:noFill/>
                 </a14:hiddenFill>
               </a:ext>
@@ -34630,7 +34698,7 @@
             </a:ln>
             <a:extLst>
               <a:ext uri="{909E8E84-426E-40dd-AFC4-6F175D3DCCD1}">
-                <a14:hiddenFill xmlns:a14="http://schemas.microsoft.com/office/drawing/2010/main" xmlns="">
+                <a14:hiddenFill xmlns="" xmlns:a14="http://schemas.microsoft.com/office/drawing/2010/main">
                   <a:noFill/>
                 </a14:hiddenFill>
               </a:ext>
@@ -34681,7 +34749,7 @@
             </a:ln>
             <a:extLst>
               <a:ext uri="{909E8E84-426E-40dd-AFC4-6F175D3DCCD1}">
-                <a14:hiddenFill xmlns:a14="http://schemas.microsoft.com/office/drawing/2010/main" xmlns="">
+                <a14:hiddenFill xmlns="" xmlns:a14="http://schemas.microsoft.com/office/drawing/2010/main">
                   <a:noFill/>
                 </a14:hiddenFill>
               </a:ext>
@@ -34732,7 +34800,7 @@
             </a:ln>
             <a:extLst>
               <a:ext uri="{909E8E84-426E-40dd-AFC4-6F175D3DCCD1}">
-                <a14:hiddenFill xmlns:a14="http://schemas.microsoft.com/office/drawing/2010/main" xmlns="">
+                <a14:hiddenFill xmlns="" xmlns:a14="http://schemas.microsoft.com/office/drawing/2010/main">
                   <a:noFill/>
                 </a14:hiddenFill>
               </a:ext>
@@ -34783,7 +34851,7 @@
             </a:ln>
             <a:extLst>
               <a:ext uri="{909E8E84-426E-40dd-AFC4-6F175D3DCCD1}">
-                <a14:hiddenFill xmlns:a14="http://schemas.microsoft.com/office/drawing/2010/main" xmlns="">
+                <a14:hiddenFill xmlns="" xmlns:a14="http://schemas.microsoft.com/office/drawing/2010/main">
                   <a:noFill/>
                 </a14:hiddenFill>
               </a:ext>
@@ -34834,7 +34902,7 @@
             </a:ln>
             <a:extLst>
               <a:ext uri="{909E8E84-426E-40dd-AFC4-6F175D3DCCD1}">
-                <a14:hiddenFill xmlns:a14="http://schemas.microsoft.com/office/drawing/2010/main" xmlns="">
+                <a14:hiddenFill xmlns="" xmlns:a14="http://schemas.microsoft.com/office/drawing/2010/main">
                   <a:noFill/>
                 </a14:hiddenFill>
               </a:ext>
@@ -34885,7 +34953,7 @@
             </a:ln>
             <a:extLst>
               <a:ext uri="{909E8E84-426E-40dd-AFC4-6F175D3DCCD1}">
-                <a14:hiddenFill xmlns:a14="http://schemas.microsoft.com/office/drawing/2010/main" xmlns="">
+                <a14:hiddenFill xmlns="" xmlns:a14="http://schemas.microsoft.com/office/drawing/2010/main">
                   <a:noFill/>
                 </a14:hiddenFill>
               </a:ext>
@@ -35373,7 +35441,7 @@
             </a:ln>
             <a:extLst>
               <a:ext uri="{909E8E84-426E-40dd-AFC4-6F175D3DCCD1}">
-                <a14:hiddenFill xmlns:a14="http://schemas.microsoft.com/office/drawing/2010/main" xmlns="">
+                <a14:hiddenFill xmlns="" xmlns:a14="http://schemas.microsoft.com/office/drawing/2010/main">
                   <a:solidFill>
                     <a:srgbClr val="FFFFFF"/>
                   </a:solidFill>
@@ -35426,7 +35494,7 @@
             </a:ln>
             <a:extLst>
               <a:ext uri="{909E8E84-426E-40dd-AFC4-6F175D3DCCD1}">
-                <a14:hiddenFill xmlns:a14="http://schemas.microsoft.com/office/drawing/2010/main" xmlns="">
+                <a14:hiddenFill xmlns="" xmlns:a14="http://schemas.microsoft.com/office/drawing/2010/main">
                   <a:noFill/>
                 </a14:hiddenFill>
               </a:ext>
@@ -35477,7 +35545,7 @@
             </a:ln>
             <a:extLst>
               <a:ext uri="{909E8E84-426E-40dd-AFC4-6F175D3DCCD1}">
-                <a14:hiddenFill xmlns:a14="http://schemas.microsoft.com/office/drawing/2010/main" xmlns="">
+                <a14:hiddenFill xmlns="" xmlns:a14="http://schemas.microsoft.com/office/drawing/2010/main">
                   <a:noFill/>
                 </a14:hiddenFill>
               </a:ext>
@@ -35528,7 +35596,7 @@
             </a:ln>
             <a:extLst>
               <a:ext uri="{909E8E84-426E-40dd-AFC4-6F175D3DCCD1}">
-                <a14:hiddenFill xmlns:a14="http://schemas.microsoft.com/office/drawing/2010/main" xmlns="">
+                <a14:hiddenFill xmlns="" xmlns:a14="http://schemas.microsoft.com/office/drawing/2010/main">
                   <a:noFill/>
                 </a14:hiddenFill>
               </a:ext>
@@ -35579,7 +35647,7 @@
             </a:ln>
             <a:extLst>
               <a:ext uri="{909E8E84-426E-40dd-AFC4-6F175D3DCCD1}">
-                <a14:hiddenFill xmlns:a14="http://schemas.microsoft.com/office/drawing/2010/main" xmlns="">
+                <a14:hiddenFill xmlns="" xmlns:a14="http://schemas.microsoft.com/office/drawing/2010/main">
                   <a:noFill/>
                 </a14:hiddenFill>
               </a:ext>
@@ -35630,7 +35698,7 @@
             </a:ln>
             <a:extLst>
               <a:ext uri="{909E8E84-426E-40dd-AFC4-6F175D3DCCD1}">
-                <a14:hiddenFill xmlns:a14="http://schemas.microsoft.com/office/drawing/2010/main" xmlns="">
+                <a14:hiddenFill xmlns="" xmlns:a14="http://schemas.microsoft.com/office/drawing/2010/main">
                   <a:noFill/>
                 </a14:hiddenFill>
               </a:ext>
@@ -35681,7 +35749,7 @@
             </a:ln>
             <a:extLst>
               <a:ext uri="{909E8E84-426E-40dd-AFC4-6F175D3DCCD1}">
-                <a14:hiddenFill xmlns:a14="http://schemas.microsoft.com/office/drawing/2010/main" xmlns="">
+                <a14:hiddenFill xmlns="" xmlns:a14="http://schemas.microsoft.com/office/drawing/2010/main">
                   <a:noFill/>
                 </a14:hiddenFill>
               </a:ext>
@@ -35732,7 +35800,7 @@
             </a:ln>
             <a:extLst>
               <a:ext uri="{909E8E84-426E-40dd-AFC4-6F175D3DCCD1}">
-                <a14:hiddenFill xmlns:a14="http://schemas.microsoft.com/office/drawing/2010/main" xmlns="">
+                <a14:hiddenFill xmlns="" xmlns:a14="http://schemas.microsoft.com/office/drawing/2010/main">
                   <a:noFill/>
                 </a14:hiddenFill>
               </a:ext>
@@ -35783,7 +35851,7 @@
             </a:ln>
             <a:extLst>
               <a:ext uri="{909E8E84-426E-40dd-AFC4-6F175D3DCCD1}">
-                <a14:hiddenFill xmlns:a14="http://schemas.microsoft.com/office/drawing/2010/main" xmlns="">
+                <a14:hiddenFill xmlns="" xmlns:a14="http://schemas.microsoft.com/office/drawing/2010/main">
                   <a:noFill/>
                 </a14:hiddenFill>
               </a:ext>
@@ -35834,7 +35902,7 @@
             </a:ln>
             <a:extLst>
               <a:ext uri="{909E8E84-426E-40dd-AFC4-6F175D3DCCD1}">
-                <a14:hiddenFill xmlns:a14="http://schemas.microsoft.com/office/drawing/2010/main" xmlns="">
+                <a14:hiddenFill xmlns="" xmlns:a14="http://schemas.microsoft.com/office/drawing/2010/main">
                   <a:noFill/>
                 </a14:hiddenFill>
               </a:ext>
@@ -35885,7 +35953,7 @@
             </a:ln>
             <a:extLst>
               <a:ext uri="{909E8E84-426E-40dd-AFC4-6F175D3DCCD1}">
-                <a14:hiddenFill xmlns:a14="http://schemas.microsoft.com/office/drawing/2010/main" xmlns="">
+                <a14:hiddenFill xmlns="" xmlns:a14="http://schemas.microsoft.com/office/drawing/2010/main">
                   <a:noFill/>
                 </a14:hiddenFill>
               </a:ext>
@@ -35936,7 +36004,7 @@
             </a:ln>
             <a:extLst>
               <a:ext uri="{909E8E84-426E-40dd-AFC4-6F175D3DCCD1}">
-                <a14:hiddenFill xmlns:a14="http://schemas.microsoft.com/office/drawing/2010/main" xmlns="">
+                <a14:hiddenFill xmlns="" xmlns:a14="http://schemas.microsoft.com/office/drawing/2010/main">
                   <a:noFill/>
                 </a14:hiddenFill>
               </a:ext>
@@ -35987,7 +36055,7 @@
             </a:ln>
             <a:extLst>
               <a:ext uri="{909E8E84-426E-40dd-AFC4-6F175D3DCCD1}">
-                <a14:hiddenFill xmlns:a14="http://schemas.microsoft.com/office/drawing/2010/main" xmlns="">
+                <a14:hiddenFill xmlns="" xmlns:a14="http://schemas.microsoft.com/office/drawing/2010/main">
                   <a:noFill/>
                 </a14:hiddenFill>
               </a:ext>
@@ -36038,7 +36106,7 @@
             </a:ln>
             <a:extLst>
               <a:ext uri="{909E8E84-426E-40dd-AFC4-6F175D3DCCD1}">
-                <a14:hiddenFill xmlns:a14="http://schemas.microsoft.com/office/drawing/2010/main" xmlns="">
+                <a14:hiddenFill xmlns="" xmlns:a14="http://schemas.microsoft.com/office/drawing/2010/main">
                   <a:noFill/>
                 </a14:hiddenFill>
               </a:ext>
@@ -36089,7 +36157,7 @@
             </a:ln>
             <a:extLst>
               <a:ext uri="{909E8E84-426E-40dd-AFC4-6F175D3DCCD1}">
-                <a14:hiddenFill xmlns:a14="http://schemas.microsoft.com/office/drawing/2010/main" xmlns="">
+                <a14:hiddenFill xmlns="" xmlns:a14="http://schemas.microsoft.com/office/drawing/2010/main">
                   <a:noFill/>
                 </a14:hiddenFill>
               </a:ext>
@@ -36140,7 +36208,7 @@
             </a:ln>
             <a:extLst>
               <a:ext uri="{909E8E84-426E-40dd-AFC4-6F175D3DCCD1}">
-                <a14:hiddenFill xmlns:a14="http://schemas.microsoft.com/office/drawing/2010/main" xmlns="">
+                <a14:hiddenFill xmlns="" xmlns:a14="http://schemas.microsoft.com/office/drawing/2010/main">
                   <a:noFill/>
                 </a14:hiddenFill>
               </a:ext>
@@ -36191,7 +36259,7 @@
             </a:ln>
             <a:extLst>
               <a:ext uri="{909E8E84-426E-40dd-AFC4-6F175D3DCCD1}">
-                <a14:hiddenFill xmlns:a14="http://schemas.microsoft.com/office/drawing/2010/main" xmlns="">
+                <a14:hiddenFill xmlns="" xmlns:a14="http://schemas.microsoft.com/office/drawing/2010/main">
                   <a:noFill/>
                 </a14:hiddenFill>
               </a:ext>
@@ -36242,7 +36310,7 @@
             </a:ln>
             <a:extLst>
               <a:ext uri="{909E8E84-426E-40dd-AFC4-6F175D3DCCD1}">
-                <a14:hiddenFill xmlns:a14="http://schemas.microsoft.com/office/drawing/2010/main" xmlns="">
+                <a14:hiddenFill xmlns="" xmlns:a14="http://schemas.microsoft.com/office/drawing/2010/main">
                   <a:noFill/>
                 </a14:hiddenFill>
               </a:ext>
@@ -36293,7 +36361,7 @@
             </a:ln>
             <a:extLst>
               <a:ext uri="{909E8E84-426E-40dd-AFC4-6F175D3DCCD1}">
-                <a14:hiddenFill xmlns:a14="http://schemas.microsoft.com/office/drawing/2010/main" xmlns="">
+                <a14:hiddenFill xmlns="" xmlns:a14="http://schemas.microsoft.com/office/drawing/2010/main">
                   <a:noFill/>
                 </a14:hiddenFill>
               </a:ext>
@@ -36344,7 +36412,7 @@
             </a:ln>
             <a:extLst>
               <a:ext uri="{909E8E84-426E-40dd-AFC4-6F175D3DCCD1}">
-                <a14:hiddenFill xmlns:a14="http://schemas.microsoft.com/office/drawing/2010/main" xmlns="">
+                <a14:hiddenFill xmlns="" xmlns:a14="http://schemas.microsoft.com/office/drawing/2010/main">
                   <a:noFill/>
                 </a14:hiddenFill>
               </a:ext>
@@ -36395,7 +36463,7 @@
             </a:ln>
             <a:extLst>
               <a:ext uri="{909E8E84-426E-40dd-AFC4-6F175D3DCCD1}">
-                <a14:hiddenFill xmlns:a14="http://schemas.microsoft.com/office/drawing/2010/main" xmlns="">
+                <a14:hiddenFill xmlns="" xmlns:a14="http://schemas.microsoft.com/office/drawing/2010/main">
                   <a:noFill/>
                 </a14:hiddenFill>
               </a:ext>
@@ -36446,7 +36514,7 @@
             </a:ln>
             <a:extLst>
               <a:ext uri="{909E8E84-426E-40dd-AFC4-6F175D3DCCD1}">
-                <a14:hiddenFill xmlns:a14="http://schemas.microsoft.com/office/drawing/2010/main" xmlns="">
+                <a14:hiddenFill xmlns="" xmlns:a14="http://schemas.microsoft.com/office/drawing/2010/main">
                   <a:noFill/>
                 </a14:hiddenFill>
               </a:ext>
@@ -36497,7 +36565,7 @@
             </a:ln>
             <a:extLst>
               <a:ext uri="{909E8E84-426E-40dd-AFC4-6F175D3DCCD1}">
-                <a14:hiddenFill xmlns:a14="http://schemas.microsoft.com/office/drawing/2010/main" xmlns="">
+                <a14:hiddenFill xmlns="" xmlns:a14="http://schemas.microsoft.com/office/drawing/2010/main">
                   <a:noFill/>
                 </a14:hiddenFill>
               </a:ext>
@@ -36548,7 +36616,7 @@
             </a:ln>
             <a:extLst>
               <a:ext uri="{909E8E84-426E-40dd-AFC4-6F175D3DCCD1}">
-                <a14:hiddenFill xmlns:a14="http://schemas.microsoft.com/office/drawing/2010/main" xmlns="">
+                <a14:hiddenFill xmlns="" xmlns:a14="http://schemas.microsoft.com/office/drawing/2010/main">
                   <a:noFill/>
                 </a14:hiddenFill>
               </a:ext>
@@ -36599,7 +36667,7 @@
             </a:ln>
             <a:extLst>
               <a:ext uri="{909E8E84-426E-40dd-AFC4-6F175D3DCCD1}">
-                <a14:hiddenFill xmlns:a14="http://schemas.microsoft.com/office/drawing/2010/main" xmlns="">
+                <a14:hiddenFill xmlns="" xmlns:a14="http://schemas.microsoft.com/office/drawing/2010/main">
                   <a:noFill/>
                 </a14:hiddenFill>
               </a:ext>
@@ -36650,7 +36718,7 @@
             </a:ln>
             <a:extLst>
               <a:ext uri="{909E8E84-426E-40dd-AFC4-6F175D3DCCD1}">
-                <a14:hiddenFill xmlns:a14="http://schemas.microsoft.com/office/drawing/2010/main" xmlns="">
+                <a14:hiddenFill xmlns="" xmlns:a14="http://schemas.microsoft.com/office/drawing/2010/main">
                   <a:noFill/>
                 </a14:hiddenFill>
               </a:ext>
@@ -36701,7 +36769,7 @@
             </a:ln>
             <a:extLst>
               <a:ext uri="{909E8E84-426E-40dd-AFC4-6F175D3DCCD1}">
-                <a14:hiddenFill xmlns:a14="http://schemas.microsoft.com/office/drawing/2010/main" xmlns="">
+                <a14:hiddenFill xmlns="" xmlns:a14="http://schemas.microsoft.com/office/drawing/2010/main">
                   <a:noFill/>
                 </a14:hiddenFill>
               </a:ext>
@@ -36752,7 +36820,7 @@
             </a:ln>
             <a:extLst>
               <a:ext uri="{909E8E84-426E-40dd-AFC4-6F175D3DCCD1}">
-                <a14:hiddenFill xmlns:a14="http://schemas.microsoft.com/office/drawing/2010/main" xmlns="">
+                <a14:hiddenFill xmlns="" xmlns:a14="http://schemas.microsoft.com/office/drawing/2010/main">
                   <a:noFill/>
                 </a14:hiddenFill>
               </a:ext>
@@ -36803,7 +36871,7 @@
             </a:ln>
             <a:extLst>
               <a:ext uri="{909E8E84-426E-40dd-AFC4-6F175D3DCCD1}">
-                <a14:hiddenFill xmlns:a14="http://schemas.microsoft.com/office/drawing/2010/main" xmlns="">
+                <a14:hiddenFill xmlns="" xmlns:a14="http://schemas.microsoft.com/office/drawing/2010/main">
                   <a:noFill/>
                 </a14:hiddenFill>
               </a:ext>
@@ -36854,7 +36922,7 @@
             </a:ln>
             <a:extLst>
               <a:ext uri="{909E8E84-426E-40dd-AFC4-6F175D3DCCD1}">
-                <a14:hiddenFill xmlns:a14="http://schemas.microsoft.com/office/drawing/2010/main" xmlns="">
+                <a14:hiddenFill xmlns="" xmlns:a14="http://schemas.microsoft.com/office/drawing/2010/main">
                   <a:noFill/>
                 </a14:hiddenFill>
               </a:ext>
@@ -36905,7 +36973,7 @@
             </a:ln>
             <a:extLst>
               <a:ext uri="{909E8E84-426E-40dd-AFC4-6F175D3DCCD1}">
-                <a14:hiddenFill xmlns:a14="http://schemas.microsoft.com/office/drawing/2010/main" xmlns="">
+                <a14:hiddenFill xmlns="" xmlns:a14="http://schemas.microsoft.com/office/drawing/2010/main">
                   <a:noFill/>
                 </a14:hiddenFill>
               </a:ext>
@@ -36956,7 +37024,7 @@
             </a:ln>
             <a:extLst>
               <a:ext uri="{909E8E84-426E-40dd-AFC4-6F175D3DCCD1}">
-                <a14:hiddenFill xmlns:a14="http://schemas.microsoft.com/office/drawing/2010/main" xmlns="">
+                <a14:hiddenFill xmlns="" xmlns:a14="http://schemas.microsoft.com/office/drawing/2010/main">
                   <a:noFill/>
                 </a14:hiddenFill>
               </a:ext>
@@ -37007,7 +37075,7 @@
             </a:ln>
             <a:extLst>
               <a:ext uri="{909E8E84-426E-40dd-AFC4-6F175D3DCCD1}">
-                <a14:hiddenFill xmlns:a14="http://schemas.microsoft.com/office/drawing/2010/main" xmlns="">
+                <a14:hiddenFill xmlns="" xmlns:a14="http://schemas.microsoft.com/office/drawing/2010/main">
                   <a:noFill/>
                 </a14:hiddenFill>
               </a:ext>
@@ -37058,7 +37126,7 @@
             </a:ln>
             <a:extLst>
               <a:ext uri="{909E8E84-426E-40dd-AFC4-6F175D3DCCD1}">
-                <a14:hiddenFill xmlns:a14="http://schemas.microsoft.com/office/drawing/2010/main" xmlns="">
+                <a14:hiddenFill xmlns="" xmlns:a14="http://schemas.microsoft.com/office/drawing/2010/main">
                   <a:noFill/>
                 </a14:hiddenFill>
               </a:ext>
@@ -37109,7 +37177,7 @@
             </a:ln>
             <a:extLst>
               <a:ext uri="{909E8E84-426E-40dd-AFC4-6F175D3DCCD1}">
-                <a14:hiddenFill xmlns:a14="http://schemas.microsoft.com/office/drawing/2010/main" xmlns="">
+                <a14:hiddenFill xmlns="" xmlns:a14="http://schemas.microsoft.com/office/drawing/2010/main">
                   <a:noFill/>
                 </a14:hiddenFill>
               </a:ext>
@@ -37160,7 +37228,7 @@
             </a:ln>
             <a:extLst>
               <a:ext uri="{909E8E84-426E-40dd-AFC4-6F175D3DCCD1}">
-                <a14:hiddenFill xmlns:a14="http://schemas.microsoft.com/office/drawing/2010/main" xmlns="">
+                <a14:hiddenFill xmlns="" xmlns:a14="http://schemas.microsoft.com/office/drawing/2010/main">
                   <a:noFill/>
                 </a14:hiddenFill>
               </a:ext>
@@ -37211,7 +37279,7 @@
             </a:ln>
             <a:extLst>
               <a:ext uri="{909E8E84-426E-40dd-AFC4-6F175D3DCCD1}">
-                <a14:hiddenFill xmlns:a14="http://schemas.microsoft.com/office/drawing/2010/main" xmlns="">
+                <a14:hiddenFill xmlns="" xmlns:a14="http://schemas.microsoft.com/office/drawing/2010/main">
                   <a:noFill/>
                 </a14:hiddenFill>
               </a:ext>
@@ -37262,7 +37330,7 @@
             </a:ln>
             <a:extLst>
               <a:ext uri="{909E8E84-426E-40dd-AFC4-6F175D3DCCD1}">
-                <a14:hiddenFill xmlns:a14="http://schemas.microsoft.com/office/drawing/2010/main" xmlns="">
+                <a14:hiddenFill xmlns="" xmlns:a14="http://schemas.microsoft.com/office/drawing/2010/main">
                   <a:noFill/>
                 </a14:hiddenFill>
               </a:ext>
@@ -37313,7 +37381,7 @@
             </a:ln>
             <a:extLst>
               <a:ext uri="{909E8E84-426E-40dd-AFC4-6F175D3DCCD1}">
-                <a14:hiddenFill xmlns:a14="http://schemas.microsoft.com/office/drawing/2010/main" xmlns="">
+                <a14:hiddenFill xmlns="" xmlns:a14="http://schemas.microsoft.com/office/drawing/2010/main">
                   <a:noFill/>
                 </a14:hiddenFill>
               </a:ext>
@@ -37364,7 +37432,7 @@
             </a:ln>
             <a:extLst>
               <a:ext uri="{909E8E84-426E-40dd-AFC4-6F175D3DCCD1}">
-                <a14:hiddenFill xmlns:a14="http://schemas.microsoft.com/office/drawing/2010/main" xmlns="">
+                <a14:hiddenFill xmlns="" xmlns:a14="http://schemas.microsoft.com/office/drawing/2010/main">
                   <a:noFill/>
                 </a14:hiddenFill>
               </a:ext>
@@ -37415,7 +37483,7 @@
             </a:ln>
             <a:extLst>
               <a:ext uri="{909E8E84-426E-40dd-AFC4-6F175D3DCCD1}">
-                <a14:hiddenFill xmlns:a14="http://schemas.microsoft.com/office/drawing/2010/main" xmlns="">
+                <a14:hiddenFill xmlns="" xmlns:a14="http://schemas.microsoft.com/office/drawing/2010/main">
                   <a:noFill/>
                 </a14:hiddenFill>
               </a:ext>
@@ -37466,7 +37534,7 @@
             </a:ln>
             <a:extLst>
               <a:ext uri="{909E8E84-426E-40dd-AFC4-6F175D3DCCD1}">
-                <a14:hiddenFill xmlns:a14="http://schemas.microsoft.com/office/drawing/2010/main" xmlns="">
+                <a14:hiddenFill xmlns="" xmlns:a14="http://schemas.microsoft.com/office/drawing/2010/main">
                   <a:noFill/>
                 </a14:hiddenFill>
               </a:ext>
@@ -37517,7 +37585,7 @@
             </a:ln>
             <a:extLst>
               <a:ext uri="{909E8E84-426E-40dd-AFC4-6F175D3DCCD1}">
-                <a14:hiddenFill xmlns:a14="http://schemas.microsoft.com/office/drawing/2010/main" xmlns="">
+                <a14:hiddenFill xmlns="" xmlns:a14="http://schemas.microsoft.com/office/drawing/2010/main">
                   <a:noFill/>
                 </a14:hiddenFill>
               </a:ext>
@@ -37568,7 +37636,7 @@
             </a:ln>
             <a:extLst>
               <a:ext uri="{909E8E84-426E-40dd-AFC4-6F175D3DCCD1}">
-                <a14:hiddenFill xmlns:a14="http://schemas.microsoft.com/office/drawing/2010/main" xmlns="">
+                <a14:hiddenFill xmlns="" xmlns:a14="http://schemas.microsoft.com/office/drawing/2010/main">
                   <a:noFill/>
                 </a14:hiddenFill>
               </a:ext>
@@ -37619,7 +37687,7 @@
             </a:ln>
             <a:extLst>
               <a:ext uri="{909E8E84-426E-40dd-AFC4-6F175D3DCCD1}">
-                <a14:hiddenFill xmlns:a14="http://schemas.microsoft.com/office/drawing/2010/main" xmlns="">
+                <a14:hiddenFill xmlns="" xmlns:a14="http://schemas.microsoft.com/office/drawing/2010/main">
                   <a:noFill/>
                 </a14:hiddenFill>
               </a:ext>
@@ -37670,7 +37738,7 @@
             </a:ln>
             <a:extLst>
               <a:ext uri="{909E8E84-426E-40dd-AFC4-6F175D3DCCD1}">
-                <a14:hiddenFill xmlns:a14="http://schemas.microsoft.com/office/drawing/2010/main" xmlns="">
+                <a14:hiddenFill xmlns="" xmlns:a14="http://schemas.microsoft.com/office/drawing/2010/main">
                   <a:noFill/>
                 </a14:hiddenFill>
               </a:ext>
@@ -37721,7 +37789,7 @@
             </a:ln>
             <a:extLst>
               <a:ext uri="{909E8E84-426E-40dd-AFC4-6F175D3DCCD1}">
-                <a14:hiddenFill xmlns:a14="http://schemas.microsoft.com/office/drawing/2010/main" xmlns="">
+                <a14:hiddenFill xmlns="" xmlns:a14="http://schemas.microsoft.com/office/drawing/2010/main">
                   <a:noFill/>
                 </a14:hiddenFill>
               </a:ext>
@@ -37772,7 +37840,7 @@
             </a:ln>
             <a:extLst>
               <a:ext uri="{909E8E84-426E-40dd-AFC4-6F175D3DCCD1}">
-                <a14:hiddenFill xmlns:a14="http://schemas.microsoft.com/office/drawing/2010/main" xmlns="">
+                <a14:hiddenFill xmlns="" xmlns:a14="http://schemas.microsoft.com/office/drawing/2010/main">
                   <a:noFill/>
                 </a14:hiddenFill>
               </a:ext>
@@ -37823,7 +37891,7 @@
             </a:ln>
             <a:extLst>
               <a:ext uri="{909E8E84-426E-40dd-AFC4-6F175D3DCCD1}">
-                <a14:hiddenFill xmlns:a14="http://schemas.microsoft.com/office/drawing/2010/main" xmlns="">
+                <a14:hiddenFill xmlns="" xmlns:a14="http://schemas.microsoft.com/office/drawing/2010/main">
                   <a:noFill/>
                 </a14:hiddenFill>
               </a:ext>
@@ -37874,7 +37942,7 @@
             </a:ln>
             <a:extLst>
               <a:ext uri="{909E8E84-426E-40dd-AFC4-6F175D3DCCD1}">
-                <a14:hiddenFill xmlns:a14="http://schemas.microsoft.com/office/drawing/2010/main" xmlns="">
+                <a14:hiddenFill xmlns="" xmlns:a14="http://schemas.microsoft.com/office/drawing/2010/main">
                   <a:noFill/>
                 </a14:hiddenFill>
               </a:ext>
@@ -37925,7 +37993,7 @@
             </a:ln>
             <a:extLst>
               <a:ext uri="{909E8E84-426E-40dd-AFC4-6F175D3DCCD1}">
-                <a14:hiddenFill xmlns:a14="http://schemas.microsoft.com/office/drawing/2010/main" xmlns="">
+                <a14:hiddenFill xmlns="" xmlns:a14="http://schemas.microsoft.com/office/drawing/2010/main">
                   <a:noFill/>
                 </a14:hiddenFill>
               </a:ext>
@@ -37976,7 +38044,7 @@
             </a:ln>
             <a:extLst>
               <a:ext uri="{909E8E84-426E-40dd-AFC4-6F175D3DCCD1}">
-                <a14:hiddenFill xmlns:a14="http://schemas.microsoft.com/office/drawing/2010/main" xmlns="">
+                <a14:hiddenFill xmlns="" xmlns:a14="http://schemas.microsoft.com/office/drawing/2010/main">
                   <a:noFill/>
                 </a14:hiddenFill>
               </a:ext>
@@ -38027,7 +38095,7 @@
             </a:ln>
             <a:extLst>
               <a:ext uri="{909E8E84-426E-40dd-AFC4-6F175D3DCCD1}">
-                <a14:hiddenFill xmlns:a14="http://schemas.microsoft.com/office/drawing/2010/main" xmlns="">
+                <a14:hiddenFill xmlns="" xmlns:a14="http://schemas.microsoft.com/office/drawing/2010/main">
                   <a:noFill/>
                 </a14:hiddenFill>
               </a:ext>
@@ -38078,7 +38146,7 @@
             </a:ln>
             <a:extLst>
               <a:ext uri="{909E8E84-426E-40dd-AFC4-6F175D3DCCD1}">
-                <a14:hiddenFill xmlns:a14="http://schemas.microsoft.com/office/drawing/2010/main" xmlns="">
+                <a14:hiddenFill xmlns="" xmlns:a14="http://schemas.microsoft.com/office/drawing/2010/main">
                   <a:noFill/>
                 </a14:hiddenFill>
               </a:ext>
@@ -38129,7 +38197,7 @@
             </a:ln>
             <a:extLst>
               <a:ext uri="{909E8E84-426E-40dd-AFC4-6F175D3DCCD1}">
-                <a14:hiddenFill xmlns:a14="http://schemas.microsoft.com/office/drawing/2010/main" xmlns="">
+                <a14:hiddenFill xmlns="" xmlns:a14="http://schemas.microsoft.com/office/drawing/2010/main">
                   <a:noFill/>
                 </a14:hiddenFill>
               </a:ext>
@@ -38180,7 +38248,7 @@
             </a:ln>
             <a:extLst>
               <a:ext uri="{909E8E84-426E-40dd-AFC4-6F175D3DCCD1}">
-                <a14:hiddenFill xmlns:a14="http://schemas.microsoft.com/office/drawing/2010/main" xmlns="">
+                <a14:hiddenFill xmlns="" xmlns:a14="http://schemas.microsoft.com/office/drawing/2010/main">
                   <a:noFill/>
                 </a14:hiddenFill>
               </a:ext>
@@ -38231,7 +38299,7 @@
             </a:ln>
             <a:extLst>
               <a:ext uri="{909E8E84-426E-40dd-AFC4-6F175D3DCCD1}">
-                <a14:hiddenFill xmlns:a14="http://schemas.microsoft.com/office/drawing/2010/main" xmlns="">
+                <a14:hiddenFill xmlns="" xmlns:a14="http://schemas.microsoft.com/office/drawing/2010/main">
                   <a:noFill/>
                 </a14:hiddenFill>
               </a:ext>
@@ -38282,7 +38350,7 @@
             </a:ln>
             <a:extLst>
               <a:ext uri="{909E8E84-426E-40dd-AFC4-6F175D3DCCD1}">
-                <a14:hiddenFill xmlns:a14="http://schemas.microsoft.com/office/drawing/2010/main" xmlns="">
+                <a14:hiddenFill xmlns="" xmlns:a14="http://schemas.microsoft.com/office/drawing/2010/main">
                   <a:noFill/>
                 </a14:hiddenFill>
               </a:ext>
@@ -38333,7 +38401,7 @@
             </a:ln>
             <a:extLst>
               <a:ext uri="{909E8E84-426E-40dd-AFC4-6F175D3DCCD1}">
-                <a14:hiddenFill xmlns:a14="http://schemas.microsoft.com/office/drawing/2010/main" xmlns="">
+                <a14:hiddenFill xmlns="" xmlns:a14="http://schemas.microsoft.com/office/drawing/2010/main">
                   <a:noFill/>
                 </a14:hiddenFill>
               </a:ext>
@@ -38384,7 +38452,7 @@
             </a:ln>
             <a:extLst>
               <a:ext uri="{909E8E84-426E-40dd-AFC4-6F175D3DCCD1}">
-                <a14:hiddenFill xmlns:a14="http://schemas.microsoft.com/office/drawing/2010/main" xmlns="">
+                <a14:hiddenFill xmlns="" xmlns:a14="http://schemas.microsoft.com/office/drawing/2010/main">
                   <a:noFill/>
                 </a14:hiddenFill>
               </a:ext>
@@ -38435,7 +38503,7 @@
             </a:ln>
             <a:extLst>
               <a:ext uri="{909E8E84-426E-40dd-AFC4-6F175D3DCCD1}">
-                <a14:hiddenFill xmlns:a14="http://schemas.microsoft.com/office/drawing/2010/main" xmlns="">
+                <a14:hiddenFill xmlns="" xmlns:a14="http://schemas.microsoft.com/office/drawing/2010/main">
                   <a:noFill/>
                 </a14:hiddenFill>
               </a:ext>
@@ -38486,7 +38554,7 @@
             </a:ln>
             <a:extLst>
               <a:ext uri="{909E8E84-426E-40dd-AFC4-6F175D3DCCD1}">
-                <a14:hiddenFill xmlns:a14="http://schemas.microsoft.com/office/drawing/2010/main" xmlns="">
+                <a14:hiddenFill xmlns="" xmlns:a14="http://schemas.microsoft.com/office/drawing/2010/main">
                   <a:noFill/>
                 </a14:hiddenFill>
               </a:ext>
@@ -38537,7 +38605,7 @@
             </a:ln>
             <a:extLst>
               <a:ext uri="{909E8E84-426E-40dd-AFC4-6F175D3DCCD1}">
-                <a14:hiddenFill xmlns:a14="http://schemas.microsoft.com/office/drawing/2010/main" xmlns="">
+                <a14:hiddenFill xmlns="" xmlns:a14="http://schemas.microsoft.com/office/drawing/2010/main">
                   <a:noFill/>
                 </a14:hiddenFill>
               </a:ext>
@@ -38588,7 +38656,7 @@
             </a:ln>
             <a:extLst>
               <a:ext uri="{909E8E84-426E-40dd-AFC4-6F175D3DCCD1}">
-                <a14:hiddenFill xmlns:a14="http://schemas.microsoft.com/office/drawing/2010/main" xmlns="">
+                <a14:hiddenFill xmlns="" xmlns:a14="http://schemas.microsoft.com/office/drawing/2010/main">
                   <a:noFill/>
                 </a14:hiddenFill>
               </a:ext>
@@ -38639,7 +38707,7 @@
             </a:ln>
             <a:extLst>
               <a:ext uri="{909E8E84-426E-40dd-AFC4-6F175D3DCCD1}">
-                <a14:hiddenFill xmlns:a14="http://schemas.microsoft.com/office/drawing/2010/main" xmlns="">
+                <a14:hiddenFill xmlns="" xmlns:a14="http://schemas.microsoft.com/office/drawing/2010/main">
                   <a:noFill/>
                 </a14:hiddenFill>
               </a:ext>
@@ -38690,7 +38758,7 @@
             </a:ln>
             <a:extLst>
               <a:ext uri="{909E8E84-426E-40dd-AFC4-6F175D3DCCD1}">
-                <a14:hiddenFill xmlns:a14="http://schemas.microsoft.com/office/drawing/2010/main" xmlns="">
+                <a14:hiddenFill xmlns="" xmlns:a14="http://schemas.microsoft.com/office/drawing/2010/main">
                   <a:noFill/>
                 </a14:hiddenFill>
               </a:ext>
@@ -38741,7 +38809,7 @@
             </a:ln>
             <a:extLst>
               <a:ext uri="{909E8E84-426E-40dd-AFC4-6F175D3DCCD1}">
-                <a14:hiddenFill xmlns:a14="http://schemas.microsoft.com/office/drawing/2010/main" xmlns="">
+                <a14:hiddenFill xmlns="" xmlns:a14="http://schemas.microsoft.com/office/drawing/2010/main">
                   <a:noFill/>
                 </a14:hiddenFill>
               </a:ext>
@@ -38792,7 +38860,7 @@
             </a:ln>
             <a:extLst>
               <a:ext uri="{909E8E84-426E-40dd-AFC4-6F175D3DCCD1}">
-                <a14:hiddenFill xmlns:a14="http://schemas.microsoft.com/office/drawing/2010/main" xmlns="">
+                <a14:hiddenFill xmlns="" xmlns:a14="http://schemas.microsoft.com/office/drawing/2010/main">
                   <a:noFill/>
                 </a14:hiddenFill>
               </a:ext>
@@ -38843,7 +38911,7 @@
             </a:ln>
             <a:extLst>
               <a:ext uri="{909E8E84-426E-40dd-AFC4-6F175D3DCCD1}">
-                <a14:hiddenFill xmlns:a14="http://schemas.microsoft.com/office/drawing/2010/main" xmlns="">
+                <a14:hiddenFill xmlns="" xmlns:a14="http://schemas.microsoft.com/office/drawing/2010/main">
                   <a:noFill/>
                 </a14:hiddenFill>
               </a:ext>
@@ -39926,7 +39994,7 @@
             </a:ln>
             <a:extLst>
               <a:ext uri="{909E8E84-426E-40dd-AFC4-6F175D3DCCD1}">
-                <a14:hiddenFill xmlns:a14="http://schemas.microsoft.com/office/drawing/2010/main" xmlns="">
+                <a14:hiddenFill xmlns="" xmlns:a14="http://schemas.microsoft.com/office/drawing/2010/main">
                   <a:solidFill>
                     <a:srgbClr val="FFFFFF"/>
                   </a:solidFill>
@@ -39979,7 +40047,7 @@
             </a:ln>
             <a:extLst>
               <a:ext uri="{909E8E84-426E-40dd-AFC4-6F175D3DCCD1}">
-                <a14:hiddenFill xmlns:a14="http://schemas.microsoft.com/office/drawing/2010/main" xmlns="">
+                <a14:hiddenFill xmlns="" xmlns:a14="http://schemas.microsoft.com/office/drawing/2010/main">
                   <a:noFill/>
                 </a14:hiddenFill>
               </a:ext>
@@ -40030,7 +40098,7 @@
             </a:ln>
             <a:extLst>
               <a:ext uri="{909E8E84-426E-40dd-AFC4-6F175D3DCCD1}">
-                <a14:hiddenFill xmlns:a14="http://schemas.microsoft.com/office/drawing/2010/main" xmlns="">
+                <a14:hiddenFill xmlns="" xmlns:a14="http://schemas.microsoft.com/office/drawing/2010/main">
                   <a:noFill/>
                 </a14:hiddenFill>
               </a:ext>
@@ -40081,7 +40149,7 @@
             </a:ln>
             <a:extLst>
               <a:ext uri="{909E8E84-426E-40dd-AFC4-6F175D3DCCD1}">
-                <a14:hiddenFill xmlns:a14="http://schemas.microsoft.com/office/drawing/2010/main" xmlns="">
+                <a14:hiddenFill xmlns="" xmlns:a14="http://schemas.microsoft.com/office/drawing/2010/main">
                   <a:noFill/>
                 </a14:hiddenFill>
               </a:ext>
@@ -40132,7 +40200,7 @@
             </a:ln>
             <a:extLst>
               <a:ext uri="{909E8E84-426E-40dd-AFC4-6F175D3DCCD1}">
-                <a14:hiddenFill xmlns:a14="http://schemas.microsoft.com/office/drawing/2010/main" xmlns="">
+                <a14:hiddenFill xmlns="" xmlns:a14="http://schemas.microsoft.com/office/drawing/2010/main">
                   <a:noFill/>
                 </a14:hiddenFill>
               </a:ext>
@@ -40183,7 +40251,7 @@
             </a:ln>
             <a:extLst>
               <a:ext uri="{909E8E84-426E-40dd-AFC4-6F175D3DCCD1}">
-                <a14:hiddenFill xmlns:a14="http://schemas.microsoft.com/office/drawing/2010/main" xmlns="">
+                <a14:hiddenFill xmlns="" xmlns:a14="http://schemas.microsoft.com/office/drawing/2010/main">
                   <a:noFill/>
                 </a14:hiddenFill>
               </a:ext>
@@ -40234,7 +40302,7 @@
             </a:ln>
             <a:extLst>
               <a:ext uri="{909E8E84-426E-40dd-AFC4-6F175D3DCCD1}">
-                <a14:hiddenFill xmlns:a14="http://schemas.microsoft.com/office/drawing/2010/main" xmlns="">
+                <a14:hiddenFill xmlns="" xmlns:a14="http://schemas.microsoft.com/office/drawing/2010/main">
                   <a:noFill/>
                 </a14:hiddenFill>
               </a:ext>
@@ -40285,7 +40353,7 @@
             </a:ln>
             <a:extLst>
               <a:ext uri="{909E8E84-426E-40dd-AFC4-6F175D3DCCD1}">
-                <a14:hiddenFill xmlns:a14="http://schemas.microsoft.com/office/drawing/2010/main" xmlns="">
+                <a14:hiddenFill xmlns="" xmlns:a14="http://schemas.microsoft.com/office/drawing/2010/main">
                   <a:noFill/>
                 </a14:hiddenFill>
               </a:ext>
@@ -40336,7 +40404,7 @@
             </a:ln>
             <a:extLst>
               <a:ext uri="{909E8E84-426E-40dd-AFC4-6F175D3DCCD1}">
-                <a14:hiddenFill xmlns:a14="http://schemas.microsoft.com/office/drawing/2010/main" xmlns="">
+                <a14:hiddenFill xmlns="" xmlns:a14="http://schemas.microsoft.com/office/drawing/2010/main">
                   <a:noFill/>
                 </a14:hiddenFill>
               </a:ext>
@@ -40387,7 +40455,7 @@
             </a:ln>
             <a:extLst>
               <a:ext uri="{909E8E84-426E-40dd-AFC4-6F175D3DCCD1}">
-                <a14:hiddenFill xmlns:a14="http://schemas.microsoft.com/office/drawing/2010/main" xmlns="">
+                <a14:hiddenFill xmlns="" xmlns:a14="http://schemas.microsoft.com/office/drawing/2010/main">
                   <a:noFill/>
                 </a14:hiddenFill>
               </a:ext>
@@ -40438,7 +40506,7 @@
             </a:ln>
             <a:extLst>
               <a:ext uri="{909E8E84-426E-40dd-AFC4-6F175D3DCCD1}">
-                <a14:hiddenFill xmlns:a14="http://schemas.microsoft.com/office/drawing/2010/main" xmlns="">
+                <a14:hiddenFill xmlns="" xmlns:a14="http://schemas.microsoft.com/office/drawing/2010/main">
                   <a:noFill/>
                 </a14:hiddenFill>
               </a:ext>
@@ -40489,7 +40557,7 @@
             </a:ln>
             <a:extLst>
               <a:ext uri="{909E8E84-426E-40dd-AFC4-6F175D3DCCD1}">
-                <a14:hiddenFill xmlns:a14="http://schemas.microsoft.com/office/drawing/2010/main" xmlns="">
+                <a14:hiddenFill xmlns="" xmlns:a14="http://schemas.microsoft.com/office/drawing/2010/main">
                   <a:noFill/>
                 </a14:hiddenFill>
               </a:ext>
@@ -40540,7 +40608,7 @@
             </a:ln>
             <a:extLst>
               <a:ext uri="{909E8E84-426E-40dd-AFC4-6F175D3DCCD1}">
-                <a14:hiddenFill xmlns:a14="http://schemas.microsoft.com/office/drawing/2010/main" xmlns="">
+                <a14:hiddenFill xmlns="" xmlns:a14="http://schemas.microsoft.com/office/drawing/2010/main">
                   <a:noFill/>
                 </a14:hiddenFill>
               </a:ext>
@@ -40591,7 +40659,7 @@
             </a:ln>
             <a:extLst>
               <a:ext uri="{909E8E84-426E-40dd-AFC4-6F175D3DCCD1}">
-                <a14:hiddenFill xmlns:a14="http://schemas.microsoft.com/office/drawing/2010/main" xmlns="">
+                <a14:hiddenFill xmlns="" xmlns:a14="http://schemas.microsoft.com/office/drawing/2010/main">
                   <a:noFill/>
                 </a14:hiddenFill>
               </a:ext>
@@ -40642,7 +40710,7 @@
             </a:ln>
             <a:extLst>
               <a:ext uri="{909E8E84-426E-40dd-AFC4-6F175D3DCCD1}">
-                <a14:hiddenFill xmlns:a14="http://schemas.microsoft.com/office/drawing/2010/main" xmlns="">
+                <a14:hiddenFill xmlns="" xmlns:a14="http://schemas.microsoft.com/office/drawing/2010/main">
                   <a:noFill/>
                 </a14:hiddenFill>
               </a:ext>
@@ -40693,7 +40761,7 @@
             </a:ln>
             <a:extLst>
               <a:ext uri="{909E8E84-426E-40dd-AFC4-6F175D3DCCD1}">
-                <a14:hiddenFill xmlns:a14="http://schemas.microsoft.com/office/drawing/2010/main" xmlns="">
+                <a14:hiddenFill xmlns="" xmlns:a14="http://schemas.microsoft.com/office/drawing/2010/main">
                   <a:noFill/>
                 </a14:hiddenFill>
               </a:ext>
@@ -40744,7 +40812,7 @@
             </a:ln>
             <a:extLst>
               <a:ext uri="{909E8E84-426E-40dd-AFC4-6F175D3DCCD1}">
-                <a14:hiddenFill xmlns:a14="http://schemas.microsoft.com/office/drawing/2010/main" xmlns="">
+                <a14:hiddenFill xmlns="" xmlns:a14="http://schemas.microsoft.com/office/drawing/2010/main">
                   <a:noFill/>
                 </a14:hiddenFill>
               </a:ext>
@@ -40795,7 +40863,7 @@
             </a:ln>
             <a:extLst>
               <a:ext uri="{909E8E84-426E-40dd-AFC4-6F175D3DCCD1}">
-                <a14:hiddenFill xmlns:a14="http://schemas.microsoft.com/office/drawing/2010/main" xmlns="">
+                <a14:hiddenFill xmlns="" xmlns:a14="http://schemas.microsoft.com/office/drawing/2010/main">
                   <a:noFill/>
                 </a14:hiddenFill>
               </a:ext>
@@ -40846,7 +40914,7 @@
             </a:ln>
             <a:extLst>
               <a:ext uri="{909E8E84-426E-40dd-AFC4-6F175D3DCCD1}">
-                <a14:hiddenFill xmlns:a14="http://schemas.microsoft.com/office/drawing/2010/main" xmlns="">
+                <a14:hiddenFill xmlns="" xmlns:a14="http://schemas.microsoft.com/office/drawing/2010/main">
                   <a:noFill/>
                 </a14:hiddenFill>
               </a:ext>
@@ -40897,7 +40965,7 @@
             </a:ln>
             <a:extLst>
               <a:ext uri="{909E8E84-426E-40dd-AFC4-6F175D3DCCD1}">
-                <a14:hiddenFill xmlns:a14="http://schemas.microsoft.com/office/drawing/2010/main" xmlns="">
+                <a14:hiddenFill xmlns="" xmlns:a14="http://schemas.microsoft.com/office/drawing/2010/main">
                   <a:noFill/>
                 </a14:hiddenFill>
               </a:ext>
@@ -40948,7 +41016,7 @@
             </a:ln>
             <a:extLst>
               <a:ext uri="{909E8E84-426E-40dd-AFC4-6F175D3DCCD1}">
-                <a14:hiddenFill xmlns:a14="http://schemas.microsoft.com/office/drawing/2010/main" xmlns="">
+                <a14:hiddenFill xmlns="" xmlns:a14="http://schemas.microsoft.com/office/drawing/2010/main">
                   <a:noFill/>
                 </a14:hiddenFill>
               </a:ext>
@@ -40999,7 +41067,7 @@
             </a:ln>
             <a:extLst>
               <a:ext uri="{909E8E84-426E-40dd-AFC4-6F175D3DCCD1}">
-                <a14:hiddenFill xmlns:a14="http://schemas.microsoft.com/office/drawing/2010/main" xmlns="">
+                <a14:hiddenFill xmlns="" xmlns:a14="http://schemas.microsoft.com/office/drawing/2010/main">
                   <a:noFill/>
                 </a14:hiddenFill>
               </a:ext>
@@ -41050,7 +41118,7 @@
             </a:ln>
             <a:extLst>
               <a:ext uri="{909E8E84-426E-40dd-AFC4-6F175D3DCCD1}">
-                <a14:hiddenFill xmlns:a14="http://schemas.microsoft.com/office/drawing/2010/main" xmlns="">
+                <a14:hiddenFill xmlns="" xmlns:a14="http://schemas.microsoft.com/office/drawing/2010/main">
                   <a:noFill/>
                 </a14:hiddenFill>
               </a:ext>
@@ -41101,7 +41169,7 @@
             </a:ln>
             <a:extLst>
               <a:ext uri="{909E8E84-426E-40dd-AFC4-6F175D3DCCD1}">
-                <a14:hiddenFill xmlns:a14="http://schemas.microsoft.com/office/drawing/2010/main" xmlns="">
+                <a14:hiddenFill xmlns="" xmlns:a14="http://schemas.microsoft.com/office/drawing/2010/main">
                   <a:noFill/>
                 </a14:hiddenFill>
               </a:ext>
@@ -41152,7 +41220,7 @@
             </a:ln>
             <a:extLst>
               <a:ext uri="{909E8E84-426E-40dd-AFC4-6F175D3DCCD1}">
-                <a14:hiddenFill xmlns:a14="http://schemas.microsoft.com/office/drawing/2010/main" xmlns="">
+                <a14:hiddenFill xmlns="" xmlns:a14="http://schemas.microsoft.com/office/drawing/2010/main">
                   <a:noFill/>
                 </a14:hiddenFill>
               </a:ext>
@@ -41203,7 +41271,7 @@
             </a:ln>
             <a:extLst>
               <a:ext uri="{909E8E84-426E-40dd-AFC4-6F175D3DCCD1}">
-                <a14:hiddenFill xmlns:a14="http://schemas.microsoft.com/office/drawing/2010/main" xmlns="">
+                <a14:hiddenFill xmlns="" xmlns:a14="http://schemas.microsoft.com/office/drawing/2010/main">
                   <a:noFill/>
                 </a14:hiddenFill>
               </a:ext>
@@ -41254,7 +41322,7 @@
             </a:ln>
             <a:extLst>
               <a:ext uri="{909E8E84-426E-40dd-AFC4-6F175D3DCCD1}">
-                <a14:hiddenFill xmlns:a14="http://schemas.microsoft.com/office/drawing/2010/main" xmlns="">
+                <a14:hiddenFill xmlns="" xmlns:a14="http://schemas.microsoft.com/office/drawing/2010/main">
                   <a:noFill/>
                 </a14:hiddenFill>
               </a:ext>
@@ -41305,7 +41373,7 @@
             </a:ln>
             <a:extLst>
               <a:ext uri="{909E8E84-426E-40dd-AFC4-6F175D3DCCD1}">
-                <a14:hiddenFill xmlns:a14="http://schemas.microsoft.com/office/drawing/2010/main" xmlns="">
+                <a14:hiddenFill xmlns="" xmlns:a14="http://schemas.microsoft.com/office/drawing/2010/main">
                   <a:noFill/>
                 </a14:hiddenFill>
               </a:ext>
@@ -41356,7 +41424,7 @@
             </a:ln>
             <a:extLst>
               <a:ext uri="{909E8E84-426E-40dd-AFC4-6F175D3DCCD1}">
-                <a14:hiddenFill xmlns:a14="http://schemas.microsoft.com/office/drawing/2010/main" xmlns="">
+                <a14:hiddenFill xmlns="" xmlns:a14="http://schemas.microsoft.com/office/drawing/2010/main">
                   <a:noFill/>
                 </a14:hiddenFill>
               </a:ext>
@@ -41407,7 +41475,7 @@
             </a:ln>
             <a:extLst>
               <a:ext uri="{909E8E84-426E-40dd-AFC4-6F175D3DCCD1}">
-                <a14:hiddenFill xmlns:a14="http://schemas.microsoft.com/office/drawing/2010/main" xmlns="">
+                <a14:hiddenFill xmlns="" xmlns:a14="http://schemas.microsoft.com/office/drawing/2010/main">
                   <a:noFill/>
                 </a14:hiddenFill>
               </a:ext>
@@ -41458,7 +41526,7 @@
             </a:ln>
             <a:extLst>
               <a:ext uri="{909E8E84-426E-40dd-AFC4-6F175D3DCCD1}">
-                <a14:hiddenFill xmlns:a14="http://schemas.microsoft.com/office/drawing/2010/main" xmlns="">
+                <a14:hiddenFill xmlns="" xmlns:a14="http://schemas.microsoft.com/office/drawing/2010/main">
                   <a:noFill/>
                 </a14:hiddenFill>
               </a:ext>
@@ -41509,7 +41577,7 @@
             </a:ln>
             <a:extLst>
               <a:ext uri="{909E8E84-426E-40dd-AFC4-6F175D3DCCD1}">
-                <a14:hiddenFill xmlns:a14="http://schemas.microsoft.com/office/drawing/2010/main" xmlns="">
+                <a14:hiddenFill xmlns="" xmlns:a14="http://schemas.microsoft.com/office/drawing/2010/main">
                   <a:noFill/>
                 </a14:hiddenFill>
               </a:ext>
@@ -41560,7 +41628,7 @@
             </a:ln>
             <a:extLst>
               <a:ext uri="{909E8E84-426E-40dd-AFC4-6F175D3DCCD1}">
-                <a14:hiddenFill xmlns:a14="http://schemas.microsoft.com/office/drawing/2010/main" xmlns="">
+                <a14:hiddenFill xmlns="" xmlns:a14="http://schemas.microsoft.com/office/drawing/2010/main">
                   <a:noFill/>
                 </a14:hiddenFill>
               </a:ext>
@@ -41611,7 +41679,7 @@
             </a:ln>
             <a:extLst>
               <a:ext uri="{909E8E84-426E-40dd-AFC4-6F175D3DCCD1}">
-                <a14:hiddenFill xmlns:a14="http://schemas.microsoft.com/office/drawing/2010/main" xmlns="">
+                <a14:hiddenFill xmlns="" xmlns:a14="http://schemas.microsoft.com/office/drawing/2010/main">
                   <a:noFill/>
                 </a14:hiddenFill>
               </a:ext>
@@ -41662,7 +41730,7 @@
             </a:ln>
             <a:extLst>
               <a:ext uri="{909E8E84-426E-40dd-AFC4-6F175D3DCCD1}">
-                <a14:hiddenFill xmlns:a14="http://schemas.microsoft.com/office/drawing/2010/main" xmlns="">
+                <a14:hiddenFill xmlns="" xmlns:a14="http://schemas.microsoft.com/office/drawing/2010/main">
                   <a:noFill/>
                 </a14:hiddenFill>
               </a:ext>
@@ -41713,7 +41781,7 @@
             </a:ln>
             <a:extLst>
               <a:ext uri="{909E8E84-426E-40dd-AFC4-6F175D3DCCD1}">
-                <a14:hiddenFill xmlns:a14="http://schemas.microsoft.com/office/drawing/2010/main" xmlns="">
+                <a14:hiddenFill xmlns="" xmlns:a14="http://schemas.microsoft.com/office/drawing/2010/main">
                   <a:noFill/>
                 </a14:hiddenFill>
               </a:ext>
@@ -41764,7 +41832,7 @@
             </a:ln>
             <a:extLst>
               <a:ext uri="{909E8E84-426E-40dd-AFC4-6F175D3DCCD1}">
-                <a14:hiddenFill xmlns:a14="http://schemas.microsoft.com/office/drawing/2010/main" xmlns="">
+                <a14:hiddenFill xmlns="" xmlns:a14="http://schemas.microsoft.com/office/drawing/2010/main">
                   <a:noFill/>
                 </a14:hiddenFill>
               </a:ext>
@@ -41815,7 +41883,7 @@
             </a:ln>
             <a:extLst>
               <a:ext uri="{909E8E84-426E-40dd-AFC4-6F175D3DCCD1}">
-                <a14:hiddenFill xmlns:a14="http://schemas.microsoft.com/office/drawing/2010/main" xmlns="">
+                <a14:hiddenFill xmlns="" xmlns:a14="http://schemas.microsoft.com/office/drawing/2010/main">
                   <a:noFill/>
                 </a14:hiddenFill>
               </a:ext>
@@ -41866,7 +41934,7 @@
             </a:ln>
             <a:extLst>
               <a:ext uri="{909E8E84-426E-40dd-AFC4-6F175D3DCCD1}">
-                <a14:hiddenFill xmlns:a14="http://schemas.microsoft.com/office/drawing/2010/main" xmlns="">
+                <a14:hiddenFill xmlns="" xmlns:a14="http://schemas.microsoft.com/office/drawing/2010/main">
                   <a:noFill/>
                 </a14:hiddenFill>
               </a:ext>
@@ -41917,7 +41985,7 @@
             </a:ln>
             <a:extLst>
               <a:ext uri="{909E8E84-426E-40dd-AFC4-6F175D3DCCD1}">
-                <a14:hiddenFill xmlns:a14="http://schemas.microsoft.com/office/drawing/2010/main" xmlns="">
+                <a14:hiddenFill xmlns="" xmlns:a14="http://schemas.microsoft.com/office/drawing/2010/main">
                   <a:noFill/>
                 </a14:hiddenFill>
               </a:ext>
@@ -41968,7 +42036,7 @@
             </a:ln>
             <a:extLst>
               <a:ext uri="{909E8E84-426E-40dd-AFC4-6F175D3DCCD1}">
-                <a14:hiddenFill xmlns:a14="http://schemas.microsoft.com/office/drawing/2010/main" xmlns="">
+                <a14:hiddenFill xmlns="" xmlns:a14="http://schemas.microsoft.com/office/drawing/2010/main">
                   <a:noFill/>
                 </a14:hiddenFill>
               </a:ext>
@@ -42019,7 +42087,7 @@
             </a:ln>
             <a:extLst>
               <a:ext uri="{909E8E84-426E-40dd-AFC4-6F175D3DCCD1}">
-                <a14:hiddenFill xmlns:a14="http://schemas.microsoft.com/office/drawing/2010/main" xmlns="">
+                <a14:hiddenFill xmlns="" xmlns:a14="http://schemas.microsoft.com/office/drawing/2010/main">
                   <a:noFill/>
                 </a14:hiddenFill>
               </a:ext>
@@ -42070,7 +42138,7 @@
             </a:ln>
             <a:extLst>
               <a:ext uri="{909E8E84-426E-40dd-AFC4-6F175D3DCCD1}">
-                <a14:hiddenFill xmlns:a14="http://schemas.microsoft.com/office/drawing/2010/main" xmlns="">
+                <a14:hiddenFill xmlns="" xmlns:a14="http://schemas.microsoft.com/office/drawing/2010/main">
                   <a:noFill/>
                 </a14:hiddenFill>
               </a:ext>
@@ -42121,7 +42189,7 @@
             </a:ln>
             <a:extLst>
               <a:ext uri="{909E8E84-426E-40dd-AFC4-6F175D3DCCD1}">
-                <a14:hiddenFill xmlns:a14="http://schemas.microsoft.com/office/drawing/2010/main" xmlns="">
+                <a14:hiddenFill xmlns="" xmlns:a14="http://schemas.microsoft.com/office/drawing/2010/main">
                   <a:noFill/>
                 </a14:hiddenFill>
               </a:ext>
@@ -42172,7 +42240,7 @@
             </a:ln>
             <a:extLst>
               <a:ext uri="{909E8E84-426E-40dd-AFC4-6F175D3DCCD1}">
-                <a14:hiddenFill xmlns:a14="http://schemas.microsoft.com/office/drawing/2010/main" xmlns="">
+                <a14:hiddenFill xmlns="" xmlns:a14="http://schemas.microsoft.com/office/drawing/2010/main">
                   <a:noFill/>
                 </a14:hiddenFill>
               </a:ext>
@@ -42223,7 +42291,7 @@
             </a:ln>
             <a:extLst>
               <a:ext uri="{909E8E84-426E-40dd-AFC4-6F175D3DCCD1}">
-                <a14:hiddenFill xmlns:a14="http://schemas.microsoft.com/office/drawing/2010/main" xmlns="">
+                <a14:hiddenFill xmlns="" xmlns:a14="http://schemas.microsoft.com/office/drawing/2010/main">
                   <a:noFill/>
                 </a14:hiddenFill>
               </a:ext>
@@ -42274,7 +42342,7 @@
             </a:ln>
             <a:extLst>
               <a:ext uri="{909E8E84-426E-40dd-AFC4-6F175D3DCCD1}">
-                <a14:hiddenFill xmlns:a14="http://schemas.microsoft.com/office/drawing/2010/main" xmlns="">
+                <a14:hiddenFill xmlns="" xmlns:a14="http://schemas.microsoft.com/office/drawing/2010/main">
                   <a:noFill/>
                 </a14:hiddenFill>
               </a:ext>
@@ -42325,7 +42393,7 @@
             </a:ln>
             <a:extLst>
               <a:ext uri="{909E8E84-426E-40dd-AFC4-6F175D3DCCD1}">
-                <a14:hiddenFill xmlns:a14="http://schemas.microsoft.com/office/drawing/2010/main" xmlns="">
+                <a14:hiddenFill xmlns="" xmlns:a14="http://schemas.microsoft.com/office/drawing/2010/main">
                   <a:noFill/>
                 </a14:hiddenFill>
               </a:ext>
@@ -42376,7 +42444,7 @@
             </a:ln>
             <a:extLst>
               <a:ext uri="{909E8E84-426E-40dd-AFC4-6F175D3DCCD1}">
-                <a14:hiddenFill xmlns:a14="http://schemas.microsoft.com/office/drawing/2010/main" xmlns="">
+                <a14:hiddenFill xmlns="" xmlns:a14="http://schemas.microsoft.com/office/drawing/2010/main">
                   <a:noFill/>
                 </a14:hiddenFill>
               </a:ext>
@@ -42427,7 +42495,7 @@
             </a:ln>
             <a:extLst>
               <a:ext uri="{909E8E84-426E-40dd-AFC4-6F175D3DCCD1}">
-                <a14:hiddenFill xmlns:a14="http://schemas.microsoft.com/office/drawing/2010/main" xmlns="">
+                <a14:hiddenFill xmlns="" xmlns:a14="http://schemas.microsoft.com/office/drawing/2010/main">
                   <a:noFill/>
                 </a14:hiddenFill>
               </a:ext>
@@ -42478,7 +42546,7 @@
             </a:ln>
             <a:extLst>
               <a:ext uri="{909E8E84-426E-40dd-AFC4-6F175D3DCCD1}">
-                <a14:hiddenFill xmlns:a14="http://schemas.microsoft.com/office/drawing/2010/main" xmlns="">
+                <a14:hiddenFill xmlns="" xmlns:a14="http://schemas.microsoft.com/office/drawing/2010/main">
                   <a:noFill/>
                 </a14:hiddenFill>
               </a:ext>
@@ -42529,7 +42597,7 @@
             </a:ln>
             <a:extLst>
               <a:ext uri="{909E8E84-426E-40dd-AFC4-6F175D3DCCD1}">
-                <a14:hiddenFill xmlns:a14="http://schemas.microsoft.com/office/drawing/2010/main" xmlns="">
+                <a14:hiddenFill xmlns="" xmlns:a14="http://schemas.microsoft.com/office/drawing/2010/main">
                   <a:noFill/>
                 </a14:hiddenFill>
               </a:ext>
@@ -42580,7 +42648,7 @@
             </a:ln>
             <a:extLst>
               <a:ext uri="{909E8E84-426E-40dd-AFC4-6F175D3DCCD1}">
-                <a14:hiddenFill xmlns:a14="http://schemas.microsoft.com/office/drawing/2010/main" xmlns="">
+                <a14:hiddenFill xmlns="" xmlns:a14="http://schemas.microsoft.com/office/drawing/2010/main">
                   <a:noFill/>
                 </a14:hiddenFill>
               </a:ext>
@@ -42631,7 +42699,7 @@
             </a:ln>
             <a:extLst>
               <a:ext uri="{909E8E84-426E-40dd-AFC4-6F175D3DCCD1}">
-                <a14:hiddenFill xmlns:a14="http://schemas.microsoft.com/office/drawing/2010/main" xmlns="">
+                <a14:hiddenFill xmlns="" xmlns:a14="http://schemas.microsoft.com/office/drawing/2010/main">
                   <a:noFill/>
                 </a14:hiddenFill>
               </a:ext>
@@ -42682,7 +42750,7 @@
             </a:ln>
             <a:extLst>
               <a:ext uri="{909E8E84-426E-40dd-AFC4-6F175D3DCCD1}">
-                <a14:hiddenFill xmlns:a14="http://schemas.microsoft.com/office/drawing/2010/main" xmlns="">
+                <a14:hiddenFill xmlns="" xmlns:a14="http://schemas.microsoft.com/office/drawing/2010/main">
                   <a:noFill/>
                 </a14:hiddenFill>
               </a:ext>
@@ -42733,7 +42801,7 @@
             </a:ln>
             <a:extLst>
               <a:ext uri="{909E8E84-426E-40dd-AFC4-6F175D3DCCD1}">
-                <a14:hiddenFill xmlns:a14="http://schemas.microsoft.com/office/drawing/2010/main" xmlns="">
+                <a14:hiddenFill xmlns="" xmlns:a14="http://schemas.microsoft.com/office/drawing/2010/main">
                   <a:noFill/>
                 </a14:hiddenFill>
               </a:ext>
@@ -42784,7 +42852,7 @@
             </a:ln>
             <a:extLst>
               <a:ext uri="{909E8E84-426E-40dd-AFC4-6F175D3DCCD1}">
-                <a14:hiddenFill xmlns:a14="http://schemas.microsoft.com/office/drawing/2010/main" xmlns="">
+                <a14:hiddenFill xmlns="" xmlns:a14="http://schemas.microsoft.com/office/drawing/2010/main">
                   <a:noFill/>
                 </a14:hiddenFill>
               </a:ext>
@@ -42835,7 +42903,7 @@
             </a:ln>
             <a:extLst>
               <a:ext uri="{909E8E84-426E-40dd-AFC4-6F175D3DCCD1}">
-                <a14:hiddenFill xmlns:a14="http://schemas.microsoft.com/office/drawing/2010/main" xmlns="">
+                <a14:hiddenFill xmlns="" xmlns:a14="http://schemas.microsoft.com/office/drawing/2010/main">
                   <a:noFill/>
                 </a14:hiddenFill>
               </a:ext>
@@ -42886,7 +42954,7 @@
             </a:ln>
             <a:extLst>
               <a:ext uri="{909E8E84-426E-40dd-AFC4-6F175D3DCCD1}">
-                <a14:hiddenFill xmlns:a14="http://schemas.microsoft.com/office/drawing/2010/main" xmlns="">
+                <a14:hiddenFill xmlns="" xmlns:a14="http://schemas.microsoft.com/office/drawing/2010/main">
                   <a:noFill/>
                 </a14:hiddenFill>
               </a:ext>
@@ -42937,7 +43005,7 @@
             </a:ln>
             <a:extLst>
               <a:ext uri="{909E8E84-426E-40dd-AFC4-6F175D3DCCD1}">
-                <a14:hiddenFill xmlns:a14="http://schemas.microsoft.com/office/drawing/2010/main" xmlns="">
+                <a14:hiddenFill xmlns="" xmlns:a14="http://schemas.microsoft.com/office/drawing/2010/main">
                   <a:noFill/>
                 </a14:hiddenFill>
               </a:ext>
@@ -42988,7 +43056,7 @@
             </a:ln>
             <a:extLst>
               <a:ext uri="{909E8E84-426E-40dd-AFC4-6F175D3DCCD1}">
-                <a14:hiddenFill xmlns:a14="http://schemas.microsoft.com/office/drawing/2010/main" xmlns="">
+                <a14:hiddenFill xmlns="" xmlns:a14="http://schemas.microsoft.com/office/drawing/2010/main">
                   <a:noFill/>
                 </a14:hiddenFill>
               </a:ext>
@@ -43039,7 +43107,7 @@
             </a:ln>
             <a:extLst>
               <a:ext uri="{909E8E84-426E-40dd-AFC4-6F175D3DCCD1}">
-                <a14:hiddenFill xmlns:a14="http://schemas.microsoft.com/office/drawing/2010/main" xmlns="">
+                <a14:hiddenFill xmlns="" xmlns:a14="http://schemas.microsoft.com/office/drawing/2010/main">
                   <a:noFill/>
                 </a14:hiddenFill>
               </a:ext>
@@ -43090,7 +43158,7 @@
             </a:ln>
             <a:extLst>
               <a:ext uri="{909E8E84-426E-40dd-AFC4-6F175D3DCCD1}">
-                <a14:hiddenFill xmlns:a14="http://schemas.microsoft.com/office/drawing/2010/main" xmlns="">
+                <a14:hiddenFill xmlns="" xmlns:a14="http://schemas.microsoft.com/office/drawing/2010/main">
                   <a:noFill/>
                 </a14:hiddenFill>
               </a:ext>
@@ -43141,7 +43209,7 @@
             </a:ln>
             <a:extLst>
               <a:ext uri="{909E8E84-426E-40dd-AFC4-6F175D3DCCD1}">
-                <a14:hiddenFill xmlns:a14="http://schemas.microsoft.com/office/drawing/2010/main" xmlns="">
+                <a14:hiddenFill xmlns="" xmlns:a14="http://schemas.microsoft.com/office/drawing/2010/main">
                   <a:noFill/>
                 </a14:hiddenFill>
               </a:ext>
@@ -43192,7 +43260,7 @@
             </a:ln>
             <a:extLst>
               <a:ext uri="{909E8E84-426E-40dd-AFC4-6F175D3DCCD1}">
-                <a14:hiddenFill xmlns:a14="http://schemas.microsoft.com/office/drawing/2010/main" xmlns="">
+                <a14:hiddenFill xmlns="" xmlns:a14="http://schemas.microsoft.com/office/drawing/2010/main">
                   <a:noFill/>
                 </a14:hiddenFill>
               </a:ext>
@@ -43243,7 +43311,7 @@
             </a:ln>
             <a:extLst>
               <a:ext uri="{909E8E84-426E-40dd-AFC4-6F175D3DCCD1}">
-                <a14:hiddenFill xmlns:a14="http://schemas.microsoft.com/office/drawing/2010/main" xmlns="">
+                <a14:hiddenFill xmlns="" xmlns:a14="http://schemas.microsoft.com/office/drawing/2010/main">
                   <a:noFill/>
                 </a14:hiddenFill>
               </a:ext>
@@ -43294,7 +43362,7 @@
             </a:ln>
             <a:extLst>
               <a:ext uri="{909E8E84-426E-40dd-AFC4-6F175D3DCCD1}">
-                <a14:hiddenFill xmlns:a14="http://schemas.microsoft.com/office/drawing/2010/main" xmlns="">
+                <a14:hiddenFill xmlns="" xmlns:a14="http://schemas.microsoft.com/office/drawing/2010/main">
                   <a:noFill/>
                 </a14:hiddenFill>
               </a:ext>
@@ -43345,7 +43413,7 @@
             </a:ln>
             <a:extLst>
               <a:ext uri="{909E8E84-426E-40dd-AFC4-6F175D3DCCD1}">
-                <a14:hiddenFill xmlns:a14="http://schemas.microsoft.com/office/drawing/2010/main" xmlns="">
+                <a14:hiddenFill xmlns="" xmlns:a14="http://schemas.microsoft.com/office/drawing/2010/main">
                   <a:noFill/>
                 </a14:hiddenFill>
               </a:ext>
@@ -43396,7 +43464,7 @@
             </a:ln>
             <a:extLst>
               <a:ext uri="{909E8E84-426E-40dd-AFC4-6F175D3DCCD1}">
-                <a14:hiddenFill xmlns:a14="http://schemas.microsoft.com/office/drawing/2010/main" xmlns="">
+                <a14:hiddenFill xmlns="" xmlns:a14="http://schemas.microsoft.com/office/drawing/2010/main">
                   <a:noFill/>
                 </a14:hiddenFill>
               </a:ext>
@@ -48438,7 +48506,7 @@
                 <a:ea typeface="Verdana" panose="020B0604030504040204" pitchFamily="34" charset="0"/>
                 <a:cs typeface="Verdana" panose="020B0604030504040204" pitchFamily="34" charset="0"/>
               </a:rPr>
-              <a:t>Only 21 states </a:t>
+              <a:t>Only 22 states </a:t>
             </a:r>
             <a:r>
               <a:rPr lang="en-US" sz="1800" dirty="0">
@@ -48781,28 +48849,28 @@
       </p:sp>
       <p:pic>
         <p:nvPicPr>
-          <p:cNvPr id="3" name="Picture 2"/>
+          <p:cNvPr id="2" name="Picture 3" descr="A picture containing map, text&#10;&#10;Description generated with very high confidence">
+            <a:extLst>
+              <a:ext uri="{FF2B5EF4-FFF2-40B4-BE49-F238E27FC236}">
+                <a16:creationId xmlns:a16="http://schemas.microsoft.com/office/drawing/2014/main" id="{F233329F-4A51-4873-8192-2E49C3764D81}"/>
+              </a:ext>
+            </a:extLst>
+          </p:cNvPr>
           <p:cNvPicPr>
             <a:picLocks noChangeAspect="1"/>
           </p:cNvPicPr>
           <p:nvPr/>
         </p:nvPicPr>
         <p:blipFill>
-          <a:blip r:embed="rId3">
-            <a:extLst>
-              <a:ext uri="{28A0092B-C50C-407E-A947-70E740481C1C}">
-                <a14:useLocalDpi xmlns:a14="http://schemas.microsoft.com/office/drawing/2010/main" val="0"/>
-              </a:ext>
-            </a:extLst>
-          </a:blip>
+          <a:blip r:embed="rId3"/>
           <a:stretch>
             <a:fillRect/>
           </a:stretch>
         </p:blipFill>
         <p:spPr>
           <a:xfrm>
-            <a:off x="137425" y="1155934"/>
-            <a:ext cx="5870917" cy="3840480"/>
+            <a:off x="143662" y="1155445"/>
+            <a:ext cx="5868099" cy="3839289"/>
           </a:xfrm>
           <a:prstGeom prst="rect">
             <a:avLst/>
@@ -49291,10 +49359,10 @@
       </p:sp>
       <p:pic>
         <p:nvPicPr>
-          <p:cNvPr id="4" name="Picture 3" descr="A close up of a map&#10;&#10;Description generated with high confidence">
+          <p:cNvPr id="2" name="Picture 2" descr="A close up of a map&#10;&#10;Description generated with high confidence">
             <a:extLst>
               <a:ext uri="{FF2B5EF4-FFF2-40B4-BE49-F238E27FC236}">
-                <a16:creationId xmlns:a16="http://schemas.microsoft.com/office/drawing/2014/main" id="{9A86CEF7-DAEA-40A7-8D79-86324DB0BCFF}"/>
+                <a16:creationId xmlns:a16="http://schemas.microsoft.com/office/drawing/2014/main" id="{4FE816BF-623F-4E33-8966-DF1BBDF33522}"/>
               </a:ext>
             </a:extLst>
           </p:cNvPr>
@@ -49304,21 +49372,15 @@
           <p:nvPr/>
         </p:nvPicPr>
         <p:blipFill>
-          <a:blip r:embed="rId3">
-            <a:extLst>
-              <a:ext uri="{28A0092B-C50C-407E-A947-70E740481C1C}">
-                <a14:useLocalDpi xmlns:a14="http://schemas.microsoft.com/office/drawing/2010/main" val="0"/>
-              </a:ext>
-            </a:extLst>
-          </a:blip>
+          <a:blip r:embed="rId3"/>
           <a:stretch>
             <a:fillRect/>
           </a:stretch>
         </p:blipFill>
         <p:spPr>
           <a:xfrm>
-            <a:off x="123189" y="1164319"/>
-            <a:ext cx="5882793" cy="3840480"/>
+            <a:off x="138418" y="1162499"/>
+            <a:ext cx="5878585" cy="3840911"/>
           </a:xfrm>
           <a:prstGeom prst="rect">
             <a:avLst/>

--- a/pegasus/sites.v3/code.org/public/files/computer_science_advocacy.pptx
+++ b/pegasus/sites.v3/code.org/public/files/computer_science_advocacy.pptx
@@ -260,74 +260,6 @@
 </p:cmAuthorLst>
 </file>
 
-<file path=ppt/changesInfos/changesInfo1.xml><?xml version="1.0" encoding="utf-8"?>
-<pc:chgInfo xmlns:a="http://schemas.openxmlformats.org/drawingml/2006/main" xmlns:r="http://schemas.openxmlformats.org/officeDocument/2006/relationships" xmlns:ac="http://schemas.microsoft.com/office/drawing/2013/main/command" xmlns:pc="http://schemas.microsoft.com/office/powerpoint/2013/main/command">
-  <pc:docChgLst>
-    <pc:chgData clId="Web-{D8C4275F-DEC3-4A48-9692-E00785B4764E}"/>
-    <pc:docChg chg="modSld">
-      <pc:chgData name="" userId="" providerId="" clId="Web-{D8C4275F-DEC3-4A48-9692-E00785B4764E}" dt="2018-09-24T20:00:03.806" v="18" actId="1076"/>
-      <pc:docMkLst>
-        <pc:docMk/>
-      </pc:docMkLst>
-      <pc:sldChg chg="addSp delSp modSp">
-        <pc:chgData name="" userId="" providerId="" clId="Web-{D8C4275F-DEC3-4A48-9692-E00785B4764E}" dt="2018-09-24T20:00:03.806" v="18" actId="1076"/>
-        <pc:sldMkLst>
-          <pc:docMk/>
-          <pc:sldMk cId="796092090" sldId="412"/>
-        </pc:sldMkLst>
-        <pc:picChg chg="add mod">
-          <ac:chgData name="" userId="" providerId="" clId="Web-{D8C4275F-DEC3-4A48-9692-E00785B4764E}" dt="2018-09-24T20:00:03.806" v="18" actId="1076"/>
-          <ac:picMkLst>
-            <pc:docMk/>
-            <pc:sldMk cId="796092090" sldId="412"/>
-            <ac:picMk id="2" creationId="{4FE816BF-623F-4E33-8966-DF1BBDF33522}"/>
-          </ac:picMkLst>
-        </pc:picChg>
-        <pc:picChg chg="add del">
-          <ac:chgData name="" userId="" providerId="" clId="Web-{D8C4275F-DEC3-4A48-9692-E00785B4764E}" dt="2018-09-24T19:57:02.036" v="6"/>
-          <ac:picMkLst>
-            <pc:docMk/>
-            <pc:sldMk cId="796092090" sldId="412"/>
-            <ac:picMk id="4" creationId="{9A86CEF7-DAEA-40A7-8D79-86324DB0BCFF}"/>
-          </ac:picMkLst>
-        </pc:picChg>
-      </pc:sldChg>
-      <pc:sldChg chg="addSp delSp modSp">
-        <pc:chgData name="" userId="" providerId="" clId="Web-{D8C4275F-DEC3-4A48-9692-E00785B4764E}" dt="2018-09-24T19:59:21.070" v="14" actId="1076"/>
-        <pc:sldMkLst>
-          <pc:docMk/>
-          <pc:sldMk cId="1067948389" sldId="445"/>
-        </pc:sldMkLst>
-        <pc:spChg chg="mod">
-          <ac:chgData name="" userId="" providerId="" clId="Web-{D8C4275F-DEC3-4A48-9692-E00785B4764E}" dt="2018-09-24T19:57:40.022" v="8" actId="20577"/>
-          <ac:spMkLst>
-            <pc:docMk/>
-            <pc:sldMk cId="1067948389" sldId="445"/>
-            <ac:spMk id="6" creationId="{00000000-0000-0000-0000-000000000000}"/>
-          </ac:spMkLst>
-        </pc:spChg>
-        <pc:picChg chg="add mod">
-          <ac:chgData name="" userId="" providerId="" clId="Web-{D8C4275F-DEC3-4A48-9692-E00785B4764E}" dt="2018-09-24T19:59:21.070" v="14" actId="1076"/>
-          <ac:picMkLst>
-            <pc:docMk/>
-            <pc:sldMk cId="1067948389" sldId="445"/>
-            <ac:picMk id="2" creationId="{F233329F-4A51-4873-8192-2E49C3764D81}"/>
-          </ac:picMkLst>
-        </pc:picChg>
-        <pc:picChg chg="del">
-          <ac:chgData name="" userId="" providerId="" clId="Web-{D8C4275F-DEC3-4A48-9692-E00785B4764E}" dt="2018-09-24T19:59:16.602" v="13"/>
-          <ac:picMkLst>
-            <pc:docMk/>
-            <pc:sldMk cId="1067948389" sldId="445"/>
-            <ac:picMk id="3" creationId="{00000000-0000-0000-0000-000000000000}"/>
-          </ac:picMkLst>
-        </pc:picChg>
-      </pc:sldChg>
-    </pc:docChg>
-  </pc:docChgLst>
-</pc:chgInfo>
-</file>
-
 <file path=ppt/charts/chart1.xml><?xml version="1.0" encoding="utf-8"?>
 <c:chartSpace xmlns:c="http://schemas.openxmlformats.org/drawingml/2006/chart" xmlns:a="http://schemas.openxmlformats.org/drawingml/2006/main" xmlns:r="http://schemas.openxmlformats.org/officeDocument/2006/relationships" xmlns:c16r2="http://schemas.microsoft.com/office/drawing/2015/06/chart">
   <c:date1904 val="0"/>
@@ -897,7 +829,7 @@
           <a:p>
             <a:fld id="{DBF07D2D-D193-49EA-AA40-D0161EE95780}" type="datetimeFigureOut">
               <a:rPr lang="en-US" smtClean="0"/>
-              <a:t>9/24/2018</a:t>
+              <a:t>10/2/2018</a:t>
             </a:fld>
             <a:endParaRPr lang="en-US"/>
           </a:p>
@@ -5122,7 +5054,7 @@
             </a:ln>
             <a:extLst>
               <a:ext uri="{909E8E84-426E-40dd-AFC4-6F175D3DCCD1}">
-                <a14:hiddenFill xmlns="" xmlns:a14="http://schemas.microsoft.com/office/drawing/2010/main">
+                <a14:hiddenFill xmlns:a14="http://schemas.microsoft.com/office/drawing/2010/main" xmlns="">
                   <a:solidFill>
                     <a:srgbClr val="FFFFFF"/>
                   </a:solidFill>
@@ -5175,7 +5107,7 @@
             </a:ln>
             <a:extLst>
               <a:ext uri="{909E8E84-426E-40dd-AFC4-6F175D3DCCD1}">
-                <a14:hiddenFill xmlns="" xmlns:a14="http://schemas.microsoft.com/office/drawing/2010/main">
+                <a14:hiddenFill xmlns:a14="http://schemas.microsoft.com/office/drawing/2010/main" xmlns="">
                   <a:noFill/>
                 </a14:hiddenFill>
               </a:ext>
@@ -5226,7 +5158,7 @@
             </a:ln>
             <a:extLst>
               <a:ext uri="{909E8E84-426E-40dd-AFC4-6F175D3DCCD1}">
-                <a14:hiddenFill xmlns="" xmlns:a14="http://schemas.microsoft.com/office/drawing/2010/main">
+                <a14:hiddenFill xmlns:a14="http://schemas.microsoft.com/office/drawing/2010/main" xmlns="">
                   <a:noFill/>
                 </a14:hiddenFill>
               </a:ext>
@@ -5277,7 +5209,7 @@
             </a:ln>
             <a:extLst>
               <a:ext uri="{909E8E84-426E-40dd-AFC4-6F175D3DCCD1}">
-                <a14:hiddenFill xmlns="" xmlns:a14="http://schemas.microsoft.com/office/drawing/2010/main">
+                <a14:hiddenFill xmlns:a14="http://schemas.microsoft.com/office/drawing/2010/main" xmlns="">
                   <a:noFill/>
                 </a14:hiddenFill>
               </a:ext>
@@ -5328,7 +5260,7 @@
             </a:ln>
             <a:extLst>
               <a:ext uri="{909E8E84-426E-40dd-AFC4-6F175D3DCCD1}">
-                <a14:hiddenFill xmlns="" xmlns:a14="http://schemas.microsoft.com/office/drawing/2010/main">
+                <a14:hiddenFill xmlns:a14="http://schemas.microsoft.com/office/drawing/2010/main" xmlns="">
                   <a:noFill/>
                 </a14:hiddenFill>
               </a:ext>
@@ -5379,7 +5311,7 @@
             </a:ln>
             <a:extLst>
               <a:ext uri="{909E8E84-426E-40dd-AFC4-6F175D3DCCD1}">
-                <a14:hiddenFill xmlns="" xmlns:a14="http://schemas.microsoft.com/office/drawing/2010/main">
+                <a14:hiddenFill xmlns:a14="http://schemas.microsoft.com/office/drawing/2010/main" xmlns="">
                   <a:noFill/>
                 </a14:hiddenFill>
               </a:ext>
@@ -5430,7 +5362,7 @@
             </a:ln>
             <a:extLst>
               <a:ext uri="{909E8E84-426E-40dd-AFC4-6F175D3DCCD1}">
-                <a14:hiddenFill xmlns="" xmlns:a14="http://schemas.microsoft.com/office/drawing/2010/main">
+                <a14:hiddenFill xmlns:a14="http://schemas.microsoft.com/office/drawing/2010/main" xmlns="">
                   <a:noFill/>
                 </a14:hiddenFill>
               </a:ext>
@@ -5481,7 +5413,7 @@
             </a:ln>
             <a:extLst>
               <a:ext uri="{909E8E84-426E-40dd-AFC4-6F175D3DCCD1}">
-                <a14:hiddenFill xmlns="" xmlns:a14="http://schemas.microsoft.com/office/drawing/2010/main">
+                <a14:hiddenFill xmlns:a14="http://schemas.microsoft.com/office/drawing/2010/main" xmlns="">
                   <a:noFill/>
                 </a14:hiddenFill>
               </a:ext>
@@ -5532,7 +5464,7 @@
             </a:ln>
             <a:extLst>
               <a:ext uri="{909E8E84-426E-40dd-AFC4-6F175D3DCCD1}">
-                <a14:hiddenFill xmlns="" xmlns:a14="http://schemas.microsoft.com/office/drawing/2010/main">
+                <a14:hiddenFill xmlns:a14="http://schemas.microsoft.com/office/drawing/2010/main" xmlns="">
                   <a:noFill/>
                 </a14:hiddenFill>
               </a:ext>
@@ -5583,7 +5515,7 @@
             </a:ln>
             <a:extLst>
               <a:ext uri="{909E8E84-426E-40dd-AFC4-6F175D3DCCD1}">
-                <a14:hiddenFill xmlns="" xmlns:a14="http://schemas.microsoft.com/office/drawing/2010/main">
+                <a14:hiddenFill xmlns:a14="http://schemas.microsoft.com/office/drawing/2010/main" xmlns="">
                   <a:noFill/>
                 </a14:hiddenFill>
               </a:ext>
@@ -5634,7 +5566,7 @@
             </a:ln>
             <a:extLst>
               <a:ext uri="{909E8E84-426E-40dd-AFC4-6F175D3DCCD1}">
-                <a14:hiddenFill xmlns="" xmlns:a14="http://schemas.microsoft.com/office/drawing/2010/main">
+                <a14:hiddenFill xmlns:a14="http://schemas.microsoft.com/office/drawing/2010/main" xmlns="">
                   <a:noFill/>
                 </a14:hiddenFill>
               </a:ext>
@@ -5685,7 +5617,7 @@
             </a:ln>
             <a:extLst>
               <a:ext uri="{909E8E84-426E-40dd-AFC4-6F175D3DCCD1}">
-                <a14:hiddenFill xmlns="" xmlns:a14="http://schemas.microsoft.com/office/drawing/2010/main">
+                <a14:hiddenFill xmlns:a14="http://schemas.microsoft.com/office/drawing/2010/main" xmlns="">
                   <a:noFill/>
                 </a14:hiddenFill>
               </a:ext>
@@ -5736,7 +5668,7 @@
             </a:ln>
             <a:extLst>
               <a:ext uri="{909E8E84-426E-40dd-AFC4-6F175D3DCCD1}">
-                <a14:hiddenFill xmlns="" xmlns:a14="http://schemas.microsoft.com/office/drawing/2010/main">
+                <a14:hiddenFill xmlns:a14="http://schemas.microsoft.com/office/drawing/2010/main" xmlns="">
                   <a:noFill/>
                 </a14:hiddenFill>
               </a:ext>
@@ -5787,7 +5719,7 @@
             </a:ln>
             <a:extLst>
               <a:ext uri="{909E8E84-426E-40dd-AFC4-6F175D3DCCD1}">
-                <a14:hiddenFill xmlns="" xmlns:a14="http://schemas.microsoft.com/office/drawing/2010/main">
+                <a14:hiddenFill xmlns:a14="http://schemas.microsoft.com/office/drawing/2010/main" xmlns="">
                   <a:noFill/>
                 </a14:hiddenFill>
               </a:ext>
@@ -5838,7 +5770,7 @@
             </a:ln>
             <a:extLst>
               <a:ext uri="{909E8E84-426E-40dd-AFC4-6F175D3DCCD1}">
-                <a14:hiddenFill xmlns="" xmlns:a14="http://schemas.microsoft.com/office/drawing/2010/main">
+                <a14:hiddenFill xmlns:a14="http://schemas.microsoft.com/office/drawing/2010/main" xmlns="">
                   <a:noFill/>
                 </a14:hiddenFill>
               </a:ext>
@@ -5889,7 +5821,7 @@
             </a:ln>
             <a:extLst>
               <a:ext uri="{909E8E84-426E-40dd-AFC4-6F175D3DCCD1}">
-                <a14:hiddenFill xmlns="" xmlns:a14="http://schemas.microsoft.com/office/drawing/2010/main">
+                <a14:hiddenFill xmlns:a14="http://schemas.microsoft.com/office/drawing/2010/main" xmlns="">
                   <a:noFill/>
                 </a14:hiddenFill>
               </a:ext>
@@ -5940,7 +5872,7 @@
             </a:ln>
             <a:extLst>
               <a:ext uri="{909E8E84-426E-40dd-AFC4-6F175D3DCCD1}">
-                <a14:hiddenFill xmlns="" xmlns:a14="http://schemas.microsoft.com/office/drawing/2010/main">
+                <a14:hiddenFill xmlns:a14="http://schemas.microsoft.com/office/drawing/2010/main" xmlns="">
                   <a:noFill/>
                 </a14:hiddenFill>
               </a:ext>
@@ -5991,7 +5923,7 @@
             </a:ln>
             <a:extLst>
               <a:ext uri="{909E8E84-426E-40dd-AFC4-6F175D3DCCD1}">
-                <a14:hiddenFill xmlns="" xmlns:a14="http://schemas.microsoft.com/office/drawing/2010/main">
+                <a14:hiddenFill xmlns:a14="http://schemas.microsoft.com/office/drawing/2010/main" xmlns="">
                   <a:noFill/>
                 </a14:hiddenFill>
               </a:ext>
@@ -6042,7 +5974,7 @@
             </a:ln>
             <a:extLst>
               <a:ext uri="{909E8E84-426E-40dd-AFC4-6F175D3DCCD1}">
-                <a14:hiddenFill xmlns="" xmlns:a14="http://schemas.microsoft.com/office/drawing/2010/main">
+                <a14:hiddenFill xmlns:a14="http://schemas.microsoft.com/office/drawing/2010/main" xmlns="">
                   <a:noFill/>
                 </a14:hiddenFill>
               </a:ext>
@@ -6093,7 +6025,7 @@
             </a:ln>
             <a:extLst>
               <a:ext uri="{909E8E84-426E-40dd-AFC4-6F175D3DCCD1}">
-                <a14:hiddenFill xmlns="" xmlns:a14="http://schemas.microsoft.com/office/drawing/2010/main">
+                <a14:hiddenFill xmlns:a14="http://schemas.microsoft.com/office/drawing/2010/main" xmlns="">
                   <a:noFill/>
                 </a14:hiddenFill>
               </a:ext>
@@ -6144,7 +6076,7 @@
             </a:ln>
             <a:extLst>
               <a:ext uri="{909E8E84-426E-40dd-AFC4-6F175D3DCCD1}">
-                <a14:hiddenFill xmlns="" xmlns:a14="http://schemas.microsoft.com/office/drawing/2010/main">
+                <a14:hiddenFill xmlns:a14="http://schemas.microsoft.com/office/drawing/2010/main" xmlns="">
                   <a:noFill/>
                 </a14:hiddenFill>
               </a:ext>
@@ -6195,7 +6127,7 @@
             </a:ln>
             <a:extLst>
               <a:ext uri="{909E8E84-426E-40dd-AFC4-6F175D3DCCD1}">
-                <a14:hiddenFill xmlns="" xmlns:a14="http://schemas.microsoft.com/office/drawing/2010/main">
+                <a14:hiddenFill xmlns:a14="http://schemas.microsoft.com/office/drawing/2010/main" xmlns="">
                   <a:noFill/>
                 </a14:hiddenFill>
               </a:ext>
@@ -6246,7 +6178,7 @@
             </a:ln>
             <a:extLst>
               <a:ext uri="{909E8E84-426E-40dd-AFC4-6F175D3DCCD1}">
-                <a14:hiddenFill xmlns="" xmlns:a14="http://schemas.microsoft.com/office/drawing/2010/main">
+                <a14:hiddenFill xmlns:a14="http://schemas.microsoft.com/office/drawing/2010/main" xmlns="">
                   <a:noFill/>
                 </a14:hiddenFill>
               </a:ext>
@@ -6297,7 +6229,7 @@
             </a:ln>
             <a:extLst>
               <a:ext uri="{909E8E84-426E-40dd-AFC4-6F175D3DCCD1}">
-                <a14:hiddenFill xmlns="" xmlns:a14="http://schemas.microsoft.com/office/drawing/2010/main">
+                <a14:hiddenFill xmlns:a14="http://schemas.microsoft.com/office/drawing/2010/main" xmlns="">
                   <a:noFill/>
                 </a14:hiddenFill>
               </a:ext>
@@ -6348,7 +6280,7 @@
             </a:ln>
             <a:extLst>
               <a:ext uri="{909E8E84-426E-40dd-AFC4-6F175D3DCCD1}">
-                <a14:hiddenFill xmlns="" xmlns:a14="http://schemas.microsoft.com/office/drawing/2010/main">
+                <a14:hiddenFill xmlns:a14="http://schemas.microsoft.com/office/drawing/2010/main" xmlns="">
                   <a:noFill/>
                 </a14:hiddenFill>
               </a:ext>
@@ -6399,7 +6331,7 @@
             </a:ln>
             <a:extLst>
               <a:ext uri="{909E8E84-426E-40dd-AFC4-6F175D3DCCD1}">
-                <a14:hiddenFill xmlns="" xmlns:a14="http://schemas.microsoft.com/office/drawing/2010/main">
+                <a14:hiddenFill xmlns:a14="http://schemas.microsoft.com/office/drawing/2010/main" xmlns="">
                   <a:noFill/>
                 </a14:hiddenFill>
               </a:ext>
@@ -6450,7 +6382,7 @@
             </a:ln>
             <a:extLst>
               <a:ext uri="{909E8E84-426E-40dd-AFC4-6F175D3DCCD1}">
-                <a14:hiddenFill xmlns="" xmlns:a14="http://schemas.microsoft.com/office/drawing/2010/main">
+                <a14:hiddenFill xmlns:a14="http://schemas.microsoft.com/office/drawing/2010/main" xmlns="">
                   <a:noFill/>
                 </a14:hiddenFill>
               </a:ext>
@@ -6501,7 +6433,7 @@
             </a:ln>
             <a:extLst>
               <a:ext uri="{909E8E84-426E-40dd-AFC4-6F175D3DCCD1}">
-                <a14:hiddenFill xmlns="" xmlns:a14="http://schemas.microsoft.com/office/drawing/2010/main">
+                <a14:hiddenFill xmlns:a14="http://schemas.microsoft.com/office/drawing/2010/main" xmlns="">
                   <a:noFill/>
                 </a14:hiddenFill>
               </a:ext>
@@ -6552,7 +6484,7 @@
             </a:ln>
             <a:extLst>
               <a:ext uri="{909E8E84-426E-40dd-AFC4-6F175D3DCCD1}">
-                <a14:hiddenFill xmlns="" xmlns:a14="http://schemas.microsoft.com/office/drawing/2010/main">
+                <a14:hiddenFill xmlns:a14="http://schemas.microsoft.com/office/drawing/2010/main" xmlns="">
                   <a:noFill/>
                 </a14:hiddenFill>
               </a:ext>
@@ -6603,7 +6535,7 @@
             </a:ln>
             <a:extLst>
               <a:ext uri="{909E8E84-426E-40dd-AFC4-6F175D3DCCD1}">
-                <a14:hiddenFill xmlns="" xmlns:a14="http://schemas.microsoft.com/office/drawing/2010/main">
+                <a14:hiddenFill xmlns:a14="http://schemas.microsoft.com/office/drawing/2010/main" xmlns="">
                   <a:noFill/>
                 </a14:hiddenFill>
               </a:ext>
@@ -6654,7 +6586,7 @@
             </a:ln>
             <a:extLst>
               <a:ext uri="{909E8E84-426E-40dd-AFC4-6F175D3DCCD1}">
-                <a14:hiddenFill xmlns="" xmlns:a14="http://schemas.microsoft.com/office/drawing/2010/main">
+                <a14:hiddenFill xmlns:a14="http://schemas.microsoft.com/office/drawing/2010/main" xmlns="">
                   <a:noFill/>
                 </a14:hiddenFill>
               </a:ext>
@@ -6705,7 +6637,7 @@
             </a:ln>
             <a:extLst>
               <a:ext uri="{909E8E84-426E-40dd-AFC4-6F175D3DCCD1}">
-                <a14:hiddenFill xmlns="" xmlns:a14="http://schemas.microsoft.com/office/drawing/2010/main">
+                <a14:hiddenFill xmlns:a14="http://schemas.microsoft.com/office/drawing/2010/main" xmlns="">
                   <a:noFill/>
                 </a14:hiddenFill>
               </a:ext>
@@ -6756,7 +6688,7 @@
             </a:ln>
             <a:extLst>
               <a:ext uri="{909E8E84-426E-40dd-AFC4-6F175D3DCCD1}">
-                <a14:hiddenFill xmlns="" xmlns:a14="http://schemas.microsoft.com/office/drawing/2010/main">
+                <a14:hiddenFill xmlns:a14="http://schemas.microsoft.com/office/drawing/2010/main" xmlns="">
                   <a:noFill/>
                 </a14:hiddenFill>
               </a:ext>
@@ -6807,7 +6739,7 @@
             </a:ln>
             <a:extLst>
               <a:ext uri="{909E8E84-426E-40dd-AFC4-6F175D3DCCD1}">
-                <a14:hiddenFill xmlns="" xmlns:a14="http://schemas.microsoft.com/office/drawing/2010/main">
+                <a14:hiddenFill xmlns:a14="http://schemas.microsoft.com/office/drawing/2010/main" xmlns="">
                   <a:noFill/>
                 </a14:hiddenFill>
               </a:ext>
@@ -6858,7 +6790,7 @@
             </a:ln>
             <a:extLst>
               <a:ext uri="{909E8E84-426E-40dd-AFC4-6F175D3DCCD1}">
-                <a14:hiddenFill xmlns="" xmlns:a14="http://schemas.microsoft.com/office/drawing/2010/main">
+                <a14:hiddenFill xmlns:a14="http://schemas.microsoft.com/office/drawing/2010/main" xmlns="">
                   <a:noFill/>
                 </a14:hiddenFill>
               </a:ext>
@@ -6909,7 +6841,7 @@
             </a:ln>
             <a:extLst>
               <a:ext uri="{909E8E84-426E-40dd-AFC4-6F175D3DCCD1}">
-                <a14:hiddenFill xmlns="" xmlns:a14="http://schemas.microsoft.com/office/drawing/2010/main">
+                <a14:hiddenFill xmlns:a14="http://schemas.microsoft.com/office/drawing/2010/main" xmlns="">
                   <a:noFill/>
                 </a14:hiddenFill>
               </a:ext>
@@ -6960,7 +6892,7 @@
             </a:ln>
             <a:extLst>
               <a:ext uri="{909E8E84-426E-40dd-AFC4-6F175D3DCCD1}">
-                <a14:hiddenFill xmlns="" xmlns:a14="http://schemas.microsoft.com/office/drawing/2010/main">
+                <a14:hiddenFill xmlns:a14="http://schemas.microsoft.com/office/drawing/2010/main" xmlns="">
                   <a:noFill/>
                 </a14:hiddenFill>
               </a:ext>
@@ -7011,7 +6943,7 @@
             </a:ln>
             <a:extLst>
               <a:ext uri="{909E8E84-426E-40dd-AFC4-6F175D3DCCD1}">
-                <a14:hiddenFill xmlns="" xmlns:a14="http://schemas.microsoft.com/office/drawing/2010/main">
+                <a14:hiddenFill xmlns:a14="http://schemas.microsoft.com/office/drawing/2010/main" xmlns="">
                   <a:noFill/>
                 </a14:hiddenFill>
               </a:ext>
@@ -7062,7 +6994,7 @@
             </a:ln>
             <a:extLst>
               <a:ext uri="{909E8E84-426E-40dd-AFC4-6F175D3DCCD1}">
-                <a14:hiddenFill xmlns="" xmlns:a14="http://schemas.microsoft.com/office/drawing/2010/main">
+                <a14:hiddenFill xmlns:a14="http://schemas.microsoft.com/office/drawing/2010/main" xmlns="">
                   <a:noFill/>
                 </a14:hiddenFill>
               </a:ext>
@@ -7113,7 +7045,7 @@
             </a:ln>
             <a:extLst>
               <a:ext uri="{909E8E84-426E-40dd-AFC4-6F175D3DCCD1}">
-                <a14:hiddenFill xmlns="" xmlns:a14="http://schemas.microsoft.com/office/drawing/2010/main">
+                <a14:hiddenFill xmlns:a14="http://schemas.microsoft.com/office/drawing/2010/main" xmlns="">
                   <a:noFill/>
                 </a14:hiddenFill>
               </a:ext>
@@ -7164,7 +7096,7 @@
             </a:ln>
             <a:extLst>
               <a:ext uri="{909E8E84-426E-40dd-AFC4-6F175D3DCCD1}">
-                <a14:hiddenFill xmlns="" xmlns:a14="http://schemas.microsoft.com/office/drawing/2010/main">
+                <a14:hiddenFill xmlns:a14="http://schemas.microsoft.com/office/drawing/2010/main" xmlns="">
                   <a:noFill/>
                 </a14:hiddenFill>
               </a:ext>
@@ -7215,7 +7147,7 @@
             </a:ln>
             <a:extLst>
               <a:ext uri="{909E8E84-426E-40dd-AFC4-6F175D3DCCD1}">
-                <a14:hiddenFill xmlns="" xmlns:a14="http://schemas.microsoft.com/office/drawing/2010/main">
+                <a14:hiddenFill xmlns:a14="http://schemas.microsoft.com/office/drawing/2010/main" xmlns="">
                   <a:noFill/>
                 </a14:hiddenFill>
               </a:ext>
@@ -7266,7 +7198,7 @@
             </a:ln>
             <a:extLst>
               <a:ext uri="{909E8E84-426E-40dd-AFC4-6F175D3DCCD1}">
-                <a14:hiddenFill xmlns="" xmlns:a14="http://schemas.microsoft.com/office/drawing/2010/main">
+                <a14:hiddenFill xmlns:a14="http://schemas.microsoft.com/office/drawing/2010/main" xmlns="">
                   <a:noFill/>
                 </a14:hiddenFill>
               </a:ext>
@@ -7317,7 +7249,7 @@
             </a:ln>
             <a:extLst>
               <a:ext uri="{909E8E84-426E-40dd-AFC4-6F175D3DCCD1}">
-                <a14:hiddenFill xmlns="" xmlns:a14="http://schemas.microsoft.com/office/drawing/2010/main">
+                <a14:hiddenFill xmlns:a14="http://schemas.microsoft.com/office/drawing/2010/main" xmlns="">
                   <a:noFill/>
                 </a14:hiddenFill>
               </a:ext>
@@ -7368,7 +7300,7 @@
             </a:ln>
             <a:extLst>
               <a:ext uri="{909E8E84-426E-40dd-AFC4-6F175D3DCCD1}">
-                <a14:hiddenFill xmlns="" xmlns:a14="http://schemas.microsoft.com/office/drawing/2010/main">
+                <a14:hiddenFill xmlns:a14="http://schemas.microsoft.com/office/drawing/2010/main" xmlns="">
                   <a:noFill/>
                 </a14:hiddenFill>
               </a:ext>
@@ -7419,7 +7351,7 @@
             </a:ln>
             <a:extLst>
               <a:ext uri="{909E8E84-426E-40dd-AFC4-6F175D3DCCD1}">
-                <a14:hiddenFill xmlns="" xmlns:a14="http://schemas.microsoft.com/office/drawing/2010/main">
+                <a14:hiddenFill xmlns:a14="http://schemas.microsoft.com/office/drawing/2010/main" xmlns="">
                   <a:noFill/>
                 </a14:hiddenFill>
               </a:ext>
@@ -7470,7 +7402,7 @@
             </a:ln>
             <a:extLst>
               <a:ext uri="{909E8E84-426E-40dd-AFC4-6F175D3DCCD1}">
-                <a14:hiddenFill xmlns="" xmlns:a14="http://schemas.microsoft.com/office/drawing/2010/main">
+                <a14:hiddenFill xmlns:a14="http://schemas.microsoft.com/office/drawing/2010/main" xmlns="">
                   <a:noFill/>
                 </a14:hiddenFill>
               </a:ext>
@@ -7521,7 +7453,7 @@
             </a:ln>
             <a:extLst>
               <a:ext uri="{909E8E84-426E-40dd-AFC4-6F175D3DCCD1}">
-                <a14:hiddenFill xmlns="" xmlns:a14="http://schemas.microsoft.com/office/drawing/2010/main">
+                <a14:hiddenFill xmlns:a14="http://schemas.microsoft.com/office/drawing/2010/main" xmlns="">
                   <a:noFill/>
                 </a14:hiddenFill>
               </a:ext>
@@ -7572,7 +7504,7 @@
             </a:ln>
             <a:extLst>
               <a:ext uri="{909E8E84-426E-40dd-AFC4-6F175D3DCCD1}">
-                <a14:hiddenFill xmlns="" xmlns:a14="http://schemas.microsoft.com/office/drawing/2010/main">
+                <a14:hiddenFill xmlns:a14="http://schemas.microsoft.com/office/drawing/2010/main" xmlns="">
                   <a:noFill/>
                 </a14:hiddenFill>
               </a:ext>
@@ -7623,7 +7555,7 @@
             </a:ln>
             <a:extLst>
               <a:ext uri="{909E8E84-426E-40dd-AFC4-6F175D3DCCD1}">
-                <a14:hiddenFill xmlns="" xmlns:a14="http://schemas.microsoft.com/office/drawing/2010/main">
+                <a14:hiddenFill xmlns:a14="http://schemas.microsoft.com/office/drawing/2010/main" xmlns="">
                   <a:noFill/>
                 </a14:hiddenFill>
               </a:ext>
@@ -7674,7 +7606,7 @@
             </a:ln>
             <a:extLst>
               <a:ext uri="{909E8E84-426E-40dd-AFC4-6F175D3DCCD1}">
-                <a14:hiddenFill xmlns="" xmlns:a14="http://schemas.microsoft.com/office/drawing/2010/main">
+                <a14:hiddenFill xmlns:a14="http://schemas.microsoft.com/office/drawing/2010/main" xmlns="">
                   <a:noFill/>
                 </a14:hiddenFill>
               </a:ext>
@@ -7725,7 +7657,7 @@
             </a:ln>
             <a:extLst>
               <a:ext uri="{909E8E84-426E-40dd-AFC4-6F175D3DCCD1}">
-                <a14:hiddenFill xmlns="" xmlns:a14="http://schemas.microsoft.com/office/drawing/2010/main">
+                <a14:hiddenFill xmlns:a14="http://schemas.microsoft.com/office/drawing/2010/main" xmlns="">
                   <a:noFill/>
                 </a14:hiddenFill>
               </a:ext>
@@ -7776,7 +7708,7 @@
             </a:ln>
             <a:extLst>
               <a:ext uri="{909E8E84-426E-40dd-AFC4-6F175D3DCCD1}">
-                <a14:hiddenFill xmlns="" xmlns:a14="http://schemas.microsoft.com/office/drawing/2010/main">
+                <a14:hiddenFill xmlns:a14="http://schemas.microsoft.com/office/drawing/2010/main" xmlns="">
                   <a:noFill/>
                 </a14:hiddenFill>
               </a:ext>
@@ -7827,7 +7759,7 @@
             </a:ln>
             <a:extLst>
               <a:ext uri="{909E8E84-426E-40dd-AFC4-6F175D3DCCD1}">
-                <a14:hiddenFill xmlns="" xmlns:a14="http://schemas.microsoft.com/office/drawing/2010/main">
+                <a14:hiddenFill xmlns:a14="http://schemas.microsoft.com/office/drawing/2010/main" xmlns="">
                   <a:noFill/>
                 </a14:hiddenFill>
               </a:ext>
@@ -7878,7 +7810,7 @@
             </a:ln>
             <a:extLst>
               <a:ext uri="{909E8E84-426E-40dd-AFC4-6F175D3DCCD1}">
-                <a14:hiddenFill xmlns="" xmlns:a14="http://schemas.microsoft.com/office/drawing/2010/main">
+                <a14:hiddenFill xmlns:a14="http://schemas.microsoft.com/office/drawing/2010/main" xmlns="">
                   <a:noFill/>
                 </a14:hiddenFill>
               </a:ext>
@@ -7929,7 +7861,7 @@
             </a:ln>
             <a:extLst>
               <a:ext uri="{909E8E84-426E-40dd-AFC4-6F175D3DCCD1}">
-                <a14:hiddenFill xmlns="" xmlns:a14="http://schemas.microsoft.com/office/drawing/2010/main">
+                <a14:hiddenFill xmlns:a14="http://schemas.microsoft.com/office/drawing/2010/main" xmlns="">
                   <a:noFill/>
                 </a14:hiddenFill>
               </a:ext>
@@ -7980,7 +7912,7 @@
             </a:ln>
             <a:extLst>
               <a:ext uri="{909E8E84-426E-40dd-AFC4-6F175D3DCCD1}">
-                <a14:hiddenFill xmlns="" xmlns:a14="http://schemas.microsoft.com/office/drawing/2010/main">
+                <a14:hiddenFill xmlns:a14="http://schemas.microsoft.com/office/drawing/2010/main" xmlns="">
                   <a:noFill/>
                 </a14:hiddenFill>
               </a:ext>
@@ -8031,7 +7963,7 @@
             </a:ln>
             <a:extLst>
               <a:ext uri="{909E8E84-426E-40dd-AFC4-6F175D3DCCD1}">
-                <a14:hiddenFill xmlns="" xmlns:a14="http://schemas.microsoft.com/office/drawing/2010/main">
+                <a14:hiddenFill xmlns:a14="http://schemas.microsoft.com/office/drawing/2010/main" xmlns="">
                   <a:noFill/>
                 </a14:hiddenFill>
               </a:ext>
@@ -8082,7 +8014,7 @@
             </a:ln>
             <a:extLst>
               <a:ext uri="{909E8E84-426E-40dd-AFC4-6F175D3DCCD1}">
-                <a14:hiddenFill xmlns="" xmlns:a14="http://schemas.microsoft.com/office/drawing/2010/main">
+                <a14:hiddenFill xmlns:a14="http://schemas.microsoft.com/office/drawing/2010/main" xmlns="">
                   <a:noFill/>
                 </a14:hiddenFill>
               </a:ext>
@@ -8133,7 +8065,7 @@
             </a:ln>
             <a:extLst>
               <a:ext uri="{909E8E84-426E-40dd-AFC4-6F175D3DCCD1}">
-                <a14:hiddenFill xmlns="" xmlns:a14="http://schemas.microsoft.com/office/drawing/2010/main">
+                <a14:hiddenFill xmlns:a14="http://schemas.microsoft.com/office/drawing/2010/main" xmlns="">
                   <a:noFill/>
                 </a14:hiddenFill>
               </a:ext>
@@ -8184,7 +8116,7 @@
             </a:ln>
             <a:extLst>
               <a:ext uri="{909E8E84-426E-40dd-AFC4-6F175D3DCCD1}">
-                <a14:hiddenFill xmlns="" xmlns:a14="http://schemas.microsoft.com/office/drawing/2010/main">
+                <a14:hiddenFill xmlns:a14="http://schemas.microsoft.com/office/drawing/2010/main" xmlns="">
                   <a:noFill/>
                 </a14:hiddenFill>
               </a:ext>
@@ -8235,7 +8167,7 @@
             </a:ln>
             <a:extLst>
               <a:ext uri="{909E8E84-426E-40dd-AFC4-6F175D3DCCD1}">
-                <a14:hiddenFill xmlns="" xmlns:a14="http://schemas.microsoft.com/office/drawing/2010/main">
+                <a14:hiddenFill xmlns:a14="http://schemas.microsoft.com/office/drawing/2010/main" xmlns="">
                   <a:noFill/>
                 </a14:hiddenFill>
               </a:ext>
@@ -8286,7 +8218,7 @@
             </a:ln>
             <a:extLst>
               <a:ext uri="{909E8E84-426E-40dd-AFC4-6F175D3DCCD1}">
-                <a14:hiddenFill xmlns="" xmlns:a14="http://schemas.microsoft.com/office/drawing/2010/main">
+                <a14:hiddenFill xmlns:a14="http://schemas.microsoft.com/office/drawing/2010/main" xmlns="">
                   <a:noFill/>
                 </a14:hiddenFill>
               </a:ext>
@@ -8337,7 +8269,7 @@
             </a:ln>
             <a:extLst>
               <a:ext uri="{909E8E84-426E-40dd-AFC4-6F175D3DCCD1}">
-                <a14:hiddenFill xmlns="" xmlns:a14="http://schemas.microsoft.com/office/drawing/2010/main">
+                <a14:hiddenFill xmlns:a14="http://schemas.microsoft.com/office/drawing/2010/main" xmlns="">
                   <a:noFill/>
                 </a14:hiddenFill>
               </a:ext>
@@ -8388,7 +8320,7 @@
             </a:ln>
             <a:extLst>
               <a:ext uri="{909E8E84-426E-40dd-AFC4-6F175D3DCCD1}">
-                <a14:hiddenFill xmlns="" xmlns:a14="http://schemas.microsoft.com/office/drawing/2010/main">
+                <a14:hiddenFill xmlns:a14="http://schemas.microsoft.com/office/drawing/2010/main" xmlns="">
                   <a:noFill/>
                 </a14:hiddenFill>
               </a:ext>
@@ -8439,7 +8371,7 @@
             </a:ln>
             <a:extLst>
               <a:ext uri="{909E8E84-426E-40dd-AFC4-6F175D3DCCD1}">
-                <a14:hiddenFill xmlns="" xmlns:a14="http://schemas.microsoft.com/office/drawing/2010/main">
+                <a14:hiddenFill xmlns:a14="http://schemas.microsoft.com/office/drawing/2010/main" xmlns="">
                   <a:noFill/>
                 </a14:hiddenFill>
               </a:ext>
@@ -8490,7 +8422,7 @@
             </a:ln>
             <a:extLst>
               <a:ext uri="{909E8E84-426E-40dd-AFC4-6F175D3DCCD1}">
-                <a14:hiddenFill xmlns="" xmlns:a14="http://schemas.microsoft.com/office/drawing/2010/main">
+                <a14:hiddenFill xmlns:a14="http://schemas.microsoft.com/office/drawing/2010/main" xmlns="">
                   <a:noFill/>
                 </a14:hiddenFill>
               </a:ext>
@@ -8541,7 +8473,7 @@
             </a:ln>
             <a:extLst>
               <a:ext uri="{909E8E84-426E-40dd-AFC4-6F175D3DCCD1}">
-                <a14:hiddenFill xmlns="" xmlns:a14="http://schemas.microsoft.com/office/drawing/2010/main">
+                <a14:hiddenFill xmlns:a14="http://schemas.microsoft.com/office/drawing/2010/main" xmlns="">
                   <a:noFill/>
                 </a14:hiddenFill>
               </a:ext>
@@ -8592,7 +8524,7 @@
             </a:ln>
             <a:extLst>
               <a:ext uri="{909E8E84-426E-40dd-AFC4-6F175D3DCCD1}">
-                <a14:hiddenFill xmlns="" xmlns:a14="http://schemas.microsoft.com/office/drawing/2010/main">
+                <a14:hiddenFill xmlns:a14="http://schemas.microsoft.com/office/drawing/2010/main" xmlns="">
                   <a:noFill/>
                 </a14:hiddenFill>
               </a:ext>
@@ -9219,7 +9151,7 @@
             </a:ln>
             <a:extLst>
               <a:ext uri="{909E8E84-426E-40dd-AFC4-6F175D3DCCD1}">
-                <a14:hiddenFill xmlns="" xmlns:a14="http://schemas.microsoft.com/office/drawing/2010/main">
+                <a14:hiddenFill xmlns:a14="http://schemas.microsoft.com/office/drawing/2010/main" xmlns="">
                   <a:solidFill>
                     <a:srgbClr val="FFFFFF"/>
                   </a:solidFill>
@@ -9272,7 +9204,7 @@
             </a:ln>
             <a:extLst>
               <a:ext uri="{909E8E84-426E-40dd-AFC4-6F175D3DCCD1}">
-                <a14:hiddenFill xmlns="" xmlns:a14="http://schemas.microsoft.com/office/drawing/2010/main">
+                <a14:hiddenFill xmlns:a14="http://schemas.microsoft.com/office/drawing/2010/main" xmlns="">
                   <a:noFill/>
                 </a14:hiddenFill>
               </a:ext>
@@ -9323,7 +9255,7 @@
             </a:ln>
             <a:extLst>
               <a:ext uri="{909E8E84-426E-40dd-AFC4-6F175D3DCCD1}">
-                <a14:hiddenFill xmlns="" xmlns:a14="http://schemas.microsoft.com/office/drawing/2010/main">
+                <a14:hiddenFill xmlns:a14="http://schemas.microsoft.com/office/drawing/2010/main" xmlns="">
                   <a:noFill/>
                 </a14:hiddenFill>
               </a:ext>
@@ -9374,7 +9306,7 @@
             </a:ln>
             <a:extLst>
               <a:ext uri="{909E8E84-426E-40dd-AFC4-6F175D3DCCD1}">
-                <a14:hiddenFill xmlns="" xmlns:a14="http://schemas.microsoft.com/office/drawing/2010/main">
+                <a14:hiddenFill xmlns:a14="http://schemas.microsoft.com/office/drawing/2010/main" xmlns="">
                   <a:noFill/>
                 </a14:hiddenFill>
               </a:ext>
@@ -9425,7 +9357,7 @@
             </a:ln>
             <a:extLst>
               <a:ext uri="{909E8E84-426E-40dd-AFC4-6F175D3DCCD1}">
-                <a14:hiddenFill xmlns="" xmlns:a14="http://schemas.microsoft.com/office/drawing/2010/main">
+                <a14:hiddenFill xmlns:a14="http://schemas.microsoft.com/office/drawing/2010/main" xmlns="">
                   <a:noFill/>
                 </a14:hiddenFill>
               </a:ext>
@@ -9476,7 +9408,7 @@
             </a:ln>
             <a:extLst>
               <a:ext uri="{909E8E84-426E-40dd-AFC4-6F175D3DCCD1}">
-                <a14:hiddenFill xmlns="" xmlns:a14="http://schemas.microsoft.com/office/drawing/2010/main">
+                <a14:hiddenFill xmlns:a14="http://schemas.microsoft.com/office/drawing/2010/main" xmlns="">
                   <a:noFill/>
                 </a14:hiddenFill>
               </a:ext>
@@ -9527,7 +9459,7 @@
             </a:ln>
             <a:extLst>
               <a:ext uri="{909E8E84-426E-40dd-AFC4-6F175D3DCCD1}">
-                <a14:hiddenFill xmlns="" xmlns:a14="http://schemas.microsoft.com/office/drawing/2010/main">
+                <a14:hiddenFill xmlns:a14="http://schemas.microsoft.com/office/drawing/2010/main" xmlns="">
                   <a:noFill/>
                 </a14:hiddenFill>
               </a:ext>
@@ -9578,7 +9510,7 @@
             </a:ln>
             <a:extLst>
               <a:ext uri="{909E8E84-426E-40dd-AFC4-6F175D3DCCD1}">
-                <a14:hiddenFill xmlns="" xmlns:a14="http://schemas.microsoft.com/office/drawing/2010/main">
+                <a14:hiddenFill xmlns:a14="http://schemas.microsoft.com/office/drawing/2010/main" xmlns="">
                   <a:noFill/>
                 </a14:hiddenFill>
               </a:ext>
@@ -9629,7 +9561,7 @@
             </a:ln>
             <a:extLst>
               <a:ext uri="{909E8E84-426E-40dd-AFC4-6F175D3DCCD1}">
-                <a14:hiddenFill xmlns="" xmlns:a14="http://schemas.microsoft.com/office/drawing/2010/main">
+                <a14:hiddenFill xmlns:a14="http://schemas.microsoft.com/office/drawing/2010/main" xmlns="">
                   <a:noFill/>
                 </a14:hiddenFill>
               </a:ext>
@@ -9680,7 +9612,7 @@
             </a:ln>
             <a:extLst>
               <a:ext uri="{909E8E84-426E-40dd-AFC4-6F175D3DCCD1}">
-                <a14:hiddenFill xmlns="" xmlns:a14="http://schemas.microsoft.com/office/drawing/2010/main">
+                <a14:hiddenFill xmlns:a14="http://schemas.microsoft.com/office/drawing/2010/main" xmlns="">
                   <a:noFill/>
                 </a14:hiddenFill>
               </a:ext>
@@ -9731,7 +9663,7 @@
             </a:ln>
             <a:extLst>
               <a:ext uri="{909E8E84-426E-40dd-AFC4-6F175D3DCCD1}">
-                <a14:hiddenFill xmlns="" xmlns:a14="http://schemas.microsoft.com/office/drawing/2010/main">
+                <a14:hiddenFill xmlns:a14="http://schemas.microsoft.com/office/drawing/2010/main" xmlns="">
                   <a:noFill/>
                 </a14:hiddenFill>
               </a:ext>
@@ -9782,7 +9714,7 @@
             </a:ln>
             <a:extLst>
               <a:ext uri="{909E8E84-426E-40dd-AFC4-6F175D3DCCD1}">
-                <a14:hiddenFill xmlns="" xmlns:a14="http://schemas.microsoft.com/office/drawing/2010/main">
+                <a14:hiddenFill xmlns:a14="http://schemas.microsoft.com/office/drawing/2010/main" xmlns="">
                   <a:noFill/>
                 </a14:hiddenFill>
               </a:ext>
@@ -9833,7 +9765,7 @@
             </a:ln>
             <a:extLst>
               <a:ext uri="{909E8E84-426E-40dd-AFC4-6F175D3DCCD1}">
-                <a14:hiddenFill xmlns="" xmlns:a14="http://schemas.microsoft.com/office/drawing/2010/main">
+                <a14:hiddenFill xmlns:a14="http://schemas.microsoft.com/office/drawing/2010/main" xmlns="">
                   <a:noFill/>
                 </a14:hiddenFill>
               </a:ext>
@@ -9884,7 +9816,7 @@
             </a:ln>
             <a:extLst>
               <a:ext uri="{909E8E84-426E-40dd-AFC4-6F175D3DCCD1}">
-                <a14:hiddenFill xmlns="" xmlns:a14="http://schemas.microsoft.com/office/drawing/2010/main">
+                <a14:hiddenFill xmlns:a14="http://schemas.microsoft.com/office/drawing/2010/main" xmlns="">
                   <a:noFill/>
                 </a14:hiddenFill>
               </a:ext>
@@ -9935,7 +9867,7 @@
             </a:ln>
             <a:extLst>
               <a:ext uri="{909E8E84-426E-40dd-AFC4-6F175D3DCCD1}">
-                <a14:hiddenFill xmlns="" xmlns:a14="http://schemas.microsoft.com/office/drawing/2010/main">
+                <a14:hiddenFill xmlns:a14="http://schemas.microsoft.com/office/drawing/2010/main" xmlns="">
                   <a:noFill/>
                 </a14:hiddenFill>
               </a:ext>
@@ -9986,7 +9918,7 @@
             </a:ln>
             <a:extLst>
               <a:ext uri="{909E8E84-426E-40dd-AFC4-6F175D3DCCD1}">
-                <a14:hiddenFill xmlns="" xmlns:a14="http://schemas.microsoft.com/office/drawing/2010/main">
+                <a14:hiddenFill xmlns:a14="http://schemas.microsoft.com/office/drawing/2010/main" xmlns="">
                   <a:noFill/>
                 </a14:hiddenFill>
               </a:ext>
@@ -10037,7 +9969,7 @@
             </a:ln>
             <a:extLst>
               <a:ext uri="{909E8E84-426E-40dd-AFC4-6F175D3DCCD1}">
-                <a14:hiddenFill xmlns="" xmlns:a14="http://schemas.microsoft.com/office/drawing/2010/main">
+                <a14:hiddenFill xmlns:a14="http://schemas.microsoft.com/office/drawing/2010/main" xmlns="">
                   <a:noFill/>
                 </a14:hiddenFill>
               </a:ext>
@@ -10088,7 +10020,7 @@
             </a:ln>
             <a:extLst>
               <a:ext uri="{909E8E84-426E-40dd-AFC4-6F175D3DCCD1}">
-                <a14:hiddenFill xmlns="" xmlns:a14="http://schemas.microsoft.com/office/drawing/2010/main">
+                <a14:hiddenFill xmlns:a14="http://schemas.microsoft.com/office/drawing/2010/main" xmlns="">
                   <a:noFill/>
                 </a14:hiddenFill>
               </a:ext>
@@ -10139,7 +10071,7 @@
             </a:ln>
             <a:extLst>
               <a:ext uri="{909E8E84-426E-40dd-AFC4-6F175D3DCCD1}">
-                <a14:hiddenFill xmlns="" xmlns:a14="http://schemas.microsoft.com/office/drawing/2010/main">
+                <a14:hiddenFill xmlns:a14="http://schemas.microsoft.com/office/drawing/2010/main" xmlns="">
                   <a:noFill/>
                 </a14:hiddenFill>
               </a:ext>
@@ -10190,7 +10122,7 @@
             </a:ln>
             <a:extLst>
               <a:ext uri="{909E8E84-426E-40dd-AFC4-6F175D3DCCD1}">
-                <a14:hiddenFill xmlns="" xmlns:a14="http://schemas.microsoft.com/office/drawing/2010/main">
+                <a14:hiddenFill xmlns:a14="http://schemas.microsoft.com/office/drawing/2010/main" xmlns="">
                   <a:noFill/>
                 </a14:hiddenFill>
               </a:ext>
@@ -10241,7 +10173,7 @@
             </a:ln>
             <a:extLst>
               <a:ext uri="{909E8E84-426E-40dd-AFC4-6F175D3DCCD1}">
-                <a14:hiddenFill xmlns="" xmlns:a14="http://schemas.microsoft.com/office/drawing/2010/main">
+                <a14:hiddenFill xmlns:a14="http://schemas.microsoft.com/office/drawing/2010/main" xmlns="">
                   <a:noFill/>
                 </a14:hiddenFill>
               </a:ext>
@@ -10292,7 +10224,7 @@
             </a:ln>
             <a:extLst>
               <a:ext uri="{909E8E84-426E-40dd-AFC4-6F175D3DCCD1}">
-                <a14:hiddenFill xmlns="" xmlns:a14="http://schemas.microsoft.com/office/drawing/2010/main">
+                <a14:hiddenFill xmlns:a14="http://schemas.microsoft.com/office/drawing/2010/main" xmlns="">
                   <a:noFill/>
                 </a14:hiddenFill>
               </a:ext>
@@ -10343,7 +10275,7 @@
             </a:ln>
             <a:extLst>
               <a:ext uri="{909E8E84-426E-40dd-AFC4-6F175D3DCCD1}">
-                <a14:hiddenFill xmlns="" xmlns:a14="http://schemas.microsoft.com/office/drawing/2010/main">
+                <a14:hiddenFill xmlns:a14="http://schemas.microsoft.com/office/drawing/2010/main" xmlns="">
                   <a:noFill/>
                 </a14:hiddenFill>
               </a:ext>
@@ -10394,7 +10326,7 @@
             </a:ln>
             <a:extLst>
               <a:ext uri="{909E8E84-426E-40dd-AFC4-6F175D3DCCD1}">
-                <a14:hiddenFill xmlns="" xmlns:a14="http://schemas.microsoft.com/office/drawing/2010/main">
+                <a14:hiddenFill xmlns:a14="http://schemas.microsoft.com/office/drawing/2010/main" xmlns="">
                   <a:noFill/>
                 </a14:hiddenFill>
               </a:ext>
@@ -10445,7 +10377,7 @@
             </a:ln>
             <a:extLst>
               <a:ext uri="{909E8E84-426E-40dd-AFC4-6F175D3DCCD1}">
-                <a14:hiddenFill xmlns="" xmlns:a14="http://schemas.microsoft.com/office/drawing/2010/main">
+                <a14:hiddenFill xmlns:a14="http://schemas.microsoft.com/office/drawing/2010/main" xmlns="">
                   <a:noFill/>
                 </a14:hiddenFill>
               </a:ext>
@@ -10496,7 +10428,7 @@
             </a:ln>
             <a:extLst>
               <a:ext uri="{909E8E84-426E-40dd-AFC4-6F175D3DCCD1}">
-                <a14:hiddenFill xmlns="" xmlns:a14="http://schemas.microsoft.com/office/drawing/2010/main">
+                <a14:hiddenFill xmlns:a14="http://schemas.microsoft.com/office/drawing/2010/main" xmlns="">
                   <a:noFill/>
                 </a14:hiddenFill>
               </a:ext>
@@ -10547,7 +10479,7 @@
             </a:ln>
             <a:extLst>
               <a:ext uri="{909E8E84-426E-40dd-AFC4-6F175D3DCCD1}">
-                <a14:hiddenFill xmlns="" xmlns:a14="http://schemas.microsoft.com/office/drawing/2010/main">
+                <a14:hiddenFill xmlns:a14="http://schemas.microsoft.com/office/drawing/2010/main" xmlns="">
                   <a:noFill/>
                 </a14:hiddenFill>
               </a:ext>
@@ -10598,7 +10530,7 @@
             </a:ln>
             <a:extLst>
               <a:ext uri="{909E8E84-426E-40dd-AFC4-6F175D3DCCD1}">
-                <a14:hiddenFill xmlns="" xmlns:a14="http://schemas.microsoft.com/office/drawing/2010/main">
+                <a14:hiddenFill xmlns:a14="http://schemas.microsoft.com/office/drawing/2010/main" xmlns="">
                   <a:noFill/>
                 </a14:hiddenFill>
               </a:ext>
@@ -10649,7 +10581,7 @@
             </a:ln>
             <a:extLst>
               <a:ext uri="{909E8E84-426E-40dd-AFC4-6F175D3DCCD1}">
-                <a14:hiddenFill xmlns="" xmlns:a14="http://schemas.microsoft.com/office/drawing/2010/main">
+                <a14:hiddenFill xmlns:a14="http://schemas.microsoft.com/office/drawing/2010/main" xmlns="">
                   <a:noFill/>
                 </a14:hiddenFill>
               </a:ext>
@@ -10700,7 +10632,7 @@
             </a:ln>
             <a:extLst>
               <a:ext uri="{909E8E84-426E-40dd-AFC4-6F175D3DCCD1}">
-                <a14:hiddenFill xmlns="" xmlns:a14="http://schemas.microsoft.com/office/drawing/2010/main">
+                <a14:hiddenFill xmlns:a14="http://schemas.microsoft.com/office/drawing/2010/main" xmlns="">
                   <a:noFill/>
                 </a14:hiddenFill>
               </a:ext>
@@ -10751,7 +10683,7 @@
             </a:ln>
             <a:extLst>
               <a:ext uri="{909E8E84-426E-40dd-AFC4-6F175D3DCCD1}">
-                <a14:hiddenFill xmlns="" xmlns:a14="http://schemas.microsoft.com/office/drawing/2010/main">
+                <a14:hiddenFill xmlns:a14="http://schemas.microsoft.com/office/drawing/2010/main" xmlns="">
                   <a:noFill/>
                 </a14:hiddenFill>
               </a:ext>
@@ -10802,7 +10734,7 @@
             </a:ln>
             <a:extLst>
               <a:ext uri="{909E8E84-426E-40dd-AFC4-6F175D3DCCD1}">
-                <a14:hiddenFill xmlns="" xmlns:a14="http://schemas.microsoft.com/office/drawing/2010/main">
+                <a14:hiddenFill xmlns:a14="http://schemas.microsoft.com/office/drawing/2010/main" xmlns="">
                   <a:noFill/>
                 </a14:hiddenFill>
               </a:ext>
@@ -10853,7 +10785,7 @@
             </a:ln>
             <a:extLst>
               <a:ext uri="{909E8E84-426E-40dd-AFC4-6F175D3DCCD1}">
-                <a14:hiddenFill xmlns="" xmlns:a14="http://schemas.microsoft.com/office/drawing/2010/main">
+                <a14:hiddenFill xmlns:a14="http://schemas.microsoft.com/office/drawing/2010/main" xmlns="">
                   <a:noFill/>
                 </a14:hiddenFill>
               </a:ext>
@@ -10904,7 +10836,7 @@
             </a:ln>
             <a:extLst>
               <a:ext uri="{909E8E84-426E-40dd-AFC4-6F175D3DCCD1}">
-                <a14:hiddenFill xmlns="" xmlns:a14="http://schemas.microsoft.com/office/drawing/2010/main">
+                <a14:hiddenFill xmlns:a14="http://schemas.microsoft.com/office/drawing/2010/main" xmlns="">
                   <a:noFill/>
                 </a14:hiddenFill>
               </a:ext>
@@ -10955,7 +10887,7 @@
             </a:ln>
             <a:extLst>
               <a:ext uri="{909E8E84-426E-40dd-AFC4-6F175D3DCCD1}">
-                <a14:hiddenFill xmlns="" xmlns:a14="http://schemas.microsoft.com/office/drawing/2010/main">
+                <a14:hiddenFill xmlns:a14="http://schemas.microsoft.com/office/drawing/2010/main" xmlns="">
                   <a:noFill/>
                 </a14:hiddenFill>
               </a:ext>
@@ -11006,7 +10938,7 @@
             </a:ln>
             <a:extLst>
               <a:ext uri="{909E8E84-426E-40dd-AFC4-6F175D3DCCD1}">
-                <a14:hiddenFill xmlns="" xmlns:a14="http://schemas.microsoft.com/office/drawing/2010/main">
+                <a14:hiddenFill xmlns:a14="http://schemas.microsoft.com/office/drawing/2010/main" xmlns="">
                   <a:noFill/>
                 </a14:hiddenFill>
               </a:ext>
@@ -11057,7 +10989,7 @@
             </a:ln>
             <a:extLst>
               <a:ext uri="{909E8E84-426E-40dd-AFC4-6F175D3DCCD1}">
-                <a14:hiddenFill xmlns="" xmlns:a14="http://schemas.microsoft.com/office/drawing/2010/main">
+                <a14:hiddenFill xmlns:a14="http://schemas.microsoft.com/office/drawing/2010/main" xmlns="">
                   <a:noFill/>
                 </a14:hiddenFill>
               </a:ext>
@@ -11108,7 +11040,7 @@
             </a:ln>
             <a:extLst>
               <a:ext uri="{909E8E84-426E-40dd-AFC4-6F175D3DCCD1}">
-                <a14:hiddenFill xmlns="" xmlns:a14="http://schemas.microsoft.com/office/drawing/2010/main">
+                <a14:hiddenFill xmlns:a14="http://schemas.microsoft.com/office/drawing/2010/main" xmlns="">
                   <a:noFill/>
                 </a14:hiddenFill>
               </a:ext>
@@ -11159,7 +11091,7 @@
             </a:ln>
             <a:extLst>
               <a:ext uri="{909E8E84-426E-40dd-AFC4-6F175D3DCCD1}">
-                <a14:hiddenFill xmlns="" xmlns:a14="http://schemas.microsoft.com/office/drawing/2010/main">
+                <a14:hiddenFill xmlns:a14="http://schemas.microsoft.com/office/drawing/2010/main" xmlns="">
                   <a:noFill/>
                 </a14:hiddenFill>
               </a:ext>
@@ -11210,7 +11142,7 @@
             </a:ln>
             <a:extLst>
               <a:ext uri="{909E8E84-426E-40dd-AFC4-6F175D3DCCD1}">
-                <a14:hiddenFill xmlns="" xmlns:a14="http://schemas.microsoft.com/office/drawing/2010/main">
+                <a14:hiddenFill xmlns:a14="http://schemas.microsoft.com/office/drawing/2010/main" xmlns="">
                   <a:noFill/>
                 </a14:hiddenFill>
               </a:ext>
@@ -11261,7 +11193,7 @@
             </a:ln>
             <a:extLst>
               <a:ext uri="{909E8E84-426E-40dd-AFC4-6F175D3DCCD1}">
-                <a14:hiddenFill xmlns="" xmlns:a14="http://schemas.microsoft.com/office/drawing/2010/main">
+                <a14:hiddenFill xmlns:a14="http://schemas.microsoft.com/office/drawing/2010/main" xmlns="">
                   <a:noFill/>
                 </a14:hiddenFill>
               </a:ext>
@@ -11312,7 +11244,7 @@
             </a:ln>
             <a:extLst>
               <a:ext uri="{909E8E84-426E-40dd-AFC4-6F175D3DCCD1}">
-                <a14:hiddenFill xmlns="" xmlns:a14="http://schemas.microsoft.com/office/drawing/2010/main">
+                <a14:hiddenFill xmlns:a14="http://schemas.microsoft.com/office/drawing/2010/main" xmlns="">
                   <a:noFill/>
                 </a14:hiddenFill>
               </a:ext>
@@ -11363,7 +11295,7 @@
             </a:ln>
             <a:extLst>
               <a:ext uri="{909E8E84-426E-40dd-AFC4-6F175D3DCCD1}">
-                <a14:hiddenFill xmlns="" xmlns:a14="http://schemas.microsoft.com/office/drawing/2010/main">
+                <a14:hiddenFill xmlns:a14="http://schemas.microsoft.com/office/drawing/2010/main" xmlns="">
                   <a:noFill/>
                 </a14:hiddenFill>
               </a:ext>
@@ -11414,7 +11346,7 @@
             </a:ln>
             <a:extLst>
               <a:ext uri="{909E8E84-426E-40dd-AFC4-6F175D3DCCD1}">
-                <a14:hiddenFill xmlns="" xmlns:a14="http://schemas.microsoft.com/office/drawing/2010/main">
+                <a14:hiddenFill xmlns:a14="http://schemas.microsoft.com/office/drawing/2010/main" xmlns="">
                   <a:noFill/>
                 </a14:hiddenFill>
               </a:ext>
@@ -11465,7 +11397,7 @@
             </a:ln>
             <a:extLst>
               <a:ext uri="{909E8E84-426E-40dd-AFC4-6F175D3DCCD1}">
-                <a14:hiddenFill xmlns="" xmlns:a14="http://schemas.microsoft.com/office/drawing/2010/main">
+                <a14:hiddenFill xmlns:a14="http://schemas.microsoft.com/office/drawing/2010/main" xmlns="">
                   <a:noFill/>
                 </a14:hiddenFill>
               </a:ext>
@@ -11516,7 +11448,7 @@
             </a:ln>
             <a:extLst>
               <a:ext uri="{909E8E84-426E-40dd-AFC4-6F175D3DCCD1}">
-                <a14:hiddenFill xmlns="" xmlns:a14="http://schemas.microsoft.com/office/drawing/2010/main">
+                <a14:hiddenFill xmlns:a14="http://schemas.microsoft.com/office/drawing/2010/main" xmlns="">
                   <a:noFill/>
                 </a14:hiddenFill>
               </a:ext>
@@ -11567,7 +11499,7 @@
             </a:ln>
             <a:extLst>
               <a:ext uri="{909E8E84-426E-40dd-AFC4-6F175D3DCCD1}">
-                <a14:hiddenFill xmlns="" xmlns:a14="http://schemas.microsoft.com/office/drawing/2010/main">
+                <a14:hiddenFill xmlns:a14="http://schemas.microsoft.com/office/drawing/2010/main" xmlns="">
                   <a:noFill/>
                 </a14:hiddenFill>
               </a:ext>
@@ -11618,7 +11550,7 @@
             </a:ln>
             <a:extLst>
               <a:ext uri="{909E8E84-426E-40dd-AFC4-6F175D3DCCD1}">
-                <a14:hiddenFill xmlns="" xmlns:a14="http://schemas.microsoft.com/office/drawing/2010/main">
+                <a14:hiddenFill xmlns:a14="http://schemas.microsoft.com/office/drawing/2010/main" xmlns="">
                   <a:noFill/>
                 </a14:hiddenFill>
               </a:ext>
@@ -11669,7 +11601,7 @@
             </a:ln>
             <a:extLst>
               <a:ext uri="{909E8E84-426E-40dd-AFC4-6F175D3DCCD1}">
-                <a14:hiddenFill xmlns="" xmlns:a14="http://schemas.microsoft.com/office/drawing/2010/main">
+                <a14:hiddenFill xmlns:a14="http://schemas.microsoft.com/office/drawing/2010/main" xmlns="">
                   <a:noFill/>
                 </a14:hiddenFill>
               </a:ext>
@@ -11720,7 +11652,7 @@
             </a:ln>
             <a:extLst>
               <a:ext uri="{909E8E84-426E-40dd-AFC4-6F175D3DCCD1}">
-                <a14:hiddenFill xmlns="" xmlns:a14="http://schemas.microsoft.com/office/drawing/2010/main">
+                <a14:hiddenFill xmlns:a14="http://schemas.microsoft.com/office/drawing/2010/main" xmlns="">
                   <a:noFill/>
                 </a14:hiddenFill>
               </a:ext>
@@ -11771,7 +11703,7 @@
             </a:ln>
             <a:extLst>
               <a:ext uri="{909E8E84-426E-40dd-AFC4-6F175D3DCCD1}">
-                <a14:hiddenFill xmlns="" xmlns:a14="http://schemas.microsoft.com/office/drawing/2010/main">
+                <a14:hiddenFill xmlns:a14="http://schemas.microsoft.com/office/drawing/2010/main" xmlns="">
                   <a:noFill/>
                 </a14:hiddenFill>
               </a:ext>
@@ -11822,7 +11754,7 @@
             </a:ln>
             <a:extLst>
               <a:ext uri="{909E8E84-426E-40dd-AFC4-6F175D3DCCD1}">
-                <a14:hiddenFill xmlns="" xmlns:a14="http://schemas.microsoft.com/office/drawing/2010/main">
+                <a14:hiddenFill xmlns:a14="http://schemas.microsoft.com/office/drawing/2010/main" xmlns="">
                   <a:noFill/>
                 </a14:hiddenFill>
               </a:ext>
@@ -11873,7 +11805,7 @@
             </a:ln>
             <a:extLst>
               <a:ext uri="{909E8E84-426E-40dd-AFC4-6F175D3DCCD1}">
-                <a14:hiddenFill xmlns="" xmlns:a14="http://schemas.microsoft.com/office/drawing/2010/main">
+                <a14:hiddenFill xmlns:a14="http://schemas.microsoft.com/office/drawing/2010/main" xmlns="">
                   <a:noFill/>
                 </a14:hiddenFill>
               </a:ext>
@@ -11924,7 +11856,7 @@
             </a:ln>
             <a:extLst>
               <a:ext uri="{909E8E84-426E-40dd-AFC4-6F175D3DCCD1}">
-                <a14:hiddenFill xmlns="" xmlns:a14="http://schemas.microsoft.com/office/drawing/2010/main">
+                <a14:hiddenFill xmlns:a14="http://schemas.microsoft.com/office/drawing/2010/main" xmlns="">
                   <a:noFill/>
                 </a14:hiddenFill>
               </a:ext>
@@ -11975,7 +11907,7 @@
             </a:ln>
             <a:extLst>
               <a:ext uri="{909E8E84-426E-40dd-AFC4-6F175D3DCCD1}">
-                <a14:hiddenFill xmlns="" xmlns:a14="http://schemas.microsoft.com/office/drawing/2010/main">
+                <a14:hiddenFill xmlns:a14="http://schemas.microsoft.com/office/drawing/2010/main" xmlns="">
                   <a:noFill/>
                 </a14:hiddenFill>
               </a:ext>
@@ -12026,7 +11958,7 @@
             </a:ln>
             <a:extLst>
               <a:ext uri="{909E8E84-426E-40dd-AFC4-6F175D3DCCD1}">
-                <a14:hiddenFill xmlns="" xmlns:a14="http://schemas.microsoft.com/office/drawing/2010/main">
+                <a14:hiddenFill xmlns:a14="http://schemas.microsoft.com/office/drawing/2010/main" xmlns="">
                   <a:noFill/>
                 </a14:hiddenFill>
               </a:ext>
@@ -12077,7 +12009,7 @@
             </a:ln>
             <a:extLst>
               <a:ext uri="{909E8E84-426E-40dd-AFC4-6F175D3DCCD1}">
-                <a14:hiddenFill xmlns="" xmlns:a14="http://schemas.microsoft.com/office/drawing/2010/main">
+                <a14:hiddenFill xmlns:a14="http://schemas.microsoft.com/office/drawing/2010/main" xmlns="">
                   <a:noFill/>
                 </a14:hiddenFill>
               </a:ext>
@@ -12128,7 +12060,7 @@
             </a:ln>
             <a:extLst>
               <a:ext uri="{909E8E84-426E-40dd-AFC4-6F175D3DCCD1}">
-                <a14:hiddenFill xmlns="" xmlns:a14="http://schemas.microsoft.com/office/drawing/2010/main">
+                <a14:hiddenFill xmlns:a14="http://schemas.microsoft.com/office/drawing/2010/main" xmlns="">
                   <a:noFill/>
                 </a14:hiddenFill>
               </a:ext>
@@ -12179,7 +12111,7 @@
             </a:ln>
             <a:extLst>
               <a:ext uri="{909E8E84-426E-40dd-AFC4-6F175D3DCCD1}">
-                <a14:hiddenFill xmlns="" xmlns:a14="http://schemas.microsoft.com/office/drawing/2010/main">
+                <a14:hiddenFill xmlns:a14="http://schemas.microsoft.com/office/drawing/2010/main" xmlns="">
                   <a:noFill/>
                 </a14:hiddenFill>
               </a:ext>
@@ -12230,7 +12162,7 @@
             </a:ln>
             <a:extLst>
               <a:ext uri="{909E8E84-426E-40dd-AFC4-6F175D3DCCD1}">
-                <a14:hiddenFill xmlns="" xmlns:a14="http://schemas.microsoft.com/office/drawing/2010/main">
+                <a14:hiddenFill xmlns:a14="http://schemas.microsoft.com/office/drawing/2010/main" xmlns="">
                   <a:noFill/>
                 </a14:hiddenFill>
               </a:ext>
@@ -12281,7 +12213,7 @@
             </a:ln>
             <a:extLst>
               <a:ext uri="{909E8E84-426E-40dd-AFC4-6F175D3DCCD1}">
-                <a14:hiddenFill xmlns="" xmlns:a14="http://schemas.microsoft.com/office/drawing/2010/main">
+                <a14:hiddenFill xmlns:a14="http://schemas.microsoft.com/office/drawing/2010/main" xmlns="">
                   <a:noFill/>
                 </a14:hiddenFill>
               </a:ext>
@@ -12332,7 +12264,7 @@
             </a:ln>
             <a:extLst>
               <a:ext uri="{909E8E84-426E-40dd-AFC4-6F175D3DCCD1}">
-                <a14:hiddenFill xmlns="" xmlns:a14="http://schemas.microsoft.com/office/drawing/2010/main">
+                <a14:hiddenFill xmlns:a14="http://schemas.microsoft.com/office/drawing/2010/main" xmlns="">
                   <a:noFill/>
                 </a14:hiddenFill>
               </a:ext>
@@ -12383,7 +12315,7 @@
             </a:ln>
             <a:extLst>
               <a:ext uri="{909E8E84-426E-40dd-AFC4-6F175D3DCCD1}">
-                <a14:hiddenFill xmlns="" xmlns:a14="http://schemas.microsoft.com/office/drawing/2010/main">
+                <a14:hiddenFill xmlns:a14="http://schemas.microsoft.com/office/drawing/2010/main" xmlns="">
                   <a:noFill/>
                 </a14:hiddenFill>
               </a:ext>
@@ -12434,7 +12366,7 @@
             </a:ln>
             <a:extLst>
               <a:ext uri="{909E8E84-426E-40dd-AFC4-6F175D3DCCD1}">
-                <a14:hiddenFill xmlns="" xmlns:a14="http://schemas.microsoft.com/office/drawing/2010/main">
+                <a14:hiddenFill xmlns:a14="http://schemas.microsoft.com/office/drawing/2010/main" xmlns="">
                   <a:noFill/>
                 </a14:hiddenFill>
               </a:ext>
@@ -12485,7 +12417,7 @@
             </a:ln>
             <a:extLst>
               <a:ext uri="{909E8E84-426E-40dd-AFC4-6F175D3DCCD1}">
-                <a14:hiddenFill xmlns="" xmlns:a14="http://schemas.microsoft.com/office/drawing/2010/main">
+                <a14:hiddenFill xmlns:a14="http://schemas.microsoft.com/office/drawing/2010/main" xmlns="">
                   <a:noFill/>
                 </a14:hiddenFill>
               </a:ext>
@@ -12536,7 +12468,7 @@
             </a:ln>
             <a:extLst>
               <a:ext uri="{909E8E84-426E-40dd-AFC4-6F175D3DCCD1}">
-                <a14:hiddenFill xmlns="" xmlns:a14="http://schemas.microsoft.com/office/drawing/2010/main">
+                <a14:hiddenFill xmlns:a14="http://schemas.microsoft.com/office/drawing/2010/main" xmlns="">
                   <a:noFill/>
                 </a14:hiddenFill>
               </a:ext>
@@ -12587,7 +12519,7 @@
             </a:ln>
             <a:extLst>
               <a:ext uri="{909E8E84-426E-40dd-AFC4-6F175D3DCCD1}">
-                <a14:hiddenFill xmlns="" xmlns:a14="http://schemas.microsoft.com/office/drawing/2010/main">
+                <a14:hiddenFill xmlns:a14="http://schemas.microsoft.com/office/drawing/2010/main" xmlns="">
                   <a:noFill/>
                 </a14:hiddenFill>
               </a:ext>
@@ -12638,7 +12570,7 @@
             </a:ln>
             <a:extLst>
               <a:ext uri="{909E8E84-426E-40dd-AFC4-6F175D3DCCD1}">
-                <a14:hiddenFill xmlns="" xmlns:a14="http://schemas.microsoft.com/office/drawing/2010/main">
+                <a14:hiddenFill xmlns:a14="http://schemas.microsoft.com/office/drawing/2010/main" xmlns="">
                   <a:noFill/>
                 </a14:hiddenFill>
               </a:ext>
@@ -12689,7 +12621,7 @@
             </a:ln>
             <a:extLst>
               <a:ext uri="{909E8E84-426E-40dd-AFC4-6F175D3DCCD1}">
-                <a14:hiddenFill xmlns="" xmlns:a14="http://schemas.microsoft.com/office/drawing/2010/main">
+                <a14:hiddenFill xmlns:a14="http://schemas.microsoft.com/office/drawing/2010/main" xmlns="">
                   <a:noFill/>
                 </a14:hiddenFill>
               </a:ext>
@@ -13113,7 +13045,7 @@
           <a:p>
             <a:fld id="{5355355A-278A-4177-940D-D180E0E2D021}" type="datetimeFigureOut">
               <a:rPr lang="en-US" smtClean="0"/>
-              <a:t>9/24/2018</a:t>
+              <a:t>10/2/2018</a:t>
             </a:fld>
             <a:endParaRPr lang="en-US"/>
           </a:p>
@@ -13251,7 +13183,7 @@
             </a:ln>
             <a:extLst>
               <a:ext uri="{909E8E84-426E-40dd-AFC4-6F175D3DCCD1}">
-                <a14:hiddenFill xmlns="" xmlns:a14="http://schemas.microsoft.com/office/drawing/2010/main">
+                <a14:hiddenFill xmlns:a14="http://schemas.microsoft.com/office/drawing/2010/main" xmlns="">
                   <a:solidFill>
                     <a:srgbClr val="FFFFFF"/>
                   </a:solidFill>
@@ -13304,7 +13236,7 @@
             </a:ln>
             <a:extLst>
               <a:ext uri="{909E8E84-426E-40dd-AFC4-6F175D3DCCD1}">
-                <a14:hiddenFill xmlns="" xmlns:a14="http://schemas.microsoft.com/office/drawing/2010/main">
+                <a14:hiddenFill xmlns:a14="http://schemas.microsoft.com/office/drawing/2010/main" xmlns="">
                   <a:noFill/>
                 </a14:hiddenFill>
               </a:ext>
@@ -13355,7 +13287,7 @@
             </a:ln>
             <a:extLst>
               <a:ext uri="{909E8E84-426E-40dd-AFC4-6F175D3DCCD1}">
-                <a14:hiddenFill xmlns="" xmlns:a14="http://schemas.microsoft.com/office/drawing/2010/main">
+                <a14:hiddenFill xmlns:a14="http://schemas.microsoft.com/office/drawing/2010/main" xmlns="">
                   <a:noFill/>
                 </a14:hiddenFill>
               </a:ext>
@@ -13406,7 +13338,7 @@
             </a:ln>
             <a:extLst>
               <a:ext uri="{909E8E84-426E-40dd-AFC4-6F175D3DCCD1}">
-                <a14:hiddenFill xmlns="" xmlns:a14="http://schemas.microsoft.com/office/drawing/2010/main">
+                <a14:hiddenFill xmlns:a14="http://schemas.microsoft.com/office/drawing/2010/main" xmlns="">
                   <a:noFill/>
                 </a14:hiddenFill>
               </a:ext>
@@ -13457,7 +13389,7 @@
             </a:ln>
             <a:extLst>
               <a:ext uri="{909E8E84-426E-40dd-AFC4-6F175D3DCCD1}">
-                <a14:hiddenFill xmlns="" xmlns:a14="http://schemas.microsoft.com/office/drawing/2010/main">
+                <a14:hiddenFill xmlns:a14="http://schemas.microsoft.com/office/drawing/2010/main" xmlns="">
                   <a:noFill/>
                 </a14:hiddenFill>
               </a:ext>
@@ -13508,7 +13440,7 @@
             </a:ln>
             <a:extLst>
               <a:ext uri="{909E8E84-426E-40dd-AFC4-6F175D3DCCD1}">
-                <a14:hiddenFill xmlns="" xmlns:a14="http://schemas.microsoft.com/office/drawing/2010/main">
+                <a14:hiddenFill xmlns:a14="http://schemas.microsoft.com/office/drawing/2010/main" xmlns="">
                   <a:noFill/>
                 </a14:hiddenFill>
               </a:ext>
@@ -13559,7 +13491,7 @@
             </a:ln>
             <a:extLst>
               <a:ext uri="{909E8E84-426E-40dd-AFC4-6F175D3DCCD1}">
-                <a14:hiddenFill xmlns="" xmlns:a14="http://schemas.microsoft.com/office/drawing/2010/main">
+                <a14:hiddenFill xmlns:a14="http://schemas.microsoft.com/office/drawing/2010/main" xmlns="">
                   <a:noFill/>
                 </a14:hiddenFill>
               </a:ext>
@@ -13610,7 +13542,7 @@
             </a:ln>
             <a:extLst>
               <a:ext uri="{909E8E84-426E-40dd-AFC4-6F175D3DCCD1}">
-                <a14:hiddenFill xmlns="" xmlns:a14="http://schemas.microsoft.com/office/drawing/2010/main">
+                <a14:hiddenFill xmlns:a14="http://schemas.microsoft.com/office/drawing/2010/main" xmlns="">
                   <a:noFill/>
                 </a14:hiddenFill>
               </a:ext>
@@ -13661,7 +13593,7 @@
             </a:ln>
             <a:extLst>
               <a:ext uri="{909E8E84-426E-40dd-AFC4-6F175D3DCCD1}">
-                <a14:hiddenFill xmlns="" xmlns:a14="http://schemas.microsoft.com/office/drawing/2010/main">
+                <a14:hiddenFill xmlns:a14="http://schemas.microsoft.com/office/drawing/2010/main" xmlns="">
                   <a:noFill/>
                 </a14:hiddenFill>
               </a:ext>
@@ -13712,7 +13644,7 @@
             </a:ln>
             <a:extLst>
               <a:ext uri="{909E8E84-426E-40dd-AFC4-6F175D3DCCD1}">
-                <a14:hiddenFill xmlns="" xmlns:a14="http://schemas.microsoft.com/office/drawing/2010/main">
+                <a14:hiddenFill xmlns:a14="http://schemas.microsoft.com/office/drawing/2010/main" xmlns="">
                   <a:noFill/>
                 </a14:hiddenFill>
               </a:ext>
@@ -13763,7 +13695,7 @@
             </a:ln>
             <a:extLst>
               <a:ext uri="{909E8E84-426E-40dd-AFC4-6F175D3DCCD1}">
-                <a14:hiddenFill xmlns="" xmlns:a14="http://schemas.microsoft.com/office/drawing/2010/main">
+                <a14:hiddenFill xmlns:a14="http://schemas.microsoft.com/office/drawing/2010/main" xmlns="">
                   <a:noFill/>
                 </a14:hiddenFill>
               </a:ext>
@@ -13814,7 +13746,7 @@
             </a:ln>
             <a:extLst>
               <a:ext uri="{909E8E84-426E-40dd-AFC4-6F175D3DCCD1}">
-                <a14:hiddenFill xmlns="" xmlns:a14="http://schemas.microsoft.com/office/drawing/2010/main">
+                <a14:hiddenFill xmlns:a14="http://schemas.microsoft.com/office/drawing/2010/main" xmlns="">
                   <a:noFill/>
                 </a14:hiddenFill>
               </a:ext>
@@ -13865,7 +13797,7 @@
             </a:ln>
             <a:extLst>
               <a:ext uri="{909E8E84-426E-40dd-AFC4-6F175D3DCCD1}">
-                <a14:hiddenFill xmlns="" xmlns:a14="http://schemas.microsoft.com/office/drawing/2010/main">
+                <a14:hiddenFill xmlns:a14="http://schemas.microsoft.com/office/drawing/2010/main" xmlns="">
                   <a:noFill/>
                 </a14:hiddenFill>
               </a:ext>
@@ -13916,7 +13848,7 @@
             </a:ln>
             <a:extLst>
               <a:ext uri="{909E8E84-426E-40dd-AFC4-6F175D3DCCD1}">
-                <a14:hiddenFill xmlns="" xmlns:a14="http://schemas.microsoft.com/office/drawing/2010/main">
+                <a14:hiddenFill xmlns:a14="http://schemas.microsoft.com/office/drawing/2010/main" xmlns="">
                   <a:noFill/>
                 </a14:hiddenFill>
               </a:ext>
@@ -13967,7 +13899,7 @@
             </a:ln>
             <a:extLst>
               <a:ext uri="{909E8E84-426E-40dd-AFC4-6F175D3DCCD1}">
-                <a14:hiddenFill xmlns="" xmlns:a14="http://schemas.microsoft.com/office/drawing/2010/main">
+                <a14:hiddenFill xmlns:a14="http://schemas.microsoft.com/office/drawing/2010/main" xmlns="">
                   <a:noFill/>
                 </a14:hiddenFill>
               </a:ext>
@@ -14018,7 +13950,7 @@
             </a:ln>
             <a:extLst>
               <a:ext uri="{909E8E84-426E-40dd-AFC4-6F175D3DCCD1}">
-                <a14:hiddenFill xmlns="" xmlns:a14="http://schemas.microsoft.com/office/drawing/2010/main">
+                <a14:hiddenFill xmlns:a14="http://schemas.microsoft.com/office/drawing/2010/main" xmlns="">
                   <a:noFill/>
                 </a14:hiddenFill>
               </a:ext>
@@ -14069,7 +14001,7 @@
             </a:ln>
             <a:extLst>
               <a:ext uri="{909E8E84-426E-40dd-AFC4-6F175D3DCCD1}">
-                <a14:hiddenFill xmlns="" xmlns:a14="http://schemas.microsoft.com/office/drawing/2010/main">
+                <a14:hiddenFill xmlns:a14="http://schemas.microsoft.com/office/drawing/2010/main" xmlns="">
                   <a:noFill/>
                 </a14:hiddenFill>
               </a:ext>
@@ -14120,7 +14052,7 @@
             </a:ln>
             <a:extLst>
               <a:ext uri="{909E8E84-426E-40dd-AFC4-6F175D3DCCD1}">
-                <a14:hiddenFill xmlns="" xmlns:a14="http://schemas.microsoft.com/office/drawing/2010/main">
+                <a14:hiddenFill xmlns:a14="http://schemas.microsoft.com/office/drawing/2010/main" xmlns="">
                   <a:noFill/>
                 </a14:hiddenFill>
               </a:ext>
@@ -14171,7 +14103,7 @@
             </a:ln>
             <a:extLst>
               <a:ext uri="{909E8E84-426E-40dd-AFC4-6F175D3DCCD1}">
-                <a14:hiddenFill xmlns="" xmlns:a14="http://schemas.microsoft.com/office/drawing/2010/main">
+                <a14:hiddenFill xmlns:a14="http://schemas.microsoft.com/office/drawing/2010/main" xmlns="">
                   <a:noFill/>
                 </a14:hiddenFill>
               </a:ext>
@@ -14222,7 +14154,7 @@
             </a:ln>
             <a:extLst>
               <a:ext uri="{909E8E84-426E-40dd-AFC4-6F175D3DCCD1}">
-                <a14:hiddenFill xmlns="" xmlns:a14="http://schemas.microsoft.com/office/drawing/2010/main">
+                <a14:hiddenFill xmlns:a14="http://schemas.microsoft.com/office/drawing/2010/main" xmlns="">
                   <a:noFill/>
                 </a14:hiddenFill>
               </a:ext>
@@ -14273,7 +14205,7 @@
             </a:ln>
             <a:extLst>
               <a:ext uri="{909E8E84-426E-40dd-AFC4-6F175D3DCCD1}">
-                <a14:hiddenFill xmlns="" xmlns:a14="http://schemas.microsoft.com/office/drawing/2010/main">
+                <a14:hiddenFill xmlns:a14="http://schemas.microsoft.com/office/drawing/2010/main" xmlns="">
                   <a:noFill/>
                 </a14:hiddenFill>
               </a:ext>
@@ -14324,7 +14256,7 @@
             </a:ln>
             <a:extLst>
               <a:ext uri="{909E8E84-426E-40dd-AFC4-6F175D3DCCD1}">
-                <a14:hiddenFill xmlns="" xmlns:a14="http://schemas.microsoft.com/office/drawing/2010/main">
+                <a14:hiddenFill xmlns:a14="http://schemas.microsoft.com/office/drawing/2010/main" xmlns="">
                   <a:noFill/>
                 </a14:hiddenFill>
               </a:ext>
@@ -14375,7 +14307,7 @@
             </a:ln>
             <a:extLst>
               <a:ext uri="{909E8E84-426E-40dd-AFC4-6F175D3DCCD1}">
-                <a14:hiddenFill xmlns="" xmlns:a14="http://schemas.microsoft.com/office/drawing/2010/main">
+                <a14:hiddenFill xmlns:a14="http://schemas.microsoft.com/office/drawing/2010/main" xmlns="">
                   <a:noFill/>
                 </a14:hiddenFill>
               </a:ext>
@@ -14426,7 +14358,7 @@
             </a:ln>
             <a:extLst>
               <a:ext uri="{909E8E84-426E-40dd-AFC4-6F175D3DCCD1}">
-                <a14:hiddenFill xmlns="" xmlns:a14="http://schemas.microsoft.com/office/drawing/2010/main">
+                <a14:hiddenFill xmlns:a14="http://schemas.microsoft.com/office/drawing/2010/main" xmlns="">
                   <a:noFill/>
                 </a14:hiddenFill>
               </a:ext>
@@ -14477,7 +14409,7 @@
             </a:ln>
             <a:extLst>
               <a:ext uri="{909E8E84-426E-40dd-AFC4-6F175D3DCCD1}">
-                <a14:hiddenFill xmlns="" xmlns:a14="http://schemas.microsoft.com/office/drawing/2010/main">
+                <a14:hiddenFill xmlns:a14="http://schemas.microsoft.com/office/drawing/2010/main" xmlns="">
                   <a:noFill/>
                 </a14:hiddenFill>
               </a:ext>
@@ -14528,7 +14460,7 @@
             </a:ln>
             <a:extLst>
               <a:ext uri="{909E8E84-426E-40dd-AFC4-6F175D3DCCD1}">
-                <a14:hiddenFill xmlns="" xmlns:a14="http://schemas.microsoft.com/office/drawing/2010/main">
+                <a14:hiddenFill xmlns:a14="http://schemas.microsoft.com/office/drawing/2010/main" xmlns="">
                   <a:noFill/>
                 </a14:hiddenFill>
               </a:ext>
@@ -14579,7 +14511,7 @@
             </a:ln>
             <a:extLst>
               <a:ext uri="{909E8E84-426E-40dd-AFC4-6F175D3DCCD1}">
-                <a14:hiddenFill xmlns="" xmlns:a14="http://schemas.microsoft.com/office/drawing/2010/main">
+                <a14:hiddenFill xmlns:a14="http://schemas.microsoft.com/office/drawing/2010/main" xmlns="">
                   <a:noFill/>
                 </a14:hiddenFill>
               </a:ext>
@@ -14630,7 +14562,7 @@
             </a:ln>
             <a:extLst>
               <a:ext uri="{909E8E84-426E-40dd-AFC4-6F175D3DCCD1}">
-                <a14:hiddenFill xmlns="" xmlns:a14="http://schemas.microsoft.com/office/drawing/2010/main">
+                <a14:hiddenFill xmlns:a14="http://schemas.microsoft.com/office/drawing/2010/main" xmlns="">
                   <a:noFill/>
                 </a14:hiddenFill>
               </a:ext>
@@ -14681,7 +14613,7 @@
             </a:ln>
             <a:extLst>
               <a:ext uri="{909E8E84-426E-40dd-AFC4-6F175D3DCCD1}">
-                <a14:hiddenFill xmlns="" xmlns:a14="http://schemas.microsoft.com/office/drawing/2010/main">
+                <a14:hiddenFill xmlns:a14="http://schemas.microsoft.com/office/drawing/2010/main" xmlns="">
                   <a:noFill/>
                 </a14:hiddenFill>
               </a:ext>
@@ -14732,7 +14664,7 @@
             </a:ln>
             <a:extLst>
               <a:ext uri="{909E8E84-426E-40dd-AFC4-6F175D3DCCD1}">
-                <a14:hiddenFill xmlns="" xmlns:a14="http://schemas.microsoft.com/office/drawing/2010/main">
+                <a14:hiddenFill xmlns:a14="http://schemas.microsoft.com/office/drawing/2010/main" xmlns="">
                   <a:noFill/>
                 </a14:hiddenFill>
               </a:ext>
@@ -14783,7 +14715,7 @@
             </a:ln>
             <a:extLst>
               <a:ext uri="{909E8E84-426E-40dd-AFC4-6F175D3DCCD1}">
-                <a14:hiddenFill xmlns="" xmlns:a14="http://schemas.microsoft.com/office/drawing/2010/main">
+                <a14:hiddenFill xmlns:a14="http://schemas.microsoft.com/office/drawing/2010/main" xmlns="">
                   <a:noFill/>
                 </a14:hiddenFill>
               </a:ext>
@@ -14834,7 +14766,7 @@
             </a:ln>
             <a:extLst>
               <a:ext uri="{909E8E84-426E-40dd-AFC4-6F175D3DCCD1}">
-                <a14:hiddenFill xmlns="" xmlns:a14="http://schemas.microsoft.com/office/drawing/2010/main">
+                <a14:hiddenFill xmlns:a14="http://schemas.microsoft.com/office/drawing/2010/main" xmlns="">
                   <a:noFill/>
                 </a14:hiddenFill>
               </a:ext>
@@ -14885,7 +14817,7 @@
             </a:ln>
             <a:extLst>
               <a:ext uri="{909E8E84-426E-40dd-AFC4-6F175D3DCCD1}">
-                <a14:hiddenFill xmlns="" xmlns:a14="http://schemas.microsoft.com/office/drawing/2010/main">
+                <a14:hiddenFill xmlns:a14="http://schemas.microsoft.com/office/drawing/2010/main" xmlns="">
                   <a:noFill/>
                 </a14:hiddenFill>
               </a:ext>
@@ -14936,7 +14868,7 @@
             </a:ln>
             <a:extLst>
               <a:ext uri="{909E8E84-426E-40dd-AFC4-6F175D3DCCD1}">
-                <a14:hiddenFill xmlns="" xmlns:a14="http://schemas.microsoft.com/office/drawing/2010/main">
+                <a14:hiddenFill xmlns:a14="http://schemas.microsoft.com/office/drawing/2010/main" xmlns="">
                   <a:noFill/>
                 </a14:hiddenFill>
               </a:ext>
@@ -14987,7 +14919,7 @@
             </a:ln>
             <a:extLst>
               <a:ext uri="{909E8E84-426E-40dd-AFC4-6F175D3DCCD1}">
-                <a14:hiddenFill xmlns="" xmlns:a14="http://schemas.microsoft.com/office/drawing/2010/main">
+                <a14:hiddenFill xmlns:a14="http://schemas.microsoft.com/office/drawing/2010/main" xmlns="">
                   <a:noFill/>
                 </a14:hiddenFill>
               </a:ext>
@@ -15038,7 +14970,7 @@
             </a:ln>
             <a:extLst>
               <a:ext uri="{909E8E84-426E-40dd-AFC4-6F175D3DCCD1}">
-                <a14:hiddenFill xmlns="" xmlns:a14="http://schemas.microsoft.com/office/drawing/2010/main">
+                <a14:hiddenFill xmlns:a14="http://schemas.microsoft.com/office/drawing/2010/main" xmlns="">
                   <a:noFill/>
                 </a14:hiddenFill>
               </a:ext>
@@ -15089,7 +15021,7 @@
             </a:ln>
             <a:extLst>
               <a:ext uri="{909E8E84-426E-40dd-AFC4-6F175D3DCCD1}">
-                <a14:hiddenFill xmlns="" xmlns:a14="http://schemas.microsoft.com/office/drawing/2010/main">
+                <a14:hiddenFill xmlns:a14="http://schemas.microsoft.com/office/drawing/2010/main" xmlns="">
                   <a:noFill/>
                 </a14:hiddenFill>
               </a:ext>
@@ -15140,7 +15072,7 @@
             </a:ln>
             <a:extLst>
               <a:ext uri="{909E8E84-426E-40dd-AFC4-6F175D3DCCD1}">
-                <a14:hiddenFill xmlns="" xmlns:a14="http://schemas.microsoft.com/office/drawing/2010/main">
+                <a14:hiddenFill xmlns:a14="http://schemas.microsoft.com/office/drawing/2010/main" xmlns="">
                   <a:noFill/>
                 </a14:hiddenFill>
               </a:ext>
@@ -15191,7 +15123,7 @@
             </a:ln>
             <a:extLst>
               <a:ext uri="{909E8E84-426E-40dd-AFC4-6F175D3DCCD1}">
-                <a14:hiddenFill xmlns="" xmlns:a14="http://schemas.microsoft.com/office/drawing/2010/main">
+                <a14:hiddenFill xmlns:a14="http://schemas.microsoft.com/office/drawing/2010/main" xmlns="">
                   <a:noFill/>
                 </a14:hiddenFill>
               </a:ext>
@@ -15242,7 +15174,7 @@
             </a:ln>
             <a:extLst>
               <a:ext uri="{909E8E84-426E-40dd-AFC4-6F175D3DCCD1}">
-                <a14:hiddenFill xmlns="" xmlns:a14="http://schemas.microsoft.com/office/drawing/2010/main">
+                <a14:hiddenFill xmlns:a14="http://schemas.microsoft.com/office/drawing/2010/main" xmlns="">
                   <a:noFill/>
                 </a14:hiddenFill>
               </a:ext>
@@ -15293,7 +15225,7 @@
             </a:ln>
             <a:extLst>
               <a:ext uri="{909E8E84-426E-40dd-AFC4-6F175D3DCCD1}">
-                <a14:hiddenFill xmlns="" xmlns:a14="http://schemas.microsoft.com/office/drawing/2010/main">
+                <a14:hiddenFill xmlns:a14="http://schemas.microsoft.com/office/drawing/2010/main" xmlns="">
                   <a:noFill/>
                 </a14:hiddenFill>
               </a:ext>
@@ -15344,7 +15276,7 @@
             </a:ln>
             <a:extLst>
               <a:ext uri="{909E8E84-426E-40dd-AFC4-6F175D3DCCD1}">
-                <a14:hiddenFill xmlns="" xmlns:a14="http://schemas.microsoft.com/office/drawing/2010/main">
+                <a14:hiddenFill xmlns:a14="http://schemas.microsoft.com/office/drawing/2010/main" xmlns="">
                   <a:noFill/>
                 </a14:hiddenFill>
               </a:ext>
@@ -15395,7 +15327,7 @@
             </a:ln>
             <a:extLst>
               <a:ext uri="{909E8E84-426E-40dd-AFC4-6F175D3DCCD1}">
-                <a14:hiddenFill xmlns="" xmlns:a14="http://schemas.microsoft.com/office/drawing/2010/main">
+                <a14:hiddenFill xmlns:a14="http://schemas.microsoft.com/office/drawing/2010/main" xmlns="">
                   <a:noFill/>
                 </a14:hiddenFill>
               </a:ext>
@@ -15446,7 +15378,7 @@
             </a:ln>
             <a:extLst>
               <a:ext uri="{909E8E84-426E-40dd-AFC4-6F175D3DCCD1}">
-                <a14:hiddenFill xmlns="" xmlns:a14="http://schemas.microsoft.com/office/drawing/2010/main">
+                <a14:hiddenFill xmlns:a14="http://schemas.microsoft.com/office/drawing/2010/main" xmlns="">
                   <a:noFill/>
                 </a14:hiddenFill>
               </a:ext>
@@ -15497,7 +15429,7 @@
             </a:ln>
             <a:extLst>
               <a:ext uri="{909E8E84-426E-40dd-AFC4-6F175D3DCCD1}">
-                <a14:hiddenFill xmlns="" xmlns:a14="http://schemas.microsoft.com/office/drawing/2010/main">
+                <a14:hiddenFill xmlns:a14="http://schemas.microsoft.com/office/drawing/2010/main" xmlns="">
                   <a:noFill/>
                 </a14:hiddenFill>
               </a:ext>
@@ -15548,7 +15480,7 @@
             </a:ln>
             <a:extLst>
               <a:ext uri="{909E8E84-426E-40dd-AFC4-6F175D3DCCD1}">
-                <a14:hiddenFill xmlns="" xmlns:a14="http://schemas.microsoft.com/office/drawing/2010/main">
+                <a14:hiddenFill xmlns:a14="http://schemas.microsoft.com/office/drawing/2010/main" xmlns="">
                   <a:noFill/>
                 </a14:hiddenFill>
               </a:ext>
@@ -15599,7 +15531,7 @@
             </a:ln>
             <a:extLst>
               <a:ext uri="{909E8E84-426E-40dd-AFC4-6F175D3DCCD1}">
-                <a14:hiddenFill xmlns="" xmlns:a14="http://schemas.microsoft.com/office/drawing/2010/main">
+                <a14:hiddenFill xmlns:a14="http://schemas.microsoft.com/office/drawing/2010/main" xmlns="">
                   <a:noFill/>
                 </a14:hiddenFill>
               </a:ext>
@@ -15650,7 +15582,7 @@
             </a:ln>
             <a:extLst>
               <a:ext uri="{909E8E84-426E-40dd-AFC4-6F175D3DCCD1}">
-                <a14:hiddenFill xmlns="" xmlns:a14="http://schemas.microsoft.com/office/drawing/2010/main">
+                <a14:hiddenFill xmlns:a14="http://schemas.microsoft.com/office/drawing/2010/main" xmlns="">
                   <a:noFill/>
                 </a14:hiddenFill>
               </a:ext>
@@ -15701,7 +15633,7 @@
             </a:ln>
             <a:extLst>
               <a:ext uri="{909E8E84-426E-40dd-AFC4-6F175D3DCCD1}">
-                <a14:hiddenFill xmlns="" xmlns:a14="http://schemas.microsoft.com/office/drawing/2010/main">
+                <a14:hiddenFill xmlns:a14="http://schemas.microsoft.com/office/drawing/2010/main" xmlns="">
                   <a:noFill/>
                 </a14:hiddenFill>
               </a:ext>
@@ -15752,7 +15684,7 @@
             </a:ln>
             <a:extLst>
               <a:ext uri="{909E8E84-426E-40dd-AFC4-6F175D3DCCD1}">
-                <a14:hiddenFill xmlns="" xmlns:a14="http://schemas.microsoft.com/office/drawing/2010/main">
+                <a14:hiddenFill xmlns:a14="http://schemas.microsoft.com/office/drawing/2010/main" xmlns="">
                   <a:noFill/>
                 </a14:hiddenFill>
               </a:ext>
@@ -15803,7 +15735,7 @@
             </a:ln>
             <a:extLst>
               <a:ext uri="{909E8E84-426E-40dd-AFC4-6F175D3DCCD1}">
-                <a14:hiddenFill xmlns="" xmlns:a14="http://schemas.microsoft.com/office/drawing/2010/main">
+                <a14:hiddenFill xmlns:a14="http://schemas.microsoft.com/office/drawing/2010/main" xmlns="">
                   <a:noFill/>
                 </a14:hiddenFill>
               </a:ext>
@@ -15854,7 +15786,7 @@
             </a:ln>
             <a:extLst>
               <a:ext uri="{909E8E84-426E-40dd-AFC4-6F175D3DCCD1}">
-                <a14:hiddenFill xmlns="" xmlns:a14="http://schemas.microsoft.com/office/drawing/2010/main">
+                <a14:hiddenFill xmlns:a14="http://schemas.microsoft.com/office/drawing/2010/main" xmlns="">
                   <a:noFill/>
                 </a14:hiddenFill>
               </a:ext>
@@ -15905,7 +15837,7 @@
             </a:ln>
             <a:extLst>
               <a:ext uri="{909E8E84-426E-40dd-AFC4-6F175D3DCCD1}">
-                <a14:hiddenFill xmlns="" xmlns:a14="http://schemas.microsoft.com/office/drawing/2010/main">
+                <a14:hiddenFill xmlns:a14="http://schemas.microsoft.com/office/drawing/2010/main" xmlns="">
                   <a:noFill/>
                 </a14:hiddenFill>
               </a:ext>
@@ -15956,7 +15888,7 @@
             </a:ln>
             <a:extLst>
               <a:ext uri="{909E8E84-426E-40dd-AFC4-6F175D3DCCD1}">
-                <a14:hiddenFill xmlns="" xmlns:a14="http://schemas.microsoft.com/office/drawing/2010/main">
+                <a14:hiddenFill xmlns:a14="http://schemas.microsoft.com/office/drawing/2010/main" xmlns="">
                   <a:noFill/>
                 </a14:hiddenFill>
               </a:ext>
@@ -16007,7 +15939,7 @@
             </a:ln>
             <a:extLst>
               <a:ext uri="{909E8E84-426E-40dd-AFC4-6F175D3DCCD1}">
-                <a14:hiddenFill xmlns="" xmlns:a14="http://schemas.microsoft.com/office/drawing/2010/main">
+                <a14:hiddenFill xmlns:a14="http://schemas.microsoft.com/office/drawing/2010/main" xmlns="">
                   <a:noFill/>
                 </a14:hiddenFill>
               </a:ext>
@@ -16058,7 +15990,7 @@
             </a:ln>
             <a:extLst>
               <a:ext uri="{909E8E84-426E-40dd-AFC4-6F175D3DCCD1}">
-                <a14:hiddenFill xmlns="" xmlns:a14="http://schemas.microsoft.com/office/drawing/2010/main">
+                <a14:hiddenFill xmlns:a14="http://schemas.microsoft.com/office/drawing/2010/main" xmlns="">
                   <a:noFill/>
                 </a14:hiddenFill>
               </a:ext>
@@ -16109,7 +16041,7 @@
             </a:ln>
             <a:extLst>
               <a:ext uri="{909E8E84-426E-40dd-AFC4-6F175D3DCCD1}">
-                <a14:hiddenFill xmlns="" xmlns:a14="http://schemas.microsoft.com/office/drawing/2010/main">
+                <a14:hiddenFill xmlns:a14="http://schemas.microsoft.com/office/drawing/2010/main" xmlns="">
                   <a:noFill/>
                 </a14:hiddenFill>
               </a:ext>
@@ -16160,7 +16092,7 @@
             </a:ln>
             <a:extLst>
               <a:ext uri="{909E8E84-426E-40dd-AFC4-6F175D3DCCD1}">
-                <a14:hiddenFill xmlns="" xmlns:a14="http://schemas.microsoft.com/office/drawing/2010/main">
+                <a14:hiddenFill xmlns:a14="http://schemas.microsoft.com/office/drawing/2010/main" xmlns="">
                   <a:noFill/>
                 </a14:hiddenFill>
               </a:ext>
@@ -16211,7 +16143,7 @@
             </a:ln>
             <a:extLst>
               <a:ext uri="{909E8E84-426E-40dd-AFC4-6F175D3DCCD1}">
-                <a14:hiddenFill xmlns="" xmlns:a14="http://schemas.microsoft.com/office/drawing/2010/main">
+                <a14:hiddenFill xmlns:a14="http://schemas.microsoft.com/office/drawing/2010/main" xmlns="">
                   <a:noFill/>
                 </a14:hiddenFill>
               </a:ext>
@@ -16262,7 +16194,7 @@
             </a:ln>
             <a:extLst>
               <a:ext uri="{909E8E84-426E-40dd-AFC4-6F175D3DCCD1}">
-                <a14:hiddenFill xmlns="" xmlns:a14="http://schemas.microsoft.com/office/drawing/2010/main">
+                <a14:hiddenFill xmlns:a14="http://schemas.microsoft.com/office/drawing/2010/main" xmlns="">
                   <a:noFill/>
                 </a14:hiddenFill>
               </a:ext>
@@ -16313,7 +16245,7 @@
             </a:ln>
             <a:extLst>
               <a:ext uri="{909E8E84-426E-40dd-AFC4-6F175D3DCCD1}">
-                <a14:hiddenFill xmlns="" xmlns:a14="http://schemas.microsoft.com/office/drawing/2010/main">
+                <a14:hiddenFill xmlns:a14="http://schemas.microsoft.com/office/drawing/2010/main" xmlns="">
                   <a:noFill/>
                 </a14:hiddenFill>
               </a:ext>
@@ -16364,7 +16296,7 @@
             </a:ln>
             <a:extLst>
               <a:ext uri="{909E8E84-426E-40dd-AFC4-6F175D3DCCD1}">
-                <a14:hiddenFill xmlns="" xmlns:a14="http://schemas.microsoft.com/office/drawing/2010/main">
+                <a14:hiddenFill xmlns:a14="http://schemas.microsoft.com/office/drawing/2010/main" xmlns="">
                   <a:noFill/>
                 </a14:hiddenFill>
               </a:ext>
@@ -16415,7 +16347,7 @@
             </a:ln>
             <a:extLst>
               <a:ext uri="{909E8E84-426E-40dd-AFC4-6F175D3DCCD1}">
-                <a14:hiddenFill xmlns="" xmlns:a14="http://schemas.microsoft.com/office/drawing/2010/main">
+                <a14:hiddenFill xmlns:a14="http://schemas.microsoft.com/office/drawing/2010/main" xmlns="">
                   <a:noFill/>
                 </a14:hiddenFill>
               </a:ext>
@@ -16466,7 +16398,7 @@
             </a:ln>
             <a:extLst>
               <a:ext uri="{909E8E84-426E-40dd-AFC4-6F175D3DCCD1}">
-                <a14:hiddenFill xmlns="" xmlns:a14="http://schemas.microsoft.com/office/drawing/2010/main">
+                <a14:hiddenFill xmlns:a14="http://schemas.microsoft.com/office/drawing/2010/main" xmlns="">
                   <a:noFill/>
                 </a14:hiddenFill>
               </a:ext>
@@ -16517,7 +16449,7 @@
             </a:ln>
             <a:extLst>
               <a:ext uri="{909E8E84-426E-40dd-AFC4-6F175D3DCCD1}">
-                <a14:hiddenFill xmlns="" xmlns:a14="http://schemas.microsoft.com/office/drawing/2010/main">
+                <a14:hiddenFill xmlns:a14="http://schemas.microsoft.com/office/drawing/2010/main" xmlns="">
                   <a:noFill/>
                 </a14:hiddenFill>
               </a:ext>
@@ -16568,7 +16500,7 @@
             </a:ln>
             <a:extLst>
               <a:ext uri="{909E8E84-426E-40dd-AFC4-6F175D3DCCD1}">
-                <a14:hiddenFill xmlns="" xmlns:a14="http://schemas.microsoft.com/office/drawing/2010/main">
+                <a14:hiddenFill xmlns:a14="http://schemas.microsoft.com/office/drawing/2010/main" xmlns="">
                   <a:noFill/>
                 </a14:hiddenFill>
               </a:ext>
@@ -16619,7 +16551,7 @@
             </a:ln>
             <a:extLst>
               <a:ext uri="{909E8E84-426E-40dd-AFC4-6F175D3DCCD1}">
-                <a14:hiddenFill xmlns="" xmlns:a14="http://schemas.microsoft.com/office/drawing/2010/main">
+                <a14:hiddenFill xmlns:a14="http://schemas.microsoft.com/office/drawing/2010/main" xmlns="">
                   <a:noFill/>
                 </a14:hiddenFill>
               </a:ext>
@@ -16670,7 +16602,7 @@
             </a:ln>
             <a:extLst>
               <a:ext uri="{909E8E84-426E-40dd-AFC4-6F175D3DCCD1}">
-                <a14:hiddenFill xmlns="" xmlns:a14="http://schemas.microsoft.com/office/drawing/2010/main">
+                <a14:hiddenFill xmlns:a14="http://schemas.microsoft.com/office/drawing/2010/main" xmlns="">
                   <a:noFill/>
                 </a14:hiddenFill>
               </a:ext>
@@ -16721,7 +16653,7 @@
             </a:ln>
             <a:extLst>
               <a:ext uri="{909E8E84-426E-40dd-AFC4-6F175D3DCCD1}">
-                <a14:hiddenFill xmlns="" xmlns:a14="http://schemas.microsoft.com/office/drawing/2010/main">
+                <a14:hiddenFill xmlns:a14="http://schemas.microsoft.com/office/drawing/2010/main" xmlns="">
                   <a:noFill/>
                 </a14:hiddenFill>
               </a:ext>
@@ -17790,7 +17722,7 @@
             </a:ln>
             <a:extLst>
               <a:ext uri="{909E8E84-426E-40dd-AFC4-6F175D3DCCD1}">
-                <a14:hiddenFill xmlns="" xmlns:a14="http://schemas.microsoft.com/office/drawing/2010/main">
+                <a14:hiddenFill xmlns:a14="http://schemas.microsoft.com/office/drawing/2010/main" xmlns="">
                   <a:solidFill>
                     <a:srgbClr val="FFFFFF"/>
                   </a:solidFill>
@@ -17843,7 +17775,7 @@
             </a:ln>
             <a:extLst>
               <a:ext uri="{909E8E84-426E-40dd-AFC4-6F175D3DCCD1}">
-                <a14:hiddenFill xmlns="" xmlns:a14="http://schemas.microsoft.com/office/drawing/2010/main">
+                <a14:hiddenFill xmlns:a14="http://schemas.microsoft.com/office/drawing/2010/main" xmlns="">
                   <a:noFill/>
                 </a14:hiddenFill>
               </a:ext>
@@ -17894,7 +17826,7 @@
             </a:ln>
             <a:extLst>
               <a:ext uri="{909E8E84-426E-40dd-AFC4-6F175D3DCCD1}">
-                <a14:hiddenFill xmlns="" xmlns:a14="http://schemas.microsoft.com/office/drawing/2010/main">
+                <a14:hiddenFill xmlns:a14="http://schemas.microsoft.com/office/drawing/2010/main" xmlns="">
                   <a:noFill/>
                 </a14:hiddenFill>
               </a:ext>
@@ -17945,7 +17877,7 @@
             </a:ln>
             <a:extLst>
               <a:ext uri="{909E8E84-426E-40dd-AFC4-6F175D3DCCD1}">
-                <a14:hiddenFill xmlns="" xmlns:a14="http://schemas.microsoft.com/office/drawing/2010/main">
+                <a14:hiddenFill xmlns:a14="http://schemas.microsoft.com/office/drawing/2010/main" xmlns="">
               